--- a/Presentation.pptx
+++ b/Presentation.pptx
@@ -5,22 +5,31 @@
     <p:sldMasterId id="2147484209" r:id="rId1"/>
   </p:sldMasterIdLst>
   <p:notesMasterIdLst>
-    <p:notesMasterId r:id="rId15"/>
+    <p:notesMasterId r:id="rId24"/>
   </p:notesMasterIdLst>
   <p:sldIdLst>
     <p:sldId id="266" r:id="rId2"/>
-    <p:sldId id="267" r:id="rId3"/>
-    <p:sldId id="268" r:id="rId4"/>
-    <p:sldId id="269" r:id="rId5"/>
-    <p:sldId id="257" r:id="rId6"/>
-    <p:sldId id="258" r:id="rId7"/>
-    <p:sldId id="265" r:id="rId8"/>
-    <p:sldId id="259" r:id="rId9"/>
-    <p:sldId id="260" r:id="rId10"/>
-    <p:sldId id="261" r:id="rId11"/>
-    <p:sldId id="262" r:id="rId12"/>
-    <p:sldId id="263" r:id="rId13"/>
-    <p:sldId id="264" r:id="rId14"/>
+    <p:sldId id="271" r:id="rId3"/>
+    <p:sldId id="267" r:id="rId4"/>
+    <p:sldId id="270" r:id="rId5"/>
+    <p:sldId id="268" r:id="rId6"/>
+    <p:sldId id="272" r:id="rId7"/>
+    <p:sldId id="269" r:id="rId8"/>
+    <p:sldId id="273" r:id="rId9"/>
+    <p:sldId id="275" r:id="rId10"/>
+    <p:sldId id="278" r:id="rId11"/>
+    <p:sldId id="279" r:id="rId12"/>
+    <p:sldId id="280" r:id="rId13"/>
+    <p:sldId id="281" r:id="rId14"/>
+    <p:sldId id="257" r:id="rId15"/>
+    <p:sldId id="258" r:id="rId16"/>
+    <p:sldId id="265" r:id="rId17"/>
+    <p:sldId id="259" r:id="rId18"/>
+    <p:sldId id="260" r:id="rId19"/>
+    <p:sldId id="261" r:id="rId20"/>
+    <p:sldId id="262" r:id="rId21"/>
+    <p:sldId id="263" r:id="rId22"/>
+    <p:sldId id="264" r:id="rId23"/>
   </p:sldIdLst>
   <p:sldSz cx="9144000" cy="6858000" type="screen4x3"/>
   <p:notesSz cx="6858000" cy="9144000"/>
@@ -204,7 +213,7 @@
           <a:p>
             <a:fld id="{E17A1F60-D46C-C04D-A60B-2230C10FC134}" type="datetimeFigureOut">
               <a:rPr lang="en-US" smtClean="0"/>
-              <a:t>5/6/14</a:t>
+              <a:t>16/05/14</a:t>
             </a:fld>
             <a:endParaRPr lang="en-US"/>
           </a:p>
@@ -541,7 +550,7 @@
           <a:p>
             <a:fld id="{4B5DE452-D96A-B043-A19B-3F6D5B1BBA3B}" type="slidenum">
               <a:rPr lang="en-US" smtClean="0"/>
-              <a:t>2</a:t>
+              <a:t>3</a:t>
             </a:fld>
             <a:endParaRPr lang="en-US"/>
           </a:p>
@@ -650,7 +659,7 @@
           <a:p>
             <a:fld id="{4B5DE452-D96A-B043-A19B-3F6D5B1BBA3B}" type="slidenum">
               <a:rPr lang="en-US" smtClean="0"/>
-              <a:t>4</a:t>
+              <a:t>7</a:t>
             </a:fld>
             <a:endParaRPr lang="en-US"/>
           </a:p>
@@ -788,7 +797,7 @@
           <a:p>
             <a:fld id="{56BE3D67-E84A-6F4F-8E3B-3BC46E162796}" type="slidenum">
               <a:rPr lang="en-US" smtClean="0"/>
-              <a:t>5</a:t>
+              <a:t>14</a:t>
             </a:fld>
             <a:endParaRPr lang="en-US"/>
           </a:p>
@@ -929,7 +938,7 @@
           <a:p>
             <a:fld id="{56BE3D67-E84A-6F4F-8E3B-3BC46E162796}" type="slidenum">
               <a:rPr lang="en-US" smtClean="0"/>
-              <a:t>6</a:t>
+              <a:t>15</a:t>
             </a:fld>
             <a:endParaRPr lang="en-US"/>
           </a:p>
@@ -1017,7 +1026,7 @@
           <a:p>
             <a:fld id="{56BE3D67-E84A-6F4F-8E3B-3BC46E162796}" type="slidenum">
               <a:rPr lang="en-US" smtClean="0"/>
-              <a:t>8</a:t>
+              <a:t>17</a:t>
             </a:fld>
             <a:endParaRPr lang="en-US"/>
           </a:p>
@@ -1114,7 +1123,7 @@
           <a:p>
             <a:fld id="{56BE3D67-E84A-6F4F-8E3B-3BC46E162796}" type="slidenum">
               <a:rPr lang="en-US" smtClean="0"/>
-              <a:t>9</a:t>
+              <a:t>18</a:t>
             </a:fld>
             <a:endParaRPr lang="en-US"/>
           </a:p>
@@ -1216,7 +1225,7 @@
           <a:p>
             <a:fld id="{56BE3D67-E84A-6F4F-8E3B-3BC46E162796}" type="slidenum">
               <a:rPr lang="en-US" smtClean="0"/>
-              <a:t>10</a:t>
+              <a:t>19</a:t>
             </a:fld>
             <a:endParaRPr lang="en-US"/>
           </a:p>
@@ -1326,7 +1335,7 @@
           <a:p>
             <a:fld id="{56BE3D67-E84A-6F4F-8E3B-3BC46E162796}" type="slidenum">
               <a:rPr lang="en-US" smtClean="0"/>
-              <a:t>11</a:t>
+              <a:t>20</a:t>
             </a:fld>
             <a:endParaRPr lang="en-US"/>
           </a:p>
@@ -1433,7 +1442,7 @@
           <a:p>
             <a:fld id="{56BE3D67-E84A-6F4F-8E3B-3BC46E162796}" type="slidenum">
               <a:rPr lang="en-US" smtClean="0"/>
-              <a:t>12</a:t>
+              <a:t>21</a:t>
             </a:fld>
             <a:endParaRPr lang="en-US"/>
           </a:p>
@@ -1777,7 +1786,7 @@
             <a:fld id="{25AE17C7-B787-4E50-994D-5E804113A1E9}" type="datetime4">
               <a:rPr lang="en-US" smtClean="0"/>
               <a:pPr/>
-              <a:t>May 6, 2014</a:t>
+              <a:t>May 16, 2014</a:t>
             </a:fld>
             <a:endParaRPr lang="en-US" dirty="0"/>
           </a:p>
@@ -1944,7 +1953,7 @@
             <a:fld id="{AFDD7A28-FA93-4136-BDC1-BCCB2687E678}" type="datetimeFigureOut">
               <a:rPr lang="en-US" smtClean="0"/>
               <a:pPr/>
-              <a:t>5/6/14</a:t>
+              <a:t>16/05/14</a:t>
             </a:fld>
             <a:endParaRPr lang="en-US"/>
           </a:p>
@@ -2176,7 +2185,7 @@
             <a:fld id="{AFDD7A28-FA93-4136-BDC1-BCCB2687E678}" type="datetimeFigureOut">
               <a:rPr lang="en-US" smtClean="0"/>
               <a:pPr/>
-              <a:t>5/6/14</a:t>
+              <a:t>16/05/14</a:t>
             </a:fld>
             <a:endParaRPr lang="en-US" dirty="0"/>
           </a:p>
@@ -2376,7 +2385,7 @@
             <a:fld id="{8995D68B-21AC-438B-BECE-4F17DA129F19}" type="datetime4">
               <a:rPr lang="en-US" smtClean="0"/>
               <a:pPr/>
-              <a:t>May 6, 2014</a:t>
+              <a:t>May 16, 2014</a:t>
             </a:fld>
             <a:endParaRPr lang="en-US" dirty="0"/>
           </a:p>
@@ -2786,7 +2795,7 @@
             <a:fld id="{679F0FCF-2EA5-4FF5-AF14-1CA9C8854AAB}" type="datetime4">
               <a:rPr lang="en-US" smtClean="0"/>
               <a:pPr/>
-              <a:t>May 6, 2014</a:t>
+              <a:t>May 16, 2014</a:t>
             </a:fld>
             <a:endParaRPr lang="en-US" dirty="0"/>
           </a:p>
@@ -2992,7 +3001,7 @@
             <a:fld id="{F9E781C6-1634-4A56-B2BE-62150BE83935}" type="datetime4">
               <a:rPr lang="en-US" smtClean="0"/>
               <a:pPr/>
-              <a:t>May 6, 2014</a:t>
+              <a:t>May 16, 2014</a:t>
             </a:fld>
             <a:endParaRPr lang="en-US" dirty="0"/>
           </a:p>
@@ -3400,7 +3409,7 @@
             <a:fld id="{A9372AC2-3C75-4F5F-A929-48958086FE36}" type="datetime4">
               <a:rPr lang="en-US" smtClean="0"/>
               <a:pPr/>
-              <a:t>May 6, 2014</a:t>
+              <a:t>May 16, 2014</a:t>
             </a:fld>
             <a:endParaRPr lang="en-US" dirty="0"/>
           </a:p>
@@ -3538,7 +3547,7 @@
             <a:fld id="{17509CF4-4C1A-45DC-BADA-6EFF91CB9ABB}" type="datetime4">
               <a:rPr lang="en-US" smtClean="0"/>
               <a:pPr/>
-              <a:t>May 6, 2014</a:t>
+              <a:t>May 16, 2014</a:t>
             </a:fld>
             <a:endParaRPr lang="en-US" dirty="0"/>
           </a:p>
@@ -3630,7 +3639,7 @@
             <a:fld id="{C53951C0-B478-4858-ABC7-96406A1C0480}" type="datetime4">
               <a:rPr lang="en-US" smtClean="0"/>
               <a:pPr/>
-              <a:t>May 6, 2014</a:t>
+              <a:t>May 16, 2014</a:t>
             </a:fld>
             <a:endParaRPr lang="en-US" dirty="0"/>
           </a:p>
@@ -3886,7 +3895,7 @@
             <a:fld id="{B867641A-9D94-4BD6-862F-F651067079BC}" type="datetime4">
               <a:rPr lang="en-US" smtClean="0"/>
               <a:pPr/>
-              <a:t>May 6, 2014</a:t>
+              <a:t>May 16, 2014</a:t>
             </a:fld>
             <a:endParaRPr lang="en-US" dirty="0"/>
           </a:p>
@@ -4186,7 +4195,7 @@
             <a:fld id="{D74F0C02-0EF4-4745-9D82-E8D3F59464E3}" type="datetime4">
               <a:rPr lang="en-US" smtClean="0"/>
               <a:pPr/>
-              <a:t>May 6, 2014</a:t>
+              <a:t>May 16, 2014</a:t>
             </a:fld>
             <a:endParaRPr lang="en-US" dirty="0"/>
           </a:p>
@@ -4419,7 +4428,7 @@
             <a:fld id="{87367800-479D-41B0-B3F2-2DCE95BA1381}" type="datetime4">
               <a:rPr lang="en-US" smtClean="0"/>
               <a:pPr/>
-              <a:t>May 6, 2014</a:t>
+              <a:t>May 16, 2014</a:t>
             </a:fld>
             <a:endParaRPr lang="en-US" dirty="0"/>
           </a:p>
@@ -5018,45 +5027,34 @@
           <a:p>
             <a:pPr algn="l"/>
             <a:r>
+              <a:rPr lang="en-US" dirty="0" smtClean="0"/>
+              <a:t>+ what is deadlock?</a:t>
+            </a:r>
+          </a:p>
+          <a:p>
+            <a:pPr algn="l"/>
+            <a:r>
+              <a:rPr lang="en-US" dirty="0" smtClean="0"/>
+              <a:t>+ how to solve it?</a:t>
+            </a:r>
+          </a:p>
+          <a:p>
+            <a:pPr algn="l"/>
+            <a:r>
+              <a:rPr lang="en-US" dirty="0" smtClean="0"/>
+              <a:t>	- Deadlock prevention</a:t>
+            </a:r>
+          </a:p>
+          <a:p>
+            <a:pPr algn="l"/>
+            <a:r>
               <a:rPr lang="en-US" dirty="0"/>
-              <a:t>Process P1:</a:t>
-            </a:r>
-          </a:p>
-          <a:p>
-            <a:pPr algn="l"/>
-            <a:r>
-              <a:rPr lang="en-US" dirty="0"/>
-              <a:t>request(R1)</a:t>
-            </a:r>
-            <a:r>
-              <a:rPr lang="en-US" dirty="0" smtClean="0"/>
-              <a:t>;…		release</a:t>
-            </a:r>
-            <a:r>
-              <a:rPr lang="en-US" dirty="0"/>
-              <a:t>(R1</a:t>
-            </a:r>
-            <a:r>
-              <a:rPr lang="en-US" dirty="0" smtClean="0"/>
-              <a:t>); request</a:t>
-            </a:r>
-            <a:r>
-              <a:rPr lang="en-US" dirty="0"/>
-              <a:t>(R2);..</a:t>
-            </a:r>
-            <a:r>
-              <a:rPr lang="en-US" dirty="0" smtClean="0"/>
-              <a:t>.		release</a:t>
-            </a:r>
-            <a:r>
-              <a:rPr lang="en-US" dirty="0"/>
-              <a:t>(R2</a:t>
-            </a:r>
-            <a:r>
-              <a:rPr lang="en-US" dirty="0" smtClean="0"/>
-              <a:t>);</a:t>
-            </a:r>
-            <a:endParaRPr lang="en-US" dirty="0"/>
+              <a:t>	</a:t>
+            </a:r>
+            <a:r>
+              <a:rPr lang="en-US" dirty="0" smtClean="0"/>
+              <a:t>-…</a:t>
+            </a:r>
           </a:p>
           <a:p>
             <a:pPr algn="l"/>
@@ -5064,63 +5062,23 @@
           </a:p>
           <a:p>
             <a:pPr algn="l"/>
+            <a:r>
+              <a:rPr lang="en-US" dirty="0" smtClean="0"/>
+              <a:t>+ why it is a problem?</a:t>
+            </a:r>
+          </a:p>
+          <a:p>
+            <a:pPr algn="l"/>
+            <a:r>
+              <a:rPr lang="en-US" dirty="0" smtClean="0"/>
+              <a:t>+ demo</a:t>
+            </a:r>
             <a:endParaRPr lang="en-US" dirty="0"/>
           </a:p>
           <a:p>
             <a:pPr algn="l"/>
             <a:endParaRPr lang="en-US" dirty="0"/>
           </a:p>
-          <a:p>
-            <a:pPr algn="l"/>
-            <a:r>
-              <a:rPr lang="en-US" dirty="0"/>
-              <a:t>Process P2:</a:t>
-            </a:r>
-          </a:p>
-          <a:p>
-            <a:pPr algn="l"/>
-            <a:r>
-              <a:rPr lang="en-US" dirty="0"/>
-              <a:t>request(</a:t>
-            </a:r>
-            <a:r>
-              <a:rPr lang="en-US" dirty="0" smtClean="0"/>
-              <a:t>R2)</a:t>
-            </a:r>
-            <a:r>
-              <a:rPr lang="en-US" dirty="0"/>
-              <a:t>;..</a:t>
-            </a:r>
-            <a:r>
-              <a:rPr lang="en-US" dirty="0" smtClean="0"/>
-              <a:t>.		</a:t>
-            </a:r>
-            <a:r>
-              <a:rPr lang="en-US" dirty="0"/>
-              <a:t>release(R2)</a:t>
-            </a:r>
-            <a:r>
-              <a:rPr lang="en-US" dirty="0" smtClean="0"/>
-              <a:t>; request</a:t>
-            </a:r>
-            <a:r>
-              <a:rPr lang="en-US" dirty="0"/>
-              <a:t>(</a:t>
-            </a:r>
-            <a:r>
-              <a:rPr lang="en-US" dirty="0" smtClean="0"/>
-              <a:t>R1);	…	release</a:t>
-            </a:r>
-            <a:r>
-              <a:rPr lang="en-US" dirty="0"/>
-              <a:t>(R1)</a:t>
-            </a:r>
-            <a:r>
-              <a:rPr lang="en-US" dirty="0" smtClean="0"/>
-              <a:t>;</a:t>
-            </a:r>
-            <a:endParaRPr lang="en-US" dirty="0"/>
-          </a:p>
         </p:txBody>
       </p:sp>
       <p:sp>
@@ -5139,181 +5097,8 @@
           <a:lstStyle/>
           <a:p>
             <a:r>
-              <a:rPr lang="en-US" dirty="0"/>
-              <a:t>Release Before Request</a:t>
-            </a:r>
-          </a:p>
-        </p:txBody>
-      </p:sp>
-      <p:sp>
-        <p:nvSpPr>
-          <p:cNvPr id="4" name="Rectangle 3"/>
-          <p:cNvSpPr/>
-          <p:nvPr/>
-        </p:nvSpPr>
-        <p:spPr>
-          <a:xfrm>
-            <a:off x="1054515" y="2870217"/>
-            <a:ext cx="2144253" cy="329910"/>
-          </a:xfrm>
-          <a:prstGeom prst="rect">
-            <a:avLst/>
-          </a:prstGeom>
-          <a:solidFill>
-            <a:srgbClr val="FF0000"/>
-          </a:solidFill>
-        </p:spPr>
-        <p:style>
-          <a:lnRef idx="1">
-            <a:schemeClr val="accent1"/>
-          </a:lnRef>
-          <a:fillRef idx="3">
-            <a:schemeClr val="accent1"/>
-          </a:fillRef>
-          <a:effectRef idx="2">
-            <a:schemeClr val="accent1"/>
-          </a:effectRef>
-          <a:fontRef idx="minor">
-            <a:schemeClr val="lt1"/>
-          </a:fontRef>
-        </p:style>
-        <p:txBody>
-          <a:bodyPr rtlCol="0" anchor="ctr"/>
-          <a:lstStyle/>
-          <a:p>
-            <a:pPr algn="ctr"/>
-            <a:r>
-              <a:rPr lang="en-US" dirty="0" smtClean="0"/>
-              <a:t>R1 Critical Section</a:t>
-            </a:r>
-            <a:endParaRPr lang="en-US" dirty="0"/>
-          </a:p>
-        </p:txBody>
-      </p:sp>
-      <p:sp>
-        <p:nvSpPr>
-          <p:cNvPr id="5" name="Rectangle 4"/>
-          <p:cNvSpPr/>
-          <p:nvPr/>
-        </p:nvSpPr>
-        <p:spPr>
-          <a:xfrm>
-            <a:off x="4761769" y="2870217"/>
-            <a:ext cx="2144253" cy="329910"/>
-          </a:xfrm>
-          <a:prstGeom prst="rect">
-            <a:avLst/>
-          </a:prstGeom>
-        </p:spPr>
-        <p:style>
-          <a:lnRef idx="1">
-            <a:schemeClr val="accent1"/>
-          </a:lnRef>
-          <a:fillRef idx="3">
-            <a:schemeClr val="accent1"/>
-          </a:fillRef>
-          <a:effectRef idx="2">
-            <a:schemeClr val="accent1"/>
-          </a:effectRef>
-          <a:fontRef idx="minor">
-            <a:schemeClr val="lt1"/>
-          </a:fontRef>
-        </p:style>
-        <p:txBody>
-          <a:bodyPr rtlCol="0" anchor="ctr"/>
-          <a:lstStyle/>
-          <a:p>
-            <a:pPr algn="ctr"/>
-            <a:r>
-              <a:rPr lang="en-US" dirty="0" smtClean="0"/>
-              <a:t>R2 Critical Section</a:t>
-            </a:r>
-            <a:endParaRPr lang="en-US" dirty="0"/>
-          </a:p>
-        </p:txBody>
-      </p:sp>
-      <p:sp>
-        <p:nvSpPr>
-          <p:cNvPr id="6" name="Rectangle 5"/>
-          <p:cNvSpPr/>
-          <p:nvPr/>
-        </p:nvSpPr>
-        <p:spPr>
-          <a:xfrm>
-            <a:off x="1054515" y="4853616"/>
-            <a:ext cx="2144253" cy="329910"/>
-          </a:xfrm>
-          <a:prstGeom prst="rect">
-            <a:avLst/>
-          </a:prstGeom>
-        </p:spPr>
-        <p:style>
-          <a:lnRef idx="1">
-            <a:schemeClr val="accent1"/>
-          </a:lnRef>
-          <a:fillRef idx="3">
-            <a:schemeClr val="accent1"/>
-          </a:fillRef>
-          <a:effectRef idx="2">
-            <a:schemeClr val="accent1"/>
-          </a:effectRef>
-          <a:fontRef idx="minor">
-            <a:schemeClr val="lt1"/>
-          </a:fontRef>
-        </p:style>
-        <p:txBody>
-          <a:bodyPr rtlCol="0" anchor="ctr"/>
-          <a:lstStyle/>
-          <a:p>
-            <a:pPr algn="ctr"/>
-            <a:r>
-              <a:rPr lang="en-US" dirty="0" smtClean="0"/>
-              <a:t>R2 Critical Section</a:t>
-            </a:r>
-            <a:endParaRPr lang="en-US" dirty="0"/>
-          </a:p>
-        </p:txBody>
-      </p:sp>
-      <p:sp>
-        <p:nvSpPr>
-          <p:cNvPr id="7" name="Rectangle 6"/>
-          <p:cNvSpPr/>
-          <p:nvPr/>
-        </p:nvSpPr>
-        <p:spPr>
-          <a:xfrm>
-            <a:off x="4761769" y="4853616"/>
-            <a:ext cx="2144253" cy="329910"/>
-          </a:xfrm>
-          <a:prstGeom prst="rect">
-            <a:avLst/>
-          </a:prstGeom>
-          <a:solidFill>
-            <a:srgbClr val="FF0000"/>
-          </a:solidFill>
-        </p:spPr>
-        <p:style>
-          <a:lnRef idx="1">
-            <a:schemeClr val="accent1"/>
-          </a:lnRef>
-          <a:fillRef idx="3">
-            <a:schemeClr val="accent1"/>
-          </a:fillRef>
-          <a:effectRef idx="2">
-            <a:schemeClr val="accent1"/>
-          </a:effectRef>
-          <a:fontRef idx="minor">
-            <a:schemeClr val="lt1"/>
-          </a:fontRef>
-        </p:style>
-        <p:txBody>
-          <a:bodyPr rtlCol="0" anchor="ctr"/>
-          <a:lstStyle/>
-          <a:p>
-            <a:pPr algn="ctr"/>
-            <a:r>
-              <a:rPr lang="en-US" dirty="0" smtClean="0"/>
-              <a:t>R1 Critical Section</a:t>
+              <a:rPr lang="en-US" dirty="0" smtClean="0"/>
+              <a:t>Dead lock</a:t>
             </a:r>
             <a:endParaRPr lang="en-US" dirty="0"/>
           </a:p>
@@ -5322,20 +5107,13 @@
     </p:spTree>
     <p:extLst>
       <p:ext uri="{BB962C8B-B14F-4D97-AF65-F5344CB8AC3E}">
-        <p14:creationId xmlns:p14="http://schemas.microsoft.com/office/powerpoint/2010/main" val="1607522363"/>
+        <p14:creationId xmlns:p14="http://schemas.microsoft.com/office/powerpoint/2010/main" val="2573522007"/>
       </p:ext>
     </p:extLst>
   </p:cSld>
   <p:clrMapOvr>
     <a:masterClrMapping/>
   </p:clrMapOvr>
-  <p:timing>
-    <p:tnLst>
-      <p:par>
-        <p:cTn xmlns:p14="http://schemas.microsoft.com/office/powerpoint/2010/main" id="1" dur="indefinite" restart="never" nodeType="tmRoot"/>
-      </p:par>
-    </p:tnLst>
-  </p:timing>
 </p:sld>
 </file>
 
@@ -5373,29 +5151,93 @@
           <a:p>
             <a:pPr algn="l"/>
             <a:r>
+              <a:rPr lang="en-US" dirty="0" smtClean="0"/>
+              <a:t>+ how we evaluate:</a:t>
+            </a:r>
+          </a:p>
+          <a:p>
+            <a:pPr algn="l"/>
+            <a:r>
               <a:rPr lang="en-US" dirty="0"/>
-              <a:t>Process P1:</a:t>
-            </a:r>
+              <a:t>	</a:t>
+            </a:r>
+            <a:r>
+              <a:rPr lang="en-US" dirty="0" smtClean="0"/>
+              <a:t>- </a:t>
+            </a:r>
+            <a:r>
+              <a:rPr lang="en-US" dirty="0" err="1" smtClean="0"/>
+              <a:t>questionaires</a:t>
+            </a:r>
+            <a:endParaRPr lang="en-US" dirty="0" smtClean="0"/>
           </a:p>
           <a:p>
             <a:pPr algn="l"/>
             <a:r>
               <a:rPr lang="en-US" dirty="0"/>
-              <a:t>request(</a:t>
-            </a:r>
-            <a:r>
-              <a:rPr lang="en-US" dirty="0" smtClean="0"/>
-              <a:t>R1,R2);…		release</a:t>
-            </a:r>
+              <a:t>	</a:t>
+            </a:r>
+            <a:r>
+              <a:rPr lang="en-US" dirty="0" smtClean="0"/>
+              <a:t>- survey</a:t>
+            </a:r>
+          </a:p>
+          <a:p>
+            <a:pPr algn="l"/>
+            <a:r>
+              <a:rPr lang="en-US" dirty="0" smtClean="0"/>
+              <a:t>+ why we doing this? We want to know </a:t>
+            </a:r>
+            <a:r>
+              <a:rPr lang="en-US" dirty="0" err="1" smtClean="0"/>
+              <a:t>abt</a:t>
+            </a:r>
+            <a:r>
+              <a:rPr lang="en-US" dirty="0" smtClean="0"/>
+              <a:t> app</a:t>
+            </a:r>
+          </a:p>
+          <a:p>
+            <a:pPr algn="l"/>
             <a:r>
               <a:rPr lang="en-US" dirty="0"/>
-              <a:t>(</a:t>
-            </a:r>
-            <a:r>
-              <a:rPr lang="en-US" dirty="0" smtClean="0"/>
-              <a:t>R1,R2);</a:t>
-            </a:r>
-            <a:endParaRPr lang="en-US" dirty="0"/>
+              <a:t>	</a:t>
+            </a:r>
+            <a:r>
+              <a:rPr lang="en-US" dirty="0" smtClean="0"/>
+              <a:t>- usability</a:t>
+            </a:r>
+          </a:p>
+          <a:p>
+            <a:pPr algn="l"/>
+            <a:r>
+              <a:rPr lang="en-US" dirty="0" smtClean="0"/>
+              <a:t>	- </a:t>
+            </a:r>
+            <a:r>
+              <a:rPr lang="en-US" dirty="0" err="1" smtClean="0"/>
+              <a:t>effectivness</a:t>
+            </a:r>
+            <a:r>
+              <a:rPr lang="en-US" dirty="0" smtClean="0"/>
+              <a:t> in addressing problem</a:t>
+            </a:r>
+          </a:p>
+          <a:p>
+            <a:pPr algn="l"/>
+            <a:r>
+              <a:rPr lang="en-US" dirty="0"/>
+              <a:t>	</a:t>
+            </a:r>
+            <a:r>
+              <a:rPr lang="en-US" dirty="0" smtClean="0"/>
+              <a:t>- </a:t>
+            </a:r>
+            <a:r>
+              <a:rPr lang="en-US" dirty="0" err="1" smtClean="0"/>
+              <a:t>Iteractivity</a:t>
+            </a:r>
+            <a:endParaRPr lang="en-US" dirty="0" smtClean="0"/>
           </a:p>
           <a:p>
             <a:pPr algn="l"/>
@@ -5403,47 +5245,23 @@
           </a:p>
           <a:p>
             <a:pPr algn="l"/>
+            <a:r>
+              <a:rPr lang="en-US" dirty="0" smtClean="0"/>
+              <a:t>+ Results</a:t>
+            </a:r>
+          </a:p>
+          <a:p>
+            <a:pPr algn="l"/>
+            <a:r>
+              <a:rPr lang="en-US" dirty="0"/>
+              <a:t>	</a:t>
+            </a:r>
+            <a:r>
+              <a:rPr lang="en-US" dirty="0" smtClean="0"/>
+              <a:t>- 79% positive</a:t>
+            </a:r>
             <a:endParaRPr lang="en-US" dirty="0"/>
           </a:p>
-          <a:p>
-            <a:pPr algn="l"/>
-            <a:endParaRPr lang="en-US" dirty="0"/>
-          </a:p>
-          <a:p>
-            <a:pPr algn="l"/>
-            <a:r>
-              <a:rPr lang="en-US" dirty="0"/>
-              <a:t>Process P2:</a:t>
-            </a:r>
-          </a:p>
-          <a:p>
-            <a:pPr algn="l"/>
-            <a:r>
-              <a:rPr lang="en-US" dirty="0"/>
-              <a:t>request</a:t>
-            </a:r>
-            <a:r>
-              <a:rPr lang="en-US" dirty="0" smtClean="0"/>
-              <a:t>(R1,R2)</a:t>
-            </a:r>
-            <a:r>
-              <a:rPr lang="en-US" dirty="0"/>
-              <a:t>;..</a:t>
-            </a:r>
-            <a:r>
-              <a:rPr lang="en-US" dirty="0" smtClean="0"/>
-              <a:t>.			release</a:t>
-            </a:r>
-            <a:r>
-              <a:rPr lang="en-US" dirty="0"/>
-              <a:t>(</a:t>
-            </a:r>
-            <a:r>
-              <a:rPr lang="en-US" dirty="0" smtClean="0"/>
-              <a:t>R2,R1); </a:t>
-            </a:r>
-            <a:endParaRPr lang="en-US" dirty="0"/>
-          </a:p>
         </p:txBody>
       </p:sp>
       <p:sp>
@@ -5463,181 +5281,7 @@
           <a:p>
             <a:r>
               <a:rPr lang="en-US" dirty="0" smtClean="0"/>
-              <a:t>Request ALL At once</a:t>
-            </a:r>
-            <a:endParaRPr lang="en-US" dirty="0"/>
-          </a:p>
-        </p:txBody>
-      </p:sp>
-      <p:sp>
-        <p:nvSpPr>
-          <p:cNvPr id="4" name="Rectangle 3"/>
-          <p:cNvSpPr/>
-          <p:nvPr/>
-        </p:nvSpPr>
-        <p:spPr>
-          <a:xfrm>
-            <a:off x="1978193" y="2886714"/>
-            <a:ext cx="2144253" cy="329910"/>
-          </a:xfrm>
-          <a:prstGeom prst="rect">
-            <a:avLst/>
-          </a:prstGeom>
-          <a:solidFill>
-            <a:srgbClr val="FF0000"/>
-          </a:solidFill>
-        </p:spPr>
-        <p:style>
-          <a:lnRef idx="1">
-            <a:schemeClr val="accent1"/>
-          </a:lnRef>
-          <a:fillRef idx="3">
-            <a:schemeClr val="accent1"/>
-          </a:fillRef>
-          <a:effectRef idx="2">
-            <a:schemeClr val="accent1"/>
-          </a:effectRef>
-          <a:fontRef idx="minor">
-            <a:schemeClr val="lt1"/>
-          </a:fontRef>
-        </p:style>
-        <p:txBody>
-          <a:bodyPr rtlCol="0" anchor="ctr"/>
-          <a:lstStyle/>
-          <a:p>
-            <a:pPr algn="ctr"/>
-            <a:r>
-              <a:rPr lang="en-US" dirty="0" smtClean="0"/>
-              <a:t>R1 Critical Section</a:t>
-            </a:r>
-            <a:endParaRPr lang="en-US" dirty="0"/>
-          </a:p>
-        </p:txBody>
-      </p:sp>
-      <p:sp>
-        <p:nvSpPr>
-          <p:cNvPr id="5" name="Rectangle 4"/>
-          <p:cNvSpPr/>
-          <p:nvPr/>
-        </p:nvSpPr>
-        <p:spPr>
-          <a:xfrm>
-            <a:off x="1978193" y="3348586"/>
-            <a:ext cx="2144253" cy="329910"/>
-          </a:xfrm>
-          <a:prstGeom prst="rect">
-            <a:avLst/>
-          </a:prstGeom>
-        </p:spPr>
-        <p:style>
-          <a:lnRef idx="1">
-            <a:schemeClr val="accent1"/>
-          </a:lnRef>
-          <a:fillRef idx="3">
-            <a:schemeClr val="accent1"/>
-          </a:fillRef>
-          <a:effectRef idx="2">
-            <a:schemeClr val="accent1"/>
-          </a:effectRef>
-          <a:fontRef idx="minor">
-            <a:schemeClr val="lt1"/>
-          </a:fontRef>
-        </p:style>
-        <p:txBody>
-          <a:bodyPr rtlCol="0" anchor="ctr"/>
-          <a:lstStyle/>
-          <a:p>
-            <a:pPr algn="ctr"/>
-            <a:r>
-              <a:rPr lang="en-US" dirty="0" smtClean="0"/>
-              <a:t>R2 Critical Section</a:t>
-            </a:r>
-            <a:endParaRPr lang="en-US" dirty="0"/>
-          </a:p>
-        </p:txBody>
-      </p:sp>
-      <p:sp>
-        <p:nvSpPr>
-          <p:cNvPr id="6" name="Rectangle 5"/>
-          <p:cNvSpPr/>
-          <p:nvPr/>
-        </p:nvSpPr>
-        <p:spPr>
-          <a:xfrm>
-            <a:off x="1978193" y="5546427"/>
-            <a:ext cx="2144253" cy="329910"/>
-          </a:xfrm>
-          <a:prstGeom prst="rect">
-            <a:avLst/>
-          </a:prstGeom>
-        </p:spPr>
-        <p:style>
-          <a:lnRef idx="1">
-            <a:schemeClr val="accent1"/>
-          </a:lnRef>
-          <a:fillRef idx="3">
-            <a:schemeClr val="accent1"/>
-          </a:fillRef>
-          <a:effectRef idx="2">
-            <a:schemeClr val="accent1"/>
-          </a:effectRef>
-          <a:fontRef idx="minor">
-            <a:schemeClr val="lt1"/>
-          </a:fontRef>
-        </p:style>
-        <p:txBody>
-          <a:bodyPr rtlCol="0" anchor="ctr"/>
-          <a:lstStyle/>
-          <a:p>
-            <a:pPr algn="ctr"/>
-            <a:r>
-              <a:rPr lang="en-US" dirty="0" smtClean="0"/>
-              <a:t>R2 Critical Section</a:t>
-            </a:r>
-            <a:endParaRPr lang="en-US" dirty="0"/>
-          </a:p>
-        </p:txBody>
-      </p:sp>
-      <p:sp>
-        <p:nvSpPr>
-          <p:cNvPr id="7" name="Rectangle 6"/>
-          <p:cNvSpPr/>
-          <p:nvPr/>
-        </p:nvSpPr>
-        <p:spPr>
-          <a:xfrm>
-            <a:off x="1978193" y="5018571"/>
-            <a:ext cx="2144253" cy="329910"/>
-          </a:xfrm>
-          <a:prstGeom prst="rect">
-            <a:avLst/>
-          </a:prstGeom>
-          <a:solidFill>
-            <a:srgbClr val="FF0000"/>
-          </a:solidFill>
-        </p:spPr>
-        <p:style>
-          <a:lnRef idx="1">
-            <a:schemeClr val="accent1"/>
-          </a:lnRef>
-          <a:fillRef idx="3">
-            <a:schemeClr val="accent1"/>
-          </a:fillRef>
-          <a:effectRef idx="2">
-            <a:schemeClr val="accent1"/>
-          </a:effectRef>
-          <a:fontRef idx="minor">
-            <a:schemeClr val="lt1"/>
-          </a:fontRef>
-        </p:style>
-        <p:txBody>
-          <a:bodyPr rtlCol="0" anchor="ctr"/>
-          <a:lstStyle/>
-          <a:p>
-            <a:pPr algn="ctr"/>
-            <a:r>
-              <a:rPr lang="en-US" dirty="0" smtClean="0"/>
-              <a:t>R1 Critical Section</a:t>
+              <a:t>evaluation</a:t>
             </a:r>
             <a:endParaRPr lang="en-US" dirty="0"/>
           </a:p>
@@ -5646,20 +5290,13 @@
     </p:spTree>
     <p:extLst>
       <p:ext uri="{BB962C8B-B14F-4D97-AF65-F5344CB8AC3E}">
-        <p14:creationId xmlns:p14="http://schemas.microsoft.com/office/powerpoint/2010/main" val="2330851020"/>
+        <p14:creationId xmlns:p14="http://schemas.microsoft.com/office/powerpoint/2010/main" val="1649624774"/>
       </p:ext>
     </p:extLst>
   </p:cSld>
   <p:clrMapOvr>
     <a:masterClrMapping/>
   </p:clrMapOvr>
-  <p:timing>
-    <p:tnLst>
-      <p:par>
-        <p:cTn xmlns:p14="http://schemas.microsoft.com/office/powerpoint/2010/main" id="1" dur="indefinite" restart="never" nodeType="tmRoot"/>
-      </p:par>
-    </p:tnLst>
-  </p:timing>
 </p:sld>
 </file>
 
@@ -5695,52 +5332,89 @@
           <a:bodyPr/>
           <a:lstStyle/>
           <a:p>
-            <a:r>
-              <a:rPr lang="en-US" dirty="0" smtClean="0"/>
-              <a:t>STARVATION</a:t>
-            </a:r>
-          </a:p>
-          <a:p>
-            <a:r>
-              <a:rPr lang="en-US" dirty="0" smtClean="0"/>
-              <a:t>Starvation </a:t>
-            </a:r>
+            <a:pPr algn="l"/>
+            <a:r>
+              <a:rPr lang="en-US" dirty="0" smtClean="0"/>
+              <a:t>+ Challenges:</a:t>
+            </a:r>
+          </a:p>
+          <a:p>
+            <a:pPr algn="l"/>
             <a:r>
               <a:rPr lang="en-US" dirty="0"/>
-              <a:t>describes a situation where a thread is unable to gain regular access to shared resources and is unable to make progress. This happens when shared resources are made unavailable for long periods by "greedy" threads. </a:t>
-            </a:r>
-            <a:endParaRPr lang="en-US" dirty="0" smtClean="0"/>
-          </a:p>
-          <a:p>
+              <a:t>	</a:t>
+            </a:r>
+            <a:r>
+              <a:rPr lang="en-US" dirty="0" smtClean="0"/>
+              <a:t>- different browser</a:t>
+            </a:r>
+          </a:p>
+          <a:p>
+            <a:pPr algn="l"/>
             <a:endParaRPr lang="en-US" dirty="0"/>
           </a:p>
           <a:p>
-            <a:r>
-              <a:rPr lang="en-US" dirty="0" smtClean="0"/>
-              <a:t>LIVELOCK</a:t>
-            </a:r>
-          </a:p>
-          <a:p>
+            <a:pPr algn="l"/>
+            <a:r>
+              <a:rPr lang="en-US" dirty="0" smtClean="0"/>
+              <a:t>+ Next Few Weeks:</a:t>
+            </a:r>
+          </a:p>
+          <a:p>
+            <a:pPr algn="l"/>
             <a:r>
               <a:rPr lang="en-US" dirty="0"/>
-              <a:t>A thread often acts in response to the action of another thread. If the other thread's action is also a response to the action of another thread, then </a:t>
-            </a:r>
-            <a:r>
-              <a:rPr lang="en-US" dirty="0" err="1"/>
-              <a:t>livelock</a:t>
-            </a:r>
+              <a:t>	</a:t>
+            </a:r>
+            <a:r>
+              <a:rPr lang="en-US" dirty="0" smtClean="0"/>
+              <a:t>- solve different browser problem</a:t>
+            </a:r>
+          </a:p>
+          <a:p>
+            <a:pPr algn="l"/>
             <a:r>
               <a:rPr lang="en-US" dirty="0"/>
-              <a:t> may result. As with deadlock, </a:t>
-            </a:r>
-            <a:r>
-              <a:rPr lang="en-US" dirty="0" err="1"/>
-              <a:t>livelocked</a:t>
-            </a:r>
+              <a:t>	</a:t>
+            </a:r>
+            <a:r>
+              <a:rPr lang="en-US" dirty="0" smtClean="0"/>
+              <a:t>- do more survey</a:t>
+            </a:r>
+          </a:p>
+          <a:p>
+            <a:pPr algn="l"/>
             <a:r>
               <a:rPr lang="en-US" dirty="0"/>
-              <a:t> threads are unable to make further progress. However, the threads are not blocked — they are simply too busy responding to each other to resume work.</a:t>
-            </a:r>
+              <a:t>	</a:t>
+            </a:r>
+            <a:r>
+              <a:rPr lang="en-US" dirty="0" smtClean="0"/>
+              <a:t>- write report</a:t>
+            </a:r>
+          </a:p>
+          <a:p>
+            <a:pPr algn="l"/>
+            <a:endParaRPr lang="en-US" dirty="0"/>
+          </a:p>
+          <a:p>
+            <a:pPr algn="l"/>
+            <a:r>
+              <a:rPr lang="en-US" dirty="0" smtClean="0"/>
+              <a:t>+ Extension:</a:t>
+            </a:r>
+          </a:p>
+          <a:p>
+            <a:pPr algn="l"/>
+            <a:r>
+              <a:rPr lang="en-US" dirty="0"/>
+              <a:t>	</a:t>
+            </a:r>
+            <a:r>
+              <a:rPr lang="en-US" dirty="0" smtClean="0"/>
+              <a:t>- showing the solution in our app </a:t>
+            </a:r>
+            <a:endParaRPr lang="en-US" dirty="0"/>
           </a:p>
         </p:txBody>
       </p:sp>
@@ -5756,501 +5430,27 @@
         </p:nvSpPr>
         <p:spPr/>
         <p:txBody>
-          <a:bodyPr>
-            <a:noAutofit/>
-          </a:bodyPr>
-          <a:lstStyle/>
-          <a:p>
-            <a:r>
-              <a:rPr lang="en-US" sz="2000" dirty="0" smtClean="0">
-                <a:latin typeface="Comic Sans MS"/>
-                <a:cs typeface="Comic Sans MS"/>
-              </a:rPr>
-              <a:t>Starvation &amp; </a:t>
-            </a:r>
-            <a:r>
-              <a:rPr lang="en-US" sz="2000" dirty="0" err="1" smtClean="0">
-                <a:latin typeface="Comic Sans MS"/>
-                <a:cs typeface="Comic Sans MS"/>
-              </a:rPr>
-              <a:t>livelock</a:t>
-            </a:r>
-            <a:endParaRPr lang="en-US" sz="2000" dirty="0">
-              <a:latin typeface="Comic Sans MS"/>
-              <a:cs typeface="Comic Sans MS"/>
-            </a:endParaRPr>
+          <a:bodyPr/>
+          <a:lstStyle/>
+          <a:p>
+            <a:r>
+              <a:rPr lang="en-US" dirty="0" smtClean="0"/>
+              <a:t>Challenges and future works</a:t>
+            </a:r>
+            <a:endParaRPr lang="en-US" dirty="0"/>
           </a:p>
         </p:txBody>
       </p:sp>
     </p:spTree>
     <p:extLst>
       <p:ext uri="{BB962C8B-B14F-4D97-AF65-F5344CB8AC3E}">
-        <p14:creationId xmlns:p14="http://schemas.microsoft.com/office/powerpoint/2010/main" val="3779741149"/>
+        <p14:creationId xmlns:p14="http://schemas.microsoft.com/office/powerpoint/2010/main" val="2276343006"/>
       </p:ext>
     </p:extLst>
   </p:cSld>
   <p:clrMapOvr>
     <a:masterClrMapping/>
   </p:clrMapOvr>
-  <p:timing>
-    <p:tnLst>
-      <p:par>
-        <p:cTn xmlns:p14="http://schemas.microsoft.com/office/powerpoint/2010/main" id="1" dur="indefinite" restart="never" nodeType="tmRoot">
-          <p:childTnLst>
-            <p:seq concurrent="1" nextAc="seek">
-              <p:cTn id="2" dur="indefinite" nodeType="mainSeq">
-                <p:childTnLst>
-                  <p:par>
-                    <p:cTn id="3" fill="hold">
-                      <p:stCondLst>
-                        <p:cond delay="indefinite"/>
-                      </p:stCondLst>
-                      <p:childTnLst>
-                        <p:par>
-                          <p:cTn id="4" fill="hold">
-                            <p:stCondLst>
-                              <p:cond delay="0"/>
-                            </p:stCondLst>
-                            <p:childTnLst>
-                              <p:par>
-                                <p:cTn id="5" presetID="19" presetClass="entr" presetSubtype="10" fill="hold" grpId="0" nodeType="clickEffect">
-                                  <p:stCondLst>
-                                    <p:cond delay="0"/>
-                                  </p:stCondLst>
-                                  <p:childTnLst>
-                                    <p:set>
-                                      <p:cBhvr>
-                                        <p:cTn id="6" dur="1" fill="hold">
-                                          <p:stCondLst>
-                                            <p:cond delay="0"/>
-                                          </p:stCondLst>
-                                        </p:cTn>
-                                        <p:tgtEl>
-                                          <p:spTgt spid="2">
-                                            <p:txEl>
-                                              <p:pRg st="0" end="0"/>
-                                            </p:txEl>
-                                          </p:spTgt>
-                                        </p:tgtEl>
-                                        <p:attrNameLst>
-                                          <p:attrName>style.visibility</p:attrName>
-                                        </p:attrNameLst>
-                                      </p:cBhvr>
-                                      <p:to>
-                                        <p:strVal val="visible"/>
-                                      </p:to>
-                                    </p:set>
-                                    <p:anim calcmode="lin" valueType="num">
-                                      <p:cBhvr>
-                                        <p:cTn id="7" dur="5000" fill="hold"/>
-                                        <p:tgtEl>
-                                          <p:spTgt spid="2">
-                                            <p:txEl>
-                                              <p:pRg st="0" end="0"/>
-                                            </p:txEl>
-                                          </p:spTgt>
-                                        </p:tgtEl>
-                                        <p:attrNameLst>
-                                          <p:attrName>ppt_w</p:attrName>
-                                        </p:attrNameLst>
-                                      </p:cBhvr>
-                                      <p:tavLst>
-                                        <p:tav tm="0" fmla="#ppt_w*sin(2.5*pi*$)">
-                                          <p:val>
-                                            <p:fltVal val="0"/>
-                                          </p:val>
-                                        </p:tav>
-                                        <p:tav tm="100000">
-                                          <p:val>
-                                            <p:fltVal val="1"/>
-                                          </p:val>
-                                        </p:tav>
-                                      </p:tavLst>
-                                    </p:anim>
-                                    <p:anim calcmode="lin" valueType="num">
-                                      <p:cBhvr>
-                                        <p:cTn id="8" dur="5000" fill="hold"/>
-                                        <p:tgtEl>
-                                          <p:spTgt spid="2">
-                                            <p:txEl>
-                                              <p:pRg st="0" end="0"/>
-                                            </p:txEl>
-                                          </p:spTgt>
-                                        </p:tgtEl>
-                                        <p:attrNameLst>
-                                          <p:attrName>ppt_h</p:attrName>
-                                        </p:attrNameLst>
-                                      </p:cBhvr>
-                                      <p:tavLst>
-                                        <p:tav tm="0">
-                                          <p:val>
-                                            <p:strVal val="#ppt_h"/>
-                                          </p:val>
-                                        </p:tav>
-                                        <p:tav tm="100000">
-                                          <p:val>
-                                            <p:strVal val="#ppt_h"/>
-                                          </p:val>
-                                        </p:tav>
-                                      </p:tavLst>
-                                    </p:anim>
-                                  </p:childTnLst>
-                                </p:cTn>
-                              </p:par>
-                              <p:par>
-                                <p:cTn id="9" presetID="52" presetClass="entr" presetSubtype="0" fill="hold" grpId="0" nodeType="withEffect">
-                                  <p:stCondLst>
-                                    <p:cond delay="0"/>
-                                  </p:stCondLst>
-                                  <p:childTnLst>
-                                    <p:set>
-                                      <p:cBhvr>
-                                        <p:cTn id="10" dur="1" fill="hold">
-                                          <p:stCondLst>
-                                            <p:cond delay="0"/>
-                                          </p:stCondLst>
-                                        </p:cTn>
-                                        <p:tgtEl>
-                                          <p:spTgt spid="2">
-                                            <p:txEl>
-                                              <p:pRg st="1" end="1"/>
-                                            </p:txEl>
-                                          </p:spTgt>
-                                        </p:tgtEl>
-                                        <p:attrNameLst>
-                                          <p:attrName>style.visibility</p:attrName>
-                                        </p:attrNameLst>
-                                      </p:cBhvr>
-                                      <p:to>
-                                        <p:strVal val="visible"/>
-                                      </p:to>
-                                    </p:set>
-                                    <p:animScale>
-                                      <p:cBhvr>
-                                        <p:cTn id="11" dur="1000" decel="50000" fill="hold">
-                                          <p:stCondLst>
-                                            <p:cond delay="0"/>
-                                          </p:stCondLst>
-                                        </p:cTn>
-                                        <p:tgtEl>
-                                          <p:spTgt spid="2">
-                                            <p:txEl>
-                                              <p:pRg st="1" end="1"/>
-                                            </p:txEl>
-                                          </p:spTgt>
-                                        </p:tgtEl>
-                                      </p:cBhvr>
-                                      <p:from x="250000" y="250000"/>
-                                      <p:to x="100000" y="100000"/>
-                                    </p:animScale>
-                                    <p:animMotion origin="layout" path="M -0.46736 0.92887  C -0.37517 0.88508  -0.02552 0.75279  0.0908 0.66613  C  0.20747 0.57948  0.21649 0.50394  0.23177 0.40825  C 0.24705 0.31256  0.22118 0.15964   0.18264 0.09152  C 0.1441 0.02341  0.03802 0.0  0.0 0.0  " pathEditMode="relative" ptsTypes="">
-                                      <p:cBhvr>
-                                        <p:cTn id="12" dur="1000" decel="50000" fill="hold">
-                                          <p:stCondLst>
-                                            <p:cond delay="0"/>
-                                          </p:stCondLst>
-                                        </p:cTn>
-                                        <p:tgtEl>
-                                          <p:spTgt spid="2">
-                                            <p:txEl>
-                                              <p:pRg st="1" end="1"/>
-                                            </p:txEl>
-                                          </p:spTgt>
-                                        </p:tgtEl>
-                                        <p:attrNameLst>
-                                          <p:attrName>ppt_x</p:attrName>
-                                          <p:attrName>ppt_y</p:attrName>
-                                        </p:attrNameLst>
-                                      </p:cBhvr>
-                                    </p:animMotion>
-                                    <p:animEffect transition="in" filter="fade">
-                                      <p:cBhvr>
-                                        <p:cTn id="13" dur="1000"/>
-                                        <p:tgtEl>
-                                          <p:spTgt spid="2">
-                                            <p:txEl>
-                                              <p:pRg st="1" end="1"/>
-                                            </p:txEl>
-                                          </p:spTgt>
-                                        </p:tgtEl>
-                                      </p:cBhvr>
-                                    </p:animEffect>
-                                  </p:childTnLst>
-                                </p:cTn>
-                              </p:par>
-                            </p:childTnLst>
-                          </p:cTn>
-                        </p:par>
-                      </p:childTnLst>
-                    </p:cTn>
-                  </p:par>
-                  <p:par>
-                    <p:cTn id="14" fill="hold">
-                      <p:stCondLst>
-                        <p:cond delay="indefinite"/>
-                      </p:stCondLst>
-                      <p:childTnLst>
-                        <p:par>
-                          <p:cTn id="15" fill="hold">
-                            <p:stCondLst>
-                              <p:cond delay="0"/>
-                            </p:stCondLst>
-                            <p:childTnLst>
-                              <p:par>
-                                <p:cTn id="16" presetID="19" presetClass="entr" presetSubtype="10" fill="hold" grpId="0" nodeType="clickEffect">
-                                  <p:stCondLst>
-                                    <p:cond delay="0"/>
-                                  </p:stCondLst>
-                                  <p:childTnLst>
-                                    <p:set>
-                                      <p:cBhvr>
-                                        <p:cTn id="17" dur="1" fill="hold">
-                                          <p:stCondLst>
-                                            <p:cond delay="0"/>
-                                          </p:stCondLst>
-                                        </p:cTn>
-                                        <p:tgtEl>
-                                          <p:spTgt spid="2">
-                                            <p:txEl>
-                                              <p:pRg st="3" end="3"/>
-                                            </p:txEl>
-                                          </p:spTgt>
-                                        </p:tgtEl>
-                                        <p:attrNameLst>
-                                          <p:attrName>style.visibility</p:attrName>
-                                        </p:attrNameLst>
-                                      </p:cBhvr>
-                                      <p:to>
-                                        <p:strVal val="visible"/>
-                                      </p:to>
-                                    </p:set>
-                                    <p:anim calcmode="lin" valueType="num">
-                                      <p:cBhvr>
-                                        <p:cTn id="18" dur="5000" fill="hold"/>
-                                        <p:tgtEl>
-                                          <p:spTgt spid="2">
-                                            <p:txEl>
-                                              <p:pRg st="3" end="3"/>
-                                            </p:txEl>
-                                          </p:spTgt>
-                                        </p:tgtEl>
-                                        <p:attrNameLst>
-                                          <p:attrName>ppt_w</p:attrName>
-                                        </p:attrNameLst>
-                                      </p:cBhvr>
-                                      <p:tavLst>
-                                        <p:tav tm="0" fmla="#ppt_w*sin(2.5*pi*$)">
-                                          <p:val>
-                                            <p:fltVal val="0"/>
-                                          </p:val>
-                                        </p:tav>
-                                        <p:tav tm="100000">
-                                          <p:val>
-                                            <p:fltVal val="1"/>
-                                          </p:val>
-                                        </p:tav>
-                                      </p:tavLst>
-                                    </p:anim>
-                                    <p:anim calcmode="lin" valueType="num">
-                                      <p:cBhvr>
-                                        <p:cTn id="19" dur="5000" fill="hold"/>
-                                        <p:tgtEl>
-                                          <p:spTgt spid="2">
-                                            <p:txEl>
-                                              <p:pRg st="3" end="3"/>
-                                            </p:txEl>
-                                          </p:spTgt>
-                                        </p:tgtEl>
-                                        <p:attrNameLst>
-                                          <p:attrName>ppt_h</p:attrName>
-                                        </p:attrNameLst>
-                                      </p:cBhvr>
-                                      <p:tavLst>
-                                        <p:tav tm="0">
-                                          <p:val>
-                                            <p:strVal val="#ppt_h"/>
-                                          </p:val>
-                                        </p:tav>
-                                        <p:tav tm="100000">
-                                          <p:val>
-                                            <p:strVal val="#ppt_h"/>
-                                          </p:val>
-                                        </p:tav>
-                                      </p:tavLst>
-                                    </p:anim>
-                                  </p:childTnLst>
-                                </p:cTn>
-                              </p:par>
-                              <p:par>
-                                <p:cTn id="20" presetID="15" presetClass="entr" presetSubtype="0" fill="hold" grpId="0" nodeType="withEffect">
-                                  <p:stCondLst>
-                                    <p:cond delay="0"/>
-                                  </p:stCondLst>
-                                  <p:childTnLst>
-                                    <p:set>
-                                      <p:cBhvr>
-                                        <p:cTn id="21" dur="1" fill="hold">
-                                          <p:stCondLst>
-                                            <p:cond delay="0"/>
-                                          </p:stCondLst>
-                                        </p:cTn>
-                                        <p:tgtEl>
-                                          <p:spTgt spid="2">
-                                            <p:txEl>
-                                              <p:pRg st="4" end="4"/>
-                                            </p:txEl>
-                                          </p:spTgt>
-                                        </p:tgtEl>
-                                        <p:attrNameLst>
-                                          <p:attrName>style.visibility</p:attrName>
-                                        </p:attrNameLst>
-                                      </p:cBhvr>
-                                      <p:to>
-                                        <p:strVal val="visible"/>
-                                      </p:to>
-                                    </p:set>
-                                    <p:anim calcmode="lin" valueType="num">
-                                      <p:cBhvr>
-                                        <p:cTn id="22" dur="1000" fill="hold"/>
-                                        <p:tgtEl>
-                                          <p:spTgt spid="2">
-                                            <p:txEl>
-                                              <p:pRg st="4" end="4"/>
-                                            </p:txEl>
-                                          </p:spTgt>
-                                        </p:tgtEl>
-                                        <p:attrNameLst>
-                                          <p:attrName>ppt_w</p:attrName>
-                                        </p:attrNameLst>
-                                      </p:cBhvr>
-                                      <p:tavLst>
-                                        <p:tav tm="0">
-                                          <p:val>
-                                            <p:fltVal val="0"/>
-                                          </p:val>
-                                        </p:tav>
-                                        <p:tav tm="100000">
-                                          <p:val>
-                                            <p:strVal val="#ppt_w"/>
-                                          </p:val>
-                                        </p:tav>
-                                      </p:tavLst>
-                                    </p:anim>
-                                    <p:anim calcmode="lin" valueType="num">
-                                      <p:cBhvr>
-                                        <p:cTn id="23" dur="1000" fill="hold"/>
-                                        <p:tgtEl>
-                                          <p:spTgt spid="2">
-                                            <p:txEl>
-                                              <p:pRg st="4" end="4"/>
-                                            </p:txEl>
-                                          </p:spTgt>
-                                        </p:tgtEl>
-                                        <p:attrNameLst>
-                                          <p:attrName>ppt_h</p:attrName>
-                                        </p:attrNameLst>
-                                      </p:cBhvr>
-                                      <p:tavLst>
-                                        <p:tav tm="0">
-                                          <p:val>
-                                            <p:fltVal val="0"/>
-                                          </p:val>
-                                        </p:tav>
-                                        <p:tav tm="100000">
-                                          <p:val>
-                                            <p:strVal val="#ppt_h"/>
-                                          </p:val>
-                                        </p:tav>
-                                      </p:tavLst>
-                                    </p:anim>
-                                    <p:anim calcmode="lin" valueType="num">
-                                      <p:cBhvr>
-                                        <p:cTn id="24" dur="1000" fill="hold"/>
-                                        <p:tgtEl>
-                                          <p:spTgt spid="2">
-                                            <p:txEl>
-                                              <p:pRg st="4" end="4"/>
-                                            </p:txEl>
-                                          </p:spTgt>
-                                        </p:tgtEl>
-                                        <p:attrNameLst>
-                                          <p:attrName>ppt_x</p:attrName>
-                                        </p:attrNameLst>
-                                      </p:cBhvr>
-                                      <p:tavLst>
-                                        <p:tav tm="0" fmla="#ppt_x+(cos(-2*pi*(1-$))*-#ppt_x-sin(-2*pi*(1-$))*(1-#ppt_y))*(1-$)">
-                                          <p:val>
-                                            <p:fltVal val="0"/>
-                                          </p:val>
-                                        </p:tav>
-                                        <p:tav tm="100000">
-                                          <p:val>
-                                            <p:fltVal val="1"/>
-                                          </p:val>
-                                        </p:tav>
-                                      </p:tavLst>
-                                    </p:anim>
-                                    <p:anim calcmode="lin" valueType="num">
-                                      <p:cBhvr>
-                                        <p:cTn id="25" dur="1000" fill="hold"/>
-                                        <p:tgtEl>
-                                          <p:spTgt spid="2">
-                                            <p:txEl>
-                                              <p:pRg st="4" end="4"/>
-                                            </p:txEl>
-                                          </p:spTgt>
-                                        </p:tgtEl>
-                                        <p:attrNameLst>
-                                          <p:attrName>ppt_y</p:attrName>
-                                        </p:attrNameLst>
-                                      </p:cBhvr>
-                                      <p:tavLst>
-                                        <p:tav tm="0" fmla="#ppt_y+(sin(-2*pi*(1-$))*-#ppt_x+cos(-2*pi*(1-$))*(1-#ppt_y))*(1-$)">
-                                          <p:val>
-                                            <p:fltVal val="0"/>
-                                          </p:val>
-                                        </p:tav>
-                                        <p:tav tm="100000">
-                                          <p:val>
-                                            <p:fltVal val="1"/>
-                                          </p:val>
-                                        </p:tav>
-                                      </p:tavLst>
-                                    </p:anim>
-                                  </p:childTnLst>
-                                </p:cTn>
-                              </p:par>
-                            </p:childTnLst>
-                          </p:cTn>
-                        </p:par>
-                      </p:childTnLst>
-                    </p:cTn>
-                  </p:par>
-                </p:childTnLst>
-              </p:cTn>
-              <p:prevCondLst>
-                <p:cond evt="onPrev" delay="0">
-                  <p:tgtEl>
-                    <p:sldTgt/>
-                  </p:tgtEl>
-                </p:cond>
-              </p:prevCondLst>
-              <p:nextCondLst>
-                <p:cond evt="onNext" delay="0">
-                  <p:tgtEl>
-                    <p:sldTgt/>
-                  </p:tgtEl>
-                </p:cond>
-              </p:nextCondLst>
-            </p:seq>
-          </p:childTnLst>
-        </p:cTn>
-      </p:par>
-    </p:tnLst>
-    <p:bldLst>
-      <p:bldP spid="2" grpId="0" build="p"/>
-    </p:bldLst>
-  </p:timing>
 </p:sld>
 </file>
 
@@ -6273,7 +5473,36 @@
       </p:grpSpPr>
       <p:sp>
         <p:nvSpPr>
-          <p:cNvPr id="2" name="Title 1"/>
+          <p:cNvPr id="2" name="Content Placeholder 1"/>
+          <p:cNvSpPr>
+            <a:spLocks noGrp="1"/>
+          </p:cNvSpPr>
+          <p:nvPr>
+            <p:ph sz="quarter" idx="13"/>
+          </p:nvPr>
+        </p:nvSpPr>
+        <p:spPr/>
+        <p:txBody>
+          <a:bodyPr/>
+          <a:lstStyle/>
+          <a:p>
+            <a:r>
+              <a:rPr lang="en-US" dirty="0" smtClean="0"/>
+              <a:t>Thank you!!!</a:t>
+            </a:r>
+          </a:p>
+          <a:p>
+            <a:r>
+              <a:rPr lang="en-US" smtClean="0"/>
+              <a:t>Feel free to ask!!!</a:t>
+            </a:r>
+            <a:endParaRPr lang="en-US"/>
+          </a:p>
+        </p:txBody>
+      </p:sp>
+      <p:sp>
+        <p:nvSpPr>
+          <p:cNvPr id="3" name="Title 2"/>
           <p:cNvSpPr>
             <a:spLocks noGrp="1"/>
           </p:cNvSpPr>
@@ -6283,52 +5512,17 @@
         </p:nvSpPr>
         <p:spPr/>
         <p:txBody>
-          <a:bodyPr>
-            <a:normAutofit/>
-          </a:bodyPr>
-          <a:lstStyle/>
-          <a:p>
-            <a:r>
-              <a:rPr lang="en-US" dirty="0"/>
-              <a:t>Thank </a:t>
-            </a:r>
-            <a:r>
-              <a:rPr lang="en-US" dirty="0" smtClean="0"/>
-              <a:t>you</a:t>
-            </a:r>
-            <a:br>
-              <a:rPr lang="en-US" dirty="0" smtClean="0"/>
-            </a:br>
-            <a:endParaRPr lang="en-US" dirty="0"/>
-          </a:p>
-        </p:txBody>
-      </p:sp>
-      <p:sp>
-        <p:nvSpPr>
-          <p:cNvPr id="3" name="Subtitle 2"/>
-          <p:cNvSpPr>
-            <a:spLocks noGrp="1"/>
-          </p:cNvSpPr>
-          <p:nvPr>
-            <p:ph type="subTitle" idx="1"/>
-          </p:nvPr>
-        </p:nvSpPr>
-        <p:spPr/>
-        <p:txBody>
           <a:bodyPr/>
           <a:lstStyle/>
           <a:p>
-            <a:r>
-              <a:rPr lang="en-US" dirty="0"/>
-              <a:t>Questions?</a:t>
-            </a:r>
+            <a:endParaRPr lang="en-US"/>
           </a:p>
         </p:txBody>
       </p:sp>
     </p:spTree>
     <p:extLst>
       <p:ext uri="{BB962C8B-B14F-4D97-AF65-F5344CB8AC3E}">
-        <p14:creationId xmlns:p14="http://schemas.microsoft.com/office/powerpoint/2010/main" val="1733739084"/>
+        <p14:creationId xmlns:p14="http://schemas.microsoft.com/office/powerpoint/2010/main" val="1355775326"/>
       </p:ext>
     </p:extLst>
   </p:cSld>
@@ -6338,481 +5532,7 @@
 </p:sld>
 </file>
 
-<file path=ppt/slides/slide2.xml><?xml version="1.0" encoding="utf-8"?>
-<p:sld xmlns:a="http://schemas.openxmlformats.org/drawingml/2006/main" xmlns:r="http://schemas.openxmlformats.org/officeDocument/2006/relationships" xmlns:p="http://schemas.openxmlformats.org/presentationml/2006/main">
-  <p:cSld>
-    <p:spTree>
-      <p:nvGrpSpPr>
-        <p:cNvPr id="1" name=""/>
-        <p:cNvGrpSpPr/>
-        <p:nvPr/>
-      </p:nvGrpSpPr>
-      <p:grpSpPr>
-        <a:xfrm>
-          <a:off x="0" y="0"/>
-          <a:ext cx="0" cy="0"/>
-          <a:chOff x="0" y="0"/>
-          <a:chExt cx="0" cy="0"/>
-        </a:xfrm>
-      </p:grpSpPr>
-      <p:sp>
-        <p:nvSpPr>
-          <p:cNvPr id="2" name="Content Placeholder 1"/>
-          <p:cNvSpPr>
-            <a:spLocks noGrp="1"/>
-          </p:cNvSpPr>
-          <p:nvPr>
-            <p:ph sz="quarter" idx="13"/>
-          </p:nvPr>
-        </p:nvSpPr>
-        <p:spPr/>
-        <p:txBody>
-          <a:bodyPr>
-            <a:normAutofit/>
-          </a:bodyPr>
-          <a:lstStyle/>
-          <a:p>
-            <a:pPr algn="l"/>
-            <a:r>
-              <a:rPr lang="en-US" dirty="0" smtClean="0"/>
-              <a:t>Parallel Programs introduces</a:t>
-            </a:r>
-          </a:p>
-          <a:p>
-            <a:pPr marL="342900" indent="-342900" algn="l">
-              <a:buFont typeface="Wingdings" charset="2"/>
-              <a:buChar char="u"/>
-            </a:pPr>
-            <a:r>
-              <a:rPr lang="en-US" dirty="0" smtClean="0"/>
-              <a:t>added complexity</a:t>
-            </a:r>
-          </a:p>
-          <a:p>
-            <a:pPr marL="342900" indent="-342900" algn="l">
-              <a:buFont typeface="Wingdings" charset="2"/>
-              <a:buChar char="u"/>
-            </a:pPr>
-            <a:r>
-              <a:rPr lang="en-US" dirty="0"/>
-              <a:t>r</a:t>
-            </a:r>
-            <a:r>
-              <a:rPr lang="en-US" dirty="0" smtClean="0"/>
-              <a:t>ewrite code to remove dependencies</a:t>
-            </a:r>
-          </a:p>
-          <a:p>
-            <a:pPr marL="342900" indent="-342900" algn="l">
-              <a:buFont typeface="Wingdings" charset="2"/>
-              <a:buChar char="u"/>
-            </a:pPr>
-            <a:r>
-              <a:rPr lang="en-US" dirty="0"/>
-              <a:t>non-deterministic behavior </a:t>
-            </a:r>
-            <a:r>
-              <a:rPr lang="en-US" dirty="0" smtClean="0"/>
-              <a:t>which is why you need a certain level of synchronization</a:t>
-            </a:r>
-          </a:p>
-          <a:p>
-            <a:pPr marL="342900" indent="-342900" algn="l">
-              <a:buFont typeface="Wingdings" charset="2"/>
-              <a:buChar char="u"/>
-            </a:pPr>
-            <a:r>
-              <a:rPr lang="en-US" dirty="0"/>
-              <a:t>With a lack of synchronization, race </a:t>
-            </a:r>
-            <a:r>
-              <a:rPr lang="en-US" dirty="0" smtClean="0"/>
-              <a:t>conditions </a:t>
-            </a:r>
-            <a:r>
-              <a:rPr lang="en-US" dirty="0"/>
-              <a:t>can lead to corrupted data</a:t>
-            </a:r>
-            <a:r>
-              <a:rPr lang="en-US" dirty="0" smtClean="0"/>
-              <a:t>.</a:t>
-            </a:r>
-          </a:p>
-          <a:p>
-            <a:pPr marL="342900" indent="-342900" algn="l">
-              <a:buFont typeface="Wingdings" charset="2"/>
-              <a:buChar char="u"/>
-            </a:pPr>
-            <a:r>
-              <a:rPr lang="en-US" dirty="0"/>
-              <a:t>With too much synchronization, tasks may be forced to wait for </a:t>
-            </a:r>
-            <a:r>
-              <a:rPr lang="en-US" dirty="0" smtClean="0"/>
-              <a:t>one </a:t>
-            </a:r>
-            <a:r>
-              <a:rPr lang="en-US" dirty="0"/>
-              <a:t>other, and costly communication may be required between cores regarding the status of protected </a:t>
-            </a:r>
-            <a:r>
-              <a:rPr lang="en-US" dirty="0" smtClean="0"/>
-              <a:t>memory </a:t>
-            </a:r>
-            <a:r>
-              <a:rPr lang="en-US" dirty="0"/>
-              <a:t>locations</a:t>
-            </a:r>
-            <a:r>
-              <a:rPr lang="en-US" dirty="0" smtClean="0"/>
-              <a:t>.</a:t>
-            </a:r>
-            <a:endParaRPr lang="en-US" dirty="0"/>
-          </a:p>
-        </p:txBody>
-      </p:sp>
-      <p:sp>
-        <p:nvSpPr>
-          <p:cNvPr id="3" name="Title 2"/>
-          <p:cNvSpPr>
-            <a:spLocks noGrp="1"/>
-          </p:cNvSpPr>
-          <p:nvPr>
-            <p:ph type="title"/>
-          </p:nvPr>
-        </p:nvSpPr>
-        <p:spPr/>
-        <p:txBody>
-          <a:bodyPr/>
-          <a:lstStyle/>
-          <a:p>
-            <a:r>
-              <a:rPr lang="en-US" dirty="0" smtClean="0"/>
-              <a:t>Why there are pitfalls?</a:t>
-            </a:r>
-            <a:endParaRPr lang="en-US" dirty="0"/>
-          </a:p>
-        </p:txBody>
-      </p:sp>
-    </p:spTree>
-    <p:extLst>
-      <p:ext uri="{BB962C8B-B14F-4D97-AF65-F5344CB8AC3E}">
-        <p14:creationId xmlns:p14="http://schemas.microsoft.com/office/powerpoint/2010/main" val="395108062"/>
-      </p:ext>
-    </p:extLst>
-  </p:cSld>
-  <p:clrMapOvr>
-    <a:masterClrMapping/>
-  </p:clrMapOvr>
-</p:sld>
-</file>
-
-<file path=ppt/slides/slide3.xml><?xml version="1.0" encoding="utf-8"?>
-<p:sld xmlns:a="http://schemas.openxmlformats.org/drawingml/2006/main" xmlns:r="http://schemas.openxmlformats.org/officeDocument/2006/relationships" xmlns:p="http://schemas.openxmlformats.org/presentationml/2006/main">
-  <p:cSld>
-    <p:spTree>
-      <p:nvGrpSpPr>
-        <p:cNvPr id="1" name=""/>
-        <p:cNvGrpSpPr/>
-        <p:nvPr/>
-      </p:nvGrpSpPr>
-      <p:grpSpPr>
-        <a:xfrm>
-          <a:off x="0" y="0"/>
-          <a:ext cx="0" cy="0"/>
-          <a:chOff x="0" y="0"/>
-          <a:chExt cx="0" cy="0"/>
-        </a:xfrm>
-      </p:grpSpPr>
-      <p:sp>
-        <p:nvSpPr>
-          <p:cNvPr id="2" name="Content Placeholder 1"/>
-          <p:cNvSpPr>
-            <a:spLocks noGrp="1"/>
-          </p:cNvSpPr>
-          <p:nvPr>
-            <p:ph sz="quarter" idx="13"/>
-          </p:nvPr>
-        </p:nvSpPr>
-        <p:spPr/>
-        <p:txBody>
-          <a:bodyPr/>
-          <a:lstStyle/>
-          <a:p>
-            <a:pPr algn="l"/>
-            <a:r>
-              <a:rPr lang="en-US" dirty="0" smtClean="0"/>
-              <a:t>To </a:t>
-            </a:r>
-            <a:r>
-              <a:rPr lang="en-US" dirty="0"/>
-              <a:t>properly balance synchronicity and efficiency.</a:t>
-            </a:r>
-            <a:endParaRPr lang="en-US" dirty="0" smtClean="0"/>
-          </a:p>
-          <a:p>
-            <a:pPr marL="342900" indent="-342900" algn="l">
-              <a:buFont typeface="Wingdings" charset="2"/>
-              <a:buChar char="u"/>
-            </a:pPr>
-            <a:r>
-              <a:rPr lang="en-US" dirty="0"/>
-              <a:t>R</a:t>
-            </a:r>
-            <a:r>
-              <a:rPr lang="en-US" dirty="0" smtClean="0"/>
-              <a:t>ecognize </a:t>
-            </a:r>
-            <a:r>
-              <a:rPr lang="en-US" dirty="0"/>
-              <a:t>the problems associated </a:t>
-            </a:r>
-            <a:r>
-              <a:rPr lang="en-US" dirty="0" smtClean="0"/>
-              <a:t>with </a:t>
-            </a:r>
-            <a:r>
-              <a:rPr lang="en-US" dirty="0"/>
-              <a:t>creating a parallel </a:t>
-            </a:r>
-            <a:r>
-              <a:rPr lang="en-US" dirty="0" smtClean="0"/>
-              <a:t>program</a:t>
-            </a:r>
-          </a:p>
-          <a:p>
-            <a:pPr marL="342900" indent="-342900" algn="l">
-              <a:buFont typeface="Wingdings" charset="2"/>
-              <a:buChar char="u"/>
-            </a:pPr>
-            <a:r>
-              <a:rPr lang="en-US" dirty="0" smtClean="0"/>
-              <a:t>Suggest </a:t>
-            </a:r>
-            <a:r>
-              <a:rPr lang="en-US" dirty="0"/>
-              <a:t>possible solutions for solving or alleviating these issues. </a:t>
-            </a:r>
-          </a:p>
-          <a:p>
-            <a:pPr marL="342900" indent="-342900" algn="l">
-              <a:buFont typeface="Wingdings" charset="2"/>
-              <a:buChar char="u"/>
-            </a:pPr>
-            <a:endParaRPr lang="en-US" dirty="0" smtClean="0"/>
-          </a:p>
-          <a:p>
-            <a:pPr algn="l"/>
-            <a:r>
-              <a:rPr lang="en-US" dirty="0" smtClean="0"/>
-              <a:t>To do this effectively</a:t>
-            </a:r>
-          </a:p>
-          <a:p>
-            <a:pPr marL="342900" indent="-342900" algn="l">
-              <a:buFont typeface="Wingdings" charset="2"/>
-              <a:buChar char="u"/>
-            </a:pPr>
-            <a:r>
-              <a:rPr lang="en-US" dirty="0" smtClean="0"/>
-              <a:t>Develop a web application </a:t>
-            </a:r>
-            <a:r>
-              <a:rPr lang="en-US" dirty="0"/>
-              <a:t>to help </a:t>
-            </a:r>
-            <a:r>
-              <a:rPr lang="en-US" dirty="0" smtClean="0"/>
-              <a:t>understand </a:t>
-            </a:r>
-            <a:r>
-              <a:rPr lang="en-US" dirty="0"/>
-              <a:t>the </a:t>
-            </a:r>
-            <a:r>
-              <a:rPr lang="en-US" dirty="0" smtClean="0"/>
-              <a:t>parallel programming pitfalls </a:t>
-            </a:r>
-            <a:r>
-              <a:rPr lang="en-US" dirty="0"/>
-              <a:t>in a visual and interactive </a:t>
-            </a:r>
-            <a:r>
-              <a:rPr lang="en-US" dirty="0" smtClean="0"/>
-              <a:t>manner.</a:t>
-            </a:r>
-          </a:p>
-          <a:p>
-            <a:pPr marL="342900" indent="-342900" algn="l">
-              <a:buFont typeface="Wingdings" charset="2"/>
-              <a:buChar char="u"/>
-            </a:pPr>
-            <a:r>
-              <a:rPr lang="en-US" dirty="0" smtClean="0"/>
-              <a:t>Explain how these major challenges come into play and how they can be met.</a:t>
-            </a:r>
-            <a:endParaRPr lang="en-US" dirty="0"/>
-          </a:p>
-        </p:txBody>
-      </p:sp>
-      <p:sp>
-        <p:nvSpPr>
-          <p:cNvPr id="3" name="Title 2"/>
-          <p:cNvSpPr>
-            <a:spLocks noGrp="1"/>
-          </p:cNvSpPr>
-          <p:nvPr>
-            <p:ph type="title"/>
-          </p:nvPr>
-        </p:nvSpPr>
-        <p:spPr/>
-        <p:txBody>
-          <a:bodyPr/>
-          <a:lstStyle/>
-          <a:p>
-            <a:r>
-              <a:rPr lang="en-US" dirty="0" smtClean="0"/>
-              <a:t>our contribution</a:t>
-            </a:r>
-            <a:endParaRPr lang="en-US" dirty="0"/>
-          </a:p>
-        </p:txBody>
-      </p:sp>
-    </p:spTree>
-    <p:extLst>
-      <p:ext uri="{BB962C8B-B14F-4D97-AF65-F5344CB8AC3E}">
-        <p14:creationId xmlns:p14="http://schemas.microsoft.com/office/powerpoint/2010/main" val="323898354"/>
-      </p:ext>
-    </p:extLst>
-  </p:cSld>
-  <p:clrMapOvr>
-    <a:masterClrMapping/>
-  </p:clrMapOvr>
-</p:sld>
-</file>
-
-<file path=ppt/slides/slide4.xml><?xml version="1.0" encoding="utf-8"?>
-<p:sld xmlns:a="http://schemas.openxmlformats.org/drawingml/2006/main" xmlns:r="http://schemas.openxmlformats.org/officeDocument/2006/relationships" xmlns:p="http://schemas.openxmlformats.org/presentationml/2006/main">
-  <p:cSld>
-    <p:spTree>
-      <p:nvGrpSpPr>
-        <p:cNvPr id="1" name=""/>
-        <p:cNvGrpSpPr/>
-        <p:nvPr/>
-      </p:nvGrpSpPr>
-      <p:grpSpPr>
-        <a:xfrm>
-          <a:off x="0" y="0"/>
-          <a:ext cx="0" cy="0"/>
-          <a:chOff x="0" y="0"/>
-          <a:chExt cx="0" cy="0"/>
-        </a:xfrm>
-      </p:grpSpPr>
-      <p:sp>
-        <p:nvSpPr>
-          <p:cNvPr id="2" name="Content Placeholder 1"/>
-          <p:cNvSpPr>
-            <a:spLocks noGrp="1"/>
-          </p:cNvSpPr>
-          <p:nvPr>
-            <p:ph sz="quarter" idx="13"/>
-          </p:nvPr>
-        </p:nvSpPr>
-        <p:spPr/>
-        <p:txBody>
-          <a:bodyPr/>
-          <a:lstStyle/>
-          <a:p>
-            <a:pPr marL="342900" indent="-342900" algn="l">
-              <a:buFont typeface="Wingdings" charset="2"/>
-              <a:buChar char="u"/>
-            </a:pPr>
-            <a:r>
-              <a:rPr lang="en-US" dirty="0" smtClean="0"/>
-              <a:t>Race Conditions</a:t>
-            </a:r>
-          </a:p>
-          <a:p>
-            <a:pPr marL="342900" indent="-342900" algn="l">
-              <a:buFont typeface="Wingdings" charset="2"/>
-              <a:buChar char="u"/>
-            </a:pPr>
-            <a:r>
-              <a:rPr lang="en-US" dirty="0" smtClean="0"/>
-              <a:t>Mutual Exclusions and Locks</a:t>
-            </a:r>
-          </a:p>
-          <a:p>
-            <a:pPr marL="342900" indent="-342900" algn="l">
-              <a:buFont typeface="Wingdings" charset="2"/>
-              <a:buChar char="u"/>
-            </a:pPr>
-            <a:r>
-              <a:rPr lang="en-US" dirty="0" smtClean="0"/>
-              <a:t>Deadlock</a:t>
-            </a:r>
-          </a:p>
-          <a:p>
-            <a:pPr marL="342900" indent="-342900" algn="l">
-              <a:buFont typeface="Wingdings" charset="2"/>
-              <a:buChar char="u"/>
-            </a:pPr>
-            <a:r>
-              <a:rPr lang="en-US" dirty="0" smtClean="0"/>
-              <a:t>Starvation</a:t>
-            </a:r>
-            <a:endParaRPr lang="en-US" dirty="0" smtClean="0"/>
-          </a:p>
-          <a:p>
-            <a:pPr marL="342900" indent="-342900" algn="l">
-              <a:buFont typeface="Wingdings" charset="2"/>
-              <a:buChar char="u"/>
-            </a:pPr>
-            <a:endParaRPr lang="en-US" dirty="0"/>
-          </a:p>
-        </p:txBody>
-      </p:sp>
-      <p:sp>
-        <p:nvSpPr>
-          <p:cNvPr id="3" name="Title 2"/>
-          <p:cNvSpPr>
-            <a:spLocks noGrp="1"/>
-          </p:cNvSpPr>
-          <p:nvPr>
-            <p:ph type="title"/>
-          </p:nvPr>
-        </p:nvSpPr>
-        <p:spPr/>
-        <p:txBody>
-          <a:bodyPr/>
-          <a:lstStyle/>
-          <a:p>
-            <a:r>
-              <a:rPr lang="en-US" dirty="0" smtClean="0"/>
-              <a:t>Common </a:t>
-            </a:r>
-            <a:r>
-              <a:rPr lang="en-US" dirty="0" smtClean="0"/>
-              <a:t>pitfalls</a:t>
-            </a:r>
-            <a:endParaRPr lang="en-US" dirty="0"/>
-          </a:p>
-        </p:txBody>
-      </p:sp>
-    </p:spTree>
-    <p:extLst>
-      <p:ext uri="{BB962C8B-B14F-4D97-AF65-F5344CB8AC3E}">
-        <p14:creationId xmlns:p14="http://schemas.microsoft.com/office/powerpoint/2010/main" val="2519380281"/>
-      </p:ext>
-    </p:extLst>
-  </p:cSld>
-  <p:clrMapOvr>
-    <a:masterClrMapping/>
-  </p:clrMapOvr>
-</p:sld>
-</file>
-
-<file path=ppt/slides/slide5.xml><?xml version="1.0" encoding="utf-8"?>
+<file path=ppt/slides/slide14.xml><?xml version="1.0" encoding="utf-8"?>
 <p:sld xmlns:a="http://schemas.openxmlformats.org/drawingml/2006/main" xmlns:r="http://schemas.openxmlformats.org/officeDocument/2006/relationships" xmlns:p="http://schemas.openxmlformats.org/presentationml/2006/main">
   <p:cSld>
     <p:spTree>
@@ -7668,7 +6388,7 @@
 </p:sld>
 </file>
 
-<file path=ppt/slides/slide6.xml><?xml version="1.0" encoding="utf-8"?>
+<file path=ppt/slides/slide15.xml><?xml version="1.0" encoding="utf-8"?>
 <p:sld xmlns:a="http://schemas.openxmlformats.org/drawingml/2006/main" xmlns:r="http://schemas.openxmlformats.org/officeDocument/2006/relationships" xmlns:p="http://schemas.openxmlformats.org/presentationml/2006/main">
   <p:cSld>
     <p:spTree>
@@ -8623,7 +7343,7 @@
 </p:sld>
 </file>
 
-<file path=ppt/slides/slide7.xml><?xml version="1.0" encoding="utf-8"?>
+<file path=ppt/slides/slide16.xml><?xml version="1.0" encoding="utf-8"?>
 <p:sld xmlns:a="http://schemas.openxmlformats.org/drawingml/2006/main" xmlns:r="http://schemas.openxmlformats.org/officeDocument/2006/relationships" xmlns:p="http://schemas.openxmlformats.org/presentationml/2006/main">
   <p:cSld>
     <p:spTree>
@@ -8703,7 +7423,7 @@
 </p:sld>
 </file>
 
-<file path=ppt/slides/slide8.xml><?xml version="1.0" encoding="utf-8"?>
+<file path=ppt/slides/slide17.xml><?xml version="1.0" encoding="utf-8"?>
 <p:sld xmlns:a="http://schemas.openxmlformats.org/drawingml/2006/main" xmlns:r="http://schemas.openxmlformats.org/officeDocument/2006/relationships" xmlns:p="http://schemas.openxmlformats.org/presentationml/2006/main">
   <p:cSld>
     <p:spTree>
@@ -9986,7 +8706,7 @@
 </p:sld>
 </file>
 
-<file path=ppt/slides/slide9.xml><?xml version="1.0" encoding="utf-8"?>
+<file path=ppt/slides/slide18.xml><?xml version="1.0" encoding="utf-8"?>
 <p:sld xmlns:a="http://schemas.openxmlformats.org/drawingml/2006/main" xmlns:r="http://schemas.openxmlformats.org/officeDocument/2006/relationships" xmlns:p="http://schemas.openxmlformats.org/presentationml/2006/main">
   <p:cSld>
     <p:spTree>
@@ -10598,6 +9318,2294 @@
       </p:par>
     </p:tnLst>
   </p:timing>
+</p:sld>
+</file>
+
+<file path=ppt/slides/slide19.xml><?xml version="1.0" encoding="utf-8"?>
+<p:sld xmlns:a="http://schemas.openxmlformats.org/drawingml/2006/main" xmlns:r="http://schemas.openxmlformats.org/officeDocument/2006/relationships" xmlns:p="http://schemas.openxmlformats.org/presentationml/2006/main">
+  <p:cSld>
+    <p:spTree>
+      <p:nvGrpSpPr>
+        <p:cNvPr id="1" name=""/>
+        <p:cNvGrpSpPr/>
+        <p:nvPr/>
+      </p:nvGrpSpPr>
+      <p:grpSpPr>
+        <a:xfrm>
+          <a:off x="0" y="0"/>
+          <a:ext cx="0" cy="0"/>
+          <a:chOff x="0" y="0"/>
+          <a:chExt cx="0" cy="0"/>
+        </a:xfrm>
+      </p:grpSpPr>
+      <p:sp>
+        <p:nvSpPr>
+          <p:cNvPr id="2" name="Content Placeholder 1"/>
+          <p:cNvSpPr>
+            <a:spLocks noGrp="1"/>
+          </p:cNvSpPr>
+          <p:nvPr>
+            <p:ph sz="quarter" idx="13"/>
+          </p:nvPr>
+        </p:nvSpPr>
+        <p:spPr/>
+        <p:txBody>
+          <a:bodyPr/>
+          <a:lstStyle/>
+          <a:p>
+            <a:pPr algn="l"/>
+            <a:r>
+              <a:rPr lang="en-US" dirty="0"/>
+              <a:t>Process P1:</a:t>
+            </a:r>
+          </a:p>
+          <a:p>
+            <a:pPr algn="l"/>
+            <a:r>
+              <a:rPr lang="en-US" dirty="0"/>
+              <a:t>request(R1)</a:t>
+            </a:r>
+            <a:r>
+              <a:rPr lang="en-US" dirty="0" smtClean="0"/>
+              <a:t>;…		release</a:t>
+            </a:r>
+            <a:r>
+              <a:rPr lang="en-US" dirty="0"/>
+              <a:t>(R1</a:t>
+            </a:r>
+            <a:r>
+              <a:rPr lang="en-US" dirty="0" smtClean="0"/>
+              <a:t>); request</a:t>
+            </a:r>
+            <a:r>
+              <a:rPr lang="en-US" dirty="0"/>
+              <a:t>(R2);..</a:t>
+            </a:r>
+            <a:r>
+              <a:rPr lang="en-US" dirty="0" smtClean="0"/>
+              <a:t>.		release</a:t>
+            </a:r>
+            <a:r>
+              <a:rPr lang="en-US" dirty="0"/>
+              <a:t>(R2</a:t>
+            </a:r>
+            <a:r>
+              <a:rPr lang="en-US" dirty="0" smtClean="0"/>
+              <a:t>);</a:t>
+            </a:r>
+            <a:endParaRPr lang="en-US" dirty="0"/>
+          </a:p>
+          <a:p>
+            <a:pPr algn="l"/>
+            <a:endParaRPr lang="en-US" dirty="0"/>
+          </a:p>
+          <a:p>
+            <a:pPr algn="l"/>
+            <a:endParaRPr lang="en-US" dirty="0"/>
+          </a:p>
+          <a:p>
+            <a:pPr algn="l"/>
+            <a:endParaRPr lang="en-US" dirty="0"/>
+          </a:p>
+          <a:p>
+            <a:pPr algn="l"/>
+            <a:r>
+              <a:rPr lang="en-US" dirty="0"/>
+              <a:t>Process P2:</a:t>
+            </a:r>
+          </a:p>
+          <a:p>
+            <a:pPr algn="l"/>
+            <a:r>
+              <a:rPr lang="en-US" dirty="0"/>
+              <a:t>request(</a:t>
+            </a:r>
+            <a:r>
+              <a:rPr lang="en-US" dirty="0" smtClean="0"/>
+              <a:t>R2)</a:t>
+            </a:r>
+            <a:r>
+              <a:rPr lang="en-US" dirty="0"/>
+              <a:t>;..</a:t>
+            </a:r>
+            <a:r>
+              <a:rPr lang="en-US" dirty="0" smtClean="0"/>
+              <a:t>.		</a:t>
+            </a:r>
+            <a:r>
+              <a:rPr lang="en-US" dirty="0"/>
+              <a:t>release(R2)</a:t>
+            </a:r>
+            <a:r>
+              <a:rPr lang="en-US" dirty="0" smtClean="0"/>
+              <a:t>; request</a:t>
+            </a:r>
+            <a:r>
+              <a:rPr lang="en-US" dirty="0"/>
+              <a:t>(</a:t>
+            </a:r>
+            <a:r>
+              <a:rPr lang="en-US" dirty="0" smtClean="0"/>
+              <a:t>R1);	…	release</a:t>
+            </a:r>
+            <a:r>
+              <a:rPr lang="en-US" dirty="0"/>
+              <a:t>(R1)</a:t>
+            </a:r>
+            <a:r>
+              <a:rPr lang="en-US" dirty="0" smtClean="0"/>
+              <a:t>;</a:t>
+            </a:r>
+            <a:endParaRPr lang="en-US" dirty="0"/>
+          </a:p>
+        </p:txBody>
+      </p:sp>
+      <p:sp>
+        <p:nvSpPr>
+          <p:cNvPr id="3" name="Title 2"/>
+          <p:cNvSpPr>
+            <a:spLocks noGrp="1"/>
+          </p:cNvSpPr>
+          <p:nvPr>
+            <p:ph type="title"/>
+          </p:nvPr>
+        </p:nvSpPr>
+        <p:spPr/>
+        <p:txBody>
+          <a:bodyPr/>
+          <a:lstStyle/>
+          <a:p>
+            <a:r>
+              <a:rPr lang="en-US" dirty="0"/>
+              <a:t>Release Before Request</a:t>
+            </a:r>
+          </a:p>
+        </p:txBody>
+      </p:sp>
+      <p:sp>
+        <p:nvSpPr>
+          <p:cNvPr id="4" name="Rectangle 3"/>
+          <p:cNvSpPr/>
+          <p:nvPr/>
+        </p:nvSpPr>
+        <p:spPr>
+          <a:xfrm>
+            <a:off x="1054515" y="2870217"/>
+            <a:ext cx="2144253" cy="329910"/>
+          </a:xfrm>
+          <a:prstGeom prst="rect">
+            <a:avLst/>
+          </a:prstGeom>
+          <a:solidFill>
+            <a:srgbClr val="FF0000"/>
+          </a:solidFill>
+        </p:spPr>
+        <p:style>
+          <a:lnRef idx="1">
+            <a:schemeClr val="accent1"/>
+          </a:lnRef>
+          <a:fillRef idx="3">
+            <a:schemeClr val="accent1"/>
+          </a:fillRef>
+          <a:effectRef idx="2">
+            <a:schemeClr val="accent1"/>
+          </a:effectRef>
+          <a:fontRef idx="minor">
+            <a:schemeClr val="lt1"/>
+          </a:fontRef>
+        </p:style>
+        <p:txBody>
+          <a:bodyPr rtlCol="0" anchor="ctr"/>
+          <a:lstStyle/>
+          <a:p>
+            <a:pPr algn="ctr"/>
+            <a:r>
+              <a:rPr lang="en-US" dirty="0" smtClean="0"/>
+              <a:t>R1 Critical Section</a:t>
+            </a:r>
+            <a:endParaRPr lang="en-US" dirty="0"/>
+          </a:p>
+        </p:txBody>
+      </p:sp>
+      <p:sp>
+        <p:nvSpPr>
+          <p:cNvPr id="5" name="Rectangle 4"/>
+          <p:cNvSpPr/>
+          <p:nvPr/>
+        </p:nvSpPr>
+        <p:spPr>
+          <a:xfrm>
+            <a:off x="4761769" y="2870217"/>
+            <a:ext cx="2144253" cy="329910"/>
+          </a:xfrm>
+          <a:prstGeom prst="rect">
+            <a:avLst/>
+          </a:prstGeom>
+        </p:spPr>
+        <p:style>
+          <a:lnRef idx="1">
+            <a:schemeClr val="accent1"/>
+          </a:lnRef>
+          <a:fillRef idx="3">
+            <a:schemeClr val="accent1"/>
+          </a:fillRef>
+          <a:effectRef idx="2">
+            <a:schemeClr val="accent1"/>
+          </a:effectRef>
+          <a:fontRef idx="minor">
+            <a:schemeClr val="lt1"/>
+          </a:fontRef>
+        </p:style>
+        <p:txBody>
+          <a:bodyPr rtlCol="0" anchor="ctr"/>
+          <a:lstStyle/>
+          <a:p>
+            <a:pPr algn="ctr"/>
+            <a:r>
+              <a:rPr lang="en-US" dirty="0" smtClean="0"/>
+              <a:t>R2 Critical Section</a:t>
+            </a:r>
+            <a:endParaRPr lang="en-US" dirty="0"/>
+          </a:p>
+        </p:txBody>
+      </p:sp>
+      <p:sp>
+        <p:nvSpPr>
+          <p:cNvPr id="6" name="Rectangle 5"/>
+          <p:cNvSpPr/>
+          <p:nvPr/>
+        </p:nvSpPr>
+        <p:spPr>
+          <a:xfrm>
+            <a:off x="1054515" y="4853616"/>
+            <a:ext cx="2144253" cy="329910"/>
+          </a:xfrm>
+          <a:prstGeom prst="rect">
+            <a:avLst/>
+          </a:prstGeom>
+        </p:spPr>
+        <p:style>
+          <a:lnRef idx="1">
+            <a:schemeClr val="accent1"/>
+          </a:lnRef>
+          <a:fillRef idx="3">
+            <a:schemeClr val="accent1"/>
+          </a:fillRef>
+          <a:effectRef idx="2">
+            <a:schemeClr val="accent1"/>
+          </a:effectRef>
+          <a:fontRef idx="minor">
+            <a:schemeClr val="lt1"/>
+          </a:fontRef>
+        </p:style>
+        <p:txBody>
+          <a:bodyPr rtlCol="0" anchor="ctr"/>
+          <a:lstStyle/>
+          <a:p>
+            <a:pPr algn="ctr"/>
+            <a:r>
+              <a:rPr lang="en-US" dirty="0" smtClean="0"/>
+              <a:t>R2 Critical Section</a:t>
+            </a:r>
+            <a:endParaRPr lang="en-US" dirty="0"/>
+          </a:p>
+        </p:txBody>
+      </p:sp>
+      <p:sp>
+        <p:nvSpPr>
+          <p:cNvPr id="7" name="Rectangle 6"/>
+          <p:cNvSpPr/>
+          <p:nvPr/>
+        </p:nvSpPr>
+        <p:spPr>
+          <a:xfrm>
+            <a:off x="4761769" y="4853616"/>
+            <a:ext cx="2144253" cy="329910"/>
+          </a:xfrm>
+          <a:prstGeom prst="rect">
+            <a:avLst/>
+          </a:prstGeom>
+          <a:solidFill>
+            <a:srgbClr val="FF0000"/>
+          </a:solidFill>
+        </p:spPr>
+        <p:style>
+          <a:lnRef idx="1">
+            <a:schemeClr val="accent1"/>
+          </a:lnRef>
+          <a:fillRef idx="3">
+            <a:schemeClr val="accent1"/>
+          </a:fillRef>
+          <a:effectRef idx="2">
+            <a:schemeClr val="accent1"/>
+          </a:effectRef>
+          <a:fontRef idx="minor">
+            <a:schemeClr val="lt1"/>
+          </a:fontRef>
+        </p:style>
+        <p:txBody>
+          <a:bodyPr rtlCol="0" anchor="ctr"/>
+          <a:lstStyle/>
+          <a:p>
+            <a:pPr algn="ctr"/>
+            <a:r>
+              <a:rPr lang="en-US" dirty="0" smtClean="0"/>
+              <a:t>R1 Critical Section</a:t>
+            </a:r>
+            <a:endParaRPr lang="en-US" dirty="0"/>
+          </a:p>
+        </p:txBody>
+      </p:sp>
+    </p:spTree>
+    <p:extLst>
+      <p:ext uri="{BB962C8B-B14F-4D97-AF65-F5344CB8AC3E}">
+        <p14:creationId xmlns:p14="http://schemas.microsoft.com/office/powerpoint/2010/main" val="1607522363"/>
+      </p:ext>
+    </p:extLst>
+  </p:cSld>
+  <p:clrMapOvr>
+    <a:masterClrMapping/>
+  </p:clrMapOvr>
+  <p:timing>
+    <p:tnLst>
+      <p:par>
+        <p:cTn xmlns:p14="http://schemas.microsoft.com/office/powerpoint/2010/main" id="1" dur="indefinite" restart="never" nodeType="tmRoot"/>
+      </p:par>
+    </p:tnLst>
+  </p:timing>
+</p:sld>
+</file>
+
+<file path=ppt/slides/slide2.xml><?xml version="1.0" encoding="utf-8"?>
+<p:sld xmlns:a="http://schemas.openxmlformats.org/drawingml/2006/main" xmlns:r="http://schemas.openxmlformats.org/officeDocument/2006/relationships" xmlns:p="http://schemas.openxmlformats.org/presentationml/2006/main">
+  <p:cSld>
+    <p:spTree>
+      <p:nvGrpSpPr>
+        <p:cNvPr id="1" name=""/>
+        <p:cNvGrpSpPr/>
+        <p:nvPr/>
+      </p:nvGrpSpPr>
+      <p:grpSpPr>
+        <a:xfrm>
+          <a:off x="0" y="0"/>
+          <a:ext cx="0" cy="0"/>
+          <a:chOff x="0" y="0"/>
+          <a:chExt cx="0" cy="0"/>
+        </a:xfrm>
+      </p:grpSpPr>
+      <p:sp>
+        <p:nvSpPr>
+          <p:cNvPr id="2" name="Content Placeholder 1"/>
+          <p:cNvSpPr>
+            <a:spLocks noGrp="1"/>
+          </p:cNvSpPr>
+          <p:nvPr>
+            <p:ph sz="quarter" idx="13"/>
+          </p:nvPr>
+        </p:nvSpPr>
+        <p:spPr/>
+        <p:txBody>
+          <a:bodyPr/>
+          <a:lstStyle/>
+          <a:p>
+            <a:endParaRPr lang="en-US"/>
+          </a:p>
+        </p:txBody>
+      </p:sp>
+      <p:sp>
+        <p:nvSpPr>
+          <p:cNvPr id="3" name="Title 2"/>
+          <p:cNvSpPr>
+            <a:spLocks noGrp="1"/>
+          </p:cNvSpPr>
+          <p:nvPr>
+            <p:ph type="title"/>
+          </p:nvPr>
+        </p:nvSpPr>
+        <p:spPr/>
+        <p:txBody>
+          <a:bodyPr/>
+          <a:lstStyle/>
+          <a:p>
+            <a:r>
+              <a:rPr lang="en-US" dirty="0" smtClean="0"/>
+              <a:t>Agenda</a:t>
+            </a:r>
+            <a:endParaRPr lang="en-US" dirty="0"/>
+          </a:p>
+        </p:txBody>
+      </p:sp>
+    </p:spTree>
+    <p:extLst>
+      <p:ext uri="{BB962C8B-B14F-4D97-AF65-F5344CB8AC3E}">
+        <p14:creationId xmlns:p14="http://schemas.microsoft.com/office/powerpoint/2010/main" val="2183150794"/>
+      </p:ext>
+    </p:extLst>
+  </p:cSld>
+  <p:clrMapOvr>
+    <a:masterClrMapping/>
+  </p:clrMapOvr>
+</p:sld>
+</file>
+
+<file path=ppt/slides/slide20.xml><?xml version="1.0" encoding="utf-8"?>
+<p:sld xmlns:a="http://schemas.openxmlformats.org/drawingml/2006/main" xmlns:r="http://schemas.openxmlformats.org/officeDocument/2006/relationships" xmlns:p="http://schemas.openxmlformats.org/presentationml/2006/main">
+  <p:cSld>
+    <p:spTree>
+      <p:nvGrpSpPr>
+        <p:cNvPr id="1" name=""/>
+        <p:cNvGrpSpPr/>
+        <p:nvPr/>
+      </p:nvGrpSpPr>
+      <p:grpSpPr>
+        <a:xfrm>
+          <a:off x="0" y="0"/>
+          <a:ext cx="0" cy="0"/>
+          <a:chOff x="0" y="0"/>
+          <a:chExt cx="0" cy="0"/>
+        </a:xfrm>
+      </p:grpSpPr>
+      <p:sp>
+        <p:nvSpPr>
+          <p:cNvPr id="2" name="Content Placeholder 1"/>
+          <p:cNvSpPr>
+            <a:spLocks noGrp="1"/>
+          </p:cNvSpPr>
+          <p:nvPr>
+            <p:ph sz="quarter" idx="13"/>
+          </p:nvPr>
+        </p:nvSpPr>
+        <p:spPr/>
+        <p:txBody>
+          <a:bodyPr/>
+          <a:lstStyle/>
+          <a:p>
+            <a:pPr algn="l"/>
+            <a:r>
+              <a:rPr lang="en-US" dirty="0"/>
+              <a:t>Process P1:</a:t>
+            </a:r>
+          </a:p>
+          <a:p>
+            <a:pPr algn="l"/>
+            <a:r>
+              <a:rPr lang="en-US" dirty="0"/>
+              <a:t>request(</a:t>
+            </a:r>
+            <a:r>
+              <a:rPr lang="en-US" dirty="0" smtClean="0"/>
+              <a:t>R1,R2);…		release</a:t>
+            </a:r>
+            <a:r>
+              <a:rPr lang="en-US" dirty="0"/>
+              <a:t>(</a:t>
+            </a:r>
+            <a:r>
+              <a:rPr lang="en-US" dirty="0" smtClean="0"/>
+              <a:t>R1,R2);</a:t>
+            </a:r>
+            <a:endParaRPr lang="en-US" dirty="0"/>
+          </a:p>
+          <a:p>
+            <a:pPr algn="l"/>
+            <a:endParaRPr lang="en-US" dirty="0"/>
+          </a:p>
+          <a:p>
+            <a:pPr algn="l"/>
+            <a:endParaRPr lang="en-US" dirty="0"/>
+          </a:p>
+          <a:p>
+            <a:pPr algn="l"/>
+            <a:endParaRPr lang="en-US" dirty="0"/>
+          </a:p>
+          <a:p>
+            <a:pPr algn="l"/>
+            <a:r>
+              <a:rPr lang="en-US" dirty="0"/>
+              <a:t>Process P2:</a:t>
+            </a:r>
+          </a:p>
+          <a:p>
+            <a:pPr algn="l"/>
+            <a:r>
+              <a:rPr lang="en-US" dirty="0"/>
+              <a:t>request</a:t>
+            </a:r>
+            <a:r>
+              <a:rPr lang="en-US" dirty="0" smtClean="0"/>
+              <a:t>(R1,R2)</a:t>
+            </a:r>
+            <a:r>
+              <a:rPr lang="en-US" dirty="0"/>
+              <a:t>;..</a:t>
+            </a:r>
+            <a:r>
+              <a:rPr lang="en-US" dirty="0" smtClean="0"/>
+              <a:t>.			release</a:t>
+            </a:r>
+            <a:r>
+              <a:rPr lang="en-US" dirty="0"/>
+              <a:t>(</a:t>
+            </a:r>
+            <a:r>
+              <a:rPr lang="en-US" dirty="0" smtClean="0"/>
+              <a:t>R2,R1); </a:t>
+            </a:r>
+            <a:endParaRPr lang="en-US" dirty="0"/>
+          </a:p>
+        </p:txBody>
+      </p:sp>
+      <p:sp>
+        <p:nvSpPr>
+          <p:cNvPr id="3" name="Title 2"/>
+          <p:cNvSpPr>
+            <a:spLocks noGrp="1"/>
+          </p:cNvSpPr>
+          <p:nvPr>
+            <p:ph type="title"/>
+          </p:nvPr>
+        </p:nvSpPr>
+        <p:spPr/>
+        <p:txBody>
+          <a:bodyPr/>
+          <a:lstStyle/>
+          <a:p>
+            <a:r>
+              <a:rPr lang="en-US" dirty="0" smtClean="0"/>
+              <a:t>Request ALL At once</a:t>
+            </a:r>
+            <a:endParaRPr lang="en-US" dirty="0"/>
+          </a:p>
+        </p:txBody>
+      </p:sp>
+      <p:sp>
+        <p:nvSpPr>
+          <p:cNvPr id="4" name="Rectangle 3"/>
+          <p:cNvSpPr/>
+          <p:nvPr/>
+        </p:nvSpPr>
+        <p:spPr>
+          <a:xfrm>
+            <a:off x="1978193" y="2886714"/>
+            <a:ext cx="2144253" cy="329910"/>
+          </a:xfrm>
+          <a:prstGeom prst="rect">
+            <a:avLst/>
+          </a:prstGeom>
+          <a:solidFill>
+            <a:srgbClr val="FF0000"/>
+          </a:solidFill>
+        </p:spPr>
+        <p:style>
+          <a:lnRef idx="1">
+            <a:schemeClr val="accent1"/>
+          </a:lnRef>
+          <a:fillRef idx="3">
+            <a:schemeClr val="accent1"/>
+          </a:fillRef>
+          <a:effectRef idx="2">
+            <a:schemeClr val="accent1"/>
+          </a:effectRef>
+          <a:fontRef idx="minor">
+            <a:schemeClr val="lt1"/>
+          </a:fontRef>
+        </p:style>
+        <p:txBody>
+          <a:bodyPr rtlCol="0" anchor="ctr"/>
+          <a:lstStyle/>
+          <a:p>
+            <a:pPr algn="ctr"/>
+            <a:r>
+              <a:rPr lang="en-US" dirty="0" smtClean="0"/>
+              <a:t>R1 Critical Section</a:t>
+            </a:r>
+            <a:endParaRPr lang="en-US" dirty="0"/>
+          </a:p>
+        </p:txBody>
+      </p:sp>
+      <p:sp>
+        <p:nvSpPr>
+          <p:cNvPr id="5" name="Rectangle 4"/>
+          <p:cNvSpPr/>
+          <p:nvPr/>
+        </p:nvSpPr>
+        <p:spPr>
+          <a:xfrm>
+            <a:off x="1978193" y="3348586"/>
+            <a:ext cx="2144253" cy="329910"/>
+          </a:xfrm>
+          <a:prstGeom prst="rect">
+            <a:avLst/>
+          </a:prstGeom>
+        </p:spPr>
+        <p:style>
+          <a:lnRef idx="1">
+            <a:schemeClr val="accent1"/>
+          </a:lnRef>
+          <a:fillRef idx="3">
+            <a:schemeClr val="accent1"/>
+          </a:fillRef>
+          <a:effectRef idx="2">
+            <a:schemeClr val="accent1"/>
+          </a:effectRef>
+          <a:fontRef idx="minor">
+            <a:schemeClr val="lt1"/>
+          </a:fontRef>
+        </p:style>
+        <p:txBody>
+          <a:bodyPr rtlCol="0" anchor="ctr"/>
+          <a:lstStyle/>
+          <a:p>
+            <a:pPr algn="ctr"/>
+            <a:r>
+              <a:rPr lang="en-US" dirty="0" smtClean="0"/>
+              <a:t>R2 Critical Section</a:t>
+            </a:r>
+            <a:endParaRPr lang="en-US" dirty="0"/>
+          </a:p>
+        </p:txBody>
+      </p:sp>
+      <p:sp>
+        <p:nvSpPr>
+          <p:cNvPr id="6" name="Rectangle 5"/>
+          <p:cNvSpPr/>
+          <p:nvPr/>
+        </p:nvSpPr>
+        <p:spPr>
+          <a:xfrm>
+            <a:off x="1978193" y="5546427"/>
+            <a:ext cx="2144253" cy="329910"/>
+          </a:xfrm>
+          <a:prstGeom prst="rect">
+            <a:avLst/>
+          </a:prstGeom>
+        </p:spPr>
+        <p:style>
+          <a:lnRef idx="1">
+            <a:schemeClr val="accent1"/>
+          </a:lnRef>
+          <a:fillRef idx="3">
+            <a:schemeClr val="accent1"/>
+          </a:fillRef>
+          <a:effectRef idx="2">
+            <a:schemeClr val="accent1"/>
+          </a:effectRef>
+          <a:fontRef idx="minor">
+            <a:schemeClr val="lt1"/>
+          </a:fontRef>
+        </p:style>
+        <p:txBody>
+          <a:bodyPr rtlCol="0" anchor="ctr"/>
+          <a:lstStyle/>
+          <a:p>
+            <a:pPr algn="ctr"/>
+            <a:r>
+              <a:rPr lang="en-US" dirty="0" smtClean="0"/>
+              <a:t>R2 Critical Section</a:t>
+            </a:r>
+            <a:endParaRPr lang="en-US" dirty="0"/>
+          </a:p>
+        </p:txBody>
+      </p:sp>
+      <p:sp>
+        <p:nvSpPr>
+          <p:cNvPr id="7" name="Rectangle 6"/>
+          <p:cNvSpPr/>
+          <p:nvPr/>
+        </p:nvSpPr>
+        <p:spPr>
+          <a:xfrm>
+            <a:off x="1978193" y="5018571"/>
+            <a:ext cx="2144253" cy="329910"/>
+          </a:xfrm>
+          <a:prstGeom prst="rect">
+            <a:avLst/>
+          </a:prstGeom>
+          <a:solidFill>
+            <a:srgbClr val="FF0000"/>
+          </a:solidFill>
+        </p:spPr>
+        <p:style>
+          <a:lnRef idx="1">
+            <a:schemeClr val="accent1"/>
+          </a:lnRef>
+          <a:fillRef idx="3">
+            <a:schemeClr val="accent1"/>
+          </a:fillRef>
+          <a:effectRef idx="2">
+            <a:schemeClr val="accent1"/>
+          </a:effectRef>
+          <a:fontRef idx="minor">
+            <a:schemeClr val="lt1"/>
+          </a:fontRef>
+        </p:style>
+        <p:txBody>
+          <a:bodyPr rtlCol="0" anchor="ctr"/>
+          <a:lstStyle/>
+          <a:p>
+            <a:pPr algn="ctr"/>
+            <a:r>
+              <a:rPr lang="en-US" dirty="0" smtClean="0"/>
+              <a:t>R1 Critical Section</a:t>
+            </a:r>
+            <a:endParaRPr lang="en-US" dirty="0"/>
+          </a:p>
+        </p:txBody>
+      </p:sp>
+    </p:spTree>
+    <p:extLst>
+      <p:ext uri="{BB962C8B-B14F-4D97-AF65-F5344CB8AC3E}">
+        <p14:creationId xmlns:p14="http://schemas.microsoft.com/office/powerpoint/2010/main" val="2330851020"/>
+      </p:ext>
+    </p:extLst>
+  </p:cSld>
+  <p:clrMapOvr>
+    <a:masterClrMapping/>
+  </p:clrMapOvr>
+  <p:timing>
+    <p:tnLst>
+      <p:par>
+        <p:cTn xmlns:p14="http://schemas.microsoft.com/office/powerpoint/2010/main" id="1" dur="indefinite" restart="never" nodeType="tmRoot"/>
+      </p:par>
+    </p:tnLst>
+  </p:timing>
+</p:sld>
+</file>
+
+<file path=ppt/slides/slide21.xml><?xml version="1.0" encoding="utf-8"?>
+<p:sld xmlns:a="http://schemas.openxmlformats.org/drawingml/2006/main" xmlns:r="http://schemas.openxmlformats.org/officeDocument/2006/relationships" xmlns:p="http://schemas.openxmlformats.org/presentationml/2006/main">
+  <p:cSld>
+    <p:spTree>
+      <p:nvGrpSpPr>
+        <p:cNvPr id="1" name=""/>
+        <p:cNvGrpSpPr/>
+        <p:nvPr/>
+      </p:nvGrpSpPr>
+      <p:grpSpPr>
+        <a:xfrm>
+          <a:off x="0" y="0"/>
+          <a:ext cx="0" cy="0"/>
+          <a:chOff x="0" y="0"/>
+          <a:chExt cx="0" cy="0"/>
+        </a:xfrm>
+      </p:grpSpPr>
+      <p:sp>
+        <p:nvSpPr>
+          <p:cNvPr id="2" name="Content Placeholder 1"/>
+          <p:cNvSpPr>
+            <a:spLocks noGrp="1"/>
+          </p:cNvSpPr>
+          <p:nvPr>
+            <p:ph sz="quarter" idx="13"/>
+          </p:nvPr>
+        </p:nvSpPr>
+        <p:spPr/>
+        <p:txBody>
+          <a:bodyPr/>
+          <a:lstStyle/>
+          <a:p>
+            <a:r>
+              <a:rPr lang="en-US" dirty="0" smtClean="0"/>
+              <a:t>STARVATION</a:t>
+            </a:r>
+          </a:p>
+          <a:p>
+            <a:r>
+              <a:rPr lang="en-US" dirty="0" smtClean="0"/>
+              <a:t>Starvation </a:t>
+            </a:r>
+            <a:r>
+              <a:rPr lang="en-US" dirty="0"/>
+              <a:t>describes a situation where a thread is unable to gain regular access to shared resources and is unable to make progress. This happens when shared resources are made unavailable for long periods by "greedy" threads. </a:t>
+            </a:r>
+            <a:endParaRPr lang="en-US" dirty="0" smtClean="0"/>
+          </a:p>
+          <a:p>
+            <a:endParaRPr lang="en-US" dirty="0"/>
+          </a:p>
+          <a:p>
+            <a:r>
+              <a:rPr lang="en-US" dirty="0" smtClean="0"/>
+              <a:t>LIVELOCK</a:t>
+            </a:r>
+          </a:p>
+          <a:p>
+            <a:r>
+              <a:rPr lang="en-US" dirty="0"/>
+              <a:t>A thread often acts in response to the action of another thread. If the other thread's action is also a response to the action of another thread, then </a:t>
+            </a:r>
+            <a:r>
+              <a:rPr lang="en-US" dirty="0" err="1"/>
+              <a:t>livelock</a:t>
+            </a:r>
+            <a:r>
+              <a:rPr lang="en-US" dirty="0"/>
+              <a:t> may result. As with deadlock, </a:t>
+            </a:r>
+            <a:r>
+              <a:rPr lang="en-US" dirty="0" err="1"/>
+              <a:t>livelocked</a:t>
+            </a:r>
+            <a:r>
+              <a:rPr lang="en-US" dirty="0"/>
+              <a:t> threads are unable to make further progress. However, the threads are not blocked — they are simply too busy responding to each other to resume work.</a:t>
+            </a:r>
+          </a:p>
+        </p:txBody>
+      </p:sp>
+      <p:sp>
+        <p:nvSpPr>
+          <p:cNvPr id="3" name="Title 2"/>
+          <p:cNvSpPr>
+            <a:spLocks noGrp="1"/>
+          </p:cNvSpPr>
+          <p:nvPr>
+            <p:ph type="title"/>
+          </p:nvPr>
+        </p:nvSpPr>
+        <p:spPr/>
+        <p:txBody>
+          <a:bodyPr>
+            <a:noAutofit/>
+          </a:bodyPr>
+          <a:lstStyle/>
+          <a:p>
+            <a:r>
+              <a:rPr lang="en-US" sz="2000" dirty="0" smtClean="0">
+                <a:latin typeface="Comic Sans MS"/>
+                <a:cs typeface="Comic Sans MS"/>
+              </a:rPr>
+              <a:t>Starvation &amp; </a:t>
+            </a:r>
+            <a:r>
+              <a:rPr lang="en-US" sz="2000" dirty="0" err="1" smtClean="0">
+                <a:latin typeface="Comic Sans MS"/>
+                <a:cs typeface="Comic Sans MS"/>
+              </a:rPr>
+              <a:t>livelock</a:t>
+            </a:r>
+            <a:endParaRPr lang="en-US" sz="2000" dirty="0">
+              <a:latin typeface="Comic Sans MS"/>
+              <a:cs typeface="Comic Sans MS"/>
+            </a:endParaRPr>
+          </a:p>
+        </p:txBody>
+      </p:sp>
+    </p:spTree>
+    <p:extLst>
+      <p:ext uri="{BB962C8B-B14F-4D97-AF65-F5344CB8AC3E}">
+        <p14:creationId xmlns:p14="http://schemas.microsoft.com/office/powerpoint/2010/main" val="3779741149"/>
+      </p:ext>
+    </p:extLst>
+  </p:cSld>
+  <p:clrMapOvr>
+    <a:masterClrMapping/>
+  </p:clrMapOvr>
+  <p:timing>
+    <p:tnLst>
+      <p:par>
+        <p:cTn xmlns:p14="http://schemas.microsoft.com/office/powerpoint/2010/main" id="1" dur="indefinite" restart="never" nodeType="tmRoot">
+          <p:childTnLst>
+            <p:seq concurrent="1" nextAc="seek">
+              <p:cTn id="2" dur="indefinite" nodeType="mainSeq">
+                <p:childTnLst>
+                  <p:par>
+                    <p:cTn id="3" fill="hold">
+                      <p:stCondLst>
+                        <p:cond delay="indefinite"/>
+                      </p:stCondLst>
+                      <p:childTnLst>
+                        <p:par>
+                          <p:cTn id="4" fill="hold">
+                            <p:stCondLst>
+                              <p:cond delay="0"/>
+                            </p:stCondLst>
+                            <p:childTnLst>
+                              <p:par>
+                                <p:cTn id="5" presetID="19" presetClass="entr" presetSubtype="10" fill="hold" grpId="0" nodeType="clickEffect">
+                                  <p:stCondLst>
+                                    <p:cond delay="0"/>
+                                  </p:stCondLst>
+                                  <p:childTnLst>
+                                    <p:set>
+                                      <p:cBhvr>
+                                        <p:cTn id="6" dur="1" fill="hold">
+                                          <p:stCondLst>
+                                            <p:cond delay="0"/>
+                                          </p:stCondLst>
+                                        </p:cTn>
+                                        <p:tgtEl>
+                                          <p:spTgt spid="2">
+                                            <p:txEl>
+                                              <p:pRg st="0" end="0"/>
+                                            </p:txEl>
+                                          </p:spTgt>
+                                        </p:tgtEl>
+                                        <p:attrNameLst>
+                                          <p:attrName>style.visibility</p:attrName>
+                                        </p:attrNameLst>
+                                      </p:cBhvr>
+                                      <p:to>
+                                        <p:strVal val="visible"/>
+                                      </p:to>
+                                    </p:set>
+                                    <p:anim calcmode="lin" valueType="num">
+                                      <p:cBhvr>
+                                        <p:cTn id="7" dur="5000" fill="hold"/>
+                                        <p:tgtEl>
+                                          <p:spTgt spid="2">
+                                            <p:txEl>
+                                              <p:pRg st="0" end="0"/>
+                                            </p:txEl>
+                                          </p:spTgt>
+                                        </p:tgtEl>
+                                        <p:attrNameLst>
+                                          <p:attrName>ppt_w</p:attrName>
+                                        </p:attrNameLst>
+                                      </p:cBhvr>
+                                      <p:tavLst>
+                                        <p:tav tm="0" fmla="#ppt_w*sin(2.5*pi*$)">
+                                          <p:val>
+                                            <p:fltVal val="0"/>
+                                          </p:val>
+                                        </p:tav>
+                                        <p:tav tm="100000">
+                                          <p:val>
+                                            <p:fltVal val="1"/>
+                                          </p:val>
+                                        </p:tav>
+                                      </p:tavLst>
+                                    </p:anim>
+                                    <p:anim calcmode="lin" valueType="num">
+                                      <p:cBhvr>
+                                        <p:cTn id="8" dur="5000" fill="hold"/>
+                                        <p:tgtEl>
+                                          <p:spTgt spid="2">
+                                            <p:txEl>
+                                              <p:pRg st="0" end="0"/>
+                                            </p:txEl>
+                                          </p:spTgt>
+                                        </p:tgtEl>
+                                        <p:attrNameLst>
+                                          <p:attrName>ppt_h</p:attrName>
+                                        </p:attrNameLst>
+                                      </p:cBhvr>
+                                      <p:tavLst>
+                                        <p:tav tm="0">
+                                          <p:val>
+                                            <p:strVal val="#ppt_h"/>
+                                          </p:val>
+                                        </p:tav>
+                                        <p:tav tm="100000">
+                                          <p:val>
+                                            <p:strVal val="#ppt_h"/>
+                                          </p:val>
+                                        </p:tav>
+                                      </p:tavLst>
+                                    </p:anim>
+                                  </p:childTnLst>
+                                </p:cTn>
+                              </p:par>
+                              <p:par>
+                                <p:cTn id="9" presetID="52" presetClass="entr" presetSubtype="0" fill="hold" grpId="0" nodeType="withEffect">
+                                  <p:stCondLst>
+                                    <p:cond delay="0"/>
+                                  </p:stCondLst>
+                                  <p:childTnLst>
+                                    <p:set>
+                                      <p:cBhvr>
+                                        <p:cTn id="10" dur="1" fill="hold">
+                                          <p:stCondLst>
+                                            <p:cond delay="0"/>
+                                          </p:stCondLst>
+                                        </p:cTn>
+                                        <p:tgtEl>
+                                          <p:spTgt spid="2">
+                                            <p:txEl>
+                                              <p:pRg st="1" end="1"/>
+                                            </p:txEl>
+                                          </p:spTgt>
+                                        </p:tgtEl>
+                                        <p:attrNameLst>
+                                          <p:attrName>style.visibility</p:attrName>
+                                        </p:attrNameLst>
+                                      </p:cBhvr>
+                                      <p:to>
+                                        <p:strVal val="visible"/>
+                                      </p:to>
+                                    </p:set>
+                                    <p:animScale>
+                                      <p:cBhvr>
+                                        <p:cTn id="11" dur="1000" decel="50000" fill="hold">
+                                          <p:stCondLst>
+                                            <p:cond delay="0"/>
+                                          </p:stCondLst>
+                                        </p:cTn>
+                                        <p:tgtEl>
+                                          <p:spTgt spid="2">
+                                            <p:txEl>
+                                              <p:pRg st="1" end="1"/>
+                                            </p:txEl>
+                                          </p:spTgt>
+                                        </p:tgtEl>
+                                      </p:cBhvr>
+                                      <p:from x="250000" y="250000"/>
+                                      <p:to x="100000" y="100000"/>
+                                    </p:animScale>
+                                    <p:animMotion origin="layout" path="M -0.46736 0.92887  C -0.37517 0.88508  -0.02552 0.75279  0.0908 0.66613  C  0.20747 0.57948  0.21649 0.50394  0.23177 0.40825  C 0.24705 0.31256  0.22118 0.15964   0.18264 0.09152  C 0.1441 0.02341  0.03802 0.0  0.0 0.0  " pathEditMode="relative" ptsTypes="">
+                                      <p:cBhvr>
+                                        <p:cTn id="12" dur="1000" decel="50000" fill="hold">
+                                          <p:stCondLst>
+                                            <p:cond delay="0"/>
+                                          </p:stCondLst>
+                                        </p:cTn>
+                                        <p:tgtEl>
+                                          <p:spTgt spid="2">
+                                            <p:txEl>
+                                              <p:pRg st="1" end="1"/>
+                                            </p:txEl>
+                                          </p:spTgt>
+                                        </p:tgtEl>
+                                        <p:attrNameLst>
+                                          <p:attrName>ppt_x</p:attrName>
+                                          <p:attrName>ppt_y</p:attrName>
+                                        </p:attrNameLst>
+                                      </p:cBhvr>
+                                    </p:animMotion>
+                                    <p:animEffect transition="in" filter="fade">
+                                      <p:cBhvr>
+                                        <p:cTn id="13" dur="1000"/>
+                                        <p:tgtEl>
+                                          <p:spTgt spid="2">
+                                            <p:txEl>
+                                              <p:pRg st="1" end="1"/>
+                                            </p:txEl>
+                                          </p:spTgt>
+                                        </p:tgtEl>
+                                      </p:cBhvr>
+                                    </p:animEffect>
+                                  </p:childTnLst>
+                                </p:cTn>
+                              </p:par>
+                            </p:childTnLst>
+                          </p:cTn>
+                        </p:par>
+                      </p:childTnLst>
+                    </p:cTn>
+                  </p:par>
+                  <p:par>
+                    <p:cTn id="14" fill="hold">
+                      <p:stCondLst>
+                        <p:cond delay="indefinite"/>
+                      </p:stCondLst>
+                      <p:childTnLst>
+                        <p:par>
+                          <p:cTn id="15" fill="hold">
+                            <p:stCondLst>
+                              <p:cond delay="0"/>
+                            </p:stCondLst>
+                            <p:childTnLst>
+                              <p:par>
+                                <p:cTn id="16" presetID="19" presetClass="entr" presetSubtype="10" fill="hold" grpId="0" nodeType="clickEffect">
+                                  <p:stCondLst>
+                                    <p:cond delay="0"/>
+                                  </p:stCondLst>
+                                  <p:childTnLst>
+                                    <p:set>
+                                      <p:cBhvr>
+                                        <p:cTn id="17" dur="1" fill="hold">
+                                          <p:stCondLst>
+                                            <p:cond delay="0"/>
+                                          </p:stCondLst>
+                                        </p:cTn>
+                                        <p:tgtEl>
+                                          <p:spTgt spid="2">
+                                            <p:txEl>
+                                              <p:pRg st="3" end="3"/>
+                                            </p:txEl>
+                                          </p:spTgt>
+                                        </p:tgtEl>
+                                        <p:attrNameLst>
+                                          <p:attrName>style.visibility</p:attrName>
+                                        </p:attrNameLst>
+                                      </p:cBhvr>
+                                      <p:to>
+                                        <p:strVal val="visible"/>
+                                      </p:to>
+                                    </p:set>
+                                    <p:anim calcmode="lin" valueType="num">
+                                      <p:cBhvr>
+                                        <p:cTn id="18" dur="5000" fill="hold"/>
+                                        <p:tgtEl>
+                                          <p:spTgt spid="2">
+                                            <p:txEl>
+                                              <p:pRg st="3" end="3"/>
+                                            </p:txEl>
+                                          </p:spTgt>
+                                        </p:tgtEl>
+                                        <p:attrNameLst>
+                                          <p:attrName>ppt_w</p:attrName>
+                                        </p:attrNameLst>
+                                      </p:cBhvr>
+                                      <p:tavLst>
+                                        <p:tav tm="0" fmla="#ppt_w*sin(2.5*pi*$)">
+                                          <p:val>
+                                            <p:fltVal val="0"/>
+                                          </p:val>
+                                        </p:tav>
+                                        <p:tav tm="100000">
+                                          <p:val>
+                                            <p:fltVal val="1"/>
+                                          </p:val>
+                                        </p:tav>
+                                      </p:tavLst>
+                                    </p:anim>
+                                    <p:anim calcmode="lin" valueType="num">
+                                      <p:cBhvr>
+                                        <p:cTn id="19" dur="5000" fill="hold"/>
+                                        <p:tgtEl>
+                                          <p:spTgt spid="2">
+                                            <p:txEl>
+                                              <p:pRg st="3" end="3"/>
+                                            </p:txEl>
+                                          </p:spTgt>
+                                        </p:tgtEl>
+                                        <p:attrNameLst>
+                                          <p:attrName>ppt_h</p:attrName>
+                                        </p:attrNameLst>
+                                      </p:cBhvr>
+                                      <p:tavLst>
+                                        <p:tav tm="0">
+                                          <p:val>
+                                            <p:strVal val="#ppt_h"/>
+                                          </p:val>
+                                        </p:tav>
+                                        <p:tav tm="100000">
+                                          <p:val>
+                                            <p:strVal val="#ppt_h"/>
+                                          </p:val>
+                                        </p:tav>
+                                      </p:tavLst>
+                                    </p:anim>
+                                  </p:childTnLst>
+                                </p:cTn>
+                              </p:par>
+                              <p:par>
+                                <p:cTn id="20" presetID="15" presetClass="entr" presetSubtype="0" fill="hold" grpId="0" nodeType="withEffect">
+                                  <p:stCondLst>
+                                    <p:cond delay="0"/>
+                                  </p:stCondLst>
+                                  <p:childTnLst>
+                                    <p:set>
+                                      <p:cBhvr>
+                                        <p:cTn id="21" dur="1" fill="hold">
+                                          <p:stCondLst>
+                                            <p:cond delay="0"/>
+                                          </p:stCondLst>
+                                        </p:cTn>
+                                        <p:tgtEl>
+                                          <p:spTgt spid="2">
+                                            <p:txEl>
+                                              <p:pRg st="4" end="4"/>
+                                            </p:txEl>
+                                          </p:spTgt>
+                                        </p:tgtEl>
+                                        <p:attrNameLst>
+                                          <p:attrName>style.visibility</p:attrName>
+                                        </p:attrNameLst>
+                                      </p:cBhvr>
+                                      <p:to>
+                                        <p:strVal val="visible"/>
+                                      </p:to>
+                                    </p:set>
+                                    <p:anim calcmode="lin" valueType="num">
+                                      <p:cBhvr>
+                                        <p:cTn id="22" dur="1000" fill="hold"/>
+                                        <p:tgtEl>
+                                          <p:spTgt spid="2">
+                                            <p:txEl>
+                                              <p:pRg st="4" end="4"/>
+                                            </p:txEl>
+                                          </p:spTgt>
+                                        </p:tgtEl>
+                                        <p:attrNameLst>
+                                          <p:attrName>ppt_w</p:attrName>
+                                        </p:attrNameLst>
+                                      </p:cBhvr>
+                                      <p:tavLst>
+                                        <p:tav tm="0">
+                                          <p:val>
+                                            <p:fltVal val="0"/>
+                                          </p:val>
+                                        </p:tav>
+                                        <p:tav tm="100000">
+                                          <p:val>
+                                            <p:strVal val="#ppt_w"/>
+                                          </p:val>
+                                        </p:tav>
+                                      </p:tavLst>
+                                    </p:anim>
+                                    <p:anim calcmode="lin" valueType="num">
+                                      <p:cBhvr>
+                                        <p:cTn id="23" dur="1000" fill="hold"/>
+                                        <p:tgtEl>
+                                          <p:spTgt spid="2">
+                                            <p:txEl>
+                                              <p:pRg st="4" end="4"/>
+                                            </p:txEl>
+                                          </p:spTgt>
+                                        </p:tgtEl>
+                                        <p:attrNameLst>
+                                          <p:attrName>ppt_h</p:attrName>
+                                        </p:attrNameLst>
+                                      </p:cBhvr>
+                                      <p:tavLst>
+                                        <p:tav tm="0">
+                                          <p:val>
+                                            <p:fltVal val="0"/>
+                                          </p:val>
+                                        </p:tav>
+                                        <p:tav tm="100000">
+                                          <p:val>
+                                            <p:strVal val="#ppt_h"/>
+                                          </p:val>
+                                        </p:tav>
+                                      </p:tavLst>
+                                    </p:anim>
+                                    <p:anim calcmode="lin" valueType="num">
+                                      <p:cBhvr>
+                                        <p:cTn id="24" dur="1000" fill="hold"/>
+                                        <p:tgtEl>
+                                          <p:spTgt spid="2">
+                                            <p:txEl>
+                                              <p:pRg st="4" end="4"/>
+                                            </p:txEl>
+                                          </p:spTgt>
+                                        </p:tgtEl>
+                                        <p:attrNameLst>
+                                          <p:attrName>ppt_x</p:attrName>
+                                        </p:attrNameLst>
+                                      </p:cBhvr>
+                                      <p:tavLst>
+                                        <p:tav tm="0" fmla="#ppt_x+(cos(-2*pi*(1-$))*-#ppt_x-sin(-2*pi*(1-$))*(1-#ppt_y))*(1-$)">
+                                          <p:val>
+                                            <p:fltVal val="0"/>
+                                          </p:val>
+                                        </p:tav>
+                                        <p:tav tm="100000">
+                                          <p:val>
+                                            <p:fltVal val="1"/>
+                                          </p:val>
+                                        </p:tav>
+                                      </p:tavLst>
+                                    </p:anim>
+                                    <p:anim calcmode="lin" valueType="num">
+                                      <p:cBhvr>
+                                        <p:cTn id="25" dur="1000" fill="hold"/>
+                                        <p:tgtEl>
+                                          <p:spTgt spid="2">
+                                            <p:txEl>
+                                              <p:pRg st="4" end="4"/>
+                                            </p:txEl>
+                                          </p:spTgt>
+                                        </p:tgtEl>
+                                        <p:attrNameLst>
+                                          <p:attrName>ppt_y</p:attrName>
+                                        </p:attrNameLst>
+                                      </p:cBhvr>
+                                      <p:tavLst>
+                                        <p:tav tm="0" fmla="#ppt_y+(sin(-2*pi*(1-$))*-#ppt_x+cos(-2*pi*(1-$))*(1-#ppt_y))*(1-$)">
+                                          <p:val>
+                                            <p:fltVal val="0"/>
+                                          </p:val>
+                                        </p:tav>
+                                        <p:tav tm="100000">
+                                          <p:val>
+                                            <p:fltVal val="1"/>
+                                          </p:val>
+                                        </p:tav>
+                                      </p:tavLst>
+                                    </p:anim>
+                                  </p:childTnLst>
+                                </p:cTn>
+                              </p:par>
+                            </p:childTnLst>
+                          </p:cTn>
+                        </p:par>
+                      </p:childTnLst>
+                    </p:cTn>
+                  </p:par>
+                </p:childTnLst>
+              </p:cTn>
+              <p:prevCondLst>
+                <p:cond evt="onPrev" delay="0">
+                  <p:tgtEl>
+                    <p:sldTgt/>
+                  </p:tgtEl>
+                </p:cond>
+              </p:prevCondLst>
+              <p:nextCondLst>
+                <p:cond evt="onNext" delay="0">
+                  <p:tgtEl>
+                    <p:sldTgt/>
+                  </p:tgtEl>
+                </p:cond>
+              </p:nextCondLst>
+            </p:seq>
+          </p:childTnLst>
+        </p:cTn>
+      </p:par>
+    </p:tnLst>
+    <p:bldLst>
+      <p:bldP spid="2" grpId="0" build="p"/>
+    </p:bldLst>
+  </p:timing>
+</p:sld>
+</file>
+
+<file path=ppt/slides/slide22.xml><?xml version="1.0" encoding="utf-8"?>
+<p:sld xmlns:a="http://schemas.openxmlformats.org/drawingml/2006/main" xmlns:r="http://schemas.openxmlformats.org/officeDocument/2006/relationships" xmlns:p="http://schemas.openxmlformats.org/presentationml/2006/main">
+  <p:cSld>
+    <p:spTree>
+      <p:nvGrpSpPr>
+        <p:cNvPr id="1" name=""/>
+        <p:cNvGrpSpPr/>
+        <p:nvPr/>
+      </p:nvGrpSpPr>
+      <p:grpSpPr>
+        <a:xfrm>
+          <a:off x="0" y="0"/>
+          <a:ext cx="0" cy="0"/>
+          <a:chOff x="0" y="0"/>
+          <a:chExt cx="0" cy="0"/>
+        </a:xfrm>
+      </p:grpSpPr>
+      <p:sp>
+        <p:nvSpPr>
+          <p:cNvPr id="2" name="Title 1"/>
+          <p:cNvSpPr>
+            <a:spLocks noGrp="1"/>
+          </p:cNvSpPr>
+          <p:nvPr>
+            <p:ph type="title"/>
+          </p:nvPr>
+        </p:nvSpPr>
+        <p:spPr/>
+        <p:txBody>
+          <a:bodyPr>
+            <a:normAutofit/>
+          </a:bodyPr>
+          <a:lstStyle/>
+          <a:p>
+            <a:r>
+              <a:rPr lang="en-US" dirty="0"/>
+              <a:t>Thank </a:t>
+            </a:r>
+            <a:r>
+              <a:rPr lang="en-US" dirty="0" smtClean="0"/>
+              <a:t>you</a:t>
+            </a:r>
+            <a:br>
+              <a:rPr lang="en-US" dirty="0" smtClean="0"/>
+            </a:br>
+            <a:endParaRPr lang="en-US" dirty="0"/>
+          </a:p>
+        </p:txBody>
+      </p:sp>
+      <p:sp>
+        <p:nvSpPr>
+          <p:cNvPr id="3" name="Subtitle 2"/>
+          <p:cNvSpPr>
+            <a:spLocks noGrp="1"/>
+          </p:cNvSpPr>
+          <p:nvPr>
+            <p:ph type="subTitle" idx="1"/>
+          </p:nvPr>
+        </p:nvSpPr>
+        <p:spPr/>
+        <p:txBody>
+          <a:bodyPr/>
+          <a:lstStyle/>
+          <a:p>
+            <a:r>
+              <a:rPr lang="en-US" dirty="0"/>
+              <a:t>Questions?</a:t>
+            </a:r>
+          </a:p>
+        </p:txBody>
+      </p:sp>
+    </p:spTree>
+    <p:extLst>
+      <p:ext uri="{BB962C8B-B14F-4D97-AF65-F5344CB8AC3E}">
+        <p14:creationId xmlns:p14="http://schemas.microsoft.com/office/powerpoint/2010/main" val="1733739084"/>
+      </p:ext>
+    </p:extLst>
+  </p:cSld>
+  <p:clrMapOvr>
+    <a:masterClrMapping/>
+  </p:clrMapOvr>
+</p:sld>
+</file>
+
+<file path=ppt/slides/slide3.xml><?xml version="1.0" encoding="utf-8"?>
+<p:sld xmlns:a="http://schemas.openxmlformats.org/drawingml/2006/main" xmlns:r="http://schemas.openxmlformats.org/officeDocument/2006/relationships" xmlns:p="http://schemas.openxmlformats.org/presentationml/2006/main">
+  <p:cSld>
+    <p:spTree>
+      <p:nvGrpSpPr>
+        <p:cNvPr id="1" name=""/>
+        <p:cNvGrpSpPr/>
+        <p:nvPr/>
+      </p:nvGrpSpPr>
+      <p:grpSpPr>
+        <a:xfrm>
+          <a:off x="0" y="0"/>
+          <a:ext cx="0" cy="0"/>
+          <a:chOff x="0" y="0"/>
+          <a:chExt cx="0" cy="0"/>
+        </a:xfrm>
+      </p:grpSpPr>
+      <p:sp>
+        <p:nvSpPr>
+          <p:cNvPr id="2" name="Content Placeholder 1"/>
+          <p:cNvSpPr>
+            <a:spLocks noGrp="1"/>
+          </p:cNvSpPr>
+          <p:nvPr>
+            <p:ph sz="quarter" idx="13"/>
+          </p:nvPr>
+        </p:nvSpPr>
+        <p:spPr/>
+        <p:txBody>
+          <a:bodyPr>
+            <a:normAutofit/>
+          </a:bodyPr>
+          <a:lstStyle/>
+          <a:p>
+            <a:pPr algn="l"/>
+            <a:r>
+              <a:rPr lang="en-US" dirty="0" smtClean="0"/>
+              <a:t>Parallel Programs introduces</a:t>
+            </a:r>
+          </a:p>
+          <a:p>
+            <a:pPr marL="342900" indent="-342900" algn="l">
+              <a:buFont typeface="Wingdings" charset="2"/>
+              <a:buChar char="u"/>
+            </a:pPr>
+            <a:r>
+              <a:rPr lang="en-US" dirty="0" smtClean="0"/>
+              <a:t>added complexity</a:t>
+            </a:r>
+          </a:p>
+          <a:p>
+            <a:pPr marL="342900" indent="-342900" algn="l">
+              <a:buFont typeface="Wingdings" charset="2"/>
+              <a:buChar char="u"/>
+            </a:pPr>
+            <a:r>
+              <a:rPr lang="en-US" dirty="0"/>
+              <a:t>r</a:t>
+            </a:r>
+            <a:r>
+              <a:rPr lang="en-US" dirty="0" smtClean="0"/>
+              <a:t>ewrite code to remove dependencies</a:t>
+            </a:r>
+          </a:p>
+          <a:p>
+            <a:pPr marL="342900" indent="-342900" algn="l">
+              <a:buFont typeface="Wingdings" charset="2"/>
+              <a:buChar char="u"/>
+            </a:pPr>
+            <a:r>
+              <a:rPr lang="en-US" dirty="0"/>
+              <a:t>non-deterministic behavior </a:t>
+            </a:r>
+            <a:r>
+              <a:rPr lang="en-US" dirty="0" smtClean="0"/>
+              <a:t>which is why you need a certain level of synchronization</a:t>
+            </a:r>
+          </a:p>
+          <a:p>
+            <a:pPr marL="342900" indent="-342900" algn="l">
+              <a:buFont typeface="Wingdings" charset="2"/>
+              <a:buChar char="u"/>
+            </a:pPr>
+            <a:r>
+              <a:rPr lang="en-US" dirty="0"/>
+              <a:t>With a lack of synchronization, race </a:t>
+            </a:r>
+            <a:r>
+              <a:rPr lang="en-US" dirty="0" smtClean="0"/>
+              <a:t>conditions </a:t>
+            </a:r>
+            <a:r>
+              <a:rPr lang="en-US" dirty="0"/>
+              <a:t>can lead to corrupted data</a:t>
+            </a:r>
+            <a:r>
+              <a:rPr lang="en-US" dirty="0" smtClean="0"/>
+              <a:t>.</a:t>
+            </a:r>
+          </a:p>
+          <a:p>
+            <a:pPr marL="342900" indent="-342900" algn="l">
+              <a:buFont typeface="Wingdings" charset="2"/>
+              <a:buChar char="u"/>
+            </a:pPr>
+            <a:r>
+              <a:rPr lang="en-US" dirty="0"/>
+              <a:t>With too much synchronization, tasks may be forced to wait for </a:t>
+            </a:r>
+            <a:r>
+              <a:rPr lang="en-US" dirty="0" smtClean="0"/>
+              <a:t>one </a:t>
+            </a:r>
+            <a:r>
+              <a:rPr lang="en-US" dirty="0"/>
+              <a:t>other, and costly communication may be required between cores regarding the status of protected </a:t>
+            </a:r>
+            <a:r>
+              <a:rPr lang="en-US" dirty="0" smtClean="0"/>
+              <a:t>memory </a:t>
+            </a:r>
+            <a:r>
+              <a:rPr lang="en-US" dirty="0"/>
+              <a:t>locations</a:t>
+            </a:r>
+            <a:r>
+              <a:rPr lang="en-US" dirty="0" smtClean="0"/>
+              <a:t>.</a:t>
+            </a:r>
+            <a:endParaRPr lang="en-US" dirty="0"/>
+          </a:p>
+        </p:txBody>
+      </p:sp>
+      <p:sp>
+        <p:nvSpPr>
+          <p:cNvPr id="3" name="Title 2"/>
+          <p:cNvSpPr>
+            <a:spLocks noGrp="1"/>
+          </p:cNvSpPr>
+          <p:nvPr>
+            <p:ph type="title"/>
+          </p:nvPr>
+        </p:nvSpPr>
+        <p:spPr/>
+        <p:txBody>
+          <a:bodyPr/>
+          <a:lstStyle/>
+          <a:p>
+            <a:r>
+              <a:rPr lang="en-US" dirty="0" smtClean="0"/>
+              <a:t>Why there are pitfalls?</a:t>
+            </a:r>
+            <a:endParaRPr lang="en-US" dirty="0"/>
+          </a:p>
+        </p:txBody>
+      </p:sp>
+    </p:spTree>
+    <p:extLst>
+      <p:ext uri="{BB962C8B-B14F-4D97-AF65-F5344CB8AC3E}">
+        <p14:creationId xmlns:p14="http://schemas.microsoft.com/office/powerpoint/2010/main" val="395108062"/>
+      </p:ext>
+    </p:extLst>
+  </p:cSld>
+  <p:clrMapOvr>
+    <a:masterClrMapping/>
+  </p:clrMapOvr>
+</p:sld>
+</file>
+
+<file path=ppt/slides/slide4.xml><?xml version="1.0" encoding="utf-8"?>
+<p:sld xmlns:a="http://schemas.openxmlformats.org/drawingml/2006/main" xmlns:r="http://schemas.openxmlformats.org/officeDocument/2006/relationships" xmlns:p="http://schemas.openxmlformats.org/presentationml/2006/main">
+  <p:cSld>
+    <p:spTree>
+      <p:nvGrpSpPr>
+        <p:cNvPr id="1" name=""/>
+        <p:cNvGrpSpPr/>
+        <p:nvPr/>
+      </p:nvGrpSpPr>
+      <p:grpSpPr>
+        <a:xfrm>
+          <a:off x="0" y="0"/>
+          <a:ext cx="0" cy="0"/>
+          <a:chOff x="0" y="0"/>
+          <a:chExt cx="0" cy="0"/>
+        </a:xfrm>
+      </p:grpSpPr>
+      <p:sp>
+        <p:nvSpPr>
+          <p:cNvPr id="2" name="Content Placeholder 1"/>
+          <p:cNvSpPr>
+            <a:spLocks noGrp="1"/>
+          </p:cNvSpPr>
+          <p:nvPr>
+            <p:ph sz="quarter" idx="13"/>
+          </p:nvPr>
+        </p:nvSpPr>
+        <p:spPr/>
+        <p:txBody>
+          <a:bodyPr/>
+          <a:lstStyle/>
+          <a:p>
+            <a:r>
+              <a:rPr lang="en-US" dirty="0" smtClean="0"/>
+              <a:t>[1] [2] [3] say deadlock is hard</a:t>
+            </a:r>
+          </a:p>
+          <a:p>
+            <a:r>
+              <a:rPr lang="en-US" dirty="0" smtClean="0"/>
+              <a:t>[2][3][4] say race condition always occurred if there’s no any proper parallel code or thread safe</a:t>
+            </a:r>
+          </a:p>
+          <a:p>
+            <a:r>
+              <a:rPr lang="en-US" dirty="0" smtClean="0"/>
+              <a:t>[3][1][5] say mutual exclusion is always a challenge</a:t>
+            </a:r>
+            <a:endParaRPr lang="en-US" dirty="0"/>
+          </a:p>
+        </p:txBody>
+      </p:sp>
+      <p:sp>
+        <p:nvSpPr>
+          <p:cNvPr id="3" name="Title 2"/>
+          <p:cNvSpPr>
+            <a:spLocks noGrp="1"/>
+          </p:cNvSpPr>
+          <p:nvPr>
+            <p:ph type="title"/>
+          </p:nvPr>
+        </p:nvSpPr>
+        <p:spPr/>
+        <p:txBody>
+          <a:bodyPr/>
+          <a:lstStyle/>
+          <a:p>
+            <a:r>
+              <a:rPr lang="en-US" dirty="0" smtClean="0"/>
+              <a:t>Related works</a:t>
+            </a:r>
+            <a:endParaRPr lang="en-US" dirty="0"/>
+          </a:p>
+        </p:txBody>
+      </p:sp>
+    </p:spTree>
+    <p:extLst>
+      <p:ext uri="{BB962C8B-B14F-4D97-AF65-F5344CB8AC3E}">
+        <p14:creationId xmlns:p14="http://schemas.microsoft.com/office/powerpoint/2010/main" val="3717190581"/>
+      </p:ext>
+    </p:extLst>
+  </p:cSld>
+  <p:clrMapOvr>
+    <a:masterClrMapping/>
+  </p:clrMapOvr>
+</p:sld>
+</file>
+
+<file path=ppt/slides/slide5.xml><?xml version="1.0" encoding="utf-8"?>
+<p:sld xmlns:a="http://schemas.openxmlformats.org/drawingml/2006/main" xmlns:r="http://schemas.openxmlformats.org/officeDocument/2006/relationships" xmlns:p="http://schemas.openxmlformats.org/presentationml/2006/main">
+  <p:cSld>
+    <p:spTree>
+      <p:nvGrpSpPr>
+        <p:cNvPr id="1" name=""/>
+        <p:cNvGrpSpPr/>
+        <p:nvPr/>
+      </p:nvGrpSpPr>
+      <p:grpSpPr>
+        <a:xfrm>
+          <a:off x="0" y="0"/>
+          <a:ext cx="0" cy="0"/>
+          <a:chOff x="0" y="0"/>
+          <a:chExt cx="0" cy="0"/>
+        </a:xfrm>
+      </p:grpSpPr>
+      <p:sp>
+        <p:nvSpPr>
+          <p:cNvPr id="2" name="Content Placeholder 1"/>
+          <p:cNvSpPr>
+            <a:spLocks noGrp="1"/>
+          </p:cNvSpPr>
+          <p:nvPr>
+            <p:ph sz="quarter" idx="13"/>
+          </p:nvPr>
+        </p:nvSpPr>
+        <p:spPr/>
+        <p:txBody>
+          <a:bodyPr/>
+          <a:lstStyle/>
+          <a:p>
+            <a:pPr algn="l"/>
+            <a:r>
+              <a:rPr lang="en-US" dirty="0" smtClean="0"/>
+              <a:t>To </a:t>
+            </a:r>
+            <a:r>
+              <a:rPr lang="en-US" dirty="0"/>
+              <a:t>properly balance synchronicity and efficiency.</a:t>
+            </a:r>
+            <a:endParaRPr lang="en-US" dirty="0" smtClean="0"/>
+          </a:p>
+          <a:p>
+            <a:pPr marL="342900" indent="-342900" algn="l">
+              <a:buFont typeface="Wingdings" charset="2"/>
+              <a:buChar char="u"/>
+            </a:pPr>
+            <a:r>
+              <a:rPr lang="en-US" dirty="0"/>
+              <a:t>R</a:t>
+            </a:r>
+            <a:r>
+              <a:rPr lang="en-US" dirty="0" smtClean="0"/>
+              <a:t>ecognize </a:t>
+            </a:r>
+            <a:r>
+              <a:rPr lang="en-US" dirty="0"/>
+              <a:t>the problems associated </a:t>
+            </a:r>
+            <a:r>
+              <a:rPr lang="en-US" dirty="0" smtClean="0"/>
+              <a:t>with </a:t>
+            </a:r>
+            <a:r>
+              <a:rPr lang="en-US" dirty="0"/>
+              <a:t>creating a parallel </a:t>
+            </a:r>
+            <a:r>
+              <a:rPr lang="en-US" dirty="0" smtClean="0"/>
+              <a:t>program</a:t>
+            </a:r>
+          </a:p>
+          <a:p>
+            <a:pPr marL="342900" indent="-342900" algn="l">
+              <a:buFont typeface="Wingdings" charset="2"/>
+              <a:buChar char="u"/>
+            </a:pPr>
+            <a:r>
+              <a:rPr lang="en-US" dirty="0" smtClean="0"/>
+              <a:t>Suggest </a:t>
+            </a:r>
+            <a:r>
+              <a:rPr lang="en-US" dirty="0"/>
+              <a:t>possible solutions for solving or alleviating these issues. </a:t>
+            </a:r>
+          </a:p>
+          <a:p>
+            <a:pPr marL="342900" indent="-342900" algn="l">
+              <a:buFont typeface="Wingdings" charset="2"/>
+              <a:buChar char="u"/>
+            </a:pPr>
+            <a:endParaRPr lang="en-US" dirty="0" smtClean="0"/>
+          </a:p>
+          <a:p>
+            <a:pPr algn="l"/>
+            <a:r>
+              <a:rPr lang="en-US" dirty="0" smtClean="0"/>
+              <a:t>To do this effectively</a:t>
+            </a:r>
+          </a:p>
+          <a:p>
+            <a:pPr marL="342900" indent="-342900" algn="l">
+              <a:buFont typeface="Wingdings" charset="2"/>
+              <a:buChar char="u"/>
+            </a:pPr>
+            <a:r>
+              <a:rPr lang="en-US" dirty="0" smtClean="0"/>
+              <a:t>Develop a web application </a:t>
+            </a:r>
+            <a:r>
+              <a:rPr lang="en-US" dirty="0"/>
+              <a:t>to help </a:t>
+            </a:r>
+            <a:r>
+              <a:rPr lang="en-US" dirty="0" smtClean="0"/>
+              <a:t>understand </a:t>
+            </a:r>
+            <a:r>
+              <a:rPr lang="en-US" dirty="0"/>
+              <a:t>the </a:t>
+            </a:r>
+            <a:r>
+              <a:rPr lang="en-US" dirty="0" smtClean="0"/>
+              <a:t>parallel programming pitfalls </a:t>
+            </a:r>
+            <a:r>
+              <a:rPr lang="en-US" dirty="0"/>
+              <a:t>in a visual and interactive </a:t>
+            </a:r>
+            <a:r>
+              <a:rPr lang="en-US" dirty="0" smtClean="0"/>
+              <a:t>manner.</a:t>
+            </a:r>
+          </a:p>
+          <a:p>
+            <a:pPr marL="342900" indent="-342900" algn="l">
+              <a:buFont typeface="Wingdings" charset="2"/>
+              <a:buChar char="u"/>
+            </a:pPr>
+            <a:r>
+              <a:rPr lang="en-US" dirty="0" smtClean="0"/>
+              <a:t>Explain how these major challenges come into play and how they can be met.</a:t>
+            </a:r>
+            <a:endParaRPr lang="en-US" dirty="0"/>
+          </a:p>
+        </p:txBody>
+      </p:sp>
+      <p:sp>
+        <p:nvSpPr>
+          <p:cNvPr id="3" name="Title 2"/>
+          <p:cNvSpPr>
+            <a:spLocks noGrp="1"/>
+          </p:cNvSpPr>
+          <p:nvPr>
+            <p:ph type="title"/>
+          </p:nvPr>
+        </p:nvSpPr>
+        <p:spPr/>
+        <p:txBody>
+          <a:bodyPr/>
+          <a:lstStyle/>
+          <a:p>
+            <a:r>
+              <a:rPr lang="en-US" dirty="0" smtClean="0"/>
+              <a:t>our contribution</a:t>
+            </a:r>
+            <a:endParaRPr lang="en-US" dirty="0"/>
+          </a:p>
+        </p:txBody>
+      </p:sp>
+    </p:spTree>
+    <p:extLst>
+      <p:ext uri="{BB962C8B-B14F-4D97-AF65-F5344CB8AC3E}">
+        <p14:creationId xmlns:p14="http://schemas.microsoft.com/office/powerpoint/2010/main" val="323898354"/>
+      </p:ext>
+    </p:extLst>
+  </p:cSld>
+  <p:clrMapOvr>
+    <a:masterClrMapping/>
+  </p:clrMapOvr>
+</p:sld>
+</file>
+
+<file path=ppt/slides/slide6.xml><?xml version="1.0" encoding="utf-8"?>
+<p:sld xmlns:a="http://schemas.openxmlformats.org/drawingml/2006/main" xmlns:r="http://schemas.openxmlformats.org/officeDocument/2006/relationships" xmlns:p="http://schemas.openxmlformats.org/presentationml/2006/main">
+  <p:cSld>
+    <p:spTree>
+      <p:nvGrpSpPr>
+        <p:cNvPr id="1" name=""/>
+        <p:cNvGrpSpPr/>
+        <p:nvPr/>
+      </p:nvGrpSpPr>
+      <p:grpSpPr>
+        <a:xfrm>
+          <a:off x="0" y="0"/>
+          <a:ext cx="0" cy="0"/>
+          <a:chOff x="0" y="0"/>
+          <a:chExt cx="0" cy="0"/>
+        </a:xfrm>
+      </p:grpSpPr>
+      <p:sp>
+        <p:nvSpPr>
+          <p:cNvPr id="2" name="Content Placeholder 1"/>
+          <p:cNvSpPr>
+            <a:spLocks noGrp="1"/>
+          </p:cNvSpPr>
+          <p:nvPr>
+            <p:ph sz="quarter" idx="13"/>
+          </p:nvPr>
+        </p:nvSpPr>
+        <p:spPr/>
+        <p:txBody>
+          <a:bodyPr/>
+          <a:lstStyle/>
+          <a:p>
+            <a:r>
+              <a:rPr lang="en-US" dirty="0" smtClean="0"/>
+              <a:t>+ Web app</a:t>
+            </a:r>
+          </a:p>
+          <a:p>
+            <a:r>
+              <a:rPr lang="en-US" dirty="0" smtClean="0"/>
+              <a:t>+ not smart phone app</a:t>
+            </a:r>
+          </a:p>
+          <a:p>
+            <a:r>
+              <a:rPr lang="en-US" dirty="0" smtClean="0"/>
+              <a:t>+ not Desktop app</a:t>
+            </a:r>
+            <a:endParaRPr lang="en-US" dirty="0"/>
+          </a:p>
+        </p:txBody>
+      </p:sp>
+      <p:sp>
+        <p:nvSpPr>
+          <p:cNvPr id="3" name="Title 2"/>
+          <p:cNvSpPr>
+            <a:spLocks noGrp="1"/>
+          </p:cNvSpPr>
+          <p:nvPr>
+            <p:ph type="title"/>
+          </p:nvPr>
+        </p:nvSpPr>
+        <p:spPr/>
+        <p:txBody>
+          <a:bodyPr/>
+          <a:lstStyle/>
+          <a:p>
+            <a:r>
+              <a:rPr lang="en-US" dirty="0" smtClean="0"/>
+              <a:t>Why Web app?</a:t>
+            </a:r>
+            <a:endParaRPr lang="en-US" dirty="0"/>
+          </a:p>
+        </p:txBody>
+      </p:sp>
+    </p:spTree>
+    <p:extLst>
+      <p:ext uri="{BB962C8B-B14F-4D97-AF65-F5344CB8AC3E}">
+        <p14:creationId xmlns:p14="http://schemas.microsoft.com/office/powerpoint/2010/main" val="3374171035"/>
+      </p:ext>
+    </p:extLst>
+  </p:cSld>
+  <p:clrMapOvr>
+    <a:masterClrMapping/>
+  </p:clrMapOvr>
+</p:sld>
+</file>
+
+<file path=ppt/slides/slide7.xml><?xml version="1.0" encoding="utf-8"?>
+<p:sld xmlns:a="http://schemas.openxmlformats.org/drawingml/2006/main" xmlns:r="http://schemas.openxmlformats.org/officeDocument/2006/relationships" xmlns:p="http://schemas.openxmlformats.org/presentationml/2006/main">
+  <p:cSld>
+    <p:spTree>
+      <p:nvGrpSpPr>
+        <p:cNvPr id="1" name=""/>
+        <p:cNvGrpSpPr/>
+        <p:nvPr/>
+      </p:nvGrpSpPr>
+      <p:grpSpPr>
+        <a:xfrm>
+          <a:off x="0" y="0"/>
+          <a:ext cx="0" cy="0"/>
+          <a:chOff x="0" y="0"/>
+          <a:chExt cx="0" cy="0"/>
+        </a:xfrm>
+      </p:grpSpPr>
+      <p:sp>
+        <p:nvSpPr>
+          <p:cNvPr id="2" name="Content Placeholder 1"/>
+          <p:cNvSpPr>
+            <a:spLocks noGrp="1"/>
+          </p:cNvSpPr>
+          <p:nvPr>
+            <p:ph sz="quarter" idx="13"/>
+          </p:nvPr>
+        </p:nvSpPr>
+        <p:spPr/>
+        <p:txBody>
+          <a:bodyPr/>
+          <a:lstStyle/>
+          <a:p>
+            <a:pPr marL="342900" indent="-342900" algn="l">
+              <a:buFont typeface="Wingdings" charset="2"/>
+              <a:buChar char="u"/>
+            </a:pPr>
+            <a:r>
+              <a:rPr lang="en-US" dirty="0" smtClean="0"/>
+              <a:t>Race Conditions</a:t>
+            </a:r>
+          </a:p>
+          <a:p>
+            <a:pPr marL="342900" indent="-342900" algn="l">
+              <a:buFont typeface="Wingdings" charset="2"/>
+              <a:buChar char="u"/>
+            </a:pPr>
+            <a:r>
+              <a:rPr lang="en-US" dirty="0" smtClean="0"/>
+              <a:t>Mutual Exclusions and Locks</a:t>
+            </a:r>
+          </a:p>
+          <a:p>
+            <a:pPr marL="342900" indent="-342900" algn="l">
+              <a:buFont typeface="Wingdings" charset="2"/>
+              <a:buChar char="u"/>
+            </a:pPr>
+            <a:r>
+              <a:rPr lang="en-US" dirty="0" smtClean="0"/>
+              <a:t>Deadlock</a:t>
+            </a:r>
+          </a:p>
+          <a:p>
+            <a:pPr algn="l"/>
+            <a:endParaRPr lang="en-US" dirty="0" smtClean="0"/>
+          </a:p>
+          <a:p>
+            <a:pPr marL="342900" indent="-342900" algn="l">
+              <a:buFont typeface="Wingdings" charset="2"/>
+              <a:buChar char="u"/>
+            </a:pPr>
+            <a:endParaRPr lang="en-US" dirty="0"/>
+          </a:p>
+        </p:txBody>
+      </p:sp>
+      <p:sp>
+        <p:nvSpPr>
+          <p:cNvPr id="3" name="Title 2"/>
+          <p:cNvSpPr>
+            <a:spLocks noGrp="1"/>
+          </p:cNvSpPr>
+          <p:nvPr>
+            <p:ph type="title"/>
+          </p:nvPr>
+        </p:nvSpPr>
+        <p:spPr/>
+        <p:txBody>
+          <a:bodyPr/>
+          <a:lstStyle/>
+          <a:p>
+            <a:r>
+              <a:rPr lang="en-US" dirty="0" smtClean="0"/>
+              <a:t>Chosen pitfalls</a:t>
+            </a:r>
+            <a:endParaRPr lang="en-US" dirty="0"/>
+          </a:p>
+        </p:txBody>
+      </p:sp>
+    </p:spTree>
+    <p:extLst>
+      <p:ext uri="{BB962C8B-B14F-4D97-AF65-F5344CB8AC3E}">
+        <p14:creationId xmlns:p14="http://schemas.microsoft.com/office/powerpoint/2010/main" val="2519380281"/>
+      </p:ext>
+    </p:extLst>
+  </p:cSld>
+  <p:clrMapOvr>
+    <a:masterClrMapping/>
+  </p:clrMapOvr>
+</p:sld>
+</file>
+
+<file path=ppt/slides/slide8.xml><?xml version="1.0" encoding="utf-8"?>
+<p:sld xmlns:a="http://schemas.openxmlformats.org/drawingml/2006/main" xmlns:r="http://schemas.openxmlformats.org/officeDocument/2006/relationships" xmlns:p="http://schemas.openxmlformats.org/presentationml/2006/main">
+  <p:cSld>
+    <p:spTree>
+      <p:nvGrpSpPr>
+        <p:cNvPr id="1" name=""/>
+        <p:cNvGrpSpPr/>
+        <p:nvPr/>
+      </p:nvGrpSpPr>
+      <p:grpSpPr>
+        <a:xfrm>
+          <a:off x="0" y="0"/>
+          <a:ext cx="0" cy="0"/>
+          <a:chOff x="0" y="0"/>
+          <a:chExt cx="0" cy="0"/>
+        </a:xfrm>
+      </p:grpSpPr>
+      <p:sp>
+        <p:nvSpPr>
+          <p:cNvPr id="2" name="Content Placeholder 1"/>
+          <p:cNvSpPr>
+            <a:spLocks noGrp="1"/>
+          </p:cNvSpPr>
+          <p:nvPr>
+            <p:ph sz="quarter" idx="13"/>
+          </p:nvPr>
+        </p:nvSpPr>
+        <p:spPr/>
+        <p:txBody>
+          <a:bodyPr/>
+          <a:lstStyle/>
+          <a:p>
+            <a:pPr algn="l"/>
+            <a:r>
+              <a:rPr lang="en-US" dirty="0" smtClean="0"/>
+              <a:t>+ what is race condition</a:t>
+            </a:r>
+          </a:p>
+          <a:p>
+            <a:pPr algn="l"/>
+            <a:r>
+              <a:rPr lang="en-US" dirty="0" smtClean="0"/>
+              <a:t>+ how to solve race condition</a:t>
+            </a:r>
+          </a:p>
+          <a:p>
+            <a:pPr algn="l"/>
+            <a:endParaRPr lang="en-US" dirty="0"/>
+          </a:p>
+          <a:p>
+            <a:pPr algn="l"/>
+            <a:endParaRPr lang="en-US" dirty="0" smtClean="0"/>
+          </a:p>
+          <a:p>
+            <a:pPr algn="l"/>
+            <a:endParaRPr lang="en-US" dirty="0" smtClean="0"/>
+          </a:p>
+          <a:p>
+            <a:pPr algn="l"/>
+            <a:r>
+              <a:rPr lang="en-US" dirty="0" smtClean="0"/>
+              <a:t>+ Why it is a problem</a:t>
+            </a:r>
+          </a:p>
+          <a:p>
+            <a:pPr algn="l"/>
+            <a:r>
+              <a:rPr lang="en-US" dirty="0" smtClean="0"/>
+              <a:t>+ Demo</a:t>
+            </a:r>
+            <a:endParaRPr lang="en-US" dirty="0"/>
+          </a:p>
+        </p:txBody>
+      </p:sp>
+      <p:sp>
+        <p:nvSpPr>
+          <p:cNvPr id="3" name="Title 2"/>
+          <p:cNvSpPr>
+            <a:spLocks noGrp="1"/>
+          </p:cNvSpPr>
+          <p:nvPr>
+            <p:ph type="title"/>
+          </p:nvPr>
+        </p:nvSpPr>
+        <p:spPr/>
+        <p:txBody>
+          <a:bodyPr/>
+          <a:lstStyle/>
+          <a:p>
+            <a:r>
+              <a:rPr lang="en-US" dirty="0" smtClean="0"/>
+              <a:t>Race Condition</a:t>
+            </a:r>
+            <a:endParaRPr lang="en-US" dirty="0"/>
+          </a:p>
+        </p:txBody>
+      </p:sp>
+    </p:spTree>
+    <p:extLst>
+      <p:ext uri="{BB962C8B-B14F-4D97-AF65-F5344CB8AC3E}">
+        <p14:creationId xmlns:p14="http://schemas.microsoft.com/office/powerpoint/2010/main" val="1952657841"/>
+      </p:ext>
+    </p:extLst>
+  </p:cSld>
+  <p:clrMapOvr>
+    <a:masterClrMapping/>
+  </p:clrMapOvr>
+</p:sld>
+</file>
+
+<file path=ppt/slides/slide9.xml><?xml version="1.0" encoding="utf-8"?>
+<p:sld xmlns:a="http://schemas.openxmlformats.org/drawingml/2006/main" xmlns:r="http://schemas.openxmlformats.org/officeDocument/2006/relationships" xmlns:p="http://schemas.openxmlformats.org/presentationml/2006/main">
+  <p:cSld>
+    <p:spTree>
+      <p:nvGrpSpPr>
+        <p:cNvPr id="1" name=""/>
+        <p:cNvGrpSpPr/>
+        <p:nvPr/>
+      </p:nvGrpSpPr>
+      <p:grpSpPr>
+        <a:xfrm>
+          <a:off x="0" y="0"/>
+          <a:ext cx="0" cy="0"/>
+          <a:chOff x="0" y="0"/>
+          <a:chExt cx="0" cy="0"/>
+        </a:xfrm>
+      </p:grpSpPr>
+      <p:sp>
+        <p:nvSpPr>
+          <p:cNvPr id="2" name="Content Placeholder 1"/>
+          <p:cNvSpPr>
+            <a:spLocks noGrp="1"/>
+          </p:cNvSpPr>
+          <p:nvPr>
+            <p:ph sz="quarter" idx="13"/>
+          </p:nvPr>
+        </p:nvSpPr>
+        <p:spPr/>
+        <p:txBody>
+          <a:bodyPr/>
+          <a:lstStyle/>
+          <a:p>
+            <a:pPr algn="l"/>
+            <a:r>
+              <a:rPr lang="en-US" dirty="0" smtClean="0"/>
+              <a:t>+ what is ME?</a:t>
+            </a:r>
+          </a:p>
+          <a:p>
+            <a:pPr algn="l"/>
+            <a:r>
+              <a:rPr lang="en-US" dirty="0" smtClean="0"/>
+              <a:t>+ how to solve it?</a:t>
+            </a:r>
+          </a:p>
+          <a:p>
+            <a:pPr algn="l"/>
+            <a:endParaRPr lang="en-US" dirty="0" smtClean="0"/>
+          </a:p>
+          <a:p>
+            <a:pPr algn="l"/>
+            <a:endParaRPr lang="en-US" dirty="0"/>
+          </a:p>
+          <a:p>
+            <a:pPr algn="l"/>
+            <a:endParaRPr lang="en-US" dirty="0"/>
+          </a:p>
+          <a:p>
+            <a:pPr algn="l"/>
+            <a:r>
+              <a:rPr lang="en-US" dirty="0" smtClean="0"/>
+              <a:t>+ Why it is a problem</a:t>
+            </a:r>
+          </a:p>
+          <a:p>
+            <a:pPr algn="l"/>
+            <a:r>
+              <a:rPr lang="en-US" dirty="0" smtClean="0"/>
+              <a:t>+ Demo</a:t>
+            </a:r>
+          </a:p>
+          <a:p>
+            <a:pPr algn="l"/>
+            <a:endParaRPr lang="en-US" dirty="0"/>
+          </a:p>
+        </p:txBody>
+      </p:sp>
+      <p:sp>
+        <p:nvSpPr>
+          <p:cNvPr id="3" name="Title 2"/>
+          <p:cNvSpPr>
+            <a:spLocks noGrp="1"/>
+          </p:cNvSpPr>
+          <p:nvPr>
+            <p:ph type="title"/>
+          </p:nvPr>
+        </p:nvSpPr>
+        <p:spPr/>
+        <p:txBody>
+          <a:bodyPr/>
+          <a:lstStyle/>
+          <a:p>
+            <a:r>
+              <a:rPr lang="en-US" dirty="0" smtClean="0"/>
+              <a:t>Mutual exclusion</a:t>
+            </a:r>
+            <a:endParaRPr lang="en-US" dirty="0"/>
+          </a:p>
+        </p:txBody>
+      </p:sp>
+    </p:spTree>
+    <p:extLst>
+      <p:ext uri="{BB962C8B-B14F-4D97-AF65-F5344CB8AC3E}">
+        <p14:creationId xmlns:p14="http://schemas.microsoft.com/office/powerpoint/2010/main" val="3701139686"/>
+      </p:ext>
+    </p:extLst>
+  </p:cSld>
+  <p:clrMapOvr>
+    <a:masterClrMapping/>
+  </p:clrMapOvr>
 </p:sld>
 </file>
 

--- a/Presentation.pptx
+++ b/Presentation.pptx
@@ -5,12 +5,12 @@
     <p:sldMasterId id="2147484209" r:id="rId1"/>
   </p:sldMasterIdLst>
   <p:notesMasterIdLst>
-    <p:notesMasterId r:id="rId24"/>
+    <p:notesMasterId r:id="rId25"/>
   </p:notesMasterIdLst>
   <p:sldIdLst>
     <p:sldId id="266" r:id="rId2"/>
     <p:sldId id="271" r:id="rId3"/>
-    <p:sldId id="267" r:id="rId4"/>
+    <p:sldId id="282" r:id="rId4"/>
     <p:sldId id="270" r:id="rId5"/>
     <p:sldId id="268" r:id="rId6"/>
     <p:sldId id="272" r:id="rId7"/>
@@ -19,17 +19,18 @@
     <p:sldId id="275" r:id="rId10"/>
     <p:sldId id="278" r:id="rId11"/>
     <p:sldId id="279" r:id="rId12"/>
-    <p:sldId id="280" r:id="rId13"/>
-    <p:sldId id="281" r:id="rId14"/>
-    <p:sldId id="257" r:id="rId15"/>
-    <p:sldId id="258" r:id="rId16"/>
-    <p:sldId id="265" r:id="rId17"/>
-    <p:sldId id="259" r:id="rId18"/>
-    <p:sldId id="260" r:id="rId19"/>
-    <p:sldId id="261" r:id="rId20"/>
-    <p:sldId id="262" r:id="rId21"/>
-    <p:sldId id="263" r:id="rId22"/>
-    <p:sldId id="264" r:id="rId23"/>
+    <p:sldId id="284" r:id="rId13"/>
+    <p:sldId id="280" r:id="rId14"/>
+    <p:sldId id="283" r:id="rId15"/>
+    <p:sldId id="264" r:id="rId16"/>
+    <p:sldId id="257" r:id="rId17"/>
+    <p:sldId id="258" r:id="rId18"/>
+    <p:sldId id="265" r:id="rId19"/>
+    <p:sldId id="259" r:id="rId20"/>
+    <p:sldId id="260" r:id="rId21"/>
+    <p:sldId id="261" r:id="rId22"/>
+    <p:sldId id="262" r:id="rId23"/>
+    <p:sldId id="263" r:id="rId24"/>
   </p:sldIdLst>
   <p:sldSz cx="9144000" cy="6858000" type="screen4x3"/>
   <p:notesSz cx="6858000" cy="9144000"/>
@@ -213,7 +214,7 @@
           <a:p>
             <a:fld id="{E17A1F60-D46C-C04D-A60B-2230C10FC134}" type="datetimeFigureOut">
               <a:rPr lang="en-US" smtClean="0"/>
-              <a:t>16/05/14</a:t>
+              <a:t>17/05/14</a:t>
             </a:fld>
             <a:endParaRPr lang="en-US"/>
           </a:p>
@@ -525,11 +526,32 @@
           <a:bodyPr/>
           <a:lstStyle/>
           <a:p>
-            <a:r>
-              <a:rPr lang="en-US" dirty="0" smtClean="0"/>
-              <a:t>Establish a level of synchronization that balances the concerns of non-deterministic behavior</a:t>
-            </a:r>
-            <a:endParaRPr lang="en-US" dirty="0"/>
+            <a:pPr marL="0" marR="0" indent="0" algn="l" defTabSz="457200" rtl="0" eaLnBrk="1" fontAlgn="auto" latinLnBrk="0" hangingPunct="1">
+              <a:lnSpc>
+                <a:spcPct val="100000"/>
+              </a:lnSpc>
+              <a:spcBef>
+                <a:spcPts val="0"/>
+              </a:spcBef>
+              <a:spcAft>
+                <a:spcPts val="0"/>
+              </a:spcAft>
+              <a:buClrTx/>
+              <a:buSzTx/>
+              <a:buFontTx/>
+              <a:buNone/>
+              <a:tabLst/>
+              <a:defRPr/>
+            </a:pPr>
+            <a:r>
+              <a:rPr lang="en-US" dirty="0" smtClean="0"/>
+              <a:t>Synchronization is necessary to make programs execute correctly in parallel. However this</a:t>
+            </a:r>
+            <a:r>
+              <a:rPr lang="en-US" baseline="0" dirty="0" smtClean="0"/>
+              <a:t> comes with a cost. Problems arise when accessing shared resources.</a:t>
+            </a:r>
+            <a:endParaRPr lang="en-US" dirty="0" smtClean="0"/>
           </a:p>
         </p:txBody>
       </p:sp>
@@ -550,7 +572,7 @@
           <a:p>
             <a:fld id="{4B5DE452-D96A-B043-A19B-3F6D5B1BBA3B}" type="slidenum">
               <a:rPr lang="en-US" smtClean="0"/>
-              <a:t>3</a:t>
+              <a:t>7</a:t>
             </a:fld>
             <a:endParaRPr lang="en-US"/>
           </a:p>
@@ -559,7 +581,7 @@
     </p:spTree>
     <p:extLst>
       <p:ext uri="{BB962C8B-B14F-4D97-AF65-F5344CB8AC3E}">
-        <p14:creationId xmlns:p14="http://schemas.microsoft.com/office/powerpoint/2010/main" val="2033178349"/>
+        <p14:creationId xmlns:p14="http://schemas.microsoft.com/office/powerpoint/2010/main" val="56470449"/>
       </p:ext>
     </p:extLst>
   </p:cSld>
@@ -613,32 +635,15 @@
           <a:bodyPr/>
           <a:lstStyle/>
           <a:p>
-            <a:pPr marL="0" marR="0" indent="0" algn="l" defTabSz="457200" rtl="0" eaLnBrk="1" fontAlgn="auto" latinLnBrk="0" hangingPunct="1">
-              <a:lnSpc>
-                <a:spcPct val="100000"/>
-              </a:lnSpc>
-              <a:spcBef>
-                <a:spcPts val="0"/>
-              </a:spcBef>
-              <a:spcAft>
-                <a:spcPts val="0"/>
-              </a:spcAft>
-              <a:buClrTx/>
-              <a:buSzTx/>
-              <a:buFontTx/>
-              <a:buNone/>
-              <a:tabLst/>
-              <a:defRPr/>
-            </a:pPr>
-            <a:r>
-              <a:rPr lang="en-US" dirty="0" smtClean="0"/>
-              <a:t>Synchronization is necessary to make programs execute correctly in parallel. However this</a:t>
+            <a:r>
+              <a:rPr lang="en-US" dirty="0" smtClean="0"/>
+              <a:t>90% is</a:t>
             </a:r>
             <a:r>
               <a:rPr lang="en-US" baseline="0" dirty="0" smtClean="0"/>
-              <a:t> comes with a cost. Problems arise when accessing shared resources.</a:t>
-            </a:r>
-            <a:endParaRPr lang="en-US" dirty="0" smtClean="0"/>
+              <a:t> a dummy value</a:t>
+            </a:r>
+            <a:endParaRPr lang="en-US" dirty="0"/>
           </a:p>
         </p:txBody>
       </p:sp>
@@ -659,7 +664,7 @@
           <a:p>
             <a:fld id="{4B5DE452-D96A-B043-A19B-3F6D5B1BBA3B}" type="slidenum">
               <a:rPr lang="en-US" smtClean="0"/>
-              <a:t>7</a:t>
+              <a:t>12</a:t>
             </a:fld>
             <a:endParaRPr lang="en-US"/>
           </a:p>
@@ -668,7 +673,7 @@
     </p:spTree>
     <p:extLst>
       <p:ext uri="{BB962C8B-B14F-4D97-AF65-F5344CB8AC3E}">
-        <p14:creationId xmlns:p14="http://schemas.microsoft.com/office/powerpoint/2010/main" val="56470449"/>
+        <p14:creationId xmlns:p14="http://schemas.microsoft.com/office/powerpoint/2010/main" val="807505352"/>
       </p:ext>
     </p:extLst>
   </p:cSld>
@@ -797,7 +802,7 @@
           <a:p>
             <a:fld id="{56BE3D67-E84A-6F4F-8E3B-3BC46E162796}" type="slidenum">
               <a:rPr lang="en-US" smtClean="0"/>
-              <a:t>14</a:t>
+              <a:t>16</a:t>
             </a:fld>
             <a:endParaRPr lang="en-US"/>
           </a:p>
@@ -938,7 +943,7 @@
           <a:p>
             <a:fld id="{56BE3D67-E84A-6F4F-8E3B-3BC46E162796}" type="slidenum">
               <a:rPr lang="en-US" smtClean="0"/>
-              <a:t>15</a:t>
+              <a:t>17</a:t>
             </a:fld>
             <a:endParaRPr lang="en-US"/>
           </a:p>
@@ -1026,7 +1031,7 @@
           <a:p>
             <a:fld id="{56BE3D67-E84A-6F4F-8E3B-3BC46E162796}" type="slidenum">
               <a:rPr lang="en-US" smtClean="0"/>
-              <a:t>17</a:t>
+              <a:t>19</a:t>
             </a:fld>
             <a:endParaRPr lang="en-US"/>
           </a:p>
@@ -1123,7 +1128,7 @@
           <a:p>
             <a:fld id="{56BE3D67-E84A-6F4F-8E3B-3BC46E162796}" type="slidenum">
               <a:rPr lang="en-US" smtClean="0"/>
-              <a:t>18</a:t>
+              <a:t>20</a:t>
             </a:fld>
             <a:endParaRPr lang="en-US"/>
           </a:p>
@@ -1225,7 +1230,7 @@
           <a:p>
             <a:fld id="{56BE3D67-E84A-6F4F-8E3B-3BC46E162796}" type="slidenum">
               <a:rPr lang="en-US" smtClean="0"/>
-              <a:t>19</a:t>
+              <a:t>21</a:t>
             </a:fld>
             <a:endParaRPr lang="en-US"/>
           </a:p>
@@ -1335,7 +1340,7 @@
           <a:p>
             <a:fld id="{56BE3D67-E84A-6F4F-8E3B-3BC46E162796}" type="slidenum">
               <a:rPr lang="en-US" smtClean="0"/>
-              <a:t>20</a:t>
+              <a:t>22</a:t>
             </a:fld>
             <a:endParaRPr lang="en-US"/>
           </a:p>
@@ -1442,7 +1447,7 @@
           <a:p>
             <a:fld id="{56BE3D67-E84A-6F4F-8E3B-3BC46E162796}" type="slidenum">
               <a:rPr lang="en-US" smtClean="0"/>
-              <a:t>21</a:t>
+              <a:t>23</a:t>
             </a:fld>
             <a:endParaRPr lang="en-US"/>
           </a:p>
@@ -1778,7 +1783,15 @@
             <p:ph type="dt" sz="half" idx="10"/>
           </p:nvPr>
         </p:nvSpPr>
-        <p:spPr bwMode="black"/>
+        <p:spPr bwMode="black">
+          <a:xfrm>
+            <a:off x="2981325" y="131705"/>
+            <a:ext cx="3181350" cy="292100"/>
+          </a:xfrm>
+          <a:prstGeom prst="rect">
+            <a:avLst/>
+          </a:prstGeom>
+        </p:spPr>
         <p:txBody>
           <a:bodyPr/>
           <a:lstStyle/>
@@ -1786,7 +1799,7 @@
             <a:fld id="{25AE17C7-B787-4E50-994D-5E804113A1E9}" type="datetime4">
               <a:rPr lang="en-US" smtClean="0"/>
               <a:pPr/>
-              <a:t>May 16, 2014</a:t>
+              <a:t>May 17, 2014</a:t>
             </a:fld>
             <a:endParaRPr lang="en-US" dirty="0"/>
           </a:p>
@@ -1826,7 +1839,15 @@
             <p:ph type="ftr" sz="quarter" idx="12"/>
           </p:nvPr>
         </p:nvSpPr>
-        <p:spPr/>
+        <p:spPr>
+          <a:xfrm>
+            <a:off x="1447800" y="6486525"/>
+            <a:ext cx="6248400" cy="292100"/>
+          </a:xfrm>
+          <a:prstGeom prst="rect">
+            <a:avLst/>
+          </a:prstGeom>
+        </p:spPr>
         <p:txBody>
           <a:bodyPr/>
           <a:lstStyle/>
@@ -1945,7 +1966,15 @@
             <p:ph type="dt" sz="half" idx="10"/>
           </p:nvPr>
         </p:nvSpPr>
-        <p:spPr/>
+        <p:spPr>
+          <a:xfrm>
+            <a:off x="2981325" y="131705"/>
+            <a:ext cx="3181350" cy="292100"/>
+          </a:xfrm>
+          <a:prstGeom prst="rect">
+            <a:avLst/>
+          </a:prstGeom>
+        </p:spPr>
         <p:txBody>
           <a:bodyPr/>
           <a:lstStyle/>
@@ -1953,7 +1982,7 @@
             <a:fld id="{AFDD7A28-FA93-4136-BDC1-BCCB2687E678}" type="datetimeFigureOut">
               <a:rPr lang="en-US" smtClean="0"/>
               <a:pPr/>
-              <a:t>16/05/14</a:t>
+              <a:t>17/05/14</a:t>
             </a:fld>
             <a:endParaRPr lang="en-US"/>
           </a:p>
@@ -1969,7 +1998,15 @@
             <p:ph type="ftr" sz="quarter" idx="11"/>
           </p:nvPr>
         </p:nvSpPr>
-        <p:spPr/>
+        <p:spPr>
+          <a:xfrm>
+            <a:off x="1447800" y="6486525"/>
+            <a:ext cx="6248400" cy="292100"/>
+          </a:xfrm>
+          <a:prstGeom prst="rect">
+            <a:avLst/>
+          </a:prstGeom>
+        </p:spPr>
         <p:txBody>
           <a:bodyPr/>
           <a:lstStyle/>
@@ -2177,7 +2214,15 @@
             <p:ph type="dt" sz="half" idx="10"/>
           </p:nvPr>
         </p:nvSpPr>
-        <p:spPr/>
+        <p:spPr>
+          <a:xfrm>
+            <a:off x="2981325" y="131705"/>
+            <a:ext cx="3181350" cy="292100"/>
+          </a:xfrm>
+          <a:prstGeom prst="rect">
+            <a:avLst/>
+          </a:prstGeom>
+        </p:spPr>
         <p:txBody>
           <a:bodyPr/>
           <a:lstStyle/>
@@ -2185,7 +2230,7 @@
             <a:fld id="{AFDD7A28-FA93-4136-BDC1-BCCB2687E678}" type="datetimeFigureOut">
               <a:rPr lang="en-US" smtClean="0"/>
               <a:pPr/>
-              <a:t>16/05/14</a:t>
+              <a:t>17/05/14</a:t>
             </a:fld>
             <a:endParaRPr lang="en-US" dirty="0"/>
           </a:p>
@@ -2201,7 +2246,15 @@
             <p:ph type="ftr" sz="quarter" idx="11"/>
           </p:nvPr>
         </p:nvSpPr>
-        <p:spPr/>
+        <p:spPr>
+          <a:xfrm>
+            <a:off x="1447800" y="6486525"/>
+            <a:ext cx="6248400" cy="292100"/>
+          </a:xfrm>
+          <a:prstGeom prst="rect">
+            <a:avLst/>
+          </a:prstGeom>
+        </p:spPr>
         <p:txBody>
           <a:bodyPr/>
           <a:lstStyle/>
@@ -2299,8 +2352,8 @@
         </p:nvSpPr>
         <p:spPr>
           <a:xfrm>
-            <a:off x="457200" y="2020824"/>
-            <a:ext cx="8229600" cy="4075176"/>
+            <a:off x="457200" y="1477207"/>
+            <a:ext cx="8229600" cy="4846277"/>
           </a:xfrm>
         </p:spPr>
         <p:txBody>
@@ -2309,35 +2362,35 @@
           <a:p>
             <a:pPr lvl="0"/>
             <a:r>
-              <a:rPr lang="en-US" smtClean="0"/>
+              <a:rPr lang="en-US" dirty="0" smtClean="0"/>
               <a:t>Click to edit Master text styles</a:t>
             </a:r>
           </a:p>
           <a:p>
             <a:pPr lvl="1"/>
             <a:r>
-              <a:rPr lang="en-US" smtClean="0"/>
+              <a:rPr lang="en-US" dirty="0" smtClean="0"/>
               <a:t>Second level</a:t>
             </a:r>
           </a:p>
           <a:p>
             <a:pPr lvl="2"/>
             <a:r>
-              <a:rPr lang="en-US" smtClean="0"/>
+              <a:rPr lang="en-US" dirty="0" smtClean="0"/>
               <a:t>Third level</a:t>
             </a:r>
           </a:p>
           <a:p>
             <a:pPr lvl="3"/>
             <a:r>
-              <a:rPr lang="en-US" smtClean="0"/>
+              <a:rPr lang="en-US" dirty="0" smtClean="0"/>
               <a:t>Fourth level</a:t>
             </a:r>
           </a:p>
           <a:p>
             <a:pPr lvl="4"/>
             <a:r>
-              <a:rPr lang="en-US" smtClean="0"/>
+              <a:rPr lang="en-US" dirty="0" smtClean="0"/>
               <a:t>Fifth level</a:t>
             </a:r>
             <a:endParaRPr lang="en-US" dirty="0"/>
@@ -2369,68 +2422,36 @@
       </p:sp>
       <p:sp>
         <p:nvSpPr>
-          <p:cNvPr id="11" name="Date Placeholder 10"/>
-          <p:cNvSpPr>
-            <a:spLocks noGrp="1"/>
-          </p:cNvSpPr>
-          <p:nvPr>
-            <p:ph type="dt" sz="half" idx="14"/>
-          </p:nvPr>
-        </p:nvSpPr>
-        <p:spPr/>
-        <p:txBody>
-          <a:bodyPr/>
-          <a:lstStyle/>
-          <a:p>
-            <a:fld id="{8995D68B-21AC-438B-BECE-4F17DA129F19}" type="datetime4">
-              <a:rPr lang="en-US" smtClean="0"/>
-              <a:pPr/>
-              <a:t>May 16, 2014</a:t>
-            </a:fld>
-            <a:endParaRPr lang="en-US" dirty="0"/>
-          </a:p>
-        </p:txBody>
-      </p:sp>
-      <p:sp>
-        <p:nvSpPr>
-          <p:cNvPr id="12" name="Slide Number Placeholder 11"/>
-          <p:cNvSpPr>
-            <a:spLocks noGrp="1"/>
-          </p:cNvSpPr>
-          <p:nvPr>
-            <p:ph type="sldNum" sz="quarter" idx="15"/>
-          </p:nvPr>
-        </p:nvSpPr>
-        <p:spPr/>
-        <p:txBody>
-          <a:bodyPr/>
-          <a:lstStyle/>
-          <a:p>
-            <a:fld id="{5744759D-0EFF-4FB2-9CCE-04E00944F0FE}" type="slidenum">
-              <a:rPr lang="en-US" smtClean="0"/>
+          <p:cNvPr id="2" name="TextBox 1"/>
+          <p:cNvSpPr txBox="1"/>
+          <p:nvPr userDrawn="1"/>
+        </p:nvSpPr>
+        <p:spPr>
+          <a:xfrm>
+            <a:off x="4211585" y="6503253"/>
+            <a:ext cx="738648" cy="276999"/>
+          </a:xfrm>
+          <a:prstGeom prst="rect">
+            <a:avLst/>
+          </a:prstGeom>
+          <a:noFill/>
+        </p:spPr>
+        <p:txBody>
+          <a:bodyPr wrap="square" rtlCol="0">
+            <a:spAutoFit/>
+          </a:bodyPr>
+          <a:lstStyle/>
+          <a:p>
+            <a:fld id="{AD4EE4AE-DBD3-9141-ADF5-415CE2335B76}" type="slidenum">
+              <a:rPr lang="en-US" sz="1200" smtClean="0"/>
               <a:pPr/>
               <a:t>‹#›</a:t>
             </a:fld>
-            <a:endParaRPr lang="en-US" dirty="0"/>
-          </a:p>
-        </p:txBody>
-      </p:sp>
-      <p:sp>
-        <p:nvSpPr>
-          <p:cNvPr id="13" name="Footer Placeholder 12"/>
-          <p:cNvSpPr>
-            <a:spLocks noGrp="1"/>
-          </p:cNvSpPr>
-          <p:nvPr>
-            <p:ph type="ftr" sz="quarter" idx="16"/>
-          </p:nvPr>
-        </p:nvSpPr>
-        <p:spPr/>
-        <p:txBody>
-          <a:bodyPr/>
-          <a:lstStyle/>
-          <a:p>
-            <a:endParaRPr lang="en-US" dirty="0"/>
+            <a:r>
+              <a:rPr lang="en-US" sz="1200" dirty="0" smtClean="0"/>
+              <a:t> / </a:t>
+            </a:r>
+            <a:endParaRPr lang="en-US" sz="1200" dirty="0"/>
           </a:p>
         </p:txBody>
       </p:sp>
@@ -2787,7 +2808,15 @@
             <p:ph type="dt" sz="half" idx="10"/>
           </p:nvPr>
         </p:nvSpPr>
-        <p:spPr/>
+        <p:spPr>
+          <a:xfrm>
+            <a:off x="2981325" y="131705"/>
+            <a:ext cx="3181350" cy="292100"/>
+          </a:xfrm>
+          <a:prstGeom prst="rect">
+            <a:avLst/>
+          </a:prstGeom>
+        </p:spPr>
         <p:txBody>
           <a:bodyPr/>
           <a:lstStyle/>
@@ -2795,7 +2824,7 @@
             <a:fld id="{679F0FCF-2EA5-4FF5-AF14-1CA9C8854AAB}" type="datetime4">
               <a:rPr lang="en-US" smtClean="0"/>
               <a:pPr/>
-              <a:t>May 16, 2014</a:t>
+              <a:t>May 17, 2014</a:t>
             </a:fld>
             <a:endParaRPr lang="en-US" dirty="0"/>
           </a:p>
@@ -2835,7 +2864,15 @@
             <p:ph type="ftr" sz="quarter" idx="12"/>
           </p:nvPr>
         </p:nvSpPr>
-        <p:spPr/>
+        <p:spPr>
+          <a:xfrm>
+            <a:off x="1447800" y="6486525"/>
+            <a:ext cx="6248400" cy="292100"/>
+          </a:xfrm>
+          <a:prstGeom prst="rect">
+            <a:avLst/>
+          </a:prstGeom>
+        </p:spPr>
         <p:txBody>
           <a:bodyPr/>
           <a:lstStyle/>
@@ -2993,7 +3030,15 @@
             <p:ph type="dt" sz="half" idx="15"/>
           </p:nvPr>
         </p:nvSpPr>
-        <p:spPr/>
+        <p:spPr>
+          <a:xfrm>
+            <a:off x="2981325" y="131705"/>
+            <a:ext cx="3181350" cy="292100"/>
+          </a:xfrm>
+          <a:prstGeom prst="rect">
+            <a:avLst/>
+          </a:prstGeom>
+        </p:spPr>
         <p:txBody>
           <a:bodyPr/>
           <a:lstStyle/>
@@ -3001,7 +3046,7 @@
             <a:fld id="{F9E781C6-1634-4A56-B2BE-62150BE83935}" type="datetime4">
               <a:rPr lang="en-US" smtClean="0"/>
               <a:pPr/>
-              <a:t>May 16, 2014</a:t>
+              <a:t>May 17, 2014</a:t>
             </a:fld>
             <a:endParaRPr lang="en-US" dirty="0"/>
           </a:p>
@@ -3041,7 +3086,15 @@
             <p:ph type="ftr" sz="quarter" idx="17"/>
           </p:nvPr>
         </p:nvSpPr>
-        <p:spPr/>
+        <p:spPr>
+          <a:xfrm>
+            <a:off x="1447800" y="6486525"/>
+            <a:ext cx="6248400" cy="292100"/>
+          </a:xfrm>
+          <a:prstGeom prst="rect">
+            <a:avLst/>
+          </a:prstGeom>
+        </p:spPr>
         <p:txBody>
           <a:bodyPr/>
           <a:lstStyle/>
@@ -3401,7 +3454,15 @@
             <p:ph type="dt" sz="half" idx="16"/>
           </p:nvPr>
         </p:nvSpPr>
-        <p:spPr/>
+        <p:spPr>
+          <a:xfrm>
+            <a:off x="2981325" y="131705"/>
+            <a:ext cx="3181350" cy="292100"/>
+          </a:xfrm>
+          <a:prstGeom prst="rect">
+            <a:avLst/>
+          </a:prstGeom>
+        </p:spPr>
         <p:txBody>
           <a:bodyPr/>
           <a:lstStyle/>
@@ -3409,7 +3470,7 @@
             <a:fld id="{A9372AC2-3C75-4F5F-A929-48958086FE36}" type="datetime4">
               <a:rPr lang="en-US" smtClean="0"/>
               <a:pPr/>
-              <a:t>May 16, 2014</a:t>
+              <a:t>May 17, 2014</a:t>
             </a:fld>
             <a:endParaRPr lang="en-US" dirty="0"/>
           </a:p>
@@ -3449,7 +3510,15 @@
             <p:ph type="ftr" sz="quarter" idx="18"/>
           </p:nvPr>
         </p:nvSpPr>
-        <p:spPr/>
+        <p:spPr>
+          <a:xfrm>
+            <a:off x="1447800" y="6486525"/>
+            <a:ext cx="6248400" cy="292100"/>
+          </a:xfrm>
+          <a:prstGeom prst="rect">
+            <a:avLst/>
+          </a:prstGeom>
+        </p:spPr>
         <p:txBody>
           <a:bodyPr/>
           <a:lstStyle/>
@@ -3539,7 +3608,15 @@
             <p:ph type="dt" sz="half" idx="10"/>
           </p:nvPr>
         </p:nvSpPr>
-        <p:spPr/>
+        <p:spPr>
+          <a:xfrm>
+            <a:off x="2981325" y="131705"/>
+            <a:ext cx="3181350" cy="292100"/>
+          </a:xfrm>
+          <a:prstGeom prst="rect">
+            <a:avLst/>
+          </a:prstGeom>
+        </p:spPr>
         <p:txBody>
           <a:bodyPr/>
           <a:lstStyle/>
@@ -3547,7 +3624,7 @@
             <a:fld id="{17509CF4-4C1A-45DC-BADA-6EFF91CB9ABB}" type="datetime4">
               <a:rPr lang="en-US" smtClean="0"/>
               <a:pPr/>
-              <a:t>May 16, 2014</a:t>
+              <a:t>May 17, 2014</a:t>
             </a:fld>
             <a:endParaRPr lang="en-US" dirty="0"/>
           </a:p>
@@ -3587,7 +3664,15 @@
             <p:ph type="ftr" sz="quarter" idx="12"/>
           </p:nvPr>
         </p:nvSpPr>
-        <p:spPr/>
+        <p:spPr>
+          <a:xfrm>
+            <a:off x="1447800" y="6486525"/>
+            <a:ext cx="6248400" cy="292100"/>
+          </a:xfrm>
+          <a:prstGeom prst="rect">
+            <a:avLst/>
+          </a:prstGeom>
+        </p:spPr>
         <p:txBody>
           <a:bodyPr/>
           <a:lstStyle/>
@@ -3631,7 +3716,15 @@
             <p:ph type="dt" sz="half" idx="10"/>
           </p:nvPr>
         </p:nvSpPr>
-        <p:spPr/>
+        <p:spPr>
+          <a:xfrm>
+            <a:off x="2981325" y="131705"/>
+            <a:ext cx="3181350" cy="292100"/>
+          </a:xfrm>
+          <a:prstGeom prst="rect">
+            <a:avLst/>
+          </a:prstGeom>
+        </p:spPr>
         <p:txBody>
           <a:bodyPr/>
           <a:lstStyle/>
@@ -3639,7 +3732,7 @@
             <a:fld id="{C53951C0-B478-4858-ABC7-96406A1C0480}" type="datetime4">
               <a:rPr lang="en-US" smtClean="0"/>
               <a:pPr/>
-              <a:t>May 16, 2014</a:t>
+              <a:t>May 17, 2014</a:t>
             </a:fld>
             <a:endParaRPr lang="en-US" dirty="0"/>
           </a:p>
@@ -3679,7 +3772,15 @@
             <p:ph type="ftr" sz="quarter" idx="12"/>
           </p:nvPr>
         </p:nvSpPr>
-        <p:spPr/>
+        <p:spPr>
+          <a:xfrm>
+            <a:off x="1447800" y="6486525"/>
+            <a:ext cx="6248400" cy="292100"/>
+          </a:xfrm>
+          <a:prstGeom prst="rect">
+            <a:avLst/>
+          </a:prstGeom>
+        </p:spPr>
         <p:txBody>
           <a:bodyPr/>
           <a:lstStyle/>
@@ -3887,7 +3988,15 @@
             <p:ph type="dt" sz="half" idx="15"/>
           </p:nvPr>
         </p:nvSpPr>
-        <p:spPr/>
+        <p:spPr>
+          <a:xfrm>
+            <a:off x="2981325" y="131705"/>
+            <a:ext cx="3181350" cy="292100"/>
+          </a:xfrm>
+          <a:prstGeom prst="rect">
+            <a:avLst/>
+          </a:prstGeom>
+        </p:spPr>
         <p:txBody>
           <a:bodyPr/>
           <a:lstStyle/>
@@ -3895,7 +4004,7 @@
             <a:fld id="{B867641A-9D94-4BD6-862F-F651067079BC}" type="datetime4">
               <a:rPr lang="en-US" smtClean="0"/>
               <a:pPr/>
-              <a:t>May 16, 2014</a:t>
+              <a:t>May 17, 2014</a:t>
             </a:fld>
             <a:endParaRPr lang="en-US" dirty="0"/>
           </a:p>
@@ -3935,7 +4044,15 @@
             <p:ph type="ftr" sz="quarter" idx="17"/>
           </p:nvPr>
         </p:nvSpPr>
-        <p:spPr/>
+        <p:spPr>
+          <a:xfrm>
+            <a:off x="1447800" y="6486525"/>
+            <a:ext cx="6248400" cy="292100"/>
+          </a:xfrm>
+          <a:prstGeom prst="rect">
+            <a:avLst/>
+          </a:prstGeom>
+        </p:spPr>
         <p:txBody>
           <a:bodyPr/>
           <a:lstStyle/>
@@ -4187,6 +4304,9 @@
             <a:off x="2981325" y="273180"/>
             <a:ext cx="3181350" cy="292100"/>
           </a:xfrm>
+          <a:prstGeom prst="rect">
+            <a:avLst/>
+          </a:prstGeom>
         </p:spPr>
         <p:txBody>
           <a:bodyPr/>
@@ -4195,7 +4315,7 @@
             <a:fld id="{D74F0C02-0EF4-4745-9D82-E8D3F59464E3}" type="datetime4">
               <a:rPr lang="en-US" smtClean="0"/>
               <a:pPr/>
-              <a:t>May 16, 2014</a:t>
+              <a:t>May 17, 2014</a:t>
             </a:fld>
             <a:endParaRPr lang="en-US" dirty="0"/>
           </a:p>
@@ -4245,6 +4365,9 @@
             <a:off x="1447800" y="6486525"/>
             <a:ext cx="6248400" cy="292100"/>
           </a:xfrm>
+          <a:prstGeom prst="rect">
+            <a:avLst/>
+          </a:prstGeom>
         </p:spPr>
         <p:txBody>
           <a:bodyPr/>
@@ -4292,8 +4415,8 @@
         </p:nvSpPr>
         <p:spPr bwMode="hidden">
           <a:xfrm>
-            <a:off x="0" y="1335973"/>
-            <a:ext cx="9144000" cy="5522027"/>
+            <a:off x="0" y="723998"/>
+            <a:ext cx="9144000" cy="6135590"/>
           </a:xfrm>
           <a:prstGeom prst="rect">
             <a:avLst/>
@@ -4342,8 +4465,8 @@
         </p:nvSpPr>
         <p:spPr>
           <a:xfrm>
-            <a:off x="457200" y="2019301"/>
-            <a:ext cx="8229600" cy="4117340"/>
+            <a:off x="457200" y="1430421"/>
+            <a:ext cx="8229600" cy="4706220"/>
           </a:xfrm>
           <a:prstGeom prst="rect">
             <a:avLst/>
@@ -4357,35 +4480,35 @@
           <a:p>
             <a:pPr lvl="0"/>
             <a:r>
-              <a:rPr lang="en-US" smtClean="0"/>
+              <a:rPr lang="en-US" dirty="0" smtClean="0"/>
               <a:t>Click to edit Master text styles</a:t>
             </a:r>
           </a:p>
           <a:p>
             <a:pPr lvl="1"/>
             <a:r>
-              <a:rPr lang="en-US" smtClean="0"/>
+              <a:rPr lang="en-US" dirty="0" smtClean="0"/>
               <a:t>Second level</a:t>
             </a:r>
           </a:p>
           <a:p>
             <a:pPr lvl="2"/>
             <a:r>
-              <a:rPr lang="en-US" smtClean="0"/>
+              <a:rPr lang="en-US" dirty="0" smtClean="0"/>
               <a:t>Third level</a:t>
             </a:r>
           </a:p>
           <a:p>
             <a:pPr lvl="3"/>
             <a:r>
-              <a:rPr lang="en-US" smtClean="0"/>
+              <a:rPr lang="en-US" dirty="0" smtClean="0"/>
               <a:t>Fourth level</a:t>
             </a:r>
           </a:p>
           <a:p>
             <a:pPr lvl="4"/>
             <a:r>
-              <a:rPr lang="en-US" smtClean="0"/>
+              <a:rPr lang="en-US" dirty="0" smtClean="0"/>
               <a:t>Fifth level</a:t>
             </a:r>
             <a:endParaRPr lang="en-US" dirty="0"/>
@@ -4394,96 +4517,17 @@
       </p:sp>
       <p:sp>
         <p:nvSpPr>
-          <p:cNvPr id="4" name="Date Placeholder 3"/>
+          <p:cNvPr id="6" name="Slide Number Placeholder 5"/>
           <p:cNvSpPr>
             <a:spLocks noGrp="1"/>
           </p:cNvSpPr>
           <p:nvPr>
-            <p:ph type="dt" sz="half" idx="2"/>
+            <p:ph type="sldNum" sz="quarter" idx="4"/>
           </p:nvPr>
         </p:nvSpPr>
         <p:spPr>
           <a:xfrm>
-            <a:off x="2981325" y="273180"/>
-            <a:ext cx="3181350" cy="292100"/>
-          </a:xfrm>
-          <a:prstGeom prst="rect">
-            <a:avLst/>
-          </a:prstGeom>
-        </p:spPr>
-        <p:txBody>
-          <a:bodyPr vert="horz" lIns="91440" tIns="45720" rIns="91440" bIns="45720" rtlCol="0" anchor="ctr">
-            <a:noAutofit/>
-          </a:bodyPr>
-          <a:lstStyle>
-            <a:lvl1pPr algn="ctr">
-              <a:defRPr sz="1200" b="0" cap="all" spc="300" baseline="0">
-                <a:solidFill>
-                  <a:schemeClr val="tx1"/>
-                </a:solidFill>
-              </a:defRPr>
-            </a:lvl1pPr>
-          </a:lstStyle>
-          <a:p>
-            <a:fld id="{87367800-479D-41B0-B3F2-2DCE95BA1381}" type="datetime4">
-              <a:rPr lang="en-US" smtClean="0"/>
-              <a:pPr/>
-              <a:t>May 16, 2014</a:t>
-            </a:fld>
-            <a:endParaRPr lang="en-US" dirty="0"/>
-          </a:p>
-        </p:txBody>
-      </p:sp>
-      <p:sp>
-        <p:nvSpPr>
-          <p:cNvPr id="5" name="Footer Placeholder 4"/>
-          <p:cNvSpPr>
-            <a:spLocks noGrp="1"/>
-          </p:cNvSpPr>
-          <p:nvPr>
-            <p:ph type="ftr" sz="quarter" idx="3"/>
-          </p:nvPr>
-        </p:nvSpPr>
-        <p:spPr>
-          <a:xfrm>
-            <a:off x="1447800" y="6486525"/>
-            <a:ext cx="6248400" cy="292100"/>
-          </a:xfrm>
-          <a:prstGeom prst="rect">
-            <a:avLst/>
-          </a:prstGeom>
-        </p:spPr>
-        <p:txBody>
-          <a:bodyPr vert="horz" lIns="91440" tIns="45720" rIns="91440" bIns="45720" rtlCol="0" anchor="ctr">
-            <a:normAutofit/>
-          </a:bodyPr>
-          <a:lstStyle>
-            <a:lvl1pPr algn="ctr">
-              <a:defRPr sz="1100" b="0" cap="all" spc="300" baseline="0">
-                <a:solidFill>
-                  <a:schemeClr val="tx1"/>
-                </a:solidFill>
-              </a:defRPr>
-            </a:lvl1pPr>
-          </a:lstStyle>
-          <a:p>
-            <a:endParaRPr lang="en-US" dirty="0"/>
-          </a:p>
-        </p:txBody>
-      </p:sp>
-      <p:sp>
-        <p:nvSpPr>
-          <p:cNvPr id="6" name="Slide Number Placeholder 5"/>
-          <p:cNvSpPr>
-            <a:spLocks noGrp="1"/>
-          </p:cNvSpPr>
-          <p:nvPr>
-            <p:ph type="sldNum" sz="quarter" idx="4"/>
-          </p:nvPr>
-        </p:nvSpPr>
-        <p:spPr>
-          <a:xfrm>
-            <a:off x="4038600" y="6172200"/>
+            <a:off x="4038600" y="6553200"/>
             <a:ext cx="1066800" cy="304800"/>
           </a:xfrm>
           <a:prstGeom prst="rect">
@@ -4507,11 +4551,15 @@
             </a:lvl1pPr>
           </a:lstStyle>
           <a:p>
-            <a:fld id="{5744759D-0EFF-4FB2-9CCE-04E00944F0FE}" type="slidenum">
+            <a:fld id="{AD4EE4AE-DBD3-9141-ADF5-415CE2335B76}" type="slidenum">
               <a:rPr lang="en-US" smtClean="0"/>
               <a:pPr/>
               <a:t>‹#›</a:t>
             </a:fld>
+            <a:r>
+              <a:rPr lang="en-US" dirty="0" smtClean="0"/>
+              <a:t> / </a:t>
+            </a:r>
             <a:endParaRPr lang="en-US" dirty="0"/>
           </a:p>
         </p:txBody>
@@ -4524,7 +4572,7 @@
         </p:nvCxnSpPr>
         <p:spPr>
           <a:xfrm>
-            <a:off x="0" y="1331436"/>
+            <a:off x="0" y="722410"/>
             <a:ext cx="9144000" cy="1588"/>
           </a:xfrm>
           <a:prstGeom prst="line">
@@ -4566,8 +4614,8 @@
         </p:nvSpPr>
         <p:spPr>
           <a:xfrm>
-            <a:off x="2514600" y="975360"/>
-            <a:ext cx="4114800" cy="701040"/>
+            <a:off x="1023739" y="388731"/>
+            <a:ext cx="6894041" cy="701040"/>
           </a:xfrm>
           <a:prstGeom prst="rect">
             <a:avLst/>
@@ -4589,7 +4637,7 @@
           <a:lstStyle/>
           <a:p>
             <a:r>
-              <a:rPr lang="en-US" smtClean="0"/>
+              <a:rPr lang="en-US" dirty="0" smtClean="0"/>
               <a:t>Click to edit Master title style</a:t>
             </a:r>
             <a:endParaRPr lang="en-US" dirty="0"/>
@@ -4620,7 +4668,7 @@
           <a:spcPts val="400"/>
         </a:spcBef>
         <a:buNone/>
-        <a:defRPr sz="1800" b="1" kern="1200" cap="all" spc="0" baseline="0">
+        <a:defRPr sz="2400" b="1" kern="1200" cap="all" spc="0" baseline="0">
           <a:solidFill>
             <a:schemeClr val="bg1">
               <a:lumMod val="75000"/>
@@ -4635,7 +4683,7 @@
       </a:lvl1pPr>
     </p:titleStyle>
     <p:bodyStyle>
-      <a:lvl1pPr marL="0" indent="0" algn="ctr" defTabSz="914400" rtl="0" eaLnBrk="1" latinLnBrk="0" hangingPunct="1">
+      <a:lvl1pPr marL="0" indent="0" algn="l" defTabSz="914400" rtl="0" eaLnBrk="1" latinLnBrk="0" hangingPunct="1">
         <a:lnSpc>
           <a:spcPct val="100000"/>
         </a:lnSpc>
@@ -4648,9 +4696,9 @@
         <a:buClr>
           <a:schemeClr val="accent1"/>
         </a:buClr>
-        <a:buFontTx/>
+        <a:buFont typeface="Arial"/>
         <a:buNone/>
-        <a:defRPr sz="2000" b="0" i="0" kern="1200" cap="none" spc="30" baseline="0">
+        <a:defRPr sz="2500" b="0" i="0" kern="1200" cap="none" spc="30" baseline="0">
           <a:solidFill>
             <a:schemeClr val="tx1"/>
           </a:solidFill>
@@ -4659,7 +4707,7 @@
           <a:cs typeface="Tahoma" pitchFamily="34" charset="0"/>
         </a:defRPr>
       </a:lvl1pPr>
-      <a:lvl2pPr marL="0" indent="0" algn="ctr" defTabSz="914400" rtl="0" eaLnBrk="1" latinLnBrk="0" hangingPunct="1">
+      <a:lvl2pPr marL="285750" indent="-285750" algn="l" defTabSz="914400" rtl="0" eaLnBrk="1" latinLnBrk="0" hangingPunct="1">
         <a:lnSpc>
           <a:spcPct val="100000"/>
         </a:lnSpc>
@@ -4669,18 +4717,18 @@
         <a:buClr>
           <a:schemeClr val="accent1"/>
         </a:buClr>
-        <a:buFontTx/>
-        <a:buNone/>
-        <a:defRPr sz="1800" kern="1200">
+        <a:buFont typeface="Arial"/>
+        <a:buChar char="•"/>
+        <a:defRPr sz="2000" kern="1200">
           <a:solidFill>
-            <a:schemeClr val="tx2"/>
+            <a:schemeClr val="tx1"/>
           </a:solidFill>
           <a:latin typeface="+mn-lt"/>
           <a:ea typeface="+mn-ea"/>
           <a:cs typeface="Tahoma" pitchFamily="34" charset="0"/>
         </a:defRPr>
       </a:lvl2pPr>
-      <a:lvl3pPr marL="0" indent="0" algn="ctr" defTabSz="914400" rtl="0" eaLnBrk="1" latinLnBrk="0" hangingPunct="1">
+      <a:lvl3pPr marL="285750" indent="-285750" algn="l" defTabSz="914400" rtl="0" eaLnBrk="1" latinLnBrk="0" hangingPunct="1">
         <a:lnSpc>
           <a:spcPct val="100000"/>
         </a:lnSpc>
@@ -4690,8 +4738,8 @@
         <a:buClr>
           <a:schemeClr val="accent1"/>
         </a:buClr>
-        <a:buFontTx/>
-        <a:buNone/>
+        <a:buFont typeface="Arial"/>
+        <a:buChar char="•"/>
         <a:defRPr sz="1600" kern="1200">
           <a:solidFill>
             <a:schemeClr val="tx1"/>
@@ -4701,7 +4749,7 @@
           <a:cs typeface="Tahoma" pitchFamily="34" charset="0"/>
         </a:defRPr>
       </a:lvl3pPr>
-      <a:lvl4pPr marL="0" indent="0" algn="ctr" defTabSz="914400" rtl="0" eaLnBrk="1" latinLnBrk="0" hangingPunct="1">
+      <a:lvl4pPr marL="285750" indent="-285750" algn="l" defTabSz="914400" rtl="0" eaLnBrk="1" latinLnBrk="0" hangingPunct="1">
         <a:lnSpc>
           <a:spcPct val="100000"/>
         </a:lnSpc>
@@ -4711,18 +4759,18 @@
         <a:buClr>
           <a:schemeClr val="accent1"/>
         </a:buClr>
-        <a:buFontTx/>
-        <a:buNone/>
+        <a:buFont typeface="Arial"/>
+        <a:buChar char="•"/>
         <a:defRPr sz="1400" kern="1200">
           <a:solidFill>
-            <a:schemeClr val="tx2"/>
+            <a:schemeClr val="tx1"/>
           </a:solidFill>
           <a:latin typeface="+mn-lt"/>
           <a:ea typeface="+mn-ea"/>
           <a:cs typeface="Tahoma" pitchFamily="34" charset="0"/>
         </a:defRPr>
       </a:lvl4pPr>
-      <a:lvl5pPr marL="0" indent="0" algn="ctr" defTabSz="914400" rtl="0" eaLnBrk="1" latinLnBrk="0" hangingPunct="1">
+      <a:lvl5pPr marL="285750" indent="-285750" algn="l" defTabSz="914400" rtl="0" eaLnBrk="1" latinLnBrk="0" hangingPunct="1">
         <a:lnSpc>
           <a:spcPct val="100000"/>
         </a:lnSpc>
@@ -4732,8 +4780,8 @@
         <a:buClr>
           <a:schemeClr val="accent1"/>
         </a:buClr>
-        <a:buFontTx/>
-        <a:buNone/>
+        <a:buFont typeface="Arial"/>
+        <a:buChar char="•"/>
         <a:defRPr sz="1400" kern="1200" baseline="0">
           <a:solidFill>
             <a:schemeClr val="tx1"/>
@@ -5146,121 +5194,114 @@
         </p:nvSpPr>
         <p:spPr/>
         <p:txBody>
-          <a:bodyPr/>
-          <a:lstStyle/>
-          <a:p>
-            <a:pPr algn="l"/>
-            <a:r>
-              <a:rPr lang="en-US" dirty="0" smtClean="0"/>
-              <a:t>+ how we evaluate:</a:t>
-            </a:r>
-          </a:p>
-          <a:p>
-            <a:pPr algn="l"/>
+          <a:bodyPr>
+            <a:normAutofit/>
+          </a:bodyPr>
+          <a:lstStyle/>
+          <a:p>
+            <a:pPr marL="342900" indent="-342900">
+              <a:buFont typeface="Arial"/>
+              <a:buChar char="•"/>
+            </a:pPr>
+            <a:r>
+              <a:rPr lang="en-US" dirty="0" smtClean="0"/>
+              <a:t>Who:	Students who have experiences with Parallel Programming</a:t>
+            </a:r>
+          </a:p>
+          <a:p>
+            <a:pPr marL="342900" indent="-342900">
+              <a:buFont typeface="Arial"/>
+              <a:buChar char="•"/>
+            </a:pPr>
+            <a:endParaRPr lang="en-US" dirty="0" smtClean="0"/>
+          </a:p>
+          <a:p>
+            <a:pPr marL="342900" indent="-342900">
+              <a:buFont typeface="Arial"/>
+              <a:buChar char="•"/>
+            </a:pPr>
+            <a:r>
+              <a:rPr lang="en-US" dirty="0" smtClean="0"/>
+              <a:t>How:	1). Students play with the app</a:t>
+            </a:r>
+          </a:p>
+          <a:p>
             <a:r>
               <a:rPr lang="en-US" dirty="0"/>
               <a:t>	</a:t>
             </a:r>
             <a:r>
               <a:rPr lang="en-US" dirty="0" smtClean="0"/>
-              <a:t>- </a:t>
-            </a:r>
-            <a:r>
-              <a:rPr lang="en-US" dirty="0" err="1" smtClean="0"/>
-              <a:t>questionaires</a:t>
-            </a:r>
+              <a:t>	2). Answer q</a:t>
+            </a:r>
+            <a:r>
+              <a:rPr lang="en-US" dirty="0" smtClean="0"/>
+              <a:t>uestions</a:t>
+            </a:r>
+          </a:p>
+          <a:p>
             <a:endParaRPr lang="en-US" dirty="0" smtClean="0"/>
           </a:p>
           <a:p>
-            <a:pPr algn="l"/>
+            <a:pPr marL="342900" indent="-342900" algn="l">
+              <a:buFont typeface="Arial"/>
+              <a:buChar char="•"/>
+            </a:pPr>
+            <a:r>
+              <a:rPr lang="en-US" dirty="0" smtClean="0"/>
+              <a:t>Why:	To determine:</a:t>
+            </a:r>
             <a:r>
               <a:rPr lang="en-US" dirty="0"/>
               <a:t>	</a:t>
             </a:r>
-            <a:r>
-              <a:rPr lang="en-US" dirty="0" smtClean="0"/>
-              <a:t>- survey</a:t>
-            </a:r>
+            <a:endParaRPr lang="en-US" dirty="0" smtClean="0"/>
           </a:p>
           <a:p>
             <a:pPr algn="l"/>
             <a:r>
-              <a:rPr lang="en-US" dirty="0" smtClean="0"/>
-              <a:t>+ why we doing this? We want to know </a:t>
-            </a:r>
-            <a:r>
-              <a:rPr lang="en-US" dirty="0" err="1" smtClean="0"/>
-              <a:t>abt</a:t>
-            </a:r>
-            <a:r>
-              <a:rPr lang="en-US" dirty="0" smtClean="0"/>
-              <a:t> app</a:t>
+              <a:rPr lang="en-US" sz="2000" dirty="0" smtClean="0"/>
+              <a:t>		+ U</a:t>
+            </a:r>
+            <a:r>
+              <a:rPr lang="en-US" sz="2000" dirty="0" smtClean="0"/>
+              <a:t>sability.</a:t>
             </a:r>
           </a:p>
           <a:p>
             <a:pPr algn="l"/>
             <a:r>
-              <a:rPr lang="en-US" dirty="0"/>
+              <a:rPr lang="en-US" sz="2000" dirty="0" smtClean="0"/>
               <a:t>	</a:t>
             </a:r>
             <a:r>
-              <a:rPr lang="en-US" dirty="0" smtClean="0"/>
-              <a:t>- usability</a:t>
+              <a:rPr lang="en-US" sz="2000" dirty="0"/>
+              <a:t>	</a:t>
+            </a:r>
+            <a:r>
+              <a:rPr lang="en-US" sz="2000" dirty="0" smtClean="0"/>
+              <a:t>+ </a:t>
+            </a:r>
+            <a:r>
+              <a:rPr lang="en-US" sz="2000" dirty="0" smtClean="0"/>
+              <a:t>Interactivity.</a:t>
             </a:r>
           </a:p>
           <a:p>
             <a:pPr algn="l"/>
             <a:r>
-              <a:rPr lang="en-US" dirty="0" smtClean="0"/>
-              <a:t>	- </a:t>
-            </a:r>
-            <a:r>
-              <a:rPr lang="en-US" dirty="0" err="1" smtClean="0"/>
-              <a:t>effectivness</a:t>
-            </a:r>
-            <a:r>
-              <a:rPr lang="en-US" dirty="0" smtClean="0"/>
-              <a:t> in addressing problem</a:t>
-            </a:r>
-          </a:p>
-          <a:p>
-            <a:pPr algn="l"/>
-            <a:r>
-              <a:rPr lang="en-US" dirty="0"/>
+              <a:rPr lang="en-US" sz="2000" dirty="0" smtClean="0"/>
               <a:t>	</a:t>
             </a:r>
             <a:r>
-              <a:rPr lang="en-US" dirty="0" smtClean="0"/>
-              <a:t>- </a:t>
-            </a:r>
-            <a:r>
-              <a:rPr lang="en-US" dirty="0" err="1" smtClean="0"/>
-              <a:t>Iteractivity</a:t>
-            </a:r>
-            <a:endParaRPr lang="en-US" dirty="0" smtClean="0"/>
-          </a:p>
-          <a:p>
-            <a:pPr algn="l"/>
-            <a:endParaRPr lang="en-US" dirty="0"/>
-          </a:p>
-          <a:p>
-            <a:pPr algn="l"/>
-            <a:r>
-              <a:rPr lang="en-US" dirty="0" smtClean="0"/>
-              <a:t>+ Results</a:t>
-            </a:r>
-          </a:p>
-          <a:p>
-            <a:pPr algn="l"/>
-            <a:r>
-              <a:rPr lang="en-US" dirty="0"/>
+              <a:rPr lang="en-US" sz="2000" dirty="0"/>
               <a:t>	</a:t>
             </a:r>
             <a:r>
-              <a:rPr lang="en-US" dirty="0" smtClean="0"/>
-              <a:t>- 79% positive</a:t>
-            </a:r>
-            <a:endParaRPr lang="en-US" dirty="0"/>
+              <a:rPr lang="en-US" sz="2000" dirty="0" smtClean="0"/>
+              <a:t>+ Students’ understanding in the 3 pitfalls</a:t>
+            </a:r>
+            <a:endParaRPr lang="en-US" sz="2000" dirty="0" smtClean="0"/>
           </a:p>
         </p:txBody>
       </p:sp>
@@ -5332,90 +5373,50 @@
           <a:bodyPr/>
           <a:lstStyle/>
           <a:p>
-            <a:pPr algn="l"/>
-            <a:r>
-              <a:rPr lang="en-US" dirty="0" smtClean="0"/>
-              <a:t>+ Challenges:</a:t>
-            </a:r>
-          </a:p>
-          <a:p>
-            <a:pPr algn="l"/>
-            <a:r>
-              <a:rPr lang="en-US" dirty="0"/>
-              <a:t>	</a:t>
-            </a:r>
-            <a:r>
-              <a:rPr lang="en-US" dirty="0" smtClean="0"/>
-              <a:t>- different browser</a:t>
-            </a:r>
-          </a:p>
-          <a:p>
-            <a:pPr algn="l"/>
+            <a:pPr marL="342900" indent="-342900">
+              <a:buFont typeface="Arial"/>
+              <a:buChar char="•"/>
+            </a:pPr>
+            <a:r>
+              <a:rPr lang="en-US" dirty="0" smtClean="0"/>
+              <a:t>Usability:		90% rate as the easy to play</a:t>
+            </a:r>
+          </a:p>
+          <a:p>
+            <a:pPr marL="342900" indent="-342900">
+              <a:buFont typeface="Arial"/>
+              <a:buChar char="•"/>
+            </a:pPr>
+            <a:endParaRPr lang="en-US" dirty="0" smtClean="0"/>
+          </a:p>
+          <a:p>
+            <a:pPr marL="342900" indent="-342900">
+              <a:buFont typeface="Arial"/>
+              <a:buChar char="•"/>
+            </a:pPr>
+            <a:r>
+              <a:rPr lang="en-US" dirty="0" smtClean="0"/>
+              <a:t>Interactivity:	90% like the way they interact with the pitfalls</a:t>
+            </a:r>
+          </a:p>
+          <a:p>
+            <a:pPr marL="342900" indent="-342900">
+              <a:buFont typeface="Arial"/>
+              <a:buChar char="•"/>
+            </a:pPr>
             <a:endParaRPr lang="en-US" dirty="0"/>
           </a:p>
           <a:p>
-            <a:pPr algn="l"/>
-            <a:r>
-              <a:rPr lang="en-US" dirty="0" smtClean="0"/>
-              <a:t>+ Next Few Weeks:</a:t>
-            </a:r>
-          </a:p>
-          <a:p>
-            <a:pPr algn="l"/>
-            <a:r>
-              <a:rPr lang="en-US" dirty="0"/>
-              <a:t>	</a:t>
-            </a:r>
-            <a:r>
-              <a:rPr lang="en-US" dirty="0" smtClean="0"/>
-              <a:t>- solve different browser problem</a:t>
-            </a:r>
-          </a:p>
-          <a:p>
-            <a:pPr algn="l"/>
-            <a:r>
-              <a:rPr lang="en-US" dirty="0"/>
-              <a:t>	</a:t>
-            </a:r>
-            <a:r>
-              <a:rPr lang="en-US" dirty="0" smtClean="0"/>
-              <a:t>- do more survey</a:t>
-            </a:r>
-          </a:p>
-          <a:p>
-            <a:pPr algn="l"/>
-            <a:r>
-              <a:rPr lang="en-US" dirty="0"/>
-              <a:t>	</a:t>
-            </a:r>
-            <a:r>
-              <a:rPr lang="en-US" dirty="0" smtClean="0"/>
-              <a:t>- write report</a:t>
-            </a:r>
-          </a:p>
-          <a:p>
-            <a:pPr algn="l"/>
+            <a:pPr marL="342900" indent="-342900">
+              <a:buFont typeface="Arial"/>
+              <a:buChar char="•"/>
+            </a:pPr>
+            <a:r>
+              <a:rPr lang="en-US" dirty="0" smtClean="0"/>
+              <a:t>Student understanding: 	9/10 questions were answered correctly by 90% of student</a:t>
+            </a:r>
             <a:endParaRPr lang="en-US" dirty="0"/>
           </a:p>
-          <a:p>
-            <a:pPr algn="l"/>
-            <a:r>
-              <a:rPr lang="en-US" dirty="0" smtClean="0"/>
-              <a:t>+ Extension:</a:t>
-            </a:r>
-          </a:p>
-          <a:p>
-            <a:pPr algn="l"/>
-            <a:r>
-              <a:rPr lang="en-US" dirty="0"/>
-              <a:t>	</a:t>
-            </a:r>
-            <a:r>
-              <a:rPr lang="en-US" dirty="0" smtClean="0"/>
-              <a:t>- showing the solution in our app </a:t>
-            </a:r>
-            <a:endParaRPr lang="en-US" dirty="0"/>
-          </a:p>
         </p:txBody>
       </p:sp>
       <p:sp>
@@ -5435,7 +5436,7 @@
           <a:p>
             <a:r>
               <a:rPr lang="en-US" dirty="0" smtClean="0"/>
-              <a:t>Challenges and future works</a:t>
+              <a:t>Results</a:t>
             </a:r>
             <a:endParaRPr lang="en-US" dirty="0"/>
           </a:p>
@@ -5444,7 +5445,7 @@
     </p:spTree>
     <p:extLst>
       <p:ext uri="{BB962C8B-B14F-4D97-AF65-F5344CB8AC3E}">
-        <p14:creationId xmlns:p14="http://schemas.microsoft.com/office/powerpoint/2010/main" val="2276343006"/>
+        <p14:creationId xmlns:p14="http://schemas.microsoft.com/office/powerpoint/2010/main" val="4085540163"/>
       </p:ext>
     </p:extLst>
   </p:cSld>
@@ -5483,46 +5484,124 @@
         </p:nvSpPr>
         <p:spPr/>
         <p:txBody>
+          <a:bodyPr>
+            <a:normAutofit/>
+          </a:bodyPr>
+          <a:lstStyle/>
+          <a:p>
+            <a:pPr algn="l"/>
+            <a:r>
+              <a:rPr lang="en-US" dirty="0" smtClean="0"/>
+              <a:t>+ Challenges:</a:t>
+            </a:r>
+          </a:p>
+          <a:p>
+            <a:pPr algn="l"/>
+            <a:r>
+              <a:rPr lang="en-US" dirty="0"/>
+              <a:t>	</a:t>
+            </a:r>
+            <a:r>
+              <a:rPr lang="en-US" dirty="0" smtClean="0"/>
+              <a:t>- different browser</a:t>
+            </a:r>
+          </a:p>
+          <a:p>
+            <a:pPr algn="l"/>
+            <a:endParaRPr lang="en-US" dirty="0"/>
+          </a:p>
+          <a:p>
+            <a:pPr algn="l"/>
+            <a:r>
+              <a:rPr lang="en-US" dirty="0" smtClean="0"/>
+              <a:t>+ Next Few Weeks:</a:t>
+            </a:r>
+          </a:p>
+          <a:p>
+            <a:pPr algn="l"/>
+            <a:r>
+              <a:rPr lang="en-US" dirty="0"/>
+              <a:t>	</a:t>
+            </a:r>
+            <a:r>
+              <a:rPr lang="en-US" dirty="0" smtClean="0"/>
+              <a:t>- solve different browser problem</a:t>
+            </a:r>
+          </a:p>
+          <a:p>
+            <a:pPr algn="l"/>
+            <a:r>
+              <a:rPr lang="en-US" dirty="0"/>
+              <a:t>	</a:t>
+            </a:r>
+            <a:r>
+              <a:rPr lang="en-US" dirty="0" smtClean="0"/>
+              <a:t>- do more survey</a:t>
+            </a:r>
+          </a:p>
+          <a:p>
+            <a:pPr algn="l"/>
+            <a:r>
+              <a:rPr lang="en-US" dirty="0"/>
+              <a:t>	</a:t>
+            </a:r>
+            <a:r>
+              <a:rPr lang="en-US" dirty="0" smtClean="0"/>
+              <a:t>- write report</a:t>
+            </a:r>
+          </a:p>
+          <a:p>
+            <a:pPr algn="l"/>
+            <a:endParaRPr lang="en-US" dirty="0"/>
+          </a:p>
+          <a:p>
+            <a:pPr algn="l"/>
+            <a:r>
+              <a:rPr lang="en-US" dirty="0" smtClean="0"/>
+              <a:t>+ Extension:</a:t>
+            </a:r>
+          </a:p>
+          <a:p>
+            <a:pPr algn="l"/>
+            <a:r>
+              <a:rPr lang="en-US" dirty="0"/>
+              <a:t>	</a:t>
+            </a:r>
+            <a:r>
+              <a:rPr lang="en-US" dirty="0" smtClean="0"/>
+              <a:t>- showing the solution in our app </a:t>
+            </a:r>
+            <a:endParaRPr lang="en-US" dirty="0"/>
+          </a:p>
+        </p:txBody>
+      </p:sp>
+      <p:sp>
+        <p:nvSpPr>
+          <p:cNvPr id="3" name="Title 2"/>
+          <p:cNvSpPr>
+            <a:spLocks noGrp="1"/>
+          </p:cNvSpPr>
+          <p:nvPr>
+            <p:ph type="title"/>
+          </p:nvPr>
+        </p:nvSpPr>
+        <p:spPr/>
+        <p:txBody>
           <a:bodyPr/>
           <a:lstStyle/>
           <a:p>
             <a:r>
               <a:rPr lang="en-US" dirty="0" smtClean="0"/>
-              <a:t>Thank you!!!</a:t>
-            </a:r>
-          </a:p>
-          <a:p>
-            <a:r>
-              <a:rPr lang="en-US" smtClean="0"/>
-              <a:t>Feel free to ask!!!</a:t>
-            </a:r>
-            <a:endParaRPr lang="en-US"/>
-          </a:p>
-        </p:txBody>
-      </p:sp>
-      <p:sp>
-        <p:nvSpPr>
-          <p:cNvPr id="3" name="Title 2"/>
-          <p:cNvSpPr>
-            <a:spLocks noGrp="1"/>
-          </p:cNvSpPr>
-          <p:nvPr>
-            <p:ph type="title"/>
-          </p:nvPr>
-        </p:nvSpPr>
-        <p:spPr/>
-        <p:txBody>
-          <a:bodyPr/>
-          <a:lstStyle/>
-          <a:p>
-            <a:endParaRPr lang="en-US"/>
+              <a:t>Challenges and future works</a:t>
+            </a:r>
+            <a:endParaRPr lang="en-US" dirty="0"/>
           </a:p>
         </p:txBody>
       </p:sp>
     </p:spTree>
     <p:extLst>
       <p:ext uri="{BB962C8B-B14F-4D97-AF65-F5344CB8AC3E}">
-        <p14:creationId xmlns:p14="http://schemas.microsoft.com/office/powerpoint/2010/main" val="1355775326"/>
+        <p14:creationId xmlns:p14="http://schemas.microsoft.com/office/powerpoint/2010/main" val="2276343006"/>
       </p:ext>
     </p:extLst>
   </p:cSld>
@@ -5562,7 +5641,226 @@
         <p:spPr/>
         <p:txBody>
           <a:bodyPr>
-            <a:normAutofit fontScale="92500" lnSpcReduction="10000"/>
+            <a:normAutofit/>
+          </a:bodyPr>
+          <a:lstStyle/>
+          <a:p>
+            <a:r>
+              <a:rPr lang="en-US" sz="1500" dirty="0" smtClean="0"/>
+              <a:t>[1] </a:t>
+            </a:r>
+            <a:r>
+              <a:rPr lang="en-US" sz="1500" dirty="0"/>
+              <a:t> N. </a:t>
+            </a:r>
+            <a:r>
+              <a:rPr lang="en-US" sz="1500" dirty="0" err="1"/>
+              <a:t>Giacaman</a:t>
+            </a:r>
+            <a:r>
+              <a:rPr lang="en-US" sz="1500" dirty="0"/>
+              <a:t>. Teaching by example: Using analogies and live coding demonstrations to teach parallel computing concepts to undergraduate </a:t>
+            </a:r>
+            <a:r>
+              <a:rPr lang="en-US" sz="1500" dirty="0" err="1"/>
+              <a:t>stu</a:t>
+            </a:r>
+            <a:r>
+              <a:rPr lang="en-US" sz="1500" dirty="0"/>
+              <a:t>- dents. In Parallel and Distributed Processing Symposium Workshops PhD Forum (IPDPSW), 2012 IEEE 26th International, pages 1295 –1298, may 2012. </a:t>
+            </a:r>
+            <a:endParaRPr lang="en-US" sz="1500" dirty="0"/>
+          </a:p>
+          <a:p>
+            <a:endParaRPr lang="en-US" sz="1500" dirty="0" smtClean="0"/>
+          </a:p>
+          <a:p>
+            <a:r>
+              <a:rPr lang="en-US" sz="1500" dirty="0" smtClean="0"/>
+              <a:t>[2] </a:t>
+            </a:r>
+            <a:r>
+              <a:rPr lang="en-US" sz="1500" dirty="0" err="1"/>
+              <a:t>Mordechai</a:t>
+            </a:r>
+            <a:r>
+              <a:rPr lang="en-US" sz="1500" dirty="0"/>
+              <a:t> Ben-Ari and </a:t>
+            </a:r>
+            <a:r>
+              <a:rPr lang="en-US" sz="1500" dirty="0" err="1"/>
+              <a:t>Yifat</a:t>
+            </a:r>
+            <a:r>
+              <a:rPr lang="en-US" sz="1500" dirty="0"/>
+              <a:t> Ben-David </a:t>
+            </a:r>
+            <a:r>
+              <a:rPr lang="en-US" sz="1500" dirty="0" err="1"/>
+              <a:t>Kolikant</a:t>
+            </a:r>
+            <a:r>
+              <a:rPr lang="en-US" sz="1500" dirty="0"/>
+              <a:t>. Thinking parallel: the process of learning concurrency. SIGCSE Bull., 31(3):13–16, June 1999. </a:t>
+            </a:r>
+            <a:endParaRPr lang="en-US" sz="1500" dirty="0"/>
+          </a:p>
+          <a:p>
+            <a:endParaRPr lang="en-US" sz="1500" dirty="0"/>
+          </a:p>
+        </p:txBody>
+      </p:sp>
+      <p:sp>
+        <p:nvSpPr>
+          <p:cNvPr id="3" name="Title 2"/>
+          <p:cNvSpPr>
+            <a:spLocks noGrp="1"/>
+          </p:cNvSpPr>
+          <p:nvPr>
+            <p:ph type="title"/>
+          </p:nvPr>
+        </p:nvSpPr>
+        <p:spPr/>
+        <p:txBody>
+          <a:bodyPr/>
+          <a:lstStyle/>
+          <a:p>
+            <a:r>
+              <a:rPr lang="en-US" dirty="0" smtClean="0"/>
+              <a:t>References</a:t>
+            </a:r>
+            <a:endParaRPr lang="en-US" dirty="0"/>
+          </a:p>
+        </p:txBody>
+      </p:sp>
+    </p:spTree>
+    <p:extLst>
+      <p:ext uri="{BB962C8B-B14F-4D97-AF65-F5344CB8AC3E}">
+        <p14:creationId xmlns:p14="http://schemas.microsoft.com/office/powerpoint/2010/main" val="3408655997"/>
+      </p:ext>
+    </p:extLst>
+  </p:cSld>
+  <p:clrMapOvr>
+    <a:masterClrMapping/>
+  </p:clrMapOvr>
+</p:sld>
+</file>
+
+<file path=ppt/slides/slide15.xml><?xml version="1.0" encoding="utf-8"?>
+<p:sld xmlns:a="http://schemas.openxmlformats.org/drawingml/2006/main" xmlns:r="http://schemas.openxmlformats.org/officeDocument/2006/relationships" xmlns:p="http://schemas.openxmlformats.org/presentationml/2006/main">
+  <p:cSld>
+    <p:spTree>
+      <p:nvGrpSpPr>
+        <p:cNvPr id="1" name=""/>
+        <p:cNvGrpSpPr/>
+        <p:nvPr/>
+      </p:nvGrpSpPr>
+      <p:grpSpPr>
+        <a:xfrm>
+          <a:off x="0" y="0"/>
+          <a:ext cx="0" cy="0"/>
+          <a:chOff x="0" y="0"/>
+          <a:chExt cx="0" cy="0"/>
+        </a:xfrm>
+      </p:grpSpPr>
+      <p:sp>
+        <p:nvSpPr>
+          <p:cNvPr id="2" name="Title 1"/>
+          <p:cNvSpPr>
+            <a:spLocks noGrp="1"/>
+          </p:cNvSpPr>
+          <p:nvPr>
+            <p:ph type="title"/>
+          </p:nvPr>
+        </p:nvSpPr>
+        <p:spPr/>
+        <p:txBody>
+          <a:bodyPr>
+            <a:normAutofit/>
+          </a:bodyPr>
+          <a:lstStyle/>
+          <a:p>
+            <a:r>
+              <a:rPr lang="en-US" dirty="0"/>
+              <a:t>Thank </a:t>
+            </a:r>
+            <a:r>
+              <a:rPr lang="en-US" dirty="0" smtClean="0"/>
+              <a:t>you</a:t>
+            </a:r>
+            <a:br>
+              <a:rPr lang="en-US" dirty="0" smtClean="0"/>
+            </a:br>
+            <a:endParaRPr lang="en-US" dirty="0"/>
+          </a:p>
+        </p:txBody>
+      </p:sp>
+      <p:sp>
+        <p:nvSpPr>
+          <p:cNvPr id="3" name="Subtitle 2"/>
+          <p:cNvSpPr>
+            <a:spLocks noGrp="1"/>
+          </p:cNvSpPr>
+          <p:nvPr>
+            <p:ph type="subTitle" idx="1"/>
+          </p:nvPr>
+        </p:nvSpPr>
+        <p:spPr/>
+        <p:txBody>
+          <a:bodyPr/>
+          <a:lstStyle/>
+          <a:p>
+            <a:r>
+              <a:rPr lang="en-US" dirty="0"/>
+              <a:t>Questions?</a:t>
+            </a:r>
+          </a:p>
+        </p:txBody>
+      </p:sp>
+    </p:spTree>
+    <p:extLst>
+      <p:ext uri="{BB962C8B-B14F-4D97-AF65-F5344CB8AC3E}">
+        <p14:creationId xmlns:p14="http://schemas.microsoft.com/office/powerpoint/2010/main" val="1733739084"/>
+      </p:ext>
+    </p:extLst>
+  </p:cSld>
+  <p:clrMapOvr>
+    <a:masterClrMapping/>
+  </p:clrMapOvr>
+</p:sld>
+</file>
+
+<file path=ppt/slides/slide16.xml><?xml version="1.0" encoding="utf-8"?>
+<p:sld xmlns:a="http://schemas.openxmlformats.org/drawingml/2006/main" xmlns:r="http://schemas.openxmlformats.org/officeDocument/2006/relationships" xmlns:p="http://schemas.openxmlformats.org/presentationml/2006/main">
+  <p:cSld>
+    <p:spTree>
+      <p:nvGrpSpPr>
+        <p:cNvPr id="1" name=""/>
+        <p:cNvGrpSpPr/>
+        <p:nvPr/>
+      </p:nvGrpSpPr>
+      <p:grpSpPr>
+        <a:xfrm>
+          <a:off x="0" y="0"/>
+          <a:ext cx="0" cy="0"/>
+          <a:chOff x="0" y="0"/>
+          <a:chExt cx="0" cy="0"/>
+        </a:xfrm>
+      </p:grpSpPr>
+      <p:sp>
+        <p:nvSpPr>
+          <p:cNvPr id="2" name="Content Placeholder 1"/>
+          <p:cNvSpPr>
+            <a:spLocks noGrp="1"/>
+          </p:cNvSpPr>
+          <p:nvPr>
+            <p:ph sz="quarter" idx="13"/>
+          </p:nvPr>
+        </p:nvSpPr>
+        <p:spPr/>
+        <p:txBody>
+          <a:bodyPr>
+            <a:normAutofit fontScale="92500" lnSpcReduction="20000"/>
           </a:bodyPr>
           <a:lstStyle/>
           <a:p>
@@ -6388,7 +6686,7 @@
 </p:sld>
 </file>
 
-<file path=ppt/slides/slide15.xml><?xml version="1.0" encoding="utf-8"?>
+<file path=ppt/slides/slide17.xml><?xml version="1.0" encoding="utf-8"?>
 <p:sld xmlns:a="http://schemas.openxmlformats.org/drawingml/2006/main" xmlns:r="http://schemas.openxmlformats.org/officeDocument/2006/relationships" xmlns:p="http://schemas.openxmlformats.org/presentationml/2006/main">
   <p:cSld>
     <p:spTree>
@@ -6423,7 +6721,7 @@
         </p:spPr>
         <p:txBody>
           <a:bodyPr>
-            <a:normAutofit/>
+            <a:normAutofit lnSpcReduction="10000"/>
           </a:bodyPr>
           <a:lstStyle/>
           <a:p>
@@ -7343,7 +7641,7 @@
 </p:sld>
 </file>
 
-<file path=ppt/slides/slide16.xml><?xml version="1.0" encoding="utf-8"?>
+<file path=ppt/slides/slide18.xml><?xml version="1.0" encoding="utf-8"?>
 <p:sld xmlns:a="http://schemas.openxmlformats.org/drawingml/2006/main" xmlns:r="http://schemas.openxmlformats.org/officeDocument/2006/relationships" xmlns:p="http://schemas.openxmlformats.org/presentationml/2006/main">
   <p:cSld>
     <p:spTree>
@@ -7423,7 +7721,7 @@
 </p:sld>
 </file>
 
-<file path=ppt/slides/slide17.xml><?xml version="1.0" encoding="utf-8"?>
+<file path=ppt/slides/slide19.xml><?xml version="1.0" encoding="utf-8"?>
 <p:sld xmlns:a="http://schemas.openxmlformats.org/drawingml/2006/main" xmlns:r="http://schemas.openxmlformats.org/officeDocument/2006/relationships" xmlns:p="http://schemas.openxmlformats.org/presentationml/2006/main">
   <p:cSld>
     <p:spTree>
@@ -7453,7 +7751,7 @@
         <p:spPr/>
         <p:txBody>
           <a:bodyPr>
-            <a:normAutofit fontScale="92500" lnSpcReduction="20000"/>
+            <a:normAutofit fontScale="85000" lnSpcReduction="20000"/>
           </a:bodyPr>
           <a:lstStyle/>
           <a:p>
@@ -8706,7 +9004,177 @@
 </p:sld>
 </file>
 
-<file path=ppt/slides/slide18.xml><?xml version="1.0" encoding="utf-8"?>
+<file path=ppt/slides/slide2.xml><?xml version="1.0" encoding="utf-8"?>
+<p:sld xmlns:a="http://schemas.openxmlformats.org/drawingml/2006/main" xmlns:r="http://schemas.openxmlformats.org/officeDocument/2006/relationships" xmlns:p="http://schemas.openxmlformats.org/presentationml/2006/main">
+  <p:cSld>
+    <p:spTree>
+      <p:nvGrpSpPr>
+        <p:cNvPr id="1" name=""/>
+        <p:cNvGrpSpPr/>
+        <p:nvPr/>
+      </p:nvGrpSpPr>
+      <p:grpSpPr>
+        <a:xfrm>
+          <a:off x="0" y="0"/>
+          <a:ext cx="0" cy="0"/>
+          <a:chOff x="0" y="0"/>
+          <a:chExt cx="0" cy="0"/>
+        </a:xfrm>
+      </p:grpSpPr>
+      <p:sp>
+        <p:nvSpPr>
+          <p:cNvPr id="2" name="Content Placeholder 1"/>
+          <p:cNvSpPr>
+            <a:spLocks noGrp="1"/>
+          </p:cNvSpPr>
+          <p:nvPr>
+            <p:ph sz="quarter" idx="13"/>
+          </p:nvPr>
+        </p:nvSpPr>
+        <p:spPr/>
+        <p:txBody>
+          <a:bodyPr/>
+          <a:lstStyle/>
+          <a:p>
+            <a:pPr marL="342900" indent="-342900">
+              <a:buFont typeface="Arial"/>
+              <a:buChar char="•"/>
+            </a:pPr>
+            <a:r>
+              <a:rPr lang="en-US" dirty="0" smtClean="0"/>
+              <a:t>Why there are pitfalls in Parallel Programming?</a:t>
+            </a:r>
+          </a:p>
+          <a:p>
+            <a:pPr marL="342900" indent="-342900">
+              <a:buFont typeface="Arial"/>
+              <a:buChar char="•"/>
+            </a:pPr>
+            <a:r>
+              <a:rPr lang="en-US" dirty="0" smtClean="0"/>
+              <a:t>Related works.</a:t>
+            </a:r>
+          </a:p>
+          <a:p>
+            <a:pPr marL="342900" indent="-342900">
+              <a:buFont typeface="Arial"/>
+              <a:buChar char="•"/>
+            </a:pPr>
+            <a:r>
+              <a:rPr lang="en-US" dirty="0" smtClean="0"/>
+              <a:t>Our contributions.</a:t>
+            </a:r>
+          </a:p>
+          <a:p>
+            <a:pPr marL="342900" indent="-342900">
+              <a:buFont typeface="Arial"/>
+              <a:buChar char="•"/>
+            </a:pPr>
+            <a:r>
+              <a:rPr lang="en-US" dirty="0" smtClean="0"/>
+              <a:t>Why we chose to do what we doing?</a:t>
+            </a:r>
+          </a:p>
+          <a:p>
+            <a:pPr marL="342900" indent="-342900">
+              <a:buFont typeface="Arial"/>
+              <a:buChar char="•"/>
+            </a:pPr>
+            <a:r>
+              <a:rPr lang="en-US" dirty="0" smtClean="0"/>
+              <a:t>Chosen pitfalls</a:t>
+            </a:r>
+          </a:p>
+          <a:p>
+            <a:pPr marL="342900" indent="-342900">
+              <a:buFont typeface="Arial"/>
+              <a:buChar char="•"/>
+            </a:pPr>
+            <a:r>
+              <a:rPr lang="en-US" dirty="0" smtClean="0"/>
+              <a:t>Demo</a:t>
+            </a:r>
+          </a:p>
+          <a:p>
+            <a:pPr marL="342900" indent="-342900">
+              <a:buFont typeface="Arial"/>
+              <a:buChar char="•"/>
+            </a:pPr>
+            <a:r>
+              <a:rPr lang="en-US" dirty="0" smtClean="0"/>
+              <a:t>Evaluation and initial results</a:t>
+            </a:r>
+          </a:p>
+          <a:p>
+            <a:pPr marL="342900" indent="-342900">
+              <a:buFont typeface="Arial"/>
+              <a:buChar char="•"/>
+            </a:pPr>
+            <a:r>
+              <a:rPr lang="en-US" dirty="0" smtClean="0"/>
+              <a:t>Challenges and future works</a:t>
+            </a:r>
+          </a:p>
+          <a:p>
+            <a:pPr marL="342900" indent="-342900">
+              <a:buFont typeface="Arial"/>
+              <a:buChar char="•"/>
+            </a:pPr>
+            <a:endParaRPr lang="en-US" dirty="0" smtClean="0"/>
+          </a:p>
+          <a:p>
+            <a:pPr marL="342900" indent="-342900">
+              <a:buFont typeface="Arial"/>
+              <a:buChar char="•"/>
+            </a:pPr>
+            <a:endParaRPr lang="en-US" dirty="0" smtClean="0"/>
+          </a:p>
+          <a:p>
+            <a:pPr marL="342900" indent="-342900">
+              <a:buFont typeface="Arial"/>
+              <a:buChar char="•"/>
+            </a:pPr>
+            <a:endParaRPr lang="en-US" dirty="0" smtClean="0"/>
+          </a:p>
+        </p:txBody>
+      </p:sp>
+      <p:sp>
+        <p:nvSpPr>
+          <p:cNvPr id="3" name="Title 2"/>
+          <p:cNvSpPr>
+            <a:spLocks noGrp="1"/>
+          </p:cNvSpPr>
+          <p:nvPr>
+            <p:ph type="title"/>
+          </p:nvPr>
+        </p:nvSpPr>
+        <p:spPr/>
+        <p:txBody>
+          <a:bodyPr/>
+          <a:lstStyle/>
+          <a:p>
+            <a:r>
+              <a:rPr lang="en-US" dirty="0" smtClean="0"/>
+              <a:t>Agenda</a:t>
+            </a:r>
+            <a:endParaRPr lang="en-US" dirty="0"/>
+          </a:p>
+        </p:txBody>
+      </p:sp>
+    </p:spTree>
+    <p:extLst>
+      <p:ext uri="{BB962C8B-B14F-4D97-AF65-F5344CB8AC3E}">
+        <p14:creationId xmlns:p14="http://schemas.microsoft.com/office/powerpoint/2010/main" val="2183150794"/>
+      </p:ext>
+    </p:extLst>
+  </p:cSld>
+  <p:clrMapOvr>
+    <a:masterClrMapping/>
+  </p:clrMapOvr>
+</p:sld>
+</file>
+
+<file path=ppt/slides/slide20.xml><?xml version="1.0" encoding="utf-8"?>
 <p:sld xmlns:a="http://schemas.openxmlformats.org/drawingml/2006/main" xmlns:r="http://schemas.openxmlformats.org/officeDocument/2006/relationships" xmlns:p="http://schemas.openxmlformats.org/presentationml/2006/main">
   <p:cSld>
     <p:spTree>
@@ -9321,7 +9789,7 @@
 </p:sld>
 </file>
 
-<file path=ppt/slides/slide19.xml><?xml version="1.0" encoding="utf-8"?>
+<file path=ppt/slides/slide21.xml><?xml version="1.0" encoding="utf-8"?>
 <p:sld xmlns:a="http://schemas.openxmlformats.org/drawingml/2006/main" xmlns:r="http://schemas.openxmlformats.org/officeDocument/2006/relationships" xmlns:p="http://schemas.openxmlformats.org/presentationml/2006/main">
   <p:cSld>
     <p:spTree>
@@ -9676,79 +10144,7 @@
 </p:sld>
 </file>
 
-<file path=ppt/slides/slide2.xml><?xml version="1.0" encoding="utf-8"?>
-<p:sld xmlns:a="http://schemas.openxmlformats.org/drawingml/2006/main" xmlns:r="http://schemas.openxmlformats.org/officeDocument/2006/relationships" xmlns:p="http://schemas.openxmlformats.org/presentationml/2006/main">
-  <p:cSld>
-    <p:spTree>
-      <p:nvGrpSpPr>
-        <p:cNvPr id="1" name=""/>
-        <p:cNvGrpSpPr/>
-        <p:nvPr/>
-      </p:nvGrpSpPr>
-      <p:grpSpPr>
-        <a:xfrm>
-          <a:off x="0" y="0"/>
-          <a:ext cx="0" cy="0"/>
-          <a:chOff x="0" y="0"/>
-          <a:chExt cx="0" cy="0"/>
-        </a:xfrm>
-      </p:grpSpPr>
-      <p:sp>
-        <p:nvSpPr>
-          <p:cNvPr id="2" name="Content Placeholder 1"/>
-          <p:cNvSpPr>
-            <a:spLocks noGrp="1"/>
-          </p:cNvSpPr>
-          <p:nvPr>
-            <p:ph sz="quarter" idx="13"/>
-          </p:nvPr>
-        </p:nvSpPr>
-        <p:spPr/>
-        <p:txBody>
-          <a:bodyPr/>
-          <a:lstStyle/>
-          <a:p>
-            <a:endParaRPr lang="en-US"/>
-          </a:p>
-        </p:txBody>
-      </p:sp>
-      <p:sp>
-        <p:nvSpPr>
-          <p:cNvPr id="3" name="Title 2"/>
-          <p:cNvSpPr>
-            <a:spLocks noGrp="1"/>
-          </p:cNvSpPr>
-          <p:nvPr>
-            <p:ph type="title"/>
-          </p:nvPr>
-        </p:nvSpPr>
-        <p:spPr/>
-        <p:txBody>
-          <a:bodyPr/>
-          <a:lstStyle/>
-          <a:p>
-            <a:r>
-              <a:rPr lang="en-US" dirty="0" smtClean="0"/>
-              <a:t>Agenda</a:t>
-            </a:r>
-            <a:endParaRPr lang="en-US" dirty="0"/>
-          </a:p>
-        </p:txBody>
-      </p:sp>
-    </p:spTree>
-    <p:extLst>
-      <p:ext uri="{BB962C8B-B14F-4D97-AF65-F5344CB8AC3E}">
-        <p14:creationId xmlns:p14="http://schemas.microsoft.com/office/powerpoint/2010/main" val="2183150794"/>
-      </p:ext>
-    </p:extLst>
-  </p:cSld>
-  <p:clrMapOvr>
-    <a:masterClrMapping/>
-  </p:clrMapOvr>
-</p:sld>
-</file>
-
-<file path=ppt/slides/slide20.xml><?xml version="1.0" encoding="utf-8"?>
+<file path=ppt/slides/slide22.xml><?xml version="1.0" encoding="utf-8"?>
 <p:sld xmlns:a="http://schemas.openxmlformats.org/drawingml/2006/main" xmlns:r="http://schemas.openxmlformats.org/officeDocument/2006/relationships" xmlns:p="http://schemas.openxmlformats.org/presentationml/2006/main">
   <p:cSld>
     <p:spTree>
@@ -10072,7 +10468,7 @@
 </p:sld>
 </file>
 
-<file path=ppt/slides/slide21.xml><?xml version="1.0" encoding="utf-8"?>
+<file path=ppt/slides/slide23.xml><?xml version="1.0" encoding="utf-8"?>
 <p:sld xmlns:a="http://schemas.openxmlformats.org/drawingml/2006/main" xmlns:r="http://schemas.openxmlformats.org/officeDocument/2006/relationships" xmlns:p="http://schemas.openxmlformats.org/presentationml/2006/main">
   <p:cSld>
     <p:spTree>
@@ -10101,7 +10497,9 @@
         </p:nvSpPr>
         <p:spPr/>
         <p:txBody>
-          <a:bodyPr/>
+          <a:bodyPr>
+            <a:normAutofit fontScale="92500" lnSpcReduction="10000"/>
+          </a:bodyPr>
           <a:lstStyle/>
           <a:p>
             <a:r>
@@ -10663,90 +11061,6 @@
 </p:sld>
 </file>
 
-<file path=ppt/slides/slide22.xml><?xml version="1.0" encoding="utf-8"?>
-<p:sld xmlns:a="http://schemas.openxmlformats.org/drawingml/2006/main" xmlns:r="http://schemas.openxmlformats.org/officeDocument/2006/relationships" xmlns:p="http://schemas.openxmlformats.org/presentationml/2006/main">
-  <p:cSld>
-    <p:spTree>
-      <p:nvGrpSpPr>
-        <p:cNvPr id="1" name=""/>
-        <p:cNvGrpSpPr/>
-        <p:nvPr/>
-      </p:nvGrpSpPr>
-      <p:grpSpPr>
-        <a:xfrm>
-          <a:off x="0" y="0"/>
-          <a:ext cx="0" cy="0"/>
-          <a:chOff x="0" y="0"/>
-          <a:chExt cx="0" cy="0"/>
-        </a:xfrm>
-      </p:grpSpPr>
-      <p:sp>
-        <p:nvSpPr>
-          <p:cNvPr id="2" name="Title 1"/>
-          <p:cNvSpPr>
-            <a:spLocks noGrp="1"/>
-          </p:cNvSpPr>
-          <p:nvPr>
-            <p:ph type="title"/>
-          </p:nvPr>
-        </p:nvSpPr>
-        <p:spPr/>
-        <p:txBody>
-          <a:bodyPr>
-            <a:normAutofit/>
-          </a:bodyPr>
-          <a:lstStyle/>
-          <a:p>
-            <a:r>
-              <a:rPr lang="en-US" dirty="0"/>
-              <a:t>Thank </a:t>
-            </a:r>
-            <a:r>
-              <a:rPr lang="en-US" dirty="0" smtClean="0"/>
-              <a:t>you</a:t>
-            </a:r>
-            <a:br>
-              <a:rPr lang="en-US" dirty="0" smtClean="0"/>
-            </a:br>
-            <a:endParaRPr lang="en-US" dirty="0"/>
-          </a:p>
-        </p:txBody>
-      </p:sp>
-      <p:sp>
-        <p:nvSpPr>
-          <p:cNvPr id="3" name="Subtitle 2"/>
-          <p:cNvSpPr>
-            <a:spLocks noGrp="1"/>
-          </p:cNvSpPr>
-          <p:nvPr>
-            <p:ph type="subTitle" idx="1"/>
-          </p:nvPr>
-        </p:nvSpPr>
-        <p:spPr/>
-        <p:txBody>
-          <a:bodyPr/>
-          <a:lstStyle/>
-          <a:p>
-            <a:r>
-              <a:rPr lang="en-US" dirty="0"/>
-              <a:t>Questions?</a:t>
-            </a:r>
-          </a:p>
-        </p:txBody>
-      </p:sp>
-    </p:spTree>
-    <p:extLst>
-      <p:ext uri="{BB962C8B-B14F-4D97-AF65-F5344CB8AC3E}">
-        <p14:creationId xmlns:p14="http://schemas.microsoft.com/office/powerpoint/2010/main" val="1733739084"/>
-      </p:ext>
-    </p:extLst>
-  </p:cSld>
-  <p:clrMapOvr>
-    <a:masterClrMapping/>
-  </p:clrMapOvr>
-</p:sld>
-</file>
-
 <file path=ppt/slides/slide3.xml><?xml version="1.0" encoding="utf-8"?>
 <p:sld xmlns:a="http://schemas.openxmlformats.org/drawingml/2006/main" xmlns:r="http://schemas.openxmlformats.org/officeDocument/2006/relationships" xmlns:p="http://schemas.openxmlformats.org/presentationml/2006/main">
   <p:cSld>
@@ -10777,136 +11091,156 @@
         <p:spPr/>
         <p:txBody>
           <a:bodyPr>
-            <a:normAutofit/>
+            <a:normAutofit lnSpcReduction="10000"/>
           </a:bodyPr>
           <a:lstStyle/>
           <a:p>
-            <a:pPr algn="l"/>
-            <a:r>
-              <a:rPr lang="en-US" dirty="0" smtClean="0"/>
-              <a:t>Parallel Programs introduces</a:t>
-            </a:r>
-          </a:p>
-          <a:p>
-            <a:pPr marL="342900" indent="-342900" algn="l">
-              <a:buFont typeface="Wingdings" charset="2"/>
-              <a:buChar char="u"/>
+            <a:r>
+              <a:rPr lang="es-ES_tradnl" dirty="0" err="1"/>
+              <a:t>Parallel</a:t>
+            </a:r>
+            <a:r>
+              <a:rPr lang="es-ES_tradnl" dirty="0"/>
+              <a:t> </a:t>
+            </a:r>
+            <a:r>
+              <a:rPr lang="es-ES_tradnl" dirty="0" err="1"/>
+              <a:t>Programs</a:t>
+            </a:r>
+            <a:r>
+              <a:rPr lang="es-ES_tradnl" dirty="0"/>
+              <a:t> </a:t>
+            </a:r>
+            <a:r>
+              <a:rPr lang="es-ES_tradnl" dirty="0" smtClean="0"/>
+              <a:t>introduces</a:t>
+            </a:r>
+          </a:p>
+          <a:p>
+            <a:pPr marL="342900" indent="-342900">
+              <a:buFont typeface="Arial"/>
+              <a:buChar char="•"/>
             </a:pPr>
             <a:r>
               <a:rPr lang="en-US" dirty="0" smtClean="0"/>
               <a:t>added complexity</a:t>
             </a:r>
-          </a:p>
-          <a:p>
-            <a:pPr marL="342900" indent="-342900" algn="l">
-              <a:buFont typeface="Wingdings" charset="2"/>
-              <a:buChar char="u"/>
+            <a:endParaRPr lang="en-US" dirty="0"/>
+          </a:p>
+          <a:p>
+            <a:pPr marL="342900" indent="-342900">
+              <a:buFont typeface="Arial"/>
+              <a:buChar char="•"/>
             </a:pPr>
             <a:r>
               <a:rPr lang="en-US" dirty="0"/>
-              <a:t>r</a:t>
-            </a:r>
-            <a:r>
-              <a:rPr lang="en-US" dirty="0" smtClean="0"/>
-              <a:t>ewrite code to remove dependencies</a:t>
-            </a:r>
-          </a:p>
-          <a:p>
-            <a:pPr marL="342900" indent="-342900" algn="l">
-              <a:buFont typeface="Wingdings" charset="2"/>
-              <a:buChar char="u"/>
+              <a:t>rewrite code to remove dependencies</a:t>
+            </a:r>
+          </a:p>
+          <a:p>
+            <a:pPr marL="342900" indent="-342900">
+              <a:buFont typeface="Arial"/>
+              <a:buChar char="•"/>
             </a:pPr>
             <a:r>
               <a:rPr lang="en-US" dirty="0"/>
               <a:t>non-deterministic behavior </a:t>
             </a:r>
             <a:r>
-              <a:rPr lang="en-US" dirty="0" smtClean="0"/>
+              <a:rPr lang="en-US" strike="sngStrike" dirty="0"/>
               <a:t>which is why you need a certain level of synchronization</a:t>
             </a:r>
           </a:p>
           <a:p>
-            <a:pPr marL="342900" indent="-342900" algn="l">
-              <a:buFont typeface="Wingdings" charset="2"/>
-              <a:buChar char="u"/>
+            <a:pPr marL="342900" indent="-342900">
+              <a:buFont typeface="Arial"/>
+              <a:buChar char="•"/>
             </a:pPr>
             <a:r>
+              <a:rPr lang="en-US" strike="sngStrike" dirty="0"/>
+              <a:t>With a lack of synchronization, race conditions can lead to corrupted data.</a:t>
+            </a:r>
+          </a:p>
+          <a:p>
+            <a:pPr marL="342900" indent="-342900">
+              <a:buFont typeface="Arial"/>
+              <a:buChar char="•"/>
+            </a:pPr>
+            <a:r>
               <a:rPr lang="en-US" dirty="0"/>
-              <a:t>With a lack of synchronization, race </a:t>
-            </a:r>
-            <a:r>
-              <a:rPr lang="en-US" dirty="0" smtClean="0"/>
-              <a:t>conditions </a:t>
-            </a:r>
+              <a:t>It can lead to corrupted data (Race Conditions).</a:t>
+            </a:r>
+          </a:p>
+          <a:p>
+            <a:pPr marL="342900" indent="-342900">
+              <a:buFont typeface="Arial"/>
+              <a:buChar char="•"/>
+            </a:pPr>
+            <a:r>
+              <a:rPr lang="en-US" dirty="0" smtClean="0"/>
+              <a:t>With too much protection on data (synchronization):</a:t>
+            </a:r>
+            <a:endParaRPr lang="en-US" dirty="0"/>
+          </a:p>
+          <a:p>
+            <a:pPr marL="628650" lvl="1" indent="-342900"/>
             <a:r>
               <a:rPr lang="en-US" dirty="0"/>
-              <a:t>can lead to corrupted data</a:t>
-            </a:r>
-            <a:r>
-              <a:rPr lang="en-US" dirty="0" smtClean="0"/>
-              <a:t>.</a:t>
-            </a:r>
-          </a:p>
-          <a:p>
-            <a:pPr marL="342900" indent="-342900" algn="l">
-              <a:buFont typeface="Wingdings" charset="2"/>
-              <a:buChar char="u"/>
-            </a:pPr>
+              <a:t>T</a:t>
+            </a:r>
+            <a:r>
+              <a:rPr lang="en-US" dirty="0" smtClean="0"/>
+              <a:t>asks </a:t>
+            </a:r>
             <a:r>
               <a:rPr lang="en-US" dirty="0"/>
-              <a:t>With too much synchronization, tasks may be forced to wait for </a:t>
-            </a:r>
-            <a:r>
-              <a:rPr lang="en-US" dirty="0" smtClean="0"/>
-              <a:t>one </a:t>
+              <a:t>may be forced to wait for one other, </a:t>
+            </a:r>
+            <a:endParaRPr lang="en-US" dirty="0" smtClean="0"/>
+          </a:p>
+          <a:p>
+            <a:pPr marL="628650" lvl="1" indent="-342900"/>
+            <a:r>
+              <a:rPr lang="en-US" dirty="0" smtClean="0"/>
+              <a:t>Cost in </a:t>
             </a:r>
             <a:r>
               <a:rPr lang="en-US" dirty="0"/>
-              <a:t>other, and costly communication may be required between cores regarding the status of protected </a:t>
-            </a:r>
-            <a:r>
-              <a:rPr lang="en-US" dirty="0" smtClean="0"/>
-              <a:t>memory </a:t>
-            </a:r>
+              <a:t>communication</a:t>
+            </a:r>
+            <a:r>
+              <a:rPr lang="en-US" strike="sngStrike" dirty="0"/>
+              <a:t> may be required between cores regarding the status of protected memory locations.</a:t>
+            </a:r>
+          </a:p>
+        </p:txBody>
+      </p:sp>
+      <p:sp>
+        <p:nvSpPr>
+          <p:cNvPr id="3" name="Title 2"/>
+          <p:cNvSpPr>
+            <a:spLocks noGrp="1"/>
+          </p:cNvSpPr>
+          <p:nvPr>
+            <p:ph type="title"/>
+          </p:nvPr>
+        </p:nvSpPr>
+        <p:spPr/>
+        <p:txBody>
+          <a:bodyPr/>
+          <a:lstStyle/>
+          <a:p>
             <a:r>
               <a:rPr lang="en-US" dirty="0"/>
-              <a:t>locations</a:t>
-            </a:r>
-            <a:r>
-              <a:rPr lang="en-US" dirty="0" smtClean="0"/>
-              <a:t>.</a:t>
-            </a:r>
-            <a:endParaRPr lang="en-US" dirty="0"/>
-          </a:p>
-        </p:txBody>
-      </p:sp>
-      <p:sp>
-        <p:nvSpPr>
-          <p:cNvPr id="3" name="Title 2"/>
-          <p:cNvSpPr>
-            <a:spLocks noGrp="1"/>
-          </p:cNvSpPr>
-          <p:nvPr>
-            <p:ph type="title"/>
-          </p:nvPr>
-        </p:nvSpPr>
-        <p:spPr/>
-        <p:txBody>
-          <a:bodyPr/>
-          <a:lstStyle/>
-          <a:p>
-            <a:r>
-              <a:rPr lang="en-US" dirty="0" smtClean="0"/>
               <a:t>Why there are pitfalls?</a:t>
             </a:r>
-            <a:endParaRPr lang="en-US" dirty="0"/>
           </a:p>
         </p:txBody>
       </p:sp>
     </p:spTree>
     <p:extLst>
       <p:ext uri="{BB962C8B-B14F-4D97-AF65-F5344CB8AC3E}">
-        <p14:creationId xmlns:p14="http://schemas.microsoft.com/office/powerpoint/2010/main" val="395108062"/>
+        <p14:creationId xmlns:p14="http://schemas.microsoft.com/office/powerpoint/2010/main" val="188832589"/>
       </p:ext>
     </p:extLst>
   </p:cSld>
@@ -10950,19 +11284,73 @@
           <a:p>
             <a:r>
               <a:rPr lang="en-US" dirty="0" smtClean="0"/>
-              <a:t>[1] [2] [3] say deadlock is hard</a:t>
-            </a:r>
-          </a:p>
-          <a:p>
-            <a:r>
-              <a:rPr lang="en-US" dirty="0" smtClean="0"/>
-              <a:t>[2][3][4] say race condition always occurred if there’s no any proper parallel code or thread safe</a:t>
-            </a:r>
-          </a:p>
-          <a:p>
-            <a:r>
-              <a:rPr lang="en-US" dirty="0" smtClean="0"/>
-              <a:t>[3][1][5] say mutual exclusion is always a challenge</a:t>
+              <a:t>3 main pitfalls are commonly discussed</a:t>
+            </a:r>
+            <a:r>
+              <a:rPr lang="en-US" strike="sngStrike" dirty="0" smtClean="0"/>
+              <a:t> in academic research</a:t>
+            </a:r>
+            <a:r>
+              <a:rPr lang="en-US" dirty="0" smtClean="0"/>
+              <a:t>:</a:t>
+            </a:r>
+          </a:p>
+          <a:p>
+            <a:pPr marL="342900" indent="-342900">
+              <a:buFont typeface="Arial"/>
+              <a:buChar char="•"/>
+            </a:pPr>
+            <a:r>
+              <a:rPr lang="en-US" dirty="0" smtClean="0"/>
+              <a:t>[</a:t>
+            </a:r>
+            <a:r>
+              <a:rPr lang="en-US" dirty="0" smtClean="0"/>
+              <a:t>2][3][4] say race condition always occurred if there’s no any proper parallel code or thread </a:t>
+            </a:r>
+            <a:r>
+              <a:rPr lang="en-US" dirty="0" smtClean="0"/>
+              <a:t>safe</a:t>
+            </a:r>
+          </a:p>
+          <a:p>
+            <a:pPr marL="342900" indent="-342900">
+              <a:buFont typeface="Arial"/>
+              <a:buChar char="•"/>
+            </a:pPr>
+            <a:r>
+              <a:rPr lang="en-US" dirty="0" smtClean="0"/>
+              <a:t>Dr. </a:t>
+            </a:r>
+            <a:r>
+              <a:rPr lang="en-US" dirty="0" err="1" smtClean="0"/>
+              <a:t>Giacaman</a:t>
+            </a:r>
+            <a:r>
+              <a:rPr lang="en-US" dirty="0" smtClean="0"/>
+              <a:t> in [1], Ben-Ari and </a:t>
+            </a:r>
+            <a:r>
+              <a:rPr lang="en-US" dirty="0" err="1" smtClean="0"/>
+              <a:t>Kolikant</a:t>
+            </a:r>
+            <a:r>
+              <a:rPr lang="en-US" dirty="0" smtClean="0"/>
+              <a:t> in [2] have included Mutual Exclusion into their lecturing materials</a:t>
+            </a:r>
+          </a:p>
+          <a:p>
+            <a:pPr marL="342900" indent="-342900">
+              <a:buFont typeface="Arial"/>
+              <a:buChar char="•"/>
+            </a:pPr>
+            <a:r>
+              <a:rPr lang="en-US" dirty="0"/>
+              <a:t>[1] [2] [3] say deadlock is </a:t>
+            </a:r>
+            <a:r>
+              <a:rPr lang="en-US" dirty="0" smtClean="0"/>
+              <a:t>hard</a:t>
             </a:r>
             <a:endParaRPr lang="en-US" dirty="0"/>
           </a:p>
@@ -11033,19 +11421,21 @@
         </p:nvSpPr>
         <p:spPr/>
         <p:txBody>
-          <a:bodyPr/>
+          <a:bodyPr>
+            <a:normAutofit lnSpcReduction="10000"/>
+          </a:bodyPr>
           <a:lstStyle/>
           <a:p>
             <a:pPr algn="l"/>
             <a:r>
               <a:rPr lang="en-US" dirty="0" smtClean="0"/>
-              <a:t>To </a:t>
-            </a:r>
-            <a:r>
-              <a:rPr lang="en-US" dirty="0"/>
-              <a:t>properly balance synchronicity and efficiency.</a:t>
-            </a:r>
-            <a:endParaRPr lang="en-US" dirty="0" smtClean="0"/>
+              <a:t>Help developer to: </a:t>
+            </a:r>
+            <a:r>
+              <a:rPr lang="en-US" strike="sngStrike" dirty="0" smtClean="0"/>
+              <a:t>To properly balance synchronicity and efficiency.</a:t>
+            </a:r>
+            <a:endParaRPr lang="en-US" strike="sngStrike" dirty="0" smtClean="0"/>
           </a:p>
           <a:p>
             <a:pPr marL="342900" indent="-342900" algn="l">
@@ -11062,18 +11452,22 @@
             </a:r>
             <a:r>
               <a:rPr lang="en-US" dirty="0"/>
-              <a:t>the problems associated </a:t>
-            </a:r>
-            <a:r>
-              <a:rPr lang="en-US" dirty="0" smtClean="0"/>
+              <a:t>the problems </a:t>
+            </a:r>
+            <a:r>
+              <a:rPr lang="en-US" strike="sngStrike" dirty="0"/>
+              <a:t>associated </a:t>
+            </a:r>
+            <a:r>
+              <a:rPr lang="en-US" strike="sngStrike" dirty="0" smtClean="0"/>
               <a:t>with </a:t>
             </a:r>
             <a:r>
-              <a:rPr lang="en-US" dirty="0"/>
+              <a:rPr lang="en-US" strike="sngStrike" dirty="0"/>
               <a:t>creating a parallel </a:t>
             </a:r>
             <a:r>
-              <a:rPr lang="en-US" dirty="0" smtClean="0"/>
+              <a:rPr lang="en-US" strike="sngStrike" dirty="0" smtClean="0"/>
               <a:t>program</a:t>
             </a:r>
           </a:p>
@@ -11088,8 +11482,13 @@
             </a:r>
             <a:r>
               <a:rPr lang="en-US" dirty="0"/>
-              <a:t>possible solutions for solving or alleviating these issues. </a:t>
-            </a:r>
+              <a:t>possible solutions for solving or alleviating these </a:t>
+            </a:r>
+            <a:r>
+              <a:rPr lang="en-US" dirty="0" smtClean="0"/>
+              <a:t>issues (Future Work).</a:t>
+            </a:r>
+            <a:endParaRPr lang="en-US" dirty="0"/>
           </a:p>
           <a:p>
             <a:pPr marL="342900" indent="-342900" algn="l">
@@ -11102,8 +11501,13 @@
             <a:pPr algn="l"/>
             <a:r>
               <a:rPr lang="en-US" dirty="0" smtClean="0"/>
-              <a:t>To do this effectively</a:t>
-            </a:r>
+              <a:t>To do this </a:t>
+            </a:r>
+            <a:r>
+              <a:rPr lang="en-US" dirty="0" smtClean="0"/>
+              <a:t>effectively:</a:t>
+            </a:r>
+            <a:endParaRPr lang="en-US" dirty="0" smtClean="0"/>
           </a:p>
           <a:p>
             <a:pPr marL="342900" indent="-342900" algn="l">
@@ -11525,47 +11929,114 @@
         </p:nvSpPr>
         <p:spPr/>
         <p:txBody>
-          <a:bodyPr/>
-          <a:lstStyle/>
-          <a:p>
-            <a:pPr algn="l"/>
-            <a:r>
-              <a:rPr lang="en-US" dirty="0" smtClean="0"/>
-              <a:t>+ what is ME?</a:t>
-            </a:r>
-          </a:p>
-          <a:p>
-            <a:pPr algn="l"/>
-            <a:r>
-              <a:rPr lang="en-US" dirty="0" smtClean="0"/>
-              <a:t>+ how to solve it?</a:t>
-            </a:r>
-          </a:p>
-          <a:p>
-            <a:pPr algn="l"/>
+          <a:bodyPr>
+            <a:normAutofit/>
+          </a:bodyPr>
+          <a:lstStyle/>
+          <a:p>
+            <a:pPr marL="342900" indent="-342900" algn="l">
+              <a:buFont typeface="Arial"/>
+              <a:buChar char="•"/>
+            </a:pPr>
+            <a:r>
+              <a:rPr lang="en-US" dirty="0" smtClean="0"/>
+              <a:t>Avoid </a:t>
+            </a:r>
+            <a:r>
+              <a:rPr lang="en-US" dirty="0" smtClean="0"/>
+              <a:t>simultaneously accessed to shared data</a:t>
+            </a:r>
+          </a:p>
+          <a:p>
+            <a:pPr marL="342900" indent="-342900">
+              <a:buFont typeface="Arial"/>
+              <a:buChar char="•"/>
+            </a:pPr>
+            <a:r>
+              <a:rPr lang="en-US" dirty="0"/>
+              <a:t>Is a </a:t>
+            </a:r>
+            <a:r>
+              <a:rPr lang="en-US" dirty="0" smtClean="0"/>
+              <a:t>way to solve </a:t>
+            </a:r>
+            <a:r>
+              <a:rPr lang="en-US" dirty="0"/>
+              <a:t>Race </a:t>
+            </a:r>
+            <a:r>
+              <a:rPr lang="en-US" dirty="0" smtClean="0"/>
+              <a:t>Condition</a:t>
+            </a:r>
+          </a:p>
+          <a:p>
+            <a:pPr marL="342900" indent="-342900">
+              <a:buFont typeface="Arial"/>
+              <a:buChar char="•"/>
+            </a:pPr>
+            <a:r>
+              <a:rPr lang="en-US" dirty="0" err="1" smtClean="0"/>
+              <a:t>a.k.a</a:t>
+            </a:r>
+            <a:r>
+              <a:rPr lang="en-US" dirty="0" smtClean="0"/>
+              <a:t> Critical Section, Monitor</a:t>
+            </a:r>
+          </a:p>
+          <a:p>
+            <a:pPr marL="342900" indent="-342900">
+              <a:buFont typeface="Arial"/>
+              <a:buChar char="•"/>
+            </a:pPr>
             <a:endParaRPr lang="en-US" dirty="0" smtClean="0"/>
           </a:p>
           <a:p>
-            <a:pPr algn="l"/>
+            <a:pPr marL="342900" indent="-342900">
+              <a:buFont typeface="Arial"/>
+              <a:buChar char="•"/>
+            </a:pPr>
+            <a:r>
+              <a:rPr lang="en-US" dirty="0" smtClean="0"/>
+              <a:t>But, it can lead to other problems:</a:t>
+            </a:r>
+          </a:p>
+          <a:p>
+            <a:pPr marL="628650" lvl="1" indent="-342900"/>
+            <a:r>
+              <a:rPr lang="en-US" dirty="0" smtClean="0"/>
+              <a:t>Deadlock</a:t>
+            </a:r>
+          </a:p>
+          <a:p>
+            <a:pPr marL="628650" lvl="1" indent="-342900"/>
+            <a:r>
+              <a:rPr lang="en-US" dirty="0" smtClean="0"/>
+              <a:t>Starvation</a:t>
+            </a:r>
+          </a:p>
+          <a:p>
+            <a:pPr marL="628650" lvl="1" indent="-342900"/>
+            <a:r>
+              <a:rPr lang="en-US" dirty="0" smtClean="0"/>
+              <a:t>Lock </a:t>
+            </a:r>
+            <a:r>
+              <a:rPr lang="en-US" dirty="0" err="1" smtClean="0"/>
+              <a:t>contendency</a:t>
+            </a:r>
+            <a:endParaRPr lang="en-US" dirty="0" smtClean="0"/>
+          </a:p>
+          <a:p>
+            <a:pPr marL="628650" lvl="1" indent="-342900"/>
             <a:endParaRPr lang="en-US" dirty="0"/>
           </a:p>
           <a:p>
-            <a:pPr algn="l"/>
-            <a:endParaRPr lang="en-US" dirty="0"/>
-          </a:p>
-          <a:p>
-            <a:pPr algn="l"/>
-            <a:r>
-              <a:rPr lang="en-US" dirty="0" smtClean="0"/>
-              <a:t>+ Why it is a problem</a:t>
-            </a:r>
-          </a:p>
-          <a:p>
-            <a:pPr algn="l"/>
-            <a:r>
-              <a:rPr lang="en-US" dirty="0" smtClean="0"/>
-              <a:t>+ Demo</a:t>
-            </a:r>
+            <a:pPr marL="342900" indent="-342900"/>
+            <a:r>
+              <a:rPr lang="en-US" dirty="0" smtClean="0"/>
+              <a:t>Demo</a:t>
+            </a:r>
+            <a:endParaRPr lang="en-US" dirty="0" smtClean="0"/>
           </a:p>
           <a:p>
             <a:pPr algn="l"/>

--- a/Presentation.pptx
+++ b/Presentation.pptx
@@ -214,7 +214,7 @@
           <a:p>
             <a:fld id="{E17A1F60-D46C-C04D-A60B-2230C10FC134}" type="datetimeFigureOut">
               <a:rPr lang="en-US" smtClean="0"/>
-              <a:t>17/05/14</a:t>
+              <a:t>5/17/14</a:t>
             </a:fld>
             <a:endParaRPr lang="en-US"/>
           </a:p>
@@ -545,13 +545,52 @@
             </a:pPr>
             <a:r>
               <a:rPr lang="en-US" dirty="0" smtClean="0"/>
-              <a:t>Synchronization is necessary to make programs execute correctly in parallel. However this</a:t>
+              <a:t>Lack of experience with parallel systems.</a:t>
+            </a:r>
+          </a:p>
+          <a:p>
+            <a:pPr marL="0" marR="0" indent="0" algn="l" defTabSz="457200" rtl="0" eaLnBrk="1" fontAlgn="auto" latinLnBrk="0" hangingPunct="1">
+              <a:lnSpc>
+                <a:spcPct val="100000"/>
+              </a:lnSpc>
+              <a:spcBef>
+                <a:spcPts val="0"/>
+              </a:spcBef>
+              <a:spcAft>
+                <a:spcPts val="0"/>
+              </a:spcAft>
+              <a:buClrTx/>
+              <a:buSzTx/>
+              <a:buFontTx/>
+              <a:buNone/>
+              <a:tabLst/>
+              <a:defRPr/>
+            </a:pPr>
+            <a:r>
+              <a:rPr lang="en-US" dirty="0" smtClean="0"/>
+              <a:t>Developing correct multi threaded</a:t>
             </a:r>
             <a:r>
               <a:rPr lang="en-US" baseline="0" dirty="0" smtClean="0"/>
-              <a:t> comes with a cost. Problems arise when accessing shared resources.</a:t>
-            </a:r>
-            <a:endParaRPr lang="en-US" dirty="0" smtClean="0"/>
+              <a:t> codes is difficult because</a:t>
+            </a:r>
+            <a:r>
+              <a:rPr lang="en-US" dirty="0" smtClean="0"/>
+              <a:t> threads may interact with each other in unpredictable ways</a:t>
+            </a:r>
+          </a:p>
+          <a:p>
+            <a:pPr marL="0" indent="0" algn="l">
+              <a:buFont typeface="Wingdings" charset="2"/>
+              <a:buNone/>
+            </a:pPr>
+            <a:r>
+              <a:rPr lang="en-US" dirty="0" smtClean="0"/>
+              <a:t>The high overhead of communication relative to that of processing.</a:t>
+            </a:r>
+          </a:p>
+          <a:p>
+            <a:endParaRPr lang="en-US" dirty="0"/>
           </a:p>
         </p:txBody>
       </p:sp>
@@ -572,7 +611,7 @@
           <a:p>
             <a:fld id="{4B5DE452-D96A-B043-A19B-3F6D5B1BBA3B}" type="slidenum">
               <a:rPr lang="en-US" smtClean="0"/>
-              <a:t>7</a:t>
+              <a:t>3</a:t>
             </a:fld>
             <a:endParaRPr lang="en-US"/>
           </a:p>
@@ -581,7 +620,423 @@
     </p:spTree>
     <p:extLst>
       <p:ext uri="{BB962C8B-B14F-4D97-AF65-F5344CB8AC3E}">
-        <p14:creationId xmlns:p14="http://schemas.microsoft.com/office/powerpoint/2010/main" val="56470449"/>
+        <p14:creationId xmlns:p14="http://schemas.microsoft.com/office/powerpoint/2010/main" val="2872151864"/>
+      </p:ext>
+    </p:extLst>
+  </p:cSld>
+  <p:clrMapOvr>
+    <a:masterClrMapping/>
+  </p:clrMapOvr>
+</p:notes>
+</file>
+
+<file path=ppt/notesSlides/notesSlide10.xml><?xml version="1.0" encoding="utf-8"?>
+<p:notes xmlns:a="http://schemas.openxmlformats.org/drawingml/2006/main" xmlns:r="http://schemas.openxmlformats.org/officeDocument/2006/relationships" xmlns:p="http://schemas.openxmlformats.org/presentationml/2006/main">
+  <p:cSld>
+    <p:spTree>
+      <p:nvGrpSpPr>
+        <p:cNvPr id="1" name=""/>
+        <p:cNvGrpSpPr/>
+        <p:nvPr/>
+      </p:nvGrpSpPr>
+      <p:grpSpPr>
+        <a:xfrm>
+          <a:off x="0" y="0"/>
+          <a:ext cx="0" cy="0"/>
+          <a:chOff x="0" y="0"/>
+          <a:chExt cx="0" cy="0"/>
+        </a:xfrm>
+      </p:grpSpPr>
+      <p:sp>
+        <p:nvSpPr>
+          <p:cNvPr id="2" name="Slide Image Placeholder 1"/>
+          <p:cNvSpPr>
+            <a:spLocks noGrp="1" noRot="1" noChangeAspect="1"/>
+          </p:cNvSpPr>
+          <p:nvPr>
+            <p:ph type="sldImg"/>
+          </p:nvPr>
+        </p:nvSpPr>
+        <p:spPr/>
+      </p:sp>
+      <p:sp>
+        <p:nvSpPr>
+          <p:cNvPr id="3" name="Notes Placeholder 2"/>
+          <p:cNvSpPr>
+            <a:spLocks noGrp="1"/>
+          </p:cNvSpPr>
+          <p:nvPr>
+            <p:ph type="body" idx="1"/>
+          </p:nvPr>
+        </p:nvSpPr>
+        <p:spPr/>
+        <p:txBody>
+          <a:bodyPr/>
+          <a:lstStyle/>
+          <a:p>
+            <a:r>
+              <a:rPr lang="en-US" dirty="0" smtClean="0"/>
+              <a:t>- If all processes always request resources in a fixed order, there can be no hold-and-wait cycle.</a:t>
+            </a:r>
+          </a:p>
+          <a:p>
+            <a:pPr marL="171450" indent="-171450">
+              <a:buFontTx/>
+              <a:buChar char="-"/>
+            </a:pPr>
+            <a:r>
+              <a:rPr lang="en-US" dirty="0" smtClean="0"/>
+              <a:t>This is usually not a burdensome restriction. It still allows us to have critical sections that involve more than one resource, and use simple lock and unlock operations on individual resources to implement them.</a:t>
+            </a:r>
+          </a:p>
+        </p:txBody>
+      </p:sp>
+      <p:sp>
+        <p:nvSpPr>
+          <p:cNvPr id="4" name="Slide Number Placeholder 3"/>
+          <p:cNvSpPr>
+            <a:spLocks noGrp="1"/>
+          </p:cNvSpPr>
+          <p:nvPr>
+            <p:ph type="sldNum" sz="quarter" idx="10"/>
+          </p:nvPr>
+        </p:nvSpPr>
+        <p:spPr/>
+        <p:txBody>
+          <a:bodyPr/>
+          <a:lstStyle/>
+          <a:p>
+            <a:fld id="{56BE3D67-E84A-6F4F-8E3B-3BC46E162796}" type="slidenum">
+              <a:rPr lang="en-US" smtClean="0"/>
+              <a:t>20</a:t>
+            </a:fld>
+            <a:endParaRPr lang="en-US"/>
+          </a:p>
+        </p:txBody>
+      </p:sp>
+    </p:spTree>
+    <p:extLst>
+      <p:ext uri="{BB962C8B-B14F-4D97-AF65-F5344CB8AC3E}">
+        <p14:creationId xmlns:p14="http://schemas.microsoft.com/office/powerpoint/2010/main" val="3137412600"/>
+      </p:ext>
+    </p:extLst>
+  </p:cSld>
+  <p:clrMapOvr>
+    <a:masterClrMapping/>
+  </p:clrMapOvr>
+</p:notes>
+</file>
+
+<file path=ppt/notesSlides/notesSlide11.xml><?xml version="1.0" encoding="utf-8"?>
+<p:notes xmlns:a="http://schemas.openxmlformats.org/drawingml/2006/main" xmlns:r="http://schemas.openxmlformats.org/officeDocument/2006/relationships" xmlns:p="http://schemas.openxmlformats.org/presentationml/2006/main">
+  <p:cSld>
+    <p:spTree>
+      <p:nvGrpSpPr>
+        <p:cNvPr id="1" name=""/>
+        <p:cNvGrpSpPr/>
+        <p:nvPr/>
+      </p:nvGrpSpPr>
+      <p:grpSpPr>
+        <a:xfrm>
+          <a:off x="0" y="0"/>
+          <a:ext cx="0" cy="0"/>
+          <a:chOff x="0" y="0"/>
+          <a:chExt cx="0" cy="0"/>
+        </a:xfrm>
+      </p:grpSpPr>
+      <p:sp>
+        <p:nvSpPr>
+          <p:cNvPr id="2" name="Slide Image Placeholder 1"/>
+          <p:cNvSpPr>
+            <a:spLocks noGrp="1" noRot="1" noChangeAspect="1"/>
+          </p:cNvSpPr>
+          <p:nvPr>
+            <p:ph type="sldImg"/>
+          </p:nvPr>
+        </p:nvSpPr>
+        <p:spPr/>
+      </p:sp>
+      <p:sp>
+        <p:nvSpPr>
+          <p:cNvPr id="3" name="Notes Placeholder 2"/>
+          <p:cNvSpPr>
+            <a:spLocks noGrp="1"/>
+          </p:cNvSpPr>
+          <p:nvPr>
+            <p:ph type="body" idx="1"/>
+          </p:nvPr>
+        </p:nvSpPr>
+        <p:spPr/>
+        <p:txBody>
+          <a:bodyPr/>
+          <a:lstStyle/>
+          <a:p>
+            <a:pPr marL="171450" indent="-171450">
+              <a:buFontTx/>
+              <a:buChar char="-"/>
+            </a:pPr>
+            <a:r>
+              <a:rPr lang="en-US" dirty="0" smtClean="0"/>
+              <a:t>If processes always release one resource before requesting another, there can be no hold-and-wait.</a:t>
+            </a:r>
+          </a:p>
+          <a:p>
+            <a:pPr marL="171450" indent="-171450">
+              <a:buFontTx/>
+              <a:buChar char="-"/>
+            </a:pPr>
+            <a:r>
+              <a:rPr lang="en-US" dirty="0" smtClean="0"/>
+              <a:t>This is a tougher restriction. It rules out critical sections that involve more than one resource.</a:t>
+            </a:r>
+            <a:endParaRPr lang="en-US" dirty="0"/>
+          </a:p>
+        </p:txBody>
+      </p:sp>
+      <p:sp>
+        <p:nvSpPr>
+          <p:cNvPr id="4" name="Slide Number Placeholder 3"/>
+          <p:cNvSpPr>
+            <a:spLocks noGrp="1"/>
+          </p:cNvSpPr>
+          <p:nvPr>
+            <p:ph type="sldNum" sz="quarter" idx="10"/>
+          </p:nvPr>
+        </p:nvSpPr>
+        <p:spPr/>
+        <p:txBody>
+          <a:bodyPr/>
+          <a:lstStyle/>
+          <a:p>
+            <a:fld id="{56BE3D67-E84A-6F4F-8E3B-3BC46E162796}" type="slidenum">
+              <a:rPr lang="en-US" smtClean="0"/>
+              <a:t>21</a:t>
+            </a:fld>
+            <a:endParaRPr lang="en-US"/>
+          </a:p>
+        </p:txBody>
+      </p:sp>
+    </p:spTree>
+    <p:extLst>
+      <p:ext uri="{BB962C8B-B14F-4D97-AF65-F5344CB8AC3E}">
+        <p14:creationId xmlns:p14="http://schemas.microsoft.com/office/powerpoint/2010/main" val="2688967800"/>
+      </p:ext>
+    </p:extLst>
+  </p:cSld>
+  <p:clrMapOvr>
+    <a:masterClrMapping/>
+  </p:clrMapOvr>
+</p:notes>
+</file>
+
+<file path=ppt/notesSlides/notesSlide12.xml><?xml version="1.0" encoding="utf-8"?>
+<p:notes xmlns:a="http://schemas.openxmlformats.org/drawingml/2006/main" xmlns:r="http://schemas.openxmlformats.org/officeDocument/2006/relationships" xmlns:p="http://schemas.openxmlformats.org/presentationml/2006/main">
+  <p:cSld>
+    <p:spTree>
+      <p:nvGrpSpPr>
+        <p:cNvPr id="1" name=""/>
+        <p:cNvGrpSpPr/>
+        <p:nvPr/>
+      </p:nvGrpSpPr>
+      <p:grpSpPr>
+        <a:xfrm>
+          <a:off x="0" y="0"/>
+          <a:ext cx="0" cy="0"/>
+          <a:chOff x="0" y="0"/>
+          <a:chExt cx="0" cy="0"/>
+        </a:xfrm>
+      </p:grpSpPr>
+      <p:sp>
+        <p:nvSpPr>
+          <p:cNvPr id="2" name="Slide Image Placeholder 1"/>
+          <p:cNvSpPr>
+            <a:spLocks noGrp="1" noRot="1" noChangeAspect="1"/>
+          </p:cNvSpPr>
+          <p:nvPr>
+            <p:ph type="sldImg"/>
+          </p:nvPr>
+        </p:nvSpPr>
+        <p:spPr/>
+      </p:sp>
+      <p:sp>
+        <p:nvSpPr>
+          <p:cNvPr id="3" name="Notes Placeholder 2"/>
+          <p:cNvSpPr>
+            <a:spLocks noGrp="1"/>
+          </p:cNvSpPr>
+          <p:nvPr>
+            <p:ph type="body" idx="1"/>
+          </p:nvPr>
+        </p:nvSpPr>
+        <p:spPr/>
+        <p:txBody>
+          <a:bodyPr/>
+          <a:lstStyle/>
+          <a:p>
+            <a:pPr marL="171450" indent="-171450">
+              <a:buFontTx/>
+              <a:buChar char="-"/>
+            </a:pPr>
+            <a:r>
+              <a:rPr lang="en-US" dirty="0" smtClean="0"/>
+              <a:t>If processes always request all resources they will need at once, there can be no hold-and-wait</a:t>
+            </a:r>
+          </a:p>
+          <a:p>
+            <a:pPr marL="171450" indent="-171450">
+              <a:buFontTx/>
+              <a:buChar char="-"/>
+            </a:pPr>
+            <a:r>
+              <a:rPr lang="en-US" dirty="0" smtClean="0"/>
+              <a:t>This allows critical sections that involve more than one resource, but requires the operating system (or resource manager) to provide a way to atomically request several resources at once. Some batch and real-time operating systems support this, but it is not supported, for example, by the POSIX thread </a:t>
+            </a:r>
+            <a:r>
+              <a:rPr lang="en-US" dirty="0" err="1" smtClean="0"/>
+              <a:t>mutex</a:t>
+            </a:r>
+            <a:r>
+              <a:rPr lang="en-US" dirty="0" smtClean="0"/>
+              <a:t> API.</a:t>
+            </a:r>
+            <a:endParaRPr lang="en-US" dirty="0"/>
+          </a:p>
+        </p:txBody>
+      </p:sp>
+      <p:sp>
+        <p:nvSpPr>
+          <p:cNvPr id="4" name="Slide Number Placeholder 3"/>
+          <p:cNvSpPr>
+            <a:spLocks noGrp="1"/>
+          </p:cNvSpPr>
+          <p:nvPr>
+            <p:ph type="sldNum" sz="quarter" idx="10"/>
+          </p:nvPr>
+        </p:nvSpPr>
+        <p:spPr/>
+        <p:txBody>
+          <a:bodyPr/>
+          <a:lstStyle/>
+          <a:p>
+            <a:fld id="{56BE3D67-E84A-6F4F-8E3B-3BC46E162796}" type="slidenum">
+              <a:rPr lang="en-US" smtClean="0"/>
+              <a:t>22</a:t>
+            </a:fld>
+            <a:endParaRPr lang="en-US"/>
+          </a:p>
+        </p:txBody>
+      </p:sp>
+    </p:spTree>
+    <p:extLst>
+      <p:ext uri="{BB962C8B-B14F-4D97-AF65-F5344CB8AC3E}">
+        <p14:creationId xmlns:p14="http://schemas.microsoft.com/office/powerpoint/2010/main" val="603379510"/>
+      </p:ext>
+    </p:extLst>
+  </p:cSld>
+  <p:clrMapOvr>
+    <a:masterClrMapping/>
+  </p:clrMapOvr>
+</p:notes>
+</file>
+
+<file path=ppt/notesSlides/notesSlide13.xml><?xml version="1.0" encoding="utf-8"?>
+<p:notes xmlns:a="http://schemas.openxmlformats.org/drawingml/2006/main" xmlns:r="http://schemas.openxmlformats.org/officeDocument/2006/relationships" xmlns:p="http://schemas.openxmlformats.org/presentationml/2006/main">
+  <p:cSld>
+    <p:spTree>
+      <p:nvGrpSpPr>
+        <p:cNvPr id="1" name=""/>
+        <p:cNvGrpSpPr/>
+        <p:nvPr/>
+      </p:nvGrpSpPr>
+      <p:grpSpPr>
+        <a:xfrm>
+          <a:off x="0" y="0"/>
+          <a:ext cx="0" cy="0"/>
+          <a:chOff x="0" y="0"/>
+          <a:chExt cx="0" cy="0"/>
+        </a:xfrm>
+      </p:grpSpPr>
+      <p:sp>
+        <p:nvSpPr>
+          <p:cNvPr id="2" name="Slide Image Placeholder 1"/>
+          <p:cNvSpPr>
+            <a:spLocks noGrp="1" noRot="1" noChangeAspect="1"/>
+          </p:cNvSpPr>
+          <p:nvPr>
+            <p:ph type="sldImg"/>
+          </p:nvPr>
+        </p:nvSpPr>
+        <p:spPr/>
+      </p:sp>
+      <p:sp>
+        <p:nvSpPr>
+          <p:cNvPr id="3" name="Notes Placeholder 2"/>
+          <p:cNvSpPr>
+            <a:spLocks noGrp="1"/>
+          </p:cNvSpPr>
+          <p:nvPr>
+            <p:ph type="body" idx="1"/>
+          </p:nvPr>
+        </p:nvSpPr>
+        <p:spPr/>
+        <p:txBody>
+          <a:bodyPr/>
+          <a:lstStyle/>
+          <a:p>
+            <a:r>
+              <a:rPr lang="en-US" dirty="0" smtClean="0"/>
+              <a:t>Starvation</a:t>
+            </a:r>
+          </a:p>
+          <a:p>
+            <a:r>
+              <a:rPr lang="en-US" dirty="0" smtClean="0"/>
+              <a:t>For example, suppose an object provides a synchronized method that often takes a long time to return. If one thread invokes this method frequently, other threads that also need frequent synchronized access to the same object will often be blocked.</a:t>
+            </a:r>
+          </a:p>
+          <a:p>
+            <a:r>
+              <a:rPr lang="en-US" dirty="0" err="1" smtClean="0"/>
+              <a:t>Livelock</a:t>
+            </a:r>
+            <a:endParaRPr lang="en-US" dirty="0" smtClean="0"/>
+          </a:p>
+          <a:p>
+            <a:r>
+              <a:rPr lang="en-US" dirty="0" smtClean="0"/>
+              <a:t>This is comparable to two people attempting to pass each other in a corridor: Bob moves to his left to let Emma pass, while Emma moves to his right to let Bob pass. Seeing that they are still blocking each other, Bob moves to his right, while Emma moves to his left. They're still blocking each other, so...</a:t>
+            </a:r>
+            <a:endParaRPr lang="en-US" dirty="0"/>
+          </a:p>
+        </p:txBody>
+      </p:sp>
+      <p:sp>
+        <p:nvSpPr>
+          <p:cNvPr id="4" name="Slide Number Placeholder 3"/>
+          <p:cNvSpPr>
+            <a:spLocks noGrp="1"/>
+          </p:cNvSpPr>
+          <p:nvPr>
+            <p:ph type="sldNum" sz="quarter" idx="10"/>
+          </p:nvPr>
+        </p:nvSpPr>
+        <p:spPr/>
+        <p:txBody>
+          <a:bodyPr/>
+          <a:lstStyle/>
+          <a:p>
+            <a:fld id="{56BE3D67-E84A-6F4F-8E3B-3BC46E162796}" type="slidenum">
+              <a:rPr lang="en-US" smtClean="0"/>
+              <a:t>23</a:t>
+            </a:fld>
+            <a:endParaRPr lang="en-US"/>
+          </a:p>
+        </p:txBody>
+      </p:sp>
+    </p:spTree>
+    <p:extLst>
+      <p:ext uri="{BB962C8B-B14F-4D97-AF65-F5344CB8AC3E}">
+        <p14:creationId xmlns:p14="http://schemas.microsoft.com/office/powerpoint/2010/main" val="2959195531"/>
       </p:ext>
     </p:extLst>
   </p:cSld>
@@ -635,14 +1090,48 @@
           <a:bodyPr/>
           <a:lstStyle/>
           <a:p>
-            <a:r>
-              <a:rPr lang="en-US" dirty="0" smtClean="0"/>
-              <a:t>90% is</a:t>
-            </a:r>
-            <a:r>
-              <a:rPr lang="en-US" baseline="0" dirty="0" smtClean="0"/>
-              <a:t> a dummy value</a:t>
-            </a:r>
+            <a:pPr algn="l"/>
+            <a:r>
+              <a:rPr lang="en-US" dirty="0" smtClean="0"/>
+              <a:t>Help developer to</a:t>
+            </a:r>
+            <a:r>
+              <a:rPr lang="en-US" strike="noStrike" dirty="0" smtClean="0"/>
+              <a:t>: To properly balance synchronicity and efficiency.</a:t>
+            </a:r>
+          </a:p>
+          <a:p>
+            <a:pPr marL="342900" indent="-342900" algn="l">
+              <a:buFont typeface="Wingdings" charset="2"/>
+              <a:buChar char="u"/>
+            </a:pPr>
+            <a:r>
+              <a:rPr lang="en-US" dirty="0" smtClean="0"/>
+              <a:t>Recognize the </a:t>
+            </a:r>
+            <a:r>
+              <a:rPr lang="en-US" strike="noStrike" dirty="0" smtClean="0"/>
+              <a:t>problems associated with creating a parallel program</a:t>
+            </a:r>
+          </a:p>
+          <a:p>
+            <a:pPr marL="342900" indent="-342900" algn="l">
+              <a:buFont typeface="Wingdings" charset="2"/>
+              <a:buChar char="u"/>
+            </a:pPr>
+            <a:r>
+              <a:rPr lang="en-US" dirty="0" smtClean="0"/>
+              <a:t>Suggest possible solutions for solving or alleviating these issues (Future Work).</a:t>
+            </a:r>
+          </a:p>
+          <a:p>
+            <a:pPr marL="342900" indent="-342900" algn="l">
+              <a:buFont typeface="Wingdings" charset="2"/>
+              <a:buChar char="u"/>
+            </a:pPr>
+            <a:endParaRPr lang="en-US" dirty="0" smtClean="0"/>
+          </a:p>
+          <a:p>
             <a:endParaRPr lang="en-US" dirty="0"/>
           </a:p>
         </p:txBody>
@@ -664,7 +1153,7 @@
           <a:p>
             <a:fld id="{4B5DE452-D96A-B043-A19B-3F6D5B1BBA3B}" type="slidenum">
               <a:rPr lang="en-US" smtClean="0"/>
-              <a:t>12</a:t>
+              <a:t>5</a:t>
             </a:fld>
             <a:endParaRPr lang="en-US"/>
           </a:p>
@@ -673,7 +1162,7 @@
     </p:spTree>
     <p:extLst>
       <p:ext uri="{BB962C8B-B14F-4D97-AF65-F5344CB8AC3E}">
-        <p14:creationId xmlns:p14="http://schemas.microsoft.com/office/powerpoint/2010/main" val="807505352"/>
+        <p14:creationId xmlns:p14="http://schemas.microsoft.com/office/powerpoint/2010/main" val="3212283943"/>
       </p:ext>
     </p:extLst>
   </p:cSld>
@@ -727,58 +1216,22 @@
           <a:bodyPr/>
           <a:lstStyle/>
           <a:p>
-            <a:pPr marL="171450" indent="-171450">
-              <a:buFontTx/>
-              <a:buChar char="-"/>
-            </a:pPr>
-            <a:r>
-              <a:rPr lang="en-US" dirty="0" smtClean="0"/>
-              <a:t>only one process may use a resource at a time.</a:t>
-            </a:r>
-          </a:p>
-          <a:p>
-            <a:pPr marL="171450" indent="-171450">
-              <a:buFontTx/>
-              <a:buChar char="-"/>
-            </a:pPr>
-            <a:r>
-              <a:rPr lang="en-US" dirty="0" smtClean="0"/>
-              <a:t>A process can continue to hold a resource while requesting another.</a:t>
-            </a:r>
-          </a:p>
-          <a:p>
-            <a:pPr marL="171450" indent="-171450">
-              <a:buFontTx/>
-              <a:buChar char="-"/>
-            </a:pPr>
-            <a:r>
-              <a:rPr lang="en-US" dirty="0" smtClean="0"/>
-              <a:t>A process cannot be forced to give up resources before it chooses to give them up.</a:t>
-            </a:r>
-          </a:p>
-          <a:p>
-            <a:pPr marL="171450" indent="-171450">
-              <a:buFontTx/>
-              <a:buChar char="-"/>
-            </a:pPr>
-            <a:r>
-              <a:rPr lang="en-US" dirty="0" smtClean="0"/>
-              <a:t>There is a cycle of hold-and-wait relationships.</a:t>
-            </a:r>
-          </a:p>
-          <a:p>
-            <a:pPr marL="0" indent="0">
-              <a:buFontTx/>
-              <a:buNone/>
-            </a:pPr>
-            <a:endParaRPr lang="en-US" dirty="0" smtClean="0"/>
-          </a:p>
-          <a:p>
-            <a:pPr marL="171450" indent="-171450">
-              <a:buFontTx/>
-              <a:buChar char="-"/>
-            </a:pPr>
-            <a:endParaRPr lang="en-US" dirty="0" smtClean="0"/>
+            <a:r>
+              <a:rPr lang="en-US" dirty="0" smtClean="0"/>
+              <a:t>Web apps do not require developers to submit their app to any app store for approval.</a:t>
+            </a:r>
+          </a:p>
+          <a:p>
+            <a:r>
+              <a:rPr lang="en-US" dirty="0" smtClean="0"/>
+              <a:t>Web apps are much easier to maintain as they have a common code base across multiple mobile platforms.</a:t>
+            </a:r>
+          </a:p>
+          <a:p>
+            <a:r>
+              <a:rPr lang="en-US" dirty="0" smtClean="0"/>
+              <a:t>Web apps do not require developers to submit their app to any app store for approval.</a:t>
+            </a:r>
           </a:p>
           <a:p>
             <a:endParaRPr lang="en-US" dirty="0"/>
@@ -800,9 +1253,9 @@
           <a:bodyPr/>
           <a:lstStyle/>
           <a:p>
-            <a:fld id="{56BE3D67-E84A-6F4F-8E3B-3BC46E162796}" type="slidenum">
+            <a:fld id="{4B5DE452-D96A-B043-A19B-3F6D5B1BBA3B}" type="slidenum">
               <a:rPr lang="en-US" smtClean="0"/>
-              <a:t>16</a:t>
+              <a:t>6</a:t>
             </a:fld>
             <a:endParaRPr lang="en-US"/>
           </a:p>
@@ -811,7 +1264,7 @@
     </p:spTree>
     <p:extLst>
       <p:ext uri="{BB962C8B-B14F-4D97-AF65-F5344CB8AC3E}">
-        <p14:creationId xmlns:p14="http://schemas.microsoft.com/office/powerpoint/2010/main" val="2194686972"/>
+        <p14:creationId xmlns:p14="http://schemas.microsoft.com/office/powerpoint/2010/main" val="2981273960"/>
       </p:ext>
     </p:extLst>
   </p:cSld>
@@ -865,65 +1318,33 @@
           <a:bodyPr/>
           <a:lstStyle/>
           <a:p>
-            <a:r>
-              <a:rPr lang="en-US" dirty="0" smtClean="0"/>
-              <a:t>Deadlock comes from contention between processes (or threads) for resources. So, to understand deadlock we need to understand resources.</a:t>
-            </a:r>
-          </a:p>
-          <a:p>
-            <a:r>
-              <a:rPr lang="en-US" dirty="0" smtClean="0"/>
-              <a:t>Examples of Reusable</a:t>
+            <a:pPr marL="0" marR="0" indent="0" algn="l" defTabSz="457200" rtl="0" eaLnBrk="1" fontAlgn="auto" latinLnBrk="0" hangingPunct="1">
+              <a:lnSpc>
+                <a:spcPct val="100000"/>
+              </a:lnSpc>
+              <a:spcBef>
+                <a:spcPts val="0"/>
+              </a:spcBef>
+              <a:spcAft>
+                <a:spcPts val="0"/>
+              </a:spcAft>
+              <a:buClrTx/>
+              <a:buSzTx/>
+              <a:buFontTx/>
+              <a:buNone/>
+              <a:tabLst/>
+              <a:defRPr/>
+            </a:pPr>
+            <a:r>
+              <a:rPr lang="en-US" dirty="0" smtClean="0"/>
+              <a:t>Synchronization is necessary to make programs execute correctly in parallel. However this</a:t>
             </a:r>
             <a:r>
               <a:rPr lang="en-US" baseline="0" dirty="0" smtClean="0"/>
-              <a:t> - Processors, I/O channels, main and secondary memory, files, databases, and semaphores</a:t>
-            </a:r>
-          </a:p>
-          <a:p>
-            <a:r>
-              <a:rPr lang="en-US" dirty="0" smtClean="0"/>
-              <a:t>Examples of Consumable - Hardware interrupts, Unix signals, messages, and information in I/O buffers.</a:t>
-            </a:r>
-          </a:p>
-          <a:p>
-            <a:r>
-              <a:rPr lang="en-US" dirty="0" smtClean="0"/>
-              <a:t>The pseudo code for reusable shows two processes, each of which has nested critical sections for the same pair of resources. They request the resources in a different order, so there is a possibility of deadlock. Suppose P1 requests R1, and that is granted. Then P2 requests R2, and that is granted. Then P1 requests R2, and that cannot be granted because R2 is held by P2, so P1 blocks. Then P2 requests R1, and that cannot be granted because R1 is held by P1, so P2 blocks. The two processes are now deadlocked.</a:t>
-            </a:r>
-          </a:p>
-          <a:p>
+              <a:t> comes with a cost. Problems arise when accessing shared resources.</a:t>
+            </a:r>
             <a:endParaRPr lang="en-US" dirty="0" smtClean="0"/>
           </a:p>
-          <a:p>
-            <a:r>
-              <a:rPr lang="en-US" dirty="0" smtClean="0"/>
-              <a:t>Consumable</a:t>
-            </a:r>
-          </a:p>
-          <a:p>
-            <a:r>
-              <a:rPr lang="en-US" dirty="0" smtClean="0"/>
-              <a:t>Deadlock occurs if the </a:t>
-            </a:r>
-            <a:r>
-              <a:rPr lang="en-US" dirty="0" err="1" smtClean="0"/>
-              <a:t>receivefrom</a:t>
-            </a:r>
-            <a:r>
-              <a:rPr lang="en-US" dirty="0" smtClean="0"/>
-              <a:t> operation is blocking.</a:t>
-            </a:r>
-          </a:p>
-          <a:p>
-            <a:r>
-              <a:rPr lang="en-US" dirty="0" smtClean="0"/>
-              <a:t>The pseudo code above shows how deadlock is possible with message passing. Process P1 and P2 each wait for a message from the other, and while they are waiting neither is able to send the message that the other is waiting for. This kind of deadlock is difficult to prevent unless one imposes some constraints (protocols) on the sending and receiving of messages.</a:t>
-            </a:r>
-          </a:p>
-          <a:p>
-            <a:endParaRPr lang="en-US" dirty="0"/>
-          </a:p>
         </p:txBody>
       </p:sp>
       <p:sp>
@@ -941,9 +1362,9 @@
           <a:bodyPr/>
           <a:lstStyle/>
           <a:p>
-            <a:fld id="{56BE3D67-E84A-6F4F-8E3B-3BC46E162796}" type="slidenum">
+            <a:fld id="{4B5DE452-D96A-B043-A19B-3F6D5B1BBA3B}" type="slidenum">
               <a:rPr lang="en-US" smtClean="0"/>
-              <a:t>17</a:t>
+              <a:t>7</a:t>
             </a:fld>
             <a:endParaRPr lang="en-US"/>
           </a:p>
@@ -952,7 +1373,7 @@
     </p:spTree>
     <p:extLst>
       <p:ext uri="{BB962C8B-B14F-4D97-AF65-F5344CB8AC3E}">
-        <p14:creationId xmlns:p14="http://schemas.microsoft.com/office/powerpoint/2010/main" val="3144795937"/>
+        <p14:creationId xmlns:p14="http://schemas.microsoft.com/office/powerpoint/2010/main" val="56470449"/>
       </p:ext>
     </p:extLst>
   </p:cSld>
@@ -1008,7 +1429,11 @@
           <a:p>
             <a:r>
               <a:rPr lang="en-US" dirty="0" smtClean="0"/>
-              <a:t>All of the four conditions are necessary for deadlock to occur. Hence, by preventing any one of them we prevent deadlock.</a:t>
+              <a:t>90% is</a:t>
+            </a:r>
+            <a:r>
+              <a:rPr lang="en-US" baseline="0" dirty="0" smtClean="0"/>
+              <a:t> a dummy value</a:t>
             </a:r>
             <a:endParaRPr lang="en-US" dirty="0"/>
           </a:p>
@@ -1029,9 +1454,9 @@
           <a:bodyPr/>
           <a:lstStyle/>
           <a:p>
-            <a:fld id="{56BE3D67-E84A-6F4F-8E3B-3BC46E162796}" type="slidenum">
+            <a:fld id="{4B5DE452-D96A-B043-A19B-3F6D5B1BBA3B}" type="slidenum">
               <a:rPr lang="en-US" smtClean="0"/>
-              <a:t>19</a:t>
+              <a:t>12</a:t>
             </a:fld>
             <a:endParaRPr lang="en-US"/>
           </a:p>
@@ -1040,7 +1465,7 @@
     </p:spTree>
     <p:extLst>
       <p:ext uri="{BB962C8B-B14F-4D97-AF65-F5344CB8AC3E}">
-        <p14:creationId xmlns:p14="http://schemas.microsoft.com/office/powerpoint/2010/main" val="1955673604"/>
+        <p14:creationId xmlns:p14="http://schemas.microsoft.com/office/powerpoint/2010/main" val="807505352"/>
       </p:ext>
     </p:extLst>
   </p:cSld>
@@ -1094,20 +1519,7 @@
           <a:bodyPr/>
           <a:lstStyle/>
           <a:p>
-            <a:r>
-              <a:rPr lang="en-US" dirty="0" smtClean="0"/>
-              <a:t>- If all processes always request resources in a fixed order, there can be no hold-and-wait cycle.</a:t>
-            </a:r>
-          </a:p>
-          <a:p>
-            <a:pPr marL="171450" indent="-171450">
-              <a:buFontTx/>
-              <a:buChar char="-"/>
-            </a:pPr>
-            <a:r>
-              <a:rPr lang="en-US" dirty="0" smtClean="0"/>
-              <a:t>This is usually not a burdensome restriction. It still allows us to have critical sections that involve more than one resource, and use simple lock and unlock operations on individual resources to implement them.</a:t>
-            </a:r>
+            <a:endParaRPr lang="en-US" dirty="0"/>
           </a:p>
         </p:txBody>
       </p:sp>
@@ -1126,9 +1538,9 @@
           <a:bodyPr/>
           <a:lstStyle/>
           <a:p>
-            <a:fld id="{56BE3D67-E84A-6F4F-8E3B-3BC46E162796}" type="slidenum">
+            <a:fld id="{4B5DE452-D96A-B043-A19B-3F6D5B1BBA3B}" type="slidenum">
               <a:rPr lang="en-US" smtClean="0"/>
-              <a:t>20</a:t>
+              <a:t>14</a:t>
             </a:fld>
             <a:endParaRPr lang="en-US"/>
           </a:p>
@@ -1137,7 +1549,7 @@
     </p:spTree>
     <p:extLst>
       <p:ext uri="{BB962C8B-B14F-4D97-AF65-F5344CB8AC3E}">
-        <p14:creationId xmlns:p14="http://schemas.microsoft.com/office/powerpoint/2010/main" val="3137412600"/>
+        <p14:creationId xmlns:p14="http://schemas.microsoft.com/office/powerpoint/2010/main" val="2122580804"/>
       </p:ext>
     </p:extLst>
   </p:cSld>
@@ -1197,7 +1609,7 @@
             </a:pPr>
             <a:r>
               <a:rPr lang="en-US" dirty="0" smtClean="0"/>
-              <a:t>If processes always release one resource before requesting another, there can be no hold-and-wait.</a:t>
+              <a:t>only one process may use a resource at a time.</a:t>
             </a:r>
           </a:p>
           <a:p>
@@ -1207,8 +1619,44 @@
             </a:pPr>
             <a:r>
               <a:rPr lang="en-US" dirty="0" smtClean="0"/>
-              <a:t>This is a tougher restriction. It rules out critical sections that involve more than one resource.</a:t>
-            </a:r>
+              <a:t>A process can continue to hold a resource while requesting another.</a:t>
+            </a:r>
+          </a:p>
+          <a:p>
+            <a:pPr marL="171450" indent="-171450">
+              <a:buFontTx/>
+              <a:buChar char="-"/>
+            </a:pPr>
+            <a:r>
+              <a:rPr lang="en-US" dirty="0" smtClean="0"/>
+              <a:t>A process cannot be forced to give up resources before it chooses to give them up.</a:t>
+            </a:r>
+          </a:p>
+          <a:p>
+            <a:pPr marL="171450" indent="-171450">
+              <a:buFontTx/>
+              <a:buChar char="-"/>
+            </a:pPr>
+            <a:r>
+              <a:rPr lang="en-US" dirty="0" smtClean="0"/>
+              <a:t>There is a cycle of hold-and-wait relationships.</a:t>
+            </a:r>
+          </a:p>
+          <a:p>
+            <a:pPr marL="0" indent="0">
+              <a:buFontTx/>
+              <a:buNone/>
+            </a:pPr>
+            <a:endParaRPr lang="en-US" dirty="0" smtClean="0"/>
+          </a:p>
+          <a:p>
+            <a:pPr marL="171450" indent="-171450">
+              <a:buFontTx/>
+              <a:buChar char="-"/>
+            </a:pPr>
+            <a:endParaRPr lang="en-US" dirty="0" smtClean="0"/>
+          </a:p>
+          <a:p>
             <a:endParaRPr lang="en-US" dirty="0"/>
           </a:p>
         </p:txBody>
@@ -1230,7 +1678,7 @@
           <a:p>
             <a:fld id="{56BE3D67-E84A-6F4F-8E3B-3BC46E162796}" type="slidenum">
               <a:rPr lang="en-US" smtClean="0"/>
-              <a:t>21</a:t>
+              <a:t>16</a:t>
             </a:fld>
             <a:endParaRPr lang="en-US"/>
           </a:p>
@@ -1239,7 +1687,7 @@
     </p:spTree>
     <p:extLst>
       <p:ext uri="{BB962C8B-B14F-4D97-AF65-F5344CB8AC3E}">
-        <p14:creationId xmlns:p14="http://schemas.microsoft.com/office/powerpoint/2010/main" val="2688967800"/>
+        <p14:creationId xmlns:p14="http://schemas.microsoft.com/office/powerpoint/2010/main" val="2194686972"/>
       </p:ext>
     </p:extLst>
   </p:cSld>
@@ -1293,32 +1741,63 @@
           <a:bodyPr/>
           <a:lstStyle/>
           <a:p>
-            <a:pPr marL="171450" indent="-171450">
-              <a:buFontTx/>
-              <a:buChar char="-"/>
-            </a:pPr>
-            <a:r>
-              <a:rPr lang="en-US" dirty="0" smtClean="0"/>
-              <a:t>If processes always request all resources they will need at once, there can be no hold-and-wait</a:t>
-            </a:r>
-          </a:p>
-          <a:p>
-            <a:pPr marL="171450" indent="-171450">
-              <a:buFontTx/>
-              <a:buChar char="-"/>
-            </a:pPr>
-            <a:r>
-              <a:rPr lang="en-US" dirty="0" smtClean="0"/>
-              <a:t>This allows critical sections that involve more than one resource, but requires the operating system (or resource manager) to provide a way to atomically request several resources at once. Some batch and real-time operating systems support this, but it is not supported, for example, by the POSIX thread </a:t>
+            <a:r>
+              <a:rPr lang="en-US" dirty="0" smtClean="0"/>
+              <a:t>Deadlock comes from contention between processes (or threads) for resources. So, to understand deadlock we need to understand resources.</a:t>
+            </a:r>
+          </a:p>
+          <a:p>
+            <a:r>
+              <a:rPr lang="en-US" dirty="0" smtClean="0"/>
+              <a:t>Examples of Reusable</a:t>
+            </a:r>
+            <a:r>
+              <a:rPr lang="en-US" baseline="0" dirty="0" smtClean="0"/>
+              <a:t> - Processors, I/O channels, main and secondary memory, files, databases, and semaphores</a:t>
+            </a:r>
+          </a:p>
+          <a:p>
+            <a:r>
+              <a:rPr lang="en-US" dirty="0" smtClean="0"/>
+              <a:t>Examples of Consumable - Hardware interrupts, Unix signals, messages, and information in I/O buffers.</a:t>
+            </a:r>
+          </a:p>
+          <a:p>
+            <a:r>
+              <a:rPr lang="en-US" dirty="0" smtClean="0"/>
+              <a:t>The pseudo code for reusable shows two processes, each of which has nested critical sections for the same pair of resources. They request the resources in a different order, so there is a possibility of deadlock. Suppose P1 requests R1, and that is granted. Then P2 requests R2, and that is granted. Then P1 requests R2, and that cannot be granted because R2 is held by P2, so P1 blocks. Then P2 requests R1, and that cannot be granted because R1 is held by P1, so P2 blocks. The two processes are now deadlocked.</a:t>
+            </a:r>
+          </a:p>
+          <a:p>
+            <a:endParaRPr lang="en-US" dirty="0" smtClean="0"/>
+          </a:p>
+          <a:p>
+            <a:r>
+              <a:rPr lang="en-US" dirty="0" smtClean="0"/>
+              <a:t>Consumable</a:t>
+            </a:r>
+          </a:p>
+          <a:p>
+            <a:r>
+              <a:rPr lang="en-US" dirty="0" smtClean="0"/>
+              <a:t>Deadlock occurs if the </a:t>
             </a:r>
             <a:r>
               <a:rPr lang="en-US" dirty="0" err="1" smtClean="0"/>
-              <a:t>mutex</a:t>
-            </a:r>
-            <a:r>
-              <a:rPr lang="en-US" dirty="0" smtClean="0"/>
-              <a:t> API.</a:t>
-            </a:r>
+              <a:t>receivefrom</a:t>
+            </a:r>
+            <a:r>
+              <a:rPr lang="en-US" dirty="0" smtClean="0"/>
+              <a:t> operation is blocking.</a:t>
+            </a:r>
+          </a:p>
+          <a:p>
+            <a:r>
+              <a:rPr lang="en-US" dirty="0" smtClean="0"/>
+              <a:t>The pseudo code above shows how deadlock is possible with message passing. Process P1 and P2 each wait for a message from the other, and while they are waiting neither is able to send the message that the other is waiting for. This kind of deadlock is difficult to prevent unless one imposes some constraints (protocols) on the sending and receiving of messages.</a:t>
+            </a:r>
+          </a:p>
+          <a:p>
             <a:endParaRPr lang="en-US" dirty="0"/>
           </a:p>
         </p:txBody>
@@ -1340,7 +1819,7 @@
           <a:p>
             <a:fld id="{56BE3D67-E84A-6F4F-8E3B-3BC46E162796}" type="slidenum">
               <a:rPr lang="en-US" smtClean="0"/>
-              <a:t>22</a:t>
+              <a:t>17</a:t>
             </a:fld>
             <a:endParaRPr lang="en-US"/>
           </a:p>
@@ -1349,7 +1828,7 @@
     </p:spTree>
     <p:extLst>
       <p:ext uri="{BB962C8B-B14F-4D97-AF65-F5344CB8AC3E}">
-        <p14:creationId xmlns:p14="http://schemas.microsoft.com/office/powerpoint/2010/main" val="603379510"/>
+        <p14:creationId xmlns:p14="http://schemas.microsoft.com/office/powerpoint/2010/main" val="3144795937"/>
       </p:ext>
     </p:extLst>
   </p:cSld>
@@ -1405,26 +1884,7 @@
           <a:p>
             <a:r>
               <a:rPr lang="en-US" dirty="0" smtClean="0"/>
-              <a:t>Starvation</a:t>
-            </a:r>
-          </a:p>
-          <a:p>
-            <a:r>
-              <a:rPr lang="en-US" dirty="0" smtClean="0"/>
-              <a:t>For example, suppose an object provides a synchronized method that often takes a long time to return. If one thread invokes this method frequently, other threads that also need frequent synchronized access to the same object will often be blocked.</a:t>
-            </a:r>
-          </a:p>
-          <a:p>
-            <a:r>
-              <a:rPr lang="en-US" dirty="0" err="1" smtClean="0"/>
-              <a:t>Livelock</a:t>
-            </a:r>
-            <a:endParaRPr lang="en-US" dirty="0" smtClean="0"/>
-          </a:p>
-          <a:p>
-            <a:r>
-              <a:rPr lang="en-US" dirty="0" smtClean="0"/>
-              <a:t>This is comparable to two people attempting to pass each other in a corridor: Bob moves to his left to let Emma pass, while Emma moves to his right to let Bob pass. Seeing that they are still blocking each other, Bob moves to his right, while Emma moves to his left. They're still blocking each other, so...</a:t>
+              <a:t>All of the four conditions are necessary for deadlock to occur. Hence, by preventing any one of them we prevent deadlock.</a:t>
             </a:r>
             <a:endParaRPr lang="en-US" dirty="0"/>
           </a:p>
@@ -1447,7 +1907,7 @@
           <a:p>
             <a:fld id="{56BE3D67-E84A-6F4F-8E3B-3BC46E162796}" type="slidenum">
               <a:rPr lang="en-US" smtClean="0"/>
-              <a:t>23</a:t>
+              <a:t>19</a:t>
             </a:fld>
             <a:endParaRPr lang="en-US"/>
           </a:p>
@@ -1456,7 +1916,7 @@
     </p:spTree>
     <p:extLst>
       <p:ext uri="{BB962C8B-B14F-4D97-AF65-F5344CB8AC3E}">
-        <p14:creationId xmlns:p14="http://schemas.microsoft.com/office/powerpoint/2010/main" val="2959195531"/>
+        <p14:creationId xmlns:p14="http://schemas.microsoft.com/office/powerpoint/2010/main" val="1955673604"/>
       </p:ext>
     </p:extLst>
   </p:cSld>
@@ -1982,7 +2442,7 @@
             <a:fld id="{AFDD7A28-FA93-4136-BDC1-BCCB2687E678}" type="datetimeFigureOut">
               <a:rPr lang="en-US" smtClean="0"/>
               <a:pPr/>
-              <a:t>17/05/14</a:t>
+              <a:t>5/17/14</a:t>
             </a:fld>
             <a:endParaRPr lang="en-US"/>
           </a:p>
@@ -2230,7 +2690,7 @@
             <a:fld id="{AFDD7A28-FA93-4136-BDC1-BCCB2687E678}" type="datetimeFigureOut">
               <a:rPr lang="en-US" smtClean="0"/>
               <a:pPr/>
-              <a:t>17/05/14</a:t>
+              <a:t>5/17/14</a:t>
             </a:fld>
             <a:endParaRPr lang="en-US" dirty="0"/>
           </a:p>
@@ -5232,11 +5692,7 @@
             </a:r>
             <a:r>
               <a:rPr lang="en-US" dirty="0" smtClean="0"/>
-              <a:t>	2). Answer q</a:t>
-            </a:r>
-            <a:r>
-              <a:rPr lang="en-US" dirty="0" smtClean="0"/>
-              <a:t>uestions</a:t>
+              <a:t>	2). Answer questions</a:t>
             </a:r>
           </a:p>
           <a:p>
@@ -5261,11 +5717,7 @@
             <a:pPr algn="l"/>
             <a:r>
               <a:rPr lang="en-US" sz="2000" dirty="0" smtClean="0"/>
-              <a:t>		+ U</a:t>
-            </a:r>
-            <a:r>
-              <a:rPr lang="en-US" sz="2000" dirty="0" smtClean="0"/>
-              <a:t>sability.</a:t>
+              <a:t>		+ Usability.</a:t>
             </a:r>
           </a:p>
           <a:p>
@@ -5280,11 +5732,7 @@
             </a:r>
             <a:r>
               <a:rPr lang="en-US" sz="2000" dirty="0" smtClean="0"/>
-              <a:t>+ </a:t>
-            </a:r>
-            <a:r>
-              <a:rPr lang="en-US" sz="2000" dirty="0" smtClean="0"/>
-              <a:t>Interactivity.</a:t>
+              <a:t>+ Interactivity.</a:t>
             </a:r>
           </a:p>
           <a:p>
@@ -5301,7 +5749,6 @@
               <a:rPr lang="en-US" sz="2000" dirty="0" smtClean="0"/>
               <a:t>+ Students’ understanding in the 3 pitfalls</a:t>
             </a:r>
-            <a:endParaRPr lang="en-US" sz="2000" dirty="0" smtClean="0"/>
           </a:p>
         </p:txBody>
       </p:sp>
@@ -5669,9 +6116,6 @@
               <a:rPr lang="en-US" sz="1500" dirty="0"/>
               <a:t>- dents. In Parallel and Distributed Processing Symposium Workshops PhD Forum (IPDPSW), 2012 IEEE 26th International, pages 1295 –1298, may 2012. </a:t>
             </a:r>
-            <a:endParaRPr lang="en-US" sz="1500" dirty="0"/>
-          </a:p>
-          <a:p>
             <a:endParaRPr lang="en-US" sz="1500" dirty="0" smtClean="0"/>
           </a:p>
           <a:p>
@@ -5703,6 +6147,101 @@
               <a:rPr lang="en-US" sz="1500" dirty="0"/>
               <a:t>. Thinking parallel: the process of learning concurrency. SIGCSE Bull., 31(3):13–16, June 1999. </a:t>
             </a:r>
+            <a:endParaRPr lang="en-US" sz="1500" dirty="0" smtClean="0"/>
+          </a:p>
+          <a:p>
+            <a:r>
+              <a:rPr lang="en-US" sz="1500" dirty="0"/>
+              <a:t>[3] </a:t>
+            </a:r>
+            <a:r>
+              <a:rPr lang="en-US" sz="1500" dirty="0">
+                <a:hlinkClick r:id="rId3"/>
+              </a:rPr>
+              <a:t>http://publib.boulder.ibm.com/infocenter/iseries/v5r3/index.jsp?topic=%2Frzahw%</a:t>
+            </a:r>
+            <a:r>
+              <a:rPr lang="en-US" sz="1500" dirty="0" smtClean="0">
+                <a:hlinkClick r:id="rId3"/>
+              </a:rPr>
+              <a:t>2Frzahwmutco.htm</a:t>
+            </a:r>
+            <a:endParaRPr lang="en-US" sz="1500" dirty="0" smtClean="0"/>
+          </a:p>
+          <a:p>
+            <a:r>
+              <a:rPr lang="en-US" sz="1500" dirty="0" smtClean="0"/>
+              <a:t>[4</a:t>
+            </a:r>
+            <a:r>
+              <a:rPr lang="en-US" sz="1500" dirty="0"/>
+              <a:t>] </a:t>
+            </a:r>
+            <a:r>
+              <a:rPr lang="en-US" sz="1500" dirty="0" err="1"/>
+              <a:t>Fancong</a:t>
+            </a:r>
+            <a:r>
+              <a:rPr lang="en-US" sz="1500" dirty="0"/>
+              <a:t> </a:t>
+            </a:r>
+            <a:r>
+              <a:rPr lang="en-US" sz="1500" dirty="0" err="1"/>
+              <a:t>Zeng</a:t>
+            </a:r>
+            <a:r>
+              <a:rPr lang="en-US" sz="1500" dirty="0"/>
+              <a:t>. "An Initial Study of Common Coding Pitfalls in Java Programs", in Proceedings of MASPLAS'03 Mid-Atlantic Student Workshop on Programming Languages and Systems, April, 2003</a:t>
+            </a:r>
+            <a:r>
+              <a:rPr lang="en-US" sz="1500" dirty="0" smtClean="0"/>
+              <a:t>.</a:t>
+            </a:r>
+            <a:endParaRPr lang="en-US" sz="1500" dirty="0" smtClean="0"/>
+          </a:p>
+          <a:p>
+            <a:r>
+              <a:rPr lang="en-US" sz="1500" dirty="0" smtClean="0"/>
+              <a:t>[5] </a:t>
+            </a:r>
+            <a:r>
+              <a:rPr lang="en-US" sz="1600" dirty="0"/>
+              <a:t>Sung-</a:t>
+            </a:r>
+            <a:r>
+              <a:rPr lang="en-US" sz="1600" dirty="0" err="1"/>
+              <a:t>Eun</a:t>
+            </a:r>
+            <a:r>
+              <a:rPr lang="en-US" sz="1600" dirty="0"/>
+              <a:t> Choi and E Christopher Lewis. A Study of </a:t>
+            </a:r>
+            <a:r>
+              <a:rPr lang="en-US" sz="1600" dirty="0" smtClean="0"/>
+              <a:t>Common </a:t>
+            </a:r>
+            <a:r>
+              <a:rPr lang="en-US" sz="1600" dirty="0"/>
+              <a:t>Pitfalls in Simple Multi-Threaded Programs. In </a:t>
+            </a:r>
+            <a:r>
+              <a:rPr lang="en-US" sz="1600" i="1" dirty="0" smtClean="0"/>
+              <a:t>Proceedings </a:t>
+            </a:r>
+            <a:r>
+              <a:rPr lang="en-US" sz="1600" i="1" dirty="0"/>
+              <a:t>of the Thirty-first ACM SIGCSE Technical Symposium on Computer Science Education, </a:t>
+            </a:r>
+            <a:r>
+              <a:rPr lang="en-US" sz="1600" dirty="0"/>
+              <a:t>March 2000. </a:t>
+            </a:r>
+            <a:endParaRPr lang="en-US" sz="1500" dirty="0" smtClean="0"/>
+          </a:p>
+          <a:p>
+            <a:endParaRPr lang="en-US" sz="1500" dirty="0"/>
+          </a:p>
+          <a:p>
             <a:endParaRPr lang="en-US" sz="1500" dirty="0"/>
           </a:p>
           <a:p>
@@ -11091,31 +11630,9 @@
         <p:spPr/>
         <p:txBody>
           <a:bodyPr>
-            <a:normAutofit lnSpcReduction="10000"/>
+            <a:normAutofit/>
           </a:bodyPr>
           <a:lstStyle/>
-          <a:p>
-            <a:r>
-              <a:rPr lang="es-ES_tradnl" dirty="0" err="1"/>
-              <a:t>Parallel</a:t>
-            </a:r>
-            <a:r>
-              <a:rPr lang="es-ES_tradnl" dirty="0"/>
-              <a:t> </a:t>
-            </a:r>
-            <a:r>
-              <a:rPr lang="es-ES_tradnl" dirty="0" err="1"/>
-              <a:t>Programs</a:t>
-            </a:r>
-            <a:r>
-              <a:rPr lang="es-ES_tradnl" dirty="0"/>
-              <a:t> </a:t>
-            </a:r>
-            <a:r>
-              <a:rPr lang="es-ES_tradnl" dirty="0" smtClean="0"/>
-              <a:t>introduces</a:t>
-            </a:r>
-          </a:p>
           <a:p>
             <a:pPr marL="342900" indent="-342900">
               <a:buFont typeface="Arial"/>
@@ -11123,9 +11640,16 @@
             </a:pPr>
             <a:r>
               <a:rPr lang="en-US" dirty="0" smtClean="0"/>
-              <a:t>added complexity</a:t>
-            </a:r>
-            <a:endParaRPr lang="en-US" dirty="0"/>
+              <a:t>Lack </a:t>
+            </a:r>
+            <a:r>
+              <a:rPr lang="en-US" dirty="0"/>
+              <a:t>of </a:t>
+            </a:r>
+            <a:r>
+              <a:rPr lang="en-US" dirty="0" smtClean="0"/>
+              <a:t>experience</a:t>
+            </a:r>
           </a:p>
           <a:p>
             <a:pPr marL="342900" indent="-342900">
@@ -11133,9 +11657,18 @@
               <a:buChar char="•"/>
             </a:pPr>
             <a:r>
-              <a:rPr lang="en-US" dirty="0"/>
-              <a:t>rewrite code to remove dependencies</a:t>
-            </a:r>
+              <a:rPr lang="en-US" dirty="0" smtClean="0"/>
+              <a:t>A</a:t>
+            </a:r>
+            <a:r>
+              <a:rPr lang="en-US" dirty="0" smtClean="0"/>
+              <a:t>dded </a:t>
+            </a:r>
+            <a:r>
+              <a:rPr lang="en-US" dirty="0" smtClean="0"/>
+              <a:t>complexity</a:t>
+            </a:r>
+            <a:endParaRPr lang="en-US" dirty="0"/>
           </a:p>
           <a:p>
             <a:pPr marL="342900" indent="-342900">
@@ -11144,11 +11677,15 @@
             </a:pPr>
             <a:r>
               <a:rPr lang="en-US" dirty="0"/>
-              <a:t>non-deterministic behavior </a:t>
-            </a:r>
-            <a:r>
-              <a:rPr lang="en-US" strike="sngStrike" dirty="0"/>
-              <a:t>which is why you need a certain level of synchronization</a:t>
+              <a:t>R</a:t>
+            </a:r>
+            <a:r>
+              <a:rPr lang="en-US" dirty="0" smtClean="0"/>
+              <a:t>ewrite </a:t>
+            </a:r>
+            <a:r>
+              <a:rPr lang="en-US" dirty="0"/>
+              <a:t>code to remove dependencies</a:t>
             </a:r>
           </a:p>
           <a:p>
@@ -11157,8 +11694,20 @@
               <a:buChar char="•"/>
             </a:pPr>
             <a:r>
-              <a:rPr lang="en-US" strike="sngStrike" dirty="0"/>
-              <a:t>With a lack of synchronization, race conditions can lead to corrupted data.</a:t>
+              <a:rPr lang="en-US" dirty="0"/>
+              <a:t>N</a:t>
+            </a:r>
+            <a:r>
+              <a:rPr lang="en-US" dirty="0" smtClean="0"/>
+              <a:t>on</a:t>
+            </a:r>
+            <a:r>
+              <a:rPr lang="en-US" dirty="0"/>
+              <a:t>-deterministic </a:t>
+            </a:r>
+            <a:r>
+              <a:rPr lang="en-US" dirty="0" smtClean="0"/>
+              <a:t>behavior</a:t>
             </a:r>
           </a:p>
           <a:p>
@@ -11168,8 +11717,13 @@
             </a:pPr>
             <a:r>
               <a:rPr lang="en-US" dirty="0"/>
-              <a:t>It can lead to corrupted data (Race Conditions).</a:t>
-            </a:r>
+              <a:t>The paucity of publicly accessible parallel code</a:t>
+            </a:r>
+            <a:r>
+              <a:rPr lang="en-US" dirty="0" smtClean="0"/>
+              <a:t>.</a:t>
+            </a:r>
+            <a:endParaRPr lang="en-US" dirty="0" smtClean="0"/>
           </a:p>
           <a:p>
             <a:pPr marL="342900" indent="-342900">
@@ -11178,7 +11732,30 @@
             </a:pPr>
             <a:r>
               <a:rPr lang="en-US" dirty="0" smtClean="0"/>
-              <a:t>With too much protection on data (synchronization):</a:t>
+              <a:t>With </a:t>
+            </a:r>
+            <a:r>
+              <a:rPr lang="en-US" dirty="0"/>
+              <a:t>a lack of synchronization, race </a:t>
+            </a:r>
+            <a:r>
+              <a:rPr lang="en-US" dirty="0" smtClean="0"/>
+              <a:t>conditions occur.</a:t>
+            </a:r>
+            <a:endParaRPr lang="en-US" dirty="0"/>
+          </a:p>
+          <a:p>
+            <a:pPr marL="342900" indent="-342900">
+              <a:buFont typeface="Arial"/>
+              <a:buChar char="•"/>
+            </a:pPr>
+            <a:r>
+              <a:rPr lang="en-US" dirty="0" smtClean="0"/>
+              <a:t>With </a:t>
+            </a:r>
+            <a:r>
+              <a:rPr lang="en-US" dirty="0" smtClean="0"/>
+              <a:t>too much protection on data (synchronization):</a:t>
             </a:r>
             <a:endParaRPr lang="en-US" dirty="0"/>
           </a:p>
@@ -11194,24 +11771,39 @@
             </a:r>
             <a:r>
               <a:rPr lang="en-US" dirty="0"/>
-              <a:t>may be forced to wait for one other, </a:t>
-            </a:r>
-            <a:endParaRPr lang="en-US" dirty="0" smtClean="0"/>
-          </a:p>
-          <a:p>
-            <a:pPr marL="628650" lvl="1" indent="-342900"/>
-            <a:r>
-              <a:rPr lang="en-US" dirty="0" smtClean="0"/>
-              <a:t>Cost in </a:t>
+              <a:t>may be forced to wait for one </a:t>
+            </a:r>
+            <a:r>
+              <a:rPr lang="en-US" dirty="0" smtClean="0"/>
+              <a:t>other</a:t>
+            </a:r>
+            <a:r>
+              <a:rPr lang="en-US" dirty="0" smtClean="0"/>
+              <a:t>.</a:t>
+            </a:r>
+            <a:endParaRPr lang="en-US" dirty="0"/>
+          </a:p>
+          <a:p>
+            <a:pPr marL="342900" indent="-342900">
+              <a:buClr>
+                <a:srgbClr val="6F6F74"/>
+              </a:buClr>
+              <a:buFont typeface="Arial"/>
+              <a:buChar char="•"/>
+            </a:pPr>
+            <a:r>
+              <a:rPr lang="en-US" dirty="0" smtClean="0"/>
+              <a:t>High </a:t>
             </a:r>
             <a:r>
               <a:rPr lang="en-US" dirty="0"/>
+              <a:t>overhead of </a:t>
+            </a:r>
+            <a:r>
+              <a:rPr lang="en-US" dirty="0" smtClean="0"/>
               <a:t>communication</a:t>
             </a:r>
-            <a:r>
-              <a:rPr lang="en-US" strike="sngStrike" dirty="0"/>
-              <a:t> may be required between cores regarding the status of protected memory locations.</a:t>
-            </a:r>
+            <a:endParaRPr lang="en-US" dirty="0"/>
           </a:p>
         </p:txBody>
       </p:sp>
@@ -11284,16 +11876,13 @@
           <a:p>
             <a:r>
               <a:rPr lang="en-US" dirty="0" smtClean="0"/>
-              <a:t>3 main pitfalls are commonly discussed</a:t>
-            </a:r>
-            <a:r>
-              <a:rPr lang="en-US" strike="sngStrike" dirty="0" smtClean="0"/>
-              <a:t> in academic research</a:t>
-            </a:r>
-            <a:r>
-              <a:rPr lang="en-US" dirty="0" smtClean="0"/>
-              <a:t>:</a:t>
-            </a:r>
+              <a:t>3 main pitfalls are commonly </a:t>
+            </a:r>
+            <a:r>
+              <a:rPr lang="en-US" dirty="0" smtClean="0"/>
+              <a:t>discussed</a:t>
+            </a:r>
+            <a:endParaRPr lang="en-US" dirty="0" smtClean="0"/>
           </a:p>
           <a:p>
             <a:pPr marL="342900" indent="-342900">
@@ -11302,15 +11891,7 @@
             </a:pPr>
             <a:r>
               <a:rPr lang="en-US" dirty="0" smtClean="0"/>
-              <a:t>[</a:t>
-            </a:r>
-            <a:r>
-              <a:rPr lang="en-US" dirty="0" smtClean="0"/>
-              <a:t>2][3][4] say race condition always occurred if there’s no any proper parallel code or thread </a:t>
-            </a:r>
-            <a:r>
-              <a:rPr lang="en-US" dirty="0" smtClean="0"/>
-              <a:t>safe</a:t>
+              <a:t>[2][3][4] say race condition always occurred if there’s no any proper parallel code or thread safe</a:t>
             </a:r>
           </a:p>
           <a:p>
@@ -11336,7 +11917,11 @@
             </a:r>
             <a:r>
               <a:rPr lang="en-US" dirty="0" smtClean="0"/>
-              <a:t> in [2] have included Mutual Exclusion into their lecturing materials</a:t>
+              <a:t> in [2] have included Mutual Exclusion into their lecturing </a:t>
+            </a:r>
+            <a:r>
+              <a:rPr lang="en-US" dirty="0" smtClean="0"/>
+              <a:t>materials</a:t>
             </a:r>
           </a:p>
           <a:p>
@@ -11345,12 +11930,44 @@
               <a:buChar char="•"/>
             </a:pPr>
             <a:r>
+              <a:rPr lang="de-DE" dirty="0" err="1"/>
+              <a:t>Fancong</a:t>
+            </a:r>
+            <a:r>
+              <a:rPr lang="de-DE" dirty="0"/>
+              <a:t> </a:t>
+            </a:r>
+            <a:r>
+              <a:rPr lang="de-DE" dirty="0" smtClean="0"/>
+              <a:t>Zeng in [4], </a:t>
+            </a:r>
+            <a:r>
+              <a:rPr lang="en-US" dirty="0" smtClean="0"/>
+              <a:t>Sung-</a:t>
+            </a:r>
+            <a:r>
+              <a:rPr lang="en-US" dirty="0" err="1" smtClean="0"/>
+              <a:t>Eun</a:t>
+            </a:r>
+            <a:r>
+              <a:rPr lang="en-US" dirty="0" smtClean="0"/>
+              <a:t> Choi and E </a:t>
+            </a:r>
+            <a:r>
+              <a:rPr lang="en-US" dirty="0" err="1" smtClean="0"/>
+              <a:t>Chritsopher</a:t>
+            </a:r>
+            <a:r>
+              <a:rPr lang="en-US" dirty="0" smtClean="0"/>
+              <a:t> Lewis in [</a:t>
+            </a:r>
+            <a:r>
               <a:rPr lang="en-US" dirty="0"/>
-              <a:t>[1] [2] [3] say deadlock is </a:t>
-            </a:r>
-            <a:r>
-              <a:rPr lang="en-US" dirty="0" smtClean="0"/>
-              <a:t>hard</a:t>
+              <a:t>5</a:t>
+            </a:r>
+            <a:r>
+              <a:rPr lang="en-US" dirty="0" smtClean="0"/>
+              <a:t>] mentions Deadlock as one of the common multi-Threaded programming pitfalls.</a:t>
             </a:r>
             <a:endParaRPr lang="en-US" dirty="0"/>
           </a:p>
@@ -11422,18 +12039,18 @@
         <p:spPr/>
         <p:txBody>
           <a:bodyPr>
-            <a:normAutofit lnSpcReduction="10000"/>
+            <a:normAutofit/>
           </a:bodyPr>
           <a:lstStyle/>
           <a:p>
             <a:pPr algn="l"/>
             <a:r>
               <a:rPr lang="en-US" dirty="0" smtClean="0"/>
-              <a:t>Help developer to: </a:t>
-            </a:r>
-            <a:r>
-              <a:rPr lang="en-US" strike="sngStrike" dirty="0" smtClean="0"/>
-              <a:t>To properly balance synchronicity and efficiency.</a:t>
+              <a:t>Help developer to</a:t>
+            </a:r>
+            <a:r>
+              <a:rPr lang="en-US" dirty="0" smtClean="0"/>
+              <a:t>:</a:t>
             </a:r>
             <a:endParaRPr lang="en-US" strike="sngStrike" dirty="0" smtClean="0"/>
           </a:p>
@@ -11451,24 +12068,8 @@
               <a:t>ecognize </a:t>
             </a:r>
             <a:r>
-              <a:rPr lang="en-US" dirty="0"/>
-              <a:t>the problems </a:t>
-            </a:r>
-            <a:r>
-              <a:rPr lang="en-US" strike="sngStrike" dirty="0"/>
-              <a:t>associated </a:t>
-            </a:r>
-            <a:r>
-              <a:rPr lang="en-US" strike="sngStrike" dirty="0" smtClean="0"/>
-              <a:t>with </a:t>
-            </a:r>
-            <a:r>
-              <a:rPr lang="en-US" strike="sngStrike" dirty="0"/>
-              <a:t>creating a parallel </a:t>
-            </a:r>
-            <a:r>
-              <a:rPr lang="en-US" strike="sngStrike" dirty="0" smtClean="0"/>
-              <a:t>program</a:t>
+              <a:rPr lang="en-US" dirty="0" smtClean="0"/>
+              <a:t>the problems</a:t>
             </a:r>
           </a:p>
           <a:p>
@@ -11482,11 +12083,15 @@
             </a:r>
             <a:r>
               <a:rPr lang="en-US" dirty="0"/>
-              <a:t>possible solutions for solving or alleviating these </a:t>
-            </a:r>
-            <a:r>
-              <a:rPr lang="en-US" dirty="0" smtClean="0"/>
-              <a:t>issues (Future Work).</a:t>
+              <a:t>possible solutions </a:t>
+            </a:r>
+            <a:r>
+              <a:rPr lang="en-US" dirty="0" smtClean="0"/>
+              <a:t>(</a:t>
+            </a:r>
+            <a:r>
+              <a:rPr lang="en-US" dirty="0" smtClean="0"/>
+              <a:t>Future Work).</a:t>
             </a:r>
             <a:endParaRPr lang="en-US" dirty="0"/>
           </a:p>
@@ -11501,13 +12106,8 @@
             <a:pPr algn="l"/>
             <a:r>
               <a:rPr lang="en-US" dirty="0" smtClean="0"/>
-              <a:t>To do this </a:t>
-            </a:r>
-            <a:r>
-              <a:rPr lang="en-US" dirty="0" smtClean="0"/>
-              <a:t>effectively:</a:t>
-            </a:r>
-            <a:endParaRPr lang="en-US" dirty="0" smtClean="0"/>
+              <a:t>To do this effectively:</a:t>
+            </a:r>
           </a:p>
           <a:p>
             <a:pPr marL="342900" indent="-342900" algn="l">
@@ -11624,21 +12224,51 @@
           <a:bodyPr/>
           <a:lstStyle/>
           <a:p>
-            <a:r>
-              <a:rPr lang="en-US" dirty="0" smtClean="0"/>
-              <a:t>+ Web app</a:t>
-            </a:r>
-          </a:p>
-          <a:p>
-            <a:r>
-              <a:rPr lang="en-US" dirty="0" smtClean="0"/>
-              <a:t>+ not smart phone app</a:t>
-            </a:r>
-          </a:p>
-          <a:p>
-            <a:r>
-              <a:rPr lang="en-US" dirty="0" smtClean="0"/>
-              <a:t>+ not Desktop app</a:t>
+            <a:pPr marL="342900" indent="-342900">
+              <a:buFont typeface="Arial"/>
+              <a:buChar char="•"/>
+            </a:pPr>
+            <a:r>
+              <a:rPr lang="en-US" dirty="0" smtClean="0"/>
+              <a:t>Not everyone has smart phone</a:t>
+            </a:r>
+          </a:p>
+          <a:p>
+            <a:pPr marL="342900" indent="-342900">
+              <a:buFont typeface="Arial"/>
+              <a:buChar char="•"/>
+            </a:pPr>
+            <a:r>
+              <a:rPr lang="en-US" dirty="0" smtClean="0"/>
+              <a:t>Need not be downloaded</a:t>
+            </a:r>
+          </a:p>
+          <a:p>
+            <a:pPr marL="342900" indent="-342900">
+              <a:buFont typeface="Arial"/>
+              <a:buChar char="•"/>
+            </a:pPr>
+            <a:r>
+              <a:rPr lang="en-US" dirty="0" smtClean="0"/>
+              <a:t>Easier to maintain</a:t>
+            </a:r>
+          </a:p>
+          <a:p>
+            <a:pPr marL="342900" indent="-342900">
+              <a:buFont typeface="Arial"/>
+              <a:buChar char="•"/>
+            </a:pPr>
+            <a:r>
+              <a:rPr lang="en-US" dirty="0" smtClean="0"/>
+              <a:t>No approval from </a:t>
+            </a:r>
+            <a:r>
+              <a:rPr lang="en-US" dirty="0"/>
+              <a:t>A</a:t>
+            </a:r>
+            <a:r>
+              <a:rPr lang="en-US" dirty="0" smtClean="0"/>
+              <a:t>pp Store</a:t>
             </a:r>
             <a:endParaRPr lang="en-US" dirty="0"/>
           </a:p>
@@ -11940,11 +12570,7 @@
             </a:pPr>
             <a:r>
               <a:rPr lang="en-US" dirty="0" smtClean="0"/>
-              <a:t>Avoid </a:t>
-            </a:r>
-            <a:r>
-              <a:rPr lang="en-US" dirty="0" smtClean="0"/>
-              <a:t>simultaneously accessed to shared data</a:t>
+              <a:t>Avoid simultaneously accessed to shared data</a:t>
             </a:r>
           </a:p>
           <a:p>
@@ -12036,7 +12662,6 @@
               <a:rPr lang="en-US" dirty="0" smtClean="0"/>
               <a:t>Demo</a:t>
             </a:r>
-            <a:endParaRPr lang="en-US" dirty="0" smtClean="0"/>
           </a:p>
           <a:p>
             <a:pPr algn="l"/>

--- a/Presentation.pptx
+++ b/Presentation.pptx
@@ -5,7 +5,7 @@
     <p:sldMasterId id="2147484209" r:id="rId1"/>
   </p:sldMasterIdLst>
   <p:notesMasterIdLst>
-    <p:notesMasterId r:id="rId25"/>
+    <p:notesMasterId r:id="rId23"/>
   </p:notesMasterIdLst>
   <p:sldIdLst>
     <p:sldId id="266" r:id="rId2"/>
@@ -17,20 +17,18 @@
     <p:sldId id="269" r:id="rId8"/>
     <p:sldId id="273" r:id="rId9"/>
     <p:sldId id="275" r:id="rId10"/>
-    <p:sldId id="278" r:id="rId11"/>
-    <p:sldId id="279" r:id="rId12"/>
-    <p:sldId id="284" r:id="rId13"/>
-    <p:sldId id="280" r:id="rId14"/>
-    <p:sldId id="283" r:id="rId15"/>
-    <p:sldId id="264" r:id="rId16"/>
-    <p:sldId id="257" r:id="rId17"/>
-    <p:sldId id="258" r:id="rId18"/>
-    <p:sldId id="265" r:id="rId19"/>
-    <p:sldId id="259" r:id="rId20"/>
-    <p:sldId id="260" r:id="rId21"/>
-    <p:sldId id="261" r:id="rId22"/>
-    <p:sldId id="262" r:id="rId23"/>
-    <p:sldId id="263" r:id="rId24"/>
+    <p:sldId id="285" r:id="rId11"/>
+    <p:sldId id="278" r:id="rId12"/>
+    <p:sldId id="286" r:id="rId13"/>
+    <p:sldId id="287" r:id="rId14"/>
+    <p:sldId id="288" r:id="rId15"/>
+    <p:sldId id="289" r:id="rId16"/>
+    <p:sldId id="279" r:id="rId17"/>
+    <p:sldId id="284" r:id="rId18"/>
+    <p:sldId id="280" r:id="rId19"/>
+    <p:sldId id="283" r:id="rId20"/>
+    <p:sldId id="264" r:id="rId21"/>
+    <p:sldId id="263" r:id="rId22"/>
   </p:sldIdLst>
   <p:sldSz cx="9144000" cy="6858000" type="screen4x3"/>
   <p:notesSz cx="6858000" cy="9144000"/>
@@ -674,20 +672,7 @@
           <a:bodyPr/>
           <a:lstStyle/>
           <a:p>
-            <a:r>
-              <a:rPr lang="en-US" dirty="0" smtClean="0"/>
-              <a:t>- If all processes always request resources in a fixed order, there can be no hold-and-wait cycle.</a:t>
-            </a:r>
-          </a:p>
-          <a:p>
-            <a:pPr marL="171450" indent="-171450">
-              <a:buFontTx/>
-              <a:buChar char="-"/>
-            </a:pPr>
-            <a:r>
-              <a:rPr lang="en-US" dirty="0" smtClean="0"/>
-              <a:t>This is usually not a burdensome restriction. It still allows us to have critical sections that involve more than one resource, and use simple lock and unlock operations on individual resources to implement them.</a:t>
-            </a:r>
+            <a:endParaRPr lang="en-US" dirty="0"/>
           </a:p>
         </p:txBody>
       </p:sp>
@@ -706,9 +691,9 @@
           <a:bodyPr/>
           <a:lstStyle/>
           <a:p>
-            <a:fld id="{56BE3D67-E84A-6F4F-8E3B-3BC46E162796}" type="slidenum">
+            <a:fld id="{4B5DE452-D96A-B043-A19B-3F6D5B1BBA3B}" type="slidenum">
               <a:rPr lang="en-US" smtClean="0"/>
-              <a:t>20</a:t>
+              <a:t>19</a:t>
             </a:fld>
             <a:endParaRPr lang="en-US"/>
           </a:p>
@@ -717,7 +702,7 @@
     </p:spTree>
     <p:extLst>
       <p:ext uri="{BB962C8B-B14F-4D97-AF65-F5344CB8AC3E}">
-        <p14:creationId xmlns:p14="http://schemas.microsoft.com/office/powerpoint/2010/main" val="3137412600"/>
+        <p14:creationId xmlns:p14="http://schemas.microsoft.com/office/powerpoint/2010/main" val="2122580804"/>
       </p:ext>
     </p:extLst>
   </p:cSld>
@@ -771,23 +756,28 @@
           <a:bodyPr/>
           <a:lstStyle/>
           <a:p>
-            <a:pPr marL="171450" indent="-171450">
-              <a:buFontTx/>
-              <a:buChar char="-"/>
-            </a:pPr>
-            <a:r>
-              <a:rPr lang="en-US" dirty="0" smtClean="0"/>
-              <a:t>If processes always release one resource before requesting another, there can be no hold-and-wait.</a:t>
-            </a:r>
-          </a:p>
-          <a:p>
-            <a:pPr marL="171450" indent="-171450">
-              <a:buFontTx/>
-              <a:buChar char="-"/>
-            </a:pPr>
-            <a:r>
-              <a:rPr lang="en-US" dirty="0" smtClean="0"/>
-              <a:t>This is a tougher restriction. It rules out critical sections that involve more than one resource.</a:t>
+            <a:r>
+              <a:rPr lang="en-US" dirty="0" smtClean="0"/>
+              <a:t>Starvation</a:t>
+            </a:r>
+          </a:p>
+          <a:p>
+            <a:r>
+              <a:rPr lang="en-US" dirty="0" smtClean="0"/>
+              <a:t>For example, suppose an object provides a synchronized method that often takes a long time to return. If one thread invokes this method frequently, other threads that also need frequent synchronized access to the same object will often be blocked.</a:t>
+            </a:r>
+          </a:p>
+          <a:p>
+            <a:r>
+              <a:rPr lang="en-US" dirty="0" err="1" smtClean="0"/>
+              <a:t>Livelock</a:t>
+            </a:r>
+            <a:endParaRPr lang="en-US" dirty="0" smtClean="0"/>
+          </a:p>
+          <a:p>
+            <a:r>
+              <a:rPr lang="en-US" dirty="0" smtClean="0"/>
+              <a:t>This is comparable to two people attempting to pass each other in a corridor: Bob moves to his left to let Emma pass, while Emma moves to his right to let Bob pass. Seeing that they are still blocking each other, Bob moves to his right, while Emma moves to his left. They're still blocking each other, so...</a:t>
             </a:r>
             <a:endParaRPr lang="en-US" dirty="0"/>
           </a:p>
@@ -811,223 +801,6 @@
             <a:fld id="{56BE3D67-E84A-6F4F-8E3B-3BC46E162796}" type="slidenum">
               <a:rPr lang="en-US" smtClean="0"/>
               <a:t>21</a:t>
-            </a:fld>
-            <a:endParaRPr lang="en-US"/>
-          </a:p>
-        </p:txBody>
-      </p:sp>
-    </p:spTree>
-    <p:extLst>
-      <p:ext uri="{BB962C8B-B14F-4D97-AF65-F5344CB8AC3E}">
-        <p14:creationId xmlns:p14="http://schemas.microsoft.com/office/powerpoint/2010/main" val="2688967800"/>
-      </p:ext>
-    </p:extLst>
-  </p:cSld>
-  <p:clrMapOvr>
-    <a:masterClrMapping/>
-  </p:clrMapOvr>
-</p:notes>
-</file>
-
-<file path=ppt/notesSlides/notesSlide12.xml><?xml version="1.0" encoding="utf-8"?>
-<p:notes xmlns:a="http://schemas.openxmlformats.org/drawingml/2006/main" xmlns:r="http://schemas.openxmlformats.org/officeDocument/2006/relationships" xmlns:p="http://schemas.openxmlformats.org/presentationml/2006/main">
-  <p:cSld>
-    <p:spTree>
-      <p:nvGrpSpPr>
-        <p:cNvPr id="1" name=""/>
-        <p:cNvGrpSpPr/>
-        <p:nvPr/>
-      </p:nvGrpSpPr>
-      <p:grpSpPr>
-        <a:xfrm>
-          <a:off x="0" y="0"/>
-          <a:ext cx="0" cy="0"/>
-          <a:chOff x="0" y="0"/>
-          <a:chExt cx="0" cy="0"/>
-        </a:xfrm>
-      </p:grpSpPr>
-      <p:sp>
-        <p:nvSpPr>
-          <p:cNvPr id="2" name="Slide Image Placeholder 1"/>
-          <p:cNvSpPr>
-            <a:spLocks noGrp="1" noRot="1" noChangeAspect="1"/>
-          </p:cNvSpPr>
-          <p:nvPr>
-            <p:ph type="sldImg"/>
-          </p:nvPr>
-        </p:nvSpPr>
-        <p:spPr/>
-      </p:sp>
-      <p:sp>
-        <p:nvSpPr>
-          <p:cNvPr id="3" name="Notes Placeholder 2"/>
-          <p:cNvSpPr>
-            <a:spLocks noGrp="1"/>
-          </p:cNvSpPr>
-          <p:nvPr>
-            <p:ph type="body" idx="1"/>
-          </p:nvPr>
-        </p:nvSpPr>
-        <p:spPr/>
-        <p:txBody>
-          <a:bodyPr/>
-          <a:lstStyle/>
-          <a:p>
-            <a:pPr marL="171450" indent="-171450">
-              <a:buFontTx/>
-              <a:buChar char="-"/>
-            </a:pPr>
-            <a:r>
-              <a:rPr lang="en-US" dirty="0" smtClean="0"/>
-              <a:t>If processes always request all resources they will need at once, there can be no hold-and-wait</a:t>
-            </a:r>
-          </a:p>
-          <a:p>
-            <a:pPr marL="171450" indent="-171450">
-              <a:buFontTx/>
-              <a:buChar char="-"/>
-            </a:pPr>
-            <a:r>
-              <a:rPr lang="en-US" dirty="0" smtClean="0"/>
-              <a:t>This allows critical sections that involve more than one resource, but requires the operating system (or resource manager) to provide a way to atomically request several resources at once. Some batch and real-time operating systems support this, but it is not supported, for example, by the POSIX thread </a:t>
-            </a:r>
-            <a:r>
-              <a:rPr lang="en-US" dirty="0" err="1" smtClean="0"/>
-              <a:t>mutex</a:t>
-            </a:r>
-            <a:r>
-              <a:rPr lang="en-US" dirty="0" smtClean="0"/>
-              <a:t> API.</a:t>
-            </a:r>
-            <a:endParaRPr lang="en-US" dirty="0"/>
-          </a:p>
-        </p:txBody>
-      </p:sp>
-      <p:sp>
-        <p:nvSpPr>
-          <p:cNvPr id="4" name="Slide Number Placeholder 3"/>
-          <p:cNvSpPr>
-            <a:spLocks noGrp="1"/>
-          </p:cNvSpPr>
-          <p:nvPr>
-            <p:ph type="sldNum" sz="quarter" idx="10"/>
-          </p:nvPr>
-        </p:nvSpPr>
-        <p:spPr/>
-        <p:txBody>
-          <a:bodyPr/>
-          <a:lstStyle/>
-          <a:p>
-            <a:fld id="{56BE3D67-E84A-6F4F-8E3B-3BC46E162796}" type="slidenum">
-              <a:rPr lang="en-US" smtClean="0"/>
-              <a:t>22</a:t>
-            </a:fld>
-            <a:endParaRPr lang="en-US"/>
-          </a:p>
-        </p:txBody>
-      </p:sp>
-    </p:spTree>
-    <p:extLst>
-      <p:ext uri="{BB962C8B-B14F-4D97-AF65-F5344CB8AC3E}">
-        <p14:creationId xmlns:p14="http://schemas.microsoft.com/office/powerpoint/2010/main" val="603379510"/>
-      </p:ext>
-    </p:extLst>
-  </p:cSld>
-  <p:clrMapOvr>
-    <a:masterClrMapping/>
-  </p:clrMapOvr>
-</p:notes>
-</file>
-
-<file path=ppt/notesSlides/notesSlide13.xml><?xml version="1.0" encoding="utf-8"?>
-<p:notes xmlns:a="http://schemas.openxmlformats.org/drawingml/2006/main" xmlns:r="http://schemas.openxmlformats.org/officeDocument/2006/relationships" xmlns:p="http://schemas.openxmlformats.org/presentationml/2006/main">
-  <p:cSld>
-    <p:spTree>
-      <p:nvGrpSpPr>
-        <p:cNvPr id="1" name=""/>
-        <p:cNvGrpSpPr/>
-        <p:nvPr/>
-      </p:nvGrpSpPr>
-      <p:grpSpPr>
-        <a:xfrm>
-          <a:off x="0" y="0"/>
-          <a:ext cx="0" cy="0"/>
-          <a:chOff x="0" y="0"/>
-          <a:chExt cx="0" cy="0"/>
-        </a:xfrm>
-      </p:grpSpPr>
-      <p:sp>
-        <p:nvSpPr>
-          <p:cNvPr id="2" name="Slide Image Placeholder 1"/>
-          <p:cNvSpPr>
-            <a:spLocks noGrp="1" noRot="1" noChangeAspect="1"/>
-          </p:cNvSpPr>
-          <p:nvPr>
-            <p:ph type="sldImg"/>
-          </p:nvPr>
-        </p:nvSpPr>
-        <p:spPr/>
-      </p:sp>
-      <p:sp>
-        <p:nvSpPr>
-          <p:cNvPr id="3" name="Notes Placeholder 2"/>
-          <p:cNvSpPr>
-            <a:spLocks noGrp="1"/>
-          </p:cNvSpPr>
-          <p:nvPr>
-            <p:ph type="body" idx="1"/>
-          </p:nvPr>
-        </p:nvSpPr>
-        <p:spPr/>
-        <p:txBody>
-          <a:bodyPr/>
-          <a:lstStyle/>
-          <a:p>
-            <a:r>
-              <a:rPr lang="en-US" dirty="0" smtClean="0"/>
-              <a:t>Starvation</a:t>
-            </a:r>
-          </a:p>
-          <a:p>
-            <a:r>
-              <a:rPr lang="en-US" dirty="0" smtClean="0"/>
-              <a:t>For example, suppose an object provides a synchronized method that often takes a long time to return. If one thread invokes this method frequently, other threads that also need frequent synchronized access to the same object will often be blocked.</a:t>
-            </a:r>
-          </a:p>
-          <a:p>
-            <a:r>
-              <a:rPr lang="en-US" dirty="0" err="1" smtClean="0"/>
-              <a:t>Livelock</a:t>
-            </a:r>
-            <a:endParaRPr lang="en-US" dirty="0" smtClean="0"/>
-          </a:p>
-          <a:p>
-            <a:r>
-              <a:rPr lang="en-US" dirty="0" smtClean="0"/>
-              <a:t>This is comparable to two people attempting to pass each other in a corridor: Bob moves to his left to let Emma pass, while Emma moves to his right to let Bob pass. Seeing that they are still blocking each other, Bob moves to his right, while Emma moves to his left. They're still blocking each other, so...</a:t>
-            </a:r>
-            <a:endParaRPr lang="en-US" dirty="0"/>
-          </a:p>
-        </p:txBody>
-      </p:sp>
-      <p:sp>
-        <p:nvSpPr>
-          <p:cNvPr id="4" name="Slide Number Placeholder 3"/>
-          <p:cNvSpPr>
-            <a:spLocks noGrp="1"/>
-          </p:cNvSpPr>
-          <p:nvPr>
-            <p:ph type="sldNum" sz="quarter" idx="10"/>
-          </p:nvPr>
-        </p:nvSpPr>
-        <p:spPr/>
-        <p:txBody>
-          <a:bodyPr/>
-          <a:lstStyle/>
-          <a:p>
-            <a:fld id="{56BE3D67-E84A-6F4F-8E3B-3BC46E162796}" type="slidenum">
-              <a:rPr lang="en-US" smtClean="0"/>
-              <a:t>23</a:t>
             </a:fld>
             <a:endParaRPr lang="en-US"/>
           </a:p>
@@ -1230,8 +1003,21 @@
           <a:p>
             <a:r>
               <a:rPr lang="en-US" dirty="0" smtClean="0"/>
-              <a:t>Web apps do not require developers to submit their app to any app store for approval.</a:t>
-            </a:r>
+              <a:t>Web apps do not require developers to submit their app to any app store for approval</a:t>
+            </a:r>
+            <a:r>
+              <a:rPr lang="en-US" dirty="0" smtClean="0"/>
+              <a:t>.</a:t>
+            </a:r>
+          </a:p>
+          <a:p>
+            <a:r>
+              <a:rPr lang="en-US" dirty="0" smtClean="0"/>
+              <a:t>Web app can run on pretty much any platform with a modern, standards-compliant web browser.</a:t>
+            </a:r>
+          </a:p>
+          <a:p>
+            <a:endParaRPr lang="en-US" dirty="0" smtClean="0"/>
           </a:p>
           <a:p>
             <a:endParaRPr lang="en-US" dirty="0"/>
@@ -1427,15 +1213,44 @@
           <a:bodyPr/>
           <a:lstStyle/>
           <a:p>
-            <a:r>
-              <a:rPr lang="en-US" dirty="0" smtClean="0"/>
-              <a:t>90% is</a:t>
-            </a:r>
-            <a:r>
-              <a:rPr lang="en-US" baseline="0" dirty="0" smtClean="0"/>
-              <a:t> a dummy value</a:t>
-            </a:r>
-            <a:endParaRPr lang="en-US" dirty="0"/>
+            <a:pPr marL="171450" indent="-171450">
+              <a:buFontTx/>
+              <a:buChar char="-"/>
+            </a:pPr>
+            <a:r>
+              <a:rPr lang="en-US" dirty="0" smtClean="0"/>
+              <a:t>only one process may use a resource at a time.</a:t>
+            </a:r>
+          </a:p>
+          <a:p>
+            <a:pPr marL="171450" indent="-171450">
+              <a:buFontTx/>
+              <a:buChar char="-"/>
+            </a:pPr>
+            <a:r>
+              <a:rPr lang="en-US" dirty="0" smtClean="0"/>
+              <a:t>A process can continue to hold a resource while requesting another.</a:t>
+            </a:r>
+          </a:p>
+          <a:p>
+            <a:pPr marL="171450" indent="-171450">
+              <a:buFontTx/>
+              <a:buChar char="-"/>
+            </a:pPr>
+            <a:r>
+              <a:rPr lang="en-US" dirty="0" smtClean="0"/>
+              <a:t>A process cannot be forced to give up resources before it chooses to give them up.</a:t>
+            </a:r>
+          </a:p>
+          <a:p>
+            <a:pPr marL="171450" indent="-171450">
+              <a:buFontTx/>
+              <a:buChar char="-"/>
+            </a:pPr>
+            <a:r>
+              <a:rPr lang="en-US" dirty="0" smtClean="0"/>
+              <a:t>There is a cycle of hold-and-wait relationships.</a:t>
+            </a:r>
           </a:p>
         </p:txBody>
       </p:sp>
@@ -1456,7 +1271,7 @@
           <a:p>
             <a:fld id="{4B5DE452-D96A-B043-A19B-3F6D5B1BBA3B}" type="slidenum">
               <a:rPr lang="en-US" smtClean="0"/>
-              <a:t>12</a:t>
+              <a:t>11</a:t>
             </a:fld>
             <a:endParaRPr lang="en-US"/>
           </a:p>
@@ -1465,7 +1280,7 @@
     </p:spTree>
     <p:extLst>
       <p:ext uri="{BB962C8B-B14F-4D97-AF65-F5344CB8AC3E}">
-        <p14:creationId xmlns:p14="http://schemas.microsoft.com/office/powerpoint/2010/main" val="807505352"/>
+        <p14:creationId xmlns:p14="http://schemas.microsoft.com/office/powerpoint/2010/main" val="438134601"/>
       </p:ext>
     </p:extLst>
   </p:cSld>
@@ -1519,7 +1334,20 @@
           <a:bodyPr/>
           <a:lstStyle/>
           <a:p>
-            <a:endParaRPr lang="en-US" dirty="0"/>
+            <a:r>
+              <a:rPr lang="en-US" dirty="0" smtClean="0"/>
+              <a:t>- If all processes always request resources in a fixed order, there can be no hold-and-wait cycle.</a:t>
+            </a:r>
+          </a:p>
+          <a:p>
+            <a:pPr marL="171450" indent="-171450">
+              <a:buFontTx/>
+              <a:buChar char="-"/>
+            </a:pPr>
+            <a:r>
+              <a:rPr lang="en-US" dirty="0" smtClean="0"/>
+              <a:t>This is usually not a burdensome restriction. It still allows us to have critical sections that involve more than one resource, and use simple lock and unlock operations on individual resources to implement them.</a:t>
+            </a:r>
           </a:p>
         </p:txBody>
       </p:sp>
@@ -1538,9 +1366,9 @@
           <a:bodyPr/>
           <a:lstStyle/>
           <a:p>
-            <a:fld id="{4B5DE452-D96A-B043-A19B-3F6D5B1BBA3B}" type="slidenum">
+            <a:fld id="{56BE3D67-E84A-6F4F-8E3B-3BC46E162796}" type="slidenum">
               <a:rPr lang="en-US" smtClean="0"/>
-              <a:t>14</a:t>
+              <a:t>13</a:t>
             </a:fld>
             <a:endParaRPr lang="en-US"/>
           </a:p>
@@ -1549,7 +1377,7 @@
     </p:spTree>
     <p:extLst>
       <p:ext uri="{BB962C8B-B14F-4D97-AF65-F5344CB8AC3E}">
-        <p14:creationId xmlns:p14="http://schemas.microsoft.com/office/powerpoint/2010/main" val="2122580804"/>
+        <p14:creationId xmlns:p14="http://schemas.microsoft.com/office/powerpoint/2010/main" val="3137412600"/>
       </p:ext>
     </p:extLst>
   </p:cSld>
@@ -1609,7 +1437,7 @@
             </a:pPr>
             <a:r>
               <a:rPr lang="en-US" dirty="0" smtClean="0"/>
-              <a:t>only one process may use a resource at a time.</a:t>
+              <a:t>If processes always release one resource before requesting another, there can be no hold-and-wait.</a:t>
             </a:r>
           </a:p>
           <a:p>
@@ -1619,44 +1447,8 @@
             </a:pPr>
             <a:r>
               <a:rPr lang="en-US" dirty="0" smtClean="0"/>
-              <a:t>A process can continue to hold a resource while requesting another.</a:t>
-            </a:r>
-          </a:p>
-          <a:p>
-            <a:pPr marL="171450" indent="-171450">
-              <a:buFontTx/>
-              <a:buChar char="-"/>
-            </a:pPr>
-            <a:r>
-              <a:rPr lang="en-US" dirty="0" smtClean="0"/>
-              <a:t>A process cannot be forced to give up resources before it chooses to give them up.</a:t>
-            </a:r>
-          </a:p>
-          <a:p>
-            <a:pPr marL="171450" indent="-171450">
-              <a:buFontTx/>
-              <a:buChar char="-"/>
-            </a:pPr>
-            <a:r>
-              <a:rPr lang="en-US" dirty="0" smtClean="0"/>
-              <a:t>There is a cycle of hold-and-wait relationships.</a:t>
-            </a:r>
-          </a:p>
-          <a:p>
-            <a:pPr marL="0" indent="0">
-              <a:buFontTx/>
-              <a:buNone/>
-            </a:pPr>
-            <a:endParaRPr lang="en-US" dirty="0" smtClean="0"/>
-          </a:p>
-          <a:p>
-            <a:pPr marL="171450" indent="-171450">
-              <a:buFontTx/>
-              <a:buChar char="-"/>
-            </a:pPr>
-            <a:endParaRPr lang="en-US" dirty="0" smtClean="0"/>
-          </a:p>
-          <a:p>
+              <a:t>This is a tougher restriction. It rules out critical sections that involve more than one resource.</a:t>
+            </a:r>
             <a:endParaRPr lang="en-US" dirty="0"/>
           </a:p>
         </p:txBody>
@@ -1678,7 +1470,7 @@
           <a:p>
             <a:fld id="{56BE3D67-E84A-6F4F-8E3B-3BC46E162796}" type="slidenum">
               <a:rPr lang="en-US" smtClean="0"/>
-              <a:t>16</a:t>
+              <a:t>14</a:t>
             </a:fld>
             <a:endParaRPr lang="en-US"/>
           </a:p>
@@ -1687,7 +1479,7 @@
     </p:spTree>
     <p:extLst>
       <p:ext uri="{BB962C8B-B14F-4D97-AF65-F5344CB8AC3E}">
-        <p14:creationId xmlns:p14="http://schemas.microsoft.com/office/powerpoint/2010/main" val="2194686972"/>
+        <p14:creationId xmlns:p14="http://schemas.microsoft.com/office/powerpoint/2010/main" val="2688967800"/>
       </p:ext>
     </p:extLst>
   </p:cSld>
@@ -1741,63 +1533,32 @@
           <a:bodyPr/>
           <a:lstStyle/>
           <a:p>
-            <a:r>
-              <a:rPr lang="en-US" dirty="0" smtClean="0"/>
-              <a:t>Deadlock comes from contention between processes (or threads) for resources. So, to understand deadlock we need to understand resources.</a:t>
-            </a:r>
-          </a:p>
-          <a:p>
-            <a:r>
-              <a:rPr lang="en-US" dirty="0" smtClean="0"/>
-              <a:t>Examples of Reusable</a:t>
-            </a:r>
-            <a:r>
-              <a:rPr lang="en-US" baseline="0" dirty="0" smtClean="0"/>
-              <a:t> - Processors, I/O channels, main and secondary memory, files, databases, and semaphores</a:t>
-            </a:r>
-          </a:p>
-          <a:p>
-            <a:r>
-              <a:rPr lang="en-US" dirty="0" smtClean="0"/>
-              <a:t>Examples of Consumable - Hardware interrupts, Unix signals, messages, and information in I/O buffers.</a:t>
-            </a:r>
-          </a:p>
-          <a:p>
-            <a:r>
-              <a:rPr lang="en-US" dirty="0" smtClean="0"/>
-              <a:t>The pseudo code for reusable shows two processes, each of which has nested critical sections for the same pair of resources. They request the resources in a different order, so there is a possibility of deadlock. Suppose P1 requests R1, and that is granted. Then P2 requests R2, and that is granted. Then P1 requests R2, and that cannot be granted because R2 is held by P2, so P1 blocks. Then P2 requests R1, and that cannot be granted because R1 is held by P1, so P2 blocks. The two processes are now deadlocked.</a:t>
-            </a:r>
-          </a:p>
-          <a:p>
-            <a:endParaRPr lang="en-US" dirty="0" smtClean="0"/>
-          </a:p>
-          <a:p>
-            <a:r>
-              <a:rPr lang="en-US" dirty="0" smtClean="0"/>
-              <a:t>Consumable</a:t>
-            </a:r>
-          </a:p>
-          <a:p>
-            <a:r>
-              <a:rPr lang="en-US" dirty="0" smtClean="0"/>
-              <a:t>Deadlock occurs if the </a:t>
+            <a:pPr marL="171450" indent="-171450">
+              <a:buFontTx/>
+              <a:buChar char="-"/>
+            </a:pPr>
+            <a:r>
+              <a:rPr lang="en-US" dirty="0" smtClean="0"/>
+              <a:t>If processes always request all resources they will need at once, there can be no hold-and-wait</a:t>
+            </a:r>
+          </a:p>
+          <a:p>
+            <a:pPr marL="171450" indent="-171450">
+              <a:buFontTx/>
+              <a:buChar char="-"/>
+            </a:pPr>
+            <a:r>
+              <a:rPr lang="en-US" dirty="0" smtClean="0"/>
+              <a:t>This allows critical sections that involve more than one resource, but requires the operating system (or resource manager) to provide a way to atomically request several resources at once. Some batch and real-time operating systems support this, but it is not supported, for example, by the POSIX thread </a:t>
             </a:r>
             <a:r>
               <a:rPr lang="en-US" dirty="0" err="1" smtClean="0"/>
-              <a:t>receivefrom</a:t>
-            </a:r>
-            <a:r>
-              <a:rPr lang="en-US" dirty="0" smtClean="0"/>
-              <a:t> operation is blocking.</a:t>
-            </a:r>
-          </a:p>
-          <a:p>
-            <a:r>
-              <a:rPr lang="en-US" dirty="0" smtClean="0"/>
-              <a:t>The pseudo code above shows how deadlock is possible with message passing. Process P1 and P2 each wait for a message from the other, and while they are waiting neither is able to send the message that the other is waiting for. This kind of deadlock is difficult to prevent unless one imposes some constraints (protocols) on the sending and receiving of messages.</a:t>
-            </a:r>
-          </a:p>
-          <a:p>
+              <a:t>mutex</a:t>
+            </a:r>
+            <a:r>
+              <a:rPr lang="en-US" dirty="0" smtClean="0"/>
+              <a:t> API.</a:t>
+            </a:r>
             <a:endParaRPr lang="en-US" dirty="0"/>
           </a:p>
         </p:txBody>
@@ -1819,7 +1580,7 @@
           <a:p>
             <a:fld id="{56BE3D67-E84A-6F4F-8E3B-3BC46E162796}" type="slidenum">
               <a:rPr lang="en-US" smtClean="0"/>
-              <a:t>17</a:t>
+              <a:t>15</a:t>
             </a:fld>
             <a:endParaRPr lang="en-US"/>
           </a:p>
@@ -1828,7 +1589,7 @@
     </p:spTree>
     <p:extLst>
       <p:ext uri="{BB962C8B-B14F-4D97-AF65-F5344CB8AC3E}">
-        <p14:creationId xmlns:p14="http://schemas.microsoft.com/office/powerpoint/2010/main" val="3144795937"/>
+        <p14:creationId xmlns:p14="http://schemas.microsoft.com/office/powerpoint/2010/main" val="603379510"/>
       </p:ext>
     </p:extLst>
   </p:cSld>
@@ -1884,7 +1645,11 @@
           <a:p>
             <a:r>
               <a:rPr lang="en-US" dirty="0" smtClean="0"/>
-              <a:t>All of the four conditions are necessary for deadlock to occur. Hence, by preventing any one of them we prevent deadlock.</a:t>
+              <a:t>90% is</a:t>
+            </a:r>
+            <a:r>
+              <a:rPr lang="en-US" baseline="0" dirty="0" smtClean="0"/>
+              <a:t> a dummy value</a:t>
             </a:r>
             <a:endParaRPr lang="en-US" dirty="0"/>
           </a:p>
@@ -1905,9 +1670,9 @@
           <a:bodyPr/>
           <a:lstStyle/>
           <a:p>
-            <a:fld id="{56BE3D67-E84A-6F4F-8E3B-3BC46E162796}" type="slidenum">
+            <a:fld id="{4B5DE452-D96A-B043-A19B-3F6D5B1BBA3B}" type="slidenum">
               <a:rPr lang="en-US" smtClean="0"/>
-              <a:t>19</a:t>
+              <a:t>17</a:t>
             </a:fld>
             <a:endParaRPr lang="en-US"/>
           </a:p>
@@ -1916,7 +1681,7 @@
     </p:spTree>
     <p:extLst>
       <p:ext uri="{BB962C8B-B14F-4D97-AF65-F5344CB8AC3E}">
-        <p14:creationId xmlns:p14="http://schemas.microsoft.com/office/powerpoint/2010/main" val="1955673604"/>
+        <p14:creationId xmlns:p14="http://schemas.microsoft.com/office/powerpoint/2010/main" val="807505352"/>
       </p:ext>
     </p:extLst>
   </p:cSld>
@@ -5520,12 +5285,12 @@
       </p:grpSpPr>
       <p:sp>
         <p:nvSpPr>
-          <p:cNvPr id="2" name="Content Placeholder 1"/>
-          <p:cNvSpPr>
-            <a:spLocks noGrp="1"/>
-          </p:cNvSpPr>
-          <p:nvPr>
-            <p:ph sz="quarter" idx="13"/>
+          <p:cNvPr id="2" name="Subtitle 1"/>
+          <p:cNvSpPr>
+            <a:spLocks noGrp="1"/>
+          </p:cNvSpPr>
+          <p:nvPr>
+            <p:ph type="subTitle" idx="1"/>
           </p:nvPr>
         </p:nvSpPr>
         <p:spPr/>
@@ -5533,58 +5298,10 @@
           <a:bodyPr/>
           <a:lstStyle/>
           <a:p>
-            <a:pPr algn="l"/>
-            <a:r>
-              <a:rPr lang="en-US" dirty="0" smtClean="0"/>
-              <a:t>+ what is deadlock?</a:t>
-            </a:r>
-          </a:p>
-          <a:p>
-            <a:pPr algn="l"/>
-            <a:r>
-              <a:rPr lang="en-US" dirty="0" smtClean="0"/>
-              <a:t>+ how to solve it?</a:t>
-            </a:r>
-          </a:p>
-          <a:p>
-            <a:pPr algn="l"/>
-            <a:r>
-              <a:rPr lang="en-US" dirty="0" smtClean="0"/>
-              <a:t>	- Deadlock prevention</a:t>
-            </a:r>
-          </a:p>
-          <a:p>
-            <a:pPr algn="l"/>
-            <a:r>
-              <a:rPr lang="en-US" dirty="0"/>
-              <a:t>	</a:t>
-            </a:r>
-            <a:r>
-              <a:rPr lang="en-US" dirty="0" smtClean="0"/>
-              <a:t>-…</a:t>
-            </a:r>
-          </a:p>
-          <a:p>
-            <a:pPr algn="l"/>
-            <a:endParaRPr lang="en-US" dirty="0"/>
-          </a:p>
-          <a:p>
-            <a:pPr algn="l"/>
-            <a:r>
-              <a:rPr lang="en-US" dirty="0" smtClean="0"/>
-              <a:t>+ why it is a problem?</a:t>
-            </a:r>
-          </a:p>
-          <a:p>
-            <a:pPr algn="l"/>
-            <a:r>
-              <a:rPr lang="en-US" dirty="0" smtClean="0"/>
-              <a:t>+ demo</a:t>
-            </a:r>
-            <a:endParaRPr lang="en-US" dirty="0"/>
-          </a:p>
-          <a:p>
-            <a:pPr algn="l"/>
+            <a:r>
+              <a:rPr lang="en-US" dirty="0" smtClean="0"/>
+              <a:t>DEMO</a:t>
+            </a:r>
             <a:endParaRPr lang="en-US" dirty="0"/>
           </a:p>
         </p:txBody>
@@ -5606,7 +5323,7 @@
           <a:p>
             <a:r>
               <a:rPr lang="en-US" dirty="0" smtClean="0"/>
-              <a:t>Dead lock</a:t>
+              <a:t>MUTUAL EXCUSION</a:t>
             </a:r>
             <a:endParaRPr lang="en-US" dirty="0"/>
           </a:p>
@@ -5615,7 +5332,7 @@
     </p:spTree>
     <p:extLst>
       <p:ext uri="{BB962C8B-B14F-4D97-AF65-F5344CB8AC3E}">
-        <p14:creationId xmlns:p14="http://schemas.microsoft.com/office/powerpoint/2010/main" val="2573522007"/>
+        <p14:creationId xmlns:p14="http://schemas.microsoft.com/office/powerpoint/2010/main" val="81362325"/>
       </p:ext>
     </p:extLst>
   </p:cSld>
@@ -5655,7 +5372,7 @@
         <p:spPr/>
         <p:txBody>
           <a:bodyPr>
-            <a:normAutofit/>
+            <a:normAutofit fontScale="77500" lnSpcReduction="20000"/>
           </a:bodyPr>
           <a:lstStyle/>
           <a:p>
@@ -5664,16 +5381,62 @@
               <a:buChar char="•"/>
             </a:pPr>
             <a:r>
-              <a:rPr lang="en-US" dirty="0" smtClean="0"/>
-              <a:t>Who:	Students who have experiences with Parallel Programming</a:t>
-            </a:r>
+              <a:rPr lang="en-US" dirty="0">
+                <a:latin typeface="Comic Sans MS"/>
+                <a:cs typeface="Comic Sans MS"/>
+              </a:rPr>
+              <a:t>Permanent blocking of set of processes that either compete for system resources or communicate with each other.</a:t>
+            </a:r>
+          </a:p>
+          <a:p>
+            <a:endParaRPr lang="en-US" dirty="0" smtClean="0">
+              <a:latin typeface="Comic Sans MS"/>
+              <a:cs typeface="Comic Sans MS"/>
+            </a:endParaRPr>
+          </a:p>
+          <a:p>
+            <a:r>
+              <a:rPr lang="en-US" dirty="0" smtClean="0">
+                <a:latin typeface="Comic Sans MS"/>
+                <a:cs typeface="Comic Sans MS"/>
+              </a:rPr>
+              <a:t>The </a:t>
+            </a:r>
+            <a:r>
+              <a:rPr lang="en-US" dirty="0">
+                <a:latin typeface="Comic Sans MS"/>
+                <a:cs typeface="Comic Sans MS"/>
+              </a:rPr>
+              <a:t>4 Necessary Conditions for Deadlock</a:t>
+            </a:r>
+          </a:p>
+          <a:p>
+            <a:endParaRPr lang="en-US" dirty="0">
+              <a:latin typeface="Comic Sans MS"/>
+              <a:cs typeface="Comic Sans MS"/>
+            </a:endParaRPr>
           </a:p>
           <a:p>
             <a:pPr marL="342900" indent="-342900">
               <a:buFont typeface="Arial"/>
               <a:buChar char="•"/>
             </a:pPr>
-            <a:endParaRPr lang="en-US" dirty="0" smtClean="0"/>
+            <a:r>
+              <a:rPr lang="en-US" dirty="0">
+                <a:latin typeface="Comic Sans MS"/>
+                <a:cs typeface="Comic Sans MS"/>
+              </a:rPr>
+              <a:t>Exclusive access (mutual exclusion)</a:t>
+            </a:r>
+          </a:p>
+          <a:p>
+            <a:r>
+              <a:rPr lang="en-US" dirty="0">
+                <a:latin typeface="Comic Sans MS"/>
+                <a:cs typeface="Comic Sans MS"/>
+              </a:rPr>
+              <a:t>	</a:t>
+            </a:r>
           </a:p>
           <a:p>
             <a:pPr marL="342900" indent="-342900">
@@ -5681,74 +5444,81 @@
               <a:buChar char="•"/>
             </a:pPr>
             <a:r>
-              <a:rPr lang="en-US" dirty="0" smtClean="0"/>
-              <a:t>How:	1). Students play with the app</a:t>
-            </a:r>
-          </a:p>
-          <a:p>
-            <a:r>
-              <a:rPr lang="en-US" dirty="0"/>
+              <a:rPr lang="en-US" dirty="0">
+                <a:latin typeface="Comic Sans MS"/>
+                <a:cs typeface="Comic Sans MS"/>
+              </a:rPr>
+              <a:t>Wait while holding (hold-and-wait)</a:t>
+            </a:r>
+          </a:p>
+          <a:p>
+            <a:r>
+              <a:rPr lang="en-US" dirty="0">
+                <a:latin typeface="Comic Sans MS"/>
+                <a:cs typeface="Comic Sans MS"/>
+              </a:rPr>
               <a:t>	</a:t>
             </a:r>
-            <a:r>
-              <a:rPr lang="en-US" dirty="0" smtClean="0"/>
-              <a:t>	2). Answer questions</a:t>
-            </a:r>
-          </a:p>
-          <a:p>
-            <a:endParaRPr lang="en-US" dirty="0" smtClean="0"/>
-          </a:p>
-          <a:p>
-            <a:pPr marL="342900" indent="-342900" algn="l">
+          </a:p>
+          <a:p>
+            <a:pPr marL="342900" indent="-342900">
               <a:buFont typeface="Arial"/>
               <a:buChar char="•"/>
             </a:pPr>
             <a:r>
-              <a:rPr lang="en-US" dirty="0" smtClean="0"/>
-              <a:t>Why:	To determine:</a:t>
-            </a:r>
+              <a:rPr lang="en-US" dirty="0">
+                <a:latin typeface="Comic Sans MS"/>
+                <a:cs typeface="Comic Sans MS"/>
+              </a:rPr>
+              <a:t>No preemption</a:t>
+            </a:r>
+          </a:p>
+          <a:p>
+            <a:r>
+              <a:rPr lang="en-US" dirty="0">
+                <a:latin typeface="Comic Sans MS"/>
+                <a:cs typeface="Comic Sans MS"/>
+              </a:rPr>
+              <a:t>	</a:t>
+            </a:r>
+          </a:p>
+          <a:p>
+            <a:pPr marL="342900" indent="-342900">
+              <a:buFont typeface="Arial"/>
+              <a:buChar char="•"/>
+            </a:pPr>
+            <a:r>
+              <a:rPr lang="en-US" dirty="0">
+                <a:latin typeface="Comic Sans MS"/>
+                <a:cs typeface="Comic Sans MS"/>
+              </a:rPr>
+              <a:t>Circular </a:t>
+            </a:r>
+            <a:r>
+              <a:rPr lang="en-US" dirty="0" smtClean="0">
+                <a:latin typeface="Comic Sans MS"/>
+                <a:cs typeface="Comic Sans MS"/>
+              </a:rPr>
+              <a:t>wait</a:t>
+            </a:r>
+          </a:p>
+          <a:p>
+            <a:endParaRPr lang="en-US" dirty="0">
+              <a:latin typeface="Comic Sans MS"/>
+              <a:cs typeface="Comic Sans MS"/>
+            </a:endParaRPr>
+          </a:p>
+          <a:p>
             <a:r>
               <a:rPr lang="en-US" dirty="0"/>
-              <a:t>	</a:t>
-            </a:r>
-            <a:endParaRPr lang="en-US" dirty="0" smtClean="0"/>
-          </a:p>
-          <a:p>
-            <a:pPr algn="l"/>
-            <a:r>
-              <a:rPr lang="en-US" sz="2000" dirty="0" smtClean="0"/>
-              <a:t>		+ Usability.</a:t>
-            </a:r>
-          </a:p>
-          <a:p>
-            <a:pPr algn="l"/>
-            <a:r>
-              <a:rPr lang="en-US" sz="2000" dirty="0" smtClean="0"/>
-              <a:t>	</a:t>
-            </a:r>
-            <a:r>
-              <a:rPr lang="en-US" sz="2000" dirty="0"/>
-              <a:t>	</a:t>
-            </a:r>
-            <a:r>
-              <a:rPr lang="en-US" sz="2000" dirty="0" smtClean="0"/>
-              <a:t>+ Interactivity.</a:t>
-            </a:r>
-          </a:p>
-          <a:p>
-            <a:pPr algn="l"/>
-            <a:r>
-              <a:rPr lang="en-US" sz="2000" dirty="0" smtClean="0"/>
-              <a:t>	</a:t>
-            </a:r>
-            <a:r>
-              <a:rPr lang="en-US" sz="2000" dirty="0"/>
-              <a:t>	</a:t>
-            </a:r>
-            <a:r>
-              <a:rPr lang="en-US" sz="2000" dirty="0" smtClean="0"/>
-              <a:t>+ Students’ understanding in the 3 pitfalls</a:t>
-            </a:r>
+              <a:t>All of the four conditions are necessary for deadlock to occur. Hence, by preventing any one of them we prevent deadlock.</a:t>
+            </a:r>
+          </a:p>
+          <a:p>
+            <a:endParaRPr lang="en-US" dirty="0">
+              <a:latin typeface="Comic Sans MS"/>
+              <a:cs typeface="Comic Sans MS"/>
+            </a:endParaRPr>
           </a:p>
         </p:txBody>
       </p:sp>
@@ -5769,7 +5539,7 @@
           <a:p>
             <a:r>
               <a:rPr lang="en-US" dirty="0" smtClean="0"/>
-              <a:t>evaluation</a:t>
+              <a:t>Deadlock</a:t>
             </a:r>
             <a:endParaRPr lang="en-US" dirty="0"/>
           </a:p>
@@ -5778,7 +5548,7 @@
     </p:spTree>
     <p:extLst>
       <p:ext uri="{BB962C8B-B14F-4D97-AF65-F5344CB8AC3E}">
-        <p14:creationId xmlns:p14="http://schemas.microsoft.com/office/powerpoint/2010/main" val="1649624774"/>
+        <p14:creationId xmlns:p14="http://schemas.microsoft.com/office/powerpoint/2010/main" val="2573522007"/>
       </p:ext>
     </p:extLst>
   </p:cSld>
@@ -5807,12 +5577,12 @@
       </p:grpSpPr>
       <p:sp>
         <p:nvSpPr>
-          <p:cNvPr id="2" name="Content Placeholder 1"/>
-          <p:cNvSpPr>
-            <a:spLocks noGrp="1"/>
-          </p:cNvSpPr>
-          <p:nvPr>
-            <p:ph sz="quarter" idx="13"/>
+          <p:cNvPr id="2" name="Subtitle 1"/>
+          <p:cNvSpPr>
+            <a:spLocks noGrp="1"/>
+          </p:cNvSpPr>
+          <p:nvPr>
+            <p:ph type="subTitle" idx="1"/>
           </p:nvPr>
         </p:nvSpPr>
         <p:spPr/>
@@ -5820,47 +5590,9 @@
           <a:bodyPr/>
           <a:lstStyle/>
           <a:p>
-            <a:pPr marL="342900" indent="-342900">
-              <a:buFont typeface="Arial"/>
-              <a:buChar char="•"/>
-            </a:pPr>
-            <a:r>
-              <a:rPr lang="en-US" dirty="0" smtClean="0"/>
-              <a:t>Usability:		90% rate as the easy to play</a:t>
-            </a:r>
-          </a:p>
-          <a:p>
-            <a:pPr marL="342900" indent="-342900">
-              <a:buFont typeface="Arial"/>
-              <a:buChar char="•"/>
-            </a:pPr>
-            <a:endParaRPr lang="en-US" dirty="0" smtClean="0"/>
-          </a:p>
-          <a:p>
-            <a:pPr marL="342900" indent="-342900">
-              <a:buFont typeface="Arial"/>
-              <a:buChar char="•"/>
-            </a:pPr>
-            <a:r>
-              <a:rPr lang="en-US" dirty="0" smtClean="0"/>
-              <a:t>Interactivity:	90% like the way they interact with the pitfalls</a:t>
-            </a:r>
-          </a:p>
-          <a:p>
-            <a:pPr marL="342900" indent="-342900">
-              <a:buFont typeface="Arial"/>
-              <a:buChar char="•"/>
-            </a:pPr>
-            <a:endParaRPr lang="en-US" dirty="0"/>
-          </a:p>
-          <a:p>
-            <a:pPr marL="342900" indent="-342900">
-              <a:buFont typeface="Arial"/>
-              <a:buChar char="•"/>
-            </a:pPr>
-            <a:r>
-              <a:rPr lang="en-US" dirty="0" smtClean="0"/>
-              <a:t>Student understanding: 	9/10 questions were answered correctly by 90% of student</a:t>
+            <a:r>
+              <a:rPr lang="en-US" dirty="0" smtClean="0"/>
+              <a:t>DEMO</a:t>
             </a:r>
             <a:endParaRPr lang="en-US" dirty="0"/>
           </a:p>
@@ -5878,21 +5610,29 @@
         </p:nvSpPr>
         <p:spPr/>
         <p:txBody>
-          <a:bodyPr/>
-          <a:lstStyle/>
-          <a:p>
-            <a:r>
-              <a:rPr lang="en-US" dirty="0" smtClean="0"/>
-              <a:t>Results</a:t>
-            </a:r>
-            <a:endParaRPr lang="en-US" dirty="0"/>
+          <a:bodyPr>
+            <a:normAutofit/>
+          </a:bodyPr>
+          <a:lstStyle/>
+          <a:p>
+            <a:r>
+              <a:rPr lang="en-US" sz="2500" dirty="0" smtClean="0">
+                <a:latin typeface="Comic Sans MS"/>
+                <a:cs typeface="Comic Sans MS"/>
+              </a:rPr>
+              <a:t>DEADLOCK</a:t>
+            </a:r>
+            <a:endParaRPr lang="en-US" sz="2500" dirty="0">
+              <a:latin typeface="Comic Sans MS"/>
+              <a:cs typeface="Comic Sans MS"/>
+            </a:endParaRPr>
           </a:p>
         </p:txBody>
       </p:sp>
     </p:spTree>
     <p:extLst>
       <p:ext uri="{BB962C8B-B14F-4D97-AF65-F5344CB8AC3E}">
-        <p14:creationId xmlns:p14="http://schemas.microsoft.com/office/powerpoint/2010/main" val="4085540163"/>
+        <p14:creationId xmlns:p14="http://schemas.microsoft.com/office/powerpoint/2010/main" val="618051677"/>
       </p:ext>
     </p:extLst>
   </p:cSld>
@@ -5903,3817 +5643,6 @@
 </file>
 
 <file path=ppt/slides/slide13.xml><?xml version="1.0" encoding="utf-8"?>
-<p:sld xmlns:a="http://schemas.openxmlformats.org/drawingml/2006/main" xmlns:r="http://schemas.openxmlformats.org/officeDocument/2006/relationships" xmlns:p="http://schemas.openxmlformats.org/presentationml/2006/main">
-  <p:cSld>
-    <p:spTree>
-      <p:nvGrpSpPr>
-        <p:cNvPr id="1" name=""/>
-        <p:cNvGrpSpPr/>
-        <p:nvPr/>
-      </p:nvGrpSpPr>
-      <p:grpSpPr>
-        <a:xfrm>
-          <a:off x="0" y="0"/>
-          <a:ext cx="0" cy="0"/>
-          <a:chOff x="0" y="0"/>
-          <a:chExt cx="0" cy="0"/>
-        </a:xfrm>
-      </p:grpSpPr>
-      <p:sp>
-        <p:nvSpPr>
-          <p:cNvPr id="2" name="Content Placeholder 1"/>
-          <p:cNvSpPr>
-            <a:spLocks noGrp="1"/>
-          </p:cNvSpPr>
-          <p:nvPr>
-            <p:ph sz="quarter" idx="13"/>
-          </p:nvPr>
-        </p:nvSpPr>
-        <p:spPr/>
-        <p:txBody>
-          <a:bodyPr>
-            <a:normAutofit/>
-          </a:bodyPr>
-          <a:lstStyle/>
-          <a:p>
-            <a:pPr algn="l"/>
-            <a:r>
-              <a:rPr lang="en-US" dirty="0" smtClean="0"/>
-              <a:t>+ Challenges:</a:t>
-            </a:r>
-          </a:p>
-          <a:p>
-            <a:pPr algn="l"/>
-            <a:r>
-              <a:rPr lang="en-US" dirty="0"/>
-              <a:t>	</a:t>
-            </a:r>
-            <a:r>
-              <a:rPr lang="en-US" dirty="0" smtClean="0"/>
-              <a:t>- different browser</a:t>
-            </a:r>
-          </a:p>
-          <a:p>
-            <a:pPr algn="l"/>
-            <a:endParaRPr lang="en-US" dirty="0"/>
-          </a:p>
-          <a:p>
-            <a:pPr algn="l"/>
-            <a:r>
-              <a:rPr lang="en-US" dirty="0" smtClean="0"/>
-              <a:t>+ Next Few Weeks:</a:t>
-            </a:r>
-          </a:p>
-          <a:p>
-            <a:pPr algn="l"/>
-            <a:r>
-              <a:rPr lang="en-US" dirty="0"/>
-              <a:t>	</a:t>
-            </a:r>
-            <a:r>
-              <a:rPr lang="en-US" dirty="0" smtClean="0"/>
-              <a:t>- solve different browser problem</a:t>
-            </a:r>
-          </a:p>
-          <a:p>
-            <a:pPr algn="l"/>
-            <a:r>
-              <a:rPr lang="en-US" dirty="0"/>
-              <a:t>	</a:t>
-            </a:r>
-            <a:r>
-              <a:rPr lang="en-US" dirty="0" smtClean="0"/>
-              <a:t>- do more survey</a:t>
-            </a:r>
-          </a:p>
-          <a:p>
-            <a:pPr algn="l"/>
-            <a:r>
-              <a:rPr lang="en-US" dirty="0"/>
-              <a:t>	</a:t>
-            </a:r>
-            <a:r>
-              <a:rPr lang="en-US" dirty="0" smtClean="0"/>
-              <a:t>- write report</a:t>
-            </a:r>
-          </a:p>
-          <a:p>
-            <a:pPr algn="l"/>
-            <a:endParaRPr lang="en-US" dirty="0"/>
-          </a:p>
-          <a:p>
-            <a:pPr algn="l"/>
-            <a:r>
-              <a:rPr lang="en-US" dirty="0" smtClean="0"/>
-              <a:t>+ Extension:</a:t>
-            </a:r>
-          </a:p>
-          <a:p>
-            <a:pPr algn="l"/>
-            <a:r>
-              <a:rPr lang="en-US" dirty="0"/>
-              <a:t>	</a:t>
-            </a:r>
-            <a:r>
-              <a:rPr lang="en-US" dirty="0" smtClean="0"/>
-              <a:t>- showing the solution in our app </a:t>
-            </a:r>
-            <a:endParaRPr lang="en-US" dirty="0"/>
-          </a:p>
-        </p:txBody>
-      </p:sp>
-      <p:sp>
-        <p:nvSpPr>
-          <p:cNvPr id="3" name="Title 2"/>
-          <p:cNvSpPr>
-            <a:spLocks noGrp="1"/>
-          </p:cNvSpPr>
-          <p:nvPr>
-            <p:ph type="title"/>
-          </p:nvPr>
-        </p:nvSpPr>
-        <p:spPr/>
-        <p:txBody>
-          <a:bodyPr/>
-          <a:lstStyle/>
-          <a:p>
-            <a:r>
-              <a:rPr lang="en-US" dirty="0" smtClean="0"/>
-              <a:t>Challenges and future works</a:t>
-            </a:r>
-            <a:endParaRPr lang="en-US" dirty="0"/>
-          </a:p>
-        </p:txBody>
-      </p:sp>
-    </p:spTree>
-    <p:extLst>
-      <p:ext uri="{BB962C8B-B14F-4D97-AF65-F5344CB8AC3E}">
-        <p14:creationId xmlns:p14="http://schemas.microsoft.com/office/powerpoint/2010/main" val="2276343006"/>
-      </p:ext>
-    </p:extLst>
-  </p:cSld>
-  <p:clrMapOvr>
-    <a:masterClrMapping/>
-  </p:clrMapOvr>
-</p:sld>
-</file>
-
-<file path=ppt/slides/slide14.xml><?xml version="1.0" encoding="utf-8"?>
-<p:sld xmlns:a="http://schemas.openxmlformats.org/drawingml/2006/main" xmlns:r="http://schemas.openxmlformats.org/officeDocument/2006/relationships" xmlns:p="http://schemas.openxmlformats.org/presentationml/2006/main">
-  <p:cSld>
-    <p:spTree>
-      <p:nvGrpSpPr>
-        <p:cNvPr id="1" name=""/>
-        <p:cNvGrpSpPr/>
-        <p:nvPr/>
-      </p:nvGrpSpPr>
-      <p:grpSpPr>
-        <a:xfrm>
-          <a:off x="0" y="0"/>
-          <a:ext cx="0" cy="0"/>
-          <a:chOff x="0" y="0"/>
-          <a:chExt cx="0" cy="0"/>
-        </a:xfrm>
-      </p:grpSpPr>
-      <p:sp>
-        <p:nvSpPr>
-          <p:cNvPr id="2" name="Content Placeholder 1"/>
-          <p:cNvSpPr>
-            <a:spLocks noGrp="1"/>
-          </p:cNvSpPr>
-          <p:nvPr>
-            <p:ph sz="quarter" idx="13"/>
-          </p:nvPr>
-        </p:nvSpPr>
-        <p:spPr/>
-        <p:txBody>
-          <a:bodyPr>
-            <a:normAutofit/>
-          </a:bodyPr>
-          <a:lstStyle/>
-          <a:p>
-            <a:r>
-              <a:rPr lang="en-US" sz="1500" dirty="0" smtClean="0"/>
-              <a:t>[1] </a:t>
-            </a:r>
-            <a:r>
-              <a:rPr lang="en-US" sz="1500" dirty="0"/>
-              <a:t> N. </a:t>
-            </a:r>
-            <a:r>
-              <a:rPr lang="en-US" sz="1500" dirty="0" err="1"/>
-              <a:t>Giacaman</a:t>
-            </a:r>
-            <a:r>
-              <a:rPr lang="en-US" sz="1500" dirty="0"/>
-              <a:t>. Teaching by example: Using analogies and live coding demonstrations to teach parallel computing concepts to undergraduate </a:t>
-            </a:r>
-            <a:r>
-              <a:rPr lang="en-US" sz="1500" dirty="0" err="1"/>
-              <a:t>stu</a:t>
-            </a:r>
-            <a:r>
-              <a:rPr lang="en-US" sz="1500" dirty="0"/>
-              <a:t>- dents. In Parallel and Distributed Processing Symposium Workshops PhD Forum (IPDPSW), 2012 IEEE 26th International, pages 1295 –1298, may 2012. </a:t>
-            </a:r>
-            <a:endParaRPr lang="en-US" sz="1500" dirty="0" smtClean="0"/>
-          </a:p>
-          <a:p>
-            <a:r>
-              <a:rPr lang="en-US" sz="1500" dirty="0" smtClean="0"/>
-              <a:t>[2] </a:t>
-            </a:r>
-            <a:r>
-              <a:rPr lang="en-US" sz="1500" dirty="0" err="1"/>
-              <a:t>Mordechai</a:t>
-            </a:r>
-            <a:r>
-              <a:rPr lang="en-US" sz="1500" dirty="0"/>
-              <a:t> Ben-Ari and </a:t>
-            </a:r>
-            <a:r>
-              <a:rPr lang="en-US" sz="1500" dirty="0" err="1"/>
-              <a:t>Yifat</a:t>
-            </a:r>
-            <a:r>
-              <a:rPr lang="en-US" sz="1500" dirty="0"/>
-              <a:t> Ben-David </a:t>
-            </a:r>
-            <a:r>
-              <a:rPr lang="en-US" sz="1500" dirty="0" err="1"/>
-              <a:t>Kolikant</a:t>
-            </a:r>
-            <a:r>
-              <a:rPr lang="en-US" sz="1500" dirty="0"/>
-              <a:t>. Thinking parallel: the process of learning concurrency. SIGCSE Bull., 31(3):13–16, June 1999. </a:t>
-            </a:r>
-            <a:endParaRPr lang="en-US" sz="1500" dirty="0" smtClean="0"/>
-          </a:p>
-          <a:p>
-            <a:r>
-              <a:rPr lang="en-US" sz="1500" dirty="0"/>
-              <a:t>[3] </a:t>
-            </a:r>
-            <a:r>
-              <a:rPr lang="en-US" sz="1500" dirty="0">
-                <a:hlinkClick r:id="rId3"/>
-              </a:rPr>
-              <a:t>http://publib.boulder.ibm.com/infocenter/iseries/v5r3/index.jsp?topic=%2Frzahw%</a:t>
-            </a:r>
-            <a:r>
-              <a:rPr lang="en-US" sz="1500" dirty="0" smtClean="0">
-                <a:hlinkClick r:id="rId3"/>
-              </a:rPr>
-              <a:t>2Frzahwmutco.htm</a:t>
-            </a:r>
-            <a:endParaRPr lang="en-US" sz="1500" dirty="0" smtClean="0"/>
-          </a:p>
-          <a:p>
-            <a:r>
-              <a:rPr lang="en-US" sz="1500" dirty="0" smtClean="0"/>
-              <a:t>[4</a:t>
-            </a:r>
-            <a:r>
-              <a:rPr lang="en-US" sz="1500" dirty="0"/>
-              <a:t>] </a:t>
-            </a:r>
-            <a:r>
-              <a:rPr lang="en-US" sz="1500" dirty="0" err="1"/>
-              <a:t>Fancong</a:t>
-            </a:r>
-            <a:r>
-              <a:rPr lang="en-US" sz="1500" dirty="0"/>
-              <a:t> </a:t>
-            </a:r>
-            <a:r>
-              <a:rPr lang="en-US" sz="1500" dirty="0" err="1"/>
-              <a:t>Zeng</a:t>
-            </a:r>
-            <a:r>
-              <a:rPr lang="en-US" sz="1500" dirty="0"/>
-              <a:t>. "An Initial Study of Common Coding Pitfalls in Java Programs", in Proceedings of MASPLAS'03 Mid-Atlantic Student Workshop on Programming Languages and Systems, April, 2003</a:t>
-            </a:r>
-            <a:r>
-              <a:rPr lang="en-US" sz="1500" dirty="0" smtClean="0"/>
-              <a:t>.</a:t>
-            </a:r>
-            <a:endParaRPr lang="en-US" sz="1500" dirty="0" smtClean="0"/>
-          </a:p>
-          <a:p>
-            <a:r>
-              <a:rPr lang="en-US" sz="1500" dirty="0" smtClean="0"/>
-              <a:t>[5] </a:t>
-            </a:r>
-            <a:r>
-              <a:rPr lang="en-US" sz="1600" dirty="0"/>
-              <a:t>Sung-</a:t>
-            </a:r>
-            <a:r>
-              <a:rPr lang="en-US" sz="1600" dirty="0" err="1"/>
-              <a:t>Eun</a:t>
-            </a:r>
-            <a:r>
-              <a:rPr lang="en-US" sz="1600" dirty="0"/>
-              <a:t> Choi and E Christopher Lewis. A Study of </a:t>
-            </a:r>
-            <a:r>
-              <a:rPr lang="en-US" sz="1600" dirty="0" smtClean="0"/>
-              <a:t>Common </a:t>
-            </a:r>
-            <a:r>
-              <a:rPr lang="en-US" sz="1600" dirty="0"/>
-              <a:t>Pitfalls in Simple Multi-Threaded Programs. In </a:t>
-            </a:r>
-            <a:r>
-              <a:rPr lang="en-US" sz="1600" i="1" dirty="0" smtClean="0"/>
-              <a:t>Proceedings </a:t>
-            </a:r>
-            <a:r>
-              <a:rPr lang="en-US" sz="1600" i="1" dirty="0"/>
-              <a:t>of the Thirty-first ACM SIGCSE Technical Symposium on Computer Science Education, </a:t>
-            </a:r>
-            <a:r>
-              <a:rPr lang="en-US" sz="1600" dirty="0"/>
-              <a:t>March 2000. </a:t>
-            </a:r>
-            <a:endParaRPr lang="en-US" sz="1500" dirty="0" smtClean="0"/>
-          </a:p>
-          <a:p>
-            <a:endParaRPr lang="en-US" sz="1500" dirty="0"/>
-          </a:p>
-          <a:p>
-            <a:endParaRPr lang="en-US" sz="1500" dirty="0"/>
-          </a:p>
-          <a:p>
-            <a:endParaRPr lang="en-US" sz="1500" dirty="0"/>
-          </a:p>
-        </p:txBody>
-      </p:sp>
-      <p:sp>
-        <p:nvSpPr>
-          <p:cNvPr id="3" name="Title 2"/>
-          <p:cNvSpPr>
-            <a:spLocks noGrp="1"/>
-          </p:cNvSpPr>
-          <p:nvPr>
-            <p:ph type="title"/>
-          </p:nvPr>
-        </p:nvSpPr>
-        <p:spPr/>
-        <p:txBody>
-          <a:bodyPr/>
-          <a:lstStyle/>
-          <a:p>
-            <a:r>
-              <a:rPr lang="en-US" dirty="0" smtClean="0"/>
-              <a:t>References</a:t>
-            </a:r>
-            <a:endParaRPr lang="en-US" dirty="0"/>
-          </a:p>
-        </p:txBody>
-      </p:sp>
-    </p:spTree>
-    <p:extLst>
-      <p:ext uri="{BB962C8B-B14F-4D97-AF65-F5344CB8AC3E}">
-        <p14:creationId xmlns:p14="http://schemas.microsoft.com/office/powerpoint/2010/main" val="3408655997"/>
-      </p:ext>
-    </p:extLst>
-  </p:cSld>
-  <p:clrMapOvr>
-    <a:masterClrMapping/>
-  </p:clrMapOvr>
-</p:sld>
-</file>
-
-<file path=ppt/slides/slide15.xml><?xml version="1.0" encoding="utf-8"?>
-<p:sld xmlns:a="http://schemas.openxmlformats.org/drawingml/2006/main" xmlns:r="http://schemas.openxmlformats.org/officeDocument/2006/relationships" xmlns:p="http://schemas.openxmlformats.org/presentationml/2006/main">
-  <p:cSld>
-    <p:spTree>
-      <p:nvGrpSpPr>
-        <p:cNvPr id="1" name=""/>
-        <p:cNvGrpSpPr/>
-        <p:nvPr/>
-      </p:nvGrpSpPr>
-      <p:grpSpPr>
-        <a:xfrm>
-          <a:off x="0" y="0"/>
-          <a:ext cx="0" cy="0"/>
-          <a:chOff x="0" y="0"/>
-          <a:chExt cx="0" cy="0"/>
-        </a:xfrm>
-      </p:grpSpPr>
-      <p:sp>
-        <p:nvSpPr>
-          <p:cNvPr id="2" name="Title 1"/>
-          <p:cNvSpPr>
-            <a:spLocks noGrp="1"/>
-          </p:cNvSpPr>
-          <p:nvPr>
-            <p:ph type="title"/>
-          </p:nvPr>
-        </p:nvSpPr>
-        <p:spPr/>
-        <p:txBody>
-          <a:bodyPr>
-            <a:normAutofit/>
-          </a:bodyPr>
-          <a:lstStyle/>
-          <a:p>
-            <a:r>
-              <a:rPr lang="en-US" dirty="0"/>
-              <a:t>Thank </a:t>
-            </a:r>
-            <a:r>
-              <a:rPr lang="en-US" dirty="0" smtClean="0"/>
-              <a:t>you</a:t>
-            </a:r>
-            <a:br>
-              <a:rPr lang="en-US" dirty="0" smtClean="0"/>
-            </a:br>
-            <a:endParaRPr lang="en-US" dirty="0"/>
-          </a:p>
-        </p:txBody>
-      </p:sp>
-      <p:sp>
-        <p:nvSpPr>
-          <p:cNvPr id="3" name="Subtitle 2"/>
-          <p:cNvSpPr>
-            <a:spLocks noGrp="1"/>
-          </p:cNvSpPr>
-          <p:nvPr>
-            <p:ph type="subTitle" idx="1"/>
-          </p:nvPr>
-        </p:nvSpPr>
-        <p:spPr/>
-        <p:txBody>
-          <a:bodyPr/>
-          <a:lstStyle/>
-          <a:p>
-            <a:r>
-              <a:rPr lang="en-US" dirty="0"/>
-              <a:t>Questions?</a:t>
-            </a:r>
-          </a:p>
-        </p:txBody>
-      </p:sp>
-    </p:spTree>
-    <p:extLst>
-      <p:ext uri="{BB962C8B-B14F-4D97-AF65-F5344CB8AC3E}">
-        <p14:creationId xmlns:p14="http://schemas.microsoft.com/office/powerpoint/2010/main" val="1733739084"/>
-      </p:ext>
-    </p:extLst>
-  </p:cSld>
-  <p:clrMapOvr>
-    <a:masterClrMapping/>
-  </p:clrMapOvr>
-</p:sld>
-</file>
-
-<file path=ppt/slides/slide16.xml><?xml version="1.0" encoding="utf-8"?>
-<p:sld xmlns:a="http://schemas.openxmlformats.org/drawingml/2006/main" xmlns:r="http://schemas.openxmlformats.org/officeDocument/2006/relationships" xmlns:p="http://schemas.openxmlformats.org/presentationml/2006/main">
-  <p:cSld>
-    <p:spTree>
-      <p:nvGrpSpPr>
-        <p:cNvPr id="1" name=""/>
-        <p:cNvGrpSpPr/>
-        <p:nvPr/>
-      </p:nvGrpSpPr>
-      <p:grpSpPr>
-        <a:xfrm>
-          <a:off x="0" y="0"/>
-          <a:ext cx="0" cy="0"/>
-          <a:chOff x="0" y="0"/>
-          <a:chExt cx="0" cy="0"/>
-        </a:xfrm>
-      </p:grpSpPr>
-      <p:sp>
-        <p:nvSpPr>
-          <p:cNvPr id="2" name="Content Placeholder 1"/>
-          <p:cNvSpPr>
-            <a:spLocks noGrp="1"/>
-          </p:cNvSpPr>
-          <p:nvPr>
-            <p:ph sz="quarter" idx="13"/>
-          </p:nvPr>
-        </p:nvSpPr>
-        <p:spPr/>
-        <p:txBody>
-          <a:bodyPr>
-            <a:normAutofit fontScale="92500" lnSpcReduction="20000"/>
-          </a:bodyPr>
-          <a:lstStyle/>
-          <a:p>
-            <a:pPr marL="342900" indent="-342900" algn="l">
-              <a:buFont typeface="Arial"/>
-              <a:buChar char="•"/>
-            </a:pPr>
-            <a:r>
-              <a:rPr lang="en-US" dirty="0">
-                <a:latin typeface="Comic Sans MS"/>
-                <a:cs typeface="Comic Sans MS"/>
-              </a:rPr>
-              <a:t>Permanent blocking of set of processes that either compete for system resources or communicate with each </a:t>
-            </a:r>
-            <a:r>
-              <a:rPr lang="en-US" dirty="0" smtClean="0">
-                <a:latin typeface="Comic Sans MS"/>
-                <a:cs typeface="Comic Sans MS"/>
-              </a:rPr>
-              <a:t>other.</a:t>
-            </a:r>
-            <a:endParaRPr lang="en-US" dirty="0">
-              <a:latin typeface="Comic Sans MS"/>
-              <a:cs typeface="Comic Sans MS"/>
-            </a:endParaRPr>
-          </a:p>
-          <a:p>
-            <a:pPr algn="l"/>
-            <a:endParaRPr lang="en-US" dirty="0" smtClean="0">
-              <a:latin typeface="Comic Sans MS"/>
-              <a:cs typeface="Comic Sans MS"/>
-            </a:endParaRPr>
-          </a:p>
-          <a:p>
-            <a:pPr algn="l"/>
-            <a:r>
-              <a:rPr lang="en-US" dirty="0" smtClean="0">
-                <a:latin typeface="Comic Sans MS"/>
-                <a:cs typeface="Comic Sans MS"/>
-              </a:rPr>
-              <a:t>The </a:t>
-            </a:r>
-            <a:r>
-              <a:rPr lang="en-US" dirty="0">
-                <a:latin typeface="Comic Sans MS"/>
-                <a:cs typeface="Comic Sans MS"/>
-              </a:rPr>
-              <a:t>4 Necessary Conditions for Deadlock</a:t>
-            </a:r>
-          </a:p>
-          <a:p>
-            <a:pPr algn="l"/>
-            <a:endParaRPr lang="en-US" dirty="0">
-              <a:latin typeface="Comic Sans MS"/>
-              <a:cs typeface="Comic Sans MS"/>
-            </a:endParaRPr>
-          </a:p>
-          <a:p>
-            <a:pPr marL="342900" indent="-342900" algn="l">
-              <a:buFont typeface="Arial"/>
-              <a:buChar char="•"/>
-            </a:pPr>
-            <a:r>
-              <a:rPr lang="en-US" dirty="0">
-                <a:latin typeface="Comic Sans MS"/>
-                <a:cs typeface="Comic Sans MS"/>
-              </a:rPr>
-              <a:t>Exclusive access (mutual exclusion</a:t>
-            </a:r>
-            <a:r>
-              <a:rPr lang="en-US" dirty="0" smtClean="0">
-                <a:latin typeface="Comic Sans MS"/>
-                <a:cs typeface="Comic Sans MS"/>
-              </a:rPr>
-              <a:t>)</a:t>
-            </a:r>
-          </a:p>
-          <a:p>
-            <a:pPr algn="l"/>
-            <a:r>
-              <a:rPr lang="en-US" dirty="0" smtClean="0">
-                <a:latin typeface="Comic Sans MS"/>
-                <a:cs typeface="Comic Sans MS"/>
-              </a:rPr>
-              <a:t>	</a:t>
-            </a:r>
-            <a:endParaRPr lang="en-US" dirty="0">
-              <a:latin typeface="Comic Sans MS"/>
-              <a:cs typeface="Comic Sans MS"/>
-            </a:endParaRPr>
-          </a:p>
-          <a:p>
-            <a:pPr marL="342900" indent="-342900" algn="l">
-              <a:buFont typeface="Arial"/>
-              <a:buChar char="•"/>
-            </a:pPr>
-            <a:r>
-              <a:rPr lang="en-US" dirty="0">
-                <a:latin typeface="Comic Sans MS"/>
-                <a:cs typeface="Comic Sans MS"/>
-              </a:rPr>
-              <a:t>Wait while holding (hold-and-wait)</a:t>
-            </a:r>
-          </a:p>
-          <a:p>
-            <a:pPr algn="l"/>
-            <a:r>
-              <a:rPr lang="en-US" dirty="0" smtClean="0">
-                <a:latin typeface="Comic Sans MS"/>
-                <a:cs typeface="Comic Sans MS"/>
-              </a:rPr>
-              <a:t>	</a:t>
-            </a:r>
-          </a:p>
-          <a:p>
-            <a:pPr marL="342900" indent="-342900" algn="l">
-              <a:buFont typeface="Arial"/>
-              <a:buChar char="•"/>
-            </a:pPr>
-            <a:r>
-              <a:rPr lang="en-US" dirty="0" smtClean="0">
-                <a:latin typeface="Comic Sans MS"/>
-                <a:cs typeface="Comic Sans MS"/>
-              </a:rPr>
-              <a:t>No preemption</a:t>
-            </a:r>
-          </a:p>
-          <a:p>
-            <a:pPr algn="l"/>
-            <a:r>
-              <a:rPr lang="en-US" dirty="0" smtClean="0">
-                <a:latin typeface="Comic Sans MS"/>
-                <a:cs typeface="Comic Sans MS"/>
-              </a:rPr>
-              <a:t>	</a:t>
-            </a:r>
-          </a:p>
-          <a:p>
-            <a:pPr marL="342900" indent="-342900" algn="l">
-              <a:buFont typeface="Arial"/>
-              <a:buChar char="•"/>
-            </a:pPr>
-            <a:r>
-              <a:rPr lang="en-US" dirty="0" smtClean="0">
-                <a:latin typeface="Comic Sans MS"/>
-                <a:cs typeface="Comic Sans MS"/>
-              </a:rPr>
-              <a:t>Circular wait</a:t>
-            </a:r>
-          </a:p>
-          <a:p>
-            <a:pPr algn="l"/>
-            <a:endParaRPr lang="en-US" dirty="0">
-              <a:latin typeface="Comic Sans MS"/>
-              <a:cs typeface="Comic Sans MS"/>
-            </a:endParaRPr>
-          </a:p>
-        </p:txBody>
-      </p:sp>
-      <p:sp>
-        <p:nvSpPr>
-          <p:cNvPr id="3" name="Title 2"/>
-          <p:cNvSpPr>
-            <a:spLocks noGrp="1"/>
-          </p:cNvSpPr>
-          <p:nvPr>
-            <p:ph type="title"/>
-          </p:nvPr>
-        </p:nvSpPr>
-        <p:spPr/>
-        <p:txBody>
-          <a:bodyPr>
-            <a:normAutofit/>
-          </a:bodyPr>
-          <a:lstStyle/>
-          <a:p>
-            <a:r>
-              <a:rPr lang="en-US" sz="2500" dirty="0" smtClean="0">
-                <a:latin typeface="Comic Sans MS"/>
-                <a:cs typeface="Comic Sans MS"/>
-              </a:rPr>
-              <a:t>DEADLOCK</a:t>
-            </a:r>
-            <a:endParaRPr lang="en-US" sz="2500" dirty="0">
-              <a:latin typeface="Comic Sans MS"/>
-              <a:cs typeface="Comic Sans MS"/>
-            </a:endParaRPr>
-          </a:p>
-        </p:txBody>
-      </p:sp>
-    </p:spTree>
-    <p:extLst>
-      <p:ext uri="{BB962C8B-B14F-4D97-AF65-F5344CB8AC3E}">
-        <p14:creationId xmlns:p14="http://schemas.microsoft.com/office/powerpoint/2010/main" val="2903094884"/>
-      </p:ext>
-    </p:extLst>
-  </p:cSld>
-  <p:clrMapOvr>
-    <a:masterClrMapping/>
-  </p:clrMapOvr>
-  <p:timing>
-    <p:tnLst>
-      <p:par>
-        <p:cTn xmlns:p14="http://schemas.microsoft.com/office/powerpoint/2010/main" id="1" dur="indefinite" restart="never" nodeType="tmRoot">
-          <p:childTnLst>
-            <p:seq concurrent="1" nextAc="seek">
-              <p:cTn id="2" dur="indefinite" nodeType="mainSeq">
-                <p:childTnLst>
-                  <p:par>
-                    <p:cTn id="3" fill="hold">
-                      <p:stCondLst>
-                        <p:cond delay="indefinite"/>
-                        <p:cond evt="onBegin" delay="0">
-                          <p:tn val="2"/>
-                        </p:cond>
-                      </p:stCondLst>
-                      <p:childTnLst>
-                        <p:par>
-                          <p:cTn id="4" fill="hold">
-                            <p:stCondLst>
-                              <p:cond delay="0"/>
-                            </p:stCondLst>
-                            <p:childTnLst>
-                              <p:par>
-                                <p:cTn id="5" presetID="5" presetClass="entr" presetSubtype="10" fill="hold" grpId="0" nodeType="withEffect">
-                                  <p:stCondLst>
-                                    <p:cond delay="0"/>
-                                  </p:stCondLst>
-                                  <p:childTnLst>
-                                    <p:set>
-                                      <p:cBhvr>
-                                        <p:cTn id="6" dur="1" fill="hold">
-                                          <p:stCondLst>
-                                            <p:cond delay="0"/>
-                                          </p:stCondLst>
-                                        </p:cTn>
-                                        <p:tgtEl>
-                                          <p:spTgt spid="3"/>
-                                        </p:tgtEl>
-                                        <p:attrNameLst>
-                                          <p:attrName>style.visibility</p:attrName>
-                                        </p:attrNameLst>
-                                      </p:cBhvr>
-                                      <p:to>
-                                        <p:strVal val="visible"/>
-                                      </p:to>
-                                    </p:set>
-                                    <p:animEffect transition="in" filter="checkerboard(across)">
-                                      <p:cBhvr>
-                                        <p:cTn id="7" dur="500"/>
-                                        <p:tgtEl>
-                                          <p:spTgt spid="3"/>
-                                        </p:tgtEl>
-                                      </p:cBhvr>
-                                    </p:animEffect>
-                                  </p:childTnLst>
-                                </p:cTn>
-                              </p:par>
-                            </p:childTnLst>
-                          </p:cTn>
-                        </p:par>
-                      </p:childTnLst>
-                    </p:cTn>
-                  </p:par>
-                  <p:par>
-                    <p:cTn id="8" fill="hold">
-                      <p:stCondLst>
-                        <p:cond delay="indefinite"/>
-                      </p:stCondLst>
-                      <p:childTnLst>
-                        <p:par>
-                          <p:cTn id="9" fill="hold">
-                            <p:stCondLst>
-                              <p:cond delay="0"/>
-                            </p:stCondLst>
-                            <p:childTnLst>
-                              <p:par>
-                                <p:cTn id="10" presetID="18" presetClass="entr" presetSubtype="12" fill="hold" grpId="0" nodeType="clickEffect">
-                                  <p:stCondLst>
-                                    <p:cond delay="0"/>
-                                  </p:stCondLst>
-                                  <p:childTnLst>
-                                    <p:set>
-                                      <p:cBhvr>
-                                        <p:cTn id="11" dur="1" fill="hold">
-                                          <p:stCondLst>
-                                            <p:cond delay="0"/>
-                                          </p:stCondLst>
-                                        </p:cTn>
-                                        <p:tgtEl>
-                                          <p:spTgt spid="2">
-                                            <p:txEl>
-                                              <p:pRg st="0" end="0"/>
-                                            </p:txEl>
-                                          </p:spTgt>
-                                        </p:tgtEl>
-                                        <p:attrNameLst>
-                                          <p:attrName>style.visibility</p:attrName>
-                                        </p:attrNameLst>
-                                      </p:cBhvr>
-                                      <p:to>
-                                        <p:strVal val="visible"/>
-                                      </p:to>
-                                    </p:set>
-                                    <p:animEffect transition="in" filter="strips(downLeft)">
-                                      <p:cBhvr>
-                                        <p:cTn id="12" dur="500"/>
-                                        <p:tgtEl>
-                                          <p:spTgt spid="2">
-                                            <p:txEl>
-                                              <p:pRg st="0" end="0"/>
-                                            </p:txEl>
-                                          </p:spTgt>
-                                        </p:tgtEl>
-                                      </p:cBhvr>
-                                    </p:animEffect>
-                                  </p:childTnLst>
-                                </p:cTn>
-                              </p:par>
-                            </p:childTnLst>
-                          </p:cTn>
-                        </p:par>
-                      </p:childTnLst>
-                    </p:cTn>
-                  </p:par>
-                  <p:par>
-                    <p:cTn id="13" fill="hold">
-                      <p:stCondLst>
-                        <p:cond delay="indefinite"/>
-                      </p:stCondLst>
-                      <p:childTnLst>
-                        <p:par>
-                          <p:cTn id="14" fill="hold">
-                            <p:stCondLst>
-                              <p:cond delay="0"/>
-                            </p:stCondLst>
-                            <p:childTnLst>
-                              <p:par>
-                                <p:cTn id="15" presetID="37" presetClass="entr" presetSubtype="0" fill="hold" grpId="0" nodeType="clickEffect">
-                                  <p:stCondLst>
-                                    <p:cond delay="0"/>
-                                  </p:stCondLst>
-                                  <p:childTnLst>
-                                    <p:set>
-                                      <p:cBhvr>
-                                        <p:cTn id="16" dur="1" fill="hold">
-                                          <p:stCondLst>
-                                            <p:cond delay="0"/>
-                                          </p:stCondLst>
-                                        </p:cTn>
-                                        <p:tgtEl>
-                                          <p:spTgt spid="2">
-                                            <p:txEl>
-                                              <p:pRg st="2" end="2"/>
-                                            </p:txEl>
-                                          </p:spTgt>
-                                        </p:tgtEl>
-                                        <p:attrNameLst>
-                                          <p:attrName>style.visibility</p:attrName>
-                                        </p:attrNameLst>
-                                      </p:cBhvr>
-                                      <p:to>
-                                        <p:strVal val="visible"/>
-                                      </p:to>
-                                    </p:set>
-                                    <p:animEffect transition="in" filter="fade">
-                                      <p:cBhvr>
-                                        <p:cTn id="17" dur="1000"/>
-                                        <p:tgtEl>
-                                          <p:spTgt spid="2">
-                                            <p:txEl>
-                                              <p:pRg st="2" end="2"/>
-                                            </p:txEl>
-                                          </p:spTgt>
-                                        </p:tgtEl>
-                                      </p:cBhvr>
-                                    </p:animEffect>
-                                    <p:anim calcmode="lin" valueType="num">
-                                      <p:cBhvr>
-                                        <p:cTn id="18" dur="1000" fill="hold"/>
-                                        <p:tgtEl>
-                                          <p:spTgt spid="2">
-                                            <p:txEl>
-                                              <p:pRg st="2" end="2"/>
-                                            </p:txEl>
-                                          </p:spTgt>
-                                        </p:tgtEl>
-                                        <p:attrNameLst>
-                                          <p:attrName>ppt_x</p:attrName>
-                                        </p:attrNameLst>
-                                      </p:cBhvr>
-                                      <p:tavLst>
-                                        <p:tav tm="0">
-                                          <p:val>
-                                            <p:strVal val="#ppt_x"/>
-                                          </p:val>
-                                        </p:tav>
-                                        <p:tav tm="100000">
-                                          <p:val>
-                                            <p:strVal val="#ppt_x"/>
-                                          </p:val>
-                                        </p:tav>
-                                      </p:tavLst>
-                                    </p:anim>
-                                    <p:anim calcmode="lin" valueType="num">
-                                      <p:cBhvr>
-                                        <p:cTn id="19" dur="900" decel="100000" fill="hold"/>
-                                        <p:tgtEl>
-                                          <p:spTgt spid="2">
-                                            <p:txEl>
-                                              <p:pRg st="2" end="2"/>
-                                            </p:txEl>
-                                          </p:spTgt>
-                                        </p:tgtEl>
-                                        <p:attrNameLst>
-                                          <p:attrName>ppt_y</p:attrName>
-                                        </p:attrNameLst>
-                                      </p:cBhvr>
-                                      <p:tavLst>
-                                        <p:tav tm="0">
-                                          <p:val>
-                                            <p:strVal val="#ppt_y+1"/>
-                                          </p:val>
-                                        </p:tav>
-                                        <p:tav tm="100000">
-                                          <p:val>
-                                            <p:strVal val="#ppt_y-.03"/>
-                                          </p:val>
-                                        </p:tav>
-                                      </p:tavLst>
-                                    </p:anim>
-                                    <p:anim calcmode="lin" valueType="num">
-                                      <p:cBhvr>
-                                        <p:cTn id="20" dur="100" accel="100000" fill="hold">
-                                          <p:stCondLst>
-                                            <p:cond delay="900"/>
-                                          </p:stCondLst>
-                                        </p:cTn>
-                                        <p:tgtEl>
-                                          <p:spTgt spid="2">
-                                            <p:txEl>
-                                              <p:pRg st="2" end="2"/>
-                                            </p:txEl>
-                                          </p:spTgt>
-                                        </p:tgtEl>
-                                        <p:attrNameLst>
-                                          <p:attrName>ppt_y</p:attrName>
-                                        </p:attrNameLst>
-                                      </p:cBhvr>
-                                      <p:tavLst>
-                                        <p:tav tm="0">
-                                          <p:val>
-                                            <p:strVal val="#ppt_y-.03"/>
-                                          </p:val>
-                                        </p:tav>
-                                        <p:tav tm="100000">
-                                          <p:val>
-                                            <p:strVal val="#ppt_y"/>
-                                          </p:val>
-                                        </p:tav>
-                                      </p:tavLst>
-                                    </p:anim>
-                                  </p:childTnLst>
-                                </p:cTn>
-                              </p:par>
-                            </p:childTnLst>
-                          </p:cTn>
-                        </p:par>
-                      </p:childTnLst>
-                    </p:cTn>
-                  </p:par>
-                  <p:par>
-                    <p:cTn id="21" fill="hold">
-                      <p:stCondLst>
-                        <p:cond delay="indefinite"/>
-                      </p:stCondLst>
-                      <p:childTnLst>
-                        <p:par>
-                          <p:cTn id="22" fill="hold">
-                            <p:stCondLst>
-                              <p:cond delay="0"/>
-                            </p:stCondLst>
-                            <p:childTnLst>
-                              <p:par>
-                                <p:cTn id="23" presetID="12" presetClass="entr" presetSubtype="4" fill="hold" grpId="0" nodeType="clickEffect">
-                                  <p:stCondLst>
-                                    <p:cond delay="0"/>
-                                  </p:stCondLst>
-                                  <p:childTnLst>
-                                    <p:set>
-                                      <p:cBhvr>
-                                        <p:cTn id="24" dur="1" fill="hold">
-                                          <p:stCondLst>
-                                            <p:cond delay="0"/>
-                                          </p:stCondLst>
-                                        </p:cTn>
-                                        <p:tgtEl>
-                                          <p:spTgt spid="2">
-                                            <p:txEl>
-                                              <p:pRg st="4" end="4"/>
-                                            </p:txEl>
-                                          </p:spTgt>
-                                        </p:tgtEl>
-                                        <p:attrNameLst>
-                                          <p:attrName>style.visibility</p:attrName>
-                                        </p:attrNameLst>
-                                      </p:cBhvr>
-                                      <p:to>
-                                        <p:strVal val="visible"/>
-                                      </p:to>
-                                    </p:set>
-                                    <p:anim calcmode="lin" valueType="num">
-                                      <p:cBhvr additive="base">
-                                        <p:cTn id="25" dur="500"/>
-                                        <p:tgtEl>
-                                          <p:spTgt spid="2">
-                                            <p:txEl>
-                                              <p:pRg st="4" end="4"/>
-                                            </p:txEl>
-                                          </p:spTgt>
-                                        </p:tgtEl>
-                                        <p:attrNameLst>
-                                          <p:attrName>ppt_y</p:attrName>
-                                        </p:attrNameLst>
-                                      </p:cBhvr>
-                                      <p:tavLst>
-                                        <p:tav tm="0">
-                                          <p:val>
-                                            <p:strVal val="#ppt_y+#ppt_h*1.125000"/>
-                                          </p:val>
-                                        </p:tav>
-                                        <p:tav tm="100000">
-                                          <p:val>
-                                            <p:strVal val="#ppt_y"/>
-                                          </p:val>
-                                        </p:tav>
-                                      </p:tavLst>
-                                    </p:anim>
-                                    <p:animEffect transition="in" filter="wipe(up)">
-                                      <p:cBhvr>
-                                        <p:cTn id="26" dur="500"/>
-                                        <p:tgtEl>
-                                          <p:spTgt spid="2">
-                                            <p:txEl>
-                                              <p:pRg st="4" end="4"/>
-                                            </p:txEl>
-                                          </p:spTgt>
-                                        </p:tgtEl>
-                                      </p:cBhvr>
-                                    </p:animEffect>
-                                  </p:childTnLst>
-                                </p:cTn>
-                              </p:par>
-                            </p:childTnLst>
-                          </p:cTn>
-                        </p:par>
-                      </p:childTnLst>
-                    </p:cTn>
-                  </p:par>
-                  <p:par>
-                    <p:cTn id="27" fill="hold">
-                      <p:stCondLst>
-                        <p:cond delay="indefinite"/>
-                      </p:stCondLst>
-                      <p:childTnLst>
-                        <p:par>
-                          <p:cTn id="28" fill="hold">
-                            <p:stCondLst>
-                              <p:cond delay="0"/>
-                            </p:stCondLst>
-                            <p:childTnLst>
-                              <p:par>
-                                <p:cTn id="29" presetID="6" presetClass="entr" presetSubtype="16" fill="hold" grpId="0" nodeType="clickEffect">
-                                  <p:stCondLst>
-                                    <p:cond delay="0"/>
-                                  </p:stCondLst>
-                                  <p:childTnLst>
-                                    <p:set>
-                                      <p:cBhvr>
-                                        <p:cTn id="30" dur="1" fill="hold">
-                                          <p:stCondLst>
-                                            <p:cond delay="0"/>
-                                          </p:stCondLst>
-                                        </p:cTn>
-                                        <p:tgtEl>
-                                          <p:spTgt spid="2">
-                                            <p:txEl>
-                                              <p:pRg st="6" end="6"/>
-                                            </p:txEl>
-                                          </p:spTgt>
-                                        </p:tgtEl>
-                                        <p:attrNameLst>
-                                          <p:attrName>style.visibility</p:attrName>
-                                        </p:attrNameLst>
-                                      </p:cBhvr>
-                                      <p:to>
-                                        <p:strVal val="visible"/>
-                                      </p:to>
-                                    </p:set>
-                                    <p:animEffect transition="in" filter="circle(in)">
-                                      <p:cBhvr>
-                                        <p:cTn id="31" dur="2000"/>
-                                        <p:tgtEl>
-                                          <p:spTgt spid="2">
-                                            <p:txEl>
-                                              <p:pRg st="6" end="6"/>
-                                            </p:txEl>
-                                          </p:spTgt>
-                                        </p:tgtEl>
-                                      </p:cBhvr>
-                                    </p:animEffect>
-                                  </p:childTnLst>
-                                </p:cTn>
-                              </p:par>
-                            </p:childTnLst>
-                          </p:cTn>
-                        </p:par>
-                      </p:childTnLst>
-                    </p:cTn>
-                  </p:par>
-                  <p:par>
-                    <p:cTn id="32" fill="hold">
-                      <p:stCondLst>
-                        <p:cond delay="indefinite"/>
-                      </p:stCondLst>
-                      <p:childTnLst>
-                        <p:par>
-                          <p:cTn id="33" fill="hold">
-                            <p:stCondLst>
-                              <p:cond delay="0"/>
-                            </p:stCondLst>
-                            <p:childTnLst>
-                              <p:par>
-                                <p:cTn id="34" presetID="55" presetClass="entr" presetSubtype="0" fill="hold" grpId="0" nodeType="clickEffect">
-                                  <p:stCondLst>
-                                    <p:cond delay="0"/>
-                                  </p:stCondLst>
-                                  <p:childTnLst>
-                                    <p:set>
-                                      <p:cBhvr>
-                                        <p:cTn id="35" dur="1" fill="hold">
-                                          <p:stCondLst>
-                                            <p:cond delay="0"/>
-                                          </p:stCondLst>
-                                        </p:cTn>
-                                        <p:tgtEl>
-                                          <p:spTgt spid="2">
-                                            <p:txEl>
-                                              <p:pRg st="8" end="8"/>
-                                            </p:txEl>
-                                          </p:spTgt>
-                                        </p:tgtEl>
-                                        <p:attrNameLst>
-                                          <p:attrName>style.visibility</p:attrName>
-                                        </p:attrNameLst>
-                                      </p:cBhvr>
-                                      <p:to>
-                                        <p:strVal val="visible"/>
-                                      </p:to>
-                                    </p:set>
-                                    <p:anim calcmode="lin" valueType="num">
-                                      <p:cBhvr>
-                                        <p:cTn id="36" dur="1000" fill="hold"/>
-                                        <p:tgtEl>
-                                          <p:spTgt spid="2">
-                                            <p:txEl>
-                                              <p:pRg st="8" end="8"/>
-                                            </p:txEl>
-                                          </p:spTgt>
-                                        </p:tgtEl>
-                                        <p:attrNameLst>
-                                          <p:attrName>ppt_w</p:attrName>
-                                        </p:attrNameLst>
-                                      </p:cBhvr>
-                                      <p:tavLst>
-                                        <p:tav tm="0">
-                                          <p:val>
-                                            <p:strVal val="#ppt_w*0.70"/>
-                                          </p:val>
-                                        </p:tav>
-                                        <p:tav tm="100000">
-                                          <p:val>
-                                            <p:strVal val="#ppt_w"/>
-                                          </p:val>
-                                        </p:tav>
-                                      </p:tavLst>
-                                    </p:anim>
-                                    <p:anim calcmode="lin" valueType="num">
-                                      <p:cBhvr>
-                                        <p:cTn id="37" dur="1000" fill="hold"/>
-                                        <p:tgtEl>
-                                          <p:spTgt spid="2">
-                                            <p:txEl>
-                                              <p:pRg st="8" end="8"/>
-                                            </p:txEl>
-                                          </p:spTgt>
-                                        </p:tgtEl>
-                                        <p:attrNameLst>
-                                          <p:attrName>ppt_h</p:attrName>
-                                        </p:attrNameLst>
-                                      </p:cBhvr>
-                                      <p:tavLst>
-                                        <p:tav tm="0">
-                                          <p:val>
-                                            <p:strVal val="#ppt_h"/>
-                                          </p:val>
-                                        </p:tav>
-                                        <p:tav tm="100000">
-                                          <p:val>
-                                            <p:strVal val="#ppt_h"/>
-                                          </p:val>
-                                        </p:tav>
-                                      </p:tavLst>
-                                    </p:anim>
-                                    <p:animEffect transition="in" filter="fade">
-                                      <p:cBhvr>
-                                        <p:cTn id="38" dur="1000"/>
-                                        <p:tgtEl>
-                                          <p:spTgt spid="2">
-                                            <p:txEl>
-                                              <p:pRg st="8" end="8"/>
-                                            </p:txEl>
-                                          </p:spTgt>
-                                        </p:tgtEl>
-                                      </p:cBhvr>
-                                    </p:animEffect>
-                                  </p:childTnLst>
-                                </p:cTn>
-                              </p:par>
-                            </p:childTnLst>
-                          </p:cTn>
-                        </p:par>
-                      </p:childTnLst>
-                    </p:cTn>
-                  </p:par>
-                  <p:par>
-                    <p:cTn id="39" fill="hold">
-                      <p:stCondLst>
-                        <p:cond delay="indefinite"/>
-                      </p:stCondLst>
-                      <p:childTnLst>
-                        <p:par>
-                          <p:cTn id="40" fill="hold">
-                            <p:stCondLst>
-                              <p:cond delay="0"/>
-                            </p:stCondLst>
-                            <p:childTnLst>
-                              <p:par>
-                                <p:cTn id="41" presetID="21" presetClass="entr" presetSubtype="1" fill="hold" grpId="0" nodeType="clickEffect">
-                                  <p:stCondLst>
-                                    <p:cond delay="0"/>
-                                  </p:stCondLst>
-                                  <p:childTnLst>
-                                    <p:set>
-                                      <p:cBhvr>
-                                        <p:cTn id="42" dur="1" fill="hold">
-                                          <p:stCondLst>
-                                            <p:cond delay="0"/>
-                                          </p:stCondLst>
-                                        </p:cTn>
-                                        <p:tgtEl>
-                                          <p:spTgt spid="2">
-                                            <p:txEl>
-                                              <p:pRg st="10" end="10"/>
-                                            </p:txEl>
-                                          </p:spTgt>
-                                        </p:tgtEl>
-                                        <p:attrNameLst>
-                                          <p:attrName>style.visibility</p:attrName>
-                                        </p:attrNameLst>
-                                      </p:cBhvr>
-                                      <p:to>
-                                        <p:strVal val="visible"/>
-                                      </p:to>
-                                    </p:set>
-                                    <p:animEffect transition="in" filter="wheel(1)">
-                                      <p:cBhvr>
-                                        <p:cTn id="43" dur="2000"/>
-                                        <p:tgtEl>
-                                          <p:spTgt spid="2">
-                                            <p:txEl>
-                                              <p:pRg st="10" end="10"/>
-                                            </p:txEl>
-                                          </p:spTgt>
-                                        </p:tgtEl>
-                                      </p:cBhvr>
-                                    </p:animEffect>
-                                  </p:childTnLst>
-                                </p:cTn>
-                              </p:par>
-                            </p:childTnLst>
-                          </p:cTn>
-                        </p:par>
-                      </p:childTnLst>
-                    </p:cTn>
-                  </p:par>
-                </p:childTnLst>
-              </p:cTn>
-              <p:prevCondLst>
-                <p:cond evt="onPrev" delay="0">
-                  <p:tgtEl>
-                    <p:sldTgt/>
-                  </p:tgtEl>
-                </p:cond>
-              </p:prevCondLst>
-              <p:nextCondLst>
-                <p:cond evt="onNext" delay="0">
-                  <p:tgtEl>
-                    <p:sldTgt/>
-                  </p:tgtEl>
-                </p:cond>
-              </p:nextCondLst>
-            </p:seq>
-          </p:childTnLst>
-        </p:cTn>
-      </p:par>
-    </p:tnLst>
-    <p:bldLst>
-      <p:bldP spid="2" grpId="0" build="p"/>
-      <p:bldP spid="3" grpId="0" animBg="1"/>
-    </p:bldLst>
-  </p:timing>
-</p:sld>
-</file>
-
-<file path=ppt/slides/slide17.xml><?xml version="1.0" encoding="utf-8"?>
-<p:sld xmlns:a="http://schemas.openxmlformats.org/drawingml/2006/main" xmlns:r="http://schemas.openxmlformats.org/officeDocument/2006/relationships" xmlns:p="http://schemas.openxmlformats.org/presentationml/2006/main">
-  <p:cSld>
-    <p:spTree>
-      <p:nvGrpSpPr>
-        <p:cNvPr id="1" name=""/>
-        <p:cNvGrpSpPr/>
-        <p:nvPr/>
-      </p:nvGrpSpPr>
-      <p:grpSpPr>
-        <a:xfrm>
-          <a:off x="0" y="0"/>
-          <a:ext cx="0" cy="0"/>
-          <a:chOff x="0" y="0"/>
-          <a:chExt cx="0" cy="0"/>
-        </a:xfrm>
-      </p:grpSpPr>
-      <p:sp>
-        <p:nvSpPr>
-          <p:cNvPr id="2" name="Content Placeholder 1"/>
-          <p:cNvSpPr>
-            <a:spLocks noGrp="1"/>
-          </p:cNvSpPr>
-          <p:nvPr>
-            <p:ph sz="quarter" idx="13"/>
-          </p:nvPr>
-        </p:nvSpPr>
-        <p:spPr>
-          <a:xfrm>
-            <a:off x="115461" y="2020824"/>
-            <a:ext cx="4222528" cy="4709336"/>
-          </a:xfrm>
-        </p:spPr>
-        <p:txBody>
-          <a:bodyPr>
-            <a:normAutofit lnSpcReduction="10000"/>
-          </a:bodyPr>
-          <a:lstStyle/>
-          <a:p>
-            <a:r>
-              <a:rPr lang="en-US" dirty="0" smtClean="0"/>
-              <a:t>Reusable</a:t>
-            </a:r>
-            <a:endParaRPr lang="en-US" dirty="0"/>
-          </a:p>
-          <a:p>
-            <a:pPr algn="l"/>
-            <a:r>
-              <a:rPr lang="en-US" dirty="0"/>
-              <a:t>Process P1:</a:t>
-            </a:r>
-          </a:p>
-          <a:p>
-            <a:pPr algn="l"/>
-            <a:r>
-              <a:rPr lang="en-US" dirty="0"/>
-              <a:t>request(R1)</a:t>
-            </a:r>
-            <a:r>
-              <a:rPr lang="en-US" dirty="0" smtClean="0"/>
-              <a:t>;…request</a:t>
-            </a:r>
-            <a:r>
-              <a:rPr lang="en-US" dirty="0"/>
-              <a:t>(R2)</a:t>
-            </a:r>
-            <a:r>
-              <a:rPr lang="en-US" dirty="0" smtClean="0"/>
-              <a:t>;...release</a:t>
-            </a:r>
-            <a:r>
-              <a:rPr lang="en-US" dirty="0"/>
-              <a:t>(R2)</a:t>
-            </a:r>
-            <a:r>
-              <a:rPr lang="en-US" dirty="0" smtClean="0"/>
-              <a:t>;...release</a:t>
-            </a:r>
-            <a:r>
-              <a:rPr lang="en-US" dirty="0"/>
-              <a:t>(R1)</a:t>
-            </a:r>
-            <a:r>
-              <a:rPr lang="en-US" dirty="0" smtClean="0"/>
-              <a:t>;</a:t>
-            </a:r>
-          </a:p>
-          <a:p>
-            <a:pPr algn="l"/>
-            <a:endParaRPr lang="en-US" dirty="0"/>
-          </a:p>
-          <a:p>
-            <a:pPr algn="l"/>
-            <a:endParaRPr lang="en-US" dirty="0" smtClean="0"/>
-          </a:p>
-          <a:p>
-            <a:pPr algn="l"/>
-            <a:endParaRPr lang="en-US" dirty="0" smtClean="0"/>
-          </a:p>
-          <a:p>
-            <a:pPr algn="l"/>
-            <a:r>
-              <a:rPr lang="en-US" dirty="0" smtClean="0"/>
-              <a:t>Process </a:t>
-            </a:r>
-            <a:r>
-              <a:rPr lang="en-US" dirty="0"/>
-              <a:t>P2:</a:t>
-            </a:r>
-          </a:p>
-          <a:p>
-            <a:pPr algn="l"/>
-            <a:r>
-              <a:rPr lang="en-US" dirty="0"/>
-              <a:t>request(R2);...request(R1);...release(R1);...release(R2);</a:t>
-            </a:r>
-          </a:p>
-          <a:p>
-            <a:pPr algn="l"/>
-            <a:endParaRPr lang="en-US" dirty="0"/>
-          </a:p>
-        </p:txBody>
-      </p:sp>
-      <p:sp>
-        <p:nvSpPr>
-          <p:cNvPr id="3" name="Content Placeholder 2"/>
-          <p:cNvSpPr>
-            <a:spLocks noGrp="1"/>
-          </p:cNvSpPr>
-          <p:nvPr>
-            <p:ph sz="quarter" idx="14"/>
-          </p:nvPr>
-        </p:nvSpPr>
-        <p:spPr/>
-        <p:txBody>
-          <a:bodyPr/>
-          <a:lstStyle/>
-          <a:p>
-            <a:r>
-              <a:rPr lang="is-IS" dirty="0" smtClean="0"/>
-              <a:t>Consumable</a:t>
-            </a:r>
-          </a:p>
-          <a:p>
-            <a:endParaRPr lang="is-IS" dirty="0" smtClean="0"/>
-          </a:p>
-        </p:txBody>
-      </p:sp>
-      <p:sp>
-        <p:nvSpPr>
-          <p:cNvPr id="4" name="Title 3"/>
-          <p:cNvSpPr>
-            <a:spLocks noGrp="1"/>
-          </p:cNvSpPr>
-          <p:nvPr>
-            <p:ph type="title"/>
-          </p:nvPr>
-        </p:nvSpPr>
-        <p:spPr/>
-        <p:txBody>
-          <a:bodyPr>
-            <a:normAutofit/>
-          </a:bodyPr>
-          <a:lstStyle/>
-          <a:p>
-            <a:r>
-              <a:rPr lang="en-US" sz="2500" dirty="0">
-                <a:latin typeface="Comic Sans MS"/>
-                <a:cs typeface="Comic Sans MS"/>
-              </a:rPr>
-              <a:t>Types of Resources</a:t>
-            </a:r>
-          </a:p>
-        </p:txBody>
-      </p:sp>
-      <p:sp>
-        <p:nvSpPr>
-          <p:cNvPr id="5" name="Rectangle 4"/>
-          <p:cNvSpPr/>
-          <p:nvPr/>
-        </p:nvSpPr>
-        <p:spPr>
-          <a:xfrm>
-            <a:off x="115461" y="3579522"/>
-            <a:ext cx="3876148" cy="412387"/>
-          </a:xfrm>
-          <a:prstGeom prst="rect">
-            <a:avLst/>
-          </a:prstGeom>
-          <a:solidFill>
-            <a:srgbClr val="FF0000"/>
-          </a:solidFill>
-        </p:spPr>
-        <p:style>
-          <a:lnRef idx="1">
-            <a:schemeClr val="accent1"/>
-          </a:lnRef>
-          <a:fillRef idx="3">
-            <a:schemeClr val="accent1"/>
-          </a:fillRef>
-          <a:effectRef idx="2">
-            <a:schemeClr val="accent1"/>
-          </a:effectRef>
-          <a:fontRef idx="minor">
-            <a:schemeClr val="lt1"/>
-          </a:fontRef>
-        </p:style>
-        <p:txBody>
-          <a:bodyPr rtlCol="0" anchor="ctr"/>
-          <a:lstStyle/>
-          <a:p>
-            <a:pPr algn="ctr"/>
-            <a:r>
-              <a:rPr lang="en-US" dirty="0" smtClean="0"/>
-              <a:t>R1 Critical Section</a:t>
-            </a:r>
-            <a:endParaRPr lang="en-US" dirty="0"/>
-          </a:p>
-        </p:txBody>
-      </p:sp>
-      <p:sp>
-        <p:nvSpPr>
-          <p:cNvPr id="6" name="Rectangle 5"/>
-          <p:cNvSpPr/>
-          <p:nvPr/>
-        </p:nvSpPr>
-        <p:spPr>
-          <a:xfrm>
-            <a:off x="923678" y="4074387"/>
-            <a:ext cx="2144253" cy="329910"/>
-          </a:xfrm>
-          <a:prstGeom prst="rect">
-            <a:avLst/>
-          </a:prstGeom>
-        </p:spPr>
-        <p:style>
-          <a:lnRef idx="1">
-            <a:schemeClr val="accent1"/>
-          </a:lnRef>
-          <a:fillRef idx="3">
-            <a:schemeClr val="accent1"/>
-          </a:fillRef>
-          <a:effectRef idx="2">
-            <a:schemeClr val="accent1"/>
-          </a:effectRef>
-          <a:fontRef idx="minor">
-            <a:schemeClr val="lt1"/>
-          </a:fontRef>
-        </p:style>
-        <p:txBody>
-          <a:bodyPr rtlCol="0" anchor="ctr"/>
-          <a:lstStyle/>
-          <a:p>
-            <a:pPr algn="ctr"/>
-            <a:r>
-              <a:rPr lang="en-US" dirty="0" smtClean="0"/>
-              <a:t>R2 Critical Section</a:t>
-            </a:r>
-            <a:endParaRPr lang="en-US" dirty="0"/>
-          </a:p>
-        </p:txBody>
-      </p:sp>
-      <p:sp>
-        <p:nvSpPr>
-          <p:cNvPr id="8" name="Rectangle 7"/>
-          <p:cNvSpPr/>
-          <p:nvPr/>
-        </p:nvSpPr>
-        <p:spPr>
-          <a:xfrm>
-            <a:off x="923678" y="5783506"/>
-            <a:ext cx="2144253" cy="329910"/>
-          </a:xfrm>
-          <a:prstGeom prst="rect">
-            <a:avLst/>
-          </a:prstGeom>
-        </p:spPr>
-        <p:style>
-          <a:lnRef idx="1">
-            <a:schemeClr val="accent1"/>
-          </a:lnRef>
-          <a:fillRef idx="3">
-            <a:schemeClr val="accent1"/>
-          </a:fillRef>
-          <a:effectRef idx="2">
-            <a:schemeClr val="accent1"/>
-          </a:effectRef>
-          <a:fontRef idx="minor">
-            <a:schemeClr val="lt1"/>
-          </a:fontRef>
-        </p:style>
-        <p:txBody>
-          <a:bodyPr rtlCol="0" anchor="ctr"/>
-          <a:lstStyle/>
-          <a:p>
-            <a:pPr algn="ctr"/>
-            <a:r>
-              <a:rPr lang="en-US" dirty="0" smtClean="0"/>
-              <a:t>R1 Critical Section</a:t>
-            </a:r>
-            <a:endParaRPr lang="en-US" dirty="0"/>
-          </a:p>
-        </p:txBody>
-      </p:sp>
-      <p:sp>
-        <p:nvSpPr>
-          <p:cNvPr id="9" name="Rectangle 8"/>
-          <p:cNvSpPr/>
-          <p:nvPr/>
-        </p:nvSpPr>
-        <p:spPr>
-          <a:xfrm>
-            <a:off x="115461" y="6146407"/>
-            <a:ext cx="3876148" cy="412387"/>
-          </a:xfrm>
-          <a:prstGeom prst="rect">
-            <a:avLst/>
-          </a:prstGeom>
-          <a:solidFill>
-            <a:srgbClr val="FF0000"/>
-          </a:solidFill>
-        </p:spPr>
-        <p:style>
-          <a:lnRef idx="1">
-            <a:schemeClr val="accent1"/>
-          </a:lnRef>
-          <a:fillRef idx="3">
-            <a:schemeClr val="accent1"/>
-          </a:fillRef>
-          <a:effectRef idx="2">
-            <a:schemeClr val="accent1"/>
-          </a:effectRef>
-          <a:fontRef idx="minor">
-            <a:schemeClr val="lt1"/>
-          </a:fontRef>
-        </p:style>
-        <p:txBody>
-          <a:bodyPr rtlCol="0" anchor="ctr"/>
-          <a:lstStyle/>
-          <a:p>
-            <a:pPr algn="ctr"/>
-            <a:r>
-              <a:rPr lang="en-US" dirty="0" smtClean="0"/>
-              <a:t>R2 Critical Section</a:t>
-            </a:r>
-            <a:endParaRPr lang="en-US" dirty="0"/>
-          </a:p>
-        </p:txBody>
-      </p:sp>
-      <p:graphicFrame>
-        <p:nvGraphicFramePr>
-          <p:cNvPr id="11" name="Table 10"/>
-          <p:cNvGraphicFramePr>
-            <a:graphicFrameLocks noGrp="1"/>
-          </p:cNvGraphicFramePr>
-          <p:nvPr>
-            <p:extLst>
-              <p:ext uri="{D42A27DB-BD31-4B8C-83A1-F6EECF244321}">
-                <p14:modId xmlns:p14="http://schemas.microsoft.com/office/powerpoint/2010/main" val="2857567188"/>
-              </p:ext>
-            </p:extLst>
-          </p:nvPr>
-        </p:nvGraphicFramePr>
-        <p:xfrm>
-          <a:off x="5179194" y="2756194"/>
-          <a:ext cx="3678218" cy="3027311"/>
-        </p:xfrm>
-        <a:graphic>
-          <a:graphicData uri="http://schemas.openxmlformats.org/drawingml/2006/table">
-            <a:tbl>
-              <a:tblPr firstRow="1" bandRow="1">
-                <a:tableStyleId>{5C22544A-7EE6-4342-B048-85BDC9FD1C3A}</a:tableStyleId>
-              </a:tblPr>
-              <a:tblGrid>
-                <a:gridCol w="1839109"/>
-                <a:gridCol w="1839109"/>
-              </a:tblGrid>
-              <a:tr h="526489">
-                <a:tc>
-                  <a:txBody>
-                    <a:bodyPr/>
-                    <a:lstStyle/>
-                    <a:p>
-                      <a:r>
-                        <a:rPr lang="en-US" dirty="0" smtClean="0"/>
-                        <a:t>P1</a:t>
-                      </a:r>
-                      <a:endParaRPr lang="en-US" dirty="0"/>
-                    </a:p>
-                  </a:txBody>
-                  <a:tcPr/>
-                </a:tc>
-                <a:tc>
-                  <a:txBody>
-                    <a:bodyPr/>
-                    <a:lstStyle/>
-                    <a:p>
-                      <a:r>
-                        <a:rPr lang="en-US" dirty="0" smtClean="0"/>
-                        <a:t>P2</a:t>
-                      </a:r>
-                      <a:endParaRPr lang="en-US" dirty="0"/>
-                    </a:p>
-                  </a:txBody>
-                  <a:tcPr/>
-                </a:tc>
-              </a:tr>
-              <a:tr h="526489">
-                <a:tc>
-                  <a:txBody>
-                    <a:bodyPr/>
-                    <a:lstStyle/>
-                    <a:p>
-                      <a:r>
-                        <a:rPr lang="en-US" dirty="0" smtClean="0"/>
-                        <a:t>…</a:t>
-                      </a:r>
-                      <a:endParaRPr lang="en-US" dirty="0"/>
-                    </a:p>
-                  </a:txBody>
-                  <a:tcPr/>
-                </a:tc>
-                <a:tc>
-                  <a:txBody>
-                    <a:bodyPr/>
-                    <a:lstStyle/>
-                    <a:p>
-                      <a:r>
-                        <a:rPr lang="en-US" dirty="0" smtClean="0"/>
-                        <a:t>…</a:t>
-                      </a:r>
-                      <a:endParaRPr lang="en-US" dirty="0"/>
-                    </a:p>
-                  </a:txBody>
-                  <a:tcPr/>
-                </a:tc>
-              </a:tr>
-              <a:tr h="921355">
-                <a:tc>
-                  <a:txBody>
-                    <a:bodyPr/>
-                    <a:lstStyle/>
-                    <a:p>
-                      <a:r>
-                        <a:rPr lang="en-US" dirty="0" err="1" smtClean="0"/>
-                        <a:t>receivefrom</a:t>
-                      </a:r>
-                      <a:r>
-                        <a:rPr lang="en-US" dirty="0" smtClean="0"/>
-                        <a:t>(P2, &amp;M2);</a:t>
-                      </a:r>
-                      <a:endParaRPr lang="en-US" dirty="0"/>
-                    </a:p>
-                  </a:txBody>
-                  <a:tcPr/>
-                </a:tc>
-                <a:tc>
-                  <a:txBody>
-                    <a:bodyPr/>
-                    <a:lstStyle/>
-                    <a:p>
-                      <a:r>
-                        <a:rPr lang="en-US" dirty="0" err="1" smtClean="0"/>
-                        <a:t>receivefrom</a:t>
-                      </a:r>
-                      <a:r>
-                        <a:rPr lang="en-US" dirty="0" smtClean="0"/>
-                        <a:t>(P1, &amp;M1);</a:t>
-                      </a:r>
-                      <a:endParaRPr lang="en-US" dirty="0"/>
-                    </a:p>
-                  </a:txBody>
-                  <a:tcPr/>
-                </a:tc>
-              </a:tr>
-              <a:tr h="526489">
-                <a:tc>
-                  <a:txBody>
-                    <a:bodyPr/>
-                    <a:lstStyle/>
-                    <a:p>
-                      <a:r>
-                        <a:rPr lang="en-US" dirty="0" smtClean="0"/>
-                        <a:t>…</a:t>
-                      </a:r>
-                      <a:endParaRPr lang="en-US" dirty="0"/>
-                    </a:p>
-                  </a:txBody>
-                  <a:tcPr/>
-                </a:tc>
-                <a:tc>
-                  <a:txBody>
-                    <a:bodyPr/>
-                    <a:lstStyle/>
-                    <a:p>
-                      <a:r>
-                        <a:rPr lang="en-US" dirty="0" smtClean="0"/>
-                        <a:t>…</a:t>
-                      </a:r>
-                      <a:endParaRPr lang="en-US" dirty="0"/>
-                    </a:p>
-                  </a:txBody>
-                  <a:tcPr/>
-                </a:tc>
-              </a:tr>
-              <a:tr h="526489">
-                <a:tc>
-                  <a:txBody>
-                    <a:bodyPr/>
-                    <a:lstStyle/>
-                    <a:p>
-                      <a:r>
-                        <a:rPr lang="da-DK" dirty="0" err="1" smtClean="0"/>
-                        <a:t>sendto</a:t>
-                      </a:r>
-                      <a:r>
-                        <a:rPr lang="da-DK" dirty="0" smtClean="0"/>
-                        <a:t>(P2, M1);</a:t>
-                      </a:r>
-                      <a:endParaRPr lang="en-US" dirty="0"/>
-                    </a:p>
-                  </a:txBody>
-                  <a:tcPr/>
-                </a:tc>
-                <a:tc>
-                  <a:txBody>
-                    <a:bodyPr/>
-                    <a:lstStyle/>
-                    <a:p>
-                      <a:r>
-                        <a:rPr lang="da-DK" dirty="0" err="1" smtClean="0"/>
-                        <a:t>sendto</a:t>
-                      </a:r>
-                      <a:r>
-                        <a:rPr lang="da-DK" dirty="0" smtClean="0"/>
-                        <a:t>(P1, M2);</a:t>
-                      </a:r>
-                      <a:endParaRPr lang="en-US" dirty="0"/>
-                    </a:p>
-                  </a:txBody>
-                  <a:tcPr/>
-                </a:tc>
-              </a:tr>
-            </a:tbl>
-          </a:graphicData>
-        </a:graphic>
-      </p:graphicFrame>
-    </p:spTree>
-    <p:extLst>
-      <p:ext uri="{BB962C8B-B14F-4D97-AF65-F5344CB8AC3E}">
-        <p14:creationId xmlns:p14="http://schemas.microsoft.com/office/powerpoint/2010/main" val="2714866669"/>
-      </p:ext>
-    </p:extLst>
-  </p:cSld>
-  <p:clrMapOvr>
-    <a:masterClrMapping/>
-  </p:clrMapOvr>
-  <p:timing>
-    <p:tnLst>
-      <p:par>
-        <p:cTn xmlns:p14="http://schemas.microsoft.com/office/powerpoint/2010/main" id="1" dur="indefinite" restart="never" nodeType="tmRoot">
-          <p:childTnLst>
-            <p:seq concurrent="1" nextAc="seek">
-              <p:cTn id="2" dur="indefinite" nodeType="mainSeq">
-                <p:childTnLst>
-                  <p:par>
-                    <p:cTn id="3" fill="hold">
-                      <p:stCondLst>
-                        <p:cond delay="indefinite"/>
-                      </p:stCondLst>
-                      <p:childTnLst>
-                        <p:par>
-                          <p:cTn id="4" fill="hold">
-                            <p:stCondLst>
-                              <p:cond delay="0"/>
-                            </p:stCondLst>
-                            <p:childTnLst>
-                              <p:par>
-                                <p:cTn id="5" presetID="1" presetClass="entr" presetSubtype="0" fill="hold" grpId="0" nodeType="clickEffect">
-                                  <p:stCondLst>
-                                    <p:cond delay="0"/>
-                                  </p:stCondLst>
-                                  <p:childTnLst>
-                                    <p:set>
-                                      <p:cBhvr>
-                                        <p:cTn id="6" dur="1" fill="hold">
-                                          <p:stCondLst>
-                                            <p:cond delay="0"/>
-                                          </p:stCondLst>
-                                        </p:cTn>
-                                        <p:tgtEl>
-                                          <p:spTgt spid="2">
-                                            <p:txEl>
-                                              <p:pRg st="0" end="0"/>
-                                            </p:txEl>
-                                          </p:spTgt>
-                                        </p:tgtEl>
-                                        <p:attrNameLst>
-                                          <p:attrName>style.visibility</p:attrName>
-                                        </p:attrNameLst>
-                                      </p:cBhvr>
-                                      <p:to>
-                                        <p:strVal val="visible"/>
-                                      </p:to>
-                                    </p:set>
-                                  </p:childTnLst>
-                                </p:cTn>
-                              </p:par>
-                              <p:par>
-                                <p:cTn id="7" presetID="1" presetClass="entr" presetSubtype="0" fill="hold" grpId="0" nodeType="withEffect">
-                                  <p:stCondLst>
-                                    <p:cond delay="0"/>
-                                  </p:stCondLst>
-                                  <p:childTnLst>
-                                    <p:set>
-                                      <p:cBhvr>
-                                        <p:cTn id="8" dur="1" fill="hold">
-                                          <p:stCondLst>
-                                            <p:cond delay="0"/>
-                                          </p:stCondLst>
-                                        </p:cTn>
-                                        <p:tgtEl>
-                                          <p:spTgt spid="2">
-                                            <p:txEl>
-                                              <p:pRg st="1" end="1"/>
-                                            </p:txEl>
-                                          </p:spTgt>
-                                        </p:tgtEl>
-                                        <p:attrNameLst>
-                                          <p:attrName>style.visibility</p:attrName>
-                                        </p:attrNameLst>
-                                      </p:cBhvr>
-                                      <p:to>
-                                        <p:strVal val="visible"/>
-                                      </p:to>
-                                    </p:set>
-                                  </p:childTnLst>
-                                </p:cTn>
-                              </p:par>
-                              <p:par>
-                                <p:cTn id="9" presetID="1" presetClass="entr" presetSubtype="0" fill="hold" grpId="0" nodeType="withEffect">
-                                  <p:stCondLst>
-                                    <p:cond delay="0"/>
-                                  </p:stCondLst>
-                                  <p:childTnLst>
-                                    <p:set>
-                                      <p:cBhvr>
-                                        <p:cTn id="10" dur="1" fill="hold">
-                                          <p:stCondLst>
-                                            <p:cond delay="0"/>
-                                          </p:stCondLst>
-                                        </p:cTn>
-                                        <p:tgtEl>
-                                          <p:spTgt spid="2">
-                                            <p:txEl>
-                                              <p:pRg st="2" end="2"/>
-                                            </p:txEl>
-                                          </p:spTgt>
-                                        </p:tgtEl>
-                                        <p:attrNameLst>
-                                          <p:attrName>style.visibility</p:attrName>
-                                        </p:attrNameLst>
-                                      </p:cBhvr>
-                                      <p:to>
-                                        <p:strVal val="visible"/>
-                                      </p:to>
-                                    </p:set>
-                                  </p:childTnLst>
-                                </p:cTn>
-                              </p:par>
-                              <p:par>
-                                <p:cTn id="11" presetID="1" presetClass="entr" presetSubtype="0" fill="hold" grpId="0" nodeType="withEffect">
-                                  <p:stCondLst>
-                                    <p:cond delay="0"/>
-                                  </p:stCondLst>
-                                  <p:childTnLst>
-                                    <p:set>
-                                      <p:cBhvr>
-                                        <p:cTn id="12" dur="1" fill="hold">
-                                          <p:stCondLst>
-                                            <p:cond delay="0"/>
-                                          </p:stCondLst>
-                                        </p:cTn>
-                                        <p:tgtEl>
-                                          <p:spTgt spid="2">
-                                            <p:txEl>
-                                              <p:pRg st="6" end="6"/>
-                                            </p:txEl>
-                                          </p:spTgt>
-                                        </p:tgtEl>
-                                        <p:attrNameLst>
-                                          <p:attrName>style.visibility</p:attrName>
-                                        </p:attrNameLst>
-                                      </p:cBhvr>
-                                      <p:to>
-                                        <p:strVal val="visible"/>
-                                      </p:to>
-                                    </p:set>
-                                  </p:childTnLst>
-                                </p:cTn>
-                              </p:par>
-                              <p:par>
-                                <p:cTn id="13" presetID="1" presetClass="entr" presetSubtype="0" fill="hold" grpId="0" nodeType="withEffect">
-                                  <p:stCondLst>
-                                    <p:cond delay="0"/>
-                                  </p:stCondLst>
-                                  <p:childTnLst>
-                                    <p:set>
-                                      <p:cBhvr>
-                                        <p:cTn id="14" dur="1" fill="hold">
-                                          <p:stCondLst>
-                                            <p:cond delay="0"/>
-                                          </p:stCondLst>
-                                        </p:cTn>
-                                        <p:tgtEl>
-                                          <p:spTgt spid="2">
-                                            <p:txEl>
-                                              <p:pRg st="7" end="7"/>
-                                            </p:txEl>
-                                          </p:spTgt>
-                                        </p:tgtEl>
-                                        <p:attrNameLst>
-                                          <p:attrName>style.visibility</p:attrName>
-                                        </p:attrNameLst>
-                                      </p:cBhvr>
-                                      <p:to>
-                                        <p:strVal val="visible"/>
-                                      </p:to>
-                                    </p:set>
-                                  </p:childTnLst>
-                                </p:cTn>
-                              </p:par>
-                              <p:par>
-                                <p:cTn id="15" presetID="1" presetClass="entr" presetSubtype="0" fill="hold" grpId="0" nodeType="withEffect">
-                                  <p:stCondLst>
-                                    <p:cond delay="0"/>
-                                  </p:stCondLst>
-                                  <p:childTnLst>
-                                    <p:set>
-                                      <p:cBhvr>
-                                        <p:cTn id="16" dur="1" fill="hold">
-                                          <p:stCondLst>
-                                            <p:cond delay="0"/>
-                                          </p:stCondLst>
-                                        </p:cTn>
-                                        <p:tgtEl>
-                                          <p:spTgt spid="5"/>
-                                        </p:tgtEl>
-                                        <p:attrNameLst>
-                                          <p:attrName>style.visibility</p:attrName>
-                                        </p:attrNameLst>
-                                      </p:cBhvr>
-                                      <p:to>
-                                        <p:strVal val="visible"/>
-                                      </p:to>
-                                    </p:set>
-                                  </p:childTnLst>
-                                </p:cTn>
-                              </p:par>
-                              <p:par>
-                                <p:cTn id="17" presetID="1" presetClass="entr" presetSubtype="0" fill="hold" grpId="0" nodeType="withEffect">
-                                  <p:stCondLst>
-                                    <p:cond delay="0"/>
-                                  </p:stCondLst>
-                                  <p:childTnLst>
-                                    <p:set>
-                                      <p:cBhvr>
-                                        <p:cTn id="18" dur="1" fill="hold">
-                                          <p:stCondLst>
-                                            <p:cond delay="0"/>
-                                          </p:stCondLst>
-                                        </p:cTn>
-                                        <p:tgtEl>
-                                          <p:spTgt spid="6"/>
-                                        </p:tgtEl>
-                                        <p:attrNameLst>
-                                          <p:attrName>style.visibility</p:attrName>
-                                        </p:attrNameLst>
-                                      </p:cBhvr>
-                                      <p:to>
-                                        <p:strVal val="visible"/>
-                                      </p:to>
-                                    </p:set>
-                                  </p:childTnLst>
-                                </p:cTn>
-                              </p:par>
-                              <p:par>
-                                <p:cTn id="19" presetID="1" presetClass="entr" presetSubtype="0" fill="hold" grpId="0" nodeType="withEffect">
-                                  <p:stCondLst>
-                                    <p:cond delay="0"/>
-                                  </p:stCondLst>
-                                  <p:childTnLst>
-                                    <p:set>
-                                      <p:cBhvr>
-                                        <p:cTn id="20" dur="1" fill="hold">
-                                          <p:stCondLst>
-                                            <p:cond delay="0"/>
-                                          </p:stCondLst>
-                                        </p:cTn>
-                                        <p:tgtEl>
-                                          <p:spTgt spid="9"/>
-                                        </p:tgtEl>
-                                        <p:attrNameLst>
-                                          <p:attrName>style.visibility</p:attrName>
-                                        </p:attrNameLst>
-                                      </p:cBhvr>
-                                      <p:to>
-                                        <p:strVal val="visible"/>
-                                      </p:to>
-                                    </p:set>
-                                  </p:childTnLst>
-                                </p:cTn>
-                              </p:par>
-                              <p:par>
-                                <p:cTn id="21" presetID="1" presetClass="entr" presetSubtype="0" fill="hold" grpId="0" nodeType="withEffect">
-                                  <p:stCondLst>
-                                    <p:cond delay="0"/>
-                                  </p:stCondLst>
-                                  <p:childTnLst>
-                                    <p:set>
-                                      <p:cBhvr>
-                                        <p:cTn id="22" dur="1" fill="hold">
-                                          <p:stCondLst>
-                                            <p:cond delay="0"/>
-                                          </p:stCondLst>
-                                        </p:cTn>
-                                        <p:tgtEl>
-                                          <p:spTgt spid="8"/>
-                                        </p:tgtEl>
-                                        <p:attrNameLst>
-                                          <p:attrName>style.visibility</p:attrName>
-                                        </p:attrNameLst>
-                                      </p:cBhvr>
-                                      <p:to>
-                                        <p:strVal val="visible"/>
-                                      </p:to>
-                                    </p:set>
-                                  </p:childTnLst>
-                                </p:cTn>
-                              </p:par>
-                            </p:childTnLst>
-                          </p:cTn>
-                        </p:par>
-                      </p:childTnLst>
-                    </p:cTn>
-                  </p:par>
-                  <p:par>
-                    <p:cTn id="23" fill="hold">
-                      <p:stCondLst>
-                        <p:cond delay="indefinite"/>
-                      </p:stCondLst>
-                      <p:childTnLst>
-                        <p:par>
-                          <p:cTn id="24" fill="hold">
-                            <p:stCondLst>
-                              <p:cond delay="0"/>
-                            </p:stCondLst>
-                            <p:childTnLst>
-                              <p:par>
-                                <p:cTn id="25" presetID="1" presetClass="entr" presetSubtype="0" fill="hold" grpId="0" nodeType="clickEffect">
-                                  <p:stCondLst>
-                                    <p:cond delay="0"/>
-                                  </p:stCondLst>
-                                  <p:childTnLst>
-                                    <p:set>
-                                      <p:cBhvr>
-                                        <p:cTn id="26" dur="1" fill="hold">
-                                          <p:stCondLst>
-                                            <p:cond delay="0"/>
-                                          </p:stCondLst>
-                                        </p:cTn>
-                                        <p:tgtEl>
-                                          <p:spTgt spid="3">
-                                            <p:txEl>
-                                              <p:pRg st="0" end="0"/>
-                                            </p:txEl>
-                                          </p:spTgt>
-                                        </p:tgtEl>
-                                        <p:attrNameLst>
-                                          <p:attrName>style.visibility</p:attrName>
-                                        </p:attrNameLst>
-                                      </p:cBhvr>
-                                      <p:to>
-                                        <p:strVal val="visible"/>
-                                      </p:to>
-                                    </p:set>
-                                  </p:childTnLst>
-                                </p:cTn>
-                              </p:par>
-                              <p:par>
-                                <p:cTn id="27" presetID="1" presetClass="entr" presetSubtype="0" fill="hold" nodeType="withEffect">
-                                  <p:stCondLst>
-                                    <p:cond delay="0"/>
-                                  </p:stCondLst>
-                                  <p:childTnLst>
-                                    <p:set>
-                                      <p:cBhvr>
-                                        <p:cTn id="28" dur="1" fill="hold">
-                                          <p:stCondLst>
-                                            <p:cond delay="0"/>
-                                          </p:stCondLst>
-                                        </p:cTn>
-                                        <p:tgtEl>
-                                          <p:spTgt spid="11"/>
-                                        </p:tgtEl>
-                                        <p:attrNameLst>
-                                          <p:attrName>style.visibility</p:attrName>
-                                        </p:attrNameLst>
-                                      </p:cBhvr>
-                                      <p:to>
-                                        <p:strVal val="visible"/>
-                                      </p:to>
-                                    </p:set>
-                                  </p:childTnLst>
-                                </p:cTn>
-                              </p:par>
-                            </p:childTnLst>
-                          </p:cTn>
-                        </p:par>
-                      </p:childTnLst>
-                    </p:cTn>
-                  </p:par>
-                </p:childTnLst>
-              </p:cTn>
-              <p:prevCondLst>
-                <p:cond evt="onPrev" delay="0">
-                  <p:tgtEl>
-                    <p:sldTgt/>
-                  </p:tgtEl>
-                </p:cond>
-              </p:prevCondLst>
-              <p:nextCondLst>
-                <p:cond evt="onNext" delay="0">
-                  <p:tgtEl>
-                    <p:sldTgt/>
-                  </p:tgtEl>
-                </p:cond>
-              </p:nextCondLst>
-            </p:seq>
-          </p:childTnLst>
-        </p:cTn>
-      </p:par>
-    </p:tnLst>
-    <p:bldLst>
-      <p:bldP spid="2" grpId="0" build="allAtOnce"/>
-      <p:bldP spid="3" grpId="0" build="p"/>
-      <p:bldP spid="5" grpId="0" animBg="1"/>
-      <p:bldP spid="6" grpId="0" animBg="1"/>
-      <p:bldP spid="8" grpId="0" animBg="1"/>
-      <p:bldP spid="9" grpId="0" animBg="1"/>
-    </p:bldLst>
-  </p:timing>
-</p:sld>
-</file>
-
-<file path=ppt/slides/slide18.xml><?xml version="1.0" encoding="utf-8"?>
-<p:sld xmlns:a="http://schemas.openxmlformats.org/drawingml/2006/main" xmlns:r="http://schemas.openxmlformats.org/officeDocument/2006/relationships" xmlns:p="http://schemas.openxmlformats.org/presentationml/2006/main">
-  <p:cSld>
-    <p:spTree>
-      <p:nvGrpSpPr>
-        <p:cNvPr id="1" name=""/>
-        <p:cNvGrpSpPr/>
-        <p:nvPr/>
-      </p:nvGrpSpPr>
-      <p:grpSpPr>
-        <a:xfrm>
-          <a:off x="0" y="0"/>
-          <a:ext cx="0" cy="0"/>
-          <a:chOff x="0" y="0"/>
-          <a:chExt cx="0" cy="0"/>
-        </a:xfrm>
-      </p:grpSpPr>
-      <p:sp>
-        <p:nvSpPr>
-          <p:cNvPr id="2" name="Subtitle 1"/>
-          <p:cNvSpPr>
-            <a:spLocks noGrp="1"/>
-          </p:cNvSpPr>
-          <p:nvPr>
-            <p:ph type="subTitle" idx="1"/>
-          </p:nvPr>
-        </p:nvSpPr>
-        <p:spPr/>
-        <p:txBody>
-          <a:bodyPr/>
-          <a:lstStyle/>
-          <a:p>
-            <a:endParaRPr lang="en-US"/>
-          </a:p>
-        </p:txBody>
-      </p:sp>
-      <p:sp>
-        <p:nvSpPr>
-          <p:cNvPr id="3" name="Title 2"/>
-          <p:cNvSpPr>
-            <a:spLocks noGrp="1"/>
-          </p:cNvSpPr>
-          <p:nvPr>
-            <p:ph type="title"/>
-          </p:nvPr>
-        </p:nvSpPr>
-        <p:spPr/>
-        <p:txBody>
-          <a:bodyPr>
-            <a:normAutofit/>
-          </a:bodyPr>
-          <a:lstStyle/>
-          <a:p>
-            <a:r>
-              <a:rPr lang="en-US" sz="2500" dirty="0" smtClean="0">
-                <a:latin typeface="Comic Sans MS"/>
-                <a:cs typeface="Comic Sans MS"/>
-              </a:rPr>
-              <a:t>DEMO</a:t>
-            </a:r>
-            <a:endParaRPr lang="en-US" sz="2500" dirty="0">
-              <a:latin typeface="Comic Sans MS"/>
-              <a:cs typeface="Comic Sans MS"/>
-            </a:endParaRPr>
-          </a:p>
-        </p:txBody>
-      </p:sp>
-    </p:spTree>
-    <p:extLst>
-      <p:ext uri="{BB962C8B-B14F-4D97-AF65-F5344CB8AC3E}">
-        <p14:creationId xmlns:p14="http://schemas.microsoft.com/office/powerpoint/2010/main" val="3002614029"/>
-      </p:ext>
-    </p:extLst>
-  </p:cSld>
-  <p:clrMapOvr>
-    <a:masterClrMapping/>
-  </p:clrMapOvr>
-</p:sld>
-</file>
-
-<file path=ppt/slides/slide19.xml><?xml version="1.0" encoding="utf-8"?>
-<p:sld xmlns:a="http://schemas.openxmlformats.org/drawingml/2006/main" xmlns:r="http://schemas.openxmlformats.org/officeDocument/2006/relationships" xmlns:p="http://schemas.openxmlformats.org/presentationml/2006/main">
-  <p:cSld>
-    <p:spTree>
-      <p:nvGrpSpPr>
-        <p:cNvPr id="1" name=""/>
-        <p:cNvGrpSpPr/>
-        <p:nvPr/>
-      </p:nvGrpSpPr>
-      <p:grpSpPr>
-        <a:xfrm>
-          <a:off x="0" y="0"/>
-          <a:ext cx="0" cy="0"/>
-          <a:chOff x="0" y="0"/>
-          <a:chExt cx="0" cy="0"/>
-        </a:xfrm>
-      </p:grpSpPr>
-      <p:sp>
-        <p:nvSpPr>
-          <p:cNvPr id="2" name="Content Placeholder 1"/>
-          <p:cNvSpPr>
-            <a:spLocks noGrp="1"/>
-          </p:cNvSpPr>
-          <p:nvPr>
-            <p:ph sz="quarter" idx="13"/>
-          </p:nvPr>
-        </p:nvSpPr>
-        <p:spPr/>
-        <p:txBody>
-          <a:bodyPr>
-            <a:normAutofit fontScale="85000" lnSpcReduction="20000"/>
-          </a:bodyPr>
-          <a:lstStyle/>
-          <a:p>
-            <a:pPr marL="342900" indent="-342900" algn="l">
-              <a:buFont typeface="Arial"/>
-              <a:buChar char="•"/>
-            </a:pPr>
-            <a:r>
-              <a:rPr lang="en-US" dirty="0">
-                <a:latin typeface="Comic Sans MS"/>
-                <a:cs typeface="Comic Sans MS"/>
-              </a:rPr>
-              <a:t>Exclusive access (mutual exclusion)</a:t>
-            </a:r>
-          </a:p>
-          <a:p>
-            <a:pPr algn="l"/>
-            <a:r>
-              <a:rPr lang="en-US" dirty="0">
-                <a:latin typeface="Comic Sans MS"/>
-                <a:cs typeface="Comic Sans MS"/>
-              </a:rPr>
-              <a:t>	redesign to eliminate the need for mutual </a:t>
-            </a:r>
-            <a:r>
-              <a:rPr lang="en-US" dirty="0" smtClean="0">
-                <a:latin typeface="Comic Sans MS"/>
-                <a:cs typeface="Comic Sans MS"/>
-              </a:rPr>
-              <a:t>exclusion</a:t>
-            </a:r>
-            <a:endParaRPr lang="en-US" dirty="0">
-              <a:latin typeface="Comic Sans MS"/>
-              <a:cs typeface="Comic Sans MS"/>
-            </a:endParaRPr>
-          </a:p>
-          <a:p>
-            <a:pPr marL="342900" indent="-342900" algn="l">
-              <a:buFont typeface="Arial"/>
-              <a:buChar char="•"/>
-            </a:pPr>
-            <a:r>
-              <a:rPr lang="en-US" dirty="0">
-                <a:latin typeface="Comic Sans MS"/>
-                <a:cs typeface="Comic Sans MS"/>
-              </a:rPr>
-              <a:t>Wait while holding (hold-and-wait)</a:t>
-            </a:r>
-          </a:p>
-          <a:p>
-            <a:pPr algn="l"/>
-            <a:r>
-              <a:rPr lang="en-US" dirty="0" smtClean="0">
-                <a:latin typeface="Comic Sans MS"/>
-                <a:cs typeface="Comic Sans MS"/>
-              </a:rPr>
-              <a:t>	If </a:t>
-            </a:r>
-            <a:r>
-              <a:rPr lang="en-US" dirty="0">
-                <a:latin typeface="Comic Sans MS"/>
-                <a:cs typeface="Comic Sans MS"/>
-              </a:rPr>
-              <a:t>a process holding resources is denied a further request, the process </a:t>
-            </a:r>
-            <a:r>
-              <a:rPr lang="en-US" dirty="0" smtClean="0">
-                <a:latin typeface="Comic Sans MS"/>
-                <a:cs typeface="Comic Sans MS"/>
-              </a:rPr>
-              <a:t>	must </a:t>
-            </a:r>
-            <a:r>
-              <a:rPr lang="en-US" dirty="0">
-                <a:latin typeface="Comic Sans MS"/>
-                <a:cs typeface="Comic Sans MS"/>
-              </a:rPr>
-              <a:t>release all its resources and </a:t>
-            </a:r>
-            <a:r>
-              <a:rPr lang="en-US" dirty="0" err="1">
-                <a:latin typeface="Comic Sans MS"/>
-                <a:cs typeface="Comic Sans MS"/>
-              </a:rPr>
-              <a:t>rerequest</a:t>
-            </a:r>
-            <a:r>
-              <a:rPr lang="en-US" dirty="0">
-                <a:latin typeface="Comic Sans MS"/>
-                <a:cs typeface="Comic Sans MS"/>
-              </a:rPr>
-              <a:t> them</a:t>
-            </a:r>
-          </a:p>
-          <a:p>
-            <a:pPr algn="l"/>
-            <a:r>
-              <a:rPr lang="en-US" dirty="0" smtClean="0">
-                <a:latin typeface="Comic Sans MS"/>
-                <a:cs typeface="Comic Sans MS"/>
-              </a:rPr>
-              <a:t>	Require </a:t>
-            </a:r>
-            <a:r>
-              <a:rPr lang="en-US" dirty="0">
-                <a:latin typeface="Comic Sans MS"/>
-                <a:cs typeface="Comic Sans MS"/>
-              </a:rPr>
-              <a:t>that a process request all of its required resources at one </a:t>
-            </a:r>
-            <a:r>
-              <a:rPr lang="en-US" dirty="0" smtClean="0">
-                <a:latin typeface="Comic Sans MS"/>
-                <a:cs typeface="Comic Sans MS"/>
-              </a:rPr>
-              <a:t>time</a:t>
-            </a:r>
-            <a:endParaRPr lang="en-US" dirty="0">
-              <a:latin typeface="Comic Sans MS"/>
-              <a:cs typeface="Comic Sans MS"/>
-            </a:endParaRPr>
-          </a:p>
-          <a:p>
-            <a:pPr marL="342900" indent="-342900" algn="l">
-              <a:buFont typeface="Arial"/>
-              <a:buChar char="•"/>
-            </a:pPr>
-            <a:r>
-              <a:rPr lang="en-US" dirty="0">
-                <a:latin typeface="Comic Sans MS"/>
-                <a:cs typeface="Comic Sans MS"/>
-              </a:rPr>
-              <a:t>No preemption</a:t>
-            </a:r>
-          </a:p>
-          <a:p>
-            <a:pPr algn="l"/>
-            <a:r>
-              <a:rPr lang="en-US" dirty="0">
-                <a:latin typeface="Comic Sans MS"/>
-                <a:cs typeface="Comic Sans MS"/>
-              </a:rPr>
-              <a:t>	</a:t>
-            </a:r>
-            <a:r>
-              <a:rPr lang="en-US" dirty="0" smtClean="0">
-                <a:latin typeface="Comic Sans MS"/>
-                <a:cs typeface="Comic Sans MS"/>
-              </a:rPr>
-              <a:t>If </a:t>
-            </a:r>
-            <a:r>
-              <a:rPr lang="en-US" dirty="0">
-                <a:latin typeface="Comic Sans MS"/>
-                <a:cs typeface="Comic Sans MS"/>
-              </a:rPr>
-              <a:t>a process requests a resource that is currently held by another </a:t>
-            </a:r>
-            <a:r>
-              <a:rPr lang="en-US" dirty="0" smtClean="0">
-                <a:latin typeface="Comic Sans MS"/>
-                <a:cs typeface="Comic Sans MS"/>
-              </a:rPr>
-              <a:t>	process</a:t>
-            </a:r>
-            <a:r>
-              <a:rPr lang="en-US" dirty="0">
-                <a:latin typeface="Comic Sans MS"/>
-                <a:cs typeface="Comic Sans MS"/>
-              </a:rPr>
-              <a:t>, </a:t>
-            </a:r>
-            <a:r>
-              <a:rPr lang="en-US" dirty="0" smtClean="0">
-                <a:latin typeface="Comic Sans MS"/>
-                <a:cs typeface="Comic Sans MS"/>
-              </a:rPr>
-              <a:t>	the </a:t>
-            </a:r>
-            <a:r>
-              <a:rPr lang="en-US" dirty="0">
-                <a:latin typeface="Comic Sans MS"/>
-                <a:cs typeface="Comic Sans MS"/>
-              </a:rPr>
-              <a:t>OS preempts the second process and requires it </a:t>
-            </a:r>
-            <a:r>
-              <a:rPr lang="en-US" dirty="0" smtClean="0">
-                <a:latin typeface="Comic Sans MS"/>
-                <a:cs typeface="Comic Sans MS"/>
-              </a:rPr>
-              <a:t>to</a:t>
-            </a:r>
-            <a:r>
-              <a:rPr lang="en-US" dirty="0">
-                <a:latin typeface="Comic Sans MS"/>
-                <a:cs typeface="Comic Sans MS"/>
-              </a:rPr>
-              <a:t> </a:t>
-            </a:r>
-            <a:r>
-              <a:rPr lang="en-US" dirty="0" smtClean="0">
-                <a:latin typeface="Comic Sans MS"/>
-                <a:cs typeface="Comic Sans MS"/>
-              </a:rPr>
-              <a:t>release its 	resources</a:t>
-            </a:r>
-            <a:endParaRPr lang="en-US" dirty="0">
-              <a:latin typeface="Comic Sans MS"/>
-              <a:cs typeface="Comic Sans MS"/>
-            </a:endParaRPr>
-          </a:p>
-          <a:p>
-            <a:pPr marL="342900" indent="-342900" algn="l">
-              <a:buFont typeface="Arial"/>
-              <a:buChar char="•"/>
-            </a:pPr>
-            <a:r>
-              <a:rPr lang="en-US" dirty="0">
-                <a:latin typeface="Comic Sans MS"/>
-                <a:cs typeface="Comic Sans MS"/>
-              </a:rPr>
-              <a:t>Circular </a:t>
-            </a:r>
-            <a:r>
-              <a:rPr lang="en-US" dirty="0" smtClean="0">
-                <a:latin typeface="Comic Sans MS"/>
-                <a:cs typeface="Comic Sans MS"/>
-              </a:rPr>
-              <a:t>wait</a:t>
-            </a:r>
-          </a:p>
-          <a:p>
-            <a:pPr algn="l"/>
-            <a:r>
-              <a:rPr lang="en-US" dirty="0" smtClean="0">
-                <a:latin typeface="Comic Sans MS"/>
-                <a:cs typeface="Comic Sans MS"/>
-              </a:rPr>
-              <a:t>	Define </a:t>
-            </a:r>
-            <a:r>
-              <a:rPr lang="en-US" dirty="0">
-                <a:latin typeface="Comic Sans MS"/>
-                <a:cs typeface="Comic Sans MS"/>
-              </a:rPr>
-              <a:t>a linear ordering of resources and require allocations be </a:t>
-            </a:r>
-            <a:r>
-              <a:rPr lang="en-US" dirty="0" smtClean="0">
-                <a:latin typeface="Comic Sans MS"/>
-                <a:cs typeface="Comic Sans MS"/>
-              </a:rPr>
-              <a:t>	requested </a:t>
-            </a:r>
-            <a:r>
-              <a:rPr lang="en-US" dirty="0">
-                <a:latin typeface="Comic Sans MS"/>
-                <a:cs typeface="Comic Sans MS"/>
-              </a:rPr>
-              <a:t>only in this order</a:t>
-            </a:r>
-          </a:p>
-        </p:txBody>
-      </p:sp>
-      <p:sp>
-        <p:nvSpPr>
-          <p:cNvPr id="3" name="Title 2"/>
-          <p:cNvSpPr>
-            <a:spLocks noGrp="1"/>
-          </p:cNvSpPr>
-          <p:nvPr>
-            <p:ph type="title"/>
-          </p:nvPr>
-        </p:nvSpPr>
-        <p:spPr/>
-        <p:txBody>
-          <a:bodyPr>
-            <a:normAutofit/>
-          </a:bodyPr>
-          <a:lstStyle/>
-          <a:p>
-            <a:r>
-              <a:rPr lang="en-US" sz="2000" dirty="0">
-                <a:latin typeface="Comic Sans MS"/>
-                <a:cs typeface="Comic Sans MS"/>
-              </a:rPr>
-              <a:t>Deadlock Prevention Approaches</a:t>
-            </a:r>
-          </a:p>
-        </p:txBody>
-      </p:sp>
-    </p:spTree>
-    <p:extLst>
-      <p:ext uri="{BB962C8B-B14F-4D97-AF65-F5344CB8AC3E}">
-        <p14:creationId xmlns:p14="http://schemas.microsoft.com/office/powerpoint/2010/main" val="4034676532"/>
-      </p:ext>
-    </p:extLst>
-  </p:cSld>
-  <p:clrMapOvr>
-    <a:masterClrMapping/>
-  </p:clrMapOvr>
-  <p:timing>
-    <p:tnLst>
-      <p:par>
-        <p:cTn xmlns:p14="http://schemas.microsoft.com/office/powerpoint/2010/main" id="1" dur="indefinite" restart="never" nodeType="tmRoot">
-          <p:childTnLst>
-            <p:seq concurrent="1" nextAc="seek">
-              <p:cTn id="2" dur="indefinite" nodeType="mainSeq">
-                <p:childTnLst>
-                  <p:par>
-                    <p:cTn id="3" fill="hold">
-                      <p:stCondLst>
-                        <p:cond delay="indefinite"/>
-                        <p:cond evt="onBegin" delay="0">
-                          <p:tn val="2"/>
-                        </p:cond>
-                      </p:stCondLst>
-                      <p:childTnLst>
-                        <p:par>
-                          <p:cTn id="4" fill="hold">
-                            <p:stCondLst>
-                              <p:cond delay="0"/>
-                            </p:stCondLst>
-                            <p:childTnLst>
-                              <p:par>
-                                <p:cTn id="5" presetID="25" presetClass="entr" presetSubtype="0" fill="hold" grpId="0" nodeType="withEffect">
-                                  <p:stCondLst>
-                                    <p:cond delay="0"/>
-                                  </p:stCondLst>
-                                  <p:childTnLst>
-                                    <p:set>
-                                      <p:cBhvr>
-                                        <p:cTn id="6" dur="1" fill="hold">
-                                          <p:stCondLst>
-                                            <p:cond delay="0"/>
-                                          </p:stCondLst>
-                                        </p:cTn>
-                                        <p:tgtEl>
-                                          <p:spTgt spid="3"/>
-                                        </p:tgtEl>
-                                        <p:attrNameLst>
-                                          <p:attrName>style.visibility</p:attrName>
-                                        </p:attrNameLst>
-                                      </p:cBhvr>
-                                      <p:to>
-                                        <p:strVal val="visible"/>
-                                      </p:to>
-                                    </p:set>
-                                    <p:anim calcmode="lin" valueType="num">
-                                      <p:cBhvr>
-                                        <p:cTn id="7" dur="500" decel="50000" fill="hold">
-                                          <p:stCondLst>
-                                            <p:cond delay="0"/>
-                                          </p:stCondLst>
-                                        </p:cTn>
-                                        <p:tgtEl>
-                                          <p:spTgt spid="3"/>
-                                        </p:tgtEl>
-                                        <p:attrNameLst>
-                                          <p:attrName>style.rotation</p:attrName>
-                                        </p:attrNameLst>
-                                      </p:cBhvr>
-                                      <p:tavLst>
-                                        <p:tav tm="0">
-                                          <p:val>
-                                            <p:fltVal val="-90"/>
-                                          </p:val>
-                                        </p:tav>
-                                        <p:tav tm="100000">
-                                          <p:val>
-                                            <p:fltVal val="0"/>
-                                          </p:val>
-                                        </p:tav>
-                                      </p:tavLst>
-                                    </p:anim>
-                                    <p:anim calcmode="lin" valueType="num">
-                                      <p:cBhvr>
-                                        <p:cTn id="8" dur="500" decel="50000" fill="hold">
-                                          <p:stCondLst>
-                                            <p:cond delay="0"/>
-                                          </p:stCondLst>
-                                        </p:cTn>
-                                        <p:tgtEl>
-                                          <p:spTgt spid="3"/>
-                                        </p:tgtEl>
-                                        <p:attrNameLst>
-                                          <p:attrName>ppt_w</p:attrName>
-                                        </p:attrNameLst>
-                                      </p:cBhvr>
-                                      <p:tavLst>
-                                        <p:tav tm="0">
-                                          <p:val>
-                                            <p:strVal val="#ppt_w"/>
-                                          </p:val>
-                                        </p:tav>
-                                        <p:tav tm="100000">
-                                          <p:val>
-                                            <p:strVal val="#ppt_w*.05"/>
-                                          </p:val>
-                                        </p:tav>
-                                      </p:tavLst>
-                                    </p:anim>
-                                    <p:anim calcmode="lin" valueType="num">
-                                      <p:cBhvr>
-                                        <p:cTn id="9" dur="500" accel="50000" fill="hold">
-                                          <p:stCondLst>
-                                            <p:cond delay="500"/>
-                                          </p:stCondLst>
-                                        </p:cTn>
-                                        <p:tgtEl>
-                                          <p:spTgt spid="3"/>
-                                        </p:tgtEl>
-                                        <p:attrNameLst>
-                                          <p:attrName>ppt_w</p:attrName>
-                                        </p:attrNameLst>
-                                      </p:cBhvr>
-                                      <p:tavLst>
-                                        <p:tav tm="0">
-                                          <p:val>
-                                            <p:strVal val="#ppt_w*.05"/>
-                                          </p:val>
-                                        </p:tav>
-                                        <p:tav tm="100000">
-                                          <p:val>
-                                            <p:strVal val="#ppt_w"/>
-                                          </p:val>
-                                        </p:tav>
-                                      </p:tavLst>
-                                    </p:anim>
-                                    <p:anim calcmode="lin" valueType="num">
-                                      <p:cBhvr>
-                                        <p:cTn id="10" dur="1000" fill="hold"/>
-                                        <p:tgtEl>
-                                          <p:spTgt spid="3"/>
-                                        </p:tgtEl>
-                                        <p:attrNameLst>
-                                          <p:attrName>ppt_h</p:attrName>
-                                        </p:attrNameLst>
-                                      </p:cBhvr>
-                                      <p:tavLst>
-                                        <p:tav tm="0">
-                                          <p:val>
-                                            <p:strVal val="#ppt_h"/>
-                                          </p:val>
-                                        </p:tav>
-                                        <p:tav tm="100000">
-                                          <p:val>
-                                            <p:strVal val="#ppt_h"/>
-                                          </p:val>
-                                        </p:tav>
-                                      </p:tavLst>
-                                    </p:anim>
-                                    <p:anim calcmode="lin" valueType="num">
-                                      <p:cBhvr>
-                                        <p:cTn id="11" dur="500" decel="50000" fill="hold">
-                                          <p:stCondLst>
-                                            <p:cond delay="0"/>
-                                          </p:stCondLst>
-                                        </p:cTn>
-                                        <p:tgtEl>
-                                          <p:spTgt spid="3"/>
-                                        </p:tgtEl>
-                                        <p:attrNameLst>
-                                          <p:attrName>ppt_x</p:attrName>
-                                        </p:attrNameLst>
-                                      </p:cBhvr>
-                                      <p:tavLst>
-                                        <p:tav tm="0">
-                                          <p:val>
-                                            <p:strVal val="#ppt_x+.4"/>
-                                          </p:val>
-                                        </p:tav>
-                                        <p:tav tm="100000">
-                                          <p:val>
-                                            <p:strVal val="#ppt_x"/>
-                                          </p:val>
-                                        </p:tav>
-                                      </p:tavLst>
-                                    </p:anim>
-                                    <p:anim calcmode="lin" valueType="num">
-                                      <p:cBhvr>
-                                        <p:cTn id="12" dur="500" decel="50000" fill="hold">
-                                          <p:stCondLst>
-                                            <p:cond delay="0"/>
-                                          </p:stCondLst>
-                                        </p:cTn>
-                                        <p:tgtEl>
-                                          <p:spTgt spid="3"/>
-                                        </p:tgtEl>
-                                        <p:attrNameLst>
-                                          <p:attrName>ppt_y</p:attrName>
-                                        </p:attrNameLst>
-                                      </p:cBhvr>
-                                      <p:tavLst>
-                                        <p:tav tm="0">
-                                          <p:val>
-                                            <p:strVal val="#ppt_y-.2"/>
-                                          </p:val>
-                                        </p:tav>
-                                        <p:tav tm="100000">
-                                          <p:val>
-                                            <p:strVal val="#ppt_y+.1"/>
-                                          </p:val>
-                                        </p:tav>
-                                      </p:tavLst>
-                                    </p:anim>
-                                    <p:anim calcmode="lin" valueType="num">
-                                      <p:cBhvr>
-                                        <p:cTn id="13" dur="500" accel="50000" fill="hold">
-                                          <p:stCondLst>
-                                            <p:cond delay="500"/>
-                                          </p:stCondLst>
-                                        </p:cTn>
-                                        <p:tgtEl>
-                                          <p:spTgt spid="3"/>
-                                        </p:tgtEl>
-                                        <p:attrNameLst>
-                                          <p:attrName>ppt_y</p:attrName>
-                                        </p:attrNameLst>
-                                      </p:cBhvr>
-                                      <p:tavLst>
-                                        <p:tav tm="0">
-                                          <p:val>
-                                            <p:strVal val="#ppt_y+.1"/>
-                                          </p:val>
-                                        </p:tav>
-                                        <p:tav tm="100000">
-                                          <p:val>
-                                            <p:strVal val="#ppt_y"/>
-                                          </p:val>
-                                        </p:tav>
-                                      </p:tavLst>
-                                    </p:anim>
-                                    <p:animEffect transition="in" filter="fade">
-                                      <p:cBhvr>
-                                        <p:cTn id="14" dur="1000" decel="50000">
-                                          <p:stCondLst>
-                                            <p:cond delay="0"/>
-                                          </p:stCondLst>
-                                        </p:cTn>
-                                        <p:tgtEl>
-                                          <p:spTgt spid="3"/>
-                                        </p:tgtEl>
-                                      </p:cBhvr>
-                                    </p:animEffect>
-                                  </p:childTnLst>
-                                </p:cTn>
-                              </p:par>
-                            </p:childTnLst>
-                          </p:cTn>
-                        </p:par>
-                      </p:childTnLst>
-                    </p:cTn>
-                  </p:par>
-                  <p:par>
-                    <p:cTn id="15" fill="hold">
-                      <p:stCondLst>
-                        <p:cond delay="indefinite"/>
-                      </p:stCondLst>
-                      <p:childTnLst>
-                        <p:par>
-                          <p:cTn id="16" fill="hold">
-                            <p:stCondLst>
-                              <p:cond delay="0"/>
-                            </p:stCondLst>
-                            <p:childTnLst>
-                              <p:par>
-                                <p:cTn id="17" presetID="28" presetClass="emph" presetSubtype="0" fill="hold" grpId="0" nodeType="clickEffect">
-                                  <p:stCondLst>
-                                    <p:cond delay="0"/>
-                                  </p:stCondLst>
-                                  <p:iterate type="lt">
-                                    <p:tmPct val="10000"/>
-                                  </p:iterate>
-                                  <p:childTnLst>
-                                    <p:animClr clrSpc="rgb" dir="cw">
-                                      <p:cBhvr override="childStyle">
-                                        <p:cTn id="18" dur="500" fill="hold"/>
-                                        <p:tgtEl>
-                                          <p:spTgt spid="2">
-                                            <p:txEl>
-                                              <p:pRg st="0" end="0"/>
-                                            </p:txEl>
-                                          </p:spTgt>
-                                        </p:tgtEl>
-                                        <p:attrNameLst>
-                                          <p:attrName>style.color</p:attrName>
-                                        </p:attrNameLst>
-                                      </p:cBhvr>
-                                      <p:to>
-                                        <a:schemeClr val="accent2"/>
-                                      </p:to>
-                                    </p:animClr>
-                                    <p:animClr clrSpc="rgb" dir="cw">
-                                      <p:cBhvr>
-                                        <p:cTn id="19" dur="500" fill="hold"/>
-                                        <p:tgtEl>
-                                          <p:spTgt spid="2">
-                                            <p:txEl>
-                                              <p:pRg st="0" end="0"/>
-                                            </p:txEl>
-                                          </p:spTgt>
-                                        </p:tgtEl>
-                                        <p:attrNameLst>
-                                          <p:attrName>fillcolor</p:attrName>
-                                        </p:attrNameLst>
-                                      </p:cBhvr>
-                                      <p:to>
-                                        <a:schemeClr val="accent2"/>
-                                      </p:to>
-                                    </p:animClr>
-                                    <p:set>
-                                      <p:cBhvr>
-                                        <p:cTn id="20" dur="500" fill="hold"/>
-                                        <p:tgtEl>
-                                          <p:spTgt spid="2">
-                                            <p:txEl>
-                                              <p:pRg st="0" end="0"/>
-                                            </p:txEl>
-                                          </p:spTgt>
-                                        </p:tgtEl>
-                                        <p:attrNameLst>
-                                          <p:attrName>fill.type</p:attrName>
-                                        </p:attrNameLst>
-                                      </p:cBhvr>
-                                      <p:to>
-                                        <p:strVal val="solid"/>
-                                      </p:to>
-                                    </p:set>
-                                    <p:anim to="1.5" calcmode="lin" valueType="num">
-                                      <p:cBhvr override="childStyle">
-                                        <p:cTn id="21" dur="500" fill="hold"/>
-                                        <p:tgtEl>
-                                          <p:spTgt spid="2">
-                                            <p:txEl>
-                                              <p:pRg st="0" end="0"/>
-                                            </p:txEl>
-                                          </p:spTgt>
-                                        </p:tgtEl>
-                                        <p:attrNameLst>
-                                          <p:attrName>style.fontSize</p:attrName>
-                                        </p:attrNameLst>
-                                      </p:cBhvr>
-                                    </p:anim>
-                                  </p:childTnLst>
-                                </p:cTn>
-                              </p:par>
-                              <p:par>
-                                <p:cTn id="22" presetID="3" presetClass="entr" presetSubtype="10" fill="hold" grpId="1" nodeType="withEffect">
-                                  <p:stCondLst>
-                                    <p:cond delay="0"/>
-                                  </p:stCondLst>
-                                  <p:childTnLst>
-                                    <p:set>
-                                      <p:cBhvr>
-                                        <p:cTn id="23" dur="1" fill="hold">
-                                          <p:stCondLst>
-                                            <p:cond delay="0"/>
-                                          </p:stCondLst>
-                                        </p:cTn>
-                                        <p:tgtEl>
-                                          <p:spTgt spid="2">
-                                            <p:txEl>
-                                              <p:pRg st="1" end="1"/>
-                                            </p:txEl>
-                                          </p:spTgt>
-                                        </p:tgtEl>
-                                        <p:attrNameLst>
-                                          <p:attrName>style.visibility</p:attrName>
-                                        </p:attrNameLst>
-                                      </p:cBhvr>
-                                      <p:to>
-                                        <p:strVal val="visible"/>
-                                      </p:to>
-                                    </p:set>
-                                    <p:animEffect transition="in" filter="blinds(horizontal)">
-                                      <p:cBhvr>
-                                        <p:cTn id="24" dur="500"/>
-                                        <p:tgtEl>
-                                          <p:spTgt spid="2">
-                                            <p:txEl>
-                                              <p:pRg st="1" end="1"/>
-                                            </p:txEl>
-                                          </p:spTgt>
-                                        </p:tgtEl>
-                                      </p:cBhvr>
-                                    </p:animEffect>
-                                  </p:childTnLst>
-                                </p:cTn>
-                              </p:par>
-                            </p:childTnLst>
-                          </p:cTn>
-                        </p:par>
-                      </p:childTnLst>
-                    </p:cTn>
-                  </p:par>
-                  <p:par>
-                    <p:cTn id="25" fill="hold">
-                      <p:stCondLst>
-                        <p:cond delay="indefinite"/>
-                      </p:stCondLst>
-                      <p:childTnLst>
-                        <p:par>
-                          <p:cTn id="26" fill="hold">
-                            <p:stCondLst>
-                              <p:cond delay="0"/>
-                            </p:stCondLst>
-                            <p:childTnLst>
-                              <p:par>
-                                <p:cTn id="27" presetID="36" presetClass="emph" presetSubtype="0" fill="hold" grpId="0" nodeType="clickEffect">
-                                  <p:stCondLst>
-                                    <p:cond delay="0"/>
-                                  </p:stCondLst>
-                                  <p:iterate type="lt">
-                                    <p:tmPct val="10000"/>
-                                  </p:iterate>
-                                  <p:childTnLst>
-                                    <p:animScale>
-                                      <p:cBhvr>
-                                        <p:cTn id="28" dur="250" autoRev="1" fill="hold">
-                                          <p:stCondLst>
-                                            <p:cond delay="0"/>
-                                          </p:stCondLst>
-                                        </p:cTn>
-                                        <p:tgtEl>
-                                          <p:spTgt spid="2">
-                                            <p:txEl>
-                                              <p:pRg st="2" end="2"/>
-                                            </p:txEl>
-                                          </p:spTgt>
-                                        </p:tgtEl>
-                                      </p:cBhvr>
-                                      <p:to x="80000" y="100000"/>
-                                    </p:animScale>
-                                    <p:anim by="(#ppt_w*0.10)" calcmode="lin" valueType="num">
-                                      <p:cBhvr>
-                                        <p:cTn id="29" dur="250" autoRev="1" fill="hold">
-                                          <p:stCondLst>
-                                            <p:cond delay="0"/>
-                                          </p:stCondLst>
-                                        </p:cTn>
-                                        <p:tgtEl>
-                                          <p:spTgt spid="2">
-                                            <p:txEl>
-                                              <p:pRg st="2" end="2"/>
-                                            </p:txEl>
-                                          </p:spTgt>
-                                        </p:tgtEl>
-                                        <p:attrNameLst>
-                                          <p:attrName>ppt_x</p:attrName>
-                                        </p:attrNameLst>
-                                      </p:cBhvr>
-                                    </p:anim>
-                                    <p:anim by="(-#ppt_w*0.10)" calcmode="lin" valueType="num">
-                                      <p:cBhvr>
-                                        <p:cTn id="30" dur="250" autoRev="1" fill="hold">
-                                          <p:stCondLst>
-                                            <p:cond delay="0"/>
-                                          </p:stCondLst>
-                                        </p:cTn>
-                                        <p:tgtEl>
-                                          <p:spTgt spid="2">
-                                            <p:txEl>
-                                              <p:pRg st="2" end="2"/>
-                                            </p:txEl>
-                                          </p:spTgt>
-                                        </p:tgtEl>
-                                        <p:attrNameLst>
-                                          <p:attrName>ppt_y</p:attrName>
-                                        </p:attrNameLst>
-                                      </p:cBhvr>
-                                    </p:anim>
-                                    <p:animRot by="-480000">
-                                      <p:cBhvr>
-                                        <p:cTn id="31" dur="250" autoRev="1" fill="hold">
-                                          <p:stCondLst>
-                                            <p:cond delay="0"/>
-                                          </p:stCondLst>
-                                        </p:cTn>
-                                        <p:tgtEl>
-                                          <p:spTgt spid="2">
-                                            <p:txEl>
-                                              <p:pRg st="2" end="2"/>
-                                            </p:txEl>
-                                          </p:spTgt>
-                                        </p:tgtEl>
-                                        <p:attrNameLst>
-                                          <p:attrName>r</p:attrName>
-                                        </p:attrNameLst>
-                                      </p:cBhvr>
-                                    </p:animRot>
-                                  </p:childTnLst>
-                                </p:cTn>
-                              </p:par>
-                              <p:par>
-                                <p:cTn id="32" presetID="5" presetClass="entr" presetSubtype="10" fill="hold" grpId="1" nodeType="withEffect">
-                                  <p:stCondLst>
-                                    <p:cond delay="0"/>
-                                  </p:stCondLst>
-                                  <p:childTnLst>
-                                    <p:set>
-                                      <p:cBhvr>
-                                        <p:cTn id="33" dur="1" fill="hold">
-                                          <p:stCondLst>
-                                            <p:cond delay="0"/>
-                                          </p:stCondLst>
-                                        </p:cTn>
-                                        <p:tgtEl>
-                                          <p:spTgt spid="2">
-                                            <p:txEl>
-                                              <p:pRg st="3" end="3"/>
-                                            </p:txEl>
-                                          </p:spTgt>
-                                        </p:tgtEl>
-                                        <p:attrNameLst>
-                                          <p:attrName>style.visibility</p:attrName>
-                                        </p:attrNameLst>
-                                      </p:cBhvr>
-                                      <p:to>
-                                        <p:strVal val="visible"/>
-                                      </p:to>
-                                    </p:set>
-                                    <p:animEffect transition="in" filter="checkerboard(across)">
-                                      <p:cBhvr>
-                                        <p:cTn id="34" dur="500"/>
-                                        <p:tgtEl>
-                                          <p:spTgt spid="2">
-                                            <p:txEl>
-                                              <p:pRg st="3" end="3"/>
-                                            </p:txEl>
-                                          </p:spTgt>
-                                        </p:tgtEl>
-                                      </p:cBhvr>
-                                    </p:animEffect>
-                                  </p:childTnLst>
-                                </p:cTn>
-                              </p:par>
-                              <p:par>
-                                <p:cTn id="35" presetID="5" presetClass="entr" presetSubtype="10" fill="hold" grpId="1" nodeType="withEffect">
-                                  <p:stCondLst>
-                                    <p:cond delay="0"/>
-                                  </p:stCondLst>
-                                  <p:childTnLst>
-                                    <p:set>
-                                      <p:cBhvr>
-                                        <p:cTn id="36" dur="1" fill="hold">
-                                          <p:stCondLst>
-                                            <p:cond delay="0"/>
-                                          </p:stCondLst>
-                                        </p:cTn>
-                                        <p:tgtEl>
-                                          <p:spTgt spid="2">
-                                            <p:txEl>
-                                              <p:pRg st="4" end="4"/>
-                                            </p:txEl>
-                                          </p:spTgt>
-                                        </p:tgtEl>
-                                        <p:attrNameLst>
-                                          <p:attrName>style.visibility</p:attrName>
-                                        </p:attrNameLst>
-                                      </p:cBhvr>
-                                      <p:to>
-                                        <p:strVal val="visible"/>
-                                      </p:to>
-                                    </p:set>
-                                    <p:animEffect transition="in" filter="checkerboard(across)">
-                                      <p:cBhvr>
-                                        <p:cTn id="37" dur="500"/>
-                                        <p:tgtEl>
-                                          <p:spTgt spid="2">
-                                            <p:txEl>
-                                              <p:pRg st="4" end="4"/>
-                                            </p:txEl>
-                                          </p:spTgt>
-                                        </p:tgtEl>
-                                      </p:cBhvr>
-                                    </p:animEffect>
-                                  </p:childTnLst>
-                                </p:cTn>
-                              </p:par>
-                            </p:childTnLst>
-                          </p:cTn>
-                        </p:par>
-                      </p:childTnLst>
-                    </p:cTn>
-                  </p:par>
-                  <p:par>
-                    <p:cTn id="38" fill="hold">
-                      <p:stCondLst>
-                        <p:cond delay="indefinite"/>
-                      </p:stCondLst>
-                      <p:childTnLst>
-                        <p:par>
-                          <p:cTn id="39" fill="hold">
-                            <p:stCondLst>
-                              <p:cond delay="0"/>
-                            </p:stCondLst>
-                            <p:childTnLst>
-                              <p:par>
-                                <p:cTn id="40" presetID="32" presetClass="emph" presetSubtype="0" fill="hold" grpId="0" nodeType="clickEffect">
-                                  <p:stCondLst>
-                                    <p:cond delay="0"/>
-                                  </p:stCondLst>
-                                  <p:childTnLst>
-                                    <p:animRot by="120000">
-                                      <p:cBhvr>
-                                        <p:cTn id="41" dur="100" fill="hold">
-                                          <p:stCondLst>
-                                            <p:cond delay="0"/>
-                                          </p:stCondLst>
-                                        </p:cTn>
-                                        <p:tgtEl>
-                                          <p:spTgt spid="2">
-                                            <p:txEl>
-                                              <p:pRg st="5" end="5"/>
-                                            </p:txEl>
-                                          </p:spTgt>
-                                        </p:tgtEl>
-                                        <p:attrNameLst>
-                                          <p:attrName>r</p:attrName>
-                                        </p:attrNameLst>
-                                      </p:cBhvr>
-                                    </p:animRot>
-                                    <p:animRot by="-240000">
-                                      <p:cBhvr>
-                                        <p:cTn id="42" dur="200" fill="hold">
-                                          <p:stCondLst>
-                                            <p:cond delay="200"/>
-                                          </p:stCondLst>
-                                        </p:cTn>
-                                        <p:tgtEl>
-                                          <p:spTgt spid="2">
-                                            <p:txEl>
-                                              <p:pRg st="5" end="5"/>
-                                            </p:txEl>
-                                          </p:spTgt>
-                                        </p:tgtEl>
-                                        <p:attrNameLst>
-                                          <p:attrName>r</p:attrName>
-                                        </p:attrNameLst>
-                                      </p:cBhvr>
-                                    </p:animRot>
-                                    <p:animRot by="240000">
-                                      <p:cBhvr>
-                                        <p:cTn id="43" dur="200" fill="hold">
-                                          <p:stCondLst>
-                                            <p:cond delay="400"/>
-                                          </p:stCondLst>
-                                        </p:cTn>
-                                        <p:tgtEl>
-                                          <p:spTgt spid="2">
-                                            <p:txEl>
-                                              <p:pRg st="5" end="5"/>
-                                            </p:txEl>
-                                          </p:spTgt>
-                                        </p:tgtEl>
-                                        <p:attrNameLst>
-                                          <p:attrName>r</p:attrName>
-                                        </p:attrNameLst>
-                                      </p:cBhvr>
-                                    </p:animRot>
-                                    <p:animRot by="-240000">
-                                      <p:cBhvr>
-                                        <p:cTn id="44" dur="200" fill="hold">
-                                          <p:stCondLst>
-                                            <p:cond delay="600"/>
-                                          </p:stCondLst>
-                                        </p:cTn>
-                                        <p:tgtEl>
-                                          <p:spTgt spid="2">
-                                            <p:txEl>
-                                              <p:pRg st="5" end="5"/>
-                                            </p:txEl>
-                                          </p:spTgt>
-                                        </p:tgtEl>
-                                        <p:attrNameLst>
-                                          <p:attrName>r</p:attrName>
-                                        </p:attrNameLst>
-                                      </p:cBhvr>
-                                    </p:animRot>
-                                    <p:animRot by="120000">
-                                      <p:cBhvr>
-                                        <p:cTn id="45" dur="200" fill="hold">
-                                          <p:stCondLst>
-                                            <p:cond delay="800"/>
-                                          </p:stCondLst>
-                                        </p:cTn>
-                                        <p:tgtEl>
-                                          <p:spTgt spid="2">
-                                            <p:txEl>
-                                              <p:pRg st="5" end="5"/>
-                                            </p:txEl>
-                                          </p:spTgt>
-                                        </p:tgtEl>
-                                        <p:attrNameLst>
-                                          <p:attrName>r</p:attrName>
-                                        </p:attrNameLst>
-                                      </p:cBhvr>
-                                    </p:animRot>
-                                  </p:childTnLst>
-                                </p:cTn>
-                              </p:par>
-                              <p:par>
-                                <p:cTn id="46" presetID="9" presetClass="entr" presetSubtype="0" fill="hold" grpId="1" nodeType="withEffect">
-                                  <p:stCondLst>
-                                    <p:cond delay="0"/>
-                                  </p:stCondLst>
-                                  <p:childTnLst>
-                                    <p:set>
-                                      <p:cBhvr>
-                                        <p:cTn id="47" dur="1" fill="hold">
-                                          <p:stCondLst>
-                                            <p:cond delay="0"/>
-                                          </p:stCondLst>
-                                        </p:cTn>
-                                        <p:tgtEl>
-                                          <p:spTgt spid="2">
-                                            <p:txEl>
-                                              <p:pRg st="6" end="6"/>
-                                            </p:txEl>
-                                          </p:spTgt>
-                                        </p:tgtEl>
-                                        <p:attrNameLst>
-                                          <p:attrName>style.visibility</p:attrName>
-                                        </p:attrNameLst>
-                                      </p:cBhvr>
-                                      <p:to>
-                                        <p:strVal val="visible"/>
-                                      </p:to>
-                                    </p:set>
-                                    <p:animEffect transition="in" filter="dissolve">
-                                      <p:cBhvr>
-                                        <p:cTn id="48" dur="500"/>
-                                        <p:tgtEl>
-                                          <p:spTgt spid="2">
-                                            <p:txEl>
-                                              <p:pRg st="6" end="6"/>
-                                            </p:txEl>
-                                          </p:spTgt>
-                                        </p:tgtEl>
-                                      </p:cBhvr>
-                                    </p:animEffect>
-                                  </p:childTnLst>
-                                </p:cTn>
-                              </p:par>
-                            </p:childTnLst>
-                          </p:cTn>
-                        </p:par>
-                      </p:childTnLst>
-                    </p:cTn>
-                  </p:par>
-                  <p:par>
-                    <p:cTn id="49" fill="hold">
-                      <p:stCondLst>
-                        <p:cond delay="indefinite"/>
-                      </p:stCondLst>
-                      <p:childTnLst>
-                        <p:par>
-                          <p:cTn id="50" fill="hold">
-                            <p:stCondLst>
-                              <p:cond delay="0"/>
-                            </p:stCondLst>
-                            <p:childTnLst>
-                              <p:par>
-                                <p:cTn id="51" presetID="34" presetClass="emph" presetSubtype="0" fill="hold" grpId="0" nodeType="clickEffect">
-                                  <p:stCondLst>
-                                    <p:cond delay="0"/>
-                                  </p:stCondLst>
-                                  <p:iterate type="lt">
-                                    <p:tmPct val="10000"/>
-                                  </p:iterate>
-                                  <p:childTnLst>
-                                    <p:animMotion origin="layout" path="M 0.0 0.0 L 0.0 -0.07213" pathEditMode="relative" ptsTypes="">
-                                      <p:cBhvr>
-                                        <p:cTn id="52" dur="250" accel="50000" decel="50000" autoRev="1" fill="hold">
-                                          <p:stCondLst>
-                                            <p:cond delay="0"/>
-                                          </p:stCondLst>
-                                        </p:cTn>
-                                        <p:tgtEl>
-                                          <p:spTgt spid="2">
-                                            <p:txEl>
-                                              <p:pRg st="7" end="7"/>
-                                            </p:txEl>
-                                          </p:spTgt>
-                                        </p:tgtEl>
-                                        <p:attrNameLst>
-                                          <p:attrName>ppt_x</p:attrName>
-                                          <p:attrName>ppt_y</p:attrName>
-                                        </p:attrNameLst>
-                                      </p:cBhvr>
-                                    </p:animMotion>
-                                    <p:animRot by="1500000">
-                                      <p:cBhvr>
-                                        <p:cTn id="53" dur="125" fill="hold">
-                                          <p:stCondLst>
-                                            <p:cond delay="0"/>
-                                          </p:stCondLst>
-                                        </p:cTn>
-                                        <p:tgtEl>
-                                          <p:spTgt spid="2">
-                                            <p:txEl>
-                                              <p:pRg st="7" end="7"/>
-                                            </p:txEl>
-                                          </p:spTgt>
-                                        </p:tgtEl>
-                                        <p:attrNameLst>
-                                          <p:attrName>r</p:attrName>
-                                        </p:attrNameLst>
-                                      </p:cBhvr>
-                                    </p:animRot>
-                                    <p:animRot by="-1500000">
-                                      <p:cBhvr>
-                                        <p:cTn id="54" dur="125" fill="hold">
-                                          <p:stCondLst>
-                                            <p:cond delay="125"/>
-                                          </p:stCondLst>
-                                        </p:cTn>
-                                        <p:tgtEl>
-                                          <p:spTgt spid="2">
-                                            <p:txEl>
-                                              <p:pRg st="7" end="7"/>
-                                            </p:txEl>
-                                          </p:spTgt>
-                                        </p:tgtEl>
-                                        <p:attrNameLst>
-                                          <p:attrName>r</p:attrName>
-                                        </p:attrNameLst>
-                                      </p:cBhvr>
-                                    </p:animRot>
-                                    <p:animRot by="-1500000">
-                                      <p:cBhvr>
-                                        <p:cTn id="55" dur="125" fill="hold">
-                                          <p:stCondLst>
-                                            <p:cond delay="250"/>
-                                          </p:stCondLst>
-                                        </p:cTn>
-                                        <p:tgtEl>
-                                          <p:spTgt spid="2">
-                                            <p:txEl>
-                                              <p:pRg st="7" end="7"/>
-                                            </p:txEl>
-                                          </p:spTgt>
-                                        </p:tgtEl>
-                                        <p:attrNameLst>
-                                          <p:attrName>r</p:attrName>
-                                        </p:attrNameLst>
-                                      </p:cBhvr>
-                                    </p:animRot>
-                                    <p:animRot by="1500000">
-                                      <p:cBhvr>
-                                        <p:cTn id="56" dur="125" fill="hold">
-                                          <p:stCondLst>
-                                            <p:cond delay="375"/>
-                                          </p:stCondLst>
-                                        </p:cTn>
-                                        <p:tgtEl>
-                                          <p:spTgt spid="2">
-                                            <p:txEl>
-                                              <p:pRg st="7" end="7"/>
-                                            </p:txEl>
-                                          </p:spTgt>
-                                        </p:tgtEl>
-                                        <p:attrNameLst>
-                                          <p:attrName>r</p:attrName>
-                                        </p:attrNameLst>
-                                      </p:cBhvr>
-                                    </p:animRot>
-                                  </p:childTnLst>
-                                </p:cTn>
-                              </p:par>
-                              <p:par>
-                                <p:cTn id="57" presetID="10" presetClass="entr" presetSubtype="0" fill="hold" grpId="2" nodeType="withEffect">
-                                  <p:stCondLst>
-                                    <p:cond delay="0"/>
-                                  </p:stCondLst>
-                                  <p:childTnLst>
-                                    <p:set>
-                                      <p:cBhvr>
-                                        <p:cTn id="58" dur="1" fill="hold">
-                                          <p:stCondLst>
-                                            <p:cond delay="0"/>
-                                          </p:stCondLst>
-                                        </p:cTn>
-                                        <p:tgtEl>
-                                          <p:spTgt spid="2">
-                                            <p:txEl>
-                                              <p:pRg st="8" end="8"/>
-                                            </p:txEl>
-                                          </p:spTgt>
-                                        </p:tgtEl>
-                                        <p:attrNameLst>
-                                          <p:attrName>style.visibility</p:attrName>
-                                        </p:attrNameLst>
-                                      </p:cBhvr>
-                                      <p:to>
-                                        <p:strVal val="visible"/>
-                                      </p:to>
-                                    </p:set>
-                                    <p:animEffect transition="in" filter="fade">
-                                      <p:cBhvr>
-                                        <p:cTn id="59" dur="500"/>
-                                        <p:tgtEl>
-                                          <p:spTgt spid="2">
-                                            <p:txEl>
-                                              <p:pRg st="8" end="8"/>
-                                            </p:txEl>
-                                          </p:spTgt>
-                                        </p:tgtEl>
-                                      </p:cBhvr>
-                                    </p:animEffect>
-                                  </p:childTnLst>
-                                </p:cTn>
-                              </p:par>
-                            </p:childTnLst>
-                          </p:cTn>
-                        </p:par>
-                      </p:childTnLst>
-                    </p:cTn>
-                  </p:par>
-                </p:childTnLst>
-              </p:cTn>
-              <p:prevCondLst>
-                <p:cond evt="onPrev" delay="0">
-                  <p:tgtEl>
-                    <p:sldTgt/>
-                  </p:tgtEl>
-                </p:cond>
-              </p:prevCondLst>
-              <p:nextCondLst>
-                <p:cond evt="onNext" delay="0">
-                  <p:tgtEl>
-                    <p:sldTgt/>
-                  </p:tgtEl>
-                </p:cond>
-              </p:nextCondLst>
-            </p:seq>
-          </p:childTnLst>
-        </p:cTn>
-      </p:par>
-    </p:tnLst>
-    <p:bldLst>
-      <p:bldP spid="2" grpId="0" build="p"/>
-      <p:bldP spid="2" grpId="1" build="p"/>
-      <p:bldP spid="2" grpId="2" build="p"/>
-      <p:bldP spid="3" grpId="0" animBg="1"/>
-    </p:bldLst>
-  </p:timing>
-</p:sld>
-</file>
-
-<file path=ppt/slides/slide2.xml><?xml version="1.0" encoding="utf-8"?>
-<p:sld xmlns:a="http://schemas.openxmlformats.org/drawingml/2006/main" xmlns:r="http://schemas.openxmlformats.org/officeDocument/2006/relationships" xmlns:p="http://schemas.openxmlformats.org/presentationml/2006/main">
-  <p:cSld>
-    <p:spTree>
-      <p:nvGrpSpPr>
-        <p:cNvPr id="1" name=""/>
-        <p:cNvGrpSpPr/>
-        <p:nvPr/>
-      </p:nvGrpSpPr>
-      <p:grpSpPr>
-        <a:xfrm>
-          <a:off x="0" y="0"/>
-          <a:ext cx="0" cy="0"/>
-          <a:chOff x="0" y="0"/>
-          <a:chExt cx="0" cy="0"/>
-        </a:xfrm>
-      </p:grpSpPr>
-      <p:sp>
-        <p:nvSpPr>
-          <p:cNvPr id="2" name="Content Placeholder 1"/>
-          <p:cNvSpPr>
-            <a:spLocks noGrp="1"/>
-          </p:cNvSpPr>
-          <p:nvPr>
-            <p:ph sz="quarter" idx="13"/>
-          </p:nvPr>
-        </p:nvSpPr>
-        <p:spPr/>
-        <p:txBody>
-          <a:bodyPr/>
-          <a:lstStyle/>
-          <a:p>
-            <a:pPr marL="342900" indent="-342900">
-              <a:buFont typeface="Arial"/>
-              <a:buChar char="•"/>
-            </a:pPr>
-            <a:r>
-              <a:rPr lang="en-US" dirty="0" smtClean="0"/>
-              <a:t>Why there are pitfalls in Parallel Programming?</a:t>
-            </a:r>
-          </a:p>
-          <a:p>
-            <a:pPr marL="342900" indent="-342900">
-              <a:buFont typeface="Arial"/>
-              <a:buChar char="•"/>
-            </a:pPr>
-            <a:r>
-              <a:rPr lang="en-US" dirty="0" smtClean="0"/>
-              <a:t>Related works.</a:t>
-            </a:r>
-          </a:p>
-          <a:p>
-            <a:pPr marL="342900" indent="-342900">
-              <a:buFont typeface="Arial"/>
-              <a:buChar char="•"/>
-            </a:pPr>
-            <a:r>
-              <a:rPr lang="en-US" dirty="0" smtClean="0"/>
-              <a:t>Our contributions.</a:t>
-            </a:r>
-          </a:p>
-          <a:p>
-            <a:pPr marL="342900" indent="-342900">
-              <a:buFont typeface="Arial"/>
-              <a:buChar char="•"/>
-            </a:pPr>
-            <a:r>
-              <a:rPr lang="en-US" dirty="0" smtClean="0"/>
-              <a:t>Why we chose to do what we doing?</a:t>
-            </a:r>
-          </a:p>
-          <a:p>
-            <a:pPr marL="342900" indent="-342900">
-              <a:buFont typeface="Arial"/>
-              <a:buChar char="•"/>
-            </a:pPr>
-            <a:r>
-              <a:rPr lang="en-US" dirty="0" smtClean="0"/>
-              <a:t>Chosen pitfalls</a:t>
-            </a:r>
-          </a:p>
-          <a:p>
-            <a:pPr marL="342900" indent="-342900">
-              <a:buFont typeface="Arial"/>
-              <a:buChar char="•"/>
-            </a:pPr>
-            <a:r>
-              <a:rPr lang="en-US" dirty="0" smtClean="0"/>
-              <a:t>Demo</a:t>
-            </a:r>
-          </a:p>
-          <a:p>
-            <a:pPr marL="342900" indent="-342900">
-              <a:buFont typeface="Arial"/>
-              <a:buChar char="•"/>
-            </a:pPr>
-            <a:r>
-              <a:rPr lang="en-US" dirty="0" smtClean="0"/>
-              <a:t>Evaluation and initial results</a:t>
-            </a:r>
-          </a:p>
-          <a:p>
-            <a:pPr marL="342900" indent="-342900">
-              <a:buFont typeface="Arial"/>
-              <a:buChar char="•"/>
-            </a:pPr>
-            <a:r>
-              <a:rPr lang="en-US" dirty="0" smtClean="0"/>
-              <a:t>Challenges and future works</a:t>
-            </a:r>
-          </a:p>
-          <a:p>
-            <a:pPr marL="342900" indent="-342900">
-              <a:buFont typeface="Arial"/>
-              <a:buChar char="•"/>
-            </a:pPr>
-            <a:endParaRPr lang="en-US" dirty="0" smtClean="0"/>
-          </a:p>
-          <a:p>
-            <a:pPr marL="342900" indent="-342900">
-              <a:buFont typeface="Arial"/>
-              <a:buChar char="•"/>
-            </a:pPr>
-            <a:endParaRPr lang="en-US" dirty="0" smtClean="0"/>
-          </a:p>
-          <a:p>
-            <a:pPr marL="342900" indent="-342900">
-              <a:buFont typeface="Arial"/>
-              <a:buChar char="•"/>
-            </a:pPr>
-            <a:endParaRPr lang="en-US" dirty="0" smtClean="0"/>
-          </a:p>
-        </p:txBody>
-      </p:sp>
-      <p:sp>
-        <p:nvSpPr>
-          <p:cNvPr id="3" name="Title 2"/>
-          <p:cNvSpPr>
-            <a:spLocks noGrp="1"/>
-          </p:cNvSpPr>
-          <p:nvPr>
-            <p:ph type="title"/>
-          </p:nvPr>
-        </p:nvSpPr>
-        <p:spPr/>
-        <p:txBody>
-          <a:bodyPr/>
-          <a:lstStyle/>
-          <a:p>
-            <a:r>
-              <a:rPr lang="en-US" dirty="0" smtClean="0"/>
-              <a:t>Agenda</a:t>
-            </a:r>
-            <a:endParaRPr lang="en-US" dirty="0"/>
-          </a:p>
-        </p:txBody>
-      </p:sp>
-    </p:spTree>
-    <p:extLst>
-      <p:ext uri="{BB962C8B-B14F-4D97-AF65-F5344CB8AC3E}">
-        <p14:creationId xmlns:p14="http://schemas.microsoft.com/office/powerpoint/2010/main" val="2183150794"/>
-      </p:ext>
-    </p:extLst>
-  </p:cSld>
-  <p:clrMapOvr>
-    <a:masterClrMapping/>
-  </p:clrMapOvr>
-</p:sld>
-</file>
-
-<file path=ppt/slides/slide20.xml><?xml version="1.0" encoding="utf-8"?>
 <p:sld xmlns:a="http://schemas.openxmlformats.org/drawingml/2006/main" xmlns:r="http://schemas.openxmlformats.org/officeDocument/2006/relationships" xmlns:p="http://schemas.openxmlformats.org/presentationml/2006/main">
   <p:cSld>
     <p:spTree>
@@ -10311,7 +6240,7 @@
     </p:spTree>
     <p:extLst>
       <p:ext uri="{BB962C8B-B14F-4D97-AF65-F5344CB8AC3E}">
-        <p14:creationId xmlns:p14="http://schemas.microsoft.com/office/powerpoint/2010/main" val="2300364255"/>
+        <p14:creationId xmlns:p14="http://schemas.microsoft.com/office/powerpoint/2010/main" val="3001198350"/>
       </p:ext>
     </p:extLst>
   </p:cSld>
@@ -10328,7 +6257,7 @@
 </p:sld>
 </file>
 
-<file path=ppt/slides/slide21.xml><?xml version="1.0" encoding="utf-8"?>
+<file path=ppt/slides/slide14.xml><?xml version="1.0" encoding="utf-8"?>
 <p:sld xmlns:a="http://schemas.openxmlformats.org/drawingml/2006/main" xmlns:r="http://schemas.openxmlformats.org/officeDocument/2006/relationships" xmlns:p="http://schemas.openxmlformats.org/presentationml/2006/main">
   <p:cSld>
     <p:spTree>
@@ -10374,7 +6303,11 @@
             </a:r>
             <a:r>
               <a:rPr lang="en-US" dirty="0" smtClean="0"/>
-              <a:t>;…		release</a:t>
+              <a:t>;…	</a:t>
+            </a:r>
+            <a:r>
+              <a:rPr lang="en-US" dirty="0" smtClean="0"/>
+              <a:t>release</a:t>
             </a:r>
             <a:r>
               <a:rPr lang="en-US" dirty="0"/>
@@ -10386,11 +6319,15 @@
             </a:r>
             <a:r>
               <a:rPr lang="en-US" dirty="0"/>
-              <a:t>(R2);..</a:t>
-            </a:r>
-            <a:r>
-              <a:rPr lang="en-US" dirty="0" smtClean="0"/>
-              <a:t>.		release</a:t>
+              <a:t>(R2)</a:t>
+            </a:r>
+            <a:r>
+              <a:rPr lang="en-US" dirty="0" smtClean="0"/>
+              <a:t>;…</a:t>
+            </a:r>
+            <a:r>
+              <a:rPr lang="en-US" dirty="0" smtClean="0"/>
+              <a:t>	release</a:t>
             </a:r>
             <a:r>
               <a:rPr lang="en-US" dirty="0"/>
@@ -10453,7 +6390,11 @@
             </a:r>
             <a:r>
               <a:rPr lang="en-US" dirty="0" smtClean="0"/>
-              <a:t>R1);	…	release</a:t>
+              <a:t>R1);	</a:t>
+            </a:r>
+            <a:r>
+              <a:rPr lang="en-US" dirty="0" smtClean="0"/>
+              <a:t>release</a:t>
             </a:r>
             <a:r>
               <a:rPr lang="en-US" dirty="0"/>
@@ -10497,7 +6438,7 @@
         </p:nvSpPr>
         <p:spPr>
           <a:xfrm>
-            <a:off x="1054515" y="2870217"/>
+            <a:off x="1598825" y="2540307"/>
             <a:ext cx="2144253" cy="329910"/>
           </a:xfrm>
           <a:prstGeom prst="rect">
@@ -10542,7 +6483,7 @@
         </p:nvSpPr>
         <p:spPr>
           <a:xfrm>
-            <a:off x="4761769" y="2870217"/>
+            <a:off x="5520505" y="2540307"/>
             <a:ext cx="2144253" cy="329910"/>
           </a:xfrm>
           <a:prstGeom prst="rect">
@@ -10584,7 +6525,7 @@
         </p:nvSpPr>
         <p:spPr>
           <a:xfrm>
-            <a:off x="1054515" y="4853616"/>
+            <a:off x="1598825" y="5002075"/>
             <a:ext cx="2144253" cy="329910"/>
           </a:xfrm>
           <a:prstGeom prst="rect">
@@ -10626,7 +6567,7 @@
         </p:nvSpPr>
         <p:spPr>
           <a:xfrm>
-            <a:off x="4761769" y="4853616"/>
+            <a:off x="5520505" y="5002075"/>
             <a:ext cx="2144253" cy="329910"/>
           </a:xfrm>
           <a:prstGeom prst="rect">
@@ -10666,7 +6607,7 @@
     </p:spTree>
     <p:extLst>
       <p:ext uri="{BB962C8B-B14F-4D97-AF65-F5344CB8AC3E}">
-        <p14:creationId xmlns:p14="http://schemas.microsoft.com/office/powerpoint/2010/main" val="1607522363"/>
+        <p14:creationId xmlns:p14="http://schemas.microsoft.com/office/powerpoint/2010/main" val="2102440148"/>
       </p:ext>
     </p:extLst>
   </p:cSld>
@@ -10683,7 +6624,7 @@
 </p:sld>
 </file>
 
-<file path=ppt/slides/slide22.xml><?xml version="1.0" encoding="utf-8"?>
+<file path=ppt/slides/slide15.xml><?xml version="1.0" encoding="utf-8"?>
 <p:sld xmlns:a="http://schemas.openxmlformats.org/drawingml/2006/main" xmlns:r="http://schemas.openxmlformats.org/officeDocument/2006/relationships" xmlns:p="http://schemas.openxmlformats.org/presentationml/2006/main">
   <p:cSld>
     <p:spTree>
@@ -10990,7 +6931,7 @@
     </p:spTree>
     <p:extLst>
       <p:ext uri="{BB962C8B-B14F-4D97-AF65-F5344CB8AC3E}">
-        <p14:creationId xmlns:p14="http://schemas.microsoft.com/office/powerpoint/2010/main" val="2330851020"/>
+        <p14:creationId xmlns:p14="http://schemas.microsoft.com/office/powerpoint/2010/main" val="1598377104"/>
       </p:ext>
     </p:extLst>
   </p:cSld>
@@ -11007,7 +6948,920 @@
 </p:sld>
 </file>
 
-<file path=ppt/slides/slide23.xml><?xml version="1.0" encoding="utf-8"?>
+<file path=ppt/slides/slide16.xml><?xml version="1.0" encoding="utf-8"?>
+<p:sld xmlns:a="http://schemas.openxmlformats.org/drawingml/2006/main" xmlns:r="http://schemas.openxmlformats.org/officeDocument/2006/relationships" xmlns:p="http://schemas.openxmlformats.org/presentationml/2006/main">
+  <p:cSld>
+    <p:spTree>
+      <p:nvGrpSpPr>
+        <p:cNvPr id="1" name=""/>
+        <p:cNvGrpSpPr/>
+        <p:nvPr/>
+      </p:nvGrpSpPr>
+      <p:grpSpPr>
+        <a:xfrm>
+          <a:off x="0" y="0"/>
+          <a:ext cx="0" cy="0"/>
+          <a:chOff x="0" y="0"/>
+          <a:chExt cx="0" cy="0"/>
+        </a:xfrm>
+      </p:grpSpPr>
+      <p:sp>
+        <p:nvSpPr>
+          <p:cNvPr id="2" name="Content Placeholder 1"/>
+          <p:cNvSpPr>
+            <a:spLocks noGrp="1"/>
+          </p:cNvSpPr>
+          <p:nvPr>
+            <p:ph sz="quarter" idx="13"/>
+          </p:nvPr>
+        </p:nvSpPr>
+        <p:spPr/>
+        <p:txBody>
+          <a:bodyPr>
+            <a:normAutofit/>
+          </a:bodyPr>
+          <a:lstStyle/>
+          <a:p>
+            <a:pPr marL="342900" indent="-342900">
+              <a:buFont typeface="Arial"/>
+              <a:buChar char="•"/>
+            </a:pPr>
+            <a:r>
+              <a:rPr lang="en-US" dirty="0" smtClean="0"/>
+              <a:t>Who:	Students who have experiences with Parallel Programming</a:t>
+            </a:r>
+          </a:p>
+          <a:p>
+            <a:pPr marL="342900" indent="-342900">
+              <a:buFont typeface="Arial"/>
+              <a:buChar char="•"/>
+            </a:pPr>
+            <a:endParaRPr lang="en-US" dirty="0" smtClean="0"/>
+          </a:p>
+          <a:p>
+            <a:pPr marL="342900" indent="-342900">
+              <a:buFont typeface="Arial"/>
+              <a:buChar char="•"/>
+            </a:pPr>
+            <a:r>
+              <a:rPr lang="en-US" dirty="0" smtClean="0"/>
+              <a:t>How:	1). Students play with the app</a:t>
+            </a:r>
+          </a:p>
+          <a:p>
+            <a:r>
+              <a:rPr lang="en-US" dirty="0"/>
+              <a:t>	</a:t>
+            </a:r>
+            <a:r>
+              <a:rPr lang="en-US" dirty="0" smtClean="0"/>
+              <a:t>	2). Answer questions</a:t>
+            </a:r>
+          </a:p>
+          <a:p>
+            <a:endParaRPr lang="en-US" dirty="0" smtClean="0"/>
+          </a:p>
+          <a:p>
+            <a:pPr marL="342900" indent="-342900" algn="l">
+              <a:buFont typeface="Arial"/>
+              <a:buChar char="•"/>
+            </a:pPr>
+            <a:r>
+              <a:rPr lang="en-US" dirty="0" smtClean="0"/>
+              <a:t>Why:	To determine:</a:t>
+            </a:r>
+            <a:r>
+              <a:rPr lang="en-US" dirty="0"/>
+              <a:t>	</a:t>
+            </a:r>
+            <a:endParaRPr lang="en-US" dirty="0" smtClean="0"/>
+          </a:p>
+          <a:p>
+            <a:pPr algn="l"/>
+            <a:r>
+              <a:rPr lang="en-US" sz="2000" dirty="0" smtClean="0"/>
+              <a:t>		+ Usability.</a:t>
+            </a:r>
+          </a:p>
+          <a:p>
+            <a:pPr algn="l"/>
+            <a:r>
+              <a:rPr lang="en-US" sz="2000" dirty="0" smtClean="0"/>
+              <a:t>	</a:t>
+            </a:r>
+            <a:r>
+              <a:rPr lang="en-US" sz="2000" dirty="0"/>
+              <a:t>	</a:t>
+            </a:r>
+            <a:r>
+              <a:rPr lang="en-US" sz="2000" dirty="0" smtClean="0"/>
+              <a:t>+ Interactivity.</a:t>
+            </a:r>
+          </a:p>
+          <a:p>
+            <a:pPr algn="l"/>
+            <a:r>
+              <a:rPr lang="en-US" sz="2000" dirty="0" smtClean="0"/>
+              <a:t>	</a:t>
+            </a:r>
+            <a:r>
+              <a:rPr lang="en-US" sz="2000" dirty="0"/>
+              <a:t>	</a:t>
+            </a:r>
+            <a:r>
+              <a:rPr lang="en-US" sz="2000" dirty="0" smtClean="0"/>
+              <a:t>+ Students’ understanding in the 3 pitfalls</a:t>
+            </a:r>
+          </a:p>
+        </p:txBody>
+      </p:sp>
+      <p:sp>
+        <p:nvSpPr>
+          <p:cNvPr id="3" name="Title 2"/>
+          <p:cNvSpPr>
+            <a:spLocks noGrp="1"/>
+          </p:cNvSpPr>
+          <p:nvPr>
+            <p:ph type="title"/>
+          </p:nvPr>
+        </p:nvSpPr>
+        <p:spPr/>
+        <p:txBody>
+          <a:bodyPr/>
+          <a:lstStyle/>
+          <a:p>
+            <a:r>
+              <a:rPr lang="en-US" dirty="0" smtClean="0"/>
+              <a:t>evaluation</a:t>
+            </a:r>
+            <a:endParaRPr lang="en-US" dirty="0"/>
+          </a:p>
+        </p:txBody>
+      </p:sp>
+    </p:spTree>
+    <p:extLst>
+      <p:ext uri="{BB962C8B-B14F-4D97-AF65-F5344CB8AC3E}">
+        <p14:creationId xmlns:p14="http://schemas.microsoft.com/office/powerpoint/2010/main" val="1649624774"/>
+      </p:ext>
+    </p:extLst>
+  </p:cSld>
+  <p:clrMapOvr>
+    <a:masterClrMapping/>
+  </p:clrMapOvr>
+</p:sld>
+</file>
+
+<file path=ppt/slides/slide17.xml><?xml version="1.0" encoding="utf-8"?>
+<p:sld xmlns:a="http://schemas.openxmlformats.org/drawingml/2006/main" xmlns:r="http://schemas.openxmlformats.org/officeDocument/2006/relationships" xmlns:p="http://schemas.openxmlformats.org/presentationml/2006/main">
+  <p:cSld>
+    <p:spTree>
+      <p:nvGrpSpPr>
+        <p:cNvPr id="1" name=""/>
+        <p:cNvGrpSpPr/>
+        <p:nvPr/>
+      </p:nvGrpSpPr>
+      <p:grpSpPr>
+        <a:xfrm>
+          <a:off x="0" y="0"/>
+          <a:ext cx="0" cy="0"/>
+          <a:chOff x="0" y="0"/>
+          <a:chExt cx="0" cy="0"/>
+        </a:xfrm>
+      </p:grpSpPr>
+      <p:sp>
+        <p:nvSpPr>
+          <p:cNvPr id="2" name="Content Placeholder 1"/>
+          <p:cNvSpPr>
+            <a:spLocks noGrp="1"/>
+          </p:cNvSpPr>
+          <p:nvPr>
+            <p:ph sz="quarter" idx="13"/>
+          </p:nvPr>
+        </p:nvSpPr>
+        <p:spPr/>
+        <p:txBody>
+          <a:bodyPr/>
+          <a:lstStyle/>
+          <a:p>
+            <a:pPr marL="342900" indent="-342900">
+              <a:buFont typeface="Arial"/>
+              <a:buChar char="•"/>
+            </a:pPr>
+            <a:r>
+              <a:rPr lang="en-US" dirty="0" smtClean="0"/>
+              <a:t>Usability:		90% rate as the easy to play</a:t>
+            </a:r>
+          </a:p>
+          <a:p>
+            <a:pPr marL="342900" indent="-342900">
+              <a:buFont typeface="Arial"/>
+              <a:buChar char="•"/>
+            </a:pPr>
+            <a:endParaRPr lang="en-US" dirty="0" smtClean="0"/>
+          </a:p>
+          <a:p>
+            <a:pPr marL="342900" indent="-342900">
+              <a:buFont typeface="Arial"/>
+              <a:buChar char="•"/>
+            </a:pPr>
+            <a:r>
+              <a:rPr lang="en-US" dirty="0" smtClean="0"/>
+              <a:t>Interactivity:	90% like the way they interact with the pitfalls</a:t>
+            </a:r>
+          </a:p>
+          <a:p>
+            <a:pPr marL="342900" indent="-342900">
+              <a:buFont typeface="Arial"/>
+              <a:buChar char="•"/>
+            </a:pPr>
+            <a:endParaRPr lang="en-US" dirty="0"/>
+          </a:p>
+          <a:p>
+            <a:pPr marL="342900" indent="-342900">
+              <a:buFont typeface="Arial"/>
+              <a:buChar char="•"/>
+            </a:pPr>
+            <a:r>
+              <a:rPr lang="en-US" dirty="0" smtClean="0"/>
+              <a:t>Student understanding: 	9/10 questions were answered correctly by 90% of student</a:t>
+            </a:r>
+            <a:endParaRPr lang="en-US" dirty="0"/>
+          </a:p>
+        </p:txBody>
+      </p:sp>
+      <p:sp>
+        <p:nvSpPr>
+          <p:cNvPr id="3" name="Title 2"/>
+          <p:cNvSpPr>
+            <a:spLocks noGrp="1"/>
+          </p:cNvSpPr>
+          <p:nvPr>
+            <p:ph type="title"/>
+          </p:nvPr>
+        </p:nvSpPr>
+        <p:spPr/>
+        <p:txBody>
+          <a:bodyPr/>
+          <a:lstStyle/>
+          <a:p>
+            <a:r>
+              <a:rPr lang="en-US" dirty="0" smtClean="0"/>
+              <a:t>Results</a:t>
+            </a:r>
+            <a:endParaRPr lang="en-US" dirty="0"/>
+          </a:p>
+        </p:txBody>
+      </p:sp>
+    </p:spTree>
+    <p:extLst>
+      <p:ext uri="{BB962C8B-B14F-4D97-AF65-F5344CB8AC3E}">
+        <p14:creationId xmlns:p14="http://schemas.microsoft.com/office/powerpoint/2010/main" val="4085540163"/>
+      </p:ext>
+    </p:extLst>
+  </p:cSld>
+  <p:clrMapOvr>
+    <a:masterClrMapping/>
+  </p:clrMapOvr>
+</p:sld>
+</file>
+
+<file path=ppt/slides/slide18.xml><?xml version="1.0" encoding="utf-8"?>
+<p:sld xmlns:a="http://schemas.openxmlformats.org/drawingml/2006/main" xmlns:r="http://schemas.openxmlformats.org/officeDocument/2006/relationships" xmlns:p="http://schemas.openxmlformats.org/presentationml/2006/main">
+  <p:cSld>
+    <p:spTree>
+      <p:nvGrpSpPr>
+        <p:cNvPr id="1" name=""/>
+        <p:cNvGrpSpPr/>
+        <p:nvPr/>
+      </p:nvGrpSpPr>
+      <p:grpSpPr>
+        <a:xfrm>
+          <a:off x="0" y="0"/>
+          <a:ext cx="0" cy="0"/>
+          <a:chOff x="0" y="0"/>
+          <a:chExt cx="0" cy="0"/>
+        </a:xfrm>
+      </p:grpSpPr>
+      <p:sp>
+        <p:nvSpPr>
+          <p:cNvPr id="2" name="Content Placeholder 1"/>
+          <p:cNvSpPr>
+            <a:spLocks noGrp="1"/>
+          </p:cNvSpPr>
+          <p:nvPr>
+            <p:ph sz="quarter" idx="13"/>
+          </p:nvPr>
+        </p:nvSpPr>
+        <p:spPr/>
+        <p:txBody>
+          <a:bodyPr>
+            <a:normAutofit/>
+          </a:bodyPr>
+          <a:lstStyle/>
+          <a:p>
+            <a:pPr algn="l"/>
+            <a:r>
+              <a:rPr lang="en-US" dirty="0" smtClean="0"/>
+              <a:t>+ Challenges:</a:t>
+            </a:r>
+          </a:p>
+          <a:p>
+            <a:pPr algn="l"/>
+            <a:r>
+              <a:rPr lang="en-US" dirty="0"/>
+              <a:t>	</a:t>
+            </a:r>
+            <a:r>
+              <a:rPr lang="en-US" dirty="0" smtClean="0"/>
+              <a:t>- different browser</a:t>
+            </a:r>
+          </a:p>
+          <a:p>
+            <a:pPr algn="l"/>
+            <a:endParaRPr lang="en-US" dirty="0"/>
+          </a:p>
+          <a:p>
+            <a:pPr algn="l"/>
+            <a:r>
+              <a:rPr lang="en-US" dirty="0" smtClean="0"/>
+              <a:t>+ Next Few Weeks:</a:t>
+            </a:r>
+          </a:p>
+          <a:p>
+            <a:pPr algn="l"/>
+            <a:r>
+              <a:rPr lang="en-US" dirty="0"/>
+              <a:t>	</a:t>
+            </a:r>
+            <a:r>
+              <a:rPr lang="en-US" dirty="0" smtClean="0"/>
+              <a:t>- solve different browser problem</a:t>
+            </a:r>
+          </a:p>
+          <a:p>
+            <a:pPr algn="l"/>
+            <a:r>
+              <a:rPr lang="en-US" dirty="0"/>
+              <a:t>	</a:t>
+            </a:r>
+            <a:r>
+              <a:rPr lang="en-US" dirty="0" smtClean="0"/>
+              <a:t>- do more survey</a:t>
+            </a:r>
+          </a:p>
+          <a:p>
+            <a:pPr algn="l"/>
+            <a:r>
+              <a:rPr lang="en-US" dirty="0"/>
+              <a:t>	</a:t>
+            </a:r>
+            <a:r>
+              <a:rPr lang="en-US" dirty="0" smtClean="0"/>
+              <a:t>- write report</a:t>
+            </a:r>
+          </a:p>
+          <a:p>
+            <a:pPr algn="l"/>
+            <a:endParaRPr lang="en-US" dirty="0"/>
+          </a:p>
+          <a:p>
+            <a:pPr algn="l"/>
+            <a:r>
+              <a:rPr lang="en-US" dirty="0" smtClean="0"/>
+              <a:t>+ Extension:</a:t>
+            </a:r>
+          </a:p>
+          <a:p>
+            <a:pPr algn="l"/>
+            <a:r>
+              <a:rPr lang="en-US" dirty="0"/>
+              <a:t>	</a:t>
+            </a:r>
+            <a:r>
+              <a:rPr lang="en-US" dirty="0" smtClean="0"/>
+              <a:t>- showing the solution in our app </a:t>
+            </a:r>
+            <a:endParaRPr lang="en-US" dirty="0"/>
+          </a:p>
+        </p:txBody>
+      </p:sp>
+      <p:sp>
+        <p:nvSpPr>
+          <p:cNvPr id="3" name="Title 2"/>
+          <p:cNvSpPr>
+            <a:spLocks noGrp="1"/>
+          </p:cNvSpPr>
+          <p:nvPr>
+            <p:ph type="title"/>
+          </p:nvPr>
+        </p:nvSpPr>
+        <p:spPr/>
+        <p:txBody>
+          <a:bodyPr/>
+          <a:lstStyle/>
+          <a:p>
+            <a:r>
+              <a:rPr lang="en-US" dirty="0" smtClean="0"/>
+              <a:t>Challenges and future works</a:t>
+            </a:r>
+            <a:endParaRPr lang="en-US" dirty="0"/>
+          </a:p>
+        </p:txBody>
+      </p:sp>
+    </p:spTree>
+    <p:extLst>
+      <p:ext uri="{BB962C8B-B14F-4D97-AF65-F5344CB8AC3E}">
+        <p14:creationId xmlns:p14="http://schemas.microsoft.com/office/powerpoint/2010/main" val="2276343006"/>
+      </p:ext>
+    </p:extLst>
+  </p:cSld>
+  <p:clrMapOvr>
+    <a:masterClrMapping/>
+  </p:clrMapOvr>
+</p:sld>
+</file>
+
+<file path=ppt/slides/slide19.xml><?xml version="1.0" encoding="utf-8"?>
+<p:sld xmlns:a="http://schemas.openxmlformats.org/drawingml/2006/main" xmlns:r="http://schemas.openxmlformats.org/officeDocument/2006/relationships" xmlns:p="http://schemas.openxmlformats.org/presentationml/2006/main">
+  <p:cSld>
+    <p:spTree>
+      <p:nvGrpSpPr>
+        <p:cNvPr id="1" name=""/>
+        <p:cNvGrpSpPr/>
+        <p:nvPr/>
+      </p:nvGrpSpPr>
+      <p:grpSpPr>
+        <a:xfrm>
+          <a:off x="0" y="0"/>
+          <a:ext cx="0" cy="0"/>
+          <a:chOff x="0" y="0"/>
+          <a:chExt cx="0" cy="0"/>
+        </a:xfrm>
+      </p:grpSpPr>
+      <p:sp>
+        <p:nvSpPr>
+          <p:cNvPr id="2" name="Content Placeholder 1"/>
+          <p:cNvSpPr>
+            <a:spLocks noGrp="1"/>
+          </p:cNvSpPr>
+          <p:nvPr>
+            <p:ph sz="quarter" idx="13"/>
+          </p:nvPr>
+        </p:nvSpPr>
+        <p:spPr/>
+        <p:txBody>
+          <a:bodyPr>
+            <a:normAutofit/>
+          </a:bodyPr>
+          <a:lstStyle/>
+          <a:p>
+            <a:r>
+              <a:rPr lang="en-US" sz="1500" dirty="0" smtClean="0"/>
+              <a:t>[1] </a:t>
+            </a:r>
+            <a:r>
+              <a:rPr lang="en-US" sz="1500" dirty="0"/>
+              <a:t> N. </a:t>
+            </a:r>
+            <a:r>
+              <a:rPr lang="en-US" sz="1500" dirty="0" err="1"/>
+              <a:t>Giacaman</a:t>
+            </a:r>
+            <a:r>
+              <a:rPr lang="en-US" sz="1500" dirty="0"/>
+              <a:t>. Teaching by example: Using analogies and live coding demonstrations to teach parallel computing concepts to undergraduate </a:t>
+            </a:r>
+            <a:r>
+              <a:rPr lang="en-US" sz="1500" dirty="0" err="1"/>
+              <a:t>stu</a:t>
+            </a:r>
+            <a:r>
+              <a:rPr lang="en-US" sz="1500" dirty="0"/>
+              <a:t>- dents. In Parallel and Distributed Processing Symposium Workshops PhD Forum (IPDPSW), 2012 IEEE 26th International, pages 1295 –1298, may 2012. </a:t>
+            </a:r>
+            <a:endParaRPr lang="en-US" sz="1500" dirty="0" smtClean="0"/>
+          </a:p>
+          <a:p>
+            <a:r>
+              <a:rPr lang="en-US" sz="1500" dirty="0" smtClean="0"/>
+              <a:t>[2] </a:t>
+            </a:r>
+            <a:r>
+              <a:rPr lang="en-US" sz="1500" dirty="0" err="1"/>
+              <a:t>Mordechai</a:t>
+            </a:r>
+            <a:r>
+              <a:rPr lang="en-US" sz="1500" dirty="0"/>
+              <a:t> Ben-Ari and </a:t>
+            </a:r>
+            <a:r>
+              <a:rPr lang="en-US" sz="1500" dirty="0" err="1"/>
+              <a:t>Yifat</a:t>
+            </a:r>
+            <a:r>
+              <a:rPr lang="en-US" sz="1500" dirty="0"/>
+              <a:t> Ben-David </a:t>
+            </a:r>
+            <a:r>
+              <a:rPr lang="en-US" sz="1500" dirty="0" err="1"/>
+              <a:t>Kolikant</a:t>
+            </a:r>
+            <a:r>
+              <a:rPr lang="en-US" sz="1500" dirty="0"/>
+              <a:t>. Thinking parallel: the process of learning concurrency. SIGCSE Bull., 31(3):13–16, June 1999. </a:t>
+            </a:r>
+            <a:endParaRPr lang="en-US" sz="1500" dirty="0" smtClean="0"/>
+          </a:p>
+          <a:p>
+            <a:r>
+              <a:rPr lang="en-US" sz="1500" dirty="0"/>
+              <a:t>[3] </a:t>
+            </a:r>
+            <a:r>
+              <a:rPr lang="en-US" sz="1500" dirty="0">
+                <a:hlinkClick r:id="rId3"/>
+              </a:rPr>
+              <a:t>http://publib.boulder.ibm.com/infocenter/iseries/v5r3/index.jsp?topic=%2Frzahw%</a:t>
+            </a:r>
+            <a:r>
+              <a:rPr lang="en-US" sz="1500" dirty="0" smtClean="0">
+                <a:hlinkClick r:id="rId3"/>
+              </a:rPr>
+              <a:t>2Frzahwmutco.htm</a:t>
+            </a:r>
+            <a:endParaRPr lang="en-US" sz="1500" dirty="0" smtClean="0"/>
+          </a:p>
+          <a:p>
+            <a:r>
+              <a:rPr lang="en-US" sz="1500" dirty="0" smtClean="0"/>
+              <a:t>[4</a:t>
+            </a:r>
+            <a:r>
+              <a:rPr lang="en-US" sz="1500" dirty="0"/>
+              <a:t>] </a:t>
+            </a:r>
+            <a:r>
+              <a:rPr lang="en-US" sz="1500" dirty="0" err="1"/>
+              <a:t>Fancong</a:t>
+            </a:r>
+            <a:r>
+              <a:rPr lang="en-US" sz="1500" dirty="0"/>
+              <a:t> </a:t>
+            </a:r>
+            <a:r>
+              <a:rPr lang="en-US" sz="1500" dirty="0" err="1"/>
+              <a:t>Zeng</a:t>
+            </a:r>
+            <a:r>
+              <a:rPr lang="en-US" sz="1500" dirty="0"/>
+              <a:t>. "An Initial Study of Common Coding Pitfalls in Java Programs", in Proceedings of MASPLAS'03 Mid-Atlantic Student Workshop on Programming Languages and Systems, April, 2003</a:t>
+            </a:r>
+            <a:r>
+              <a:rPr lang="en-US" sz="1500" dirty="0" smtClean="0"/>
+              <a:t>.</a:t>
+            </a:r>
+          </a:p>
+          <a:p>
+            <a:r>
+              <a:rPr lang="en-US" sz="1500" dirty="0" smtClean="0"/>
+              <a:t>[5] </a:t>
+            </a:r>
+            <a:r>
+              <a:rPr lang="en-US" sz="1600" dirty="0"/>
+              <a:t>Sung-</a:t>
+            </a:r>
+            <a:r>
+              <a:rPr lang="en-US" sz="1600" dirty="0" err="1"/>
+              <a:t>Eun</a:t>
+            </a:r>
+            <a:r>
+              <a:rPr lang="en-US" sz="1600" dirty="0"/>
+              <a:t> Choi and E Christopher Lewis. A Study of </a:t>
+            </a:r>
+            <a:r>
+              <a:rPr lang="en-US" sz="1600" dirty="0" smtClean="0"/>
+              <a:t>Common </a:t>
+            </a:r>
+            <a:r>
+              <a:rPr lang="en-US" sz="1600" dirty="0"/>
+              <a:t>Pitfalls in Simple Multi-Threaded Programs. In </a:t>
+            </a:r>
+            <a:r>
+              <a:rPr lang="en-US" sz="1600" i="1" dirty="0" smtClean="0"/>
+              <a:t>Proceedings </a:t>
+            </a:r>
+            <a:r>
+              <a:rPr lang="en-US" sz="1600" i="1" dirty="0"/>
+              <a:t>of the Thirty-first ACM SIGCSE Technical Symposium on Computer Science Education, </a:t>
+            </a:r>
+            <a:r>
+              <a:rPr lang="en-US" sz="1600" dirty="0"/>
+              <a:t>March 2000. </a:t>
+            </a:r>
+            <a:endParaRPr lang="en-US" sz="1500" dirty="0" smtClean="0"/>
+          </a:p>
+          <a:p>
+            <a:endParaRPr lang="en-US" sz="1500" dirty="0"/>
+          </a:p>
+          <a:p>
+            <a:endParaRPr lang="en-US" sz="1500" dirty="0"/>
+          </a:p>
+          <a:p>
+            <a:endParaRPr lang="en-US" sz="1500" dirty="0"/>
+          </a:p>
+        </p:txBody>
+      </p:sp>
+      <p:sp>
+        <p:nvSpPr>
+          <p:cNvPr id="3" name="Title 2"/>
+          <p:cNvSpPr>
+            <a:spLocks noGrp="1"/>
+          </p:cNvSpPr>
+          <p:nvPr>
+            <p:ph type="title"/>
+          </p:nvPr>
+        </p:nvSpPr>
+        <p:spPr/>
+        <p:txBody>
+          <a:bodyPr/>
+          <a:lstStyle/>
+          <a:p>
+            <a:r>
+              <a:rPr lang="en-US" dirty="0" smtClean="0"/>
+              <a:t>References</a:t>
+            </a:r>
+            <a:endParaRPr lang="en-US" dirty="0"/>
+          </a:p>
+        </p:txBody>
+      </p:sp>
+    </p:spTree>
+    <p:extLst>
+      <p:ext uri="{BB962C8B-B14F-4D97-AF65-F5344CB8AC3E}">
+        <p14:creationId xmlns:p14="http://schemas.microsoft.com/office/powerpoint/2010/main" val="3408655997"/>
+      </p:ext>
+    </p:extLst>
+  </p:cSld>
+  <p:clrMapOvr>
+    <a:masterClrMapping/>
+  </p:clrMapOvr>
+</p:sld>
+</file>
+
+<file path=ppt/slides/slide2.xml><?xml version="1.0" encoding="utf-8"?>
+<p:sld xmlns:a="http://schemas.openxmlformats.org/drawingml/2006/main" xmlns:r="http://schemas.openxmlformats.org/officeDocument/2006/relationships" xmlns:p="http://schemas.openxmlformats.org/presentationml/2006/main">
+  <p:cSld>
+    <p:spTree>
+      <p:nvGrpSpPr>
+        <p:cNvPr id="1" name=""/>
+        <p:cNvGrpSpPr/>
+        <p:nvPr/>
+      </p:nvGrpSpPr>
+      <p:grpSpPr>
+        <a:xfrm>
+          <a:off x="0" y="0"/>
+          <a:ext cx="0" cy="0"/>
+          <a:chOff x="0" y="0"/>
+          <a:chExt cx="0" cy="0"/>
+        </a:xfrm>
+      </p:grpSpPr>
+      <p:sp>
+        <p:nvSpPr>
+          <p:cNvPr id="2" name="Content Placeholder 1"/>
+          <p:cNvSpPr>
+            <a:spLocks noGrp="1"/>
+          </p:cNvSpPr>
+          <p:nvPr>
+            <p:ph sz="quarter" idx="13"/>
+          </p:nvPr>
+        </p:nvSpPr>
+        <p:spPr/>
+        <p:txBody>
+          <a:bodyPr/>
+          <a:lstStyle/>
+          <a:p>
+            <a:pPr marL="342900" indent="-342900">
+              <a:buFont typeface="Arial"/>
+              <a:buChar char="•"/>
+            </a:pPr>
+            <a:r>
+              <a:rPr lang="en-US" dirty="0" smtClean="0"/>
+              <a:t>Why there are pitfalls in Parallel Programming?</a:t>
+            </a:r>
+          </a:p>
+          <a:p>
+            <a:pPr marL="342900" indent="-342900">
+              <a:buFont typeface="Arial"/>
+              <a:buChar char="•"/>
+            </a:pPr>
+            <a:r>
+              <a:rPr lang="en-US" dirty="0" smtClean="0"/>
+              <a:t>Related works.</a:t>
+            </a:r>
+          </a:p>
+          <a:p>
+            <a:pPr marL="342900" indent="-342900">
+              <a:buFont typeface="Arial"/>
+              <a:buChar char="•"/>
+            </a:pPr>
+            <a:r>
+              <a:rPr lang="en-US" dirty="0" smtClean="0"/>
+              <a:t>Our contributions.</a:t>
+            </a:r>
+          </a:p>
+          <a:p>
+            <a:pPr marL="342900" indent="-342900">
+              <a:buFont typeface="Arial"/>
+              <a:buChar char="•"/>
+            </a:pPr>
+            <a:r>
+              <a:rPr lang="en-US" dirty="0" smtClean="0"/>
+              <a:t>Why we chose to do what we doing?</a:t>
+            </a:r>
+          </a:p>
+          <a:p>
+            <a:pPr marL="342900" indent="-342900">
+              <a:buFont typeface="Arial"/>
+              <a:buChar char="•"/>
+            </a:pPr>
+            <a:r>
+              <a:rPr lang="en-US" dirty="0" smtClean="0"/>
+              <a:t>Chosen pitfalls</a:t>
+            </a:r>
+          </a:p>
+          <a:p>
+            <a:pPr marL="342900" indent="-342900">
+              <a:buFont typeface="Arial"/>
+              <a:buChar char="•"/>
+            </a:pPr>
+            <a:r>
+              <a:rPr lang="en-US" dirty="0" smtClean="0"/>
+              <a:t>Demo</a:t>
+            </a:r>
+          </a:p>
+          <a:p>
+            <a:pPr marL="342900" indent="-342900">
+              <a:buFont typeface="Arial"/>
+              <a:buChar char="•"/>
+            </a:pPr>
+            <a:r>
+              <a:rPr lang="en-US" dirty="0" smtClean="0"/>
+              <a:t>Evaluation and initial results</a:t>
+            </a:r>
+          </a:p>
+          <a:p>
+            <a:pPr marL="342900" indent="-342900">
+              <a:buFont typeface="Arial"/>
+              <a:buChar char="•"/>
+            </a:pPr>
+            <a:r>
+              <a:rPr lang="en-US" dirty="0" smtClean="0"/>
+              <a:t>Challenges and future works</a:t>
+            </a:r>
+          </a:p>
+          <a:p>
+            <a:pPr marL="342900" indent="-342900">
+              <a:buFont typeface="Arial"/>
+              <a:buChar char="•"/>
+            </a:pPr>
+            <a:endParaRPr lang="en-US" dirty="0" smtClean="0"/>
+          </a:p>
+          <a:p>
+            <a:pPr marL="342900" indent="-342900">
+              <a:buFont typeface="Arial"/>
+              <a:buChar char="•"/>
+            </a:pPr>
+            <a:endParaRPr lang="en-US" dirty="0" smtClean="0"/>
+          </a:p>
+          <a:p>
+            <a:pPr marL="342900" indent="-342900">
+              <a:buFont typeface="Arial"/>
+              <a:buChar char="•"/>
+            </a:pPr>
+            <a:endParaRPr lang="en-US" dirty="0" smtClean="0"/>
+          </a:p>
+        </p:txBody>
+      </p:sp>
+      <p:sp>
+        <p:nvSpPr>
+          <p:cNvPr id="3" name="Title 2"/>
+          <p:cNvSpPr>
+            <a:spLocks noGrp="1"/>
+          </p:cNvSpPr>
+          <p:nvPr>
+            <p:ph type="title"/>
+          </p:nvPr>
+        </p:nvSpPr>
+        <p:spPr/>
+        <p:txBody>
+          <a:bodyPr/>
+          <a:lstStyle/>
+          <a:p>
+            <a:r>
+              <a:rPr lang="en-US" dirty="0" smtClean="0"/>
+              <a:t>Agenda</a:t>
+            </a:r>
+            <a:endParaRPr lang="en-US" dirty="0"/>
+          </a:p>
+        </p:txBody>
+      </p:sp>
+    </p:spTree>
+    <p:extLst>
+      <p:ext uri="{BB962C8B-B14F-4D97-AF65-F5344CB8AC3E}">
+        <p14:creationId xmlns:p14="http://schemas.microsoft.com/office/powerpoint/2010/main" val="2183150794"/>
+      </p:ext>
+    </p:extLst>
+  </p:cSld>
+  <p:clrMapOvr>
+    <a:masterClrMapping/>
+  </p:clrMapOvr>
+</p:sld>
+</file>
+
+<file path=ppt/slides/slide20.xml><?xml version="1.0" encoding="utf-8"?>
+<p:sld xmlns:a="http://schemas.openxmlformats.org/drawingml/2006/main" xmlns:r="http://schemas.openxmlformats.org/officeDocument/2006/relationships" xmlns:p="http://schemas.openxmlformats.org/presentationml/2006/main">
+  <p:cSld>
+    <p:spTree>
+      <p:nvGrpSpPr>
+        <p:cNvPr id="1" name=""/>
+        <p:cNvGrpSpPr/>
+        <p:nvPr/>
+      </p:nvGrpSpPr>
+      <p:grpSpPr>
+        <a:xfrm>
+          <a:off x="0" y="0"/>
+          <a:ext cx="0" cy="0"/>
+          <a:chOff x="0" y="0"/>
+          <a:chExt cx="0" cy="0"/>
+        </a:xfrm>
+      </p:grpSpPr>
+      <p:sp>
+        <p:nvSpPr>
+          <p:cNvPr id="2" name="Title 1"/>
+          <p:cNvSpPr>
+            <a:spLocks noGrp="1"/>
+          </p:cNvSpPr>
+          <p:nvPr>
+            <p:ph type="title"/>
+          </p:nvPr>
+        </p:nvSpPr>
+        <p:spPr/>
+        <p:txBody>
+          <a:bodyPr>
+            <a:normAutofit/>
+          </a:bodyPr>
+          <a:lstStyle/>
+          <a:p>
+            <a:r>
+              <a:rPr lang="en-US" dirty="0"/>
+              <a:t>Thank </a:t>
+            </a:r>
+            <a:r>
+              <a:rPr lang="en-US" dirty="0" smtClean="0"/>
+              <a:t>you</a:t>
+            </a:r>
+            <a:br>
+              <a:rPr lang="en-US" dirty="0" smtClean="0"/>
+            </a:br>
+            <a:endParaRPr lang="en-US" dirty="0"/>
+          </a:p>
+        </p:txBody>
+      </p:sp>
+      <p:sp>
+        <p:nvSpPr>
+          <p:cNvPr id="3" name="Subtitle 2"/>
+          <p:cNvSpPr>
+            <a:spLocks noGrp="1"/>
+          </p:cNvSpPr>
+          <p:nvPr>
+            <p:ph type="subTitle" idx="1"/>
+          </p:nvPr>
+        </p:nvSpPr>
+        <p:spPr/>
+        <p:txBody>
+          <a:bodyPr/>
+          <a:lstStyle/>
+          <a:p>
+            <a:r>
+              <a:rPr lang="en-US" dirty="0"/>
+              <a:t>Questions?</a:t>
+            </a:r>
+          </a:p>
+        </p:txBody>
+      </p:sp>
+    </p:spTree>
+    <p:extLst>
+      <p:ext uri="{BB962C8B-B14F-4D97-AF65-F5344CB8AC3E}">
+        <p14:creationId xmlns:p14="http://schemas.microsoft.com/office/powerpoint/2010/main" val="1733739084"/>
+      </p:ext>
+    </p:extLst>
+  </p:cSld>
+  <p:clrMapOvr>
+    <a:masterClrMapping/>
+  </p:clrMapOvr>
+</p:sld>
+</file>
+
+<file path=ppt/slides/slide21.xml><?xml version="1.0" encoding="utf-8"?>
 <p:sld xmlns:a="http://schemas.openxmlformats.org/drawingml/2006/main" xmlns:r="http://schemas.openxmlformats.org/officeDocument/2006/relationships" xmlns:p="http://schemas.openxmlformats.org/presentationml/2006/main">
   <p:cSld>
     <p:spTree>
@@ -11658,15 +8512,7 @@
             </a:pPr>
             <a:r>
               <a:rPr lang="en-US" dirty="0" smtClean="0"/>
-              <a:t>A</a:t>
-            </a:r>
-            <a:r>
-              <a:rPr lang="en-US" dirty="0" smtClean="0"/>
-              <a:t>dded </a:t>
-            </a:r>
-            <a:r>
-              <a:rPr lang="en-US" dirty="0" smtClean="0"/>
-              <a:t>complexity</a:t>
+              <a:t>Added complexity</a:t>
             </a:r>
             <a:endParaRPr lang="en-US" dirty="0"/>
           </a:p>
@@ -11723,7 +8569,6 @@
               <a:rPr lang="en-US" dirty="0" smtClean="0"/>
               <a:t>.</a:t>
             </a:r>
-            <a:endParaRPr lang="en-US" dirty="0" smtClean="0"/>
           </a:p>
           <a:p>
             <a:pPr marL="342900" indent="-342900">
@@ -11751,11 +8596,7 @@
             </a:pPr>
             <a:r>
               <a:rPr lang="en-US" dirty="0" smtClean="0"/>
-              <a:t>With </a:t>
-            </a:r>
-            <a:r>
-              <a:rPr lang="en-US" dirty="0" smtClean="0"/>
-              <a:t>too much protection on data (synchronization):</a:t>
+              <a:t>With too much protection on data (synchronization):</a:t>
             </a:r>
             <a:endParaRPr lang="en-US" dirty="0"/>
           </a:p>
@@ -11775,11 +8616,7 @@
             </a:r>
             <a:r>
               <a:rPr lang="en-US" dirty="0" smtClean="0"/>
-              <a:t>other</a:t>
-            </a:r>
-            <a:r>
-              <a:rPr lang="en-US" dirty="0" smtClean="0"/>
-              <a:t>.</a:t>
+              <a:t>other.</a:t>
             </a:r>
             <a:endParaRPr lang="en-US" dirty="0"/>
           </a:p>
@@ -11876,13 +8713,8 @@
           <a:p>
             <a:r>
               <a:rPr lang="en-US" dirty="0" smtClean="0"/>
-              <a:t>3 main pitfalls are commonly </a:t>
-            </a:r>
-            <a:r>
-              <a:rPr lang="en-US" dirty="0" smtClean="0"/>
-              <a:t>discussed</a:t>
-            </a:r>
-            <a:endParaRPr lang="en-US" dirty="0" smtClean="0"/>
+              <a:t>3 main pitfalls are commonly discussed</a:t>
+            </a:r>
           </a:p>
           <a:p>
             <a:pPr marL="342900" indent="-342900">
@@ -11917,11 +8749,7 @@
             </a:r>
             <a:r>
               <a:rPr lang="en-US" dirty="0" smtClean="0"/>
-              <a:t> in [2] have included Mutual Exclusion into their lecturing </a:t>
-            </a:r>
-            <a:r>
-              <a:rPr lang="en-US" dirty="0" smtClean="0"/>
-              <a:t>materials</a:t>
+              <a:t> in [2] have included Mutual Exclusion into their lecturing materials</a:t>
             </a:r>
           </a:p>
           <a:p>
@@ -12046,11 +8874,7 @@
             <a:pPr algn="l"/>
             <a:r>
               <a:rPr lang="en-US" dirty="0" smtClean="0"/>
-              <a:t>Help developer to</a:t>
-            </a:r>
-            <a:r>
-              <a:rPr lang="en-US" dirty="0" smtClean="0"/>
-              <a:t>:</a:t>
+              <a:t>Help developer to:</a:t>
             </a:r>
             <a:endParaRPr lang="en-US" strike="sngStrike" dirty="0" smtClean="0"/>
           </a:p>
@@ -12065,11 +8889,7 @@
             </a:r>
             <a:r>
               <a:rPr lang="en-US" dirty="0" smtClean="0"/>
-              <a:t>ecognize </a:t>
-            </a:r>
-            <a:r>
-              <a:rPr lang="en-US" dirty="0" smtClean="0"/>
-              <a:t>the problems</a:t>
+              <a:t>ecognize the problems</a:t>
             </a:r>
           </a:p>
           <a:p>
@@ -12087,11 +8907,7 @@
             </a:r>
             <a:r>
               <a:rPr lang="en-US" dirty="0" smtClean="0"/>
-              <a:t>(</a:t>
-            </a:r>
-            <a:r>
-              <a:rPr lang="en-US" dirty="0" smtClean="0"/>
-              <a:t>Future Work).</a:t>
+              <a:t>(Future Work).</a:t>
             </a:r>
             <a:endParaRPr lang="en-US" dirty="0"/>
           </a:p>
@@ -12268,7 +9084,65 @@
             </a:r>
             <a:r>
               <a:rPr lang="en-US" dirty="0" smtClean="0"/>
-              <a:t>pp Store</a:t>
+              <a:t>pp </a:t>
+            </a:r>
+            <a:r>
+              <a:rPr lang="en-US" dirty="0" smtClean="0"/>
+              <a:t>Store</a:t>
+            </a:r>
+          </a:p>
+          <a:p>
+            <a:pPr marL="342900" indent="-342900">
+              <a:buFont typeface="Arial"/>
+              <a:buChar char="•"/>
+            </a:pPr>
+            <a:r>
+              <a:rPr lang="en-US" dirty="0" smtClean="0"/>
+              <a:t>Run on many platform</a:t>
+            </a:r>
+            <a:endParaRPr lang="en-US" dirty="0" smtClean="0"/>
+          </a:p>
+          <a:p>
+            <a:pPr marL="342900" indent="-342900">
+              <a:buFont typeface="Arial"/>
+              <a:buChar char="•"/>
+            </a:pPr>
+            <a:endParaRPr lang="en-US" dirty="0"/>
+          </a:p>
+          <a:p>
+            <a:r>
+              <a:rPr lang="en-US" dirty="0" smtClean="0"/>
+              <a:t>Technology Used</a:t>
+            </a:r>
+          </a:p>
+          <a:p>
+            <a:pPr marL="342900" indent="-342900">
+              <a:buFont typeface="Arial"/>
+              <a:buChar char="•"/>
+            </a:pPr>
+            <a:r>
+              <a:rPr lang="en-US" dirty="0" smtClean="0"/>
+              <a:t>JavaScript</a:t>
+            </a:r>
+          </a:p>
+          <a:p>
+            <a:pPr marL="342900" indent="-342900">
+              <a:buFont typeface="Arial"/>
+              <a:buChar char="•"/>
+            </a:pPr>
+            <a:r>
+              <a:rPr lang="en-US" dirty="0" smtClean="0"/>
+              <a:t>PHP</a:t>
+            </a:r>
+          </a:p>
+          <a:p>
+            <a:pPr marL="342900" indent="-342900">
+              <a:buFont typeface="Arial"/>
+              <a:buChar char="•"/>
+            </a:pPr>
+            <a:r>
+              <a:rPr lang="en-US" dirty="0" smtClean="0"/>
+              <a:t>HTML, CSS</a:t>
             </a:r>
             <a:endParaRPr lang="en-US" dirty="0"/>
           </a:p>
@@ -12651,17 +9525,6 @@
               <a:t>contendency</a:t>
             </a:r>
             <a:endParaRPr lang="en-US" dirty="0" smtClean="0"/>
-          </a:p>
-          <a:p>
-            <a:pPr marL="628650" lvl="1" indent="-342900"/>
-            <a:endParaRPr lang="en-US" dirty="0"/>
-          </a:p>
-          <a:p>
-            <a:pPr marL="342900" indent="-342900"/>
-            <a:r>
-              <a:rPr lang="en-US" dirty="0" smtClean="0"/>
-              <a:t>Demo</a:t>
-            </a:r>
           </a:p>
           <a:p>
             <a:pPr algn="l"/>

--- a/Presentation.pptx
+++ b/Presentation.pptx
@@ -5,7 +5,7 @@
     <p:sldMasterId id="2147484209" r:id="rId1"/>
   </p:sldMasterIdLst>
   <p:notesMasterIdLst>
-    <p:notesMasterId r:id="rId23"/>
+    <p:notesMasterId r:id="rId25"/>
   </p:notesMasterIdLst>
   <p:sldIdLst>
     <p:sldId id="266" r:id="rId2"/>
@@ -21,14 +21,16 @@
     <p:sldId id="278" r:id="rId12"/>
     <p:sldId id="286" r:id="rId13"/>
     <p:sldId id="287" r:id="rId14"/>
-    <p:sldId id="288" r:id="rId15"/>
-    <p:sldId id="289" r:id="rId16"/>
-    <p:sldId id="279" r:id="rId17"/>
-    <p:sldId id="284" r:id="rId18"/>
-    <p:sldId id="280" r:id="rId19"/>
-    <p:sldId id="283" r:id="rId20"/>
-    <p:sldId id="264" r:id="rId21"/>
-    <p:sldId id="263" r:id="rId22"/>
+    <p:sldId id="289" r:id="rId15"/>
+    <p:sldId id="290" r:id="rId16"/>
+    <p:sldId id="292" r:id="rId17"/>
+    <p:sldId id="291" r:id="rId18"/>
+    <p:sldId id="279" r:id="rId19"/>
+    <p:sldId id="284" r:id="rId20"/>
+    <p:sldId id="280" r:id="rId21"/>
+    <p:sldId id="283" r:id="rId22"/>
+    <p:sldId id="264" r:id="rId23"/>
+    <p:sldId id="263" r:id="rId24"/>
   </p:sldIdLst>
   <p:sldSz cx="9144000" cy="6858000" type="screen4x3"/>
   <p:notesSz cx="6858000" cy="9144000"/>
@@ -672,6 +674,14 @@
           <a:bodyPr/>
           <a:lstStyle/>
           <a:p>
+            <a:r>
+              <a:rPr lang="en-US" dirty="0" smtClean="0"/>
+              <a:t>90% is</a:t>
+            </a:r>
+            <a:r>
+              <a:rPr lang="en-US" baseline="0" dirty="0" smtClean="0"/>
+              <a:t> a dummy value</a:t>
+            </a:r>
             <a:endParaRPr lang="en-US" dirty="0"/>
           </a:p>
         </p:txBody>
@@ -702,7 +712,7 @@
     </p:spTree>
     <p:extLst>
       <p:ext uri="{BB962C8B-B14F-4D97-AF65-F5344CB8AC3E}">
-        <p14:creationId xmlns:p14="http://schemas.microsoft.com/office/powerpoint/2010/main" val="2122580804"/>
+        <p14:creationId xmlns:p14="http://schemas.microsoft.com/office/powerpoint/2010/main" val="807505352"/>
       </p:ext>
     </p:extLst>
   </p:cSld>
@@ -756,6 +766,90 @@
           <a:bodyPr/>
           <a:lstStyle/>
           <a:p>
+            <a:endParaRPr lang="en-US" dirty="0"/>
+          </a:p>
+        </p:txBody>
+      </p:sp>
+      <p:sp>
+        <p:nvSpPr>
+          <p:cNvPr id="4" name="Slide Number Placeholder 3"/>
+          <p:cNvSpPr>
+            <a:spLocks noGrp="1"/>
+          </p:cNvSpPr>
+          <p:nvPr>
+            <p:ph type="sldNum" sz="quarter" idx="10"/>
+          </p:nvPr>
+        </p:nvSpPr>
+        <p:spPr/>
+        <p:txBody>
+          <a:bodyPr/>
+          <a:lstStyle/>
+          <a:p>
+            <a:fld id="{4B5DE452-D96A-B043-A19B-3F6D5B1BBA3B}" type="slidenum">
+              <a:rPr lang="en-US" smtClean="0"/>
+              <a:t>21</a:t>
+            </a:fld>
+            <a:endParaRPr lang="en-US"/>
+          </a:p>
+        </p:txBody>
+      </p:sp>
+    </p:spTree>
+    <p:extLst>
+      <p:ext uri="{BB962C8B-B14F-4D97-AF65-F5344CB8AC3E}">
+        <p14:creationId xmlns:p14="http://schemas.microsoft.com/office/powerpoint/2010/main" val="2122580804"/>
+      </p:ext>
+    </p:extLst>
+  </p:cSld>
+  <p:clrMapOvr>
+    <a:masterClrMapping/>
+  </p:clrMapOvr>
+</p:notes>
+</file>
+
+<file path=ppt/notesSlides/notesSlide12.xml><?xml version="1.0" encoding="utf-8"?>
+<p:notes xmlns:a="http://schemas.openxmlformats.org/drawingml/2006/main" xmlns:r="http://schemas.openxmlformats.org/officeDocument/2006/relationships" xmlns:p="http://schemas.openxmlformats.org/presentationml/2006/main">
+  <p:cSld>
+    <p:spTree>
+      <p:nvGrpSpPr>
+        <p:cNvPr id="1" name=""/>
+        <p:cNvGrpSpPr/>
+        <p:nvPr/>
+      </p:nvGrpSpPr>
+      <p:grpSpPr>
+        <a:xfrm>
+          <a:off x="0" y="0"/>
+          <a:ext cx="0" cy="0"/>
+          <a:chOff x="0" y="0"/>
+          <a:chExt cx="0" cy="0"/>
+        </a:xfrm>
+      </p:grpSpPr>
+      <p:sp>
+        <p:nvSpPr>
+          <p:cNvPr id="2" name="Slide Image Placeholder 1"/>
+          <p:cNvSpPr>
+            <a:spLocks noGrp="1" noRot="1" noChangeAspect="1"/>
+          </p:cNvSpPr>
+          <p:nvPr>
+            <p:ph type="sldImg"/>
+          </p:nvPr>
+        </p:nvSpPr>
+        <p:spPr/>
+      </p:sp>
+      <p:sp>
+        <p:nvSpPr>
+          <p:cNvPr id="3" name="Notes Placeholder 2"/>
+          <p:cNvSpPr>
+            <a:spLocks noGrp="1"/>
+          </p:cNvSpPr>
+          <p:nvPr>
+            <p:ph type="body" idx="1"/>
+          </p:nvPr>
+        </p:nvSpPr>
+        <p:spPr/>
+        <p:txBody>
+          <a:bodyPr/>
+          <a:lstStyle/>
+          <a:p>
             <a:r>
               <a:rPr lang="en-US" dirty="0" smtClean="0"/>
               <a:t>Starvation</a:t>
@@ -800,7 +894,7 @@
           <a:p>
             <a:fld id="{56BE3D67-E84A-6F4F-8E3B-3BC46E162796}" type="slidenum">
               <a:rPr lang="en-US" smtClean="0"/>
-              <a:t>21</a:t>
+              <a:t>23</a:t>
             </a:fld>
             <a:endParaRPr lang="en-US"/>
           </a:p>
@@ -1003,11 +1097,7 @@
           <a:p>
             <a:r>
               <a:rPr lang="en-US" dirty="0" smtClean="0"/>
-              <a:t>Web apps do not require developers to submit their app to any app store for approval</a:t>
-            </a:r>
-            <a:r>
-              <a:rPr lang="en-US" dirty="0" smtClean="0"/>
-              <a:t>.</a:t>
+              <a:t>Web apps do not require developers to submit their app to any app store for approval.</a:t>
             </a:r>
           </a:p>
           <a:p>
@@ -1437,7 +1527,7 @@
             </a:pPr>
             <a:r>
               <a:rPr lang="en-US" dirty="0" smtClean="0"/>
-              <a:t>If processes always release one resource before requesting another, there can be no hold-and-wait.</a:t>
+              <a:t>If processes always request all resources they will need at once, there can be no hold-and-wait</a:t>
             </a:r>
           </a:p>
           <a:p>
@@ -1447,7 +1537,15 @@
             </a:pPr>
             <a:r>
               <a:rPr lang="en-US" dirty="0" smtClean="0"/>
-              <a:t>This is a tougher restriction. It rules out critical sections that involve more than one resource.</a:t>
+              <a:t>This allows critical sections that involve more than one resource, but requires the operating system (or resource manager) to provide a way to atomically request several resources at once. Some batch and real-time operating systems support this, but it is not supported, for example, by the POSIX thread </a:t>
+            </a:r>
+            <a:r>
+              <a:rPr lang="en-US" dirty="0" err="1" smtClean="0"/>
+              <a:t>mutex</a:t>
+            </a:r>
+            <a:r>
+              <a:rPr lang="en-US" dirty="0" smtClean="0"/>
+              <a:t> API.</a:t>
             </a:r>
             <a:endParaRPr lang="en-US" dirty="0"/>
           </a:p>
@@ -1479,7 +1577,7 @@
     </p:spTree>
     <p:extLst>
       <p:ext uri="{BB962C8B-B14F-4D97-AF65-F5344CB8AC3E}">
-        <p14:creationId xmlns:p14="http://schemas.microsoft.com/office/powerpoint/2010/main" val="2688967800"/>
+        <p14:creationId xmlns:p14="http://schemas.microsoft.com/office/powerpoint/2010/main" val="603379510"/>
       </p:ext>
     </p:extLst>
   </p:cSld>
@@ -1539,7 +1637,7 @@
             </a:pPr>
             <a:r>
               <a:rPr lang="en-US" dirty="0" smtClean="0"/>
-              <a:t>If processes always request all resources they will need at once, there can be no hold-and-wait</a:t>
+              <a:t>If processes always release one resource before requesting another, there can be no hold-and-wait.</a:t>
             </a:r>
           </a:p>
           <a:p>
@@ -1549,15 +1647,7 @@
             </a:pPr>
             <a:r>
               <a:rPr lang="en-US" dirty="0" smtClean="0"/>
-              <a:t>This allows critical sections that involve more than one resource, but requires the operating system (or resource manager) to provide a way to atomically request several resources at once. Some batch and real-time operating systems support this, but it is not supported, for example, by the POSIX thread </a:t>
-            </a:r>
-            <a:r>
-              <a:rPr lang="en-US" dirty="0" err="1" smtClean="0"/>
-              <a:t>mutex</a:t>
-            </a:r>
-            <a:r>
-              <a:rPr lang="en-US" dirty="0" smtClean="0"/>
-              <a:t> API.</a:t>
+              <a:t>This is a tougher restriction. It rules out critical sections that involve more than one resource.</a:t>
             </a:r>
             <a:endParaRPr lang="en-US" dirty="0"/>
           </a:p>
@@ -1589,7 +1679,7 @@
     </p:spTree>
     <p:extLst>
       <p:ext uri="{BB962C8B-B14F-4D97-AF65-F5344CB8AC3E}">
-        <p14:creationId xmlns:p14="http://schemas.microsoft.com/office/powerpoint/2010/main" val="603379510"/>
+        <p14:creationId xmlns:p14="http://schemas.microsoft.com/office/powerpoint/2010/main" val="2688967800"/>
       </p:ext>
     </p:extLst>
   </p:cSld>
@@ -1645,11 +1735,31 @@
           <a:p>
             <a:r>
               <a:rPr lang="en-US" dirty="0" smtClean="0"/>
-              <a:t>90% is</a:t>
-            </a:r>
-            <a:r>
-              <a:rPr lang="en-US" baseline="0" dirty="0" smtClean="0"/>
-              <a:t> a dummy value</a:t>
+              <a:t>if threads try to acquire a lock faster than the rate at which a thread can execute the corresponding critical section, then program performance will suffer as threads will form a "convoy" waiting to acquire the lock.</a:t>
+            </a:r>
+          </a:p>
+          <a:p>
+            <a:r>
+              <a:rPr lang="en-US" dirty="0" smtClean="0"/>
+              <a:t>Threads that all use the same lock become queued to use the lock and end up serializing the processing. A 'convoy' is created.</a:t>
+            </a:r>
+          </a:p>
+          <a:p>
+            <a:r>
+              <a:rPr lang="en-US" dirty="0" smtClean="0"/>
+              <a:t>When a high-priority thread needs to acquire a lock held by a low-priority thread, the scheduler bumps up the priority of the blocking thread until the lock is released.</a:t>
+            </a:r>
+          </a:p>
+          <a:p>
+            <a:r>
+              <a:rPr lang="en-US" dirty="0" smtClean="0"/>
+              <a:t>That is certainly the method of choice to eliminate lock contention if it is workable. For example, consider contention for a counter of events. If each thread can have its own private counter, then no lock is necessary. If the total count is required, the counts can be summed after all threads are done counting.</a:t>
+            </a:r>
+          </a:p>
+          <a:p>
+            <a:r>
+              <a:rPr lang="en-US" dirty="0" smtClean="0"/>
+              <a:t>If the lock on a resource cannot be eliminated, consider partitioning the resource and using a separate lock to protect each partition. The partitioning can spread out contention among the locks.</a:t>
             </a:r>
             <a:endParaRPr lang="en-US" dirty="0"/>
           </a:p>
@@ -1681,7 +1791,7 @@
     </p:spTree>
     <p:extLst>
       <p:ext uri="{BB962C8B-B14F-4D97-AF65-F5344CB8AC3E}">
-        <p14:creationId xmlns:p14="http://schemas.microsoft.com/office/powerpoint/2010/main" val="807505352"/>
+        <p14:creationId xmlns:p14="http://schemas.microsoft.com/office/powerpoint/2010/main" val="2738522525"/>
       </p:ext>
     </p:extLst>
   </p:cSld>
@@ -5376,10 +5486,6 @@
           </a:bodyPr>
           <a:lstStyle/>
           <a:p>
-            <a:pPr marL="342900" indent="-342900">
-              <a:buFont typeface="Arial"/>
-              <a:buChar char="•"/>
-            </a:pPr>
             <a:r>
               <a:rPr lang="en-US" dirty="0">
                 <a:latin typeface="Comic Sans MS"/>
@@ -6299,43 +6405,19 @@
             <a:pPr algn="l"/>
             <a:r>
               <a:rPr lang="en-US" dirty="0"/>
-              <a:t>request(R1)</a:t>
-            </a:r>
-            <a:r>
-              <a:rPr lang="en-US" dirty="0" smtClean="0"/>
-              <a:t>;…	</a:t>
-            </a:r>
-            <a:r>
-              <a:rPr lang="en-US" dirty="0" smtClean="0"/>
-              <a:t>release</a:t>
+              <a:t>request(</a:t>
+            </a:r>
+            <a:r>
+              <a:rPr lang="en-US" dirty="0" smtClean="0"/>
+              <a:t>R1,R2);…		release</a:t>
             </a:r>
             <a:r>
               <a:rPr lang="en-US" dirty="0"/>
-              <a:t>(R1</a:t>
-            </a:r>
-            <a:r>
-              <a:rPr lang="en-US" dirty="0" smtClean="0"/>
-              <a:t>); request</a:t>
-            </a:r>
-            <a:r>
-              <a:rPr lang="en-US" dirty="0"/>
-              <a:t>(R2)</a:t>
-            </a:r>
-            <a:r>
-              <a:rPr lang="en-US" dirty="0" smtClean="0"/>
-              <a:t>;…</a:t>
-            </a:r>
-            <a:r>
-              <a:rPr lang="en-US" dirty="0" smtClean="0"/>
-              <a:t>	release</a:t>
-            </a:r>
-            <a:r>
-              <a:rPr lang="en-US" dirty="0"/>
-              <a:t>(R2</a:t>
-            </a:r>
-            <a:r>
-              <a:rPr lang="en-US" dirty="0" smtClean="0"/>
-              <a:t>);</a:t>
+              <a:t>(</a:t>
+            </a:r>
+            <a:r>
+              <a:rPr lang="en-US" dirty="0" smtClean="0"/>
+              <a:t>R1,R2);</a:t>
             </a:r>
             <a:endParaRPr lang="en-US" dirty="0"/>
           </a:p>
@@ -6362,11 +6444,11 @@
             <a:pPr algn="l"/>
             <a:r>
               <a:rPr lang="en-US" dirty="0"/>
-              <a:t>request(</a:t>
-            </a:r>
-            <a:r>
-              <a:rPr lang="en-US" dirty="0" smtClean="0"/>
-              <a:t>R2)</a:t>
+              <a:t>request</a:t>
+            </a:r>
+            <a:r>
+              <a:rPr lang="en-US" dirty="0" smtClean="0"/>
+              <a:t>(R1,R2)</a:t>
             </a:r>
             <a:r>
               <a:rPr lang="en-US" dirty="0"/>
@@ -6374,15 +6456,7 @@
             </a:r>
             <a:r>
               <a:rPr lang="en-US" dirty="0" smtClean="0"/>
-              <a:t>.		</a:t>
-            </a:r>
-            <a:r>
-              <a:rPr lang="en-US" dirty="0"/>
-              <a:t>release(R2)</a:t>
-            </a:r>
-            <a:r>
-              <a:rPr lang="en-US" dirty="0" smtClean="0"/>
-              <a:t>; request</a:t>
+              <a:t>.			release</a:t>
             </a:r>
             <a:r>
               <a:rPr lang="en-US" dirty="0"/>
@@ -6390,19 +6464,7 @@
             </a:r>
             <a:r>
               <a:rPr lang="en-US" dirty="0" smtClean="0"/>
-              <a:t>R1);	</a:t>
-            </a:r>
-            <a:r>
-              <a:rPr lang="en-US" dirty="0" smtClean="0"/>
-              <a:t>release</a:t>
-            </a:r>
-            <a:r>
-              <a:rPr lang="en-US" dirty="0"/>
-              <a:t>(R1)</a:t>
-            </a:r>
-            <a:r>
-              <a:rPr lang="en-US" dirty="0" smtClean="0"/>
-              <a:t>;</a:t>
+              <a:t>R2,R1); </a:t>
             </a:r>
             <a:endParaRPr lang="en-US" dirty="0"/>
           </a:p>
@@ -6424,9 +6486,10 @@
           <a:lstStyle/>
           <a:p>
             <a:r>
-              <a:rPr lang="en-US" dirty="0"/>
-              <a:t>Release Before Request</a:t>
-            </a:r>
+              <a:rPr lang="en-US" dirty="0" smtClean="0"/>
+              <a:t>Request ALL At once</a:t>
+            </a:r>
+            <a:endParaRPr lang="en-US" dirty="0"/>
           </a:p>
         </p:txBody>
       </p:sp>
@@ -6438,7 +6501,7 @@
         </p:nvSpPr>
         <p:spPr>
           <a:xfrm>
-            <a:off x="1598825" y="2540307"/>
+            <a:off x="1978193" y="2886714"/>
             <a:ext cx="2144253" cy="329910"/>
           </a:xfrm>
           <a:prstGeom prst="rect">
@@ -6483,7 +6546,7 @@
         </p:nvSpPr>
         <p:spPr>
           <a:xfrm>
-            <a:off x="5520505" y="2540307"/>
+            <a:off x="1978193" y="3348586"/>
             <a:ext cx="2144253" cy="329910"/>
           </a:xfrm>
           <a:prstGeom prst="rect">
@@ -6525,7 +6588,7 @@
         </p:nvSpPr>
         <p:spPr>
           <a:xfrm>
-            <a:off x="1598825" y="5002075"/>
+            <a:off x="1978193" y="5546427"/>
             <a:ext cx="2144253" cy="329910"/>
           </a:xfrm>
           <a:prstGeom prst="rect">
@@ -6567,7 +6630,7 @@
         </p:nvSpPr>
         <p:spPr>
           <a:xfrm>
-            <a:off x="5520505" y="5002075"/>
+            <a:off x="1978193" y="5018571"/>
             <a:ext cx="2144253" cy="329910"/>
           </a:xfrm>
           <a:prstGeom prst="rect">
@@ -6607,7 +6670,7 @@
     </p:spTree>
     <p:extLst>
       <p:ext uri="{BB962C8B-B14F-4D97-AF65-F5344CB8AC3E}">
-        <p14:creationId xmlns:p14="http://schemas.microsoft.com/office/powerpoint/2010/main" val="2102440148"/>
+        <p14:creationId xmlns:p14="http://schemas.microsoft.com/office/powerpoint/2010/main" val="1598377104"/>
       </p:ext>
     </p:extLst>
   </p:cSld>
@@ -6666,11 +6729,82 @@
             <a:pPr algn="l"/>
             <a:r>
               <a:rPr lang="en-US" dirty="0"/>
+              <a:t>request(R1)</a:t>
+            </a:r>
+            <a:r>
+              <a:rPr lang="en-US" dirty="0" smtClean="0"/>
+              <a:t>;…	release</a:t>
+            </a:r>
+            <a:r>
+              <a:rPr lang="en-US" dirty="0"/>
+              <a:t>(R1</a:t>
+            </a:r>
+            <a:r>
+              <a:rPr lang="en-US" dirty="0" smtClean="0"/>
+              <a:t>); request</a:t>
+            </a:r>
+            <a:r>
+              <a:rPr lang="en-US" dirty="0"/>
+              <a:t>(R2)</a:t>
+            </a:r>
+            <a:r>
+              <a:rPr lang="en-US" dirty="0" smtClean="0"/>
+              <a:t>;…	release</a:t>
+            </a:r>
+            <a:r>
+              <a:rPr lang="en-US" dirty="0"/>
+              <a:t>(R2</a:t>
+            </a:r>
+            <a:r>
+              <a:rPr lang="en-US" dirty="0" smtClean="0"/>
+              <a:t>);</a:t>
+            </a:r>
+            <a:endParaRPr lang="en-US" dirty="0"/>
+          </a:p>
+          <a:p>
+            <a:pPr algn="l"/>
+            <a:endParaRPr lang="en-US" dirty="0"/>
+          </a:p>
+          <a:p>
+            <a:pPr algn="l"/>
+            <a:endParaRPr lang="en-US" dirty="0"/>
+          </a:p>
+          <a:p>
+            <a:pPr algn="l"/>
+            <a:endParaRPr lang="en-US" dirty="0"/>
+          </a:p>
+          <a:p>
+            <a:pPr algn="l"/>
+            <a:r>
+              <a:rPr lang="en-US" dirty="0"/>
+              <a:t>Process P2:</a:t>
+            </a:r>
+          </a:p>
+          <a:p>
+            <a:pPr algn="l"/>
+            <a:r>
+              <a:rPr lang="en-US" dirty="0"/>
               <a:t>request(</a:t>
             </a:r>
             <a:r>
               <a:rPr lang="en-US" dirty="0" smtClean="0"/>
-              <a:t>R1,R2);…		release</a:t>
+              <a:t>R2)</a:t>
+            </a:r>
+            <a:r>
+              <a:rPr lang="en-US" dirty="0"/>
+              <a:t>;..</a:t>
+            </a:r>
+            <a:r>
+              <a:rPr lang="en-US" dirty="0" smtClean="0"/>
+              <a:t>.		</a:t>
+            </a:r>
+            <a:r>
+              <a:rPr lang="en-US" dirty="0"/>
+              <a:t>release(R2)</a:t>
+            </a:r>
+            <a:r>
+              <a:rPr lang="en-US" dirty="0" smtClean="0"/>
+              <a:t>; request</a:t>
             </a:r>
             <a:r>
               <a:rPr lang="en-US" dirty="0"/>
@@ -6678,79 +6812,39 @@
             </a:r>
             <a:r>
               <a:rPr lang="en-US" dirty="0" smtClean="0"/>
-              <a:t>R1,R2);</a:t>
-            </a:r>
-            <a:endParaRPr lang="en-US" dirty="0"/>
-          </a:p>
-          <a:p>
-            <a:pPr algn="l"/>
-            <a:endParaRPr lang="en-US" dirty="0"/>
-          </a:p>
-          <a:p>
-            <a:pPr algn="l"/>
-            <a:endParaRPr lang="en-US" dirty="0"/>
-          </a:p>
-          <a:p>
-            <a:pPr algn="l"/>
-            <a:endParaRPr lang="en-US" dirty="0"/>
-          </a:p>
-          <a:p>
-            <a:pPr algn="l"/>
+              <a:t>R1);	release</a:t>
+            </a:r>
             <a:r>
               <a:rPr lang="en-US" dirty="0"/>
-              <a:t>Process P2:</a:t>
-            </a:r>
-          </a:p>
-          <a:p>
-            <a:pPr algn="l"/>
+              <a:t>(R1)</a:t>
+            </a:r>
+            <a:r>
+              <a:rPr lang="en-US" dirty="0" smtClean="0"/>
+              <a:t>;</a:t>
+            </a:r>
+            <a:endParaRPr lang="en-US" dirty="0"/>
+          </a:p>
+        </p:txBody>
+      </p:sp>
+      <p:sp>
+        <p:nvSpPr>
+          <p:cNvPr id="3" name="Title 2"/>
+          <p:cNvSpPr>
+            <a:spLocks noGrp="1"/>
+          </p:cNvSpPr>
+          <p:nvPr>
+            <p:ph type="title"/>
+          </p:nvPr>
+        </p:nvSpPr>
+        <p:spPr/>
+        <p:txBody>
+          <a:bodyPr/>
+          <a:lstStyle/>
+          <a:p>
             <a:r>
               <a:rPr lang="en-US" dirty="0"/>
-              <a:t>request</a:t>
-            </a:r>
-            <a:r>
-              <a:rPr lang="en-US" dirty="0" smtClean="0"/>
-              <a:t>(R1,R2)</a:t>
-            </a:r>
-            <a:r>
-              <a:rPr lang="en-US" dirty="0"/>
-              <a:t>;..</a:t>
-            </a:r>
-            <a:r>
-              <a:rPr lang="en-US" dirty="0" smtClean="0"/>
-              <a:t>.			release</a:t>
-            </a:r>
-            <a:r>
-              <a:rPr lang="en-US" dirty="0"/>
-              <a:t>(</a:t>
-            </a:r>
-            <a:r>
-              <a:rPr lang="en-US" dirty="0" smtClean="0"/>
-              <a:t>R2,R1); </a:t>
-            </a:r>
-            <a:endParaRPr lang="en-US" dirty="0"/>
-          </a:p>
-        </p:txBody>
-      </p:sp>
-      <p:sp>
-        <p:nvSpPr>
-          <p:cNvPr id="3" name="Title 2"/>
-          <p:cNvSpPr>
-            <a:spLocks noGrp="1"/>
-          </p:cNvSpPr>
-          <p:nvPr>
-            <p:ph type="title"/>
-          </p:nvPr>
-        </p:nvSpPr>
-        <p:spPr/>
-        <p:txBody>
-          <a:bodyPr/>
-          <a:lstStyle/>
-          <a:p>
-            <a:r>
-              <a:rPr lang="en-US" dirty="0" smtClean="0"/>
-              <a:t>Request ALL At once</a:t>
-            </a:r>
-            <a:endParaRPr lang="en-US" dirty="0"/>
+              <a:t>Release Before Request</a:t>
+            </a:r>
           </a:p>
         </p:txBody>
       </p:sp>
@@ -6762,7 +6856,7 @@
         </p:nvSpPr>
         <p:spPr>
           <a:xfrm>
-            <a:off x="1978193" y="2886714"/>
+            <a:off x="1598825" y="2540307"/>
             <a:ext cx="2144253" cy="329910"/>
           </a:xfrm>
           <a:prstGeom prst="rect">
@@ -6807,7 +6901,7 @@
         </p:nvSpPr>
         <p:spPr>
           <a:xfrm>
-            <a:off x="1978193" y="3348586"/>
+            <a:off x="5520505" y="2540307"/>
             <a:ext cx="2144253" cy="329910"/>
           </a:xfrm>
           <a:prstGeom prst="rect">
@@ -6849,7 +6943,7 @@
         </p:nvSpPr>
         <p:spPr>
           <a:xfrm>
-            <a:off x="1978193" y="5546427"/>
+            <a:off x="1598825" y="5002075"/>
             <a:ext cx="2144253" cy="329910"/>
           </a:xfrm>
           <a:prstGeom prst="rect">
@@ -6891,7 +6985,7 @@
         </p:nvSpPr>
         <p:spPr>
           <a:xfrm>
-            <a:off x="1978193" y="5018571"/>
+            <a:off x="5520505" y="5002075"/>
             <a:ext cx="2144253" cy="329910"/>
           </a:xfrm>
           <a:prstGeom prst="rect">
@@ -6931,7 +7025,7 @@
     </p:spTree>
     <p:extLst>
       <p:ext uri="{BB962C8B-B14F-4D97-AF65-F5344CB8AC3E}">
-        <p14:creationId xmlns:p14="http://schemas.microsoft.com/office/powerpoint/2010/main" val="1598377104"/>
+        <p14:creationId xmlns:p14="http://schemas.microsoft.com/office/powerpoint/2010/main" val="1963981522"/>
       </p:ext>
     </p:extLst>
   </p:cSld>
@@ -6967,141 +7061,55 @@
       </p:grpSpPr>
       <p:sp>
         <p:nvSpPr>
-          <p:cNvPr id="2" name="Content Placeholder 1"/>
-          <p:cNvSpPr>
-            <a:spLocks noGrp="1"/>
-          </p:cNvSpPr>
-          <p:nvPr>
-            <p:ph sz="quarter" idx="13"/>
+          <p:cNvPr id="3" name="Subtitle 2"/>
+          <p:cNvSpPr>
+            <a:spLocks noGrp="1"/>
+          </p:cNvSpPr>
+          <p:nvPr>
+            <p:ph type="subTitle" idx="1"/>
           </p:nvPr>
         </p:nvSpPr>
         <p:spPr/>
         <p:txBody>
+          <a:bodyPr/>
+          <a:lstStyle/>
+          <a:p>
+            <a:r>
+              <a:rPr lang="en-US" dirty="0" smtClean="0"/>
+              <a:t>DEMO</a:t>
+            </a:r>
+            <a:endParaRPr lang="en-US" dirty="0"/>
+          </a:p>
+        </p:txBody>
+      </p:sp>
+      <p:sp>
+        <p:nvSpPr>
+          <p:cNvPr id="2" name="Title 1"/>
+          <p:cNvSpPr>
+            <a:spLocks noGrp="1"/>
+          </p:cNvSpPr>
+          <p:nvPr>
+            <p:ph type="title"/>
+          </p:nvPr>
+        </p:nvSpPr>
+        <p:spPr/>
+        <p:txBody>
           <a:bodyPr>
-            <a:normAutofit/>
+            <a:normAutofit fontScale="90000"/>
           </a:bodyPr>
           <a:lstStyle/>
           <a:p>
-            <a:pPr marL="342900" indent="-342900">
-              <a:buFont typeface="Arial"/>
-              <a:buChar char="•"/>
-            </a:pPr>
-            <a:r>
-              <a:rPr lang="en-US" dirty="0" smtClean="0"/>
-              <a:t>Who:	Students who have experiences with Parallel Programming</a:t>
-            </a:r>
-          </a:p>
-          <a:p>
-            <a:pPr marL="342900" indent="-342900">
-              <a:buFont typeface="Arial"/>
-              <a:buChar char="•"/>
-            </a:pPr>
-            <a:endParaRPr lang="en-US" dirty="0" smtClean="0"/>
-          </a:p>
-          <a:p>
-            <a:pPr marL="342900" indent="-342900">
-              <a:buFont typeface="Arial"/>
-              <a:buChar char="•"/>
-            </a:pPr>
-            <a:r>
-              <a:rPr lang="en-US" dirty="0" smtClean="0"/>
-              <a:t>How:	1). Students play with the app</a:t>
-            </a:r>
-          </a:p>
-          <a:p>
             <a:r>
               <a:rPr lang="en-US" dirty="0"/>
-              <a:t>	</a:t>
-            </a:r>
-            <a:r>
-              <a:rPr lang="en-US" dirty="0" smtClean="0"/>
-              <a:t>	2). Answer questions</a:t>
-            </a:r>
-          </a:p>
-          <a:p>
-            <a:endParaRPr lang="en-US" dirty="0" smtClean="0"/>
-          </a:p>
-          <a:p>
-            <a:pPr marL="342900" indent="-342900" algn="l">
-              <a:buFont typeface="Arial"/>
-              <a:buChar char="•"/>
-            </a:pPr>
-            <a:r>
-              <a:rPr lang="en-US" dirty="0" smtClean="0"/>
-              <a:t>Why:	To determine:</a:t>
-            </a:r>
-            <a:r>
-              <a:rPr lang="en-US" dirty="0"/>
-              <a:t>	</a:t>
-            </a:r>
-            <a:endParaRPr lang="en-US" dirty="0" smtClean="0"/>
-          </a:p>
-          <a:p>
-            <a:pPr algn="l"/>
-            <a:r>
-              <a:rPr lang="en-US" sz="2000" dirty="0" smtClean="0"/>
-              <a:t>		+ Usability.</a:t>
-            </a:r>
-          </a:p>
-          <a:p>
-            <a:pPr algn="l"/>
-            <a:r>
-              <a:rPr lang="en-US" sz="2000" dirty="0" smtClean="0"/>
-              <a:t>	</a:t>
-            </a:r>
-            <a:r>
-              <a:rPr lang="en-US" sz="2000" dirty="0"/>
-              <a:t>	</a:t>
-            </a:r>
-            <a:r>
-              <a:rPr lang="en-US" sz="2000" dirty="0" smtClean="0"/>
-              <a:t>+ Interactivity.</a:t>
-            </a:r>
-          </a:p>
-          <a:p>
-            <a:pPr algn="l"/>
-            <a:r>
-              <a:rPr lang="en-US" sz="2000" dirty="0" smtClean="0"/>
-              <a:t>	</a:t>
-            </a:r>
-            <a:r>
-              <a:rPr lang="en-US" sz="2000" dirty="0"/>
-              <a:t>	</a:t>
-            </a:r>
-            <a:r>
-              <a:rPr lang="en-US" sz="2000" dirty="0" smtClean="0"/>
-              <a:t>+ Students’ understanding in the 3 pitfalls</a:t>
-            </a:r>
-          </a:p>
-        </p:txBody>
-      </p:sp>
-      <p:sp>
-        <p:nvSpPr>
-          <p:cNvPr id="3" name="Title 2"/>
-          <p:cNvSpPr>
-            <a:spLocks noGrp="1"/>
-          </p:cNvSpPr>
-          <p:nvPr>
-            <p:ph type="title"/>
-          </p:nvPr>
-        </p:nvSpPr>
-        <p:spPr/>
-        <p:txBody>
-          <a:bodyPr/>
-          <a:lstStyle/>
-          <a:p>
-            <a:r>
-              <a:rPr lang="en-US" dirty="0" smtClean="0"/>
-              <a:t>evaluation</a:t>
-            </a:r>
-            <a:endParaRPr lang="en-US" dirty="0"/>
+              <a:t>Heavily contended locks</a:t>
+            </a:r>
           </a:p>
         </p:txBody>
       </p:sp>
     </p:spTree>
     <p:extLst>
       <p:ext uri="{BB962C8B-B14F-4D97-AF65-F5344CB8AC3E}">
-        <p14:creationId xmlns:p14="http://schemas.microsoft.com/office/powerpoint/2010/main" val="1649624774"/>
+        <p14:creationId xmlns:p14="http://schemas.microsoft.com/office/powerpoint/2010/main" val="2590666726"/>
       </p:ext>
     </p:extLst>
   </p:cSld>
@@ -7149,7 +7157,70 @@
             </a:pPr>
             <a:r>
               <a:rPr lang="en-US" dirty="0" smtClean="0"/>
-              <a:t>Usability:		90% rate as the easy to play</a:t>
+              <a:t>Convoy is created.</a:t>
+            </a:r>
+          </a:p>
+          <a:p>
+            <a:pPr marL="342900" indent="-342900">
+              <a:buFont typeface="Arial"/>
+              <a:buChar char="•"/>
+            </a:pPr>
+            <a:r>
+              <a:rPr lang="en-US" dirty="0" smtClean="0"/>
+              <a:t>Serializes the processing.</a:t>
+            </a:r>
+          </a:p>
+          <a:p>
+            <a:pPr marL="342900" indent="-342900">
+              <a:buFont typeface="Arial"/>
+              <a:buChar char="•"/>
+            </a:pPr>
+            <a:r>
+              <a:rPr lang="en-US" dirty="0" smtClean="0"/>
+              <a:t>Slows down High priority threads.</a:t>
+            </a:r>
+          </a:p>
+          <a:p>
+            <a:pPr marL="342900" indent="-342900">
+              <a:buFont typeface="Arial"/>
+              <a:buChar char="•"/>
+            </a:pPr>
+            <a:endParaRPr lang="en-US" dirty="0"/>
+          </a:p>
+          <a:p>
+            <a:r>
+              <a:rPr lang="en-US" dirty="0" smtClean="0"/>
+              <a:t>Solution</a:t>
+            </a:r>
+          </a:p>
+          <a:p>
+            <a:pPr marL="342900" indent="-342900">
+              <a:buFont typeface="Arial"/>
+              <a:buChar char="•"/>
+            </a:pPr>
+            <a:r>
+              <a:rPr lang="en-US" dirty="0" smtClean="0"/>
+              <a:t>Priority Inversion</a:t>
+            </a:r>
+          </a:p>
+          <a:p>
+            <a:pPr marL="342900" indent="-342900">
+              <a:buFont typeface="Arial"/>
+              <a:buChar char="•"/>
+            </a:pPr>
+            <a:r>
+              <a:rPr lang="en-US" dirty="0" smtClean="0"/>
+              <a:t>Replicating the resource.</a:t>
+            </a:r>
+          </a:p>
+          <a:p>
+            <a:pPr marL="342900" indent="-342900">
+              <a:buFont typeface="Arial"/>
+              <a:buChar char="•"/>
+            </a:pPr>
+            <a:r>
+              <a:rPr lang="en-US" dirty="0" smtClean="0"/>
+              <a:t>Partitioning the resource</a:t>
             </a:r>
           </a:p>
           <a:p>
@@ -7164,27 +7235,6 @@
               <a:buFont typeface="Arial"/>
               <a:buChar char="•"/>
             </a:pPr>
-            <a:r>
-              <a:rPr lang="en-US" dirty="0" smtClean="0"/>
-              <a:t>Interactivity:	90% like the way they interact with the pitfalls</a:t>
-            </a:r>
-          </a:p>
-          <a:p>
-            <a:pPr marL="342900" indent="-342900">
-              <a:buFont typeface="Arial"/>
-              <a:buChar char="•"/>
-            </a:pPr>
-            <a:endParaRPr lang="en-US" dirty="0"/>
-          </a:p>
-          <a:p>
-            <a:pPr marL="342900" indent="-342900">
-              <a:buFont typeface="Arial"/>
-              <a:buChar char="•"/>
-            </a:pPr>
-            <a:r>
-              <a:rPr lang="en-US" dirty="0" smtClean="0"/>
-              <a:t>Student understanding: 	9/10 questions were answered correctly by 90% of student</a:t>
-            </a:r>
             <a:endParaRPr lang="en-US" dirty="0"/>
           </a:p>
         </p:txBody>
@@ -7206,7 +7256,7 @@
           <a:p>
             <a:r>
               <a:rPr lang="en-US" dirty="0" smtClean="0"/>
-              <a:t>Results</a:t>
+              <a:t>Heavily contended locks</a:t>
             </a:r>
             <a:endParaRPr lang="en-US" dirty="0"/>
           </a:p>
@@ -7215,7 +7265,7 @@
     </p:spTree>
     <p:extLst>
       <p:ext uri="{BB962C8B-B14F-4D97-AF65-F5344CB8AC3E}">
-        <p14:creationId xmlns:p14="http://schemas.microsoft.com/office/powerpoint/2010/main" val="4085540163"/>
+        <p14:creationId xmlns:p14="http://schemas.microsoft.com/office/powerpoint/2010/main" val="1462588398"/>
       </p:ext>
     </p:extLst>
   </p:cSld>
@@ -7259,89 +7309,96 @@
           </a:bodyPr>
           <a:lstStyle/>
           <a:p>
+            <a:r>
+              <a:rPr lang="en-US" dirty="0" smtClean="0"/>
+              <a:t>1</a:t>
+            </a:r>
+            <a:r>
+              <a:rPr lang="en-US" dirty="0" smtClean="0"/>
+              <a:t>). Students play with the app</a:t>
+            </a:r>
+          </a:p>
+          <a:p>
+            <a:r>
+              <a:rPr lang="en-US" dirty="0" smtClean="0"/>
+              <a:t>2</a:t>
+            </a:r>
+            <a:r>
+              <a:rPr lang="en-US" dirty="0" smtClean="0"/>
+              <a:t>). </a:t>
+            </a:r>
+            <a:r>
+              <a:rPr lang="en-US" dirty="0" smtClean="0"/>
+              <a:t>Quiz</a:t>
+            </a:r>
+          </a:p>
+          <a:p>
+            <a:r>
+              <a:rPr lang="en-US" dirty="0" smtClean="0"/>
+              <a:t>3). Survey to collect feedback</a:t>
+            </a:r>
+            <a:endParaRPr lang="en-US" dirty="0" smtClean="0"/>
+          </a:p>
+          <a:p>
             <a:pPr algn="l"/>
-            <a:r>
-              <a:rPr lang="en-US" dirty="0" smtClean="0"/>
-              <a:t>+ Challenges:</a:t>
-            </a:r>
+            <a:endParaRPr lang="en-US" dirty="0"/>
           </a:p>
           <a:p>
             <a:pPr algn="l"/>
+            <a:r>
+              <a:rPr lang="en-US" dirty="0" smtClean="0"/>
+              <a:t>To </a:t>
+            </a:r>
+            <a:r>
+              <a:rPr lang="en-US" dirty="0" smtClean="0"/>
+              <a:t>determine:</a:t>
+            </a:r>
             <a:r>
               <a:rPr lang="en-US" dirty="0"/>
               <a:t>	</a:t>
             </a:r>
-            <a:r>
-              <a:rPr lang="en-US" dirty="0" smtClean="0"/>
-              <a:t>- different browser</a:t>
-            </a:r>
+            <a:endParaRPr lang="en-US" dirty="0" smtClean="0"/>
           </a:p>
           <a:p>
             <a:pPr algn="l"/>
-            <a:endParaRPr lang="en-US" dirty="0"/>
+            <a:r>
+              <a:rPr lang="en-US" sz="2000" dirty="0" smtClean="0"/>
+              <a:t>1). </a:t>
+            </a:r>
+            <a:r>
+              <a:rPr lang="en-US" sz="2000" dirty="0" smtClean="0"/>
+              <a:t>Usability.</a:t>
+            </a:r>
           </a:p>
           <a:p>
             <a:pPr algn="l"/>
             <a:r>
-              <a:rPr lang="en-US" dirty="0" smtClean="0"/>
-              <a:t>+ Next Few Weeks:</a:t>
+              <a:rPr lang="en-US" sz="2000" dirty="0" smtClean="0"/>
+              <a:t>2).</a:t>
+            </a:r>
+            <a:r>
+              <a:rPr lang="en-US" sz="2000" dirty="0" smtClean="0"/>
+              <a:t> </a:t>
+            </a:r>
+            <a:r>
+              <a:rPr lang="en-US" sz="2000" dirty="0" smtClean="0"/>
+              <a:t>Interactivity.</a:t>
             </a:r>
           </a:p>
           <a:p>
             <a:pPr algn="l"/>
             <a:r>
-              <a:rPr lang="en-US" dirty="0"/>
-              <a:t>	</a:t>
-            </a:r>
-            <a:r>
-              <a:rPr lang="en-US" dirty="0" smtClean="0"/>
-              <a:t>- solve different browser problem</a:t>
-            </a:r>
-          </a:p>
-          <a:p>
-            <a:pPr algn="l"/>
-            <a:r>
-              <a:rPr lang="en-US" dirty="0"/>
-              <a:t>	</a:t>
-            </a:r>
-            <a:r>
-              <a:rPr lang="en-US" dirty="0" smtClean="0"/>
-              <a:t>- do more survey</a:t>
-            </a:r>
-          </a:p>
-          <a:p>
-            <a:pPr algn="l"/>
-            <a:r>
-              <a:rPr lang="en-US" dirty="0"/>
-              <a:t>	</a:t>
-            </a:r>
-            <a:r>
-              <a:rPr lang="en-US" dirty="0" smtClean="0"/>
-              <a:t>- write report</a:t>
-            </a:r>
-          </a:p>
-          <a:p>
-            <a:pPr algn="l"/>
-            <a:endParaRPr lang="en-US" dirty="0"/>
-          </a:p>
-          <a:p>
-            <a:pPr algn="l"/>
-            <a:r>
-              <a:rPr lang="en-US" dirty="0" smtClean="0"/>
-              <a:t>+ Extension:</a:t>
-            </a:r>
-          </a:p>
-          <a:p>
-            <a:pPr algn="l"/>
-            <a:r>
-              <a:rPr lang="en-US" dirty="0"/>
-              <a:t>	</a:t>
-            </a:r>
-            <a:r>
-              <a:rPr lang="en-US" dirty="0" smtClean="0"/>
-              <a:t>- showing the solution in our app </a:t>
-            </a:r>
-            <a:endParaRPr lang="en-US" dirty="0"/>
+              <a:rPr lang="en-US" sz="2000" dirty="0" smtClean="0"/>
+              <a:t>3).</a:t>
+            </a:r>
+            <a:r>
+              <a:rPr lang="en-US" sz="2000" dirty="0" smtClean="0"/>
+              <a:t> </a:t>
+            </a:r>
+            <a:r>
+              <a:rPr lang="en-US" sz="2000" dirty="0" smtClean="0"/>
+              <a:t>Students’ understanding in the 3 pitfalls</a:t>
+            </a:r>
           </a:p>
         </p:txBody>
       </p:sp>
@@ -7362,7 +7419,7 @@
           <a:p>
             <a:r>
               <a:rPr lang="en-US" dirty="0" smtClean="0"/>
-              <a:t>Challenges and future works</a:t>
+              <a:t>evaluation</a:t>
             </a:r>
             <a:endParaRPr lang="en-US" dirty="0"/>
           </a:p>
@@ -7371,7 +7428,7 @@
     </p:spTree>
     <p:extLst>
       <p:ext uri="{BB962C8B-B14F-4D97-AF65-F5344CB8AC3E}">
-        <p14:creationId xmlns:p14="http://schemas.microsoft.com/office/powerpoint/2010/main" val="2276343006"/>
+        <p14:creationId xmlns:p14="http://schemas.microsoft.com/office/powerpoint/2010/main" val="1649624774"/>
       </p:ext>
     </p:extLst>
   </p:cSld>
@@ -7410,164 +7467,52 @@
         </p:nvSpPr>
         <p:spPr/>
         <p:txBody>
-          <a:bodyPr>
-            <a:normAutofit/>
-          </a:bodyPr>
-          <a:lstStyle/>
-          <a:p>
-            <a:r>
-              <a:rPr lang="en-US" sz="1500" dirty="0" smtClean="0"/>
-              <a:t>[1] </a:t>
-            </a:r>
-            <a:r>
-              <a:rPr lang="en-US" sz="1500" dirty="0"/>
-              <a:t> N. </a:t>
-            </a:r>
-            <a:r>
-              <a:rPr lang="en-US" sz="1500" dirty="0" err="1"/>
-              <a:t>Giacaman</a:t>
-            </a:r>
-            <a:r>
-              <a:rPr lang="en-US" sz="1500" dirty="0"/>
-              <a:t>. Teaching by example: Using analogies and live coding demonstrations to teach parallel computing concepts to undergraduate </a:t>
-            </a:r>
-            <a:r>
-              <a:rPr lang="en-US" sz="1500" dirty="0" err="1"/>
-              <a:t>stu</a:t>
-            </a:r>
-            <a:r>
-              <a:rPr lang="en-US" sz="1500" dirty="0"/>
-              <a:t>- dents. In Parallel and Distributed Processing Symposium Workshops PhD Forum (IPDPSW), 2012 IEEE 26th International, pages 1295 –1298, may 2012. </a:t>
-            </a:r>
-            <a:endParaRPr lang="en-US" sz="1500" dirty="0" smtClean="0"/>
-          </a:p>
-          <a:p>
-            <a:r>
-              <a:rPr lang="en-US" sz="1500" dirty="0" smtClean="0"/>
-              <a:t>[2] </a:t>
-            </a:r>
-            <a:r>
-              <a:rPr lang="en-US" sz="1500" dirty="0" err="1"/>
-              <a:t>Mordechai</a:t>
-            </a:r>
-            <a:r>
-              <a:rPr lang="en-US" sz="1500" dirty="0"/>
-              <a:t> Ben-Ari and </a:t>
-            </a:r>
-            <a:r>
-              <a:rPr lang="en-US" sz="1500" dirty="0" err="1"/>
-              <a:t>Yifat</a:t>
-            </a:r>
-            <a:r>
-              <a:rPr lang="en-US" sz="1500" dirty="0"/>
-              <a:t> Ben-David </a:t>
-            </a:r>
-            <a:r>
-              <a:rPr lang="en-US" sz="1500" dirty="0" err="1"/>
-              <a:t>Kolikant</a:t>
-            </a:r>
-            <a:r>
-              <a:rPr lang="en-US" sz="1500" dirty="0"/>
-              <a:t>. Thinking parallel: the process of learning concurrency. SIGCSE Bull., 31(3):13–16, June 1999. </a:t>
-            </a:r>
-            <a:endParaRPr lang="en-US" sz="1500" dirty="0" smtClean="0"/>
-          </a:p>
-          <a:p>
-            <a:r>
-              <a:rPr lang="en-US" sz="1500" dirty="0"/>
-              <a:t>[3] </a:t>
-            </a:r>
-            <a:r>
-              <a:rPr lang="en-US" sz="1500" dirty="0">
-                <a:hlinkClick r:id="rId3"/>
-              </a:rPr>
-              <a:t>http://publib.boulder.ibm.com/infocenter/iseries/v5r3/index.jsp?topic=%2Frzahw%</a:t>
-            </a:r>
-            <a:r>
-              <a:rPr lang="en-US" sz="1500" dirty="0" smtClean="0">
-                <a:hlinkClick r:id="rId3"/>
-              </a:rPr>
-              <a:t>2Frzahwmutco.htm</a:t>
-            </a:r>
-            <a:endParaRPr lang="en-US" sz="1500" dirty="0" smtClean="0"/>
-          </a:p>
-          <a:p>
-            <a:r>
-              <a:rPr lang="en-US" sz="1500" dirty="0" smtClean="0"/>
-              <a:t>[4</a:t>
-            </a:r>
-            <a:r>
-              <a:rPr lang="en-US" sz="1500" dirty="0"/>
-              <a:t>] </a:t>
-            </a:r>
-            <a:r>
-              <a:rPr lang="en-US" sz="1500" dirty="0" err="1"/>
-              <a:t>Fancong</a:t>
-            </a:r>
-            <a:r>
-              <a:rPr lang="en-US" sz="1500" dirty="0"/>
-              <a:t> </a:t>
-            </a:r>
-            <a:r>
-              <a:rPr lang="en-US" sz="1500" dirty="0" err="1"/>
-              <a:t>Zeng</a:t>
-            </a:r>
-            <a:r>
-              <a:rPr lang="en-US" sz="1500" dirty="0"/>
-              <a:t>. "An Initial Study of Common Coding Pitfalls in Java Programs", in Proceedings of MASPLAS'03 Mid-Atlantic Student Workshop on Programming Languages and Systems, April, 2003</a:t>
-            </a:r>
-            <a:r>
-              <a:rPr lang="en-US" sz="1500" dirty="0" smtClean="0"/>
-              <a:t>.</a:t>
-            </a:r>
-          </a:p>
-          <a:p>
-            <a:r>
-              <a:rPr lang="en-US" sz="1500" dirty="0" smtClean="0"/>
-              <a:t>[5] </a:t>
-            </a:r>
-            <a:r>
-              <a:rPr lang="en-US" sz="1600" dirty="0"/>
-              <a:t>Sung-</a:t>
-            </a:r>
-            <a:r>
-              <a:rPr lang="en-US" sz="1600" dirty="0" err="1"/>
-              <a:t>Eun</a:t>
-            </a:r>
-            <a:r>
-              <a:rPr lang="en-US" sz="1600" dirty="0"/>
-              <a:t> Choi and E Christopher Lewis. A Study of </a:t>
-            </a:r>
-            <a:r>
-              <a:rPr lang="en-US" sz="1600" dirty="0" smtClean="0"/>
-              <a:t>Common </a:t>
-            </a:r>
-            <a:r>
-              <a:rPr lang="en-US" sz="1600" dirty="0"/>
-              <a:t>Pitfalls in Simple Multi-Threaded Programs. In </a:t>
-            </a:r>
-            <a:r>
-              <a:rPr lang="en-US" sz="1600" i="1" dirty="0" smtClean="0"/>
-              <a:t>Proceedings </a:t>
-            </a:r>
-            <a:r>
-              <a:rPr lang="en-US" sz="1600" i="1" dirty="0"/>
-              <a:t>of the Thirty-first ACM SIGCSE Technical Symposium on Computer Science Education, </a:t>
-            </a:r>
-            <a:r>
-              <a:rPr lang="en-US" sz="1600" dirty="0"/>
-              <a:t>March 2000. </a:t>
-            </a:r>
-            <a:endParaRPr lang="en-US" sz="1500" dirty="0" smtClean="0"/>
-          </a:p>
-          <a:p>
-            <a:endParaRPr lang="en-US" sz="1500" dirty="0"/>
-          </a:p>
-          <a:p>
-            <a:endParaRPr lang="en-US" sz="1500" dirty="0"/>
-          </a:p>
-          <a:p>
-            <a:endParaRPr lang="en-US" sz="1500" dirty="0"/>
+          <a:bodyPr/>
+          <a:lstStyle/>
+          <a:p>
+            <a:pPr marL="342900" indent="-342900">
+              <a:buFont typeface="Arial"/>
+              <a:buChar char="•"/>
+            </a:pPr>
+            <a:r>
+              <a:rPr lang="en-US" dirty="0" smtClean="0"/>
+              <a:t>Usability:		90% rate as the easy to play</a:t>
+            </a:r>
+          </a:p>
+          <a:p>
+            <a:pPr marL="342900" indent="-342900">
+              <a:buFont typeface="Arial"/>
+              <a:buChar char="•"/>
+            </a:pPr>
+            <a:endParaRPr lang="en-US" dirty="0" smtClean="0"/>
+          </a:p>
+          <a:p>
+            <a:pPr marL="342900" indent="-342900">
+              <a:buFont typeface="Arial"/>
+              <a:buChar char="•"/>
+            </a:pPr>
+            <a:r>
+              <a:rPr lang="en-US" dirty="0" smtClean="0"/>
+              <a:t>Interactivity:	90% like the way they interact with the pitfalls</a:t>
+            </a:r>
+          </a:p>
+          <a:p>
+            <a:pPr marL="342900" indent="-342900">
+              <a:buFont typeface="Arial"/>
+              <a:buChar char="•"/>
+            </a:pPr>
+            <a:endParaRPr lang="en-US" dirty="0"/>
+          </a:p>
+          <a:p>
+            <a:pPr marL="342900" indent="-342900">
+              <a:buFont typeface="Arial"/>
+              <a:buChar char="•"/>
+            </a:pPr>
+            <a:r>
+              <a:rPr lang="en-US" dirty="0" smtClean="0"/>
+              <a:t>Student understanding: 	9/10 questions were answered correctly by 90% of student</a:t>
+            </a:r>
+            <a:endParaRPr lang="en-US" dirty="0"/>
           </a:p>
         </p:txBody>
       </p:sp>
@@ -7588,7 +7533,7 @@
           <a:p>
             <a:r>
               <a:rPr lang="en-US" dirty="0" smtClean="0"/>
-              <a:t>References</a:t>
+              <a:t>Results</a:t>
             </a:r>
             <a:endParaRPr lang="en-US" dirty="0"/>
           </a:p>
@@ -7597,7 +7542,7 @@
     </p:spTree>
     <p:extLst>
       <p:ext uri="{BB962C8B-B14F-4D97-AF65-F5344CB8AC3E}">
-        <p14:creationId xmlns:p14="http://schemas.microsoft.com/office/powerpoint/2010/main" val="3408655997"/>
+        <p14:creationId xmlns:p14="http://schemas.microsoft.com/office/powerpoint/2010/main" val="4085540163"/>
       </p:ext>
     </p:extLst>
   </p:cSld>
@@ -7796,6 +7741,446 @@
       </p:grpSpPr>
       <p:sp>
         <p:nvSpPr>
+          <p:cNvPr id="2" name="Content Placeholder 1"/>
+          <p:cNvSpPr>
+            <a:spLocks noGrp="1"/>
+          </p:cNvSpPr>
+          <p:nvPr>
+            <p:ph sz="quarter" idx="13"/>
+          </p:nvPr>
+        </p:nvSpPr>
+        <p:spPr/>
+        <p:txBody>
+          <a:bodyPr>
+            <a:normAutofit/>
+          </a:bodyPr>
+          <a:lstStyle/>
+          <a:p>
+            <a:pPr marL="342900" indent="-342900" algn="l">
+              <a:buFont typeface="Arial"/>
+              <a:buChar char="•"/>
+            </a:pPr>
+            <a:r>
+              <a:rPr lang="en-US" dirty="0" smtClean="0"/>
+              <a:t>Support multiple </a:t>
+            </a:r>
+            <a:r>
+              <a:rPr lang="en-US" dirty="0" smtClean="0"/>
+              <a:t>browser</a:t>
+            </a:r>
+            <a:endParaRPr lang="en-US" dirty="0" smtClean="0"/>
+          </a:p>
+          <a:p>
+            <a:pPr algn="l"/>
+            <a:endParaRPr lang="en-US" dirty="0"/>
+          </a:p>
+          <a:p>
+            <a:pPr algn="l"/>
+            <a:r>
+              <a:rPr lang="en-US" dirty="0" smtClean="0"/>
+              <a:t>Next </a:t>
+            </a:r>
+            <a:r>
+              <a:rPr lang="en-US" dirty="0" smtClean="0"/>
+              <a:t>Few Weeks:</a:t>
+            </a:r>
+          </a:p>
+          <a:p>
+            <a:pPr marL="342900" indent="-342900" algn="l">
+              <a:buFont typeface="Arial"/>
+              <a:buChar char="•"/>
+            </a:pPr>
+            <a:r>
+              <a:rPr lang="en-US" dirty="0"/>
+              <a:t>S</a:t>
+            </a:r>
+            <a:r>
+              <a:rPr lang="en-US" dirty="0" smtClean="0"/>
+              <a:t>olve </a:t>
+            </a:r>
+            <a:r>
+              <a:rPr lang="en-US" dirty="0" smtClean="0"/>
+              <a:t>different browser </a:t>
+            </a:r>
+            <a:r>
+              <a:rPr lang="en-US" dirty="0" smtClean="0"/>
+              <a:t>compatibility</a:t>
+            </a:r>
+            <a:endParaRPr lang="en-US" dirty="0" smtClean="0"/>
+          </a:p>
+          <a:p>
+            <a:pPr marL="342900" indent="-342900" algn="l">
+              <a:buFont typeface="Arial"/>
+              <a:buChar char="•"/>
+            </a:pPr>
+            <a:r>
+              <a:rPr lang="en-US" dirty="0" smtClean="0"/>
+              <a:t>Do more survey and usability testing</a:t>
+            </a:r>
+            <a:endParaRPr lang="en-US" dirty="0" smtClean="0"/>
+          </a:p>
+          <a:p>
+            <a:pPr marL="342900" indent="-342900" algn="l">
+              <a:buFont typeface="Arial"/>
+              <a:buChar char="•"/>
+            </a:pPr>
+            <a:r>
+              <a:rPr lang="en-US" dirty="0"/>
+              <a:t>W</a:t>
+            </a:r>
+            <a:r>
+              <a:rPr lang="en-US" dirty="0" smtClean="0"/>
+              <a:t>rite </a:t>
+            </a:r>
+            <a:r>
+              <a:rPr lang="en-US" dirty="0" smtClean="0"/>
+              <a:t>report</a:t>
+            </a:r>
+          </a:p>
+          <a:p>
+            <a:pPr algn="l"/>
+            <a:endParaRPr lang="en-US" dirty="0"/>
+          </a:p>
+          <a:p>
+            <a:pPr algn="l"/>
+            <a:r>
+              <a:rPr lang="en-US" dirty="0" smtClean="0"/>
+              <a:t>Extension</a:t>
+            </a:r>
+            <a:r>
+              <a:rPr lang="en-US" dirty="0" smtClean="0"/>
+              <a:t>:</a:t>
+            </a:r>
+          </a:p>
+          <a:p>
+            <a:pPr marL="342900" indent="-342900" algn="l">
+              <a:buFont typeface="Arial"/>
+              <a:buChar char="•"/>
+            </a:pPr>
+            <a:r>
+              <a:rPr lang="en-US" dirty="0" smtClean="0"/>
+              <a:t>Incorporate solution to the pitfalls </a:t>
+            </a:r>
+            <a:r>
+              <a:rPr lang="en-US" dirty="0" smtClean="0"/>
+              <a:t>in our app </a:t>
+            </a:r>
+            <a:endParaRPr lang="en-US" dirty="0"/>
+          </a:p>
+        </p:txBody>
+      </p:sp>
+      <p:sp>
+        <p:nvSpPr>
+          <p:cNvPr id="3" name="Title 2"/>
+          <p:cNvSpPr>
+            <a:spLocks noGrp="1"/>
+          </p:cNvSpPr>
+          <p:nvPr>
+            <p:ph type="title"/>
+          </p:nvPr>
+        </p:nvSpPr>
+        <p:spPr/>
+        <p:txBody>
+          <a:bodyPr/>
+          <a:lstStyle/>
+          <a:p>
+            <a:r>
+              <a:rPr lang="en-US" dirty="0" smtClean="0"/>
+              <a:t>Challenges and future works</a:t>
+            </a:r>
+            <a:endParaRPr lang="en-US" dirty="0"/>
+          </a:p>
+        </p:txBody>
+      </p:sp>
+    </p:spTree>
+    <p:extLst>
+      <p:ext uri="{BB962C8B-B14F-4D97-AF65-F5344CB8AC3E}">
+        <p14:creationId xmlns:p14="http://schemas.microsoft.com/office/powerpoint/2010/main" val="2276343006"/>
+      </p:ext>
+    </p:extLst>
+  </p:cSld>
+  <p:clrMapOvr>
+    <a:masterClrMapping/>
+  </p:clrMapOvr>
+</p:sld>
+</file>
+
+<file path=ppt/slides/slide21.xml><?xml version="1.0" encoding="utf-8"?>
+<p:sld xmlns:a="http://schemas.openxmlformats.org/drawingml/2006/main" xmlns:r="http://schemas.openxmlformats.org/officeDocument/2006/relationships" xmlns:p="http://schemas.openxmlformats.org/presentationml/2006/main">
+  <p:cSld>
+    <p:spTree>
+      <p:nvGrpSpPr>
+        <p:cNvPr id="1" name=""/>
+        <p:cNvGrpSpPr/>
+        <p:nvPr/>
+      </p:nvGrpSpPr>
+      <p:grpSpPr>
+        <a:xfrm>
+          <a:off x="0" y="0"/>
+          <a:ext cx="0" cy="0"/>
+          <a:chOff x="0" y="0"/>
+          <a:chExt cx="0" cy="0"/>
+        </a:xfrm>
+      </p:grpSpPr>
+      <p:sp>
+        <p:nvSpPr>
+          <p:cNvPr id="2" name="Content Placeholder 1"/>
+          <p:cNvSpPr>
+            <a:spLocks noGrp="1"/>
+          </p:cNvSpPr>
+          <p:nvPr>
+            <p:ph sz="quarter" idx="13"/>
+          </p:nvPr>
+        </p:nvSpPr>
+        <p:spPr/>
+        <p:txBody>
+          <a:bodyPr>
+            <a:normAutofit/>
+          </a:bodyPr>
+          <a:lstStyle/>
+          <a:p>
+            <a:r>
+              <a:rPr lang="en-US" sz="1500" dirty="0" smtClean="0"/>
+              <a:t>[1] </a:t>
+            </a:r>
+            <a:r>
+              <a:rPr lang="en-US" sz="1500" dirty="0"/>
+              <a:t> N. </a:t>
+            </a:r>
+            <a:r>
+              <a:rPr lang="en-US" sz="1500" dirty="0" err="1"/>
+              <a:t>Giacaman</a:t>
+            </a:r>
+            <a:r>
+              <a:rPr lang="en-US" sz="1500" dirty="0"/>
+              <a:t>. Teaching by example: Using analogies and live coding demonstrations to teach parallel computing concepts to undergraduate </a:t>
+            </a:r>
+            <a:r>
+              <a:rPr lang="en-US" sz="1500" dirty="0" err="1"/>
+              <a:t>stu</a:t>
+            </a:r>
+            <a:r>
+              <a:rPr lang="en-US" sz="1500" dirty="0"/>
+              <a:t>- dents. In Parallel and Distributed Processing Symposium Workshops PhD Forum (IPDPSW), 2012 IEEE 26th International, pages 1295 –1298, may 2012. </a:t>
+            </a:r>
+            <a:endParaRPr lang="en-US" sz="1500" dirty="0" smtClean="0"/>
+          </a:p>
+          <a:p>
+            <a:r>
+              <a:rPr lang="en-US" sz="1500" dirty="0" smtClean="0"/>
+              <a:t>[2] </a:t>
+            </a:r>
+            <a:r>
+              <a:rPr lang="en-US" sz="1500" dirty="0" err="1"/>
+              <a:t>Mordechai</a:t>
+            </a:r>
+            <a:r>
+              <a:rPr lang="en-US" sz="1500" dirty="0"/>
+              <a:t> Ben-Ari and </a:t>
+            </a:r>
+            <a:r>
+              <a:rPr lang="en-US" sz="1500" dirty="0" err="1"/>
+              <a:t>Yifat</a:t>
+            </a:r>
+            <a:r>
+              <a:rPr lang="en-US" sz="1500" dirty="0"/>
+              <a:t> Ben-David </a:t>
+            </a:r>
+            <a:r>
+              <a:rPr lang="en-US" sz="1500" dirty="0" err="1"/>
+              <a:t>Kolikant</a:t>
+            </a:r>
+            <a:r>
+              <a:rPr lang="en-US" sz="1500" dirty="0"/>
+              <a:t>. Thinking parallel: the process of learning concurrency. SIGCSE Bull., 31(3):13–16, June 1999. </a:t>
+            </a:r>
+            <a:endParaRPr lang="en-US" sz="1500" dirty="0" smtClean="0"/>
+          </a:p>
+          <a:p>
+            <a:r>
+              <a:rPr lang="en-US" sz="1500" dirty="0"/>
+              <a:t>[3] </a:t>
+            </a:r>
+            <a:r>
+              <a:rPr lang="en-US" sz="1500" dirty="0">
+                <a:hlinkClick r:id="rId3"/>
+              </a:rPr>
+              <a:t>http://publib.boulder.ibm.com/infocenter/iseries/v5r3/index.jsp?topic=%2Frzahw%</a:t>
+            </a:r>
+            <a:r>
+              <a:rPr lang="en-US" sz="1500" dirty="0" smtClean="0">
+                <a:hlinkClick r:id="rId3"/>
+              </a:rPr>
+              <a:t>2Frzahwmutco.htm</a:t>
+            </a:r>
+            <a:endParaRPr lang="en-US" sz="1500" dirty="0" smtClean="0"/>
+          </a:p>
+          <a:p>
+            <a:r>
+              <a:rPr lang="en-US" sz="1500" dirty="0" smtClean="0"/>
+              <a:t>[4</a:t>
+            </a:r>
+            <a:r>
+              <a:rPr lang="en-US" sz="1500" dirty="0"/>
+              <a:t>] </a:t>
+            </a:r>
+            <a:r>
+              <a:rPr lang="en-US" sz="1500" dirty="0" err="1"/>
+              <a:t>Fancong</a:t>
+            </a:r>
+            <a:r>
+              <a:rPr lang="en-US" sz="1500" dirty="0"/>
+              <a:t> </a:t>
+            </a:r>
+            <a:r>
+              <a:rPr lang="en-US" sz="1500" dirty="0" err="1"/>
+              <a:t>Zeng</a:t>
+            </a:r>
+            <a:r>
+              <a:rPr lang="en-US" sz="1500" dirty="0"/>
+              <a:t>. "An Initial Study of Common Coding Pitfalls in Java Programs", in Proceedings of MASPLAS'03 Mid-Atlantic Student Workshop on Programming Languages and Systems, April, 2003</a:t>
+            </a:r>
+            <a:r>
+              <a:rPr lang="en-US" sz="1500" dirty="0" smtClean="0"/>
+              <a:t>.</a:t>
+            </a:r>
+          </a:p>
+          <a:p>
+            <a:r>
+              <a:rPr lang="en-US" sz="1500" dirty="0" smtClean="0"/>
+              <a:t>[5] </a:t>
+            </a:r>
+            <a:r>
+              <a:rPr lang="en-US" sz="1600" dirty="0"/>
+              <a:t>Sung-</a:t>
+            </a:r>
+            <a:r>
+              <a:rPr lang="en-US" sz="1600" dirty="0" err="1"/>
+              <a:t>Eun</a:t>
+            </a:r>
+            <a:r>
+              <a:rPr lang="en-US" sz="1600" dirty="0"/>
+              <a:t> Choi and E Christopher Lewis. A Study of </a:t>
+            </a:r>
+            <a:r>
+              <a:rPr lang="en-US" sz="1600" dirty="0" smtClean="0"/>
+              <a:t>Common </a:t>
+            </a:r>
+            <a:r>
+              <a:rPr lang="en-US" sz="1600" dirty="0"/>
+              <a:t>Pitfalls in Simple Multi-Threaded Programs. In </a:t>
+            </a:r>
+            <a:r>
+              <a:rPr lang="en-US" sz="1600" i="1" dirty="0" smtClean="0"/>
+              <a:t>Proceedings </a:t>
+            </a:r>
+            <a:r>
+              <a:rPr lang="en-US" sz="1600" i="1" dirty="0"/>
+              <a:t>of the Thirty-first ACM SIGCSE Technical Symposium on Computer Science Education, </a:t>
+            </a:r>
+            <a:r>
+              <a:rPr lang="en-US" sz="1600" dirty="0"/>
+              <a:t>March 2000. </a:t>
+            </a:r>
+            <a:endParaRPr lang="en-US" sz="1600" dirty="0" smtClean="0"/>
+          </a:p>
+          <a:p>
+            <a:r>
+              <a:rPr lang="en-US" sz="1600" dirty="0"/>
+              <a:t>[6] </a:t>
+            </a:r>
+            <a:r>
+              <a:rPr lang="en-US" sz="1600" dirty="0" err="1"/>
+              <a:t>Tallent</a:t>
+            </a:r>
+            <a:r>
+              <a:rPr lang="en-US" sz="1600" dirty="0"/>
+              <a:t>, N. R.; Mellor-</a:t>
+            </a:r>
+            <a:r>
+              <a:rPr lang="en-US" sz="1600" dirty="0" err="1"/>
+              <a:t>Crummey</a:t>
+            </a:r>
+            <a:r>
+              <a:rPr lang="en-US" sz="1600" dirty="0"/>
+              <a:t>, J. M. &amp; Porterfield, A. (2010), Analyzing lock contention in multithreaded applications., in R. </a:t>
+            </a:r>
+            <a:r>
+              <a:rPr lang="en-US" sz="1600" dirty="0" err="1"/>
+              <a:t>Govindarajan</a:t>
+            </a:r>
+            <a:r>
+              <a:rPr lang="en-US" sz="1600" dirty="0"/>
+              <a:t>; David A. Padua &amp; Mary W. Hall, ed., 'PPOPP' , ACM, , pp. 269-280 .</a:t>
+            </a:r>
+            <a:endParaRPr lang="en-US" sz="1500" dirty="0" smtClean="0"/>
+          </a:p>
+          <a:p>
+            <a:endParaRPr lang="en-US" sz="1500" dirty="0"/>
+          </a:p>
+          <a:p>
+            <a:endParaRPr lang="en-US" sz="1500" dirty="0"/>
+          </a:p>
+          <a:p>
+            <a:endParaRPr lang="en-US" sz="1500" dirty="0"/>
+          </a:p>
+        </p:txBody>
+      </p:sp>
+      <p:sp>
+        <p:nvSpPr>
+          <p:cNvPr id="3" name="Title 2"/>
+          <p:cNvSpPr>
+            <a:spLocks noGrp="1"/>
+          </p:cNvSpPr>
+          <p:nvPr>
+            <p:ph type="title"/>
+          </p:nvPr>
+        </p:nvSpPr>
+        <p:spPr/>
+        <p:txBody>
+          <a:bodyPr/>
+          <a:lstStyle/>
+          <a:p>
+            <a:r>
+              <a:rPr lang="en-US" dirty="0" smtClean="0"/>
+              <a:t>References</a:t>
+            </a:r>
+            <a:endParaRPr lang="en-US" dirty="0"/>
+          </a:p>
+        </p:txBody>
+      </p:sp>
+    </p:spTree>
+    <p:extLst>
+      <p:ext uri="{BB962C8B-B14F-4D97-AF65-F5344CB8AC3E}">
+        <p14:creationId xmlns:p14="http://schemas.microsoft.com/office/powerpoint/2010/main" val="3408655997"/>
+      </p:ext>
+    </p:extLst>
+  </p:cSld>
+  <p:clrMapOvr>
+    <a:masterClrMapping/>
+  </p:clrMapOvr>
+</p:sld>
+</file>
+
+<file path=ppt/slides/slide22.xml><?xml version="1.0" encoding="utf-8"?>
+<p:sld xmlns:a="http://schemas.openxmlformats.org/drawingml/2006/main" xmlns:r="http://schemas.openxmlformats.org/officeDocument/2006/relationships" xmlns:p="http://schemas.openxmlformats.org/presentationml/2006/main">
+  <p:cSld>
+    <p:spTree>
+      <p:nvGrpSpPr>
+        <p:cNvPr id="1" name=""/>
+        <p:cNvGrpSpPr/>
+        <p:nvPr/>
+      </p:nvGrpSpPr>
+      <p:grpSpPr>
+        <a:xfrm>
+          <a:off x="0" y="0"/>
+          <a:ext cx="0" cy="0"/>
+          <a:chOff x="0" y="0"/>
+          <a:chExt cx="0" cy="0"/>
+        </a:xfrm>
+      </p:grpSpPr>
+      <p:sp>
+        <p:nvSpPr>
           <p:cNvPr id="2" name="Title 1"/>
           <p:cNvSpPr>
             <a:spLocks noGrp="1"/>
@@ -7861,7 +8246,7 @@
 </p:sld>
 </file>
 
-<file path=ppt/slides/slide21.xml><?xml version="1.0" encoding="utf-8"?>
+<file path=ppt/slides/slide23.xml><?xml version="1.0" encoding="utf-8"?>
 <p:sld xmlns:a="http://schemas.openxmlformats.org/drawingml/2006/main" xmlns:r="http://schemas.openxmlformats.org/officeDocument/2006/relationships" xmlns:p="http://schemas.openxmlformats.org/presentationml/2006/main">
   <p:cSld>
     <p:spTree>
@@ -8795,8 +9180,41 @@
             </a:r>
             <a:r>
               <a:rPr lang="en-US" dirty="0" smtClean="0"/>
-              <a:t>] mentions Deadlock as one of the common multi-Threaded programming pitfalls.</a:t>
-            </a:r>
+              <a:t>] mentions Deadlock as one of the common multi-Threaded programming pitfalls</a:t>
+            </a:r>
+            <a:r>
+              <a:rPr lang="en-US" dirty="0" smtClean="0"/>
+              <a:t>.</a:t>
+            </a:r>
+          </a:p>
+          <a:p>
+            <a:pPr marL="342900" indent="-342900">
+              <a:buFont typeface="Arial"/>
+              <a:buChar char="•"/>
+            </a:pPr>
+            <a:r>
+              <a:rPr lang="en-US" dirty="0"/>
+              <a:t>Contention for locks has long been recognized as a key </a:t>
+            </a:r>
+            <a:r>
+              <a:rPr lang="en-US" dirty="0" smtClean="0"/>
+              <a:t>impediment </a:t>
+            </a:r>
+            <a:r>
+              <a:rPr lang="en-US" dirty="0"/>
+              <a:t>to performance for shared-memory parallel programs</a:t>
+            </a:r>
+            <a:r>
+              <a:rPr lang="en-US" dirty="0" smtClean="0"/>
+              <a:t>.[6]</a:t>
+            </a:r>
+            <a:endParaRPr lang="en-US" dirty="0" smtClean="0"/>
+          </a:p>
+          <a:p>
+            <a:pPr marL="342900" indent="-342900">
+              <a:buFont typeface="Arial"/>
+              <a:buChar char="•"/>
+            </a:pPr>
             <a:endParaRPr lang="en-US" dirty="0"/>
           </a:p>
         </p:txBody>
@@ -9084,11 +9502,7 @@
             </a:r>
             <a:r>
               <a:rPr lang="en-US" dirty="0" smtClean="0"/>
-              <a:t>pp </a:t>
-            </a:r>
-            <a:r>
-              <a:rPr lang="en-US" dirty="0" smtClean="0"/>
-              <a:t>Store</a:t>
+              <a:t>pp Store</a:t>
             </a:r>
           </a:p>
           <a:p>
@@ -9100,7 +9514,6 @@
               <a:rPr lang="en-US" dirty="0" smtClean="0"/>
               <a:t>Run on many platform</a:t>
             </a:r>
-            <a:endParaRPr lang="en-US" dirty="0" smtClean="0"/>
           </a:p>
           <a:p>
             <a:pPr marL="342900" indent="-342900">
@@ -9244,6 +9657,17 @@
               <a:rPr lang="en-US" dirty="0" smtClean="0"/>
               <a:t>Deadlock</a:t>
             </a:r>
+          </a:p>
+          <a:p>
+            <a:pPr marL="342900" indent="-342900" algn="l">
+              <a:buFont typeface="Wingdings" charset="2"/>
+              <a:buChar char="u"/>
+            </a:pPr>
+            <a:r>
+              <a:rPr lang="en-US" dirty="0" smtClean="0"/>
+              <a:t>Heavily Contended Locks</a:t>
+            </a:r>
+            <a:endParaRPr lang="en-US" dirty="0" smtClean="0"/>
           </a:p>
           <a:p>
             <a:pPr algn="l"/>

--- a/Presentation.pptx
+++ b/Presentation.pptx
@@ -5,7 +5,7 @@
     <p:sldMasterId id="2147484209" r:id="rId1"/>
   </p:sldMasterIdLst>
   <p:notesMasterIdLst>
-    <p:notesMasterId r:id="rId25"/>
+    <p:notesMasterId r:id="rId30"/>
   </p:notesMasterIdLst>
   <p:sldIdLst>
     <p:sldId id="266" r:id="rId2"/>
@@ -16,21 +16,26 @@
     <p:sldId id="272" r:id="rId7"/>
     <p:sldId id="269" r:id="rId8"/>
     <p:sldId id="273" r:id="rId9"/>
-    <p:sldId id="275" r:id="rId10"/>
-    <p:sldId id="285" r:id="rId11"/>
-    <p:sldId id="278" r:id="rId12"/>
-    <p:sldId id="286" r:id="rId13"/>
-    <p:sldId id="287" r:id="rId14"/>
-    <p:sldId id="289" r:id="rId15"/>
-    <p:sldId id="290" r:id="rId16"/>
-    <p:sldId id="292" r:id="rId17"/>
-    <p:sldId id="291" r:id="rId18"/>
-    <p:sldId id="279" r:id="rId19"/>
-    <p:sldId id="284" r:id="rId20"/>
-    <p:sldId id="280" r:id="rId21"/>
-    <p:sldId id="283" r:id="rId22"/>
-    <p:sldId id="264" r:id="rId23"/>
-    <p:sldId id="263" r:id="rId24"/>
+    <p:sldId id="293" r:id="rId10"/>
+    <p:sldId id="294" r:id="rId11"/>
+    <p:sldId id="295" r:id="rId12"/>
+    <p:sldId id="296" r:id="rId13"/>
+    <p:sldId id="297" r:id="rId14"/>
+    <p:sldId id="275" r:id="rId15"/>
+    <p:sldId id="285" r:id="rId16"/>
+    <p:sldId id="278" r:id="rId17"/>
+    <p:sldId id="286" r:id="rId18"/>
+    <p:sldId id="287" r:id="rId19"/>
+    <p:sldId id="289" r:id="rId20"/>
+    <p:sldId id="290" r:id="rId21"/>
+    <p:sldId id="292" r:id="rId22"/>
+    <p:sldId id="291" r:id="rId23"/>
+    <p:sldId id="279" r:id="rId24"/>
+    <p:sldId id="284" r:id="rId25"/>
+    <p:sldId id="280" r:id="rId26"/>
+    <p:sldId id="283" r:id="rId27"/>
+    <p:sldId id="264" r:id="rId28"/>
+    <p:sldId id="263" r:id="rId29"/>
   </p:sldIdLst>
   <p:sldSz cx="9144000" cy="6858000" type="screen4x3"/>
   <p:notesSz cx="6858000" cy="9144000"/>
@@ -129,7 +134,4787 @@
       </a:defRPr>
     </a:lvl9pPr>
   </p:defaultTextStyle>
+  <p:extLst>
+    <p:ext uri="{EFAFB233-063F-42B5-8137-9DF3F51BA10A}">
+      <p15:sldGuideLst xmlns:p15="http://schemas.microsoft.com/office/powerpoint/2012/main">
+        <p15:guide id="1" orient="horz" pos="2160">
+          <p15:clr>
+            <a:srgbClr val="A4A3A4"/>
+          </p15:clr>
+        </p15:guide>
+        <p15:guide id="2" pos="2880">
+          <p15:clr>
+            <a:srgbClr val="A4A3A4"/>
+          </p15:clr>
+        </p15:guide>
+      </p15:sldGuideLst>
+    </p:ext>
+  </p:extLst>
 </p:presentation>
+</file>
+
+<file path=ppt/diagrams/colors1.xml><?xml version="1.0" encoding="utf-8"?>
+<dgm:colorsDef xmlns:dgm="http://schemas.openxmlformats.org/drawingml/2006/diagram" xmlns:a="http://schemas.openxmlformats.org/drawingml/2006/main" uniqueId="urn:microsoft.com/office/officeart/2005/8/colors/colorful1">
+  <dgm:title val=""/>
+  <dgm:desc val=""/>
+  <dgm:catLst>
+    <dgm:cat type="colorful" pri="10100"/>
+  </dgm:catLst>
+  <dgm:styleLbl name="node0">
+    <dgm:fillClrLst meth="repeat">
+      <a:schemeClr val="accent1"/>
+    </dgm:fillClrLst>
+    <dgm:linClrLst meth="repeat">
+      <a:schemeClr val="lt1"/>
+    </dgm:linClrLst>
+    <dgm:effectClrLst/>
+    <dgm:txLinClrLst/>
+    <dgm:txFillClrLst/>
+    <dgm:txEffectClrLst/>
+  </dgm:styleLbl>
+  <dgm:styleLbl name="node1">
+    <dgm:fillClrLst meth="repeat">
+      <a:schemeClr val="accent2"/>
+      <a:schemeClr val="accent3"/>
+      <a:schemeClr val="accent4"/>
+      <a:schemeClr val="accent5"/>
+      <a:schemeClr val="accent6"/>
+    </dgm:fillClrLst>
+    <dgm:linClrLst meth="repeat">
+      <a:schemeClr val="lt1"/>
+    </dgm:linClrLst>
+    <dgm:effectClrLst/>
+    <dgm:txLinClrLst/>
+    <dgm:txFillClrLst/>
+    <dgm:txEffectClrLst/>
+  </dgm:styleLbl>
+  <dgm:styleLbl name="alignNode1">
+    <dgm:fillClrLst meth="repeat">
+      <a:schemeClr val="accent2"/>
+      <a:schemeClr val="accent3"/>
+      <a:schemeClr val="accent4"/>
+      <a:schemeClr val="accent5"/>
+      <a:schemeClr val="accent6"/>
+    </dgm:fillClrLst>
+    <dgm:linClrLst meth="repeat">
+      <a:schemeClr val="accent2"/>
+      <a:schemeClr val="accent3"/>
+      <a:schemeClr val="accent4"/>
+      <a:schemeClr val="accent5"/>
+      <a:schemeClr val="accent6"/>
+    </dgm:linClrLst>
+    <dgm:effectClrLst/>
+    <dgm:txLinClrLst/>
+    <dgm:txFillClrLst/>
+    <dgm:txEffectClrLst/>
+  </dgm:styleLbl>
+  <dgm:styleLbl name="lnNode1">
+    <dgm:fillClrLst meth="repeat">
+      <a:schemeClr val="accent2"/>
+      <a:schemeClr val="accent3"/>
+      <a:schemeClr val="accent4"/>
+      <a:schemeClr val="accent5"/>
+      <a:schemeClr val="accent6"/>
+    </dgm:fillClrLst>
+    <dgm:linClrLst meth="repeat">
+      <a:schemeClr val="lt1"/>
+    </dgm:linClrLst>
+    <dgm:effectClrLst/>
+    <dgm:txLinClrLst/>
+    <dgm:txFillClrLst/>
+    <dgm:txEffectClrLst/>
+  </dgm:styleLbl>
+  <dgm:styleLbl name="vennNode1">
+    <dgm:fillClrLst meth="repeat">
+      <a:schemeClr val="accent2">
+        <a:alpha val="50000"/>
+      </a:schemeClr>
+      <a:schemeClr val="accent3">
+        <a:alpha val="50000"/>
+      </a:schemeClr>
+      <a:schemeClr val="accent4">
+        <a:alpha val="50000"/>
+      </a:schemeClr>
+      <a:schemeClr val="accent5">
+        <a:alpha val="50000"/>
+      </a:schemeClr>
+      <a:schemeClr val="accent6">
+        <a:alpha val="50000"/>
+      </a:schemeClr>
+    </dgm:fillClrLst>
+    <dgm:linClrLst meth="repeat">
+      <a:schemeClr val="lt1"/>
+    </dgm:linClrLst>
+    <dgm:effectClrLst/>
+    <dgm:txLinClrLst/>
+    <dgm:txFillClrLst/>
+    <dgm:txEffectClrLst/>
+  </dgm:styleLbl>
+  <dgm:styleLbl name="node2">
+    <dgm:fillClrLst>
+      <a:schemeClr val="accent2"/>
+    </dgm:fillClrLst>
+    <dgm:linClrLst meth="repeat">
+      <a:schemeClr val="lt1"/>
+    </dgm:linClrLst>
+    <dgm:effectClrLst/>
+    <dgm:txLinClrLst/>
+    <dgm:txFillClrLst/>
+    <dgm:txEffectClrLst/>
+  </dgm:styleLbl>
+  <dgm:styleLbl name="node3">
+    <dgm:fillClrLst>
+      <a:schemeClr val="accent3"/>
+    </dgm:fillClrLst>
+    <dgm:linClrLst meth="repeat">
+      <a:schemeClr val="lt1"/>
+    </dgm:linClrLst>
+    <dgm:effectClrLst/>
+    <dgm:txLinClrLst/>
+    <dgm:txFillClrLst/>
+    <dgm:txEffectClrLst/>
+  </dgm:styleLbl>
+  <dgm:styleLbl name="node4">
+    <dgm:fillClrLst>
+      <a:schemeClr val="accent4"/>
+    </dgm:fillClrLst>
+    <dgm:linClrLst meth="repeat">
+      <a:schemeClr val="lt1"/>
+    </dgm:linClrLst>
+    <dgm:effectClrLst/>
+    <dgm:txLinClrLst/>
+    <dgm:txFillClrLst/>
+    <dgm:txEffectClrLst/>
+  </dgm:styleLbl>
+  <dgm:styleLbl name="fgImgPlace1">
+    <dgm:fillClrLst meth="repeat">
+      <a:schemeClr val="accent2">
+        <a:tint val="50000"/>
+      </a:schemeClr>
+      <a:schemeClr val="accent3">
+        <a:tint val="50000"/>
+      </a:schemeClr>
+      <a:schemeClr val="accent4">
+        <a:tint val="50000"/>
+      </a:schemeClr>
+      <a:schemeClr val="accent5">
+        <a:tint val="50000"/>
+      </a:schemeClr>
+      <a:schemeClr val="accent6">
+        <a:tint val="50000"/>
+      </a:schemeClr>
+    </dgm:fillClrLst>
+    <dgm:linClrLst meth="repeat">
+      <a:schemeClr val="lt1"/>
+    </dgm:linClrLst>
+    <dgm:effectClrLst/>
+    <dgm:txLinClrLst/>
+    <dgm:txFillClrLst meth="repeat">
+      <a:schemeClr val="lt1"/>
+    </dgm:txFillClrLst>
+    <dgm:txEffectClrLst/>
+  </dgm:styleLbl>
+  <dgm:styleLbl name="alignImgPlace1">
+    <dgm:fillClrLst>
+      <a:schemeClr val="accent1">
+        <a:tint val="50000"/>
+      </a:schemeClr>
+      <a:schemeClr val="accent2">
+        <a:tint val="20000"/>
+      </a:schemeClr>
+    </dgm:fillClrLst>
+    <dgm:linClrLst meth="repeat">
+      <a:schemeClr val="lt1"/>
+    </dgm:linClrLst>
+    <dgm:effectClrLst/>
+    <dgm:txLinClrLst/>
+    <dgm:txFillClrLst meth="repeat">
+      <a:schemeClr val="lt1"/>
+    </dgm:txFillClrLst>
+    <dgm:txEffectClrLst/>
+  </dgm:styleLbl>
+  <dgm:styleLbl name="bgImgPlace1">
+    <dgm:fillClrLst>
+      <a:schemeClr val="accent1">
+        <a:tint val="50000"/>
+      </a:schemeClr>
+      <a:schemeClr val="accent2">
+        <a:tint val="20000"/>
+      </a:schemeClr>
+    </dgm:fillClrLst>
+    <dgm:linClrLst meth="repeat">
+      <a:schemeClr val="lt1"/>
+    </dgm:linClrLst>
+    <dgm:effectClrLst/>
+    <dgm:txLinClrLst/>
+    <dgm:txFillClrLst meth="repeat">
+      <a:schemeClr val="lt1"/>
+    </dgm:txFillClrLst>
+    <dgm:txEffectClrLst/>
+  </dgm:styleLbl>
+  <dgm:styleLbl name="sibTrans2D1">
+    <dgm:fillClrLst meth="repeat">
+      <a:schemeClr val="accent2"/>
+      <a:schemeClr val="accent3"/>
+      <a:schemeClr val="accent4"/>
+      <a:schemeClr val="accent5"/>
+      <a:schemeClr val="accent6"/>
+    </dgm:fillClrLst>
+    <dgm:linClrLst meth="cycle">
+      <a:schemeClr val="lt1"/>
+    </dgm:linClrLst>
+    <dgm:effectClrLst/>
+    <dgm:txLinClrLst/>
+    <dgm:txFillClrLst/>
+    <dgm:txEffectClrLst/>
+  </dgm:styleLbl>
+  <dgm:styleLbl name="fgSibTrans2D1">
+    <dgm:fillClrLst meth="repeat">
+      <a:schemeClr val="accent2"/>
+      <a:schemeClr val="accent3"/>
+      <a:schemeClr val="accent4"/>
+      <a:schemeClr val="accent5"/>
+      <a:schemeClr val="accent6"/>
+    </dgm:fillClrLst>
+    <dgm:linClrLst meth="cycle">
+      <a:schemeClr val="lt1"/>
+    </dgm:linClrLst>
+    <dgm:effectClrLst/>
+    <dgm:txLinClrLst/>
+    <dgm:txFillClrLst meth="repeat">
+      <a:schemeClr val="lt1"/>
+    </dgm:txFillClrLst>
+    <dgm:txEffectClrLst/>
+  </dgm:styleLbl>
+  <dgm:styleLbl name="bgSibTrans2D1">
+    <dgm:fillClrLst meth="repeat">
+      <a:schemeClr val="accent2"/>
+      <a:schemeClr val="accent3"/>
+      <a:schemeClr val="accent4"/>
+      <a:schemeClr val="accent5"/>
+      <a:schemeClr val="accent6"/>
+    </dgm:fillClrLst>
+    <dgm:linClrLst meth="cycle">
+      <a:schemeClr val="lt1"/>
+    </dgm:linClrLst>
+    <dgm:effectClrLst/>
+    <dgm:txLinClrLst/>
+    <dgm:txFillClrLst meth="repeat">
+      <a:schemeClr val="lt1"/>
+    </dgm:txFillClrLst>
+    <dgm:txEffectClrLst/>
+  </dgm:styleLbl>
+  <dgm:styleLbl name="sibTrans1D1">
+    <dgm:fillClrLst meth="repeat">
+      <a:schemeClr val="accent2"/>
+      <a:schemeClr val="accent3"/>
+      <a:schemeClr val="accent4"/>
+      <a:schemeClr val="accent5"/>
+      <a:schemeClr val="accent6"/>
+    </dgm:fillClrLst>
+    <dgm:linClrLst meth="repeat">
+      <a:schemeClr val="accent2"/>
+      <a:schemeClr val="accent3"/>
+      <a:schemeClr val="accent4"/>
+      <a:schemeClr val="accent5"/>
+      <a:schemeClr val="accent6"/>
+    </dgm:linClrLst>
+    <dgm:effectClrLst/>
+    <dgm:txLinClrLst/>
+    <dgm:txFillClrLst meth="repeat">
+      <a:schemeClr val="tx1"/>
+    </dgm:txFillClrLst>
+    <dgm:txEffectClrLst/>
+  </dgm:styleLbl>
+  <dgm:styleLbl name="callout">
+    <dgm:fillClrLst meth="repeat">
+      <a:schemeClr val="accent2"/>
+    </dgm:fillClrLst>
+    <dgm:linClrLst meth="repeat">
+      <a:schemeClr val="accent2">
+        <a:tint val="50000"/>
+      </a:schemeClr>
+    </dgm:linClrLst>
+    <dgm:effectClrLst/>
+    <dgm:txLinClrLst/>
+    <dgm:txFillClrLst meth="repeat">
+      <a:schemeClr val="tx1"/>
+    </dgm:txFillClrLst>
+    <dgm:txEffectClrLst/>
+  </dgm:styleLbl>
+  <dgm:styleLbl name="asst0">
+    <dgm:fillClrLst meth="repeat">
+      <a:schemeClr val="accent1"/>
+    </dgm:fillClrLst>
+    <dgm:linClrLst meth="repeat">
+      <a:schemeClr val="lt1"/>
+    </dgm:linClrLst>
+    <dgm:effectClrLst/>
+    <dgm:txLinClrLst/>
+    <dgm:txFillClrLst/>
+    <dgm:txEffectClrLst/>
+  </dgm:styleLbl>
+  <dgm:styleLbl name="asst1">
+    <dgm:fillClrLst meth="repeat">
+      <a:schemeClr val="accent2"/>
+    </dgm:fillClrLst>
+    <dgm:linClrLst meth="repeat">
+      <a:schemeClr val="lt1"/>
+    </dgm:linClrLst>
+    <dgm:effectClrLst/>
+    <dgm:txLinClrLst/>
+    <dgm:txFillClrLst/>
+    <dgm:txEffectClrLst/>
+  </dgm:styleLbl>
+  <dgm:styleLbl name="asst2">
+    <dgm:fillClrLst>
+      <a:schemeClr val="accent3"/>
+    </dgm:fillClrLst>
+    <dgm:linClrLst meth="repeat">
+      <a:schemeClr val="lt1"/>
+    </dgm:linClrLst>
+    <dgm:effectClrLst/>
+    <dgm:txLinClrLst/>
+    <dgm:txFillClrLst/>
+    <dgm:txEffectClrLst/>
+  </dgm:styleLbl>
+  <dgm:styleLbl name="asst3">
+    <dgm:fillClrLst>
+      <a:schemeClr val="accent4"/>
+    </dgm:fillClrLst>
+    <dgm:linClrLst meth="repeat">
+      <a:schemeClr val="lt1"/>
+    </dgm:linClrLst>
+    <dgm:effectClrLst/>
+    <dgm:txLinClrLst/>
+    <dgm:txFillClrLst/>
+    <dgm:txEffectClrLst/>
+  </dgm:styleLbl>
+  <dgm:styleLbl name="asst4">
+    <dgm:fillClrLst>
+      <a:schemeClr val="accent5"/>
+    </dgm:fillClrLst>
+    <dgm:linClrLst meth="repeat">
+      <a:schemeClr val="lt1"/>
+    </dgm:linClrLst>
+    <dgm:effectClrLst/>
+    <dgm:txLinClrLst/>
+    <dgm:txFillClrLst/>
+    <dgm:txEffectClrLst/>
+  </dgm:styleLbl>
+  <dgm:styleLbl name="parChTrans2D1">
+    <dgm:fillClrLst meth="repeat">
+      <a:schemeClr val="accent2"/>
+    </dgm:fillClrLst>
+    <dgm:linClrLst meth="repeat">
+      <a:schemeClr val="lt1"/>
+    </dgm:linClrLst>
+    <dgm:effectClrLst/>
+    <dgm:txLinClrLst/>
+    <dgm:txFillClrLst meth="repeat">
+      <a:schemeClr val="lt1"/>
+    </dgm:txFillClrLst>
+    <dgm:txEffectClrLst/>
+  </dgm:styleLbl>
+  <dgm:styleLbl name="parChTrans2D2">
+    <dgm:fillClrLst meth="repeat">
+      <a:schemeClr val="accent3"/>
+    </dgm:fillClrLst>
+    <dgm:linClrLst meth="repeat">
+      <a:schemeClr val="lt1"/>
+    </dgm:linClrLst>
+    <dgm:effectClrLst/>
+    <dgm:txLinClrLst/>
+    <dgm:txFillClrLst/>
+    <dgm:txEffectClrLst/>
+  </dgm:styleLbl>
+  <dgm:styleLbl name="parChTrans2D3">
+    <dgm:fillClrLst meth="repeat">
+      <a:schemeClr val="accent4"/>
+    </dgm:fillClrLst>
+    <dgm:linClrLst meth="repeat">
+      <a:schemeClr val="lt1"/>
+    </dgm:linClrLst>
+    <dgm:effectClrLst/>
+    <dgm:txLinClrLst/>
+    <dgm:txFillClrLst/>
+    <dgm:txEffectClrLst/>
+  </dgm:styleLbl>
+  <dgm:styleLbl name="parChTrans2D4">
+    <dgm:fillClrLst meth="repeat">
+      <a:schemeClr val="accent5"/>
+    </dgm:fillClrLst>
+    <dgm:linClrLst meth="repeat">
+      <a:schemeClr val="lt1"/>
+    </dgm:linClrLst>
+    <dgm:effectClrLst/>
+    <dgm:txLinClrLst/>
+    <dgm:txFillClrLst meth="repeat">
+      <a:schemeClr val="lt1"/>
+    </dgm:txFillClrLst>
+    <dgm:txEffectClrLst/>
+  </dgm:styleLbl>
+  <dgm:styleLbl name="parChTrans1D1">
+    <dgm:fillClrLst meth="repeat">
+      <a:schemeClr val="accent2"/>
+    </dgm:fillClrLst>
+    <dgm:linClrLst meth="repeat">
+      <a:schemeClr val="accent1"/>
+    </dgm:linClrLst>
+    <dgm:effectClrLst/>
+    <dgm:txLinClrLst/>
+    <dgm:txFillClrLst meth="repeat">
+      <a:schemeClr val="tx1"/>
+    </dgm:txFillClrLst>
+    <dgm:txEffectClrLst/>
+  </dgm:styleLbl>
+  <dgm:styleLbl name="parChTrans1D2">
+    <dgm:fillClrLst meth="repeat">
+      <a:schemeClr val="accent3">
+        <a:tint val="90000"/>
+      </a:schemeClr>
+    </dgm:fillClrLst>
+    <dgm:linClrLst meth="repeat">
+      <a:schemeClr val="accent2"/>
+    </dgm:linClrLst>
+    <dgm:effectClrLst/>
+    <dgm:txLinClrLst/>
+    <dgm:txFillClrLst meth="repeat">
+      <a:schemeClr val="tx1"/>
+    </dgm:txFillClrLst>
+    <dgm:txEffectClrLst/>
+  </dgm:styleLbl>
+  <dgm:styleLbl name="parChTrans1D3">
+    <dgm:fillClrLst meth="repeat">
+      <a:schemeClr val="accent4">
+        <a:tint val="70000"/>
+      </a:schemeClr>
+    </dgm:fillClrLst>
+    <dgm:linClrLst meth="repeat">
+      <a:schemeClr val="accent3"/>
+    </dgm:linClrLst>
+    <dgm:effectClrLst/>
+    <dgm:txLinClrLst/>
+    <dgm:txFillClrLst meth="repeat">
+      <a:schemeClr val="tx1"/>
+    </dgm:txFillClrLst>
+    <dgm:txEffectClrLst/>
+  </dgm:styleLbl>
+  <dgm:styleLbl name="parChTrans1D4">
+    <dgm:fillClrLst meth="repeat">
+      <a:schemeClr val="accent5">
+        <a:tint val="50000"/>
+      </a:schemeClr>
+    </dgm:fillClrLst>
+    <dgm:linClrLst meth="repeat">
+      <a:schemeClr val="accent4"/>
+    </dgm:linClrLst>
+    <dgm:effectClrLst/>
+    <dgm:txLinClrLst/>
+    <dgm:txFillClrLst meth="repeat">
+      <a:schemeClr val="tx1"/>
+    </dgm:txFillClrLst>
+    <dgm:txEffectClrLst/>
+  </dgm:styleLbl>
+  <dgm:styleLbl name="fgAcc1">
+    <dgm:fillClrLst meth="repeat">
+      <a:schemeClr val="lt1">
+        <a:alpha val="90000"/>
+      </a:schemeClr>
+    </dgm:fillClrLst>
+    <dgm:linClrLst meth="repeat">
+      <a:schemeClr val="accent2"/>
+      <a:schemeClr val="accent3"/>
+      <a:schemeClr val="accent4"/>
+      <a:schemeClr val="accent5"/>
+      <a:schemeClr val="accent6"/>
+    </dgm:linClrLst>
+    <dgm:effectClrLst/>
+    <dgm:txLinClrLst/>
+    <dgm:txFillClrLst meth="repeat">
+      <a:schemeClr val="dk1"/>
+    </dgm:txFillClrLst>
+    <dgm:txEffectClrLst/>
+  </dgm:styleLbl>
+  <dgm:styleLbl name="conFgAcc1">
+    <dgm:fillClrLst meth="repeat">
+      <a:schemeClr val="lt1">
+        <a:alpha val="90000"/>
+      </a:schemeClr>
+    </dgm:fillClrLst>
+    <dgm:linClrLst meth="repeat">
+      <a:schemeClr val="accent2"/>
+      <a:schemeClr val="accent3"/>
+      <a:schemeClr val="accent4"/>
+      <a:schemeClr val="accent5"/>
+      <a:schemeClr val="accent6"/>
+    </dgm:linClrLst>
+    <dgm:effectClrLst/>
+    <dgm:txLinClrLst/>
+    <dgm:txFillClrLst meth="repeat">
+      <a:schemeClr val="dk1"/>
+    </dgm:txFillClrLst>
+    <dgm:txEffectClrLst/>
+  </dgm:styleLbl>
+  <dgm:styleLbl name="alignAcc1">
+    <dgm:fillClrLst meth="repeat">
+      <a:schemeClr val="lt1">
+        <a:alpha val="90000"/>
+      </a:schemeClr>
+    </dgm:fillClrLst>
+    <dgm:linClrLst meth="repeat">
+      <a:schemeClr val="accent2"/>
+      <a:schemeClr val="accent3"/>
+      <a:schemeClr val="accent4"/>
+      <a:schemeClr val="accent5"/>
+      <a:schemeClr val="accent6"/>
+    </dgm:linClrLst>
+    <dgm:effectClrLst/>
+    <dgm:txLinClrLst/>
+    <dgm:txFillClrLst meth="repeat">
+      <a:schemeClr val="dk1"/>
+    </dgm:txFillClrLst>
+    <dgm:txEffectClrLst/>
+  </dgm:styleLbl>
+  <dgm:styleLbl name="trAlignAcc1">
+    <dgm:fillClrLst meth="repeat">
+      <a:schemeClr val="lt1">
+        <a:alpha val="40000"/>
+      </a:schemeClr>
+    </dgm:fillClrLst>
+    <dgm:linClrLst meth="repeat">
+      <a:schemeClr val="accent1"/>
+    </dgm:linClrLst>
+    <dgm:effectClrLst/>
+    <dgm:txLinClrLst/>
+    <dgm:txFillClrLst meth="repeat">
+      <a:schemeClr val="dk1"/>
+    </dgm:txFillClrLst>
+    <dgm:txEffectClrLst/>
+  </dgm:styleLbl>
+  <dgm:styleLbl name="bgAcc1">
+    <dgm:fillClrLst meth="repeat">
+      <a:schemeClr val="lt1">
+        <a:alpha val="90000"/>
+      </a:schemeClr>
+    </dgm:fillClrLst>
+    <dgm:linClrLst meth="repeat">
+      <a:schemeClr val="accent2"/>
+      <a:schemeClr val="accent3"/>
+      <a:schemeClr val="accent4"/>
+      <a:schemeClr val="accent5"/>
+      <a:schemeClr val="accent6"/>
+    </dgm:linClrLst>
+    <dgm:effectClrLst/>
+    <dgm:txLinClrLst/>
+    <dgm:txFillClrLst meth="repeat">
+      <a:schemeClr val="dk1"/>
+    </dgm:txFillClrLst>
+    <dgm:txEffectClrLst/>
+  </dgm:styleLbl>
+  <dgm:styleLbl name="solidFgAcc1">
+    <dgm:fillClrLst meth="repeat">
+      <a:schemeClr val="lt1"/>
+    </dgm:fillClrLst>
+    <dgm:linClrLst meth="repeat">
+      <a:schemeClr val="accent2"/>
+      <a:schemeClr val="accent3"/>
+      <a:schemeClr val="accent4"/>
+      <a:schemeClr val="accent5"/>
+      <a:schemeClr val="accent6"/>
+    </dgm:linClrLst>
+    <dgm:effectClrLst/>
+    <dgm:txLinClrLst/>
+    <dgm:txFillClrLst meth="repeat">
+      <a:schemeClr val="dk1"/>
+    </dgm:txFillClrLst>
+    <dgm:txEffectClrLst/>
+  </dgm:styleLbl>
+  <dgm:styleLbl name="solidAlignAcc1">
+    <dgm:fillClrLst meth="repeat">
+      <a:schemeClr val="lt1"/>
+    </dgm:fillClrLst>
+    <dgm:linClrLst meth="repeat">
+      <a:schemeClr val="accent2"/>
+      <a:schemeClr val="accent3"/>
+      <a:schemeClr val="accent4"/>
+      <a:schemeClr val="accent5"/>
+      <a:schemeClr val="accent6"/>
+    </dgm:linClrLst>
+    <dgm:effectClrLst/>
+    <dgm:txLinClrLst/>
+    <dgm:txFillClrLst meth="repeat">
+      <a:schemeClr val="dk1"/>
+    </dgm:txFillClrLst>
+    <dgm:txEffectClrLst/>
+  </dgm:styleLbl>
+  <dgm:styleLbl name="solidBgAcc1">
+    <dgm:fillClrLst meth="repeat">
+      <a:schemeClr val="lt1"/>
+    </dgm:fillClrLst>
+    <dgm:linClrLst meth="repeat">
+      <a:schemeClr val="accent2"/>
+      <a:schemeClr val="accent3"/>
+      <a:schemeClr val="accent4"/>
+      <a:schemeClr val="accent5"/>
+      <a:schemeClr val="accent6"/>
+    </dgm:linClrLst>
+    <dgm:effectClrLst/>
+    <dgm:txLinClrLst/>
+    <dgm:txFillClrLst meth="repeat">
+      <a:schemeClr val="dk1"/>
+    </dgm:txFillClrLst>
+    <dgm:txEffectClrLst/>
+  </dgm:styleLbl>
+  <dgm:styleLbl name="fgAccFollowNode1">
+    <dgm:fillClrLst meth="repeat">
+      <a:schemeClr val="accent2">
+        <a:tint val="40000"/>
+        <a:alpha val="90000"/>
+      </a:schemeClr>
+      <a:schemeClr val="accent3">
+        <a:tint val="40000"/>
+        <a:alpha val="90000"/>
+      </a:schemeClr>
+      <a:schemeClr val="accent4">
+        <a:tint val="40000"/>
+        <a:alpha val="90000"/>
+      </a:schemeClr>
+      <a:schemeClr val="accent5">
+        <a:tint val="40000"/>
+        <a:alpha val="90000"/>
+      </a:schemeClr>
+      <a:schemeClr val="accent6">
+        <a:tint val="40000"/>
+        <a:alpha val="90000"/>
+      </a:schemeClr>
+    </dgm:fillClrLst>
+    <dgm:linClrLst meth="repeat">
+      <a:schemeClr val="accent2">
+        <a:tint val="40000"/>
+        <a:alpha val="90000"/>
+      </a:schemeClr>
+      <a:schemeClr val="accent3">
+        <a:tint val="40000"/>
+        <a:alpha val="90000"/>
+      </a:schemeClr>
+      <a:schemeClr val="accent4">
+        <a:tint val="40000"/>
+        <a:alpha val="90000"/>
+      </a:schemeClr>
+      <a:schemeClr val="accent5">
+        <a:tint val="40000"/>
+        <a:alpha val="90000"/>
+      </a:schemeClr>
+      <a:schemeClr val="accent6">
+        <a:tint val="40000"/>
+        <a:alpha val="90000"/>
+      </a:schemeClr>
+    </dgm:linClrLst>
+    <dgm:effectClrLst/>
+    <dgm:txLinClrLst/>
+    <dgm:txFillClrLst meth="repeat">
+      <a:schemeClr val="dk1"/>
+    </dgm:txFillClrLst>
+    <dgm:txEffectClrLst/>
+  </dgm:styleLbl>
+  <dgm:styleLbl name="alignAccFollowNode1">
+    <dgm:fillClrLst meth="repeat">
+      <a:schemeClr val="accent2">
+        <a:tint val="40000"/>
+        <a:alpha val="90000"/>
+      </a:schemeClr>
+      <a:schemeClr val="accent3">
+        <a:tint val="40000"/>
+        <a:alpha val="90000"/>
+      </a:schemeClr>
+      <a:schemeClr val="accent4">
+        <a:tint val="40000"/>
+        <a:alpha val="90000"/>
+      </a:schemeClr>
+      <a:schemeClr val="accent5">
+        <a:tint val="40000"/>
+        <a:alpha val="90000"/>
+      </a:schemeClr>
+      <a:schemeClr val="accent6">
+        <a:tint val="40000"/>
+        <a:alpha val="90000"/>
+      </a:schemeClr>
+    </dgm:fillClrLst>
+    <dgm:linClrLst meth="repeat">
+      <a:schemeClr val="accent2">
+        <a:tint val="40000"/>
+        <a:alpha val="90000"/>
+      </a:schemeClr>
+      <a:schemeClr val="accent3">
+        <a:tint val="40000"/>
+        <a:alpha val="90000"/>
+      </a:schemeClr>
+      <a:schemeClr val="accent4">
+        <a:tint val="40000"/>
+        <a:alpha val="90000"/>
+      </a:schemeClr>
+      <a:schemeClr val="accent5">
+        <a:tint val="40000"/>
+        <a:alpha val="90000"/>
+      </a:schemeClr>
+      <a:schemeClr val="accent6">
+        <a:tint val="40000"/>
+        <a:alpha val="90000"/>
+      </a:schemeClr>
+    </dgm:linClrLst>
+    <dgm:effectClrLst/>
+    <dgm:txLinClrLst/>
+    <dgm:txFillClrLst meth="repeat">
+      <a:schemeClr val="dk1"/>
+    </dgm:txFillClrLst>
+    <dgm:txEffectClrLst/>
+  </dgm:styleLbl>
+  <dgm:styleLbl name="bgAccFollowNode1">
+    <dgm:fillClrLst meth="repeat">
+      <a:schemeClr val="accent2">
+        <a:tint val="40000"/>
+        <a:alpha val="90000"/>
+      </a:schemeClr>
+      <a:schemeClr val="accent3">
+        <a:tint val="40000"/>
+        <a:alpha val="90000"/>
+      </a:schemeClr>
+      <a:schemeClr val="accent4">
+        <a:tint val="40000"/>
+        <a:alpha val="90000"/>
+      </a:schemeClr>
+      <a:schemeClr val="accent5">
+        <a:tint val="40000"/>
+        <a:alpha val="90000"/>
+      </a:schemeClr>
+      <a:schemeClr val="accent6">
+        <a:tint val="40000"/>
+        <a:alpha val="90000"/>
+      </a:schemeClr>
+    </dgm:fillClrLst>
+    <dgm:linClrLst meth="repeat">
+      <a:schemeClr val="accent2">
+        <a:tint val="40000"/>
+        <a:alpha val="90000"/>
+      </a:schemeClr>
+      <a:schemeClr val="accent3">
+        <a:tint val="40000"/>
+        <a:alpha val="90000"/>
+      </a:schemeClr>
+      <a:schemeClr val="accent4">
+        <a:tint val="40000"/>
+        <a:alpha val="90000"/>
+      </a:schemeClr>
+      <a:schemeClr val="accent5">
+        <a:tint val="40000"/>
+        <a:alpha val="90000"/>
+      </a:schemeClr>
+      <a:schemeClr val="accent6">
+        <a:tint val="40000"/>
+        <a:alpha val="90000"/>
+      </a:schemeClr>
+    </dgm:linClrLst>
+    <dgm:effectClrLst/>
+    <dgm:txLinClrLst/>
+    <dgm:txFillClrLst meth="repeat">
+      <a:schemeClr val="dk1"/>
+    </dgm:txFillClrLst>
+    <dgm:txEffectClrLst/>
+  </dgm:styleLbl>
+  <dgm:styleLbl name="fgAcc0">
+    <dgm:fillClrLst meth="repeat">
+      <a:schemeClr val="lt1">
+        <a:alpha val="90000"/>
+      </a:schemeClr>
+    </dgm:fillClrLst>
+    <dgm:linClrLst>
+      <a:schemeClr val="accent1"/>
+    </dgm:linClrLst>
+    <dgm:effectClrLst/>
+    <dgm:txLinClrLst/>
+    <dgm:txFillClrLst meth="repeat">
+      <a:schemeClr val="dk1"/>
+    </dgm:txFillClrLst>
+    <dgm:txEffectClrLst/>
+  </dgm:styleLbl>
+  <dgm:styleLbl name="fgAcc2">
+    <dgm:fillClrLst meth="repeat">
+      <a:schemeClr val="lt1">
+        <a:alpha val="90000"/>
+      </a:schemeClr>
+    </dgm:fillClrLst>
+    <dgm:linClrLst>
+      <a:schemeClr val="accent2"/>
+    </dgm:linClrLst>
+    <dgm:effectClrLst/>
+    <dgm:txLinClrLst/>
+    <dgm:txFillClrLst meth="repeat">
+      <a:schemeClr val="dk1"/>
+    </dgm:txFillClrLst>
+    <dgm:txEffectClrLst/>
+  </dgm:styleLbl>
+  <dgm:styleLbl name="fgAcc3">
+    <dgm:fillClrLst meth="repeat">
+      <a:schemeClr val="lt1">
+        <a:alpha val="90000"/>
+      </a:schemeClr>
+    </dgm:fillClrLst>
+    <dgm:linClrLst>
+      <a:schemeClr val="accent3"/>
+    </dgm:linClrLst>
+    <dgm:effectClrLst/>
+    <dgm:txLinClrLst/>
+    <dgm:txFillClrLst meth="repeat">
+      <a:schemeClr val="dk1"/>
+    </dgm:txFillClrLst>
+    <dgm:txEffectClrLst/>
+  </dgm:styleLbl>
+  <dgm:styleLbl name="fgAcc4">
+    <dgm:fillClrLst meth="repeat">
+      <a:schemeClr val="lt1">
+        <a:alpha val="90000"/>
+      </a:schemeClr>
+    </dgm:fillClrLst>
+    <dgm:linClrLst>
+      <a:schemeClr val="accent4"/>
+    </dgm:linClrLst>
+    <dgm:effectClrLst/>
+    <dgm:txLinClrLst/>
+    <dgm:txFillClrLst meth="repeat">
+      <a:schemeClr val="dk1"/>
+    </dgm:txFillClrLst>
+    <dgm:txEffectClrLst/>
+  </dgm:styleLbl>
+  <dgm:styleLbl name="bgShp">
+    <dgm:fillClrLst meth="repeat">
+      <a:schemeClr val="accent2">
+        <a:tint val="40000"/>
+      </a:schemeClr>
+    </dgm:fillClrLst>
+    <dgm:linClrLst meth="repeat">
+      <a:schemeClr val="dk1"/>
+    </dgm:linClrLst>
+    <dgm:effectClrLst/>
+    <dgm:txLinClrLst/>
+    <dgm:txFillClrLst meth="repeat">
+      <a:schemeClr val="dk1"/>
+    </dgm:txFillClrLst>
+    <dgm:txEffectClrLst/>
+  </dgm:styleLbl>
+  <dgm:styleLbl name="dkBgShp">
+    <dgm:fillClrLst meth="repeat">
+      <a:schemeClr val="accent2">
+        <a:shade val="90000"/>
+      </a:schemeClr>
+    </dgm:fillClrLst>
+    <dgm:linClrLst meth="repeat">
+      <a:schemeClr val="dk1"/>
+    </dgm:linClrLst>
+    <dgm:effectClrLst/>
+    <dgm:txLinClrLst/>
+    <dgm:txFillClrLst meth="repeat">
+      <a:schemeClr val="lt1"/>
+    </dgm:txFillClrLst>
+    <dgm:txEffectClrLst/>
+  </dgm:styleLbl>
+  <dgm:styleLbl name="trBgShp">
+    <dgm:fillClrLst meth="repeat">
+      <a:schemeClr val="accent1">
+        <a:tint val="50000"/>
+        <a:alpha val="40000"/>
+      </a:schemeClr>
+    </dgm:fillClrLst>
+    <dgm:linClrLst meth="repeat">
+      <a:schemeClr val="accent2"/>
+    </dgm:linClrLst>
+    <dgm:effectClrLst/>
+    <dgm:txLinClrLst/>
+    <dgm:txFillClrLst meth="repeat">
+      <a:schemeClr val="lt1"/>
+    </dgm:txFillClrLst>
+    <dgm:txEffectClrLst/>
+  </dgm:styleLbl>
+  <dgm:styleLbl name="fgShp">
+    <dgm:fillClrLst meth="repeat">
+      <a:schemeClr val="accent2">
+        <a:tint val="40000"/>
+      </a:schemeClr>
+    </dgm:fillClrLst>
+    <dgm:linClrLst meth="repeat">
+      <a:schemeClr val="lt1"/>
+    </dgm:linClrLst>
+    <dgm:effectClrLst/>
+    <dgm:txLinClrLst/>
+    <dgm:txFillClrLst meth="repeat">
+      <a:schemeClr val="dk1"/>
+    </dgm:txFillClrLst>
+    <dgm:txEffectClrLst/>
+  </dgm:styleLbl>
+  <dgm:styleLbl name="revTx">
+    <dgm:fillClrLst meth="repeat">
+      <a:schemeClr val="lt1">
+        <a:alpha val="0"/>
+      </a:schemeClr>
+    </dgm:fillClrLst>
+    <dgm:linClrLst meth="repeat">
+      <a:schemeClr val="dk1">
+        <a:alpha val="0"/>
+      </a:schemeClr>
+    </dgm:linClrLst>
+    <dgm:effectClrLst/>
+    <dgm:txLinClrLst/>
+    <dgm:txFillClrLst meth="repeat">
+      <a:schemeClr val="tx1"/>
+    </dgm:txFillClrLst>
+    <dgm:txEffectClrLst/>
+  </dgm:styleLbl>
+</dgm:colorsDef>
+</file>
+
+<file path=ppt/diagrams/data1.xml><?xml version="1.0" encoding="utf-8"?>
+<dgm:dataModel xmlns:dgm="http://schemas.openxmlformats.org/drawingml/2006/diagram" xmlns:a="http://schemas.openxmlformats.org/drawingml/2006/main">
+  <dgm:ptLst>
+    <dgm:pt modelId="{40D79F5D-9931-426A-B669-B5BEF7A8CB2A}" type="doc">
+      <dgm:prSet loTypeId="urn:microsoft.com/office/officeart/2005/8/layout/vProcess5" loCatId="process" qsTypeId="urn:microsoft.com/office/officeart/2005/8/quickstyle/simple5" qsCatId="simple" csTypeId="urn:microsoft.com/office/officeart/2005/8/colors/colorful1" csCatId="colorful" phldr="1"/>
+      <dgm:spPr/>
+      <dgm:t>
+        <a:bodyPr/>
+        <a:lstStyle/>
+        <a:p>
+          <a:endParaRPr lang="en-GB"/>
+        </a:p>
+      </dgm:t>
+    </dgm:pt>
+    <dgm:pt modelId="{051D639B-9540-49CA-B2FE-59596106A0A5}">
+      <dgm:prSet phldrT="[Text]"/>
+      <dgm:spPr/>
+      <dgm:t>
+        <a:bodyPr/>
+        <a:lstStyle/>
+        <a:p>
+          <a:r>
+            <a:rPr lang="en-NZ" dirty="0" smtClean="0">
+              <a:solidFill>
+                <a:schemeClr val="bg1"/>
+              </a:solidFill>
+            </a:rPr>
+            <a:t>Source Code</a:t>
+          </a:r>
+          <a:endParaRPr lang="en-GB" dirty="0">
+            <a:solidFill>
+              <a:schemeClr val="bg1"/>
+            </a:solidFill>
+          </a:endParaRPr>
+        </a:p>
+      </dgm:t>
+    </dgm:pt>
+    <dgm:pt modelId="{F0039EB1-2518-4A9D-8C56-8BBD69D7639C}" type="parTrans" cxnId="{0D9AF34A-188C-4EAD-B738-59B597E77A61}">
+      <dgm:prSet/>
+      <dgm:spPr/>
+      <dgm:t>
+        <a:bodyPr/>
+        <a:lstStyle/>
+        <a:p>
+          <a:endParaRPr lang="en-GB"/>
+        </a:p>
+      </dgm:t>
+    </dgm:pt>
+    <dgm:pt modelId="{14C59C04-0774-49DC-92F8-8CCD4F26B60A}" type="sibTrans" cxnId="{0D9AF34A-188C-4EAD-B738-59B597E77A61}">
+      <dgm:prSet/>
+      <dgm:spPr/>
+      <dgm:t>
+        <a:bodyPr/>
+        <a:lstStyle/>
+        <a:p>
+          <a:endParaRPr lang="en-GB"/>
+        </a:p>
+      </dgm:t>
+    </dgm:pt>
+    <dgm:pt modelId="{98BAC4C6-25D8-45DD-B216-10036A6EE41A}">
+      <dgm:prSet phldrT="[Text]"/>
+      <dgm:spPr/>
+      <dgm:t>
+        <a:bodyPr/>
+        <a:lstStyle/>
+        <a:p>
+          <a:r>
+            <a:rPr lang="en-NZ" dirty="0" smtClean="0"/>
+            <a:t>Compiler</a:t>
+          </a:r>
+          <a:endParaRPr lang="en-GB" dirty="0"/>
+        </a:p>
+      </dgm:t>
+    </dgm:pt>
+    <dgm:pt modelId="{24759866-9B0B-467A-A97F-F98A10176916}" type="parTrans" cxnId="{F58F18F9-E9FE-4B9B-BD77-400B4F780D73}">
+      <dgm:prSet/>
+      <dgm:spPr/>
+      <dgm:t>
+        <a:bodyPr/>
+        <a:lstStyle/>
+        <a:p>
+          <a:endParaRPr lang="en-GB"/>
+        </a:p>
+      </dgm:t>
+    </dgm:pt>
+    <dgm:pt modelId="{4AB9B9E1-0E17-4B9A-9E84-EBD70D080BD2}" type="sibTrans" cxnId="{F58F18F9-E9FE-4B9B-BD77-400B4F780D73}">
+      <dgm:prSet/>
+      <dgm:spPr/>
+      <dgm:t>
+        <a:bodyPr/>
+        <a:lstStyle/>
+        <a:p>
+          <a:endParaRPr lang="en-GB"/>
+        </a:p>
+      </dgm:t>
+    </dgm:pt>
+    <dgm:pt modelId="{3AA3768D-3D9A-436E-B602-C5A59FFBAFEC}">
+      <dgm:prSet phldrT="[Text]"/>
+      <dgm:spPr/>
+      <dgm:t>
+        <a:bodyPr/>
+        <a:lstStyle/>
+        <a:p>
+          <a:r>
+            <a:rPr lang="en-NZ" dirty="0" smtClean="0"/>
+            <a:t>Processor</a:t>
+          </a:r>
+          <a:endParaRPr lang="en-GB" dirty="0"/>
+        </a:p>
+      </dgm:t>
+    </dgm:pt>
+    <dgm:pt modelId="{69D1AD42-D6FA-4265-A5B6-21AE5DE52F49}" type="parTrans" cxnId="{403D09CB-3DEF-427C-84A3-2D15D76B7A53}">
+      <dgm:prSet/>
+      <dgm:spPr/>
+      <dgm:t>
+        <a:bodyPr/>
+        <a:lstStyle/>
+        <a:p>
+          <a:endParaRPr lang="en-GB"/>
+        </a:p>
+      </dgm:t>
+    </dgm:pt>
+    <dgm:pt modelId="{2BBBA67C-FB53-420E-A852-4FFB9F36C3D8}" type="sibTrans" cxnId="{403D09CB-3DEF-427C-84A3-2D15D76B7A53}">
+      <dgm:prSet/>
+      <dgm:spPr/>
+      <dgm:t>
+        <a:bodyPr/>
+        <a:lstStyle/>
+        <a:p>
+          <a:endParaRPr lang="en-GB"/>
+        </a:p>
+      </dgm:t>
+    </dgm:pt>
+    <dgm:pt modelId="{19F66229-03FD-4C0D-813E-0BBEDEFFF908}">
+      <dgm:prSet phldrT="[Text]"/>
+      <dgm:spPr/>
+      <dgm:t>
+        <a:bodyPr/>
+        <a:lstStyle/>
+        <a:p>
+          <a:r>
+            <a:rPr lang="en-NZ" dirty="0" smtClean="0"/>
+            <a:t>Cache</a:t>
+          </a:r>
+          <a:endParaRPr lang="en-GB" dirty="0"/>
+        </a:p>
+      </dgm:t>
+    </dgm:pt>
+    <dgm:pt modelId="{AB547BD5-E52F-4825-B13C-D43FC409A135}" type="parTrans" cxnId="{473AA0C4-5308-499D-92F2-02581DCDFAA9}">
+      <dgm:prSet/>
+      <dgm:spPr/>
+      <dgm:t>
+        <a:bodyPr/>
+        <a:lstStyle/>
+        <a:p>
+          <a:endParaRPr lang="en-GB"/>
+        </a:p>
+      </dgm:t>
+    </dgm:pt>
+    <dgm:pt modelId="{4A4A86F0-2078-45AB-A42B-5F48DC625232}" type="sibTrans" cxnId="{473AA0C4-5308-499D-92F2-02581DCDFAA9}">
+      <dgm:prSet/>
+      <dgm:spPr/>
+      <dgm:t>
+        <a:bodyPr/>
+        <a:lstStyle/>
+        <a:p>
+          <a:endParaRPr lang="en-GB"/>
+        </a:p>
+      </dgm:t>
+    </dgm:pt>
+    <dgm:pt modelId="{B65907B1-A1E2-4DB5-AD4F-8C30C2899521}">
+      <dgm:prSet phldrT="[Text]"/>
+      <dgm:spPr/>
+      <dgm:t>
+        <a:bodyPr/>
+        <a:lstStyle/>
+        <a:p>
+          <a:r>
+            <a:rPr lang="en-NZ" dirty="0" smtClean="0">
+              <a:solidFill>
+                <a:schemeClr val="bg1"/>
+              </a:solidFill>
+            </a:rPr>
+            <a:t>Actual Execution</a:t>
+          </a:r>
+          <a:endParaRPr lang="en-GB" dirty="0">
+            <a:solidFill>
+              <a:schemeClr val="bg1"/>
+            </a:solidFill>
+          </a:endParaRPr>
+        </a:p>
+      </dgm:t>
+    </dgm:pt>
+    <dgm:pt modelId="{39B4ECE5-5733-43A9-A214-4AACF91DAEC4}" type="parTrans" cxnId="{5C3138CF-98D4-4C71-837F-BC2F6F3BCBCE}">
+      <dgm:prSet/>
+      <dgm:spPr/>
+      <dgm:t>
+        <a:bodyPr/>
+        <a:lstStyle/>
+        <a:p>
+          <a:endParaRPr lang="en-GB"/>
+        </a:p>
+      </dgm:t>
+    </dgm:pt>
+    <dgm:pt modelId="{1D74D4DF-4B48-47D4-A252-AFD482730346}" type="sibTrans" cxnId="{5C3138CF-98D4-4C71-837F-BC2F6F3BCBCE}">
+      <dgm:prSet/>
+      <dgm:spPr/>
+      <dgm:t>
+        <a:bodyPr/>
+        <a:lstStyle/>
+        <a:p>
+          <a:endParaRPr lang="en-GB"/>
+        </a:p>
+      </dgm:t>
+    </dgm:pt>
+    <dgm:pt modelId="{2E4E9672-C2E6-4EEF-8F64-5BFC044E5F77}" type="pres">
+      <dgm:prSet presAssocID="{40D79F5D-9931-426A-B669-B5BEF7A8CB2A}" presName="outerComposite" presStyleCnt="0">
+        <dgm:presLayoutVars>
+          <dgm:chMax val="5"/>
+          <dgm:dir/>
+          <dgm:resizeHandles val="exact"/>
+        </dgm:presLayoutVars>
+      </dgm:prSet>
+      <dgm:spPr/>
+      <dgm:t>
+        <a:bodyPr/>
+        <a:lstStyle/>
+        <a:p>
+          <a:endParaRPr lang="en-GB"/>
+        </a:p>
+      </dgm:t>
+    </dgm:pt>
+    <dgm:pt modelId="{18324587-9774-4EEB-9558-078246AAD598}" type="pres">
+      <dgm:prSet presAssocID="{40D79F5D-9931-426A-B669-B5BEF7A8CB2A}" presName="dummyMaxCanvas" presStyleCnt="0">
+        <dgm:presLayoutVars/>
+      </dgm:prSet>
+      <dgm:spPr/>
+    </dgm:pt>
+    <dgm:pt modelId="{239B7340-6B83-4B51-857E-8C0055E2A94D}" type="pres">
+      <dgm:prSet presAssocID="{40D79F5D-9931-426A-B669-B5BEF7A8CB2A}" presName="FiveNodes_1" presStyleLbl="node1" presStyleIdx="0" presStyleCnt="5">
+        <dgm:presLayoutVars>
+          <dgm:bulletEnabled val="1"/>
+        </dgm:presLayoutVars>
+      </dgm:prSet>
+      <dgm:spPr/>
+      <dgm:t>
+        <a:bodyPr/>
+        <a:lstStyle/>
+        <a:p>
+          <a:endParaRPr lang="en-GB"/>
+        </a:p>
+      </dgm:t>
+    </dgm:pt>
+    <dgm:pt modelId="{1B72FD27-49CA-4EA6-B9E7-8CFEE2146117}" type="pres">
+      <dgm:prSet presAssocID="{40D79F5D-9931-426A-B669-B5BEF7A8CB2A}" presName="FiveNodes_2" presStyleLbl="node1" presStyleIdx="1" presStyleCnt="5">
+        <dgm:presLayoutVars>
+          <dgm:bulletEnabled val="1"/>
+        </dgm:presLayoutVars>
+      </dgm:prSet>
+      <dgm:spPr/>
+      <dgm:t>
+        <a:bodyPr/>
+        <a:lstStyle/>
+        <a:p>
+          <a:endParaRPr lang="en-GB"/>
+        </a:p>
+      </dgm:t>
+    </dgm:pt>
+    <dgm:pt modelId="{3993AE0D-00D5-4833-B7EE-98DC82C8871A}" type="pres">
+      <dgm:prSet presAssocID="{40D79F5D-9931-426A-B669-B5BEF7A8CB2A}" presName="FiveNodes_3" presStyleLbl="node1" presStyleIdx="2" presStyleCnt="5">
+        <dgm:presLayoutVars>
+          <dgm:bulletEnabled val="1"/>
+        </dgm:presLayoutVars>
+      </dgm:prSet>
+      <dgm:spPr/>
+      <dgm:t>
+        <a:bodyPr/>
+        <a:lstStyle/>
+        <a:p>
+          <a:endParaRPr lang="en-GB"/>
+        </a:p>
+      </dgm:t>
+    </dgm:pt>
+    <dgm:pt modelId="{AE34178A-4C11-4913-88C3-98CD679EBDA2}" type="pres">
+      <dgm:prSet presAssocID="{40D79F5D-9931-426A-B669-B5BEF7A8CB2A}" presName="FiveNodes_4" presStyleLbl="node1" presStyleIdx="3" presStyleCnt="5">
+        <dgm:presLayoutVars>
+          <dgm:bulletEnabled val="1"/>
+        </dgm:presLayoutVars>
+      </dgm:prSet>
+      <dgm:spPr/>
+      <dgm:t>
+        <a:bodyPr/>
+        <a:lstStyle/>
+        <a:p>
+          <a:endParaRPr lang="en-GB"/>
+        </a:p>
+      </dgm:t>
+    </dgm:pt>
+    <dgm:pt modelId="{0B5C20D8-F3D2-4A91-9863-5048A6822435}" type="pres">
+      <dgm:prSet presAssocID="{40D79F5D-9931-426A-B669-B5BEF7A8CB2A}" presName="FiveNodes_5" presStyleLbl="node1" presStyleIdx="4" presStyleCnt="5">
+        <dgm:presLayoutVars>
+          <dgm:bulletEnabled val="1"/>
+        </dgm:presLayoutVars>
+      </dgm:prSet>
+      <dgm:spPr/>
+      <dgm:t>
+        <a:bodyPr/>
+        <a:lstStyle/>
+        <a:p>
+          <a:endParaRPr lang="en-GB"/>
+        </a:p>
+      </dgm:t>
+    </dgm:pt>
+    <dgm:pt modelId="{7FFB4B13-9E00-456A-AB61-E8FBB5B48DF0}" type="pres">
+      <dgm:prSet presAssocID="{40D79F5D-9931-426A-B669-B5BEF7A8CB2A}" presName="FiveConn_1-2" presStyleLbl="fgAccFollowNode1" presStyleIdx="0" presStyleCnt="4">
+        <dgm:presLayoutVars>
+          <dgm:bulletEnabled val="1"/>
+        </dgm:presLayoutVars>
+      </dgm:prSet>
+      <dgm:spPr/>
+      <dgm:t>
+        <a:bodyPr/>
+        <a:lstStyle/>
+        <a:p>
+          <a:endParaRPr lang="en-GB"/>
+        </a:p>
+      </dgm:t>
+    </dgm:pt>
+    <dgm:pt modelId="{0832F444-92D2-47E6-98A0-8BDAC29754BB}" type="pres">
+      <dgm:prSet presAssocID="{40D79F5D-9931-426A-B669-B5BEF7A8CB2A}" presName="FiveConn_2-3" presStyleLbl="fgAccFollowNode1" presStyleIdx="1" presStyleCnt="4">
+        <dgm:presLayoutVars>
+          <dgm:bulletEnabled val="1"/>
+        </dgm:presLayoutVars>
+      </dgm:prSet>
+      <dgm:spPr/>
+      <dgm:t>
+        <a:bodyPr/>
+        <a:lstStyle/>
+        <a:p>
+          <a:endParaRPr lang="en-GB"/>
+        </a:p>
+      </dgm:t>
+    </dgm:pt>
+    <dgm:pt modelId="{1AF31F0F-1CE8-48B1-8271-6AF3337DF40D}" type="pres">
+      <dgm:prSet presAssocID="{40D79F5D-9931-426A-B669-B5BEF7A8CB2A}" presName="FiveConn_3-4" presStyleLbl="fgAccFollowNode1" presStyleIdx="2" presStyleCnt="4">
+        <dgm:presLayoutVars>
+          <dgm:bulletEnabled val="1"/>
+        </dgm:presLayoutVars>
+      </dgm:prSet>
+      <dgm:spPr/>
+      <dgm:t>
+        <a:bodyPr/>
+        <a:lstStyle/>
+        <a:p>
+          <a:endParaRPr lang="en-GB"/>
+        </a:p>
+      </dgm:t>
+    </dgm:pt>
+    <dgm:pt modelId="{74B6E5F5-23FD-4BCB-8A3C-F74042048EC7}" type="pres">
+      <dgm:prSet presAssocID="{40D79F5D-9931-426A-B669-B5BEF7A8CB2A}" presName="FiveConn_4-5" presStyleLbl="fgAccFollowNode1" presStyleIdx="3" presStyleCnt="4">
+        <dgm:presLayoutVars>
+          <dgm:bulletEnabled val="1"/>
+        </dgm:presLayoutVars>
+      </dgm:prSet>
+      <dgm:spPr/>
+      <dgm:t>
+        <a:bodyPr/>
+        <a:lstStyle/>
+        <a:p>
+          <a:endParaRPr lang="en-GB"/>
+        </a:p>
+      </dgm:t>
+    </dgm:pt>
+    <dgm:pt modelId="{65946C7F-3C49-435A-83E1-7F03E6D9115B}" type="pres">
+      <dgm:prSet presAssocID="{40D79F5D-9931-426A-B669-B5BEF7A8CB2A}" presName="FiveNodes_1_text" presStyleLbl="node1" presStyleIdx="4" presStyleCnt="5">
+        <dgm:presLayoutVars>
+          <dgm:bulletEnabled val="1"/>
+        </dgm:presLayoutVars>
+      </dgm:prSet>
+      <dgm:spPr/>
+      <dgm:t>
+        <a:bodyPr/>
+        <a:lstStyle/>
+        <a:p>
+          <a:endParaRPr lang="en-GB"/>
+        </a:p>
+      </dgm:t>
+    </dgm:pt>
+    <dgm:pt modelId="{62521164-133C-4FE3-8FE4-95C2B86AEB4C}" type="pres">
+      <dgm:prSet presAssocID="{40D79F5D-9931-426A-B669-B5BEF7A8CB2A}" presName="FiveNodes_2_text" presStyleLbl="node1" presStyleIdx="4" presStyleCnt="5">
+        <dgm:presLayoutVars>
+          <dgm:bulletEnabled val="1"/>
+        </dgm:presLayoutVars>
+      </dgm:prSet>
+      <dgm:spPr/>
+      <dgm:t>
+        <a:bodyPr/>
+        <a:lstStyle/>
+        <a:p>
+          <a:endParaRPr lang="en-GB"/>
+        </a:p>
+      </dgm:t>
+    </dgm:pt>
+    <dgm:pt modelId="{42984757-C35D-419F-951B-D474C0F6B932}" type="pres">
+      <dgm:prSet presAssocID="{40D79F5D-9931-426A-B669-B5BEF7A8CB2A}" presName="FiveNodes_3_text" presStyleLbl="node1" presStyleIdx="4" presStyleCnt="5">
+        <dgm:presLayoutVars>
+          <dgm:bulletEnabled val="1"/>
+        </dgm:presLayoutVars>
+      </dgm:prSet>
+      <dgm:spPr/>
+      <dgm:t>
+        <a:bodyPr/>
+        <a:lstStyle/>
+        <a:p>
+          <a:endParaRPr lang="en-GB"/>
+        </a:p>
+      </dgm:t>
+    </dgm:pt>
+    <dgm:pt modelId="{7E8CF6F3-7A8C-4EF9-8E2A-D144EF88CEE6}" type="pres">
+      <dgm:prSet presAssocID="{40D79F5D-9931-426A-B669-B5BEF7A8CB2A}" presName="FiveNodes_4_text" presStyleLbl="node1" presStyleIdx="4" presStyleCnt="5">
+        <dgm:presLayoutVars>
+          <dgm:bulletEnabled val="1"/>
+        </dgm:presLayoutVars>
+      </dgm:prSet>
+      <dgm:spPr/>
+      <dgm:t>
+        <a:bodyPr/>
+        <a:lstStyle/>
+        <a:p>
+          <a:endParaRPr lang="en-GB"/>
+        </a:p>
+      </dgm:t>
+    </dgm:pt>
+    <dgm:pt modelId="{1A38F754-A13E-4CE4-9DB0-0E6A06416449}" type="pres">
+      <dgm:prSet presAssocID="{40D79F5D-9931-426A-B669-B5BEF7A8CB2A}" presName="FiveNodes_5_text" presStyleLbl="node1" presStyleIdx="4" presStyleCnt="5">
+        <dgm:presLayoutVars>
+          <dgm:bulletEnabled val="1"/>
+        </dgm:presLayoutVars>
+      </dgm:prSet>
+      <dgm:spPr/>
+      <dgm:t>
+        <a:bodyPr/>
+        <a:lstStyle/>
+        <a:p>
+          <a:endParaRPr lang="en-GB"/>
+        </a:p>
+      </dgm:t>
+    </dgm:pt>
+  </dgm:ptLst>
+  <dgm:cxnLst>
+    <dgm:cxn modelId="{F76766DE-F94C-4AEC-A538-F7E3765C2B89}" type="presOf" srcId="{19F66229-03FD-4C0D-813E-0BBEDEFFF908}" destId="{7E8CF6F3-7A8C-4EF9-8E2A-D144EF88CEE6}" srcOrd="1" destOrd="0" presId="urn:microsoft.com/office/officeart/2005/8/layout/vProcess5"/>
+    <dgm:cxn modelId="{403D09CB-3DEF-427C-84A3-2D15D76B7A53}" srcId="{40D79F5D-9931-426A-B669-B5BEF7A8CB2A}" destId="{3AA3768D-3D9A-436E-B602-C5A59FFBAFEC}" srcOrd="2" destOrd="0" parTransId="{69D1AD42-D6FA-4265-A5B6-21AE5DE52F49}" sibTransId="{2BBBA67C-FB53-420E-A852-4FFB9F36C3D8}"/>
+    <dgm:cxn modelId="{E394F0CD-2A66-4E75-8E3A-4A8F40C3E150}" type="presOf" srcId="{14C59C04-0774-49DC-92F8-8CCD4F26B60A}" destId="{7FFB4B13-9E00-456A-AB61-E8FBB5B48DF0}" srcOrd="0" destOrd="0" presId="urn:microsoft.com/office/officeart/2005/8/layout/vProcess5"/>
+    <dgm:cxn modelId="{E31ADC38-835F-4CE9-9393-638CDF5E6DA0}" type="presOf" srcId="{98BAC4C6-25D8-45DD-B216-10036A6EE41A}" destId="{1B72FD27-49CA-4EA6-B9E7-8CFEE2146117}" srcOrd="0" destOrd="0" presId="urn:microsoft.com/office/officeart/2005/8/layout/vProcess5"/>
+    <dgm:cxn modelId="{D1785C8D-4BDB-4F79-A6E4-5997A51D16E7}" type="presOf" srcId="{4A4A86F0-2078-45AB-A42B-5F48DC625232}" destId="{74B6E5F5-23FD-4BCB-8A3C-F74042048EC7}" srcOrd="0" destOrd="0" presId="urn:microsoft.com/office/officeart/2005/8/layout/vProcess5"/>
+    <dgm:cxn modelId="{BDC51254-9728-4A18-9AFF-28F77D905DF6}" type="presOf" srcId="{B65907B1-A1E2-4DB5-AD4F-8C30C2899521}" destId="{1A38F754-A13E-4CE4-9DB0-0E6A06416449}" srcOrd="1" destOrd="0" presId="urn:microsoft.com/office/officeart/2005/8/layout/vProcess5"/>
+    <dgm:cxn modelId="{473AA0C4-5308-499D-92F2-02581DCDFAA9}" srcId="{40D79F5D-9931-426A-B669-B5BEF7A8CB2A}" destId="{19F66229-03FD-4C0D-813E-0BBEDEFFF908}" srcOrd="3" destOrd="0" parTransId="{AB547BD5-E52F-4825-B13C-D43FC409A135}" sibTransId="{4A4A86F0-2078-45AB-A42B-5F48DC625232}"/>
+    <dgm:cxn modelId="{E5900D30-321B-437F-A014-E791C4E6CC9E}" type="presOf" srcId="{40D79F5D-9931-426A-B669-B5BEF7A8CB2A}" destId="{2E4E9672-C2E6-4EEF-8F64-5BFC044E5F77}" srcOrd="0" destOrd="0" presId="urn:microsoft.com/office/officeart/2005/8/layout/vProcess5"/>
+    <dgm:cxn modelId="{0D9AF34A-188C-4EAD-B738-59B597E77A61}" srcId="{40D79F5D-9931-426A-B669-B5BEF7A8CB2A}" destId="{051D639B-9540-49CA-B2FE-59596106A0A5}" srcOrd="0" destOrd="0" parTransId="{F0039EB1-2518-4A9D-8C56-8BBD69D7639C}" sibTransId="{14C59C04-0774-49DC-92F8-8CCD4F26B60A}"/>
+    <dgm:cxn modelId="{BB01C68C-AB6C-4DBD-8B4B-F8C7724E9922}" type="presOf" srcId="{19F66229-03FD-4C0D-813E-0BBEDEFFF908}" destId="{AE34178A-4C11-4913-88C3-98CD679EBDA2}" srcOrd="0" destOrd="0" presId="urn:microsoft.com/office/officeart/2005/8/layout/vProcess5"/>
+    <dgm:cxn modelId="{F58F18F9-E9FE-4B9B-BD77-400B4F780D73}" srcId="{40D79F5D-9931-426A-B669-B5BEF7A8CB2A}" destId="{98BAC4C6-25D8-45DD-B216-10036A6EE41A}" srcOrd="1" destOrd="0" parTransId="{24759866-9B0B-467A-A97F-F98A10176916}" sibTransId="{4AB9B9E1-0E17-4B9A-9E84-EBD70D080BD2}"/>
+    <dgm:cxn modelId="{3AFF1A20-EC62-455E-9434-58C014D162F6}" type="presOf" srcId="{051D639B-9540-49CA-B2FE-59596106A0A5}" destId="{239B7340-6B83-4B51-857E-8C0055E2A94D}" srcOrd="0" destOrd="0" presId="urn:microsoft.com/office/officeart/2005/8/layout/vProcess5"/>
+    <dgm:cxn modelId="{A492AF6E-5055-444A-8D62-CF23DC7FA3BE}" type="presOf" srcId="{4AB9B9E1-0E17-4B9A-9E84-EBD70D080BD2}" destId="{0832F444-92D2-47E6-98A0-8BDAC29754BB}" srcOrd="0" destOrd="0" presId="urn:microsoft.com/office/officeart/2005/8/layout/vProcess5"/>
+    <dgm:cxn modelId="{5080AE72-FF24-4A53-A1CB-8F4819B03096}" type="presOf" srcId="{3AA3768D-3D9A-436E-B602-C5A59FFBAFEC}" destId="{42984757-C35D-419F-951B-D474C0F6B932}" srcOrd="1" destOrd="0" presId="urn:microsoft.com/office/officeart/2005/8/layout/vProcess5"/>
+    <dgm:cxn modelId="{8C643273-8354-43E6-9557-113B7F15E9AC}" type="presOf" srcId="{2BBBA67C-FB53-420E-A852-4FFB9F36C3D8}" destId="{1AF31F0F-1CE8-48B1-8271-6AF3337DF40D}" srcOrd="0" destOrd="0" presId="urn:microsoft.com/office/officeart/2005/8/layout/vProcess5"/>
+    <dgm:cxn modelId="{840EB287-26AB-4CFC-A22F-BB3562D63208}" type="presOf" srcId="{98BAC4C6-25D8-45DD-B216-10036A6EE41A}" destId="{62521164-133C-4FE3-8FE4-95C2B86AEB4C}" srcOrd="1" destOrd="0" presId="urn:microsoft.com/office/officeart/2005/8/layout/vProcess5"/>
+    <dgm:cxn modelId="{5C3138CF-98D4-4C71-837F-BC2F6F3BCBCE}" srcId="{40D79F5D-9931-426A-B669-B5BEF7A8CB2A}" destId="{B65907B1-A1E2-4DB5-AD4F-8C30C2899521}" srcOrd="4" destOrd="0" parTransId="{39B4ECE5-5733-43A9-A214-4AACF91DAEC4}" sibTransId="{1D74D4DF-4B48-47D4-A252-AFD482730346}"/>
+    <dgm:cxn modelId="{8971CA58-FFAB-40A4-8C5E-AEF0615AC565}" type="presOf" srcId="{3AA3768D-3D9A-436E-B602-C5A59FFBAFEC}" destId="{3993AE0D-00D5-4833-B7EE-98DC82C8871A}" srcOrd="0" destOrd="0" presId="urn:microsoft.com/office/officeart/2005/8/layout/vProcess5"/>
+    <dgm:cxn modelId="{5FE218C1-7360-4304-ADEE-7BEE32136552}" type="presOf" srcId="{051D639B-9540-49CA-B2FE-59596106A0A5}" destId="{65946C7F-3C49-435A-83E1-7F03E6D9115B}" srcOrd="1" destOrd="0" presId="urn:microsoft.com/office/officeart/2005/8/layout/vProcess5"/>
+    <dgm:cxn modelId="{60F661B8-0A11-41F8-A142-7828A295DC59}" type="presOf" srcId="{B65907B1-A1E2-4DB5-AD4F-8C30C2899521}" destId="{0B5C20D8-F3D2-4A91-9863-5048A6822435}" srcOrd="0" destOrd="0" presId="urn:microsoft.com/office/officeart/2005/8/layout/vProcess5"/>
+    <dgm:cxn modelId="{38BA7122-BBB5-400B-8823-73BB503CEF52}" type="presParOf" srcId="{2E4E9672-C2E6-4EEF-8F64-5BFC044E5F77}" destId="{18324587-9774-4EEB-9558-078246AAD598}" srcOrd="0" destOrd="0" presId="urn:microsoft.com/office/officeart/2005/8/layout/vProcess5"/>
+    <dgm:cxn modelId="{C3767A76-80D2-4076-9B71-1966E5364DC4}" type="presParOf" srcId="{2E4E9672-C2E6-4EEF-8F64-5BFC044E5F77}" destId="{239B7340-6B83-4B51-857E-8C0055E2A94D}" srcOrd="1" destOrd="0" presId="urn:microsoft.com/office/officeart/2005/8/layout/vProcess5"/>
+    <dgm:cxn modelId="{5157D10F-D9E2-4F5C-862C-11FE968D59B0}" type="presParOf" srcId="{2E4E9672-C2E6-4EEF-8F64-5BFC044E5F77}" destId="{1B72FD27-49CA-4EA6-B9E7-8CFEE2146117}" srcOrd="2" destOrd="0" presId="urn:microsoft.com/office/officeart/2005/8/layout/vProcess5"/>
+    <dgm:cxn modelId="{86E3F7C7-A124-4EE7-B23B-4B4790511478}" type="presParOf" srcId="{2E4E9672-C2E6-4EEF-8F64-5BFC044E5F77}" destId="{3993AE0D-00D5-4833-B7EE-98DC82C8871A}" srcOrd="3" destOrd="0" presId="urn:microsoft.com/office/officeart/2005/8/layout/vProcess5"/>
+    <dgm:cxn modelId="{64F34117-111F-40C7-B530-4CE82F20834F}" type="presParOf" srcId="{2E4E9672-C2E6-4EEF-8F64-5BFC044E5F77}" destId="{AE34178A-4C11-4913-88C3-98CD679EBDA2}" srcOrd="4" destOrd="0" presId="urn:microsoft.com/office/officeart/2005/8/layout/vProcess5"/>
+    <dgm:cxn modelId="{975F701B-B2A9-44B3-A6DC-F24BB4C4BE0D}" type="presParOf" srcId="{2E4E9672-C2E6-4EEF-8F64-5BFC044E5F77}" destId="{0B5C20D8-F3D2-4A91-9863-5048A6822435}" srcOrd="5" destOrd="0" presId="urn:microsoft.com/office/officeart/2005/8/layout/vProcess5"/>
+    <dgm:cxn modelId="{D8AC3364-3A30-4810-ADF6-05F132E7F281}" type="presParOf" srcId="{2E4E9672-C2E6-4EEF-8F64-5BFC044E5F77}" destId="{7FFB4B13-9E00-456A-AB61-E8FBB5B48DF0}" srcOrd="6" destOrd="0" presId="urn:microsoft.com/office/officeart/2005/8/layout/vProcess5"/>
+    <dgm:cxn modelId="{B27DBD36-4ABB-4017-86F5-74C793BF0A21}" type="presParOf" srcId="{2E4E9672-C2E6-4EEF-8F64-5BFC044E5F77}" destId="{0832F444-92D2-47E6-98A0-8BDAC29754BB}" srcOrd="7" destOrd="0" presId="urn:microsoft.com/office/officeart/2005/8/layout/vProcess5"/>
+    <dgm:cxn modelId="{5716ADC2-C1DC-484A-9CBD-ADA758135F7F}" type="presParOf" srcId="{2E4E9672-C2E6-4EEF-8F64-5BFC044E5F77}" destId="{1AF31F0F-1CE8-48B1-8271-6AF3337DF40D}" srcOrd="8" destOrd="0" presId="urn:microsoft.com/office/officeart/2005/8/layout/vProcess5"/>
+    <dgm:cxn modelId="{44326516-D598-49F5-A7C4-0C4D8D0D65CE}" type="presParOf" srcId="{2E4E9672-C2E6-4EEF-8F64-5BFC044E5F77}" destId="{74B6E5F5-23FD-4BCB-8A3C-F74042048EC7}" srcOrd="9" destOrd="0" presId="urn:microsoft.com/office/officeart/2005/8/layout/vProcess5"/>
+    <dgm:cxn modelId="{C75E1E87-EF44-4651-955D-23BCBBD2D2AF}" type="presParOf" srcId="{2E4E9672-C2E6-4EEF-8F64-5BFC044E5F77}" destId="{65946C7F-3C49-435A-83E1-7F03E6D9115B}" srcOrd="10" destOrd="0" presId="urn:microsoft.com/office/officeart/2005/8/layout/vProcess5"/>
+    <dgm:cxn modelId="{FFA14E5A-7E06-47B9-8978-3830BC9D3705}" type="presParOf" srcId="{2E4E9672-C2E6-4EEF-8F64-5BFC044E5F77}" destId="{62521164-133C-4FE3-8FE4-95C2B86AEB4C}" srcOrd="11" destOrd="0" presId="urn:microsoft.com/office/officeart/2005/8/layout/vProcess5"/>
+    <dgm:cxn modelId="{0DEBFE21-85A2-42DE-AD92-196F4455E21C}" type="presParOf" srcId="{2E4E9672-C2E6-4EEF-8F64-5BFC044E5F77}" destId="{42984757-C35D-419F-951B-D474C0F6B932}" srcOrd="12" destOrd="0" presId="urn:microsoft.com/office/officeart/2005/8/layout/vProcess5"/>
+    <dgm:cxn modelId="{CFF47C3A-D62B-4B19-A86B-D662D279EE35}" type="presParOf" srcId="{2E4E9672-C2E6-4EEF-8F64-5BFC044E5F77}" destId="{7E8CF6F3-7A8C-4EF9-8E2A-D144EF88CEE6}" srcOrd="13" destOrd="0" presId="urn:microsoft.com/office/officeart/2005/8/layout/vProcess5"/>
+    <dgm:cxn modelId="{B47F9388-BB34-4069-B090-2435784B8780}" type="presParOf" srcId="{2E4E9672-C2E6-4EEF-8F64-5BFC044E5F77}" destId="{1A38F754-A13E-4CE4-9DB0-0E6A06416449}" srcOrd="14" destOrd="0" presId="urn:microsoft.com/office/officeart/2005/8/layout/vProcess5"/>
+  </dgm:cxnLst>
+  <dgm:bg/>
+  <dgm:whole/>
+  <dgm:extLst>
+    <a:ext uri="http://schemas.microsoft.com/office/drawing/2008/diagram">
+      <dsp:dataModelExt xmlns:dsp="http://schemas.microsoft.com/office/drawing/2008/diagram" relId="rId7" minVer="http://schemas.openxmlformats.org/drawingml/2006/diagram"/>
+    </a:ext>
+  </dgm:extLst>
+</dgm:dataModel>
+</file>
+
+<file path=ppt/diagrams/drawing1.xml><?xml version="1.0" encoding="utf-8"?>
+<dsp:drawing xmlns:dgm="http://schemas.openxmlformats.org/drawingml/2006/diagram" xmlns:dsp="http://schemas.microsoft.com/office/drawing/2008/diagram" xmlns:a="http://schemas.openxmlformats.org/drawingml/2006/main">
+  <dsp:spTree>
+    <dsp:nvGrpSpPr>
+      <dsp:cNvPr id="0" name=""/>
+      <dsp:cNvGrpSpPr/>
+    </dsp:nvGrpSpPr>
+    <dsp:grpSpPr/>
+    <dsp:sp modelId="{239B7340-6B83-4B51-857E-8C0055E2A94D}">
+      <dsp:nvSpPr>
+        <dsp:cNvPr id="0" name=""/>
+        <dsp:cNvSpPr/>
+      </dsp:nvSpPr>
+      <dsp:spPr>
+        <a:xfrm>
+          <a:off x="0" y="0"/>
+          <a:ext cx="2889187" cy="428506"/>
+        </a:xfrm>
+        <a:prstGeom prst="roundRect">
+          <a:avLst>
+            <a:gd name="adj" fmla="val 10000"/>
+          </a:avLst>
+        </a:prstGeom>
+        <a:gradFill rotWithShape="0">
+          <a:gsLst>
+            <a:gs pos="0">
+              <a:schemeClr val="accent2">
+                <a:hueOff val="0"/>
+                <a:satOff val="0"/>
+                <a:lumOff val="0"/>
+                <a:alphaOff val="0"/>
+                <a:shade val="63000"/>
+                <a:satMod val="110000"/>
+              </a:schemeClr>
+            </a:gs>
+            <a:gs pos="30000">
+              <a:schemeClr val="accent2">
+                <a:hueOff val="0"/>
+                <a:satOff val="0"/>
+                <a:lumOff val="0"/>
+                <a:alphaOff val="0"/>
+                <a:shade val="90000"/>
+                <a:satMod val="120000"/>
+              </a:schemeClr>
+            </a:gs>
+            <a:gs pos="45000">
+              <a:schemeClr val="accent2">
+                <a:hueOff val="0"/>
+                <a:satOff val="0"/>
+                <a:lumOff val="0"/>
+                <a:alphaOff val="0"/>
+                <a:shade val="100000"/>
+                <a:satMod val="128000"/>
+              </a:schemeClr>
+            </a:gs>
+            <a:gs pos="55000">
+              <a:schemeClr val="accent2">
+                <a:hueOff val="0"/>
+                <a:satOff val="0"/>
+                <a:lumOff val="0"/>
+                <a:alphaOff val="0"/>
+                <a:shade val="100000"/>
+                <a:satMod val="128000"/>
+              </a:schemeClr>
+            </a:gs>
+            <a:gs pos="73000">
+              <a:schemeClr val="accent2">
+                <a:hueOff val="0"/>
+                <a:satOff val="0"/>
+                <a:lumOff val="0"/>
+                <a:alphaOff val="0"/>
+                <a:shade val="90000"/>
+                <a:satMod val="120000"/>
+              </a:schemeClr>
+            </a:gs>
+            <a:gs pos="100000">
+              <a:schemeClr val="accent2">
+                <a:hueOff val="0"/>
+                <a:satOff val="0"/>
+                <a:lumOff val="0"/>
+                <a:alphaOff val="0"/>
+                <a:shade val="63000"/>
+                <a:satMod val="110000"/>
+              </a:schemeClr>
+            </a:gs>
+          </a:gsLst>
+          <a:lin ang="950000" scaled="1"/>
+        </a:gradFill>
+        <a:ln>
+          <a:noFill/>
+        </a:ln>
+        <a:effectLst>
+          <a:outerShdw blurRad="57150" dist="38100" dir="5400000" algn="br" rotWithShape="0">
+            <a:srgbClr val="000000">
+              <a:alpha val="57000"/>
+            </a:srgbClr>
+          </a:outerShdw>
+        </a:effectLst>
+        <a:scene3d>
+          <a:camera prst="orthographicFront">
+            <a:rot lat="0" lon="0" rev="0"/>
+          </a:camera>
+          <a:lightRig rig="twoPt" dir="t">
+            <a:rot lat="0" lon="0" rev="1800000"/>
+          </a:lightRig>
+        </a:scene3d>
+        <a:sp3d>
+          <a:bevelT w="44450" h="31750" prst="coolSlant"/>
+        </a:sp3d>
+      </dsp:spPr>
+      <dsp:style>
+        <a:lnRef idx="0">
+          <a:scrgbClr r="0" g="0" b="0"/>
+        </a:lnRef>
+        <a:fillRef idx="3">
+          <a:scrgbClr r="0" g="0" b="0"/>
+        </a:fillRef>
+        <a:effectRef idx="3">
+          <a:scrgbClr r="0" g="0" b="0"/>
+        </a:effectRef>
+        <a:fontRef idx="minor">
+          <a:schemeClr val="lt1"/>
+        </a:fontRef>
+      </dsp:style>
+      <dsp:txBody>
+        <a:bodyPr spcFirstLastPara="0" vert="horz" wrap="square" lIns="72390" tIns="72390" rIns="72390" bIns="72390" numCol="1" spcCol="1270" anchor="ctr" anchorCtr="0">
+          <a:noAutofit/>
+        </a:bodyPr>
+        <a:lstStyle/>
+        <a:p>
+          <a:pPr lvl="0" algn="l" defTabSz="844550">
+            <a:lnSpc>
+              <a:spcPct val="90000"/>
+            </a:lnSpc>
+            <a:spcBef>
+              <a:spcPct val="0"/>
+            </a:spcBef>
+            <a:spcAft>
+              <a:spcPct val="35000"/>
+            </a:spcAft>
+          </a:pPr>
+          <a:r>
+            <a:rPr lang="en-NZ" sz="1900" kern="1200" dirty="0" smtClean="0">
+              <a:solidFill>
+                <a:schemeClr val="bg1"/>
+              </a:solidFill>
+            </a:rPr>
+            <a:t>Source Code</a:t>
+          </a:r>
+          <a:endParaRPr lang="en-GB" sz="1900" kern="1200" dirty="0">
+            <a:solidFill>
+              <a:schemeClr val="bg1"/>
+            </a:solidFill>
+          </a:endParaRPr>
+        </a:p>
+      </dsp:txBody>
+      <dsp:txXfrm>
+        <a:off x="12551" y="12551"/>
+        <a:ext cx="2376659" cy="403404"/>
+      </dsp:txXfrm>
+    </dsp:sp>
+    <dsp:sp modelId="{1B72FD27-49CA-4EA6-B9E7-8CFEE2146117}">
+      <dsp:nvSpPr>
+        <dsp:cNvPr id="0" name=""/>
+        <dsp:cNvSpPr/>
+      </dsp:nvSpPr>
+      <dsp:spPr>
+        <a:xfrm>
+          <a:off x="215751" y="488021"/>
+          <a:ext cx="2889187" cy="428506"/>
+        </a:xfrm>
+        <a:prstGeom prst="roundRect">
+          <a:avLst>
+            <a:gd name="adj" fmla="val 10000"/>
+          </a:avLst>
+        </a:prstGeom>
+        <a:gradFill rotWithShape="0">
+          <a:gsLst>
+            <a:gs pos="0">
+              <a:schemeClr val="accent3">
+                <a:hueOff val="0"/>
+                <a:satOff val="0"/>
+                <a:lumOff val="0"/>
+                <a:alphaOff val="0"/>
+                <a:shade val="63000"/>
+                <a:satMod val="110000"/>
+              </a:schemeClr>
+            </a:gs>
+            <a:gs pos="30000">
+              <a:schemeClr val="accent3">
+                <a:hueOff val="0"/>
+                <a:satOff val="0"/>
+                <a:lumOff val="0"/>
+                <a:alphaOff val="0"/>
+                <a:shade val="90000"/>
+                <a:satMod val="120000"/>
+              </a:schemeClr>
+            </a:gs>
+            <a:gs pos="45000">
+              <a:schemeClr val="accent3">
+                <a:hueOff val="0"/>
+                <a:satOff val="0"/>
+                <a:lumOff val="0"/>
+                <a:alphaOff val="0"/>
+                <a:shade val="100000"/>
+                <a:satMod val="128000"/>
+              </a:schemeClr>
+            </a:gs>
+            <a:gs pos="55000">
+              <a:schemeClr val="accent3">
+                <a:hueOff val="0"/>
+                <a:satOff val="0"/>
+                <a:lumOff val="0"/>
+                <a:alphaOff val="0"/>
+                <a:shade val="100000"/>
+                <a:satMod val="128000"/>
+              </a:schemeClr>
+            </a:gs>
+            <a:gs pos="73000">
+              <a:schemeClr val="accent3">
+                <a:hueOff val="0"/>
+                <a:satOff val="0"/>
+                <a:lumOff val="0"/>
+                <a:alphaOff val="0"/>
+                <a:shade val="90000"/>
+                <a:satMod val="120000"/>
+              </a:schemeClr>
+            </a:gs>
+            <a:gs pos="100000">
+              <a:schemeClr val="accent3">
+                <a:hueOff val="0"/>
+                <a:satOff val="0"/>
+                <a:lumOff val="0"/>
+                <a:alphaOff val="0"/>
+                <a:shade val="63000"/>
+                <a:satMod val="110000"/>
+              </a:schemeClr>
+            </a:gs>
+          </a:gsLst>
+          <a:lin ang="950000" scaled="1"/>
+        </a:gradFill>
+        <a:ln>
+          <a:noFill/>
+        </a:ln>
+        <a:effectLst>
+          <a:outerShdw blurRad="57150" dist="38100" dir="5400000" algn="br" rotWithShape="0">
+            <a:srgbClr val="000000">
+              <a:alpha val="57000"/>
+            </a:srgbClr>
+          </a:outerShdw>
+        </a:effectLst>
+        <a:scene3d>
+          <a:camera prst="orthographicFront">
+            <a:rot lat="0" lon="0" rev="0"/>
+          </a:camera>
+          <a:lightRig rig="twoPt" dir="t">
+            <a:rot lat="0" lon="0" rev="1800000"/>
+          </a:lightRig>
+        </a:scene3d>
+        <a:sp3d>
+          <a:bevelT w="44450" h="31750" prst="coolSlant"/>
+        </a:sp3d>
+      </dsp:spPr>
+      <dsp:style>
+        <a:lnRef idx="0">
+          <a:scrgbClr r="0" g="0" b="0"/>
+        </a:lnRef>
+        <a:fillRef idx="3">
+          <a:scrgbClr r="0" g="0" b="0"/>
+        </a:fillRef>
+        <a:effectRef idx="3">
+          <a:scrgbClr r="0" g="0" b="0"/>
+        </a:effectRef>
+        <a:fontRef idx="minor">
+          <a:schemeClr val="lt1"/>
+        </a:fontRef>
+      </dsp:style>
+      <dsp:txBody>
+        <a:bodyPr spcFirstLastPara="0" vert="horz" wrap="square" lIns="72390" tIns="72390" rIns="72390" bIns="72390" numCol="1" spcCol="1270" anchor="ctr" anchorCtr="0">
+          <a:noAutofit/>
+        </a:bodyPr>
+        <a:lstStyle/>
+        <a:p>
+          <a:pPr lvl="0" algn="l" defTabSz="844550">
+            <a:lnSpc>
+              <a:spcPct val="90000"/>
+            </a:lnSpc>
+            <a:spcBef>
+              <a:spcPct val="0"/>
+            </a:spcBef>
+            <a:spcAft>
+              <a:spcPct val="35000"/>
+            </a:spcAft>
+          </a:pPr>
+          <a:r>
+            <a:rPr lang="en-NZ" sz="1900" kern="1200" dirty="0" smtClean="0"/>
+            <a:t>Compiler</a:t>
+          </a:r>
+          <a:endParaRPr lang="en-GB" sz="1900" kern="1200" dirty="0"/>
+        </a:p>
+      </dsp:txBody>
+      <dsp:txXfrm>
+        <a:off x="228302" y="500572"/>
+        <a:ext cx="2369805" cy="403404"/>
+      </dsp:txXfrm>
+    </dsp:sp>
+    <dsp:sp modelId="{3993AE0D-00D5-4833-B7EE-98DC82C8871A}">
+      <dsp:nvSpPr>
+        <dsp:cNvPr id="0" name=""/>
+        <dsp:cNvSpPr/>
+      </dsp:nvSpPr>
+      <dsp:spPr>
+        <a:xfrm>
+          <a:off x="431502" y="976043"/>
+          <a:ext cx="2889187" cy="428506"/>
+        </a:xfrm>
+        <a:prstGeom prst="roundRect">
+          <a:avLst>
+            <a:gd name="adj" fmla="val 10000"/>
+          </a:avLst>
+        </a:prstGeom>
+        <a:gradFill rotWithShape="0">
+          <a:gsLst>
+            <a:gs pos="0">
+              <a:schemeClr val="accent4">
+                <a:hueOff val="0"/>
+                <a:satOff val="0"/>
+                <a:lumOff val="0"/>
+                <a:alphaOff val="0"/>
+                <a:shade val="63000"/>
+                <a:satMod val="110000"/>
+              </a:schemeClr>
+            </a:gs>
+            <a:gs pos="30000">
+              <a:schemeClr val="accent4">
+                <a:hueOff val="0"/>
+                <a:satOff val="0"/>
+                <a:lumOff val="0"/>
+                <a:alphaOff val="0"/>
+                <a:shade val="90000"/>
+                <a:satMod val="120000"/>
+              </a:schemeClr>
+            </a:gs>
+            <a:gs pos="45000">
+              <a:schemeClr val="accent4">
+                <a:hueOff val="0"/>
+                <a:satOff val="0"/>
+                <a:lumOff val="0"/>
+                <a:alphaOff val="0"/>
+                <a:shade val="100000"/>
+                <a:satMod val="128000"/>
+              </a:schemeClr>
+            </a:gs>
+            <a:gs pos="55000">
+              <a:schemeClr val="accent4">
+                <a:hueOff val="0"/>
+                <a:satOff val="0"/>
+                <a:lumOff val="0"/>
+                <a:alphaOff val="0"/>
+                <a:shade val="100000"/>
+                <a:satMod val="128000"/>
+              </a:schemeClr>
+            </a:gs>
+            <a:gs pos="73000">
+              <a:schemeClr val="accent4">
+                <a:hueOff val="0"/>
+                <a:satOff val="0"/>
+                <a:lumOff val="0"/>
+                <a:alphaOff val="0"/>
+                <a:shade val="90000"/>
+                <a:satMod val="120000"/>
+              </a:schemeClr>
+            </a:gs>
+            <a:gs pos="100000">
+              <a:schemeClr val="accent4">
+                <a:hueOff val="0"/>
+                <a:satOff val="0"/>
+                <a:lumOff val="0"/>
+                <a:alphaOff val="0"/>
+                <a:shade val="63000"/>
+                <a:satMod val="110000"/>
+              </a:schemeClr>
+            </a:gs>
+          </a:gsLst>
+          <a:lin ang="950000" scaled="1"/>
+        </a:gradFill>
+        <a:ln>
+          <a:noFill/>
+        </a:ln>
+        <a:effectLst>
+          <a:outerShdw blurRad="57150" dist="38100" dir="5400000" algn="br" rotWithShape="0">
+            <a:srgbClr val="000000">
+              <a:alpha val="57000"/>
+            </a:srgbClr>
+          </a:outerShdw>
+        </a:effectLst>
+        <a:scene3d>
+          <a:camera prst="orthographicFront">
+            <a:rot lat="0" lon="0" rev="0"/>
+          </a:camera>
+          <a:lightRig rig="twoPt" dir="t">
+            <a:rot lat="0" lon="0" rev="1800000"/>
+          </a:lightRig>
+        </a:scene3d>
+        <a:sp3d>
+          <a:bevelT w="44450" h="31750" prst="coolSlant"/>
+        </a:sp3d>
+      </dsp:spPr>
+      <dsp:style>
+        <a:lnRef idx="0">
+          <a:scrgbClr r="0" g="0" b="0"/>
+        </a:lnRef>
+        <a:fillRef idx="3">
+          <a:scrgbClr r="0" g="0" b="0"/>
+        </a:fillRef>
+        <a:effectRef idx="3">
+          <a:scrgbClr r="0" g="0" b="0"/>
+        </a:effectRef>
+        <a:fontRef idx="minor">
+          <a:schemeClr val="lt1"/>
+        </a:fontRef>
+      </dsp:style>
+      <dsp:txBody>
+        <a:bodyPr spcFirstLastPara="0" vert="horz" wrap="square" lIns="72390" tIns="72390" rIns="72390" bIns="72390" numCol="1" spcCol="1270" anchor="ctr" anchorCtr="0">
+          <a:noAutofit/>
+        </a:bodyPr>
+        <a:lstStyle/>
+        <a:p>
+          <a:pPr lvl="0" algn="l" defTabSz="844550">
+            <a:lnSpc>
+              <a:spcPct val="90000"/>
+            </a:lnSpc>
+            <a:spcBef>
+              <a:spcPct val="0"/>
+            </a:spcBef>
+            <a:spcAft>
+              <a:spcPct val="35000"/>
+            </a:spcAft>
+          </a:pPr>
+          <a:r>
+            <a:rPr lang="en-NZ" sz="1900" kern="1200" dirty="0" smtClean="0"/>
+            <a:t>Processor</a:t>
+          </a:r>
+          <a:endParaRPr lang="en-GB" sz="1900" kern="1200" dirty="0"/>
+        </a:p>
+      </dsp:txBody>
+      <dsp:txXfrm>
+        <a:off x="444053" y="988594"/>
+        <a:ext cx="2369805" cy="403404"/>
+      </dsp:txXfrm>
+    </dsp:sp>
+    <dsp:sp modelId="{AE34178A-4C11-4913-88C3-98CD679EBDA2}">
+      <dsp:nvSpPr>
+        <dsp:cNvPr id="0" name=""/>
+        <dsp:cNvSpPr/>
+      </dsp:nvSpPr>
+      <dsp:spPr>
+        <a:xfrm>
+          <a:off x="647253" y="1464064"/>
+          <a:ext cx="2889187" cy="428506"/>
+        </a:xfrm>
+        <a:prstGeom prst="roundRect">
+          <a:avLst>
+            <a:gd name="adj" fmla="val 10000"/>
+          </a:avLst>
+        </a:prstGeom>
+        <a:gradFill rotWithShape="0">
+          <a:gsLst>
+            <a:gs pos="0">
+              <a:schemeClr val="accent5">
+                <a:hueOff val="0"/>
+                <a:satOff val="0"/>
+                <a:lumOff val="0"/>
+                <a:alphaOff val="0"/>
+                <a:shade val="63000"/>
+                <a:satMod val="110000"/>
+              </a:schemeClr>
+            </a:gs>
+            <a:gs pos="30000">
+              <a:schemeClr val="accent5">
+                <a:hueOff val="0"/>
+                <a:satOff val="0"/>
+                <a:lumOff val="0"/>
+                <a:alphaOff val="0"/>
+                <a:shade val="90000"/>
+                <a:satMod val="120000"/>
+              </a:schemeClr>
+            </a:gs>
+            <a:gs pos="45000">
+              <a:schemeClr val="accent5">
+                <a:hueOff val="0"/>
+                <a:satOff val="0"/>
+                <a:lumOff val="0"/>
+                <a:alphaOff val="0"/>
+                <a:shade val="100000"/>
+                <a:satMod val="128000"/>
+              </a:schemeClr>
+            </a:gs>
+            <a:gs pos="55000">
+              <a:schemeClr val="accent5">
+                <a:hueOff val="0"/>
+                <a:satOff val="0"/>
+                <a:lumOff val="0"/>
+                <a:alphaOff val="0"/>
+                <a:shade val="100000"/>
+                <a:satMod val="128000"/>
+              </a:schemeClr>
+            </a:gs>
+            <a:gs pos="73000">
+              <a:schemeClr val="accent5">
+                <a:hueOff val="0"/>
+                <a:satOff val="0"/>
+                <a:lumOff val="0"/>
+                <a:alphaOff val="0"/>
+                <a:shade val="90000"/>
+                <a:satMod val="120000"/>
+              </a:schemeClr>
+            </a:gs>
+            <a:gs pos="100000">
+              <a:schemeClr val="accent5">
+                <a:hueOff val="0"/>
+                <a:satOff val="0"/>
+                <a:lumOff val="0"/>
+                <a:alphaOff val="0"/>
+                <a:shade val="63000"/>
+                <a:satMod val="110000"/>
+              </a:schemeClr>
+            </a:gs>
+          </a:gsLst>
+          <a:lin ang="950000" scaled="1"/>
+        </a:gradFill>
+        <a:ln>
+          <a:noFill/>
+        </a:ln>
+        <a:effectLst>
+          <a:outerShdw blurRad="57150" dist="38100" dir="5400000" algn="br" rotWithShape="0">
+            <a:srgbClr val="000000">
+              <a:alpha val="57000"/>
+            </a:srgbClr>
+          </a:outerShdw>
+        </a:effectLst>
+        <a:scene3d>
+          <a:camera prst="orthographicFront">
+            <a:rot lat="0" lon="0" rev="0"/>
+          </a:camera>
+          <a:lightRig rig="twoPt" dir="t">
+            <a:rot lat="0" lon="0" rev="1800000"/>
+          </a:lightRig>
+        </a:scene3d>
+        <a:sp3d>
+          <a:bevelT w="44450" h="31750" prst="coolSlant"/>
+        </a:sp3d>
+      </dsp:spPr>
+      <dsp:style>
+        <a:lnRef idx="0">
+          <a:scrgbClr r="0" g="0" b="0"/>
+        </a:lnRef>
+        <a:fillRef idx="3">
+          <a:scrgbClr r="0" g="0" b="0"/>
+        </a:fillRef>
+        <a:effectRef idx="3">
+          <a:scrgbClr r="0" g="0" b="0"/>
+        </a:effectRef>
+        <a:fontRef idx="minor">
+          <a:schemeClr val="lt1"/>
+        </a:fontRef>
+      </dsp:style>
+      <dsp:txBody>
+        <a:bodyPr spcFirstLastPara="0" vert="horz" wrap="square" lIns="72390" tIns="72390" rIns="72390" bIns="72390" numCol="1" spcCol="1270" anchor="ctr" anchorCtr="0">
+          <a:noAutofit/>
+        </a:bodyPr>
+        <a:lstStyle/>
+        <a:p>
+          <a:pPr lvl="0" algn="l" defTabSz="844550">
+            <a:lnSpc>
+              <a:spcPct val="90000"/>
+            </a:lnSpc>
+            <a:spcBef>
+              <a:spcPct val="0"/>
+            </a:spcBef>
+            <a:spcAft>
+              <a:spcPct val="35000"/>
+            </a:spcAft>
+          </a:pPr>
+          <a:r>
+            <a:rPr lang="en-NZ" sz="1900" kern="1200" dirty="0" smtClean="0"/>
+            <a:t>Cache</a:t>
+          </a:r>
+          <a:endParaRPr lang="en-GB" sz="1900" kern="1200" dirty="0"/>
+        </a:p>
+      </dsp:txBody>
+      <dsp:txXfrm>
+        <a:off x="659804" y="1476615"/>
+        <a:ext cx="2369805" cy="403404"/>
+      </dsp:txXfrm>
+    </dsp:sp>
+    <dsp:sp modelId="{0B5C20D8-F3D2-4A91-9863-5048A6822435}">
+      <dsp:nvSpPr>
+        <dsp:cNvPr id="0" name=""/>
+        <dsp:cNvSpPr/>
+      </dsp:nvSpPr>
+      <dsp:spPr>
+        <a:xfrm>
+          <a:off x="863004" y="1952086"/>
+          <a:ext cx="2889187" cy="428506"/>
+        </a:xfrm>
+        <a:prstGeom prst="roundRect">
+          <a:avLst>
+            <a:gd name="adj" fmla="val 10000"/>
+          </a:avLst>
+        </a:prstGeom>
+        <a:gradFill rotWithShape="0">
+          <a:gsLst>
+            <a:gs pos="0">
+              <a:schemeClr val="accent6">
+                <a:hueOff val="0"/>
+                <a:satOff val="0"/>
+                <a:lumOff val="0"/>
+                <a:alphaOff val="0"/>
+                <a:shade val="63000"/>
+                <a:satMod val="110000"/>
+              </a:schemeClr>
+            </a:gs>
+            <a:gs pos="30000">
+              <a:schemeClr val="accent6">
+                <a:hueOff val="0"/>
+                <a:satOff val="0"/>
+                <a:lumOff val="0"/>
+                <a:alphaOff val="0"/>
+                <a:shade val="90000"/>
+                <a:satMod val="120000"/>
+              </a:schemeClr>
+            </a:gs>
+            <a:gs pos="45000">
+              <a:schemeClr val="accent6">
+                <a:hueOff val="0"/>
+                <a:satOff val="0"/>
+                <a:lumOff val="0"/>
+                <a:alphaOff val="0"/>
+                <a:shade val="100000"/>
+                <a:satMod val="128000"/>
+              </a:schemeClr>
+            </a:gs>
+            <a:gs pos="55000">
+              <a:schemeClr val="accent6">
+                <a:hueOff val="0"/>
+                <a:satOff val="0"/>
+                <a:lumOff val="0"/>
+                <a:alphaOff val="0"/>
+                <a:shade val="100000"/>
+                <a:satMod val="128000"/>
+              </a:schemeClr>
+            </a:gs>
+            <a:gs pos="73000">
+              <a:schemeClr val="accent6">
+                <a:hueOff val="0"/>
+                <a:satOff val="0"/>
+                <a:lumOff val="0"/>
+                <a:alphaOff val="0"/>
+                <a:shade val="90000"/>
+                <a:satMod val="120000"/>
+              </a:schemeClr>
+            </a:gs>
+            <a:gs pos="100000">
+              <a:schemeClr val="accent6">
+                <a:hueOff val="0"/>
+                <a:satOff val="0"/>
+                <a:lumOff val="0"/>
+                <a:alphaOff val="0"/>
+                <a:shade val="63000"/>
+                <a:satMod val="110000"/>
+              </a:schemeClr>
+            </a:gs>
+          </a:gsLst>
+          <a:lin ang="950000" scaled="1"/>
+        </a:gradFill>
+        <a:ln>
+          <a:noFill/>
+        </a:ln>
+        <a:effectLst>
+          <a:outerShdw blurRad="57150" dist="38100" dir="5400000" algn="br" rotWithShape="0">
+            <a:srgbClr val="000000">
+              <a:alpha val="57000"/>
+            </a:srgbClr>
+          </a:outerShdw>
+        </a:effectLst>
+        <a:scene3d>
+          <a:camera prst="orthographicFront">
+            <a:rot lat="0" lon="0" rev="0"/>
+          </a:camera>
+          <a:lightRig rig="twoPt" dir="t">
+            <a:rot lat="0" lon="0" rev="1800000"/>
+          </a:lightRig>
+        </a:scene3d>
+        <a:sp3d>
+          <a:bevelT w="44450" h="31750" prst="coolSlant"/>
+        </a:sp3d>
+      </dsp:spPr>
+      <dsp:style>
+        <a:lnRef idx="0">
+          <a:scrgbClr r="0" g="0" b="0"/>
+        </a:lnRef>
+        <a:fillRef idx="3">
+          <a:scrgbClr r="0" g="0" b="0"/>
+        </a:fillRef>
+        <a:effectRef idx="3">
+          <a:scrgbClr r="0" g="0" b="0"/>
+        </a:effectRef>
+        <a:fontRef idx="minor">
+          <a:schemeClr val="lt1"/>
+        </a:fontRef>
+      </dsp:style>
+      <dsp:txBody>
+        <a:bodyPr spcFirstLastPara="0" vert="horz" wrap="square" lIns="72390" tIns="72390" rIns="72390" bIns="72390" numCol="1" spcCol="1270" anchor="ctr" anchorCtr="0">
+          <a:noAutofit/>
+        </a:bodyPr>
+        <a:lstStyle/>
+        <a:p>
+          <a:pPr lvl="0" algn="l" defTabSz="844550">
+            <a:lnSpc>
+              <a:spcPct val="90000"/>
+            </a:lnSpc>
+            <a:spcBef>
+              <a:spcPct val="0"/>
+            </a:spcBef>
+            <a:spcAft>
+              <a:spcPct val="35000"/>
+            </a:spcAft>
+          </a:pPr>
+          <a:r>
+            <a:rPr lang="en-NZ" sz="1900" kern="1200" dirty="0" smtClean="0">
+              <a:solidFill>
+                <a:schemeClr val="bg1"/>
+              </a:solidFill>
+            </a:rPr>
+            <a:t>Actual Execution</a:t>
+          </a:r>
+          <a:endParaRPr lang="en-GB" sz="1900" kern="1200" dirty="0">
+            <a:solidFill>
+              <a:schemeClr val="bg1"/>
+            </a:solidFill>
+          </a:endParaRPr>
+        </a:p>
+      </dsp:txBody>
+      <dsp:txXfrm>
+        <a:off x="875555" y="1964637"/>
+        <a:ext cx="2369805" cy="403404"/>
+      </dsp:txXfrm>
+    </dsp:sp>
+    <dsp:sp modelId="{7FFB4B13-9E00-456A-AB61-E8FBB5B48DF0}">
+      <dsp:nvSpPr>
+        <dsp:cNvPr id="0" name=""/>
+        <dsp:cNvSpPr/>
+      </dsp:nvSpPr>
+      <dsp:spPr>
+        <a:xfrm>
+          <a:off x="2610658" y="313047"/>
+          <a:ext cx="278529" cy="278529"/>
+        </a:xfrm>
+        <a:prstGeom prst="downArrow">
+          <a:avLst>
+            <a:gd name="adj1" fmla="val 55000"/>
+            <a:gd name="adj2" fmla="val 45000"/>
+          </a:avLst>
+        </a:prstGeom>
+        <a:solidFill>
+          <a:schemeClr val="accent2">
+            <a:tint val="40000"/>
+            <a:alpha val="90000"/>
+            <a:hueOff val="0"/>
+            <a:satOff val="0"/>
+            <a:lumOff val="0"/>
+            <a:alphaOff val="0"/>
+          </a:schemeClr>
+        </a:solidFill>
+        <a:ln w="9525" cap="flat" cmpd="sng" algn="ctr">
+          <a:solidFill>
+            <a:schemeClr val="accent2">
+              <a:tint val="40000"/>
+              <a:alpha val="90000"/>
+              <a:hueOff val="0"/>
+              <a:satOff val="0"/>
+              <a:lumOff val="0"/>
+              <a:alphaOff val="0"/>
+            </a:schemeClr>
+          </a:solidFill>
+          <a:prstDash val="solid"/>
+        </a:ln>
+        <a:effectLst>
+          <a:outerShdw blurRad="50800" dist="41909" dir="5400000" rotWithShape="0">
+            <a:srgbClr val="000000">
+              <a:alpha val="40000"/>
+            </a:srgbClr>
+          </a:outerShdw>
+        </a:effectLst>
+      </dsp:spPr>
+      <dsp:style>
+        <a:lnRef idx="1">
+          <a:scrgbClr r="0" g="0" b="0"/>
+        </a:lnRef>
+        <a:fillRef idx="1">
+          <a:scrgbClr r="0" g="0" b="0"/>
+        </a:fillRef>
+        <a:effectRef idx="2">
+          <a:scrgbClr r="0" g="0" b="0"/>
+        </a:effectRef>
+        <a:fontRef idx="minor"/>
+      </dsp:style>
+      <dsp:txBody>
+        <a:bodyPr spcFirstLastPara="0" vert="horz" wrap="square" lIns="16510" tIns="16510" rIns="16510" bIns="16510" numCol="1" spcCol="1270" anchor="ctr" anchorCtr="0">
+          <a:noAutofit/>
+        </a:bodyPr>
+        <a:lstStyle/>
+        <a:p>
+          <a:pPr lvl="0" algn="ctr" defTabSz="577850">
+            <a:lnSpc>
+              <a:spcPct val="90000"/>
+            </a:lnSpc>
+            <a:spcBef>
+              <a:spcPct val="0"/>
+            </a:spcBef>
+            <a:spcAft>
+              <a:spcPct val="35000"/>
+            </a:spcAft>
+          </a:pPr>
+          <a:endParaRPr lang="en-GB" sz="1300" kern="1200"/>
+        </a:p>
+      </dsp:txBody>
+      <dsp:txXfrm>
+        <a:off x="2673327" y="313047"/>
+        <a:ext cx="153191" cy="209593"/>
+      </dsp:txXfrm>
+    </dsp:sp>
+    <dsp:sp modelId="{0832F444-92D2-47E6-98A0-8BDAC29754BB}">
+      <dsp:nvSpPr>
+        <dsp:cNvPr id="0" name=""/>
+        <dsp:cNvSpPr/>
+      </dsp:nvSpPr>
+      <dsp:spPr>
+        <a:xfrm>
+          <a:off x="2826409" y="801069"/>
+          <a:ext cx="278529" cy="278529"/>
+        </a:xfrm>
+        <a:prstGeom prst="downArrow">
+          <a:avLst>
+            <a:gd name="adj1" fmla="val 55000"/>
+            <a:gd name="adj2" fmla="val 45000"/>
+          </a:avLst>
+        </a:prstGeom>
+        <a:solidFill>
+          <a:schemeClr val="accent3">
+            <a:tint val="40000"/>
+            <a:alpha val="90000"/>
+            <a:hueOff val="0"/>
+            <a:satOff val="0"/>
+            <a:lumOff val="0"/>
+            <a:alphaOff val="0"/>
+          </a:schemeClr>
+        </a:solidFill>
+        <a:ln w="9525" cap="flat" cmpd="sng" algn="ctr">
+          <a:solidFill>
+            <a:schemeClr val="accent3">
+              <a:tint val="40000"/>
+              <a:alpha val="90000"/>
+              <a:hueOff val="0"/>
+              <a:satOff val="0"/>
+              <a:lumOff val="0"/>
+              <a:alphaOff val="0"/>
+            </a:schemeClr>
+          </a:solidFill>
+          <a:prstDash val="solid"/>
+        </a:ln>
+        <a:effectLst>
+          <a:outerShdw blurRad="50800" dist="41909" dir="5400000" rotWithShape="0">
+            <a:srgbClr val="000000">
+              <a:alpha val="40000"/>
+            </a:srgbClr>
+          </a:outerShdw>
+        </a:effectLst>
+      </dsp:spPr>
+      <dsp:style>
+        <a:lnRef idx="1">
+          <a:scrgbClr r="0" g="0" b="0"/>
+        </a:lnRef>
+        <a:fillRef idx="1">
+          <a:scrgbClr r="0" g="0" b="0"/>
+        </a:fillRef>
+        <a:effectRef idx="2">
+          <a:scrgbClr r="0" g="0" b="0"/>
+        </a:effectRef>
+        <a:fontRef idx="minor"/>
+      </dsp:style>
+      <dsp:txBody>
+        <a:bodyPr spcFirstLastPara="0" vert="horz" wrap="square" lIns="16510" tIns="16510" rIns="16510" bIns="16510" numCol="1" spcCol="1270" anchor="ctr" anchorCtr="0">
+          <a:noAutofit/>
+        </a:bodyPr>
+        <a:lstStyle/>
+        <a:p>
+          <a:pPr lvl="0" algn="ctr" defTabSz="577850">
+            <a:lnSpc>
+              <a:spcPct val="90000"/>
+            </a:lnSpc>
+            <a:spcBef>
+              <a:spcPct val="0"/>
+            </a:spcBef>
+            <a:spcAft>
+              <a:spcPct val="35000"/>
+            </a:spcAft>
+          </a:pPr>
+          <a:endParaRPr lang="en-GB" sz="1300" kern="1200"/>
+        </a:p>
+      </dsp:txBody>
+      <dsp:txXfrm>
+        <a:off x="2889078" y="801069"/>
+        <a:ext cx="153191" cy="209593"/>
+      </dsp:txXfrm>
+    </dsp:sp>
+    <dsp:sp modelId="{1AF31F0F-1CE8-48B1-8271-6AF3337DF40D}">
+      <dsp:nvSpPr>
+        <dsp:cNvPr id="0" name=""/>
+        <dsp:cNvSpPr/>
+      </dsp:nvSpPr>
+      <dsp:spPr>
+        <a:xfrm>
+          <a:off x="3042160" y="1281949"/>
+          <a:ext cx="278529" cy="278529"/>
+        </a:xfrm>
+        <a:prstGeom prst="downArrow">
+          <a:avLst>
+            <a:gd name="adj1" fmla="val 55000"/>
+            <a:gd name="adj2" fmla="val 45000"/>
+          </a:avLst>
+        </a:prstGeom>
+        <a:solidFill>
+          <a:schemeClr val="accent4">
+            <a:tint val="40000"/>
+            <a:alpha val="90000"/>
+            <a:hueOff val="0"/>
+            <a:satOff val="0"/>
+            <a:lumOff val="0"/>
+            <a:alphaOff val="0"/>
+          </a:schemeClr>
+        </a:solidFill>
+        <a:ln w="9525" cap="flat" cmpd="sng" algn="ctr">
+          <a:solidFill>
+            <a:schemeClr val="accent4">
+              <a:tint val="40000"/>
+              <a:alpha val="90000"/>
+              <a:hueOff val="0"/>
+              <a:satOff val="0"/>
+              <a:lumOff val="0"/>
+              <a:alphaOff val="0"/>
+            </a:schemeClr>
+          </a:solidFill>
+          <a:prstDash val="solid"/>
+        </a:ln>
+        <a:effectLst>
+          <a:outerShdw blurRad="50800" dist="41909" dir="5400000" rotWithShape="0">
+            <a:srgbClr val="000000">
+              <a:alpha val="40000"/>
+            </a:srgbClr>
+          </a:outerShdw>
+        </a:effectLst>
+      </dsp:spPr>
+      <dsp:style>
+        <a:lnRef idx="1">
+          <a:scrgbClr r="0" g="0" b="0"/>
+        </a:lnRef>
+        <a:fillRef idx="1">
+          <a:scrgbClr r="0" g="0" b="0"/>
+        </a:fillRef>
+        <a:effectRef idx="2">
+          <a:scrgbClr r="0" g="0" b="0"/>
+        </a:effectRef>
+        <a:fontRef idx="minor"/>
+      </dsp:style>
+      <dsp:txBody>
+        <a:bodyPr spcFirstLastPara="0" vert="horz" wrap="square" lIns="16510" tIns="16510" rIns="16510" bIns="16510" numCol="1" spcCol="1270" anchor="ctr" anchorCtr="0">
+          <a:noAutofit/>
+        </a:bodyPr>
+        <a:lstStyle/>
+        <a:p>
+          <a:pPr lvl="0" algn="ctr" defTabSz="577850">
+            <a:lnSpc>
+              <a:spcPct val="90000"/>
+            </a:lnSpc>
+            <a:spcBef>
+              <a:spcPct val="0"/>
+            </a:spcBef>
+            <a:spcAft>
+              <a:spcPct val="35000"/>
+            </a:spcAft>
+          </a:pPr>
+          <a:endParaRPr lang="en-GB" sz="1300" kern="1200"/>
+        </a:p>
+      </dsp:txBody>
+      <dsp:txXfrm>
+        <a:off x="3104829" y="1281949"/>
+        <a:ext cx="153191" cy="209593"/>
+      </dsp:txXfrm>
+    </dsp:sp>
+    <dsp:sp modelId="{74B6E5F5-23FD-4BCB-8A3C-F74042048EC7}">
+      <dsp:nvSpPr>
+        <dsp:cNvPr id="0" name=""/>
+        <dsp:cNvSpPr/>
+      </dsp:nvSpPr>
+      <dsp:spPr>
+        <a:xfrm>
+          <a:off x="3257911" y="1774732"/>
+          <a:ext cx="278529" cy="278529"/>
+        </a:xfrm>
+        <a:prstGeom prst="downArrow">
+          <a:avLst>
+            <a:gd name="adj1" fmla="val 55000"/>
+            <a:gd name="adj2" fmla="val 45000"/>
+          </a:avLst>
+        </a:prstGeom>
+        <a:solidFill>
+          <a:schemeClr val="accent5">
+            <a:tint val="40000"/>
+            <a:alpha val="90000"/>
+            <a:hueOff val="0"/>
+            <a:satOff val="0"/>
+            <a:lumOff val="0"/>
+            <a:alphaOff val="0"/>
+          </a:schemeClr>
+        </a:solidFill>
+        <a:ln w="9525" cap="flat" cmpd="sng" algn="ctr">
+          <a:solidFill>
+            <a:schemeClr val="accent5">
+              <a:tint val="40000"/>
+              <a:alpha val="90000"/>
+              <a:hueOff val="0"/>
+              <a:satOff val="0"/>
+              <a:lumOff val="0"/>
+              <a:alphaOff val="0"/>
+            </a:schemeClr>
+          </a:solidFill>
+          <a:prstDash val="solid"/>
+        </a:ln>
+        <a:effectLst>
+          <a:outerShdw blurRad="50800" dist="41909" dir="5400000" rotWithShape="0">
+            <a:srgbClr val="000000">
+              <a:alpha val="40000"/>
+            </a:srgbClr>
+          </a:outerShdw>
+        </a:effectLst>
+      </dsp:spPr>
+      <dsp:style>
+        <a:lnRef idx="1">
+          <a:scrgbClr r="0" g="0" b="0"/>
+        </a:lnRef>
+        <a:fillRef idx="1">
+          <a:scrgbClr r="0" g="0" b="0"/>
+        </a:fillRef>
+        <a:effectRef idx="2">
+          <a:scrgbClr r="0" g="0" b="0"/>
+        </a:effectRef>
+        <a:fontRef idx="minor"/>
+      </dsp:style>
+      <dsp:txBody>
+        <a:bodyPr spcFirstLastPara="0" vert="horz" wrap="square" lIns="16510" tIns="16510" rIns="16510" bIns="16510" numCol="1" spcCol="1270" anchor="ctr" anchorCtr="0">
+          <a:noAutofit/>
+        </a:bodyPr>
+        <a:lstStyle/>
+        <a:p>
+          <a:pPr lvl="0" algn="ctr" defTabSz="577850">
+            <a:lnSpc>
+              <a:spcPct val="90000"/>
+            </a:lnSpc>
+            <a:spcBef>
+              <a:spcPct val="0"/>
+            </a:spcBef>
+            <a:spcAft>
+              <a:spcPct val="35000"/>
+            </a:spcAft>
+          </a:pPr>
+          <a:endParaRPr lang="en-GB" sz="1300" kern="1200"/>
+        </a:p>
+      </dsp:txBody>
+      <dsp:txXfrm>
+        <a:off x="3320580" y="1774732"/>
+        <a:ext cx="153191" cy="209593"/>
+      </dsp:txXfrm>
+    </dsp:sp>
+  </dsp:spTree>
+</dsp:drawing>
+</file>
+
+<file path=ppt/diagrams/layout1.xml><?xml version="1.0" encoding="utf-8"?>
+<dgm:layoutDef xmlns:dgm="http://schemas.openxmlformats.org/drawingml/2006/diagram" xmlns:a="http://schemas.openxmlformats.org/drawingml/2006/main" uniqueId="urn:microsoft.com/office/officeart/2005/8/layout/vProcess5">
+  <dgm:title val=""/>
+  <dgm:desc val=""/>
+  <dgm:catLst>
+    <dgm:cat type="process" pri="14000"/>
+  </dgm:catLst>
+  <dgm:sampData>
+    <dgm:dataModel>
+      <dgm:ptLst>
+        <dgm:pt modelId="0" type="doc"/>
+        <dgm:pt modelId="1">
+          <dgm:prSet phldr="1"/>
+        </dgm:pt>
+        <dgm:pt modelId="2">
+          <dgm:prSet phldr="1"/>
+        </dgm:pt>
+        <dgm:pt modelId="3">
+          <dgm:prSet phldr="1"/>
+        </dgm:pt>
+      </dgm:ptLst>
+      <dgm:cxnLst>
+        <dgm:cxn modelId="5" srcId="0" destId="1" srcOrd="0" destOrd="0"/>
+        <dgm:cxn modelId="6" srcId="0" destId="2" srcOrd="1" destOrd="0"/>
+        <dgm:cxn modelId="7" srcId="0" destId="3" srcOrd="2" destOrd="0"/>
+      </dgm:cxnLst>
+      <dgm:bg/>
+      <dgm:whole/>
+    </dgm:dataModel>
+  </dgm:sampData>
+  <dgm:styleData>
+    <dgm:dataModel>
+      <dgm:ptLst>
+        <dgm:pt modelId="0" type="doc"/>
+        <dgm:pt modelId="1"/>
+        <dgm:pt modelId="2"/>
+      </dgm:ptLst>
+      <dgm:cxnLst>
+        <dgm:cxn modelId="3" srcId="0" destId="1" srcOrd="0" destOrd="0"/>
+        <dgm:cxn modelId="4" srcId="0" destId="2" srcOrd="1" destOrd="0"/>
+      </dgm:cxnLst>
+      <dgm:bg/>
+      <dgm:whole/>
+    </dgm:dataModel>
+  </dgm:styleData>
+  <dgm:clrData>
+    <dgm:dataModel>
+      <dgm:ptLst>
+        <dgm:pt modelId="0" type="doc"/>
+        <dgm:pt modelId="1"/>
+        <dgm:pt modelId="2"/>
+        <dgm:pt modelId="3"/>
+        <dgm:pt modelId="4"/>
+      </dgm:ptLst>
+      <dgm:cxnLst>
+        <dgm:cxn modelId="6" srcId="0" destId="1" srcOrd="0" destOrd="0"/>
+        <dgm:cxn modelId="7" srcId="0" destId="2" srcOrd="1" destOrd="0"/>
+        <dgm:cxn modelId="8" srcId="0" destId="3" srcOrd="2" destOrd="0"/>
+        <dgm:cxn modelId="9" srcId="0" destId="4" srcOrd="3" destOrd="0"/>
+      </dgm:cxnLst>
+      <dgm:bg/>
+      <dgm:whole/>
+    </dgm:dataModel>
+  </dgm:clrData>
+  <dgm:layoutNode name="outerComposite">
+    <dgm:varLst>
+      <dgm:chMax val="5"/>
+      <dgm:dir/>
+      <dgm:resizeHandles val="exact"/>
+    </dgm:varLst>
+    <dgm:alg type="composite"/>
+    <dgm:shape xmlns:r="http://schemas.openxmlformats.org/officeDocument/2006/relationships" r:blip="">
+      <dgm:adjLst/>
+    </dgm:shape>
+    <dgm:presOf/>
+    <dgm:choose name="Name0">
+      <dgm:if name="Name1" func="var" arg="dir" op="equ" val="norm">
+        <dgm:constrLst>
+          <dgm:constr type="primFontSz" for="ch" ptType="node" op="equ" val="65"/>
+          <dgm:constr type="w" for="ch" forName="dummyMaxCanvas" refType="w"/>
+          <dgm:constr type="h" for="ch" forName="dummyMaxCanvas" refType="h"/>
+          <dgm:constr type="w" for="ch" forName="OneNode_1" refType="w"/>
+          <dgm:constr type="h" for="ch" forName="OneNode_1" refType="h" fact="0.5"/>
+          <dgm:constr type="ctrY" for="ch" forName="OneNode_1" refType="h" fact="0.5"/>
+          <dgm:constr type="w" for="ch" forName="TwoNodes_1" refType="w" fact="0.85"/>
+          <dgm:constr type="h" for="ch" forName="TwoNodes_1" refType="h" fact="0.45"/>
+          <dgm:constr type="t" for="ch" forName="TwoNodes_1"/>
+          <dgm:constr type="l" for="ch" forName="TwoNodes_1"/>
+          <dgm:constr type="w" for="ch" forName="TwoNodes_2" refType="w" fact="0.85"/>
+          <dgm:constr type="h" for="ch" forName="TwoNodes_2" refType="h" fact="0.45"/>
+          <dgm:constr type="b" for="ch" forName="TwoNodes_2" refType="h"/>
+          <dgm:constr type="r" for="ch" forName="TwoNodes_2" refType="w"/>
+          <dgm:constr type="w" for="ch" forName="TwoConn_1-2" refType="h" refFor="ch" refForName="TwoNodes_1" fact="0.65"/>
+          <dgm:constr type="h" for="ch" forName="TwoConn_1-2" refType="h" refFor="ch" refForName="TwoNodes_1" fact="0.65"/>
+          <dgm:constr type="ctrY" for="ch" forName="TwoConn_1-2" refType="h" fact="0.5"/>
+          <dgm:constr type="r" for="ch" forName="TwoConn_1-2" refType="r" refFor="ch" refForName="TwoNodes_1"/>
+          <dgm:constr type="r" for="ch" forName="TwoNodes_1_text" refType="l" refFor="ch" refForName="TwoConn_1-2"/>
+          <dgm:constr type="rOff" for="ch" forName="TwoNodes_1_text" refType="w" refFor="ch" refForName="TwoConn_1-2" fact="-0.5"/>
+          <dgm:constr type="t" for="ch" forName="TwoNodes_1_text" refType="t" refFor="ch" refForName="TwoNodes_1"/>
+          <dgm:constr type="b" for="ch" forName="TwoNodes_1_text" refType="b" refFor="ch" refForName="TwoNodes_1"/>
+          <dgm:constr type="l" for="ch" forName="TwoNodes_1_text" refType="l" refFor="ch" refForName="TwoNodes_1"/>
+          <dgm:constr type="r" for="ch" forName="TwoNodes_2_text" refType="l" refFor="ch" refForName="TwoConn_1-2"/>
+          <dgm:constr type="t" for="ch" forName="TwoNodes_2_text" refType="t" refFor="ch" refForName="TwoNodes_2"/>
+          <dgm:constr type="b" for="ch" forName="TwoNodes_2_text" refType="b" refFor="ch" refForName="TwoNodes_2"/>
+          <dgm:constr type="l" for="ch" forName="TwoNodes_2_text" refType="l" refFor="ch" refForName="TwoNodes_2"/>
+          <dgm:constr type="w" for="ch" forName="ThreeNodes_1" refType="w" fact="0.85"/>
+          <dgm:constr type="h" for="ch" forName="ThreeNodes_1" refType="h" fact="0.3"/>
+          <dgm:constr type="t" for="ch" forName="ThreeNodes_1"/>
+          <dgm:constr type="l" for="ch" forName="ThreeNodes_1"/>
+          <dgm:constr type="w" for="ch" forName="ThreeNodes_2" refType="w" fact="0.85"/>
+          <dgm:constr type="h" for="ch" forName="ThreeNodes_2" refType="h" fact="0.3"/>
+          <dgm:constr type="ctrY" for="ch" forName="ThreeNodes_2" refType="h" fact="0.5"/>
+          <dgm:constr type="ctrX" for="ch" forName="ThreeNodes_2" refType="w" fact="0.5"/>
+          <dgm:constr type="w" for="ch" forName="ThreeNodes_3" refType="w" fact="0.85"/>
+          <dgm:constr type="h" for="ch" forName="ThreeNodes_3" refType="h" fact="0.3"/>
+          <dgm:constr type="b" for="ch" forName="ThreeNodes_3" refType="h"/>
+          <dgm:constr type="r" for="ch" forName="ThreeNodes_3" refType="w"/>
+          <dgm:constr type="w" for="ch" forName="ThreeConn_1-2" refType="h" refFor="ch" refForName="ThreeNodes_1" fact="0.65"/>
+          <dgm:constr type="h" for="ch" forName="ThreeConn_1-2" refType="h" refFor="ch" refForName="ThreeNodes_1" fact="0.65"/>
+          <dgm:constr type="ctrY" for="ch" forName="ThreeConn_1-2" refType="h" fact="0.325"/>
+          <dgm:constr type="r" for="ch" forName="ThreeConn_1-2" refType="r" refFor="ch" refForName="ThreeNodes_1"/>
+          <dgm:constr type="w" for="ch" forName="ThreeConn_2-3" refType="h" refFor="ch" refForName="ThreeNodes_2" fact="0.65"/>
+          <dgm:constr type="h" for="ch" forName="ThreeConn_2-3" refType="h" refFor="ch" refForName="ThreeNodes_2" fact="0.65"/>
+          <dgm:constr type="ctrY" for="ch" forName="ThreeConn_2-3" refType="h" fact="0.673"/>
+          <dgm:constr type="r" for="ch" forName="ThreeConn_2-3" refType="r" refFor="ch" refForName="ThreeNodes_2"/>
+          <dgm:constr type="r" for="ch" forName="ThreeNodes_1_text" refType="l" refFor="ch" refForName="ThreeConn_1-2"/>
+          <dgm:constr type="rOff" for="ch" forName="ThreeNodes_1_text" refType="w" refFor="ch" refForName="ThreeConn_1-2" fact="-0.57"/>
+          <dgm:constr type="t" for="ch" forName="ThreeNodes_1_text" refType="t" refFor="ch" refForName="ThreeNodes_1"/>
+          <dgm:constr type="b" for="ch" forName="ThreeNodes_1_text" refType="b" refFor="ch" refForName="ThreeNodes_1"/>
+          <dgm:constr type="l" for="ch" forName="ThreeNodes_1_text" refType="l" refFor="ch" refForName="ThreeNodes_1"/>
+          <dgm:constr type="r" for="ch" forName="ThreeNodes_2_text" refType="l" refFor="ch" refForName="ThreeConn_1-2"/>
+          <dgm:constr type="t" for="ch" forName="ThreeNodes_2_text" refType="t" refFor="ch" refForName="ThreeNodes_2"/>
+          <dgm:constr type="b" for="ch" forName="ThreeNodes_2_text" refType="b" refFor="ch" refForName="ThreeNodes_2"/>
+          <dgm:constr type="l" for="ch" forName="ThreeNodes_2_text" refType="l" refFor="ch" refForName="ThreeNodes_2"/>
+          <dgm:constr type="r" for="ch" forName="ThreeNodes_3_text" refType="l" refFor="ch" refForName="ThreeConn_2-3"/>
+          <dgm:constr type="t" for="ch" forName="ThreeNodes_3_text" refType="t" refFor="ch" refForName="ThreeNodes_3"/>
+          <dgm:constr type="b" for="ch" forName="ThreeNodes_3_text" refType="b" refFor="ch" refForName="ThreeNodes_3"/>
+          <dgm:constr type="l" for="ch" forName="ThreeNodes_3_text" refType="l" refFor="ch" refForName="ThreeNodes_3"/>
+          <dgm:constr type="w" for="ch" forName="FourNodes_1" refType="w" fact="0.8"/>
+          <dgm:constr type="h" for="ch" forName="FourNodes_1" refType="h" fact="0.22"/>
+          <dgm:constr type="t" for="ch" forName="FourNodes_1"/>
+          <dgm:constr type="l" for="ch" forName="FourNodes_1"/>
+          <dgm:constr type="w" for="ch" forName="FourNodes_2" refType="w" fact="0.8"/>
+          <dgm:constr type="h" for="ch" forName="FourNodes_2" refType="h" fact="0.22"/>
+          <dgm:constr type="ctrY" for="ch" forName="FourNodes_2" refType="h" fact="0.37"/>
+          <dgm:constr type="ctrX" for="ch" forName="FourNodes_2" refType="w" fact="0.467"/>
+          <dgm:constr type="w" for="ch" forName="FourNodes_3" refType="w" fact="0.8"/>
+          <dgm:constr type="h" for="ch" forName="FourNodes_3" refType="h" fact="0.22"/>
+          <dgm:constr type="ctrY" for="ch" forName="FourNodes_3" refType="h" fact="0.63"/>
+          <dgm:constr type="ctrX" for="ch" forName="FourNodes_3" refType="w" fact="0.533"/>
+          <dgm:constr type="w" for="ch" forName="FourNodes_4" refType="w" fact="0.8"/>
+          <dgm:constr type="h" for="ch" forName="FourNodes_4" refType="h" fact="0.22"/>
+          <dgm:constr type="b" for="ch" forName="FourNodes_4" refType="h"/>
+          <dgm:constr type="r" for="ch" forName="FourNodes_4" refType="w"/>
+          <dgm:constr type="w" for="ch" forName="FourConn_1-2" refType="h" refFor="ch" refForName="FourNodes_1" fact="0.65"/>
+          <dgm:constr type="h" for="ch" forName="FourConn_1-2" refType="h" refFor="ch" refForName="FourNodes_1" fact="0.65"/>
+          <dgm:constr type="ctrY" for="ch" forName="FourConn_1-2" refType="h" fact="0.24"/>
+          <dgm:constr type="r" for="ch" forName="FourConn_1-2" refType="r" refFor="ch" refForName="FourNodes_1"/>
+          <dgm:constr type="w" for="ch" forName="FourConn_2-3" refType="h" refFor="ch" refForName="FourNodes_2" fact="0.65"/>
+          <dgm:constr type="h" for="ch" forName="FourConn_2-3" refType="h" refFor="ch" refForName="FourNodes_2" fact="0.65"/>
+          <dgm:constr type="ctrY" for="ch" forName="FourConn_2-3" refType="h" fact="0.5"/>
+          <dgm:constr type="r" for="ch" forName="FourConn_2-3" refType="r" refFor="ch" refForName="FourNodes_2"/>
+          <dgm:constr type="w" for="ch" forName="FourConn_3-4" refType="h" refFor="ch" refForName="FourNodes_3" fact="0.65"/>
+          <dgm:constr type="h" for="ch" forName="FourConn_3-4" refType="h" refFor="ch" refForName="FourNodes_3" fact="0.65"/>
+          <dgm:constr type="ctrY" for="ch" forName="FourConn_3-4" refType="h" fact="0.76"/>
+          <dgm:constr type="r" for="ch" forName="FourConn_3-4" refType="r" refFor="ch" refForName="FourNodes_3"/>
+          <dgm:constr type="r" for="ch" forName="FourNodes_1_text" refType="l" refFor="ch" refForName="FourConn_1-2"/>
+          <dgm:constr type="rOff" for="ch" forName="FourNodes_1_text" refType="w" refFor="ch" refForName="FourConn_1-2" fact="-0.7"/>
+          <dgm:constr type="t" for="ch" forName="FourNodes_1_text" refType="t" refFor="ch" refForName="FourNodes_1"/>
+          <dgm:constr type="b" for="ch" forName="FourNodes_1_text" refType="b" refFor="ch" refForName="FourNodes_1"/>
+          <dgm:constr type="l" for="ch" forName="FourNodes_1_text" refType="l" refFor="ch" refForName="FourNodes_1"/>
+          <dgm:constr type="r" for="ch" forName="FourNodes_2_text" refType="l" refFor="ch" refForName="FourConn_1-2"/>
+          <dgm:constr type="t" for="ch" forName="FourNodes_2_text" refType="t" refFor="ch" refForName="FourNodes_2"/>
+          <dgm:constr type="b" for="ch" forName="FourNodes_2_text" refType="b" refFor="ch" refForName="FourNodes_2"/>
+          <dgm:constr type="l" for="ch" forName="FourNodes_2_text" refType="l" refFor="ch" refForName="FourNodes_2"/>
+          <dgm:constr type="r" for="ch" forName="FourNodes_3_text" refType="l" refFor="ch" refForName="FourConn_2-3"/>
+          <dgm:constr type="t" for="ch" forName="FourNodes_3_text" refType="t" refFor="ch" refForName="FourNodes_3"/>
+          <dgm:constr type="b" for="ch" forName="FourNodes_3_text" refType="b" refFor="ch" refForName="FourNodes_3"/>
+          <dgm:constr type="l" for="ch" forName="FourNodes_3_text" refType="l" refFor="ch" refForName="FourNodes_3"/>
+          <dgm:constr type="r" for="ch" forName="FourNodes_4_text" refType="l" refFor="ch" refForName="FourConn_3-4"/>
+          <dgm:constr type="t" for="ch" forName="FourNodes_4_text" refType="t" refFor="ch" refForName="FourNodes_4"/>
+          <dgm:constr type="b" for="ch" forName="FourNodes_4_text" refType="b" refFor="ch" refForName="FourNodes_4"/>
+          <dgm:constr type="l" for="ch" forName="FourNodes_4_text" refType="l" refFor="ch" refForName="FourNodes_4"/>
+          <dgm:constr type="w" for="ch" forName="FiveNodes_1" refType="w" fact="0.77"/>
+          <dgm:constr type="h" for="ch" forName="FiveNodes_1" refType="h" fact="0.18"/>
+          <dgm:constr type="t" for="ch" forName="FiveNodes_1"/>
+          <dgm:constr type="l" for="ch" forName="FiveNodes_1"/>
+          <dgm:constr type="w" for="ch" forName="FiveNodes_2" refType="w" fact="0.77"/>
+          <dgm:constr type="h" for="ch" forName="FiveNodes_2" refType="h" fact="0.18"/>
+          <dgm:constr type="ctrY" for="ch" forName="FiveNodes_2" refType="h" fact="0.295"/>
+          <dgm:constr type="ctrX" for="ch" forName="FiveNodes_2" refType="w" fact="0.4425"/>
+          <dgm:constr type="w" for="ch" forName="FiveNodes_3" refType="w" fact="0.77"/>
+          <dgm:constr type="h" for="ch" forName="FiveNodes_3" refType="h" fact="0.18"/>
+          <dgm:constr type="ctrY" for="ch" forName="FiveNodes_3" refType="h" fact="0.5"/>
+          <dgm:constr type="ctrX" for="ch" forName="FiveNodes_3" refType="w" fact="0.5"/>
+          <dgm:constr type="w" for="ch" forName="FiveNodes_4" refType="w" fact="0.77"/>
+          <dgm:constr type="h" for="ch" forName="FiveNodes_4" refType="h" fact="0.18"/>
+          <dgm:constr type="ctrY" for="ch" forName="FiveNodes_4" refType="h" fact="0.705"/>
+          <dgm:constr type="ctrX" for="ch" forName="FiveNodes_4" refType="w" fact="0.5575"/>
+          <dgm:constr type="w" for="ch" forName="FiveNodes_5" refType="w" fact="0.77"/>
+          <dgm:constr type="h" for="ch" forName="FiveNodes_5" refType="h" fact="0.18"/>
+          <dgm:constr type="b" for="ch" forName="FiveNodes_5" refType="h"/>
+          <dgm:constr type="r" for="ch" forName="FiveNodes_5" refType="w"/>
+          <dgm:constr type="w" for="ch" forName="FiveConn_1-2" refType="h" refFor="ch" refForName="FiveNodes_1" fact="0.65"/>
+          <dgm:constr type="h" for="ch" forName="FiveConn_1-2" refType="h" refFor="ch" refForName="FiveNodes_1" fact="0.65"/>
+          <dgm:constr type="ctrY" for="ch" forName="FiveConn_1-2" refType="h" fact="0.19"/>
+          <dgm:constr type="r" for="ch" forName="FiveConn_1-2" refType="r" refFor="ch" refForName="FiveNodes_1"/>
+          <dgm:constr type="w" for="ch" forName="FiveConn_2-3" refType="h" refFor="ch" refForName="FiveNodes_2" fact="0.65"/>
+          <dgm:constr type="h" for="ch" forName="FiveConn_2-3" refType="h" refFor="ch" refForName="FiveNodes_2" fact="0.65"/>
+          <dgm:constr type="ctrY" for="ch" forName="FiveConn_2-3" refType="h" fact="0.395"/>
+          <dgm:constr type="r" for="ch" forName="FiveConn_2-3" refType="r" refFor="ch" refForName="FiveNodes_2"/>
+          <dgm:constr type="w" for="ch" forName="FiveConn_3-4" refType="h" refFor="ch" refForName="FiveNodes_3" fact="0.65"/>
+          <dgm:constr type="h" for="ch" forName="FiveConn_3-4" refType="h" refFor="ch" refForName="FiveNodes_3" fact="0.65"/>
+          <dgm:constr type="ctrY" for="ch" forName="FiveConn_3-4" refType="h" fact="0.597"/>
+          <dgm:constr type="r" for="ch" forName="FiveConn_3-4" refType="r" refFor="ch" refForName="FiveNodes_3"/>
+          <dgm:constr type="w" for="ch" forName="FiveConn_4-5" refType="h" refFor="ch" refForName="FiveNodes_4" fact="0.65"/>
+          <dgm:constr type="h" for="ch" forName="FiveConn_4-5" refType="h" refFor="ch" refForName="FiveNodes_4" fact="0.65"/>
+          <dgm:constr type="ctrY" for="ch" forName="FiveConn_4-5" refType="h" fact="0.804"/>
+          <dgm:constr type="r" for="ch" forName="FiveConn_4-5" refType="r" refFor="ch" refForName="FiveNodes_4"/>
+          <dgm:constr type="r" for="ch" forName="FiveNodes_1_text" refType="l" refFor="ch" refForName="FiveConn_1-2"/>
+          <dgm:constr type="rOff" for="ch" forName="FiveNodes_1_text" refType="w" refFor="ch" refForName="FiveConn_1-2" fact="-0.75"/>
+          <dgm:constr type="t" for="ch" forName="FiveNodes_1_text" refType="t" refFor="ch" refForName="FiveNodes_1"/>
+          <dgm:constr type="b" for="ch" forName="FiveNodes_1_text" refType="b" refFor="ch" refForName="FiveNodes_1"/>
+          <dgm:constr type="l" for="ch" forName="FiveNodes_1_text" refType="l" refFor="ch" refForName="FiveNodes_1"/>
+          <dgm:constr type="r" for="ch" forName="FiveNodes_2_text" refType="l" refFor="ch" refForName="FiveConn_1-2"/>
+          <dgm:constr type="t" for="ch" forName="FiveNodes_2_text" refType="t" refFor="ch" refForName="FiveNodes_2"/>
+          <dgm:constr type="b" for="ch" forName="FiveNodes_2_text" refType="b" refFor="ch" refForName="FiveNodes_2"/>
+          <dgm:constr type="l" for="ch" forName="FiveNodes_2_text" refType="l" refFor="ch" refForName="FiveNodes_2"/>
+          <dgm:constr type="r" for="ch" forName="FiveNodes_3_text" refType="l" refFor="ch" refForName="FiveConn_2-3"/>
+          <dgm:constr type="t" for="ch" forName="FiveNodes_3_text" refType="t" refFor="ch" refForName="FiveNodes_3"/>
+          <dgm:constr type="b" for="ch" forName="FiveNodes_3_text" refType="b" refFor="ch" refForName="FiveNodes_3"/>
+          <dgm:constr type="l" for="ch" forName="FiveNodes_3_text" refType="l" refFor="ch" refForName="FiveNodes_3"/>
+          <dgm:constr type="r" for="ch" forName="FiveNodes_4_text" refType="l" refFor="ch" refForName="FiveConn_3-4"/>
+          <dgm:constr type="t" for="ch" forName="FiveNodes_4_text" refType="t" refFor="ch" refForName="FiveNodes_4"/>
+          <dgm:constr type="b" for="ch" forName="FiveNodes_4_text" refType="b" refFor="ch" refForName="FiveNodes_4"/>
+          <dgm:constr type="l" for="ch" forName="FiveNodes_4_text" refType="l" refFor="ch" refForName="FiveNodes_4"/>
+          <dgm:constr type="r" for="ch" forName="FiveNodes_5_text" refType="l" refFor="ch" refForName="FiveConn_4-5"/>
+          <dgm:constr type="t" for="ch" forName="FiveNodes_5_text" refType="t" refFor="ch" refForName="FiveNodes_5"/>
+          <dgm:constr type="b" for="ch" forName="FiveNodes_5_text" refType="b" refFor="ch" refForName="FiveNodes_5"/>
+          <dgm:constr type="l" for="ch" forName="FiveNodes_5_text" refType="l" refFor="ch" refForName="FiveNodes_5"/>
+        </dgm:constrLst>
+      </dgm:if>
+      <dgm:else name="Name2">
+        <dgm:constrLst>
+          <dgm:constr type="primFontSz" for="ch" ptType="node" op="equ" val="65"/>
+          <dgm:constr type="w" for="ch" forName="dummyMaxCanvas" refType="w"/>
+          <dgm:constr type="h" for="ch" forName="dummyMaxCanvas" refType="h"/>
+          <dgm:constr type="w" for="ch" forName="OneNode_1" refType="w"/>
+          <dgm:constr type="h" for="ch" forName="OneNode_1" refType="h" fact="0.5"/>
+          <dgm:constr type="ctrY" for="ch" forName="OneNode_1" refType="h" fact="0.5"/>
+          <dgm:constr type="w" for="ch" forName="TwoNodes_1" refType="w" fact="0.85"/>
+          <dgm:constr type="h" for="ch" forName="TwoNodes_1" refType="h" fact="0.45"/>
+          <dgm:constr type="t" for="ch" forName="TwoNodes_1"/>
+          <dgm:constr type="r" for="ch" forName="TwoNodes_1" refType="w"/>
+          <dgm:constr type="w" for="ch" forName="TwoNodes_2" refType="w" fact="0.85"/>
+          <dgm:constr type="h" for="ch" forName="TwoNodes_2" refType="h" fact="0.45"/>
+          <dgm:constr type="b" for="ch" forName="TwoNodes_2" refType="h"/>
+          <dgm:constr type="l" for="ch" forName="TwoNodes_2"/>
+          <dgm:constr type="w" for="ch" forName="TwoConn_1-2" refType="h" refFor="ch" refForName="TwoNodes_1" fact="0.65"/>
+          <dgm:constr type="h" for="ch" forName="TwoConn_1-2" refType="h" refFor="ch" refForName="TwoNodes_1" fact="0.65"/>
+          <dgm:constr type="ctrY" for="ch" forName="TwoConn_1-2" refType="h" fact="0.5"/>
+          <dgm:constr type="l" for="ch" forName="TwoConn_1-2" refType="l" refFor="ch" refForName="TwoNodes_1"/>
+          <dgm:constr type="l" for="ch" forName="TwoNodes_1_text" refType="r" refFor="ch" refForName="TwoConn_1-2"/>
+          <dgm:constr type="lOff" for="ch" forName="TwoNodes_1_text" refType="w" refFor="ch" refForName="TwoConn_1-2" fact="0.5"/>
+          <dgm:constr type="t" for="ch" forName="TwoNodes_1_text" refType="t" refFor="ch" refForName="TwoNodes_1"/>
+          <dgm:constr type="b" for="ch" forName="TwoNodes_1_text" refType="b" refFor="ch" refForName="TwoNodes_1"/>
+          <dgm:constr type="r" for="ch" forName="TwoNodes_1_text" refType="r" refFor="ch" refForName="TwoNodes_1"/>
+          <dgm:constr type="l" for="ch" forName="TwoNodes_2_text" refType="r" refFor="ch" refForName="TwoConn_1-2"/>
+          <dgm:constr type="t" for="ch" forName="TwoNodes_2_text" refType="t" refFor="ch" refForName="TwoNodes_2"/>
+          <dgm:constr type="b" for="ch" forName="TwoNodes_2_text" refType="b" refFor="ch" refForName="TwoNodes_2"/>
+          <dgm:constr type="r" for="ch" forName="TwoNodes_2_text" refType="r" refFor="ch" refForName="TwoNodes_2"/>
+          <dgm:constr type="w" for="ch" forName="ThreeNodes_1" refType="w" fact="0.85"/>
+          <dgm:constr type="h" for="ch" forName="ThreeNodes_1" refType="h" fact="0.3"/>
+          <dgm:constr type="t" for="ch" forName="ThreeNodes_1"/>
+          <dgm:constr type="r" for="ch" forName="ThreeNodes_1" refType="w"/>
+          <dgm:constr type="w" for="ch" forName="ThreeNodes_2" refType="w" fact="0.85"/>
+          <dgm:constr type="h" for="ch" forName="ThreeNodes_2" refType="h" fact="0.3"/>
+          <dgm:constr type="ctrY" for="ch" forName="ThreeNodes_2" refType="h" fact="0.5"/>
+          <dgm:constr type="ctrX" for="ch" forName="ThreeNodes_2" refType="w" fact="0.5"/>
+          <dgm:constr type="w" for="ch" forName="ThreeNodes_3" refType="w" fact="0.85"/>
+          <dgm:constr type="h" for="ch" forName="ThreeNodes_3" refType="h" fact="0.3"/>
+          <dgm:constr type="b" for="ch" forName="ThreeNodes_3" refType="h"/>
+          <dgm:constr type="l" for="ch" forName="ThreeNodes_3"/>
+          <dgm:constr type="w" for="ch" forName="ThreeConn_1-2" refType="h" refFor="ch" refForName="ThreeNodes_1" fact="0.65"/>
+          <dgm:constr type="h" for="ch" forName="ThreeConn_1-2" refType="h" refFor="ch" refForName="ThreeNodes_1" fact="0.65"/>
+          <dgm:constr type="ctrY" for="ch" forName="ThreeConn_1-2" refType="h" fact="0.325"/>
+          <dgm:constr type="l" for="ch" forName="ThreeConn_1-2" refType="l" refFor="ch" refForName="ThreeNodes_1"/>
+          <dgm:constr type="w" for="ch" forName="ThreeConn_2-3" refType="h" refFor="ch" refForName="ThreeNodes_2" fact="0.65"/>
+          <dgm:constr type="h" for="ch" forName="ThreeConn_2-3" refType="h" refFor="ch" refForName="ThreeNodes_2" fact="0.65"/>
+          <dgm:constr type="ctrY" for="ch" forName="ThreeConn_2-3" refType="h" fact="0.673"/>
+          <dgm:constr type="l" for="ch" forName="ThreeConn_2-3" refType="l" refFor="ch" refForName="ThreeNodes_2"/>
+          <dgm:constr type="l" for="ch" forName="ThreeNodes_1_text" refType="r" refFor="ch" refForName="ThreeConn_1-2"/>
+          <dgm:constr type="lOff" for="ch" forName="ThreeNodes_1_text" refType="w" refFor="ch" refForName="ThreeConn_1-2" fact="0.55"/>
+          <dgm:constr type="t" for="ch" forName="ThreeNodes_1_text" refType="t" refFor="ch" refForName="ThreeNodes_1"/>
+          <dgm:constr type="b" for="ch" forName="ThreeNodes_1_text" refType="b" refFor="ch" refForName="ThreeNodes_1"/>
+          <dgm:constr type="r" for="ch" forName="ThreeNodes_1_text" refType="r" refFor="ch" refForName="ThreeNodes_1"/>
+          <dgm:constr type="l" for="ch" forName="ThreeNodes_2_text" refType="r" refFor="ch" refForName="ThreeConn_1-2"/>
+          <dgm:constr type="t" for="ch" forName="ThreeNodes_2_text" refType="t" refFor="ch" refForName="ThreeNodes_2"/>
+          <dgm:constr type="b" for="ch" forName="ThreeNodes_2_text" refType="b" refFor="ch" refForName="ThreeNodes_2"/>
+          <dgm:constr type="r" for="ch" forName="ThreeNodes_2_text" refType="r" refFor="ch" refForName="ThreeNodes_2"/>
+          <dgm:constr type="l" for="ch" forName="ThreeNodes_3_text" refType="r" refFor="ch" refForName="ThreeConn_2-3"/>
+          <dgm:constr type="t" for="ch" forName="ThreeNodes_3_text" refType="t" refFor="ch" refForName="ThreeNodes_3"/>
+          <dgm:constr type="b" for="ch" forName="ThreeNodes_3_text" refType="b" refFor="ch" refForName="ThreeNodes_3"/>
+          <dgm:constr type="r" for="ch" forName="ThreeNodes_3_text" refType="r" refFor="ch" refForName="ThreeNodes_3"/>
+          <dgm:constr type="w" for="ch" forName="FourNodes_1" refType="w" fact="0.8"/>
+          <dgm:constr type="h" for="ch" forName="FourNodes_1" refType="h" fact="0.22"/>
+          <dgm:constr type="t" for="ch" forName="FourNodes_1"/>
+          <dgm:constr type="r" for="ch" forName="FourNodes_1" refType="w"/>
+          <dgm:constr type="w" for="ch" forName="FourNodes_2" refType="w" fact="0.8"/>
+          <dgm:constr type="h" for="ch" forName="FourNodes_2" refType="h" fact="0.22"/>
+          <dgm:constr type="ctrY" for="ch" forName="FourNodes_2" refType="h" fact="0.37"/>
+          <dgm:constr type="ctrX" for="ch" forName="FourNodes_2" refType="w" fact="0.533"/>
+          <dgm:constr type="w" for="ch" forName="FourNodes_3" refType="w" fact="0.8"/>
+          <dgm:constr type="h" for="ch" forName="FourNodes_3" refType="h" fact="0.22"/>
+          <dgm:constr type="ctrY" for="ch" forName="FourNodes_3" refType="h" fact="0.63"/>
+          <dgm:constr type="ctrX" for="ch" forName="FourNodes_3" refType="w" fact="0.467"/>
+          <dgm:constr type="w" for="ch" forName="FourNodes_4" refType="w" fact="0.8"/>
+          <dgm:constr type="h" for="ch" forName="FourNodes_4" refType="h" fact="0.22"/>
+          <dgm:constr type="b" for="ch" forName="FourNodes_4" refType="h"/>
+          <dgm:constr type="l" for="ch" forName="FourNodes_4"/>
+          <dgm:constr type="w" for="ch" forName="FourConn_1-2" refType="h" refFor="ch" refForName="FourNodes_1" fact="0.65"/>
+          <dgm:constr type="h" for="ch" forName="FourConn_1-2" refType="h" refFor="ch" refForName="FourNodes_1" fact="0.65"/>
+          <dgm:constr type="ctrY" for="ch" forName="FourConn_1-2" refType="h" fact="0.24"/>
+          <dgm:constr type="l" for="ch" forName="FourConn_1-2" refType="l" refFor="ch" refForName="FourNodes_1"/>
+          <dgm:constr type="w" for="ch" forName="FourConn_2-3" refType="h" refFor="ch" refForName="FourNodes_2" fact="0.65"/>
+          <dgm:constr type="h" for="ch" forName="FourConn_2-3" refType="h" refFor="ch" refForName="FourNodes_2" fact="0.65"/>
+          <dgm:constr type="ctrY" for="ch" forName="FourConn_2-3" refType="h" fact="0.5"/>
+          <dgm:constr type="l" for="ch" forName="FourConn_2-3" refType="l" refFor="ch" refForName="FourNodes_2"/>
+          <dgm:constr type="w" for="ch" forName="FourConn_3-4" refType="h" refFor="ch" refForName="FourNodes_3" fact="0.65"/>
+          <dgm:constr type="h" for="ch" forName="FourConn_3-4" refType="h" refFor="ch" refForName="FourNodes_3" fact="0.65"/>
+          <dgm:constr type="ctrY" for="ch" forName="FourConn_3-4" refType="h" fact="0.76"/>
+          <dgm:constr type="l" for="ch" forName="FourConn_3-4" refType="l" refFor="ch" refForName="FourNodes_3"/>
+          <dgm:constr type="l" for="ch" forName="FourNodes_1_text" refType="r" refFor="ch" refForName="FourConn_1-2"/>
+          <dgm:constr type="lOff" for="ch" forName="FourNodes_1_text" refType="w" refFor="ch" refForName="FourConn_1-2" fact="0.69"/>
+          <dgm:constr type="t" for="ch" forName="FourNodes_1_text" refType="t" refFor="ch" refForName="FourNodes_1"/>
+          <dgm:constr type="b" for="ch" forName="FourNodes_1_text" refType="b" refFor="ch" refForName="FourNodes_1"/>
+          <dgm:constr type="r" for="ch" forName="FourNodes_1_text" refType="r" refFor="ch" refForName="FourNodes_1"/>
+          <dgm:constr type="l" for="ch" forName="FourNodes_2_text" refType="r" refFor="ch" refForName="FourConn_1-2"/>
+          <dgm:constr type="t" for="ch" forName="FourNodes_2_text" refType="t" refFor="ch" refForName="FourNodes_2"/>
+          <dgm:constr type="b" for="ch" forName="FourNodes_2_text" refType="b" refFor="ch" refForName="FourNodes_2"/>
+          <dgm:constr type="r" for="ch" forName="FourNodes_2_text" refType="r" refFor="ch" refForName="FourNodes_2"/>
+          <dgm:constr type="l" for="ch" forName="FourNodes_3_text" refType="r" refFor="ch" refForName="FourConn_2-3"/>
+          <dgm:constr type="t" for="ch" forName="FourNodes_3_text" refType="t" refFor="ch" refForName="FourNodes_3"/>
+          <dgm:constr type="b" for="ch" forName="FourNodes_3_text" refType="b" refFor="ch" refForName="FourNodes_3"/>
+          <dgm:constr type="r" for="ch" forName="FourNodes_3_text" refType="r" refFor="ch" refForName="FourNodes_3"/>
+          <dgm:constr type="l" for="ch" forName="FourNodes_4_text" refType="r" refFor="ch" refForName="FourConn_3-4"/>
+          <dgm:constr type="t" for="ch" forName="FourNodes_4_text" refType="t" refFor="ch" refForName="FourNodes_4"/>
+          <dgm:constr type="b" for="ch" forName="FourNodes_4_text" refType="b" refFor="ch" refForName="FourNodes_4"/>
+          <dgm:constr type="r" for="ch" forName="FourNodes_4_text" refType="r" refFor="ch" refForName="FourNodes_4"/>
+          <dgm:constr type="w" for="ch" forName="FiveNodes_1" refType="w" fact="0.77"/>
+          <dgm:constr type="h" for="ch" forName="FiveNodes_1" refType="h" fact="0.18"/>
+          <dgm:constr type="t" for="ch" forName="FiveNodes_1"/>
+          <dgm:constr type="r" for="ch" forName="FiveNodes_1" refType="w"/>
+          <dgm:constr type="w" for="ch" forName="FiveNodes_2" refType="w" fact="0.77"/>
+          <dgm:constr type="h" for="ch" forName="FiveNodes_2" refType="h" fact="0.18"/>
+          <dgm:constr type="ctrY" for="ch" forName="FiveNodes_2" refType="h" fact="0.295"/>
+          <dgm:constr type="ctrX" for="ch" forName="FiveNodes_2" refType="w" fact="0.5575"/>
+          <dgm:constr type="w" for="ch" forName="FiveNodes_3" refType="w" fact="0.77"/>
+          <dgm:constr type="h" for="ch" forName="FiveNodes_3" refType="h" fact="0.18"/>
+          <dgm:constr type="ctrY" for="ch" forName="FiveNodes_3" refType="h" fact="0.5"/>
+          <dgm:constr type="ctrX" for="ch" forName="FiveNodes_3" refType="w" fact="0.5"/>
+          <dgm:constr type="w" for="ch" forName="FiveNodes_4" refType="w" fact="0.77"/>
+          <dgm:constr type="h" for="ch" forName="FiveNodes_4" refType="h" fact="0.18"/>
+          <dgm:constr type="ctrY" for="ch" forName="FiveNodes_4" refType="h" fact="0.705"/>
+          <dgm:constr type="ctrX" for="ch" forName="FiveNodes_4" refType="w" fact="0.4425"/>
+          <dgm:constr type="w" for="ch" forName="FiveNodes_5" refType="w" fact="0.77"/>
+          <dgm:constr type="h" for="ch" forName="FiveNodes_5" refType="h" fact="0.18"/>
+          <dgm:constr type="b" for="ch" forName="FiveNodes_5" refType="h"/>
+          <dgm:constr type="l" for="ch" forName="FiveNodes_5"/>
+          <dgm:constr type="w" for="ch" forName="FiveConn_1-2" refType="h" refFor="ch" refForName="FiveNodes_1" fact="0.65"/>
+          <dgm:constr type="h" for="ch" forName="FiveConn_1-2" refType="h" refFor="ch" refForName="FiveNodes_1" fact="0.65"/>
+          <dgm:constr type="ctrY" for="ch" forName="FiveConn_1-2" refType="h" fact="0.19"/>
+          <dgm:constr type="l" for="ch" forName="FiveConn_1-2" refType="l" refFor="ch" refForName="FiveNodes_1"/>
+          <dgm:constr type="w" for="ch" forName="FiveConn_2-3" refType="h" refFor="ch" refForName="FiveNodes_2" fact="0.65"/>
+          <dgm:constr type="h" for="ch" forName="FiveConn_2-3" refType="h" refFor="ch" refForName="FiveNodes_2" fact="0.65"/>
+          <dgm:constr type="ctrY" for="ch" forName="FiveConn_2-3" refType="h" fact="0.395"/>
+          <dgm:constr type="l" for="ch" forName="FiveConn_2-3" refType="l" refFor="ch" refForName="FiveNodes_2"/>
+          <dgm:constr type="w" for="ch" forName="FiveConn_3-4" refType="h" refFor="ch" refForName="FiveNodes_3" fact="0.65"/>
+          <dgm:constr type="h" for="ch" forName="FiveConn_3-4" refType="h" refFor="ch" refForName="FiveNodes_3" fact="0.65"/>
+          <dgm:constr type="ctrY" for="ch" forName="FiveConn_3-4" refType="h" fact="0.597"/>
+          <dgm:constr type="l" for="ch" forName="FiveConn_3-4" refType="l" refFor="ch" refForName="FiveNodes_3"/>
+          <dgm:constr type="w" for="ch" forName="FiveConn_4-5" refType="h" refFor="ch" refForName="FiveNodes_4" fact="0.65"/>
+          <dgm:constr type="h" for="ch" forName="FiveConn_4-5" refType="h" refFor="ch" refForName="FiveNodes_4" fact="0.65"/>
+          <dgm:constr type="ctrY" for="ch" forName="FiveConn_4-5" refType="h" fact="0.804"/>
+          <dgm:constr type="l" for="ch" forName="FiveConn_4-5" refType="l" refFor="ch" refForName="FiveNodes_4"/>
+          <dgm:constr type="l" for="ch" forName="FiveNodes_1_text" refType="r" refFor="ch" refForName="FiveConn_1-2"/>
+          <dgm:constr type="lOff" for="ch" forName="FiveNodes_1_text" refType="w" refFor="ch" refForName="FiveConn_1-2" fact="0.73"/>
+          <dgm:constr type="t" for="ch" forName="FiveNodes_1_text" refType="t" refFor="ch" refForName="FiveNodes_1"/>
+          <dgm:constr type="b" for="ch" forName="FiveNodes_1_text" refType="b" refFor="ch" refForName="FiveNodes_1"/>
+          <dgm:constr type="r" for="ch" forName="FiveNodes_1_text" refType="r" refFor="ch" refForName="FiveNodes_1"/>
+          <dgm:constr type="l" for="ch" forName="FiveNodes_2_text" refType="r" refFor="ch" refForName="FiveConn_1-2"/>
+          <dgm:constr type="t" for="ch" forName="FiveNodes_2_text" refType="t" refFor="ch" refForName="FiveNodes_2"/>
+          <dgm:constr type="b" for="ch" forName="FiveNodes_2_text" refType="b" refFor="ch" refForName="FiveNodes_2"/>
+          <dgm:constr type="r" for="ch" forName="FiveNodes_2_text" refType="r" refFor="ch" refForName="FiveNodes_2"/>
+          <dgm:constr type="l" for="ch" forName="FiveNodes_3_text" refType="r" refFor="ch" refForName="FiveConn_2-3"/>
+          <dgm:constr type="t" for="ch" forName="FiveNodes_3_text" refType="t" refFor="ch" refForName="FiveNodes_3"/>
+          <dgm:constr type="b" for="ch" forName="FiveNodes_3_text" refType="b" refFor="ch" refForName="FiveNodes_3"/>
+          <dgm:constr type="r" for="ch" forName="FiveNodes_3_text" refType="r" refFor="ch" refForName="FiveNodes_3"/>
+          <dgm:constr type="l" for="ch" forName="FiveNodes_4_text" refType="r" refFor="ch" refForName="FiveConn_3-4"/>
+          <dgm:constr type="t" for="ch" forName="FiveNodes_4_text" refType="t" refFor="ch" refForName="FiveNodes_4"/>
+          <dgm:constr type="b" for="ch" forName="FiveNodes_4_text" refType="b" refFor="ch" refForName="FiveNodes_4"/>
+          <dgm:constr type="r" for="ch" forName="FiveNodes_4_text" refType="r" refFor="ch" refForName="FiveNodes_4"/>
+          <dgm:constr type="l" for="ch" forName="FiveNodes_5_text" refType="r" refFor="ch" refForName="FiveConn_4-5"/>
+          <dgm:constr type="t" for="ch" forName="FiveNodes_5_text" refType="t" refFor="ch" refForName="FiveNodes_5"/>
+          <dgm:constr type="b" for="ch" forName="FiveNodes_5_text" refType="b" refFor="ch" refForName="FiveNodes_5"/>
+          <dgm:constr type="r" for="ch" forName="FiveNodes_5_text" refType="r" refFor="ch" refForName="FiveNodes_5"/>
+        </dgm:constrLst>
+      </dgm:else>
+    </dgm:choose>
+    <dgm:ruleLst/>
+    <dgm:layoutNode name="dummyMaxCanvas">
+      <dgm:varLst/>
+      <dgm:alg type="sp"/>
+      <dgm:shape xmlns:r="http://schemas.openxmlformats.org/officeDocument/2006/relationships" r:blip="">
+        <dgm:adjLst/>
+      </dgm:shape>
+      <dgm:presOf/>
+      <dgm:constrLst/>
+      <dgm:ruleLst/>
+    </dgm:layoutNode>
+    <dgm:choose name="Name3">
+      <dgm:if name="Name4" axis="ch" ptType="node" func="cnt" op="equ" val="1">
+        <dgm:layoutNode name="OneNode_1">
+          <dgm:varLst>
+            <dgm:bulletEnabled val="1"/>
+          </dgm:varLst>
+          <dgm:alg type="tx"/>
+          <dgm:shape xmlns:r="http://schemas.openxmlformats.org/officeDocument/2006/relationships" type="roundRect" r:blip="">
+            <dgm:adjLst>
+              <dgm:adj idx="1" val="0.1"/>
+            </dgm:adjLst>
+          </dgm:shape>
+          <dgm:presOf axis="ch desOrSelf" ptType="node node" st="1 1" cnt="1 0"/>
+          <dgm:constrLst>
+            <dgm:constr type="lMarg" refType="primFontSz" fact="0.3"/>
+            <dgm:constr type="rMarg" refType="primFontSz" fact="0.3"/>
+            <dgm:constr type="tMarg" refType="primFontSz" fact="0.3"/>
+            <dgm:constr type="bMarg" refType="primFontSz" fact="0.3"/>
+          </dgm:constrLst>
+          <dgm:ruleLst>
+            <dgm:rule type="primFontSz" val="5" fact="NaN" max="NaN"/>
+          </dgm:ruleLst>
+        </dgm:layoutNode>
+      </dgm:if>
+      <dgm:else name="Name5">
+        <dgm:choose name="Name6">
+          <dgm:if name="Name7" axis="ch" ptType="node" func="cnt" op="equ" val="2">
+            <dgm:layoutNode name="TwoNodes_1">
+              <dgm:varLst>
+                <dgm:bulletEnabled val="1"/>
+              </dgm:varLst>
+              <dgm:alg type="sp"/>
+              <dgm:shape xmlns:r="http://schemas.openxmlformats.org/officeDocument/2006/relationships" type="roundRect" r:blip="">
+                <dgm:adjLst>
+                  <dgm:adj idx="1" val="0.1"/>
+                </dgm:adjLst>
+              </dgm:shape>
+              <dgm:presOf axis="ch desOrSelf" ptType="node node" st="1 1" cnt="1 0"/>
+              <dgm:constrLst/>
+              <dgm:ruleLst/>
+            </dgm:layoutNode>
+            <dgm:layoutNode name="TwoNodes_2">
+              <dgm:varLst>
+                <dgm:bulletEnabled val="1"/>
+              </dgm:varLst>
+              <dgm:alg type="sp"/>
+              <dgm:shape xmlns:r="http://schemas.openxmlformats.org/officeDocument/2006/relationships" type="roundRect" r:blip="">
+                <dgm:adjLst>
+                  <dgm:adj idx="1" val="0.1"/>
+                </dgm:adjLst>
+              </dgm:shape>
+              <dgm:presOf axis="ch desOrSelf" ptType="node node" st="2 1" cnt="1 0"/>
+              <dgm:constrLst/>
+              <dgm:ruleLst/>
+            </dgm:layoutNode>
+            <dgm:layoutNode name="TwoConn_1-2" styleLbl="fgAccFollowNode1">
+              <dgm:varLst>
+                <dgm:bulletEnabled val="1"/>
+              </dgm:varLst>
+              <dgm:alg type="tx"/>
+              <dgm:shape xmlns:r="http://schemas.openxmlformats.org/officeDocument/2006/relationships" type="downArrow" r:blip="">
+                <dgm:adjLst>
+                  <dgm:adj idx="1" val="0.55"/>
+                  <dgm:adj idx="2" val="0.45"/>
+                </dgm:adjLst>
+              </dgm:shape>
+              <dgm:presOf axis="ch" ptType="sibTrans" cnt="1"/>
+              <dgm:constrLst>
+                <dgm:constr type="lMarg" refType="primFontSz" fact="0.1"/>
+                <dgm:constr type="rMarg" refType="primFontSz" fact="0.1"/>
+                <dgm:constr type="tMarg" refType="primFontSz" fact="0.1"/>
+                <dgm:constr type="bMarg" refType="primFontSz" fact="0.1"/>
+              </dgm:constrLst>
+              <dgm:ruleLst>
+                <dgm:rule type="primFontSz" val="5" fact="NaN" max="NaN"/>
+              </dgm:ruleLst>
+            </dgm:layoutNode>
+            <dgm:layoutNode name="TwoNodes_1_text">
+              <dgm:varLst>
+                <dgm:bulletEnabled val="1"/>
+              </dgm:varLst>
+              <dgm:alg type="tx">
+                <dgm:param type="parTxLTRAlign" val="l"/>
+                <dgm:param type="txAnchorVertCh" val="mid"/>
+              </dgm:alg>
+              <dgm:shape xmlns:r="http://schemas.openxmlformats.org/officeDocument/2006/relationships" type="roundRect" r:blip="" hideGeom="1">
+                <dgm:adjLst>
+                  <dgm:adj idx="1" val="0.1"/>
+                </dgm:adjLst>
+              </dgm:shape>
+              <dgm:presOf axis="ch desOrSelf" ptType="node node" st="1 1" cnt="1 0"/>
+              <dgm:constrLst>
+                <dgm:constr type="lMarg" refType="primFontSz" fact="0.3"/>
+                <dgm:constr type="rMarg" refType="primFontSz" fact="0.3"/>
+                <dgm:constr type="tMarg" refType="primFontSz" fact="0.3"/>
+                <dgm:constr type="bMarg" refType="primFontSz" fact="0.3"/>
+              </dgm:constrLst>
+              <dgm:ruleLst>
+                <dgm:rule type="primFontSz" val="5" fact="NaN" max="NaN"/>
+              </dgm:ruleLst>
+            </dgm:layoutNode>
+            <dgm:layoutNode name="TwoNodes_2_text">
+              <dgm:varLst>
+                <dgm:bulletEnabled val="1"/>
+              </dgm:varLst>
+              <dgm:alg type="tx">
+                <dgm:param type="parTxLTRAlign" val="l"/>
+                <dgm:param type="txAnchorVertCh" val="mid"/>
+              </dgm:alg>
+              <dgm:shape xmlns:r="http://schemas.openxmlformats.org/officeDocument/2006/relationships" type="roundRect" r:blip="" hideGeom="1">
+                <dgm:adjLst>
+                  <dgm:adj idx="1" val="0.1"/>
+                </dgm:adjLst>
+              </dgm:shape>
+              <dgm:presOf axis="ch desOrSelf" ptType="node node" st="2 1" cnt="1 0"/>
+              <dgm:constrLst>
+                <dgm:constr type="lMarg" refType="primFontSz" fact="0.3"/>
+                <dgm:constr type="rMarg" refType="primFontSz" fact="0.3"/>
+                <dgm:constr type="tMarg" refType="primFontSz" fact="0.3"/>
+                <dgm:constr type="bMarg" refType="primFontSz" fact="0.3"/>
+              </dgm:constrLst>
+              <dgm:ruleLst>
+                <dgm:rule type="primFontSz" val="5" fact="NaN" max="NaN"/>
+              </dgm:ruleLst>
+            </dgm:layoutNode>
+          </dgm:if>
+          <dgm:else name="Name8">
+            <dgm:choose name="Name9">
+              <dgm:if name="Name10" axis="ch" ptType="node" func="cnt" op="equ" val="3">
+                <dgm:layoutNode name="ThreeNodes_1">
+                  <dgm:varLst>
+                    <dgm:bulletEnabled val="1"/>
+                  </dgm:varLst>
+                  <dgm:alg type="sp"/>
+                  <dgm:shape xmlns:r="http://schemas.openxmlformats.org/officeDocument/2006/relationships" type="roundRect" r:blip="">
+                    <dgm:adjLst>
+                      <dgm:adj idx="1" val="0.1"/>
+                    </dgm:adjLst>
+                  </dgm:shape>
+                  <dgm:presOf axis="ch desOrSelf" ptType="node node" st="1 1" cnt="1 0"/>
+                  <dgm:constrLst/>
+                  <dgm:ruleLst/>
+                </dgm:layoutNode>
+                <dgm:layoutNode name="ThreeNodes_2">
+                  <dgm:varLst>
+                    <dgm:bulletEnabled val="1"/>
+                  </dgm:varLst>
+                  <dgm:alg type="sp"/>
+                  <dgm:shape xmlns:r="http://schemas.openxmlformats.org/officeDocument/2006/relationships" type="roundRect" r:blip="">
+                    <dgm:adjLst>
+                      <dgm:adj idx="1" val="0.1"/>
+                    </dgm:adjLst>
+                  </dgm:shape>
+                  <dgm:presOf axis="ch desOrSelf" ptType="node node" st="2 1" cnt="1 0"/>
+                  <dgm:constrLst/>
+                  <dgm:ruleLst/>
+                </dgm:layoutNode>
+                <dgm:layoutNode name="ThreeNodes_3">
+                  <dgm:varLst>
+                    <dgm:bulletEnabled val="1"/>
+                  </dgm:varLst>
+                  <dgm:alg type="sp"/>
+                  <dgm:shape xmlns:r="http://schemas.openxmlformats.org/officeDocument/2006/relationships" type="roundRect" r:blip="">
+                    <dgm:adjLst>
+                      <dgm:adj idx="1" val="0.1"/>
+                    </dgm:adjLst>
+                  </dgm:shape>
+                  <dgm:presOf axis="ch desOrSelf" ptType="node node" st="3 1" cnt="1 0"/>
+                  <dgm:constrLst/>
+                  <dgm:ruleLst/>
+                </dgm:layoutNode>
+                <dgm:layoutNode name="ThreeConn_1-2" styleLbl="fgAccFollowNode1">
+                  <dgm:varLst>
+                    <dgm:bulletEnabled val="1"/>
+                  </dgm:varLst>
+                  <dgm:alg type="tx"/>
+                  <dgm:shape xmlns:r="http://schemas.openxmlformats.org/officeDocument/2006/relationships" type="downArrow" r:blip="">
+                    <dgm:adjLst>
+                      <dgm:adj idx="1" val="0.55"/>
+                      <dgm:adj idx="2" val="0.45"/>
+                    </dgm:adjLst>
+                  </dgm:shape>
+                  <dgm:presOf axis="ch" ptType="sibTrans" cnt="1"/>
+                  <dgm:constrLst>
+                    <dgm:constr type="lMarg" refType="primFontSz" fact="0.1"/>
+                    <dgm:constr type="rMarg" refType="primFontSz" fact="0.1"/>
+                    <dgm:constr type="tMarg" refType="primFontSz" fact="0.1"/>
+                    <dgm:constr type="bMarg" refType="primFontSz" fact="0.1"/>
+                  </dgm:constrLst>
+                  <dgm:ruleLst>
+                    <dgm:rule type="primFontSz" val="5" fact="NaN" max="NaN"/>
+                  </dgm:ruleLst>
+                </dgm:layoutNode>
+                <dgm:layoutNode name="ThreeConn_2-3" styleLbl="fgAccFollowNode1">
+                  <dgm:varLst>
+                    <dgm:bulletEnabled val="1"/>
+                  </dgm:varLst>
+                  <dgm:alg type="tx"/>
+                  <dgm:shape xmlns:r="http://schemas.openxmlformats.org/officeDocument/2006/relationships" type="downArrow" r:blip="">
+                    <dgm:adjLst>
+                      <dgm:adj idx="1" val="0.55"/>
+                      <dgm:adj idx="2" val="0.45"/>
+                    </dgm:adjLst>
+                  </dgm:shape>
+                  <dgm:presOf axis="ch" ptType="sibTrans" st="2" cnt="1"/>
+                  <dgm:constrLst>
+                    <dgm:constr type="lMarg" refType="primFontSz" fact="0.1"/>
+                    <dgm:constr type="rMarg" refType="primFontSz" fact="0.1"/>
+                    <dgm:constr type="tMarg" refType="primFontSz" fact="0.1"/>
+                    <dgm:constr type="bMarg" refType="primFontSz" fact="0.1"/>
+                  </dgm:constrLst>
+                  <dgm:ruleLst>
+                    <dgm:rule type="primFontSz" val="5" fact="NaN" max="NaN"/>
+                  </dgm:ruleLst>
+                </dgm:layoutNode>
+                <dgm:layoutNode name="ThreeNodes_1_text">
+                  <dgm:varLst>
+                    <dgm:bulletEnabled val="1"/>
+                  </dgm:varLst>
+                  <dgm:alg type="tx">
+                    <dgm:param type="parTxLTRAlign" val="l"/>
+                    <dgm:param type="txAnchorVertCh" val="mid"/>
+                  </dgm:alg>
+                  <dgm:shape xmlns:r="http://schemas.openxmlformats.org/officeDocument/2006/relationships" type="roundRect" r:blip="" hideGeom="1">
+                    <dgm:adjLst>
+                      <dgm:adj idx="1" val="0.1"/>
+                    </dgm:adjLst>
+                  </dgm:shape>
+                  <dgm:presOf axis="ch desOrSelf" ptType="node node" st="1 1" cnt="1 0"/>
+                  <dgm:constrLst>
+                    <dgm:constr type="lMarg" refType="primFontSz" fact="0.3"/>
+                    <dgm:constr type="rMarg" refType="primFontSz" fact="0.3"/>
+                    <dgm:constr type="tMarg" refType="primFontSz" fact="0.3"/>
+                    <dgm:constr type="bMarg" refType="primFontSz" fact="0.3"/>
+                  </dgm:constrLst>
+                  <dgm:ruleLst>
+                    <dgm:rule type="primFontSz" val="5" fact="NaN" max="NaN"/>
+                  </dgm:ruleLst>
+                </dgm:layoutNode>
+                <dgm:layoutNode name="ThreeNodes_2_text">
+                  <dgm:varLst>
+                    <dgm:bulletEnabled val="1"/>
+                  </dgm:varLst>
+                  <dgm:alg type="tx">
+                    <dgm:param type="parTxLTRAlign" val="l"/>
+                    <dgm:param type="txAnchorVertCh" val="mid"/>
+                  </dgm:alg>
+                  <dgm:shape xmlns:r="http://schemas.openxmlformats.org/officeDocument/2006/relationships" type="roundRect" r:blip="" hideGeom="1">
+                    <dgm:adjLst>
+                      <dgm:adj idx="1" val="0.1"/>
+                    </dgm:adjLst>
+                  </dgm:shape>
+                  <dgm:presOf axis="ch desOrSelf" ptType="node node" st="2 1" cnt="1 0"/>
+                  <dgm:constrLst>
+                    <dgm:constr type="lMarg" refType="primFontSz" fact="0.3"/>
+                    <dgm:constr type="rMarg" refType="primFontSz" fact="0.3"/>
+                    <dgm:constr type="tMarg" refType="primFontSz" fact="0.3"/>
+                    <dgm:constr type="bMarg" refType="primFontSz" fact="0.3"/>
+                  </dgm:constrLst>
+                  <dgm:ruleLst>
+                    <dgm:rule type="primFontSz" val="5" fact="NaN" max="NaN"/>
+                  </dgm:ruleLst>
+                </dgm:layoutNode>
+                <dgm:layoutNode name="ThreeNodes_3_text">
+                  <dgm:varLst>
+                    <dgm:bulletEnabled val="1"/>
+                  </dgm:varLst>
+                  <dgm:alg type="tx">
+                    <dgm:param type="parTxLTRAlign" val="l"/>
+                    <dgm:param type="txAnchorVertCh" val="mid"/>
+                  </dgm:alg>
+                  <dgm:shape xmlns:r="http://schemas.openxmlformats.org/officeDocument/2006/relationships" type="roundRect" r:blip="" hideGeom="1">
+                    <dgm:adjLst>
+                      <dgm:adj idx="1" val="0.1"/>
+                    </dgm:adjLst>
+                  </dgm:shape>
+                  <dgm:presOf axis="ch desOrSelf" ptType="node node" st="3 1" cnt="1 0"/>
+                  <dgm:constrLst>
+                    <dgm:constr type="lMarg" refType="primFontSz" fact="0.3"/>
+                    <dgm:constr type="rMarg" refType="primFontSz" fact="0.3"/>
+                    <dgm:constr type="tMarg" refType="primFontSz" fact="0.3"/>
+                    <dgm:constr type="bMarg" refType="primFontSz" fact="0.3"/>
+                  </dgm:constrLst>
+                  <dgm:ruleLst>
+                    <dgm:rule type="primFontSz" val="5" fact="NaN" max="NaN"/>
+                  </dgm:ruleLst>
+                </dgm:layoutNode>
+              </dgm:if>
+              <dgm:else name="Name11">
+                <dgm:choose name="Name12">
+                  <dgm:if name="Name13" axis="ch" ptType="node" func="cnt" op="equ" val="4">
+                    <dgm:layoutNode name="FourNodes_1">
+                      <dgm:varLst>
+                        <dgm:bulletEnabled val="1"/>
+                      </dgm:varLst>
+                      <dgm:alg type="sp"/>
+                      <dgm:shape xmlns:r="http://schemas.openxmlformats.org/officeDocument/2006/relationships" type="roundRect" r:blip="">
+                        <dgm:adjLst>
+                          <dgm:adj idx="1" val="0.1"/>
+                        </dgm:adjLst>
+                      </dgm:shape>
+                      <dgm:presOf axis="ch desOrSelf" ptType="node node" st="1 1" cnt="1 0"/>
+                      <dgm:constrLst/>
+                      <dgm:ruleLst/>
+                    </dgm:layoutNode>
+                    <dgm:layoutNode name="FourNodes_2">
+                      <dgm:varLst>
+                        <dgm:bulletEnabled val="1"/>
+                      </dgm:varLst>
+                      <dgm:alg type="sp"/>
+                      <dgm:shape xmlns:r="http://schemas.openxmlformats.org/officeDocument/2006/relationships" type="roundRect" r:blip="">
+                        <dgm:adjLst>
+                          <dgm:adj idx="1" val="0.1"/>
+                        </dgm:adjLst>
+                      </dgm:shape>
+                      <dgm:presOf axis="ch desOrSelf" ptType="node node" st="2 1" cnt="1 0"/>
+                      <dgm:constrLst/>
+                      <dgm:ruleLst/>
+                    </dgm:layoutNode>
+                    <dgm:layoutNode name="FourNodes_3">
+                      <dgm:varLst>
+                        <dgm:bulletEnabled val="1"/>
+                      </dgm:varLst>
+                      <dgm:alg type="sp"/>
+                      <dgm:shape xmlns:r="http://schemas.openxmlformats.org/officeDocument/2006/relationships" type="roundRect" r:blip="">
+                        <dgm:adjLst>
+                          <dgm:adj idx="1" val="0.1"/>
+                        </dgm:adjLst>
+                      </dgm:shape>
+                      <dgm:presOf axis="ch desOrSelf" ptType="node node" st="3 1" cnt="1 0"/>
+                      <dgm:constrLst/>
+                      <dgm:ruleLst/>
+                    </dgm:layoutNode>
+                    <dgm:layoutNode name="FourNodes_4">
+                      <dgm:varLst>
+                        <dgm:bulletEnabled val="1"/>
+                      </dgm:varLst>
+                      <dgm:alg type="sp"/>
+                      <dgm:shape xmlns:r="http://schemas.openxmlformats.org/officeDocument/2006/relationships" type="roundRect" r:blip="">
+                        <dgm:adjLst>
+                          <dgm:adj idx="1" val="0.1"/>
+                        </dgm:adjLst>
+                      </dgm:shape>
+                      <dgm:presOf axis="ch desOrSelf" ptType="node node" st="4 1" cnt="1 0"/>
+                      <dgm:constrLst/>
+                      <dgm:ruleLst/>
+                    </dgm:layoutNode>
+                    <dgm:layoutNode name="FourConn_1-2" styleLbl="fgAccFollowNode1">
+                      <dgm:varLst>
+                        <dgm:bulletEnabled val="1"/>
+                      </dgm:varLst>
+                      <dgm:alg type="tx"/>
+                      <dgm:shape xmlns:r="http://schemas.openxmlformats.org/officeDocument/2006/relationships" type="downArrow" r:blip="">
+                        <dgm:adjLst>
+                          <dgm:adj idx="1" val="0.55"/>
+                          <dgm:adj idx="2" val="0.45"/>
+                        </dgm:adjLst>
+                      </dgm:shape>
+                      <dgm:presOf axis="ch" ptType="sibTrans" cnt="1"/>
+                      <dgm:constrLst>
+                        <dgm:constr type="lMarg" refType="primFontSz" fact="0.1"/>
+                        <dgm:constr type="rMarg" refType="primFontSz" fact="0.1"/>
+                        <dgm:constr type="tMarg" refType="primFontSz" fact="0.1"/>
+                        <dgm:constr type="bMarg" refType="primFontSz" fact="0.1"/>
+                      </dgm:constrLst>
+                      <dgm:ruleLst>
+                        <dgm:rule type="primFontSz" val="5" fact="NaN" max="NaN"/>
+                      </dgm:ruleLst>
+                    </dgm:layoutNode>
+                    <dgm:layoutNode name="FourConn_2-3" styleLbl="fgAccFollowNode1">
+                      <dgm:varLst>
+                        <dgm:bulletEnabled val="1"/>
+                      </dgm:varLst>
+                      <dgm:alg type="tx"/>
+                      <dgm:shape xmlns:r="http://schemas.openxmlformats.org/officeDocument/2006/relationships" type="downArrow" r:blip="">
+                        <dgm:adjLst>
+                          <dgm:adj idx="1" val="0.55"/>
+                          <dgm:adj idx="2" val="0.45"/>
+                        </dgm:adjLst>
+                      </dgm:shape>
+                      <dgm:presOf axis="ch" ptType="sibTrans" st="2" cnt="1"/>
+                      <dgm:constrLst>
+                        <dgm:constr type="lMarg" refType="primFontSz" fact="0.1"/>
+                        <dgm:constr type="rMarg" refType="primFontSz" fact="0.1"/>
+                        <dgm:constr type="tMarg" refType="primFontSz" fact="0.1"/>
+                        <dgm:constr type="bMarg" refType="primFontSz" fact="0.1"/>
+                      </dgm:constrLst>
+                      <dgm:ruleLst>
+                        <dgm:rule type="primFontSz" val="5" fact="NaN" max="NaN"/>
+                      </dgm:ruleLst>
+                    </dgm:layoutNode>
+                    <dgm:layoutNode name="FourConn_3-4" styleLbl="fgAccFollowNode1">
+                      <dgm:varLst>
+                        <dgm:bulletEnabled val="1"/>
+                      </dgm:varLst>
+                      <dgm:alg type="tx"/>
+                      <dgm:shape xmlns:r="http://schemas.openxmlformats.org/officeDocument/2006/relationships" type="downArrow" r:blip="">
+                        <dgm:adjLst>
+                          <dgm:adj idx="1" val="0.55"/>
+                          <dgm:adj idx="2" val="0.45"/>
+                        </dgm:adjLst>
+                      </dgm:shape>
+                      <dgm:presOf axis="ch" ptType="sibTrans" st="3" cnt="1"/>
+                      <dgm:constrLst>
+                        <dgm:constr type="lMarg" refType="primFontSz" fact="0.1"/>
+                        <dgm:constr type="rMarg" refType="primFontSz" fact="0.1"/>
+                        <dgm:constr type="tMarg" refType="primFontSz" fact="0.1"/>
+                        <dgm:constr type="bMarg" refType="primFontSz" fact="0.1"/>
+                      </dgm:constrLst>
+                      <dgm:ruleLst>
+                        <dgm:rule type="primFontSz" val="5" fact="NaN" max="NaN"/>
+                      </dgm:ruleLst>
+                    </dgm:layoutNode>
+                    <dgm:layoutNode name="FourNodes_1_text">
+                      <dgm:varLst>
+                        <dgm:bulletEnabled val="1"/>
+                      </dgm:varLst>
+                      <dgm:alg type="tx">
+                        <dgm:param type="parTxLTRAlign" val="l"/>
+                        <dgm:param type="txAnchorVertCh" val="mid"/>
+                      </dgm:alg>
+                      <dgm:shape xmlns:r="http://schemas.openxmlformats.org/officeDocument/2006/relationships" type="roundRect" r:blip="" hideGeom="1">
+                        <dgm:adjLst>
+                          <dgm:adj idx="1" val="0.1"/>
+                        </dgm:adjLst>
+                      </dgm:shape>
+                      <dgm:presOf axis="ch desOrSelf" ptType="node node" st="1 1" cnt="1 0"/>
+                      <dgm:constrLst>
+                        <dgm:constr type="lMarg" refType="primFontSz" fact="0.3"/>
+                        <dgm:constr type="rMarg" refType="primFontSz" fact="0.3"/>
+                        <dgm:constr type="tMarg" refType="primFontSz" fact="0.3"/>
+                        <dgm:constr type="bMarg" refType="primFontSz" fact="0.3"/>
+                      </dgm:constrLst>
+                      <dgm:ruleLst>
+                        <dgm:rule type="primFontSz" val="5" fact="NaN" max="NaN"/>
+                      </dgm:ruleLst>
+                    </dgm:layoutNode>
+                    <dgm:layoutNode name="FourNodes_2_text">
+                      <dgm:varLst>
+                        <dgm:bulletEnabled val="1"/>
+                      </dgm:varLst>
+                      <dgm:alg type="tx">
+                        <dgm:param type="parTxLTRAlign" val="l"/>
+                        <dgm:param type="txAnchorVertCh" val="mid"/>
+                      </dgm:alg>
+                      <dgm:shape xmlns:r="http://schemas.openxmlformats.org/officeDocument/2006/relationships" type="roundRect" r:blip="" hideGeom="1">
+                        <dgm:adjLst>
+                          <dgm:adj idx="1" val="0.1"/>
+                        </dgm:adjLst>
+                      </dgm:shape>
+                      <dgm:presOf axis="ch desOrSelf" ptType="node node" st="2 1" cnt="1 0"/>
+                      <dgm:constrLst>
+                        <dgm:constr type="lMarg" refType="primFontSz" fact="0.3"/>
+                        <dgm:constr type="rMarg" refType="primFontSz" fact="0.3"/>
+                        <dgm:constr type="tMarg" refType="primFontSz" fact="0.3"/>
+                        <dgm:constr type="bMarg" refType="primFontSz" fact="0.3"/>
+                      </dgm:constrLst>
+                      <dgm:ruleLst>
+                        <dgm:rule type="primFontSz" val="5" fact="NaN" max="NaN"/>
+                      </dgm:ruleLst>
+                    </dgm:layoutNode>
+                    <dgm:layoutNode name="FourNodes_3_text">
+                      <dgm:varLst>
+                        <dgm:bulletEnabled val="1"/>
+                      </dgm:varLst>
+                      <dgm:alg type="tx">
+                        <dgm:param type="parTxLTRAlign" val="l"/>
+                        <dgm:param type="txAnchorVertCh" val="mid"/>
+                      </dgm:alg>
+                      <dgm:shape xmlns:r="http://schemas.openxmlformats.org/officeDocument/2006/relationships" type="roundRect" r:blip="" hideGeom="1">
+                        <dgm:adjLst>
+                          <dgm:adj idx="1" val="0.1"/>
+                        </dgm:adjLst>
+                      </dgm:shape>
+                      <dgm:presOf axis="ch desOrSelf" ptType="node node" st="3 1" cnt="1 0"/>
+                      <dgm:constrLst>
+                        <dgm:constr type="lMarg" refType="primFontSz" fact="0.3"/>
+                        <dgm:constr type="rMarg" refType="primFontSz" fact="0.3"/>
+                        <dgm:constr type="tMarg" refType="primFontSz" fact="0.3"/>
+                        <dgm:constr type="bMarg" refType="primFontSz" fact="0.3"/>
+                      </dgm:constrLst>
+                      <dgm:ruleLst>
+                        <dgm:rule type="primFontSz" val="5" fact="NaN" max="NaN"/>
+                      </dgm:ruleLst>
+                    </dgm:layoutNode>
+                    <dgm:layoutNode name="FourNodes_4_text">
+                      <dgm:varLst>
+                        <dgm:bulletEnabled val="1"/>
+                      </dgm:varLst>
+                      <dgm:alg type="tx">
+                        <dgm:param type="parTxLTRAlign" val="l"/>
+                        <dgm:param type="txAnchorVertCh" val="mid"/>
+                      </dgm:alg>
+                      <dgm:shape xmlns:r="http://schemas.openxmlformats.org/officeDocument/2006/relationships" type="roundRect" r:blip="" hideGeom="1">
+                        <dgm:adjLst>
+                          <dgm:adj idx="1" val="0.1"/>
+                        </dgm:adjLst>
+                      </dgm:shape>
+                      <dgm:presOf axis="ch desOrSelf" ptType="node node" st="4 1" cnt="1 0"/>
+                      <dgm:constrLst>
+                        <dgm:constr type="lMarg" refType="primFontSz" fact="0.3"/>
+                        <dgm:constr type="rMarg" refType="primFontSz" fact="0.3"/>
+                        <dgm:constr type="tMarg" refType="primFontSz" fact="0.3"/>
+                        <dgm:constr type="bMarg" refType="primFontSz" fact="0.3"/>
+                      </dgm:constrLst>
+                      <dgm:ruleLst>
+                        <dgm:rule type="primFontSz" val="5" fact="NaN" max="NaN"/>
+                      </dgm:ruleLst>
+                    </dgm:layoutNode>
+                  </dgm:if>
+                  <dgm:else name="Name14">
+                    <dgm:choose name="Name15">
+                      <dgm:if name="Name16" axis="ch" ptType="node" func="cnt" op="gte" val="5">
+                        <dgm:layoutNode name="FiveNodes_1">
+                          <dgm:varLst>
+                            <dgm:bulletEnabled val="1"/>
+                          </dgm:varLst>
+                          <dgm:alg type="sp"/>
+                          <dgm:shape xmlns:r="http://schemas.openxmlformats.org/officeDocument/2006/relationships" type="roundRect" r:blip="">
+                            <dgm:adjLst>
+                              <dgm:adj idx="1" val="0.1"/>
+                            </dgm:adjLst>
+                          </dgm:shape>
+                          <dgm:presOf axis="ch desOrSelf" ptType="node node" st="1 1" cnt="1 0"/>
+                          <dgm:constrLst/>
+                          <dgm:ruleLst/>
+                        </dgm:layoutNode>
+                        <dgm:layoutNode name="FiveNodes_2">
+                          <dgm:varLst>
+                            <dgm:bulletEnabled val="1"/>
+                          </dgm:varLst>
+                          <dgm:alg type="sp"/>
+                          <dgm:shape xmlns:r="http://schemas.openxmlformats.org/officeDocument/2006/relationships" type="roundRect" r:blip="">
+                            <dgm:adjLst>
+                              <dgm:adj idx="1" val="0.1"/>
+                            </dgm:adjLst>
+                          </dgm:shape>
+                          <dgm:presOf axis="ch desOrSelf" ptType="node node" st="2 1" cnt="1 0"/>
+                          <dgm:constrLst/>
+                          <dgm:ruleLst/>
+                        </dgm:layoutNode>
+                        <dgm:layoutNode name="FiveNodes_3">
+                          <dgm:varLst>
+                            <dgm:bulletEnabled val="1"/>
+                          </dgm:varLst>
+                          <dgm:alg type="sp"/>
+                          <dgm:shape xmlns:r="http://schemas.openxmlformats.org/officeDocument/2006/relationships" type="roundRect" r:blip="">
+                            <dgm:adjLst>
+                              <dgm:adj idx="1" val="0.1"/>
+                            </dgm:adjLst>
+                          </dgm:shape>
+                          <dgm:presOf axis="ch desOrSelf" ptType="node node" st="3 1" cnt="1 0"/>
+                          <dgm:constrLst/>
+                          <dgm:ruleLst/>
+                        </dgm:layoutNode>
+                        <dgm:layoutNode name="FiveNodes_4">
+                          <dgm:varLst>
+                            <dgm:bulletEnabled val="1"/>
+                          </dgm:varLst>
+                          <dgm:alg type="sp"/>
+                          <dgm:shape xmlns:r="http://schemas.openxmlformats.org/officeDocument/2006/relationships" type="roundRect" r:blip="">
+                            <dgm:adjLst>
+                              <dgm:adj idx="1" val="0.1"/>
+                            </dgm:adjLst>
+                          </dgm:shape>
+                          <dgm:presOf axis="ch desOrSelf" ptType="node node" st="4 1" cnt="1 0"/>
+                          <dgm:constrLst/>
+                          <dgm:ruleLst/>
+                        </dgm:layoutNode>
+                        <dgm:layoutNode name="FiveNodes_5">
+                          <dgm:varLst>
+                            <dgm:bulletEnabled val="1"/>
+                          </dgm:varLst>
+                          <dgm:alg type="sp"/>
+                          <dgm:shape xmlns:r="http://schemas.openxmlformats.org/officeDocument/2006/relationships" type="roundRect" r:blip="">
+                            <dgm:adjLst>
+                              <dgm:adj idx="1" val="0.1"/>
+                            </dgm:adjLst>
+                          </dgm:shape>
+                          <dgm:presOf axis="ch desOrSelf" ptType="node node" st="5 1" cnt="1 0"/>
+                          <dgm:constrLst/>
+                          <dgm:ruleLst/>
+                        </dgm:layoutNode>
+                        <dgm:layoutNode name="FiveConn_1-2" styleLbl="fgAccFollowNode1">
+                          <dgm:varLst>
+                            <dgm:bulletEnabled val="1"/>
+                          </dgm:varLst>
+                          <dgm:alg type="tx"/>
+                          <dgm:shape xmlns:r="http://schemas.openxmlformats.org/officeDocument/2006/relationships" type="downArrow" r:blip="">
+                            <dgm:adjLst>
+                              <dgm:adj idx="1" val="0.55"/>
+                              <dgm:adj idx="2" val="0.45"/>
+                            </dgm:adjLst>
+                          </dgm:shape>
+                          <dgm:presOf axis="ch" ptType="sibTrans" cnt="1"/>
+                          <dgm:constrLst>
+                            <dgm:constr type="lMarg" refType="primFontSz" fact="0.1"/>
+                            <dgm:constr type="rMarg" refType="primFontSz" fact="0.1"/>
+                            <dgm:constr type="tMarg" refType="primFontSz" fact="0.1"/>
+                            <dgm:constr type="bMarg" refType="primFontSz" fact="0.1"/>
+                          </dgm:constrLst>
+                          <dgm:ruleLst>
+                            <dgm:rule type="primFontSz" val="5" fact="NaN" max="NaN"/>
+                          </dgm:ruleLst>
+                        </dgm:layoutNode>
+                        <dgm:layoutNode name="FiveConn_2-3" styleLbl="fgAccFollowNode1">
+                          <dgm:varLst>
+                            <dgm:bulletEnabled val="1"/>
+                          </dgm:varLst>
+                          <dgm:alg type="tx"/>
+                          <dgm:shape xmlns:r="http://schemas.openxmlformats.org/officeDocument/2006/relationships" type="downArrow" r:blip="">
+                            <dgm:adjLst>
+                              <dgm:adj idx="1" val="0.55"/>
+                              <dgm:adj idx="2" val="0.45"/>
+                            </dgm:adjLst>
+                          </dgm:shape>
+                          <dgm:presOf axis="ch" ptType="sibTrans" st="2" cnt="1"/>
+                          <dgm:constrLst>
+                            <dgm:constr type="lMarg" refType="primFontSz" fact="0.1"/>
+                            <dgm:constr type="rMarg" refType="primFontSz" fact="0.1"/>
+                            <dgm:constr type="tMarg" refType="primFontSz" fact="0.1"/>
+                            <dgm:constr type="bMarg" refType="primFontSz" fact="0.1"/>
+                          </dgm:constrLst>
+                          <dgm:ruleLst>
+                            <dgm:rule type="primFontSz" val="5" fact="NaN" max="NaN"/>
+                          </dgm:ruleLst>
+                        </dgm:layoutNode>
+                        <dgm:layoutNode name="FiveConn_3-4" styleLbl="fgAccFollowNode1">
+                          <dgm:varLst>
+                            <dgm:bulletEnabled val="1"/>
+                          </dgm:varLst>
+                          <dgm:alg type="tx"/>
+                          <dgm:shape xmlns:r="http://schemas.openxmlformats.org/officeDocument/2006/relationships" type="downArrow" r:blip="">
+                            <dgm:adjLst>
+                              <dgm:adj idx="1" val="0.55"/>
+                              <dgm:adj idx="2" val="0.45"/>
+                            </dgm:adjLst>
+                          </dgm:shape>
+                          <dgm:presOf axis="ch" ptType="sibTrans" st="3" cnt="1"/>
+                          <dgm:constrLst>
+                            <dgm:constr type="lMarg" refType="primFontSz" fact="0.1"/>
+                            <dgm:constr type="rMarg" refType="primFontSz" fact="0.1"/>
+                            <dgm:constr type="tMarg" refType="primFontSz" fact="0.1"/>
+                            <dgm:constr type="bMarg" refType="primFontSz" fact="0.1"/>
+                          </dgm:constrLst>
+                          <dgm:ruleLst>
+                            <dgm:rule type="primFontSz" val="5" fact="NaN" max="NaN"/>
+                          </dgm:ruleLst>
+                        </dgm:layoutNode>
+                        <dgm:layoutNode name="FiveConn_4-5" styleLbl="fgAccFollowNode1">
+                          <dgm:varLst>
+                            <dgm:bulletEnabled val="1"/>
+                          </dgm:varLst>
+                          <dgm:alg type="tx"/>
+                          <dgm:shape xmlns:r="http://schemas.openxmlformats.org/officeDocument/2006/relationships" type="downArrow" r:blip="">
+                            <dgm:adjLst>
+                              <dgm:adj idx="1" val="0.55"/>
+                              <dgm:adj idx="2" val="0.45"/>
+                            </dgm:adjLst>
+                          </dgm:shape>
+                          <dgm:presOf axis="ch" ptType="sibTrans" st="4" cnt="1"/>
+                          <dgm:constrLst>
+                            <dgm:constr type="lMarg" refType="primFontSz" fact="0.1"/>
+                            <dgm:constr type="rMarg" refType="primFontSz" fact="0.1"/>
+                            <dgm:constr type="tMarg" refType="primFontSz" fact="0.1"/>
+                            <dgm:constr type="bMarg" refType="primFontSz" fact="0.1"/>
+                          </dgm:constrLst>
+                          <dgm:ruleLst>
+                            <dgm:rule type="primFontSz" val="5" fact="NaN" max="NaN"/>
+                          </dgm:ruleLst>
+                        </dgm:layoutNode>
+                        <dgm:layoutNode name="FiveNodes_1_text">
+                          <dgm:varLst>
+                            <dgm:bulletEnabled val="1"/>
+                          </dgm:varLst>
+                          <dgm:alg type="tx">
+                            <dgm:param type="parTxLTRAlign" val="l"/>
+                            <dgm:param type="txAnchorVertCh" val="mid"/>
+                          </dgm:alg>
+                          <dgm:shape xmlns:r="http://schemas.openxmlformats.org/officeDocument/2006/relationships" type="roundRect" r:blip="" hideGeom="1">
+                            <dgm:adjLst>
+                              <dgm:adj idx="1" val="0.1"/>
+                            </dgm:adjLst>
+                          </dgm:shape>
+                          <dgm:presOf axis="ch desOrSelf" ptType="node node" st="1 1" cnt="1 0"/>
+                          <dgm:constrLst>
+                            <dgm:constr type="lMarg" refType="primFontSz" fact="0.3"/>
+                            <dgm:constr type="rMarg" refType="primFontSz" fact="0.3"/>
+                            <dgm:constr type="tMarg" refType="primFontSz" fact="0.3"/>
+                            <dgm:constr type="bMarg" refType="primFontSz" fact="0.3"/>
+                          </dgm:constrLst>
+                          <dgm:ruleLst>
+                            <dgm:rule type="primFontSz" val="5" fact="NaN" max="NaN"/>
+                          </dgm:ruleLst>
+                        </dgm:layoutNode>
+                        <dgm:layoutNode name="FiveNodes_2_text">
+                          <dgm:varLst>
+                            <dgm:bulletEnabled val="1"/>
+                          </dgm:varLst>
+                          <dgm:alg type="tx">
+                            <dgm:param type="parTxLTRAlign" val="l"/>
+                            <dgm:param type="txAnchorVertCh" val="mid"/>
+                          </dgm:alg>
+                          <dgm:shape xmlns:r="http://schemas.openxmlformats.org/officeDocument/2006/relationships" type="roundRect" r:blip="" hideGeom="1">
+                            <dgm:adjLst>
+                              <dgm:adj idx="1" val="0.1"/>
+                            </dgm:adjLst>
+                          </dgm:shape>
+                          <dgm:presOf axis="ch desOrSelf" ptType="node node" st="2 1" cnt="1 0"/>
+                          <dgm:constrLst>
+                            <dgm:constr type="lMarg" refType="primFontSz" fact="0.3"/>
+                            <dgm:constr type="rMarg" refType="primFontSz" fact="0.3"/>
+                            <dgm:constr type="tMarg" refType="primFontSz" fact="0.3"/>
+                            <dgm:constr type="bMarg" refType="primFontSz" fact="0.3"/>
+                          </dgm:constrLst>
+                          <dgm:ruleLst>
+                            <dgm:rule type="primFontSz" val="5" fact="NaN" max="NaN"/>
+                          </dgm:ruleLst>
+                        </dgm:layoutNode>
+                        <dgm:layoutNode name="FiveNodes_3_text">
+                          <dgm:varLst>
+                            <dgm:bulletEnabled val="1"/>
+                          </dgm:varLst>
+                          <dgm:alg type="tx">
+                            <dgm:param type="parTxLTRAlign" val="l"/>
+                            <dgm:param type="txAnchorVertCh" val="mid"/>
+                          </dgm:alg>
+                          <dgm:shape xmlns:r="http://schemas.openxmlformats.org/officeDocument/2006/relationships" type="roundRect" r:blip="" hideGeom="1">
+                            <dgm:adjLst>
+                              <dgm:adj idx="1" val="0.1"/>
+                            </dgm:adjLst>
+                          </dgm:shape>
+                          <dgm:presOf axis="ch desOrSelf" ptType="node node" st="3 1" cnt="1 0"/>
+                          <dgm:constrLst>
+                            <dgm:constr type="lMarg" refType="primFontSz" fact="0.3"/>
+                            <dgm:constr type="rMarg" refType="primFontSz" fact="0.3"/>
+                            <dgm:constr type="tMarg" refType="primFontSz" fact="0.3"/>
+                            <dgm:constr type="bMarg" refType="primFontSz" fact="0.3"/>
+                          </dgm:constrLst>
+                          <dgm:ruleLst>
+                            <dgm:rule type="primFontSz" val="5" fact="NaN" max="NaN"/>
+                          </dgm:ruleLst>
+                        </dgm:layoutNode>
+                        <dgm:layoutNode name="FiveNodes_4_text">
+                          <dgm:varLst>
+                            <dgm:bulletEnabled val="1"/>
+                          </dgm:varLst>
+                          <dgm:alg type="tx">
+                            <dgm:param type="parTxLTRAlign" val="l"/>
+                            <dgm:param type="txAnchorVertCh" val="mid"/>
+                          </dgm:alg>
+                          <dgm:shape xmlns:r="http://schemas.openxmlformats.org/officeDocument/2006/relationships" type="roundRect" r:blip="" hideGeom="1">
+                            <dgm:adjLst>
+                              <dgm:adj idx="1" val="0.1"/>
+                            </dgm:adjLst>
+                          </dgm:shape>
+                          <dgm:presOf axis="ch desOrSelf" ptType="node node" st="4 1" cnt="1 0"/>
+                          <dgm:constrLst>
+                            <dgm:constr type="lMarg" refType="primFontSz" fact="0.3"/>
+                            <dgm:constr type="rMarg" refType="primFontSz" fact="0.3"/>
+                            <dgm:constr type="tMarg" refType="primFontSz" fact="0.3"/>
+                            <dgm:constr type="bMarg" refType="primFontSz" fact="0.3"/>
+                          </dgm:constrLst>
+                          <dgm:ruleLst>
+                            <dgm:rule type="primFontSz" val="5" fact="NaN" max="NaN"/>
+                          </dgm:ruleLst>
+                        </dgm:layoutNode>
+                        <dgm:layoutNode name="FiveNodes_5_text">
+                          <dgm:varLst>
+                            <dgm:bulletEnabled val="1"/>
+                          </dgm:varLst>
+                          <dgm:alg type="tx">
+                            <dgm:param type="parTxLTRAlign" val="l"/>
+                            <dgm:param type="txAnchorVertCh" val="mid"/>
+                          </dgm:alg>
+                          <dgm:shape xmlns:r="http://schemas.openxmlformats.org/officeDocument/2006/relationships" type="roundRect" r:blip="" hideGeom="1">
+                            <dgm:adjLst>
+                              <dgm:adj idx="1" val="0.1"/>
+                            </dgm:adjLst>
+                          </dgm:shape>
+                          <dgm:presOf axis="ch desOrSelf" ptType="node node" st="5 1" cnt="1 0"/>
+                          <dgm:constrLst>
+                            <dgm:constr type="lMarg" refType="primFontSz" fact="0.3"/>
+                            <dgm:constr type="rMarg" refType="primFontSz" fact="0.3"/>
+                            <dgm:constr type="tMarg" refType="primFontSz" fact="0.3"/>
+                            <dgm:constr type="bMarg" refType="primFontSz" fact="0.3"/>
+                          </dgm:constrLst>
+                          <dgm:ruleLst>
+                            <dgm:rule type="primFontSz" val="5" fact="NaN" max="NaN"/>
+                          </dgm:ruleLst>
+                        </dgm:layoutNode>
+                      </dgm:if>
+                      <dgm:else name="Name17"/>
+                    </dgm:choose>
+                  </dgm:else>
+                </dgm:choose>
+              </dgm:else>
+            </dgm:choose>
+          </dgm:else>
+        </dgm:choose>
+      </dgm:else>
+    </dgm:choose>
+  </dgm:layoutNode>
+</dgm:layoutDef>
+</file>
+
+<file path=ppt/diagrams/quickStyle1.xml><?xml version="1.0" encoding="utf-8"?>
+<dgm:styleDef xmlns:dgm="http://schemas.openxmlformats.org/drawingml/2006/diagram" xmlns:a="http://schemas.openxmlformats.org/drawingml/2006/main" uniqueId="urn:microsoft.com/office/officeart/2005/8/quickstyle/simple5">
+  <dgm:title val=""/>
+  <dgm:desc val=""/>
+  <dgm:catLst>
+    <dgm:cat type="simple" pri="10500"/>
+  </dgm:catLst>
+  <dgm:scene3d>
+    <a:camera prst="orthographicFront"/>
+    <a:lightRig rig="threePt" dir="t"/>
+  </dgm:scene3d>
+  <dgm:styleLbl name="node0">
+    <dgm:scene3d>
+      <a:camera prst="orthographicFront"/>
+      <a:lightRig rig="threePt" dir="t"/>
+    </dgm:scene3d>
+    <dgm:sp3d/>
+    <dgm:txPr/>
+    <dgm:style>
+      <a:lnRef idx="0">
+        <a:scrgbClr r="0" g="0" b="0"/>
+      </a:lnRef>
+      <a:fillRef idx="3">
+        <a:scrgbClr r="0" g="0" b="0"/>
+      </a:fillRef>
+      <a:effectRef idx="3">
+        <a:scrgbClr r="0" g="0" b="0"/>
+      </a:effectRef>
+      <a:fontRef idx="minor">
+        <a:schemeClr val="lt1"/>
+      </a:fontRef>
+    </dgm:style>
+  </dgm:styleLbl>
+  <dgm:styleLbl name="lnNode1">
+    <dgm:scene3d>
+      <a:camera prst="orthographicFront"/>
+      <a:lightRig rig="threePt" dir="t"/>
+    </dgm:scene3d>
+    <dgm:sp3d/>
+    <dgm:txPr/>
+    <dgm:style>
+      <a:lnRef idx="0">
+        <a:scrgbClr r="0" g="0" b="0"/>
+      </a:lnRef>
+      <a:fillRef idx="3">
+        <a:scrgbClr r="0" g="0" b="0"/>
+      </a:fillRef>
+      <a:effectRef idx="3">
+        <a:scrgbClr r="0" g="0" b="0"/>
+      </a:effectRef>
+      <a:fontRef idx="minor">
+        <a:schemeClr val="lt1"/>
+      </a:fontRef>
+    </dgm:style>
+  </dgm:styleLbl>
+  <dgm:styleLbl name="vennNode1">
+    <dgm:scene3d>
+      <a:camera prst="orthographicFront"/>
+      <a:lightRig rig="threePt" dir="t"/>
+    </dgm:scene3d>
+    <dgm:sp3d/>
+    <dgm:txPr/>
+    <dgm:style>
+      <a:lnRef idx="0">
+        <a:scrgbClr r="0" g="0" b="0"/>
+      </a:lnRef>
+      <a:fillRef idx="3">
+        <a:scrgbClr r="0" g="0" b="0"/>
+      </a:fillRef>
+      <a:effectRef idx="3">
+        <a:scrgbClr r="0" g="0" b="0"/>
+      </a:effectRef>
+      <a:fontRef idx="minor">
+        <a:schemeClr val="tx1"/>
+      </a:fontRef>
+    </dgm:style>
+  </dgm:styleLbl>
+  <dgm:styleLbl name="alignNode1">
+    <dgm:scene3d>
+      <a:camera prst="orthographicFront"/>
+      <a:lightRig rig="threePt" dir="t"/>
+    </dgm:scene3d>
+    <dgm:sp3d/>
+    <dgm:txPr/>
+    <dgm:style>
+      <a:lnRef idx="1">
+        <a:scrgbClr r="0" g="0" b="0"/>
+      </a:lnRef>
+      <a:fillRef idx="3">
+        <a:scrgbClr r="0" g="0" b="0"/>
+      </a:fillRef>
+      <a:effectRef idx="3">
+        <a:scrgbClr r="0" g="0" b="0"/>
+      </a:effectRef>
+      <a:fontRef idx="minor">
+        <a:schemeClr val="lt1"/>
+      </a:fontRef>
+    </dgm:style>
+  </dgm:styleLbl>
+  <dgm:styleLbl name="node1">
+    <dgm:scene3d>
+      <a:camera prst="orthographicFront"/>
+      <a:lightRig rig="threePt" dir="t"/>
+    </dgm:scene3d>
+    <dgm:sp3d/>
+    <dgm:txPr/>
+    <dgm:style>
+      <a:lnRef idx="0">
+        <a:scrgbClr r="0" g="0" b="0"/>
+      </a:lnRef>
+      <a:fillRef idx="3">
+        <a:scrgbClr r="0" g="0" b="0"/>
+      </a:fillRef>
+      <a:effectRef idx="3">
+        <a:scrgbClr r="0" g="0" b="0"/>
+      </a:effectRef>
+      <a:fontRef idx="minor">
+        <a:schemeClr val="lt1"/>
+      </a:fontRef>
+    </dgm:style>
+  </dgm:styleLbl>
+  <dgm:styleLbl name="node2">
+    <dgm:scene3d>
+      <a:camera prst="orthographicFront"/>
+      <a:lightRig rig="threePt" dir="t"/>
+    </dgm:scene3d>
+    <dgm:sp3d/>
+    <dgm:txPr/>
+    <dgm:style>
+      <a:lnRef idx="0">
+        <a:scrgbClr r="0" g="0" b="0"/>
+      </a:lnRef>
+      <a:fillRef idx="3">
+        <a:scrgbClr r="0" g="0" b="0"/>
+      </a:fillRef>
+      <a:effectRef idx="3">
+        <a:scrgbClr r="0" g="0" b="0"/>
+      </a:effectRef>
+      <a:fontRef idx="minor">
+        <a:schemeClr val="lt1"/>
+      </a:fontRef>
+    </dgm:style>
+  </dgm:styleLbl>
+  <dgm:styleLbl name="node3">
+    <dgm:scene3d>
+      <a:camera prst="orthographicFront"/>
+      <a:lightRig rig="threePt" dir="t"/>
+    </dgm:scene3d>
+    <dgm:sp3d/>
+    <dgm:txPr/>
+    <dgm:style>
+      <a:lnRef idx="0">
+        <a:scrgbClr r="0" g="0" b="0"/>
+      </a:lnRef>
+      <a:fillRef idx="3">
+        <a:scrgbClr r="0" g="0" b="0"/>
+      </a:fillRef>
+      <a:effectRef idx="3">
+        <a:scrgbClr r="0" g="0" b="0"/>
+      </a:effectRef>
+      <a:fontRef idx="minor">
+        <a:schemeClr val="lt1"/>
+      </a:fontRef>
+    </dgm:style>
+  </dgm:styleLbl>
+  <dgm:styleLbl name="node4">
+    <dgm:scene3d>
+      <a:camera prst="orthographicFront"/>
+      <a:lightRig rig="threePt" dir="t"/>
+    </dgm:scene3d>
+    <dgm:sp3d/>
+    <dgm:txPr/>
+    <dgm:style>
+      <a:lnRef idx="0">
+        <a:scrgbClr r="0" g="0" b="0"/>
+      </a:lnRef>
+      <a:fillRef idx="3">
+        <a:scrgbClr r="0" g="0" b="0"/>
+      </a:fillRef>
+      <a:effectRef idx="3">
+        <a:scrgbClr r="0" g="0" b="0"/>
+      </a:effectRef>
+      <a:fontRef idx="minor">
+        <a:schemeClr val="lt1"/>
+      </a:fontRef>
+    </dgm:style>
+  </dgm:styleLbl>
+  <dgm:styleLbl name="fgImgPlace1">
+    <dgm:scene3d>
+      <a:camera prst="orthographicFront"/>
+      <a:lightRig rig="threePt" dir="t"/>
+    </dgm:scene3d>
+    <dgm:sp3d/>
+    <dgm:txPr/>
+    <dgm:style>
+      <a:lnRef idx="0">
+        <a:scrgbClr r="0" g="0" b="0"/>
+      </a:lnRef>
+      <a:fillRef idx="1">
+        <a:scrgbClr r="0" g="0" b="0"/>
+      </a:fillRef>
+      <a:effectRef idx="3">
+        <a:scrgbClr r="0" g="0" b="0"/>
+      </a:effectRef>
+      <a:fontRef idx="minor"/>
+    </dgm:style>
+  </dgm:styleLbl>
+  <dgm:styleLbl name="alignImgPlace1">
+    <dgm:scene3d>
+      <a:camera prst="orthographicFront"/>
+      <a:lightRig rig="threePt" dir="t"/>
+    </dgm:scene3d>
+    <dgm:sp3d/>
+    <dgm:txPr/>
+    <dgm:style>
+      <a:lnRef idx="0">
+        <a:scrgbClr r="0" g="0" b="0"/>
+      </a:lnRef>
+      <a:fillRef idx="1">
+        <a:scrgbClr r="0" g="0" b="0"/>
+      </a:fillRef>
+      <a:effectRef idx="3">
+        <a:scrgbClr r="0" g="0" b="0"/>
+      </a:effectRef>
+      <a:fontRef idx="minor"/>
+    </dgm:style>
+  </dgm:styleLbl>
+  <dgm:styleLbl name="bgImgPlace1">
+    <dgm:scene3d>
+      <a:camera prst="orthographicFront"/>
+      <a:lightRig rig="threePt" dir="t"/>
+    </dgm:scene3d>
+    <dgm:sp3d/>
+    <dgm:txPr/>
+    <dgm:style>
+      <a:lnRef idx="0">
+        <a:scrgbClr r="0" g="0" b="0"/>
+      </a:lnRef>
+      <a:fillRef idx="1">
+        <a:scrgbClr r="0" g="0" b="0"/>
+      </a:fillRef>
+      <a:effectRef idx="3">
+        <a:scrgbClr r="0" g="0" b="0"/>
+      </a:effectRef>
+      <a:fontRef idx="minor"/>
+    </dgm:style>
+  </dgm:styleLbl>
+  <dgm:styleLbl name="sibTrans2D1">
+    <dgm:scene3d>
+      <a:camera prst="orthographicFront"/>
+      <a:lightRig rig="threePt" dir="t"/>
+    </dgm:scene3d>
+    <dgm:sp3d/>
+    <dgm:txPr/>
+    <dgm:style>
+      <a:lnRef idx="0">
+        <a:scrgbClr r="0" g="0" b="0"/>
+      </a:lnRef>
+      <a:fillRef idx="3">
+        <a:scrgbClr r="0" g="0" b="0"/>
+      </a:fillRef>
+      <a:effectRef idx="3">
+        <a:scrgbClr r="0" g="0" b="0"/>
+      </a:effectRef>
+      <a:fontRef idx="minor">
+        <a:schemeClr val="lt1"/>
+      </a:fontRef>
+    </dgm:style>
+  </dgm:styleLbl>
+  <dgm:styleLbl name="fgSibTrans2D1">
+    <dgm:scene3d>
+      <a:camera prst="orthographicFront"/>
+      <a:lightRig rig="threePt" dir="t"/>
+    </dgm:scene3d>
+    <dgm:sp3d/>
+    <dgm:txPr/>
+    <dgm:style>
+      <a:lnRef idx="0">
+        <a:scrgbClr r="0" g="0" b="0"/>
+      </a:lnRef>
+      <a:fillRef idx="3">
+        <a:scrgbClr r="0" g="0" b="0"/>
+      </a:fillRef>
+      <a:effectRef idx="3">
+        <a:scrgbClr r="0" g="0" b="0"/>
+      </a:effectRef>
+      <a:fontRef idx="minor">
+        <a:schemeClr val="lt1"/>
+      </a:fontRef>
+    </dgm:style>
+  </dgm:styleLbl>
+  <dgm:styleLbl name="bgSibTrans2D1">
+    <dgm:scene3d>
+      <a:camera prst="orthographicFront"/>
+      <a:lightRig rig="threePt" dir="t"/>
+    </dgm:scene3d>
+    <dgm:sp3d/>
+    <dgm:txPr/>
+    <dgm:style>
+      <a:lnRef idx="0">
+        <a:scrgbClr r="0" g="0" b="0"/>
+      </a:lnRef>
+      <a:fillRef idx="3">
+        <a:scrgbClr r="0" g="0" b="0"/>
+      </a:fillRef>
+      <a:effectRef idx="3">
+        <a:scrgbClr r="0" g="0" b="0"/>
+      </a:effectRef>
+      <a:fontRef idx="minor">
+        <a:schemeClr val="lt1"/>
+      </a:fontRef>
+    </dgm:style>
+  </dgm:styleLbl>
+  <dgm:styleLbl name="sibTrans1D1">
+    <dgm:scene3d>
+      <a:camera prst="orthographicFront"/>
+      <a:lightRig rig="threePt" dir="t"/>
+    </dgm:scene3d>
+    <dgm:sp3d/>
+    <dgm:txPr/>
+    <dgm:style>
+      <a:lnRef idx="1">
+        <a:scrgbClr r="0" g="0" b="0"/>
+      </a:lnRef>
+      <a:fillRef idx="0">
+        <a:scrgbClr r="0" g="0" b="0"/>
+      </a:fillRef>
+      <a:effectRef idx="0">
+        <a:scrgbClr r="0" g="0" b="0"/>
+      </a:effectRef>
+      <a:fontRef idx="minor"/>
+    </dgm:style>
+  </dgm:styleLbl>
+  <dgm:styleLbl name="callout">
+    <dgm:scene3d>
+      <a:camera prst="orthographicFront"/>
+      <a:lightRig rig="threePt" dir="t"/>
+    </dgm:scene3d>
+    <dgm:sp3d/>
+    <dgm:txPr/>
+    <dgm:style>
+      <a:lnRef idx="1">
+        <a:scrgbClr r="0" g="0" b="0"/>
+      </a:lnRef>
+      <a:fillRef idx="0">
+        <a:scrgbClr r="0" g="0" b="0"/>
+      </a:fillRef>
+      <a:effectRef idx="1">
+        <a:scrgbClr r="0" g="0" b="0"/>
+      </a:effectRef>
+      <a:fontRef idx="minor"/>
+    </dgm:style>
+  </dgm:styleLbl>
+  <dgm:styleLbl name="asst0">
+    <dgm:scene3d>
+      <a:camera prst="orthographicFront"/>
+      <a:lightRig rig="threePt" dir="t"/>
+    </dgm:scene3d>
+    <dgm:sp3d/>
+    <dgm:txPr/>
+    <dgm:style>
+      <a:lnRef idx="0">
+        <a:scrgbClr r="0" g="0" b="0"/>
+      </a:lnRef>
+      <a:fillRef idx="3">
+        <a:scrgbClr r="0" g="0" b="0"/>
+      </a:fillRef>
+      <a:effectRef idx="3">
+        <a:scrgbClr r="0" g="0" b="0"/>
+      </a:effectRef>
+      <a:fontRef idx="minor">
+        <a:schemeClr val="lt1"/>
+      </a:fontRef>
+    </dgm:style>
+  </dgm:styleLbl>
+  <dgm:styleLbl name="asst1">
+    <dgm:scene3d>
+      <a:camera prst="orthographicFront"/>
+      <a:lightRig rig="threePt" dir="t"/>
+    </dgm:scene3d>
+    <dgm:sp3d/>
+    <dgm:txPr/>
+    <dgm:style>
+      <a:lnRef idx="0">
+        <a:scrgbClr r="0" g="0" b="0"/>
+      </a:lnRef>
+      <a:fillRef idx="3">
+        <a:scrgbClr r="0" g="0" b="0"/>
+      </a:fillRef>
+      <a:effectRef idx="3">
+        <a:scrgbClr r="0" g="0" b="0"/>
+      </a:effectRef>
+      <a:fontRef idx="minor">
+        <a:schemeClr val="lt1"/>
+      </a:fontRef>
+    </dgm:style>
+  </dgm:styleLbl>
+  <dgm:styleLbl name="asst2">
+    <dgm:scene3d>
+      <a:camera prst="orthographicFront"/>
+      <a:lightRig rig="threePt" dir="t"/>
+    </dgm:scene3d>
+    <dgm:sp3d/>
+    <dgm:txPr/>
+    <dgm:style>
+      <a:lnRef idx="0">
+        <a:scrgbClr r="0" g="0" b="0"/>
+      </a:lnRef>
+      <a:fillRef idx="3">
+        <a:scrgbClr r="0" g="0" b="0"/>
+      </a:fillRef>
+      <a:effectRef idx="3">
+        <a:scrgbClr r="0" g="0" b="0"/>
+      </a:effectRef>
+      <a:fontRef idx="minor">
+        <a:schemeClr val="lt1"/>
+      </a:fontRef>
+    </dgm:style>
+  </dgm:styleLbl>
+  <dgm:styleLbl name="asst3">
+    <dgm:scene3d>
+      <a:camera prst="orthographicFront"/>
+      <a:lightRig rig="threePt" dir="t"/>
+    </dgm:scene3d>
+    <dgm:sp3d/>
+    <dgm:txPr/>
+    <dgm:style>
+      <a:lnRef idx="0">
+        <a:scrgbClr r="0" g="0" b="0"/>
+      </a:lnRef>
+      <a:fillRef idx="3">
+        <a:scrgbClr r="0" g="0" b="0"/>
+      </a:fillRef>
+      <a:effectRef idx="3">
+        <a:scrgbClr r="0" g="0" b="0"/>
+      </a:effectRef>
+      <a:fontRef idx="minor">
+        <a:schemeClr val="lt1"/>
+      </a:fontRef>
+    </dgm:style>
+  </dgm:styleLbl>
+  <dgm:styleLbl name="asst4">
+    <dgm:scene3d>
+      <a:camera prst="orthographicFront"/>
+      <a:lightRig rig="threePt" dir="t"/>
+    </dgm:scene3d>
+    <dgm:sp3d/>
+    <dgm:txPr/>
+    <dgm:style>
+      <a:lnRef idx="0">
+        <a:scrgbClr r="0" g="0" b="0"/>
+      </a:lnRef>
+      <a:fillRef idx="3">
+        <a:scrgbClr r="0" g="0" b="0"/>
+      </a:fillRef>
+      <a:effectRef idx="3">
+        <a:scrgbClr r="0" g="0" b="0"/>
+      </a:effectRef>
+      <a:fontRef idx="minor">
+        <a:schemeClr val="lt1"/>
+      </a:fontRef>
+    </dgm:style>
+  </dgm:styleLbl>
+  <dgm:styleLbl name="parChTrans2D1">
+    <dgm:scene3d>
+      <a:camera prst="orthographicFront"/>
+      <a:lightRig rig="threePt" dir="t"/>
+    </dgm:scene3d>
+    <dgm:sp3d/>
+    <dgm:txPr/>
+    <dgm:style>
+      <a:lnRef idx="0">
+        <a:scrgbClr r="0" g="0" b="0"/>
+      </a:lnRef>
+      <a:fillRef idx="3">
+        <a:scrgbClr r="0" g="0" b="0"/>
+      </a:fillRef>
+      <a:effectRef idx="3">
+        <a:scrgbClr r="0" g="0" b="0"/>
+      </a:effectRef>
+      <a:fontRef idx="minor">
+        <a:schemeClr val="lt1"/>
+      </a:fontRef>
+    </dgm:style>
+  </dgm:styleLbl>
+  <dgm:styleLbl name="parChTrans2D2">
+    <dgm:scene3d>
+      <a:camera prst="orthographicFront"/>
+      <a:lightRig rig="threePt" dir="t"/>
+    </dgm:scene3d>
+    <dgm:sp3d/>
+    <dgm:txPr/>
+    <dgm:style>
+      <a:lnRef idx="0">
+        <a:scrgbClr r="0" g="0" b="0"/>
+      </a:lnRef>
+      <a:fillRef idx="3">
+        <a:scrgbClr r="0" g="0" b="0"/>
+      </a:fillRef>
+      <a:effectRef idx="3">
+        <a:scrgbClr r="0" g="0" b="0"/>
+      </a:effectRef>
+      <a:fontRef idx="minor">
+        <a:schemeClr val="lt1"/>
+      </a:fontRef>
+    </dgm:style>
+  </dgm:styleLbl>
+  <dgm:styleLbl name="parChTrans2D3">
+    <dgm:scene3d>
+      <a:camera prst="orthographicFront"/>
+      <a:lightRig rig="threePt" dir="t"/>
+    </dgm:scene3d>
+    <dgm:sp3d/>
+    <dgm:txPr/>
+    <dgm:style>
+      <a:lnRef idx="0">
+        <a:scrgbClr r="0" g="0" b="0"/>
+      </a:lnRef>
+      <a:fillRef idx="3">
+        <a:scrgbClr r="0" g="0" b="0"/>
+      </a:fillRef>
+      <a:effectRef idx="3">
+        <a:scrgbClr r="0" g="0" b="0"/>
+      </a:effectRef>
+      <a:fontRef idx="minor">
+        <a:schemeClr val="lt1"/>
+      </a:fontRef>
+    </dgm:style>
+  </dgm:styleLbl>
+  <dgm:styleLbl name="parChTrans2D4">
+    <dgm:scene3d>
+      <a:camera prst="orthographicFront"/>
+      <a:lightRig rig="threePt" dir="t"/>
+    </dgm:scene3d>
+    <dgm:sp3d/>
+    <dgm:txPr/>
+    <dgm:style>
+      <a:lnRef idx="0">
+        <a:scrgbClr r="0" g="0" b="0"/>
+      </a:lnRef>
+      <a:fillRef idx="3">
+        <a:scrgbClr r="0" g="0" b="0"/>
+      </a:fillRef>
+      <a:effectRef idx="3">
+        <a:scrgbClr r="0" g="0" b="0"/>
+      </a:effectRef>
+      <a:fontRef idx="minor">
+        <a:schemeClr val="lt1"/>
+      </a:fontRef>
+    </dgm:style>
+  </dgm:styleLbl>
+  <dgm:styleLbl name="parChTrans1D1">
+    <dgm:scene3d>
+      <a:camera prst="orthographicFront"/>
+      <a:lightRig rig="threePt" dir="t"/>
+    </dgm:scene3d>
+    <dgm:sp3d/>
+    <dgm:txPr/>
+    <dgm:style>
+      <a:lnRef idx="2">
+        <a:scrgbClr r="0" g="0" b="0"/>
+      </a:lnRef>
+      <a:fillRef idx="0">
+        <a:scrgbClr r="0" g="0" b="0"/>
+      </a:fillRef>
+      <a:effectRef idx="0">
+        <a:scrgbClr r="0" g="0" b="0"/>
+      </a:effectRef>
+      <a:fontRef idx="minor"/>
+    </dgm:style>
+  </dgm:styleLbl>
+  <dgm:styleLbl name="parChTrans1D2">
+    <dgm:scene3d>
+      <a:camera prst="orthographicFront"/>
+      <a:lightRig rig="threePt" dir="t"/>
+    </dgm:scene3d>
+    <dgm:sp3d/>
+    <dgm:txPr/>
+    <dgm:style>
+      <a:lnRef idx="2">
+        <a:scrgbClr r="0" g="0" b="0"/>
+      </a:lnRef>
+      <a:fillRef idx="0">
+        <a:scrgbClr r="0" g="0" b="0"/>
+      </a:fillRef>
+      <a:effectRef idx="0">
+        <a:scrgbClr r="0" g="0" b="0"/>
+      </a:effectRef>
+      <a:fontRef idx="minor"/>
+    </dgm:style>
+  </dgm:styleLbl>
+  <dgm:styleLbl name="parChTrans1D3">
+    <dgm:scene3d>
+      <a:camera prst="orthographicFront"/>
+      <a:lightRig rig="threePt" dir="t"/>
+    </dgm:scene3d>
+    <dgm:sp3d/>
+    <dgm:txPr/>
+    <dgm:style>
+      <a:lnRef idx="2">
+        <a:scrgbClr r="0" g="0" b="0"/>
+      </a:lnRef>
+      <a:fillRef idx="0">
+        <a:scrgbClr r="0" g="0" b="0"/>
+      </a:fillRef>
+      <a:effectRef idx="0">
+        <a:scrgbClr r="0" g="0" b="0"/>
+      </a:effectRef>
+      <a:fontRef idx="minor"/>
+    </dgm:style>
+  </dgm:styleLbl>
+  <dgm:styleLbl name="parChTrans1D4">
+    <dgm:scene3d>
+      <a:camera prst="orthographicFront"/>
+      <a:lightRig rig="threePt" dir="t"/>
+    </dgm:scene3d>
+    <dgm:sp3d/>
+    <dgm:txPr/>
+    <dgm:style>
+      <a:lnRef idx="2">
+        <a:scrgbClr r="0" g="0" b="0"/>
+      </a:lnRef>
+      <a:fillRef idx="0">
+        <a:scrgbClr r="0" g="0" b="0"/>
+      </a:fillRef>
+      <a:effectRef idx="0">
+        <a:scrgbClr r="0" g="0" b="0"/>
+      </a:effectRef>
+      <a:fontRef idx="minor"/>
+    </dgm:style>
+  </dgm:styleLbl>
+  <dgm:styleLbl name="fgAcc1">
+    <dgm:scene3d>
+      <a:camera prst="orthographicFront"/>
+      <a:lightRig rig="threePt" dir="t"/>
+    </dgm:scene3d>
+    <dgm:sp3d/>
+    <dgm:txPr/>
+    <dgm:style>
+      <a:lnRef idx="1">
+        <a:scrgbClr r="0" g="0" b="0"/>
+      </a:lnRef>
+      <a:fillRef idx="1">
+        <a:scrgbClr r="0" g="0" b="0"/>
+      </a:fillRef>
+      <a:effectRef idx="2">
+        <a:scrgbClr r="0" g="0" b="0"/>
+      </a:effectRef>
+      <a:fontRef idx="minor"/>
+    </dgm:style>
+  </dgm:styleLbl>
+  <dgm:styleLbl name="conFgAcc1">
+    <dgm:scene3d>
+      <a:camera prst="orthographicFront"/>
+      <a:lightRig rig="threePt" dir="t"/>
+    </dgm:scene3d>
+    <dgm:sp3d/>
+    <dgm:txPr/>
+    <dgm:style>
+      <a:lnRef idx="1">
+        <a:scrgbClr r="0" g="0" b="0"/>
+      </a:lnRef>
+      <a:fillRef idx="1">
+        <a:scrgbClr r="0" g="0" b="0"/>
+      </a:fillRef>
+      <a:effectRef idx="2">
+        <a:scrgbClr r="0" g="0" b="0"/>
+      </a:effectRef>
+      <a:fontRef idx="minor"/>
+    </dgm:style>
+  </dgm:styleLbl>
+  <dgm:styleLbl name="alignAcc1">
+    <dgm:scene3d>
+      <a:camera prst="orthographicFront"/>
+      <a:lightRig rig="threePt" dir="t"/>
+    </dgm:scene3d>
+    <dgm:sp3d/>
+    <dgm:txPr/>
+    <dgm:style>
+      <a:lnRef idx="1">
+        <a:scrgbClr r="0" g="0" b="0"/>
+      </a:lnRef>
+      <a:fillRef idx="1">
+        <a:scrgbClr r="0" g="0" b="0"/>
+      </a:fillRef>
+      <a:effectRef idx="2">
+        <a:scrgbClr r="0" g="0" b="0"/>
+      </a:effectRef>
+      <a:fontRef idx="minor"/>
+    </dgm:style>
+  </dgm:styleLbl>
+  <dgm:styleLbl name="trAlignAcc1">
+    <dgm:scene3d>
+      <a:camera prst="orthographicFront"/>
+      <a:lightRig rig="threePt" dir="t"/>
+    </dgm:scene3d>
+    <dgm:sp3d/>
+    <dgm:txPr/>
+    <dgm:style>
+      <a:lnRef idx="1">
+        <a:scrgbClr r="0" g="0" b="0"/>
+      </a:lnRef>
+      <a:fillRef idx="1">
+        <a:scrgbClr r="0" g="0" b="0"/>
+      </a:fillRef>
+      <a:effectRef idx="0">
+        <a:scrgbClr r="0" g="0" b="0"/>
+      </a:effectRef>
+      <a:fontRef idx="minor"/>
+    </dgm:style>
+  </dgm:styleLbl>
+  <dgm:styleLbl name="bgAcc1">
+    <dgm:scene3d>
+      <a:camera prst="orthographicFront"/>
+      <a:lightRig rig="threePt" dir="t"/>
+    </dgm:scene3d>
+    <dgm:sp3d/>
+    <dgm:txPr/>
+    <dgm:style>
+      <a:lnRef idx="1">
+        <a:scrgbClr r="0" g="0" b="0"/>
+      </a:lnRef>
+      <a:fillRef idx="1">
+        <a:scrgbClr r="0" g="0" b="0"/>
+      </a:fillRef>
+      <a:effectRef idx="2">
+        <a:scrgbClr r="0" g="0" b="0"/>
+      </a:effectRef>
+      <a:fontRef idx="minor"/>
+    </dgm:style>
+  </dgm:styleLbl>
+  <dgm:styleLbl name="solidFgAcc1">
+    <dgm:scene3d>
+      <a:camera prst="orthographicFront"/>
+      <a:lightRig rig="threePt" dir="t"/>
+    </dgm:scene3d>
+    <dgm:sp3d/>
+    <dgm:txPr/>
+    <dgm:style>
+      <a:lnRef idx="1">
+        <a:scrgbClr r="0" g="0" b="0"/>
+      </a:lnRef>
+      <a:fillRef idx="1">
+        <a:scrgbClr r="0" g="0" b="0"/>
+      </a:fillRef>
+      <a:effectRef idx="2">
+        <a:scrgbClr r="0" g="0" b="0"/>
+      </a:effectRef>
+      <a:fontRef idx="minor"/>
+    </dgm:style>
+  </dgm:styleLbl>
+  <dgm:styleLbl name="solidAlignAcc1">
+    <dgm:scene3d>
+      <a:camera prst="orthographicFront"/>
+      <a:lightRig rig="threePt" dir="t"/>
+    </dgm:scene3d>
+    <dgm:sp3d/>
+    <dgm:txPr/>
+    <dgm:style>
+      <a:lnRef idx="1">
+        <a:scrgbClr r="0" g="0" b="0"/>
+      </a:lnRef>
+      <a:fillRef idx="1">
+        <a:scrgbClr r="0" g="0" b="0"/>
+      </a:fillRef>
+      <a:effectRef idx="3">
+        <a:scrgbClr r="0" g="0" b="0"/>
+      </a:effectRef>
+      <a:fontRef idx="minor"/>
+    </dgm:style>
+  </dgm:styleLbl>
+  <dgm:styleLbl name="solidBgAcc1">
+    <dgm:scene3d>
+      <a:camera prst="orthographicFront"/>
+      <a:lightRig rig="threePt" dir="t"/>
+    </dgm:scene3d>
+    <dgm:sp3d/>
+    <dgm:txPr/>
+    <dgm:style>
+      <a:lnRef idx="1">
+        <a:scrgbClr r="0" g="0" b="0"/>
+      </a:lnRef>
+      <a:fillRef idx="1">
+        <a:scrgbClr r="0" g="0" b="0"/>
+      </a:fillRef>
+      <a:effectRef idx="3">
+        <a:scrgbClr r="0" g="0" b="0"/>
+      </a:effectRef>
+      <a:fontRef idx="minor"/>
+    </dgm:style>
+  </dgm:styleLbl>
+  <dgm:styleLbl name="fgAccFollowNode1">
+    <dgm:scene3d>
+      <a:camera prst="orthographicFront"/>
+      <a:lightRig rig="threePt" dir="t"/>
+    </dgm:scene3d>
+    <dgm:sp3d/>
+    <dgm:txPr/>
+    <dgm:style>
+      <a:lnRef idx="1">
+        <a:scrgbClr r="0" g="0" b="0"/>
+      </a:lnRef>
+      <a:fillRef idx="1">
+        <a:scrgbClr r="0" g="0" b="0"/>
+      </a:fillRef>
+      <a:effectRef idx="2">
+        <a:scrgbClr r="0" g="0" b="0"/>
+      </a:effectRef>
+      <a:fontRef idx="minor"/>
+    </dgm:style>
+  </dgm:styleLbl>
+  <dgm:styleLbl name="alignAccFollowNode1">
+    <dgm:scene3d>
+      <a:camera prst="orthographicFront"/>
+      <a:lightRig rig="threePt" dir="t"/>
+    </dgm:scene3d>
+    <dgm:sp3d/>
+    <dgm:txPr/>
+    <dgm:style>
+      <a:lnRef idx="1">
+        <a:scrgbClr r="0" g="0" b="0"/>
+      </a:lnRef>
+      <a:fillRef idx="1">
+        <a:scrgbClr r="0" g="0" b="0"/>
+      </a:fillRef>
+      <a:effectRef idx="2">
+        <a:scrgbClr r="0" g="0" b="0"/>
+      </a:effectRef>
+      <a:fontRef idx="minor"/>
+    </dgm:style>
+  </dgm:styleLbl>
+  <dgm:styleLbl name="bgAccFollowNode1">
+    <dgm:scene3d>
+      <a:camera prst="orthographicFront"/>
+      <a:lightRig rig="threePt" dir="t"/>
+    </dgm:scene3d>
+    <dgm:sp3d/>
+    <dgm:txPr/>
+    <dgm:style>
+      <a:lnRef idx="1">
+        <a:scrgbClr r="0" g="0" b="0"/>
+      </a:lnRef>
+      <a:fillRef idx="1">
+        <a:scrgbClr r="0" g="0" b="0"/>
+      </a:fillRef>
+      <a:effectRef idx="2">
+        <a:scrgbClr r="0" g="0" b="0"/>
+      </a:effectRef>
+      <a:fontRef idx="minor"/>
+    </dgm:style>
+  </dgm:styleLbl>
+  <dgm:styleLbl name="fgAcc0">
+    <dgm:scene3d>
+      <a:camera prst="orthographicFront"/>
+      <a:lightRig rig="threePt" dir="t"/>
+    </dgm:scene3d>
+    <dgm:sp3d/>
+    <dgm:txPr/>
+    <dgm:style>
+      <a:lnRef idx="1">
+        <a:scrgbClr r="0" g="0" b="0"/>
+      </a:lnRef>
+      <a:fillRef idx="1">
+        <a:scrgbClr r="0" g="0" b="0"/>
+      </a:fillRef>
+      <a:effectRef idx="2">
+        <a:scrgbClr r="0" g="0" b="0"/>
+      </a:effectRef>
+      <a:fontRef idx="minor"/>
+    </dgm:style>
+  </dgm:styleLbl>
+  <dgm:styleLbl name="fgAcc2">
+    <dgm:scene3d>
+      <a:camera prst="orthographicFront"/>
+      <a:lightRig rig="threePt" dir="t"/>
+    </dgm:scene3d>
+    <dgm:sp3d/>
+    <dgm:txPr/>
+    <dgm:style>
+      <a:lnRef idx="1">
+        <a:scrgbClr r="0" g="0" b="0"/>
+      </a:lnRef>
+      <a:fillRef idx="1">
+        <a:scrgbClr r="0" g="0" b="0"/>
+      </a:fillRef>
+      <a:effectRef idx="2">
+        <a:scrgbClr r="0" g="0" b="0"/>
+      </a:effectRef>
+      <a:fontRef idx="minor"/>
+    </dgm:style>
+  </dgm:styleLbl>
+  <dgm:styleLbl name="fgAcc3">
+    <dgm:scene3d>
+      <a:camera prst="orthographicFront"/>
+      <a:lightRig rig="threePt" dir="t"/>
+    </dgm:scene3d>
+    <dgm:sp3d/>
+    <dgm:txPr/>
+    <dgm:style>
+      <a:lnRef idx="1">
+        <a:scrgbClr r="0" g="0" b="0"/>
+      </a:lnRef>
+      <a:fillRef idx="1">
+        <a:scrgbClr r="0" g="0" b="0"/>
+      </a:fillRef>
+      <a:effectRef idx="2">
+        <a:scrgbClr r="0" g="0" b="0"/>
+      </a:effectRef>
+      <a:fontRef idx="minor"/>
+    </dgm:style>
+  </dgm:styleLbl>
+  <dgm:styleLbl name="fgAcc4">
+    <dgm:scene3d>
+      <a:camera prst="orthographicFront"/>
+      <a:lightRig rig="threePt" dir="t"/>
+    </dgm:scene3d>
+    <dgm:sp3d/>
+    <dgm:txPr/>
+    <dgm:style>
+      <a:lnRef idx="1">
+        <a:scrgbClr r="0" g="0" b="0"/>
+      </a:lnRef>
+      <a:fillRef idx="1">
+        <a:scrgbClr r="0" g="0" b="0"/>
+      </a:fillRef>
+      <a:effectRef idx="2">
+        <a:scrgbClr r="0" g="0" b="0"/>
+      </a:effectRef>
+      <a:fontRef idx="minor"/>
+    </dgm:style>
+  </dgm:styleLbl>
+  <dgm:styleLbl name="bgShp">
+    <dgm:scene3d>
+      <a:camera prst="orthographicFront"/>
+      <a:lightRig rig="threePt" dir="t"/>
+    </dgm:scene3d>
+    <dgm:sp3d/>
+    <dgm:txPr/>
+    <dgm:style>
+      <a:lnRef idx="0">
+        <a:scrgbClr r="0" g="0" b="0"/>
+      </a:lnRef>
+      <a:fillRef idx="1">
+        <a:scrgbClr r="0" g="0" b="0"/>
+      </a:fillRef>
+      <a:effectRef idx="2">
+        <a:scrgbClr r="0" g="0" b="0"/>
+      </a:effectRef>
+      <a:fontRef idx="minor"/>
+    </dgm:style>
+  </dgm:styleLbl>
+  <dgm:styleLbl name="dkBgShp">
+    <dgm:scene3d>
+      <a:camera prst="orthographicFront"/>
+      <a:lightRig rig="threePt" dir="t"/>
+    </dgm:scene3d>
+    <dgm:sp3d/>
+    <dgm:txPr/>
+    <dgm:style>
+      <a:lnRef idx="0">
+        <a:scrgbClr r="0" g="0" b="0"/>
+      </a:lnRef>
+      <a:fillRef idx="1">
+        <a:scrgbClr r="0" g="0" b="0"/>
+      </a:fillRef>
+      <a:effectRef idx="3">
+        <a:scrgbClr r="0" g="0" b="0"/>
+      </a:effectRef>
+      <a:fontRef idx="minor"/>
+    </dgm:style>
+  </dgm:styleLbl>
+  <dgm:styleLbl name="trBgShp">
+    <dgm:scene3d>
+      <a:camera prst="orthographicFront"/>
+      <a:lightRig rig="threePt" dir="t"/>
+    </dgm:scene3d>
+    <dgm:sp3d/>
+    <dgm:txPr/>
+    <dgm:style>
+      <a:lnRef idx="0">
+        <a:scrgbClr r="0" g="0" b="0"/>
+      </a:lnRef>
+      <a:fillRef idx="1">
+        <a:scrgbClr r="0" g="0" b="0"/>
+      </a:fillRef>
+      <a:effectRef idx="0">
+        <a:scrgbClr r="0" g="0" b="0"/>
+      </a:effectRef>
+      <a:fontRef idx="minor"/>
+    </dgm:style>
+  </dgm:styleLbl>
+  <dgm:styleLbl name="fgShp">
+    <dgm:scene3d>
+      <a:camera prst="orthographicFront"/>
+      <a:lightRig rig="threePt" dir="t"/>
+    </dgm:scene3d>
+    <dgm:sp3d/>
+    <dgm:txPr/>
+    <dgm:style>
+      <a:lnRef idx="0">
+        <a:scrgbClr r="0" g="0" b="0"/>
+      </a:lnRef>
+      <a:fillRef idx="3">
+        <a:scrgbClr r="0" g="0" b="0"/>
+      </a:fillRef>
+      <a:effectRef idx="3">
+        <a:scrgbClr r="0" g="0" b="0"/>
+      </a:effectRef>
+      <a:fontRef idx="minor"/>
+    </dgm:style>
+  </dgm:styleLbl>
+  <dgm:styleLbl name="revTx">
+    <dgm:scene3d>
+      <a:camera prst="orthographicFront"/>
+      <a:lightRig rig="threePt" dir="t"/>
+    </dgm:scene3d>
+    <dgm:sp3d/>
+    <dgm:txPr/>
+    <dgm:style>
+      <a:lnRef idx="0">
+        <a:scrgbClr r="0" g="0" b="0"/>
+      </a:lnRef>
+      <a:fillRef idx="0">
+        <a:scrgbClr r="0" g="0" b="0"/>
+      </a:fillRef>
+      <a:effectRef idx="0">
+        <a:scrgbClr r="0" g="0" b="0"/>
+      </a:effectRef>
+      <a:fontRef idx="minor"/>
+    </dgm:style>
+  </dgm:styleLbl>
+</dgm:styleDef>
 </file>
 
 <file path=ppt/notesMasters/notesMaster1.xml><?xml version="1.0" encoding="utf-8"?>
@@ -214,7 +4999,7 @@
           <a:p>
             <a:fld id="{E17A1F60-D46C-C04D-A60B-2230C10FC134}" type="datetimeFigureOut">
               <a:rPr lang="en-US" smtClean="0"/>
-              <a:t>5/17/14</a:t>
+              <a:t>5/19/2014</a:t>
             </a:fld>
             <a:endParaRPr lang="en-US"/>
           </a:p>
@@ -676,11 +5461,31 @@
           <a:p>
             <a:r>
               <a:rPr lang="en-US" dirty="0" smtClean="0"/>
-              <a:t>90% is</a:t>
-            </a:r>
-            <a:r>
-              <a:rPr lang="en-US" baseline="0" dirty="0" smtClean="0"/>
-              <a:t> a dummy value</a:t>
+              <a:t>if threads try to acquire a lock faster than the rate at which a thread can execute the corresponding critical section, then program performance will suffer as threads will form a "convoy" waiting to acquire the lock.</a:t>
+            </a:r>
+          </a:p>
+          <a:p>
+            <a:r>
+              <a:rPr lang="en-US" dirty="0" smtClean="0"/>
+              <a:t>Threads that all use the same lock become queued to use the lock and end up serializing the processing. A 'convoy' is created.</a:t>
+            </a:r>
+          </a:p>
+          <a:p>
+            <a:r>
+              <a:rPr lang="en-US" dirty="0" smtClean="0"/>
+              <a:t>When a high-priority thread needs to acquire a lock held by a low-priority thread, the scheduler bumps up the priority of the blocking thread until the lock is released.</a:t>
+            </a:r>
+          </a:p>
+          <a:p>
+            <a:r>
+              <a:rPr lang="en-US" dirty="0" smtClean="0"/>
+              <a:t>That is certainly the method of choice to eliminate lock contention if it is workable. For example, consider contention for a counter of events. If each thread can have its own private counter, then no lock is necessary. If the total count is required, the counts can be summed after all threads are done counting.</a:t>
+            </a:r>
+          </a:p>
+          <a:p>
+            <a:r>
+              <a:rPr lang="en-US" dirty="0" smtClean="0"/>
+              <a:t>If the lock on a resource cannot be eliminated, consider partitioning the resource and using a separate lock to protect each partition. The partitioning can spread out contention among the locks.</a:t>
             </a:r>
             <a:endParaRPr lang="en-US" dirty="0"/>
           </a:p>
@@ -703,7 +5508,7 @@
           <a:p>
             <a:fld id="{4B5DE452-D96A-B043-A19B-3F6D5B1BBA3B}" type="slidenum">
               <a:rPr lang="en-US" smtClean="0"/>
-              <a:t>19</a:t>
+              <a:t>22</a:t>
             </a:fld>
             <a:endParaRPr lang="en-US"/>
           </a:p>
@@ -712,7 +5517,7 @@
     </p:spTree>
     <p:extLst>
       <p:ext uri="{BB962C8B-B14F-4D97-AF65-F5344CB8AC3E}">
-        <p14:creationId xmlns:p14="http://schemas.microsoft.com/office/powerpoint/2010/main" val="807505352"/>
+        <p14:creationId xmlns:p14="http://schemas.microsoft.com/office/powerpoint/2010/main" val="2738522525"/>
       </p:ext>
     </p:extLst>
   </p:cSld>
@@ -766,6 +5571,14 @@
           <a:bodyPr/>
           <a:lstStyle/>
           <a:p>
+            <a:r>
+              <a:rPr lang="en-US" dirty="0" smtClean="0"/>
+              <a:t>90% is</a:t>
+            </a:r>
+            <a:r>
+              <a:rPr lang="en-US" baseline="0" dirty="0" smtClean="0"/>
+              <a:t> a dummy value</a:t>
+            </a:r>
             <a:endParaRPr lang="en-US" dirty="0"/>
           </a:p>
         </p:txBody>
@@ -787,7 +5600,7 @@
           <a:p>
             <a:fld id="{4B5DE452-D96A-B043-A19B-3F6D5B1BBA3B}" type="slidenum">
               <a:rPr lang="en-US" smtClean="0"/>
-              <a:t>21</a:t>
+              <a:t>24</a:t>
             </a:fld>
             <a:endParaRPr lang="en-US"/>
           </a:p>
@@ -796,7 +5609,7 @@
     </p:spTree>
     <p:extLst>
       <p:ext uri="{BB962C8B-B14F-4D97-AF65-F5344CB8AC3E}">
-        <p14:creationId xmlns:p14="http://schemas.microsoft.com/office/powerpoint/2010/main" val="2122580804"/>
+        <p14:creationId xmlns:p14="http://schemas.microsoft.com/office/powerpoint/2010/main" val="807505352"/>
       </p:ext>
     </p:extLst>
   </p:cSld>
@@ -850,29 +5663,6 @@
           <a:bodyPr/>
           <a:lstStyle/>
           <a:p>
-            <a:r>
-              <a:rPr lang="en-US" dirty="0" smtClean="0"/>
-              <a:t>Starvation</a:t>
-            </a:r>
-          </a:p>
-          <a:p>
-            <a:r>
-              <a:rPr lang="en-US" dirty="0" smtClean="0"/>
-              <a:t>For example, suppose an object provides a synchronized method that often takes a long time to return. If one thread invokes this method frequently, other threads that also need frequent synchronized access to the same object will often be blocked.</a:t>
-            </a:r>
-          </a:p>
-          <a:p>
-            <a:r>
-              <a:rPr lang="en-US" dirty="0" err="1" smtClean="0"/>
-              <a:t>Livelock</a:t>
-            </a:r>
-            <a:endParaRPr lang="en-US" dirty="0" smtClean="0"/>
-          </a:p>
-          <a:p>
-            <a:r>
-              <a:rPr lang="en-US" dirty="0" smtClean="0"/>
-              <a:t>This is comparable to two people attempting to pass each other in a corridor: Bob moves to his left to let Emma pass, while Emma moves to his right to let Bob pass. Seeing that they are still blocking each other, Bob moves to his right, while Emma moves to his left. They're still blocking each other, so...</a:t>
-            </a:r>
             <a:endParaRPr lang="en-US" dirty="0"/>
           </a:p>
         </p:txBody>
@@ -892,9 +5682,116 @@
           <a:bodyPr/>
           <a:lstStyle/>
           <a:p>
+            <a:fld id="{4B5DE452-D96A-B043-A19B-3F6D5B1BBA3B}" type="slidenum">
+              <a:rPr lang="en-US" smtClean="0"/>
+              <a:t>26</a:t>
+            </a:fld>
+            <a:endParaRPr lang="en-US"/>
+          </a:p>
+        </p:txBody>
+      </p:sp>
+    </p:spTree>
+    <p:extLst>
+      <p:ext uri="{BB962C8B-B14F-4D97-AF65-F5344CB8AC3E}">
+        <p14:creationId xmlns:p14="http://schemas.microsoft.com/office/powerpoint/2010/main" val="2122580804"/>
+      </p:ext>
+    </p:extLst>
+  </p:cSld>
+  <p:clrMapOvr>
+    <a:masterClrMapping/>
+  </p:clrMapOvr>
+</p:notes>
+</file>
+
+<file path=ppt/notesSlides/notesSlide13.xml><?xml version="1.0" encoding="utf-8"?>
+<p:notes xmlns:a="http://schemas.openxmlformats.org/drawingml/2006/main" xmlns:r="http://schemas.openxmlformats.org/officeDocument/2006/relationships" xmlns:p="http://schemas.openxmlformats.org/presentationml/2006/main">
+  <p:cSld>
+    <p:spTree>
+      <p:nvGrpSpPr>
+        <p:cNvPr id="1" name=""/>
+        <p:cNvGrpSpPr/>
+        <p:nvPr/>
+      </p:nvGrpSpPr>
+      <p:grpSpPr>
+        <a:xfrm>
+          <a:off x="0" y="0"/>
+          <a:ext cx="0" cy="0"/>
+          <a:chOff x="0" y="0"/>
+          <a:chExt cx="0" cy="0"/>
+        </a:xfrm>
+      </p:grpSpPr>
+      <p:sp>
+        <p:nvSpPr>
+          <p:cNvPr id="2" name="Slide Image Placeholder 1"/>
+          <p:cNvSpPr>
+            <a:spLocks noGrp="1" noRot="1" noChangeAspect="1"/>
+          </p:cNvSpPr>
+          <p:nvPr>
+            <p:ph type="sldImg"/>
+          </p:nvPr>
+        </p:nvSpPr>
+        <p:spPr/>
+      </p:sp>
+      <p:sp>
+        <p:nvSpPr>
+          <p:cNvPr id="3" name="Notes Placeholder 2"/>
+          <p:cNvSpPr>
+            <a:spLocks noGrp="1"/>
+          </p:cNvSpPr>
+          <p:nvPr>
+            <p:ph type="body" idx="1"/>
+          </p:nvPr>
+        </p:nvSpPr>
+        <p:spPr/>
+        <p:txBody>
+          <a:bodyPr/>
+          <a:lstStyle/>
+          <a:p>
+            <a:r>
+              <a:rPr lang="en-US" dirty="0" smtClean="0"/>
+              <a:t>Starvation</a:t>
+            </a:r>
+          </a:p>
+          <a:p>
+            <a:r>
+              <a:rPr lang="en-US" dirty="0" smtClean="0"/>
+              <a:t>For example, suppose an object provides a synchronized method that often takes a long time to return. If one thread invokes this method frequently, other threads that also need frequent synchronized access to the same object will often be blocked.</a:t>
+            </a:r>
+          </a:p>
+          <a:p>
+            <a:r>
+              <a:rPr lang="en-US" dirty="0" err="1" smtClean="0"/>
+              <a:t>Livelock</a:t>
+            </a:r>
+            <a:endParaRPr lang="en-US" dirty="0" smtClean="0"/>
+          </a:p>
+          <a:p>
+            <a:r>
+              <a:rPr lang="en-US" dirty="0" smtClean="0"/>
+              <a:t>This is comparable to two people attempting to pass each other in a corridor: Bob moves to his left to let Emma pass, while Emma moves to his right to let Bob pass. Seeing that they are still blocking each other, Bob moves to his right, while Emma moves to his left. They're still blocking each other, so...</a:t>
+            </a:r>
+            <a:endParaRPr lang="en-US" dirty="0"/>
+          </a:p>
+        </p:txBody>
+      </p:sp>
+      <p:sp>
+        <p:nvSpPr>
+          <p:cNvPr id="4" name="Slide Number Placeholder 3"/>
+          <p:cNvSpPr>
+            <a:spLocks noGrp="1"/>
+          </p:cNvSpPr>
+          <p:nvPr>
+            <p:ph type="sldNum" sz="quarter" idx="10"/>
+          </p:nvPr>
+        </p:nvSpPr>
+        <p:spPr/>
+        <p:txBody>
+          <a:bodyPr/>
+          <a:lstStyle/>
+          <a:p>
             <a:fld id="{56BE3D67-E84A-6F4F-8E3B-3BC46E162796}" type="slidenum">
               <a:rPr lang="en-US" smtClean="0"/>
-              <a:t>23</a:t>
+              <a:t>28</a:t>
             </a:fld>
             <a:endParaRPr lang="en-US"/>
           </a:p>
@@ -1303,44 +6200,140 @@
           <a:bodyPr/>
           <a:lstStyle/>
           <a:p>
-            <a:pPr marL="171450" indent="-171450">
-              <a:buFontTx/>
-              <a:buChar char="-"/>
-            </a:pPr>
-            <a:r>
-              <a:rPr lang="en-US" dirty="0" smtClean="0"/>
-              <a:t>only one process may use a resource at a time.</a:t>
-            </a:r>
-          </a:p>
-          <a:p>
-            <a:pPr marL="171450" indent="-171450">
-              <a:buFontTx/>
-              <a:buChar char="-"/>
-            </a:pPr>
-            <a:r>
-              <a:rPr lang="en-US" dirty="0" smtClean="0"/>
-              <a:t>A process can continue to hold a resource while requesting another.</a:t>
-            </a:r>
-          </a:p>
-          <a:p>
-            <a:pPr marL="171450" indent="-171450">
-              <a:buFontTx/>
-              <a:buChar char="-"/>
-            </a:pPr>
-            <a:r>
-              <a:rPr lang="en-US" dirty="0" smtClean="0"/>
-              <a:t>A process cannot be forced to give up resources before it chooses to give them up.</a:t>
-            </a:r>
-          </a:p>
-          <a:p>
-            <a:pPr marL="171450" indent="-171450">
-              <a:buFontTx/>
-              <a:buChar char="-"/>
-            </a:pPr>
-            <a:r>
-              <a:rPr lang="en-US" dirty="0" smtClean="0"/>
-              <a:t>There is a cycle of hold-and-wait relationships.</a:t>
-            </a:r>
+            <a:r>
+              <a:rPr lang="en-GB" sz="1200" b="0" i="0" kern="1200" dirty="0" smtClean="0">
+                <a:solidFill>
+                  <a:schemeClr val="tx1"/>
+                </a:solidFill>
+                <a:effectLst/>
+                <a:latin typeface="+mn-lt"/>
+                <a:ea typeface="+mn-ea"/>
+                <a:cs typeface="+mn-cs"/>
+              </a:rPr>
+              <a:t>In computer .science, a </a:t>
+            </a:r>
+            <a:r>
+              <a:rPr lang="en-GB" sz="1200" b="1" i="0" kern="1200" dirty="0" smtClean="0">
+                <a:solidFill>
+                  <a:schemeClr val="tx1"/>
+                </a:solidFill>
+                <a:effectLst/>
+                <a:latin typeface="+mn-lt"/>
+                <a:ea typeface="+mn-ea"/>
+                <a:cs typeface="+mn-cs"/>
+              </a:rPr>
+              <a:t>nondeterministic</a:t>
+            </a:r>
+            <a:r>
+              <a:rPr lang="en-GB" sz="1200" b="0" i="0" kern="1200" dirty="0" smtClean="0">
+                <a:solidFill>
+                  <a:schemeClr val="tx1"/>
+                </a:solidFill>
+                <a:effectLst/>
+                <a:latin typeface="+mn-lt"/>
+                <a:ea typeface="+mn-ea"/>
+                <a:cs typeface="+mn-cs"/>
+              </a:rPr>
+              <a:t> algorithm is an algorithm that can exhibit different behaviours on different runs</a:t>
+            </a:r>
+          </a:p>
+          <a:p>
+            <a:endParaRPr lang="en-NZ" sz="1200" b="0" i="0" kern="1200" dirty="0" smtClean="0">
+              <a:solidFill>
+                <a:schemeClr val="tx1"/>
+              </a:solidFill>
+              <a:effectLst/>
+              <a:latin typeface="+mn-lt"/>
+              <a:ea typeface="+mn-ea"/>
+              <a:cs typeface="+mn-cs"/>
+            </a:endParaRPr>
+          </a:p>
+          <a:p>
+            <a:r>
+              <a:rPr lang="en-NZ" sz="1200" b="0" i="0" kern="1200" dirty="0" smtClean="0">
+                <a:solidFill>
+                  <a:schemeClr val="tx1"/>
+                </a:solidFill>
+                <a:effectLst/>
+                <a:latin typeface="+mn-lt"/>
+                <a:ea typeface="+mn-ea"/>
+                <a:cs typeface="+mn-cs"/>
+              </a:rPr>
+              <a:t>The code is re-ordered at the various stages between for Source code to actual</a:t>
+            </a:r>
+            <a:r>
+              <a:rPr lang="en-NZ" sz="1200" b="0" i="0" kern="1200" baseline="0" dirty="0" smtClean="0">
+                <a:solidFill>
+                  <a:schemeClr val="tx1"/>
+                </a:solidFill>
+                <a:effectLst/>
+                <a:latin typeface="+mn-lt"/>
+                <a:ea typeface="+mn-ea"/>
+                <a:cs typeface="+mn-cs"/>
+              </a:rPr>
+              <a:t> execution, a user cannot predict the re-ordering but can prevent It but </a:t>
+            </a:r>
+            <a:r>
+              <a:rPr lang="en-NZ" sz="1200" b="0" i="0" kern="1200" baseline="0" dirty="0" err="1" smtClean="0">
+                <a:solidFill>
+                  <a:schemeClr val="tx1"/>
+                </a:solidFill>
+                <a:effectLst/>
+                <a:latin typeface="+mn-lt"/>
+                <a:ea typeface="+mn-ea"/>
+                <a:cs typeface="+mn-cs"/>
+              </a:rPr>
+              <a:t>explicity</a:t>
+            </a:r>
+            <a:r>
+              <a:rPr lang="en-NZ" sz="1200" b="0" i="0" kern="1200" baseline="0" dirty="0" smtClean="0">
+                <a:solidFill>
+                  <a:schemeClr val="tx1"/>
+                </a:solidFill>
+                <a:effectLst/>
+                <a:latin typeface="+mn-lt"/>
+                <a:ea typeface="+mn-ea"/>
+                <a:cs typeface="+mn-cs"/>
+              </a:rPr>
+              <a:t> providing the mutable locks.</a:t>
+            </a:r>
+            <a:endParaRPr lang="en-GB" sz="1200" b="0" i="0" kern="1200" dirty="0" smtClean="0">
+              <a:solidFill>
+                <a:schemeClr val="tx1"/>
+              </a:solidFill>
+              <a:effectLst/>
+              <a:latin typeface="+mn-lt"/>
+              <a:ea typeface="+mn-ea"/>
+              <a:cs typeface="+mn-cs"/>
+            </a:endParaRPr>
+          </a:p>
+          <a:p>
+            <a:endParaRPr lang="en-NZ" sz="1200" b="0" i="0" kern="1200" dirty="0" smtClean="0">
+              <a:solidFill>
+                <a:schemeClr val="tx1"/>
+              </a:solidFill>
+              <a:effectLst/>
+              <a:latin typeface="+mn-lt"/>
+              <a:ea typeface="+mn-ea"/>
+              <a:cs typeface="+mn-cs"/>
+            </a:endParaRPr>
+          </a:p>
+          <a:p>
+            <a:r>
+              <a:rPr lang="en-NZ" sz="1200" b="0" i="0" kern="1200" dirty="0" smtClean="0">
+                <a:solidFill>
+                  <a:schemeClr val="tx1"/>
+                </a:solidFill>
+                <a:effectLst/>
+                <a:latin typeface="+mn-lt"/>
+                <a:ea typeface="+mn-ea"/>
+                <a:cs typeface="+mn-cs"/>
+              </a:rPr>
+              <a:t>Reference : http://channel9.msdn.com/Shows/Going+Deep/Cpp-and-Beyond-2012-Herb-Sutter-atomic-Weapons-1-of-2.</a:t>
+            </a:r>
+          </a:p>
+          <a:p>
+            <a:endParaRPr lang="en-GB" dirty="0"/>
           </a:p>
         </p:txBody>
       </p:sp>
@@ -1361,7 +6354,7 @@
           <a:p>
             <a:fld id="{4B5DE452-D96A-B043-A19B-3F6D5B1BBA3B}" type="slidenum">
               <a:rPr lang="en-US" smtClean="0"/>
-              <a:t>11</a:t>
+              <a:t>10</a:t>
             </a:fld>
             <a:endParaRPr lang="en-US"/>
           </a:p>
@@ -1370,7 +6363,7 @@
     </p:spTree>
     <p:extLst>
       <p:ext uri="{BB962C8B-B14F-4D97-AF65-F5344CB8AC3E}">
-        <p14:creationId xmlns:p14="http://schemas.microsoft.com/office/powerpoint/2010/main" val="438134601"/>
+        <p14:creationId xmlns:p14="http://schemas.microsoft.com/office/powerpoint/2010/main" val="2945296580"/>
       </p:ext>
     </p:extLst>
   </p:cSld>
@@ -1424,19 +6417,43 @@
           <a:bodyPr/>
           <a:lstStyle/>
           <a:p>
-            <a:r>
-              <a:rPr lang="en-US" dirty="0" smtClean="0"/>
-              <a:t>- If all processes always request resources in a fixed order, there can be no hold-and-wait cycle.</a:t>
-            </a:r>
-          </a:p>
-          <a:p>
             <a:pPr marL="171450" indent="-171450">
               <a:buFontTx/>
               <a:buChar char="-"/>
             </a:pPr>
             <a:r>
               <a:rPr lang="en-US" dirty="0" smtClean="0"/>
-              <a:t>This is usually not a burdensome restriction. It still allows us to have critical sections that involve more than one resource, and use simple lock and unlock operations on individual resources to implement them.</a:t>
+              <a:t>only one process may use a resource at a time.</a:t>
+            </a:r>
+          </a:p>
+          <a:p>
+            <a:pPr marL="171450" indent="-171450">
+              <a:buFontTx/>
+              <a:buChar char="-"/>
+            </a:pPr>
+            <a:r>
+              <a:rPr lang="en-US" dirty="0" smtClean="0"/>
+              <a:t>A process can continue to hold a resource while requesting another.</a:t>
+            </a:r>
+          </a:p>
+          <a:p>
+            <a:pPr marL="171450" indent="-171450">
+              <a:buFontTx/>
+              <a:buChar char="-"/>
+            </a:pPr>
+            <a:r>
+              <a:rPr lang="en-US" dirty="0" smtClean="0"/>
+              <a:t>A process cannot be forced to give up resources before it chooses to give them up.</a:t>
+            </a:r>
+          </a:p>
+          <a:p>
+            <a:pPr marL="171450" indent="-171450">
+              <a:buFontTx/>
+              <a:buChar char="-"/>
+            </a:pPr>
+            <a:r>
+              <a:rPr lang="en-US" dirty="0" smtClean="0"/>
+              <a:t>There is a cycle of hold-and-wait relationships.</a:t>
             </a:r>
           </a:p>
         </p:txBody>
@@ -1456,9 +6473,9 @@
           <a:bodyPr/>
           <a:lstStyle/>
           <a:p>
-            <a:fld id="{56BE3D67-E84A-6F4F-8E3B-3BC46E162796}" type="slidenum">
+            <a:fld id="{4B5DE452-D96A-B043-A19B-3F6D5B1BBA3B}" type="slidenum">
               <a:rPr lang="en-US" smtClean="0"/>
-              <a:t>13</a:t>
+              <a:t>16</a:t>
             </a:fld>
             <a:endParaRPr lang="en-US"/>
           </a:p>
@@ -1467,7 +6484,7 @@
     </p:spTree>
     <p:extLst>
       <p:ext uri="{BB962C8B-B14F-4D97-AF65-F5344CB8AC3E}">
-        <p14:creationId xmlns:p14="http://schemas.microsoft.com/office/powerpoint/2010/main" val="3137412600"/>
+        <p14:creationId xmlns:p14="http://schemas.microsoft.com/office/powerpoint/2010/main" val="438134601"/>
       </p:ext>
     </p:extLst>
   </p:cSld>
@@ -1521,33 +6538,20 @@
           <a:bodyPr/>
           <a:lstStyle/>
           <a:p>
+            <a:r>
+              <a:rPr lang="en-US" dirty="0" smtClean="0"/>
+              <a:t>- If all processes always request resources in a fixed order, there can be no hold-and-wait cycle.</a:t>
+            </a:r>
+          </a:p>
+          <a:p>
             <a:pPr marL="171450" indent="-171450">
               <a:buFontTx/>
               <a:buChar char="-"/>
             </a:pPr>
             <a:r>
               <a:rPr lang="en-US" dirty="0" smtClean="0"/>
-              <a:t>If processes always request all resources they will need at once, there can be no hold-and-wait</a:t>
-            </a:r>
-          </a:p>
-          <a:p>
-            <a:pPr marL="171450" indent="-171450">
-              <a:buFontTx/>
-              <a:buChar char="-"/>
-            </a:pPr>
-            <a:r>
-              <a:rPr lang="en-US" dirty="0" smtClean="0"/>
-              <a:t>This allows critical sections that involve more than one resource, but requires the operating system (or resource manager) to provide a way to atomically request several resources at once. Some batch and real-time operating systems support this, but it is not supported, for example, by the POSIX thread </a:t>
-            </a:r>
-            <a:r>
-              <a:rPr lang="en-US" dirty="0" err="1" smtClean="0"/>
-              <a:t>mutex</a:t>
-            </a:r>
-            <a:r>
-              <a:rPr lang="en-US" dirty="0" smtClean="0"/>
-              <a:t> API.</a:t>
-            </a:r>
-            <a:endParaRPr lang="en-US" dirty="0"/>
+              <a:t>This is usually not a burdensome restriction. It still allows us to have critical sections that involve more than one resource, and use simple lock and unlock operations on individual resources to implement them.</a:t>
+            </a:r>
           </a:p>
         </p:txBody>
       </p:sp>
@@ -1568,7 +6572,7 @@
           <a:p>
             <a:fld id="{56BE3D67-E84A-6F4F-8E3B-3BC46E162796}" type="slidenum">
               <a:rPr lang="en-US" smtClean="0"/>
-              <a:t>14</a:t>
+              <a:t>18</a:t>
             </a:fld>
             <a:endParaRPr lang="en-US"/>
           </a:p>
@@ -1577,7 +6581,7 @@
     </p:spTree>
     <p:extLst>
       <p:ext uri="{BB962C8B-B14F-4D97-AF65-F5344CB8AC3E}">
-        <p14:creationId xmlns:p14="http://schemas.microsoft.com/office/powerpoint/2010/main" val="603379510"/>
+        <p14:creationId xmlns:p14="http://schemas.microsoft.com/office/powerpoint/2010/main" val="3137412600"/>
       </p:ext>
     </p:extLst>
   </p:cSld>
@@ -1637,7 +6641,7 @@
             </a:pPr>
             <a:r>
               <a:rPr lang="en-US" dirty="0" smtClean="0"/>
-              <a:t>If processes always release one resource before requesting another, there can be no hold-and-wait.</a:t>
+              <a:t>If processes always request all resources they will need at once, there can be no hold-and-wait</a:t>
             </a:r>
           </a:p>
           <a:p>
@@ -1647,7 +6651,15 @@
             </a:pPr>
             <a:r>
               <a:rPr lang="en-US" dirty="0" smtClean="0"/>
-              <a:t>This is a tougher restriction. It rules out critical sections that involve more than one resource.</a:t>
+              <a:t>This allows critical sections that involve more than one resource, but requires the operating system (or resource manager) to provide a way to atomically request several resources at once. Some batch and real-time operating systems support this, but it is not supported, for example, by the POSIX thread </a:t>
+            </a:r>
+            <a:r>
+              <a:rPr lang="en-US" dirty="0" err="1" smtClean="0"/>
+              <a:t>mutex</a:t>
+            </a:r>
+            <a:r>
+              <a:rPr lang="en-US" dirty="0" smtClean="0"/>
+              <a:t> API.</a:t>
             </a:r>
             <a:endParaRPr lang="en-US" dirty="0"/>
           </a:p>
@@ -1670,7 +6682,7 @@
           <a:p>
             <a:fld id="{56BE3D67-E84A-6F4F-8E3B-3BC46E162796}" type="slidenum">
               <a:rPr lang="en-US" smtClean="0"/>
-              <a:t>15</a:t>
+              <a:t>19</a:t>
             </a:fld>
             <a:endParaRPr lang="en-US"/>
           </a:p>
@@ -1679,7 +6691,7 @@
     </p:spTree>
     <p:extLst>
       <p:ext uri="{BB962C8B-B14F-4D97-AF65-F5344CB8AC3E}">
-        <p14:creationId xmlns:p14="http://schemas.microsoft.com/office/powerpoint/2010/main" val="2688967800"/>
+        <p14:creationId xmlns:p14="http://schemas.microsoft.com/office/powerpoint/2010/main" val="603379510"/>
       </p:ext>
     </p:extLst>
   </p:cSld>
@@ -1733,33 +6745,23 @@
           <a:bodyPr/>
           <a:lstStyle/>
           <a:p>
-            <a:r>
-              <a:rPr lang="en-US" dirty="0" smtClean="0"/>
-              <a:t>if threads try to acquire a lock faster than the rate at which a thread can execute the corresponding critical section, then program performance will suffer as threads will form a "convoy" waiting to acquire the lock.</a:t>
-            </a:r>
-          </a:p>
-          <a:p>
-            <a:r>
-              <a:rPr lang="en-US" dirty="0" smtClean="0"/>
-              <a:t>Threads that all use the same lock become queued to use the lock and end up serializing the processing. A 'convoy' is created.</a:t>
-            </a:r>
-          </a:p>
-          <a:p>
-            <a:r>
-              <a:rPr lang="en-US" dirty="0" smtClean="0"/>
-              <a:t>When a high-priority thread needs to acquire a lock held by a low-priority thread, the scheduler bumps up the priority of the blocking thread until the lock is released.</a:t>
-            </a:r>
-          </a:p>
-          <a:p>
-            <a:r>
-              <a:rPr lang="en-US" dirty="0" smtClean="0"/>
-              <a:t>That is certainly the method of choice to eliminate lock contention if it is workable. For example, consider contention for a counter of events. If each thread can have its own private counter, then no lock is necessary. If the total count is required, the counts can be summed after all threads are done counting.</a:t>
-            </a:r>
-          </a:p>
-          <a:p>
-            <a:r>
-              <a:rPr lang="en-US" dirty="0" smtClean="0"/>
-              <a:t>If the lock on a resource cannot be eliminated, consider partitioning the resource and using a separate lock to protect each partition. The partitioning can spread out contention among the locks.</a:t>
+            <a:pPr marL="171450" indent="-171450">
+              <a:buFontTx/>
+              <a:buChar char="-"/>
+            </a:pPr>
+            <a:r>
+              <a:rPr lang="en-US" dirty="0" smtClean="0"/>
+              <a:t>If processes always release one resource before requesting another, there can be no hold-and-wait.</a:t>
+            </a:r>
+          </a:p>
+          <a:p>
+            <a:pPr marL="171450" indent="-171450">
+              <a:buFontTx/>
+              <a:buChar char="-"/>
+            </a:pPr>
+            <a:r>
+              <a:rPr lang="en-US" dirty="0" smtClean="0"/>
+              <a:t>This is a tougher restriction. It rules out critical sections that involve more than one resource.</a:t>
             </a:r>
             <a:endParaRPr lang="en-US" dirty="0"/>
           </a:p>
@@ -1780,9 +6782,9 @@
           <a:bodyPr/>
           <a:lstStyle/>
           <a:p>
-            <a:fld id="{4B5DE452-D96A-B043-A19B-3F6D5B1BBA3B}" type="slidenum">
+            <a:fld id="{56BE3D67-E84A-6F4F-8E3B-3BC46E162796}" type="slidenum">
               <a:rPr lang="en-US" smtClean="0"/>
-              <a:t>17</a:t>
+              <a:t>20</a:t>
             </a:fld>
             <a:endParaRPr lang="en-US"/>
           </a:p>
@@ -1791,7 +6793,7 @@
     </p:spTree>
     <p:extLst>
       <p:ext uri="{BB962C8B-B14F-4D97-AF65-F5344CB8AC3E}">
-        <p14:creationId xmlns:p14="http://schemas.microsoft.com/office/powerpoint/2010/main" val="2738522525"/>
+        <p14:creationId xmlns:p14="http://schemas.microsoft.com/office/powerpoint/2010/main" val="2688967800"/>
       </p:ext>
     </p:extLst>
   </p:cSld>
@@ -2134,7 +7136,7 @@
             <a:fld id="{25AE17C7-B787-4E50-994D-5E804113A1E9}" type="datetime4">
               <a:rPr lang="en-US" smtClean="0"/>
               <a:pPr/>
-              <a:t>May 17, 2014</a:t>
+              <a:t>May 19, 2014</a:t>
             </a:fld>
             <a:endParaRPr lang="en-US" dirty="0"/>
           </a:p>
@@ -2317,7 +7319,7 @@
             <a:fld id="{AFDD7A28-FA93-4136-BDC1-BCCB2687E678}" type="datetimeFigureOut">
               <a:rPr lang="en-US" smtClean="0"/>
               <a:pPr/>
-              <a:t>5/17/14</a:t>
+              <a:t>5/19/2014</a:t>
             </a:fld>
             <a:endParaRPr lang="en-US"/>
           </a:p>
@@ -2565,7 +7567,7 @@
             <a:fld id="{AFDD7A28-FA93-4136-BDC1-BCCB2687E678}" type="datetimeFigureOut">
               <a:rPr lang="en-US" smtClean="0"/>
               <a:pPr/>
-              <a:t>5/17/14</a:t>
+              <a:t>5/19/2014</a:t>
             </a:fld>
             <a:endParaRPr lang="en-US" dirty="0"/>
           </a:p>
@@ -3159,7 +8161,7 @@
             <a:fld id="{679F0FCF-2EA5-4FF5-AF14-1CA9C8854AAB}" type="datetime4">
               <a:rPr lang="en-US" smtClean="0"/>
               <a:pPr/>
-              <a:t>May 17, 2014</a:t>
+              <a:t>May 19, 2014</a:t>
             </a:fld>
             <a:endParaRPr lang="en-US" dirty="0"/>
           </a:p>
@@ -3381,7 +8383,7 @@
             <a:fld id="{F9E781C6-1634-4A56-B2BE-62150BE83935}" type="datetime4">
               <a:rPr lang="en-US" smtClean="0"/>
               <a:pPr/>
-              <a:t>May 17, 2014</a:t>
+              <a:t>May 19, 2014</a:t>
             </a:fld>
             <a:endParaRPr lang="en-US" dirty="0"/>
           </a:p>
@@ -3805,7 +8807,7 @@
             <a:fld id="{A9372AC2-3C75-4F5F-A929-48958086FE36}" type="datetime4">
               <a:rPr lang="en-US" smtClean="0"/>
               <a:pPr/>
-              <a:t>May 17, 2014</a:t>
+              <a:t>May 19, 2014</a:t>
             </a:fld>
             <a:endParaRPr lang="en-US" dirty="0"/>
           </a:p>
@@ -3959,7 +8961,7 @@
             <a:fld id="{17509CF4-4C1A-45DC-BADA-6EFF91CB9ABB}" type="datetime4">
               <a:rPr lang="en-US" smtClean="0"/>
               <a:pPr/>
-              <a:t>May 17, 2014</a:t>
+              <a:t>May 19, 2014</a:t>
             </a:fld>
             <a:endParaRPr lang="en-US" dirty="0"/>
           </a:p>
@@ -4067,7 +9069,7 @@
             <a:fld id="{C53951C0-B478-4858-ABC7-96406A1C0480}" type="datetime4">
               <a:rPr lang="en-US" smtClean="0"/>
               <a:pPr/>
-              <a:t>May 17, 2014</a:t>
+              <a:t>May 19, 2014</a:t>
             </a:fld>
             <a:endParaRPr lang="en-US" dirty="0"/>
           </a:p>
@@ -4339,7 +9341,7 @@
             <a:fld id="{B867641A-9D94-4BD6-862F-F651067079BC}" type="datetime4">
               <a:rPr lang="en-US" smtClean="0"/>
               <a:pPr/>
-              <a:t>May 17, 2014</a:t>
+              <a:t>May 19, 2014</a:t>
             </a:fld>
             <a:endParaRPr lang="en-US" dirty="0"/>
           </a:p>
@@ -4650,7 +9652,7 @@
             <a:fld id="{D74F0C02-0EF4-4745-9D82-E8D3F59464E3}" type="datetime4">
               <a:rPr lang="en-US" smtClean="0"/>
               <a:pPr/>
-              <a:t>May 17, 2014</a:t>
+              <a:t>May 19, 2014</a:t>
             </a:fld>
             <a:endParaRPr lang="en-US" dirty="0"/>
           </a:p>
@@ -5369,7 +10371,7 @@
   <p:timing>
     <p:tnLst>
       <p:par>
-        <p:cTn xmlns:p14="http://schemas.microsoft.com/office/powerpoint/2010/main" id="1" dur="indefinite" restart="never" nodeType="tmRoot"/>
+        <p:cTn id="1" dur="indefinite" restart="never" nodeType="tmRoot"/>
       </p:par>
     </p:tnLst>
   </p:timing>
@@ -5395,29 +10397,6 @@
       </p:grpSpPr>
       <p:sp>
         <p:nvSpPr>
-          <p:cNvPr id="2" name="Subtitle 1"/>
-          <p:cNvSpPr>
-            <a:spLocks noGrp="1"/>
-          </p:cNvSpPr>
-          <p:nvPr>
-            <p:ph type="subTitle" idx="1"/>
-          </p:nvPr>
-        </p:nvSpPr>
-        <p:spPr/>
-        <p:txBody>
-          <a:bodyPr/>
-          <a:lstStyle/>
-          <a:p>
-            <a:r>
-              <a:rPr lang="en-US" dirty="0" smtClean="0"/>
-              <a:t>DEMO</a:t>
-            </a:r>
-            <a:endParaRPr lang="en-US" dirty="0"/>
-          </a:p>
-        </p:txBody>
-      </p:sp>
-      <p:sp>
-        <p:nvSpPr>
           <p:cNvPr id="3" name="Title 2"/>
           <p:cNvSpPr>
             <a:spLocks noGrp="1"/>
@@ -5432,23 +10411,149 @@
           <a:lstStyle/>
           <a:p>
             <a:r>
-              <a:rPr lang="en-US" dirty="0" smtClean="0"/>
-              <a:t>MUTUAL EXCUSION</a:t>
-            </a:r>
+              <a:rPr lang="en-NZ" dirty="0" smtClean="0"/>
+              <a:t>Why is it a Pitfall?</a:t>
+            </a:r>
+            <a:endParaRPr lang="en-GB" dirty="0"/>
+          </a:p>
+        </p:txBody>
+      </p:sp>
+      <p:sp>
+        <p:nvSpPr>
+          <p:cNvPr id="5" name="TextBox 4"/>
+          <p:cNvSpPr txBox="1"/>
+          <p:nvPr/>
+        </p:nvSpPr>
+        <p:spPr>
+          <a:xfrm>
+            <a:off x="457200" y="1422286"/>
+            <a:ext cx="6826469" cy="923330"/>
+          </a:xfrm>
+          <a:prstGeom prst="rect">
+            <a:avLst/>
+          </a:prstGeom>
+          <a:noFill/>
+        </p:spPr>
+        <p:txBody>
+          <a:bodyPr wrap="square" rtlCol="0">
+            <a:spAutoFit/>
+          </a:bodyPr>
+          <a:lstStyle/>
+          <a:p>
+            <a:r>
+              <a:rPr lang="en-US" dirty="0" smtClean="0"/>
+              <a:t>It </a:t>
+            </a:r>
+            <a:r>
+              <a:rPr lang="en-US" dirty="0"/>
+              <a:t>is </a:t>
+            </a:r>
+            <a:r>
+              <a:rPr lang="en-US" dirty="0" smtClean="0"/>
+              <a:t>non deterministic : </a:t>
+            </a:r>
+            <a:r>
+              <a:rPr lang="en-GB" dirty="0"/>
+              <a:t>can exhibit different behaviours on different </a:t>
+            </a:r>
+            <a:r>
+              <a:rPr lang="en-GB" dirty="0" smtClean="0"/>
+              <a:t>runs</a:t>
+            </a:r>
+            <a:endParaRPr lang="en-US" dirty="0" smtClean="0"/>
+          </a:p>
+          <a:p>
             <a:endParaRPr lang="en-US" dirty="0"/>
+          </a:p>
+          <a:p>
+            <a:r>
+              <a:rPr lang="en-US" dirty="0" smtClean="0"/>
+              <a:t>Why is it </a:t>
+            </a:r>
+            <a:r>
+              <a:rPr lang="en-US" dirty="0"/>
+              <a:t>non deterministic</a:t>
+            </a:r>
+            <a:r>
+              <a:rPr lang="en-US" dirty="0" smtClean="0"/>
+              <a:t>??</a:t>
+            </a:r>
+            <a:endParaRPr lang="en-US" dirty="0"/>
+          </a:p>
+        </p:txBody>
+      </p:sp>
+      <p:graphicFrame>
+        <p:nvGraphicFramePr>
+          <p:cNvPr id="8" name="Diagram 7"/>
+          <p:cNvGraphicFramePr/>
+          <p:nvPr>
+            <p:extLst/>
+          </p:nvPr>
+        </p:nvGraphicFramePr>
+        <p:xfrm>
+          <a:off x="2364828" y="2646600"/>
+          <a:ext cx="3752192" cy="2380593"/>
+        </p:xfrm>
+        <a:graphic>
+          <a:graphicData uri="http://schemas.openxmlformats.org/drawingml/2006/diagram">
+            <dgm:relIds xmlns:dgm="http://schemas.openxmlformats.org/drawingml/2006/diagram" xmlns:r="http://schemas.openxmlformats.org/officeDocument/2006/relationships" r:dm="rId3" r:lo="rId4" r:qs="rId5" r:cs="rId6"/>
+          </a:graphicData>
+        </a:graphic>
+      </p:graphicFrame>
+      <p:sp>
+        <p:nvSpPr>
+          <p:cNvPr id="9" name="Rectangle 8"/>
+          <p:cNvSpPr/>
+          <p:nvPr/>
+        </p:nvSpPr>
+        <p:spPr>
+          <a:xfrm>
+            <a:off x="457200" y="5839995"/>
+            <a:ext cx="8355724" cy="230832"/>
+          </a:xfrm>
+          <a:prstGeom prst="rect">
+            <a:avLst/>
+          </a:prstGeom>
+        </p:spPr>
+        <p:txBody>
+          <a:bodyPr wrap="square">
+            <a:spAutoFit/>
+          </a:bodyPr>
+          <a:lstStyle/>
+          <a:p>
+            <a:r>
+              <a:rPr lang="en-NZ" sz="900" dirty="0"/>
+              <a:t>Reference : http://channel9.msdn.com/Shows/Going+Deep/Cpp-and-Beyond-2012-Herb-Sutter-atomic-Weapons-1-of-2</a:t>
+            </a:r>
+            <a:endParaRPr lang="en-GB" sz="900" dirty="0"/>
           </a:p>
         </p:txBody>
       </p:sp>
     </p:spTree>
     <p:extLst>
       <p:ext uri="{BB962C8B-B14F-4D97-AF65-F5344CB8AC3E}">
-        <p14:creationId xmlns:p14="http://schemas.microsoft.com/office/powerpoint/2010/main" val="81362325"/>
+        <p14:creationId xmlns:p14="http://schemas.microsoft.com/office/powerpoint/2010/main" val="4152145040"/>
       </p:ext>
     </p:extLst>
   </p:cSld>
   <p:clrMapOvr>
     <a:masterClrMapping/>
   </p:clrMapOvr>
+  <mc:AlternateContent xmlns:mc="http://schemas.openxmlformats.org/markup-compatibility/2006">
+    <mc:Choice xmlns:p14="http://schemas.microsoft.com/office/powerpoint/2010/main" Requires="p14">
+      <p:transition p14:dur="0"/>
+    </mc:Choice>
+    <mc:Fallback>
+      <p:transition/>
+    </mc:Fallback>
+  </mc:AlternateContent>
+  <p:timing>
+    <p:tnLst>
+      <p:par>
+        <p:cTn id="1" dur="indefinite" restart="never" nodeType="tmRoot"/>
+      </p:par>
+    </p:tnLst>
+  </p:timing>
 </p:sld>
 </file>
 
@@ -5471,165 +10576,6 @@
       </p:grpSpPr>
       <p:sp>
         <p:nvSpPr>
-          <p:cNvPr id="2" name="Content Placeholder 1"/>
-          <p:cNvSpPr>
-            <a:spLocks noGrp="1"/>
-          </p:cNvSpPr>
-          <p:nvPr>
-            <p:ph sz="quarter" idx="13"/>
-          </p:nvPr>
-        </p:nvSpPr>
-        <p:spPr/>
-        <p:txBody>
-          <a:bodyPr>
-            <a:normAutofit fontScale="77500" lnSpcReduction="20000"/>
-          </a:bodyPr>
-          <a:lstStyle/>
-          <a:p>
-            <a:r>
-              <a:rPr lang="en-US" dirty="0">
-                <a:latin typeface="Comic Sans MS"/>
-                <a:cs typeface="Comic Sans MS"/>
-              </a:rPr>
-              <a:t>Permanent blocking of set of processes that either compete for system resources or communicate with each other.</a:t>
-            </a:r>
-          </a:p>
-          <a:p>
-            <a:endParaRPr lang="en-US" dirty="0" smtClean="0">
-              <a:latin typeface="Comic Sans MS"/>
-              <a:cs typeface="Comic Sans MS"/>
-            </a:endParaRPr>
-          </a:p>
-          <a:p>
-            <a:r>
-              <a:rPr lang="en-US" dirty="0" smtClean="0">
-                <a:latin typeface="Comic Sans MS"/>
-                <a:cs typeface="Comic Sans MS"/>
-              </a:rPr>
-              <a:t>The </a:t>
-            </a:r>
-            <a:r>
-              <a:rPr lang="en-US" dirty="0">
-                <a:latin typeface="Comic Sans MS"/>
-                <a:cs typeface="Comic Sans MS"/>
-              </a:rPr>
-              <a:t>4 Necessary Conditions for Deadlock</a:t>
-            </a:r>
-          </a:p>
-          <a:p>
-            <a:endParaRPr lang="en-US" dirty="0">
-              <a:latin typeface="Comic Sans MS"/>
-              <a:cs typeface="Comic Sans MS"/>
-            </a:endParaRPr>
-          </a:p>
-          <a:p>
-            <a:pPr marL="342900" indent="-342900">
-              <a:buFont typeface="Arial"/>
-              <a:buChar char="•"/>
-            </a:pPr>
-            <a:r>
-              <a:rPr lang="en-US" dirty="0">
-                <a:latin typeface="Comic Sans MS"/>
-                <a:cs typeface="Comic Sans MS"/>
-              </a:rPr>
-              <a:t>Exclusive access (mutual exclusion)</a:t>
-            </a:r>
-          </a:p>
-          <a:p>
-            <a:r>
-              <a:rPr lang="en-US" dirty="0">
-                <a:latin typeface="Comic Sans MS"/>
-                <a:cs typeface="Comic Sans MS"/>
-              </a:rPr>
-              <a:t>	</a:t>
-            </a:r>
-          </a:p>
-          <a:p>
-            <a:pPr marL="342900" indent="-342900">
-              <a:buFont typeface="Arial"/>
-              <a:buChar char="•"/>
-            </a:pPr>
-            <a:r>
-              <a:rPr lang="en-US" dirty="0">
-                <a:latin typeface="Comic Sans MS"/>
-                <a:cs typeface="Comic Sans MS"/>
-              </a:rPr>
-              <a:t>Wait while holding (hold-and-wait)</a:t>
-            </a:r>
-          </a:p>
-          <a:p>
-            <a:r>
-              <a:rPr lang="en-US" dirty="0">
-                <a:latin typeface="Comic Sans MS"/>
-                <a:cs typeface="Comic Sans MS"/>
-              </a:rPr>
-              <a:t>	</a:t>
-            </a:r>
-          </a:p>
-          <a:p>
-            <a:pPr marL="342900" indent="-342900">
-              <a:buFont typeface="Arial"/>
-              <a:buChar char="•"/>
-            </a:pPr>
-            <a:r>
-              <a:rPr lang="en-US" dirty="0">
-                <a:latin typeface="Comic Sans MS"/>
-                <a:cs typeface="Comic Sans MS"/>
-              </a:rPr>
-              <a:t>No preemption</a:t>
-            </a:r>
-          </a:p>
-          <a:p>
-            <a:r>
-              <a:rPr lang="en-US" dirty="0">
-                <a:latin typeface="Comic Sans MS"/>
-                <a:cs typeface="Comic Sans MS"/>
-              </a:rPr>
-              <a:t>	</a:t>
-            </a:r>
-          </a:p>
-          <a:p>
-            <a:pPr marL="342900" indent="-342900">
-              <a:buFont typeface="Arial"/>
-              <a:buChar char="•"/>
-            </a:pPr>
-            <a:r>
-              <a:rPr lang="en-US" dirty="0">
-                <a:latin typeface="Comic Sans MS"/>
-                <a:cs typeface="Comic Sans MS"/>
-              </a:rPr>
-              <a:t>Circular </a:t>
-            </a:r>
-            <a:r>
-              <a:rPr lang="en-US" dirty="0" smtClean="0">
-                <a:latin typeface="Comic Sans MS"/>
-                <a:cs typeface="Comic Sans MS"/>
-              </a:rPr>
-              <a:t>wait</a:t>
-            </a:r>
-          </a:p>
-          <a:p>
-            <a:endParaRPr lang="en-US" dirty="0">
-              <a:latin typeface="Comic Sans MS"/>
-              <a:cs typeface="Comic Sans MS"/>
-            </a:endParaRPr>
-          </a:p>
-          <a:p>
-            <a:r>
-              <a:rPr lang="en-US" dirty="0"/>
-              <a:t>All of the four conditions are necessary for deadlock to occur. Hence, by preventing any one of them we prevent deadlock.</a:t>
-            </a:r>
-          </a:p>
-          <a:p>
-            <a:endParaRPr lang="en-US" dirty="0">
-              <a:latin typeface="Comic Sans MS"/>
-              <a:cs typeface="Comic Sans MS"/>
-            </a:endParaRPr>
-          </a:p>
-        </p:txBody>
-      </p:sp>
-      <p:sp>
-        <p:nvSpPr>
           <p:cNvPr id="3" name="Title 2"/>
           <p:cNvSpPr>
             <a:spLocks noGrp="1"/>
@@ -5644,23 +10590,68 @@
           <a:lstStyle/>
           <a:p>
             <a:r>
-              <a:rPr lang="en-US" dirty="0" smtClean="0"/>
-              <a:t>Deadlock</a:t>
-            </a:r>
-            <a:endParaRPr lang="en-US" dirty="0"/>
+              <a:rPr lang="en-NZ" dirty="0" smtClean="0"/>
+              <a:t>Examples </a:t>
+            </a:r>
+            <a:endParaRPr lang="en-GB" dirty="0"/>
+          </a:p>
+        </p:txBody>
+      </p:sp>
+      <p:sp>
+        <p:nvSpPr>
+          <p:cNvPr id="4" name="TextBox 3"/>
+          <p:cNvSpPr txBox="1"/>
+          <p:nvPr/>
+        </p:nvSpPr>
+        <p:spPr>
+          <a:xfrm>
+            <a:off x="2112579" y="1876097"/>
+            <a:ext cx="5108028" cy="369332"/>
+          </a:xfrm>
+          <a:prstGeom prst="rect">
+            <a:avLst/>
+          </a:prstGeom>
+          <a:noFill/>
+        </p:spPr>
+        <p:txBody>
+          <a:bodyPr wrap="square" rtlCol="0">
+            <a:spAutoFit/>
+          </a:bodyPr>
+          <a:lstStyle/>
+          <a:p>
+            <a:r>
+              <a:rPr lang="en-NZ" dirty="0" smtClean="0"/>
+              <a:t>To be </a:t>
+            </a:r>
+            <a:r>
+              <a:rPr lang="en-NZ" dirty="0" err="1" smtClean="0"/>
+              <a:t>updaded</a:t>
+            </a:r>
+            <a:r>
+              <a:rPr lang="en-NZ" dirty="0" smtClean="0"/>
+              <a:t> if necessary</a:t>
+            </a:r>
+            <a:endParaRPr lang="en-GB" dirty="0"/>
           </a:p>
         </p:txBody>
       </p:sp>
     </p:spTree>
     <p:extLst>
       <p:ext uri="{BB962C8B-B14F-4D97-AF65-F5344CB8AC3E}">
-        <p14:creationId xmlns:p14="http://schemas.microsoft.com/office/powerpoint/2010/main" val="2573522007"/>
+        <p14:creationId xmlns:p14="http://schemas.microsoft.com/office/powerpoint/2010/main" val="3318955375"/>
       </p:ext>
     </p:extLst>
   </p:cSld>
   <p:clrMapOvr>
     <a:masterClrMapping/>
   </p:clrMapOvr>
+  <p:timing>
+    <p:tnLst>
+      <p:par>
+        <p:cTn id="1" dur="indefinite" restart="never" nodeType="tmRoot"/>
+      </p:par>
+    </p:tnLst>
+  </p:timing>
 </p:sld>
 </file>
 
@@ -5716,6 +10707,635 @@
         </p:nvSpPr>
         <p:spPr/>
         <p:txBody>
+          <a:bodyPr/>
+          <a:lstStyle/>
+          <a:p>
+            <a:r>
+              <a:rPr lang="en-US" dirty="0" smtClean="0"/>
+              <a:t>Race condition</a:t>
+            </a:r>
+            <a:endParaRPr lang="en-US" dirty="0"/>
+          </a:p>
+        </p:txBody>
+      </p:sp>
+    </p:spTree>
+    <p:extLst>
+      <p:ext uri="{BB962C8B-B14F-4D97-AF65-F5344CB8AC3E}">
+        <p14:creationId xmlns:p14="http://schemas.microsoft.com/office/powerpoint/2010/main" val="1867888117"/>
+      </p:ext>
+    </p:extLst>
+  </p:cSld>
+  <p:clrMapOvr>
+    <a:masterClrMapping/>
+  </p:clrMapOvr>
+  <p:timing>
+    <p:tnLst>
+      <p:par>
+        <p:cTn id="1" dur="indefinite" restart="never" nodeType="tmRoot"/>
+      </p:par>
+    </p:tnLst>
+  </p:timing>
+</p:sld>
+</file>
+
+<file path=ppt/slides/slide13.xml><?xml version="1.0" encoding="utf-8"?>
+<p:sld xmlns:a="http://schemas.openxmlformats.org/drawingml/2006/main" xmlns:r="http://schemas.openxmlformats.org/officeDocument/2006/relationships" xmlns:p="http://schemas.openxmlformats.org/presentationml/2006/main">
+  <p:cSld>
+    <p:spTree>
+      <p:nvGrpSpPr>
+        <p:cNvPr id="1" name=""/>
+        <p:cNvGrpSpPr/>
+        <p:nvPr/>
+      </p:nvGrpSpPr>
+      <p:grpSpPr>
+        <a:xfrm>
+          <a:off x="0" y="0"/>
+          <a:ext cx="0" cy="0"/>
+          <a:chOff x="0" y="0"/>
+          <a:chExt cx="0" cy="0"/>
+        </a:xfrm>
+      </p:grpSpPr>
+      <p:sp>
+        <p:nvSpPr>
+          <p:cNvPr id="3" name="Title 2"/>
+          <p:cNvSpPr>
+            <a:spLocks noGrp="1"/>
+          </p:cNvSpPr>
+          <p:nvPr>
+            <p:ph type="title"/>
+          </p:nvPr>
+        </p:nvSpPr>
+        <p:spPr/>
+        <p:txBody>
+          <a:bodyPr/>
+          <a:lstStyle/>
+          <a:p>
+            <a:r>
+              <a:rPr lang="en-NZ" dirty="0" smtClean="0"/>
+              <a:t>Solutions</a:t>
+            </a:r>
+            <a:endParaRPr lang="en-GB" dirty="0"/>
+          </a:p>
+        </p:txBody>
+      </p:sp>
+      <p:sp>
+        <p:nvSpPr>
+          <p:cNvPr id="5" name="Content Placeholder 4"/>
+          <p:cNvSpPr>
+            <a:spLocks noGrp="1"/>
+          </p:cNvSpPr>
+          <p:nvPr>
+            <p:ph sz="quarter" idx="13"/>
+          </p:nvPr>
+        </p:nvSpPr>
+        <p:spPr/>
+        <p:txBody>
+          <a:bodyPr/>
+          <a:lstStyle/>
+          <a:p>
+            <a:r>
+              <a:rPr lang="en-NZ" dirty="0" smtClean="0"/>
+              <a:t>To be added on later if necessary!!!</a:t>
+            </a:r>
+          </a:p>
+          <a:p>
+            <a:endParaRPr lang="en-NZ" dirty="0"/>
+          </a:p>
+          <a:p>
+            <a:r>
+              <a:rPr lang="en-NZ" dirty="0" smtClean="0"/>
+              <a:t>Mutual Exclusion, Atomics : Anything that can tell the computer not to re-order the required part of the code</a:t>
+            </a:r>
+          </a:p>
+          <a:p>
+            <a:endParaRPr lang="en-GB" dirty="0"/>
+          </a:p>
+        </p:txBody>
+      </p:sp>
+    </p:spTree>
+    <p:extLst>
+      <p:ext uri="{BB962C8B-B14F-4D97-AF65-F5344CB8AC3E}">
+        <p14:creationId xmlns:p14="http://schemas.microsoft.com/office/powerpoint/2010/main" val="3189280369"/>
+      </p:ext>
+    </p:extLst>
+  </p:cSld>
+  <p:clrMapOvr>
+    <a:masterClrMapping/>
+  </p:clrMapOvr>
+  <p:timing>
+    <p:tnLst>
+      <p:par>
+        <p:cTn id="1" dur="indefinite" restart="never" nodeType="tmRoot"/>
+      </p:par>
+    </p:tnLst>
+  </p:timing>
+</p:sld>
+</file>
+
+<file path=ppt/slides/slide14.xml><?xml version="1.0" encoding="utf-8"?>
+<p:sld xmlns:a="http://schemas.openxmlformats.org/drawingml/2006/main" xmlns:r="http://schemas.openxmlformats.org/officeDocument/2006/relationships" xmlns:p="http://schemas.openxmlformats.org/presentationml/2006/main">
+  <p:cSld>
+    <p:spTree>
+      <p:nvGrpSpPr>
+        <p:cNvPr id="1" name=""/>
+        <p:cNvGrpSpPr/>
+        <p:nvPr/>
+      </p:nvGrpSpPr>
+      <p:grpSpPr>
+        <a:xfrm>
+          <a:off x="0" y="0"/>
+          <a:ext cx="0" cy="0"/>
+          <a:chOff x="0" y="0"/>
+          <a:chExt cx="0" cy="0"/>
+        </a:xfrm>
+      </p:grpSpPr>
+      <p:sp>
+        <p:nvSpPr>
+          <p:cNvPr id="2" name="Content Placeholder 1"/>
+          <p:cNvSpPr>
+            <a:spLocks noGrp="1"/>
+          </p:cNvSpPr>
+          <p:nvPr>
+            <p:ph sz="quarter" idx="13"/>
+          </p:nvPr>
+        </p:nvSpPr>
+        <p:spPr/>
+        <p:txBody>
+          <a:bodyPr>
+            <a:normAutofit/>
+          </a:bodyPr>
+          <a:lstStyle/>
+          <a:p>
+            <a:pPr marL="342900" indent="-342900" algn="l">
+              <a:buFont typeface="Arial"/>
+              <a:buChar char="•"/>
+            </a:pPr>
+            <a:r>
+              <a:rPr lang="en-US" dirty="0" smtClean="0"/>
+              <a:t>Avoid simultaneously accessed to shared data</a:t>
+            </a:r>
+          </a:p>
+          <a:p>
+            <a:pPr marL="342900" indent="-342900">
+              <a:buFont typeface="Arial"/>
+              <a:buChar char="•"/>
+            </a:pPr>
+            <a:r>
+              <a:rPr lang="en-US" dirty="0"/>
+              <a:t>Is a </a:t>
+            </a:r>
+            <a:r>
+              <a:rPr lang="en-US" dirty="0" smtClean="0"/>
+              <a:t>way to solve </a:t>
+            </a:r>
+            <a:r>
+              <a:rPr lang="en-US" dirty="0"/>
+              <a:t>Race </a:t>
+            </a:r>
+            <a:r>
+              <a:rPr lang="en-US" dirty="0" smtClean="0"/>
+              <a:t>Condition</a:t>
+            </a:r>
+          </a:p>
+          <a:p>
+            <a:pPr marL="342900" indent="-342900">
+              <a:buFont typeface="Arial"/>
+              <a:buChar char="•"/>
+            </a:pPr>
+            <a:r>
+              <a:rPr lang="en-US" dirty="0" err="1" smtClean="0"/>
+              <a:t>a.k.a</a:t>
+            </a:r>
+            <a:r>
+              <a:rPr lang="en-US" dirty="0" smtClean="0"/>
+              <a:t> Critical Section, Monitor</a:t>
+            </a:r>
+          </a:p>
+          <a:p>
+            <a:pPr marL="342900" indent="-342900">
+              <a:buFont typeface="Arial"/>
+              <a:buChar char="•"/>
+            </a:pPr>
+            <a:endParaRPr lang="en-US" dirty="0" smtClean="0"/>
+          </a:p>
+          <a:p>
+            <a:pPr marL="342900" indent="-342900">
+              <a:buFont typeface="Arial"/>
+              <a:buChar char="•"/>
+            </a:pPr>
+            <a:r>
+              <a:rPr lang="en-US" dirty="0" smtClean="0"/>
+              <a:t>But, it can lead to other problems:</a:t>
+            </a:r>
+          </a:p>
+          <a:p>
+            <a:pPr marL="628650" lvl="1" indent="-342900"/>
+            <a:r>
+              <a:rPr lang="en-US" dirty="0" smtClean="0"/>
+              <a:t>Deadlock</a:t>
+            </a:r>
+          </a:p>
+          <a:p>
+            <a:pPr marL="628650" lvl="1" indent="-342900"/>
+            <a:r>
+              <a:rPr lang="en-US" dirty="0" smtClean="0"/>
+              <a:t>Starvation</a:t>
+            </a:r>
+          </a:p>
+          <a:p>
+            <a:pPr marL="628650" lvl="1" indent="-342900"/>
+            <a:r>
+              <a:rPr lang="en-US" dirty="0" smtClean="0"/>
+              <a:t>Lock </a:t>
+            </a:r>
+            <a:r>
+              <a:rPr lang="en-US" dirty="0" err="1" smtClean="0"/>
+              <a:t>contendency</a:t>
+            </a:r>
+            <a:endParaRPr lang="en-US" dirty="0" smtClean="0"/>
+          </a:p>
+          <a:p>
+            <a:pPr algn="l"/>
+            <a:endParaRPr lang="en-US" dirty="0"/>
+          </a:p>
+        </p:txBody>
+      </p:sp>
+      <p:sp>
+        <p:nvSpPr>
+          <p:cNvPr id="3" name="Title 2"/>
+          <p:cNvSpPr>
+            <a:spLocks noGrp="1"/>
+          </p:cNvSpPr>
+          <p:nvPr>
+            <p:ph type="title"/>
+          </p:nvPr>
+        </p:nvSpPr>
+        <p:spPr/>
+        <p:txBody>
+          <a:bodyPr/>
+          <a:lstStyle/>
+          <a:p>
+            <a:r>
+              <a:rPr lang="en-US" dirty="0" smtClean="0"/>
+              <a:t>Mutual exclusion</a:t>
+            </a:r>
+            <a:endParaRPr lang="en-US" dirty="0"/>
+          </a:p>
+        </p:txBody>
+      </p:sp>
+    </p:spTree>
+    <p:extLst>
+      <p:ext uri="{BB962C8B-B14F-4D97-AF65-F5344CB8AC3E}">
+        <p14:creationId xmlns:p14="http://schemas.microsoft.com/office/powerpoint/2010/main" val="3701139686"/>
+      </p:ext>
+    </p:extLst>
+  </p:cSld>
+  <p:clrMapOvr>
+    <a:masterClrMapping/>
+  </p:clrMapOvr>
+</p:sld>
+</file>
+
+<file path=ppt/slides/slide15.xml><?xml version="1.0" encoding="utf-8"?>
+<p:sld xmlns:a="http://schemas.openxmlformats.org/drawingml/2006/main" xmlns:r="http://schemas.openxmlformats.org/officeDocument/2006/relationships" xmlns:p="http://schemas.openxmlformats.org/presentationml/2006/main">
+  <p:cSld>
+    <p:spTree>
+      <p:nvGrpSpPr>
+        <p:cNvPr id="1" name=""/>
+        <p:cNvGrpSpPr/>
+        <p:nvPr/>
+      </p:nvGrpSpPr>
+      <p:grpSpPr>
+        <a:xfrm>
+          <a:off x="0" y="0"/>
+          <a:ext cx="0" cy="0"/>
+          <a:chOff x="0" y="0"/>
+          <a:chExt cx="0" cy="0"/>
+        </a:xfrm>
+      </p:grpSpPr>
+      <p:sp>
+        <p:nvSpPr>
+          <p:cNvPr id="2" name="Subtitle 1"/>
+          <p:cNvSpPr>
+            <a:spLocks noGrp="1"/>
+          </p:cNvSpPr>
+          <p:nvPr>
+            <p:ph type="subTitle" idx="1"/>
+          </p:nvPr>
+        </p:nvSpPr>
+        <p:spPr/>
+        <p:txBody>
+          <a:bodyPr/>
+          <a:lstStyle/>
+          <a:p>
+            <a:r>
+              <a:rPr lang="en-US" dirty="0" smtClean="0"/>
+              <a:t>DEMO</a:t>
+            </a:r>
+            <a:endParaRPr lang="en-US" dirty="0"/>
+          </a:p>
+        </p:txBody>
+      </p:sp>
+      <p:sp>
+        <p:nvSpPr>
+          <p:cNvPr id="3" name="Title 2"/>
+          <p:cNvSpPr>
+            <a:spLocks noGrp="1"/>
+          </p:cNvSpPr>
+          <p:nvPr>
+            <p:ph type="title"/>
+          </p:nvPr>
+        </p:nvSpPr>
+        <p:spPr/>
+        <p:txBody>
+          <a:bodyPr/>
+          <a:lstStyle/>
+          <a:p>
+            <a:r>
+              <a:rPr lang="en-US" dirty="0" smtClean="0"/>
+              <a:t>MUTUAL EXCUSION</a:t>
+            </a:r>
+            <a:endParaRPr lang="en-US" dirty="0"/>
+          </a:p>
+        </p:txBody>
+      </p:sp>
+    </p:spTree>
+    <p:extLst>
+      <p:ext uri="{BB962C8B-B14F-4D97-AF65-F5344CB8AC3E}">
+        <p14:creationId xmlns:p14="http://schemas.microsoft.com/office/powerpoint/2010/main" val="81362325"/>
+      </p:ext>
+    </p:extLst>
+  </p:cSld>
+  <p:clrMapOvr>
+    <a:masterClrMapping/>
+  </p:clrMapOvr>
+</p:sld>
+</file>
+
+<file path=ppt/slides/slide16.xml><?xml version="1.0" encoding="utf-8"?>
+<p:sld xmlns:a="http://schemas.openxmlformats.org/drawingml/2006/main" xmlns:r="http://schemas.openxmlformats.org/officeDocument/2006/relationships" xmlns:p="http://schemas.openxmlformats.org/presentationml/2006/main">
+  <p:cSld>
+    <p:spTree>
+      <p:nvGrpSpPr>
+        <p:cNvPr id="1" name=""/>
+        <p:cNvGrpSpPr/>
+        <p:nvPr/>
+      </p:nvGrpSpPr>
+      <p:grpSpPr>
+        <a:xfrm>
+          <a:off x="0" y="0"/>
+          <a:ext cx="0" cy="0"/>
+          <a:chOff x="0" y="0"/>
+          <a:chExt cx="0" cy="0"/>
+        </a:xfrm>
+      </p:grpSpPr>
+      <p:sp>
+        <p:nvSpPr>
+          <p:cNvPr id="2" name="Content Placeholder 1"/>
+          <p:cNvSpPr>
+            <a:spLocks noGrp="1"/>
+          </p:cNvSpPr>
+          <p:nvPr>
+            <p:ph sz="quarter" idx="13"/>
+          </p:nvPr>
+        </p:nvSpPr>
+        <p:spPr/>
+        <p:txBody>
+          <a:bodyPr>
+            <a:normAutofit fontScale="77500" lnSpcReduction="20000"/>
+          </a:bodyPr>
+          <a:lstStyle/>
+          <a:p>
+            <a:r>
+              <a:rPr lang="en-US" dirty="0">
+                <a:latin typeface="Comic Sans MS"/>
+                <a:cs typeface="Comic Sans MS"/>
+              </a:rPr>
+              <a:t>Permanent blocking of set of processes that either compete for system resources or communicate with each other.</a:t>
+            </a:r>
+          </a:p>
+          <a:p>
+            <a:endParaRPr lang="en-US" dirty="0" smtClean="0">
+              <a:latin typeface="Comic Sans MS"/>
+              <a:cs typeface="Comic Sans MS"/>
+            </a:endParaRPr>
+          </a:p>
+          <a:p>
+            <a:r>
+              <a:rPr lang="en-US" dirty="0" smtClean="0">
+                <a:latin typeface="Comic Sans MS"/>
+                <a:cs typeface="Comic Sans MS"/>
+              </a:rPr>
+              <a:t>The </a:t>
+            </a:r>
+            <a:r>
+              <a:rPr lang="en-US" dirty="0">
+                <a:latin typeface="Comic Sans MS"/>
+                <a:cs typeface="Comic Sans MS"/>
+              </a:rPr>
+              <a:t>4 Necessary Conditions for Deadlock</a:t>
+            </a:r>
+          </a:p>
+          <a:p>
+            <a:endParaRPr lang="en-US" dirty="0">
+              <a:latin typeface="Comic Sans MS"/>
+              <a:cs typeface="Comic Sans MS"/>
+            </a:endParaRPr>
+          </a:p>
+          <a:p>
+            <a:pPr marL="342900" indent="-342900">
+              <a:buFont typeface="Arial"/>
+              <a:buChar char="•"/>
+            </a:pPr>
+            <a:r>
+              <a:rPr lang="en-US" dirty="0">
+                <a:latin typeface="Comic Sans MS"/>
+                <a:cs typeface="Comic Sans MS"/>
+              </a:rPr>
+              <a:t>Exclusive access (mutual exclusion)</a:t>
+            </a:r>
+          </a:p>
+          <a:p>
+            <a:r>
+              <a:rPr lang="en-US" dirty="0">
+                <a:latin typeface="Comic Sans MS"/>
+                <a:cs typeface="Comic Sans MS"/>
+              </a:rPr>
+              <a:t>	</a:t>
+            </a:r>
+          </a:p>
+          <a:p>
+            <a:pPr marL="342900" indent="-342900">
+              <a:buFont typeface="Arial"/>
+              <a:buChar char="•"/>
+            </a:pPr>
+            <a:r>
+              <a:rPr lang="en-US" dirty="0">
+                <a:latin typeface="Comic Sans MS"/>
+                <a:cs typeface="Comic Sans MS"/>
+              </a:rPr>
+              <a:t>Wait while holding (hold-and-wait)</a:t>
+            </a:r>
+          </a:p>
+          <a:p>
+            <a:r>
+              <a:rPr lang="en-US" dirty="0">
+                <a:latin typeface="Comic Sans MS"/>
+                <a:cs typeface="Comic Sans MS"/>
+              </a:rPr>
+              <a:t>	</a:t>
+            </a:r>
+          </a:p>
+          <a:p>
+            <a:pPr marL="342900" indent="-342900">
+              <a:buFont typeface="Arial"/>
+              <a:buChar char="•"/>
+            </a:pPr>
+            <a:r>
+              <a:rPr lang="en-US" dirty="0">
+                <a:latin typeface="Comic Sans MS"/>
+                <a:cs typeface="Comic Sans MS"/>
+              </a:rPr>
+              <a:t>No preemption</a:t>
+            </a:r>
+          </a:p>
+          <a:p>
+            <a:r>
+              <a:rPr lang="en-US" dirty="0">
+                <a:latin typeface="Comic Sans MS"/>
+                <a:cs typeface="Comic Sans MS"/>
+              </a:rPr>
+              <a:t>	</a:t>
+            </a:r>
+          </a:p>
+          <a:p>
+            <a:pPr marL="342900" indent="-342900">
+              <a:buFont typeface="Arial"/>
+              <a:buChar char="•"/>
+            </a:pPr>
+            <a:r>
+              <a:rPr lang="en-US" dirty="0">
+                <a:latin typeface="Comic Sans MS"/>
+                <a:cs typeface="Comic Sans MS"/>
+              </a:rPr>
+              <a:t>Circular </a:t>
+            </a:r>
+            <a:r>
+              <a:rPr lang="en-US" dirty="0" smtClean="0">
+                <a:latin typeface="Comic Sans MS"/>
+                <a:cs typeface="Comic Sans MS"/>
+              </a:rPr>
+              <a:t>wait</a:t>
+            </a:r>
+          </a:p>
+          <a:p>
+            <a:endParaRPr lang="en-US" dirty="0">
+              <a:latin typeface="Comic Sans MS"/>
+              <a:cs typeface="Comic Sans MS"/>
+            </a:endParaRPr>
+          </a:p>
+          <a:p>
+            <a:r>
+              <a:rPr lang="en-US" dirty="0"/>
+              <a:t>All of the four conditions are necessary for deadlock to occur. Hence, by preventing any one of them we prevent deadlock.</a:t>
+            </a:r>
+          </a:p>
+          <a:p>
+            <a:endParaRPr lang="en-US" dirty="0">
+              <a:latin typeface="Comic Sans MS"/>
+              <a:cs typeface="Comic Sans MS"/>
+            </a:endParaRPr>
+          </a:p>
+        </p:txBody>
+      </p:sp>
+      <p:sp>
+        <p:nvSpPr>
+          <p:cNvPr id="3" name="Title 2"/>
+          <p:cNvSpPr>
+            <a:spLocks noGrp="1"/>
+          </p:cNvSpPr>
+          <p:nvPr>
+            <p:ph type="title"/>
+          </p:nvPr>
+        </p:nvSpPr>
+        <p:spPr/>
+        <p:txBody>
+          <a:bodyPr/>
+          <a:lstStyle/>
+          <a:p>
+            <a:r>
+              <a:rPr lang="en-US" dirty="0" smtClean="0"/>
+              <a:t>Deadlock</a:t>
+            </a:r>
+            <a:endParaRPr lang="en-US" dirty="0"/>
+          </a:p>
+        </p:txBody>
+      </p:sp>
+    </p:spTree>
+    <p:extLst>
+      <p:ext uri="{BB962C8B-B14F-4D97-AF65-F5344CB8AC3E}">
+        <p14:creationId xmlns:p14="http://schemas.microsoft.com/office/powerpoint/2010/main" val="2573522007"/>
+      </p:ext>
+    </p:extLst>
+  </p:cSld>
+  <p:clrMapOvr>
+    <a:masterClrMapping/>
+  </p:clrMapOvr>
+</p:sld>
+</file>
+
+<file path=ppt/slides/slide17.xml><?xml version="1.0" encoding="utf-8"?>
+<p:sld xmlns:a="http://schemas.openxmlformats.org/drawingml/2006/main" xmlns:r="http://schemas.openxmlformats.org/officeDocument/2006/relationships" xmlns:p="http://schemas.openxmlformats.org/presentationml/2006/main">
+  <p:cSld>
+    <p:spTree>
+      <p:nvGrpSpPr>
+        <p:cNvPr id="1" name=""/>
+        <p:cNvGrpSpPr/>
+        <p:nvPr/>
+      </p:nvGrpSpPr>
+      <p:grpSpPr>
+        <a:xfrm>
+          <a:off x="0" y="0"/>
+          <a:ext cx="0" cy="0"/>
+          <a:chOff x="0" y="0"/>
+          <a:chExt cx="0" cy="0"/>
+        </a:xfrm>
+      </p:grpSpPr>
+      <p:sp>
+        <p:nvSpPr>
+          <p:cNvPr id="2" name="Subtitle 1"/>
+          <p:cNvSpPr>
+            <a:spLocks noGrp="1"/>
+          </p:cNvSpPr>
+          <p:nvPr>
+            <p:ph type="subTitle" idx="1"/>
+          </p:nvPr>
+        </p:nvSpPr>
+        <p:spPr/>
+        <p:txBody>
+          <a:bodyPr/>
+          <a:lstStyle/>
+          <a:p>
+            <a:r>
+              <a:rPr lang="en-US" dirty="0" smtClean="0"/>
+              <a:t>DEMO</a:t>
+            </a:r>
+            <a:endParaRPr lang="en-US" dirty="0"/>
+          </a:p>
+        </p:txBody>
+      </p:sp>
+      <p:sp>
+        <p:nvSpPr>
+          <p:cNvPr id="3" name="Title 2"/>
+          <p:cNvSpPr>
+            <a:spLocks noGrp="1"/>
+          </p:cNvSpPr>
+          <p:nvPr>
+            <p:ph type="title"/>
+          </p:nvPr>
+        </p:nvSpPr>
+        <p:spPr/>
+        <p:txBody>
           <a:bodyPr>
             <a:normAutofit/>
           </a:bodyPr>
@@ -5748,7 +11368,7 @@
 </p:sld>
 </file>
 
-<file path=ppt/slides/slide13.xml><?xml version="1.0" encoding="utf-8"?>
+<file path=ppt/slides/slide18.xml><?xml version="1.0" encoding="utf-8"?>
 <p:sld xmlns:a="http://schemas.openxmlformats.org/drawingml/2006/main" xmlns:r="http://schemas.openxmlformats.org/officeDocument/2006/relationships" xmlns:p="http://schemas.openxmlformats.org/presentationml/2006/main">
   <p:cSld>
     <p:spTree>
@@ -6356,14 +11976,14 @@
   <p:timing>
     <p:tnLst>
       <p:par>
-        <p:cTn xmlns:p14="http://schemas.microsoft.com/office/powerpoint/2010/main" id="1" dur="indefinite" restart="never" nodeType="tmRoot"/>
+        <p:cTn id="1" dur="indefinite" restart="never" nodeType="tmRoot"/>
       </p:par>
     </p:tnLst>
   </p:timing>
 </p:sld>
 </file>
 
-<file path=ppt/slides/slide14.xml><?xml version="1.0" encoding="utf-8"?>
+<file path=ppt/slides/slide19.xml><?xml version="1.0" encoding="utf-8"?>
 <p:sld xmlns:a="http://schemas.openxmlformats.org/drawingml/2006/main" xmlns:r="http://schemas.openxmlformats.org/officeDocument/2006/relationships" xmlns:p="http://schemas.openxmlformats.org/presentationml/2006/main">
   <p:cSld>
     <p:spTree>
@@ -6680,875 +12300,10 @@
   <p:timing>
     <p:tnLst>
       <p:par>
-        <p:cTn xmlns:p14="http://schemas.microsoft.com/office/powerpoint/2010/main" id="1" dur="indefinite" restart="never" nodeType="tmRoot"/>
+        <p:cTn id="1" dur="indefinite" restart="never" nodeType="tmRoot"/>
       </p:par>
     </p:tnLst>
   </p:timing>
-</p:sld>
-</file>
-
-<file path=ppt/slides/slide15.xml><?xml version="1.0" encoding="utf-8"?>
-<p:sld xmlns:a="http://schemas.openxmlformats.org/drawingml/2006/main" xmlns:r="http://schemas.openxmlformats.org/officeDocument/2006/relationships" xmlns:p="http://schemas.openxmlformats.org/presentationml/2006/main">
-  <p:cSld>
-    <p:spTree>
-      <p:nvGrpSpPr>
-        <p:cNvPr id="1" name=""/>
-        <p:cNvGrpSpPr/>
-        <p:nvPr/>
-      </p:nvGrpSpPr>
-      <p:grpSpPr>
-        <a:xfrm>
-          <a:off x="0" y="0"/>
-          <a:ext cx="0" cy="0"/>
-          <a:chOff x="0" y="0"/>
-          <a:chExt cx="0" cy="0"/>
-        </a:xfrm>
-      </p:grpSpPr>
-      <p:sp>
-        <p:nvSpPr>
-          <p:cNvPr id="2" name="Content Placeholder 1"/>
-          <p:cNvSpPr>
-            <a:spLocks noGrp="1"/>
-          </p:cNvSpPr>
-          <p:nvPr>
-            <p:ph sz="quarter" idx="13"/>
-          </p:nvPr>
-        </p:nvSpPr>
-        <p:spPr/>
-        <p:txBody>
-          <a:bodyPr/>
-          <a:lstStyle/>
-          <a:p>
-            <a:pPr algn="l"/>
-            <a:r>
-              <a:rPr lang="en-US" dirty="0"/>
-              <a:t>Process P1:</a:t>
-            </a:r>
-          </a:p>
-          <a:p>
-            <a:pPr algn="l"/>
-            <a:r>
-              <a:rPr lang="en-US" dirty="0"/>
-              <a:t>request(R1)</a:t>
-            </a:r>
-            <a:r>
-              <a:rPr lang="en-US" dirty="0" smtClean="0"/>
-              <a:t>;…	release</a:t>
-            </a:r>
-            <a:r>
-              <a:rPr lang="en-US" dirty="0"/>
-              <a:t>(R1</a:t>
-            </a:r>
-            <a:r>
-              <a:rPr lang="en-US" dirty="0" smtClean="0"/>
-              <a:t>); request</a:t>
-            </a:r>
-            <a:r>
-              <a:rPr lang="en-US" dirty="0"/>
-              <a:t>(R2)</a:t>
-            </a:r>
-            <a:r>
-              <a:rPr lang="en-US" dirty="0" smtClean="0"/>
-              <a:t>;…	release</a:t>
-            </a:r>
-            <a:r>
-              <a:rPr lang="en-US" dirty="0"/>
-              <a:t>(R2</a:t>
-            </a:r>
-            <a:r>
-              <a:rPr lang="en-US" dirty="0" smtClean="0"/>
-              <a:t>);</a:t>
-            </a:r>
-            <a:endParaRPr lang="en-US" dirty="0"/>
-          </a:p>
-          <a:p>
-            <a:pPr algn="l"/>
-            <a:endParaRPr lang="en-US" dirty="0"/>
-          </a:p>
-          <a:p>
-            <a:pPr algn="l"/>
-            <a:endParaRPr lang="en-US" dirty="0"/>
-          </a:p>
-          <a:p>
-            <a:pPr algn="l"/>
-            <a:endParaRPr lang="en-US" dirty="0"/>
-          </a:p>
-          <a:p>
-            <a:pPr algn="l"/>
-            <a:r>
-              <a:rPr lang="en-US" dirty="0"/>
-              <a:t>Process P2:</a:t>
-            </a:r>
-          </a:p>
-          <a:p>
-            <a:pPr algn="l"/>
-            <a:r>
-              <a:rPr lang="en-US" dirty="0"/>
-              <a:t>request(</a:t>
-            </a:r>
-            <a:r>
-              <a:rPr lang="en-US" dirty="0" smtClean="0"/>
-              <a:t>R2)</a:t>
-            </a:r>
-            <a:r>
-              <a:rPr lang="en-US" dirty="0"/>
-              <a:t>;..</a:t>
-            </a:r>
-            <a:r>
-              <a:rPr lang="en-US" dirty="0" smtClean="0"/>
-              <a:t>.		</a:t>
-            </a:r>
-            <a:r>
-              <a:rPr lang="en-US" dirty="0"/>
-              <a:t>release(R2)</a:t>
-            </a:r>
-            <a:r>
-              <a:rPr lang="en-US" dirty="0" smtClean="0"/>
-              <a:t>; request</a:t>
-            </a:r>
-            <a:r>
-              <a:rPr lang="en-US" dirty="0"/>
-              <a:t>(</a:t>
-            </a:r>
-            <a:r>
-              <a:rPr lang="en-US" dirty="0" smtClean="0"/>
-              <a:t>R1);	release</a:t>
-            </a:r>
-            <a:r>
-              <a:rPr lang="en-US" dirty="0"/>
-              <a:t>(R1)</a:t>
-            </a:r>
-            <a:r>
-              <a:rPr lang="en-US" dirty="0" smtClean="0"/>
-              <a:t>;</a:t>
-            </a:r>
-            <a:endParaRPr lang="en-US" dirty="0"/>
-          </a:p>
-        </p:txBody>
-      </p:sp>
-      <p:sp>
-        <p:nvSpPr>
-          <p:cNvPr id="3" name="Title 2"/>
-          <p:cNvSpPr>
-            <a:spLocks noGrp="1"/>
-          </p:cNvSpPr>
-          <p:nvPr>
-            <p:ph type="title"/>
-          </p:nvPr>
-        </p:nvSpPr>
-        <p:spPr/>
-        <p:txBody>
-          <a:bodyPr/>
-          <a:lstStyle/>
-          <a:p>
-            <a:r>
-              <a:rPr lang="en-US" dirty="0"/>
-              <a:t>Release Before Request</a:t>
-            </a:r>
-          </a:p>
-        </p:txBody>
-      </p:sp>
-      <p:sp>
-        <p:nvSpPr>
-          <p:cNvPr id="4" name="Rectangle 3"/>
-          <p:cNvSpPr/>
-          <p:nvPr/>
-        </p:nvSpPr>
-        <p:spPr>
-          <a:xfrm>
-            <a:off x="1598825" y="2540307"/>
-            <a:ext cx="2144253" cy="329910"/>
-          </a:xfrm>
-          <a:prstGeom prst="rect">
-            <a:avLst/>
-          </a:prstGeom>
-          <a:solidFill>
-            <a:srgbClr val="FF0000"/>
-          </a:solidFill>
-        </p:spPr>
-        <p:style>
-          <a:lnRef idx="1">
-            <a:schemeClr val="accent1"/>
-          </a:lnRef>
-          <a:fillRef idx="3">
-            <a:schemeClr val="accent1"/>
-          </a:fillRef>
-          <a:effectRef idx="2">
-            <a:schemeClr val="accent1"/>
-          </a:effectRef>
-          <a:fontRef idx="minor">
-            <a:schemeClr val="lt1"/>
-          </a:fontRef>
-        </p:style>
-        <p:txBody>
-          <a:bodyPr rtlCol="0" anchor="ctr"/>
-          <a:lstStyle/>
-          <a:p>
-            <a:pPr algn="ctr"/>
-            <a:r>
-              <a:rPr lang="en-US" dirty="0" smtClean="0"/>
-              <a:t>R1 Critical Section</a:t>
-            </a:r>
-            <a:endParaRPr lang="en-US" dirty="0"/>
-          </a:p>
-        </p:txBody>
-      </p:sp>
-      <p:sp>
-        <p:nvSpPr>
-          <p:cNvPr id="5" name="Rectangle 4"/>
-          <p:cNvSpPr/>
-          <p:nvPr/>
-        </p:nvSpPr>
-        <p:spPr>
-          <a:xfrm>
-            <a:off x="5520505" y="2540307"/>
-            <a:ext cx="2144253" cy="329910"/>
-          </a:xfrm>
-          <a:prstGeom prst="rect">
-            <a:avLst/>
-          </a:prstGeom>
-        </p:spPr>
-        <p:style>
-          <a:lnRef idx="1">
-            <a:schemeClr val="accent1"/>
-          </a:lnRef>
-          <a:fillRef idx="3">
-            <a:schemeClr val="accent1"/>
-          </a:fillRef>
-          <a:effectRef idx="2">
-            <a:schemeClr val="accent1"/>
-          </a:effectRef>
-          <a:fontRef idx="minor">
-            <a:schemeClr val="lt1"/>
-          </a:fontRef>
-        </p:style>
-        <p:txBody>
-          <a:bodyPr rtlCol="0" anchor="ctr"/>
-          <a:lstStyle/>
-          <a:p>
-            <a:pPr algn="ctr"/>
-            <a:r>
-              <a:rPr lang="en-US" dirty="0" smtClean="0"/>
-              <a:t>R2 Critical Section</a:t>
-            </a:r>
-            <a:endParaRPr lang="en-US" dirty="0"/>
-          </a:p>
-        </p:txBody>
-      </p:sp>
-      <p:sp>
-        <p:nvSpPr>
-          <p:cNvPr id="6" name="Rectangle 5"/>
-          <p:cNvSpPr/>
-          <p:nvPr/>
-        </p:nvSpPr>
-        <p:spPr>
-          <a:xfrm>
-            <a:off x="1598825" y="5002075"/>
-            <a:ext cx="2144253" cy="329910"/>
-          </a:xfrm>
-          <a:prstGeom prst="rect">
-            <a:avLst/>
-          </a:prstGeom>
-        </p:spPr>
-        <p:style>
-          <a:lnRef idx="1">
-            <a:schemeClr val="accent1"/>
-          </a:lnRef>
-          <a:fillRef idx="3">
-            <a:schemeClr val="accent1"/>
-          </a:fillRef>
-          <a:effectRef idx="2">
-            <a:schemeClr val="accent1"/>
-          </a:effectRef>
-          <a:fontRef idx="minor">
-            <a:schemeClr val="lt1"/>
-          </a:fontRef>
-        </p:style>
-        <p:txBody>
-          <a:bodyPr rtlCol="0" anchor="ctr"/>
-          <a:lstStyle/>
-          <a:p>
-            <a:pPr algn="ctr"/>
-            <a:r>
-              <a:rPr lang="en-US" dirty="0" smtClean="0"/>
-              <a:t>R2 Critical Section</a:t>
-            </a:r>
-            <a:endParaRPr lang="en-US" dirty="0"/>
-          </a:p>
-        </p:txBody>
-      </p:sp>
-      <p:sp>
-        <p:nvSpPr>
-          <p:cNvPr id="7" name="Rectangle 6"/>
-          <p:cNvSpPr/>
-          <p:nvPr/>
-        </p:nvSpPr>
-        <p:spPr>
-          <a:xfrm>
-            <a:off x="5520505" y="5002075"/>
-            <a:ext cx="2144253" cy="329910"/>
-          </a:xfrm>
-          <a:prstGeom prst="rect">
-            <a:avLst/>
-          </a:prstGeom>
-          <a:solidFill>
-            <a:srgbClr val="FF0000"/>
-          </a:solidFill>
-        </p:spPr>
-        <p:style>
-          <a:lnRef idx="1">
-            <a:schemeClr val="accent1"/>
-          </a:lnRef>
-          <a:fillRef idx="3">
-            <a:schemeClr val="accent1"/>
-          </a:fillRef>
-          <a:effectRef idx="2">
-            <a:schemeClr val="accent1"/>
-          </a:effectRef>
-          <a:fontRef idx="minor">
-            <a:schemeClr val="lt1"/>
-          </a:fontRef>
-        </p:style>
-        <p:txBody>
-          <a:bodyPr rtlCol="0" anchor="ctr"/>
-          <a:lstStyle/>
-          <a:p>
-            <a:pPr algn="ctr"/>
-            <a:r>
-              <a:rPr lang="en-US" dirty="0" smtClean="0"/>
-              <a:t>R1 Critical Section</a:t>
-            </a:r>
-            <a:endParaRPr lang="en-US" dirty="0"/>
-          </a:p>
-        </p:txBody>
-      </p:sp>
-    </p:spTree>
-    <p:extLst>
-      <p:ext uri="{BB962C8B-B14F-4D97-AF65-F5344CB8AC3E}">
-        <p14:creationId xmlns:p14="http://schemas.microsoft.com/office/powerpoint/2010/main" val="1963981522"/>
-      </p:ext>
-    </p:extLst>
-  </p:cSld>
-  <p:clrMapOvr>
-    <a:masterClrMapping/>
-  </p:clrMapOvr>
-  <p:timing>
-    <p:tnLst>
-      <p:par>
-        <p:cTn xmlns:p14="http://schemas.microsoft.com/office/powerpoint/2010/main" id="1" dur="indefinite" restart="never" nodeType="tmRoot"/>
-      </p:par>
-    </p:tnLst>
-  </p:timing>
-</p:sld>
-</file>
-
-<file path=ppt/slides/slide16.xml><?xml version="1.0" encoding="utf-8"?>
-<p:sld xmlns:a="http://schemas.openxmlformats.org/drawingml/2006/main" xmlns:r="http://schemas.openxmlformats.org/officeDocument/2006/relationships" xmlns:p="http://schemas.openxmlformats.org/presentationml/2006/main">
-  <p:cSld>
-    <p:spTree>
-      <p:nvGrpSpPr>
-        <p:cNvPr id="1" name=""/>
-        <p:cNvGrpSpPr/>
-        <p:nvPr/>
-      </p:nvGrpSpPr>
-      <p:grpSpPr>
-        <a:xfrm>
-          <a:off x="0" y="0"/>
-          <a:ext cx="0" cy="0"/>
-          <a:chOff x="0" y="0"/>
-          <a:chExt cx="0" cy="0"/>
-        </a:xfrm>
-      </p:grpSpPr>
-      <p:sp>
-        <p:nvSpPr>
-          <p:cNvPr id="3" name="Subtitle 2"/>
-          <p:cNvSpPr>
-            <a:spLocks noGrp="1"/>
-          </p:cNvSpPr>
-          <p:nvPr>
-            <p:ph type="subTitle" idx="1"/>
-          </p:nvPr>
-        </p:nvSpPr>
-        <p:spPr/>
-        <p:txBody>
-          <a:bodyPr/>
-          <a:lstStyle/>
-          <a:p>
-            <a:r>
-              <a:rPr lang="en-US" dirty="0" smtClean="0"/>
-              <a:t>DEMO</a:t>
-            </a:r>
-            <a:endParaRPr lang="en-US" dirty="0"/>
-          </a:p>
-        </p:txBody>
-      </p:sp>
-      <p:sp>
-        <p:nvSpPr>
-          <p:cNvPr id="2" name="Title 1"/>
-          <p:cNvSpPr>
-            <a:spLocks noGrp="1"/>
-          </p:cNvSpPr>
-          <p:nvPr>
-            <p:ph type="title"/>
-          </p:nvPr>
-        </p:nvSpPr>
-        <p:spPr/>
-        <p:txBody>
-          <a:bodyPr>
-            <a:normAutofit fontScale="90000"/>
-          </a:bodyPr>
-          <a:lstStyle/>
-          <a:p>
-            <a:r>
-              <a:rPr lang="en-US" dirty="0"/>
-              <a:t>Heavily contended locks</a:t>
-            </a:r>
-          </a:p>
-        </p:txBody>
-      </p:sp>
-    </p:spTree>
-    <p:extLst>
-      <p:ext uri="{BB962C8B-B14F-4D97-AF65-F5344CB8AC3E}">
-        <p14:creationId xmlns:p14="http://schemas.microsoft.com/office/powerpoint/2010/main" val="2590666726"/>
-      </p:ext>
-    </p:extLst>
-  </p:cSld>
-  <p:clrMapOvr>
-    <a:masterClrMapping/>
-  </p:clrMapOvr>
-</p:sld>
-</file>
-
-<file path=ppt/slides/slide17.xml><?xml version="1.0" encoding="utf-8"?>
-<p:sld xmlns:a="http://schemas.openxmlformats.org/drawingml/2006/main" xmlns:r="http://schemas.openxmlformats.org/officeDocument/2006/relationships" xmlns:p="http://schemas.openxmlformats.org/presentationml/2006/main">
-  <p:cSld>
-    <p:spTree>
-      <p:nvGrpSpPr>
-        <p:cNvPr id="1" name=""/>
-        <p:cNvGrpSpPr/>
-        <p:nvPr/>
-      </p:nvGrpSpPr>
-      <p:grpSpPr>
-        <a:xfrm>
-          <a:off x="0" y="0"/>
-          <a:ext cx="0" cy="0"/>
-          <a:chOff x="0" y="0"/>
-          <a:chExt cx="0" cy="0"/>
-        </a:xfrm>
-      </p:grpSpPr>
-      <p:sp>
-        <p:nvSpPr>
-          <p:cNvPr id="2" name="Content Placeholder 1"/>
-          <p:cNvSpPr>
-            <a:spLocks noGrp="1"/>
-          </p:cNvSpPr>
-          <p:nvPr>
-            <p:ph sz="quarter" idx="13"/>
-          </p:nvPr>
-        </p:nvSpPr>
-        <p:spPr/>
-        <p:txBody>
-          <a:bodyPr/>
-          <a:lstStyle/>
-          <a:p>
-            <a:pPr marL="342900" indent="-342900">
-              <a:buFont typeface="Arial"/>
-              <a:buChar char="•"/>
-            </a:pPr>
-            <a:r>
-              <a:rPr lang="en-US" dirty="0" smtClean="0"/>
-              <a:t>Convoy is created.</a:t>
-            </a:r>
-          </a:p>
-          <a:p>
-            <a:pPr marL="342900" indent="-342900">
-              <a:buFont typeface="Arial"/>
-              <a:buChar char="•"/>
-            </a:pPr>
-            <a:r>
-              <a:rPr lang="en-US" dirty="0" smtClean="0"/>
-              <a:t>Serializes the processing.</a:t>
-            </a:r>
-          </a:p>
-          <a:p>
-            <a:pPr marL="342900" indent="-342900">
-              <a:buFont typeface="Arial"/>
-              <a:buChar char="•"/>
-            </a:pPr>
-            <a:r>
-              <a:rPr lang="en-US" dirty="0" smtClean="0"/>
-              <a:t>Slows down High priority threads.</a:t>
-            </a:r>
-          </a:p>
-          <a:p>
-            <a:pPr marL="342900" indent="-342900">
-              <a:buFont typeface="Arial"/>
-              <a:buChar char="•"/>
-            </a:pPr>
-            <a:endParaRPr lang="en-US" dirty="0"/>
-          </a:p>
-          <a:p>
-            <a:r>
-              <a:rPr lang="en-US" dirty="0" smtClean="0"/>
-              <a:t>Solution</a:t>
-            </a:r>
-          </a:p>
-          <a:p>
-            <a:pPr marL="342900" indent="-342900">
-              <a:buFont typeface="Arial"/>
-              <a:buChar char="•"/>
-            </a:pPr>
-            <a:r>
-              <a:rPr lang="en-US" dirty="0" smtClean="0"/>
-              <a:t>Priority Inversion</a:t>
-            </a:r>
-          </a:p>
-          <a:p>
-            <a:pPr marL="342900" indent="-342900">
-              <a:buFont typeface="Arial"/>
-              <a:buChar char="•"/>
-            </a:pPr>
-            <a:r>
-              <a:rPr lang="en-US" dirty="0" smtClean="0"/>
-              <a:t>Replicating the resource.</a:t>
-            </a:r>
-          </a:p>
-          <a:p>
-            <a:pPr marL="342900" indent="-342900">
-              <a:buFont typeface="Arial"/>
-              <a:buChar char="•"/>
-            </a:pPr>
-            <a:r>
-              <a:rPr lang="en-US" dirty="0" smtClean="0"/>
-              <a:t>Partitioning the resource</a:t>
-            </a:r>
-          </a:p>
-          <a:p>
-            <a:pPr marL="342900" indent="-342900">
-              <a:buFont typeface="Arial"/>
-              <a:buChar char="•"/>
-            </a:pPr>
-            <a:endParaRPr lang="en-US" dirty="0" smtClean="0"/>
-          </a:p>
-          <a:p>
-            <a:pPr marL="342900" indent="-342900">
-              <a:buFont typeface="Arial"/>
-              <a:buChar char="•"/>
-            </a:pPr>
-            <a:endParaRPr lang="en-US" dirty="0"/>
-          </a:p>
-        </p:txBody>
-      </p:sp>
-      <p:sp>
-        <p:nvSpPr>
-          <p:cNvPr id="3" name="Title 2"/>
-          <p:cNvSpPr>
-            <a:spLocks noGrp="1"/>
-          </p:cNvSpPr>
-          <p:nvPr>
-            <p:ph type="title"/>
-          </p:nvPr>
-        </p:nvSpPr>
-        <p:spPr/>
-        <p:txBody>
-          <a:bodyPr/>
-          <a:lstStyle/>
-          <a:p>
-            <a:r>
-              <a:rPr lang="en-US" dirty="0" smtClean="0"/>
-              <a:t>Heavily contended locks</a:t>
-            </a:r>
-            <a:endParaRPr lang="en-US" dirty="0"/>
-          </a:p>
-        </p:txBody>
-      </p:sp>
-    </p:spTree>
-    <p:extLst>
-      <p:ext uri="{BB962C8B-B14F-4D97-AF65-F5344CB8AC3E}">
-        <p14:creationId xmlns:p14="http://schemas.microsoft.com/office/powerpoint/2010/main" val="1462588398"/>
-      </p:ext>
-    </p:extLst>
-  </p:cSld>
-  <p:clrMapOvr>
-    <a:masterClrMapping/>
-  </p:clrMapOvr>
-</p:sld>
-</file>
-
-<file path=ppt/slides/slide18.xml><?xml version="1.0" encoding="utf-8"?>
-<p:sld xmlns:a="http://schemas.openxmlformats.org/drawingml/2006/main" xmlns:r="http://schemas.openxmlformats.org/officeDocument/2006/relationships" xmlns:p="http://schemas.openxmlformats.org/presentationml/2006/main">
-  <p:cSld>
-    <p:spTree>
-      <p:nvGrpSpPr>
-        <p:cNvPr id="1" name=""/>
-        <p:cNvGrpSpPr/>
-        <p:nvPr/>
-      </p:nvGrpSpPr>
-      <p:grpSpPr>
-        <a:xfrm>
-          <a:off x="0" y="0"/>
-          <a:ext cx="0" cy="0"/>
-          <a:chOff x="0" y="0"/>
-          <a:chExt cx="0" cy="0"/>
-        </a:xfrm>
-      </p:grpSpPr>
-      <p:sp>
-        <p:nvSpPr>
-          <p:cNvPr id="2" name="Content Placeholder 1"/>
-          <p:cNvSpPr>
-            <a:spLocks noGrp="1"/>
-          </p:cNvSpPr>
-          <p:nvPr>
-            <p:ph sz="quarter" idx="13"/>
-          </p:nvPr>
-        </p:nvSpPr>
-        <p:spPr/>
-        <p:txBody>
-          <a:bodyPr>
-            <a:normAutofit/>
-          </a:bodyPr>
-          <a:lstStyle/>
-          <a:p>
-            <a:r>
-              <a:rPr lang="en-US" dirty="0" smtClean="0"/>
-              <a:t>1</a:t>
-            </a:r>
-            <a:r>
-              <a:rPr lang="en-US" dirty="0" smtClean="0"/>
-              <a:t>). Students play with the app</a:t>
-            </a:r>
-          </a:p>
-          <a:p>
-            <a:r>
-              <a:rPr lang="en-US" dirty="0" smtClean="0"/>
-              <a:t>2</a:t>
-            </a:r>
-            <a:r>
-              <a:rPr lang="en-US" dirty="0" smtClean="0"/>
-              <a:t>). </a:t>
-            </a:r>
-            <a:r>
-              <a:rPr lang="en-US" dirty="0" smtClean="0"/>
-              <a:t>Quiz</a:t>
-            </a:r>
-          </a:p>
-          <a:p>
-            <a:r>
-              <a:rPr lang="en-US" dirty="0" smtClean="0"/>
-              <a:t>3). Survey to collect feedback</a:t>
-            </a:r>
-            <a:endParaRPr lang="en-US" dirty="0" smtClean="0"/>
-          </a:p>
-          <a:p>
-            <a:pPr algn="l"/>
-            <a:endParaRPr lang="en-US" dirty="0"/>
-          </a:p>
-          <a:p>
-            <a:pPr algn="l"/>
-            <a:r>
-              <a:rPr lang="en-US" dirty="0" smtClean="0"/>
-              <a:t>To </a:t>
-            </a:r>
-            <a:r>
-              <a:rPr lang="en-US" dirty="0" smtClean="0"/>
-              <a:t>determine:</a:t>
-            </a:r>
-            <a:r>
-              <a:rPr lang="en-US" dirty="0"/>
-              <a:t>	</a:t>
-            </a:r>
-            <a:endParaRPr lang="en-US" dirty="0" smtClean="0"/>
-          </a:p>
-          <a:p>
-            <a:pPr algn="l"/>
-            <a:r>
-              <a:rPr lang="en-US" sz="2000" dirty="0" smtClean="0"/>
-              <a:t>1). </a:t>
-            </a:r>
-            <a:r>
-              <a:rPr lang="en-US" sz="2000" dirty="0" smtClean="0"/>
-              <a:t>Usability.</a:t>
-            </a:r>
-          </a:p>
-          <a:p>
-            <a:pPr algn="l"/>
-            <a:r>
-              <a:rPr lang="en-US" sz="2000" dirty="0" smtClean="0"/>
-              <a:t>2).</a:t>
-            </a:r>
-            <a:r>
-              <a:rPr lang="en-US" sz="2000" dirty="0" smtClean="0"/>
-              <a:t> </a:t>
-            </a:r>
-            <a:r>
-              <a:rPr lang="en-US" sz="2000" dirty="0" smtClean="0"/>
-              <a:t>Interactivity.</a:t>
-            </a:r>
-          </a:p>
-          <a:p>
-            <a:pPr algn="l"/>
-            <a:r>
-              <a:rPr lang="en-US" sz="2000" dirty="0" smtClean="0"/>
-              <a:t>3).</a:t>
-            </a:r>
-            <a:r>
-              <a:rPr lang="en-US" sz="2000" dirty="0" smtClean="0"/>
-              <a:t> </a:t>
-            </a:r>
-            <a:r>
-              <a:rPr lang="en-US" sz="2000" dirty="0" smtClean="0"/>
-              <a:t>Students’ understanding in the 3 pitfalls</a:t>
-            </a:r>
-          </a:p>
-        </p:txBody>
-      </p:sp>
-      <p:sp>
-        <p:nvSpPr>
-          <p:cNvPr id="3" name="Title 2"/>
-          <p:cNvSpPr>
-            <a:spLocks noGrp="1"/>
-          </p:cNvSpPr>
-          <p:nvPr>
-            <p:ph type="title"/>
-          </p:nvPr>
-        </p:nvSpPr>
-        <p:spPr/>
-        <p:txBody>
-          <a:bodyPr/>
-          <a:lstStyle/>
-          <a:p>
-            <a:r>
-              <a:rPr lang="en-US" dirty="0" smtClean="0"/>
-              <a:t>evaluation</a:t>
-            </a:r>
-            <a:endParaRPr lang="en-US" dirty="0"/>
-          </a:p>
-        </p:txBody>
-      </p:sp>
-    </p:spTree>
-    <p:extLst>
-      <p:ext uri="{BB962C8B-B14F-4D97-AF65-F5344CB8AC3E}">
-        <p14:creationId xmlns:p14="http://schemas.microsoft.com/office/powerpoint/2010/main" val="1649624774"/>
-      </p:ext>
-    </p:extLst>
-  </p:cSld>
-  <p:clrMapOvr>
-    <a:masterClrMapping/>
-  </p:clrMapOvr>
-</p:sld>
-</file>
-
-<file path=ppt/slides/slide19.xml><?xml version="1.0" encoding="utf-8"?>
-<p:sld xmlns:a="http://schemas.openxmlformats.org/drawingml/2006/main" xmlns:r="http://schemas.openxmlformats.org/officeDocument/2006/relationships" xmlns:p="http://schemas.openxmlformats.org/presentationml/2006/main">
-  <p:cSld>
-    <p:spTree>
-      <p:nvGrpSpPr>
-        <p:cNvPr id="1" name=""/>
-        <p:cNvGrpSpPr/>
-        <p:nvPr/>
-      </p:nvGrpSpPr>
-      <p:grpSpPr>
-        <a:xfrm>
-          <a:off x="0" y="0"/>
-          <a:ext cx="0" cy="0"/>
-          <a:chOff x="0" y="0"/>
-          <a:chExt cx="0" cy="0"/>
-        </a:xfrm>
-      </p:grpSpPr>
-      <p:sp>
-        <p:nvSpPr>
-          <p:cNvPr id="2" name="Content Placeholder 1"/>
-          <p:cNvSpPr>
-            <a:spLocks noGrp="1"/>
-          </p:cNvSpPr>
-          <p:nvPr>
-            <p:ph sz="quarter" idx="13"/>
-          </p:nvPr>
-        </p:nvSpPr>
-        <p:spPr/>
-        <p:txBody>
-          <a:bodyPr/>
-          <a:lstStyle/>
-          <a:p>
-            <a:pPr marL="342900" indent="-342900">
-              <a:buFont typeface="Arial"/>
-              <a:buChar char="•"/>
-            </a:pPr>
-            <a:r>
-              <a:rPr lang="en-US" dirty="0" smtClean="0"/>
-              <a:t>Usability:		90% rate as the easy to play</a:t>
-            </a:r>
-          </a:p>
-          <a:p>
-            <a:pPr marL="342900" indent="-342900">
-              <a:buFont typeface="Arial"/>
-              <a:buChar char="•"/>
-            </a:pPr>
-            <a:endParaRPr lang="en-US" dirty="0" smtClean="0"/>
-          </a:p>
-          <a:p>
-            <a:pPr marL="342900" indent="-342900">
-              <a:buFont typeface="Arial"/>
-              <a:buChar char="•"/>
-            </a:pPr>
-            <a:r>
-              <a:rPr lang="en-US" dirty="0" smtClean="0"/>
-              <a:t>Interactivity:	90% like the way they interact with the pitfalls</a:t>
-            </a:r>
-          </a:p>
-          <a:p>
-            <a:pPr marL="342900" indent="-342900">
-              <a:buFont typeface="Arial"/>
-              <a:buChar char="•"/>
-            </a:pPr>
-            <a:endParaRPr lang="en-US" dirty="0"/>
-          </a:p>
-          <a:p>
-            <a:pPr marL="342900" indent="-342900">
-              <a:buFont typeface="Arial"/>
-              <a:buChar char="•"/>
-            </a:pPr>
-            <a:r>
-              <a:rPr lang="en-US" dirty="0" smtClean="0"/>
-              <a:t>Student understanding: 	9/10 questions were answered correctly by 90% of student</a:t>
-            </a:r>
-            <a:endParaRPr lang="en-US" dirty="0"/>
-          </a:p>
-        </p:txBody>
-      </p:sp>
-      <p:sp>
-        <p:nvSpPr>
-          <p:cNvPr id="3" name="Title 2"/>
-          <p:cNvSpPr>
-            <a:spLocks noGrp="1"/>
-          </p:cNvSpPr>
-          <p:nvPr>
-            <p:ph type="title"/>
-          </p:nvPr>
-        </p:nvSpPr>
-        <p:spPr/>
-        <p:txBody>
-          <a:bodyPr/>
-          <a:lstStyle/>
-          <a:p>
-            <a:r>
-              <a:rPr lang="en-US" dirty="0" smtClean="0"/>
-              <a:t>Results</a:t>
-            </a:r>
-            <a:endParaRPr lang="en-US" dirty="0"/>
-          </a:p>
-        </p:txBody>
-      </p:sp>
-    </p:spTree>
-    <p:extLst>
-      <p:ext uri="{BB962C8B-B14F-4D97-AF65-F5344CB8AC3E}">
-        <p14:creationId xmlns:p14="http://schemas.microsoft.com/office/powerpoint/2010/main" val="4085540163"/>
-      </p:ext>
-    </p:extLst>
-  </p:cSld>
-  <p:clrMapOvr>
-    <a:masterClrMapping/>
-  </p:clrMapOvr>
 </p:sld>
 </file>
 
@@ -7751,24 +12506,50 @@
         </p:nvSpPr>
         <p:spPr/>
         <p:txBody>
-          <a:bodyPr>
-            <a:normAutofit/>
-          </a:bodyPr>
+          <a:bodyPr/>
           <a:lstStyle/>
           <a:p>
-            <a:pPr marL="342900" indent="-342900" algn="l">
-              <a:buFont typeface="Arial"/>
-              <a:buChar char="•"/>
-            </a:pPr>
-            <a:r>
-              <a:rPr lang="en-US" dirty="0" smtClean="0"/>
-              <a:t>Support multiple </a:t>
-            </a:r>
-            <a:r>
-              <a:rPr lang="en-US" dirty="0" smtClean="0"/>
-              <a:t>browser</a:t>
-            </a:r>
-            <a:endParaRPr lang="en-US" dirty="0" smtClean="0"/>
+            <a:pPr algn="l"/>
+            <a:r>
+              <a:rPr lang="en-US" dirty="0"/>
+              <a:t>Process P1:</a:t>
+            </a:r>
+          </a:p>
+          <a:p>
+            <a:pPr algn="l"/>
+            <a:r>
+              <a:rPr lang="en-US" dirty="0"/>
+              <a:t>request(R1)</a:t>
+            </a:r>
+            <a:r>
+              <a:rPr lang="en-US" dirty="0" smtClean="0"/>
+              <a:t>;…	release</a:t>
+            </a:r>
+            <a:r>
+              <a:rPr lang="en-US" dirty="0"/>
+              <a:t>(R1</a:t>
+            </a:r>
+            <a:r>
+              <a:rPr lang="en-US" dirty="0" smtClean="0"/>
+              <a:t>); request</a:t>
+            </a:r>
+            <a:r>
+              <a:rPr lang="en-US" dirty="0"/>
+              <a:t>(R2)</a:t>
+            </a:r>
+            <a:r>
+              <a:rPr lang="en-US" dirty="0" smtClean="0"/>
+              <a:t>;…	release</a:t>
+            </a:r>
+            <a:r>
+              <a:rPr lang="en-US" dirty="0"/>
+              <a:t>(R2</a:t>
+            </a:r>
+            <a:r>
+              <a:rPr lang="en-US" dirty="0" smtClean="0"/>
+              <a:t>);</a:t>
+            </a:r>
+            <a:endParaRPr lang="en-US" dirty="0"/>
           </a:p>
           <a:p>
             <a:pPr algn="l"/>
@@ -7776,66 +12557,7 @@
           </a:p>
           <a:p>
             <a:pPr algn="l"/>
-            <a:r>
-              <a:rPr lang="en-US" dirty="0" smtClean="0"/>
-              <a:t>Next </a:t>
-            </a:r>
-            <a:r>
-              <a:rPr lang="en-US" dirty="0" smtClean="0"/>
-              <a:t>Few Weeks:</a:t>
-            </a:r>
-          </a:p>
-          <a:p>
-            <a:pPr marL="342900" indent="-342900" algn="l">
-              <a:buFont typeface="Arial"/>
-              <a:buChar char="•"/>
-            </a:pPr>
-            <a:r>
-              <a:rPr lang="en-US" dirty="0"/>
-              <a:t>S</a:t>
-            </a:r>
-            <a:r>
-              <a:rPr lang="en-US" dirty="0" smtClean="0"/>
-              <a:t>olve </a:t>
-            </a:r>
-            <a:r>
-              <a:rPr lang="en-US" dirty="0" smtClean="0"/>
-              <a:t>different browser </a:t>
-            </a:r>
-            <a:r>
-              <a:rPr lang="en-US" dirty="0" smtClean="0"/>
-              <a:t>compatibility</a:t>
-            </a:r>
-            <a:endParaRPr lang="en-US" dirty="0" smtClean="0"/>
-          </a:p>
-          <a:p>
-            <a:pPr marL="342900" indent="-342900" algn="l">
-              <a:buFont typeface="Arial"/>
-              <a:buChar char="•"/>
-            </a:pPr>
-            <a:r>
-              <a:rPr lang="en-US" dirty="0" smtClean="0"/>
-              <a:t>Do more survey and usability testing</a:t>
-            </a:r>
-            <a:endParaRPr lang="en-US" dirty="0" smtClean="0"/>
-          </a:p>
-          <a:p>
-            <a:pPr marL="342900" indent="-342900" algn="l">
-              <a:buFont typeface="Arial"/>
-              <a:buChar char="•"/>
-            </a:pPr>
-            <a:r>
-              <a:rPr lang="en-US" dirty="0"/>
-              <a:t>W</a:t>
-            </a:r>
-            <a:r>
-              <a:rPr lang="en-US" dirty="0" smtClean="0"/>
-              <a:t>rite </a:t>
-            </a:r>
-            <a:r>
-              <a:rPr lang="en-US" dirty="0" smtClean="0"/>
-              <a:t>report</a:t>
-            </a:r>
+            <a:endParaRPr lang="en-US" dirty="0"/>
           </a:p>
           <a:p>
             <a:pPr algn="l"/>
@@ -7844,26 +12566,51 @@
           <a:p>
             <a:pPr algn="l"/>
             <a:r>
-              <a:rPr lang="en-US" dirty="0" smtClean="0"/>
-              <a:t>Extension</a:t>
-            </a:r>
-            <a:r>
-              <a:rPr lang="en-US" dirty="0" smtClean="0"/>
-              <a:t>:</a:t>
-            </a:r>
-          </a:p>
-          <a:p>
-            <a:pPr marL="342900" indent="-342900" algn="l">
-              <a:buFont typeface="Arial"/>
-              <a:buChar char="•"/>
-            </a:pPr>
-            <a:r>
-              <a:rPr lang="en-US" dirty="0" smtClean="0"/>
-              <a:t>Incorporate solution to the pitfalls </a:t>
-            </a:r>
-            <a:r>
-              <a:rPr lang="en-US" dirty="0" smtClean="0"/>
-              <a:t>in our app </a:t>
+              <a:rPr lang="en-US" dirty="0"/>
+              <a:t>Process P2:</a:t>
+            </a:r>
+          </a:p>
+          <a:p>
+            <a:pPr algn="l"/>
+            <a:r>
+              <a:rPr lang="en-US" dirty="0"/>
+              <a:t>request(</a:t>
+            </a:r>
+            <a:r>
+              <a:rPr lang="en-US" dirty="0" smtClean="0"/>
+              <a:t>R2)</a:t>
+            </a:r>
+            <a:r>
+              <a:rPr lang="en-US" dirty="0"/>
+              <a:t>;..</a:t>
+            </a:r>
+            <a:r>
+              <a:rPr lang="en-US" dirty="0" smtClean="0"/>
+              <a:t>.		</a:t>
+            </a:r>
+            <a:r>
+              <a:rPr lang="en-US" dirty="0"/>
+              <a:t>release(R2)</a:t>
+            </a:r>
+            <a:r>
+              <a:rPr lang="en-US" dirty="0" smtClean="0"/>
+              <a:t>; request</a:t>
+            </a:r>
+            <a:r>
+              <a:rPr lang="en-US" dirty="0"/>
+              <a:t>(</a:t>
+            </a:r>
+            <a:r>
+              <a:rPr lang="en-US" dirty="0" smtClean="0"/>
+              <a:t>R1);	release</a:t>
+            </a:r>
+            <a:r>
+              <a:rPr lang="en-US" dirty="0"/>
+              <a:t>(R1)</a:t>
+            </a:r>
+            <a:r>
+              <a:rPr lang="en-US" dirty="0" smtClean="0"/>
+              <a:t>;</a:t>
             </a:r>
             <a:endParaRPr lang="en-US" dirty="0"/>
           </a:p>
@@ -7885,8 +12632,181 @@
           <a:lstStyle/>
           <a:p>
             <a:r>
-              <a:rPr lang="en-US" dirty="0" smtClean="0"/>
-              <a:t>Challenges and future works</a:t>
+              <a:rPr lang="en-US" dirty="0"/>
+              <a:t>Release Before Request</a:t>
+            </a:r>
+          </a:p>
+        </p:txBody>
+      </p:sp>
+      <p:sp>
+        <p:nvSpPr>
+          <p:cNvPr id="4" name="Rectangle 3"/>
+          <p:cNvSpPr/>
+          <p:nvPr/>
+        </p:nvSpPr>
+        <p:spPr>
+          <a:xfrm>
+            <a:off x="1598825" y="2540307"/>
+            <a:ext cx="2144253" cy="329910"/>
+          </a:xfrm>
+          <a:prstGeom prst="rect">
+            <a:avLst/>
+          </a:prstGeom>
+          <a:solidFill>
+            <a:srgbClr val="FF0000"/>
+          </a:solidFill>
+        </p:spPr>
+        <p:style>
+          <a:lnRef idx="1">
+            <a:schemeClr val="accent1"/>
+          </a:lnRef>
+          <a:fillRef idx="3">
+            <a:schemeClr val="accent1"/>
+          </a:fillRef>
+          <a:effectRef idx="2">
+            <a:schemeClr val="accent1"/>
+          </a:effectRef>
+          <a:fontRef idx="minor">
+            <a:schemeClr val="lt1"/>
+          </a:fontRef>
+        </p:style>
+        <p:txBody>
+          <a:bodyPr rtlCol="0" anchor="ctr"/>
+          <a:lstStyle/>
+          <a:p>
+            <a:pPr algn="ctr"/>
+            <a:r>
+              <a:rPr lang="en-US" dirty="0" smtClean="0"/>
+              <a:t>R1 Critical Section</a:t>
+            </a:r>
+            <a:endParaRPr lang="en-US" dirty="0"/>
+          </a:p>
+        </p:txBody>
+      </p:sp>
+      <p:sp>
+        <p:nvSpPr>
+          <p:cNvPr id="5" name="Rectangle 4"/>
+          <p:cNvSpPr/>
+          <p:nvPr/>
+        </p:nvSpPr>
+        <p:spPr>
+          <a:xfrm>
+            <a:off x="5520505" y="2540307"/>
+            <a:ext cx="2144253" cy="329910"/>
+          </a:xfrm>
+          <a:prstGeom prst="rect">
+            <a:avLst/>
+          </a:prstGeom>
+        </p:spPr>
+        <p:style>
+          <a:lnRef idx="1">
+            <a:schemeClr val="accent1"/>
+          </a:lnRef>
+          <a:fillRef idx="3">
+            <a:schemeClr val="accent1"/>
+          </a:fillRef>
+          <a:effectRef idx="2">
+            <a:schemeClr val="accent1"/>
+          </a:effectRef>
+          <a:fontRef idx="minor">
+            <a:schemeClr val="lt1"/>
+          </a:fontRef>
+        </p:style>
+        <p:txBody>
+          <a:bodyPr rtlCol="0" anchor="ctr"/>
+          <a:lstStyle/>
+          <a:p>
+            <a:pPr algn="ctr"/>
+            <a:r>
+              <a:rPr lang="en-US" dirty="0" smtClean="0"/>
+              <a:t>R2 Critical Section</a:t>
+            </a:r>
+            <a:endParaRPr lang="en-US" dirty="0"/>
+          </a:p>
+        </p:txBody>
+      </p:sp>
+      <p:sp>
+        <p:nvSpPr>
+          <p:cNvPr id="6" name="Rectangle 5"/>
+          <p:cNvSpPr/>
+          <p:nvPr/>
+        </p:nvSpPr>
+        <p:spPr>
+          <a:xfrm>
+            <a:off x="1598825" y="5002075"/>
+            <a:ext cx="2144253" cy="329910"/>
+          </a:xfrm>
+          <a:prstGeom prst="rect">
+            <a:avLst/>
+          </a:prstGeom>
+        </p:spPr>
+        <p:style>
+          <a:lnRef idx="1">
+            <a:schemeClr val="accent1"/>
+          </a:lnRef>
+          <a:fillRef idx="3">
+            <a:schemeClr val="accent1"/>
+          </a:fillRef>
+          <a:effectRef idx="2">
+            <a:schemeClr val="accent1"/>
+          </a:effectRef>
+          <a:fontRef idx="minor">
+            <a:schemeClr val="lt1"/>
+          </a:fontRef>
+        </p:style>
+        <p:txBody>
+          <a:bodyPr rtlCol="0" anchor="ctr"/>
+          <a:lstStyle/>
+          <a:p>
+            <a:pPr algn="ctr"/>
+            <a:r>
+              <a:rPr lang="en-US" dirty="0" smtClean="0"/>
+              <a:t>R2 Critical Section</a:t>
+            </a:r>
+            <a:endParaRPr lang="en-US" dirty="0"/>
+          </a:p>
+        </p:txBody>
+      </p:sp>
+      <p:sp>
+        <p:nvSpPr>
+          <p:cNvPr id="7" name="Rectangle 6"/>
+          <p:cNvSpPr/>
+          <p:nvPr/>
+        </p:nvSpPr>
+        <p:spPr>
+          <a:xfrm>
+            <a:off x="5520505" y="5002075"/>
+            <a:ext cx="2144253" cy="329910"/>
+          </a:xfrm>
+          <a:prstGeom prst="rect">
+            <a:avLst/>
+          </a:prstGeom>
+          <a:solidFill>
+            <a:srgbClr val="FF0000"/>
+          </a:solidFill>
+        </p:spPr>
+        <p:style>
+          <a:lnRef idx="1">
+            <a:schemeClr val="accent1"/>
+          </a:lnRef>
+          <a:fillRef idx="3">
+            <a:schemeClr val="accent1"/>
+          </a:fillRef>
+          <a:effectRef idx="2">
+            <a:schemeClr val="accent1"/>
+          </a:effectRef>
+          <a:fontRef idx="minor">
+            <a:schemeClr val="lt1"/>
+          </a:fontRef>
+        </p:style>
+        <p:txBody>
+          <a:bodyPr rtlCol="0" anchor="ctr"/>
+          <a:lstStyle/>
+          <a:p>
+            <a:pPr algn="ctr"/>
+            <a:r>
+              <a:rPr lang="en-US" dirty="0" smtClean="0"/>
+              <a:t>R1 Critical Section</a:t>
             </a:r>
             <a:endParaRPr lang="en-US" dirty="0"/>
           </a:p>
@@ -7895,13 +12815,20 @@
     </p:spTree>
     <p:extLst>
       <p:ext uri="{BB962C8B-B14F-4D97-AF65-F5344CB8AC3E}">
-        <p14:creationId xmlns:p14="http://schemas.microsoft.com/office/powerpoint/2010/main" val="2276343006"/>
+        <p14:creationId xmlns:p14="http://schemas.microsoft.com/office/powerpoint/2010/main" val="1963981522"/>
       </p:ext>
     </p:extLst>
   </p:cSld>
   <p:clrMapOvr>
     <a:masterClrMapping/>
   </p:clrMapOvr>
+  <p:timing>
+    <p:tnLst>
+      <p:par>
+        <p:cTn id="1" dur="indefinite" restart="never" nodeType="tmRoot"/>
+      </p:par>
+    </p:tnLst>
+  </p:timing>
 </p:sld>
 </file>
 
@@ -7924,211 +12851,30 @@
       </p:grpSpPr>
       <p:sp>
         <p:nvSpPr>
-          <p:cNvPr id="2" name="Content Placeholder 1"/>
+          <p:cNvPr id="3" name="Subtitle 2"/>
           <p:cNvSpPr>
             <a:spLocks noGrp="1"/>
           </p:cNvSpPr>
           <p:nvPr>
-            <p:ph sz="quarter" idx="13"/>
+            <p:ph type="subTitle" idx="1"/>
           </p:nvPr>
         </p:nvSpPr>
         <p:spPr/>
         <p:txBody>
-          <a:bodyPr>
-            <a:normAutofit/>
-          </a:bodyPr>
+          <a:bodyPr/>
           <a:lstStyle/>
           <a:p>
             <a:r>
-              <a:rPr lang="en-US" sz="1500" dirty="0" smtClean="0"/>
-              <a:t>[1] </a:t>
-            </a:r>
-            <a:r>
-              <a:rPr lang="en-US" sz="1500" dirty="0"/>
-              <a:t> N. </a:t>
-            </a:r>
-            <a:r>
-              <a:rPr lang="en-US" sz="1500" dirty="0" err="1"/>
-              <a:t>Giacaman</a:t>
-            </a:r>
-            <a:r>
-              <a:rPr lang="en-US" sz="1500" dirty="0"/>
-              <a:t>. Teaching by example: Using analogies and live coding demonstrations to teach parallel computing concepts to undergraduate </a:t>
-            </a:r>
-            <a:r>
-              <a:rPr lang="en-US" sz="1500" dirty="0" err="1"/>
-              <a:t>stu</a:t>
-            </a:r>
-            <a:r>
-              <a:rPr lang="en-US" sz="1500" dirty="0"/>
-              <a:t>- dents. In Parallel and Distributed Processing Symposium Workshops PhD Forum (IPDPSW), 2012 IEEE 26th International, pages 1295 –1298, may 2012. </a:t>
-            </a:r>
-            <a:endParaRPr lang="en-US" sz="1500" dirty="0" smtClean="0"/>
-          </a:p>
-          <a:p>
-            <a:r>
-              <a:rPr lang="en-US" sz="1500" dirty="0" smtClean="0"/>
-              <a:t>[2] </a:t>
-            </a:r>
-            <a:r>
-              <a:rPr lang="en-US" sz="1500" dirty="0" err="1"/>
-              <a:t>Mordechai</a:t>
-            </a:r>
-            <a:r>
-              <a:rPr lang="en-US" sz="1500" dirty="0"/>
-              <a:t> Ben-Ari and </a:t>
-            </a:r>
-            <a:r>
-              <a:rPr lang="en-US" sz="1500" dirty="0" err="1"/>
-              <a:t>Yifat</a:t>
-            </a:r>
-            <a:r>
-              <a:rPr lang="en-US" sz="1500" dirty="0"/>
-              <a:t> Ben-David </a:t>
-            </a:r>
-            <a:r>
-              <a:rPr lang="en-US" sz="1500" dirty="0" err="1"/>
-              <a:t>Kolikant</a:t>
-            </a:r>
-            <a:r>
-              <a:rPr lang="en-US" sz="1500" dirty="0"/>
-              <a:t>. Thinking parallel: the process of learning concurrency. SIGCSE Bull., 31(3):13–16, June 1999. </a:t>
-            </a:r>
-            <a:endParaRPr lang="en-US" sz="1500" dirty="0" smtClean="0"/>
-          </a:p>
-          <a:p>
-            <a:r>
-              <a:rPr lang="en-US" sz="1500" dirty="0"/>
-              <a:t>[3] </a:t>
-            </a:r>
-            <a:r>
-              <a:rPr lang="en-US" sz="1500" dirty="0">
-                <a:hlinkClick r:id="rId3"/>
-              </a:rPr>
-              <a:t>http://publib.boulder.ibm.com/infocenter/iseries/v5r3/index.jsp?topic=%2Frzahw%</a:t>
-            </a:r>
-            <a:r>
-              <a:rPr lang="en-US" sz="1500" dirty="0" smtClean="0">
-                <a:hlinkClick r:id="rId3"/>
-              </a:rPr>
-              <a:t>2Frzahwmutco.htm</a:t>
-            </a:r>
-            <a:endParaRPr lang="en-US" sz="1500" dirty="0" smtClean="0"/>
-          </a:p>
-          <a:p>
-            <a:r>
-              <a:rPr lang="en-US" sz="1500" dirty="0" smtClean="0"/>
-              <a:t>[4</a:t>
-            </a:r>
-            <a:r>
-              <a:rPr lang="en-US" sz="1500" dirty="0"/>
-              <a:t>] </a:t>
-            </a:r>
-            <a:r>
-              <a:rPr lang="en-US" sz="1500" dirty="0" err="1"/>
-              <a:t>Fancong</a:t>
-            </a:r>
-            <a:r>
-              <a:rPr lang="en-US" sz="1500" dirty="0"/>
-              <a:t> </a:t>
-            </a:r>
-            <a:r>
-              <a:rPr lang="en-US" sz="1500" dirty="0" err="1"/>
-              <a:t>Zeng</a:t>
-            </a:r>
-            <a:r>
-              <a:rPr lang="en-US" sz="1500" dirty="0"/>
-              <a:t>. "An Initial Study of Common Coding Pitfalls in Java Programs", in Proceedings of MASPLAS'03 Mid-Atlantic Student Workshop on Programming Languages and Systems, April, 2003</a:t>
-            </a:r>
-            <a:r>
-              <a:rPr lang="en-US" sz="1500" dirty="0" smtClean="0"/>
-              <a:t>.</a:t>
-            </a:r>
-          </a:p>
-          <a:p>
-            <a:r>
-              <a:rPr lang="en-US" sz="1500" dirty="0" smtClean="0"/>
-              <a:t>[5] </a:t>
-            </a:r>
-            <a:r>
-              <a:rPr lang="en-US" sz="1600" dirty="0"/>
-              <a:t>Sung-</a:t>
-            </a:r>
-            <a:r>
-              <a:rPr lang="en-US" sz="1600" dirty="0" err="1"/>
-              <a:t>Eun</a:t>
-            </a:r>
-            <a:r>
-              <a:rPr lang="en-US" sz="1600" dirty="0"/>
-              <a:t> Choi and E Christopher Lewis. A Study of </a:t>
-            </a:r>
-            <a:r>
-              <a:rPr lang="en-US" sz="1600" dirty="0" smtClean="0"/>
-              <a:t>Common </a:t>
-            </a:r>
-            <a:r>
-              <a:rPr lang="en-US" sz="1600" dirty="0"/>
-              <a:t>Pitfalls in Simple Multi-Threaded Programs. In </a:t>
-            </a:r>
-            <a:r>
-              <a:rPr lang="en-US" sz="1600" i="1" dirty="0" smtClean="0"/>
-              <a:t>Proceedings </a:t>
-            </a:r>
-            <a:r>
-              <a:rPr lang="en-US" sz="1600" i="1" dirty="0"/>
-              <a:t>of the Thirty-first ACM SIGCSE Technical Symposium on Computer Science Education, </a:t>
-            </a:r>
-            <a:r>
-              <a:rPr lang="en-US" sz="1600" dirty="0"/>
-              <a:t>March 2000. </a:t>
-            </a:r>
-            <a:endParaRPr lang="en-US" sz="1600" dirty="0" smtClean="0"/>
-          </a:p>
-          <a:p>
-            <a:r>
-              <a:rPr lang="en-US" sz="1600" dirty="0"/>
-              <a:t>[6] </a:t>
-            </a:r>
-            <a:r>
-              <a:rPr lang="en-US" sz="1600" dirty="0" err="1"/>
-              <a:t>Tallent</a:t>
-            </a:r>
-            <a:r>
-              <a:rPr lang="en-US" sz="1600" dirty="0"/>
-              <a:t>, N. R.; Mellor-</a:t>
-            </a:r>
-            <a:r>
-              <a:rPr lang="en-US" sz="1600" dirty="0" err="1"/>
-              <a:t>Crummey</a:t>
-            </a:r>
-            <a:r>
-              <a:rPr lang="en-US" sz="1600" dirty="0"/>
-              <a:t>, J. M. &amp; Porterfield, A. (2010), Analyzing lock contention in multithreaded applications., in R. </a:t>
-            </a:r>
-            <a:r>
-              <a:rPr lang="en-US" sz="1600" dirty="0" err="1"/>
-              <a:t>Govindarajan</a:t>
-            </a:r>
-            <a:r>
-              <a:rPr lang="en-US" sz="1600" dirty="0"/>
-              <a:t>; David A. Padua &amp; Mary W. Hall, ed., 'PPOPP' , ACM, , pp. 269-280 .</a:t>
-            </a:r>
-            <a:endParaRPr lang="en-US" sz="1500" dirty="0" smtClean="0"/>
-          </a:p>
-          <a:p>
-            <a:endParaRPr lang="en-US" sz="1500" dirty="0"/>
-          </a:p>
-          <a:p>
-            <a:endParaRPr lang="en-US" sz="1500" dirty="0"/>
-          </a:p>
-          <a:p>
-            <a:endParaRPr lang="en-US" sz="1500" dirty="0"/>
-          </a:p>
-        </p:txBody>
-      </p:sp>
-      <p:sp>
-        <p:nvSpPr>
-          <p:cNvPr id="3" name="Title 2"/>
+              <a:rPr lang="en-US" dirty="0" smtClean="0"/>
+              <a:t>DEMO</a:t>
+            </a:r>
+            <a:endParaRPr lang="en-US" dirty="0"/>
+          </a:p>
+        </p:txBody>
+      </p:sp>
+      <p:sp>
+        <p:nvSpPr>
+          <p:cNvPr id="2" name="Title 1"/>
           <p:cNvSpPr>
             <a:spLocks noGrp="1"/>
           </p:cNvSpPr>
@@ -8138,21 +12884,22 @@
         </p:nvSpPr>
         <p:spPr/>
         <p:txBody>
-          <a:bodyPr/>
+          <a:bodyPr>
+            <a:normAutofit fontScale="90000"/>
+          </a:bodyPr>
           <a:lstStyle/>
           <a:p>
             <a:r>
-              <a:rPr lang="en-US" dirty="0" smtClean="0"/>
-              <a:t>References</a:t>
-            </a:r>
-            <a:endParaRPr lang="en-US" dirty="0"/>
+              <a:rPr lang="en-US" dirty="0"/>
+              <a:t>Heavily contended locks</a:t>
+            </a:r>
           </a:p>
         </p:txBody>
       </p:sp>
     </p:spTree>
     <p:extLst>
       <p:ext uri="{BB962C8B-B14F-4D97-AF65-F5344CB8AC3E}">
-        <p14:creationId xmlns:p14="http://schemas.microsoft.com/office/powerpoint/2010/main" val="3408655997"/>
+        <p14:creationId xmlns:p14="http://schemas.microsoft.com/office/powerpoint/2010/main" val="2590666726"/>
       </p:ext>
     </p:extLst>
   </p:cSld>
@@ -8181,7 +12928,110 @@
       </p:grpSpPr>
       <p:sp>
         <p:nvSpPr>
-          <p:cNvPr id="2" name="Title 1"/>
+          <p:cNvPr id="2" name="Content Placeholder 1"/>
+          <p:cNvSpPr>
+            <a:spLocks noGrp="1"/>
+          </p:cNvSpPr>
+          <p:nvPr>
+            <p:ph sz="quarter" idx="13"/>
+          </p:nvPr>
+        </p:nvSpPr>
+        <p:spPr/>
+        <p:txBody>
+          <a:bodyPr/>
+          <a:lstStyle/>
+          <a:p>
+            <a:pPr marL="342900" indent="-342900">
+              <a:buFont typeface="Arial"/>
+              <a:buChar char="•"/>
+            </a:pPr>
+            <a:r>
+              <a:rPr lang="en-US" dirty="0" smtClean="0"/>
+              <a:t>Convoy is created.</a:t>
+            </a:r>
+          </a:p>
+          <a:p>
+            <a:pPr marL="342900" indent="-342900">
+              <a:buFont typeface="Arial"/>
+              <a:buChar char="•"/>
+            </a:pPr>
+            <a:r>
+              <a:rPr lang="en-US" dirty="0" smtClean="0"/>
+              <a:t>Serializes the processing.</a:t>
+            </a:r>
+          </a:p>
+          <a:p>
+            <a:pPr marL="342900" indent="-342900">
+              <a:buFont typeface="Arial"/>
+              <a:buChar char="•"/>
+            </a:pPr>
+            <a:r>
+              <a:rPr lang="en-US" dirty="0" smtClean="0"/>
+              <a:t>Slows down High priority threads.</a:t>
+            </a:r>
+          </a:p>
+          <a:p>
+            <a:pPr marL="342900" indent="-342900">
+              <a:buFont typeface="Arial"/>
+              <a:buChar char="•"/>
+            </a:pPr>
+            <a:endParaRPr lang="en-US" dirty="0"/>
+          </a:p>
+          <a:p>
+            <a:r>
+              <a:rPr lang="en-US" dirty="0" smtClean="0"/>
+              <a:t>Solution</a:t>
+            </a:r>
+          </a:p>
+          <a:p>
+            <a:pPr marL="342900" indent="-342900">
+              <a:buFont typeface="Arial"/>
+              <a:buChar char="•"/>
+            </a:pPr>
+            <a:r>
+              <a:rPr lang="en-US" dirty="0" smtClean="0"/>
+              <a:t>Priority Inversion</a:t>
+            </a:r>
+          </a:p>
+          <a:p>
+            <a:pPr marL="342900" indent="-342900">
+              <a:buFont typeface="Arial"/>
+              <a:buChar char="•"/>
+            </a:pPr>
+            <a:r>
+              <a:rPr lang="en-US" dirty="0" smtClean="0"/>
+              <a:t>Replicating the resource.</a:t>
+            </a:r>
+          </a:p>
+          <a:p>
+            <a:pPr marL="342900" indent="-342900">
+              <a:buFont typeface="Arial"/>
+              <a:buChar char="•"/>
+            </a:pPr>
+            <a:r>
+              <a:rPr lang="en-US" dirty="0" smtClean="0"/>
+              <a:t>Partitioning the resource</a:t>
+            </a:r>
+          </a:p>
+          <a:p>
+            <a:pPr marL="342900" indent="-342900">
+              <a:buFont typeface="Arial"/>
+              <a:buChar char="•"/>
+            </a:pPr>
+            <a:endParaRPr lang="en-US" dirty="0" smtClean="0"/>
+          </a:p>
+          <a:p>
+            <a:pPr marL="342900" indent="-342900">
+              <a:buFont typeface="Arial"/>
+              <a:buChar char="•"/>
+            </a:pPr>
+            <a:endParaRPr lang="en-US" dirty="0"/>
+          </a:p>
+        </p:txBody>
+      </p:sp>
+      <p:sp>
+        <p:nvSpPr>
+          <p:cNvPr id="3" name="Title 2"/>
           <p:cNvSpPr>
             <a:spLocks noGrp="1"/>
           </p:cNvSpPr>
@@ -8191,52 +13041,21 @@
         </p:nvSpPr>
         <p:spPr/>
         <p:txBody>
-          <a:bodyPr>
-            <a:normAutofit/>
-          </a:bodyPr>
-          <a:lstStyle/>
-          <a:p>
-            <a:r>
-              <a:rPr lang="en-US" dirty="0"/>
-              <a:t>Thank </a:t>
-            </a:r>
-            <a:r>
-              <a:rPr lang="en-US" dirty="0" smtClean="0"/>
-              <a:t>you</a:t>
-            </a:r>
-            <a:br>
-              <a:rPr lang="en-US" dirty="0" smtClean="0"/>
-            </a:br>
-            <a:endParaRPr lang="en-US" dirty="0"/>
-          </a:p>
-        </p:txBody>
-      </p:sp>
-      <p:sp>
-        <p:nvSpPr>
-          <p:cNvPr id="3" name="Subtitle 2"/>
-          <p:cNvSpPr>
-            <a:spLocks noGrp="1"/>
-          </p:cNvSpPr>
-          <p:nvPr>
-            <p:ph type="subTitle" idx="1"/>
-          </p:nvPr>
-        </p:nvSpPr>
-        <p:spPr/>
-        <p:txBody>
           <a:bodyPr/>
           <a:lstStyle/>
           <a:p>
             <a:r>
-              <a:rPr lang="en-US" dirty="0"/>
-              <a:t>Questions?</a:t>
-            </a:r>
+              <a:rPr lang="en-US" dirty="0" smtClean="0"/>
+              <a:t>Heavily contended locks</a:t>
+            </a:r>
+            <a:endParaRPr lang="en-US" dirty="0"/>
           </a:p>
         </p:txBody>
       </p:sp>
     </p:spTree>
     <p:extLst>
       <p:ext uri="{BB962C8B-B14F-4D97-AF65-F5344CB8AC3E}">
-        <p14:creationId xmlns:p14="http://schemas.microsoft.com/office/powerpoint/2010/main" val="1733739084"/>
+        <p14:creationId xmlns:p14="http://schemas.microsoft.com/office/powerpoint/2010/main" val="1462588398"/>
       </p:ext>
     </p:extLst>
   </p:cSld>
@@ -8276,6 +13095,739 @@
         <p:spPr/>
         <p:txBody>
           <a:bodyPr>
+            <a:normAutofit/>
+          </a:bodyPr>
+          <a:lstStyle/>
+          <a:p>
+            <a:r>
+              <a:rPr lang="en-US" dirty="0" smtClean="0"/>
+              <a:t>1). Students play with the app</a:t>
+            </a:r>
+          </a:p>
+          <a:p>
+            <a:r>
+              <a:rPr lang="en-US" dirty="0" smtClean="0"/>
+              <a:t>2). Quiz</a:t>
+            </a:r>
+          </a:p>
+          <a:p>
+            <a:r>
+              <a:rPr lang="en-US" dirty="0" smtClean="0"/>
+              <a:t>3). Survey to collect feedback</a:t>
+            </a:r>
+          </a:p>
+          <a:p>
+            <a:pPr algn="l"/>
+            <a:endParaRPr lang="en-US" dirty="0"/>
+          </a:p>
+          <a:p>
+            <a:pPr algn="l"/>
+            <a:r>
+              <a:rPr lang="en-US" dirty="0" smtClean="0"/>
+              <a:t>To determine:</a:t>
+            </a:r>
+            <a:r>
+              <a:rPr lang="en-US" dirty="0"/>
+              <a:t>	</a:t>
+            </a:r>
+            <a:endParaRPr lang="en-US" dirty="0" smtClean="0"/>
+          </a:p>
+          <a:p>
+            <a:pPr algn="l"/>
+            <a:r>
+              <a:rPr lang="en-US" sz="2000" dirty="0" smtClean="0"/>
+              <a:t>1). Usability.</a:t>
+            </a:r>
+          </a:p>
+          <a:p>
+            <a:pPr algn="l"/>
+            <a:r>
+              <a:rPr lang="en-US" sz="2000" dirty="0" smtClean="0"/>
+              <a:t>2). Interactivity.</a:t>
+            </a:r>
+          </a:p>
+          <a:p>
+            <a:pPr algn="l"/>
+            <a:r>
+              <a:rPr lang="en-US" sz="2000" dirty="0" smtClean="0"/>
+              <a:t>3). Students’ understanding in the 3 pitfalls</a:t>
+            </a:r>
+          </a:p>
+        </p:txBody>
+      </p:sp>
+      <p:sp>
+        <p:nvSpPr>
+          <p:cNvPr id="3" name="Title 2"/>
+          <p:cNvSpPr>
+            <a:spLocks noGrp="1"/>
+          </p:cNvSpPr>
+          <p:nvPr>
+            <p:ph type="title"/>
+          </p:nvPr>
+        </p:nvSpPr>
+        <p:spPr/>
+        <p:txBody>
+          <a:bodyPr/>
+          <a:lstStyle/>
+          <a:p>
+            <a:r>
+              <a:rPr lang="en-US" dirty="0" smtClean="0"/>
+              <a:t>evaluation</a:t>
+            </a:r>
+            <a:endParaRPr lang="en-US" dirty="0"/>
+          </a:p>
+        </p:txBody>
+      </p:sp>
+    </p:spTree>
+    <p:extLst>
+      <p:ext uri="{BB962C8B-B14F-4D97-AF65-F5344CB8AC3E}">
+        <p14:creationId xmlns:p14="http://schemas.microsoft.com/office/powerpoint/2010/main" val="1649624774"/>
+      </p:ext>
+    </p:extLst>
+  </p:cSld>
+  <p:clrMapOvr>
+    <a:masterClrMapping/>
+  </p:clrMapOvr>
+</p:sld>
+</file>
+
+<file path=ppt/slides/slide24.xml><?xml version="1.0" encoding="utf-8"?>
+<p:sld xmlns:a="http://schemas.openxmlformats.org/drawingml/2006/main" xmlns:r="http://schemas.openxmlformats.org/officeDocument/2006/relationships" xmlns:p="http://schemas.openxmlformats.org/presentationml/2006/main">
+  <p:cSld>
+    <p:spTree>
+      <p:nvGrpSpPr>
+        <p:cNvPr id="1" name=""/>
+        <p:cNvGrpSpPr/>
+        <p:nvPr/>
+      </p:nvGrpSpPr>
+      <p:grpSpPr>
+        <a:xfrm>
+          <a:off x="0" y="0"/>
+          <a:ext cx="0" cy="0"/>
+          <a:chOff x="0" y="0"/>
+          <a:chExt cx="0" cy="0"/>
+        </a:xfrm>
+      </p:grpSpPr>
+      <p:sp>
+        <p:nvSpPr>
+          <p:cNvPr id="2" name="Content Placeholder 1"/>
+          <p:cNvSpPr>
+            <a:spLocks noGrp="1"/>
+          </p:cNvSpPr>
+          <p:nvPr>
+            <p:ph sz="quarter" idx="13"/>
+          </p:nvPr>
+        </p:nvSpPr>
+        <p:spPr/>
+        <p:txBody>
+          <a:bodyPr/>
+          <a:lstStyle/>
+          <a:p>
+            <a:pPr marL="342900" indent="-342900">
+              <a:buFont typeface="Arial"/>
+              <a:buChar char="•"/>
+            </a:pPr>
+            <a:r>
+              <a:rPr lang="en-US" dirty="0" smtClean="0"/>
+              <a:t>Usability:		90% rate as the easy to play</a:t>
+            </a:r>
+          </a:p>
+          <a:p>
+            <a:pPr marL="342900" indent="-342900">
+              <a:buFont typeface="Arial"/>
+              <a:buChar char="•"/>
+            </a:pPr>
+            <a:endParaRPr lang="en-US" dirty="0" smtClean="0"/>
+          </a:p>
+          <a:p>
+            <a:pPr marL="342900" indent="-342900">
+              <a:buFont typeface="Arial"/>
+              <a:buChar char="•"/>
+            </a:pPr>
+            <a:r>
+              <a:rPr lang="en-US" dirty="0" smtClean="0"/>
+              <a:t>Interactivity:	90% like the way they interact with the pitfalls</a:t>
+            </a:r>
+          </a:p>
+          <a:p>
+            <a:pPr marL="342900" indent="-342900">
+              <a:buFont typeface="Arial"/>
+              <a:buChar char="•"/>
+            </a:pPr>
+            <a:endParaRPr lang="en-US" dirty="0"/>
+          </a:p>
+          <a:p>
+            <a:pPr marL="342900" indent="-342900">
+              <a:buFont typeface="Arial"/>
+              <a:buChar char="•"/>
+            </a:pPr>
+            <a:r>
+              <a:rPr lang="en-US" dirty="0" smtClean="0"/>
+              <a:t>Student understanding: 	9/10 questions were answered correctly by 90% of student</a:t>
+            </a:r>
+            <a:endParaRPr lang="en-US" dirty="0"/>
+          </a:p>
+        </p:txBody>
+      </p:sp>
+      <p:sp>
+        <p:nvSpPr>
+          <p:cNvPr id="3" name="Title 2"/>
+          <p:cNvSpPr>
+            <a:spLocks noGrp="1"/>
+          </p:cNvSpPr>
+          <p:nvPr>
+            <p:ph type="title"/>
+          </p:nvPr>
+        </p:nvSpPr>
+        <p:spPr/>
+        <p:txBody>
+          <a:bodyPr/>
+          <a:lstStyle/>
+          <a:p>
+            <a:r>
+              <a:rPr lang="en-US" dirty="0" smtClean="0"/>
+              <a:t>Results</a:t>
+            </a:r>
+            <a:endParaRPr lang="en-US" dirty="0"/>
+          </a:p>
+        </p:txBody>
+      </p:sp>
+    </p:spTree>
+    <p:extLst>
+      <p:ext uri="{BB962C8B-B14F-4D97-AF65-F5344CB8AC3E}">
+        <p14:creationId xmlns:p14="http://schemas.microsoft.com/office/powerpoint/2010/main" val="4085540163"/>
+      </p:ext>
+    </p:extLst>
+  </p:cSld>
+  <p:clrMapOvr>
+    <a:masterClrMapping/>
+  </p:clrMapOvr>
+</p:sld>
+</file>
+
+<file path=ppt/slides/slide25.xml><?xml version="1.0" encoding="utf-8"?>
+<p:sld xmlns:a="http://schemas.openxmlformats.org/drawingml/2006/main" xmlns:r="http://schemas.openxmlformats.org/officeDocument/2006/relationships" xmlns:p="http://schemas.openxmlformats.org/presentationml/2006/main">
+  <p:cSld>
+    <p:spTree>
+      <p:nvGrpSpPr>
+        <p:cNvPr id="1" name=""/>
+        <p:cNvGrpSpPr/>
+        <p:nvPr/>
+      </p:nvGrpSpPr>
+      <p:grpSpPr>
+        <a:xfrm>
+          <a:off x="0" y="0"/>
+          <a:ext cx="0" cy="0"/>
+          <a:chOff x="0" y="0"/>
+          <a:chExt cx="0" cy="0"/>
+        </a:xfrm>
+      </p:grpSpPr>
+      <p:sp>
+        <p:nvSpPr>
+          <p:cNvPr id="2" name="Content Placeholder 1"/>
+          <p:cNvSpPr>
+            <a:spLocks noGrp="1"/>
+          </p:cNvSpPr>
+          <p:nvPr>
+            <p:ph sz="quarter" idx="13"/>
+          </p:nvPr>
+        </p:nvSpPr>
+        <p:spPr/>
+        <p:txBody>
+          <a:bodyPr>
+            <a:normAutofit/>
+          </a:bodyPr>
+          <a:lstStyle/>
+          <a:p>
+            <a:pPr marL="342900" indent="-342900" algn="l">
+              <a:buFont typeface="Arial"/>
+              <a:buChar char="•"/>
+            </a:pPr>
+            <a:r>
+              <a:rPr lang="en-US" dirty="0" smtClean="0"/>
+              <a:t>Support multiple browser</a:t>
+            </a:r>
+          </a:p>
+          <a:p>
+            <a:pPr algn="l"/>
+            <a:endParaRPr lang="en-US" dirty="0"/>
+          </a:p>
+          <a:p>
+            <a:pPr algn="l"/>
+            <a:r>
+              <a:rPr lang="en-US" dirty="0" smtClean="0"/>
+              <a:t>Next Few Weeks:</a:t>
+            </a:r>
+          </a:p>
+          <a:p>
+            <a:pPr marL="342900" indent="-342900" algn="l">
+              <a:buFont typeface="Arial"/>
+              <a:buChar char="•"/>
+            </a:pPr>
+            <a:r>
+              <a:rPr lang="en-US" dirty="0"/>
+              <a:t>S</a:t>
+            </a:r>
+            <a:r>
+              <a:rPr lang="en-US" dirty="0" smtClean="0"/>
+              <a:t>olve different browser compatibility</a:t>
+            </a:r>
+          </a:p>
+          <a:p>
+            <a:pPr marL="342900" indent="-342900" algn="l">
+              <a:buFont typeface="Arial"/>
+              <a:buChar char="•"/>
+            </a:pPr>
+            <a:r>
+              <a:rPr lang="en-US" dirty="0" smtClean="0"/>
+              <a:t>Do more survey and usability testing</a:t>
+            </a:r>
+          </a:p>
+          <a:p>
+            <a:pPr marL="342900" indent="-342900" algn="l">
+              <a:buFont typeface="Arial"/>
+              <a:buChar char="•"/>
+            </a:pPr>
+            <a:r>
+              <a:rPr lang="en-US" dirty="0"/>
+              <a:t>W</a:t>
+            </a:r>
+            <a:r>
+              <a:rPr lang="en-US" dirty="0" smtClean="0"/>
+              <a:t>rite report</a:t>
+            </a:r>
+          </a:p>
+          <a:p>
+            <a:pPr algn="l"/>
+            <a:endParaRPr lang="en-US" dirty="0"/>
+          </a:p>
+          <a:p>
+            <a:pPr algn="l"/>
+            <a:r>
+              <a:rPr lang="en-US" dirty="0" smtClean="0"/>
+              <a:t>Extension:</a:t>
+            </a:r>
+          </a:p>
+          <a:p>
+            <a:pPr marL="342900" indent="-342900" algn="l">
+              <a:buFont typeface="Arial"/>
+              <a:buChar char="•"/>
+            </a:pPr>
+            <a:r>
+              <a:rPr lang="en-US" dirty="0" smtClean="0"/>
+              <a:t>Incorporate solution to the pitfalls in our app </a:t>
+            </a:r>
+            <a:endParaRPr lang="en-US" dirty="0"/>
+          </a:p>
+        </p:txBody>
+      </p:sp>
+      <p:sp>
+        <p:nvSpPr>
+          <p:cNvPr id="3" name="Title 2"/>
+          <p:cNvSpPr>
+            <a:spLocks noGrp="1"/>
+          </p:cNvSpPr>
+          <p:nvPr>
+            <p:ph type="title"/>
+          </p:nvPr>
+        </p:nvSpPr>
+        <p:spPr/>
+        <p:txBody>
+          <a:bodyPr/>
+          <a:lstStyle/>
+          <a:p>
+            <a:r>
+              <a:rPr lang="en-US" dirty="0" smtClean="0"/>
+              <a:t>Challenges and future works</a:t>
+            </a:r>
+            <a:endParaRPr lang="en-US" dirty="0"/>
+          </a:p>
+        </p:txBody>
+      </p:sp>
+    </p:spTree>
+    <p:extLst>
+      <p:ext uri="{BB962C8B-B14F-4D97-AF65-F5344CB8AC3E}">
+        <p14:creationId xmlns:p14="http://schemas.microsoft.com/office/powerpoint/2010/main" val="2276343006"/>
+      </p:ext>
+    </p:extLst>
+  </p:cSld>
+  <p:clrMapOvr>
+    <a:masterClrMapping/>
+  </p:clrMapOvr>
+</p:sld>
+</file>
+
+<file path=ppt/slides/slide26.xml><?xml version="1.0" encoding="utf-8"?>
+<p:sld xmlns:a="http://schemas.openxmlformats.org/drawingml/2006/main" xmlns:r="http://schemas.openxmlformats.org/officeDocument/2006/relationships" xmlns:p="http://schemas.openxmlformats.org/presentationml/2006/main">
+  <p:cSld>
+    <p:spTree>
+      <p:nvGrpSpPr>
+        <p:cNvPr id="1" name=""/>
+        <p:cNvGrpSpPr/>
+        <p:nvPr/>
+      </p:nvGrpSpPr>
+      <p:grpSpPr>
+        <a:xfrm>
+          <a:off x="0" y="0"/>
+          <a:ext cx="0" cy="0"/>
+          <a:chOff x="0" y="0"/>
+          <a:chExt cx="0" cy="0"/>
+        </a:xfrm>
+      </p:grpSpPr>
+      <p:sp>
+        <p:nvSpPr>
+          <p:cNvPr id="2" name="Content Placeholder 1"/>
+          <p:cNvSpPr>
+            <a:spLocks noGrp="1"/>
+          </p:cNvSpPr>
+          <p:nvPr>
+            <p:ph sz="quarter" idx="13"/>
+          </p:nvPr>
+        </p:nvSpPr>
+        <p:spPr/>
+        <p:txBody>
+          <a:bodyPr>
+            <a:normAutofit/>
+          </a:bodyPr>
+          <a:lstStyle/>
+          <a:p>
+            <a:r>
+              <a:rPr lang="en-US" sz="1500" dirty="0" smtClean="0"/>
+              <a:t>[1] </a:t>
+            </a:r>
+            <a:r>
+              <a:rPr lang="en-US" sz="1500" dirty="0"/>
+              <a:t> N. </a:t>
+            </a:r>
+            <a:r>
+              <a:rPr lang="en-US" sz="1500" dirty="0" err="1"/>
+              <a:t>Giacaman</a:t>
+            </a:r>
+            <a:r>
+              <a:rPr lang="en-US" sz="1500" dirty="0"/>
+              <a:t>. Teaching by example: Using analogies and live coding demonstrations to teach parallel computing concepts to undergraduate </a:t>
+            </a:r>
+            <a:r>
+              <a:rPr lang="en-US" sz="1500" dirty="0" err="1"/>
+              <a:t>stu</a:t>
+            </a:r>
+            <a:r>
+              <a:rPr lang="en-US" sz="1500" dirty="0"/>
+              <a:t>- dents. In Parallel and Distributed Processing Symposium Workshops PhD Forum (IPDPSW), 2012 IEEE 26th International, pages 1295 –1298, may 2012. </a:t>
+            </a:r>
+            <a:endParaRPr lang="en-US" sz="1500" dirty="0" smtClean="0"/>
+          </a:p>
+          <a:p>
+            <a:r>
+              <a:rPr lang="en-US" sz="1500" dirty="0" smtClean="0"/>
+              <a:t>[2] </a:t>
+            </a:r>
+            <a:r>
+              <a:rPr lang="en-US" sz="1500" dirty="0" err="1"/>
+              <a:t>Mordechai</a:t>
+            </a:r>
+            <a:r>
+              <a:rPr lang="en-US" sz="1500" dirty="0"/>
+              <a:t> Ben-Ari and </a:t>
+            </a:r>
+            <a:r>
+              <a:rPr lang="en-US" sz="1500" dirty="0" err="1"/>
+              <a:t>Yifat</a:t>
+            </a:r>
+            <a:r>
+              <a:rPr lang="en-US" sz="1500" dirty="0"/>
+              <a:t> Ben-David </a:t>
+            </a:r>
+            <a:r>
+              <a:rPr lang="en-US" sz="1500" dirty="0" err="1"/>
+              <a:t>Kolikant</a:t>
+            </a:r>
+            <a:r>
+              <a:rPr lang="en-US" sz="1500" dirty="0"/>
+              <a:t>. Thinking parallel: the process of learning concurrency. SIGCSE Bull., 31(3):13–16, June 1999. </a:t>
+            </a:r>
+            <a:endParaRPr lang="en-US" sz="1500" dirty="0" smtClean="0"/>
+          </a:p>
+          <a:p>
+            <a:r>
+              <a:rPr lang="en-US" sz="1500" dirty="0"/>
+              <a:t>[3] </a:t>
+            </a:r>
+            <a:r>
+              <a:rPr lang="en-US" sz="1500" dirty="0">
+                <a:hlinkClick r:id="rId3"/>
+              </a:rPr>
+              <a:t>http://publib.boulder.ibm.com/infocenter/iseries/v5r3/index.jsp?topic=%2Frzahw%</a:t>
+            </a:r>
+            <a:r>
+              <a:rPr lang="en-US" sz="1500" dirty="0" smtClean="0">
+                <a:hlinkClick r:id="rId3"/>
+              </a:rPr>
+              <a:t>2Frzahwmutco.htm</a:t>
+            </a:r>
+            <a:endParaRPr lang="en-US" sz="1500" dirty="0" smtClean="0"/>
+          </a:p>
+          <a:p>
+            <a:r>
+              <a:rPr lang="en-US" sz="1500" dirty="0" smtClean="0"/>
+              <a:t>[4</a:t>
+            </a:r>
+            <a:r>
+              <a:rPr lang="en-US" sz="1500" dirty="0"/>
+              <a:t>] </a:t>
+            </a:r>
+            <a:r>
+              <a:rPr lang="en-US" sz="1500" dirty="0" err="1"/>
+              <a:t>Fancong</a:t>
+            </a:r>
+            <a:r>
+              <a:rPr lang="en-US" sz="1500" dirty="0"/>
+              <a:t> </a:t>
+            </a:r>
+            <a:r>
+              <a:rPr lang="en-US" sz="1500" dirty="0" err="1"/>
+              <a:t>Zeng</a:t>
+            </a:r>
+            <a:r>
+              <a:rPr lang="en-US" sz="1500" dirty="0"/>
+              <a:t>. "An Initial Study of Common Coding Pitfalls in Java Programs", in Proceedings of MASPLAS'03 Mid-Atlantic Student Workshop on Programming Languages and Systems, April, 2003</a:t>
+            </a:r>
+            <a:r>
+              <a:rPr lang="en-US" sz="1500" dirty="0" smtClean="0"/>
+              <a:t>.</a:t>
+            </a:r>
+          </a:p>
+          <a:p>
+            <a:r>
+              <a:rPr lang="en-US" sz="1500" dirty="0" smtClean="0"/>
+              <a:t>[5] </a:t>
+            </a:r>
+            <a:r>
+              <a:rPr lang="en-US" sz="1600" dirty="0"/>
+              <a:t>Sung-</a:t>
+            </a:r>
+            <a:r>
+              <a:rPr lang="en-US" sz="1600" dirty="0" err="1"/>
+              <a:t>Eun</a:t>
+            </a:r>
+            <a:r>
+              <a:rPr lang="en-US" sz="1600" dirty="0"/>
+              <a:t> Choi and E Christopher Lewis. A Study of </a:t>
+            </a:r>
+            <a:r>
+              <a:rPr lang="en-US" sz="1600" dirty="0" smtClean="0"/>
+              <a:t>Common </a:t>
+            </a:r>
+            <a:r>
+              <a:rPr lang="en-US" sz="1600" dirty="0"/>
+              <a:t>Pitfalls in Simple Multi-Threaded Programs. In </a:t>
+            </a:r>
+            <a:r>
+              <a:rPr lang="en-US" sz="1600" i="1" dirty="0" smtClean="0"/>
+              <a:t>Proceedings </a:t>
+            </a:r>
+            <a:r>
+              <a:rPr lang="en-US" sz="1600" i="1" dirty="0"/>
+              <a:t>of the Thirty-first ACM SIGCSE Technical Symposium on Computer Science Education, </a:t>
+            </a:r>
+            <a:r>
+              <a:rPr lang="en-US" sz="1600" dirty="0"/>
+              <a:t>March 2000. </a:t>
+            </a:r>
+            <a:endParaRPr lang="en-US" sz="1600" dirty="0" smtClean="0"/>
+          </a:p>
+          <a:p>
+            <a:r>
+              <a:rPr lang="en-US" sz="1600" dirty="0"/>
+              <a:t>[6] </a:t>
+            </a:r>
+            <a:r>
+              <a:rPr lang="en-US" sz="1600" dirty="0" err="1"/>
+              <a:t>Tallent</a:t>
+            </a:r>
+            <a:r>
+              <a:rPr lang="en-US" sz="1600" dirty="0"/>
+              <a:t>, N. R.; Mellor-</a:t>
+            </a:r>
+            <a:r>
+              <a:rPr lang="en-US" sz="1600" dirty="0" err="1"/>
+              <a:t>Crummey</a:t>
+            </a:r>
+            <a:r>
+              <a:rPr lang="en-US" sz="1600" dirty="0"/>
+              <a:t>, J. M. &amp; Porterfield, A. (2010), Analyzing lock contention in multithreaded applications., in R. </a:t>
+            </a:r>
+            <a:r>
+              <a:rPr lang="en-US" sz="1600" dirty="0" err="1"/>
+              <a:t>Govindarajan</a:t>
+            </a:r>
+            <a:r>
+              <a:rPr lang="en-US" sz="1600" dirty="0"/>
+              <a:t>; David A. Padua &amp; Mary W. Hall, ed., 'PPOPP' , ACM, , pp. 269-280 .</a:t>
+            </a:r>
+            <a:endParaRPr lang="en-US" sz="1500" dirty="0" smtClean="0"/>
+          </a:p>
+          <a:p>
+            <a:endParaRPr lang="en-US" sz="1500" dirty="0"/>
+          </a:p>
+          <a:p>
+            <a:endParaRPr lang="en-US" sz="1500" dirty="0"/>
+          </a:p>
+          <a:p>
+            <a:endParaRPr lang="en-US" sz="1500" dirty="0"/>
+          </a:p>
+        </p:txBody>
+      </p:sp>
+      <p:sp>
+        <p:nvSpPr>
+          <p:cNvPr id="3" name="Title 2"/>
+          <p:cNvSpPr>
+            <a:spLocks noGrp="1"/>
+          </p:cNvSpPr>
+          <p:nvPr>
+            <p:ph type="title"/>
+          </p:nvPr>
+        </p:nvSpPr>
+        <p:spPr/>
+        <p:txBody>
+          <a:bodyPr/>
+          <a:lstStyle/>
+          <a:p>
+            <a:r>
+              <a:rPr lang="en-US" dirty="0" smtClean="0"/>
+              <a:t>References</a:t>
+            </a:r>
+            <a:endParaRPr lang="en-US" dirty="0"/>
+          </a:p>
+        </p:txBody>
+      </p:sp>
+    </p:spTree>
+    <p:extLst>
+      <p:ext uri="{BB962C8B-B14F-4D97-AF65-F5344CB8AC3E}">
+        <p14:creationId xmlns:p14="http://schemas.microsoft.com/office/powerpoint/2010/main" val="3408655997"/>
+      </p:ext>
+    </p:extLst>
+  </p:cSld>
+  <p:clrMapOvr>
+    <a:masterClrMapping/>
+  </p:clrMapOvr>
+</p:sld>
+</file>
+
+<file path=ppt/slides/slide27.xml><?xml version="1.0" encoding="utf-8"?>
+<p:sld xmlns:a="http://schemas.openxmlformats.org/drawingml/2006/main" xmlns:r="http://schemas.openxmlformats.org/officeDocument/2006/relationships" xmlns:p="http://schemas.openxmlformats.org/presentationml/2006/main">
+  <p:cSld>
+    <p:spTree>
+      <p:nvGrpSpPr>
+        <p:cNvPr id="1" name=""/>
+        <p:cNvGrpSpPr/>
+        <p:nvPr/>
+      </p:nvGrpSpPr>
+      <p:grpSpPr>
+        <a:xfrm>
+          <a:off x="0" y="0"/>
+          <a:ext cx="0" cy="0"/>
+          <a:chOff x="0" y="0"/>
+          <a:chExt cx="0" cy="0"/>
+        </a:xfrm>
+      </p:grpSpPr>
+      <p:sp>
+        <p:nvSpPr>
+          <p:cNvPr id="2" name="Title 1"/>
+          <p:cNvSpPr>
+            <a:spLocks noGrp="1"/>
+          </p:cNvSpPr>
+          <p:nvPr>
+            <p:ph type="title"/>
+          </p:nvPr>
+        </p:nvSpPr>
+        <p:spPr/>
+        <p:txBody>
+          <a:bodyPr>
+            <a:normAutofit/>
+          </a:bodyPr>
+          <a:lstStyle/>
+          <a:p>
+            <a:r>
+              <a:rPr lang="en-US" dirty="0"/>
+              <a:t>Thank </a:t>
+            </a:r>
+            <a:r>
+              <a:rPr lang="en-US" dirty="0" smtClean="0"/>
+              <a:t>you</a:t>
+            </a:r>
+            <a:br>
+              <a:rPr lang="en-US" dirty="0" smtClean="0"/>
+            </a:br>
+            <a:endParaRPr lang="en-US" dirty="0"/>
+          </a:p>
+        </p:txBody>
+      </p:sp>
+      <p:sp>
+        <p:nvSpPr>
+          <p:cNvPr id="3" name="Subtitle 2"/>
+          <p:cNvSpPr>
+            <a:spLocks noGrp="1"/>
+          </p:cNvSpPr>
+          <p:nvPr>
+            <p:ph type="subTitle" idx="1"/>
+          </p:nvPr>
+        </p:nvSpPr>
+        <p:spPr/>
+        <p:txBody>
+          <a:bodyPr/>
+          <a:lstStyle/>
+          <a:p>
+            <a:r>
+              <a:rPr lang="en-US" dirty="0"/>
+              <a:t>Questions?</a:t>
+            </a:r>
+          </a:p>
+        </p:txBody>
+      </p:sp>
+    </p:spTree>
+    <p:extLst>
+      <p:ext uri="{BB962C8B-B14F-4D97-AF65-F5344CB8AC3E}">
+        <p14:creationId xmlns:p14="http://schemas.microsoft.com/office/powerpoint/2010/main" val="1733739084"/>
+      </p:ext>
+    </p:extLst>
+  </p:cSld>
+  <p:clrMapOvr>
+    <a:masterClrMapping/>
+  </p:clrMapOvr>
+</p:sld>
+</file>
+
+<file path=ppt/slides/slide28.xml><?xml version="1.0" encoding="utf-8"?>
+<p:sld xmlns:a="http://schemas.openxmlformats.org/drawingml/2006/main" xmlns:r="http://schemas.openxmlformats.org/officeDocument/2006/relationships" xmlns:p="http://schemas.openxmlformats.org/presentationml/2006/main">
+  <p:cSld>
+    <p:spTree>
+      <p:nvGrpSpPr>
+        <p:cNvPr id="1" name=""/>
+        <p:cNvGrpSpPr/>
+        <p:nvPr/>
+      </p:nvGrpSpPr>
+      <p:grpSpPr>
+        <a:xfrm>
+          <a:off x="0" y="0"/>
+          <a:ext cx="0" cy="0"/>
+          <a:chOff x="0" y="0"/>
+          <a:chExt cx="0" cy="0"/>
+        </a:xfrm>
+      </p:grpSpPr>
+      <p:sp>
+        <p:nvSpPr>
+          <p:cNvPr id="2" name="Content Placeholder 1"/>
+          <p:cNvSpPr>
+            <a:spLocks noGrp="1"/>
+          </p:cNvSpPr>
+          <p:nvPr>
+            <p:ph sz="quarter" idx="13"/>
+          </p:nvPr>
+        </p:nvSpPr>
+        <p:spPr/>
+        <p:txBody>
+          <a:bodyPr>
             <a:normAutofit fontScale="92500" lnSpcReduction="10000"/>
           </a:bodyPr>
           <a:lstStyle/>
@@ -8380,7 +13932,7 @@
   <p:timing>
     <p:tnLst>
       <p:par>
-        <p:cTn xmlns:p14="http://schemas.microsoft.com/office/powerpoint/2010/main" id="1" dur="indefinite" restart="never" nodeType="tmRoot">
+        <p:cTn id="1" dur="indefinite" restart="never" nodeType="tmRoot">
           <p:childTnLst>
             <p:seq concurrent="1" nextAc="seek">
               <p:cTn id="2" dur="indefinite" nodeType="mainSeq">
@@ -9180,11 +14732,7 @@
             </a:r>
             <a:r>
               <a:rPr lang="en-US" dirty="0" smtClean="0"/>
-              <a:t>] mentions Deadlock as one of the common multi-Threaded programming pitfalls</a:t>
-            </a:r>
-            <a:r>
-              <a:rPr lang="en-US" dirty="0" smtClean="0"/>
-              <a:t>.</a:t>
+              <a:t>] mentions Deadlock as one of the common multi-Threaded programming pitfalls.</a:t>
             </a:r>
           </a:p>
           <a:p>
@@ -9208,7 +14756,6 @@
               <a:rPr lang="en-US" dirty="0" smtClean="0"/>
               <a:t>.[6]</a:t>
             </a:r>
-            <a:endParaRPr lang="en-US" dirty="0" smtClean="0"/>
           </a:p>
           <a:p>
             <a:pPr marL="342900" indent="-342900">
@@ -9667,7 +15214,6 @@
               <a:rPr lang="en-US" dirty="0" smtClean="0"/>
               <a:t>Heavily Contended Locks</a:t>
             </a:r>
-            <a:endParaRPr lang="en-US" dirty="0" smtClean="0"/>
           </a:p>
           <a:p>
             <a:pPr algn="l"/>
@@ -9862,97 +15408,104 @@
           </a:bodyPr>
           <a:lstStyle/>
           <a:p>
-            <a:pPr marL="342900" indent="-342900" algn="l">
-              <a:buFont typeface="Arial"/>
-              <a:buChar char="•"/>
-            </a:pPr>
-            <a:r>
-              <a:rPr lang="en-US" dirty="0" smtClean="0"/>
-              <a:t>Avoid simultaneously accessed to shared data</a:t>
-            </a:r>
-          </a:p>
-          <a:p>
-            <a:pPr marL="342900" indent="-342900">
-              <a:buFont typeface="Arial"/>
-              <a:buChar char="•"/>
-            </a:pPr>
-            <a:r>
-              <a:rPr lang="en-US" dirty="0"/>
-              <a:t>Is a </a:t>
-            </a:r>
-            <a:r>
-              <a:rPr lang="en-US" dirty="0" smtClean="0"/>
-              <a:t>way to solve </a:t>
-            </a:r>
-            <a:r>
-              <a:rPr lang="en-US" dirty="0"/>
-              <a:t>Race </a:t>
-            </a:r>
-            <a:r>
-              <a:rPr lang="en-US" dirty="0" smtClean="0"/>
-              <a:t>Condition</a:t>
-            </a:r>
-          </a:p>
-          <a:p>
-            <a:pPr marL="342900" indent="-342900">
-              <a:buFont typeface="Arial"/>
-              <a:buChar char="•"/>
-            </a:pPr>
-            <a:r>
-              <a:rPr lang="en-US" dirty="0" err="1" smtClean="0"/>
-              <a:t>a.k.a</a:t>
-            </a:r>
-            <a:r>
-              <a:rPr lang="en-US" dirty="0" smtClean="0"/>
-              <a:t> Critical Section, Monitor</a:t>
-            </a:r>
-          </a:p>
-          <a:p>
-            <a:pPr marL="342900" indent="-342900">
-              <a:buFont typeface="Arial"/>
-              <a:buChar char="•"/>
+            <a:pPr algn="l"/>
+            <a:r>
+              <a:rPr lang="en-US" dirty="0" smtClean="0"/>
+              <a:t>what is it ?</a:t>
+            </a:r>
+          </a:p>
+          <a:p>
+            <a:pPr algn="l"/>
+            <a:r>
+              <a:rPr lang="en-US" dirty="0" smtClean="0"/>
+              <a:t>  A condition in parallel programming caused by </a:t>
+            </a:r>
+            <a:r>
+              <a:rPr lang="en-US" sz="3100" b="1" dirty="0" smtClean="0">
+                <a:solidFill>
+                  <a:srgbClr val="FFFF00"/>
+                </a:solidFill>
+              </a:rPr>
+              <a:t>the order </a:t>
+            </a:r>
+            <a:r>
+              <a:rPr lang="en-US" dirty="0" smtClean="0"/>
+              <a:t>in which </a:t>
+            </a:r>
+            <a:r>
+              <a:rPr lang="en-US" sz="3400" b="1" dirty="0" smtClean="0">
+                <a:solidFill>
+                  <a:srgbClr val="FFFF00"/>
+                </a:solidFill>
+              </a:rPr>
+              <a:t>multiple threads </a:t>
+            </a:r>
+            <a:r>
+              <a:rPr lang="en-US" dirty="0" smtClean="0"/>
+              <a:t>access a </a:t>
+            </a:r>
+            <a:r>
+              <a:rPr lang="en-US" sz="3400" b="1" dirty="0" smtClean="0">
+                <a:solidFill>
+                  <a:srgbClr val="FFFF00"/>
+                </a:solidFill>
+              </a:rPr>
+              <a:t>shared variable </a:t>
+            </a:r>
+            <a:r>
+              <a:rPr lang="en-US" dirty="0" smtClean="0"/>
+              <a:t>and at least one thread </a:t>
+            </a:r>
+            <a:r>
+              <a:rPr lang="en-US" sz="3400" b="1" dirty="0" smtClean="0">
+                <a:solidFill>
+                  <a:srgbClr val="FFFF00"/>
+                </a:solidFill>
+              </a:rPr>
+              <a:t>writes</a:t>
+            </a:r>
+            <a:r>
+              <a:rPr lang="en-US" dirty="0" smtClean="0">
+                <a:solidFill>
+                  <a:srgbClr val="FFFF00"/>
+                </a:solidFill>
+              </a:rPr>
+              <a:t> </a:t>
+            </a:r>
+            <a:r>
+              <a:rPr lang="en-US" dirty="0" smtClean="0"/>
+              <a:t>to it.</a:t>
+            </a:r>
+          </a:p>
+          <a:p>
+            <a:pPr algn="l"/>
+            <a:endParaRPr lang="en-US" dirty="0" smtClean="0"/>
+          </a:p>
+          <a:p>
+            <a:pPr marL="0" lvl="1" indent="0">
+              <a:buNone/>
             </a:pPr>
             <a:endParaRPr lang="en-US" dirty="0" smtClean="0"/>
           </a:p>
           <a:p>
-            <a:pPr marL="342900" indent="-342900">
-              <a:buFont typeface="Arial"/>
-              <a:buChar char="•"/>
-            </a:pPr>
-            <a:r>
-              <a:rPr lang="en-US" dirty="0" smtClean="0"/>
-              <a:t>But, it can lead to other problems:</a:t>
-            </a:r>
-          </a:p>
-          <a:p>
-            <a:pPr marL="628650" lvl="1" indent="-342900"/>
-            <a:r>
-              <a:rPr lang="en-US" dirty="0" smtClean="0"/>
-              <a:t>Deadlock</a:t>
-            </a:r>
-          </a:p>
-          <a:p>
-            <a:pPr marL="628650" lvl="1" indent="-342900"/>
-            <a:r>
-              <a:rPr lang="en-US" dirty="0" smtClean="0"/>
-              <a:t>Starvation</a:t>
-            </a:r>
-          </a:p>
-          <a:p>
-            <a:pPr marL="628650" lvl="1" indent="-342900"/>
-            <a:r>
-              <a:rPr lang="en-US" dirty="0" smtClean="0"/>
-              <a:t>Lock </a:t>
-            </a:r>
-            <a:r>
-              <a:rPr lang="en-US" dirty="0" err="1" smtClean="0"/>
-              <a:t>contendency</a:t>
-            </a:r>
+            <a:pPr algn="l"/>
+            <a:endParaRPr lang="en-US" dirty="0" smtClean="0"/>
+          </a:p>
+          <a:p>
+            <a:pPr algn="l"/>
             <a:endParaRPr lang="en-US" dirty="0" smtClean="0"/>
           </a:p>
           <a:p>
             <a:pPr algn="l"/>
             <a:endParaRPr lang="en-US" dirty="0"/>
+          </a:p>
+          <a:p>
+            <a:pPr algn="l"/>
+            <a:endParaRPr lang="en-US" dirty="0" smtClean="0"/>
+          </a:p>
+          <a:p>
+            <a:pPr algn="l"/>
+            <a:endParaRPr lang="en-US" dirty="0" smtClean="0"/>
           </a:p>
         </p:txBody>
       </p:sp>
@@ -9973,7 +15526,7 @@
           <a:p>
             <a:r>
               <a:rPr lang="en-US" dirty="0" smtClean="0"/>
-              <a:t>Mutual exclusion</a:t>
+              <a:t>Race Condition</a:t>
             </a:r>
             <a:endParaRPr lang="en-US" dirty="0"/>
           </a:p>
@@ -9982,13 +15535,20 @@
     </p:spTree>
     <p:extLst>
       <p:ext uri="{BB962C8B-B14F-4D97-AF65-F5344CB8AC3E}">
-        <p14:creationId xmlns:p14="http://schemas.microsoft.com/office/powerpoint/2010/main" val="3701139686"/>
+        <p14:creationId xmlns:p14="http://schemas.microsoft.com/office/powerpoint/2010/main" val="3236641872"/>
       </p:ext>
     </p:extLst>
   </p:cSld>
   <p:clrMapOvr>
     <a:masterClrMapping/>
   </p:clrMapOvr>
+  <p:timing>
+    <p:tnLst>
+      <p:par>
+        <p:cTn id="1" dur="indefinite" restart="never" nodeType="tmRoot"/>
+      </p:par>
+    </p:tnLst>
+  </p:timing>
 </p:sld>
 </file>
 

--- a/Presentation.pptx
+++ b/Presentation.pptx
@@ -136,7 +136,7 @@
   </p:defaultTextStyle>
   <p:extLst>
     <p:ext uri="{EFAFB233-063F-42B5-8137-9DF3F51BA10A}">
-      <p15:sldGuideLst xmlns:p15="http://schemas.microsoft.com/office/powerpoint/2012/main">
+      <p15:sldGuideLst xmlns="" xmlns:p15="http://schemas.microsoft.com/office/powerpoint/2012/main">
         <p15:guide id="1" orient="horz" pos="2160">
           <p15:clr>
             <a:srgbClr val="A4A3A4"/>
@@ -1536,8 +1536,8 @@
     <dgm:cxn modelId="{3AFF1A20-EC62-455E-9434-58C014D162F6}" type="presOf" srcId="{051D639B-9540-49CA-B2FE-59596106A0A5}" destId="{239B7340-6B83-4B51-857E-8C0055E2A94D}" srcOrd="0" destOrd="0" presId="urn:microsoft.com/office/officeart/2005/8/layout/vProcess5"/>
     <dgm:cxn modelId="{A492AF6E-5055-444A-8D62-CF23DC7FA3BE}" type="presOf" srcId="{4AB9B9E1-0E17-4B9A-9E84-EBD70D080BD2}" destId="{0832F444-92D2-47E6-98A0-8BDAC29754BB}" srcOrd="0" destOrd="0" presId="urn:microsoft.com/office/officeart/2005/8/layout/vProcess5"/>
     <dgm:cxn modelId="{5080AE72-FF24-4A53-A1CB-8F4819B03096}" type="presOf" srcId="{3AA3768D-3D9A-436E-B602-C5A59FFBAFEC}" destId="{42984757-C35D-419F-951B-D474C0F6B932}" srcOrd="1" destOrd="0" presId="urn:microsoft.com/office/officeart/2005/8/layout/vProcess5"/>
+    <dgm:cxn modelId="{840EB287-26AB-4CFC-A22F-BB3562D63208}" type="presOf" srcId="{98BAC4C6-25D8-45DD-B216-10036A6EE41A}" destId="{62521164-133C-4FE3-8FE4-95C2B86AEB4C}" srcOrd="1" destOrd="0" presId="urn:microsoft.com/office/officeart/2005/8/layout/vProcess5"/>
     <dgm:cxn modelId="{8C643273-8354-43E6-9557-113B7F15E9AC}" type="presOf" srcId="{2BBBA67C-FB53-420E-A852-4FFB9F36C3D8}" destId="{1AF31F0F-1CE8-48B1-8271-6AF3337DF40D}" srcOrd="0" destOrd="0" presId="urn:microsoft.com/office/officeart/2005/8/layout/vProcess5"/>
-    <dgm:cxn modelId="{840EB287-26AB-4CFC-A22F-BB3562D63208}" type="presOf" srcId="{98BAC4C6-25D8-45DD-B216-10036A6EE41A}" destId="{62521164-133C-4FE3-8FE4-95C2B86AEB4C}" srcOrd="1" destOrd="0" presId="urn:microsoft.com/office/officeart/2005/8/layout/vProcess5"/>
     <dgm:cxn modelId="{5C3138CF-98D4-4C71-837F-BC2F6F3BCBCE}" srcId="{40D79F5D-9931-426A-B669-B5BEF7A8CB2A}" destId="{B65907B1-A1E2-4DB5-AD4F-8C30C2899521}" srcOrd="4" destOrd="0" parTransId="{39B4ECE5-5733-43A9-A214-4AACF91DAEC4}" sibTransId="{1D74D4DF-4B48-47D4-A252-AFD482730346}"/>
     <dgm:cxn modelId="{8971CA58-FFAB-40A4-8C5E-AEF0615AC565}" type="presOf" srcId="{3AA3768D-3D9A-436E-B602-C5A59FFBAFEC}" destId="{3993AE0D-00D5-4833-B7EE-98DC82C8871A}" srcOrd="0" destOrd="0" presId="urn:microsoft.com/office/officeart/2005/8/layout/vProcess5"/>
     <dgm:cxn modelId="{5FE218C1-7360-4304-ADEE-7BEE32136552}" type="presOf" srcId="{051D639B-9540-49CA-B2FE-59596106A0A5}" destId="{65946C7F-3C49-435A-83E1-7F03E6D9115B}" srcOrd="1" destOrd="0" presId="urn:microsoft.com/office/officeart/2005/8/layout/vProcess5"/>
@@ -1693,12 +1693,12 @@
         </a:fontRef>
       </dsp:style>
       <dsp:txBody>
-        <a:bodyPr spcFirstLastPara="0" vert="horz" wrap="square" lIns="72390" tIns="72390" rIns="72390" bIns="72390" numCol="1" spcCol="1270" anchor="ctr" anchorCtr="0">
+        <a:bodyPr spcFirstLastPara="0" vert="horz" wrap="square" lIns="68580" tIns="68580" rIns="68580" bIns="68580" numCol="1" spcCol="1270" anchor="ctr" anchorCtr="0">
           <a:noAutofit/>
         </a:bodyPr>
         <a:lstStyle/>
         <a:p>
-          <a:pPr lvl="0" algn="l" defTabSz="844550">
+          <a:pPr lvl="0" algn="l" defTabSz="800100">
             <a:lnSpc>
               <a:spcPct val="90000"/>
             </a:lnSpc>
@@ -1710,14 +1710,14 @@
             </a:spcAft>
           </a:pPr>
           <a:r>
-            <a:rPr lang="en-NZ" sz="1900" kern="1200" dirty="0" smtClean="0">
+            <a:rPr lang="en-NZ" sz="1800" kern="1200" dirty="0" smtClean="0">
               <a:solidFill>
                 <a:schemeClr val="bg1"/>
               </a:solidFill>
             </a:rPr>
             <a:t>Source Code</a:t>
           </a:r>
-          <a:endParaRPr lang="en-GB" sz="1900" kern="1200" dirty="0">
+          <a:endParaRPr lang="en-GB" sz="1800" kern="1200" dirty="0">
             <a:solidFill>
               <a:schemeClr val="bg1"/>
             </a:solidFill>
@@ -1846,12 +1846,12 @@
         </a:fontRef>
       </dsp:style>
       <dsp:txBody>
-        <a:bodyPr spcFirstLastPara="0" vert="horz" wrap="square" lIns="72390" tIns="72390" rIns="72390" bIns="72390" numCol="1" spcCol="1270" anchor="ctr" anchorCtr="0">
+        <a:bodyPr spcFirstLastPara="0" vert="horz" wrap="square" lIns="68580" tIns="68580" rIns="68580" bIns="68580" numCol="1" spcCol="1270" anchor="ctr" anchorCtr="0">
           <a:noAutofit/>
         </a:bodyPr>
         <a:lstStyle/>
         <a:p>
-          <a:pPr lvl="0" algn="l" defTabSz="844550">
+          <a:pPr lvl="0" algn="l" defTabSz="800100">
             <a:lnSpc>
               <a:spcPct val="90000"/>
             </a:lnSpc>
@@ -1863,10 +1863,10 @@
             </a:spcAft>
           </a:pPr>
           <a:r>
-            <a:rPr lang="en-NZ" sz="1900" kern="1200" dirty="0" smtClean="0"/>
+            <a:rPr lang="en-NZ" sz="1800" kern="1200" dirty="0" smtClean="0"/>
             <a:t>Compiler</a:t>
           </a:r>
-          <a:endParaRPr lang="en-GB" sz="1900" kern="1200" dirty="0"/>
+          <a:endParaRPr lang="en-GB" sz="1800" kern="1200" dirty="0"/>
         </a:p>
       </dsp:txBody>
       <dsp:txXfrm>
@@ -1991,12 +1991,12 @@
         </a:fontRef>
       </dsp:style>
       <dsp:txBody>
-        <a:bodyPr spcFirstLastPara="0" vert="horz" wrap="square" lIns="72390" tIns="72390" rIns="72390" bIns="72390" numCol="1" spcCol="1270" anchor="ctr" anchorCtr="0">
+        <a:bodyPr spcFirstLastPara="0" vert="horz" wrap="square" lIns="68580" tIns="68580" rIns="68580" bIns="68580" numCol="1" spcCol="1270" anchor="ctr" anchorCtr="0">
           <a:noAutofit/>
         </a:bodyPr>
         <a:lstStyle/>
         <a:p>
-          <a:pPr lvl="0" algn="l" defTabSz="844550">
+          <a:pPr lvl="0" algn="l" defTabSz="800100">
             <a:lnSpc>
               <a:spcPct val="90000"/>
             </a:lnSpc>
@@ -2008,10 +2008,10 @@
             </a:spcAft>
           </a:pPr>
           <a:r>
-            <a:rPr lang="en-NZ" sz="1900" kern="1200" dirty="0" smtClean="0"/>
+            <a:rPr lang="en-NZ" sz="1800" kern="1200" dirty="0" smtClean="0"/>
             <a:t>Processor</a:t>
           </a:r>
-          <a:endParaRPr lang="en-GB" sz="1900" kern="1200" dirty="0"/>
+          <a:endParaRPr lang="en-GB" sz="1800" kern="1200" dirty="0"/>
         </a:p>
       </dsp:txBody>
       <dsp:txXfrm>
@@ -2136,12 +2136,12 @@
         </a:fontRef>
       </dsp:style>
       <dsp:txBody>
-        <a:bodyPr spcFirstLastPara="0" vert="horz" wrap="square" lIns="72390" tIns="72390" rIns="72390" bIns="72390" numCol="1" spcCol="1270" anchor="ctr" anchorCtr="0">
+        <a:bodyPr spcFirstLastPara="0" vert="horz" wrap="square" lIns="68580" tIns="68580" rIns="68580" bIns="68580" numCol="1" spcCol="1270" anchor="ctr" anchorCtr="0">
           <a:noAutofit/>
         </a:bodyPr>
         <a:lstStyle/>
         <a:p>
-          <a:pPr lvl="0" algn="l" defTabSz="844550">
+          <a:pPr lvl="0" algn="l" defTabSz="800100">
             <a:lnSpc>
               <a:spcPct val="90000"/>
             </a:lnSpc>
@@ -2153,10 +2153,10 @@
             </a:spcAft>
           </a:pPr>
           <a:r>
-            <a:rPr lang="en-NZ" sz="1900" kern="1200" dirty="0" smtClean="0"/>
+            <a:rPr lang="en-NZ" sz="1800" kern="1200" dirty="0" smtClean="0"/>
             <a:t>Cache</a:t>
           </a:r>
-          <a:endParaRPr lang="en-GB" sz="1900" kern="1200" dirty="0"/>
+          <a:endParaRPr lang="en-GB" sz="1800" kern="1200" dirty="0"/>
         </a:p>
       </dsp:txBody>
       <dsp:txXfrm>
@@ -2281,12 +2281,12 @@
         </a:fontRef>
       </dsp:style>
       <dsp:txBody>
-        <a:bodyPr spcFirstLastPara="0" vert="horz" wrap="square" lIns="72390" tIns="72390" rIns="72390" bIns="72390" numCol="1" spcCol="1270" anchor="ctr" anchorCtr="0">
+        <a:bodyPr spcFirstLastPara="0" vert="horz" wrap="square" lIns="68580" tIns="68580" rIns="68580" bIns="68580" numCol="1" spcCol="1270" anchor="ctr" anchorCtr="0">
           <a:noAutofit/>
         </a:bodyPr>
         <a:lstStyle/>
         <a:p>
-          <a:pPr lvl="0" algn="l" defTabSz="844550">
+          <a:pPr lvl="0" algn="l" defTabSz="800100">
             <a:lnSpc>
               <a:spcPct val="90000"/>
             </a:lnSpc>
@@ -2298,14 +2298,14 @@
             </a:spcAft>
           </a:pPr>
           <a:r>
-            <a:rPr lang="en-NZ" sz="1900" kern="1200" dirty="0" smtClean="0">
+            <a:rPr lang="en-NZ" sz="1800" kern="1200" dirty="0" smtClean="0">
               <a:solidFill>
                 <a:schemeClr val="bg1"/>
               </a:solidFill>
             </a:rPr>
             <a:t>Actual Execution</a:t>
           </a:r>
-          <a:endParaRPr lang="en-GB" sz="1900" kern="1200" dirty="0">
+          <a:endParaRPr lang="en-GB" sz="1800" kern="1200" dirty="0">
             <a:solidFill>
               <a:schemeClr val="bg1"/>
             </a:solidFill>
@@ -2377,12 +2377,12 @@
         <a:fontRef idx="minor"/>
       </dsp:style>
       <dsp:txBody>
-        <a:bodyPr spcFirstLastPara="0" vert="horz" wrap="square" lIns="16510" tIns="16510" rIns="16510" bIns="16510" numCol="1" spcCol="1270" anchor="ctr" anchorCtr="0">
+        <a:bodyPr spcFirstLastPara="0" vert="horz" wrap="square" lIns="15240" tIns="15240" rIns="15240" bIns="15240" numCol="1" spcCol="1270" anchor="ctr" anchorCtr="0">
           <a:noAutofit/>
         </a:bodyPr>
         <a:lstStyle/>
         <a:p>
-          <a:pPr lvl="0" algn="ctr" defTabSz="577850">
+          <a:pPr lvl="0" algn="ctr" defTabSz="533400">
             <a:lnSpc>
               <a:spcPct val="90000"/>
             </a:lnSpc>
@@ -2393,7 +2393,7 @@
               <a:spcPct val="35000"/>
             </a:spcAft>
           </a:pPr>
-          <a:endParaRPr lang="en-GB" sz="1300" kern="1200"/>
+          <a:endParaRPr lang="en-GB" sz="1200" kern="1200"/>
         </a:p>
       </dsp:txBody>
       <dsp:txXfrm>
@@ -2461,12 +2461,12 @@
         <a:fontRef idx="minor"/>
       </dsp:style>
       <dsp:txBody>
-        <a:bodyPr spcFirstLastPara="0" vert="horz" wrap="square" lIns="16510" tIns="16510" rIns="16510" bIns="16510" numCol="1" spcCol="1270" anchor="ctr" anchorCtr="0">
+        <a:bodyPr spcFirstLastPara="0" vert="horz" wrap="square" lIns="15240" tIns="15240" rIns="15240" bIns="15240" numCol="1" spcCol="1270" anchor="ctr" anchorCtr="0">
           <a:noAutofit/>
         </a:bodyPr>
         <a:lstStyle/>
         <a:p>
-          <a:pPr lvl="0" algn="ctr" defTabSz="577850">
+          <a:pPr lvl="0" algn="ctr" defTabSz="533400">
             <a:lnSpc>
               <a:spcPct val="90000"/>
             </a:lnSpc>
@@ -2477,7 +2477,7 @@
               <a:spcPct val="35000"/>
             </a:spcAft>
           </a:pPr>
-          <a:endParaRPr lang="en-GB" sz="1300" kern="1200"/>
+          <a:endParaRPr lang="en-GB" sz="1200" kern="1200"/>
         </a:p>
       </dsp:txBody>
       <dsp:txXfrm>
@@ -2545,12 +2545,12 @@
         <a:fontRef idx="minor"/>
       </dsp:style>
       <dsp:txBody>
-        <a:bodyPr spcFirstLastPara="0" vert="horz" wrap="square" lIns="16510" tIns="16510" rIns="16510" bIns="16510" numCol="1" spcCol="1270" anchor="ctr" anchorCtr="0">
+        <a:bodyPr spcFirstLastPara="0" vert="horz" wrap="square" lIns="15240" tIns="15240" rIns="15240" bIns="15240" numCol="1" spcCol="1270" anchor="ctr" anchorCtr="0">
           <a:noAutofit/>
         </a:bodyPr>
         <a:lstStyle/>
         <a:p>
-          <a:pPr lvl="0" algn="ctr" defTabSz="577850">
+          <a:pPr lvl="0" algn="ctr" defTabSz="533400">
             <a:lnSpc>
               <a:spcPct val="90000"/>
             </a:lnSpc>
@@ -2561,7 +2561,7 @@
               <a:spcPct val="35000"/>
             </a:spcAft>
           </a:pPr>
-          <a:endParaRPr lang="en-GB" sz="1300" kern="1200"/>
+          <a:endParaRPr lang="en-GB" sz="1200" kern="1200"/>
         </a:p>
       </dsp:txBody>
       <dsp:txXfrm>
@@ -2629,12 +2629,12 @@
         <a:fontRef idx="minor"/>
       </dsp:style>
       <dsp:txBody>
-        <a:bodyPr spcFirstLastPara="0" vert="horz" wrap="square" lIns="16510" tIns="16510" rIns="16510" bIns="16510" numCol="1" spcCol="1270" anchor="ctr" anchorCtr="0">
+        <a:bodyPr spcFirstLastPara="0" vert="horz" wrap="square" lIns="15240" tIns="15240" rIns="15240" bIns="15240" numCol="1" spcCol="1270" anchor="ctr" anchorCtr="0">
           <a:noAutofit/>
         </a:bodyPr>
         <a:lstStyle/>
         <a:p>
-          <a:pPr lvl="0" algn="ctr" defTabSz="577850">
+          <a:pPr lvl="0" algn="ctr" defTabSz="533400">
             <a:lnSpc>
               <a:spcPct val="90000"/>
             </a:lnSpc>
@@ -2645,7 +2645,7 @@
               <a:spcPct val="35000"/>
             </a:spcAft>
           </a:pPr>
-          <a:endParaRPr lang="en-GB" sz="1300" kern="1200"/>
+          <a:endParaRPr lang="en-GB" sz="1200" kern="1200"/>
         </a:p>
       </dsp:txBody>
       <dsp:txXfrm>
@@ -4999,7 +4999,7 @@
           <a:p>
             <a:fld id="{E17A1F60-D46C-C04D-A60B-2230C10FC134}" type="datetimeFigureOut">
               <a:rPr lang="en-US" smtClean="0"/>
-              <a:t>5/19/2014</a:t>
+              <a:t>19/05/14</a:t>
             </a:fld>
             <a:endParaRPr lang="en-US"/>
           </a:p>
@@ -7319,7 +7319,7 @@
             <a:fld id="{AFDD7A28-FA93-4136-BDC1-BCCB2687E678}" type="datetimeFigureOut">
               <a:rPr lang="en-US" smtClean="0"/>
               <a:pPr/>
-              <a:t>5/19/2014</a:t>
+              <a:t>19/05/14</a:t>
             </a:fld>
             <a:endParaRPr lang="en-US"/>
           </a:p>
@@ -7567,7 +7567,7 @@
             <a:fld id="{AFDD7A28-FA93-4136-BDC1-BCCB2687E678}" type="datetimeFigureOut">
               <a:rPr lang="en-US" smtClean="0"/>
               <a:pPr/>
-              <a:t>5/19/2014</a:t>
+              <a:t>19/05/14</a:t>
             </a:fld>
             <a:endParaRPr lang="en-US" dirty="0"/>
           </a:p>
@@ -10371,7 +10371,7 @@
   <p:timing>
     <p:tnLst>
       <p:par>
-        <p:cTn id="1" dur="indefinite" restart="never" nodeType="tmRoot"/>
+        <p:cTn xmlns:p14="http://schemas.microsoft.com/office/powerpoint/2010/main" id="1" dur="indefinite" restart="never" nodeType="tmRoot"/>
       </p:par>
     </p:tnLst>
   </p:timing>
@@ -10539,18 +10539,18 @@
   <p:clrMapOvr>
     <a:masterClrMapping/>
   </p:clrMapOvr>
-  <mc:AlternateContent xmlns:mc="http://schemas.openxmlformats.org/markup-compatibility/2006">
-    <mc:Choice xmlns:p14="http://schemas.microsoft.com/office/powerpoint/2010/main" Requires="p14">
+  <mc:AlternateContent xmlns:mc="http://schemas.openxmlformats.org/markup-compatibility/2006" xmlns:p14="http://schemas.microsoft.com/office/powerpoint/2010/main">
+    <mc:Choice Requires="p14">
       <p:transition p14:dur="0"/>
     </mc:Choice>
-    <mc:Fallback>
+    <mc:Fallback xmlns="">
       <p:transition/>
     </mc:Fallback>
   </mc:AlternateContent>
   <p:timing>
     <p:tnLst>
       <p:par>
-        <p:cTn id="1" dur="indefinite" restart="never" nodeType="tmRoot"/>
+        <p:cTn xmlns:p14="http://schemas.microsoft.com/office/powerpoint/2010/main" id="1" dur="indefinite" restart="never" nodeType="tmRoot"/>
       </p:par>
     </p:tnLst>
   </p:timing>
@@ -10648,7 +10648,7 @@
   <p:timing>
     <p:tnLst>
       <p:par>
-        <p:cTn id="1" dur="indefinite" restart="never" nodeType="tmRoot"/>
+        <p:cTn xmlns:p14="http://schemas.microsoft.com/office/powerpoint/2010/main" id="1" dur="indefinite" restart="never" nodeType="tmRoot"/>
       </p:par>
     </p:tnLst>
   </p:timing>
@@ -10731,7 +10731,7 @@
   <p:timing>
     <p:tnLst>
       <p:par>
-        <p:cTn id="1" dur="indefinite" restart="never" nodeType="tmRoot"/>
+        <p:cTn xmlns:p14="http://schemas.microsoft.com/office/powerpoint/2010/main" id="1" dur="indefinite" restart="never" nodeType="tmRoot"/>
       </p:par>
     </p:tnLst>
   </p:timing>
@@ -10825,7 +10825,7 @@
   <p:timing>
     <p:tnLst>
       <p:par>
-        <p:cTn id="1" dur="indefinite" restart="never" nodeType="tmRoot"/>
+        <p:cTn xmlns:p14="http://schemas.microsoft.com/office/powerpoint/2010/main" id="1" dur="indefinite" restart="never" nodeType="tmRoot"/>
       </p:par>
     </p:tnLst>
   </p:timing>
@@ -10872,21 +10872,21 @@
             </a:pPr>
             <a:r>
               <a:rPr lang="en-US" dirty="0" smtClean="0"/>
-              <a:t>Avoid simultaneously accessed to shared data</a:t>
-            </a:r>
-          </a:p>
-          <a:p>
-            <a:pPr marL="342900" indent="-342900">
-              <a:buFont typeface="Arial"/>
-              <a:buChar char="•"/>
-            </a:pPr>
-            <a:r>
-              <a:rPr lang="en-US" dirty="0"/>
-              <a:t>Is a </a:t>
-            </a:r>
-            <a:r>
-              <a:rPr lang="en-US" dirty="0" smtClean="0"/>
-              <a:t>way to solve </a:t>
+              <a:t>IBM researcher [6] explains that, Mutual Exclusion is:</a:t>
+            </a:r>
+          </a:p>
+          <a:p>
+            <a:pPr marL="628650" lvl="1" indent="-342900"/>
+            <a:r>
+              <a:rPr lang="en-US" dirty="0" smtClean="0"/>
+              <a:t>Used to avoid simultaneously accessed to shared data</a:t>
+            </a:r>
+          </a:p>
+          <a:p>
+            <a:pPr marL="628650" lvl="1" indent="-342900"/>
+            <a:r>
+              <a:rPr lang="en-US" dirty="0" smtClean="0"/>
+              <a:t>A way to solve </a:t>
             </a:r>
             <a:r>
               <a:rPr lang="en-US" dirty="0"/>
@@ -10898,10 +10898,7 @@
             </a:r>
           </a:p>
           <a:p>
-            <a:pPr marL="342900" indent="-342900">
-              <a:buFont typeface="Arial"/>
-              <a:buChar char="•"/>
-            </a:pPr>
+            <a:pPr marL="628650" lvl="1" indent="-342900"/>
             <a:r>
               <a:rPr lang="en-US" dirty="0" err="1" smtClean="0"/>
               <a:t>a.k.a</a:t>
@@ -11976,7 +11973,7 @@
   <p:timing>
     <p:tnLst>
       <p:par>
-        <p:cTn id="1" dur="indefinite" restart="never" nodeType="tmRoot"/>
+        <p:cTn xmlns:p14="http://schemas.microsoft.com/office/powerpoint/2010/main" id="1" dur="indefinite" restart="never" nodeType="tmRoot"/>
       </p:par>
     </p:tnLst>
   </p:timing>
@@ -12300,7 +12297,7 @@
   <p:timing>
     <p:tnLst>
       <p:par>
-        <p:cTn id="1" dur="indefinite" restart="never" nodeType="tmRoot"/>
+        <p:cTn xmlns:p14="http://schemas.microsoft.com/office/powerpoint/2010/main" id="1" dur="indefinite" restart="never" nodeType="tmRoot"/>
       </p:par>
     </p:tnLst>
   </p:timing>
@@ -12825,7 +12822,7 @@
   <p:timing>
     <p:tnLst>
       <p:par>
-        <p:cTn id="1" dur="indefinite" restart="never" nodeType="tmRoot"/>
+        <p:cTn xmlns:p14="http://schemas.microsoft.com/office/powerpoint/2010/main" id="1" dur="indefinite" restart="never" nodeType="tmRoot"/>
       </p:par>
     </p:tnLst>
   </p:timing>
@@ -13484,16 +13481,127 @@
             <p:ph sz="quarter" idx="13"/>
           </p:nvPr>
         </p:nvSpPr>
-        <p:spPr/>
+        <p:spPr>
+          <a:xfrm>
+            <a:off x="457200" y="1477207"/>
+            <a:ext cx="8229600" cy="5079890"/>
+          </a:xfrm>
+        </p:spPr>
         <p:txBody>
           <a:bodyPr>
-            <a:normAutofit/>
+            <a:normAutofit fontScale="85000" lnSpcReduction="10000"/>
           </a:bodyPr>
           <a:lstStyle/>
           <a:p>
             <a:r>
+              <a:rPr lang="en-US" sz="1600" dirty="0"/>
+              <a:t>[1] John W. McCormick. 2007. MA1: real-time and parallel processing in </a:t>
+            </a:r>
+            <a:r>
+              <a:rPr lang="en-US" sz="1600" dirty="0" err="1"/>
+              <a:t>ada</a:t>
+            </a:r>
+            <a:r>
+              <a:rPr lang="en-US" sz="1600" dirty="0"/>
+              <a:t>. </a:t>
+            </a:r>
+            <a:r>
+              <a:rPr lang="en-US" sz="1600" i="1" dirty="0"/>
+              <a:t>Ada </a:t>
+            </a:r>
+            <a:r>
+              <a:rPr lang="en-US" sz="1600" i="1" dirty="0" err="1"/>
+              <a:t>Lett</a:t>
+            </a:r>
+            <a:r>
+              <a:rPr lang="en-US" sz="1600" i="1" dirty="0"/>
+              <a:t>.</a:t>
+            </a:r>
+            <a:r>
+              <a:rPr lang="en-US" sz="1600" dirty="0"/>
+              <a:t> XXVII, 3 (November 2007), 7-7. DOI=10.1145/1315607.1315587 http://</a:t>
+            </a:r>
+            <a:r>
+              <a:rPr lang="en-US" sz="1600" dirty="0" err="1"/>
+              <a:t>doi.acm.org.ezproxy.auckland.ac.nz</a:t>
+            </a:r>
+            <a:r>
+              <a:rPr lang="en-US" sz="1600" dirty="0"/>
+              <a:t>/10.1145/1315607.1315587</a:t>
+            </a:r>
+          </a:p>
+          <a:p>
+            <a:r>
+              <a:rPr lang="en-US" sz="1600" dirty="0"/>
+              <a:t>[2] John W. McCormick. 2009. Ada for real-time and parallel processing. In </a:t>
+            </a:r>
+            <a:r>
+              <a:rPr lang="en-US" sz="1600" i="1" dirty="0"/>
+              <a:t>Proceedings of the ACM </a:t>
+            </a:r>
+            <a:r>
+              <a:rPr lang="en-US" sz="1600" i="1" dirty="0" err="1"/>
+              <a:t>SIGAda</a:t>
+            </a:r>
+            <a:r>
+              <a:rPr lang="en-US" sz="1600" i="1" dirty="0"/>
+              <a:t> annual international conference on Ada and related technologies</a:t>
+            </a:r>
+            <a:r>
+              <a:rPr lang="en-US" sz="1600" dirty="0"/>
+              <a:t> (</a:t>
+            </a:r>
+            <a:r>
+              <a:rPr lang="en-US" sz="1600" dirty="0" err="1"/>
+              <a:t>SIGAda</a:t>
+            </a:r>
+            <a:r>
+              <a:rPr lang="en-US" sz="1600" dirty="0"/>
+              <a:t> '09). ACM, New York, NY, USA, 13-14. DOI=10.1145/1647420.1647428 http://</a:t>
+            </a:r>
+            <a:r>
+              <a:rPr lang="en-US" sz="1600" dirty="0" err="1"/>
+              <a:t>doi.acm.org.ezproxy.auckland.ac.nz</a:t>
+            </a:r>
+            <a:r>
+              <a:rPr lang="en-US" sz="1600" dirty="0"/>
+              <a:t>/10.1145/1647420.1647428</a:t>
+            </a:r>
+          </a:p>
+          <a:p>
+            <a:r>
+              <a:rPr lang="en-US" sz="1600" dirty="0"/>
+              <a:t>[3] Dick Mays and Richard J. LeBlanc, Jr.. 2002. The </a:t>
+            </a:r>
+            <a:r>
+              <a:rPr lang="en-US" sz="1600" dirty="0" err="1"/>
+              <a:t>cyclefree</a:t>
+            </a:r>
+            <a:r>
+              <a:rPr lang="en-US" sz="1600" dirty="0"/>
+              <a:t> methodology: a simple approach to building reliable, robust, real-time systems. In </a:t>
+            </a:r>
+            <a:r>
+              <a:rPr lang="en-US" sz="1600" i="1" dirty="0"/>
+              <a:t>Proceedings of the 24th International Conference on Software Engineering</a:t>
+            </a:r>
+            <a:r>
+              <a:rPr lang="en-US" sz="1600" dirty="0"/>
+              <a:t> (ICSE '02). ACM, New York, NY, USA, 567-575. DOI=10.1145/581339.581411 http://</a:t>
+            </a:r>
+            <a:r>
+              <a:rPr lang="en-US" sz="1600" dirty="0" err="1"/>
+              <a:t>doi.acm.org.ezproxy.auckland.ac.nz</a:t>
+            </a:r>
+            <a:r>
+              <a:rPr lang="en-US" sz="1600" dirty="0"/>
+              <a:t>/10.1145/581339.581411</a:t>
+            </a:r>
+          </a:p>
+          <a:p>
+            <a:r>
               <a:rPr lang="en-US" sz="1500" dirty="0" smtClean="0"/>
-              <a:t>[1] </a:t>
+              <a:t>[4] </a:t>
             </a:r>
             <a:r>
               <a:rPr lang="en-US" sz="1500" dirty="0"/>
@@ -13520,7 +13628,7 @@
           <a:p>
             <a:r>
               <a:rPr lang="en-US" sz="1500" dirty="0" smtClean="0"/>
-              <a:t>[2] </a:t>
+              <a:t>[5] </a:t>
             </a:r>
             <a:r>
               <a:rPr lang="en-US" sz="1500" dirty="0" err="1"/>
@@ -13550,31 +13658,22 @@
           </a:p>
           <a:p>
             <a:r>
+              <a:rPr lang="en-US" sz="1500" dirty="0" smtClean="0"/>
+              <a:t>[6] </a:t>
+            </a:r>
+            <a:r>
               <a:rPr lang="en-US" sz="1500" dirty="0"/>
-              <a:t>[3] </a:t>
-            </a:r>
-            <a:r>
-              <a:rPr lang="en-US" sz="1500" dirty="0">
-                <a:hlinkClick r:id="rId3"/>
-              </a:rPr>
               <a:t>http://publib.boulder.ibm.com/infocenter/iseries/v5r3/index.jsp?topic=%2Frzahw%</a:t>
             </a:r>
             <a:r>
-              <a:rPr lang="en-US" sz="1500" dirty="0" smtClean="0">
-                <a:hlinkClick r:id="rId3"/>
-              </a:rPr>
+              <a:rPr lang="en-US" sz="1500" dirty="0" smtClean="0"/>
               <a:t>2Frzahwmutco.htm</a:t>
             </a:r>
-            <a:endParaRPr lang="en-US" sz="1500" dirty="0" smtClean="0"/>
           </a:p>
           <a:p>
             <a:r>
               <a:rPr lang="en-US" sz="1500" dirty="0" smtClean="0"/>
-              <a:t>[4</a:t>
-            </a:r>
-            <a:r>
-              <a:rPr lang="en-US" sz="1500" dirty="0"/>
-              <a:t>] </a:t>
+              <a:t>[7] </a:t>
             </a:r>
             <a:r>
               <a:rPr lang="en-US" sz="1500" dirty="0" err="1"/>
@@ -13600,7 +13699,7 @@
           <a:p>
             <a:r>
               <a:rPr lang="en-US" sz="1500" dirty="0" smtClean="0"/>
-              <a:t>[5] </a:t>
+              <a:t>[8] </a:t>
             </a:r>
             <a:r>
               <a:rPr lang="en-US" sz="1600" dirty="0"/>
@@ -13638,8 +13737,8 @@
           </a:p>
           <a:p>
             <a:r>
-              <a:rPr lang="en-US" sz="1600" dirty="0"/>
-              <a:t>[6] </a:t>
+              <a:rPr lang="en-US" sz="1600" dirty="0" smtClean="0"/>
+              <a:t>[9] </a:t>
             </a:r>
             <a:r>
               <a:rPr lang="en-US" sz="1600" dirty="0" err="1"/>
@@ -13663,8 +13762,14 @@
             </a:r>
             <a:r>
               <a:rPr lang="en-US" sz="1600" dirty="0"/>
-              <a:t>; David A. Padua &amp; Mary W. Hall, ed., 'PPOPP' , ACM, , pp. 269-280 .</a:t>
-            </a:r>
+              <a:t>; David A. Padua &amp; Mary W. Hall, ed., 'PPOPP' , ACM, , pp. 269-280 </a:t>
+            </a:r>
+            <a:r>
+              <a:rPr lang="en-US" sz="1600" dirty="0" smtClean="0"/>
+              <a:t>.</a:t>
+            </a:r>
+          </a:p>
+          <a:p>
             <a:endParaRPr lang="en-US" sz="1500" dirty="0" smtClean="0"/>
           </a:p>
           <a:p>
@@ -13932,7 +14037,7 @@
   <p:timing>
     <p:tnLst>
       <p:par>
-        <p:cTn id="1" dur="indefinite" restart="never" nodeType="tmRoot">
+        <p:cTn xmlns:p14="http://schemas.microsoft.com/office/powerpoint/2010/main" id="1" dur="indefinite" restart="never" nodeType="tmRoot">
           <p:childTnLst>
             <p:seq concurrent="1" nextAc="seek">
               <p:cTn id="2" dur="indefinite" nodeType="mainSeq">
@@ -14645,7 +14750,9 @@
         </p:nvSpPr>
         <p:spPr/>
         <p:txBody>
-          <a:bodyPr/>
+          <a:bodyPr>
+            <a:normAutofit lnSpcReduction="10000"/>
+          </a:bodyPr>
           <a:lstStyle/>
           <a:p>
             <a:r>
@@ -14660,7 +14767,7 @@
             </a:pPr>
             <a:r>
               <a:rPr lang="en-US" dirty="0" smtClean="0"/>
-              <a:t>[2][3][4] say race condition always occurred if there’s no any proper parallel code or thread safe</a:t>
+              <a:t>The authors of [1][2][3] has specifically mentioned in their papers that Race Condition is the main pitfalls that all programmers always facing.</a:t>
             </a:r>
           </a:p>
           <a:p>
@@ -14678,7 +14785,7 @@
             </a:r>
             <a:r>
               <a:rPr lang="en-US" dirty="0" smtClean="0"/>
-              <a:t> in [1], Ben-Ari and </a:t>
+              <a:t> in [4], Ben-Ari and </a:t>
             </a:r>
             <a:r>
               <a:rPr lang="en-US" dirty="0" err="1" smtClean="0"/>
@@ -14686,7 +14793,7 @@
             </a:r>
             <a:r>
               <a:rPr lang="en-US" dirty="0" smtClean="0"/>
-              <a:t> in [2] have included Mutual Exclusion into their lecturing materials</a:t>
+              <a:t> in [5] have included Mutual Exclusion into their lecturing materials</a:t>
             </a:r>
           </a:p>
           <a:p>
@@ -14704,7 +14811,7 @@
             </a:r>
             <a:r>
               <a:rPr lang="de-DE" dirty="0" smtClean="0"/>
-              <a:t>Zeng in [4], </a:t>
+              <a:t>Zeng in [7], </a:t>
             </a:r>
             <a:r>
               <a:rPr lang="en-US" dirty="0" smtClean="0"/>
@@ -14728,7 +14835,7 @@
             </a:r>
             <a:r>
               <a:rPr lang="en-US" dirty="0"/>
-              <a:t>5</a:t>
+              <a:t>8</a:t>
             </a:r>
             <a:r>
               <a:rPr lang="en-US" dirty="0" smtClean="0"/>
@@ -14754,7 +14861,7 @@
             </a:r>
             <a:r>
               <a:rPr lang="en-US" dirty="0" smtClean="0"/>
-              <a:t>.[6]</a:t>
+              <a:t>.[9]</a:t>
             </a:r>
           </a:p>
           <a:p>
@@ -15545,7 +15652,7 @@
   <p:timing>
     <p:tnLst>
       <p:par>
-        <p:cTn id="1" dur="indefinite" restart="never" nodeType="tmRoot"/>
+        <p:cTn xmlns:p14="http://schemas.microsoft.com/office/powerpoint/2010/main" id="1" dur="indefinite" restart="never" nodeType="tmRoot"/>
       </p:par>
     </p:tnLst>
   </p:timing>

--- a/Presentation.pptx
+++ b/Presentation.pptx
@@ -5,7 +5,7 @@
     <p:sldMasterId id="2147484209" r:id="rId1"/>
   </p:sldMasterIdLst>
   <p:notesMasterIdLst>
-    <p:notesMasterId r:id="rId30"/>
+    <p:notesMasterId r:id="rId27"/>
   </p:notesMasterIdLst>
   <p:sldIdLst>
     <p:sldId id="266" r:id="rId2"/>
@@ -16,26 +16,23 @@
     <p:sldId id="272" r:id="rId7"/>
     <p:sldId id="269" r:id="rId8"/>
     <p:sldId id="273" r:id="rId9"/>
-    <p:sldId id="293" r:id="rId10"/>
-    <p:sldId id="294" r:id="rId11"/>
-    <p:sldId id="295" r:id="rId12"/>
-    <p:sldId id="296" r:id="rId13"/>
+    <p:sldId id="298" r:id="rId10"/>
+    <p:sldId id="296" r:id="rId11"/>
+    <p:sldId id="275" r:id="rId12"/>
+    <p:sldId id="285" r:id="rId13"/>
     <p:sldId id="297" r:id="rId14"/>
-    <p:sldId id="275" r:id="rId15"/>
-    <p:sldId id="285" r:id="rId16"/>
-    <p:sldId id="278" r:id="rId17"/>
-    <p:sldId id="286" r:id="rId18"/>
-    <p:sldId id="287" r:id="rId19"/>
-    <p:sldId id="289" r:id="rId20"/>
-    <p:sldId id="290" r:id="rId21"/>
-    <p:sldId id="292" r:id="rId22"/>
-    <p:sldId id="291" r:id="rId23"/>
-    <p:sldId id="279" r:id="rId24"/>
-    <p:sldId id="284" r:id="rId25"/>
-    <p:sldId id="280" r:id="rId26"/>
-    <p:sldId id="283" r:id="rId27"/>
-    <p:sldId id="264" r:id="rId28"/>
-    <p:sldId id="263" r:id="rId29"/>
+    <p:sldId id="286" r:id="rId15"/>
+    <p:sldId id="287" r:id="rId16"/>
+    <p:sldId id="289" r:id="rId17"/>
+    <p:sldId id="290" r:id="rId18"/>
+    <p:sldId id="292" r:id="rId19"/>
+    <p:sldId id="291" r:id="rId20"/>
+    <p:sldId id="279" r:id="rId21"/>
+    <p:sldId id="284" r:id="rId22"/>
+    <p:sldId id="280" r:id="rId23"/>
+    <p:sldId id="283" r:id="rId24"/>
+    <p:sldId id="264" r:id="rId25"/>
+    <p:sldId id="263" r:id="rId26"/>
   </p:sldIdLst>
   <p:sldSz cx="9144000" cy="6858000" type="screen4x3"/>
   <p:notesSz cx="6858000" cy="9144000"/>
@@ -136,7 +133,7 @@
   </p:defaultTextStyle>
   <p:extLst>
     <p:ext uri="{EFAFB233-063F-42B5-8137-9DF3F51BA10A}">
-      <p15:sldGuideLst xmlns="" xmlns:p15="http://schemas.microsoft.com/office/powerpoint/2012/main">
+      <p15:sldGuideLst xmlns:p15="http://schemas.microsoft.com/office/powerpoint/2012/main" xmlns="">
         <p15:guide id="1" orient="horz" pos="2160">
           <p15:clr>
             <a:srgbClr val="A4A3A4"/>
@@ -1522,47 +1519,47 @@
     </dgm:pt>
   </dgm:ptLst>
   <dgm:cxnLst>
-    <dgm:cxn modelId="{F76766DE-F94C-4AEC-A538-F7E3765C2B89}" type="presOf" srcId="{19F66229-03FD-4C0D-813E-0BBEDEFFF908}" destId="{7E8CF6F3-7A8C-4EF9-8E2A-D144EF88CEE6}" srcOrd="1" destOrd="0" presId="urn:microsoft.com/office/officeart/2005/8/layout/vProcess5"/>
     <dgm:cxn modelId="{403D09CB-3DEF-427C-84A3-2D15D76B7A53}" srcId="{40D79F5D-9931-426A-B669-B5BEF7A8CB2A}" destId="{3AA3768D-3D9A-436E-B602-C5A59FFBAFEC}" srcOrd="2" destOrd="0" parTransId="{69D1AD42-D6FA-4265-A5B6-21AE5DE52F49}" sibTransId="{2BBBA67C-FB53-420E-A852-4FFB9F36C3D8}"/>
-    <dgm:cxn modelId="{E394F0CD-2A66-4E75-8E3A-4A8F40C3E150}" type="presOf" srcId="{14C59C04-0774-49DC-92F8-8CCD4F26B60A}" destId="{7FFB4B13-9E00-456A-AB61-E8FBB5B48DF0}" srcOrd="0" destOrd="0" presId="urn:microsoft.com/office/officeart/2005/8/layout/vProcess5"/>
-    <dgm:cxn modelId="{E31ADC38-835F-4CE9-9393-638CDF5E6DA0}" type="presOf" srcId="{98BAC4C6-25D8-45DD-B216-10036A6EE41A}" destId="{1B72FD27-49CA-4EA6-B9E7-8CFEE2146117}" srcOrd="0" destOrd="0" presId="urn:microsoft.com/office/officeart/2005/8/layout/vProcess5"/>
-    <dgm:cxn modelId="{D1785C8D-4BDB-4F79-A6E4-5997A51D16E7}" type="presOf" srcId="{4A4A86F0-2078-45AB-A42B-5F48DC625232}" destId="{74B6E5F5-23FD-4BCB-8A3C-F74042048EC7}" srcOrd="0" destOrd="0" presId="urn:microsoft.com/office/officeart/2005/8/layout/vProcess5"/>
-    <dgm:cxn modelId="{BDC51254-9728-4A18-9AFF-28F77D905DF6}" type="presOf" srcId="{B65907B1-A1E2-4DB5-AD4F-8C30C2899521}" destId="{1A38F754-A13E-4CE4-9DB0-0E6A06416449}" srcOrd="1" destOrd="0" presId="urn:microsoft.com/office/officeart/2005/8/layout/vProcess5"/>
+    <dgm:cxn modelId="{D94C8215-C6ED-E94E-97C7-9EC189E60289}" type="presOf" srcId="{3AA3768D-3D9A-436E-B602-C5A59FFBAFEC}" destId="{3993AE0D-00D5-4833-B7EE-98DC82C8871A}" srcOrd="0" destOrd="0" presId="urn:microsoft.com/office/officeart/2005/8/layout/vProcess5"/>
+    <dgm:cxn modelId="{3C767E61-B610-1C42-B900-6FB3B87304BF}" type="presOf" srcId="{B65907B1-A1E2-4DB5-AD4F-8C30C2899521}" destId="{0B5C20D8-F3D2-4A91-9863-5048A6822435}" srcOrd="0" destOrd="0" presId="urn:microsoft.com/office/officeart/2005/8/layout/vProcess5"/>
+    <dgm:cxn modelId="{CEA9DEB2-927A-864D-BB3E-A70895BDBF39}" type="presOf" srcId="{4AB9B9E1-0E17-4B9A-9E84-EBD70D080BD2}" destId="{0832F444-92D2-47E6-98A0-8BDAC29754BB}" srcOrd="0" destOrd="0" presId="urn:microsoft.com/office/officeart/2005/8/layout/vProcess5"/>
+    <dgm:cxn modelId="{0D4DCFDE-4EFA-1243-AA2E-C41C28463EC9}" type="presOf" srcId="{3AA3768D-3D9A-436E-B602-C5A59FFBAFEC}" destId="{42984757-C35D-419F-951B-D474C0F6B932}" srcOrd="1" destOrd="0" presId="urn:microsoft.com/office/officeart/2005/8/layout/vProcess5"/>
     <dgm:cxn modelId="{473AA0C4-5308-499D-92F2-02581DCDFAA9}" srcId="{40D79F5D-9931-426A-B669-B5BEF7A8CB2A}" destId="{19F66229-03FD-4C0D-813E-0BBEDEFFF908}" srcOrd="3" destOrd="0" parTransId="{AB547BD5-E52F-4825-B13C-D43FC409A135}" sibTransId="{4A4A86F0-2078-45AB-A42B-5F48DC625232}"/>
-    <dgm:cxn modelId="{E5900D30-321B-437F-A014-E791C4E6CC9E}" type="presOf" srcId="{40D79F5D-9931-426A-B669-B5BEF7A8CB2A}" destId="{2E4E9672-C2E6-4EEF-8F64-5BFC044E5F77}" srcOrd="0" destOrd="0" presId="urn:microsoft.com/office/officeart/2005/8/layout/vProcess5"/>
     <dgm:cxn modelId="{0D9AF34A-188C-4EAD-B738-59B597E77A61}" srcId="{40D79F5D-9931-426A-B669-B5BEF7A8CB2A}" destId="{051D639B-9540-49CA-B2FE-59596106A0A5}" srcOrd="0" destOrd="0" parTransId="{F0039EB1-2518-4A9D-8C56-8BBD69D7639C}" sibTransId="{14C59C04-0774-49DC-92F8-8CCD4F26B60A}"/>
-    <dgm:cxn modelId="{BB01C68C-AB6C-4DBD-8B4B-F8C7724E9922}" type="presOf" srcId="{19F66229-03FD-4C0D-813E-0BBEDEFFF908}" destId="{AE34178A-4C11-4913-88C3-98CD679EBDA2}" srcOrd="0" destOrd="0" presId="urn:microsoft.com/office/officeart/2005/8/layout/vProcess5"/>
+    <dgm:cxn modelId="{152E41D8-AFF3-9B49-9F13-39DC9DC9551B}" type="presOf" srcId="{14C59C04-0774-49DC-92F8-8CCD4F26B60A}" destId="{7FFB4B13-9E00-456A-AB61-E8FBB5B48DF0}" srcOrd="0" destOrd="0" presId="urn:microsoft.com/office/officeart/2005/8/layout/vProcess5"/>
     <dgm:cxn modelId="{F58F18F9-E9FE-4B9B-BD77-400B4F780D73}" srcId="{40D79F5D-9931-426A-B669-B5BEF7A8CB2A}" destId="{98BAC4C6-25D8-45DD-B216-10036A6EE41A}" srcOrd="1" destOrd="0" parTransId="{24759866-9B0B-467A-A97F-F98A10176916}" sibTransId="{4AB9B9E1-0E17-4B9A-9E84-EBD70D080BD2}"/>
-    <dgm:cxn modelId="{3AFF1A20-EC62-455E-9434-58C014D162F6}" type="presOf" srcId="{051D639B-9540-49CA-B2FE-59596106A0A5}" destId="{239B7340-6B83-4B51-857E-8C0055E2A94D}" srcOrd="0" destOrd="0" presId="urn:microsoft.com/office/officeart/2005/8/layout/vProcess5"/>
-    <dgm:cxn modelId="{A492AF6E-5055-444A-8D62-CF23DC7FA3BE}" type="presOf" srcId="{4AB9B9E1-0E17-4B9A-9E84-EBD70D080BD2}" destId="{0832F444-92D2-47E6-98A0-8BDAC29754BB}" srcOrd="0" destOrd="0" presId="urn:microsoft.com/office/officeart/2005/8/layout/vProcess5"/>
-    <dgm:cxn modelId="{5080AE72-FF24-4A53-A1CB-8F4819B03096}" type="presOf" srcId="{3AA3768D-3D9A-436E-B602-C5A59FFBAFEC}" destId="{42984757-C35D-419F-951B-D474C0F6B932}" srcOrd="1" destOrd="0" presId="urn:microsoft.com/office/officeart/2005/8/layout/vProcess5"/>
-    <dgm:cxn modelId="{840EB287-26AB-4CFC-A22F-BB3562D63208}" type="presOf" srcId="{98BAC4C6-25D8-45DD-B216-10036A6EE41A}" destId="{62521164-133C-4FE3-8FE4-95C2B86AEB4C}" srcOrd="1" destOrd="0" presId="urn:microsoft.com/office/officeart/2005/8/layout/vProcess5"/>
-    <dgm:cxn modelId="{8C643273-8354-43E6-9557-113B7F15E9AC}" type="presOf" srcId="{2BBBA67C-FB53-420E-A852-4FFB9F36C3D8}" destId="{1AF31F0F-1CE8-48B1-8271-6AF3337DF40D}" srcOrd="0" destOrd="0" presId="urn:microsoft.com/office/officeart/2005/8/layout/vProcess5"/>
+    <dgm:cxn modelId="{8A96F974-D67F-9542-A5E0-D44346BAB564}" type="presOf" srcId="{B65907B1-A1E2-4DB5-AD4F-8C30C2899521}" destId="{1A38F754-A13E-4CE4-9DB0-0E6A06416449}" srcOrd="1" destOrd="0" presId="urn:microsoft.com/office/officeart/2005/8/layout/vProcess5"/>
+    <dgm:cxn modelId="{8CC23907-41D8-B541-8329-5B7F611DE963}" type="presOf" srcId="{98BAC4C6-25D8-45DD-B216-10036A6EE41A}" destId="{1B72FD27-49CA-4EA6-B9E7-8CFEE2146117}" srcOrd="0" destOrd="0" presId="urn:microsoft.com/office/officeart/2005/8/layout/vProcess5"/>
+    <dgm:cxn modelId="{930B0CC0-F6BE-0D45-B87A-63F267E290AB}" type="presOf" srcId="{4A4A86F0-2078-45AB-A42B-5F48DC625232}" destId="{74B6E5F5-23FD-4BCB-8A3C-F74042048EC7}" srcOrd="0" destOrd="0" presId="urn:microsoft.com/office/officeart/2005/8/layout/vProcess5"/>
+    <dgm:cxn modelId="{61025FFD-3628-2447-8F1E-12383D4608EE}" type="presOf" srcId="{98BAC4C6-25D8-45DD-B216-10036A6EE41A}" destId="{62521164-133C-4FE3-8FE4-95C2B86AEB4C}" srcOrd="1" destOrd="0" presId="urn:microsoft.com/office/officeart/2005/8/layout/vProcess5"/>
     <dgm:cxn modelId="{5C3138CF-98D4-4C71-837F-BC2F6F3BCBCE}" srcId="{40D79F5D-9931-426A-B669-B5BEF7A8CB2A}" destId="{B65907B1-A1E2-4DB5-AD4F-8C30C2899521}" srcOrd="4" destOrd="0" parTransId="{39B4ECE5-5733-43A9-A214-4AACF91DAEC4}" sibTransId="{1D74D4DF-4B48-47D4-A252-AFD482730346}"/>
-    <dgm:cxn modelId="{8971CA58-FFAB-40A4-8C5E-AEF0615AC565}" type="presOf" srcId="{3AA3768D-3D9A-436E-B602-C5A59FFBAFEC}" destId="{3993AE0D-00D5-4833-B7EE-98DC82C8871A}" srcOrd="0" destOrd="0" presId="urn:microsoft.com/office/officeart/2005/8/layout/vProcess5"/>
-    <dgm:cxn modelId="{5FE218C1-7360-4304-ADEE-7BEE32136552}" type="presOf" srcId="{051D639B-9540-49CA-B2FE-59596106A0A5}" destId="{65946C7F-3C49-435A-83E1-7F03E6D9115B}" srcOrd="1" destOrd="0" presId="urn:microsoft.com/office/officeart/2005/8/layout/vProcess5"/>
-    <dgm:cxn modelId="{60F661B8-0A11-41F8-A142-7828A295DC59}" type="presOf" srcId="{B65907B1-A1E2-4DB5-AD4F-8C30C2899521}" destId="{0B5C20D8-F3D2-4A91-9863-5048A6822435}" srcOrd="0" destOrd="0" presId="urn:microsoft.com/office/officeart/2005/8/layout/vProcess5"/>
-    <dgm:cxn modelId="{38BA7122-BBB5-400B-8823-73BB503CEF52}" type="presParOf" srcId="{2E4E9672-C2E6-4EEF-8F64-5BFC044E5F77}" destId="{18324587-9774-4EEB-9558-078246AAD598}" srcOrd="0" destOrd="0" presId="urn:microsoft.com/office/officeart/2005/8/layout/vProcess5"/>
-    <dgm:cxn modelId="{C3767A76-80D2-4076-9B71-1966E5364DC4}" type="presParOf" srcId="{2E4E9672-C2E6-4EEF-8F64-5BFC044E5F77}" destId="{239B7340-6B83-4B51-857E-8C0055E2A94D}" srcOrd="1" destOrd="0" presId="urn:microsoft.com/office/officeart/2005/8/layout/vProcess5"/>
-    <dgm:cxn modelId="{5157D10F-D9E2-4F5C-862C-11FE968D59B0}" type="presParOf" srcId="{2E4E9672-C2E6-4EEF-8F64-5BFC044E5F77}" destId="{1B72FD27-49CA-4EA6-B9E7-8CFEE2146117}" srcOrd="2" destOrd="0" presId="urn:microsoft.com/office/officeart/2005/8/layout/vProcess5"/>
-    <dgm:cxn modelId="{86E3F7C7-A124-4EE7-B23B-4B4790511478}" type="presParOf" srcId="{2E4E9672-C2E6-4EEF-8F64-5BFC044E5F77}" destId="{3993AE0D-00D5-4833-B7EE-98DC82C8871A}" srcOrd="3" destOrd="0" presId="urn:microsoft.com/office/officeart/2005/8/layout/vProcess5"/>
-    <dgm:cxn modelId="{64F34117-111F-40C7-B530-4CE82F20834F}" type="presParOf" srcId="{2E4E9672-C2E6-4EEF-8F64-5BFC044E5F77}" destId="{AE34178A-4C11-4913-88C3-98CD679EBDA2}" srcOrd="4" destOrd="0" presId="urn:microsoft.com/office/officeart/2005/8/layout/vProcess5"/>
-    <dgm:cxn modelId="{975F701B-B2A9-44B3-A6DC-F24BB4C4BE0D}" type="presParOf" srcId="{2E4E9672-C2E6-4EEF-8F64-5BFC044E5F77}" destId="{0B5C20D8-F3D2-4A91-9863-5048A6822435}" srcOrd="5" destOrd="0" presId="urn:microsoft.com/office/officeart/2005/8/layout/vProcess5"/>
-    <dgm:cxn modelId="{D8AC3364-3A30-4810-ADF6-05F132E7F281}" type="presParOf" srcId="{2E4E9672-C2E6-4EEF-8F64-5BFC044E5F77}" destId="{7FFB4B13-9E00-456A-AB61-E8FBB5B48DF0}" srcOrd="6" destOrd="0" presId="urn:microsoft.com/office/officeart/2005/8/layout/vProcess5"/>
-    <dgm:cxn modelId="{B27DBD36-4ABB-4017-86F5-74C793BF0A21}" type="presParOf" srcId="{2E4E9672-C2E6-4EEF-8F64-5BFC044E5F77}" destId="{0832F444-92D2-47E6-98A0-8BDAC29754BB}" srcOrd="7" destOrd="0" presId="urn:microsoft.com/office/officeart/2005/8/layout/vProcess5"/>
-    <dgm:cxn modelId="{5716ADC2-C1DC-484A-9CBD-ADA758135F7F}" type="presParOf" srcId="{2E4E9672-C2E6-4EEF-8F64-5BFC044E5F77}" destId="{1AF31F0F-1CE8-48B1-8271-6AF3337DF40D}" srcOrd="8" destOrd="0" presId="urn:microsoft.com/office/officeart/2005/8/layout/vProcess5"/>
-    <dgm:cxn modelId="{44326516-D598-49F5-A7C4-0C4D8D0D65CE}" type="presParOf" srcId="{2E4E9672-C2E6-4EEF-8F64-5BFC044E5F77}" destId="{74B6E5F5-23FD-4BCB-8A3C-F74042048EC7}" srcOrd="9" destOrd="0" presId="urn:microsoft.com/office/officeart/2005/8/layout/vProcess5"/>
-    <dgm:cxn modelId="{C75E1E87-EF44-4651-955D-23BCBBD2D2AF}" type="presParOf" srcId="{2E4E9672-C2E6-4EEF-8F64-5BFC044E5F77}" destId="{65946C7F-3C49-435A-83E1-7F03E6D9115B}" srcOrd="10" destOrd="0" presId="urn:microsoft.com/office/officeart/2005/8/layout/vProcess5"/>
-    <dgm:cxn modelId="{FFA14E5A-7E06-47B9-8978-3830BC9D3705}" type="presParOf" srcId="{2E4E9672-C2E6-4EEF-8F64-5BFC044E5F77}" destId="{62521164-133C-4FE3-8FE4-95C2B86AEB4C}" srcOrd="11" destOrd="0" presId="urn:microsoft.com/office/officeart/2005/8/layout/vProcess5"/>
-    <dgm:cxn modelId="{0DEBFE21-85A2-42DE-AD92-196F4455E21C}" type="presParOf" srcId="{2E4E9672-C2E6-4EEF-8F64-5BFC044E5F77}" destId="{42984757-C35D-419F-951B-D474C0F6B932}" srcOrd="12" destOrd="0" presId="urn:microsoft.com/office/officeart/2005/8/layout/vProcess5"/>
-    <dgm:cxn modelId="{CFF47C3A-D62B-4B19-A86B-D662D279EE35}" type="presParOf" srcId="{2E4E9672-C2E6-4EEF-8F64-5BFC044E5F77}" destId="{7E8CF6F3-7A8C-4EF9-8E2A-D144EF88CEE6}" srcOrd="13" destOrd="0" presId="urn:microsoft.com/office/officeart/2005/8/layout/vProcess5"/>
-    <dgm:cxn modelId="{B47F9388-BB34-4069-B090-2435784B8780}" type="presParOf" srcId="{2E4E9672-C2E6-4EEF-8F64-5BFC044E5F77}" destId="{1A38F754-A13E-4CE4-9DB0-0E6A06416449}" srcOrd="14" destOrd="0" presId="urn:microsoft.com/office/officeart/2005/8/layout/vProcess5"/>
+    <dgm:cxn modelId="{0F9BDCE4-8BB3-AB42-BFF8-4F8B9CCACA5A}" type="presOf" srcId="{19F66229-03FD-4C0D-813E-0BBEDEFFF908}" destId="{7E8CF6F3-7A8C-4EF9-8E2A-D144EF88CEE6}" srcOrd="1" destOrd="0" presId="urn:microsoft.com/office/officeart/2005/8/layout/vProcess5"/>
+    <dgm:cxn modelId="{3A9EFFC9-1492-6D44-A260-265BBE21C150}" type="presOf" srcId="{40D79F5D-9931-426A-B669-B5BEF7A8CB2A}" destId="{2E4E9672-C2E6-4EEF-8F64-5BFC044E5F77}" srcOrd="0" destOrd="0" presId="urn:microsoft.com/office/officeart/2005/8/layout/vProcess5"/>
+    <dgm:cxn modelId="{A254F4E9-2E1D-7646-8253-70F19F3EF2B2}" type="presOf" srcId="{19F66229-03FD-4C0D-813E-0BBEDEFFF908}" destId="{AE34178A-4C11-4913-88C3-98CD679EBDA2}" srcOrd="0" destOrd="0" presId="urn:microsoft.com/office/officeart/2005/8/layout/vProcess5"/>
+    <dgm:cxn modelId="{17FFC33B-8297-D34D-A9D7-6C10439CD0B1}" type="presOf" srcId="{051D639B-9540-49CA-B2FE-59596106A0A5}" destId="{65946C7F-3C49-435A-83E1-7F03E6D9115B}" srcOrd="1" destOrd="0" presId="urn:microsoft.com/office/officeart/2005/8/layout/vProcess5"/>
+    <dgm:cxn modelId="{AF537D14-1330-814F-954E-BF4F3AE00D9A}" type="presOf" srcId="{2BBBA67C-FB53-420E-A852-4FFB9F36C3D8}" destId="{1AF31F0F-1CE8-48B1-8271-6AF3337DF40D}" srcOrd="0" destOrd="0" presId="urn:microsoft.com/office/officeart/2005/8/layout/vProcess5"/>
+    <dgm:cxn modelId="{2A7F98D3-93FC-E349-8E75-401DF60028D9}" type="presOf" srcId="{051D639B-9540-49CA-B2FE-59596106A0A5}" destId="{239B7340-6B83-4B51-857E-8C0055E2A94D}" srcOrd="0" destOrd="0" presId="urn:microsoft.com/office/officeart/2005/8/layout/vProcess5"/>
+    <dgm:cxn modelId="{1B81EBE8-E2D1-C541-9997-3031CC93CAFB}" type="presParOf" srcId="{2E4E9672-C2E6-4EEF-8F64-5BFC044E5F77}" destId="{18324587-9774-4EEB-9558-078246AAD598}" srcOrd="0" destOrd="0" presId="urn:microsoft.com/office/officeart/2005/8/layout/vProcess5"/>
+    <dgm:cxn modelId="{307F365D-4E2E-E241-ABF1-6BE37D7AC165}" type="presParOf" srcId="{2E4E9672-C2E6-4EEF-8F64-5BFC044E5F77}" destId="{239B7340-6B83-4B51-857E-8C0055E2A94D}" srcOrd="1" destOrd="0" presId="urn:microsoft.com/office/officeart/2005/8/layout/vProcess5"/>
+    <dgm:cxn modelId="{A40287FC-123D-454A-A3AD-995560AB097D}" type="presParOf" srcId="{2E4E9672-C2E6-4EEF-8F64-5BFC044E5F77}" destId="{1B72FD27-49CA-4EA6-B9E7-8CFEE2146117}" srcOrd="2" destOrd="0" presId="urn:microsoft.com/office/officeart/2005/8/layout/vProcess5"/>
+    <dgm:cxn modelId="{3E39A72E-4329-7A42-B0FA-A3DC6A147F80}" type="presParOf" srcId="{2E4E9672-C2E6-4EEF-8F64-5BFC044E5F77}" destId="{3993AE0D-00D5-4833-B7EE-98DC82C8871A}" srcOrd="3" destOrd="0" presId="urn:microsoft.com/office/officeart/2005/8/layout/vProcess5"/>
+    <dgm:cxn modelId="{9D11ED12-BA49-884A-9202-78A77BEA73C3}" type="presParOf" srcId="{2E4E9672-C2E6-4EEF-8F64-5BFC044E5F77}" destId="{AE34178A-4C11-4913-88C3-98CD679EBDA2}" srcOrd="4" destOrd="0" presId="urn:microsoft.com/office/officeart/2005/8/layout/vProcess5"/>
+    <dgm:cxn modelId="{DCE4164E-7421-484E-96D5-EFD3F4B728D8}" type="presParOf" srcId="{2E4E9672-C2E6-4EEF-8F64-5BFC044E5F77}" destId="{0B5C20D8-F3D2-4A91-9863-5048A6822435}" srcOrd="5" destOrd="0" presId="urn:microsoft.com/office/officeart/2005/8/layout/vProcess5"/>
+    <dgm:cxn modelId="{1C9A8E58-AA0F-5E44-AD3D-FDD8DA158BD5}" type="presParOf" srcId="{2E4E9672-C2E6-4EEF-8F64-5BFC044E5F77}" destId="{7FFB4B13-9E00-456A-AB61-E8FBB5B48DF0}" srcOrd="6" destOrd="0" presId="urn:microsoft.com/office/officeart/2005/8/layout/vProcess5"/>
+    <dgm:cxn modelId="{F1B58D0E-4C25-8641-A305-A57079B47D40}" type="presParOf" srcId="{2E4E9672-C2E6-4EEF-8F64-5BFC044E5F77}" destId="{0832F444-92D2-47E6-98A0-8BDAC29754BB}" srcOrd="7" destOrd="0" presId="urn:microsoft.com/office/officeart/2005/8/layout/vProcess5"/>
+    <dgm:cxn modelId="{018C9E32-A43E-6F46-B359-7ACF57859000}" type="presParOf" srcId="{2E4E9672-C2E6-4EEF-8F64-5BFC044E5F77}" destId="{1AF31F0F-1CE8-48B1-8271-6AF3337DF40D}" srcOrd="8" destOrd="0" presId="urn:microsoft.com/office/officeart/2005/8/layout/vProcess5"/>
+    <dgm:cxn modelId="{308E6E77-D20F-D942-9AAA-CD91F4A030D4}" type="presParOf" srcId="{2E4E9672-C2E6-4EEF-8F64-5BFC044E5F77}" destId="{74B6E5F5-23FD-4BCB-8A3C-F74042048EC7}" srcOrd="9" destOrd="0" presId="urn:microsoft.com/office/officeart/2005/8/layout/vProcess5"/>
+    <dgm:cxn modelId="{655FEC1F-4160-2E4A-BA81-A187910B0B7B}" type="presParOf" srcId="{2E4E9672-C2E6-4EEF-8F64-5BFC044E5F77}" destId="{65946C7F-3C49-435A-83E1-7F03E6D9115B}" srcOrd="10" destOrd="0" presId="urn:microsoft.com/office/officeart/2005/8/layout/vProcess5"/>
+    <dgm:cxn modelId="{99CCC04A-22A0-2042-AD05-282F112F2E1F}" type="presParOf" srcId="{2E4E9672-C2E6-4EEF-8F64-5BFC044E5F77}" destId="{62521164-133C-4FE3-8FE4-95C2B86AEB4C}" srcOrd="11" destOrd="0" presId="urn:microsoft.com/office/officeart/2005/8/layout/vProcess5"/>
+    <dgm:cxn modelId="{003A756B-18B7-8B40-9F89-52EE31ED42D1}" type="presParOf" srcId="{2E4E9672-C2E6-4EEF-8F64-5BFC044E5F77}" destId="{42984757-C35D-419F-951B-D474C0F6B932}" srcOrd="12" destOrd="0" presId="urn:microsoft.com/office/officeart/2005/8/layout/vProcess5"/>
+    <dgm:cxn modelId="{82ED99C0-8F03-E940-8E36-4F45BD9274AE}" type="presParOf" srcId="{2E4E9672-C2E6-4EEF-8F64-5BFC044E5F77}" destId="{7E8CF6F3-7A8C-4EF9-8E2A-D144EF88CEE6}" srcOrd="13" destOrd="0" presId="urn:microsoft.com/office/officeart/2005/8/layout/vProcess5"/>
+    <dgm:cxn modelId="{411A8300-9041-3B44-9D2D-F4656AEC1DEA}" type="presParOf" srcId="{2E4E9672-C2E6-4EEF-8F64-5BFC044E5F77}" destId="{1A38F754-A13E-4CE4-9DB0-0E6A06416449}" srcOrd="14" destOrd="0" presId="urn:microsoft.com/office/officeart/2005/8/layout/vProcess5"/>
   </dgm:cxnLst>
   <dgm:bg/>
   <dgm:whole/>
   <dgm:extLst>
     <a:ext uri="http://schemas.microsoft.com/office/drawing/2008/diagram">
-      <dsp:dataModelExt xmlns:dsp="http://schemas.microsoft.com/office/drawing/2008/diagram" relId="rId7" minVer="http://schemas.openxmlformats.org/drawingml/2006/diagram"/>
+      <dsp:dataModelExt xmlns:dsp="http://schemas.microsoft.com/office/drawing/2008/diagram" relId="rId6" minVer="http://schemas.openxmlformats.org/drawingml/2006/diagram"/>
     </a:ext>
   </dgm:extLst>
 </dgm:dataModel>
@@ -5459,34 +5456,6 @@
           <a:bodyPr/>
           <a:lstStyle/>
           <a:p>
-            <a:r>
-              <a:rPr lang="en-US" dirty="0" smtClean="0"/>
-              <a:t>if threads try to acquire a lock faster than the rate at which a thread can execute the corresponding critical section, then program performance will suffer as threads will form a "convoy" waiting to acquire the lock.</a:t>
-            </a:r>
-          </a:p>
-          <a:p>
-            <a:r>
-              <a:rPr lang="en-US" dirty="0" smtClean="0"/>
-              <a:t>Threads that all use the same lock become queued to use the lock and end up serializing the processing. A 'convoy' is created.</a:t>
-            </a:r>
-          </a:p>
-          <a:p>
-            <a:r>
-              <a:rPr lang="en-US" dirty="0" smtClean="0"/>
-              <a:t>When a high-priority thread needs to acquire a lock held by a low-priority thread, the scheduler bumps up the priority of the blocking thread until the lock is released.</a:t>
-            </a:r>
-          </a:p>
-          <a:p>
-            <a:r>
-              <a:rPr lang="en-US" dirty="0" smtClean="0"/>
-              <a:t>That is certainly the method of choice to eliminate lock contention if it is workable. For example, consider contention for a counter of events. If each thread can have its own private counter, then no lock is necessary. If the total count is required, the counts can be summed after all threads are done counting.</a:t>
-            </a:r>
-          </a:p>
-          <a:p>
-            <a:r>
-              <a:rPr lang="en-US" dirty="0" smtClean="0"/>
-              <a:t>If the lock on a resource cannot be eliminated, consider partitioning the resource and using a separate lock to protect each partition. The partitioning can spread out contention among the locks.</a:t>
-            </a:r>
             <a:endParaRPr lang="en-US" dirty="0"/>
           </a:p>
         </p:txBody>
@@ -5508,7 +5477,7 @@
           <a:p>
             <a:fld id="{4B5DE452-D96A-B043-A19B-3F6D5B1BBA3B}" type="slidenum">
               <a:rPr lang="en-US" smtClean="0"/>
-              <a:t>22</a:t>
+              <a:t>23</a:t>
             </a:fld>
             <a:endParaRPr lang="en-US"/>
           </a:p>
@@ -5517,7 +5486,7 @@
     </p:spTree>
     <p:extLst>
       <p:ext uri="{BB962C8B-B14F-4D97-AF65-F5344CB8AC3E}">
-        <p14:creationId xmlns:p14="http://schemas.microsoft.com/office/powerpoint/2010/main" val="2738522525"/>
+        <p14:creationId xmlns:p14="http://schemas.microsoft.com/office/powerpoint/2010/main" val="2122580804"/>
       </p:ext>
     </p:extLst>
   </p:cSld>
@@ -5573,11 +5542,26 @@
           <a:p>
             <a:r>
               <a:rPr lang="en-US" dirty="0" smtClean="0"/>
-              <a:t>90% is</a:t>
-            </a:r>
-            <a:r>
-              <a:rPr lang="en-US" baseline="0" dirty="0" smtClean="0"/>
-              <a:t> a dummy value</a:t>
+              <a:t>Starvation</a:t>
+            </a:r>
+          </a:p>
+          <a:p>
+            <a:r>
+              <a:rPr lang="en-US" dirty="0" smtClean="0"/>
+              <a:t>For example, suppose an object provides a synchronized method that often takes a long time to return. If one thread invokes this method frequently, other threads that also need frequent synchronized access to the same object will often be blocked.</a:t>
+            </a:r>
+          </a:p>
+          <a:p>
+            <a:r>
+              <a:rPr lang="en-US" dirty="0" err="1" smtClean="0"/>
+              <a:t>Livelock</a:t>
+            </a:r>
+            <a:endParaRPr lang="en-US" dirty="0" smtClean="0"/>
+          </a:p>
+          <a:p>
+            <a:r>
+              <a:rPr lang="en-US" dirty="0" smtClean="0"/>
+              <a:t>This is comparable to two people attempting to pass each other in a corridor: Bob moves to his left to let Emma pass, while Emma moves to his right to let Bob pass. Seeing that they are still blocking each other, Bob moves to his right, while Emma moves to his left. They're still blocking each other, so...</a:t>
             </a:r>
             <a:endParaRPr lang="en-US" dirty="0"/>
           </a:p>
@@ -5598,200 +5582,9 @@
           <a:bodyPr/>
           <a:lstStyle/>
           <a:p>
-            <a:fld id="{4B5DE452-D96A-B043-A19B-3F6D5B1BBA3B}" type="slidenum">
-              <a:rPr lang="en-US" smtClean="0"/>
-              <a:t>24</a:t>
-            </a:fld>
-            <a:endParaRPr lang="en-US"/>
-          </a:p>
-        </p:txBody>
-      </p:sp>
-    </p:spTree>
-    <p:extLst>
-      <p:ext uri="{BB962C8B-B14F-4D97-AF65-F5344CB8AC3E}">
-        <p14:creationId xmlns:p14="http://schemas.microsoft.com/office/powerpoint/2010/main" val="807505352"/>
-      </p:ext>
-    </p:extLst>
-  </p:cSld>
-  <p:clrMapOvr>
-    <a:masterClrMapping/>
-  </p:clrMapOvr>
-</p:notes>
-</file>
-
-<file path=ppt/notesSlides/notesSlide12.xml><?xml version="1.0" encoding="utf-8"?>
-<p:notes xmlns:a="http://schemas.openxmlformats.org/drawingml/2006/main" xmlns:r="http://schemas.openxmlformats.org/officeDocument/2006/relationships" xmlns:p="http://schemas.openxmlformats.org/presentationml/2006/main">
-  <p:cSld>
-    <p:spTree>
-      <p:nvGrpSpPr>
-        <p:cNvPr id="1" name=""/>
-        <p:cNvGrpSpPr/>
-        <p:nvPr/>
-      </p:nvGrpSpPr>
-      <p:grpSpPr>
-        <a:xfrm>
-          <a:off x="0" y="0"/>
-          <a:ext cx="0" cy="0"/>
-          <a:chOff x="0" y="0"/>
-          <a:chExt cx="0" cy="0"/>
-        </a:xfrm>
-      </p:grpSpPr>
-      <p:sp>
-        <p:nvSpPr>
-          <p:cNvPr id="2" name="Slide Image Placeholder 1"/>
-          <p:cNvSpPr>
-            <a:spLocks noGrp="1" noRot="1" noChangeAspect="1"/>
-          </p:cNvSpPr>
-          <p:nvPr>
-            <p:ph type="sldImg"/>
-          </p:nvPr>
-        </p:nvSpPr>
-        <p:spPr/>
-      </p:sp>
-      <p:sp>
-        <p:nvSpPr>
-          <p:cNvPr id="3" name="Notes Placeholder 2"/>
-          <p:cNvSpPr>
-            <a:spLocks noGrp="1"/>
-          </p:cNvSpPr>
-          <p:nvPr>
-            <p:ph type="body" idx="1"/>
-          </p:nvPr>
-        </p:nvSpPr>
-        <p:spPr/>
-        <p:txBody>
-          <a:bodyPr/>
-          <a:lstStyle/>
-          <a:p>
-            <a:endParaRPr lang="en-US" dirty="0"/>
-          </a:p>
-        </p:txBody>
-      </p:sp>
-      <p:sp>
-        <p:nvSpPr>
-          <p:cNvPr id="4" name="Slide Number Placeholder 3"/>
-          <p:cNvSpPr>
-            <a:spLocks noGrp="1"/>
-          </p:cNvSpPr>
-          <p:nvPr>
-            <p:ph type="sldNum" sz="quarter" idx="10"/>
-          </p:nvPr>
-        </p:nvSpPr>
-        <p:spPr/>
-        <p:txBody>
-          <a:bodyPr/>
-          <a:lstStyle/>
-          <a:p>
-            <a:fld id="{4B5DE452-D96A-B043-A19B-3F6D5B1BBA3B}" type="slidenum">
-              <a:rPr lang="en-US" smtClean="0"/>
-              <a:t>26</a:t>
-            </a:fld>
-            <a:endParaRPr lang="en-US"/>
-          </a:p>
-        </p:txBody>
-      </p:sp>
-    </p:spTree>
-    <p:extLst>
-      <p:ext uri="{BB962C8B-B14F-4D97-AF65-F5344CB8AC3E}">
-        <p14:creationId xmlns:p14="http://schemas.microsoft.com/office/powerpoint/2010/main" val="2122580804"/>
-      </p:ext>
-    </p:extLst>
-  </p:cSld>
-  <p:clrMapOvr>
-    <a:masterClrMapping/>
-  </p:clrMapOvr>
-</p:notes>
-</file>
-
-<file path=ppt/notesSlides/notesSlide13.xml><?xml version="1.0" encoding="utf-8"?>
-<p:notes xmlns:a="http://schemas.openxmlformats.org/drawingml/2006/main" xmlns:r="http://schemas.openxmlformats.org/officeDocument/2006/relationships" xmlns:p="http://schemas.openxmlformats.org/presentationml/2006/main">
-  <p:cSld>
-    <p:spTree>
-      <p:nvGrpSpPr>
-        <p:cNvPr id="1" name=""/>
-        <p:cNvGrpSpPr/>
-        <p:nvPr/>
-      </p:nvGrpSpPr>
-      <p:grpSpPr>
-        <a:xfrm>
-          <a:off x="0" y="0"/>
-          <a:ext cx="0" cy="0"/>
-          <a:chOff x="0" y="0"/>
-          <a:chExt cx="0" cy="0"/>
-        </a:xfrm>
-      </p:grpSpPr>
-      <p:sp>
-        <p:nvSpPr>
-          <p:cNvPr id="2" name="Slide Image Placeholder 1"/>
-          <p:cNvSpPr>
-            <a:spLocks noGrp="1" noRot="1" noChangeAspect="1"/>
-          </p:cNvSpPr>
-          <p:nvPr>
-            <p:ph type="sldImg"/>
-          </p:nvPr>
-        </p:nvSpPr>
-        <p:spPr/>
-      </p:sp>
-      <p:sp>
-        <p:nvSpPr>
-          <p:cNvPr id="3" name="Notes Placeholder 2"/>
-          <p:cNvSpPr>
-            <a:spLocks noGrp="1"/>
-          </p:cNvSpPr>
-          <p:nvPr>
-            <p:ph type="body" idx="1"/>
-          </p:nvPr>
-        </p:nvSpPr>
-        <p:spPr/>
-        <p:txBody>
-          <a:bodyPr/>
-          <a:lstStyle/>
-          <a:p>
-            <a:r>
-              <a:rPr lang="en-US" dirty="0" smtClean="0"/>
-              <a:t>Starvation</a:t>
-            </a:r>
-          </a:p>
-          <a:p>
-            <a:r>
-              <a:rPr lang="en-US" dirty="0" smtClean="0"/>
-              <a:t>For example, suppose an object provides a synchronized method that often takes a long time to return. If one thread invokes this method frequently, other threads that also need frequent synchronized access to the same object will often be blocked.</a:t>
-            </a:r>
-          </a:p>
-          <a:p>
-            <a:r>
-              <a:rPr lang="en-US" dirty="0" err="1" smtClean="0"/>
-              <a:t>Livelock</a:t>
-            </a:r>
-            <a:endParaRPr lang="en-US" dirty="0" smtClean="0"/>
-          </a:p>
-          <a:p>
-            <a:r>
-              <a:rPr lang="en-US" dirty="0" smtClean="0"/>
-              <a:t>This is comparable to two people attempting to pass each other in a corridor: Bob moves to his left to let Emma pass, while Emma moves to his right to let Bob pass. Seeing that they are still blocking each other, Bob moves to his right, while Emma moves to his left. They're still blocking each other, so...</a:t>
-            </a:r>
-            <a:endParaRPr lang="en-US" dirty="0"/>
-          </a:p>
-        </p:txBody>
-      </p:sp>
-      <p:sp>
-        <p:nvSpPr>
-          <p:cNvPr id="4" name="Slide Number Placeholder 3"/>
-          <p:cNvSpPr>
-            <a:spLocks noGrp="1"/>
-          </p:cNvSpPr>
-          <p:nvPr>
-            <p:ph type="sldNum" sz="quarter" idx="10"/>
-          </p:nvPr>
-        </p:nvSpPr>
-        <p:spPr/>
-        <p:txBody>
-          <a:bodyPr/>
-          <a:lstStyle/>
-          <a:p>
             <a:fld id="{56BE3D67-E84A-6F4F-8E3B-3BC46E162796}" type="slidenum">
               <a:rPr lang="en-US" smtClean="0"/>
-              <a:t>28</a:t>
+              <a:t>25</a:t>
             </a:fld>
             <a:endParaRPr lang="en-US"/>
           </a:p>
@@ -6201,139 +5994,19 @@
           <a:lstStyle/>
           <a:p>
             <a:r>
-              <a:rPr lang="en-GB" sz="1200" b="0" i="0" kern="1200" dirty="0" smtClean="0">
-                <a:solidFill>
-                  <a:schemeClr val="tx1"/>
-                </a:solidFill>
-                <a:effectLst/>
-                <a:latin typeface="+mn-lt"/>
-                <a:ea typeface="+mn-ea"/>
-                <a:cs typeface="+mn-cs"/>
-              </a:rPr>
-              <a:t>In computer .science, a </a:t>
-            </a:r>
-            <a:r>
-              <a:rPr lang="en-GB" sz="1200" b="1" i="0" kern="1200" dirty="0" smtClean="0">
-                <a:solidFill>
-                  <a:schemeClr val="tx1"/>
-                </a:solidFill>
-                <a:effectLst/>
-                <a:latin typeface="+mn-lt"/>
-                <a:ea typeface="+mn-ea"/>
-                <a:cs typeface="+mn-cs"/>
-              </a:rPr>
-              <a:t>nondeterministic</a:t>
-            </a:r>
-            <a:r>
-              <a:rPr lang="en-GB" sz="1200" b="0" i="0" kern="1200" dirty="0" smtClean="0">
-                <a:solidFill>
-                  <a:schemeClr val="tx1"/>
-                </a:solidFill>
-                <a:effectLst/>
-                <a:latin typeface="+mn-lt"/>
-                <a:ea typeface="+mn-ea"/>
-                <a:cs typeface="+mn-cs"/>
-              </a:rPr>
-              <a:t> algorithm is an algorithm that can exhibit different behaviours on different runs</a:t>
-            </a:r>
-          </a:p>
-          <a:p>
-            <a:endParaRPr lang="en-NZ" sz="1200" b="0" i="0" kern="1200" dirty="0" smtClean="0">
-              <a:solidFill>
-                <a:schemeClr val="tx1"/>
-              </a:solidFill>
-              <a:effectLst/>
-              <a:latin typeface="+mn-lt"/>
-              <a:ea typeface="+mn-ea"/>
-              <a:cs typeface="+mn-cs"/>
-            </a:endParaRPr>
-          </a:p>
-          <a:p>
-            <a:r>
-              <a:rPr lang="en-NZ" sz="1200" b="0" i="0" kern="1200" dirty="0" smtClean="0">
-                <a:solidFill>
-                  <a:schemeClr val="tx1"/>
-                </a:solidFill>
-                <a:effectLst/>
-                <a:latin typeface="+mn-lt"/>
-                <a:ea typeface="+mn-ea"/>
-                <a:cs typeface="+mn-cs"/>
-              </a:rPr>
-              <a:t>The code is re-ordered at the various stages between for Source code to actual</a:t>
-            </a:r>
-            <a:r>
-              <a:rPr lang="en-NZ" sz="1200" b="0" i="0" kern="1200" baseline="0" dirty="0" smtClean="0">
-                <a:solidFill>
-                  <a:schemeClr val="tx1"/>
-                </a:solidFill>
-                <a:effectLst/>
-                <a:latin typeface="+mn-lt"/>
-                <a:ea typeface="+mn-ea"/>
-                <a:cs typeface="+mn-cs"/>
-              </a:rPr>
-              <a:t> execution, a user cannot predict the re-ordering but can prevent It but </a:t>
-            </a:r>
-            <a:r>
-              <a:rPr lang="en-NZ" sz="1200" b="0" i="0" kern="1200" baseline="0" dirty="0" err="1" smtClean="0">
-                <a:solidFill>
-                  <a:schemeClr val="tx1"/>
-                </a:solidFill>
-                <a:effectLst/>
-                <a:latin typeface="+mn-lt"/>
-                <a:ea typeface="+mn-ea"/>
-                <a:cs typeface="+mn-cs"/>
-              </a:rPr>
-              <a:t>explicity</a:t>
-            </a:r>
-            <a:r>
-              <a:rPr lang="en-NZ" sz="1200" b="0" i="0" kern="1200" baseline="0" dirty="0" smtClean="0">
-                <a:solidFill>
-                  <a:schemeClr val="tx1"/>
-                </a:solidFill>
-                <a:effectLst/>
-                <a:latin typeface="+mn-lt"/>
-                <a:ea typeface="+mn-ea"/>
-                <a:cs typeface="+mn-cs"/>
-              </a:rPr>
-              <a:t> providing the mutable locks.</a:t>
-            </a:r>
-            <a:endParaRPr lang="en-GB" sz="1200" b="0" i="0" kern="1200" dirty="0" smtClean="0">
-              <a:solidFill>
-                <a:schemeClr val="tx1"/>
-              </a:solidFill>
-              <a:effectLst/>
-              <a:latin typeface="+mn-lt"/>
-              <a:ea typeface="+mn-ea"/>
-              <a:cs typeface="+mn-cs"/>
-            </a:endParaRPr>
-          </a:p>
-          <a:p>
-            <a:endParaRPr lang="en-NZ" sz="1200" b="0" i="0" kern="1200" dirty="0" smtClean="0">
-              <a:solidFill>
-                <a:schemeClr val="tx1"/>
-              </a:solidFill>
-              <a:effectLst/>
-              <a:latin typeface="+mn-lt"/>
-              <a:ea typeface="+mn-ea"/>
-              <a:cs typeface="+mn-cs"/>
-            </a:endParaRPr>
-          </a:p>
-          <a:p>
-            <a:r>
-              <a:rPr lang="en-NZ" sz="1200" b="0" i="0" kern="1200" dirty="0" smtClean="0">
-                <a:solidFill>
-                  <a:schemeClr val="tx1"/>
-                </a:solidFill>
-                <a:effectLst/>
-                <a:latin typeface="+mn-lt"/>
-                <a:ea typeface="+mn-ea"/>
-                <a:cs typeface="+mn-cs"/>
-              </a:rPr>
-              <a:t>Reference : http://channel9.msdn.com/Shows/Going+Deep/Cpp-and-Beyond-2012-Herb-Sutter-atomic-Weapons-1-of-2.</a:t>
-            </a:r>
-          </a:p>
-          <a:p>
-            <a:endParaRPr lang="en-GB" dirty="0"/>
+              <a:rPr lang="en-US" dirty="0" smtClean="0"/>
+              <a:t>- If all processes always request resources in a fixed order, there can be no hold-and-wait cycle.</a:t>
+            </a:r>
+          </a:p>
+          <a:p>
+            <a:pPr marL="171450" indent="-171450">
+              <a:buFontTx/>
+              <a:buChar char="-"/>
+            </a:pPr>
+            <a:r>
+              <a:rPr lang="en-US" dirty="0" smtClean="0"/>
+              <a:t>This is usually not a burdensome restriction. It still allows us to have critical sections that involve more than one resource, and use simple lock and unlock operations on individual resources to implement them.</a:t>
+            </a:r>
           </a:p>
         </p:txBody>
       </p:sp>
@@ -6352,9 +6025,9 @@
           <a:bodyPr/>
           <a:lstStyle/>
           <a:p>
-            <a:fld id="{4B5DE452-D96A-B043-A19B-3F6D5B1BBA3B}" type="slidenum">
+            <a:fld id="{56BE3D67-E84A-6F4F-8E3B-3BC46E162796}" type="slidenum">
               <a:rPr lang="en-US" smtClean="0"/>
-              <a:t>10</a:t>
+              <a:t>15</a:t>
             </a:fld>
             <a:endParaRPr lang="en-US"/>
           </a:p>
@@ -6363,7 +6036,7 @@
     </p:spTree>
     <p:extLst>
       <p:ext uri="{BB962C8B-B14F-4D97-AF65-F5344CB8AC3E}">
-        <p14:creationId xmlns:p14="http://schemas.microsoft.com/office/powerpoint/2010/main" val="2945296580"/>
+        <p14:creationId xmlns:p14="http://schemas.microsoft.com/office/powerpoint/2010/main" val="3137412600"/>
       </p:ext>
     </p:extLst>
   </p:cSld>
@@ -6423,7 +6096,7 @@
             </a:pPr>
             <a:r>
               <a:rPr lang="en-US" dirty="0" smtClean="0"/>
-              <a:t>only one process may use a resource at a time.</a:t>
+              <a:t>If processes always request all resources they will need at once, there can be no hold-and-wait</a:t>
             </a:r>
           </a:p>
           <a:p>
@@ -6433,28 +6106,17 @@
             </a:pPr>
             <a:r>
               <a:rPr lang="en-US" dirty="0" smtClean="0"/>
-              <a:t>A process can continue to hold a resource while requesting another.</a:t>
-            </a:r>
-          </a:p>
-          <a:p>
-            <a:pPr marL="171450" indent="-171450">
-              <a:buFontTx/>
-              <a:buChar char="-"/>
-            </a:pPr>
-            <a:r>
-              <a:rPr lang="en-US" dirty="0" smtClean="0"/>
-              <a:t>A process cannot be forced to give up resources before it chooses to give them up.</a:t>
-            </a:r>
-          </a:p>
-          <a:p>
-            <a:pPr marL="171450" indent="-171450">
-              <a:buFontTx/>
-              <a:buChar char="-"/>
-            </a:pPr>
-            <a:r>
-              <a:rPr lang="en-US" dirty="0" smtClean="0"/>
-              <a:t>There is a cycle of hold-and-wait relationships.</a:t>
-            </a:r>
+              <a:t>This allows critical sections that involve more than one resource, but requires the operating system (or resource manager) to provide a way to atomically request several resources at once. Some batch and real-time operating systems support this, but it is not supported, for example, by the POSIX thread </a:t>
+            </a:r>
+            <a:r>
+              <a:rPr lang="en-US" dirty="0" err="1" smtClean="0"/>
+              <a:t>mutex</a:t>
+            </a:r>
+            <a:r>
+              <a:rPr lang="en-US" dirty="0" smtClean="0"/>
+              <a:t> API.</a:t>
+            </a:r>
+            <a:endParaRPr lang="en-US" dirty="0"/>
           </a:p>
         </p:txBody>
       </p:sp>
@@ -6473,7 +6135,7 @@
           <a:bodyPr/>
           <a:lstStyle/>
           <a:p>
-            <a:fld id="{4B5DE452-D96A-B043-A19B-3F6D5B1BBA3B}" type="slidenum">
+            <a:fld id="{56BE3D67-E84A-6F4F-8E3B-3BC46E162796}" type="slidenum">
               <a:rPr lang="en-US" smtClean="0"/>
               <a:t>16</a:t>
             </a:fld>
@@ -6484,7 +6146,7 @@
     </p:spTree>
     <p:extLst>
       <p:ext uri="{BB962C8B-B14F-4D97-AF65-F5344CB8AC3E}">
-        <p14:creationId xmlns:p14="http://schemas.microsoft.com/office/powerpoint/2010/main" val="438134601"/>
+        <p14:creationId xmlns:p14="http://schemas.microsoft.com/office/powerpoint/2010/main" val="603379510"/>
       </p:ext>
     </p:extLst>
   </p:cSld>
@@ -6538,20 +6200,25 @@
           <a:bodyPr/>
           <a:lstStyle/>
           <a:p>
-            <a:r>
-              <a:rPr lang="en-US" dirty="0" smtClean="0"/>
-              <a:t>- If all processes always request resources in a fixed order, there can be no hold-and-wait cycle.</a:t>
-            </a:r>
-          </a:p>
-          <a:p>
             <a:pPr marL="171450" indent="-171450">
               <a:buFontTx/>
               <a:buChar char="-"/>
             </a:pPr>
             <a:r>
               <a:rPr lang="en-US" dirty="0" smtClean="0"/>
-              <a:t>This is usually not a burdensome restriction. It still allows us to have critical sections that involve more than one resource, and use simple lock and unlock operations on individual resources to implement them.</a:t>
-            </a:r>
+              <a:t>If processes always release one resource before requesting another, there can be no hold-and-wait.</a:t>
+            </a:r>
+          </a:p>
+          <a:p>
+            <a:pPr marL="171450" indent="-171450">
+              <a:buFontTx/>
+              <a:buChar char="-"/>
+            </a:pPr>
+            <a:r>
+              <a:rPr lang="en-US" dirty="0" smtClean="0"/>
+              <a:t>This is a tougher restriction. It rules out critical sections that involve more than one resource.</a:t>
+            </a:r>
+            <a:endParaRPr lang="en-US" dirty="0"/>
           </a:p>
         </p:txBody>
       </p:sp>
@@ -6572,7 +6239,7 @@
           <a:p>
             <a:fld id="{56BE3D67-E84A-6F4F-8E3B-3BC46E162796}" type="slidenum">
               <a:rPr lang="en-US" smtClean="0"/>
-              <a:t>18</a:t>
+              <a:t>17</a:t>
             </a:fld>
             <a:endParaRPr lang="en-US"/>
           </a:p>
@@ -6581,7 +6248,7 @@
     </p:spTree>
     <p:extLst>
       <p:ext uri="{BB962C8B-B14F-4D97-AF65-F5344CB8AC3E}">
-        <p14:creationId xmlns:p14="http://schemas.microsoft.com/office/powerpoint/2010/main" val="3137412600"/>
+        <p14:creationId xmlns:p14="http://schemas.microsoft.com/office/powerpoint/2010/main" val="2688967800"/>
       </p:ext>
     </p:extLst>
   </p:cSld>
@@ -6635,31 +6302,33 @@
           <a:bodyPr/>
           <a:lstStyle/>
           <a:p>
-            <a:pPr marL="171450" indent="-171450">
-              <a:buFontTx/>
-              <a:buChar char="-"/>
-            </a:pPr>
-            <a:r>
-              <a:rPr lang="en-US" dirty="0" smtClean="0"/>
-              <a:t>If processes always request all resources they will need at once, there can be no hold-and-wait</a:t>
-            </a:r>
-          </a:p>
-          <a:p>
-            <a:pPr marL="171450" indent="-171450">
-              <a:buFontTx/>
-              <a:buChar char="-"/>
-            </a:pPr>
-            <a:r>
-              <a:rPr lang="en-US" dirty="0" smtClean="0"/>
-              <a:t>This allows critical sections that involve more than one resource, but requires the operating system (or resource manager) to provide a way to atomically request several resources at once. Some batch and real-time operating systems support this, but it is not supported, for example, by the POSIX thread </a:t>
-            </a:r>
-            <a:r>
-              <a:rPr lang="en-US" dirty="0" err="1" smtClean="0"/>
-              <a:t>mutex</a:t>
-            </a:r>
-            <a:r>
-              <a:rPr lang="en-US" dirty="0" smtClean="0"/>
-              <a:t> API.</a:t>
+            <a:r>
+              <a:rPr lang="en-US" dirty="0" smtClean="0"/>
+              <a:t>if threads try to acquire a lock faster than the rate at which a thread can execute the corresponding critical section, then program performance will suffer as threads will form a "convoy" waiting to acquire the lock.</a:t>
+            </a:r>
+          </a:p>
+          <a:p>
+            <a:r>
+              <a:rPr lang="en-US" dirty="0" smtClean="0"/>
+              <a:t>Threads that all use the same lock become queued to use the lock and end up serializing the processing. A 'convoy' is created.</a:t>
+            </a:r>
+          </a:p>
+          <a:p>
+            <a:r>
+              <a:rPr lang="en-US" dirty="0" smtClean="0"/>
+              <a:t>When a high-priority thread needs to acquire a lock held by a low-priority thread, the scheduler bumps up the priority of the blocking thread until the lock is released.</a:t>
+            </a:r>
+          </a:p>
+          <a:p>
+            <a:r>
+              <a:rPr lang="en-US" dirty="0" smtClean="0"/>
+              <a:t>That is certainly the method of choice to eliminate lock contention if it is workable. For example, consider contention for a counter of events. If each thread can have its own private counter, then no lock is necessary. If the total count is required, the counts can be summed after all threads are done counting.</a:t>
+            </a:r>
+          </a:p>
+          <a:p>
+            <a:r>
+              <a:rPr lang="en-US" dirty="0" smtClean="0"/>
+              <a:t>If the lock on a resource cannot be eliminated, consider partitioning the resource and using a separate lock to protect each partition. The partitioning can spread out contention among the locks.</a:t>
             </a:r>
             <a:endParaRPr lang="en-US" dirty="0"/>
           </a:p>
@@ -6680,7 +6349,7 @@
           <a:bodyPr/>
           <a:lstStyle/>
           <a:p>
-            <a:fld id="{56BE3D67-E84A-6F4F-8E3B-3BC46E162796}" type="slidenum">
+            <a:fld id="{4B5DE452-D96A-B043-A19B-3F6D5B1BBA3B}" type="slidenum">
               <a:rPr lang="en-US" smtClean="0"/>
               <a:t>19</a:t>
             </a:fld>
@@ -6691,7 +6360,7 @@
     </p:spTree>
     <p:extLst>
       <p:ext uri="{BB962C8B-B14F-4D97-AF65-F5344CB8AC3E}">
-        <p14:creationId xmlns:p14="http://schemas.microsoft.com/office/powerpoint/2010/main" val="603379510"/>
+        <p14:creationId xmlns:p14="http://schemas.microsoft.com/office/powerpoint/2010/main" val="2738522525"/>
       </p:ext>
     </p:extLst>
   </p:cSld>
@@ -6745,23 +6414,13 @@
           <a:bodyPr/>
           <a:lstStyle/>
           <a:p>
-            <a:pPr marL="171450" indent="-171450">
-              <a:buFontTx/>
-              <a:buChar char="-"/>
-            </a:pPr>
-            <a:r>
-              <a:rPr lang="en-US" dirty="0" smtClean="0"/>
-              <a:t>If processes always release one resource before requesting another, there can be no hold-and-wait.</a:t>
-            </a:r>
-          </a:p>
-          <a:p>
-            <a:pPr marL="171450" indent="-171450">
-              <a:buFontTx/>
-              <a:buChar char="-"/>
-            </a:pPr>
-            <a:r>
-              <a:rPr lang="en-US" dirty="0" smtClean="0"/>
-              <a:t>This is a tougher restriction. It rules out critical sections that involve more than one resource.</a:t>
+            <a:r>
+              <a:rPr lang="en-US" dirty="0" smtClean="0"/>
+              <a:t>90% is</a:t>
+            </a:r>
+            <a:r>
+              <a:rPr lang="en-US" baseline="0" dirty="0" smtClean="0"/>
+              <a:t> a dummy value</a:t>
             </a:r>
             <a:endParaRPr lang="en-US" dirty="0"/>
           </a:p>
@@ -6782,9 +6441,9 @@
           <a:bodyPr/>
           <a:lstStyle/>
           <a:p>
-            <a:fld id="{56BE3D67-E84A-6F4F-8E3B-3BC46E162796}" type="slidenum">
+            <a:fld id="{4B5DE452-D96A-B043-A19B-3F6D5B1BBA3B}" type="slidenum">
               <a:rPr lang="en-US" smtClean="0"/>
-              <a:t>20</a:t>
+              <a:t>21</a:t>
             </a:fld>
             <a:endParaRPr lang="en-US"/>
           </a:p>
@@ -6793,7 +6452,7 @@
     </p:spTree>
     <p:extLst>
       <p:ext uri="{BB962C8B-B14F-4D97-AF65-F5344CB8AC3E}">
-        <p14:creationId xmlns:p14="http://schemas.microsoft.com/office/powerpoint/2010/main" val="2688967800"/>
+        <p14:creationId xmlns:p14="http://schemas.microsoft.com/office/powerpoint/2010/main" val="807505352"/>
       </p:ext>
     </p:extLst>
   </p:cSld>
@@ -10354,6 +10013,14 @@
           <a:bodyPr/>
           <a:lstStyle/>
           <a:p>
+            <a:r>
+              <a:rPr lang="en-US" dirty="0" smtClean="0"/>
+              <a:t>Team: Victor, Nancy, </a:t>
+            </a:r>
+            <a:r>
+              <a:rPr lang="en-US" dirty="0" err="1" smtClean="0"/>
+              <a:t>Aravind</a:t>
+            </a:r>
             <a:endParaRPr lang="en-US" dirty="0"/>
           </a:p>
         </p:txBody>
@@ -10397,6 +10064,29 @@
       </p:grpSpPr>
       <p:sp>
         <p:nvSpPr>
+          <p:cNvPr id="2" name="Subtitle 1"/>
+          <p:cNvSpPr>
+            <a:spLocks noGrp="1"/>
+          </p:cNvSpPr>
+          <p:nvPr>
+            <p:ph type="subTitle" idx="1"/>
+          </p:nvPr>
+        </p:nvSpPr>
+        <p:spPr/>
+        <p:txBody>
+          <a:bodyPr/>
+          <a:lstStyle/>
+          <a:p>
+            <a:r>
+              <a:rPr lang="en-US" dirty="0" smtClean="0"/>
+              <a:t>DEMO</a:t>
+            </a:r>
+            <a:endParaRPr lang="en-US" dirty="0"/>
+          </a:p>
+        </p:txBody>
+      </p:sp>
+      <p:sp>
+        <p:nvSpPr>
           <p:cNvPr id="3" name="Title 2"/>
           <p:cNvSpPr>
             <a:spLocks noGrp="1"/>
@@ -10411,142 +10101,23 @@
           <a:lstStyle/>
           <a:p>
             <a:r>
-              <a:rPr lang="en-NZ" dirty="0" smtClean="0"/>
-              <a:t>Why is it a Pitfall?</a:t>
-            </a:r>
-            <a:endParaRPr lang="en-GB" dirty="0"/>
-          </a:p>
-        </p:txBody>
-      </p:sp>
-      <p:sp>
-        <p:nvSpPr>
-          <p:cNvPr id="5" name="TextBox 4"/>
-          <p:cNvSpPr txBox="1"/>
-          <p:nvPr/>
-        </p:nvSpPr>
-        <p:spPr>
-          <a:xfrm>
-            <a:off x="457200" y="1422286"/>
-            <a:ext cx="6826469" cy="923330"/>
-          </a:xfrm>
-          <a:prstGeom prst="rect">
-            <a:avLst/>
-          </a:prstGeom>
-          <a:noFill/>
-        </p:spPr>
-        <p:txBody>
-          <a:bodyPr wrap="square" rtlCol="0">
-            <a:spAutoFit/>
-          </a:bodyPr>
-          <a:lstStyle/>
-          <a:p>
-            <a:r>
-              <a:rPr lang="en-US" dirty="0" smtClean="0"/>
-              <a:t>It </a:t>
-            </a:r>
-            <a:r>
-              <a:rPr lang="en-US" dirty="0"/>
-              <a:t>is </a:t>
-            </a:r>
-            <a:r>
-              <a:rPr lang="en-US" dirty="0" smtClean="0"/>
-              <a:t>non deterministic : </a:t>
-            </a:r>
-            <a:r>
-              <a:rPr lang="en-GB" dirty="0"/>
-              <a:t>can exhibit different behaviours on different </a:t>
-            </a:r>
-            <a:r>
-              <a:rPr lang="en-GB" dirty="0" smtClean="0"/>
-              <a:t>runs</a:t>
-            </a:r>
-            <a:endParaRPr lang="en-US" dirty="0" smtClean="0"/>
-          </a:p>
-          <a:p>
+              <a:rPr lang="en-US" dirty="0" smtClean="0"/>
+              <a:t>Race condition</a:t>
+            </a:r>
             <a:endParaRPr lang="en-US" dirty="0"/>
-          </a:p>
-          <a:p>
-            <a:r>
-              <a:rPr lang="en-US" dirty="0" smtClean="0"/>
-              <a:t>Why is it </a:t>
-            </a:r>
-            <a:r>
-              <a:rPr lang="en-US" dirty="0"/>
-              <a:t>non deterministic</a:t>
-            </a:r>
-            <a:r>
-              <a:rPr lang="en-US" dirty="0" smtClean="0"/>
-              <a:t>??</a:t>
-            </a:r>
-            <a:endParaRPr lang="en-US" dirty="0"/>
-          </a:p>
-        </p:txBody>
-      </p:sp>
-      <p:graphicFrame>
-        <p:nvGraphicFramePr>
-          <p:cNvPr id="8" name="Diagram 7"/>
-          <p:cNvGraphicFramePr/>
-          <p:nvPr>
-            <p:extLst/>
-          </p:nvPr>
-        </p:nvGraphicFramePr>
-        <p:xfrm>
-          <a:off x="2364828" y="2646600"/>
-          <a:ext cx="3752192" cy="2380593"/>
-        </p:xfrm>
-        <a:graphic>
-          <a:graphicData uri="http://schemas.openxmlformats.org/drawingml/2006/diagram">
-            <dgm:relIds xmlns:dgm="http://schemas.openxmlformats.org/drawingml/2006/diagram" xmlns:r="http://schemas.openxmlformats.org/officeDocument/2006/relationships" r:dm="rId3" r:lo="rId4" r:qs="rId5" r:cs="rId6"/>
-          </a:graphicData>
-        </a:graphic>
-      </p:graphicFrame>
-      <p:sp>
-        <p:nvSpPr>
-          <p:cNvPr id="9" name="Rectangle 8"/>
-          <p:cNvSpPr/>
-          <p:nvPr/>
-        </p:nvSpPr>
-        <p:spPr>
-          <a:xfrm>
-            <a:off x="457200" y="5839995"/>
-            <a:ext cx="8355724" cy="230832"/>
-          </a:xfrm>
-          <a:prstGeom prst="rect">
-            <a:avLst/>
-          </a:prstGeom>
-        </p:spPr>
-        <p:txBody>
-          <a:bodyPr wrap="square">
-            <a:spAutoFit/>
-          </a:bodyPr>
-          <a:lstStyle/>
-          <a:p>
-            <a:r>
-              <a:rPr lang="en-NZ" sz="900" dirty="0"/>
-              <a:t>Reference : http://channel9.msdn.com/Shows/Going+Deep/Cpp-and-Beyond-2012-Herb-Sutter-atomic-Weapons-1-of-2</a:t>
-            </a:r>
-            <a:endParaRPr lang="en-GB" sz="900" dirty="0"/>
           </a:p>
         </p:txBody>
       </p:sp>
     </p:spTree>
     <p:extLst>
       <p:ext uri="{BB962C8B-B14F-4D97-AF65-F5344CB8AC3E}">
-        <p14:creationId xmlns:p14="http://schemas.microsoft.com/office/powerpoint/2010/main" val="4152145040"/>
+        <p14:creationId xmlns:p14="http://schemas.microsoft.com/office/powerpoint/2010/main" val="1867888117"/>
       </p:ext>
     </p:extLst>
   </p:cSld>
   <p:clrMapOvr>
     <a:masterClrMapping/>
   </p:clrMapOvr>
-  <mc:AlternateContent xmlns:mc="http://schemas.openxmlformats.org/markup-compatibility/2006" xmlns:p14="http://schemas.microsoft.com/office/powerpoint/2010/main">
-    <mc:Choice Requires="p14">
-      <p:transition p14:dur="0"/>
-    </mc:Choice>
-    <mc:Fallback xmlns="">
-      <p:transition/>
-    </mc:Fallback>
-  </mc:AlternateContent>
   <p:timing>
     <p:tnLst>
       <p:par>
@@ -10576,6 +10147,114 @@
       </p:grpSpPr>
       <p:sp>
         <p:nvSpPr>
+          <p:cNvPr id="2" name="Content Placeholder 1"/>
+          <p:cNvSpPr>
+            <a:spLocks noGrp="1"/>
+          </p:cNvSpPr>
+          <p:nvPr>
+            <p:ph sz="quarter" idx="13"/>
+          </p:nvPr>
+        </p:nvSpPr>
+        <p:spPr/>
+        <p:txBody>
+          <a:bodyPr>
+            <a:normAutofit/>
+          </a:bodyPr>
+          <a:lstStyle/>
+          <a:p>
+            <a:pPr marL="342900" indent="-342900" algn="l">
+              <a:buFont typeface="Arial"/>
+              <a:buChar char="•"/>
+            </a:pPr>
+            <a:r>
+              <a:rPr lang="en-US" dirty="0" smtClean="0"/>
+              <a:t>IBM researcher [6] explains that, Mutual Exclusion is:</a:t>
+            </a:r>
+          </a:p>
+          <a:p>
+            <a:pPr marL="628650" lvl="1" indent="-342900"/>
+            <a:r>
+              <a:rPr lang="en-US" dirty="0" smtClean="0"/>
+              <a:t>Used to avoid simultaneously accessed to shared data</a:t>
+            </a:r>
+          </a:p>
+          <a:p>
+            <a:pPr marL="628650" lvl="1" indent="-342900"/>
+            <a:r>
+              <a:rPr lang="en-US" dirty="0" smtClean="0"/>
+              <a:t>A way to solve </a:t>
+            </a:r>
+            <a:r>
+              <a:rPr lang="en-US" dirty="0"/>
+              <a:t>Race </a:t>
+            </a:r>
+            <a:r>
+              <a:rPr lang="en-US" dirty="0" smtClean="0"/>
+              <a:t>Condition</a:t>
+            </a:r>
+          </a:p>
+          <a:p>
+            <a:pPr marL="628650" lvl="1" indent="-342900"/>
+            <a:r>
+              <a:rPr lang="en-US" dirty="0" err="1" smtClean="0"/>
+              <a:t>a.k.a</a:t>
+            </a:r>
+            <a:r>
+              <a:rPr lang="en-US" dirty="0" smtClean="0"/>
+              <a:t> Critical Section, Monitor</a:t>
+            </a:r>
+          </a:p>
+          <a:p>
+            <a:pPr marL="342900" indent="-342900">
+              <a:buFont typeface="Arial"/>
+              <a:buChar char="•"/>
+            </a:pPr>
+            <a:endParaRPr lang="en-US" dirty="0" smtClean="0"/>
+          </a:p>
+          <a:p>
+            <a:pPr marL="342900" indent="-342900">
+              <a:buFont typeface="Arial"/>
+              <a:buChar char="•"/>
+            </a:pPr>
+            <a:r>
+              <a:rPr lang="en-US" dirty="0" smtClean="0"/>
+              <a:t>But, it can lead to other problems:</a:t>
+            </a:r>
+          </a:p>
+          <a:p>
+            <a:pPr marL="628650" lvl="1" indent="-342900"/>
+            <a:r>
+              <a:rPr lang="en-US" dirty="0" smtClean="0"/>
+              <a:t>Deadlock</a:t>
+            </a:r>
+          </a:p>
+          <a:p>
+            <a:pPr marL="628650" lvl="1" indent="-342900"/>
+            <a:r>
+              <a:rPr lang="en-US" dirty="0" smtClean="0"/>
+              <a:t>Starvation</a:t>
+            </a:r>
+          </a:p>
+          <a:p>
+            <a:pPr marL="628650" lvl="1" indent="-342900"/>
+            <a:r>
+              <a:rPr lang="en-US" dirty="0" smtClean="0"/>
+              <a:t>Lock </a:t>
+            </a:r>
+            <a:r>
+              <a:rPr lang="en-US" dirty="0" err="1" smtClean="0"/>
+              <a:t>contendency</a:t>
+            </a:r>
+            <a:endParaRPr lang="en-US" dirty="0" smtClean="0"/>
+          </a:p>
+          <a:p>
+            <a:pPr algn="l"/>
+            <a:endParaRPr lang="en-US" dirty="0"/>
+          </a:p>
+        </p:txBody>
+      </p:sp>
+      <p:sp>
+        <p:nvSpPr>
           <p:cNvPr id="3" name="Title 2"/>
           <p:cNvSpPr>
             <a:spLocks noGrp="1"/>
@@ -10590,68 +10269,23 @@
           <a:lstStyle/>
           <a:p>
             <a:r>
-              <a:rPr lang="en-NZ" dirty="0" smtClean="0"/>
-              <a:t>Examples </a:t>
-            </a:r>
-            <a:endParaRPr lang="en-GB" dirty="0"/>
-          </a:p>
-        </p:txBody>
-      </p:sp>
-      <p:sp>
-        <p:nvSpPr>
-          <p:cNvPr id="4" name="TextBox 3"/>
-          <p:cNvSpPr txBox="1"/>
-          <p:nvPr/>
-        </p:nvSpPr>
-        <p:spPr>
-          <a:xfrm>
-            <a:off x="2112579" y="1876097"/>
-            <a:ext cx="5108028" cy="369332"/>
-          </a:xfrm>
-          <a:prstGeom prst="rect">
-            <a:avLst/>
-          </a:prstGeom>
-          <a:noFill/>
-        </p:spPr>
-        <p:txBody>
-          <a:bodyPr wrap="square" rtlCol="0">
-            <a:spAutoFit/>
-          </a:bodyPr>
-          <a:lstStyle/>
-          <a:p>
-            <a:r>
-              <a:rPr lang="en-NZ" dirty="0" smtClean="0"/>
-              <a:t>To be </a:t>
-            </a:r>
-            <a:r>
-              <a:rPr lang="en-NZ" dirty="0" err="1" smtClean="0"/>
-              <a:t>updaded</a:t>
-            </a:r>
-            <a:r>
-              <a:rPr lang="en-NZ" dirty="0" smtClean="0"/>
-              <a:t> if necessary</a:t>
-            </a:r>
-            <a:endParaRPr lang="en-GB" dirty="0"/>
+              <a:rPr lang="en-US" dirty="0" smtClean="0"/>
+              <a:t>Mutual exclusion</a:t>
+            </a:r>
+            <a:endParaRPr lang="en-US" dirty="0"/>
           </a:p>
         </p:txBody>
       </p:sp>
     </p:spTree>
     <p:extLst>
       <p:ext uri="{BB962C8B-B14F-4D97-AF65-F5344CB8AC3E}">
-        <p14:creationId xmlns:p14="http://schemas.microsoft.com/office/powerpoint/2010/main" val="3318955375"/>
+        <p14:creationId xmlns:p14="http://schemas.microsoft.com/office/powerpoint/2010/main" val="3701139686"/>
       </p:ext>
     </p:extLst>
   </p:cSld>
   <p:clrMapOvr>
     <a:masterClrMapping/>
   </p:clrMapOvr>
-  <p:timing>
-    <p:tnLst>
-      <p:par>
-        <p:cTn xmlns:p14="http://schemas.microsoft.com/office/powerpoint/2010/main" id="1" dur="indefinite" restart="never" nodeType="tmRoot"/>
-      </p:par>
-    </p:tnLst>
-  </p:timing>
 </p:sld>
 </file>
 
@@ -10712,7 +10346,7 @@
           <a:p>
             <a:r>
               <a:rPr lang="en-US" dirty="0" smtClean="0"/>
-              <a:t>Race condition</a:t>
+              <a:t>MUTUAL EXCUSION</a:t>
             </a:r>
             <a:endParaRPr lang="en-US" dirty="0"/>
           </a:p>
@@ -10721,20 +10355,13 @@
     </p:spTree>
     <p:extLst>
       <p:ext uri="{BB962C8B-B14F-4D97-AF65-F5344CB8AC3E}">
-        <p14:creationId xmlns:p14="http://schemas.microsoft.com/office/powerpoint/2010/main" val="1867888117"/>
+        <p14:creationId xmlns:p14="http://schemas.microsoft.com/office/powerpoint/2010/main" val="81362325"/>
       </p:ext>
     </p:extLst>
   </p:cSld>
   <p:clrMapOvr>
     <a:masterClrMapping/>
   </p:clrMapOvr>
-  <p:timing>
-    <p:tnLst>
-      <p:par>
-        <p:cTn xmlns:p14="http://schemas.microsoft.com/office/powerpoint/2010/main" id="1" dur="indefinite" restart="never" nodeType="tmRoot"/>
-      </p:par>
-    </p:tnLst>
-  </p:timing>
 </p:sld>
 </file>
 
@@ -10757,6 +10384,116 @@
       </p:grpSpPr>
       <p:sp>
         <p:nvSpPr>
+          <p:cNvPr id="2" name="Content Placeholder 1"/>
+          <p:cNvSpPr>
+            <a:spLocks noGrp="1"/>
+          </p:cNvSpPr>
+          <p:nvPr>
+            <p:ph sz="quarter" idx="13"/>
+          </p:nvPr>
+        </p:nvSpPr>
+        <p:spPr/>
+        <p:txBody>
+          <a:bodyPr>
+            <a:normAutofit fontScale="92500"/>
+          </a:bodyPr>
+          <a:lstStyle/>
+          <a:p>
+            <a:pPr marL="342900" indent="-342900">
+              <a:buFont typeface="Arial"/>
+              <a:buChar char="•"/>
+            </a:pPr>
+            <a:r>
+              <a:rPr lang="en-US" dirty="0"/>
+              <a:t>Permanent blocking of set of processes that either compete for system resources or communicate with each other.</a:t>
+            </a:r>
+          </a:p>
+          <a:p>
+            <a:pPr marL="342900" indent="-342900">
+              <a:buFont typeface="Arial"/>
+              <a:buChar char="•"/>
+            </a:pPr>
+            <a:endParaRPr lang="en-US" dirty="0"/>
+          </a:p>
+          <a:p>
+            <a:pPr marL="342900" indent="-342900">
+              <a:buFont typeface="Arial"/>
+              <a:buChar char="•"/>
+            </a:pPr>
+            <a:r>
+              <a:rPr lang="en-US" dirty="0"/>
+              <a:t>The 4 Necessary Conditions for </a:t>
+            </a:r>
+            <a:r>
+              <a:rPr lang="en-US" dirty="0" smtClean="0"/>
+              <a:t>Deadlock</a:t>
+            </a:r>
+            <a:endParaRPr lang="en-US" dirty="0"/>
+          </a:p>
+          <a:p>
+            <a:pPr marL="628650" lvl="1" indent="-342900"/>
+            <a:r>
+              <a:rPr lang="en-US" dirty="0"/>
+              <a:t>Exclusive access (mutual exclusion</a:t>
+            </a:r>
+            <a:r>
+              <a:rPr lang="en-US" dirty="0" smtClean="0"/>
+              <a:t>)</a:t>
+            </a:r>
+            <a:endParaRPr lang="en-US" dirty="0"/>
+          </a:p>
+          <a:p>
+            <a:pPr marL="628650" lvl="1" indent="-342900"/>
+            <a:r>
+              <a:rPr lang="en-US" dirty="0"/>
+              <a:t>Wait while holding (hold-and-wait</a:t>
+            </a:r>
+            <a:r>
+              <a:rPr lang="en-US" dirty="0" smtClean="0"/>
+              <a:t>)</a:t>
+            </a:r>
+            <a:endParaRPr lang="en-US" dirty="0"/>
+          </a:p>
+          <a:p>
+            <a:pPr marL="628650" lvl="1" indent="-342900"/>
+            <a:r>
+              <a:rPr lang="en-US" dirty="0"/>
+              <a:t>No </a:t>
+            </a:r>
+            <a:r>
+              <a:rPr lang="en-US" dirty="0" smtClean="0"/>
+              <a:t>preemption</a:t>
+            </a:r>
+            <a:endParaRPr lang="en-US" dirty="0"/>
+          </a:p>
+          <a:p>
+            <a:pPr marL="628650" lvl="1" indent="-342900"/>
+            <a:r>
+              <a:rPr lang="en-US" dirty="0"/>
+              <a:t>Circular wait</a:t>
+            </a:r>
+          </a:p>
+          <a:p>
+            <a:pPr marL="342900" indent="-342900">
+              <a:buFont typeface="Arial"/>
+              <a:buChar char="•"/>
+            </a:pPr>
+            <a:endParaRPr lang="en-US" dirty="0"/>
+          </a:p>
+          <a:p>
+            <a:pPr marL="342900" indent="-342900">
+              <a:buFont typeface="Arial"/>
+              <a:buChar char="•"/>
+            </a:pPr>
+            <a:r>
+              <a:rPr lang="en-US" dirty="0"/>
+              <a:t>All of the four conditions are necessary for deadlock to occur. Hence, by preventing any one of them we prevent deadlock.</a:t>
+            </a:r>
+          </a:p>
+        </p:txBody>
+      </p:sp>
+      <p:sp>
+        <p:nvSpPr>
           <p:cNvPr id="3" name="Title 2"/>
           <p:cNvSpPr>
             <a:spLocks noGrp="1"/>
@@ -10771,64 +10508,23 @@
           <a:lstStyle/>
           <a:p>
             <a:r>
-              <a:rPr lang="en-NZ" dirty="0" smtClean="0"/>
-              <a:t>Solutions</a:t>
-            </a:r>
-            <a:endParaRPr lang="en-GB" dirty="0"/>
-          </a:p>
-        </p:txBody>
-      </p:sp>
-      <p:sp>
-        <p:nvSpPr>
-          <p:cNvPr id="5" name="Content Placeholder 4"/>
-          <p:cNvSpPr>
-            <a:spLocks noGrp="1"/>
-          </p:cNvSpPr>
-          <p:nvPr>
-            <p:ph sz="quarter" idx="13"/>
-          </p:nvPr>
-        </p:nvSpPr>
-        <p:spPr/>
-        <p:txBody>
-          <a:bodyPr/>
-          <a:lstStyle/>
-          <a:p>
-            <a:r>
-              <a:rPr lang="en-NZ" dirty="0" smtClean="0"/>
-              <a:t>To be added on later if necessary!!!</a:t>
-            </a:r>
-          </a:p>
-          <a:p>
-            <a:endParaRPr lang="en-NZ" dirty="0"/>
-          </a:p>
-          <a:p>
-            <a:r>
-              <a:rPr lang="en-NZ" dirty="0" smtClean="0"/>
-              <a:t>Mutual Exclusion, Atomics : Anything that can tell the computer not to re-order the required part of the code</a:t>
-            </a:r>
-          </a:p>
-          <a:p>
-            <a:endParaRPr lang="en-GB" dirty="0"/>
+              <a:rPr lang="en-US" dirty="0" smtClean="0"/>
+              <a:t>deadlock</a:t>
+            </a:r>
+            <a:endParaRPr lang="en-US" dirty="0"/>
           </a:p>
         </p:txBody>
       </p:sp>
     </p:spTree>
     <p:extLst>
       <p:ext uri="{BB962C8B-B14F-4D97-AF65-F5344CB8AC3E}">
-        <p14:creationId xmlns:p14="http://schemas.microsoft.com/office/powerpoint/2010/main" val="3189280369"/>
+        <p14:creationId xmlns:p14="http://schemas.microsoft.com/office/powerpoint/2010/main" val="4224616402"/>
       </p:ext>
     </p:extLst>
   </p:cSld>
   <p:clrMapOvr>
     <a:masterClrMapping/>
   </p:clrMapOvr>
-  <p:timing>
-    <p:tnLst>
-      <p:par>
-        <p:cTn xmlns:p14="http://schemas.microsoft.com/office/powerpoint/2010/main" id="1" dur="indefinite" restart="never" nodeType="tmRoot"/>
-      </p:par>
-    </p:tnLst>
-  </p:timing>
 </p:sld>
 </file>
 
@@ -10851,455 +10547,6 @@
       </p:grpSpPr>
       <p:sp>
         <p:nvSpPr>
-          <p:cNvPr id="2" name="Content Placeholder 1"/>
-          <p:cNvSpPr>
-            <a:spLocks noGrp="1"/>
-          </p:cNvSpPr>
-          <p:nvPr>
-            <p:ph sz="quarter" idx="13"/>
-          </p:nvPr>
-        </p:nvSpPr>
-        <p:spPr/>
-        <p:txBody>
-          <a:bodyPr>
-            <a:normAutofit/>
-          </a:bodyPr>
-          <a:lstStyle/>
-          <a:p>
-            <a:pPr marL="342900" indent="-342900" algn="l">
-              <a:buFont typeface="Arial"/>
-              <a:buChar char="•"/>
-            </a:pPr>
-            <a:r>
-              <a:rPr lang="en-US" dirty="0" smtClean="0"/>
-              <a:t>IBM researcher [6] explains that, Mutual Exclusion is:</a:t>
-            </a:r>
-          </a:p>
-          <a:p>
-            <a:pPr marL="628650" lvl="1" indent="-342900"/>
-            <a:r>
-              <a:rPr lang="en-US" dirty="0" smtClean="0"/>
-              <a:t>Used to avoid simultaneously accessed to shared data</a:t>
-            </a:r>
-          </a:p>
-          <a:p>
-            <a:pPr marL="628650" lvl="1" indent="-342900"/>
-            <a:r>
-              <a:rPr lang="en-US" dirty="0" smtClean="0"/>
-              <a:t>A way to solve </a:t>
-            </a:r>
-            <a:r>
-              <a:rPr lang="en-US" dirty="0"/>
-              <a:t>Race </a:t>
-            </a:r>
-            <a:r>
-              <a:rPr lang="en-US" dirty="0" smtClean="0"/>
-              <a:t>Condition</a:t>
-            </a:r>
-          </a:p>
-          <a:p>
-            <a:pPr marL="628650" lvl="1" indent="-342900"/>
-            <a:r>
-              <a:rPr lang="en-US" dirty="0" err="1" smtClean="0"/>
-              <a:t>a.k.a</a:t>
-            </a:r>
-            <a:r>
-              <a:rPr lang="en-US" dirty="0" smtClean="0"/>
-              <a:t> Critical Section, Monitor</a:t>
-            </a:r>
-          </a:p>
-          <a:p>
-            <a:pPr marL="342900" indent="-342900">
-              <a:buFont typeface="Arial"/>
-              <a:buChar char="•"/>
-            </a:pPr>
-            <a:endParaRPr lang="en-US" dirty="0" smtClean="0"/>
-          </a:p>
-          <a:p>
-            <a:pPr marL="342900" indent="-342900">
-              <a:buFont typeface="Arial"/>
-              <a:buChar char="•"/>
-            </a:pPr>
-            <a:r>
-              <a:rPr lang="en-US" dirty="0" smtClean="0"/>
-              <a:t>But, it can lead to other problems:</a:t>
-            </a:r>
-          </a:p>
-          <a:p>
-            <a:pPr marL="628650" lvl="1" indent="-342900"/>
-            <a:r>
-              <a:rPr lang="en-US" dirty="0" smtClean="0"/>
-              <a:t>Deadlock</a:t>
-            </a:r>
-          </a:p>
-          <a:p>
-            <a:pPr marL="628650" lvl="1" indent="-342900"/>
-            <a:r>
-              <a:rPr lang="en-US" dirty="0" smtClean="0"/>
-              <a:t>Starvation</a:t>
-            </a:r>
-          </a:p>
-          <a:p>
-            <a:pPr marL="628650" lvl="1" indent="-342900"/>
-            <a:r>
-              <a:rPr lang="en-US" dirty="0" smtClean="0"/>
-              <a:t>Lock </a:t>
-            </a:r>
-            <a:r>
-              <a:rPr lang="en-US" dirty="0" err="1" smtClean="0"/>
-              <a:t>contendency</a:t>
-            </a:r>
-            <a:endParaRPr lang="en-US" dirty="0" smtClean="0"/>
-          </a:p>
-          <a:p>
-            <a:pPr algn="l"/>
-            <a:endParaRPr lang="en-US" dirty="0"/>
-          </a:p>
-        </p:txBody>
-      </p:sp>
-      <p:sp>
-        <p:nvSpPr>
-          <p:cNvPr id="3" name="Title 2"/>
-          <p:cNvSpPr>
-            <a:spLocks noGrp="1"/>
-          </p:cNvSpPr>
-          <p:nvPr>
-            <p:ph type="title"/>
-          </p:nvPr>
-        </p:nvSpPr>
-        <p:spPr/>
-        <p:txBody>
-          <a:bodyPr/>
-          <a:lstStyle/>
-          <a:p>
-            <a:r>
-              <a:rPr lang="en-US" dirty="0" smtClean="0"/>
-              <a:t>Mutual exclusion</a:t>
-            </a:r>
-            <a:endParaRPr lang="en-US" dirty="0"/>
-          </a:p>
-        </p:txBody>
-      </p:sp>
-    </p:spTree>
-    <p:extLst>
-      <p:ext uri="{BB962C8B-B14F-4D97-AF65-F5344CB8AC3E}">
-        <p14:creationId xmlns:p14="http://schemas.microsoft.com/office/powerpoint/2010/main" val="3701139686"/>
-      </p:ext>
-    </p:extLst>
-  </p:cSld>
-  <p:clrMapOvr>
-    <a:masterClrMapping/>
-  </p:clrMapOvr>
-</p:sld>
-</file>
-
-<file path=ppt/slides/slide15.xml><?xml version="1.0" encoding="utf-8"?>
-<p:sld xmlns:a="http://schemas.openxmlformats.org/drawingml/2006/main" xmlns:r="http://schemas.openxmlformats.org/officeDocument/2006/relationships" xmlns:p="http://schemas.openxmlformats.org/presentationml/2006/main">
-  <p:cSld>
-    <p:spTree>
-      <p:nvGrpSpPr>
-        <p:cNvPr id="1" name=""/>
-        <p:cNvGrpSpPr/>
-        <p:nvPr/>
-      </p:nvGrpSpPr>
-      <p:grpSpPr>
-        <a:xfrm>
-          <a:off x="0" y="0"/>
-          <a:ext cx="0" cy="0"/>
-          <a:chOff x="0" y="0"/>
-          <a:chExt cx="0" cy="0"/>
-        </a:xfrm>
-      </p:grpSpPr>
-      <p:sp>
-        <p:nvSpPr>
-          <p:cNvPr id="2" name="Subtitle 1"/>
-          <p:cNvSpPr>
-            <a:spLocks noGrp="1"/>
-          </p:cNvSpPr>
-          <p:nvPr>
-            <p:ph type="subTitle" idx="1"/>
-          </p:nvPr>
-        </p:nvSpPr>
-        <p:spPr/>
-        <p:txBody>
-          <a:bodyPr/>
-          <a:lstStyle/>
-          <a:p>
-            <a:r>
-              <a:rPr lang="en-US" dirty="0" smtClean="0"/>
-              <a:t>DEMO</a:t>
-            </a:r>
-            <a:endParaRPr lang="en-US" dirty="0"/>
-          </a:p>
-        </p:txBody>
-      </p:sp>
-      <p:sp>
-        <p:nvSpPr>
-          <p:cNvPr id="3" name="Title 2"/>
-          <p:cNvSpPr>
-            <a:spLocks noGrp="1"/>
-          </p:cNvSpPr>
-          <p:nvPr>
-            <p:ph type="title"/>
-          </p:nvPr>
-        </p:nvSpPr>
-        <p:spPr/>
-        <p:txBody>
-          <a:bodyPr/>
-          <a:lstStyle/>
-          <a:p>
-            <a:r>
-              <a:rPr lang="en-US" dirty="0" smtClean="0"/>
-              <a:t>MUTUAL EXCUSION</a:t>
-            </a:r>
-            <a:endParaRPr lang="en-US" dirty="0"/>
-          </a:p>
-        </p:txBody>
-      </p:sp>
-    </p:spTree>
-    <p:extLst>
-      <p:ext uri="{BB962C8B-B14F-4D97-AF65-F5344CB8AC3E}">
-        <p14:creationId xmlns:p14="http://schemas.microsoft.com/office/powerpoint/2010/main" val="81362325"/>
-      </p:ext>
-    </p:extLst>
-  </p:cSld>
-  <p:clrMapOvr>
-    <a:masterClrMapping/>
-  </p:clrMapOvr>
-</p:sld>
-</file>
-
-<file path=ppt/slides/slide16.xml><?xml version="1.0" encoding="utf-8"?>
-<p:sld xmlns:a="http://schemas.openxmlformats.org/drawingml/2006/main" xmlns:r="http://schemas.openxmlformats.org/officeDocument/2006/relationships" xmlns:p="http://schemas.openxmlformats.org/presentationml/2006/main">
-  <p:cSld>
-    <p:spTree>
-      <p:nvGrpSpPr>
-        <p:cNvPr id="1" name=""/>
-        <p:cNvGrpSpPr/>
-        <p:nvPr/>
-      </p:nvGrpSpPr>
-      <p:grpSpPr>
-        <a:xfrm>
-          <a:off x="0" y="0"/>
-          <a:ext cx="0" cy="0"/>
-          <a:chOff x="0" y="0"/>
-          <a:chExt cx="0" cy="0"/>
-        </a:xfrm>
-      </p:grpSpPr>
-      <p:sp>
-        <p:nvSpPr>
-          <p:cNvPr id="2" name="Content Placeholder 1"/>
-          <p:cNvSpPr>
-            <a:spLocks noGrp="1"/>
-          </p:cNvSpPr>
-          <p:nvPr>
-            <p:ph sz="quarter" idx="13"/>
-          </p:nvPr>
-        </p:nvSpPr>
-        <p:spPr/>
-        <p:txBody>
-          <a:bodyPr>
-            <a:normAutofit fontScale="77500" lnSpcReduction="20000"/>
-          </a:bodyPr>
-          <a:lstStyle/>
-          <a:p>
-            <a:r>
-              <a:rPr lang="en-US" dirty="0">
-                <a:latin typeface="Comic Sans MS"/>
-                <a:cs typeface="Comic Sans MS"/>
-              </a:rPr>
-              <a:t>Permanent blocking of set of processes that either compete for system resources or communicate with each other.</a:t>
-            </a:r>
-          </a:p>
-          <a:p>
-            <a:endParaRPr lang="en-US" dirty="0" smtClean="0">
-              <a:latin typeface="Comic Sans MS"/>
-              <a:cs typeface="Comic Sans MS"/>
-            </a:endParaRPr>
-          </a:p>
-          <a:p>
-            <a:r>
-              <a:rPr lang="en-US" dirty="0" smtClean="0">
-                <a:latin typeface="Comic Sans MS"/>
-                <a:cs typeface="Comic Sans MS"/>
-              </a:rPr>
-              <a:t>The </a:t>
-            </a:r>
-            <a:r>
-              <a:rPr lang="en-US" dirty="0">
-                <a:latin typeface="Comic Sans MS"/>
-                <a:cs typeface="Comic Sans MS"/>
-              </a:rPr>
-              <a:t>4 Necessary Conditions for Deadlock</a:t>
-            </a:r>
-          </a:p>
-          <a:p>
-            <a:endParaRPr lang="en-US" dirty="0">
-              <a:latin typeface="Comic Sans MS"/>
-              <a:cs typeface="Comic Sans MS"/>
-            </a:endParaRPr>
-          </a:p>
-          <a:p>
-            <a:pPr marL="342900" indent="-342900">
-              <a:buFont typeface="Arial"/>
-              <a:buChar char="•"/>
-            </a:pPr>
-            <a:r>
-              <a:rPr lang="en-US" dirty="0">
-                <a:latin typeface="Comic Sans MS"/>
-                <a:cs typeface="Comic Sans MS"/>
-              </a:rPr>
-              <a:t>Exclusive access (mutual exclusion)</a:t>
-            </a:r>
-          </a:p>
-          <a:p>
-            <a:r>
-              <a:rPr lang="en-US" dirty="0">
-                <a:latin typeface="Comic Sans MS"/>
-                <a:cs typeface="Comic Sans MS"/>
-              </a:rPr>
-              <a:t>	</a:t>
-            </a:r>
-          </a:p>
-          <a:p>
-            <a:pPr marL="342900" indent="-342900">
-              <a:buFont typeface="Arial"/>
-              <a:buChar char="•"/>
-            </a:pPr>
-            <a:r>
-              <a:rPr lang="en-US" dirty="0">
-                <a:latin typeface="Comic Sans MS"/>
-                <a:cs typeface="Comic Sans MS"/>
-              </a:rPr>
-              <a:t>Wait while holding (hold-and-wait)</a:t>
-            </a:r>
-          </a:p>
-          <a:p>
-            <a:r>
-              <a:rPr lang="en-US" dirty="0">
-                <a:latin typeface="Comic Sans MS"/>
-                <a:cs typeface="Comic Sans MS"/>
-              </a:rPr>
-              <a:t>	</a:t>
-            </a:r>
-          </a:p>
-          <a:p>
-            <a:pPr marL="342900" indent="-342900">
-              <a:buFont typeface="Arial"/>
-              <a:buChar char="•"/>
-            </a:pPr>
-            <a:r>
-              <a:rPr lang="en-US" dirty="0">
-                <a:latin typeface="Comic Sans MS"/>
-                <a:cs typeface="Comic Sans MS"/>
-              </a:rPr>
-              <a:t>No preemption</a:t>
-            </a:r>
-          </a:p>
-          <a:p>
-            <a:r>
-              <a:rPr lang="en-US" dirty="0">
-                <a:latin typeface="Comic Sans MS"/>
-                <a:cs typeface="Comic Sans MS"/>
-              </a:rPr>
-              <a:t>	</a:t>
-            </a:r>
-          </a:p>
-          <a:p>
-            <a:pPr marL="342900" indent="-342900">
-              <a:buFont typeface="Arial"/>
-              <a:buChar char="•"/>
-            </a:pPr>
-            <a:r>
-              <a:rPr lang="en-US" dirty="0">
-                <a:latin typeface="Comic Sans MS"/>
-                <a:cs typeface="Comic Sans MS"/>
-              </a:rPr>
-              <a:t>Circular </a:t>
-            </a:r>
-            <a:r>
-              <a:rPr lang="en-US" dirty="0" smtClean="0">
-                <a:latin typeface="Comic Sans MS"/>
-                <a:cs typeface="Comic Sans MS"/>
-              </a:rPr>
-              <a:t>wait</a:t>
-            </a:r>
-          </a:p>
-          <a:p>
-            <a:endParaRPr lang="en-US" dirty="0">
-              <a:latin typeface="Comic Sans MS"/>
-              <a:cs typeface="Comic Sans MS"/>
-            </a:endParaRPr>
-          </a:p>
-          <a:p>
-            <a:r>
-              <a:rPr lang="en-US" dirty="0"/>
-              <a:t>All of the four conditions are necessary for deadlock to occur. Hence, by preventing any one of them we prevent deadlock.</a:t>
-            </a:r>
-          </a:p>
-          <a:p>
-            <a:endParaRPr lang="en-US" dirty="0">
-              <a:latin typeface="Comic Sans MS"/>
-              <a:cs typeface="Comic Sans MS"/>
-            </a:endParaRPr>
-          </a:p>
-        </p:txBody>
-      </p:sp>
-      <p:sp>
-        <p:nvSpPr>
-          <p:cNvPr id="3" name="Title 2"/>
-          <p:cNvSpPr>
-            <a:spLocks noGrp="1"/>
-          </p:cNvSpPr>
-          <p:nvPr>
-            <p:ph type="title"/>
-          </p:nvPr>
-        </p:nvSpPr>
-        <p:spPr/>
-        <p:txBody>
-          <a:bodyPr/>
-          <a:lstStyle/>
-          <a:p>
-            <a:r>
-              <a:rPr lang="en-US" dirty="0" smtClean="0"/>
-              <a:t>Deadlock</a:t>
-            </a:r>
-            <a:endParaRPr lang="en-US" dirty="0"/>
-          </a:p>
-        </p:txBody>
-      </p:sp>
-    </p:spTree>
-    <p:extLst>
-      <p:ext uri="{BB962C8B-B14F-4D97-AF65-F5344CB8AC3E}">
-        <p14:creationId xmlns:p14="http://schemas.microsoft.com/office/powerpoint/2010/main" val="2573522007"/>
-      </p:ext>
-    </p:extLst>
-  </p:cSld>
-  <p:clrMapOvr>
-    <a:masterClrMapping/>
-  </p:clrMapOvr>
-</p:sld>
-</file>
-
-<file path=ppt/slides/slide17.xml><?xml version="1.0" encoding="utf-8"?>
-<p:sld xmlns:a="http://schemas.openxmlformats.org/drawingml/2006/main" xmlns:r="http://schemas.openxmlformats.org/officeDocument/2006/relationships" xmlns:p="http://schemas.openxmlformats.org/presentationml/2006/main">
-  <p:cSld>
-    <p:spTree>
-      <p:nvGrpSpPr>
-        <p:cNvPr id="1" name=""/>
-        <p:cNvGrpSpPr/>
-        <p:nvPr/>
-      </p:nvGrpSpPr>
-      <p:grpSpPr>
-        <a:xfrm>
-          <a:off x="0" y="0"/>
-          <a:ext cx="0" cy="0"/>
-          <a:chOff x="0" y="0"/>
-          <a:chExt cx="0" cy="0"/>
-        </a:xfrm>
-      </p:grpSpPr>
-      <p:sp>
-        <p:nvSpPr>
           <p:cNvPr id="2" name="Subtitle 1"/>
           <p:cNvSpPr>
             <a:spLocks noGrp="1"/>
@@ -11365,7 +10612,7 @@
 </p:sld>
 </file>
 
-<file path=ppt/slides/slide18.xml><?xml version="1.0" encoding="utf-8"?>
+<file path=ppt/slides/slide15.xml><?xml version="1.0" encoding="utf-8"?>
 <p:sld xmlns:a="http://schemas.openxmlformats.org/drawingml/2006/main" xmlns:r="http://schemas.openxmlformats.org/officeDocument/2006/relationships" xmlns:p="http://schemas.openxmlformats.org/presentationml/2006/main">
   <p:cSld>
     <p:spTree>
@@ -11980,7 +11227,7 @@
 </p:sld>
 </file>
 
-<file path=ppt/slides/slide19.xml><?xml version="1.0" encoding="utf-8"?>
+<file path=ppt/slides/slide16.xml><?xml version="1.0" encoding="utf-8"?>
 <p:sld xmlns:a="http://schemas.openxmlformats.org/drawingml/2006/main" xmlns:r="http://schemas.openxmlformats.org/officeDocument/2006/relationships" xmlns:p="http://schemas.openxmlformats.org/presentationml/2006/main">
   <p:cSld>
     <p:spTree>
@@ -12301,6 +11548,594 @@
       </p:par>
     </p:tnLst>
   </p:timing>
+</p:sld>
+</file>
+
+<file path=ppt/slides/slide17.xml><?xml version="1.0" encoding="utf-8"?>
+<p:sld xmlns:a="http://schemas.openxmlformats.org/drawingml/2006/main" xmlns:r="http://schemas.openxmlformats.org/officeDocument/2006/relationships" xmlns:p="http://schemas.openxmlformats.org/presentationml/2006/main">
+  <p:cSld>
+    <p:spTree>
+      <p:nvGrpSpPr>
+        <p:cNvPr id="1" name=""/>
+        <p:cNvGrpSpPr/>
+        <p:nvPr/>
+      </p:nvGrpSpPr>
+      <p:grpSpPr>
+        <a:xfrm>
+          <a:off x="0" y="0"/>
+          <a:ext cx="0" cy="0"/>
+          <a:chOff x="0" y="0"/>
+          <a:chExt cx="0" cy="0"/>
+        </a:xfrm>
+      </p:grpSpPr>
+      <p:sp>
+        <p:nvSpPr>
+          <p:cNvPr id="2" name="Content Placeholder 1"/>
+          <p:cNvSpPr>
+            <a:spLocks noGrp="1"/>
+          </p:cNvSpPr>
+          <p:nvPr>
+            <p:ph sz="quarter" idx="13"/>
+          </p:nvPr>
+        </p:nvSpPr>
+        <p:spPr/>
+        <p:txBody>
+          <a:bodyPr/>
+          <a:lstStyle/>
+          <a:p>
+            <a:pPr algn="l"/>
+            <a:r>
+              <a:rPr lang="en-US" dirty="0"/>
+              <a:t>Process P1:</a:t>
+            </a:r>
+          </a:p>
+          <a:p>
+            <a:pPr algn="l"/>
+            <a:r>
+              <a:rPr lang="en-US" dirty="0"/>
+              <a:t>request(R1)</a:t>
+            </a:r>
+            <a:r>
+              <a:rPr lang="en-US" dirty="0" smtClean="0"/>
+              <a:t>;…	release</a:t>
+            </a:r>
+            <a:r>
+              <a:rPr lang="en-US" dirty="0"/>
+              <a:t>(R1</a:t>
+            </a:r>
+            <a:r>
+              <a:rPr lang="en-US" dirty="0" smtClean="0"/>
+              <a:t>); request</a:t>
+            </a:r>
+            <a:r>
+              <a:rPr lang="en-US" dirty="0"/>
+              <a:t>(R2)</a:t>
+            </a:r>
+            <a:r>
+              <a:rPr lang="en-US" dirty="0" smtClean="0"/>
+              <a:t>;…	release</a:t>
+            </a:r>
+            <a:r>
+              <a:rPr lang="en-US" dirty="0"/>
+              <a:t>(R2</a:t>
+            </a:r>
+            <a:r>
+              <a:rPr lang="en-US" dirty="0" smtClean="0"/>
+              <a:t>);</a:t>
+            </a:r>
+            <a:endParaRPr lang="en-US" dirty="0"/>
+          </a:p>
+          <a:p>
+            <a:pPr algn="l"/>
+            <a:endParaRPr lang="en-US" dirty="0"/>
+          </a:p>
+          <a:p>
+            <a:pPr algn="l"/>
+            <a:endParaRPr lang="en-US" dirty="0"/>
+          </a:p>
+          <a:p>
+            <a:pPr algn="l"/>
+            <a:endParaRPr lang="en-US" dirty="0"/>
+          </a:p>
+          <a:p>
+            <a:pPr algn="l"/>
+            <a:r>
+              <a:rPr lang="en-US" dirty="0"/>
+              <a:t>Process P2:</a:t>
+            </a:r>
+          </a:p>
+          <a:p>
+            <a:pPr algn="l"/>
+            <a:r>
+              <a:rPr lang="en-US" dirty="0"/>
+              <a:t>request(</a:t>
+            </a:r>
+            <a:r>
+              <a:rPr lang="en-US" dirty="0" smtClean="0"/>
+              <a:t>R2)</a:t>
+            </a:r>
+            <a:r>
+              <a:rPr lang="en-US" dirty="0"/>
+              <a:t>;..</a:t>
+            </a:r>
+            <a:r>
+              <a:rPr lang="en-US" dirty="0" smtClean="0"/>
+              <a:t>.		</a:t>
+            </a:r>
+            <a:r>
+              <a:rPr lang="en-US" dirty="0"/>
+              <a:t>release(R2)</a:t>
+            </a:r>
+            <a:r>
+              <a:rPr lang="en-US" dirty="0" smtClean="0"/>
+              <a:t>; request</a:t>
+            </a:r>
+            <a:r>
+              <a:rPr lang="en-US" dirty="0"/>
+              <a:t>(</a:t>
+            </a:r>
+            <a:r>
+              <a:rPr lang="en-US" dirty="0" smtClean="0"/>
+              <a:t>R1);	release</a:t>
+            </a:r>
+            <a:r>
+              <a:rPr lang="en-US" dirty="0"/>
+              <a:t>(R1)</a:t>
+            </a:r>
+            <a:r>
+              <a:rPr lang="en-US" dirty="0" smtClean="0"/>
+              <a:t>;</a:t>
+            </a:r>
+            <a:endParaRPr lang="en-US" dirty="0"/>
+          </a:p>
+        </p:txBody>
+      </p:sp>
+      <p:sp>
+        <p:nvSpPr>
+          <p:cNvPr id="3" name="Title 2"/>
+          <p:cNvSpPr>
+            <a:spLocks noGrp="1"/>
+          </p:cNvSpPr>
+          <p:nvPr>
+            <p:ph type="title"/>
+          </p:nvPr>
+        </p:nvSpPr>
+        <p:spPr/>
+        <p:txBody>
+          <a:bodyPr/>
+          <a:lstStyle/>
+          <a:p>
+            <a:r>
+              <a:rPr lang="en-US" dirty="0"/>
+              <a:t>Release Before Request</a:t>
+            </a:r>
+          </a:p>
+        </p:txBody>
+      </p:sp>
+      <p:sp>
+        <p:nvSpPr>
+          <p:cNvPr id="4" name="Rectangle 3"/>
+          <p:cNvSpPr/>
+          <p:nvPr/>
+        </p:nvSpPr>
+        <p:spPr>
+          <a:xfrm>
+            <a:off x="1598825" y="2540307"/>
+            <a:ext cx="2144253" cy="329910"/>
+          </a:xfrm>
+          <a:prstGeom prst="rect">
+            <a:avLst/>
+          </a:prstGeom>
+          <a:solidFill>
+            <a:srgbClr val="FF0000"/>
+          </a:solidFill>
+        </p:spPr>
+        <p:style>
+          <a:lnRef idx="1">
+            <a:schemeClr val="accent1"/>
+          </a:lnRef>
+          <a:fillRef idx="3">
+            <a:schemeClr val="accent1"/>
+          </a:fillRef>
+          <a:effectRef idx="2">
+            <a:schemeClr val="accent1"/>
+          </a:effectRef>
+          <a:fontRef idx="minor">
+            <a:schemeClr val="lt1"/>
+          </a:fontRef>
+        </p:style>
+        <p:txBody>
+          <a:bodyPr rtlCol="0" anchor="ctr"/>
+          <a:lstStyle/>
+          <a:p>
+            <a:pPr algn="ctr"/>
+            <a:r>
+              <a:rPr lang="en-US" dirty="0" smtClean="0"/>
+              <a:t>R1 Critical Section</a:t>
+            </a:r>
+            <a:endParaRPr lang="en-US" dirty="0"/>
+          </a:p>
+        </p:txBody>
+      </p:sp>
+      <p:sp>
+        <p:nvSpPr>
+          <p:cNvPr id="5" name="Rectangle 4"/>
+          <p:cNvSpPr/>
+          <p:nvPr/>
+        </p:nvSpPr>
+        <p:spPr>
+          <a:xfrm>
+            <a:off x="5520505" y="2540307"/>
+            <a:ext cx="2144253" cy="329910"/>
+          </a:xfrm>
+          <a:prstGeom prst="rect">
+            <a:avLst/>
+          </a:prstGeom>
+        </p:spPr>
+        <p:style>
+          <a:lnRef idx="1">
+            <a:schemeClr val="accent1"/>
+          </a:lnRef>
+          <a:fillRef idx="3">
+            <a:schemeClr val="accent1"/>
+          </a:fillRef>
+          <a:effectRef idx="2">
+            <a:schemeClr val="accent1"/>
+          </a:effectRef>
+          <a:fontRef idx="minor">
+            <a:schemeClr val="lt1"/>
+          </a:fontRef>
+        </p:style>
+        <p:txBody>
+          <a:bodyPr rtlCol="0" anchor="ctr"/>
+          <a:lstStyle/>
+          <a:p>
+            <a:pPr algn="ctr"/>
+            <a:r>
+              <a:rPr lang="en-US" dirty="0" smtClean="0"/>
+              <a:t>R2 Critical Section</a:t>
+            </a:r>
+            <a:endParaRPr lang="en-US" dirty="0"/>
+          </a:p>
+        </p:txBody>
+      </p:sp>
+      <p:sp>
+        <p:nvSpPr>
+          <p:cNvPr id="6" name="Rectangle 5"/>
+          <p:cNvSpPr/>
+          <p:nvPr/>
+        </p:nvSpPr>
+        <p:spPr>
+          <a:xfrm>
+            <a:off x="1598825" y="5002075"/>
+            <a:ext cx="2144253" cy="329910"/>
+          </a:xfrm>
+          <a:prstGeom prst="rect">
+            <a:avLst/>
+          </a:prstGeom>
+        </p:spPr>
+        <p:style>
+          <a:lnRef idx="1">
+            <a:schemeClr val="accent1"/>
+          </a:lnRef>
+          <a:fillRef idx="3">
+            <a:schemeClr val="accent1"/>
+          </a:fillRef>
+          <a:effectRef idx="2">
+            <a:schemeClr val="accent1"/>
+          </a:effectRef>
+          <a:fontRef idx="minor">
+            <a:schemeClr val="lt1"/>
+          </a:fontRef>
+        </p:style>
+        <p:txBody>
+          <a:bodyPr rtlCol="0" anchor="ctr"/>
+          <a:lstStyle/>
+          <a:p>
+            <a:pPr algn="ctr"/>
+            <a:r>
+              <a:rPr lang="en-US" dirty="0" smtClean="0"/>
+              <a:t>R2 Critical Section</a:t>
+            </a:r>
+            <a:endParaRPr lang="en-US" dirty="0"/>
+          </a:p>
+        </p:txBody>
+      </p:sp>
+      <p:sp>
+        <p:nvSpPr>
+          <p:cNvPr id="7" name="Rectangle 6"/>
+          <p:cNvSpPr/>
+          <p:nvPr/>
+        </p:nvSpPr>
+        <p:spPr>
+          <a:xfrm>
+            <a:off x="5520505" y="5002075"/>
+            <a:ext cx="2144253" cy="329910"/>
+          </a:xfrm>
+          <a:prstGeom prst="rect">
+            <a:avLst/>
+          </a:prstGeom>
+          <a:solidFill>
+            <a:srgbClr val="FF0000"/>
+          </a:solidFill>
+        </p:spPr>
+        <p:style>
+          <a:lnRef idx="1">
+            <a:schemeClr val="accent1"/>
+          </a:lnRef>
+          <a:fillRef idx="3">
+            <a:schemeClr val="accent1"/>
+          </a:fillRef>
+          <a:effectRef idx="2">
+            <a:schemeClr val="accent1"/>
+          </a:effectRef>
+          <a:fontRef idx="minor">
+            <a:schemeClr val="lt1"/>
+          </a:fontRef>
+        </p:style>
+        <p:txBody>
+          <a:bodyPr rtlCol="0" anchor="ctr"/>
+          <a:lstStyle/>
+          <a:p>
+            <a:pPr algn="ctr"/>
+            <a:r>
+              <a:rPr lang="en-US" dirty="0" smtClean="0"/>
+              <a:t>R1 Critical Section</a:t>
+            </a:r>
+            <a:endParaRPr lang="en-US" dirty="0"/>
+          </a:p>
+        </p:txBody>
+      </p:sp>
+    </p:spTree>
+    <p:extLst>
+      <p:ext uri="{BB962C8B-B14F-4D97-AF65-F5344CB8AC3E}">
+        <p14:creationId xmlns:p14="http://schemas.microsoft.com/office/powerpoint/2010/main" val="1963981522"/>
+      </p:ext>
+    </p:extLst>
+  </p:cSld>
+  <p:clrMapOvr>
+    <a:masterClrMapping/>
+  </p:clrMapOvr>
+  <p:timing>
+    <p:tnLst>
+      <p:par>
+        <p:cTn xmlns:p14="http://schemas.microsoft.com/office/powerpoint/2010/main" id="1" dur="indefinite" restart="never" nodeType="tmRoot"/>
+      </p:par>
+    </p:tnLst>
+  </p:timing>
+</p:sld>
+</file>
+
+<file path=ppt/slides/slide18.xml><?xml version="1.0" encoding="utf-8"?>
+<p:sld xmlns:a="http://schemas.openxmlformats.org/drawingml/2006/main" xmlns:r="http://schemas.openxmlformats.org/officeDocument/2006/relationships" xmlns:p="http://schemas.openxmlformats.org/presentationml/2006/main">
+  <p:cSld>
+    <p:spTree>
+      <p:nvGrpSpPr>
+        <p:cNvPr id="1" name=""/>
+        <p:cNvGrpSpPr/>
+        <p:nvPr/>
+      </p:nvGrpSpPr>
+      <p:grpSpPr>
+        <a:xfrm>
+          <a:off x="0" y="0"/>
+          <a:ext cx="0" cy="0"/>
+          <a:chOff x="0" y="0"/>
+          <a:chExt cx="0" cy="0"/>
+        </a:xfrm>
+      </p:grpSpPr>
+      <p:sp>
+        <p:nvSpPr>
+          <p:cNvPr id="3" name="Subtitle 2"/>
+          <p:cNvSpPr>
+            <a:spLocks noGrp="1"/>
+          </p:cNvSpPr>
+          <p:nvPr>
+            <p:ph type="subTitle" idx="1"/>
+          </p:nvPr>
+        </p:nvSpPr>
+        <p:spPr/>
+        <p:txBody>
+          <a:bodyPr/>
+          <a:lstStyle/>
+          <a:p>
+            <a:r>
+              <a:rPr lang="en-US" dirty="0" smtClean="0"/>
+              <a:t>DEMO</a:t>
+            </a:r>
+            <a:endParaRPr lang="en-US" dirty="0"/>
+          </a:p>
+        </p:txBody>
+      </p:sp>
+      <p:sp>
+        <p:nvSpPr>
+          <p:cNvPr id="2" name="Title 1"/>
+          <p:cNvSpPr>
+            <a:spLocks noGrp="1"/>
+          </p:cNvSpPr>
+          <p:nvPr>
+            <p:ph type="title"/>
+          </p:nvPr>
+        </p:nvSpPr>
+        <p:spPr/>
+        <p:txBody>
+          <a:bodyPr>
+            <a:normAutofit fontScale="90000"/>
+          </a:bodyPr>
+          <a:lstStyle/>
+          <a:p>
+            <a:r>
+              <a:rPr lang="en-US" dirty="0"/>
+              <a:t>Heavily contended locks</a:t>
+            </a:r>
+          </a:p>
+        </p:txBody>
+      </p:sp>
+    </p:spTree>
+    <p:extLst>
+      <p:ext uri="{BB962C8B-B14F-4D97-AF65-F5344CB8AC3E}">
+        <p14:creationId xmlns:p14="http://schemas.microsoft.com/office/powerpoint/2010/main" val="2590666726"/>
+      </p:ext>
+    </p:extLst>
+  </p:cSld>
+  <p:clrMapOvr>
+    <a:masterClrMapping/>
+  </p:clrMapOvr>
+</p:sld>
+</file>
+
+<file path=ppt/slides/slide19.xml><?xml version="1.0" encoding="utf-8"?>
+<p:sld xmlns:a="http://schemas.openxmlformats.org/drawingml/2006/main" xmlns:r="http://schemas.openxmlformats.org/officeDocument/2006/relationships" xmlns:p="http://schemas.openxmlformats.org/presentationml/2006/main">
+  <p:cSld>
+    <p:spTree>
+      <p:nvGrpSpPr>
+        <p:cNvPr id="1" name=""/>
+        <p:cNvGrpSpPr/>
+        <p:nvPr/>
+      </p:nvGrpSpPr>
+      <p:grpSpPr>
+        <a:xfrm>
+          <a:off x="0" y="0"/>
+          <a:ext cx="0" cy="0"/>
+          <a:chOff x="0" y="0"/>
+          <a:chExt cx="0" cy="0"/>
+        </a:xfrm>
+      </p:grpSpPr>
+      <p:sp>
+        <p:nvSpPr>
+          <p:cNvPr id="2" name="Content Placeholder 1"/>
+          <p:cNvSpPr>
+            <a:spLocks noGrp="1"/>
+          </p:cNvSpPr>
+          <p:nvPr>
+            <p:ph sz="quarter" idx="13"/>
+          </p:nvPr>
+        </p:nvSpPr>
+        <p:spPr/>
+        <p:txBody>
+          <a:bodyPr/>
+          <a:lstStyle/>
+          <a:p>
+            <a:pPr marL="342900" indent="-342900">
+              <a:buFont typeface="Arial"/>
+              <a:buChar char="•"/>
+            </a:pPr>
+            <a:r>
+              <a:rPr lang="en-US" dirty="0" smtClean="0"/>
+              <a:t>Convoy is created.</a:t>
+            </a:r>
+          </a:p>
+          <a:p>
+            <a:pPr marL="342900" indent="-342900">
+              <a:buFont typeface="Arial"/>
+              <a:buChar char="•"/>
+            </a:pPr>
+            <a:r>
+              <a:rPr lang="en-US" dirty="0" smtClean="0"/>
+              <a:t>Serializes the processing.</a:t>
+            </a:r>
+          </a:p>
+          <a:p>
+            <a:pPr marL="342900" indent="-342900">
+              <a:buFont typeface="Arial"/>
+              <a:buChar char="•"/>
+            </a:pPr>
+            <a:r>
+              <a:rPr lang="en-US" dirty="0" smtClean="0"/>
+              <a:t>Slows down High priority threads.</a:t>
+            </a:r>
+          </a:p>
+          <a:p>
+            <a:pPr marL="342900" indent="-342900">
+              <a:buFont typeface="Arial"/>
+              <a:buChar char="•"/>
+            </a:pPr>
+            <a:endParaRPr lang="en-US" dirty="0"/>
+          </a:p>
+          <a:p>
+            <a:r>
+              <a:rPr lang="en-US" dirty="0" smtClean="0"/>
+              <a:t>Solution</a:t>
+            </a:r>
+          </a:p>
+          <a:p>
+            <a:pPr marL="342900" indent="-342900">
+              <a:buFont typeface="Arial"/>
+              <a:buChar char="•"/>
+            </a:pPr>
+            <a:r>
+              <a:rPr lang="en-US" dirty="0" smtClean="0"/>
+              <a:t>Priority Inversion</a:t>
+            </a:r>
+          </a:p>
+          <a:p>
+            <a:pPr marL="342900" indent="-342900">
+              <a:buFont typeface="Arial"/>
+              <a:buChar char="•"/>
+            </a:pPr>
+            <a:r>
+              <a:rPr lang="en-US" dirty="0" smtClean="0"/>
+              <a:t>Replicating the resource.</a:t>
+            </a:r>
+          </a:p>
+          <a:p>
+            <a:pPr marL="342900" indent="-342900">
+              <a:buFont typeface="Arial"/>
+              <a:buChar char="•"/>
+            </a:pPr>
+            <a:r>
+              <a:rPr lang="en-US" dirty="0" smtClean="0"/>
+              <a:t>Partitioning the resource</a:t>
+            </a:r>
+          </a:p>
+          <a:p>
+            <a:pPr marL="342900" indent="-342900">
+              <a:buFont typeface="Arial"/>
+              <a:buChar char="•"/>
+            </a:pPr>
+            <a:endParaRPr lang="en-US" dirty="0" smtClean="0"/>
+          </a:p>
+          <a:p>
+            <a:pPr marL="342900" indent="-342900">
+              <a:buFont typeface="Arial"/>
+              <a:buChar char="•"/>
+            </a:pPr>
+            <a:endParaRPr lang="en-US" dirty="0"/>
+          </a:p>
+        </p:txBody>
+      </p:sp>
+      <p:sp>
+        <p:nvSpPr>
+          <p:cNvPr id="3" name="Title 2"/>
+          <p:cNvSpPr>
+            <a:spLocks noGrp="1"/>
+          </p:cNvSpPr>
+          <p:nvPr>
+            <p:ph type="title"/>
+          </p:nvPr>
+        </p:nvSpPr>
+        <p:spPr/>
+        <p:txBody>
+          <a:bodyPr/>
+          <a:lstStyle/>
+          <a:p>
+            <a:r>
+              <a:rPr lang="en-US" dirty="0" smtClean="0"/>
+              <a:t>Heavily contended locks</a:t>
+            </a:r>
+            <a:endParaRPr lang="en-US" dirty="0"/>
+          </a:p>
+        </p:txBody>
+      </p:sp>
+    </p:spTree>
+    <p:extLst>
+      <p:ext uri="{BB962C8B-B14F-4D97-AF65-F5344CB8AC3E}">
+        <p14:creationId xmlns:p14="http://schemas.microsoft.com/office/powerpoint/2010/main" val="1462588398"/>
+      </p:ext>
+    </p:extLst>
+  </p:cSld>
+  <p:clrMapOvr>
+    <a:masterClrMapping/>
+  </p:clrMapOvr>
 </p:sld>
 </file>
 
@@ -12503,50 +12338,27 @@
         </p:nvSpPr>
         <p:spPr/>
         <p:txBody>
-          <a:bodyPr/>
+          <a:bodyPr>
+            <a:normAutofit/>
+          </a:bodyPr>
           <a:lstStyle/>
           <a:p>
-            <a:pPr algn="l"/>
-            <a:r>
-              <a:rPr lang="en-US" dirty="0"/>
-              <a:t>Process P1:</a:t>
-            </a:r>
-          </a:p>
-          <a:p>
-            <a:pPr algn="l"/>
-            <a:r>
-              <a:rPr lang="en-US" dirty="0"/>
-              <a:t>request(R1)</a:t>
-            </a:r>
-            <a:r>
-              <a:rPr lang="en-US" dirty="0" smtClean="0"/>
-              <a:t>;…	release</a:t>
-            </a:r>
-            <a:r>
-              <a:rPr lang="en-US" dirty="0"/>
-              <a:t>(R1</a:t>
-            </a:r>
-            <a:r>
-              <a:rPr lang="en-US" dirty="0" smtClean="0"/>
-              <a:t>); request</a:t>
-            </a:r>
-            <a:r>
-              <a:rPr lang="en-US" dirty="0"/>
-              <a:t>(R2)</a:t>
-            </a:r>
-            <a:r>
-              <a:rPr lang="en-US" dirty="0" smtClean="0"/>
-              <a:t>;…	release</a:t>
-            </a:r>
-            <a:r>
-              <a:rPr lang="en-US" dirty="0"/>
-              <a:t>(R2</a:t>
-            </a:r>
-            <a:r>
-              <a:rPr lang="en-US" dirty="0" smtClean="0"/>
-              <a:t>);</a:t>
-            </a:r>
-            <a:endParaRPr lang="en-US" dirty="0"/>
+            <a:r>
+              <a:rPr lang="en-US" dirty="0" smtClean="0"/>
+              <a:t>1). Students play with the app</a:t>
+            </a:r>
+          </a:p>
+          <a:p>
+            <a:r>
+              <a:rPr lang="en-US" dirty="0" smtClean="0"/>
+              <a:t>2). Quiz</a:t>
+            </a:r>
+          </a:p>
+          <a:p>
+            <a:r>
+              <a:rPr lang="en-US" dirty="0" smtClean="0"/>
+              <a:t>3). Survey to collect feedback</a:t>
+            </a:r>
           </a:p>
           <a:p>
             <a:pPr algn="l"/>
@@ -12554,62 +12366,36 @@
           </a:p>
           <a:p>
             <a:pPr algn="l"/>
-            <a:endParaRPr lang="en-US" dirty="0"/>
+            <a:r>
+              <a:rPr lang="en-US" dirty="0" smtClean="0"/>
+              <a:t>To determine:</a:t>
+            </a:r>
+            <a:r>
+              <a:rPr lang="en-US" dirty="0"/>
+              <a:t>	</a:t>
+            </a:r>
+            <a:endParaRPr lang="en-US" dirty="0" smtClean="0"/>
           </a:p>
           <a:p>
             <a:pPr algn="l"/>
-            <a:endParaRPr lang="en-US" dirty="0"/>
+            <a:r>
+              <a:rPr lang="en-US" sz="2000" dirty="0" smtClean="0"/>
+              <a:t>1). Usability.</a:t>
+            </a:r>
           </a:p>
           <a:p>
             <a:pPr algn="l"/>
             <a:r>
-              <a:rPr lang="en-US" dirty="0"/>
-              <a:t>Process P2:</a:t>
+              <a:rPr lang="en-US" sz="2000" dirty="0" smtClean="0"/>
+              <a:t>2). Interactivity.</a:t>
             </a:r>
           </a:p>
           <a:p>
             <a:pPr algn="l"/>
             <a:r>
-              <a:rPr lang="en-US" dirty="0"/>
-              <a:t>request(</a:t>
-            </a:r>
-            <a:r>
-              <a:rPr lang="en-US" dirty="0" smtClean="0"/>
-              <a:t>R2)</a:t>
-            </a:r>
-            <a:r>
-              <a:rPr lang="en-US" dirty="0"/>
-              <a:t>;..</a:t>
-            </a:r>
-            <a:r>
-              <a:rPr lang="en-US" dirty="0" smtClean="0"/>
-              <a:t>.		</a:t>
-            </a:r>
-            <a:r>
-              <a:rPr lang="en-US" dirty="0"/>
-              <a:t>release(R2)</a:t>
-            </a:r>
-            <a:r>
-              <a:rPr lang="en-US" dirty="0" smtClean="0"/>
-              <a:t>; request</a:t>
-            </a:r>
-            <a:r>
-              <a:rPr lang="en-US" dirty="0"/>
-              <a:t>(</a:t>
-            </a:r>
-            <a:r>
-              <a:rPr lang="en-US" dirty="0" smtClean="0"/>
-              <a:t>R1);	release</a:t>
-            </a:r>
-            <a:r>
-              <a:rPr lang="en-US" dirty="0"/>
-              <a:t>(R1)</a:t>
-            </a:r>
-            <a:r>
-              <a:rPr lang="en-US" dirty="0" smtClean="0"/>
-              <a:t>;</a:t>
-            </a:r>
-            <a:endParaRPr lang="en-US" dirty="0"/>
+              <a:rPr lang="en-US" sz="2000" dirty="0" smtClean="0"/>
+              <a:t>3). Students’ understanding in the 3 pitfalls</a:t>
+            </a:r>
           </a:p>
         </p:txBody>
       </p:sp>
@@ -12629,181 +12415,8 @@
           <a:lstStyle/>
           <a:p>
             <a:r>
-              <a:rPr lang="en-US" dirty="0"/>
-              <a:t>Release Before Request</a:t>
-            </a:r>
-          </a:p>
-        </p:txBody>
-      </p:sp>
-      <p:sp>
-        <p:nvSpPr>
-          <p:cNvPr id="4" name="Rectangle 3"/>
-          <p:cNvSpPr/>
-          <p:nvPr/>
-        </p:nvSpPr>
-        <p:spPr>
-          <a:xfrm>
-            <a:off x="1598825" y="2540307"/>
-            <a:ext cx="2144253" cy="329910"/>
-          </a:xfrm>
-          <a:prstGeom prst="rect">
-            <a:avLst/>
-          </a:prstGeom>
-          <a:solidFill>
-            <a:srgbClr val="FF0000"/>
-          </a:solidFill>
-        </p:spPr>
-        <p:style>
-          <a:lnRef idx="1">
-            <a:schemeClr val="accent1"/>
-          </a:lnRef>
-          <a:fillRef idx="3">
-            <a:schemeClr val="accent1"/>
-          </a:fillRef>
-          <a:effectRef idx="2">
-            <a:schemeClr val="accent1"/>
-          </a:effectRef>
-          <a:fontRef idx="minor">
-            <a:schemeClr val="lt1"/>
-          </a:fontRef>
-        </p:style>
-        <p:txBody>
-          <a:bodyPr rtlCol="0" anchor="ctr"/>
-          <a:lstStyle/>
-          <a:p>
-            <a:pPr algn="ctr"/>
-            <a:r>
-              <a:rPr lang="en-US" dirty="0" smtClean="0"/>
-              <a:t>R1 Critical Section</a:t>
-            </a:r>
-            <a:endParaRPr lang="en-US" dirty="0"/>
-          </a:p>
-        </p:txBody>
-      </p:sp>
-      <p:sp>
-        <p:nvSpPr>
-          <p:cNvPr id="5" name="Rectangle 4"/>
-          <p:cNvSpPr/>
-          <p:nvPr/>
-        </p:nvSpPr>
-        <p:spPr>
-          <a:xfrm>
-            <a:off x="5520505" y="2540307"/>
-            <a:ext cx="2144253" cy="329910"/>
-          </a:xfrm>
-          <a:prstGeom prst="rect">
-            <a:avLst/>
-          </a:prstGeom>
-        </p:spPr>
-        <p:style>
-          <a:lnRef idx="1">
-            <a:schemeClr val="accent1"/>
-          </a:lnRef>
-          <a:fillRef idx="3">
-            <a:schemeClr val="accent1"/>
-          </a:fillRef>
-          <a:effectRef idx="2">
-            <a:schemeClr val="accent1"/>
-          </a:effectRef>
-          <a:fontRef idx="minor">
-            <a:schemeClr val="lt1"/>
-          </a:fontRef>
-        </p:style>
-        <p:txBody>
-          <a:bodyPr rtlCol="0" anchor="ctr"/>
-          <a:lstStyle/>
-          <a:p>
-            <a:pPr algn="ctr"/>
-            <a:r>
-              <a:rPr lang="en-US" dirty="0" smtClean="0"/>
-              <a:t>R2 Critical Section</a:t>
-            </a:r>
-            <a:endParaRPr lang="en-US" dirty="0"/>
-          </a:p>
-        </p:txBody>
-      </p:sp>
-      <p:sp>
-        <p:nvSpPr>
-          <p:cNvPr id="6" name="Rectangle 5"/>
-          <p:cNvSpPr/>
-          <p:nvPr/>
-        </p:nvSpPr>
-        <p:spPr>
-          <a:xfrm>
-            <a:off x="1598825" y="5002075"/>
-            <a:ext cx="2144253" cy="329910"/>
-          </a:xfrm>
-          <a:prstGeom prst="rect">
-            <a:avLst/>
-          </a:prstGeom>
-        </p:spPr>
-        <p:style>
-          <a:lnRef idx="1">
-            <a:schemeClr val="accent1"/>
-          </a:lnRef>
-          <a:fillRef idx="3">
-            <a:schemeClr val="accent1"/>
-          </a:fillRef>
-          <a:effectRef idx="2">
-            <a:schemeClr val="accent1"/>
-          </a:effectRef>
-          <a:fontRef idx="minor">
-            <a:schemeClr val="lt1"/>
-          </a:fontRef>
-        </p:style>
-        <p:txBody>
-          <a:bodyPr rtlCol="0" anchor="ctr"/>
-          <a:lstStyle/>
-          <a:p>
-            <a:pPr algn="ctr"/>
-            <a:r>
-              <a:rPr lang="en-US" dirty="0" smtClean="0"/>
-              <a:t>R2 Critical Section</a:t>
-            </a:r>
-            <a:endParaRPr lang="en-US" dirty="0"/>
-          </a:p>
-        </p:txBody>
-      </p:sp>
-      <p:sp>
-        <p:nvSpPr>
-          <p:cNvPr id="7" name="Rectangle 6"/>
-          <p:cNvSpPr/>
-          <p:nvPr/>
-        </p:nvSpPr>
-        <p:spPr>
-          <a:xfrm>
-            <a:off x="5520505" y="5002075"/>
-            <a:ext cx="2144253" cy="329910"/>
-          </a:xfrm>
-          <a:prstGeom prst="rect">
-            <a:avLst/>
-          </a:prstGeom>
-          <a:solidFill>
-            <a:srgbClr val="FF0000"/>
-          </a:solidFill>
-        </p:spPr>
-        <p:style>
-          <a:lnRef idx="1">
-            <a:schemeClr val="accent1"/>
-          </a:lnRef>
-          <a:fillRef idx="3">
-            <a:schemeClr val="accent1"/>
-          </a:fillRef>
-          <a:effectRef idx="2">
-            <a:schemeClr val="accent1"/>
-          </a:effectRef>
-          <a:fontRef idx="minor">
-            <a:schemeClr val="lt1"/>
-          </a:fontRef>
-        </p:style>
-        <p:txBody>
-          <a:bodyPr rtlCol="0" anchor="ctr"/>
-          <a:lstStyle/>
-          <a:p>
-            <a:pPr algn="ctr"/>
-            <a:r>
-              <a:rPr lang="en-US" dirty="0" smtClean="0"/>
-              <a:t>R1 Critical Section</a:t>
+              <a:rPr lang="en-US" dirty="0" smtClean="0"/>
+              <a:t>evaluation</a:t>
             </a:r>
             <a:endParaRPr lang="en-US" dirty="0"/>
           </a:p>
@@ -12812,20 +12425,13 @@
     </p:spTree>
     <p:extLst>
       <p:ext uri="{BB962C8B-B14F-4D97-AF65-F5344CB8AC3E}">
-        <p14:creationId xmlns:p14="http://schemas.microsoft.com/office/powerpoint/2010/main" val="1963981522"/>
+        <p14:creationId xmlns:p14="http://schemas.microsoft.com/office/powerpoint/2010/main" val="1649624774"/>
       </p:ext>
     </p:extLst>
   </p:cSld>
   <p:clrMapOvr>
     <a:masterClrMapping/>
   </p:clrMapOvr>
-  <p:timing>
-    <p:tnLst>
-      <p:par>
-        <p:cTn xmlns:p14="http://schemas.microsoft.com/office/powerpoint/2010/main" id="1" dur="indefinite" restart="never" nodeType="tmRoot"/>
-      </p:par>
-    </p:tnLst>
-  </p:timing>
 </p:sld>
 </file>
 
@@ -12848,12 +12454,12 @@
       </p:grpSpPr>
       <p:sp>
         <p:nvSpPr>
-          <p:cNvPr id="3" name="Subtitle 2"/>
+          <p:cNvPr id="2" name="Content Placeholder 1"/>
           <p:cNvSpPr>
             <a:spLocks noGrp="1"/>
           </p:cNvSpPr>
           <p:nvPr>
-            <p:ph type="subTitle" idx="1"/>
+            <p:ph sz="quarter" idx="13"/>
           </p:nvPr>
         </p:nvSpPr>
         <p:spPr/>
@@ -12861,17 +12467,55 @@
           <a:bodyPr/>
           <a:lstStyle/>
           <a:p>
-            <a:r>
-              <a:rPr lang="en-US" dirty="0" smtClean="0"/>
-              <a:t>DEMO</a:t>
-            </a:r>
+            <a:pPr marL="342900" indent="-342900">
+              <a:buFont typeface="Arial"/>
+              <a:buChar char="•"/>
+            </a:pPr>
+            <a:r>
+              <a:rPr lang="en-US" dirty="0" smtClean="0"/>
+              <a:t>Usability:		90% rate as the easy to play</a:t>
+            </a:r>
+          </a:p>
+          <a:p>
+            <a:pPr marL="342900" indent="-342900">
+              <a:buFont typeface="Arial"/>
+              <a:buChar char="•"/>
+            </a:pPr>
+            <a:endParaRPr lang="en-US" dirty="0" smtClean="0"/>
+          </a:p>
+          <a:p>
+            <a:pPr marL="342900" indent="-342900">
+              <a:buFont typeface="Arial"/>
+              <a:buChar char="•"/>
+            </a:pPr>
+            <a:r>
+              <a:rPr lang="en-US" dirty="0" smtClean="0"/>
+              <a:t>Interactivity:	90% like the way they interact with the pitfalls</a:t>
+            </a:r>
+          </a:p>
+          <a:p>
+            <a:pPr marL="342900" indent="-342900">
+              <a:buFont typeface="Arial"/>
+              <a:buChar char="•"/>
+            </a:pPr>
             <a:endParaRPr lang="en-US" dirty="0"/>
           </a:p>
-        </p:txBody>
-      </p:sp>
-      <p:sp>
-        <p:nvSpPr>
-          <p:cNvPr id="2" name="Title 1"/>
+          <a:p>
+            <a:pPr marL="342900" indent="-342900">
+              <a:buFont typeface="Arial"/>
+              <a:buChar char="•"/>
+            </a:pPr>
+            <a:r>
+              <a:rPr lang="en-US" dirty="0" smtClean="0"/>
+              <a:t>Student understanding: 	9/10 questions were answered correctly by 90% of student</a:t>
+            </a:r>
+            <a:endParaRPr lang="en-US" dirty="0"/>
+          </a:p>
+        </p:txBody>
+      </p:sp>
+      <p:sp>
+        <p:nvSpPr>
+          <p:cNvPr id="3" name="Title 2"/>
           <p:cNvSpPr>
             <a:spLocks noGrp="1"/>
           </p:cNvSpPr>
@@ -12881,22 +12525,21 @@
         </p:nvSpPr>
         <p:spPr/>
         <p:txBody>
-          <a:bodyPr>
-            <a:normAutofit fontScale="90000"/>
-          </a:bodyPr>
+          <a:bodyPr/>
           <a:lstStyle/>
           <a:p>
             <a:r>
-              <a:rPr lang="en-US" dirty="0"/>
-              <a:t>Heavily contended locks</a:t>
-            </a:r>
+              <a:rPr lang="en-US" dirty="0" smtClean="0"/>
+              <a:t>Results</a:t>
+            </a:r>
+            <a:endParaRPr lang="en-US" dirty="0"/>
           </a:p>
         </p:txBody>
       </p:sp>
     </p:spTree>
     <p:extLst>
       <p:ext uri="{BB962C8B-B14F-4D97-AF65-F5344CB8AC3E}">
-        <p14:creationId xmlns:p14="http://schemas.microsoft.com/office/powerpoint/2010/main" val="2590666726"/>
+        <p14:creationId xmlns:p14="http://schemas.microsoft.com/office/powerpoint/2010/main" val="4085540163"/>
       </p:ext>
     </p:extLst>
   </p:cSld>
@@ -12935,94 +12578,101 @@
         </p:nvSpPr>
         <p:spPr/>
         <p:txBody>
-          <a:bodyPr/>
+          <a:bodyPr>
+            <a:normAutofit/>
+          </a:bodyPr>
           <a:lstStyle/>
           <a:p>
-            <a:pPr marL="342900" indent="-342900">
+            <a:pPr marL="342900" indent="-342900" algn="l">
               <a:buFont typeface="Arial"/>
               <a:buChar char="•"/>
             </a:pPr>
             <a:r>
               <a:rPr lang="en-US" dirty="0" smtClean="0"/>
-              <a:t>Convoy is created.</a:t>
-            </a:r>
-          </a:p>
-          <a:p>
-            <a:pPr marL="342900" indent="-342900">
+              <a:t>Support multiple browser</a:t>
+            </a:r>
+          </a:p>
+          <a:p>
+            <a:pPr algn="l"/>
+            <a:endParaRPr lang="en-US" dirty="0"/>
+          </a:p>
+          <a:p>
+            <a:pPr algn="l"/>
+            <a:r>
+              <a:rPr lang="en-US" dirty="0" smtClean="0"/>
+              <a:t>Next Few Weeks:</a:t>
+            </a:r>
+          </a:p>
+          <a:p>
+            <a:pPr marL="342900" indent="-342900" algn="l">
               <a:buFont typeface="Arial"/>
               <a:buChar char="•"/>
             </a:pPr>
             <a:r>
-              <a:rPr lang="en-US" dirty="0" smtClean="0"/>
-              <a:t>Serializes the processing.</a:t>
-            </a:r>
-          </a:p>
-          <a:p>
-            <a:pPr marL="342900" indent="-342900">
+              <a:rPr lang="en-US" dirty="0"/>
+              <a:t>S</a:t>
+            </a:r>
+            <a:r>
+              <a:rPr lang="en-US" dirty="0" smtClean="0"/>
+              <a:t>olve different browser compatibility</a:t>
+            </a:r>
+          </a:p>
+          <a:p>
+            <a:pPr marL="342900" indent="-342900" algn="l">
               <a:buFont typeface="Arial"/>
               <a:buChar char="•"/>
             </a:pPr>
             <a:r>
               <a:rPr lang="en-US" dirty="0" smtClean="0"/>
-              <a:t>Slows down High priority threads.</a:t>
-            </a:r>
-          </a:p>
-          <a:p>
-            <a:pPr marL="342900" indent="-342900">
+              <a:t>Do more survey and usability testing</a:t>
+            </a:r>
+          </a:p>
+          <a:p>
+            <a:pPr marL="342900" indent="-342900" algn="l">
               <a:buFont typeface="Arial"/>
               <a:buChar char="•"/>
             </a:pPr>
+            <a:r>
+              <a:rPr lang="en-US" dirty="0"/>
+              <a:t>W</a:t>
+            </a:r>
+            <a:r>
+              <a:rPr lang="en-US" dirty="0" smtClean="0"/>
+              <a:t>rite report</a:t>
+            </a:r>
+          </a:p>
+          <a:p>
+            <a:pPr algn="l"/>
             <a:endParaRPr lang="en-US" dirty="0"/>
           </a:p>
           <a:p>
-            <a:r>
-              <a:rPr lang="en-US" dirty="0" smtClean="0"/>
-              <a:t>Solution</a:t>
-            </a:r>
-          </a:p>
-          <a:p>
-            <a:pPr marL="342900" indent="-342900">
+            <a:pPr algn="l"/>
+            <a:r>
+              <a:rPr lang="en-US" dirty="0" smtClean="0"/>
+              <a:t>Extension:</a:t>
+            </a:r>
+          </a:p>
+          <a:p>
+            <a:pPr marL="342900" indent="-342900" algn="l">
               <a:buFont typeface="Arial"/>
               <a:buChar char="•"/>
             </a:pPr>
             <a:r>
               <a:rPr lang="en-US" dirty="0" smtClean="0"/>
-              <a:t>Priority Inversion</a:t>
-            </a:r>
-          </a:p>
-          <a:p>
-            <a:pPr marL="342900" indent="-342900">
+              <a:t>Incorporate solution to the pitfalls in our app </a:t>
+            </a:r>
+            <a:endParaRPr lang="en-US" dirty="0"/>
+          </a:p>
+          <a:p>
+            <a:pPr marL="342900" indent="-342900" algn="l">
               <a:buFont typeface="Arial"/>
               <a:buChar char="•"/>
             </a:pPr>
             <a:r>
               <a:rPr lang="en-US" dirty="0" smtClean="0"/>
-              <a:t>Replicating the resource.</a:t>
-            </a:r>
-          </a:p>
-          <a:p>
-            <a:pPr marL="342900" indent="-342900">
-              <a:buFont typeface="Arial"/>
-              <a:buChar char="•"/>
-            </a:pPr>
-            <a:r>
-              <a:rPr lang="en-US" dirty="0" smtClean="0"/>
-              <a:t>Partitioning the resource</a:t>
-            </a:r>
-          </a:p>
-          <a:p>
-            <a:pPr marL="342900" indent="-342900">
-              <a:buFont typeface="Arial"/>
-              <a:buChar char="•"/>
-            </a:pPr>
+              <a:t>Extend the app to cover other pitfalls</a:t>
+            </a:r>
             <a:endParaRPr lang="en-US" dirty="0" smtClean="0"/>
-          </a:p>
-          <a:p>
-            <a:pPr marL="342900" indent="-342900">
-              <a:buFont typeface="Arial"/>
-              <a:buChar char="•"/>
-            </a:pPr>
-            <a:endParaRPr lang="en-US" dirty="0"/>
           </a:p>
         </p:txBody>
       </p:sp>
@@ -13043,7 +12693,7 @@
           <a:p>
             <a:r>
               <a:rPr lang="en-US" dirty="0" smtClean="0"/>
-              <a:t>Heavily contended locks</a:t>
+              <a:t>Challenges and future works</a:t>
             </a:r>
             <a:endParaRPr lang="en-US" dirty="0"/>
           </a:p>
@@ -13052,7 +12702,7 @@
     </p:spTree>
     <p:extLst>
       <p:ext uri="{BB962C8B-B14F-4D97-AF65-F5344CB8AC3E}">
-        <p14:creationId xmlns:p14="http://schemas.microsoft.com/office/powerpoint/2010/main" val="1462588398"/>
+        <p14:creationId xmlns:p14="http://schemas.microsoft.com/office/powerpoint/2010/main" val="2276343006"/>
       </p:ext>
     </p:extLst>
   </p:cSld>
@@ -13089,66 +12739,319 @@
             <p:ph sz="quarter" idx="13"/>
           </p:nvPr>
         </p:nvSpPr>
-        <p:spPr/>
+        <p:spPr>
+          <a:xfrm>
+            <a:off x="457200" y="1477207"/>
+            <a:ext cx="8229600" cy="5198036"/>
+          </a:xfrm>
+        </p:spPr>
         <p:txBody>
           <a:bodyPr>
-            <a:normAutofit/>
+            <a:normAutofit fontScale="85000" lnSpcReduction="20000"/>
           </a:bodyPr>
           <a:lstStyle/>
           <a:p>
             <a:r>
-              <a:rPr lang="en-US" dirty="0" smtClean="0"/>
-              <a:t>1). Students play with the app</a:t>
-            </a:r>
-          </a:p>
-          <a:p>
-            <a:r>
-              <a:rPr lang="en-US" dirty="0" smtClean="0"/>
-              <a:t>2). Quiz</a:t>
-            </a:r>
-          </a:p>
-          <a:p>
-            <a:r>
-              <a:rPr lang="en-US" dirty="0" smtClean="0"/>
-              <a:t>3). Survey to collect feedback</a:t>
-            </a:r>
-          </a:p>
-          <a:p>
-            <a:pPr algn="l"/>
-            <a:endParaRPr lang="en-US" dirty="0"/>
-          </a:p>
-          <a:p>
-            <a:pPr algn="l"/>
-            <a:r>
-              <a:rPr lang="en-US" dirty="0" smtClean="0"/>
-              <a:t>To determine:</a:t>
-            </a:r>
-            <a:r>
-              <a:rPr lang="en-US" dirty="0"/>
-              <a:t>	</a:t>
-            </a:r>
-            <a:endParaRPr lang="en-US" dirty="0" smtClean="0"/>
-          </a:p>
-          <a:p>
-            <a:pPr algn="l"/>
-            <a:r>
-              <a:rPr lang="en-US" sz="2000" dirty="0" smtClean="0"/>
-              <a:t>1). Usability.</a:t>
-            </a:r>
-          </a:p>
-          <a:p>
-            <a:pPr algn="l"/>
-            <a:r>
-              <a:rPr lang="en-US" sz="2000" dirty="0" smtClean="0"/>
-              <a:t>2). Interactivity.</a:t>
-            </a:r>
-          </a:p>
-          <a:p>
-            <a:pPr algn="l"/>
-            <a:r>
-              <a:rPr lang="en-US" sz="2000" dirty="0" smtClean="0"/>
-              <a:t>3). Students’ understanding in the 3 pitfalls</a:t>
-            </a:r>
+              <a:rPr lang="en-US" sz="1600" dirty="0"/>
+              <a:t>[1] John W. McCormick. 2007. MA1: real-time and parallel processing in </a:t>
+            </a:r>
+            <a:r>
+              <a:rPr lang="en-US" sz="1600" dirty="0" err="1"/>
+              <a:t>ada</a:t>
+            </a:r>
+            <a:r>
+              <a:rPr lang="en-US" sz="1600" dirty="0"/>
+              <a:t>. </a:t>
+            </a:r>
+            <a:r>
+              <a:rPr lang="en-US" sz="1600" i="1" dirty="0"/>
+              <a:t>Ada </a:t>
+            </a:r>
+            <a:r>
+              <a:rPr lang="en-US" sz="1600" i="1" dirty="0" err="1"/>
+              <a:t>Lett</a:t>
+            </a:r>
+            <a:r>
+              <a:rPr lang="en-US" sz="1600" i="1" dirty="0"/>
+              <a:t>.</a:t>
+            </a:r>
+            <a:r>
+              <a:rPr lang="en-US" sz="1600" dirty="0"/>
+              <a:t> XXVII, 3 (November 2007), 7-7. DOI=10.1145/1315607.1315587 http://</a:t>
+            </a:r>
+            <a:r>
+              <a:rPr lang="en-US" sz="1600" dirty="0" err="1"/>
+              <a:t>doi.acm.org.ezproxy.auckland.ac.nz</a:t>
+            </a:r>
+            <a:r>
+              <a:rPr lang="en-US" sz="1600" dirty="0"/>
+              <a:t>/10.1145/1315607.1315587</a:t>
+            </a:r>
+          </a:p>
+          <a:p>
+            <a:r>
+              <a:rPr lang="en-US" sz="1600" dirty="0"/>
+              <a:t>[2] John W. McCormick. 2009. Ada for real-time and parallel processing. In </a:t>
+            </a:r>
+            <a:r>
+              <a:rPr lang="en-US" sz="1600" i="1" dirty="0"/>
+              <a:t>Proceedings of the ACM </a:t>
+            </a:r>
+            <a:r>
+              <a:rPr lang="en-US" sz="1600" i="1" dirty="0" err="1"/>
+              <a:t>SIGAda</a:t>
+            </a:r>
+            <a:r>
+              <a:rPr lang="en-US" sz="1600" i="1" dirty="0"/>
+              <a:t> annual international conference on Ada and related technologies</a:t>
+            </a:r>
+            <a:r>
+              <a:rPr lang="en-US" sz="1600" dirty="0"/>
+              <a:t> (</a:t>
+            </a:r>
+            <a:r>
+              <a:rPr lang="en-US" sz="1600" dirty="0" err="1"/>
+              <a:t>SIGAda</a:t>
+            </a:r>
+            <a:r>
+              <a:rPr lang="en-US" sz="1600" dirty="0"/>
+              <a:t> '09). ACM, New York, NY, USA, 13-14. DOI=10.1145/1647420.1647428 http://</a:t>
+            </a:r>
+            <a:r>
+              <a:rPr lang="en-US" sz="1600" dirty="0" err="1"/>
+              <a:t>doi.acm.org.ezproxy.auckland.ac.nz</a:t>
+            </a:r>
+            <a:r>
+              <a:rPr lang="en-US" sz="1600" dirty="0"/>
+              <a:t>/10.1145/1647420.1647428</a:t>
+            </a:r>
+          </a:p>
+          <a:p>
+            <a:r>
+              <a:rPr lang="en-US" sz="1600" dirty="0"/>
+              <a:t>[3] Dick Mays and Richard J. LeBlanc, Jr.. 2002. The </a:t>
+            </a:r>
+            <a:r>
+              <a:rPr lang="en-US" sz="1600" dirty="0" err="1"/>
+              <a:t>cyclefree</a:t>
+            </a:r>
+            <a:r>
+              <a:rPr lang="en-US" sz="1600" dirty="0"/>
+              <a:t> methodology: a simple approach to building reliable, robust, real-time systems. In </a:t>
+            </a:r>
+            <a:r>
+              <a:rPr lang="en-US" sz="1600" i="1" dirty="0"/>
+              <a:t>Proceedings of the 24th International Conference on Software Engineering</a:t>
+            </a:r>
+            <a:r>
+              <a:rPr lang="en-US" sz="1600" dirty="0"/>
+              <a:t> (ICSE '02). ACM, New York, NY, USA, 567-575. DOI=10.1145/581339.581411 http://</a:t>
+            </a:r>
+            <a:r>
+              <a:rPr lang="en-US" sz="1600" dirty="0" err="1"/>
+              <a:t>doi.acm.org.ezproxy.auckland.ac.nz</a:t>
+            </a:r>
+            <a:r>
+              <a:rPr lang="en-US" sz="1600" dirty="0"/>
+              <a:t>/10.1145/581339.581411</a:t>
+            </a:r>
+          </a:p>
+          <a:p>
+            <a:r>
+              <a:rPr lang="en-US" sz="1500" dirty="0" smtClean="0"/>
+              <a:t>[4] </a:t>
+            </a:r>
+            <a:r>
+              <a:rPr lang="en-US" sz="1500" dirty="0"/>
+              <a:t> N. </a:t>
+            </a:r>
+            <a:r>
+              <a:rPr lang="en-US" sz="1500" dirty="0" err="1"/>
+              <a:t>Giacaman</a:t>
+            </a:r>
+            <a:r>
+              <a:rPr lang="en-US" sz="1500" dirty="0"/>
+              <a:t>. Teaching by example: Using analogies and live coding demonstrations to teach parallel computing concepts to undergraduate </a:t>
+            </a:r>
+            <a:r>
+              <a:rPr lang="en-US" sz="1500" dirty="0" err="1"/>
+              <a:t>stu</a:t>
+            </a:r>
+            <a:r>
+              <a:rPr lang="en-US" sz="1500" dirty="0"/>
+              <a:t>- dents. In Parallel and Distributed Processing Symposium Workshops PhD Forum (IPDPSW), 2012 IEEE 26th International, pages 1295 –1298, may 2012. </a:t>
+            </a:r>
+            <a:endParaRPr lang="en-US" sz="1500" dirty="0" smtClean="0"/>
+          </a:p>
+          <a:p>
+            <a:r>
+              <a:rPr lang="en-US" sz="1500" dirty="0" smtClean="0"/>
+              <a:t>[5] </a:t>
+            </a:r>
+            <a:r>
+              <a:rPr lang="en-US" sz="1500" dirty="0" err="1"/>
+              <a:t>Mordechai</a:t>
+            </a:r>
+            <a:r>
+              <a:rPr lang="en-US" sz="1500" dirty="0"/>
+              <a:t> Ben-Ari and </a:t>
+            </a:r>
+            <a:r>
+              <a:rPr lang="en-US" sz="1500" dirty="0" err="1"/>
+              <a:t>Yifat</a:t>
+            </a:r>
+            <a:r>
+              <a:rPr lang="en-US" sz="1500" dirty="0"/>
+              <a:t> Ben-David </a:t>
+            </a:r>
+            <a:r>
+              <a:rPr lang="en-US" sz="1500" dirty="0" err="1"/>
+              <a:t>Kolikant</a:t>
+            </a:r>
+            <a:r>
+              <a:rPr lang="en-US" sz="1500" dirty="0"/>
+              <a:t>. Thinking parallel: the process of learning concurrency. SIGCSE Bull., 31(3):13–16, June 1999. </a:t>
+            </a:r>
+            <a:endParaRPr lang="en-US" sz="1500" dirty="0" smtClean="0"/>
+          </a:p>
+          <a:p>
+            <a:r>
+              <a:rPr lang="en-US" sz="1500" dirty="0" smtClean="0"/>
+              <a:t>[6] </a:t>
+            </a:r>
+            <a:r>
+              <a:rPr lang="en-US" sz="1500" dirty="0"/>
+              <a:t>http://publib.boulder.ibm.com/infocenter/iseries/v5r3/index.jsp?topic=%2Frzahw%</a:t>
+            </a:r>
+            <a:r>
+              <a:rPr lang="en-US" sz="1500" dirty="0" smtClean="0"/>
+              <a:t>2Frzahwmutco.htm</a:t>
+            </a:r>
+          </a:p>
+          <a:p>
+            <a:r>
+              <a:rPr lang="en-US" sz="1500" dirty="0" smtClean="0"/>
+              <a:t>[7] </a:t>
+            </a:r>
+            <a:r>
+              <a:rPr lang="en-US" sz="1500" dirty="0" err="1"/>
+              <a:t>Fancong</a:t>
+            </a:r>
+            <a:r>
+              <a:rPr lang="en-US" sz="1500" dirty="0"/>
+              <a:t> </a:t>
+            </a:r>
+            <a:r>
+              <a:rPr lang="en-US" sz="1500" dirty="0" err="1"/>
+              <a:t>Zeng</a:t>
+            </a:r>
+            <a:r>
+              <a:rPr lang="en-US" sz="1500" dirty="0"/>
+              <a:t>. "An Initial Study of Common Coding Pitfalls in Java Programs", in Proceedings of MASPLAS'03 Mid-Atlantic Student Workshop on Programming Languages and Systems, April, 2003</a:t>
+            </a:r>
+            <a:r>
+              <a:rPr lang="en-US" sz="1500" dirty="0" smtClean="0"/>
+              <a:t>.</a:t>
+            </a:r>
+          </a:p>
+          <a:p>
+            <a:r>
+              <a:rPr lang="en-US" sz="1500" dirty="0" smtClean="0"/>
+              <a:t>[8] </a:t>
+            </a:r>
+            <a:r>
+              <a:rPr lang="en-US" sz="1600" dirty="0"/>
+              <a:t>Sung-</a:t>
+            </a:r>
+            <a:r>
+              <a:rPr lang="en-US" sz="1600" dirty="0" err="1"/>
+              <a:t>Eun</a:t>
+            </a:r>
+            <a:r>
+              <a:rPr lang="en-US" sz="1600" dirty="0"/>
+              <a:t> Choi and E Christopher Lewis. A Study of </a:t>
+            </a:r>
+            <a:r>
+              <a:rPr lang="en-US" sz="1600" dirty="0" smtClean="0"/>
+              <a:t>Common </a:t>
+            </a:r>
+            <a:r>
+              <a:rPr lang="en-US" sz="1600" dirty="0"/>
+              <a:t>Pitfalls in Simple Multi-Threaded Programs. In </a:t>
+            </a:r>
+            <a:r>
+              <a:rPr lang="en-US" sz="1600" i="1" dirty="0" smtClean="0"/>
+              <a:t>Proceedings </a:t>
+            </a:r>
+            <a:r>
+              <a:rPr lang="en-US" sz="1600" i="1" dirty="0"/>
+              <a:t>of the Thirty-first ACM SIGCSE Technical Symposium on Computer Science Education, </a:t>
+            </a:r>
+            <a:r>
+              <a:rPr lang="en-US" sz="1600" dirty="0"/>
+              <a:t>March 2000. </a:t>
+            </a:r>
+            <a:endParaRPr lang="en-US" sz="1600" dirty="0" smtClean="0"/>
+          </a:p>
+          <a:p>
+            <a:r>
+              <a:rPr lang="en-US" sz="1600" dirty="0" smtClean="0"/>
+              <a:t>[9] </a:t>
+            </a:r>
+            <a:r>
+              <a:rPr lang="en-US" sz="1600" dirty="0" err="1"/>
+              <a:t>Tallent</a:t>
+            </a:r>
+            <a:r>
+              <a:rPr lang="en-US" sz="1600" dirty="0"/>
+              <a:t>, N. R.; Mellor-</a:t>
+            </a:r>
+            <a:r>
+              <a:rPr lang="en-US" sz="1600" dirty="0" err="1"/>
+              <a:t>Crummey</a:t>
+            </a:r>
+            <a:r>
+              <a:rPr lang="en-US" sz="1600" dirty="0"/>
+              <a:t>, J. M. &amp; Porterfield, A. (2010), Analyzing lock contention in multithreaded applications., in R. </a:t>
+            </a:r>
+            <a:r>
+              <a:rPr lang="en-US" sz="1600" dirty="0" err="1"/>
+              <a:t>Govindarajan</a:t>
+            </a:r>
+            <a:r>
+              <a:rPr lang="en-US" sz="1600" dirty="0"/>
+              <a:t>; David A. Padua &amp; Mary W. Hall, ed., 'PPOPP' , ACM, , pp. 269-280 </a:t>
+            </a:r>
+            <a:r>
+              <a:rPr lang="en-US" sz="1600" dirty="0" smtClean="0"/>
+              <a:t>.</a:t>
+            </a:r>
+          </a:p>
+          <a:p>
+            <a:r>
+              <a:rPr lang="en-US" sz="1600" dirty="0" smtClean="0"/>
+              <a:t>[10]</a:t>
+            </a:r>
+            <a:r>
+              <a:rPr lang="en-NZ" sz="1600" dirty="0"/>
+              <a:t> http://channel9.msdn.com/Shows/Going+Deep/Cpp-and-Beyond-2012-Herb-Sutter-atomic-Weapons-1-of-2</a:t>
+            </a:r>
+            <a:endParaRPr lang="en-GB" sz="1600" dirty="0"/>
+          </a:p>
+          <a:p>
+            <a:endParaRPr lang="en-US" sz="1600" dirty="0" smtClean="0"/>
+          </a:p>
+          <a:p>
+            <a:endParaRPr lang="en-US" sz="1500" dirty="0" smtClean="0"/>
+          </a:p>
+          <a:p>
+            <a:endParaRPr lang="en-US" sz="1500" dirty="0"/>
+          </a:p>
+          <a:p>
+            <a:endParaRPr lang="en-US" sz="1500" dirty="0"/>
+          </a:p>
+          <a:p>
+            <a:endParaRPr lang="en-US" sz="1500" dirty="0"/>
           </a:p>
         </p:txBody>
       </p:sp>
@@ -13169,7 +13072,7 @@
           <a:p>
             <a:r>
               <a:rPr lang="en-US" dirty="0" smtClean="0"/>
-              <a:t>evaluation</a:t>
+              <a:t>References</a:t>
             </a:r>
             <a:endParaRPr lang="en-US" dirty="0"/>
           </a:p>
@@ -13178,7 +13081,7 @@
     </p:spTree>
     <p:extLst>
       <p:ext uri="{BB962C8B-B14F-4D97-AF65-F5344CB8AC3E}">
-        <p14:creationId xmlns:p14="http://schemas.microsoft.com/office/powerpoint/2010/main" val="1649624774"/>
+        <p14:creationId xmlns:p14="http://schemas.microsoft.com/office/powerpoint/2010/main" val="3408655997"/>
       </p:ext>
     </p:extLst>
   </p:cSld>
@@ -13207,637 +13110,6 @@
       </p:grpSpPr>
       <p:sp>
         <p:nvSpPr>
-          <p:cNvPr id="2" name="Content Placeholder 1"/>
-          <p:cNvSpPr>
-            <a:spLocks noGrp="1"/>
-          </p:cNvSpPr>
-          <p:nvPr>
-            <p:ph sz="quarter" idx="13"/>
-          </p:nvPr>
-        </p:nvSpPr>
-        <p:spPr/>
-        <p:txBody>
-          <a:bodyPr/>
-          <a:lstStyle/>
-          <a:p>
-            <a:pPr marL="342900" indent="-342900">
-              <a:buFont typeface="Arial"/>
-              <a:buChar char="•"/>
-            </a:pPr>
-            <a:r>
-              <a:rPr lang="en-US" dirty="0" smtClean="0"/>
-              <a:t>Usability:		90% rate as the easy to play</a:t>
-            </a:r>
-          </a:p>
-          <a:p>
-            <a:pPr marL="342900" indent="-342900">
-              <a:buFont typeface="Arial"/>
-              <a:buChar char="•"/>
-            </a:pPr>
-            <a:endParaRPr lang="en-US" dirty="0" smtClean="0"/>
-          </a:p>
-          <a:p>
-            <a:pPr marL="342900" indent="-342900">
-              <a:buFont typeface="Arial"/>
-              <a:buChar char="•"/>
-            </a:pPr>
-            <a:r>
-              <a:rPr lang="en-US" dirty="0" smtClean="0"/>
-              <a:t>Interactivity:	90% like the way they interact with the pitfalls</a:t>
-            </a:r>
-          </a:p>
-          <a:p>
-            <a:pPr marL="342900" indent="-342900">
-              <a:buFont typeface="Arial"/>
-              <a:buChar char="•"/>
-            </a:pPr>
-            <a:endParaRPr lang="en-US" dirty="0"/>
-          </a:p>
-          <a:p>
-            <a:pPr marL="342900" indent="-342900">
-              <a:buFont typeface="Arial"/>
-              <a:buChar char="•"/>
-            </a:pPr>
-            <a:r>
-              <a:rPr lang="en-US" dirty="0" smtClean="0"/>
-              <a:t>Student understanding: 	9/10 questions were answered correctly by 90% of student</a:t>
-            </a:r>
-            <a:endParaRPr lang="en-US" dirty="0"/>
-          </a:p>
-        </p:txBody>
-      </p:sp>
-      <p:sp>
-        <p:nvSpPr>
-          <p:cNvPr id="3" name="Title 2"/>
-          <p:cNvSpPr>
-            <a:spLocks noGrp="1"/>
-          </p:cNvSpPr>
-          <p:nvPr>
-            <p:ph type="title"/>
-          </p:nvPr>
-        </p:nvSpPr>
-        <p:spPr/>
-        <p:txBody>
-          <a:bodyPr/>
-          <a:lstStyle/>
-          <a:p>
-            <a:r>
-              <a:rPr lang="en-US" dirty="0" smtClean="0"/>
-              <a:t>Results</a:t>
-            </a:r>
-            <a:endParaRPr lang="en-US" dirty="0"/>
-          </a:p>
-        </p:txBody>
-      </p:sp>
-    </p:spTree>
-    <p:extLst>
-      <p:ext uri="{BB962C8B-B14F-4D97-AF65-F5344CB8AC3E}">
-        <p14:creationId xmlns:p14="http://schemas.microsoft.com/office/powerpoint/2010/main" val="4085540163"/>
-      </p:ext>
-    </p:extLst>
-  </p:cSld>
-  <p:clrMapOvr>
-    <a:masterClrMapping/>
-  </p:clrMapOvr>
-</p:sld>
-</file>
-
-<file path=ppt/slides/slide25.xml><?xml version="1.0" encoding="utf-8"?>
-<p:sld xmlns:a="http://schemas.openxmlformats.org/drawingml/2006/main" xmlns:r="http://schemas.openxmlformats.org/officeDocument/2006/relationships" xmlns:p="http://schemas.openxmlformats.org/presentationml/2006/main">
-  <p:cSld>
-    <p:spTree>
-      <p:nvGrpSpPr>
-        <p:cNvPr id="1" name=""/>
-        <p:cNvGrpSpPr/>
-        <p:nvPr/>
-      </p:nvGrpSpPr>
-      <p:grpSpPr>
-        <a:xfrm>
-          <a:off x="0" y="0"/>
-          <a:ext cx="0" cy="0"/>
-          <a:chOff x="0" y="0"/>
-          <a:chExt cx="0" cy="0"/>
-        </a:xfrm>
-      </p:grpSpPr>
-      <p:sp>
-        <p:nvSpPr>
-          <p:cNvPr id="2" name="Content Placeholder 1"/>
-          <p:cNvSpPr>
-            <a:spLocks noGrp="1"/>
-          </p:cNvSpPr>
-          <p:nvPr>
-            <p:ph sz="quarter" idx="13"/>
-          </p:nvPr>
-        </p:nvSpPr>
-        <p:spPr/>
-        <p:txBody>
-          <a:bodyPr>
-            <a:normAutofit/>
-          </a:bodyPr>
-          <a:lstStyle/>
-          <a:p>
-            <a:pPr marL="342900" indent="-342900" algn="l">
-              <a:buFont typeface="Arial"/>
-              <a:buChar char="•"/>
-            </a:pPr>
-            <a:r>
-              <a:rPr lang="en-US" dirty="0" smtClean="0"/>
-              <a:t>Support multiple browser</a:t>
-            </a:r>
-          </a:p>
-          <a:p>
-            <a:pPr algn="l"/>
-            <a:endParaRPr lang="en-US" dirty="0"/>
-          </a:p>
-          <a:p>
-            <a:pPr algn="l"/>
-            <a:r>
-              <a:rPr lang="en-US" dirty="0" smtClean="0"/>
-              <a:t>Next Few Weeks:</a:t>
-            </a:r>
-          </a:p>
-          <a:p>
-            <a:pPr marL="342900" indent="-342900" algn="l">
-              <a:buFont typeface="Arial"/>
-              <a:buChar char="•"/>
-            </a:pPr>
-            <a:r>
-              <a:rPr lang="en-US" dirty="0"/>
-              <a:t>S</a:t>
-            </a:r>
-            <a:r>
-              <a:rPr lang="en-US" dirty="0" smtClean="0"/>
-              <a:t>olve different browser compatibility</a:t>
-            </a:r>
-          </a:p>
-          <a:p>
-            <a:pPr marL="342900" indent="-342900" algn="l">
-              <a:buFont typeface="Arial"/>
-              <a:buChar char="•"/>
-            </a:pPr>
-            <a:r>
-              <a:rPr lang="en-US" dirty="0" smtClean="0"/>
-              <a:t>Do more survey and usability testing</a:t>
-            </a:r>
-          </a:p>
-          <a:p>
-            <a:pPr marL="342900" indent="-342900" algn="l">
-              <a:buFont typeface="Arial"/>
-              <a:buChar char="•"/>
-            </a:pPr>
-            <a:r>
-              <a:rPr lang="en-US" dirty="0"/>
-              <a:t>W</a:t>
-            </a:r>
-            <a:r>
-              <a:rPr lang="en-US" dirty="0" smtClean="0"/>
-              <a:t>rite report</a:t>
-            </a:r>
-          </a:p>
-          <a:p>
-            <a:pPr algn="l"/>
-            <a:endParaRPr lang="en-US" dirty="0"/>
-          </a:p>
-          <a:p>
-            <a:pPr algn="l"/>
-            <a:r>
-              <a:rPr lang="en-US" dirty="0" smtClean="0"/>
-              <a:t>Extension:</a:t>
-            </a:r>
-          </a:p>
-          <a:p>
-            <a:pPr marL="342900" indent="-342900" algn="l">
-              <a:buFont typeface="Arial"/>
-              <a:buChar char="•"/>
-            </a:pPr>
-            <a:r>
-              <a:rPr lang="en-US" dirty="0" smtClean="0"/>
-              <a:t>Incorporate solution to the pitfalls in our app </a:t>
-            </a:r>
-            <a:endParaRPr lang="en-US" dirty="0"/>
-          </a:p>
-        </p:txBody>
-      </p:sp>
-      <p:sp>
-        <p:nvSpPr>
-          <p:cNvPr id="3" name="Title 2"/>
-          <p:cNvSpPr>
-            <a:spLocks noGrp="1"/>
-          </p:cNvSpPr>
-          <p:nvPr>
-            <p:ph type="title"/>
-          </p:nvPr>
-        </p:nvSpPr>
-        <p:spPr/>
-        <p:txBody>
-          <a:bodyPr/>
-          <a:lstStyle/>
-          <a:p>
-            <a:r>
-              <a:rPr lang="en-US" dirty="0" smtClean="0"/>
-              <a:t>Challenges and future works</a:t>
-            </a:r>
-            <a:endParaRPr lang="en-US" dirty="0"/>
-          </a:p>
-        </p:txBody>
-      </p:sp>
-    </p:spTree>
-    <p:extLst>
-      <p:ext uri="{BB962C8B-B14F-4D97-AF65-F5344CB8AC3E}">
-        <p14:creationId xmlns:p14="http://schemas.microsoft.com/office/powerpoint/2010/main" val="2276343006"/>
-      </p:ext>
-    </p:extLst>
-  </p:cSld>
-  <p:clrMapOvr>
-    <a:masterClrMapping/>
-  </p:clrMapOvr>
-</p:sld>
-</file>
-
-<file path=ppt/slides/slide26.xml><?xml version="1.0" encoding="utf-8"?>
-<p:sld xmlns:a="http://schemas.openxmlformats.org/drawingml/2006/main" xmlns:r="http://schemas.openxmlformats.org/officeDocument/2006/relationships" xmlns:p="http://schemas.openxmlformats.org/presentationml/2006/main">
-  <p:cSld>
-    <p:spTree>
-      <p:nvGrpSpPr>
-        <p:cNvPr id="1" name=""/>
-        <p:cNvGrpSpPr/>
-        <p:nvPr/>
-      </p:nvGrpSpPr>
-      <p:grpSpPr>
-        <a:xfrm>
-          <a:off x="0" y="0"/>
-          <a:ext cx="0" cy="0"/>
-          <a:chOff x="0" y="0"/>
-          <a:chExt cx="0" cy="0"/>
-        </a:xfrm>
-      </p:grpSpPr>
-      <p:sp>
-        <p:nvSpPr>
-          <p:cNvPr id="2" name="Content Placeholder 1"/>
-          <p:cNvSpPr>
-            <a:spLocks noGrp="1"/>
-          </p:cNvSpPr>
-          <p:nvPr>
-            <p:ph sz="quarter" idx="13"/>
-          </p:nvPr>
-        </p:nvSpPr>
-        <p:spPr>
-          <a:xfrm>
-            <a:off x="457200" y="1477207"/>
-            <a:ext cx="8229600" cy="5079890"/>
-          </a:xfrm>
-        </p:spPr>
-        <p:txBody>
-          <a:bodyPr>
-            <a:normAutofit fontScale="85000" lnSpcReduction="10000"/>
-          </a:bodyPr>
-          <a:lstStyle/>
-          <a:p>
-            <a:r>
-              <a:rPr lang="en-US" sz="1600" dirty="0"/>
-              <a:t>[1] John W. McCormick. 2007. MA1: real-time and parallel processing in </a:t>
-            </a:r>
-            <a:r>
-              <a:rPr lang="en-US" sz="1600" dirty="0" err="1"/>
-              <a:t>ada</a:t>
-            </a:r>
-            <a:r>
-              <a:rPr lang="en-US" sz="1600" dirty="0"/>
-              <a:t>. </a:t>
-            </a:r>
-            <a:r>
-              <a:rPr lang="en-US" sz="1600" i="1" dirty="0"/>
-              <a:t>Ada </a:t>
-            </a:r>
-            <a:r>
-              <a:rPr lang="en-US" sz="1600" i="1" dirty="0" err="1"/>
-              <a:t>Lett</a:t>
-            </a:r>
-            <a:r>
-              <a:rPr lang="en-US" sz="1600" i="1" dirty="0"/>
-              <a:t>.</a:t>
-            </a:r>
-            <a:r>
-              <a:rPr lang="en-US" sz="1600" dirty="0"/>
-              <a:t> XXVII, 3 (November 2007), 7-7. DOI=10.1145/1315607.1315587 http://</a:t>
-            </a:r>
-            <a:r>
-              <a:rPr lang="en-US" sz="1600" dirty="0" err="1"/>
-              <a:t>doi.acm.org.ezproxy.auckland.ac.nz</a:t>
-            </a:r>
-            <a:r>
-              <a:rPr lang="en-US" sz="1600" dirty="0"/>
-              <a:t>/10.1145/1315607.1315587</a:t>
-            </a:r>
-          </a:p>
-          <a:p>
-            <a:r>
-              <a:rPr lang="en-US" sz="1600" dirty="0"/>
-              <a:t>[2] John W. McCormick. 2009. Ada for real-time and parallel processing. In </a:t>
-            </a:r>
-            <a:r>
-              <a:rPr lang="en-US" sz="1600" i="1" dirty="0"/>
-              <a:t>Proceedings of the ACM </a:t>
-            </a:r>
-            <a:r>
-              <a:rPr lang="en-US" sz="1600" i="1" dirty="0" err="1"/>
-              <a:t>SIGAda</a:t>
-            </a:r>
-            <a:r>
-              <a:rPr lang="en-US" sz="1600" i="1" dirty="0"/>
-              <a:t> annual international conference on Ada and related technologies</a:t>
-            </a:r>
-            <a:r>
-              <a:rPr lang="en-US" sz="1600" dirty="0"/>
-              <a:t> (</a:t>
-            </a:r>
-            <a:r>
-              <a:rPr lang="en-US" sz="1600" dirty="0" err="1"/>
-              <a:t>SIGAda</a:t>
-            </a:r>
-            <a:r>
-              <a:rPr lang="en-US" sz="1600" dirty="0"/>
-              <a:t> '09). ACM, New York, NY, USA, 13-14. DOI=10.1145/1647420.1647428 http://</a:t>
-            </a:r>
-            <a:r>
-              <a:rPr lang="en-US" sz="1600" dirty="0" err="1"/>
-              <a:t>doi.acm.org.ezproxy.auckland.ac.nz</a:t>
-            </a:r>
-            <a:r>
-              <a:rPr lang="en-US" sz="1600" dirty="0"/>
-              <a:t>/10.1145/1647420.1647428</a:t>
-            </a:r>
-          </a:p>
-          <a:p>
-            <a:r>
-              <a:rPr lang="en-US" sz="1600" dirty="0"/>
-              <a:t>[3] Dick Mays and Richard J. LeBlanc, Jr.. 2002. The </a:t>
-            </a:r>
-            <a:r>
-              <a:rPr lang="en-US" sz="1600" dirty="0" err="1"/>
-              <a:t>cyclefree</a:t>
-            </a:r>
-            <a:r>
-              <a:rPr lang="en-US" sz="1600" dirty="0"/>
-              <a:t> methodology: a simple approach to building reliable, robust, real-time systems. In </a:t>
-            </a:r>
-            <a:r>
-              <a:rPr lang="en-US" sz="1600" i="1" dirty="0"/>
-              <a:t>Proceedings of the 24th International Conference on Software Engineering</a:t>
-            </a:r>
-            <a:r>
-              <a:rPr lang="en-US" sz="1600" dirty="0"/>
-              <a:t> (ICSE '02). ACM, New York, NY, USA, 567-575. DOI=10.1145/581339.581411 http://</a:t>
-            </a:r>
-            <a:r>
-              <a:rPr lang="en-US" sz="1600" dirty="0" err="1"/>
-              <a:t>doi.acm.org.ezproxy.auckland.ac.nz</a:t>
-            </a:r>
-            <a:r>
-              <a:rPr lang="en-US" sz="1600" dirty="0"/>
-              <a:t>/10.1145/581339.581411</a:t>
-            </a:r>
-          </a:p>
-          <a:p>
-            <a:r>
-              <a:rPr lang="en-US" sz="1500" dirty="0" smtClean="0"/>
-              <a:t>[4] </a:t>
-            </a:r>
-            <a:r>
-              <a:rPr lang="en-US" sz="1500" dirty="0"/>
-              <a:t> N. </a:t>
-            </a:r>
-            <a:r>
-              <a:rPr lang="en-US" sz="1500" dirty="0" err="1"/>
-              <a:t>Giacaman</a:t>
-            </a:r>
-            <a:r>
-              <a:rPr lang="en-US" sz="1500" dirty="0"/>
-              <a:t>. Teaching by example: Using analogies and live coding demonstrations to teach parallel computing concepts to undergraduate </a:t>
-            </a:r>
-            <a:r>
-              <a:rPr lang="en-US" sz="1500" dirty="0" err="1"/>
-              <a:t>stu</a:t>
-            </a:r>
-            <a:r>
-              <a:rPr lang="en-US" sz="1500" dirty="0"/>
-              <a:t>- dents. In Parallel and Distributed Processing Symposium Workshops PhD Forum (IPDPSW), 2012 IEEE 26th International, pages 1295 –1298, may 2012. </a:t>
-            </a:r>
-            <a:endParaRPr lang="en-US" sz="1500" dirty="0" smtClean="0"/>
-          </a:p>
-          <a:p>
-            <a:r>
-              <a:rPr lang="en-US" sz="1500" dirty="0" smtClean="0"/>
-              <a:t>[5] </a:t>
-            </a:r>
-            <a:r>
-              <a:rPr lang="en-US" sz="1500" dirty="0" err="1"/>
-              <a:t>Mordechai</a:t>
-            </a:r>
-            <a:r>
-              <a:rPr lang="en-US" sz="1500" dirty="0"/>
-              <a:t> Ben-Ari and </a:t>
-            </a:r>
-            <a:r>
-              <a:rPr lang="en-US" sz="1500" dirty="0" err="1"/>
-              <a:t>Yifat</a:t>
-            </a:r>
-            <a:r>
-              <a:rPr lang="en-US" sz="1500" dirty="0"/>
-              <a:t> Ben-David </a:t>
-            </a:r>
-            <a:r>
-              <a:rPr lang="en-US" sz="1500" dirty="0" err="1"/>
-              <a:t>Kolikant</a:t>
-            </a:r>
-            <a:r>
-              <a:rPr lang="en-US" sz="1500" dirty="0"/>
-              <a:t>. Thinking parallel: the process of learning concurrency. SIGCSE Bull., 31(3):13–16, June 1999. </a:t>
-            </a:r>
-            <a:endParaRPr lang="en-US" sz="1500" dirty="0" smtClean="0"/>
-          </a:p>
-          <a:p>
-            <a:r>
-              <a:rPr lang="en-US" sz="1500" dirty="0" smtClean="0"/>
-              <a:t>[6] </a:t>
-            </a:r>
-            <a:r>
-              <a:rPr lang="en-US" sz="1500" dirty="0"/>
-              <a:t>http://publib.boulder.ibm.com/infocenter/iseries/v5r3/index.jsp?topic=%2Frzahw%</a:t>
-            </a:r>
-            <a:r>
-              <a:rPr lang="en-US" sz="1500" dirty="0" smtClean="0"/>
-              <a:t>2Frzahwmutco.htm</a:t>
-            </a:r>
-          </a:p>
-          <a:p>
-            <a:r>
-              <a:rPr lang="en-US" sz="1500" dirty="0" smtClean="0"/>
-              <a:t>[7] </a:t>
-            </a:r>
-            <a:r>
-              <a:rPr lang="en-US" sz="1500" dirty="0" err="1"/>
-              <a:t>Fancong</a:t>
-            </a:r>
-            <a:r>
-              <a:rPr lang="en-US" sz="1500" dirty="0"/>
-              <a:t> </a:t>
-            </a:r>
-            <a:r>
-              <a:rPr lang="en-US" sz="1500" dirty="0" err="1"/>
-              <a:t>Zeng</a:t>
-            </a:r>
-            <a:r>
-              <a:rPr lang="en-US" sz="1500" dirty="0"/>
-              <a:t>. "An Initial Study of Common Coding Pitfalls in Java Programs", in Proceedings of MASPLAS'03 Mid-Atlantic Student Workshop on Programming Languages and Systems, April, 2003</a:t>
-            </a:r>
-            <a:r>
-              <a:rPr lang="en-US" sz="1500" dirty="0" smtClean="0"/>
-              <a:t>.</a:t>
-            </a:r>
-          </a:p>
-          <a:p>
-            <a:r>
-              <a:rPr lang="en-US" sz="1500" dirty="0" smtClean="0"/>
-              <a:t>[8] </a:t>
-            </a:r>
-            <a:r>
-              <a:rPr lang="en-US" sz="1600" dirty="0"/>
-              <a:t>Sung-</a:t>
-            </a:r>
-            <a:r>
-              <a:rPr lang="en-US" sz="1600" dirty="0" err="1"/>
-              <a:t>Eun</a:t>
-            </a:r>
-            <a:r>
-              <a:rPr lang="en-US" sz="1600" dirty="0"/>
-              <a:t> Choi and E Christopher Lewis. A Study of </a:t>
-            </a:r>
-            <a:r>
-              <a:rPr lang="en-US" sz="1600" dirty="0" smtClean="0"/>
-              <a:t>Common </a:t>
-            </a:r>
-            <a:r>
-              <a:rPr lang="en-US" sz="1600" dirty="0"/>
-              <a:t>Pitfalls in Simple Multi-Threaded Programs. In </a:t>
-            </a:r>
-            <a:r>
-              <a:rPr lang="en-US" sz="1600" i="1" dirty="0" smtClean="0"/>
-              <a:t>Proceedings </a:t>
-            </a:r>
-            <a:r>
-              <a:rPr lang="en-US" sz="1600" i="1" dirty="0"/>
-              <a:t>of the Thirty-first ACM SIGCSE Technical Symposium on Computer Science Education, </a:t>
-            </a:r>
-            <a:r>
-              <a:rPr lang="en-US" sz="1600" dirty="0"/>
-              <a:t>March 2000. </a:t>
-            </a:r>
-            <a:endParaRPr lang="en-US" sz="1600" dirty="0" smtClean="0"/>
-          </a:p>
-          <a:p>
-            <a:r>
-              <a:rPr lang="en-US" sz="1600" dirty="0" smtClean="0"/>
-              <a:t>[9] </a:t>
-            </a:r>
-            <a:r>
-              <a:rPr lang="en-US" sz="1600" dirty="0" err="1"/>
-              <a:t>Tallent</a:t>
-            </a:r>
-            <a:r>
-              <a:rPr lang="en-US" sz="1600" dirty="0"/>
-              <a:t>, N. R.; Mellor-</a:t>
-            </a:r>
-            <a:r>
-              <a:rPr lang="en-US" sz="1600" dirty="0" err="1"/>
-              <a:t>Crummey</a:t>
-            </a:r>
-            <a:r>
-              <a:rPr lang="en-US" sz="1600" dirty="0"/>
-              <a:t>, J. M. &amp; Porterfield, A. (2010), Analyzing lock contention in multithreaded applications., in R. </a:t>
-            </a:r>
-            <a:r>
-              <a:rPr lang="en-US" sz="1600" dirty="0" err="1"/>
-              <a:t>Govindarajan</a:t>
-            </a:r>
-            <a:r>
-              <a:rPr lang="en-US" sz="1600" dirty="0"/>
-              <a:t>; David A. Padua &amp; Mary W. Hall, ed., 'PPOPP' , ACM, , pp. 269-280 </a:t>
-            </a:r>
-            <a:r>
-              <a:rPr lang="en-US" sz="1600" dirty="0" smtClean="0"/>
-              <a:t>.</a:t>
-            </a:r>
-          </a:p>
-          <a:p>
-            <a:endParaRPr lang="en-US" sz="1500" dirty="0" smtClean="0"/>
-          </a:p>
-          <a:p>
-            <a:endParaRPr lang="en-US" sz="1500" dirty="0"/>
-          </a:p>
-          <a:p>
-            <a:endParaRPr lang="en-US" sz="1500" dirty="0"/>
-          </a:p>
-          <a:p>
-            <a:endParaRPr lang="en-US" sz="1500" dirty="0"/>
-          </a:p>
-        </p:txBody>
-      </p:sp>
-      <p:sp>
-        <p:nvSpPr>
-          <p:cNvPr id="3" name="Title 2"/>
-          <p:cNvSpPr>
-            <a:spLocks noGrp="1"/>
-          </p:cNvSpPr>
-          <p:nvPr>
-            <p:ph type="title"/>
-          </p:nvPr>
-        </p:nvSpPr>
-        <p:spPr/>
-        <p:txBody>
-          <a:bodyPr/>
-          <a:lstStyle/>
-          <a:p>
-            <a:r>
-              <a:rPr lang="en-US" dirty="0" smtClean="0"/>
-              <a:t>References</a:t>
-            </a:r>
-            <a:endParaRPr lang="en-US" dirty="0"/>
-          </a:p>
-        </p:txBody>
-      </p:sp>
-    </p:spTree>
-    <p:extLst>
-      <p:ext uri="{BB962C8B-B14F-4D97-AF65-F5344CB8AC3E}">
-        <p14:creationId xmlns:p14="http://schemas.microsoft.com/office/powerpoint/2010/main" val="3408655997"/>
-      </p:ext>
-    </p:extLst>
-  </p:cSld>
-  <p:clrMapOvr>
-    <a:masterClrMapping/>
-  </p:clrMapOvr>
-</p:sld>
-</file>
-
-<file path=ppt/slides/slide27.xml><?xml version="1.0" encoding="utf-8"?>
-<p:sld xmlns:a="http://schemas.openxmlformats.org/drawingml/2006/main" xmlns:r="http://schemas.openxmlformats.org/officeDocument/2006/relationships" xmlns:p="http://schemas.openxmlformats.org/presentationml/2006/main">
-  <p:cSld>
-    <p:spTree>
-      <p:nvGrpSpPr>
-        <p:cNvPr id="1" name=""/>
-        <p:cNvGrpSpPr/>
-        <p:nvPr/>
-      </p:nvGrpSpPr>
-      <p:grpSpPr>
-        <a:xfrm>
-          <a:off x="0" y="0"/>
-          <a:ext cx="0" cy="0"/>
-          <a:chOff x="0" y="0"/>
-          <a:chExt cx="0" cy="0"/>
-        </a:xfrm>
-      </p:grpSpPr>
-      <p:sp>
-        <p:nvSpPr>
           <p:cNvPr id="2" name="Title 1"/>
           <p:cNvSpPr>
             <a:spLocks noGrp="1"/>
@@ -13903,7 +13175,7 @@
 </p:sld>
 </file>
 
-<file path=ppt/slides/slide28.xml><?xml version="1.0" encoding="utf-8"?>
+<file path=ppt/slides/slide25.xml><?xml version="1.0" encoding="utf-8"?>
 <p:sld xmlns:a="http://schemas.openxmlformats.org/drawingml/2006/main" xmlns:r="http://schemas.openxmlformats.org/officeDocument/2006/relationships" xmlns:p="http://schemas.openxmlformats.org/presentationml/2006/main">
   <p:cSld>
     <p:spTree>
@@ -14762,16 +14034,27 @@
           </a:p>
           <a:p>
             <a:pPr marL="342900" indent="-342900">
+              <a:spcBef>
+                <a:spcPts val="1200"/>
+              </a:spcBef>
               <a:buFont typeface="Arial"/>
               <a:buChar char="•"/>
             </a:pPr>
             <a:r>
               <a:rPr lang="en-US" dirty="0" smtClean="0"/>
-              <a:t>The authors of [1][2][3] has specifically mentioned in their papers that Race Condition is the main pitfalls that all programmers always facing.</a:t>
-            </a:r>
+              <a:t>The authors of [1][2][3] has specifically mentioned in their papers that Race Condition is the main pitfalls that all programmers always facing</a:t>
+            </a:r>
+            <a:r>
+              <a:rPr lang="en-US" dirty="0" smtClean="0"/>
+              <a:t>.</a:t>
+            </a:r>
+            <a:endParaRPr lang="en-US" dirty="0" smtClean="0"/>
           </a:p>
           <a:p>
             <a:pPr marL="342900" indent="-342900">
+              <a:spcBef>
+                <a:spcPts val="1200"/>
+              </a:spcBef>
               <a:buFont typeface="Arial"/>
               <a:buChar char="•"/>
             </a:pPr>
@@ -14793,11 +14076,19 @@
             </a:r>
             <a:r>
               <a:rPr lang="en-US" dirty="0" smtClean="0"/>
-              <a:t> in [5] have included Mutual Exclusion into their lecturing materials</a:t>
-            </a:r>
+              <a:t> in [5] have included Mutual Exclusion into their lecturing </a:t>
+            </a:r>
+            <a:r>
+              <a:rPr lang="en-US" dirty="0" smtClean="0"/>
+              <a:t>materials.</a:t>
+            </a:r>
+            <a:endParaRPr lang="en-US" dirty="0" smtClean="0"/>
           </a:p>
           <a:p>
             <a:pPr marL="342900" indent="-342900">
+              <a:spcBef>
+                <a:spcPts val="1200"/>
+              </a:spcBef>
               <a:buFont typeface="Arial"/>
               <a:buChar char="•"/>
             </a:pPr>
@@ -14844,6 +14135,9 @@
           </a:p>
           <a:p>
             <a:pPr marL="342900" indent="-342900">
+              <a:spcBef>
+                <a:spcPts val="1200"/>
+              </a:spcBef>
               <a:buFont typeface="Arial"/>
               <a:buChar char="•"/>
             </a:pPr>
@@ -15400,48 +14694,110 @@
         </p:nvSpPr>
         <p:spPr/>
         <p:txBody>
-          <a:bodyPr/>
+          <a:bodyPr>
+            <a:normAutofit/>
+          </a:bodyPr>
           <a:lstStyle/>
           <a:p>
-            <a:pPr algn="l"/>
-            <a:r>
-              <a:rPr lang="en-US" dirty="0" smtClean="0"/>
-              <a:t>+ what is race condition</a:t>
-            </a:r>
-          </a:p>
-          <a:p>
-            <a:pPr algn="l"/>
-            <a:r>
-              <a:rPr lang="en-US" dirty="0" smtClean="0"/>
-              <a:t>+ how to solve race condition</a:t>
-            </a:r>
-          </a:p>
-          <a:p>
-            <a:pPr algn="l"/>
-            <a:endParaRPr lang="en-US" dirty="0"/>
-          </a:p>
-          <a:p>
-            <a:pPr algn="l"/>
+            <a:pPr marL="342900" indent="-342900">
+              <a:buFont typeface="Arial"/>
+              <a:buChar char="•"/>
+            </a:pPr>
+            <a:r>
+              <a:rPr lang="en-US" dirty="0" smtClean="0"/>
+              <a:t>A race </a:t>
+            </a:r>
+            <a:r>
+              <a:rPr lang="en-US" dirty="0"/>
+              <a:t>condition in parallel programming caused by </a:t>
+            </a:r>
+            <a:r>
+              <a:rPr lang="en-US" sz="3100" b="1" dirty="0">
+                <a:solidFill>
+                  <a:srgbClr val="FFFF00"/>
+                </a:solidFill>
+              </a:rPr>
+              <a:t>the order </a:t>
+            </a:r>
+            <a:r>
+              <a:rPr lang="en-US" dirty="0"/>
+              <a:t>in which </a:t>
+            </a:r>
+            <a:r>
+              <a:rPr lang="en-US" sz="3400" b="1" dirty="0">
+                <a:solidFill>
+                  <a:srgbClr val="FFFF00"/>
+                </a:solidFill>
+              </a:rPr>
+              <a:t>multiple threads </a:t>
+            </a:r>
+            <a:r>
+              <a:rPr lang="en-US" dirty="0"/>
+              <a:t>access a </a:t>
+            </a:r>
+            <a:r>
+              <a:rPr lang="en-US" sz="3400" b="1" dirty="0">
+                <a:solidFill>
+                  <a:srgbClr val="FFFF00"/>
+                </a:solidFill>
+              </a:rPr>
+              <a:t>shared variable </a:t>
+            </a:r>
+            <a:r>
+              <a:rPr lang="en-US" dirty="0"/>
+              <a:t>and at least one thread </a:t>
+            </a:r>
+            <a:r>
+              <a:rPr lang="en-US" sz="3400" b="1" dirty="0">
+                <a:solidFill>
+                  <a:srgbClr val="FFFF00"/>
+                </a:solidFill>
+              </a:rPr>
+              <a:t>writes</a:t>
+            </a:r>
+            <a:r>
+              <a:rPr lang="en-US" dirty="0">
+                <a:solidFill>
+                  <a:srgbClr val="FFFF00"/>
+                </a:solidFill>
+              </a:rPr>
+              <a:t> </a:t>
+            </a:r>
+            <a:r>
+              <a:rPr lang="en-US" dirty="0"/>
+              <a:t>to it.</a:t>
+            </a:r>
+          </a:p>
+          <a:p>
+            <a:pPr marL="342900" indent="-342900" algn="l">
+              <a:buFont typeface="Arial"/>
+              <a:buChar char="•"/>
+            </a:pPr>
             <a:endParaRPr lang="en-US" dirty="0" smtClean="0"/>
           </a:p>
           <a:p>
-            <a:pPr algn="l"/>
-            <a:endParaRPr lang="en-US" dirty="0" smtClean="0"/>
-          </a:p>
-          <a:p>
-            <a:pPr algn="l"/>
-            <a:r>
-              <a:rPr lang="en-US" dirty="0" smtClean="0"/>
-              <a:t>+ Why it is a problem</a:t>
-            </a:r>
-          </a:p>
-          <a:p>
-            <a:pPr algn="l"/>
-            <a:r>
-              <a:rPr lang="en-US" dirty="0" smtClean="0"/>
-              <a:t>+ Demo</a:t>
-            </a:r>
-            <a:endParaRPr lang="en-US" dirty="0"/>
+            <a:pPr marL="342900" indent="-342900" algn="l">
+              <a:buFont typeface="Arial"/>
+              <a:buChar char="•"/>
+            </a:pPr>
+            <a:r>
+              <a:rPr lang="en-US" dirty="0" smtClean="0"/>
+              <a:t>It can be solved:</a:t>
+            </a:r>
+          </a:p>
+          <a:p>
+            <a:pPr marL="628650" lvl="1" indent="-342900"/>
+            <a:r>
+              <a:rPr lang="en-US" dirty="0" smtClean="0"/>
+              <a:t>Mutual Exclusion</a:t>
+            </a:r>
+          </a:p>
+          <a:p>
+            <a:pPr marL="628650" lvl="1" indent="-342900"/>
+            <a:r>
+              <a:rPr lang="en-US" dirty="0" smtClean="0"/>
+              <a:t>Atomic</a:t>
+            </a:r>
           </a:p>
         </p:txBody>
       </p:sp>
@@ -15510,109 +14866,35 @@
         </p:nvSpPr>
         <p:spPr/>
         <p:txBody>
-          <a:bodyPr>
-            <a:normAutofit/>
-          </a:bodyPr>
+          <a:bodyPr/>
           <a:lstStyle/>
           <a:p>
-            <a:pPr algn="l"/>
-            <a:r>
-              <a:rPr lang="en-US" dirty="0" smtClean="0"/>
-              <a:t>what is it ?</a:t>
-            </a:r>
-          </a:p>
-          <a:p>
-            <a:pPr algn="l"/>
-            <a:r>
-              <a:rPr lang="en-US" dirty="0" smtClean="0"/>
-              <a:t>  A condition in parallel programming caused by </a:t>
-            </a:r>
-            <a:r>
-              <a:rPr lang="en-US" sz="3100" b="1" dirty="0" smtClean="0">
-                <a:solidFill>
-                  <a:srgbClr val="FFFF00"/>
-                </a:solidFill>
-              </a:rPr>
-              <a:t>the order </a:t>
-            </a:r>
-            <a:r>
-              <a:rPr lang="en-US" dirty="0" smtClean="0"/>
-              <a:t>in which </a:t>
-            </a:r>
-            <a:r>
-              <a:rPr lang="en-US" sz="3400" b="1" dirty="0" smtClean="0">
-                <a:solidFill>
-                  <a:srgbClr val="FFFF00"/>
-                </a:solidFill>
-              </a:rPr>
-              <a:t>multiple threads </a:t>
-            </a:r>
-            <a:r>
-              <a:rPr lang="en-US" dirty="0" smtClean="0"/>
-              <a:t>access a </a:t>
-            </a:r>
-            <a:r>
-              <a:rPr lang="en-US" sz="3400" b="1" dirty="0" smtClean="0">
-                <a:solidFill>
-                  <a:srgbClr val="FFFF00"/>
-                </a:solidFill>
-              </a:rPr>
-              <a:t>shared variable </a:t>
-            </a:r>
-            <a:r>
-              <a:rPr lang="en-US" dirty="0" smtClean="0"/>
-              <a:t>and at least one thread </a:t>
-            </a:r>
-            <a:r>
-              <a:rPr lang="en-US" sz="3400" b="1" dirty="0" smtClean="0">
-                <a:solidFill>
-                  <a:srgbClr val="FFFF00"/>
-                </a:solidFill>
-              </a:rPr>
-              <a:t>writes</a:t>
-            </a:r>
-            <a:r>
-              <a:rPr lang="en-US" dirty="0" smtClean="0">
-                <a:solidFill>
-                  <a:srgbClr val="FFFF00"/>
-                </a:solidFill>
-              </a:rPr>
-              <a:t> </a:t>
-            </a:r>
-            <a:r>
-              <a:rPr lang="en-US" dirty="0" smtClean="0"/>
-              <a:t>to it.</a:t>
-            </a:r>
-          </a:p>
-          <a:p>
-            <a:pPr algn="l"/>
-            <a:endParaRPr lang="en-US" dirty="0" smtClean="0"/>
-          </a:p>
-          <a:p>
-            <a:pPr marL="0" lvl="1" indent="0">
-              <a:buNone/>
+            <a:pPr marL="342900" indent="-342900">
+              <a:buFont typeface="Arial"/>
+              <a:buChar char="•"/>
             </a:pPr>
-            <a:endParaRPr lang="en-US" dirty="0" smtClean="0"/>
-          </a:p>
-          <a:p>
-            <a:pPr algn="l"/>
-            <a:endParaRPr lang="en-US" dirty="0" smtClean="0"/>
-          </a:p>
-          <a:p>
-            <a:pPr algn="l"/>
-            <a:endParaRPr lang="en-US" dirty="0" smtClean="0"/>
-          </a:p>
-          <a:p>
-            <a:pPr algn="l"/>
+            <a:r>
+              <a:rPr lang="en-US" dirty="0"/>
+              <a:t>It is non deterministic : </a:t>
+            </a:r>
+            <a:r>
+              <a:rPr lang="en-GB" dirty="0"/>
+              <a:t>can exhibit different behaviours on different runs</a:t>
+            </a:r>
             <a:endParaRPr lang="en-US" dirty="0"/>
           </a:p>
           <a:p>
-            <a:pPr algn="l"/>
-            <a:endParaRPr lang="en-US" dirty="0" smtClean="0"/>
-          </a:p>
-          <a:p>
-            <a:pPr algn="l"/>
-            <a:endParaRPr lang="en-US" dirty="0" smtClean="0"/>
+            <a:endParaRPr lang="en-US" dirty="0"/>
+          </a:p>
+          <a:p>
+            <a:pPr marL="342900" indent="-342900">
+              <a:buFont typeface="Arial"/>
+              <a:buChar char="•"/>
+            </a:pPr>
+            <a:r>
+              <a:rPr lang="en-US" dirty="0" smtClean="0"/>
+              <a:t>Why?	[10] explains that:</a:t>
+            </a:r>
           </a:p>
         </p:txBody>
       </p:sp>
@@ -15632,9 +14914,57 @@
           <a:lstStyle/>
           <a:p>
             <a:r>
-              <a:rPr lang="en-US" dirty="0" smtClean="0"/>
-              <a:t>Race Condition</a:t>
-            </a:r>
+              <a:rPr lang="en-NZ" dirty="0"/>
+              <a:t>Why is it a Pitfall?</a:t>
+            </a:r>
+            <a:endParaRPr lang="en-US" dirty="0"/>
+          </a:p>
+        </p:txBody>
+      </p:sp>
+      <p:graphicFrame>
+        <p:nvGraphicFramePr>
+          <p:cNvPr id="4" name="Diagram 3"/>
+          <p:cNvGraphicFramePr/>
+          <p:nvPr>
+            <p:extLst>
+              <p:ext uri="{D42A27DB-BD31-4B8C-83A1-F6EECF244321}">
+                <p14:modId xmlns:p14="http://schemas.microsoft.com/office/powerpoint/2010/main" val="1769372631"/>
+              </p:ext>
+            </p:extLst>
+          </p:nvPr>
+        </p:nvGraphicFramePr>
+        <p:xfrm>
+          <a:off x="2238373" y="3427607"/>
+          <a:ext cx="3752192" cy="2380593"/>
+        </p:xfrm>
+        <a:graphic>
+          <a:graphicData uri="http://schemas.openxmlformats.org/drawingml/2006/diagram">
+            <dgm:relIds xmlns:dgm="http://schemas.openxmlformats.org/drawingml/2006/diagram" xmlns:r="http://schemas.openxmlformats.org/officeDocument/2006/relationships" r:dm="rId2" r:lo="rId3" r:qs="rId4" r:cs="rId5"/>
+          </a:graphicData>
+        </a:graphic>
+      </p:graphicFrame>
+      <p:sp>
+        <p:nvSpPr>
+          <p:cNvPr id="5" name="TextBox 4"/>
+          <p:cNvSpPr txBox="1"/>
+          <p:nvPr/>
+        </p:nvSpPr>
+        <p:spPr>
+          <a:xfrm>
+            <a:off x="6350496" y="5593417"/>
+            <a:ext cx="184666" cy="369332"/>
+          </a:xfrm>
+          <a:prstGeom prst="rect">
+            <a:avLst/>
+          </a:prstGeom>
+          <a:noFill/>
+        </p:spPr>
+        <p:txBody>
+          <a:bodyPr wrap="none" rtlCol="0">
+            <a:spAutoFit/>
+          </a:bodyPr>
+          <a:lstStyle/>
+          <a:p>
             <a:endParaRPr lang="en-US" dirty="0"/>
           </a:p>
         </p:txBody>
@@ -15642,20 +14972,13 @@
     </p:spTree>
     <p:extLst>
       <p:ext uri="{BB962C8B-B14F-4D97-AF65-F5344CB8AC3E}">
-        <p14:creationId xmlns:p14="http://schemas.microsoft.com/office/powerpoint/2010/main" val="3236641872"/>
+        <p14:creationId xmlns:p14="http://schemas.microsoft.com/office/powerpoint/2010/main" val="2598569917"/>
       </p:ext>
     </p:extLst>
   </p:cSld>
   <p:clrMapOvr>
     <a:masterClrMapping/>
   </p:clrMapOvr>
-  <p:timing>
-    <p:tnLst>
-      <p:par>
-        <p:cTn xmlns:p14="http://schemas.microsoft.com/office/powerpoint/2010/main" id="1" dur="indefinite" restart="never" nodeType="tmRoot"/>
-      </p:par>
-    </p:tnLst>
-  </p:timing>
 </p:sld>
 </file>
 

--- a/Presentation.pptx
+++ b/Presentation.pptx
@@ -5,7 +5,7 @@
     <p:sldMasterId id="2147484209" r:id="rId1"/>
   </p:sldMasterIdLst>
   <p:notesMasterIdLst>
-    <p:notesMasterId r:id="rId27"/>
+    <p:notesMasterId r:id="rId26"/>
   </p:notesMasterIdLst>
   <p:sldIdLst>
     <p:sldId id="266" r:id="rId2"/>
@@ -14,7 +14,7 @@
     <p:sldId id="270" r:id="rId5"/>
     <p:sldId id="268" r:id="rId6"/>
     <p:sldId id="272" r:id="rId7"/>
-    <p:sldId id="269" r:id="rId8"/>
+    <p:sldId id="299" r:id="rId8"/>
     <p:sldId id="273" r:id="rId9"/>
     <p:sldId id="298" r:id="rId10"/>
     <p:sldId id="296" r:id="rId11"/>
@@ -22,17 +22,16 @@
     <p:sldId id="285" r:id="rId13"/>
     <p:sldId id="297" r:id="rId14"/>
     <p:sldId id="286" r:id="rId15"/>
-    <p:sldId id="287" r:id="rId16"/>
-    <p:sldId id="289" r:id="rId17"/>
-    <p:sldId id="290" r:id="rId18"/>
-    <p:sldId id="292" r:id="rId19"/>
-    <p:sldId id="291" r:id="rId20"/>
+    <p:sldId id="289" r:id="rId16"/>
+    <p:sldId id="290" r:id="rId17"/>
+    <p:sldId id="287" r:id="rId18"/>
+    <p:sldId id="291" r:id="rId19"/>
+    <p:sldId id="292" r:id="rId20"/>
     <p:sldId id="279" r:id="rId21"/>
     <p:sldId id="284" r:id="rId22"/>
     <p:sldId id="280" r:id="rId23"/>
     <p:sldId id="283" r:id="rId24"/>
     <p:sldId id="264" r:id="rId25"/>
-    <p:sldId id="263" r:id="rId26"/>
   </p:sldIdLst>
   <p:sldSz cx="9144000" cy="6858000" type="screen4x3"/>
   <p:notesSz cx="6858000" cy="9144000"/>
@@ -133,7 +132,7 @@
   </p:defaultTextStyle>
   <p:extLst>
     <p:ext uri="{EFAFB233-063F-42B5-8137-9DF3F51BA10A}">
-      <p15:sldGuideLst xmlns:p15="http://schemas.microsoft.com/office/powerpoint/2012/main" xmlns="">
+      <p15:sldGuideLst xmlns="" xmlns:p15="http://schemas.microsoft.com/office/powerpoint/2012/main">
         <p15:guide id="1" orient="horz" pos="2160">
           <p15:clr>
             <a:srgbClr val="A4A3A4"/>
@@ -1521,14 +1520,14 @@
   <dgm:cxnLst>
     <dgm:cxn modelId="{403D09CB-3DEF-427C-84A3-2D15D76B7A53}" srcId="{40D79F5D-9931-426A-B669-B5BEF7A8CB2A}" destId="{3AA3768D-3D9A-436E-B602-C5A59FFBAFEC}" srcOrd="2" destOrd="0" parTransId="{69D1AD42-D6FA-4265-A5B6-21AE5DE52F49}" sibTransId="{2BBBA67C-FB53-420E-A852-4FFB9F36C3D8}"/>
     <dgm:cxn modelId="{D94C8215-C6ED-E94E-97C7-9EC189E60289}" type="presOf" srcId="{3AA3768D-3D9A-436E-B602-C5A59FFBAFEC}" destId="{3993AE0D-00D5-4833-B7EE-98DC82C8871A}" srcOrd="0" destOrd="0" presId="urn:microsoft.com/office/officeart/2005/8/layout/vProcess5"/>
+    <dgm:cxn modelId="{CEA9DEB2-927A-864D-BB3E-A70895BDBF39}" type="presOf" srcId="{4AB9B9E1-0E17-4B9A-9E84-EBD70D080BD2}" destId="{0832F444-92D2-47E6-98A0-8BDAC29754BB}" srcOrd="0" destOrd="0" presId="urn:microsoft.com/office/officeart/2005/8/layout/vProcess5"/>
     <dgm:cxn modelId="{3C767E61-B610-1C42-B900-6FB3B87304BF}" type="presOf" srcId="{B65907B1-A1E2-4DB5-AD4F-8C30C2899521}" destId="{0B5C20D8-F3D2-4A91-9863-5048A6822435}" srcOrd="0" destOrd="0" presId="urn:microsoft.com/office/officeart/2005/8/layout/vProcess5"/>
-    <dgm:cxn modelId="{CEA9DEB2-927A-864D-BB3E-A70895BDBF39}" type="presOf" srcId="{4AB9B9E1-0E17-4B9A-9E84-EBD70D080BD2}" destId="{0832F444-92D2-47E6-98A0-8BDAC29754BB}" srcOrd="0" destOrd="0" presId="urn:microsoft.com/office/officeart/2005/8/layout/vProcess5"/>
     <dgm:cxn modelId="{0D4DCFDE-4EFA-1243-AA2E-C41C28463EC9}" type="presOf" srcId="{3AA3768D-3D9A-436E-B602-C5A59FFBAFEC}" destId="{42984757-C35D-419F-951B-D474C0F6B932}" srcOrd="1" destOrd="0" presId="urn:microsoft.com/office/officeart/2005/8/layout/vProcess5"/>
     <dgm:cxn modelId="{473AA0C4-5308-499D-92F2-02581DCDFAA9}" srcId="{40D79F5D-9931-426A-B669-B5BEF7A8CB2A}" destId="{19F66229-03FD-4C0D-813E-0BBEDEFFF908}" srcOrd="3" destOrd="0" parTransId="{AB547BD5-E52F-4825-B13C-D43FC409A135}" sibTransId="{4A4A86F0-2078-45AB-A42B-5F48DC625232}"/>
     <dgm:cxn modelId="{0D9AF34A-188C-4EAD-B738-59B597E77A61}" srcId="{40D79F5D-9931-426A-B669-B5BEF7A8CB2A}" destId="{051D639B-9540-49CA-B2FE-59596106A0A5}" srcOrd="0" destOrd="0" parTransId="{F0039EB1-2518-4A9D-8C56-8BBD69D7639C}" sibTransId="{14C59C04-0774-49DC-92F8-8CCD4F26B60A}"/>
     <dgm:cxn modelId="{152E41D8-AFF3-9B49-9F13-39DC9DC9551B}" type="presOf" srcId="{14C59C04-0774-49DC-92F8-8CCD4F26B60A}" destId="{7FFB4B13-9E00-456A-AB61-E8FBB5B48DF0}" srcOrd="0" destOrd="0" presId="urn:microsoft.com/office/officeart/2005/8/layout/vProcess5"/>
+    <dgm:cxn modelId="{8A96F974-D67F-9542-A5E0-D44346BAB564}" type="presOf" srcId="{B65907B1-A1E2-4DB5-AD4F-8C30C2899521}" destId="{1A38F754-A13E-4CE4-9DB0-0E6A06416449}" srcOrd="1" destOrd="0" presId="urn:microsoft.com/office/officeart/2005/8/layout/vProcess5"/>
     <dgm:cxn modelId="{F58F18F9-E9FE-4B9B-BD77-400B4F780D73}" srcId="{40D79F5D-9931-426A-B669-B5BEF7A8CB2A}" destId="{98BAC4C6-25D8-45DD-B216-10036A6EE41A}" srcOrd="1" destOrd="0" parTransId="{24759866-9B0B-467A-A97F-F98A10176916}" sibTransId="{4AB9B9E1-0E17-4B9A-9E84-EBD70D080BD2}"/>
-    <dgm:cxn modelId="{8A96F974-D67F-9542-A5E0-D44346BAB564}" type="presOf" srcId="{B65907B1-A1E2-4DB5-AD4F-8C30C2899521}" destId="{1A38F754-A13E-4CE4-9DB0-0E6A06416449}" srcOrd="1" destOrd="0" presId="urn:microsoft.com/office/officeart/2005/8/layout/vProcess5"/>
     <dgm:cxn modelId="{8CC23907-41D8-B541-8329-5B7F611DE963}" type="presOf" srcId="{98BAC4C6-25D8-45DD-B216-10036A6EE41A}" destId="{1B72FD27-49CA-4EA6-B9E7-8CFEE2146117}" srcOrd="0" destOrd="0" presId="urn:microsoft.com/office/officeart/2005/8/layout/vProcess5"/>
     <dgm:cxn modelId="{930B0CC0-F6BE-0D45-B87A-63F267E290AB}" type="presOf" srcId="{4A4A86F0-2078-45AB-A42B-5F48DC625232}" destId="{74B6E5F5-23FD-4BCB-8A3C-F74042048EC7}" srcOrd="0" destOrd="0" presId="urn:microsoft.com/office/officeart/2005/8/layout/vProcess5"/>
     <dgm:cxn modelId="{61025FFD-3628-2447-8F1E-12383D4608EE}" type="presOf" srcId="{98BAC4C6-25D8-45DD-B216-10036A6EE41A}" destId="{62521164-133C-4FE3-8FE4-95C2B86AEB4C}" srcOrd="1" destOrd="0" presId="urn:microsoft.com/office/officeart/2005/8/layout/vProcess5"/>
@@ -5412,197 +5411,6 @@
 </p:notes>
 </file>
 
-<file path=ppt/notesSlides/notesSlide10.xml><?xml version="1.0" encoding="utf-8"?>
-<p:notes xmlns:a="http://schemas.openxmlformats.org/drawingml/2006/main" xmlns:r="http://schemas.openxmlformats.org/officeDocument/2006/relationships" xmlns:p="http://schemas.openxmlformats.org/presentationml/2006/main">
-  <p:cSld>
-    <p:spTree>
-      <p:nvGrpSpPr>
-        <p:cNvPr id="1" name=""/>
-        <p:cNvGrpSpPr/>
-        <p:nvPr/>
-      </p:nvGrpSpPr>
-      <p:grpSpPr>
-        <a:xfrm>
-          <a:off x="0" y="0"/>
-          <a:ext cx="0" cy="0"/>
-          <a:chOff x="0" y="0"/>
-          <a:chExt cx="0" cy="0"/>
-        </a:xfrm>
-      </p:grpSpPr>
-      <p:sp>
-        <p:nvSpPr>
-          <p:cNvPr id="2" name="Slide Image Placeholder 1"/>
-          <p:cNvSpPr>
-            <a:spLocks noGrp="1" noRot="1" noChangeAspect="1"/>
-          </p:cNvSpPr>
-          <p:nvPr>
-            <p:ph type="sldImg"/>
-          </p:nvPr>
-        </p:nvSpPr>
-        <p:spPr/>
-      </p:sp>
-      <p:sp>
-        <p:nvSpPr>
-          <p:cNvPr id="3" name="Notes Placeholder 2"/>
-          <p:cNvSpPr>
-            <a:spLocks noGrp="1"/>
-          </p:cNvSpPr>
-          <p:nvPr>
-            <p:ph type="body" idx="1"/>
-          </p:nvPr>
-        </p:nvSpPr>
-        <p:spPr/>
-        <p:txBody>
-          <a:bodyPr/>
-          <a:lstStyle/>
-          <a:p>
-            <a:endParaRPr lang="en-US" dirty="0"/>
-          </a:p>
-        </p:txBody>
-      </p:sp>
-      <p:sp>
-        <p:nvSpPr>
-          <p:cNvPr id="4" name="Slide Number Placeholder 3"/>
-          <p:cNvSpPr>
-            <a:spLocks noGrp="1"/>
-          </p:cNvSpPr>
-          <p:nvPr>
-            <p:ph type="sldNum" sz="quarter" idx="10"/>
-          </p:nvPr>
-        </p:nvSpPr>
-        <p:spPr/>
-        <p:txBody>
-          <a:bodyPr/>
-          <a:lstStyle/>
-          <a:p>
-            <a:fld id="{4B5DE452-D96A-B043-A19B-3F6D5B1BBA3B}" type="slidenum">
-              <a:rPr lang="en-US" smtClean="0"/>
-              <a:t>23</a:t>
-            </a:fld>
-            <a:endParaRPr lang="en-US"/>
-          </a:p>
-        </p:txBody>
-      </p:sp>
-    </p:spTree>
-    <p:extLst>
-      <p:ext uri="{BB962C8B-B14F-4D97-AF65-F5344CB8AC3E}">
-        <p14:creationId xmlns:p14="http://schemas.microsoft.com/office/powerpoint/2010/main" val="2122580804"/>
-      </p:ext>
-    </p:extLst>
-  </p:cSld>
-  <p:clrMapOvr>
-    <a:masterClrMapping/>
-  </p:clrMapOvr>
-</p:notes>
-</file>
-
-<file path=ppt/notesSlides/notesSlide11.xml><?xml version="1.0" encoding="utf-8"?>
-<p:notes xmlns:a="http://schemas.openxmlformats.org/drawingml/2006/main" xmlns:r="http://schemas.openxmlformats.org/officeDocument/2006/relationships" xmlns:p="http://schemas.openxmlformats.org/presentationml/2006/main">
-  <p:cSld>
-    <p:spTree>
-      <p:nvGrpSpPr>
-        <p:cNvPr id="1" name=""/>
-        <p:cNvGrpSpPr/>
-        <p:nvPr/>
-      </p:nvGrpSpPr>
-      <p:grpSpPr>
-        <a:xfrm>
-          <a:off x="0" y="0"/>
-          <a:ext cx="0" cy="0"/>
-          <a:chOff x="0" y="0"/>
-          <a:chExt cx="0" cy="0"/>
-        </a:xfrm>
-      </p:grpSpPr>
-      <p:sp>
-        <p:nvSpPr>
-          <p:cNvPr id="2" name="Slide Image Placeholder 1"/>
-          <p:cNvSpPr>
-            <a:spLocks noGrp="1" noRot="1" noChangeAspect="1"/>
-          </p:cNvSpPr>
-          <p:nvPr>
-            <p:ph type="sldImg"/>
-          </p:nvPr>
-        </p:nvSpPr>
-        <p:spPr/>
-      </p:sp>
-      <p:sp>
-        <p:nvSpPr>
-          <p:cNvPr id="3" name="Notes Placeholder 2"/>
-          <p:cNvSpPr>
-            <a:spLocks noGrp="1"/>
-          </p:cNvSpPr>
-          <p:nvPr>
-            <p:ph type="body" idx="1"/>
-          </p:nvPr>
-        </p:nvSpPr>
-        <p:spPr/>
-        <p:txBody>
-          <a:bodyPr/>
-          <a:lstStyle/>
-          <a:p>
-            <a:r>
-              <a:rPr lang="en-US" dirty="0" smtClean="0"/>
-              <a:t>Starvation</a:t>
-            </a:r>
-          </a:p>
-          <a:p>
-            <a:r>
-              <a:rPr lang="en-US" dirty="0" smtClean="0"/>
-              <a:t>For example, suppose an object provides a synchronized method that often takes a long time to return. If one thread invokes this method frequently, other threads that also need frequent synchronized access to the same object will often be blocked.</a:t>
-            </a:r>
-          </a:p>
-          <a:p>
-            <a:r>
-              <a:rPr lang="en-US" dirty="0" err="1" smtClean="0"/>
-              <a:t>Livelock</a:t>
-            </a:r>
-            <a:endParaRPr lang="en-US" dirty="0" smtClean="0"/>
-          </a:p>
-          <a:p>
-            <a:r>
-              <a:rPr lang="en-US" dirty="0" smtClean="0"/>
-              <a:t>This is comparable to two people attempting to pass each other in a corridor: Bob moves to his left to let Emma pass, while Emma moves to his right to let Bob pass. Seeing that they are still blocking each other, Bob moves to his right, while Emma moves to his left. They're still blocking each other, so...</a:t>
-            </a:r>
-            <a:endParaRPr lang="en-US" dirty="0"/>
-          </a:p>
-        </p:txBody>
-      </p:sp>
-      <p:sp>
-        <p:nvSpPr>
-          <p:cNvPr id="4" name="Slide Number Placeholder 3"/>
-          <p:cNvSpPr>
-            <a:spLocks noGrp="1"/>
-          </p:cNvSpPr>
-          <p:nvPr>
-            <p:ph type="sldNum" sz="quarter" idx="10"/>
-          </p:nvPr>
-        </p:nvSpPr>
-        <p:spPr/>
-        <p:txBody>
-          <a:bodyPr/>
-          <a:lstStyle/>
-          <a:p>
-            <a:fld id="{56BE3D67-E84A-6F4F-8E3B-3BC46E162796}" type="slidenum">
-              <a:rPr lang="en-US" smtClean="0"/>
-              <a:t>25</a:t>
-            </a:fld>
-            <a:endParaRPr lang="en-US"/>
-          </a:p>
-        </p:txBody>
-      </p:sp>
-    </p:spTree>
-    <p:extLst>
-      <p:ext uri="{BB962C8B-B14F-4D97-AF65-F5344CB8AC3E}">
-        <p14:creationId xmlns:p14="http://schemas.microsoft.com/office/powerpoint/2010/main" val="2959195531"/>
-      </p:ext>
-    </p:extLst>
-  </p:cSld>
-  <p:clrMapOvr>
-    <a:masterClrMapping/>
-  </p:clrMapOvr>
-</p:notes>
-</file>
-
 <file path=ppt/notesSlides/notesSlide2.xml><?xml version="1.0" encoding="utf-8"?>
 <p:notes xmlns:a="http://schemas.openxmlformats.org/drawingml/2006/main" xmlns:r="http://schemas.openxmlformats.org/officeDocument/2006/relationships" xmlns:p="http://schemas.openxmlformats.org/presentationml/2006/main">
   <p:cSld>
@@ -5884,32 +5692,33 @@
           <a:bodyPr/>
           <a:lstStyle/>
           <a:p>
-            <a:pPr marL="0" marR="0" indent="0" algn="l" defTabSz="457200" rtl="0" eaLnBrk="1" fontAlgn="auto" latinLnBrk="0" hangingPunct="1">
-              <a:lnSpc>
-                <a:spcPct val="100000"/>
-              </a:lnSpc>
-              <a:spcBef>
-                <a:spcPts val="0"/>
-              </a:spcBef>
-              <a:spcAft>
-                <a:spcPts val="0"/>
-              </a:spcAft>
-              <a:buClrTx/>
-              <a:buSzTx/>
+            <a:pPr marL="171450" indent="-171450">
               <a:buFontTx/>
-              <a:buNone/>
-              <a:tabLst/>
-              <a:defRPr/>
+              <a:buChar char="-"/>
             </a:pPr>
             <a:r>
               <a:rPr lang="en-US" dirty="0" smtClean="0"/>
-              <a:t>Synchronization is necessary to make programs execute correctly in parallel. However this</a:t>
-            </a:r>
-            <a:r>
-              <a:rPr lang="en-US" baseline="0" dirty="0" smtClean="0"/>
-              <a:t> comes with a cost. Problems arise when accessing shared resources.</a:t>
-            </a:r>
-            <a:endParaRPr lang="en-US" dirty="0" smtClean="0"/>
+              <a:t>If processes always request all resources they will need at once, there can be no hold-and-wait</a:t>
+            </a:r>
+          </a:p>
+          <a:p>
+            <a:pPr marL="171450" indent="-171450">
+              <a:buFontTx/>
+              <a:buChar char="-"/>
+            </a:pPr>
+            <a:r>
+              <a:rPr lang="en-US" dirty="0" smtClean="0"/>
+              <a:t>This allows critical sections that involve more than one resource, but requires the operating system (or resource manager) to provide a way to atomically request several resources at once. Some batch and real-time operating systems support this, but it is not supported, for example, by the POSIX thread </a:t>
+            </a:r>
+            <a:r>
+              <a:rPr lang="en-US" dirty="0" err="1" smtClean="0"/>
+              <a:t>mutex</a:t>
+            </a:r>
+            <a:r>
+              <a:rPr lang="en-US" dirty="0" smtClean="0"/>
+              <a:t> API.</a:t>
+            </a:r>
+            <a:endParaRPr lang="en-US" dirty="0"/>
           </a:p>
         </p:txBody>
       </p:sp>
@@ -5928,9 +5737,9 @@
           <a:bodyPr/>
           <a:lstStyle/>
           <a:p>
-            <a:fld id="{4B5DE452-D96A-B043-A19B-3F6D5B1BBA3B}" type="slidenum">
+            <a:fld id="{56BE3D67-E84A-6F4F-8E3B-3BC46E162796}" type="slidenum">
               <a:rPr lang="en-US" smtClean="0"/>
-              <a:t>7</a:t>
+              <a:t>15</a:t>
             </a:fld>
             <a:endParaRPr lang="en-US"/>
           </a:p>
@@ -5939,7 +5748,7 @@
     </p:spTree>
     <p:extLst>
       <p:ext uri="{BB962C8B-B14F-4D97-AF65-F5344CB8AC3E}">
-        <p14:creationId xmlns:p14="http://schemas.microsoft.com/office/powerpoint/2010/main" val="56470449"/>
+        <p14:creationId xmlns:p14="http://schemas.microsoft.com/office/powerpoint/2010/main" val="603379510"/>
       </p:ext>
     </p:extLst>
   </p:cSld>
@@ -5993,20 +5802,25 @@
           <a:bodyPr/>
           <a:lstStyle/>
           <a:p>
-            <a:r>
-              <a:rPr lang="en-US" dirty="0" smtClean="0"/>
-              <a:t>- If all processes always request resources in a fixed order, there can be no hold-and-wait cycle.</a:t>
-            </a:r>
-          </a:p>
-          <a:p>
             <a:pPr marL="171450" indent="-171450">
               <a:buFontTx/>
               <a:buChar char="-"/>
             </a:pPr>
             <a:r>
               <a:rPr lang="en-US" dirty="0" smtClean="0"/>
-              <a:t>This is usually not a burdensome restriction. It still allows us to have critical sections that involve more than one resource, and use simple lock and unlock operations on individual resources to implement them.</a:t>
-            </a:r>
+              <a:t>If processes always release one resource before requesting another, there can be no hold-and-wait.</a:t>
+            </a:r>
+          </a:p>
+          <a:p>
+            <a:pPr marL="171450" indent="-171450">
+              <a:buFontTx/>
+              <a:buChar char="-"/>
+            </a:pPr>
+            <a:r>
+              <a:rPr lang="en-US" dirty="0" smtClean="0"/>
+              <a:t>This is a tougher restriction. It rules out critical sections that involve more than one resource.</a:t>
+            </a:r>
+            <a:endParaRPr lang="en-US" dirty="0"/>
           </a:p>
         </p:txBody>
       </p:sp>
@@ -6027,7 +5841,7 @@
           <a:p>
             <a:fld id="{56BE3D67-E84A-6F4F-8E3B-3BC46E162796}" type="slidenum">
               <a:rPr lang="en-US" smtClean="0"/>
-              <a:t>15</a:t>
+              <a:t>16</a:t>
             </a:fld>
             <a:endParaRPr lang="en-US"/>
           </a:p>
@@ -6036,7 +5850,7 @@
     </p:spTree>
     <p:extLst>
       <p:ext uri="{BB962C8B-B14F-4D97-AF65-F5344CB8AC3E}">
-        <p14:creationId xmlns:p14="http://schemas.microsoft.com/office/powerpoint/2010/main" val="3137412600"/>
+        <p14:creationId xmlns:p14="http://schemas.microsoft.com/office/powerpoint/2010/main" val="2688967800"/>
       </p:ext>
     </p:extLst>
   </p:cSld>
@@ -6090,33 +5904,20 @@
           <a:bodyPr/>
           <a:lstStyle/>
           <a:p>
+            <a:r>
+              <a:rPr lang="en-US" dirty="0" smtClean="0"/>
+              <a:t>- If all processes always request resources in a fixed order, there can be no hold-and-wait cycle.</a:t>
+            </a:r>
+          </a:p>
+          <a:p>
             <a:pPr marL="171450" indent="-171450">
               <a:buFontTx/>
               <a:buChar char="-"/>
             </a:pPr>
             <a:r>
               <a:rPr lang="en-US" dirty="0" smtClean="0"/>
-              <a:t>If processes always request all resources they will need at once, there can be no hold-and-wait</a:t>
-            </a:r>
-          </a:p>
-          <a:p>
-            <a:pPr marL="171450" indent="-171450">
-              <a:buFontTx/>
-              <a:buChar char="-"/>
-            </a:pPr>
-            <a:r>
-              <a:rPr lang="en-US" dirty="0" smtClean="0"/>
-              <a:t>This allows critical sections that involve more than one resource, but requires the operating system (or resource manager) to provide a way to atomically request several resources at once. Some batch and real-time operating systems support this, but it is not supported, for example, by the POSIX thread </a:t>
-            </a:r>
-            <a:r>
-              <a:rPr lang="en-US" dirty="0" err="1" smtClean="0"/>
-              <a:t>mutex</a:t>
-            </a:r>
-            <a:r>
-              <a:rPr lang="en-US" dirty="0" smtClean="0"/>
-              <a:t> API.</a:t>
-            </a:r>
-            <a:endParaRPr lang="en-US" dirty="0"/>
+              <a:t>This is usually not a burdensome restriction. It still allows us to have critical sections that involve more than one resource, and use simple lock and unlock operations on individual resources to implement them.</a:t>
+            </a:r>
           </a:p>
         </p:txBody>
       </p:sp>
@@ -6137,7 +5938,7 @@
           <a:p>
             <a:fld id="{56BE3D67-E84A-6F4F-8E3B-3BC46E162796}" type="slidenum">
               <a:rPr lang="en-US" smtClean="0"/>
-              <a:t>16</a:t>
+              <a:t>17</a:t>
             </a:fld>
             <a:endParaRPr lang="en-US"/>
           </a:p>
@@ -6146,7 +5947,7 @@
     </p:spTree>
     <p:extLst>
       <p:ext uri="{BB962C8B-B14F-4D97-AF65-F5344CB8AC3E}">
-        <p14:creationId xmlns:p14="http://schemas.microsoft.com/office/powerpoint/2010/main" val="603379510"/>
+        <p14:creationId xmlns:p14="http://schemas.microsoft.com/office/powerpoint/2010/main" val="3137412600"/>
       </p:ext>
     </p:extLst>
   </p:cSld>
@@ -6200,23 +6001,33 @@
           <a:bodyPr/>
           <a:lstStyle/>
           <a:p>
-            <a:pPr marL="171450" indent="-171450">
-              <a:buFontTx/>
-              <a:buChar char="-"/>
-            </a:pPr>
-            <a:r>
-              <a:rPr lang="en-US" dirty="0" smtClean="0"/>
-              <a:t>If processes always release one resource before requesting another, there can be no hold-and-wait.</a:t>
-            </a:r>
-          </a:p>
-          <a:p>
-            <a:pPr marL="171450" indent="-171450">
-              <a:buFontTx/>
-              <a:buChar char="-"/>
-            </a:pPr>
-            <a:r>
-              <a:rPr lang="en-US" dirty="0" smtClean="0"/>
-              <a:t>This is a tougher restriction. It rules out critical sections that involve more than one resource.</a:t>
+            <a:r>
+              <a:rPr lang="en-US" dirty="0" smtClean="0"/>
+              <a:t>if threads try to acquire a lock faster than the rate at which a thread can execute the corresponding critical section, then program performance will suffer as threads will form a "convoy" waiting to acquire the lock.</a:t>
+            </a:r>
+          </a:p>
+          <a:p>
+            <a:r>
+              <a:rPr lang="en-US" dirty="0" smtClean="0"/>
+              <a:t>Threads that all use the same lock become queued to use the lock and end up serializing the processing. A 'convoy' is created.</a:t>
+            </a:r>
+          </a:p>
+          <a:p>
+            <a:r>
+              <a:rPr lang="en-US" dirty="0" smtClean="0"/>
+              <a:t>When a high-priority thread needs to acquire a lock held by a low-priority thread, the scheduler bumps up the priority of the blocking thread until the lock is released.</a:t>
+            </a:r>
+          </a:p>
+          <a:p>
+            <a:r>
+              <a:rPr lang="en-US" dirty="0" smtClean="0"/>
+              <a:t>That is certainly the method of choice to eliminate lock contention if it is workable. For example, consider contention for a counter of events. If each thread can have its own private counter, then no lock is necessary. If the total count is required, the counts can be summed after all threads are done counting.</a:t>
+            </a:r>
+          </a:p>
+          <a:p>
+            <a:r>
+              <a:rPr lang="en-US" dirty="0" smtClean="0"/>
+              <a:t>If the lock on a resource cannot be eliminated, consider partitioning the resource and using a separate lock to protect each partition. The partitioning can spread out contention among the locks.</a:t>
             </a:r>
             <a:endParaRPr lang="en-US" dirty="0"/>
           </a:p>
@@ -6237,9 +6048,9 @@
           <a:bodyPr/>
           <a:lstStyle/>
           <a:p>
-            <a:fld id="{56BE3D67-E84A-6F4F-8E3B-3BC46E162796}" type="slidenum">
+            <a:fld id="{4B5DE452-D96A-B043-A19B-3F6D5B1BBA3B}" type="slidenum">
               <a:rPr lang="en-US" smtClean="0"/>
-              <a:t>17</a:t>
+              <a:t>18</a:t>
             </a:fld>
             <a:endParaRPr lang="en-US"/>
           </a:p>
@@ -6248,7 +6059,7 @@
     </p:spTree>
     <p:extLst>
       <p:ext uri="{BB962C8B-B14F-4D97-AF65-F5344CB8AC3E}">
-        <p14:creationId xmlns:p14="http://schemas.microsoft.com/office/powerpoint/2010/main" val="2688967800"/>
+        <p14:creationId xmlns:p14="http://schemas.microsoft.com/office/powerpoint/2010/main" val="2738522525"/>
       </p:ext>
     </p:extLst>
   </p:cSld>
@@ -6304,31 +6115,11 @@
           <a:p>
             <a:r>
               <a:rPr lang="en-US" dirty="0" smtClean="0"/>
-              <a:t>if threads try to acquire a lock faster than the rate at which a thread can execute the corresponding critical section, then program performance will suffer as threads will form a "convoy" waiting to acquire the lock.</a:t>
-            </a:r>
-          </a:p>
-          <a:p>
-            <a:r>
-              <a:rPr lang="en-US" dirty="0" smtClean="0"/>
-              <a:t>Threads that all use the same lock become queued to use the lock and end up serializing the processing. A 'convoy' is created.</a:t>
-            </a:r>
-          </a:p>
-          <a:p>
-            <a:r>
-              <a:rPr lang="en-US" dirty="0" smtClean="0"/>
-              <a:t>When a high-priority thread needs to acquire a lock held by a low-priority thread, the scheduler bumps up the priority of the blocking thread until the lock is released.</a:t>
-            </a:r>
-          </a:p>
-          <a:p>
-            <a:r>
-              <a:rPr lang="en-US" dirty="0" smtClean="0"/>
-              <a:t>That is certainly the method of choice to eliminate lock contention if it is workable. For example, consider contention for a counter of events. If each thread can have its own private counter, then no lock is necessary. If the total count is required, the counts can be summed after all threads are done counting.</a:t>
-            </a:r>
-          </a:p>
-          <a:p>
-            <a:r>
-              <a:rPr lang="en-US" dirty="0" smtClean="0"/>
-              <a:t>If the lock on a resource cannot be eliminated, consider partitioning the resource and using a separate lock to protect each partition. The partitioning can spread out contention among the locks.</a:t>
+              <a:t>90% is</a:t>
+            </a:r>
+            <a:r>
+              <a:rPr lang="en-US" baseline="0" dirty="0" smtClean="0"/>
+              <a:t> a dummy value</a:t>
             </a:r>
             <a:endParaRPr lang="en-US" dirty="0"/>
           </a:p>
@@ -6351,7 +6142,7 @@
           <a:p>
             <a:fld id="{4B5DE452-D96A-B043-A19B-3F6D5B1BBA3B}" type="slidenum">
               <a:rPr lang="en-US" smtClean="0"/>
-              <a:t>19</a:t>
+              <a:t>21</a:t>
             </a:fld>
             <a:endParaRPr lang="en-US"/>
           </a:p>
@@ -6360,7 +6151,7 @@
     </p:spTree>
     <p:extLst>
       <p:ext uri="{BB962C8B-B14F-4D97-AF65-F5344CB8AC3E}">
-        <p14:creationId xmlns:p14="http://schemas.microsoft.com/office/powerpoint/2010/main" val="2738522525"/>
+        <p14:creationId xmlns:p14="http://schemas.microsoft.com/office/powerpoint/2010/main" val="807505352"/>
       </p:ext>
     </p:extLst>
   </p:cSld>
@@ -6414,14 +6205,6 @@
           <a:bodyPr/>
           <a:lstStyle/>
           <a:p>
-            <a:r>
-              <a:rPr lang="en-US" dirty="0" smtClean="0"/>
-              <a:t>90% is</a:t>
-            </a:r>
-            <a:r>
-              <a:rPr lang="en-US" baseline="0" dirty="0" smtClean="0"/>
-              <a:t> a dummy value</a:t>
-            </a:r>
             <a:endParaRPr lang="en-US" dirty="0"/>
           </a:p>
         </p:txBody>
@@ -6443,7 +6226,7 @@
           <a:p>
             <a:fld id="{4B5DE452-D96A-B043-A19B-3F6D5B1BBA3B}" type="slidenum">
               <a:rPr lang="en-US" smtClean="0"/>
-              <a:t>21</a:t>
+              <a:t>23</a:t>
             </a:fld>
             <a:endParaRPr lang="en-US"/>
           </a:p>
@@ -6452,7 +6235,7 @@
     </p:spTree>
     <p:extLst>
       <p:ext uri="{BB962C8B-B14F-4D97-AF65-F5344CB8AC3E}">
-        <p14:creationId xmlns:p14="http://schemas.microsoft.com/office/powerpoint/2010/main" val="807505352"/>
+        <p14:creationId xmlns:p14="http://schemas.microsoft.com/office/powerpoint/2010/main" val="2122580804"/>
       </p:ext>
     </p:extLst>
   </p:cSld>
@@ -10201,8 +9984,13 @@
             </a:r>
             <a:r>
               <a:rPr lang="en-US" dirty="0" smtClean="0"/>
-              <a:t> Critical Section, Monitor</a:t>
-            </a:r>
+              <a:t> Critical Section, </a:t>
+            </a:r>
+            <a:r>
+              <a:rPr lang="en-US" dirty="0" smtClean="0"/>
+              <a:t>Monitor, Synchronization</a:t>
+            </a:r>
+            <a:endParaRPr lang="en-US" dirty="0" smtClean="0"/>
           </a:p>
           <a:p>
             <a:pPr marL="342900" indent="-342900">
@@ -10286,6 +10074,13 @@
   <p:clrMapOvr>
     <a:masterClrMapping/>
   </p:clrMapOvr>
+  <p:timing>
+    <p:tnLst>
+      <p:par>
+        <p:cTn xmlns:p14="http://schemas.microsoft.com/office/powerpoint/2010/main" id="1" dur="indefinite" restart="never" nodeType="tmRoot"/>
+      </p:par>
+    </p:tnLst>
+  </p:timing>
 </p:sld>
 </file>
 
@@ -10362,6 +10157,13 @@
   <p:clrMapOvr>
     <a:masterClrMapping/>
   </p:clrMapOvr>
+  <p:timing>
+    <p:tnLst>
+      <p:par>
+        <p:cTn xmlns:p14="http://schemas.microsoft.com/office/powerpoint/2010/main" id="1" dur="indefinite" restart="never" nodeType="tmRoot"/>
+      </p:par>
+    </p:tnLst>
+  </p:timing>
 </p:sld>
 </file>
 
@@ -10525,6 +10327,13 @@
   <p:clrMapOvr>
     <a:masterClrMapping/>
   </p:clrMapOvr>
+  <p:timing>
+    <p:tnLst>
+      <p:par>
+        <p:cTn xmlns:p14="http://schemas.microsoft.com/office/powerpoint/2010/main" id="1" dur="indefinite" restart="never" nodeType="tmRoot"/>
+      </p:par>
+    </p:tnLst>
+  </p:timing>
 </p:sld>
 </file>
 
@@ -10609,10 +10418,696 @@
   <p:clrMapOvr>
     <a:masterClrMapping/>
   </p:clrMapOvr>
+  <p:timing>
+    <p:tnLst>
+      <p:par>
+        <p:cTn xmlns:p14="http://schemas.microsoft.com/office/powerpoint/2010/main" id="1" dur="indefinite" restart="never" nodeType="tmRoot"/>
+      </p:par>
+    </p:tnLst>
+  </p:timing>
 </p:sld>
 </file>
 
 <file path=ppt/slides/slide15.xml><?xml version="1.0" encoding="utf-8"?>
+<p:sld xmlns:a="http://schemas.openxmlformats.org/drawingml/2006/main" xmlns:r="http://schemas.openxmlformats.org/officeDocument/2006/relationships" xmlns:p="http://schemas.openxmlformats.org/presentationml/2006/main">
+  <p:cSld>
+    <p:spTree>
+      <p:nvGrpSpPr>
+        <p:cNvPr id="1" name=""/>
+        <p:cNvGrpSpPr/>
+        <p:nvPr/>
+      </p:nvGrpSpPr>
+      <p:grpSpPr>
+        <a:xfrm>
+          <a:off x="0" y="0"/>
+          <a:ext cx="0" cy="0"/>
+          <a:chOff x="0" y="0"/>
+          <a:chExt cx="0" cy="0"/>
+        </a:xfrm>
+      </p:grpSpPr>
+      <p:sp>
+        <p:nvSpPr>
+          <p:cNvPr id="2" name="Content Placeholder 1"/>
+          <p:cNvSpPr>
+            <a:spLocks noGrp="1"/>
+          </p:cNvSpPr>
+          <p:nvPr>
+            <p:ph sz="quarter" idx="13"/>
+          </p:nvPr>
+        </p:nvSpPr>
+        <p:spPr/>
+        <p:txBody>
+          <a:bodyPr/>
+          <a:lstStyle/>
+          <a:p>
+            <a:pPr algn="l"/>
+            <a:r>
+              <a:rPr lang="en-US" dirty="0"/>
+              <a:t>Process P1:</a:t>
+            </a:r>
+          </a:p>
+          <a:p>
+            <a:pPr algn="l"/>
+            <a:r>
+              <a:rPr lang="en-US" dirty="0"/>
+              <a:t>request(</a:t>
+            </a:r>
+            <a:r>
+              <a:rPr lang="en-US" dirty="0" smtClean="0"/>
+              <a:t>R1,R2);…		release</a:t>
+            </a:r>
+            <a:r>
+              <a:rPr lang="en-US" dirty="0"/>
+              <a:t>(</a:t>
+            </a:r>
+            <a:r>
+              <a:rPr lang="en-US" dirty="0" smtClean="0"/>
+              <a:t>R1,R2);</a:t>
+            </a:r>
+            <a:endParaRPr lang="en-US" dirty="0"/>
+          </a:p>
+          <a:p>
+            <a:pPr algn="l"/>
+            <a:endParaRPr lang="en-US" dirty="0"/>
+          </a:p>
+          <a:p>
+            <a:pPr algn="l"/>
+            <a:endParaRPr lang="en-US" dirty="0"/>
+          </a:p>
+          <a:p>
+            <a:pPr algn="l"/>
+            <a:endParaRPr lang="en-US" dirty="0"/>
+          </a:p>
+          <a:p>
+            <a:pPr algn="l"/>
+            <a:r>
+              <a:rPr lang="en-US" dirty="0"/>
+              <a:t>Process P2:</a:t>
+            </a:r>
+          </a:p>
+          <a:p>
+            <a:pPr algn="l"/>
+            <a:r>
+              <a:rPr lang="en-US" dirty="0"/>
+              <a:t>request</a:t>
+            </a:r>
+            <a:r>
+              <a:rPr lang="en-US" dirty="0" smtClean="0"/>
+              <a:t>(R1,R2)</a:t>
+            </a:r>
+            <a:r>
+              <a:rPr lang="en-US" dirty="0"/>
+              <a:t>;..</a:t>
+            </a:r>
+            <a:r>
+              <a:rPr lang="en-US" dirty="0" smtClean="0"/>
+              <a:t>.			release</a:t>
+            </a:r>
+            <a:r>
+              <a:rPr lang="en-US" dirty="0"/>
+              <a:t>(</a:t>
+            </a:r>
+            <a:r>
+              <a:rPr lang="en-US" dirty="0" smtClean="0"/>
+              <a:t>R2,R1); </a:t>
+            </a:r>
+            <a:endParaRPr lang="en-US" dirty="0"/>
+          </a:p>
+        </p:txBody>
+      </p:sp>
+      <p:sp>
+        <p:nvSpPr>
+          <p:cNvPr id="3" name="Title 2"/>
+          <p:cNvSpPr>
+            <a:spLocks noGrp="1"/>
+          </p:cNvSpPr>
+          <p:nvPr>
+            <p:ph type="title"/>
+          </p:nvPr>
+        </p:nvSpPr>
+        <p:spPr/>
+        <p:txBody>
+          <a:bodyPr/>
+          <a:lstStyle/>
+          <a:p>
+            <a:r>
+              <a:rPr lang="en-US" dirty="0" smtClean="0"/>
+              <a:t>Request ALL At once</a:t>
+            </a:r>
+            <a:endParaRPr lang="en-US" dirty="0"/>
+          </a:p>
+        </p:txBody>
+      </p:sp>
+      <p:sp>
+        <p:nvSpPr>
+          <p:cNvPr id="4" name="Rectangle 3"/>
+          <p:cNvSpPr/>
+          <p:nvPr/>
+        </p:nvSpPr>
+        <p:spPr>
+          <a:xfrm>
+            <a:off x="1978193" y="2886714"/>
+            <a:ext cx="2144253" cy="329910"/>
+          </a:xfrm>
+          <a:prstGeom prst="rect">
+            <a:avLst/>
+          </a:prstGeom>
+          <a:solidFill>
+            <a:srgbClr val="FF0000"/>
+          </a:solidFill>
+        </p:spPr>
+        <p:style>
+          <a:lnRef idx="1">
+            <a:schemeClr val="accent1"/>
+          </a:lnRef>
+          <a:fillRef idx="3">
+            <a:schemeClr val="accent1"/>
+          </a:fillRef>
+          <a:effectRef idx="2">
+            <a:schemeClr val="accent1"/>
+          </a:effectRef>
+          <a:fontRef idx="minor">
+            <a:schemeClr val="lt1"/>
+          </a:fontRef>
+        </p:style>
+        <p:txBody>
+          <a:bodyPr rtlCol="0" anchor="ctr"/>
+          <a:lstStyle/>
+          <a:p>
+            <a:pPr algn="ctr"/>
+            <a:r>
+              <a:rPr lang="en-US" dirty="0" smtClean="0"/>
+              <a:t>R1 Critical Section</a:t>
+            </a:r>
+            <a:endParaRPr lang="en-US" dirty="0"/>
+          </a:p>
+        </p:txBody>
+      </p:sp>
+      <p:sp>
+        <p:nvSpPr>
+          <p:cNvPr id="5" name="Rectangle 4"/>
+          <p:cNvSpPr/>
+          <p:nvPr/>
+        </p:nvSpPr>
+        <p:spPr>
+          <a:xfrm>
+            <a:off x="1978193" y="3348586"/>
+            <a:ext cx="2144253" cy="329910"/>
+          </a:xfrm>
+          <a:prstGeom prst="rect">
+            <a:avLst/>
+          </a:prstGeom>
+        </p:spPr>
+        <p:style>
+          <a:lnRef idx="1">
+            <a:schemeClr val="accent1"/>
+          </a:lnRef>
+          <a:fillRef idx="3">
+            <a:schemeClr val="accent1"/>
+          </a:fillRef>
+          <a:effectRef idx="2">
+            <a:schemeClr val="accent1"/>
+          </a:effectRef>
+          <a:fontRef idx="minor">
+            <a:schemeClr val="lt1"/>
+          </a:fontRef>
+        </p:style>
+        <p:txBody>
+          <a:bodyPr rtlCol="0" anchor="ctr"/>
+          <a:lstStyle/>
+          <a:p>
+            <a:pPr algn="ctr"/>
+            <a:r>
+              <a:rPr lang="en-US" dirty="0" smtClean="0"/>
+              <a:t>R2 Critical Section</a:t>
+            </a:r>
+            <a:endParaRPr lang="en-US" dirty="0"/>
+          </a:p>
+        </p:txBody>
+      </p:sp>
+      <p:sp>
+        <p:nvSpPr>
+          <p:cNvPr id="6" name="Rectangle 5"/>
+          <p:cNvSpPr/>
+          <p:nvPr/>
+        </p:nvSpPr>
+        <p:spPr>
+          <a:xfrm>
+            <a:off x="1978193" y="5546427"/>
+            <a:ext cx="2144253" cy="329910"/>
+          </a:xfrm>
+          <a:prstGeom prst="rect">
+            <a:avLst/>
+          </a:prstGeom>
+        </p:spPr>
+        <p:style>
+          <a:lnRef idx="1">
+            <a:schemeClr val="accent1"/>
+          </a:lnRef>
+          <a:fillRef idx="3">
+            <a:schemeClr val="accent1"/>
+          </a:fillRef>
+          <a:effectRef idx="2">
+            <a:schemeClr val="accent1"/>
+          </a:effectRef>
+          <a:fontRef idx="minor">
+            <a:schemeClr val="lt1"/>
+          </a:fontRef>
+        </p:style>
+        <p:txBody>
+          <a:bodyPr rtlCol="0" anchor="ctr"/>
+          <a:lstStyle/>
+          <a:p>
+            <a:pPr algn="ctr"/>
+            <a:r>
+              <a:rPr lang="en-US" dirty="0" smtClean="0"/>
+              <a:t>R2 Critical Section</a:t>
+            </a:r>
+            <a:endParaRPr lang="en-US" dirty="0"/>
+          </a:p>
+        </p:txBody>
+      </p:sp>
+      <p:sp>
+        <p:nvSpPr>
+          <p:cNvPr id="7" name="Rectangle 6"/>
+          <p:cNvSpPr/>
+          <p:nvPr/>
+        </p:nvSpPr>
+        <p:spPr>
+          <a:xfrm>
+            <a:off x="1978193" y="5018571"/>
+            <a:ext cx="2144253" cy="329910"/>
+          </a:xfrm>
+          <a:prstGeom prst="rect">
+            <a:avLst/>
+          </a:prstGeom>
+          <a:solidFill>
+            <a:srgbClr val="FF0000"/>
+          </a:solidFill>
+        </p:spPr>
+        <p:style>
+          <a:lnRef idx="1">
+            <a:schemeClr val="accent1"/>
+          </a:lnRef>
+          <a:fillRef idx="3">
+            <a:schemeClr val="accent1"/>
+          </a:fillRef>
+          <a:effectRef idx="2">
+            <a:schemeClr val="accent1"/>
+          </a:effectRef>
+          <a:fontRef idx="minor">
+            <a:schemeClr val="lt1"/>
+          </a:fontRef>
+        </p:style>
+        <p:txBody>
+          <a:bodyPr rtlCol="0" anchor="ctr"/>
+          <a:lstStyle/>
+          <a:p>
+            <a:pPr algn="ctr"/>
+            <a:r>
+              <a:rPr lang="en-US" dirty="0" smtClean="0"/>
+              <a:t>R1 Critical Section</a:t>
+            </a:r>
+            <a:endParaRPr lang="en-US" dirty="0"/>
+          </a:p>
+        </p:txBody>
+      </p:sp>
+    </p:spTree>
+    <p:extLst>
+      <p:ext uri="{BB962C8B-B14F-4D97-AF65-F5344CB8AC3E}">
+        <p14:creationId xmlns:p14="http://schemas.microsoft.com/office/powerpoint/2010/main" val="1598377104"/>
+      </p:ext>
+    </p:extLst>
+  </p:cSld>
+  <p:clrMapOvr>
+    <a:masterClrMapping/>
+  </p:clrMapOvr>
+  <p:timing>
+    <p:tnLst>
+      <p:par>
+        <p:cTn xmlns:p14="http://schemas.microsoft.com/office/powerpoint/2010/main" id="1" dur="indefinite" restart="never" nodeType="tmRoot"/>
+      </p:par>
+    </p:tnLst>
+  </p:timing>
+</p:sld>
+</file>
+
+<file path=ppt/slides/slide16.xml><?xml version="1.0" encoding="utf-8"?>
+<p:sld xmlns:a="http://schemas.openxmlformats.org/drawingml/2006/main" xmlns:r="http://schemas.openxmlformats.org/officeDocument/2006/relationships" xmlns:p="http://schemas.openxmlformats.org/presentationml/2006/main">
+  <p:cSld>
+    <p:spTree>
+      <p:nvGrpSpPr>
+        <p:cNvPr id="1" name=""/>
+        <p:cNvGrpSpPr/>
+        <p:nvPr/>
+      </p:nvGrpSpPr>
+      <p:grpSpPr>
+        <a:xfrm>
+          <a:off x="0" y="0"/>
+          <a:ext cx="0" cy="0"/>
+          <a:chOff x="0" y="0"/>
+          <a:chExt cx="0" cy="0"/>
+        </a:xfrm>
+      </p:grpSpPr>
+      <p:sp>
+        <p:nvSpPr>
+          <p:cNvPr id="2" name="Content Placeholder 1"/>
+          <p:cNvSpPr>
+            <a:spLocks noGrp="1"/>
+          </p:cNvSpPr>
+          <p:nvPr>
+            <p:ph sz="quarter" idx="13"/>
+          </p:nvPr>
+        </p:nvSpPr>
+        <p:spPr/>
+        <p:txBody>
+          <a:bodyPr/>
+          <a:lstStyle/>
+          <a:p>
+            <a:pPr algn="l"/>
+            <a:r>
+              <a:rPr lang="en-US" dirty="0"/>
+              <a:t>Process P1:</a:t>
+            </a:r>
+          </a:p>
+          <a:p>
+            <a:pPr algn="l"/>
+            <a:r>
+              <a:rPr lang="en-US" dirty="0"/>
+              <a:t>request(R1)</a:t>
+            </a:r>
+            <a:r>
+              <a:rPr lang="en-US" dirty="0" smtClean="0"/>
+              <a:t>;…	release</a:t>
+            </a:r>
+            <a:r>
+              <a:rPr lang="en-US" dirty="0"/>
+              <a:t>(R1</a:t>
+            </a:r>
+            <a:r>
+              <a:rPr lang="en-US" dirty="0" smtClean="0"/>
+              <a:t>); request</a:t>
+            </a:r>
+            <a:r>
+              <a:rPr lang="en-US" dirty="0"/>
+              <a:t>(R2)</a:t>
+            </a:r>
+            <a:r>
+              <a:rPr lang="en-US" dirty="0" smtClean="0"/>
+              <a:t>;…	release</a:t>
+            </a:r>
+            <a:r>
+              <a:rPr lang="en-US" dirty="0"/>
+              <a:t>(R2</a:t>
+            </a:r>
+            <a:r>
+              <a:rPr lang="en-US" dirty="0" smtClean="0"/>
+              <a:t>);</a:t>
+            </a:r>
+            <a:endParaRPr lang="en-US" dirty="0"/>
+          </a:p>
+          <a:p>
+            <a:pPr algn="l"/>
+            <a:endParaRPr lang="en-US" dirty="0"/>
+          </a:p>
+          <a:p>
+            <a:pPr algn="l"/>
+            <a:endParaRPr lang="en-US" dirty="0"/>
+          </a:p>
+          <a:p>
+            <a:pPr algn="l"/>
+            <a:endParaRPr lang="en-US" dirty="0"/>
+          </a:p>
+          <a:p>
+            <a:pPr algn="l"/>
+            <a:r>
+              <a:rPr lang="en-US" dirty="0"/>
+              <a:t>Process P2:</a:t>
+            </a:r>
+          </a:p>
+          <a:p>
+            <a:pPr algn="l"/>
+            <a:r>
+              <a:rPr lang="en-US" dirty="0"/>
+              <a:t>request(</a:t>
+            </a:r>
+            <a:r>
+              <a:rPr lang="en-US" dirty="0" smtClean="0"/>
+              <a:t>R2)</a:t>
+            </a:r>
+            <a:r>
+              <a:rPr lang="en-US" dirty="0"/>
+              <a:t>;..</a:t>
+            </a:r>
+            <a:r>
+              <a:rPr lang="en-US" dirty="0" smtClean="0"/>
+              <a:t>.		</a:t>
+            </a:r>
+            <a:r>
+              <a:rPr lang="en-US" dirty="0"/>
+              <a:t>release(R2)</a:t>
+            </a:r>
+            <a:r>
+              <a:rPr lang="en-US" dirty="0" smtClean="0"/>
+              <a:t>; request</a:t>
+            </a:r>
+            <a:r>
+              <a:rPr lang="en-US" dirty="0"/>
+              <a:t>(</a:t>
+            </a:r>
+            <a:r>
+              <a:rPr lang="en-US" dirty="0" smtClean="0"/>
+              <a:t>R1);	release</a:t>
+            </a:r>
+            <a:r>
+              <a:rPr lang="en-US" dirty="0"/>
+              <a:t>(R1)</a:t>
+            </a:r>
+            <a:r>
+              <a:rPr lang="en-US" dirty="0" smtClean="0"/>
+              <a:t>;</a:t>
+            </a:r>
+            <a:endParaRPr lang="en-US" dirty="0"/>
+          </a:p>
+        </p:txBody>
+      </p:sp>
+      <p:sp>
+        <p:nvSpPr>
+          <p:cNvPr id="3" name="Title 2"/>
+          <p:cNvSpPr>
+            <a:spLocks noGrp="1"/>
+          </p:cNvSpPr>
+          <p:nvPr>
+            <p:ph type="title"/>
+          </p:nvPr>
+        </p:nvSpPr>
+        <p:spPr/>
+        <p:txBody>
+          <a:bodyPr/>
+          <a:lstStyle/>
+          <a:p>
+            <a:r>
+              <a:rPr lang="en-US" dirty="0"/>
+              <a:t>Release Before Request</a:t>
+            </a:r>
+          </a:p>
+        </p:txBody>
+      </p:sp>
+      <p:sp>
+        <p:nvSpPr>
+          <p:cNvPr id="4" name="Rectangle 3"/>
+          <p:cNvSpPr/>
+          <p:nvPr/>
+        </p:nvSpPr>
+        <p:spPr>
+          <a:xfrm>
+            <a:off x="1598825" y="2540307"/>
+            <a:ext cx="2144253" cy="329910"/>
+          </a:xfrm>
+          <a:prstGeom prst="rect">
+            <a:avLst/>
+          </a:prstGeom>
+          <a:solidFill>
+            <a:srgbClr val="FF0000"/>
+          </a:solidFill>
+        </p:spPr>
+        <p:style>
+          <a:lnRef idx="1">
+            <a:schemeClr val="accent1"/>
+          </a:lnRef>
+          <a:fillRef idx="3">
+            <a:schemeClr val="accent1"/>
+          </a:fillRef>
+          <a:effectRef idx="2">
+            <a:schemeClr val="accent1"/>
+          </a:effectRef>
+          <a:fontRef idx="minor">
+            <a:schemeClr val="lt1"/>
+          </a:fontRef>
+        </p:style>
+        <p:txBody>
+          <a:bodyPr rtlCol="0" anchor="ctr"/>
+          <a:lstStyle/>
+          <a:p>
+            <a:pPr algn="ctr"/>
+            <a:r>
+              <a:rPr lang="en-US" dirty="0" smtClean="0"/>
+              <a:t>R1 Critical Section</a:t>
+            </a:r>
+            <a:endParaRPr lang="en-US" dirty="0"/>
+          </a:p>
+        </p:txBody>
+      </p:sp>
+      <p:sp>
+        <p:nvSpPr>
+          <p:cNvPr id="5" name="Rectangle 4"/>
+          <p:cNvSpPr/>
+          <p:nvPr/>
+        </p:nvSpPr>
+        <p:spPr>
+          <a:xfrm>
+            <a:off x="5520505" y="2540307"/>
+            <a:ext cx="2144253" cy="329910"/>
+          </a:xfrm>
+          <a:prstGeom prst="rect">
+            <a:avLst/>
+          </a:prstGeom>
+        </p:spPr>
+        <p:style>
+          <a:lnRef idx="1">
+            <a:schemeClr val="accent1"/>
+          </a:lnRef>
+          <a:fillRef idx="3">
+            <a:schemeClr val="accent1"/>
+          </a:fillRef>
+          <a:effectRef idx="2">
+            <a:schemeClr val="accent1"/>
+          </a:effectRef>
+          <a:fontRef idx="minor">
+            <a:schemeClr val="lt1"/>
+          </a:fontRef>
+        </p:style>
+        <p:txBody>
+          <a:bodyPr rtlCol="0" anchor="ctr"/>
+          <a:lstStyle/>
+          <a:p>
+            <a:pPr algn="ctr"/>
+            <a:r>
+              <a:rPr lang="en-US" dirty="0" smtClean="0"/>
+              <a:t>R2 Critical Section</a:t>
+            </a:r>
+            <a:endParaRPr lang="en-US" dirty="0"/>
+          </a:p>
+        </p:txBody>
+      </p:sp>
+      <p:sp>
+        <p:nvSpPr>
+          <p:cNvPr id="6" name="Rectangle 5"/>
+          <p:cNvSpPr/>
+          <p:nvPr/>
+        </p:nvSpPr>
+        <p:spPr>
+          <a:xfrm>
+            <a:off x="1598825" y="5002075"/>
+            <a:ext cx="2144253" cy="329910"/>
+          </a:xfrm>
+          <a:prstGeom prst="rect">
+            <a:avLst/>
+          </a:prstGeom>
+        </p:spPr>
+        <p:style>
+          <a:lnRef idx="1">
+            <a:schemeClr val="accent1"/>
+          </a:lnRef>
+          <a:fillRef idx="3">
+            <a:schemeClr val="accent1"/>
+          </a:fillRef>
+          <a:effectRef idx="2">
+            <a:schemeClr val="accent1"/>
+          </a:effectRef>
+          <a:fontRef idx="minor">
+            <a:schemeClr val="lt1"/>
+          </a:fontRef>
+        </p:style>
+        <p:txBody>
+          <a:bodyPr rtlCol="0" anchor="ctr"/>
+          <a:lstStyle/>
+          <a:p>
+            <a:pPr algn="ctr"/>
+            <a:r>
+              <a:rPr lang="en-US" dirty="0" smtClean="0"/>
+              <a:t>R2 Critical Section</a:t>
+            </a:r>
+            <a:endParaRPr lang="en-US" dirty="0"/>
+          </a:p>
+        </p:txBody>
+      </p:sp>
+      <p:sp>
+        <p:nvSpPr>
+          <p:cNvPr id="7" name="Rectangle 6"/>
+          <p:cNvSpPr/>
+          <p:nvPr/>
+        </p:nvSpPr>
+        <p:spPr>
+          <a:xfrm>
+            <a:off x="5520505" y="5002075"/>
+            <a:ext cx="2144253" cy="329910"/>
+          </a:xfrm>
+          <a:prstGeom prst="rect">
+            <a:avLst/>
+          </a:prstGeom>
+          <a:solidFill>
+            <a:srgbClr val="FF0000"/>
+          </a:solidFill>
+        </p:spPr>
+        <p:style>
+          <a:lnRef idx="1">
+            <a:schemeClr val="accent1"/>
+          </a:lnRef>
+          <a:fillRef idx="3">
+            <a:schemeClr val="accent1"/>
+          </a:fillRef>
+          <a:effectRef idx="2">
+            <a:schemeClr val="accent1"/>
+          </a:effectRef>
+          <a:fontRef idx="minor">
+            <a:schemeClr val="lt1"/>
+          </a:fontRef>
+        </p:style>
+        <p:txBody>
+          <a:bodyPr rtlCol="0" anchor="ctr"/>
+          <a:lstStyle/>
+          <a:p>
+            <a:pPr algn="ctr"/>
+            <a:r>
+              <a:rPr lang="en-US" dirty="0" smtClean="0"/>
+              <a:t>R1 Critical Section</a:t>
+            </a:r>
+            <a:endParaRPr lang="en-US" dirty="0"/>
+          </a:p>
+        </p:txBody>
+      </p:sp>
+    </p:spTree>
+    <p:extLst>
+      <p:ext uri="{BB962C8B-B14F-4D97-AF65-F5344CB8AC3E}">
+        <p14:creationId xmlns:p14="http://schemas.microsoft.com/office/powerpoint/2010/main" val="1963981522"/>
+      </p:ext>
+    </p:extLst>
+  </p:cSld>
+  <p:clrMapOvr>
+    <a:masterClrMapping/>
+  </p:clrMapOvr>
+  <p:timing>
+    <p:tnLst>
+      <p:par>
+        <p:cTn xmlns:p14="http://schemas.microsoft.com/office/powerpoint/2010/main" id="1" dur="indefinite" restart="never" nodeType="tmRoot"/>
+      </p:par>
+    </p:tnLst>
+  </p:timing>
+</p:sld>
+</file>
+
+<file path=ppt/slides/slide17.xml><?xml version="1.0" encoding="utf-8"?>
 <p:sld xmlns:a="http://schemas.openxmlformats.org/drawingml/2006/main" xmlns:r="http://schemas.openxmlformats.org/officeDocument/2006/relationships" xmlns:p="http://schemas.openxmlformats.org/presentationml/2006/main">
   <p:cSld>
     <p:spTree>
@@ -11227,685 +11722,6 @@
 </p:sld>
 </file>
 
-<file path=ppt/slides/slide16.xml><?xml version="1.0" encoding="utf-8"?>
-<p:sld xmlns:a="http://schemas.openxmlformats.org/drawingml/2006/main" xmlns:r="http://schemas.openxmlformats.org/officeDocument/2006/relationships" xmlns:p="http://schemas.openxmlformats.org/presentationml/2006/main">
-  <p:cSld>
-    <p:spTree>
-      <p:nvGrpSpPr>
-        <p:cNvPr id="1" name=""/>
-        <p:cNvGrpSpPr/>
-        <p:nvPr/>
-      </p:nvGrpSpPr>
-      <p:grpSpPr>
-        <a:xfrm>
-          <a:off x="0" y="0"/>
-          <a:ext cx="0" cy="0"/>
-          <a:chOff x="0" y="0"/>
-          <a:chExt cx="0" cy="0"/>
-        </a:xfrm>
-      </p:grpSpPr>
-      <p:sp>
-        <p:nvSpPr>
-          <p:cNvPr id="2" name="Content Placeholder 1"/>
-          <p:cNvSpPr>
-            <a:spLocks noGrp="1"/>
-          </p:cNvSpPr>
-          <p:nvPr>
-            <p:ph sz="quarter" idx="13"/>
-          </p:nvPr>
-        </p:nvSpPr>
-        <p:spPr/>
-        <p:txBody>
-          <a:bodyPr/>
-          <a:lstStyle/>
-          <a:p>
-            <a:pPr algn="l"/>
-            <a:r>
-              <a:rPr lang="en-US" dirty="0"/>
-              <a:t>Process P1:</a:t>
-            </a:r>
-          </a:p>
-          <a:p>
-            <a:pPr algn="l"/>
-            <a:r>
-              <a:rPr lang="en-US" dirty="0"/>
-              <a:t>request(</a:t>
-            </a:r>
-            <a:r>
-              <a:rPr lang="en-US" dirty="0" smtClean="0"/>
-              <a:t>R1,R2);…		release</a:t>
-            </a:r>
-            <a:r>
-              <a:rPr lang="en-US" dirty="0"/>
-              <a:t>(</a:t>
-            </a:r>
-            <a:r>
-              <a:rPr lang="en-US" dirty="0" smtClean="0"/>
-              <a:t>R1,R2);</a:t>
-            </a:r>
-            <a:endParaRPr lang="en-US" dirty="0"/>
-          </a:p>
-          <a:p>
-            <a:pPr algn="l"/>
-            <a:endParaRPr lang="en-US" dirty="0"/>
-          </a:p>
-          <a:p>
-            <a:pPr algn="l"/>
-            <a:endParaRPr lang="en-US" dirty="0"/>
-          </a:p>
-          <a:p>
-            <a:pPr algn="l"/>
-            <a:endParaRPr lang="en-US" dirty="0"/>
-          </a:p>
-          <a:p>
-            <a:pPr algn="l"/>
-            <a:r>
-              <a:rPr lang="en-US" dirty="0"/>
-              <a:t>Process P2:</a:t>
-            </a:r>
-          </a:p>
-          <a:p>
-            <a:pPr algn="l"/>
-            <a:r>
-              <a:rPr lang="en-US" dirty="0"/>
-              <a:t>request</a:t>
-            </a:r>
-            <a:r>
-              <a:rPr lang="en-US" dirty="0" smtClean="0"/>
-              <a:t>(R1,R2)</a:t>
-            </a:r>
-            <a:r>
-              <a:rPr lang="en-US" dirty="0"/>
-              <a:t>;..</a:t>
-            </a:r>
-            <a:r>
-              <a:rPr lang="en-US" dirty="0" smtClean="0"/>
-              <a:t>.			release</a:t>
-            </a:r>
-            <a:r>
-              <a:rPr lang="en-US" dirty="0"/>
-              <a:t>(</a:t>
-            </a:r>
-            <a:r>
-              <a:rPr lang="en-US" dirty="0" smtClean="0"/>
-              <a:t>R2,R1); </a:t>
-            </a:r>
-            <a:endParaRPr lang="en-US" dirty="0"/>
-          </a:p>
-        </p:txBody>
-      </p:sp>
-      <p:sp>
-        <p:nvSpPr>
-          <p:cNvPr id="3" name="Title 2"/>
-          <p:cNvSpPr>
-            <a:spLocks noGrp="1"/>
-          </p:cNvSpPr>
-          <p:nvPr>
-            <p:ph type="title"/>
-          </p:nvPr>
-        </p:nvSpPr>
-        <p:spPr/>
-        <p:txBody>
-          <a:bodyPr/>
-          <a:lstStyle/>
-          <a:p>
-            <a:r>
-              <a:rPr lang="en-US" dirty="0" smtClean="0"/>
-              <a:t>Request ALL At once</a:t>
-            </a:r>
-            <a:endParaRPr lang="en-US" dirty="0"/>
-          </a:p>
-        </p:txBody>
-      </p:sp>
-      <p:sp>
-        <p:nvSpPr>
-          <p:cNvPr id="4" name="Rectangle 3"/>
-          <p:cNvSpPr/>
-          <p:nvPr/>
-        </p:nvSpPr>
-        <p:spPr>
-          <a:xfrm>
-            <a:off x="1978193" y="2886714"/>
-            <a:ext cx="2144253" cy="329910"/>
-          </a:xfrm>
-          <a:prstGeom prst="rect">
-            <a:avLst/>
-          </a:prstGeom>
-          <a:solidFill>
-            <a:srgbClr val="FF0000"/>
-          </a:solidFill>
-        </p:spPr>
-        <p:style>
-          <a:lnRef idx="1">
-            <a:schemeClr val="accent1"/>
-          </a:lnRef>
-          <a:fillRef idx="3">
-            <a:schemeClr val="accent1"/>
-          </a:fillRef>
-          <a:effectRef idx="2">
-            <a:schemeClr val="accent1"/>
-          </a:effectRef>
-          <a:fontRef idx="minor">
-            <a:schemeClr val="lt1"/>
-          </a:fontRef>
-        </p:style>
-        <p:txBody>
-          <a:bodyPr rtlCol="0" anchor="ctr"/>
-          <a:lstStyle/>
-          <a:p>
-            <a:pPr algn="ctr"/>
-            <a:r>
-              <a:rPr lang="en-US" dirty="0" smtClean="0"/>
-              <a:t>R1 Critical Section</a:t>
-            </a:r>
-            <a:endParaRPr lang="en-US" dirty="0"/>
-          </a:p>
-        </p:txBody>
-      </p:sp>
-      <p:sp>
-        <p:nvSpPr>
-          <p:cNvPr id="5" name="Rectangle 4"/>
-          <p:cNvSpPr/>
-          <p:nvPr/>
-        </p:nvSpPr>
-        <p:spPr>
-          <a:xfrm>
-            <a:off x="1978193" y="3348586"/>
-            <a:ext cx="2144253" cy="329910"/>
-          </a:xfrm>
-          <a:prstGeom prst="rect">
-            <a:avLst/>
-          </a:prstGeom>
-        </p:spPr>
-        <p:style>
-          <a:lnRef idx="1">
-            <a:schemeClr val="accent1"/>
-          </a:lnRef>
-          <a:fillRef idx="3">
-            <a:schemeClr val="accent1"/>
-          </a:fillRef>
-          <a:effectRef idx="2">
-            <a:schemeClr val="accent1"/>
-          </a:effectRef>
-          <a:fontRef idx="minor">
-            <a:schemeClr val="lt1"/>
-          </a:fontRef>
-        </p:style>
-        <p:txBody>
-          <a:bodyPr rtlCol="0" anchor="ctr"/>
-          <a:lstStyle/>
-          <a:p>
-            <a:pPr algn="ctr"/>
-            <a:r>
-              <a:rPr lang="en-US" dirty="0" smtClean="0"/>
-              <a:t>R2 Critical Section</a:t>
-            </a:r>
-            <a:endParaRPr lang="en-US" dirty="0"/>
-          </a:p>
-        </p:txBody>
-      </p:sp>
-      <p:sp>
-        <p:nvSpPr>
-          <p:cNvPr id="6" name="Rectangle 5"/>
-          <p:cNvSpPr/>
-          <p:nvPr/>
-        </p:nvSpPr>
-        <p:spPr>
-          <a:xfrm>
-            <a:off x="1978193" y="5546427"/>
-            <a:ext cx="2144253" cy="329910"/>
-          </a:xfrm>
-          <a:prstGeom prst="rect">
-            <a:avLst/>
-          </a:prstGeom>
-        </p:spPr>
-        <p:style>
-          <a:lnRef idx="1">
-            <a:schemeClr val="accent1"/>
-          </a:lnRef>
-          <a:fillRef idx="3">
-            <a:schemeClr val="accent1"/>
-          </a:fillRef>
-          <a:effectRef idx="2">
-            <a:schemeClr val="accent1"/>
-          </a:effectRef>
-          <a:fontRef idx="minor">
-            <a:schemeClr val="lt1"/>
-          </a:fontRef>
-        </p:style>
-        <p:txBody>
-          <a:bodyPr rtlCol="0" anchor="ctr"/>
-          <a:lstStyle/>
-          <a:p>
-            <a:pPr algn="ctr"/>
-            <a:r>
-              <a:rPr lang="en-US" dirty="0" smtClean="0"/>
-              <a:t>R2 Critical Section</a:t>
-            </a:r>
-            <a:endParaRPr lang="en-US" dirty="0"/>
-          </a:p>
-        </p:txBody>
-      </p:sp>
-      <p:sp>
-        <p:nvSpPr>
-          <p:cNvPr id="7" name="Rectangle 6"/>
-          <p:cNvSpPr/>
-          <p:nvPr/>
-        </p:nvSpPr>
-        <p:spPr>
-          <a:xfrm>
-            <a:off x="1978193" y="5018571"/>
-            <a:ext cx="2144253" cy="329910"/>
-          </a:xfrm>
-          <a:prstGeom prst="rect">
-            <a:avLst/>
-          </a:prstGeom>
-          <a:solidFill>
-            <a:srgbClr val="FF0000"/>
-          </a:solidFill>
-        </p:spPr>
-        <p:style>
-          <a:lnRef idx="1">
-            <a:schemeClr val="accent1"/>
-          </a:lnRef>
-          <a:fillRef idx="3">
-            <a:schemeClr val="accent1"/>
-          </a:fillRef>
-          <a:effectRef idx="2">
-            <a:schemeClr val="accent1"/>
-          </a:effectRef>
-          <a:fontRef idx="minor">
-            <a:schemeClr val="lt1"/>
-          </a:fontRef>
-        </p:style>
-        <p:txBody>
-          <a:bodyPr rtlCol="0" anchor="ctr"/>
-          <a:lstStyle/>
-          <a:p>
-            <a:pPr algn="ctr"/>
-            <a:r>
-              <a:rPr lang="en-US" dirty="0" smtClean="0"/>
-              <a:t>R1 Critical Section</a:t>
-            </a:r>
-            <a:endParaRPr lang="en-US" dirty="0"/>
-          </a:p>
-        </p:txBody>
-      </p:sp>
-    </p:spTree>
-    <p:extLst>
-      <p:ext uri="{BB962C8B-B14F-4D97-AF65-F5344CB8AC3E}">
-        <p14:creationId xmlns:p14="http://schemas.microsoft.com/office/powerpoint/2010/main" val="1598377104"/>
-      </p:ext>
-    </p:extLst>
-  </p:cSld>
-  <p:clrMapOvr>
-    <a:masterClrMapping/>
-  </p:clrMapOvr>
-  <p:timing>
-    <p:tnLst>
-      <p:par>
-        <p:cTn xmlns:p14="http://schemas.microsoft.com/office/powerpoint/2010/main" id="1" dur="indefinite" restart="never" nodeType="tmRoot"/>
-      </p:par>
-    </p:tnLst>
-  </p:timing>
-</p:sld>
-</file>
-
-<file path=ppt/slides/slide17.xml><?xml version="1.0" encoding="utf-8"?>
-<p:sld xmlns:a="http://schemas.openxmlformats.org/drawingml/2006/main" xmlns:r="http://schemas.openxmlformats.org/officeDocument/2006/relationships" xmlns:p="http://schemas.openxmlformats.org/presentationml/2006/main">
-  <p:cSld>
-    <p:spTree>
-      <p:nvGrpSpPr>
-        <p:cNvPr id="1" name=""/>
-        <p:cNvGrpSpPr/>
-        <p:nvPr/>
-      </p:nvGrpSpPr>
-      <p:grpSpPr>
-        <a:xfrm>
-          <a:off x="0" y="0"/>
-          <a:ext cx="0" cy="0"/>
-          <a:chOff x="0" y="0"/>
-          <a:chExt cx="0" cy="0"/>
-        </a:xfrm>
-      </p:grpSpPr>
-      <p:sp>
-        <p:nvSpPr>
-          <p:cNvPr id="2" name="Content Placeholder 1"/>
-          <p:cNvSpPr>
-            <a:spLocks noGrp="1"/>
-          </p:cNvSpPr>
-          <p:nvPr>
-            <p:ph sz="quarter" idx="13"/>
-          </p:nvPr>
-        </p:nvSpPr>
-        <p:spPr/>
-        <p:txBody>
-          <a:bodyPr/>
-          <a:lstStyle/>
-          <a:p>
-            <a:pPr algn="l"/>
-            <a:r>
-              <a:rPr lang="en-US" dirty="0"/>
-              <a:t>Process P1:</a:t>
-            </a:r>
-          </a:p>
-          <a:p>
-            <a:pPr algn="l"/>
-            <a:r>
-              <a:rPr lang="en-US" dirty="0"/>
-              <a:t>request(R1)</a:t>
-            </a:r>
-            <a:r>
-              <a:rPr lang="en-US" dirty="0" smtClean="0"/>
-              <a:t>;…	release</a:t>
-            </a:r>
-            <a:r>
-              <a:rPr lang="en-US" dirty="0"/>
-              <a:t>(R1</a:t>
-            </a:r>
-            <a:r>
-              <a:rPr lang="en-US" dirty="0" smtClean="0"/>
-              <a:t>); request</a:t>
-            </a:r>
-            <a:r>
-              <a:rPr lang="en-US" dirty="0"/>
-              <a:t>(R2)</a:t>
-            </a:r>
-            <a:r>
-              <a:rPr lang="en-US" dirty="0" smtClean="0"/>
-              <a:t>;…	release</a:t>
-            </a:r>
-            <a:r>
-              <a:rPr lang="en-US" dirty="0"/>
-              <a:t>(R2</a:t>
-            </a:r>
-            <a:r>
-              <a:rPr lang="en-US" dirty="0" smtClean="0"/>
-              <a:t>);</a:t>
-            </a:r>
-            <a:endParaRPr lang="en-US" dirty="0"/>
-          </a:p>
-          <a:p>
-            <a:pPr algn="l"/>
-            <a:endParaRPr lang="en-US" dirty="0"/>
-          </a:p>
-          <a:p>
-            <a:pPr algn="l"/>
-            <a:endParaRPr lang="en-US" dirty="0"/>
-          </a:p>
-          <a:p>
-            <a:pPr algn="l"/>
-            <a:endParaRPr lang="en-US" dirty="0"/>
-          </a:p>
-          <a:p>
-            <a:pPr algn="l"/>
-            <a:r>
-              <a:rPr lang="en-US" dirty="0"/>
-              <a:t>Process P2:</a:t>
-            </a:r>
-          </a:p>
-          <a:p>
-            <a:pPr algn="l"/>
-            <a:r>
-              <a:rPr lang="en-US" dirty="0"/>
-              <a:t>request(</a:t>
-            </a:r>
-            <a:r>
-              <a:rPr lang="en-US" dirty="0" smtClean="0"/>
-              <a:t>R2)</a:t>
-            </a:r>
-            <a:r>
-              <a:rPr lang="en-US" dirty="0"/>
-              <a:t>;..</a:t>
-            </a:r>
-            <a:r>
-              <a:rPr lang="en-US" dirty="0" smtClean="0"/>
-              <a:t>.		</a:t>
-            </a:r>
-            <a:r>
-              <a:rPr lang="en-US" dirty="0"/>
-              <a:t>release(R2)</a:t>
-            </a:r>
-            <a:r>
-              <a:rPr lang="en-US" dirty="0" smtClean="0"/>
-              <a:t>; request</a:t>
-            </a:r>
-            <a:r>
-              <a:rPr lang="en-US" dirty="0"/>
-              <a:t>(</a:t>
-            </a:r>
-            <a:r>
-              <a:rPr lang="en-US" dirty="0" smtClean="0"/>
-              <a:t>R1);	release</a:t>
-            </a:r>
-            <a:r>
-              <a:rPr lang="en-US" dirty="0"/>
-              <a:t>(R1)</a:t>
-            </a:r>
-            <a:r>
-              <a:rPr lang="en-US" dirty="0" smtClean="0"/>
-              <a:t>;</a:t>
-            </a:r>
-            <a:endParaRPr lang="en-US" dirty="0"/>
-          </a:p>
-        </p:txBody>
-      </p:sp>
-      <p:sp>
-        <p:nvSpPr>
-          <p:cNvPr id="3" name="Title 2"/>
-          <p:cNvSpPr>
-            <a:spLocks noGrp="1"/>
-          </p:cNvSpPr>
-          <p:nvPr>
-            <p:ph type="title"/>
-          </p:nvPr>
-        </p:nvSpPr>
-        <p:spPr/>
-        <p:txBody>
-          <a:bodyPr/>
-          <a:lstStyle/>
-          <a:p>
-            <a:r>
-              <a:rPr lang="en-US" dirty="0"/>
-              <a:t>Release Before Request</a:t>
-            </a:r>
-          </a:p>
-        </p:txBody>
-      </p:sp>
-      <p:sp>
-        <p:nvSpPr>
-          <p:cNvPr id="4" name="Rectangle 3"/>
-          <p:cNvSpPr/>
-          <p:nvPr/>
-        </p:nvSpPr>
-        <p:spPr>
-          <a:xfrm>
-            <a:off x="1598825" y="2540307"/>
-            <a:ext cx="2144253" cy="329910"/>
-          </a:xfrm>
-          <a:prstGeom prst="rect">
-            <a:avLst/>
-          </a:prstGeom>
-          <a:solidFill>
-            <a:srgbClr val="FF0000"/>
-          </a:solidFill>
-        </p:spPr>
-        <p:style>
-          <a:lnRef idx="1">
-            <a:schemeClr val="accent1"/>
-          </a:lnRef>
-          <a:fillRef idx="3">
-            <a:schemeClr val="accent1"/>
-          </a:fillRef>
-          <a:effectRef idx="2">
-            <a:schemeClr val="accent1"/>
-          </a:effectRef>
-          <a:fontRef idx="minor">
-            <a:schemeClr val="lt1"/>
-          </a:fontRef>
-        </p:style>
-        <p:txBody>
-          <a:bodyPr rtlCol="0" anchor="ctr"/>
-          <a:lstStyle/>
-          <a:p>
-            <a:pPr algn="ctr"/>
-            <a:r>
-              <a:rPr lang="en-US" dirty="0" smtClean="0"/>
-              <a:t>R1 Critical Section</a:t>
-            </a:r>
-            <a:endParaRPr lang="en-US" dirty="0"/>
-          </a:p>
-        </p:txBody>
-      </p:sp>
-      <p:sp>
-        <p:nvSpPr>
-          <p:cNvPr id="5" name="Rectangle 4"/>
-          <p:cNvSpPr/>
-          <p:nvPr/>
-        </p:nvSpPr>
-        <p:spPr>
-          <a:xfrm>
-            <a:off x="5520505" y="2540307"/>
-            <a:ext cx="2144253" cy="329910"/>
-          </a:xfrm>
-          <a:prstGeom prst="rect">
-            <a:avLst/>
-          </a:prstGeom>
-        </p:spPr>
-        <p:style>
-          <a:lnRef idx="1">
-            <a:schemeClr val="accent1"/>
-          </a:lnRef>
-          <a:fillRef idx="3">
-            <a:schemeClr val="accent1"/>
-          </a:fillRef>
-          <a:effectRef idx="2">
-            <a:schemeClr val="accent1"/>
-          </a:effectRef>
-          <a:fontRef idx="minor">
-            <a:schemeClr val="lt1"/>
-          </a:fontRef>
-        </p:style>
-        <p:txBody>
-          <a:bodyPr rtlCol="0" anchor="ctr"/>
-          <a:lstStyle/>
-          <a:p>
-            <a:pPr algn="ctr"/>
-            <a:r>
-              <a:rPr lang="en-US" dirty="0" smtClean="0"/>
-              <a:t>R2 Critical Section</a:t>
-            </a:r>
-            <a:endParaRPr lang="en-US" dirty="0"/>
-          </a:p>
-        </p:txBody>
-      </p:sp>
-      <p:sp>
-        <p:nvSpPr>
-          <p:cNvPr id="6" name="Rectangle 5"/>
-          <p:cNvSpPr/>
-          <p:nvPr/>
-        </p:nvSpPr>
-        <p:spPr>
-          <a:xfrm>
-            <a:off x="1598825" y="5002075"/>
-            <a:ext cx="2144253" cy="329910"/>
-          </a:xfrm>
-          <a:prstGeom prst="rect">
-            <a:avLst/>
-          </a:prstGeom>
-        </p:spPr>
-        <p:style>
-          <a:lnRef idx="1">
-            <a:schemeClr val="accent1"/>
-          </a:lnRef>
-          <a:fillRef idx="3">
-            <a:schemeClr val="accent1"/>
-          </a:fillRef>
-          <a:effectRef idx="2">
-            <a:schemeClr val="accent1"/>
-          </a:effectRef>
-          <a:fontRef idx="minor">
-            <a:schemeClr val="lt1"/>
-          </a:fontRef>
-        </p:style>
-        <p:txBody>
-          <a:bodyPr rtlCol="0" anchor="ctr"/>
-          <a:lstStyle/>
-          <a:p>
-            <a:pPr algn="ctr"/>
-            <a:r>
-              <a:rPr lang="en-US" dirty="0" smtClean="0"/>
-              <a:t>R2 Critical Section</a:t>
-            </a:r>
-            <a:endParaRPr lang="en-US" dirty="0"/>
-          </a:p>
-        </p:txBody>
-      </p:sp>
-      <p:sp>
-        <p:nvSpPr>
-          <p:cNvPr id="7" name="Rectangle 6"/>
-          <p:cNvSpPr/>
-          <p:nvPr/>
-        </p:nvSpPr>
-        <p:spPr>
-          <a:xfrm>
-            <a:off x="5520505" y="5002075"/>
-            <a:ext cx="2144253" cy="329910"/>
-          </a:xfrm>
-          <a:prstGeom prst="rect">
-            <a:avLst/>
-          </a:prstGeom>
-          <a:solidFill>
-            <a:srgbClr val="FF0000"/>
-          </a:solidFill>
-        </p:spPr>
-        <p:style>
-          <a:lnRef idx="1">
-            <a:schemeClr val="accent1"/>
-          </a:lnRef>
-          <a:fillRef idx="3">
-            <a:schemeClr val="accent1"/>
-          </a:fillRef>
-          <a:effectRef idx="2">
-            <a:schemeClr val="accent1"/>
-          </a:effectRef>
-          <a:fontRef idx="minor">
-            <a:schemeClr val="lt1"/>
-          </a:fontRef>
-        </p:style>
-        <p:txBody>
-          <a:bodyPr rtlCol="0" anchor="ctr"/>
-          <a:lstStyle/>
-          <a:p>
-            <a:pPr algn="ctr"/>
-            <a:r>
-              <a:rPr lang="en-US" dirty="0" smtClean="0"/>
-              <a:t>R1 Critical Section</a:t>
-            </a:r>
-            <a:endParaRPr lang="en-US" dirty="0"/>
-          </a:p>
-        </p:txBody>
-      </p:sp>
-    </p:spTree>
-    <p:extLst>
-      <p:ext uri="{BB962C8B-B14F-4D97-AF65-F5344CB8AC3E}">
-        <p14:creationId xmlns:p14="http://schemas.microsoft.com/office/powerpoint/2010/main" val="1963981522"/>
-      </p:ext>
-    </p:extLst>
-  </p:cSld>
-  <p:clrMapOvr>
-    <a:masterClrMapping/>
-  </p:clrMapOvr>
-  <p:timing>
-    <p:tnLst>
-      <p:par>
-        <p:cTn xmlns:p14="http://schemas.microsoft.com/office/powerpoint/2010/main" id="1" dur="indefinite" restart="never" nodeType="tmRoot"/>
-      </p:par>
-    </p:tnLst>
-  </p:timing>
-</p:sld>
-</file>
-
 <file path=ppt/slides/slide18.xml><?xml version="1.0" encoding="utf-8"?>
 <p:sld xmlns:a="http://schemas.openxmlformats.org/drawingml/2006/main" xmlns:r="http://schemas.openxmlformats.org/officeDocument/2006/relationships" xmlns:p="http://schemas.openxmlformats.org/presentationml/2006/main">
   <p:cSld>
@@ -11925,12 +11741,12 @@
       </p:grpSpPr>
       <p:sp>
         <p:nvSpPr>
-          <p:cNvPr id="3" name="Subtitle 2"/>
+          <p:cNvPr id="2" name="Content Placeholder 1"/>
           <p:cNvSpPr>
             <a:spLocks noGrp="1"/>
           </p:cNvSpPr>
           <p:nvPr>
-            <p:ph type="subTitle" idx="1"/>
+            <p:ph sz="quarter" idx="13"/>
           </p:nvPr>
         </p:nvSpPr>
         <p:spPr/>
@@ -11938,17 +11754,97 @@
           <a:bodyPr/>
           <a:lstStyle/>
           <a:p>
-            <a:r>
-              <a:rPr lang="en-US" dirty="0" smtClean="0"/>
-              <a:t>DEMO</a:t>
-            </a:r>
+            <a:pPr marL="342900" indent="-342900">
+              <a:buFont typeface="Arial"/>
+              <a:buChar char="•"/>
+            </a:pPr>
+            <a:r>
+              <a:rPr lang="en-US" dirty="0" smtClean="0"/>
+              <a:t>Convoy is created.</a:t>
+            </a:r>
+          </a:p>
+          <a:p>
+            <a:pPr marL="342900" indent="-342900">
+              <a:buFont typeface="Arial"/>
+              <a:buChar char="•"/>
+            </a:pPr>
+            <a:r>
+              <a:rPr lang="en-US" dirty="0" smtClean="0"/>
+              <a:t>Serializes the processing.</a:t>
+            </a:r>
+          </a:p>
+          <a:p>
+            <a:pPr marL="342900" indent="-342900">
+              <a:buFont typeface="Arial"/>
+              <a:buChar char="•"/>
+            </a:pPr>
+            <a:r>
+              <a:rPr lang="en-US" dirty="0" smtClean="0"/>
+              <a:t>Slows down High priority threads.</a:t>
+            </a:r>
+          </a:p>
+          <a:p>
+            <a:pPr marL="342900" indent="-342900">
+              <a:buFont typeface="Arial"/>
+              <a:buChar char="•"/>
+            </a:pPr>
             <a:endParaRPr lang="en-US" dirty="0"/>
           </a:p>
-        </p:txBody>
-      </p:sp>
-      <p:sp>
-        <p:nvSpPr>
-          <p:cNvPr id="2" name="Title 1"/>
+          <a:p>
+            <a:r>
+              <a:rPr lang="en-US" dirty="0" smtClean="0"/>
+              <a:t>Solution</a:t>
+            </a:r>
+          </a:p>
+          <a:p>
+            <a:pPr marL="342900" indent="-342900">
+              <a:buFont typeface="Arial"/>
+              <a:buChar char="•"/>
+            </a:pPr>
+            <a:r>
+              <a:rPr lang="en-US" dirty="0" smtClean="0"/>
+              <a:t>Priority Inversion</a:t>
+            </a:r>
+          </a:p>
+          <a:p>
+            <a:pPr marL="342900" indent="-342900">
+              <a:buFont typeface="Arial"/>
+              <a:buChar char="•"/>
+            </a:pPr>
+            <a:r>
+              <a:rPr lang="en-US" dirty="0" smtClean="0"/>
+              <a:t>Replicating the resource.</a:t>
+            </a:r>
+          </a:p>
+          <a:p>
+            <a:pPr marL="342900" indent="-342900">
+              <a:buFont typeface="Arial"/>
+              <a:buChar char="•"/>
+            </a:pPr>
+            <a:r>
+              <a:rPr lang="en-US" dirty="0" smtClean="0"/>
+              <a:t>Partitioning the resource</a:t>
+            </a:r>
+          </a:p>
+          <a:p>
+            <a:pPr marL="342900" indent="-342900">
+              <a:buFont typeface="Arial"/>
+              <a:buChar char="•"/>
+            </a:pPr>
+            <a:endParaRPr lang="en-US" dirty="0" smtClean="0"/>
+          </a:p>
+          <a:p>
+            <a:pPr marL="342900" indent="-342900">
+              <a:buFont typeface="Arial"/>
+              <a:buChar char="•"/>
+            </a:pPr>
+            <a:endParaRPr lang="en-US" dirty="0"/>
+          </a:p>
+        </p:txBody>
+      </p:sp>
+      <p:sp>
+        <p:nvSpPr>
+          <p:cNvPr id="3" name="Title 2"/>
           <p:cNvSpPr>
             <a:spLocks noGrp="1"/>
           </p:cNvSpPr>
@@ -11958,28 +11854,34 @@
         </p:nvSpPr>
         <p:spPr/>
         <p:txBody>
-          <a:bodyPr>
-            <a:normAutofit fontScale="90000"/>
-          </a:bodyPr>
+          <a:bodyPr/>
           <a:lstStyle/>
           <a:p>
             <a:r>
-              <a:rPr lang="en-US" dirty="0"/>
+              <a:rPr lang="en-US" dirty="0" smtClean="0"/>
               <a:t>Heavily contended locks</a:t>
             </a:r>
+            <a:endParaRPr lang="en-US" dirty="0"/>
           </a:p>
         </p:txBody>
       </p:sp>
     </p:spTree>
     <p:extLst>
       <p:ext uri="{BB962C8B-B14F-4D97-AF65-F5344CB8AC3E}">
-        <p14:creationId xmlns:p14="http://schemas.microsoft.com/office/powerpoint/2010/main" val="2590666726"/>
+        <p14:creationId xmlns:p14="http://schemas.microsoft.com/office/powerpoint/2010/main" val="1462588398"/>
       </p:ext>
     </p:extLst>
   </p:cSld>
   <p:clrMapOvr>
     <a:masterClrMapping/>
   </p:clrMapOvr>
+  <p:timing>
+    <p:tnLst>
+      <p:par>
+        <p:cTn xmlns:p14="http://schemas.microsoft.com/office/powerpoint/2010/main" id="1" dur="indefinite" restart="never" nodeType="tmRoot"/>
+      </p:par>
+    </p:tnLst>
+  </p:timing>
 </p:sld>
 </file>
 
@@ -12002,12 +11904,12 @@
       </p:grpSpPr>
       <p:sp>
         <p:nvSpPr>
-          <p:cNvPr id="2" name="Content Placeholder 1"/>
+          <p:cNvPr id="3" name="Subtitle 2"/>
           <p:cNvSpPr>
             <a:spLocks noGrp="1"/>
           </p:cNvSpPr>
           <p:nvPr>
-            <p:ph sz="quarter" idx="13"/>
+            <p:ph type="subTitle" idx="1"/>
           </p:nvPr>
         </p:nvSpPr>
         <p:spPr/>
@@ -12015,97 +11917,17 @@
           <a:bodyPr/>
           <a:lstStyle/>
           <a:p>
-            <a:pPr marL="342900" indent="-342900">
-              <a:buFont typeface="Arial"/>
-              <a:buChar char="•"/>
-            </a:pPr>
-            <a:r>
-              <a:rPr lang="en-US" dirty="0" smtClean="0"/>
-              <a:t>Convoy is created.</a:t>
-            </a:r>
-          </a:p>
-          <a:p>
-            <a:pPr marL="342900" indent="-342900">
-              <a:buFont typeface="Arial"/>
-              <a:buChar char="•"/>
-            </a:pPr>
-            <a:r>
-              <a:rPr lang="en-US" dirty="0" smtClean="0"/>
-              <a:t>Serializes the processing.</a:t>
-            </a:r>
-          </a:p>
-          <a:p>
-            <a:pPr marL="342900" indent="-342900">
-              <a:buFont typeface="Arial"/>
-              <a:buChar char="•"/>
-            </a:pPr>
-            <a:r>
-              <a:rPr lang="en-US" dirty="0" smtClean="0"/>
-              <a:t>Slows down High priority threads.</a:t>
-            </a:r>
-          </a:p>
-          <a:p>
-            <a:pPr marL="342900" indent="-342900">
-              <a:buFont typeface="Arial"/>
-              <a:buChar char="•"/>
-            </a:pPr>
+            <a:r>
+              <a:rPr lang="en-US" dirty="0" smtClean="0"/>
+              <a:t>DEMO</a:t>
+            </a:r>
             <a:endParaRPr lang="en-US" dirty="0"/>
           </a:p>
-          <a:p>
-            <a:r>
-              <a:rPr lang="en-US" dirty="0" smtClean="0"/>
-              <a:t>Solution</a:t>
-            </a:r>
-          </a:p>
-          <a:p>
-            <a:pPr marL="342900" indent="-342900">
-              <a:buFont typeface="Arial"/>
-              <a:buChar char="•"/>
-            </a:pPr>
-            <a:r>
-              <a:rPr lang="en-US" dirty="0" smtClean="0"/>
-              <a:t>Priority Inversion</a:t>
-            </a:r>
-          </a:p>
-          <a:p>
-            <a:pPr marL="342900" indent="-342900">
-              <a:buFont typeface="Arial"/>
-              <a:buChar char="•"/>
-            </a:pPr>
-            <a:r>
-              <a:rPr lang="en-US" dirty="0" smtClean="0"/>
-              <a:t>Replicating the resource.</a:t>
-            </a:r>
-          </a:p>
-          <a:p>
-            <a:pPr marL="342900" indent="-342900">
-              <a:buFont typeface="Arial"/>
-              <a:buChar char="•"/>
-            </a:pPr>
-            <a:r>
-              <a:rPr lang="en-US" dirty="0" smtClean="0"/>
-              <a:t>Partitioning the resource</a:t>
-            </a:r>
-          </a:p>
-          <a:p>
-            <a:pPr marL="342900" indent="-342900">
-              <a:buFont typeface="Arial"/>
-              <a:buChar char="•"/>
-            </a:pPr>
-            <a:endParaRPr lang="en-US" dirty="0" smtClean="0"/>
-          </a:p>
-          <a:p>
-            <a:pPr marL="342900" indent="-342900">
-              <a:buFont typeface="Arial"/>
-              <a:buChar char="•"/>
-            </a:pPr>
-            <a:endParaRPr lang="en-US" dirty="0"/>
-          </a:p>
-        </p:txBody>
-      </p:sp>
-      <p:sp>
-        <p:nvSpPr>
-          <p:cNvPr id="3" name="Title 2"/>
+        </p:txBody>
+      </p:sp>
+      <p:sp>
+        <p:nvSpPr>
+          <p:cNvPr id="2" name="Title 1"/>
           <p:cNvSpPr>
             <a:spLocks noGrp="1"/>
           </p:cNvSpPr>
@@ -12115,27 +11937,35 @@
         </p:nvSpPr>
         <p:spPr/>
         <p:txBody>
-          <a:bodyPr/>
+          <a:bodyPr>
+            <a:normAutofit fontScale="90000"/>
+          </a:bodyPr>
           <a:lstStyle/>
           <a:p>
             <a:r>
-              <a:rPr lang="en-US" dirty="0" smtClean="0"/>
+              <a:rPr lang="en-US" dirty="0"/>
               <a:t>Heavily contended locks</a:t>
             </a:r>
-            <a:endParaRPr lang="en-US" dirty="0"/>
           </a:p>
         </p:txBody>
       </p:sp>
     </p:spTree>
     <p:extLst>
       <p:ext uri="{BB962C8B-B14F-4D97-AF65-F5344CB8AC3E}">
-        <p14:creationId xmlns:p14="http://schemas.microsoft.com/office/powerpoint/2010/main" val="1462588398"/>
+        <p14:creationId xmlns:p14="http://schemas.microsoft.com/office/powerpoint/2010/main" val="2590666726"/>
       </p:ext>
     </p:extLst>
   </p:cSld>
   <p:clrMapOvr>
     <a:masterClrMapping/>
   </p:clrMapOvr>
+  <p:timing>
+    <p:tnLst>
+      <p:par>
+        <p:cTn xmlns:p14="http://schemas.microsoft.com/office/powerpoint/2010/main" id="1" dur="indefinite" restart="never" nodeType="tmRoot"/>
+      </p:par>
+    </p:tnLst>
+  </p:timing>
 </p:sld>
 </file>
 
@@ -12306,6 +12136,13 @@
   <p:clrMapOvr>
     <a:masterClrMapping/>
   </p:clrMapOvr>
+  <p:timing>
+    <p:tnLst>
+      <p:par>
+        <p:cTn xmlns:p14="http://schemas.microsoft.com/office/powerpoint/2010/main" id="1" dur="indefinite" restart="never" nodeType="tmRoot"/>
+      </p:par>
+    </p:tnLst>
+  </p:timing>
 </p:sld>
 </file>
 
@@ -12432,6 +12269,13 @@
   <p:clrMapOvr>
     <a:masterClrMapping/>
   </p:clrMapOvr>
+  <p:timing>
+    <p:tnLst>
+      <p:par>
+        <p:cTn xmlns:p14="http://schemas.microsoft.com/office/powerpoint/2010/main" id="1" dur="indefinite" restart="never" nodeType="tmRoot"/>
+      </p:par>
+    </p:tnLst>
+  </p:timing>
 </p:sld>
 </file>
 
@@ -12473,8 +12317,13 @@
             </a:pPr>
             <a:r>
               <a:rPr lang="en-US" dirty="0" smtClean="0"/>
-              <a:t>Usability:		90% rate as the easy to play</a:t>
-            </a:r>
+              <a:t>Usability:		</a:t>
+            </a:r>
+            <a:r>
+              <a:rPr lang="en-US" dirty="0" smtClean="0"/>
+              <a:t>6/6 students agreed that it is easy to use.</a:t>
+            </a:r>
+            <a:endParaRPr lang="en-US" dirty="0" smtClean="0"/>
           </a:p>
           <a:p>
             <a:pPr marL="342900" indent="-342900">
@@ -12490,7 +12339,19 @@
             </a:pPr>
             <a:r>
               <a:rPr lang="en-US" dirty="0" smtClean="0"/>
-              <a:t>Interactivity:	90% like the way they interact with the pitfalls</a:t>
+              <a:t>Interactivity:	</a:t>
+            </a:r>
+            <a:r>
+              <a:rPr lang="en-US" dirty="0" smtClean="0"/>
+              <a:t>4/6 </a:t>
+            </a:r>
+            <a:r>
+              <a:rPr lang="en-US" dirty="0" smtClean="0"/>
+              <a:t>like </a:t>
+            </a:r>
+            <a:r>
+              <a:rPr lang="en-US" dirty="0" smtClean="0"/>
+              <a:t>the way they interact with the pitfalls</a:t>
             </a:r>
           </a:p>
           <a:p>
@@ -12507,7 +12368,48 @@
             </a:pPr>
             <a:r>
               <a:rPr lang="en-US" dirty="0" smtClean="0"/>
-              <a:t>Student understanding: 	9/10 questions were answered correctly by 90% of student</a:t>
+              <a:t>Student understanding: 	</a:t>
+            </a:r>
+            <a:r>
+              <a:rPr lang="en-US" dirty="0"/>
+              <a:t>5</a:t>
+            </a:r>
+            <a:r>
+              <a:rPr lang="en-US" dirty="0" smtClean="0"/>
+              <a:t>/</a:t>
+            </a:r>
+            <a:r>
+              <a:rPr lang="en-US" dirty="0"/>
+              <a:t>6</a:t>
+            </a:r>
+            <a:r>
+              <a:rPr lang="en-US" dirty="0" smtClean="0"/>
+              <a:t> Students </a:t>
+            </a:r>
+            <a:r>
+              <a:rPr lang="en-US" dirty="0"/>
+              <a:t>answered all questions correctly </a:t>
+            </a:r>
+            <a:r>
+              <a:rPr lang="en-US" dirty="0" smtClean="0"/>
+              <a:t>.</a:t>
+            </a:r>
+          </a:p>
+          <a:p>
+            <a:pPr marL="342900" indent="-342900">
+              <a:buFont typeface="Arial"/>
+              <a:buChar char="•"/>
+            </a:pPr>
+            <a:endParaRPr lang="en-US" dirty="0" smtClean="0"/>
+          </a:p>
+          <a:p>
+            <a:pPr marL="342900" indent="-342900">
+              <a:buFont typeface="Arial"/>
+              <a:buChar char="•"/>
+            </a:pPr>
+            <a:r>
+              <a:rPr lang="en-US" dirty="0" smtClean="0"/>
+              <a:t>Nasser suggests that </a:t>
             </a:r>
             <a:endParaRPr lang="en-US" dirty="0"/>
           </a:p>
@@ -12546,6 +12448,13 @@
   <p:clrMapOvr>
     <a:masterClrMapping/>
   </p:clrMapOvr>
+  <p:timing>
+    <p:tnLst>
+      <p:par>
+        <p:cTn xmlns:p14="http://schemas.microsoft.com/office/powerpoint/2010/main" id="1" dur="indefinite" restart="never" nodeType="tmRoot"/>
+      </p:par>
+    </p:tnLst>
+  </p:timing>
 </p:sld>
 </file>
 
@@ -12579,9 +12488,16 @@
         <p:spPr/>
         <p:txBody>
           <a:bodyPr>
-            <a:normAutofit/>
+            <a:normAutofit lnSpcReduction="10000"/>
           </a:bodyPr>
           <a:lstStyle/>
+          <a:p>
+            <a:pPr algn="l"/>
+            <a:r>
+              <a:rPr lang="en-US" dirty="0" smtClean="0"/>
+              <a:t>Challenges:</a:t>
+            </a:r>
+          </a:p>
           <a:p>
             <a:pPr marL="342900" indent="-342900" algn="l">
               <a:buFont typeface="Arial"/>
@@ -12589,7 +12505,11 @@
             </a:pPr>
             <a:r>
               <a:rPr lang="en-US" dirty="0" smtClean="0"/>
-              <a:t>Support multiple browser</a:t>
+              <a:t>Support </a:t>
+            </a:r>
+            <a:r>
+              <a:rPr lang="en-US" dirty="0" smtClean="0"/>
+              <a:t>multiple browser</a:t>
             </a:r>
           </a:p>
           <a:p>
@@ -12600,8 +12520,17 @@
             <a:pPr algn="l"/>
             <a:r>
               <a:rPr lang="en-US" dirty="0" smtClean="0"/>
-              <a:t>Next Few Weeks:</a:t>
-            </a:r>
+              <a:t>Next Few </a:t>
+            </a:r>
+            <a:r>
+              <a:rPr lang="en-US" dirty="0"/>
+              <a:t>D</a:t>
+            </a:r>
+            <a:r>
+              <a:rPr lang="en-US" dirty="0" smtClean="0"/>
+              <a:t>ays:</a:t>
+            </a:r>
+            <a:endParaRPr lang="en-US" dirty="0" smtClean="0"/>
           </a:p>
           <a:p>
             <a:pPr marL="342900" indent="-342900" algn="l">
@@ -12624,8 +12553,9 @@
             </a:pPr>
             <a:r>
               <a:rPr lang="en-US" dirty="0" smtClean="0"/>
-              <a:t>Do more survey and usability testing</a:t>
-            </a:r>
+              <a:t>Improve our implementation</a:t>
+            </a:r>
+            <a:endParaRPr lang="en-US" dirty="0" smtClean="0"/>
           </a:p>
           <a:p>
             <a:pPr marL="342900" indent="-342900" algn="l">
@@ -12672,7 +12602,6 @@
               <a:rPr lang="en-US" dirty="0" smtClean="0"/>
               <a:t>Extend the app to cover other pitfalls</a:t>
             </a:r>
-            <a:endParaRPr lang="en-US" dirty="0" smtClean="0"/>
           </a:p>
         </p:txBody>
       </p:sp>
@@ -13175,599 +13104,6 @@
 </p:sld>
 </file>
 
-<file path=ppt/slides/slide25.xml><?xml version="1.0" encoding="utf-8"?>
-<p:sld xmlns:a="http://schemas.openxmlformats.org/drawingml/2006/main" xmlns:r="http://schemas.openxmlformats.org/officeDocument/2006/relationships" xmlns:p="http://schemas.openxmlformats.org/presentationml/2006/main">
-  <p:cSld>
-    <p:spTree>
-      <p:nvGrpSpPr>
-        <p:cNvPr id="1" name=""/>
-        <p:cNvGrpSpPr/>
-        <p:nvPr/>
-      </p:nvGrpSpPr>
-      <p:grpSpPr>
-        <a:xfrm>
-          <a:off x="0" y="0"/>
-          <a:ext cx="0" cy="0"/>
-          <a:chOff x="0" y="0"/>
-          <a:chExt cx="0" cy="0"/>
-        </a:xfrm>
-      </p:grpSpPr>
-      <p:sp>
-        <p:nvSpPr>
-          <p:cNvPr id="2" name="Content Placeholder 1"/>
-          <p:cNvSpPr>
-            <a:spLocks noGrp="1"/>
-          </p:cNvSpPr>
-          <p:nvPr>
-            <p:ph sz="quarter" idx="13"/>
-          </p:nvPr>
-        </p:nvSpPr>
-        <p:spPr/>
-        <p:txBody>
-          <a:bodyPr>
-            <a:normAutofit fontScale="92500" lnSpcReduction="10000"/>
-          </a:bodyPr>
-          <a:lstStyle/>
-          <a:p>
-            <a:r>
-              <a:rPr lang="en-US" dirty="0" smtClean="0"/>
-              <a:t>STARVATION</a:t>
-            </a:r>
-          </a:p>
-          <a:p>
-            <a:r>
-              <a:rPr lang="en-US" dirty="0" smtClean="0"/>
-              <a:t>Starvation </a:t>
-            </a:r>
-            <a:r>
-              <a:rPr lang="en-US" dirty="0"/>
-              <a:t>describes a situation where a thread is unable to gain regular access to shared resources and is unable to make progress. This happens when shared resources are made unavailable for long periods by "greedy" threads. </a:t>
-            </a:r>
-            <a:endParaRPr lang="en-US" dirty="0" smtClean="0"/>
-          </a:p>
-          <a:p>
-            <a:endParaRPr lang="en-US" dirty="0"/>
-          </a:p>
-          <a:p>
-            <a:r>
-              <a:rPr lang="en-US" dirty="0" smtClean="0"/>
-              <a:t>LIVELOCK</a:t>
-            </a:r>
-          </a:p>
-          <a:p>
-            <a:r>
-              <a:rPr lang="en-US" dirty="0"/>
-              <a:t>A thread often acts in response to the action of another thread. If the other thread's action is also a response to the action of another thread, then </a:t>
-            </a:r>
-            <a:r>
-              <a:rPr lang="en-US" dirty="0" err="1"/>
-              <a:t>livelock</a:t>
-            </a:r>
-            <a:r>
-              <a:rPr lang="en-US" dirty="0"/>
-              <a:t> may result. As with deadlock, </a:t>
-            </a:r>
-            <a:r>
-              <a:rPr lang="en-US" dirty="0" err="1"/>
-              <a:t>livelocked</a:t>
-            </a:r>
-            <a:r>
-              <a:rPr lang="en-US" dirty="0"/>
-              <a:t> threads are unable to make further progress. However, the threads are not blocked — they are simply too busy responding to each other to resume work.</a:t>
-            </a:r>
-          </a:p>
-        </p:txBody>
-      </p:sp>
-      <p:sp>
-        <p:nvSpPr>
-          <p:cNvPr id="3" name="Title 2"/>
-          <p:cNvSpPr>
-            <a:spLocks noGrp="1"/>
-          </p:cNvSpPr>
-          <p:nvPr>
-            <p:ph type="title"/>
-          </p:nvPr>
-        </p:nvSpPr>
-        <p:spPr/>
-        <p:txBody>
-          <a:bodyPr>
-            <a:noAutofit/>
-          </a:bodyPr>
-          <a:lstStyle/>
-          <a:p>
-            <a:r>
-              <a:rPr lang="en-US" sz="2000" dirty="0" smtClean="0">
-                <a:latin typeface="Comic Sans MS"/>
-                <a:cs typeface="Comic Sans MS"/>
-              </a:rPr>
-              <a:t>Starvation &amp; </a:t>
-            </a:r>
-            <a:r>
-              <a:rPr lang="en-US" sz="2000" dirty="0" err="1" smtClean="0">
-                <a:latin typeface="Comic Sans MS"/>
-                <a:cs typeface="Comic Sans MS"/>
-              </a:rPr>
-              <a:t>livelock</a:t>
-            </a:r>
-            <a:endParaRPr lang="en-US" sz="2000" dirty="0">
-              <a:latin typeface="Comic Sans MS"/>
-              <a:cs typeface="Comic Sans MS"/>
-            </a:endParaRPr>
-          </a:p>
-        </p:txBody>
-      </p:sp>
-    </p:spTree>
-    <p:extLst>
-      <p:ext uri="{BB962C8B-B14F-4D97-AF65-F5344CB8AC3E}">
-        <p14:creationId xmlns:p14="http://schemas.microsoft.com/office/powerpoint/2010/main" val="3779741149"/>
-      </p:ext>
-    </p:extLst>
-  </p:cSld>
-  <p:clrMapOvr>
-    <a:masterClrMapping/>
-  </p:clrMapOvr>
-  <p:timing>
-    <p:tnLst>
-      <p:par>
-        <p:cTn xmlns:p14="http://schemas.microsoft.com/office/powerpoint/2010/main" id="1" dur="indefinite" restart="never" nodeType="tmRoot">
-          <p:childTnLst>
-            <p:seq concurrent="1" nextAc="seek">
-              <p:cTn id="2" dur="indefinite" nodeType="mainSeq">
-                <p:childTnLst>
-                  <p:par>
-                    <p:cTn id="3" fill="hold">
-                      <p:stCondLst>
-                        <p:cond delay="indefinite"/>
-                      </p:stCondLst>
-                      <p:childTnLst>
-                        <p:par>
-                          <p:cTn id="4" fill="hold">
-                            <p:stCondLst>
-                              <p:cond delay="0"/>
-                            </p:stCondLst>
-                            <p:childTnLst>
-                              <p:par>
-                                <p:cTn id="5" presetID="19" presetClass="entr" presetSubtype="10" fill="hold" grpId="0" nodeType="clickEffect">
-                                  <p:stCondLst>
-                                    <p:cond delay="0"/>
-                                  </p:stCondLst>
-                                  <p:childTnLst>
-                                    <p:set>
-                                      <p:cBhvr>
-                                        <p:cTn id="6" dur="1" fill="hold">
-                                          <p:stCondLst>
-                                            <p:cond delay="0"/>
-                                          </p:stCondLst>
-                                        </p:cTn>
-                                        <p:tgtEl>
-                                          <p:spTgt spid="2">
-                                            <p:txEl>
-                                              <p:pRg st="0" end="0"/>
-                                            </p:txEl>
-                                          </p:spTgt>
-                                        </p:tgtEl>
-                                        <p:attrNameLst>
-                                          <p:attrName>style.visibility</p:attrName>
-                                        </p:attrNameLst>
-                                      </p:cBhvr>
-                                      <p:to>
-                                        <p:strVal val="visible"/>
-                                      </p:to>
-                                    </p:set>
-                                    <p:anim calcmode="lin" valueType="num">
-                                      <p:cBhvr>
-                                        <p:cTn id="7" dur="5000" fill="hold"/>
-                                        <p:tgtEl>
-                                          <p:spTgt spid="2">
-                                            <p:txEl>
-                                              <p:pRg st="0" end="0"/>
-                                            </p:txEl>
-                                          </p:spTgt>
-                                        </p:tgtEl>
-                                        <p:attrNameLst>
-                                          <p:attrName>ppt_w</p:attrName>
-                                        </p:attrNameLst>
-                                      </p:cBhvr>
-                                      <p:tavLst>
-                                        <p:tav tm="0" fmla="#ppt_w*sin(2.5*pi*$)">
-                                          <p:val>
-                                            <p:fltVal val="0"/>
-                                          </p:val>
-                                        </p:tav>
-                                        <p:tav tm="100000">
-                                          <p:val>
-                                            <p:fltVal val="1"/>
-                                          </p:val>
-                                        </p:tav>
-                                      </p:tavLst>
-                                    </p:anim>
-                                    <p:anim calcmode="lin" valueType="num">
-                                      <p:cBhvr>
-                                        <p:cTn id="8" dur="5000" fill="hold"/>
-                                        <p:tgtEl>
-                                          <p:spTgt spid="2">
-                                            <p:txEl>
-                                              <p:pRg st="0" end="0"/>
-                                            </p:txEl>
-                                          </p:spTgt>
-                                        </p:tgtEl>
-                                        <p:attrNameLst>
-                                          <p:attrName>ppt_h</p:attrName>
-                                        </p:attrNameLst>
-                                      </p:cBhvr>
-                                      <p:tavLst>
-                                        <p:tav tm="0">
-                                          <p:val>
-                                            <p:strVal val="#ppt_h"/>
-                                          </p:val>
-                                        </p:tav>
-                                        <p:tav tm="100000">
-                                          <p:val>
-                                            <p:strVal val="#ppt_h"/>
-                                          </p:val>
-                                        </p:tav>
-                                      </p:tavLst>
-                                    </p:anim>
-                                  </p:childTnLst>
-                                </p:cTn>
-                              </p:par>
-                              <p:par>
-                                <p:cTn id="9" presetID="52" presetClass="entr" presetSubtype="0" fill="hold" grpId="0" nodeType="withEffect">
-                                  <p:stCondLst>
-                                    <p:cond delay="0"/>
-                                  </p:stCondLst>
-                                  <p:childTnLst>
-                                    <p:set>
-                                      <p:cBhvr>
-                                        <p:cTn id="10" dur="1" fill="hold">
-                                          <p:stCondLst>
-                                            <p:cond delay="0"/>
-                                          </p:stCondLst>
-                                        </p:cTn>
-                                        <p:tgtEl>
-                                          <p:spTgt spid="2">
-                                            <p:txEl>
-                                              <p:pRg st="1" end="1"/>
-                                            </p:txEl>
-                                          </p:spTgt>
-                                        </p:tgtEl>
-                                        <p:attrNameLst>
-                                          <p:attrName>style.visibility</p:attrName>
-                                        </p:attrNameLst>
-                                      </p:cBhvr>
-                                      <p:to>
-                                        <p:strVal val="visible"/>
-                                      </p:to>
-                                    </p:set>
-                                    <p:animScale>
-                                      <p:cBhvr>
-                                        <p:cTn id="11" dur="1000" decel="50000" fill="hold">
-                                          <p:stCondLst>
-                                            <p:cond delay="0"/>
-                                          </p:stCondLst>
-                                        </p:cTn>
-                                        <p:tgtEl>
-                                          <p:spTgt spid="2">
-                                            <p:txEl>
-                                              <p:pRg st="1" end="1"/>
-                                            </p:txEl>
-                                          </p:spTgt>
-                                        </p:tgtEl>
-                                      </p:cBhvr>
-                                      <p:from x="250000" y="250000"/>
-                                      <p:to x="100000" y="100000"/>
-                                    </p:animScale>
-                                    <p:animMotion origin="layout" path="M -0.46736 0.92887  C -0.37517 0.88508  -0.02552 0.75279  0.0908 0.66613  C  0.20747 0.57948  0.21649 0.50394  0.23177 0.40825  C 0.24705 0.31256  0.22118 0.15964   0.18264 0.09152  C 0.1441 0.02341  0.03802 0.0  0.0 0.0  " pathEditMode="relative" ptsTypes="">
-                                      <p:cBhvr>
-                                        <p:cTn id="12" dur="1000" decel="50000" fill="hold">
-                                          <p:stCondLst>
-                                            <p:cond delay="0"/>
-                                          </p:stCondLst>
-                                        </p:cTn>
-                                        <p:tgtEl>
-                                          <p:spTgt spid="2">
-                                            <p:txEl>
-                                              <p:pRg st="1" end="1"/>
-                                            </p:txEl>
-                                          </p:spTgt>
-                                        </p:tgtEl>
-                                        <p:attrNameLst>
-                                          <p:attrName>ppt_x</p:attrName>
-                                          <p:attrName>ppt_y</p:attrName>
-                                        </p:attrNameLst>
-                                      </p:cBhvr>
-                                    </p:animMotion>
-                                    <p:animEffect transition="in" filter="fade">
-                                      <p:cBhvr>
-                                        <p:cTn id="13" dur="1000"/>
-                                        <p:tgtEl>
-                                          <p:spTgt spid="2">
-                                            <p:txEl>
-                                              <p:pRg st="1" end="1"/>
-                                            </p:txEl>
-                                          </p:spTgt>
-                                        </p:tgtEl>
-                                      </p:cBhvr>
-                                    </p:animEffect>
-                                  </p:childTnLst>
-                                </p:cTn>
-                              </p:par>
-                            </p:childTnLst>
-                          </p:cTn>
-                        </p:par>
-                      </p:childTnLst>
-                    </p:cTn>
-                  </p:par>
-                  <p:par>
-                    <p:cTn id="14" fill="hold">
-                      <p:stCondLst>
-                        <p:cond delay="indefinite"/>
-                      </p:stCondLst>
-                      <p:childTnLst>
-                        <p:par>
-                          <p:cTn id="15" fill="hold">
-                            <p:stCondLst>
-                              <p:cond delay="0"/>
-                            </p:stCondLst>
-                            <p:childTnLst>
-                              <p:par>
-                                <p:cTn id="16" presetID="19" presetClass="entr" presetSubtype="10" fill="hold" grpId="0" nodeType="clickEffect">
-                                  <p:stCondLst>
-                                    <p:cond delay="0"/>
-                                  </p:stCondLst>
-                                  <p:childTnLst>
-                                    <p:set>
-                                      <p:cBhvr>
-                                        <p:cTn id="17" dur="1" fill="hold">
-                                          <p:stCondLst>
-                                            <p:cond delay="0"/>
-                                          </p:stCondLst>
-                                        </p:cTn>
-                                        <p:tgtEl>
-                                          <p:spTgt spid="2">
-                                            <p:txEl>
-                                              <p:pRg st="3" end="3"/>
-                                            </p:txEl>
-                                          </p:spTgt>
-                                        </p:tgtEl>
-                                        <p:attrNameLst>
-                                          <p:attrName>style.visibility</p:attrName>
-                                        </p:attrNameLst>
-                                      </p:cBhvr>
-                                      <p:to>
-                                        <p:strVal val="visible"/>
-                                      </p:to>
-                                    </p:set>
-                                    <p:anim calcmode="lin" valueType="num">
-                                      <p:cBhvr>
-                                        <p:cTn id="18" dur="5000" fill="hold"/>
-                                        <p:tgtEl>
-                                          <p:spTgt spid="2">
-                                            <p:txEl>
-                                              <p:pRg st="3" end="3"/>
-                                            </p:txEl>
-                                          </p:spTgt>
-                                        </p:tgtEl>
-                                        <p:attrNameLst>
-                                          <p:attrName>ppt_w</p:attrName>
-                                        </p:attrNameLst>
-                                      </p:cBhvr>
-                                      <p:tavLst>
-                                        <p:tav tm="0" fmla="#ppt_w*sin(2.5*pi*$)">
-                                          <p:val>
-                                            <p:fltVal val="0"/>
-                                          </p:val>
-                                        </p:tav>
-                                        <p:tav tm="100000">
-                                          <p:val>
-                                            <p:fltVal val="1"/>
-                                          </p:val>
-                                        </p:tav>
-                                      </p:tavLst>
-                                    </p:anim>
-                                    <p:anim calcmode="lin" valueType="num">
-                                      <p:cBhvr>
-                                        <p:cTn id="19" dur="5000" fill="hold"/>
-                                        <p:tgtEl>
-                                          <p:spTgt spid="2">
-                                            <p:txEl>
-                                              <p:pRg st="3" end="3"/>
-                                            </p:txEl>
-                                          </p:spTgt>
-                                        </p:tgtEl>
-                                        <p:attrNameLst>
-                                          <p:attrName>ppt_h</p:attrName>
-                                        </p:attrNameLst>
-                                      </p:cBhvr>
-                                      <p:tavLst>
-                                        <p:tav tm="0">
-                                          <p:val>
-                                            <p:strVal val="#ppt_h"/>
-                                          </p:val>
-                                        </p:tav>
-                                        <p:tav tm="100000">
-                                          <p:val>
-                                            <p:strVal val="#ppt_h"/>
-                                          </p:val>
-                                        </p:tav>
-                                      </p:tavLst>
-                                    </p:anim>
-                                  </p:childTnLst>
-                                </p:cTn>
-                              </p:par>
-                              <p:par>
-                                <p:cTn id="20" presetID="15" presetClass="entr" presetSubtype="0" fill="hold" grpId="0" nodeType="withEffect">
-                                  <p:stCondLst>
-                                    <p:cond delay="0"/>
-                                  </p:stCondLst>
-                                  <p:childTnLst>
-                                    <p:set>
-                                      <p:cBhvr>
-                                        <p:cTn id="21" dur="1" fill="hold">
-                                          <p:stCondLst>
-                                            <p:cond delay="0"/>
-                                          </p:stCondLst>
-                                        </p:cTn>
-                                        <p:tgtEl>
-                                          <p:spTgt spid="2">
-                                            <p:txEl>
-                                              <p:pRg st="4" end="4"/>
-                                            </p:txEl>
-                                          </p:spTgt>
-                                        </p:tgtEl>
-                                        <p:attrNameLst>
-                                          <p:attrName>style.visibility</p:attrName>
-                                        </p:attrNameLst>
-                                      </p:cBhvr>
-                                      <p:to>
-                                        <p:strVal val="visible"/>
-                                      </p:to>
-                                    </p:set>
-                                    <p:anim calcmode="lin" valueType="num">
-                                      <p:cBhvr>
-                                        <p:cTn id="22" dur="1000" fill="hold"/>
-                                        <p:tgtEl>
-                                          <p:spTgt spid="2">
-                                            <p:txEl>
-                                              <p:pRg st="4" end="4"/>
-                                            </p:txEl>
-                                          </p:spTgt>
-                                        </p:tgtEl>
-                                        <p:attrNameLst>
-                                          <p:attrName>ppt_w</p:attrName>
-                                        </p:attrNameLst>
-                                      </p:cBhvr>
-                                      <p:tavLst>
-                                        <p:tav tm="0">
-                                          <p:val>
-                                            <p:fltVal val="0"/>
-                                          </p:val>
-                                        </p:tav>
-                                        <p:tav tm="100000">
-                                          <p:val>
-                                            <p:strVal val="#ppt_w"/>
-                                          </p:val>
-                                        </p:tav>
-                                      </p:tavLst>
-                                    </p:anim>
-                                    <p:anim calcmode="lin" valueType="num">
-                                      <p:cBhvr>
-                                        <p:cTn id="23" dur="1000" fill="hold"/>
-                                        <p:tgtEl>
-                                          <p:spTgt spid="2">
-                                            <p:txEl>
-                                              <p:pRg st="4" end="4"/>
-                                            </p:txEl>
-                                          </p:spTgt>
-                                        </p:tgtEl>
-                                        <p:attrNameLst>
-                                          <p:attrName>ppt_h</p:attrName>
-                                        </p:attrNameLst>
-                                      </p:cBhvr>
-                                      <p:tavLst>
-                                        <p:tav tm="0">
-                                          <p:val>
-                                            <p:fltVal val="0"/>
-                                          </p:val>
-                                        </p:tav>
-                                        <p:tav tm="100000">
-                                          <p:val>
-                                            <p:strVal val="#ppt_h"/>
-                                          </p:val>
-                                        </p:tav>
-                                      </p:tavLst>
-                                    </p:anim>
-                                    <p:anim calcmode="lin" valueType="num">
-                                      <p:cBhvr>
-                                        <p:cTn id="24" dur="1000" fill="hold"/>
-                                        <p:tgtEl>
-                                          <p:spTgt spid="2">
-                                            <p:txEl>
-                                              <p:pRg st="4" end="4"/>
-                                            </p:txEl>
-                                          </p:spTgt>
-                                        </p:tgtEl>
-                                        <p:attrNameLst>
-                                          <p:attrName>ppt_x</p:attrName>
-                                        </p:attrNameLst>
-                                      </p:cBhvr>
-                                      <p:tavLst>
-                                        <p:tav tm="0" fmla="#ppt_x+(cos(-2*pi*(1-$))*-#ppt_x-sin(-2*pi*(1-$))*(1-#ppt_y))*(1-$)">
-                                          <p:val>
-                                            <p:fltVal val="0"/>
-                                          </p:val>
-                                        </p:tav>
-                                        <p:tav tm="100000">
-                                          <p:val>
-                                            <p:fltVal val="1"/>
-                                          </p:val>
-                                        </p:tav>
-                                      </p:tavLst>
-                                    </p:anim>
-                                    <p:anim calcmode="lin" valueType="num">
-                                      <p:cBhvr>
-                                        <p:cTn id="25" dur="1000" fill="hold"/>
-                                        <p:tgtEl>
-                                          <p:spTgt spid="2">
-                                            <p:txEl>
-                                              <p:pRg st="4" end="4"/>
-                                            </p:txEl>
-                                          </p:spTgt>
-                                        </p:tgtEl>
-                                        <p:attrNameLst>
-                                          <p:attrName>ppt_y</p:attrName>
-                                        </p:attrNameLst>
-                                      </p:cBhvr>
-                                      <p:tavLst>
-                                        <p:tav tm="0" fmla="#ppt_y+(sin(-2*pi*(1-$))*-#ppt_x+cos(-2*pi*(1-$))*(1-#ppt_y))*(1-$)">
-                                          <p:val>
-                                            <p:fltVal val="0"/>
-                                          </p:val>
-                                        </p:tav>
-                                        <p:tav tm="100000">
-                                          <p:val>
-                                            <p:fltVal val="1"/>
-                                          </p:val>
-                                        </p:tav>
-                                      </p:tavLst>
-                                    </p:anim>
-                                  </p:childTnLst>
-                                </p:cTn>
-                              </p:par>
-                            </p:childTnLst>
-                          </p:cTn>
-                        </p:par>
-                      </p:childTnLst>
-                    </p:cTn>
-                  </p:par>
-                </p:childTnLst>
-              </p:cTn>
-              <p:prevCondLst>
-                <p:cond evt="onPrev" delay="0">
-                  <p:tgtEl>
-                    <p:sldTgt/>
-                  </p:tgtEl>
-                </p:cond>
-              </p:prevCondLst>
-              <p:nextCondLst>
-                <p:cond evt="onNext" delay="0">
-                  <p:tgtEl>
-                    <p:sldTgt/>
-                  </p:tgtEl>
-                </p:cond>
-              </p:nextCondLst>
-            </p:seq>
-          </p:childTnLst>
-        </p:cTn>
-      </p:par>
-    </p:tnLst>
-    <p:bldLst>
-      <p:bldP spid="2" grpId="0" build="p"/>
-    </p:bldLst>
-  </p:timing>
-</p:sld>
-</file>
-
 <file path=ppt/slides/slide3.xml><?xml version="1.0" encoding="utf-8"?>
 <p:sld xmlns:a="http://schemas.openxmlformats.org/drawingml/2006/main" xmlns:r="http://schemas.openxmlformats.org/officeDocument/2006/relationships" xmlns:p="http://schemas.openxmlformats.org/presentationml/2006/main">
   <p:cSld>
@@ -13990,6 +13326,13 @@
   <p:clrMapOvr>
     <a:masterClrMapping/>
   </p:clrMapOvr>
+  <p:timing>
+    <p:tnLst>
+      <p:par>
+        <p:cTn xmlns:p14="http://schemas.microsoft.com/office/powerpoint/2010/main" id="1" dur="indefinite" restart="never" nodeType="tmRoot"/>
+      </p:par>
+    </p:tnLst>
+  </p:timing>
 </p:sld>
 </file>
 
@@ -14023,7 +13366,7 @@
         <p:spPr/>
         <p:txBody>
           <a:bodyPr>
-            <a:normAutofit lnSpcReduction="10000"/>
+            <a:normAutofit/>
           </a:bodyPr>
           <a:lstStyle/>
           <a:p>
@@ -14042,11 +13385,7 @@
             </a:pPr>
             <a:r>
               <a:rPr lang="en-US" dirty="0" smtClean="0"/>
-              <a:t>The authors of [1][2][3] has specifically mentioned in their papers that Race Condition is the main pitfalls that all programmers always facing</a:t>
-            </a:r>
-            <a:r>
-              <a:rPr lang="en-US" dirty="0" smtClean="0"/>
-              <a:t>.</a:t>
+              <a:t>Race Condition – can’t be visualized, non-deterministic [1][2][3]</a:t>
             </a:r>
             <a:endParaRPr lang="en-US" dirty="0" smtClean="0"/>
           </a:p>
@@ -14060,27 +13399,7 @@
             </a:pPr>
             <a:r>
               <a:rPr lang="en-US" dirty="0" smtClean="0"/>
-              <a:t>Dr. </a:t>
-            </a:r>
-            <a:r>
-              <a:rPr lang="en-US" dirty="0" err="1" smtClean="0"/>
-              <a:t>Giacaman</a:t>
-            </a:r>
-            <a:r>
-              <a:rPr lang="en-US" dirty="0" smtClean="0"/>
-              <a:t> in [4], Ben-Ari and </a:t>
-            </a:r>
-            <a:r>
-              <a:rPr lang="en-US" dirty="0" err="1" smtClean="0"/>
-              <a:t>Kolikant</a:t>
-            </a:r>
-            <a:r>
-              <a:rPr lang="en-US" dirty="0" smtClean="0"/>
-              <a:t> in [5] have included Mutual Exclusion into their lecturing </a:t>
-            </a:r>
-            <a:r>
-              <a:rPr lang="en-US" dirty="0" smtClean="0"/>
-              <a:t>materials.</a:t>
+              <a:t>Race Condition can be solved by Mutual Exclusion. [4][5]</a:t>
             </a:r>
             <a:endParaRPr lang="en-US" dirty="0" smtClean="0"/>
           </a:p>
@@ -14093,45 +13412,18 @@
               <a:buChar char="•"/>
             </a:pPr>
             <a:r>
-              <a:rPr lang="de-DE" dirty="0" err="1"/>
-              <a:t>Fancong</a:t>
-            </a:r>
-            <a:r>
-              <a:rPr lang="de-DE" dirty="0"/>
-              <a:t> </a:t>
-            </a:r>
-            <a:r>
-              <a:rPr lang="de-DE" dirty="0" smtClean="0"/>
-              <a:t>Zeng in [7], </a:t>
-            </a:r>
-            <a:r>
-              <a:rPr lang="en-US" dirty="0" smtClean="0"/>
-              <a:t>Sung-</a:t>
+              <a:rPr lang="en-US" dirty="0" smtClean="0"/>
+              <a:t>Improper use of Mutual Exclusion can lead to </a:t>
             </a:r>
             <a:r>
               <a:rPr lang="en-US" dirty="0" err="1" smtClean="0"/>
-              <a:t>Eun</a:t>
-            </a:r>
-            <a:r>
-              <a:rPr lang="en-US" dirty="0" smtClean="0"/>
-              <a:t> Choi and E </a:t>
-            </a:r>
-            <a:r>
-              <a:rPr lang="en-US" dirty="0" err="1" smtClean="0"/>
-              <a:t>Chritsopher</a:t>
-            </a:r>
-            <a:r>
-              <a:rPr lang="en-US" dirty="0" smtClean="0"/>
-              <a:t> Lewis in [</a:t>
-            </a:r>
-            <a:r>
-              <a:rPr lang="en-US" dirty="0"/>
-              <a:t>8</a:t>
-            </a:r>
-            <a:r>
-              <a:rPr lang="en-US" dirty="0" smtClean="0"/>
-              <a:t>] mentions Deadlock as one of the common multi-Threaded programming pitfalls.</a:t>
-            </a:r>
+              <a:t>DeadLock</a:t>
+            </a:r>
+            <a:r>
+              <a:rPr lang="en-US" dirty="0" smtClean="0"/>
+              <a:t> [7][8]</a:t>
+            </a:r>
+            <a:endParaRPr lang="en-US" dirty="0" smtClean="0"/>
           </a:p>
           <a:p>
             <a:pPr marL="342900" indent="-342900">
@@ -14155,15 +13447,17 @@
             </a:r>
             <a:r>
               <a:rPr lang="en-US" dirty="0" smtClean="0"/>
-              <a:t>.[9]</a:t>
-            </a:r>
-          </a:p>
-          <a:p>
-            <a:pPr marL="342900" indent="-342900">
-              <a:buFont typeface="Arial"/>
-              <a:buChar char="•"/>
-            </a:pPr>
-            <a:endParaRPr lang="en-US" dirty="0"/>
+              <a:t>.[</a:t>
+            </a:r>
+            <a:r>
+              <a:rPr lang="en-US" dirty="0" smtClean="0"/>
+              <a:t>9</a:t>
+            </a:r>
+            <a:r>
+              <a:rPr lang="en-US" dirty="0"/>
+              <a:t>]</a:t>
+            </a:r>
+            <a:endParaRPr lang="en-US" dirty="0" smtClean="0"/>
           </a:p>
         </p:txBody>
       </p:sp>
@@ -14184,7 +13478,7 @@
           <a:p>
             <a:r>
               <a:rPr lang="en-US" dirty="0" smtClean="0"/>
-              <a:t>Related works</a:t>
+              <a:t>Chosen pitfalls</a:t>
             </a:r>
             <a:endParaRPr lang="en-US" dirty="0"/>
           </a:p>
@@ -14200,6 +13494,13 @@
   <p:clrMapOvr>
     <a:masterClrMapping/>
   </p:clrMapOvr>
+  <p:timing>
+    <p:tnLst>
+      <p:par>
+        <p:cTn xmlns:p14="http://schemas.microsoft.com/office/powerpoint/2010/main" id="1" dur="indefinite" restart="never" nodeType="tmRoot"/>
+      </p:par>
+    </p:tnLst>
+  </p:timing>
 </p:sld>
 </file>
 
@@ -14269,11 +13570,11 @@
             </a:r>
             <a:r>
               <a:rPr lang="en-US" dirty="0"/>
-              <a:t>possible solutions </a:t>
-            </a:r>
-            <a:r>
-              <a:rPr lang="en-US" dirty="0" smtClean="0"/>
-              <a:t>(Future Work).</a:t>
+              <a:t>possible </a:t>
+            </a:r>
+            <a:r>
+              <a:rPr lang="en-US" dirty="0" smtClean="0"/>
+              <a:t>solutions.</a:t>
             </a:r>
             <a:endParaRPr lang="en-US" dirty="0"/>
           </a:p>
@@ -14371,6 +13672,13 @@
   <p:clrMapOvr>
     <a:masterClrMapping/>
   </p:clrMapOvr>
+  <p:timing>
+    <p:tnLst>
+      <p:par>
+        <p:cTn xmlns:p14="http://schemas.microsoft.com/office/powerpoint/2010/main" id="1" dur="indefinite" restart="never" nodeType="tmRoot"/>
+      </p:par>
+    </p:tnLst>
+  </p:timing>
 </p:sld>
 </file>
 
@@ -14460,52 +13768,13 @@
             </a:pPr>
             <a:r>
               <a:rPr lang="en-US" dirty="0" smtClean="0"/>
-              <a:t>Run on many platform</a:t>
-            </a:r>
-          </a:p>
-          <a:p>
-            <a:pPr marL="342900" indent="-342900">
-              <a:buFont typeface="Arial"/>
-              <a:buChar char="•"/>
-            </a:pPr>
-            <a:endParaRPr lang="en-US" dirty="0"/>
-          </a:p>
-          <a:p>
-            <a:r>
-              <a:rPr lang="en-US" dirty="0" smtClean="0"/>
-              <a:t>Technology Used</a:t>
-            </a:r>
-          </a:p>
-          <a:p>
-            <a:pPr marL="342900" indent="-342900">
-              <a:buFont typeface="Arial"/>
-              <a:buChar char="•"/>
-            </a:pPr>
-            <a:r>
-              <a:rPr lang="en-US" dirty="0" smtClean="0"/>
-              <a:t>JavaScript</a:t>
-            </a:r>
-          </a:p>
-          <a:p>
-            <a:pPr marL="342900" indent="-342900">
-              <a:buFont typeface="Arial"/>
-              <a:buChar char="•"/>
-            </a:pPr>
-            <a:r>
-              <a:rPr lang="en-US" dirty="0" smtClean="0"/>
-              <a:t>PHP</a:t>
-            </a:r>
-          </a:p>
-          <a:p>
-            <a:pPr marL="342900" indent="-342900">
-              <a:buFont typeface="Arial"/>
-              <a:buChar char="•"/>
-            </a:pPr>
-            <a:r>
-              <a:rPr lang="en-US" dirty="0" smtClean="0"/>
-              <a:t>HTML, CSS</a:t>
-            </a:r>
-            <a:endParaRPr lang="en-US" dirty="0"/>
+              <a:t>Run on many </a:t>
+            </a:r>
+            <a:r>
+              <a:rPr lang="en-US" dirty="0" smtClean="0"/>
+              <a:t>platform</a:t>
+            </a:r>
+            <a:endParaRPr lang="en-US" dirty="0" smtClean="0"/>
           </a:p>
         </p:txBody>
       </p:sp>
@@ -14542,6 +13811,13 @@
   <p:clrMapOvr>
     <a:masterClrMapping/>
   </p:clrMapOvr>
+  <p:timing>
+    <p:tnLst>
+      <p:par>
+        <p:cTn xmlns:p14="http://schemas.microsoft.com/office/powerpoint/2010/main" id="1" dur="indefinite" restart="never" nodeType="tmRoot"/>
+      </p:par>
+    </p:tnLst>
+  </p:timing>
 </p:sld>
 </file>
 
@@ -14577,54 +13853,36 @@
           <a:bodyPr/>
           <a:lstStyle/>
           <a:p>
-            <a:pPr marL="342900" indent="-342900" algn="l">
-              <a:buFont typeface="Wingdings" charset="2"/>
-              <a:buChar char="u"/>
+            <a:pPr marL="342900" indent="-342900">
+              <a:buFont typeface="Arial"/>
+              <a:buChar char="•"/>
             </a:pPr>
             <a:r>
-              <a:rPr lang="en-US" dirty="0" smtClean="0"/>
-              <a:t>Race Conditions</a:t>
-            </a:r>
-          </a:p>
-          <a:p>
-            <a:pPr marL="342900" indent="-342900" algn="l">
-              <a:buFont typeface="Wingdings" charset="2"/>
-              <a:buChar char="u"/>
+              <a:rPr lang="en-US" dirty="0"/>
+              <a:t>JavaScript</a:t>
+            </a:r>
+          </a:p>
+          <a:p>
+            <a:pPr marL="342900" indent="-342900">
+              <a:buFont typeface="Arial"/>
+              <a:buChar char="•"/>
             </a:pPr>
             <a:r>
-              <a:rPr lang="en-US" dirty="0" smtClean="0"/>
-              <a:t>Mutual Exclusions and Locks</a:t>
-            </a:r>
-          </a:p>
-          <a:p>
-            <a:pPr marL="342900" indent="-342900" algn="l">
-              <a:buFont typeface="Wingdings" charset="2"/>
-              <a:buChar char="u"/>
+              <a:rPr lang="en-US" dirty="0"/>
+              <a:t>PHP</a:t>
+            </a:r>
+          </a:p>
+          <a:p>
+            <a:pPr marL="342900" indent="-342900">
+              <a:buFont typeface="Arial"/>
+              <a:buChar char="•"/>
             </a:pPr>
             <a:r>
-              <a:rPr lang="en-US" dirty="0" smtClean="0"/>
-              <a:t>Deadlock</a:t>
-            </a:r>
-          </a:p>
-          <a:p>
-            <a:pPr marL="342900" indent="-342900" algn="l">
-              <a:buFont typeface="Wingdings" charset="2"/>
-              <a:buChar char="u"/>
-            </a:pPr>
-            <a:r>
-              <a:rPr lang="en-US" dirty="0" smtClean="0"/>
-              <a:t>Heavily Contended Locks</a:t>
-            </a:r>
-          </a:p>
-          <a:p>
-            <a:pPr algn="l"/>
-            <a:endParaRPr lang="en-US" dirty="0" smtClean="0"/>
-          </a:p>
-          <a:p>
-            <a:pPr marL="342900" indent="-342900" algn="l">
-              <a:buFont typeface="Wingdings" charset="2"/>
-              <a:buChar char="u"/>
-            </a:pPr>
+              <a:rPr lang="en-US" dirty="0"/>
+              <a:t>HTML, CSS</a:t>
+            </a:r>
+          </a:p>
+          <a:p>
             <a:endParaRPr lang="en-US" dirty="0"/>
           </a:p>
         </p:txBody>
@@ -14646,7 +13904,7 @@
           <a:p>
             <a:r>
               <a:rPr lang="en-US" dirty="0" smtClean="0"/>
-              <a:t>Chosen pitfalls</a:t>
+              <a:t>Technology</a:t>
             </a:r>
             <a:endParaRPr lang="en-US" dirty="0"/>
           </a:p>
@@ -14655,13 +13913,20 @@
     </p:spTree>
     <p:extLst>
       <p:ext uri="{BB962C8B-B14F-4D97-AF65-F5344CB8AC3E}">
-        <p14:creationId xmlns:p14="http://schemas.microsoft.com/office/powerpoint/2010/main" val="2519380281"/>
+        <p14:creationId xmlns:p14="http://schemas.microsoft.com/office/powerpoint/2010/main" val="1964691179"/>
       </p:ext>
     </p:extLst>
   </p:cSld>
   <p:clrMapOvr>
     <a:masterClrMapping/>
   </p:clrMapOvr>
+  <p:timing>
+    <p:tnLst>
+      <p:par>
+        <p:cTn xmlns:p14="http://schemas.microsoft.com/office/powerpoint/2010/main" id="1" dur="indefinite" restart="never" nodeType="tmRoot"/>
+      </p:par>
+    </p:tnLst>
+  </p:timing>
 </p:sld>
 </file>
 
@@ -14798,6 +14063,7 @@
               <a:rPr lang="en-US" dirty="0" smtClean="0"/>
               <a:t>Atomic</a:t>
             </a:r>
+            <a:endParaRPr lang="en-US" dirty="0" smtClean="0"/>
           </a:p>
         </p:txBody>
       </p:sp>
@@ -14834,6 +14100,13 @@
   <p:clrMapOvr>
     <a:masterClrMapping/>
   </p:clrMapOvr>
+  <p:timing>
+    <p:tnLst>
+      <p:par>
+        <p:cTn xmlns:p14="http://schemas.microsoft.com/office/powerpoint/2010/main" id="1" dur="indefinite" restart="never" nodeType="tmRoot"/>
+      </p:par>
+    </p:tnLst>
+  </p:timing>
 </p:sld>
 </file>
 
@@ -14979,6 +14252,13 @@
   <p:clrMapOvr>
     <a:masterClrMapping/>
   </p:clrMapOvr>
+  <p:timing>
+    <p:tnLst>
+      <p:par>
+        <p:cTn xmlns:p14="http://schemas.microsoft.com/office/powerpoint/2010/main" id="1" dur="indefinite" restart="never" nodeType="tmRoot"/>
+      </p:par>
+    </p:tnLst>
+  </p:timing>
 </p:sld>
 </file>
 

--- a/Presentation.pptx
+++ b/Presentation.pptx
@@ -5,7 +5,7 @@
     <p:sldMasterId id="2147484209" r:id="rId1"/>
   </p:sldMasterIdLst>
   <p:notesMasterIdLst>
-    <p:notesMasterId r:id="rId26"/>
+    <p:notesMasterId r:id="rId27"/>
   </p:notesMasterIdLst>
   <p:sldIdLst>
     <p:sldId id="266" r:id="rId2"/>
@@ -21,17 +21,18 @@
     <p:sldId id="275" r:id="rId12"/>
     <p:sldId id="285" r:id="rId13"/>
     <p:sldId id="297" r:id="rId14"/>
-    <p:sldId id="286" r:id="rId15"/>
-    <p:sldId id="289" r:id="rId16"/>
-    <p:sldId id="290" r:id="rId17"/>
-    <p:sldId id="287" r:id="rId18"/>
-    <p:sldId id="291" r:id="rId19"/>
-    <p:sldId id="292" r:id="rId20"/>
-    <p:sldId id="279" r:id="rId21"/>
-    <p:sldId id="284" r:id="rId22"/>
-    <p:sldId id="280" r:id="rId23"/>
-    <p:sldId id="283" r:id="rId24"/>
-    <p:sldId id="264" r:id="rId25"/>
+    <p:sldId id="300" r:id="rId15"/>
+    <p:sldId id="286" r:id="rId16"/>
+    <p:sldId id="289" r:id="rId17"/>
+    <p:sldId id="301" r:id="rId18"/>
+    <p:sldId id="290" r:id="rId19"/>
+    <p:sldId id="291" r:id="rId20"/>
+    <p:sldId id="292" r:id="rId21"/>
+    <p:sldId id="279" r:id="rId22"/>
+    <p:sldId id="284" r:id="rId23"/>
+    <p:sldId id="280" r:id="rId24"/>
+    <p:sldId id="283" r:id="rId25"/>
+    <p:sldId id="264" r:id="rId26"/>
   </p:sldIdLst>
   <p:sldSz cx="9144000" cy="6858000" type="screen4x3"/>
   <p:notesSz cx="6858000" cy="9144000"/>
@@ -132,7 +133,7 @@
   </p:defaultTextStyle>
   <p:extLst>
     <p:ext uri="{EFAFB233-063F-42B5-8137-9DF3F51BA10A}">
-      <p15:sldGuideLst xmlns="" xmlns:p15="http://schemas.microsoft.com/office/powerpoint/2012/main">
+      <p15:sldGuideLst xmlns:p15="http://schemas.microsoft.com/office/powerpoint/2012/main" xmlns="">
         <p15:guide id="1" orient="horz" pos="2160">
           <p15:clr>
             <a:srgbClr val="A4A3A4"/>
@@ -4995,7 +4996,7 @@
           <a:p>
             <a:fld id="{E17A1F60-D46C-C04D-A60B-2230C10FC134}" type="datetimeFigureOut">
               <a:rPr lang="en-US" smtClean="0"/>
-              <a:t>19/05/14</a:t>
+              <a:t>5/20/14</a:t>
             </a:fld>
             <a:endParaRPr lang="en-US"/>
           </a:p>
@@ -5411,6 +5412,90 @@
 </p:notes>
 </file>
 
+<file path=ppt/notesSlides/notesSlide10.xml><?xml version="1.0" encoding="utf-8"?>
+<p:notes xmlns:a="http://schemas.openxmlformats.org/drawingml/2006/main" xmlns:r="http://schemas.openxmlformats.org/officeDocument/2006/relationships" xmlns:p="http://schemas.openxmlformats.org/presentationml/2006/main">
+  <p:cSld>
+    <p:spTree>
+      <p:nvGrpSpPr>
+        <p:cNvPr id="1" name=""/>
+        <p:cNvGrpSpPr/>
+        <p:nvPr/>
+      </p:nvGrpSpPr>
+      <p:grpSpPr>
+        <a:xfrm>
+          <a:off x="0" y="0"/>
+          <a:ext cx="0" cy="0"/>
+          <a:chOff x="0" y="0"/>
+          <a:chExt cx="0" cy="0"/>
+        </a:xfrm>
+      </p:grpSpPr>
+      <p:sp>
+        <p:nvSpPr>
+          <p:cNvPr id="2" name="Slide Image Placeholder 1"/>
+          <p:cNvSpPr>
+            <a:spLocks noGrp="1" noRot="1" noChangeAspect="1"/>
+          </p:cNvSpPr>
+          <p:nvPr>
+            <p:ph type="sldImg"/>
+          </p:nvPr>
+        </p:nvSpPr>
+        <p:spPr/>
+      </p:sp>
+      <p:sp>
+        <p:nvSpPr>
+          <p:cNvPr id="3" name="Notes Placeholder 2"/>
+          <p:cNvSpPr>
+            <a:spLocks noGrp="1"/>
+          </p:cNvSpPr>
+          <p:nvPr>
+            <p:ph type="body" idx="1"/>
+          </p:nvPr>
+        </p:nvSpPr>
+        <p:spPr/>
+        <p:txBody>
+          <a:bodyPr/>
+          <a:lstStyle/>
+          <a:p>
+            <a:endParaRPr lang="en-US" dirty="0"/>
+          </a:p>
+        </p:txBody>
+      </p:sp>
+      <p:sp>
+        <p:nvSpPr>
+          <p:cNvPr id="4" name="Slide Number Placeholder 3"/>
+          <p:cNvSpPr>
+            <a:spLocks noGrp="1"/>
+          </p:cNvSpPr>
+          <p:nvPr>
+            <p:ph type="sldNum" sz="quarter" idx="10"/>
+          </p:nvPr>
+        </p:nvSpPr>
+        <p:spPr/>
+        <p:txBody>
+          <a:bodyPr/>
+          <a:lstStyle/>
+          <a:p>
+            <a:fld id="{4B5DE452-D96A-B043-A19B-3F6D5B1BBA3B}" type="slidenum">
+              <a:rPr lang="en-US" smtClean="0"/>
+              <a:t>24</a:t>
+            </a:fld>
+            <a:endParaRPr lang="en-US"/>
+          </a:p>
+        </p:txBody>
+      </p:sp>
+    </p:spTree>
+    <p:extLst>
+      <p:ext uri="{BB962C8B-B14F-4D97-AF65-F5344CB8AC3E}">
+        <p14:creationId xmlns:p14="http://schemas.microsoft.com/office/powerpoint/2010/main" val="2122580804"/>
+      </p:ext>
+    </p:extLst>
+  </p:cSld>
+  <p:clrMapOvr>
+    <a:masterClrMapping/>
+  </p:clrMapOvr>
+</p:notes>
+</file>
+
 <file path=ppt/notesSlides/notesSlide2.xml><?xml version="1.0" encoding="utf-8"?>
 <p:notes xmlns:a="http://schemas.openxmlformats.org/drawingml/2006/main" xmlns:r="http://schemas.openxmlformats.org/officeDocument/2006/relationships" xmlns:p="http://schemas.openxmlformats.org/presentationml/2006/main">
   <p:cSld>
@@ -5692,31 +5777,9 @@
           <a:bodyPr/>
           <a:lstStyle/>
           <a:p>
-            <a:pPr marL="171450" indent="-171450">
-              <a:buFontTx/>
-              <a:buChar char="-"/>
-            </a:pPr>
-            <a:r>
-              <a:rPr lang="en-US" dirty="0" smtClean="0"/>
-              <a:t>If processes always request all resources they will need at once, there can be no hold-and-wait</a:t>
-            </a:r>
-          </a:p>
-          <a:p>
-            <a:pPr marL="171450" indent="-171450">
-              <a:buFontTx/>
-              <a:buChar char="-"/>
-            </a:pPr>
-            <a:r>
-              <a:rPr lang="en-US" dirty="0" smtClean="0"/>
-              <a:t>This allows critical sections that involve more than one resource, but requires the operating system (or resource manager) to provide a way to atomically request several resources at once. Some batch and real-time operating systems support this, but it is not supported, for example, by the POSIX thread </a:t>
-            </a:r>
-            <a:r>
-              <a:rPr lang="en-US" dirty="0" err="1" smtClean="0"/>
-              <a:t>mutex</a:t>
-            </a:r>
-            <a:r>
-              <a:rPr lang="en-US" dirty="0" smtClean="0"/>
-              <a:t> API.</a:t>
+            <a:r>
+              <a:rPr lang="en-US" dirty="0" smtClean="0"/>
+              <a:t>All of the four conditions are necessary for deadlock to occur. Hence, by preventing any one of them we prevent deadlock.</a:t>
             </a:r>
             <a:endParaRPr lang="en-US" dirty="0"/>
           </a:p>
@@ -5739,7 +5802,7 @@
           <a:p>
             <a:fld id="{56BE3D67-E84A-6F4F-8E3B-3BC46E162796}" type="slidenum">
               <a:rPr lang="en-US" smtClean="0"/>
-              <a:t>15</a:t>
+              <a:t>14</a:t>
             </a:fld>
             <a:endParaRPr lang="en-US"/>
           </a:p>
@@ -5748,7 +5811,7 @@
     </p:spTree>
     <p:extLst>
       <p:ext uri="{BB962C8B-B14F-4D97-AF65-F5344CB8AC3E}">
-        <p14:creationId xmlns:p14="http://schemas.microsoft.com/office/powerpoint/2010/main" val="603379510"/>
+        <p14:creationId xmlns:p14="http://schemas.microsoft.com/office/powerpoint/2010/main" val="1955673604"/>
       </p:ext>
     </p:extLst>
   </p:cSld>
@@ -5802,24 +5865,10 @@
           <a:bodyPr/>
           <a:lstStyle/>
           <a:p>
-            <a:pPr marL="171450" indent="-171450">
+            <a:pPr marL="0" indent="0">
               <a:buFontTx/>
-              <a:buChar char="-"/>
+              <a:buNone/>
             </a:pPr>
-            <a:r>
-              <a:rPr lang="en-US" dirty="0" smtClean="0"/>
-              <a:t>If processes always release one resource before requesting another, there can be no hold-and-wait.</a:t>
-            </a:r>
-          </a:p>
-          <a:p>
-            <a:pPr marL="171450" indent="-171450">
-              <a:buFontTx/>
-              <a:buChar char="-"/>
-            </a:pPr>
-            <a:r>
-              <a:rPr lang="en-US" dirty="0" smtClean="0"/>
-              <a:t>This is a tougher restriction. It rules out critical sections that involve more than one resource.</a:t>
-            </a:r>
             <a:endParaRPr lang="en-US" dirty="0"/>
           </a:p>
         </p:txBody>
@@ -5850,7 +5899,7 @@
     </p:spTree>
     <p:extLst>
       <p:ext uri="{BB962C8B-B14F-4D97-AF65-F5344CB8AC3E}">
-        <p14:creationId xmlns:p14="http://schemas.microsoft.com/office/powerpoint/2010/main" val="2688967800"/>
+        <p14:creationId xmlns:p14="http://schemas.microsoft.com/office/powerpoint/2010/main" val="603379510"/>
       </p:ext>
     </p:extLst>
   </p:cSld>
@@ -5904,20 +5953,7 @@
           <a:bodyPr/>
           <a:lstStyle/>
           <a:p>
-            <a:r>
-              <a:rPr lang="en-US" dirty="0" smtClean="0"/>
-              <a:t>- If all processes always request resources in a fixed order, there can be no hold-and-wait cycle.</a:t>
-            </a:r>
-          </a:p>
-          <a:p>
-            <a:pPr marL="171450" indent="-171450">
-              <a:buFontTx/>
-              <a:buChar char="-"/>
-            </a:pPr>
-            <a:r>
-              <a:rPr lang="en-US" dirty="0" smtClean="0"/>
-              <a:t>This is usually not a burdensome restriction. It still allows us to have critical sections that involve more than one resource, and use simple lock and unlock operations on individual resources to implement them.</a:t>
-            </a:r>
+            <a:endParaRPr lang="en-US" dirty="0" smtClean="0"/>
           </a:p>
         </p:txBody>
       </p:sp>
@@ -6001,33 +6037,23 @@
           <a:bodyPr/>
           <a:lstStyle/>
           <a:p>
-            <a:r>
-              <a:rPr lang="en-US" dirty="0" smtClean="0"/>
-              <a:t>if threads try to acquire a lock faster than the rate at which a thread can execute the corresponding critical section, then program performance will suffer as threads will form a "convoy" waiting to acquire the lock.</a:t>
-            </a:r>
-          </a:p>
-          <a:p>
-            <a:r>
-              <a:rPr lang="en-US" dirty="0" smtClean="0"/>
-              <a:t>Threads that all use the same lock become queued to use the lock and end up serializing the processing. A 'convoy' is created.</a:t>
-            </a:r>
-          </a:p>
-          <a:p>
-            <a:r>
-              <a:rPr lang="en-US" dirty="0" smtClean="0"/>
-              <a:t>When a high-priority thread needs to acquire a lock held by a low-priority thread, the scheduler bumps up the priority of the blocking thread until the lock is released.</a:t>
-            </a:r>
-          </a:p>
-          <a:p>
-            <a:r>
-              <a:rPr lang="en-US" dirty="0" smtClean="0"/>
-              <a:t>That is certainly the method of choice to eliminate lock contention if it is workable. For example, consider contention for a counter of events. If each thread can have its own private counter, then no lock is necessary. If the total count is required, the counts can be summed after all threads are done counting.</a:t>
-            </a:r>
-          </a:p>
-          <a:p>
-            <a:r>
-              <a:rPr lang="en-US" dirty="0" smtClean="0"/>
-              <a:t>If the lock on a resource cannot be eliminated, consider partitioning the resource and using a separate lock to protect each partition. The partitioning can spread out contention among the locks.</a:t>
+            <a:pPr marL="0" indent="0">
+              <a:buFontTx/>
+              <a:buNone/>
+            </a:pPr>
+            <a:r>
+              <a:rPr lang="en-US" dirty="0" smtClean="0"/>
+              <a:t>- If processes always release one resource before requesting another, there can be no hold-and-wait.</a:t>
+            </a:r>
+          </a:p>
+          <a:p>
+            <a:pPr marL="0" indent="0">
+              <a:buFontTx/>
+              <a:buNone/>
+            </a:pPr>
+            <a:r>
+              <a:rPr lang="en-US" dirty="0" smtClean="0"/>
+              <a:t>This is a tougher restriction. It rules out critical sections that involve more than one resource.</a:t>
             </a:r>
             <a:endParaRPr lang="en-US" dirty="0"/>
           </a:p>
@@ -6048,7 +6074,7 @@
           <a:bodyPr/>
           <a:lstStyle/>
           <a:p>
-            <a:fld id="{4B5DE452-D96A-B043-A19B-3F6D5B1BBA3B}" type="slidenum">
+            <a:fld id="{56BE3D67-E84A-6F4F-8E3B-3BC46E162796}" type="slidenum">
               <a:rPr lang="en-US" smtClean="0"/>
               <a:t>18</a:t>
             </a:fld>
@@ -6059,7 +6085,7 @@
     </p:spTree>
     <p:extLst>
       <p:ext uri="{BB962C8B-B14F-4D97-AF65-F5344CB8AC3E}">
-        <p14:creationId xmlns:p14="http://schemas.microsoft.com/office/powerpoint/2010/main" val="2738522525"/>
+        <p14:creationId xmlns:p14="http://schemas.microsoft.com/office/powerpoint/2010/main" val="2688967800"/>
       </p:ext>
     </p:extLst>
   </p:cSld>
@@ -6113,15 +6139,7 @@
           <a:bodyPr/>
           <a:lstStyle/>
           <a:p>
-            <a:r>
-              <a:rPr lang="en-US" dirty="0" smtClean="0"/>
-              <a:t>90% is</a:t>
-            </a:r>
-            <a:r>
-              <a:rPr lang="en-US" baseline="0" dirty="0" smtClean="0"/>
-              <a:t> a dummy value</a:t>
-            </a:r>
-            <a:endParaRPr lang="en-US" dirty="0"/>
+            <a:endParaRPr lang="en-US" dirty="0" smtClean="0"/>
           </a:p>
         </p:txBody>
       </p:sp>
@@ -6142,7 +6160,7 @@
           <a:p>
             <a:fld id="{4B5DE452-D96A-B043-A19B-3F6D5B1BBA3B}" type="slidenum">
               <a:rPr lang="en-US" smtClean="0"/>
-              <a:t>21</a:t>
+              <a:t>19</a:t>
             </a:fld>
             <a:endParaRPr lang="en-US"/>
           </a:p>
@@ -6151,7 +6169,7 @@
     </p:spTree>
     <p:extLst>
       <p:ext uri="{BB962C8B-B14F-4D97-AF65-F5344CB8AC3E}">
-        <p14:creationId xmlns:p14="http://schemas.microsoft.com/office/powerpoint/2010/main" val="807505352"/>
+        <p14:creationId xmlns:p14="http://schemas.microsoft.com/office/powerpoint/2010/main" val="2738522525"/>
       </p:ext>
     </p:extLst>
   </p:cSld>
@@ -6205,6 +6223,14 @@
           <a:bodyPr/>
           <a:lstStyle/>
           <a:p>
+            <a:r>
+              <a:rPr lang="en-US" dirty="0" smtClean="0"/>
+              <a:t>90% is</a:t>
+            </a:r>
+            <a:r>
+              <a:rPr lang="en-US" baseline="0" dirty="0" smtClean="0"/>
+              <a:t> a dummy value</a:t>
+            </a:r>
             <a:endParaRPr lang="en-US" dirty="0"/>
           </a:p>
         </p:txBody>
@@ -6226,7 +6252,7 @@
           <a:p>
             <a:fld id="{4B5DE452-D96A-B043-A19B-3F6D5B1BBA3B}" type="slidenum">
               <a:rPr lang="en-US" smtClean="0"/>
-              <a:t>23</a:t>
+              <a:t>22</a:t>
             </a:fld>
             <a:endParaRPr lang="en-US"/>
           </a:p>
@@ -6235,7 +6261,7 @@
     </p:spTree>
     <p:extLst>
       <p:ext uri="{BB962C8B-B14F-4D97-AF65-F5344CB8AC3E}">
-        <p14:creationId xmlns:p14="http://schemas.microsoft.com/office/powerpoint/2010/main" val="2122580804"/>
+        <p14:creationId xmlns:p14="http://schemas.microsoft.com/office/powerpoint/2010/main" val="807505352"/>
       </p:ext>
     </p:extLst>
   </p:cSld>
@@ -6578,7 +6604,7 @@
             <a:fld id="{25AE17C7-B787-4E50-994D-5E804113A1E9}" type="datetime4">
               <a:rPr lang="en-US" smtClean="0"/>
               <a:pPr/>
-              <a:t>May 19, 2014</a:t>
+              <a:t>May 20, 2014</a:t>
             </a:fld>
             <a:endParaRPr lang="en-US" dirty="0"/>
           </a:p>
@@ -6761,7 +6787,7 @@
             <a:fld id="{AFDD7A28-FA93-4136-BDC1-BCCB2687E678}" type="datetimeFigureOut">
               <a:rPr lang="en-US" smtClean="0"/>
               <a:pPr/>
-              <a:t>19/05/14</a:t>
+              <a:t>5/20/14</a:t>
             </a:fld>
             <a:endParaRPr lang="en-US"/>
           </a:p>
@@ -7009,7 +7035,7 @@
             <a:fld id="{AFDD7A28-FA93-4136-BDC1-BCCB2687E678}" type="datetimeFigureOut">
               <a:rPr lang="en-US" smtClean="0"/>
               <a:pPr/>
-              <a:t>19/05/14</a:t>
+              <a:t>5/20/14</a:t>
             </a:fld>
             <a:endParaRPr lang="en-US" dirty="0"/>
           </a:p>
@@ -7603,7 +7629,7 @@
             <a:fld id="{679F0FCF-2EA5-4FF5-AF14-1CA9C8854AAB}" type="datetime4">
               <a:rPr lang="en-US" smtClean="0"/>
               <a:pPr/>
-              <a:t>May 19, 2014</a:t>
+              <a:t>May 20, 2014</a:t>
             </a:fld>
             <a:endParaRPr lang="en-US" dirty="0"/>
           </a:p>
@@ -7825,7 +7851,7 @@
             <a:fld id="{F9E781C6-1634-4A56-B2BE-62150BE83935}" type="datetime4">
               <a:rPr lang="en-US" smtClean="0"/>
               <a:pPr/>
-              <a:t>May 19, 2014</a:t>
+              <a:t>May 20, 2014</a:t>
             </a:fld>
             <a:endParaRPr lang="en-US" dirty="0"/>
           </a:p>
@@ -8249,7 +8275,7 @@
             <a:fld id="{A9372AC2-3C75-4F5F-A929-48958086FE36}" type="datetime4">
               <a:rPr lang="en-US" smtClean="0"/>
               <a:pPr/>
-              <a:t>May 19, 2014</a:t>
+              <a:t>May 20, 2014</a:t>
             </a:fld>
             <a:endParaRPr lang="en-US" dirty="0"/>
           </a:p>
@@ -8403,7 +8429,7 @@
             <a:fld id="{17509CF4-4C1A-45DC-BADA-6EFF91CB9ABB}" type="datetime4">
               <a:rPr lang="en-US" smtClean="0"/>
               <a:pPr/>
-              <a:t>May 19, 2014</a:t>
+              <a:t>May 20, 2014</a:t>
             </a:fld>
             <a:endParaRPr lang="en-US" dirty="0"/>
           </a:p>
@@ -8511,7 +8537,7 @@
             <a:fld id="{C53951C0-B478-4858-ABC7-96406A1C0480}" type="datetime4">
               <a:rPr lang="en-US" smtClean="0"/>
               <a:pPr/>
-              <a:t>May 19, 2014</a:t>
+              <a:t>May 20, 2014</a:t>
             </a:fld>
             <a:endParaRPr lang="en-US" dirty="0"/>
           </a:p>
@@ -8783,7 +8809,7 @@
             <a:fld id="{B867641A-9D94-4BD6-862F-F651067079BC}" type="datetime4">
               <a:rPr lang="en-US" smtClean="0"/>
               <a:pPr/>
-              <a:t>May 19, 2014</a:t>
+              <a:t>May 20, 2014</a:t>
             </a:fld>
             <a:endParaRPr lang="en-US" dirty="0"/>
           </a:p>
@@ -9094,7 +9120,7 @@
             <a:fld id="{D74F0C02-0EF4-4745-9D82-E8D3F59464E3}" type="datetime4">
               <a:rPr lang="en-US" smtClean="0"/>
               <a:pPr/>
-              <a:t>May 19, 2014</a:t>
+              <a:t>May 20, 2014</a:t>
             </a:fld>
             <a:endParaRPr lang="en-US" dirty="0"/>
           </a:p>
@@ -9984,13 +10010,8 @@
             </a:r>
             <a:r>
               <a:rPr lang="en-US" dirty="0" smtClean="0"/>
-              <a:t> Critical Section, </a:t>
-            </a:r>
-            <a:r>
-              <a:rPr lang="en-US" dirty="0" smtClean="0"/>
-              <a:t>Monitor, Synchronization</a:t>
-            </a:r>
-            <a:endParaRPr lang="en-US" dirty="0" smtClean="0"/>
+              <a:t> Critical Section, Monitor, Synchronization</a:t>
+            </a:r>
           </a:p>
           <a:p>
             <a:pPr marL="342900" indent="-342900">
@@ -10197,7 +10218,7 @@
         <p:spPr/>
         <p:txBody>
           <a:bodyPr>
-            <a:normAutofit fontScale="92500"/>
+            <a:normAutofit/>
           </a:bodyPr>
           <a:lstStyle/>
           <a:p>
@@ -10272,24 +10293,11 @@
             <a:pPr marL="628650" lvl="1" indent="-342900"/>
             <a:r>
               <a:rPr lang="en-US" dirty="0"/>
-              <a:t>Circular wait</a:t>
-            </a:r>
-          </a:p>
-          <a:p>
-            <a:pPr marL="342900" indent="-342900">
-              <a:buFont typeface="Arial"/>
-              <a:buChar char="•"/>
-            </a:pPr>
-            <a:endParaRPr lang="en-US" dirty="0"/>
-          </a:p>
-          <a:p>
-            <a:pPr marL="342900" indent="-342900">
-              <a:buFont typeface="Arial"/>
-              <a:buChar char="•"/>
-            </a:pPr>
-            <a:r>
-              <a:rPr lang="en-US" dirty="0"/>
-              <a:t>All of the four conditions are necessary for deadlock to occur. Hence, by preventing any one of them we prevent deadlock.</a:t>
+              <a:t>Circular </a:t>
+            </a:r>
+            <a:r>
+              <a:rPr lang="en-US" dirty="0" smtClean="0"/>
+              <a:t>wait</a:t>
             </a:r>
           </a:p>
         </p:txBody>
@@ -10356,24 +10364,106 @@
       </p:grpSpPr>
       <p:sp>
         <p:nvSpPr>
-          <p:cNvPr id="2" name="Subtitle 1"/>
+          <p:cNvPr id="2" name="Content Placeholder 1"/>
           <p:cNvSpPr>
             <a:spLocks noGrp="1"/>
           </p:cNvSpPr>
           <p:nvPr>
-            <p:ph type="subTitle" idx="1"/>
+            <p:ph sz="quarter" idx="13"/>
           </p:nvPr>
         </p:nvSpPr>
         <p:spPr/>
         <p:txBody>
-          <a:bodyPr/>
+          <a:bodyPr>
+            <a:normAutofit/>
+          </a:bodyPr>
           <a:lstStyle/>
           <a:p>
-            <a:r>
-              <a:rPr lang="en-US" dirty="0" smtClean="0"/>
-              <a:t>DEMO</a:t>
-            </a:r>
-            <a:endParaRPr lang="en-US" dirty="0"/>
+            <a:pPr marL="342900" indent="-342900" algn="l">
+              <a:buFont typeface="Arial"/>
+              <a:buChar char="•"/>
+            </a:pPr>
+            <a:r>
+              <a:rPr lang="en-US" dirty="0">
+                <a:latin typeface="Comic Sans MS"/>
+                <a:cs typeface="Comic Sans MS"/>
+              </a:rPr>
+              <a:t>Exclusive access (mutual exclusion)</a:t>
+            </a:r>
+          </a:p>
+          <a:p>
+            <a:pPr marL="342900" indent="-342900" algn="l">
+              <a:buFont typeface="Arial"/>
+              <a:buChar char="•"/>
+            </a:pPr>
+            <a:r>
+              <a:rPr lang="en-US" dirty="0" smtClean="0">
+                <a:latin typeface="Comic Sans MS"/>
+                <a:cs typeface="Comic Sans MS"/>
+              </a:rPr>
+              <a:t>Wait </a:t>
+            </a:r>
+            <a:r>
+              <a:rPr lang="en-US" dirty="0">
+                <a:latin typeface="Comic Sans MS"/>
+                <a:cs typeface="Comic Sans MS"/>
+              </a:rPr>
+              <a:t>while holding (hold-and-wait)</a:t>
+            </a:r>
+          </a:p>
+          <a:p>
+            <a:pPr marL="342900" indent="-342900" algn="l">
+              <a:buFont typeface="Arial"/>
+              <a:buChar char="•"/>
+            </a:pPr>
+            <a:r>
+              <a:rPr lang="en-US" dirty="0" smtClean="0">
+                <a:latin typeface="Comic Sans MS"/>
+                <a:cs typeface="Comic Sans MS"/>
+              </a:rPr>
+              <a:t>No </a:t>
+            </a:r>
+            <a:r>
+              <a:rPr lang="en-US" dirty="0">
+                <a:latin typeface="Comic Sans MS"/>
+                <a:cs typeface="Comic Sans MS"/>
+              </a:rPr>
+              <a:t>preemption</a:t>
+            </a:r>
+          </a:p>
+          <a:p>
+            <a:pPr marL="342900" indent="-342900" algn="l">
+              <a:buFont typeface="Arial"/>
+              <a:buChar char="•"/>
+            </a:pPr>
+            <a:r>
+              <a:rPr lang="en-US" dirty="0" smtClean="0">
+                <a:latin typeface="Comic Sans MS"/>
+                <a:cs typeface="Comic Sans MS"/>
+              </a:rPr>
+              <a:t>Circular </a:t>
+            </a:r>
+            <a:r>
+              <a:rPr lang="en-US" dirty="0" smtClean="0">
+                <a:latin typeface="Comic Sans MS"/>
+                <a:cs typeface="Comic Sans MS"/>
+              </a:rPr>
+              <a:t>wait</a:t>
+            </a:r>
+          </a:p>
+          <a:p>
+            <a:pPr algn="l"/>
+            <a:r>
+              <a:rPr lang="en-US" dirty="0" smtClean="0">
+                <a:latin typeface="Comic Sans MS"/>
+                <a:cs typeface="Comic Sans MS"/>
+              </a:rPr>
+              <a:t>	</a:t>
+            </a:r>
+            <a:endParaRPr lang="en-US" dirty="0">
+              <a:latin typeface="Comic Sans MS"/>
+              <a:cs typeface="Comic Sans MS"/>
+            </a:endParaRPr>
           </a:p>
         </p:txBody>
       </p:sp>
@@ -10395,23 +10485,19 @@
           <a:lstStyle/>
           <a:p>
             <a:r>
-              <a:rPr lang="en-US" sz="2500" dirty="0" smtClean="0">
+              <a:rPr lang="en-US" sz="2000" dirty="0">
                 <a:latin typeface="Comic Sans MS"/>
                 <a:cs typeface="Comic Sans MS"/>
               </a:rPr>
-              <a:t>DEADLOCK</a:t>
-            </a:r>
-            <a:endParaRPr lang="en-US" sz="2500" dirty="0">
-              <a:latin typeface="Comic Sans MS"/>
-              <a:cs typeface="Comic Sans MS"/>
-            </a:endParaRPr>
+              <a:t>Deadlock Prevention Approaches</a:t>
+            </a:r>
           </a:p>
         </p:txBody>
       </p:sp>
     </p:spTree>
     <p:extLst>
       <p:ext uri="{BB962C8B-B14F-4D97-AF65-F5344CB8AC3E}">
-        <p14:creationId xmlns:p14="http://schemas.microsoft.com/office/powerpoint/2010/main" val="618051677"/>
+        <p14:creationId xmlns:p14="http://schemas.microsoft.com/office/powerpoint/2010/main" val="2532494243"/>
       </p:ext>
     </p:extLst>
   </p:cSld>
@@ -10421,9 +10507,678 @@
   <p:timing>
     <p:tnLst>
       <p:par>
-        <p:cTn xmlns:p14="http://schemas.microsoft.com/office/powerpoint/2010/main" id="1" dur="indefinite" restart="never" nodeType="tmRoot"/>
+        <p:cTn xmlns:p14="http://schemas.microsoft.com/office/powerpoint/2010/main" id="1" dur="indefinite" restart="never" nodeType="tmRoot">
+          <p:childTnLst>
+            <p:seq concurrent="1" nextAc="seek">
+              <p:cTn id="2" dur="indefinite" nodeType="mainSeq">
+                <p:childTnLst>
+                  <p:par>
+                    <p:cTn id="3" fill="hold">
+                      <p:stCondLst>
+                        <p:cond delay="indefinite"/>
+                        <p:cond evt="onBegin" delay="0">
+                          <p:tn val="2"/>
+                        </p:cond>
+                      </p:stCondLst>
+                      <p:childTnLst>
+                        <p:par>
+                          <p:cTn id="4" fill="hold">
+                            <p:stCondLst>
+                              <p:cond delay="0"/>
+                            </p:stCondLst>
+                            <p:childTnLst>
+                              <p:par>
+                                <p:cTn id="5" presetID="25" presetClass="entr" presetSubtype="0" fill="hold" grpId="0" nodeType="withEffect">
+                                  <p:stCondLst>
+                                    <p:cond delay="0"/>
+                                  </p:stCondLst>
+                                  <p:childTnLst>
+                                    <p:set>
+                                      <p:cBhvr>
+                                        <p:cTn id="6" dur="1" fill="hold">
+                                          <p:stCondLst>
+                                            <p:cond delay="0"/>
+                                          </p:stCondLst>
+                                        </p:cTn>
+                                        <p:tgtEl>
+                                          <p:spTgt spid="3"/>
+                                        </p:tgtEl>
+                                        <p:attrNameLst>
+                                          <p:attrName>style.visibility</p:attrName>
+                                        </p:attrNameLst>
+                                      </p:cBhvr>
+                                      <p:to>
+                                        <p:strVal val="visible"/>
+                                      </p:to>
+                                    </p:set>
+                                    <p:anim calcmode="lin" valueType="num">
+                                      <p:cBhvr>
+                                        <p:cTn id="7" dur="500" decel="50000" fill="hold">
+                                          <p:stCondLst>
+                                            <p:cond delay="0"/>
+                                          </p:stCondLst>
+                                        </p:cTn>
+                                        <p:tgtEl>
+                                          <p:spTgt spid="3"/>
+                                        </p:tgtEl>
+                                        <p:attrNameLst>
+                                          <p:attrName>style.rotation</p:attrName>
+                                        </p:attrNameLst>
+                                      </p:cBhvr>
+                                      <p:tavLst>
+                                        <p:tav tm="0">
+                                          <p:val>
+                                            <p:fltVal val="-90"/>
+                                          </p:val>
+                                        </p:tav>
+                                        <p:tav tm="100000">
+                                          <p:val>
+                                            <p:fltVal val="0"/>
+                                          </p:val>
+                                        </p:tav>
+                                      </p:tavLst>
+                                    </p:anim>
+                                    <p:anim calcmode="lin" valueType="num">
+                                      <p:cBhvr>
+                                        <p:cTn id="8" dur="500" decel="50000" fill="hold">
+                                          <p:stCondLst>
+                                            <p:cond delay="0"/>
+                                          </p:stCondLst>
+                                        </p:cTn>
+                                        <p:tgtEl>
+                                          <p:spTgt spid="3"/>
+                                        </p:tgtEl>
+                                        <p:attrNameLst>
+                                          <p:attrName>ppt_w</p:attrName>
+                                        </p:attrNameLst>
+                                      </p:cBhvr>
+                                      <p:tavLst>
+                                        <p:tav tm="0">
+                                          <p:val>
+                                            <p:strVal val="#ppt_w"/>
+                                          </p:val>
+                                        </p:tav>
+                                        <p:tav tm="100000">
+                                          <p:val>
+                                            <p:strVal val="#ppt_w*.05"/>
+                                          </p:val>
+                                        </p:tav>
+                                      </p:tavLst>
+                                    </p:anim>
+                                    <p:anim calcmode="lin" valueType="num">
+                                      <p:cBhvr>
+                                        <p:cTn id="9" dur="500" accel="50000" fill="hold">
+                                          <p:stCondLst>
+                                            <p:cond delay="500"/>
+                                          </p:stCondLst>
+                                        </p:cTn>
+                                        <p:tgtEl>
+                                          <p:spTgt spid="3"/>
+                                        </p:tgtEl>
+                                        <p:attrNameLst>
+                                          <p:attrName>ppt_w</p:attrName>
+                                        </p:attrNameLst>
+                                      </p:cBhvr>
+                                      <p:tavLst>
+                                        <p:tav tm="0">
+                                          <p:val>
+                                            <p:strVal val="#ppt_w*.05"/>
+                                          </p:val>
+                                        </p:tav>
+                                        <p:tav tm="100000">
+                                          <p:val>
+                                            <p:strVal val="#ppt_w"/>
+                                          </p:val>
+                                        </p:tav>
+                                      </p:tavLst>
+                                    </p:anim>
+                                    <p:anim calcmode="lin" valueType="num">
+                                      <p:cBhvr>
+                                        <p:cTn id="10" dur="1000" fill="hold"/>
+                                        <p:tgtEl>
+                                          <p:spTgt spid="3"/>
+                                        </p:tgtEl>
+                                        <p:attrNameLst>
+                                          <p:attrName>ppt_h</p:attrName>
+                                        </p:attrNameLst>
+                                      </p:cBhvr>
+                                      <p:tavLst>
+                                        <p:tav tm="0">
+                                          <p:val>
+                                            <p:strVal val="#ppt_h"/>
+                                          </p:val>
+                                        </p:tav>
+                                        <p:tav tm="100000">
+                                          <p:val>
+                                            <p:strVal val="#ppt_h"/>
+                                          </p:val>
+                                        </p:tav>
+                                      </p:tavLst>
+                                    </p:anim>
+                                    <p:anim calcmode="lin" valueType="num">
+                                      <p:cBhvr>
+                                        <p:cTn id="11" dur="500" decel="50000" fill="hold">
+                                          <p:stCondLst>
+                                            <p:cond delay="0"/>
+                                          </p:stCondLst>
+                                        </p:cTn>
+                                        <p:tgtEl>
+                                          <p:spTgt spid="3"/>
+                                        </p:tgtEl>
+                                        <p:attrNameLst>
+                                          <p:attrName>ppt_x</p:attrName>
+                                        </p:attrNameLst>
+                                      </p:cBhvr>
+                                      <p:tavLst>
+                                        <p:tav tm="0">
+                                          <p:val>
+                                            <p:strVal val="#ppt_x+.4"/>
+                                          </p:val>
+                                        </p:tav>
+                                        <p:tav tm="100000">
+                                          <p:val>
+                                            <p:strVal val="#ppt_x"/>
+                                          </p:val>
+                                        </p:tav>
+                                      </p:tavLst>
+                                    </p:anim>
+                                    <p:anim calcmode="lin" valueType="num">
+                                      <p:cBhvr>
+                                        <p:cTn id="12" dur="500" decel="50000" fill="hold">
+                                          <p:stCondLst>
+                                            <p:cond delay="0"/>
+                                          </p:stCondLst>
+                                        </p:cTn>
+                                        <p:tgtEl>
+                                          <p:spTgt spid="3"/>
+                                        </p:tgtEl>
+                                        <p:attrNameLst>
+                                          <p:attrName>ppt_y</p:attrName>
+                                        </p:attrNameLst>
+                                      </p:cBhvr>
+                                      <p:tavLst>
+                                        <p:tav tm="0">
+                                          <p:val>
+                                            <p:strVal val="#ppt_y-.2"/>
+                                          </p:val>
+                                        </p:tav>
+                                        <p:tav tm="100000">
+                                          <p:val>
+                                            <p:strVal val="#ppt_y+.1"/>
+                                          </p:val>
+                                        </p:tav>
+                                      </p:tavLst>
+                                    </p:anim>
+                                    <p:anim calcmode="lin" valueType="num">
+                                      <p:cBhvr>
+                                        <p:cTn id="13" dur="500" accel="50000" fill="hold">
+                                          <p:stCondLst>
+                                            <p:cond delay="500"/>
+                                          </p:stCondLst>
+                                        </p:cTn>
+                                        <p:tgtEl>
+                                          <p:spTgt spid="3"/>
+                                        </p:tgtEl>
+                                        <p:attrNameLst>
+                                          <p:attrName>ppt_y</p:attrName>
+                                        </p:attrNameLst>
+                                      </p:cBhvr>
+                                      <p:tavLst>
+                                        <p:tav tm="0">
+                                          <p:val>
+                                            <p:strVal val="#ppt_y+.1"/>
+                                          </p:val>
+                                        </p:tav>
+                                        <p:tav tm="100000">
+                                          <p:val>
+                                            <p:strVal val="#ppt_y"/>
+                                          </p:val>
+                                        </p:tav>
+                                      </p:tavLst>
+                                    </p:anim>
+                                    <p:animEffect transition="in" filter="fade">
+                                      <p:cBhvr>
+                                        <p:cTn id="14" dur="1000" decel="50000">
+                                          <p:stCondLst>
+                                            <p:cond delay="0"/>
+                                          </p:stCondLst>
+                                        </p:cTn>
+                                        <p:tgtEl>
+                                          <p:spTgt spid="3"/>
+                                        </p:tgtEl>
+                                      </p:cBhvr>
+                                    </p:animEffect>
+                                  </p:childTnLst>
+                                </p:cTn>
+                              </p:par>
+                            </p:childTnLst>
+                          </p:cTn>
+                        </p:par>
+                      </p:childTnLst>
+                    </p:cTn>
+                  </p:par>
+                  <p:par>
+                    <p:cTn id="15" fill="hold">
+                      <p:stCondLst>
+                        <p:cond delay="indefinite"/>
+                      </p:stCondLst>
+                      <p:childTnLst>
+                        <p:par>
+                          <p:cTn id="16" fill="hold">
+                            <p:stCondLst>
+                              <p:cond delay="0"/>
+                            </p:stCondLst>
+                            <p:childTnLst>
+                              <p:par>
+                                <p:cTn id="17" presetID="28" presetClass="emph" presetSubtype="0" fill="hold" grpId="0" nodeType="clickEffect">
+                                  <p:stCondLst>
+                                    <p:cond delay="0"/>
+                                  </p:stCondLst>
+                                  <p:iterate type="lt">
+                                    <p:tmPct val="10000"/>
+                                  </p:iterate>
+                                  <p:childTnLst>
+                                    <p:animClr clrSpc="rgb" dir="cw">
+                                      <p:cBhvr override="childStyle">
+                                        <p:cTn id="18" dur="500" fill="hold"/>
+                                        <p:tgtEl>
+                                          <p:spTgt spid="2">
+                                            <p:txEl>
+                                              <p:pRg st="0" end="0"/>
+                                            </p:txEl>
+                                          </p:spTgt>
+                                        </p:tgtEl>
+                                        <p:attrNameLst>
+                                          <p:attrName>style.color</p:attrName>
+                                        </p:attrNameLst>
+                                      </p:cBhvr>
+                                      <p:to>
+                                        <a:schemeClr val="accent2"/>
+                                      </p:to>
+                                    </p:animClr>
+                                    <p:animClr clrSpc="rgb" dir="cw">
+                                      <p:cBhvr>
+                                        <p:cTn id="19" dur="500" fill="hold"/>
+                                        <p:tgtEl>
+                                          <p:spTgt spid="2">
+                                            <p:txEl>
+                                              <p:pRg st="0" end="0"/>
+                                            </p:txEl>
+                                          </p:spTgt>
+                                        </p:tgtEl>
+                                        <p:attrNameLst>
+                                          <p:attrName>fillcolor</p:attrName>
+                                        </p:attrNameLst>
+                                      </p:cBhvr>
+                                      <p:to>
+                                        <a:schemeClr val="accent2"/>
+                                      </p:to>
+                                    </p:animClr>
+                                    <p:set>
+                                      <p:cBhvr>
+                                        <p:cTn id="20" dur="500" fill="hold"/>
+                                        <p:tgtEl>
+                                          <p:spTgt spid="2">
+                                            <p:txEl>
+                                              <p:pRg st="0" end="0"/>
+                                            </p:txEl>
+                                          </p:spTgt>
+                                        </p:tgtEl>
+                                        <p:attrNameLst>
+                                          <p:attrName>fill.type</p:attrName>
+                                        </p:attrNameLst>
+                                      </p:cBhvr>
+                                      <p:to>
+                                        <p:strVal val="solid"/>
+                                      </p:to>
+                                    </p:set>
+                                    <p:anim to="1.5" calcmode="lin" valueType="num">
+                                      <p:cBhvr override="childStyle">
+                                        <p:cTn id="21" dur="500" fill="hold"/>
+                                        <p:tgtEl>
+                                          <p:spTgt spid="2">
+                                            <p:txEl>
+                                              <p:pRg st="0" end="0"/>
+                                            </p:txEl>
+                                          </p:spTgt>
+                                        </p:tgtEl>
+                                        <p:attrNameLst>
+                                          <p:attrName>style.fontSize</p:attrName>
+                                        </p:attrNameLst>
+                                      </p:cBhvr>
+                                    </p:anim>
+                                  </p:childTnLst>
+                                </p:cTn>
+                              </p:par>
+                            </p:childTnLst>
+                          </p:cTn>
+                        </p:par>
+                      </p:childTnLst>
+                    </p:cTn>
+                  </p:par>
+                  <p:par>
+                    <p:cTn id="22" fill="hold">
+                      <p:stCondLst>
+                        <p:cond delay="indefinite"/>
+                      </p:stCondLst>
+                      <p:childTnLst>
+                        <p:par>
+                          <p:cTn id="23" fill="hold">
+                            <p:stCondLst>
+                              <p:cond delay="0"/>
+                            </p:stCondLst>
+                            <p:childTnLst>
+                              <p:par>
+                                <p:cTn id="24" presetID="28" presetClass="emph" presetSubtype="0" fill="hold" grpId="0" nodeType="clickEffect">
+                                  <p:stCondLst>
+                                    <p:cond delay="0"/>
+                                  </p:stCondLst>
+                                  <p:iterate type="lt">
+                                    <p:tmPct val="10000"/>
+                                  </p:iterate>
+                                  <p:childTnLst>
+                                    <p:animClr clrSpc="rgb" dir="cw">
+                                      <p:cBhvr override="childStyle">
+                                        <p:cTn id="25" dur="500" fill="hold"/>
+                                        <p:tgtEl>
+                                          <p:spTgt spid="2">
+                                            <p:txEl>
+                                              <p:pRg st="1" end="1"/>
+                                            </p:txEl>
+                                          </p:spTgt>
+                                        </p:tgtEl>
+                                        <p:attrNameLst>
+                                          <p:attrName>style.color</p:attrName>
+                                        </p:attrNameLst>
+                                      </p:cBhvr>
+                                      <p:to>
+                                        <a:schemeClr val="accent2"/>
+                                      </p:to>
+                                    </p:animClr>
+                                    <p:animClr clrSpc="rgb" dir="cw">
+                                      <p:cBhvr>
+                                        <p:cTn id="26" dur="500" fill="hold"/>
+                                        <p:tgtEl>
+                                          <p:spTgt spid="2">
+                                            <p:txEl>
+                                              <p:pRg st="1" end="1"/>
+                                            </p:txEl>
+                                          </p:spTgt>
+                                        </p:tgtEl>
+                                        <p:attrNameLst>
+                                          <p:attrName>fillcolor</p:attrName>
+                                        </p:attrNameLst>
+                                      </p:cBhvr>
+                                      <p:to>
+                                        <a:schemeClr val="accent2"/>
+                                      </p:to>
+                                    </p:animClr>
+                                    <p:set>
+                                      <p:cBhvr>
+                                        <p:cTn id="27" dur="500" fill="hold"/>
+                                        <p:tgtEl>
+                                          <p:spTgt spid="2">
+                                            <p:txEl>
+                                              <p:pRg st="1" end="1"/>
+                                            </p:txEl>
+                                          </p:spTgt>
+                                        </p:tgtEl>
+                                        <p:attrNameLst>
+                                          <p:attrName>fill.type</p:attrName>
+                                        </p:attrNameLst>
+                                      </p:cBhvr>
+                                      <p:to>
+                                        <p:strVal val="solid"/>
+                                      </p:to>
+                                    </p:set>
+                                    <p:anim to="1.5" calcmode="lin" valueType="num">
+                                      <p:cBhvr override="childStyle">
+                                        <p:cTn id="28" dur="500" fill="hold"/>
+                                        <p:tgtEl>
+                                          <p:spTgt spid="2">
+                                            <p:txEl>
+                                              <p:pRg st="1" end="1"/>
+                                            </p:txEl>
+                                          </p:spTgt>
+                                        </p:tgtEl>
+                                        <p:attrNameLst>
+                                          <p:attrName>style.fontSize</p:attrName>
+                                        </p:attrNameLst>
+                                      </p:cBhvr>
+                                    </p:anim>
+                                  </p:childTnLst>
+                                </p:cTn>
+                              </p:par>
+                            </p:childTnLst>
+                          </p:cTn>
+                        </p:par>
+                      </p:childTnLst>
+                    </p:cTn>
+                  </p:par>
+                  <p:par>
+                    <p:cTn id="29" fill="hold">
+                      <p:stCondLst>
+                        <p:cond delay="indefinite"/>
+                      </p:stCondLst>
+                      <p:childTnLst>
+                        <p:par>
+                          <p:cTn id="30" fill="hold">
+                            <p:stCondLst>
+                              <p:cond delay="0"/>
+                            </p:stCondLst>
+                            <p:childTnLst>
+                              <p:par>
+                                <p:cTn id="31" presetID="28" presetClass="emph" presetSubtype="0" fill="hold" grpId="0" nodeType="clickEffect">
+                                  <p:stCondLst>
+                                    <p:cond delay="0"/>
+                                  </p:stCondLst>
+                                  <p:iterate type="lt">
+                                    <p:tmPct val="10000"/>
+                                  </p:iterate>
+                                  <p:childTnLst>
+                                    <p:animClr clrSpc="rgb" dir="cw">
+                                      <p:cBhvr override="childStyle">
+                                        <p:cTn id="32" dur="500" fill="hold"/>
+                                        <p:tgtEl>
+                                          <p:spTgt spid="2">
+                                            <p:txEl>
+                                              <p:pRg st="2" end="2"/>
+                                            </p:txEl>
+                                          </p:spTgt>
+                                        </p:tgtEl>
+                                        <p:attrNameLst>
+                                          <p:attrName>style.color</p:attrName>
+                                        </p:attrNameLst>
+                                      </p:cBhvr>
+                                      <p:to>
+                                        <a:schemeClr val="accent2"/>
+                                      </p:to>
+                                    </p:animClr>
+                                    <p:animClr clrSpc="rgb" dir="cw">
+                                      <p:cBhvr>
+                                        <p:cTn id="33" dur="500" fill="hold"/>
+                                        <p:tgtEl>
+                                          <p:spTgt spid="2">
+                                            <p:txEl>
+                                              <p:pRg st="2" end="2"/>
+                                            </p:txEl>
+                                          </p:spTgt>
+                                        </p:tgtEl>
+                                        <p:attrNameLst>
+                                          <p:attrName>fillcolor</p:attrName>
+                                        </p:attrNameLst>
+                                      </p:cBhvr>
+                                      <p:to>
+                                        <a:schemeClr val="accent2"/>
+                                      </p:to>
+                                    </p:animClr>
+                                    <p:set>
+                                      <p:cBhvr>
+                                        <p:cTn id="34" dur="500" fill="hold"/>
+                                        <p:tgtEl>
+                                          <p:spTgt spid="2">
+                                            <p:txEl>
+                                              <p:pRg st="2" end="2"/>
+                                            </p:txEl>
+                                          </p:spTgt>
+                                        </p:tgtEl>
+                                        <p:attrNameLst>
+                                          <p:attrName>fill.type</p:attrName>
+                                        </p:attrNameLst>
+                                      </p:cBhvr>
+                                      <p:to>
+                                        <p:strVal val="solid"/>
+                                      </p:to>
+                                    </p:set>
+                                    <p:anim to="1.5" calcmode="lin" valueType="num">
+                                      <p:cBhvr override="childStyle">
+                                        <p:cTn id="35" dur="500" fill="hold"/>
+                                        <p:tgtEl>
+                                          <p:spTgt spid="2">
+                                            <p:txEl>
+                                              <p:pRg st="2" end="2"/>
+                                            </p:txEl>
+                                          </p:spTgt>
+                                        </p:tgtEl>
+                                        <p:attrNameLst>
+                                          <p:attrName>style.fontSize</p:attrName>
+                                        </p:attrNameLst>
+                                      </p:cBhvr>
+                                    </p:anim>
+                                  </p:childTnLst>
+                                </p:cTn>
+                              </p:par>
+                            </p:childTnLst>
+                          </p:cTn>
+                        </p:par>
+                      </p:childTnLst>
+                    </p:cTn>
+                  </p:par>
+                  <p:par>
+                    <p:cTn id="36" fill="hold">
+                      <p:stCondLst>
+                        <p:cond delay="indefinite"/>
+                      </p:stCondLst>
+                      <p:childTnLst>
+                        <p:par>
+                          <p:cTn id="37" fill="hold">
+                            <p:stCondLst>
+                              <p:cond delay="0"/>
+                            </p:stCondLst>
+                            <p:childTnLst>
+                              <p:par>
+                                <p:cTn id="38" presetID="28" presetClass="emph" presetSubtype="0" fill="hold" grpId="1" nodeType="clickEffect">
+                                  <p:stCondLst>
+                                    <p:cond delay="0"/>
+                                  </p:stCondLst>
+                                  <p:iterate type="lt">
+                                    <p:tmPct val="10000"/>
+                                  </p:iterate>
+                                  <p:childTnLst>
+                                    <p:animClr clrSpc="rgb" dir="cw">
+                                      <p:cBhvr override="childStyle">
+                                        <p:cTn id="39" dur="500" fill="hold"/>
+                                        <p:tgtEl>
+                                          <p:spTgt spid="2">
+                                            <p:txEl>
+                                              <p:pRg st="3" end="3"/>
+                                            </p:txEl>
+                                          </p:spTgt>
+                                        </p:tgtEl>
+                                        <p:attrNameLst>
+                                          <p:attrName>style.color</p:attrName>
+                                        </p:attrNameLst>
+                                      </p:cBhvr>
+                                      <p:to>
+                                        <a:schemeClr val="accent2"/>
+                                      </p:to>
+                                    </p:animClr>
+                                    <p:animClr clrSpc="rgb" dir="cw">
+                                      <p:cBhvr>
+                                        <p:cTn id="40" dur="500" fill="hold"/>
+                                        <p:tgtEl>
+                                          <p:spTgt spid="2">
+                                            <p:txEl>
+                                              <p:pRg st="3" end="3"/>
+                                            </p:txEl>
+                                          </p:spTgt>
+                                        </p:tgtEl>
+                                        <p:attrNameLst>
+                                          <p:attrName>fillcolor</p:attrName>
+                                        </p:attrNameLst>
+                                      </p:cBhvr>
+                                      <p:to>
+                                        <a:schemeClr val="accent2"/>
+                                      </p:to>
+                                    </p:animClr>
+                                    <p:set>
+                                      <p:cBhvr>
+                                        <p:cTn id="41" dur="500" fill="hold"/>
+                                        <p:tgtEl>
+                                          <p:spTgt spid="2">
+                                            <p:txEl>
+                                              <p:pRg st="3" end="3"/>
+                                            </p:txEl>
+                                          </p:spTgt>
+                                        </p:tgtEl>
+                                        <p:attrNameLst>
+                                          <p:attrName>fill.type</p:attrName>
+                                        </p:attrNameLst>
+                                      </p:cBhvr>
+                                      <p:to>
+                                        <p:strVal val="solid"/>
+                                      </p:to>
+                                    </p:set>
+                                    <p:anim to="1.5" calcmode="lin" valueType="num">
+                                      <p:cBhvr override="childStyle">
+                                        <p:cTn id="42" dur="500" fill="hold"/>
+                                        <p:tgtEl>
+                                          <p:spTgt spid="2">
+                                            <p:txEl>
+                                              <p:pRg st="3" end="3"/>
+                                            </p:txEl>
+                                          </p:spTgt>
+                                        </p:tgtEl>
+                                        <p:attrNameLst>
+                                          <p:attrName>style.fontSize</p:attrName>
+                                        </p:attrNameLst>
+                                      </p:cBhvr>
+                                    </p:anim>
+                                  </p:childTnLst>
+                                </p:cTn>
+                              </p:par>
+                            </p:childTnLst>
+                          </p:cTn>
+                        </p:par>
+                      </p:childTnLst>
+                    </p:cTn>
+                  </p:par>
+                </p:childTnLst>
+              </p:cTn>
+              <p:prevCondLst>
+                <p:cond evt="onPrev" delay="0">
+                  <p:tgtEl>
+                    <p:sldTgt/>
+                  </p:tgtEl>
+                </p:cond>
+              </p:prevCondLst>
+              <p:nextCondLst>
+                <p:cond evt="onNext" delay="0">
+                  <p:tgtEl>
+                    <p:sldTgt/>
+                  </p:tgtEl>
+                </p:cond>
+              </p:nextCondLst>
+            </p:seq>
+          </p:childTnLst>
+        </p:cTn>
       </p:par>
     </p:tnLst>
+    <p:bldLst>
+      <p:bldP spid="2" grpId="0" build="p"/>
+      <p:bldP spid="2" grpId="1" uiExpand="1" build="p"/>
+      <p:bldP spid="3" grpId="0" animBg="1"/>
+    </p:bldLst>
   </p:timing>
 </p:sld>
 </file>
@@ -10447,12 +11202,12 @@
       </p:grpSpPr>
       <p:sp>
         <p:nvSpPr>
-          <p:cNvPr id="2" name="Content Placeholder 1"/>
+          <p:cNvPr id="2" name="Subtitle 1"/>
           <p:cNvSpPr>
             <a:spLocks noGrp="1"/>
           </p:cNvSpPr>
           <p:nvPr>
-            <p:ph sz="quarter" idx="13"/>
+            <p:ph type="subTitle" idx="1"/>
           </p:nvPr>
         </p:nvSpPr>
         <p:spPr/>
@@ -10460,76 +11215,9 @@
           <a:bodyPr/>
           <a:lstStyle/>
           <a:p>
-            <a:pPr algn="l"/>
-            <a:r>
-              <a:rPr lang="en-US" dirty="0"/>
-              <a:t>Process P1:</a:t>
-            </a:r>
-          </a:p>
-          <a:p>
-            <a:pPr algn="l"/>
-            <a:r>
-              <a:rPr lang="en-US" dirty="0"/>
-              <a:t>request(</a:t>
-            </a:r>
-            <a:r>
-              <a:rPr lang="en-US" dirty="0" smtClean="0"/>
-              <a:t>R1,R2);…		release</a:t>
-            </a:r>
-            <a:r>
-              <a:rPr lang="en-US" dirty="0"/>
-              <a:t>(</a:t>
-            </a:r>
-            <a:r>
-              <a:rPr lang="en-US" dirty="0" smtClean="0"/>
-              <a:t>R1,R2);</a:t>
-            </a:r>
-            <a:endParaRPr lang="en-US" dirty="0"/>
-          </a:p>
-          <a:p>
-            <a:pPr algn="l"/>
-            <a:endParaRPr lang="en-US" dirty="0"/>
-          </a:p>
-          <a:p>
-            <a:pPr algn="l"/>
-            <a:endParaRPr lang="en-US" dirty="0"/>
-          </a:p>
-          <a:p>
-            <a:pPr algn="l"/>
-            <a:endParaRPr lang="en-US" dirty="0"/>
-          </a:p>
-          <a:p>
-            <a:pPr algn="l"/>
-            <a:r>
-              <a:rPr lang="en-US" dirty="0"/>
-              <a:t>Process P2:</a:t>
-            </a:r>
-          </a:p>
-          <a:p>
-            <a:pPr algn="l"/>
-            <a:r>
-              <a:rPr lang="en-US" dirty="0"/>
-              <a:t>request</a:t>
-            </a:r>
-            <a:r>
-              <a:rPr lang="en-US" dirty="0" smtClean="0"/>
-              <a:t>(R1,R2)</a:t>
-            </a:r>
-            <a:r>
-              <a:rPr lang="en-US" dirty="0"/>
-              <a:t>;..</a:t>
-            </a:r>
-            <a:r>
-              <a:rPr lang="en-US" dirty="0" smtClean="0"/>
-              <a:t>.			release</a:t>
-            </a:r>
-            <a:r>
-              <a:rPr lang="en-US" dirty="0"/>
-              <a:t>(</a:t>
-            </a:r>
-            <a:r>
-              <a:rPr lang="en-US" dirty="0" smtClean="0"/>
-              <a:t>R2,R1); </a:t>
+            <a:r>
+              <a:rPr lang="en-US" dirty="0" smtClean="0"/>
+              <a:t>DEMO</a:t>
             </a:r>
             <a:endParaRPr lang="en-US" dirty="0"/>
           </a:p>
@@ -10547,195 +11235,29 @@
         </p:nvSpPr>
         <p:spPr/>
         <p:txBody>
-          <a:bodyPr/>
+          <a:bodyPr>
+            <a:normAutofit/>
+          </a:bodyPr>
           <a:lstStyle/>
           <a:p>
             <a:r>
-              <a:rPr lang="en-US" dirty="0" smtClean="0"/>
-              <a:t>Request ALL At once</a:t>
-            </a:r>
-            <a:endParaRPr lang="en-US" dirty="0"/>
-          </a:p>
-        </p:txBody>
-      </p:sp>
-      <p:sp>
-        <p:nvSpPr>
-          <p:cNvPr id="4" name="Rectangle 3"/>
-          <p:cNvSpPr/>
-          <p:nvPr/>
-        </p:nvSpPr>
-        <p:spPr>
-          <a:xfrm>
-            <a:off x="1978193" y="2886714"/>
-            <a:ext cx="2144253" cy="329910"/>
-          </a:xfrm>
-          <a:prstGeom prst="rect">
-            <a:avLst/>
-          </a:prstGeom>
-          <a:solidFill>
-            <a:srgbClr val="FF0000"/>
-          </a:solidFill>
-        </p:spPr>
-        <p:style>
-          <a:lnRef idx="1">
-            <a:schemeClr val="accent1"/>
-          </a:lnRef>
-          <a:fillRef idx="3">
-            <a:schemeClr val="accent1"/>
-          </a:fillRef>
-          <a:effectRef idx="2">
-            <a:schemeClr val="accent1"/>
-          </a:effectRef>
-          <a:fontRef idx="minor">
-            <a:schemeClr val="lt1"/>
-          </a:fontRef>
-        </p:style>
-        <p:txBody>
-          <a:bodyPr rtlCol="0" anchor="ctr"/>
-          <a:lstStyle/>
-          <a:p>
-            <a:pPr algn="ctr"/>
-            <a:r>
-              <a:rPr lang="en-US" dirty="0" smtClean="0"/>
-              <a:t>R1 Critical Section</a:t>
-            </a:r>
-            <a:endParaRPr lang="en-US" dirty="0"/>
-          </a:p>
-        </p:txBody>
-      </p:sp>
-      <p:sp>
-        <p:nvSpPr>
-          <p:cNvPr id="5" name="Rectangle 4"/>
-          <p:cNvSpPr/>
-          <p:nvPr/>
-        </p:nvSpPr>
-        <p:spPr>
-          <a:xfrm>
-            <a:off x="1978193" y="3348586"/>
-            <a:ext cx="2144253" cy="329910"/>
-          </a:xfrm>
-          <a:prstGeom prst="rect">
-            <a:avLst/>
-          </a:prstGeom>
-        </p:spPr>
-        <p:style>
-          <a:lnRef idx="1">
-            <a:schemeClr val="accent1"/>
-          </a:lnRef>
-          <a:fillRef idx="3">
-            <a:schemeClr val="accent1"/>
-          </a:fillRef>
-          <a:effectRef idx="2">
-            <a:schemeClr val="accent1"/>
-          </a:effectRef>
-          <a:fontRef idx="minor">
-            <a:schemeClr val="lt1"/>
-          </a:fontRef>
-        </p:style>
-        <p:txBody>
-          <a:bodyPr rtlCol="0" anchor="ctr"/>
-          <a:lstStyle/>
-          <a:p>
-            <a:pPr algn="ctr"/>
-            <a:r>
-              <a:rPr lang="en-US" dirty="0" smtClean="0"/>
-              <a:t>R2 Critical Section</a:t>
-            </a:r>
-            <a:endParaRPr lang="en-US" dirty="0"/>
-          </a:p>
-        </p:txBody>
-      </p:sp>
-      <p:sp>
-        <p:nvSpPr>
-          <p:cNvPr id="6" name="Rectangle 5"/>
-          <p:cNvSpPr/>
-          <p:nvPr/>
-        </p:nvSpPr>
-        <p:spPr>
-          <a:xfrm>
-            <a:off x="1978193" y="5546427"/>
-            <a:ext cx="2144253" cy="329910"/>
-          </a:xfrm>
-          <a:prstGeom prst="rect">
-            <a:avLst/>
-          </a:prstGeom>
-        </p:spPr>
-        <p:style>
-          <a:lnRef idx="1">
-            <a:schemeClr val="accent1"/>
-          </a:lnRef>
-          <a:fillRef idx="3">
-            <a:schemeClr val="accent1"/>
-          </a:fillRef>
-          <a:effectRef idx="2">
-            <a:schemeClr val="accent1"/>
-          </a:effectRef>
-          <a:fontRef idx="minor">
-            <a:schemeClr val="lt1"/>
-          </a:fontRef>
-        </p:style>
-        <p:txBody>
-          <a:bodyPr rtlCol="0" anchor="ctr"/>
-          <a:lstStyle/>
-          <a:p>
-            <a:pPr algn="ctr"/>
-            <a:r>
-              <a:rPr lang="en-US" dirty="0" smtClean="0"/>
-              <a:t>R2 Critical Section</a:t>
-            </a:r>
-            <a:endParaRPr lang="en-US" dirty="0"/>
-          </a:p>
-        </p:txBody>
-      </p:sp>
-      <p:sp>
-        <p:nvSpPr>
-          <p:cNvPr id="7" name="Rectangle 6"/>
-          <p:cNvSpPr/>
-          <p:nvPr/>
-        </p:nvSpPr>
-        <p:spPr>
-          <a:xfrm>
-            <a:off x="1978193" y="5018571"/>
-            <a:ext cx="2144253" cy="329910"/>
-          </a:xfrm>
-          <a:prstGeom prst="rect">
-            <a:avLst/>
-          </a:prstGeom>
-          <a:solidFill>
-            <a:srgbClr val="FF0000"/>
-          </a:solidFill>
-        </p:spPr>
-        <p:style>
-          <a:lnRef idx="1">
-            <a:schemeClr val="accent1"/>
-          </a:lnRef>
-          <a:fillRef idx="3">
-            <a:schemeClr val="accent1"/>
-          </a:fillRef>
-          <a:effectRef idx="2">
-            <a:schemeClr val="accent1"/>
-          </a:effectRef>
-          <a:fontRef idx="minor">
-            <a:schemeClr val="lt1"/>
-          </a:fontRef>
-        </p:style>
-        <p:txBody>
-          <a:bodyPr rtlCol="0" anchor="ctr"/>
-          <a:lstStyle/>
-          <a:p>
-            <a:pPr algn="ctr"/>
-            <a:r>
-              <a:rPr lang="en-US" dirty="0" smtClean="0"/>
-              <a:t>R1 Critical Section</a:t>
-            </a:r>
-            <a:endParaRPr lang="en-US" dirty="0"/>
+              <a:rPr lang="en-US" sz="2500" dirty="0" smtClean="0">
+                <a:latin typeface="Comic Sans MS"/>
+                <a:cs typeface="Comic Sans MS"/>
+              </a:rPr>
+              <a:t>DEADLOCK</a:t>
+            </a:r>
+            <a:endParaRPr lang="en-US" sz="2500" dirty="0">
+              <a:latin typeface="Comic Sans MS"/>
+              <a:cs typeface="Comic Sans MS"/>
+            </a:endParaRPr>
           </a:p>
         </p:txBody>
       </p:sp>
     </p:spTree>
     <p:extLst>
       <p:ext uri="{BB962C8B-B14F-4D97-AF65-F5344CB8AC3E}">
-        <p14:creationId xmlns:p14="http://schemas.microsoft.com/office/powerpoint/2010/main" val="1598377104"/>
+        <p14:creationId xmlns:p14="http://schemas.microsoft.com/office/powerpoint/2010/main" val="618051677"/>
       </p:ext>
     </p:extLst>
   </p:cSld>
@@ -10794,35 +11316,19 @@
             <a:pPr algn="l"/>
             <a:r>
               <a:rPr lang="en-US" dirty="0"/>
-              <a:t>request(R1)</a:t>
-            </a:r>
-            <a:r>
-              <a:rPr lang="en-US" dirty="0" smtClean="0"/>
-              <a:t>;…	release</a:t>
+              <a:t>request(</a:t>
+            </a:r>
+            <a:r>
+              <a:rPr lang="en-US" dirty="0" smtClean="0"/>
+              <a:t>R1,R2);…		release</a:t>
             </a:r>
             <a:r>
               <a:rPr lang="en-US" dirty="0"/>
-              <a:t>(R1</a:t>
-            </a:r>
-            <a:r>
-              <a:rPr lang="en-US" dirty="0" smtClean="0"/>
-              <a:t>); request</a:t>
-            </a:r>
-            <a:r>
-              <a:rPr lang="en-US" dirty="0"/>
-              <a:t>(R2)</a:t>
-            </a:r>
-            <a:r>
-              <a:rPr lang="en-US" dirty="0" smtClean="0"/>
-              <a:t>;…	release</a:t>
-            </a:r>
-            <a:r>
-              <a:rPr lang="en-US" dirty="0"/>
-              <a:t>(R2</a:t>
-            </a:r>
-            <a:r>
-              <a:rPr lang="en-US" dirty="0" smtClean="0"/>
-              <a:t>);</a:t>
+              <a:t>(</a:t>
+            </a:r>
+            <a:r>
+              <a:rPr lang="en-US" dirty="0" smtClean="0"/>
+              <a:t>R1,R2);</a:t>
             </a:r>
             <a:endParaRPr lang="en-US" dirty="0"/>
           </a:p>
@@ -10849,11 +11355,11 @@
             <a:pPr algn="l"/>
             <a:r>
               <a:rPr lang="en-US" dirty="0"/>
-              <a:t>request(</a:t>
-            </a:r>
-            <a:r>
-              <a:rPr lang="en-US" dirty="0" smtClean="0"/>
-              <a:t>R2)</a:t>
+              <a:t>request</a:t>
+            </a:r>
+            <a:r>
+              <a:rPr lang="en-US" dirty="0" smtClean="0"/>
+              <a:t>(R1,R2)</a:t>
             </a:r>
             <a:r>
               <a:rPr lang="en-US" dirty="0"/>
@@ -10861,15 +11367,7 @@
             </a:r>
             <a:r>
               <a:rPr lang="en-US" dirty="0" smtClean="0"/>
-              <a:t>.		</a:t>
-            </a:r>
-            <a:r>
-              <a:rPr lang="en-US" dirty="0"/>
-              <a:t>release(R2)</a:t>
-            </a:r>
-            <a:r>
-              <a:rPr lang="en-US" dirty="0" smtClean="0"/>
-              <a:t>; request</a:t>
+              <a:t>.			release</a:t>
             </a:r>
             <a:r>
               <a:rPr lang="en-US" dirty="0"/>
@@ -10877,15 +11375,7 @@
             </a:r>
             <a:r>
               <a:rPr lang="en-US" dirty="0" smtClean="0"/>
-              <a:t>R1);	release</a:t>
-            </a:r>
-            <a:r>
-              <a:rPr lang="en-US" dirty="0"/>
-              <a:t>(R1)</a:t>
-            </a:r>
-            <a:r>
-              <a:rPr lang="en-US" dirty="0" smtClean="0"/>
-              <a:t>;</a:t>
+              <a:t>R2,R1); </a:t>
             </a:r>
             <a:endParaRPr lang="en-US" dirty="0"/>
           </a:p>
@@ -10907,9 +11397,10 @@
           <a:lstStyle/>
           <a:p>
             <a:r>
-              <a:rPr lang="en-US" dirty="0"/>
-              <a:t>Release Before Request</a:t>
-            </a:r>
+              <a:rPr lang="en-US" dirty="0" smtClean="0"/>
+              <a:t>Request ALL At once</a:t>
+            </a:r>
+            <a:endParaRPr lang="en-US" dirty="0"/>
           </a:p>
         </p:txBody>
       </p:sp>
@@ -10921,7 +11412,7 @@
         </p:nvSpPr>
         <p:spPr>
           <a:xfrm>
-            <a:off x="1598825" y="2540307"/>
+            <a:off x="1978193" y="2886714"/>
             <a:ext cx="2144253" cy="329910"/>
           </a:xfrm>
           <a:prstGeom prst="rect">
@@ -10966,7 +11457,7 @@
         </p:nvSpPr>
         <p:spPr>
           <a:xfrm>
-            <a:off x="5520505" y="2540307"/>
+            <a:off x="1978193" y="3348586"/>
             <a:ext cx="2144253" cy="329910"/>
           </a:xfrm>
           <a:prstGeom prst="rect">
@@ -11008,7 +11499,7 @@
         </p:nvSpPr>
         <p:spPr>
           <a:xfrm>
-            <a:off x="1598825" y="5002075"/>
+            <a:off x="1978193" y="5546427"/>
             <a:ext cx="2144253" cy="329910"/>
           </a:xfrm>
           <a:prstGeom prst="rect">
@@ -11050,7 +11541,7 @@
         </p:nvSpPr>
         <p:spPr>
           <a:xfrm>
-            <a:off x="5520505" y="5002075"/>
+            <a:off x="1978193" y="5018571"/>
             <a:ext cx="2144253" cy="329910"/>
           </a:xfrm>
           <a:prstGeom prst="rect">
@@ -11090,7 +11581,7 @@
     </p:spTree>
     <p:extLst>
       <p:ext uri="{BB962C8B-B14F-4D97-AF65-F5344CB8AC3E}">
-        <p14:creationId xmlns:p14="http://schemas.microsoft.com/office/powerpoint/2010/main" val="1963981522"/>
+        <p14:creationId xmlns:p14="http://schemas.microsoft.com/office/powerpoint/2010/main" val="1598377104"/>
       </p:ext>
     </p:extLst>
   </p:cSld>
@@ -11705,7 +12196,7 @@
     </p:spTree>
     <p:extLst>
       <p:ext uri="{BB962C8B-B14F-4D97-AF65-F5344CB8AC3E}">
-        <p14:creationId xmlns:p14="http://schemas.microsoft.com/office/powerpoint/2010/main" val="3001198350"/>
+        <p14:creationId xmlns:p14="http://schemas.microsoft.com/office/powerpoint/2010/main" val="3188510066"/>
       </p:ext>
     </p:extLst>
   </p:cSld>
@@ -11754,90 +12245,109 @@
           <a:bodyPr/>
           <a:lstStyle/>
           <a:p>
-            <a:pPr marL="342900" indent="-342900">
-              <a:buFont typeface="Arial"/>
-              <a:buChar char="•"/>
-            </a:pPr>
-            <a:r>
-              <a:rPr lang="en-US" dirty="0" smtClean="0"/>
-              <a:t>Convoy is created.</a:t>
-            </a:r>
-          </a:p>
-          <a:p>
-            <a:pPr marL="342900" indent="-342900">
-              <a:buFont typeface="Arial"/>
-              <a:buChar char="•"/>
-            </a:pPr>
-            <a:r>
-              <a:rPr lang="en-US" dirty="0" smtClean="0"/>
-              <a:t>Serializes the processing.</a:t>
-            </a:r>
-          </a:p>
-          <a:p>
-            <a:pPr marL="342900" indent="-342900">
-              <a:buFont typeface="Arial"/>
-              <a:buChar char="•"/>
-            </a:pPr>
-            <a:r>
-              <a:rPr lang="en-US" dirty="0" smtClean="0"/>
-              <a:t>Slows down High priority threads.</a:t>
-            </a:r>
-          </a:p>
-          <a:p>
-            <a:pPr marL="342900" indent="-342900">
-              <a:buFont typeface="Arial"/>
-              <a:buChar char="•"/>
-            </a:pPr>
+            <a:pPr algn="l"/>
+            <a:r>
+              <a:rPr lang="en-US" dirty="0"/>
+              <a:t>Process P1:</a:t>
+            </a:r>
+          </a:p>
+          <a:p>
+            <a:pPr algn="l"/>
+            <a:r>
+              <a:rPr lang="en-US" dirty="0"/>
+              <a:t>request(R1)</a:t>
+            </a:r>
+            <a:r>
+              <a:rPr lang="en-US" dirty="0" smtClean="0"/>
+              <a:t>;…	release</a:t>
+            </a:r>
+            <a:r>
+              <a:rPr lang="en-US" dirty="0"/>
+              <a:t>(R1</a:t>
+            </a:r>
+            <a:r>
+              <a:rPr lang="en-US" dirty="0" smtClean="0"/>
+              <a:t>); request</a:t>
+            </a:r>
+            <a:r>
+              <a:rPr lang="en-US" dirty="0"/>
+              <a:t>(R2)</a:t>
+            </a:r>
+            <a:r>
+              <a:rPr lang="en-US" dirty="0" smtClean="0"/>
+              <a:t>;…	release</a:t>
+            </a:r>
+            <a:r>
+              <a:rPr lang="en-US" dirty="0"/>
+              <a:t>(R2</a:t>
+            </a:r>
+            <a:r>
+              <a:rPr lang="en-US" dirty="0" smtClean="0"/>
+              <a:t>);</a:t>
+            </a:r>
             <a:endParaRPr lang="en-US" dirty="0"/>
           </a:p>
           <a:p>
-            <a:r>
-              <a:rPr lang="en-US" dirty="0" smtClean="0"/>
-              <a:t>Solution</a:t>
-            </a:r>
-          </a:p>
-          <a:p>
-            <a:pPr marL="342900" indent="-342900">
-              <a:buFont typeface="Arial"/>
-              <a:buChar char="•"/>
-            </a:pPr>
-            <a:r>
-              <a:rPr lang="en-US" dirty="0" smtClean="0"/>
-              <a:t>Priority Inversion</a:t>
-            </a:r>
-          </a:p>
-          <a:p>
-            <a:pPr marL="342900" indent="-342900">
-              <a:buFont typeface="Arial"/>
-              <a:buChar char="•"/>
-            </a:pPr>
-            <a:r>
-              <a:rPr lang="en-US" dirty="0" smtClean="0"/>
-              <a:t>Replicating the resource.</a:t>
-            </a:r>
-          </a:p>
-          <a:p>
-            <a:pPr marL="342900" indent="-342900">
-              <a:buFont typeface="Arial"/>
-              <a:buChar char="•"/>
-            </a:pPr>
-            <a:r>
-              <a:rPr lang="en-US" dirty="0" smtClean="0"/>
-              <a:t>Partitioning the resource</a:t>
-            </a:r>
-          </a:p>
-          <a:p>
-            <a:pPr marL="342900" indent="-342900">
-              <a:buFont typeface="Arial"/>
-              <a:buChar char="•"/>
-            </a:pPr>
-            <a:endParaRPr lang="en-US" dirty="0" smtClean="0"/>
-          </a:p>
-          <a:p>
-            <a:pPr marL="342900" indent="-342900">
-              <a:buFont typeface="Arial"/>
-              <a:buChar char="•"/>
-            </a:pPr>
+            <a:pPr algn="l"/>
+            <a:endParaRPr lang="en-US" dirty="0"/>
+          </a:p>
+          <a:p>
+            <a:pPr algn="l"/>
+            <a:endParaRPr lang="en-US" dirty="0"/>
+          </a:p>
+          <a:p>
+            <a:pPr algn="l"/>
+            <a:endParaRPr lang="en-US" dirty="0"/>
+          </a:p>
+          <a:p>
+            <a:pPr algn="l"/>
+            <a:r>
+              <a:rPr lang="en-US" dirty="0"/>
+              <a:t>Process P2:</a:t>
+            </a:r>
+          </a:p>
+          <a:p>
+            <a:pPr algn="l"/>
+            <a:r>
+              <a:rPr lang="en-US" dirty="0"/>
+              <a:t>request(</a:t>
+            </a:r>
+            <a:r>
+              <a:rPr lang="en-US" dirty="0" smtClean="0"/>
+              <a:t>R2)</a:t>
+            </a:r>
+            <a:r>
+              <a:rPr lang="en-US" dirty="0"/>
+              <a:t>;..</a:t>
+            </a:r>
+            <a:r>
+              <a:rPr lang="en-US" dirty="0" smtClean="0"/>
+              <a:t>.		</a:t>
+            </a:r>
+            <a:r>
+              <a:rPr lang="en-US" dirty="0"/>
+              <a:t>release(R2)</a:t>
+            </a:r>
+            <a:r>
+              <a:rPr lang="en-US" dirty="0" smtClean="0"/>
+              <a:t>; request</a:t>
+            </a:r>
+            <a:r>
+              <a:rPr lang="en-US" dirty="0"/>
+              <a:t>(</a:t>
+            </a:r>
+            <a:r>
+              <a:rPr lang="en-US" dirty="0" smtClean="0"/>
+              <a:t>R1);	release</a:t>
+            </a:r>
+            <a:r>
+              <a:rPr lang="en-US" dirty="0"/>
+              <a:t>(R1)</a:t>
+            </a:r>
+            <a:r>
+              <a:rPr lang="en-US" dirty="0" smtClean="0"/>
+              <a:t>;</a:t>
+            </a:r>
             <a:endParaRPr lang="en-US" dirty="0"/>
           </a:p>
         </p:txBody>
@@ -11858,8 +12368,181 @@
           <a:lstStyle/>
           <a:p>
             <a:r>
-              <a:rPr lang="en-US" dirty="0" smtClean="0"/>
-              <a:t>Heavily contended locks</a:t>
+              <a:rPr lang="en-US" dirty="0"/>
+              <a:t>Release Before Request</a:t>
+            </a:r>
+          </a:p>
+        </p:txBody>
+      </p:sp>
+      <p:sp>
+        <p:nvSpPr>
+          <p:cNvPr id="4" name="Rectangle 3"/>
+          <p:cNvSpPr/>
+          <p:nvPr/>
+        </p:nvSpPr>
+        <p:spPr>
+          <a:xfrm>
+            <a:off x="1598825" y="2540307"/>
+            <a:ext cx="2144253" cy="329910"/>
+          </a:xfrm>
+          <a:prstGeom prst="rect">
+            <a:avLst/>
+          </a:prstGeom>
+          <a:solidFill>
+            <a:srgbClr val="FF0000"/>
+          </a:solidFill>
+        </p:spPr>
+        <p:style>
+          <a:lnRef idx="1">
+            <a:schemeClr val="accent1"/>
+          </a:lnRef>
+          <a:fillRef idx="3">
+            <a:schemeClr val="accent1"/>
+          </a:fillRef>
+          <a:effectRef idx="2">
+            <a:schemeClr val="accent1"/>
+          </a:effectRef>
+          <a:fontRef idx="minor">
+            <a:schemeClr val="lt1"/>
+          </a:fontRef>
+        </p:style>
+        <p:txBody>
+          <a:bodyPr rtlCol="0" anchor="ctr"/>
+          <a:lstStyle/>
+          <a:p>
+            <a:pPr algn="ctr"/>
+            <a:r>
+              <a:rPr lang="en-US" dirty="0" smtClean="0"/>
+              <a:t>R1 Critical Section</a:t>
+            </a:r>
+            <a:endParaRPr lang="en-US" dirty="0"/>
+          </a:p>
+        </p:txBody>
+      </p:sp>
+      <p:sp>
+        <p:nvSpPr>
+          <p:cNvPr id="5" name="Rectangle 4"/>
+          <p:cNvSpPr/>
+          <p:nvPr/>
+        </p:nvSpPr>
+        <p:spPr>
+          <a:xfrm>
+            <a:off x="5520505" y="2540307"/>
+            <a:ext cx="2144253" cy="329910"/>
+          </a:xfrm>
+          <a:prstGeom prst="rect">
+            <a:avLst/>
+          </a:prstGeom>
+        </p:spPr>
+        <p:style>
+          <a:lnRef idx="1">
+            <a:schemeClr val="accent1"/>
+          </a:lnRef>
+          <a:fillRef idx="3">
+            <a:schemeClr val="accent1"/>
+          </a:fillRef>
+          <a:effectRef idx="2">
+            <a:schemeClr val="accent1"/>
+          </a:effectRef>
+          <a:fontRef idx="minor">
+            <a:schemeClr val="lt1"/>
+          </a:fontRef>
+        </p:style>
+        <p:txBody>
+          <a:bodyPr rtlCol="0" anchor="ctr"/>
+          <a:lstStyle/>
+          <a:p>
+            <a:pPr algn="ctr"/>
+            <a:r>
+              <a:rPr lang="en-US" dirty="0" smtClean="0"/>
+              <a:t>R2 Critical Section</a:t>
+            </a:r>
+            <a:endParaRPr lang="en-US" dirty="0"/>
+          </a:p>
+        </p:txBody>
+      </p:sp>
+      <p:sp>
+        <p:nvSpPr>
+          <p:cNvPr id="6" name="Rectangle 5"/>
+          <p:cNvSpPr/>
+          <p:nvPr/>
+        </p:nvSpPr>
+        <p:spPr>
+          <a:xfrm>
+            <a:off x="1598825" y="5002075"/>
+            <a:ext cx="2144253" cy="329910"/>
+          </a:xfrm>
+          <a:prstGeom prst="rect">
+            <a:avLst/>
+          </a:prstGeom>
+        </p:spPr>
+        <p:style>
+          <a:lnRef idx="1">
+            <a:schemeClr val="accent1"/>
+          </a:lnRef>
+          <a:fillRef idx="3">
+            <a:schemeClr val="accent1"/>
+          </a:fillRef>
+          <a:effectRef idx="2">
+            <a:schemeClr val="accent1"/>
+          </a:effectRef>
+          <a:fontRef idx="minor">
+            <a:schemeClr val="lt1"/>
+          </a:fontRef>
+        </p:style>
+        <p:txBody>
+          <a:bodyPr rtlCol="0" anchor="ctr"/>
+          <a:lstStyle/>
+          <a:p>
+            <a:pPr algn="ctr"/>
+            <a:r>
+              <a:rPr lang="en-US" dirty="0" smtClean="0"/>
+              <a:t>R2 Critical Section</a:t>
+            </a:r>
+            <a:endParaRPr lang="en-US" dirty="0"/>
+          </a:p>
+        </p:txBody>
+      </p:sp>
+      <p:sp>
+        <p:nvSpPr>
+          <p:cNvPr id="7" name="Rectangle 6"/>
+          <p:cNvSpPr/>
+          <p:nvPr/>
+        </p:nvSpPr>
+        <p:spPr>
+          <a:xfrm>
+            <a:off x="5520505" y="5002075"/>
+            <a:ext cx="2144253" cy="329910"/>
+          </a:xfrm>
+          <a:prstGeom prst="rect">
+            <a:avLst/>
+          </a:prstGeom>
+          <a:solidFill>
+            <a:srgbClr val="FF0000"/>
+          </a:solidFill>
+        </p:spPr>
+        <p:style>
+          <a:lnRef idx="1">
+            <a:schemeClr val="accent1"/>
+          </a:lnRef>
+          <a:fillRef idx="3">
+            <a:schemeClr val="accent1"/>
+          </a:fillRef>
+          <a:effectRef idx="2">
+            <a:schemeClr val="accent1"/>
+          </a:effectRef>
+          <a:fontRef idx="minor">
+            <a:schemeClr val="lt1"/>
+          </a:fontRef>
+        </p:style>
+        <p:txBody>
+          <a:bodyPr rtlCol="0" anchor="ctr"/>
+          <a:lstStyle/>
+          <a:p>
+            <a:pPr algn="ctr"/>
+            <a:r>
+              <a:rPr lang="en-US" dirty="0" smtClean="0"/>
+              <a:t>R1 Critical Section</a:t>
             </a:r>
             <a:endParaRPr lang="en-US" dirty="0"/>
           </a:p>
@@ -11868,7 +12551,7 @@
     </p:spTree>
     <p:extLst>
       <p:ext uri="{BB962C8B-B14F-4D97-AF65-F5344CB8AC3E}">
-        <p14:creationId xmlns:p14="http://schemas.microsoft.com/office/powerpoint/2010/main" val="1462588398"/>
+        <p14:creationId xmlns:p14="http://schemas.microsoft.com/office/powerpoint/2010/main" val="1963981522"/>
       </p:ext>
     </p:extLst>
   </p:cSld>
@@ -11904,12 +12587,12 @@
       </p:grpSpPr>
       <p:sp>
         <p:nvSpPr>
-          <p:cNvPr id="3" name="Subtitle 2"/>
+          <p:cNvPr id="2" name="Content Placeholder 1"/>
           <p:cNvSpPr>
             <a:spLocks noGrp="1"/>
           </p:cNvSpPr>
           <p:nvPr>
-            <p:ph type="subTitle" idx="1"/>
+            <p:ph sz="quarter" idx="13"/>
           </p:nvPr>
         </p:nvSpPr>
         <p:spPr/>
@@ -11917,17 +12600,97 @@
           <a:bodyPr/>
           <a:lstStyle/>
           <a:p>
-            <a:r>
-              <a:rPr lang="en-US" dirty="0" smtClean="0"/>
-              <a:t>DEMO</a:t>
-            </a:r>
+            <a:pPr marL="342900" indent="-342900">
+              <a:buFont typeface="Arial"/>
+              <a:buChar char="•"/>
+            </a:pPr>
+            <a:r>
+              <a:rPr lang="en-US" dirty="0" smtClean="0"/>
+              <a:t>Convoy is created.</a:t>
+            </a:r>
+          </a:p>
+          <a:p>
+            <a:pPr marL="342900" indent="-342900">
+              <a:buFont typeface="Arial"/>
+              <a:buChar char="•"/>
+            </a:pPr>
+            <a:r>
+              <a:rPr lang="en-US" dirty="0" smtClean="0"/>
+              <a:t>Serializes the processing.</a:t>
+            </a:r>
+          </a:p>
+          <a:p>
+            <a:pPr marL="342900" indent="-342900">
+              <a:buFont typeface="Arial"/>
+              <a:buChar char="•"/>
+            </a:pPr>
+            <a:r>
+              <a:rPr lang="en-US" dirty="0" smtClean="0"/>
+              <a:t>Slows down High priority threads.</a:t>
+            </a:r>
+          </a:p>
+          <a:p>
+            <a:pPr marL="342900" indent="-342900">
+              <a:buFont typeface="Arial"/>
+              <a:buChar char="•"/>
+            </a:pPr>
             <a:endParaRPr lang="en-US" dirty="0"/>
           </a:p>
+          <a:p>
+            <a:r>
+              <a:rPr lang="en-US" dirty="0" smtClean="0"/>
+              <a:t>Solution</a:t>
+            </a:r>
+          </a:p>
+          <a:p>
+            <a:pPr marL="342900" indent="-342900">
+              <a:buFont typeface="Arial"/>
+              <a:buChar char="•"/>
+            </a:pPr>
+            <a:r>
+              <a:rPr lang="en-US" dirty="0" smtClean="0"/>
+              <a:t>Priority Inversion</a:t>
+            </a:r>
+          </a:p>
+          <a:p>
+            <a:pPr marL="342900" indent="-342900">
+              <a:buFont typeface="Arial"/>
+              <a:buChar char="•"/>
+            </a:pPr>
+            <a:r>
+              <a:rPr lang="en-US" dirty="0" smtClean="0"/>
+              <a:t>Replicating the resource.</a:t>
+            </a:r>
+          </a:p>
+          <a:p>
+            <a:pPr marL="342900" indent="-342900">
+              <a:buFont typeface="Arial"/>
+              <a:buChar char="•"/>
+            </a:pPr>
+            <a:r>
+              <a:rPr lang="en-US" dirty="0" smtClean="0"/>
+              <a:t>Partitioning the resource</a:t>
+            </a:r>
+          </a:p>
+          <a:p>
+            <a:pPr marL="342900" indent="-342900">
+              <a:buFont typeface="Arial"/>
+              <a:buChar char="•"/>
+            </a:pPr>
+            <a:endParaRPr lang="en-US" dirty="0" smtClean="0"/>
+          </a:p>
+          <a:p>
+            <a:pPr marL="342900" indent="-342900">
+              <a:buFont typeface="Arial"/>
+              <a:buChar char="•"/>
+            </a:pPr>
+            <a:endParaRPr lang="en-US" dirty="0"/>
+          </a:p>
         </p:txBody>
       </p:sp>
       <p:sp>
         <p:nvSpPr>
-          <p:cNvPr id="2" name="Title 1"/>
+          <p:cNvPr id="3" name="Title 2"/>
           <p:cNvSpPr>
             <a:spLocks noGrp="1"/>
           </p:cNvSpPr>
@@ -11937,22 +12700,21 @@
         </p:nvSpPr>
         <p:spPr/>
         <p:txBody>
-          <a:bodyPr>
-            <a:normAutofit fontScale="90000"/>
-          </a:bodyPr>
+          <a:bodyPr/>
           <a:lstStyle/>
           <a:p>
             <a:r>
-              <a:rPr lang="en-US" dirty="0"/>
+              <a:rPr lang="en-US" dirty="0" smtClean="0"/>
               <a:t>Heavily contended locks</a:t>
             </a:r>
+            <a:endParaRPr lang="en-US" dirty="0"/>
           </a:p>
         </p:txBody>
       </p:sp>
     </p:spTree>
     <p:extLst>
       <p:ext uri="{BB962C8B-B14F-4D97-AF65-F5344CB8AC3E}">
-        <p14:creationId xmlns:p14="http://schemas.microsoft.com/office/powerpoint/2010/main" val="2590666726"/>
+        <p14:creationId xmlns:p14="http://schemas.microsoft.com/office/powerpoint/2010/main" val="1462588398"/>
       </p:ext>
     </p:extLst>
   </p:cSld>
@@ -12165,80 +12927,30 @@
       </p:grpSpPr>
       <p:sp>
         <p:nvSpPr>
-          <p:cNvPr id="2" name="Content Placeholder 1"/>
+          <p:cNvPr id="3" name="Subtitle 2"/>
           <p:cNvSpPr>
             <a:spLocks noGrp="1"/>
           </p:cNvSpPr>
           <p:nvPr>
-            <p:ph sz="quarter" idx="13"/>
+            <p:ph type="subTitle" idx="1"/>
           </p:nvPr>
         </p:nvSpPr>
         <p:spPr/>
         <p:txBody>
-          <a:bodyPr>
-            <a:normAutofit/>
-          </a:bodyPr>
+          <a:bodyPr/>
           <a:lstStyle/>
           <a:p>
             <a:r>
               <a:rPr lang="en-US" dirty="0" smtClean="0"/>
-              <a:t>1). Students play with the app</a:t>
-            </a:r>
-          </a:p>
-          <a:p>
-            <a:r>
-              <a:rPr lang="en-US" dirty="0" smtClean="0"/>
-              <a:t>2). Quiz</a:t>
-            </a:r>
-          </a:p>
-          <a:p>
-            <a:r>
-              <a:rPr lang="en-US" dirty="0" smtClean="0"/>
-              <a:t>3). Survey to collect feedback</a:t>
-            </a:r>
-          </a:p>
-          <a:p>
-            <a:pPr algn="l"/>
+              <a:t>DEMO</a:t>
+            </a:r>
             <a:endParaRPr lang="en-US" dirty="0"/>
           </a:p>
-          <a:p>
-            <a:pPr algn="l"/>
-            <a:r>
-              <a:rPr lang="en-US" dirty="0" smtClean="0"/>
-              <a:t>To determine:</a:t>
-            </a:r>
-            <a:r>
-              <a:rPr lang="en-US" dirty="0"/>
-              <a:t>	</a:t>
-            </a:r>
-            <a:endParaRPr lang="en-US" dirty="0" smtClean="0"/>
-          </a:p>
-          <a:p>
-            <a:pPr algn="l"/>
-            <a:r>
-              <a:rPr lang="en-US" sz="2000" dirty="0" smtClean="0"/>
-              <a:t>1). Usability.</a:t>
-            </a:r>
-          </a:p>
-          <a:p>
-            <a:pPr algn="l"/>
-            <a:r>
-              <a:rPr lang="en-US" sz="2000" dirty="0" smtClean="0"/>
-              <a:t>2). Interactivity.</a:t>
-            </a:r>
-          </a:p>
-          <a:p>
-            <a:pPr algn="l"/>
-            <a:r>
-              <a:rPr lang="en-US" sz="2000" dirty="0" smtClean="0"/>
-              <a:t>3). Students’ understanding in the 3 pitfalls</a:t>
-            </a:r>
-          </a:p>
         </p:txBody>
       </p:sp>
       <p:sp>
         <p:nvSpPr>
-          <p:cNvPr id="3" name="Title 2"/>
+          <p:cNvPr id="2" name="Title 1"/>
           <p:cNvSpPr>
             <a:spLocks noGrp="1"/>
           </p:cNvSpPr>
@@ -12248,21 +12960,22 @@
         </p:nvSpPr>
         <p:spPr/>
         <p:txBody>
-          <a:bodyPr/>
+          <a:bodyPr>
+            <a:normAutofit fontScale="90000"/>
+          </a:bodyPr>
           <a:lstStyle/>
           <a:p>
             <a:r>
-              <a:rPr lang="en-US" dirty="0" smtClean="0"/>
-              <a:t>evaluation</a:t>
-            </a:r>
-            <a:endParaRPr lang="en-US" dirty="0"/>
+              <a:rPr lang="en-US" dirty="0"/>
+              <a:t>Heavily contended locks</a:t>
+            </a:r>
           </a:p>
         </p:txBody>
       </p:sp>
     </p:spTree>
     <p:extLst>
       <p:ext uri="{BB962C8B-B14F-4D97-AF65-F5344CB8AC3E}">
-        <p14:creationId xmlns:p14="http://schemas.microsoft.com/office/powerpoint/2010/main" val="1649624774"/>
+        <p14:creationId xmlns:p14="http://schemas.microsoft.com/office/powerpoint/2010/main" val="2590666726"/>
       </p:ext>
     </p:extLst>
   </p:cSld>
@@ -12308,110 +13021,64 @@
         </p:nvSpPr>
         <p:spPr/>
         <p:txBody>
-          <a:bodyPr/>
+          <a:bodyPr>
+            <a:normAutofit/>
+          </a:bodyPr>
           <a:lstStyle/>
           <a:p>
-            <a:pPr marL="342900" indent="-342900">
-              <a:buFont typeface="Arial"/>
-              <a:buChar char="•"/>
-            </a:pPr>
-            <a:r>
-              <a:rPr lang="en-US" dirty="0" smtClean="0"/>
-              <a:t>Usability:		</a:t>
-            </a:r>
-            <a:r>
-              <a:rPr lang="en-US" dirty="0" smtClean="0"/>
-              <a:t>6/6 students agreed that it is easy to use.</a:t>
+            <a:r>
+              <a:rPr lang="en-US" dirty="0" smtClean="0"/>
+              <a:t>1). Students play with the app</a:t>
+            </a:r>
+          </a:p>
+          <a:p>
+            <a:r>
+              <a:rPr lang="en-US" dirty="0" smtClean="0"/>
+              <a:t>2). Quiz</a:t>
+            </a:r>
+          </a:p>
+          <a:p>
+            <a:r>
+              <a:rPr lang="en-US" dirty="0" smtClean="0"/>
+              <a:t>3). Survey to collect feedback</a:t>
+            </a:r>
+          </a:p>
+          <a:p>
+            <a:pPr algn="l"/>
+            <a:endParaRPr lang="en-US" dirty="0"/>
+          </a:p>
+          <a:p>
+            <a:pPr algn="l"/>
+            <a:r>
+              <a:rPr lang="en-US" dirty="0" smtClean="0"/>
+              <a:t>To determine:</a:t>
+            </a:r>
+            <a:r>
+              <a:rPr lang="en-US" dirty="0"/>
+              <a:t>	</a:t>
             </a:r>
             <a:endParaRPr lang="en-US" dirty="0" smtClean="0"/>
           </a:p>
           <a:p>
-            <a:pPr marL="342900" indent="-342900">
-              <a:buFont typeface="Arial"/>
-              <a:buChar char="•"/>
-            </a:pPr>
-            <a:endParaRPr lang="en-US" dirty="0" smtClean="0"/>
-          </a:p>
-          <a:p>
-            <a:pPr marL="342900" indent="-342900">
-              <a:buFont typeface="Arial"/>
-              <a:buChar char="•"/>
-            </a:pPr>
-            <a:r>
-              <a:rPr lang="en-US" dirty="0" smtClean="0"/>
-              <a:t>Interactivity:	</a:t>
-            </a:r>
-            <a:r>
-              <a:rPr lang="en-US" dirty="0" smtClean="0"/>
-              <a:t>4/6 </a:t>
-            </a:r>
-            <a:r>
-              <a:rPr lang="en-US" dirty="0" smtClean="0"/>
-              <a:t>like </a:t>
-            </a:r>
-            <a:r>
-              <a:rPr lang="en-US" dirty="0" smtClean="0"/>
-              <a:t>the way they interact with the pitfalls</a:t>
-            </a:r>
-          </a:p>
-          <a:p>
-            <a:pPr marL="342900" indent="-342900">
-              <a:buFont typeface="Arial"/>
-              <a:buChar char="•"/>
-            </a:pPr>
-            <a:endParaRPr lang="en-US" dirty="0"/>
-          </a:p>
-          <a:p>
-            <a:pPr marL="342900" indent="-342900">
-              <a:buFont typeface="Arial"/>
-              <a:buChar char="•"/>
-            </a:pPr>
-            <a:r>
-              <a:rPr lang="en-US" dirty="0" smtClean="0"/>
-              <a:t>Student understanding: 	</a:t>
-            </a:r>
-            <a:r>
-              <a:rPr lang="en-US" dirty="0"/>
-              <a:t>5</a:t>
-            </a:r>
-            <a:r>
-              <a:rPr lang="en-US" dirty="0" smtClean="0"/>
-              <a:t>/</a:t>
-            </a:r>
-            <a:r>
-              <a:rPr lang="en-US" dirty="0"/>
-              <a:t>6</a:t>
-            </a:r>
-            <a:r>
-              <a:rPr lang="en-US" dirty="0" smtClean="0"/>
-              <a:t> Students </a:t>
-            </a:r>
-            <a:r>
-              <a:rPr lang="en-US" dirty="0"/>
-              <a:t>answered all questions correctly </a:t>
-            </a:r>
-            <a:r>
-              <a:rPr lang="en-US" dirty="0" smtClean="0"/>
-              <a:t>.</a:t>
-            </a:r>
-          </a:p>
-          <a:p>
-            <a:pPr marL="342900" indent="-342900">
-              <a:buFont typeface="Arial"/>
-              <a:buChar char="•"/>
-            </a:pPr>
-            <a:endParaRPr lang="en-US" dirty="0" smtClean="0"/>
-          </a:p>
-          <a:p>
-            <a:pPr marL="342900" indent="-342900">
-              <a:buFont typeface="Arial"/>
-              <a:buChar char="•"/>
-            </a:pPr>
-            <a:r>
-              <a:rPr lang="en-US" dirty="0" smtClean="0"/>
-              <a:t>Nasser suggests that </a:t>
-            </a:r>
-            <a:endParaRPr lang="en-US" dirty="0"/>
+            <a:pPr algn="l"/>
+            <a:r>
+              <a:rPr lang="en-US" sz="2000" dirty="0" smtClean="0"/>
+              <a:t>1). Usability.</a:t>
+            </a:r>
+          </a:p>
+          <a:p>
+            <a:pPr algn="l"/>
+            <a:r>
+              <a:rPr lang="en-US" sz="2000" dirty="0" smtClean="0"/>
+              <a:t>2). Interactivity.</a:t>
+            </a:r>
+          </a:p>
+          <a:p>
+            <a:pPr algn="l"/>
+            <a:r>
+              <a:rPr lang="en-US" sz="2000" dirty="0" smtClean="0"/>
+              <a:t>3). Students’ understanding in the 3 pitfalls</a:t>
+            </a:r>
           </a:p>
         </p:txBody>
       </p:sp>
@@ -12432,7 +13099,7 @@
           <a:p>
             <a:r>
               <a:rPr lang="en-US" dirty="0" smtClean="0"/>
-              <a:t>Results</a:t>
+              <a:t>evaluation</a:t>
             </a:r>
             <a:endParaRPr lang="en-US" dirty="0"/>
           </a:p>
@@ -12441,7 +13108,7 @@
     </p:spTree>
     <p:extLst>
       <p:ext uri="{BB962C8B-B14F-4D97-AF65-F5344CB8AC3E}">
-        <p14:creationId xmlns:p14="http://schemas.microsoft.com/office/powerpoint/2010/main" val="4085540163"/>
+        <p14:creationId xmlns:p14="http://schemas.microsoft.com/office/powerpoint/2010/main" val="1649624774"/>
       </p:ext>
     </p:extLst>
   </p:cSld>
@@ -12487,121 +13154,93 @@
         </p:nvSpPr>
         <p:spPr/>
         <p:txBody>
-          <a:bodyPr>
-            <a:normAutofit lnSpcReduction="10000"/>
-          </a:bodyPr>
+          <a:bodyPr/>
           <a:lstStyle/>
           <a:p>
-            <a:pPr algn="l"/>
-            <a:r>
-              <a:rPr lang="en-US" dirty="0" smtClean="0"/>
-              <a:t>Challenges:</a:t>
-            </a:r>
-          </a:p>
-          <a:p>
-            <a:pPr marL="342900" indent="-342900" algn="l">
+            <a:pPr marL="342900" indent="-342900">
               <a:buFont typeface="Arial"/>
               <a:buChar char="•"/>
             </a:pPr>
             <a:r>
               <a:rPr lang="en-US" dirty="0" smtClean="0"/>
-              <a:t>Support </a:t>
-            </a:r>
-            <a:r>
-              <a:rPr lang="en-US" dirty="0" smtClean="0"/>
-              <a:t>multiple browser</a:t>
-            </a:r>
-          </a:p>
-          <a:p>
-            <a:pPr algn="l"/>
-            <a:endParaRPr lang="en-US" dirty="0"/>
-          </a:p>
-          <a:p>
-            <a:pPr algn="l"/>
-            <a:r>
-              <a:rPr lang="en-US" dirty="0" smtClean="0"/>
-              <a:t>Next Few </a:t>
-            </a:r>
-            <a:r>
-              <a:rPr lang="en-US" dirty="0"/>
-              <a:t>D</a:t>
-            </a:r>
-            <a:r>
-              <a:rPr lang="en-US" dirty="0" smtClean="0"/>
-              <a:t>ays:</a:t>
-            </a:r>
-            <a:endParaRPr lang="en-US" dirty="0" smtClean="0"/>
-          </a:p>
-          <a:p>
-            <a:pPr marL="342900" indent="-342900" algn="l">
+              <a:t>Usability:		6/6 students agreed that it is easy to use.</a:t>
+            </a:r>
+          </a:p>
+          <a:p>
+            <a:pPr marL="342900" indent="-342900">
               <a:buFont typeface="Arial"/>
               <a:buChar char="•"/>
             </a:pPr>
-            <a:r>
-              <a:rPr lang="en-US" dirty="0"/>
-              <a:t>S</a:t>
-            </a:r>
-            <a:r>
-              <a:rPr lang="en-US" dirty="0" smtClean="0"/>
-              <a:t>olve different browser compatibility</a:t>
-            </a:r>
-          </a:p>
-          <a:p>
-            <a:pPr marL="342900" indent="-342900" algn="l">
+            <a:endParaRPr lang="en-US" dirty="0" smtClean="0"/>
+          </a:p>
+          <a:p>
+            <a:pPr marL="342900" indent="-342900">
               <a:buFont typeface="Arial"/>
               <a:buChar char="•"/>
             </a:pPr>
             <a:r>
               <a:rPr lang="en-US" dirty="0" smtClean="0"/>
-              <a:t>Improve our implementation</a:t>
-            </a:r>
-            <a:endParaRPr lang="en-US" dirty="0" smtClean="0"/>
-          </a:p>
-          <a:p>
-            <a:pPr marL="342900" indent="-342900" algn="l">
+              <a:t>Interactivity:	4/6 like the way they interact with the pitfalls</a:t>
+            </a:r>
+          </a:p>
+          <a:p>
+            <a:pPr marL="342900" indent="-342900">
               <a:buFont typeface="Arial"/>
               <a:buChar char="•"/>
             </a:pPr>
-            <a:r>
-              <a:rPr lang="en-US" dirty="0"/>
-              <a:t>W</a:t>
-            </a:r>
-            <a:r>
-              <a:rPr lang="en-US" dirty="0" smtClean="0"/>
-              <a:t>rite report</a:t>
-            </a:r>
-          </a:p>
-          <a:p>
-            <a:pPr algn="l"/>
             <a:endParaRPr lang="en-US" dirty="0"/>
           </a:p>
           <a:p>
-            <a:pPr algn="l"/>
-            <a:r>
-              <a:rPr lang="en-US" dirty="0" smtClean="0"/>
-              <a:t>Extension:</a:t>
-            </a:r>
-          </a:p>
-          <a:p>
-            <a:pPr marL="342900" indent="-342900" algn="l">
+            <a:pPr marL="342900" indent="-342900">
               <a:buFont typeface="Arial"/>
               <a:buChar char="•"/>
             </a:pPr>
             <a:r>
               <a:rPr lang="en-US" dirty="0" smtClean="0"/>
-              <a:t>Incorporate solution to the pitfalls in our app </a:t>
-            </a:r>
-            <a:endParaRPr lang="en-US" dirty="0"/>
-          </a:p>
-          <a:p>
-            <a:pPr marL="342900" indent="-342900" algn="l">
+              <a:t>Student understanding: 	</a:t>
+            </a:r>
+            <a:r>
+              <a:rPr lang="en-US" dirty="0"/>
+              <a:t>5</a:t>
+            </a:r>
+            <a:r>
+              <a:rPr lang="en-US" dirty="0" smtClean="0"/>
+              <a:t>/</a:t>
+            </a:r>
+            <a:r>
+              <a:rPr lang="en-US" dirty="0"/>
+              <a:t>6</a:t>
+            </a:r>
+            <a:r>
+              <a:rPr lang="en-US" dirty="0" smtClean="0"/>
+              <a:t> Students </a:t>
+            </a:r>
+            <a:r>
+              <a:rPr lang="en-US" dirty="0"/>
+              <a:t>answered all questions correctly </a:t>
+            </a:r>
+            <a:r>
+              <a:rPr lang="en-US" dirty="0" smtClean="0"/>
+              <a:t>.</a:t>
+            </a:r>
+          </a:p>
+          <a:p>
+            <a:pPr marL="342900" indent="-342900">
               <a:buFont typeface="Arial"/>
               <a:buChar char="•"/>
             </a:pPr>
-            <a:r>
-              <a:rPr lang="en-US" dirty="0" smtClean="0"/>
-              <a:t>Extend the app to cover other pitfalls</a:t>
-            </a:r>
+            <a:endParaRPr lang="en-US" dirty="0" smtClean="0"/>
+          </a:p>
+          <a:p>
+            <a:pPr marL="342900" indent="-342900">
+              <a:buFont typeface="Arial"/>
+              <a:buChar char="•"/>
+            </a:pPr>
+            <a:r>
+              <a:rPr lang="en-US" dirty="0" smtClean="0"/>
+              <a:t>Nasser suggests that </a:t>
+            </a:r>
+            <a:endParaRPr lang="en-US" dirty="0"/>
           </a:p>
         </p:txBody>
       </p:sp>
@@ -12622,7 +13261,7 @@
           <a:p>
             <a:r>
               <a:rPr lang="en-US" dirty="0" smtClean="0"/>
-              <a:t>Challenges and future works</a:t>
+              <a:t>Results</a:t>
             </a:r>
             <a:endParaRPr lang="en-US" dirty="0"/>
           </a:p>
@@ -12631,13 +13270,20 @@
     </p:spTree>
     <p:extLst>
       <p:ext uri="{BB962C8B-B14F-4D97-AF65-F5344CB8AC3E}">
-        <p14:creationId xmlns:p14="http://schemas.microsoft.com/office/powerpoint/2010/main" val="2276343006"/>
+        <p14:creationId xmlns:p14="http://schemas.microsoft.com/office/powerpoint/2010/main" val="4085540163"/>
       </p:ext>
     </p:extLst>
   </p:cSld>
   <p:clrMapOvr>
     <a:masterClrMapping/>
   </p:clrMapOvr>
+  <p:timing>
+    <p:tnLst>
+      <p:par>
+        <p:cTn xmlns:p14="http://schemas.microsoft.com/office/powerpoint/2010/main" id="1" dur="indefinite" restart="never" nodeType="tmRoot"/>
+      </p:par>
+    </p:tnLst>
+  </p:timing>
 </p:sld>
 </file>
 
@@ -12668,6 +13314,183 @@
             <p:ph sz="quarter" idx="13"/>
           </p:nvPr>
         </p:nvSpPr>
+        <p:spPr/>
+        <p:txBody>
+          <a:bodyPr>
+            <a:normAutofit lnSpcReduction="10000"/>
+          </a:bodyPr>
+          <a:lstStyle/>
+          <a:p>
+            <a:pPr algn="l"/>
+            <a:r>
+              <a:rPr lang="en-US" dirty="0" smtClean="0"/>
+              <a:t>Challenges:</a:t>
+            </a:r>
+          </a:p>
+          <a:p>
+            <a:pPr marL="342900" indent="-342900" algn="l">
+              <a:buFont typeface="Arial"/>
+              <a:buChar char="•"/>
+            </a:pPr>
+            <a:r>
+              <a:rPr lang="en-US" dirty="0" smtClean="0"/>
+              <a:t>Support multiple browser</a:t>
+            </a:r>
+          </a:p>
+          <a:p>
+            <a:pPr algn="l"/>
+            <a:endParaRPr lang="en-US" dirty="0"/>
+          </a:p>
+          <a:p>
+            <a:pPr algn="l"/>
+            <a:r>
+              <a:rPr lang="en-US" dirty="0" smtClean="0"/>
+              <a:t>Next Few </a:t>
+            </a:r>
+            <a:r>
+              <a:rPr lang="en-US" dirty="0"/>
+              <a:t>D</a:t>
+            </a:r>
+            <a:r>
+              <a:rPr lang="en-US" dirty="0" smtClean="0"/>
+              <a:t>ays:</a:t>
+            </a:r>
+          </a:p>
+          <a:p>
+            <a:pPr marL="342900" indent="-342900" algn="l">
+              <a:buFont typeface="Arial"/>
+              <a:buChar char="•"/>
+            </a:pPr>
+            <a:r>
+              <a:rPr lang="en-US" dirty="0"/>
+              <a:t>S</a:t>
+            </a:r>
+            <a:r>
+              <a:rPr lang="en-US" dirty="0" smtClean="0"/>
+              <a:t>olve different browser compatibility</a:t>
+            </a:r>
+          </a:p>
+          <a:p>
+            <a:pPr marL="342900" indent="-342900" algn="l">
+              <a:buFont typeface="Arial"/>
+              <a:buChar char="•"/>
+            </a:pPr>
+            <a:r>
+              <a:rPr lang="en-US" dirty="0" smtClean="0"/>
+              <a:t>Improve our implementation</a:t>
+            </a:r>
+          </a:p>
+          <a:p>
+            <a:pPr marL="342900" indent="-342900" algn="l">
+              <a:buFont typeface="Arial"/>
+              <a:buChar char="•"/>
+            </a:pPr>
+            <a:r>
+              <a:rPr lang="en-US" dirty="0"/>
+              <a:t>W</a:t>
+            </a:r>
+            <a:r>
+              <a:rPr lang="en-US" dirty="0" smtClean="0"/>
+              <a:t>rite report</a:t>
+            </a:r>
+          </a:p>
+          <a:p>
+            <a:pPr algn="l"/>
+            <a:endParaRPr lang="en-US" dirty="0"/>
+          </a:p>
+          <a:p>
+            <a:pPr algn="l"/>
+            <a:r>
+              <a:rPr lang="en-US" dirty="0" smtClean="0"/>
+              <a:t>Extension:</a:t>
+            </a:r>
+          </a:p>
+          <a:p>
+            <a:pPr marL="342900" indent="-342900" algn="l">
+              <a:buFont typeface="Arial"/>
+              <a:buChar char="•"/>
+            </a:pPr>
+            <a:r>
+              <a:rPr lang="en-US" dirty="0" smtClean="0"/>
+              <a:t>Incorporate solution to the pitfalls in our app </a:t>
+            </a:r>
+            <a:endParaRPr lang="en-US" dirty="0"/>
+          </a:p>
+          <a:p>
+            <a:pPr marL="342900" indent="-342900" algn="l">
+              <a:buFont typeface="Arial"/>
+              <a:buChar char="•"/>
+            </a:pPr>
+            <a:r>
+              <a:rPr lang="en-US" dirty="0" smtClean="0"/>
+              <a:t>Extend the app to cover other pitfalls</a:t>
+            </a:r>
+          </a:p>
+        </p:txBody>
+      </p:sp>
+      <p:sp>
+        <p:nvSpPr>
+          <p:cNvPr id="3" name="Title 2"/>
+          <p:cNvSpPr>
+            <a:spLocks noGrp="1"/>
+          </p:cNvSpPr>
+          <p:nvPr>
+            <p:ph type="title"/>
+          </p:nvPr>
+        </p:nvSpPr>
+        <p:spPr/>
+        <p:txBody>
+          <a:bodyPr/>
+          <a:lstStyle/>
+          <a:p>
+            <a:r>
+              <a:rPr lang="en-US" dirty="0" smtClean="0"/>
+              <a:t>Challenges and future works</a:t>
+            </a:r>
+            <a:endParaRPr lang="en-US" dirty="0"/>
+          </a:p>
+        </p:txBody>
+      </p:sp>
+    </p:spTree>
+    <p:extLst>
+      <p:ext uri="{BB962C8B-B14F-4D97-AF65-F5344CB8AC3E}">
+        <p14:creationId xmlns:p14="http://schemas.microsoft.com/office/powerpoint/2010/main" val="2276343006"/>
+      </p:ext>
+    </p:extLst>
+  </p:cSld>
+  <p:clrMapOvr>
+    <a:masterClrMapping/>
+  </p:clrMapOvr>
+</p:sld>
+</file>
+
+<file path=ppt/slides/slide24.xml><?xml version="1.0" encoding="utf-8"?>
+<p:sld xmlns:a="http://schemas.openxmlformats.org/drawingml/2006/main" xmlns:r="http://schemas.openxmlformats.org/officeDocument/2006/relationships" xmlns:p="http://schemas.openxmlformats.org/presentationml/2006/main">
+  <p:cSld>
+    <p:spTree>
+      <p:nvGrpSpPr>
+        <p:cNvPr id="1" name=""/>
+        <p:cNvGrpSpPr/>
+        <p:nvPr/>
+      </p:nvGrpSpPr>
+      <p:grpSpPr>
+        <a:xfrm>
+          <a:off x="0" y="0"/>
+          <a:ext cx="0" cy="0"/>
+          <a:chOff x="0" y="0"/>
+          <a:chExt cx="0" cy="0"/>
+        </a:xfrm>
+      </p:grpSpPr>
+      <p:sp>
+        <p:nvSpPr>
+          <p:cNvPr id="2" name="Content Placeholder 1"/>
+          <p:cNvSpPr>
+            <a:spLocks noGrp="1"/>
+          </p:cNvSpPr>
+          <p:nvPr>
+            <p:ph sz="quarter" idx="13"/>
+          </p:nvPr>
+        </p:nvSpPr>
         <p:spPr>
           <a:xfrm>
             <a:off x="457200" y="1477207"/>
@@ -13020,7 +13843,7 @@
 </p:sld>
 </file>
 
-<file path=ppt/slides/slide24.xml><?xml version="1.0" encoding="utf-8"?>
+<file path=ppt/slides/slide25.xml><?xml version="1.0" encoding="utf-8"?>
 <p:sld xmlns:a="http://schemas.openxmlformats.org/drawingml/2006/main" xmlns:r="http://schemas.openxmlformats.org/officeDocument/2006/relationships" xmlns:p="http://schemas.openxmlformats.org/presentationml/2006/main">
   <p:cSld>
     <p:spTree>
@@ -13387,7 +14210,6 @@
               <a:rPr lang="en-US" dirty="0" smtClean="0"/>
               <a:t>Race Condition – can’t be visualized, non-deterministic [1][2][3]</a:t>
             </a:r>
-            <a:endParaRPr lang="en-US" dirty="0" smtClean="0"/>
           </a:p>
           <a:p>
             <a:pPr marL="342900" indent="-342900">
@@ -13401,7 +14223,6 @@
               <a:rPr lang="en-US" dirty="0" smtClean="0"/>
               <a:t>Race Condition can be solved by Mutual Exclusion. [4][5]</a:t>
             </a:r>
-            <a:endParaRPr lang="en-US" dirty="0" smtClean="0"/>
           </a:p>
           <a:p>
             <a:pPr marL="342900" indent="-342900">
@@ -13423,7 +14244,6 @@
               <a:rPr lang="en-US" dirty="0" smtClean="0"/>
               <a:t> [7][8]</a:t>
             </a:r>
-            <a:endParaRPr lang="en-US" dirty="0" smtClean="0"/>
           </a:p>
           <a:p>
             <a:pPr marL="342900" indent="-342900">
@@ -13447,11 +14267,7 @@
             </a:r>
             <a:r>
               <a:rPr lang="en-US" dirty="0" smtClean="0"/>
-              <a:t>.[</a:t>
-            </a:r>
-            <a:r>
-              <a:rPr lang="en-US" dirty="0" smtClean="0"/>
-              <a:t>9</a:t>
+              <a:t>.[9</a:t>
             </a:r>
             <a:r>
               <a:rPr lang="en-US" dirty="0"/>
@@ -13768,13 +14584,8 @@
             </a:pPr>
             <a:r>
               <a:rPr lang="en-US" dirty="0" smtClean="0"/>
-              <a:t>Run on many </a:t>
-            </a:r>
-            <a:r>
-              <a:rPr lang="en-US" dirty="0" smtClean="0"/>
-              <a:t>platform</a:t>
-            </a:r>
-            <a:endParaRPr lang="en-US" dirty="0" smtClean="0"/>
+              <a:t>Run on many platform</a:t>
+            </a:r>
           </a:p>
         </p:txBody>
       </p:sp>
@@ -14063,7 +14874,6 @@
               <a:rPr lang="en-US" dirty="0" smtClean="0"/>
               <a:t>Atomic</a:t>
             </a:r>
-            <a:endParaRPr lang="en-US" dirty="0" smtClean="0"/>
           </a:p>
         </p:txBody>
       </p:sp>

--- a/Presentation.pptx
+++ b/Presentation.pptx
@@ -133,7 +133,7 @@
   </p:defaultTextStyle>
   <p:extLst>
     <p:ext uri="{EFAFB233-063F-42B5-8137-9DF3F51BA10A}">
-      <p15:sldGuideLst xmlns:p15="http://schemas.microsoft.com/office/powerpoint/2012/main" xmlns="">
+      <p15:sldGuideLst xmlns="" xmlns:p15="http://schemas.microsoft.com/office/powerpoint/2012/main">
         <p15:guide id="1" orient="horz" pos="2160">
           <p15:clr>
             <a:srgbClr val="A4A3A4"/>
@@ -10057,6 +10057,14 @@
             <a:endParaRPr lang="en-US" dirty="0" smtClean="0"/>
           </a:p>
           <a:p>
+            <a:pPr marL="628650" lvl="1" indent="-342900"/>
+            <a:r>
+              <a:rPr lang="en-US" dirty="0" smtClean="0"/>
+              <a:t>Performance decreased if the thread running too long in the MUTEX</a:t>
+            </a:r>
+            <a:endParaRPr lang="en-US" dirty="0" smtClean="0"/>
+          </a:p>
+          <a:p>
             <a:pPr algn="l"/>
             <a:endParaRPr lang="en-US" dirty="0"/>
           </a:p>
@@ -10441,14 +10449,7 @@
                 <a:latin typeface="Comic Sans MS"/>
                 <a:cs typeface="Comic Sans MS"/>
               </a:rPr>
-              <a:t>Circular </a:t>
-            </a:r>
-            <a:r>
-              <a:rPr lang="en-US" dirty="0" smtClean="0">
-                <a:latin typeface="Comic Sans MS"/>
-                <a:cs typeface="Comic Sans MS"/>
-              </a:rPr>
-              <a:t>wait</a:t>
+              <a:t>Circular wait</a:t>
             </a:r>
           </a:p>
           <a:p>
@@ -10507,678 +10508,9 @@
   <p:timing>
     <p:tnLst>
       <p:par>
-        <p:cTn xmlns:p14="http://schemas.microsoft.com/office/powerpoint/2010/main" id="1" dur="indefinite" restart="never" nodeType="tmRoot">
-          <p:childTnLst>
-            <p:seq concurrent="1" nextAc="seek">
-              <p:cTn id="2" dur="indefinite" nodeType="mainSeq">
-                <p:childTnLst>
-                  <p:par>
-                    <p:cTn id="3" fill="hold">
-                      <p:stCondLst>
-                        <p:cond delay="indefinite"/>
-                        <p:cond evt="onBegin" delay="0">
-                          <p:tn val="2"/>
-                        </p:cond>
-                      </p:stCondLst>
-                      <p:childTnLst>
-                        <p:par>
-                          <p:cTn id="4" fill="hold">
-                            <p:stCondLst>
-                              <p:cond delay="0"/>
-                            </p:stCondLst>
-                            <p:childTnLst>
-                              <p:par>
-                                <p:cTn id="5" presetID="25" presetClass="entr" presetSubtype="0" fill="hold" grpId="0" nodeType="withEffect">
-                                  <p:stCondLst>
-                                    <p:cond delay="0"/>
-                                  </p:stCondLst>
-                                  <p:childTnLst>
-                                    <p:set>
-                                      <p:cBhvr>
-                                        <p:cTn id="6" dur="1" fill="hold">
-                                          <p:stCondLst>
-                                            <p:cond delay="0"/>
-                                          </p:stCondLst>
-                                        </p:cTn>
-                                        <p:tgtEl>
-                                          <p:spTgt spid="3"/>
-                                        </p:tgtEl>
-                                        <p:attrNameLst>
-                                          <p:attrName>style.visibility</p:attrName>
-                                        </p:attrNameLst>
-                                      </p:cBhvr>
-                                      <p:to>
-                                        <p:strVal val="visible"/>
-                                      </p:to>
-                                    </p:set>
-                                    <p:anim calcmode="lin" valueType="num">
-                                      <p:cBhvr>
-                                        <p:cTn id="7" dur="500" decel="50000" fill="hold">
-                                          <p:stCondLst>
-                                            <p:cond delay="0"/>
-                                          </p:stCondLst>
-                                        </p:cTn>
-                                        <p:tgtEl>
-                                          <p:spTgt spid="3"/>
-                                        </p:tgtEl>
-                                        <p:attrNameLst>
-                                          <p:attrName>style.rotation</p:attrName>
-                                        </p:attrNameLst>
-                                      </p:cBhvr>
-                                      <p:tavLst>
-                                        <p:tav tm="0">
-                                          <p:val>
-                                            <p:fltVal val="-90"/>
-                                          </p:val>
-                                        </p:tav>
-                                        <p:tav tm="100000">
-                                          <p:val>
-                                            <p:fltVal val="0"/>
-                                          </p:val>
-                                        </p:tav>
-                                      </p:tavLst>
-                                    </p:anim>
-                                    <p:anim calcmode="lin" valueType="num">
-                                      <p:cBhvr>
-                                        <p:cTn id="8" dur="500" decel="50000" fill="hold">
-                                          <p:stCondLst>
-                                            <p:cond delay="0"/>
-                                          </p:stCondLst>
-                                        </p:cTn>
-                                        <p:tgtEl>
-                                          <p:spTgt spid="3"/>
-                                        </p:tgtEl>
-                                        <p:attrNameLst>
-                                          <p:attrName>ppt_w</p:attrName>
-                                        </p:attrNameLst>
-                                      </p:cBhvr>
-                                      <p:tavLst>
-                                        <p:tav tm="0">
-                                          <p:val>
-                                            <p:strVal val="#ppt_w"/>
-                                          </p:val>
-                                        </p:tav>
-                                        <p:tav tm="100000">
-                                          <p:val>
-                                            <p:strVal val="#ppt_w*.05"/>
-                                          </p:val>
-                                        </p:tav>
-                                      </p:tavLst>
-                                    </p:anim>
-                                    <p:anim calcmode="lin" valueType="num">
-                                      <p:cBhvr>
-                                        <p:cTn id="9" dur="500" accel="50000" fill="hold">
-                                          <p:stCondLst>
-                                            <p:cond delay="500"/>
-                                          </p:stCondLst>
-                                        </p:cTn>
-                                        <p:tgtEl>
-                                          <p:spTgt spid="3"/>
-                                        </p:tgtEl>
-                                        <p:attrNameLst>
-                                          <p:attrName>ppt_w</p:attrName>
-                                        </p:attrNameLst>
-                                      </p:cBhvr>
-                                      <p:tavLst>
-                                        <p:tav tm="0">
-                                          <p:val>
-                                            <p:strVal val="#ppt_w*.05"/>
-                                          </p:val>
-                                        </p:tav>
-                                        <p:tav tm="100000">
-                                          <p:val>
-                                            <p:strVal val="#ppt_w"/>
-                                          </p:val>
-                                        </p:tav>
-                                      </p:tavLst>
-                                    </p:anim>
-                                    <p:anim calcmode="lin" valueType="num">
-                                      <p:cBhvr>
-                                        <p:cTn id="10" dur="1000" fill="hold"/>
-                                        <p:tgtEl>
-                                          <p:spTgt spid="3"/>
-                                        </p:tgtEl>
-                                        <p:attrNameLst>
-                                          <p:attrName>ppt_h</p:attrName>
-                                        </p:attrNameLst>
-                                      </p:cBhvr>
-                                      <p:tavLst>
-                                        <p:tav tm="0">
-                                          <p:val>
-                                            <p:strVal val="#ppt_h"/>
-                                          </p:val>
-                                        </p:tav>
-                                        <p:tav tm="100000">
-                                          <p:val>
-                                            <p:strVal val="#ppt_h"/>
-                                          </p:val>
-                                        </p:tav>
-                                      </p:tavLst>
-                                    </p:anim>
-                                    <p:anim calcmode="lin" valueType="num">
-                                      <p:cBhvr>
-                                        <p:cTn id="11" dur="500" decel="50000" fill="hold">
-                                          <p:stCondLst>
-                                            <p:cond delay="0"/>
-                                          </p:stCondLst>
-                                        </p:cTn>
-                                        <p:tgtEl>
-                                          <p:spTgt spid="3"/>
-                                        </p:tgtEl>
-                                        <p:attrNameLst>
-                                          <p:attrName>ppt_x</p:attrName>
-                                        </p:attrNameLst>
-                                      </p:cBhvr>
-                                      <p:tavLst>
-                                        <p:tav tm="0">
-                                          <p:val>
-                                            <p:strVal val="#ppt_x+.4"/>
-                                          </p:val>
-                                        </p:tav>
-                                        <p:tav tm="100000">
-                                          <p:val>
-                                            <p:strVal val="#ppt_x"/>
-                                          </p:val>
-                                        </p:tav>
-                                      </p:tavLst>
-                                    </p:anim>
-                                    <p:anim calcmode="lin" valueType="num">
-                                      <p:cBhvr>
-                                        <p:cTn id="12" dur="500" decel="50000" fill="hold">
-                                          <p:stCondLst>
-                                            <p:cond delay="0"/>
-                                          </p:stCondLst>
-                                        </p:cTn>
-                                        <p:tgtEl>
-                                          <p:spTgt spid="3"/>
-                                        </p:tgtEl>
-                                        <p:attrNameLst>
-                                          <p:attrName>ppt_y</p:attrName>
-                                        </p:attrNameLst>
-                                      </p:cBhvr>
-                                      <p:tavLst>
-                                        <p:tav tm="0">
-                                          <p:val>
-                                            <p:strVal val="#ppt_y-.2"/>
-                                          </p:val>
-                                        </p:tav>
-                                        <p:tav tm="100000">
-                                          <p:val>
-                                            <p:strVal val="#ppt_y+.1"/>
-                                          </p:val>
-                                        </p:tav>
-                                      </p:tavLst>
-                                    </p:anim>
-                                    <p:anim calcmode="lin" valueType="num">
-                                      <p:cBhvr>
-                                        <p:cTn id="13" dur="500" accel="50000" fill="hold">
-                                          <p:stCondLst>
-                                            <p:cond delay="500"/>
-                                          </p:stCondLst>
-                                        </p:cTn>
-                                        <p:tgtEl>
-                                          <p:spTgt spid="3"/>
-                                        </p:tgtEl>
-                                        <p:attrNameLst>
-                                          <p:attrName>ppt_y</p:attrName>
-                                        </p:attrNameLst>
-                                      </p:cBhvr>
-                                      <p:tavLst>
-                                        <p:tav tm="0">
-                                          <p:val>
-                                            <p:strVal val="#ppt_y+.1"/>
-                                          </p:val>
-                                        </p:tav>
-                                        <p:tav tm="100000">
-                                          <p:val>
-                                            <p:strVal val="#ppt_y"/>
-                                          </p:val>
-                                        </p:tav>
-                                      </p:tavLst>
-                                    </p:anim>
-                                    <p:animEffect transition="in" filter="fade">
-                                      <p:cBhvr>
-                                        <p:cTn id="14" dur="1000" decel="50000">
-                                          <p:stCondLst>
-                                            <p:cond delay="0"/>
-                                          </p:stCondLst>
-                                        </p:cTn>
-                                        <p:tgtEl>
-                                          <p:spTgt spid="3"/>
-                                        </p:tgtEl>
-                                      </p:cBhvr>
-                                    </p:animEffect>
-                                  </p:childTnLst>
-                                </p:cTn>
-                              </p:par>
-                            </p:childTnLst>
-                          </p:cTn>
-                        </p:par>
-                      </p:childTnLst>
-                    </p:cTn>
-                  </p:par>
-                  <p:par>
-                    <p:cTn id="15" fill="hold">
-                      <p:stCondLst>
-                        <p:cond delay="indefinite"/>
-                      </p:stCondLst>
-                      <p:childTnLst>
-                        <p:par>
-                          <p:cTn id="16" fill="hold">
-                            <p:stCondLst>
-                              <p:cond delay="0"/>
-                            </p:stCondLst>
-                            <p:childTnLst>
-                              <p:par>
-                                <p:cTn id="17" presetID="28" presetClass="emph" presetSubtype="0" fill="hold" grpId="0" nodeType="clickEffect">
-                                  <p:stCondLst>
-                                    <p:cond delay="0"/>
-                                  </p:stCondLst>
-                                  <p:iterate type="lt">
-                                    <p:tmPct val="10000"/>
-                                  </p:iterate>
-                                  <p:childTnLst>
-                                    <p:animClr clrSpc="rgb" dir="cw">
-                                      <p:cBhvr override="childStyle">
-                                        <p:cTn id="18" dur="500" fill="hold"/>
-                                        <p:tgtEl>
-                                          <p:spTgt spid="2">
-                                            <p:txEl>
-                                              <p:pRg st="0" end="0"/>
-                                            </p:txEl>
-                                          </p:spTgt>
-                                        </p:tgtEl>
-                                        <p:attrNameLst>
-                                          <p:attrName>style.color</p:attrName>
-                                        </p:attrNameLst>
-                                      </p:cBhvr>
-                                      <p:to>
-                                        <a:schemeClr val="accent2"/>
-                                      </p:to>
-                                    </p:animClr>
-                                    <p:animClr clrSpc="rgb" dir="cw">
-                                      <p:cBhvr>
-                                        <p:cTn id="19" dur="500" fill="hold"/>
-                                        <p:tgtEl>
-                                          <p:spTgt spid="2">
-                                            <p:txEl>
-                                              <p:pRg st="0" end="0"/>
-                                            </p:txEl>
-                                          </p:spTgt>
-                                        </p:tgtEl>
-                                        <p:attrNameLst>
-                                          <p:attrName>fillcolor</p:attrName>
-                                        </p:attrNameLst>
-                                      </p:cBhvr>
-                                      <p:to>
-                                        <a:schemeClr val="accent2"/>
-                                      </p:to>
-                                    </p:animClr>
-                                    <p:set>
-                                      <p:cBhvr>
-                                        <p:cTn id="20" dur="500" fill="hold"/>
-                                        <p:tgtEl>
-                                          <p:spTgt spid="2">
-                                            <p:txEl>
-                                              <p:pRg st="0" end="0"/>
-                                            </p:txEl>
-                                          </p:spTgt>
-                                        </p:tgtEl>
-                                        <p:attrNameLst>
-                                          <p:attrName>fill.type</p:attrName>
-                                        </p:attrNameLst>
-                                      </p:cBhvr>
-                                      <p:to>
-                                        <p:strVal val="solid"/>
-                                      </p:to>
-                                    </p:set>
-                                    <p:anim to="1.5" calcmode="lin" valueType="num">
-                                      <p:cBhvr override="childStyle">
-                                        <p:cTn id="21" dur="500" fill="hold"/>
-                                        <p:tgtEl>
-                                          <p:spTgt spid="2">
-                                            <p:txEl>
-                                              <p:pRg st="0" end="0"/>
-                                            </p:txEl>
-                                          </p:spTgt>
-                                        </p:tgtEl>
-                                        <p:attrNameLst>
-                                          <p:attrName>style.fontSize</p:attrName>
-                                        </p:attrNameLst>
-                                      </p:cBhvr>
-                                    </p:anim>
-                                  </p:childTnLst>
-                                </p:cTn>
-                              </p:par>
-                            </p:childTnLst>
-                          </p:cTn>
-                        </p:par>
-                      </p:childTnLst>
-                    </p:cTn>
-                  </p:par>
-                  <p:par>
-                    <p:cTn id="22" fill="hold">
-                      <p:stCondLst>
-                        <p:cond delay="indefinite"/>
-                      </p:stCondLst>
-                      <p:childTnLst>
-                        <p:par>
-                          <p:cTn id="23" fill="hold">
-                            <p:stCondLst>
-                              <p:cond delay="0"/>
-                            </p:stCondLst>
-                            <p:childTnLst>
-                              <p:par>
-                                <p:cTn id="24" presetID="28" presetClass="emph" presetSubtype="0" fill="hold" grpId="0" nodeType="clickEffect">
-                                  <p:stCondLst>
-                                    <p:cond delay="0"/>
-                                  </p:stCondLst>
-                                  <p:iterate type="lt">
-                                    <p:tmPct val="10000"/>
-                                  </p:iterate>
-                                  <p:childTnLst>
-                                    <p:animClr clrSpc="rgb" dir="cw">
-                                      <p:cBhvr override="childStyle">
-                                        <p:cTn id="25" dur="500" fill="hold"/>
-                                        <p:tgtEl>
-                                          <p:spTgt spid="2">
-                                            <p:txEl>
-                                              <p:pRg st="1" end="1"/>
-                                            </p:txEl>
-                                          </p:spTgt>
-                                        </p:tgtEl>
-                                        <p:attrNameLst>
-                                          <p:attrName>style.color</p:attrName>
-                                        </p:attrNameLst>
-                                      </p:cBhvr>
-                                      <p:to>
-                                        <a:schemeClr val="accent2"/>
-                                      </p:to>
-                                    </p:animClr>
-                                    <p:animClr clrSpc="rgb" dir="cw">
-                                      <p:cBhvr>
-                                        <p:cTn id="26" dur="500" fill="hold"/>
-                                        <p:tgtEl>
-                                          <p:spTgt spid="2">
-                                            <p:txEl>
-                                              <p:pRg st="1" end="1"/>
-                                            </p:txEl>
-                                          </p:spTgt>
-                                        </p:tgtEl>
-                                        <p:attrNameLst>
-                                          <p:attrName>fillcolor</p:attrName>
-                                        </p:attrNameLst>
-                                      </p:cBhvr>
-                                      <p:to>
-                                        <a:schemeClr val="accent2"/>
-                                      </p:to>
-                                    </p:animClr>
-                                    <p:set>
-                                      <p:cBhvr>
-                                        <p:cTn id="27" dur="500" fill="hold"/>
-                                        <p:tgtEl>
-                                          <p:spTgt spid="2">
-                                            <p:txEl>
-                                              <p:pRg st="1" end="1"/>
-                                            </p:txEl>
-                                          </p:spTgt>
-                                        </p:tgtEl>
-                                        <p:attrNameLst>
-                                          <p:attrName>fill.type</p:attrName>
-                                        </p:attrNameLst>
-                                      </p:cBhvr>
-                                      <p:to>
-                                        <p:strVal val="solid"/>
-                                      </p:to>
-                                    </p:set>
-                                    <p:anim to="1.5" calcmode="lin" valueType="num">
-                                      <p:cBhvr override="childStyle">
-                                        <p:cTn id="28" dur="500" fill="hold"/>
-                                        <p:tgtEl>
-                                          <p:spTgt spid="2">
-                                            <p:txEl>
-                                              <p:pRg st="1" end="1"/>
-                                            </p:txEl>
-                                          </p:spTgt>
-                                        </p:tgtEl>
-                                        <p:attrNameLst>
-                                          <p:attrName>style.fontSize</p:attrName>
-                                        </p:attrNameLst>
-                                      </p:cBhvr>
-                                    </p:anim>
-                                  </p:childTnLst>
-                                </p:cTn>
-                              </p:par>
-                            </p:childTnLst>
-                          </p:cTn>
-                        </p:par>
-                      </p:childTnLst>
-                    </p:cTn>
-                  </p:par>
-                  <p:par>
-                    <p:cTn id="29" fill="hold">
-                      <p:stCondLst>
-                        <p:cond delay="indefinite"/>
-                      </p:stCondLst>
-                      <p:childTnLst>
-                        <p:par>
-                          <p:cTn id="30" fill="hold">
-                            <p:stCondLst>
-                              <p:cond delay="0"/>
-                            </p:stCondLst>
-                            <p:childTnLst>
-                              <p:par>
-                                <p:cTn id="31" presetID="28" presetClass="emph" presetSubtype="0" fill="hold" grpId="0" nodeType="clickEffect">
-                                  <p:stCondLst>
-                                    <p:cond delay="0"/>
-                                  </p:stCondLst>
-                                  <p:iterate type="lt">
-                                    <p:tmPct val="10000"/>
-                                  </p:iterate>
-                                  <p:childTnLst>
-                                    <p:animClr clrSpc="rgb" dir="cw">
-                                      <p:cBhvr override="childStyle">
-                                        <p:cTn id="32" dur="500" fill="hold"/>
-                                        <p:tgtEl>
-                                          <p:spTgt spid="2">
-                                            <p:txEl>
-                                              <p:pRg st="2" end="2"/>
-                                            </p:txEl>
-                                          </p:spTgt>
-                                        </p:tgtEl>
-                                        <p:attrNameLst>
-                                          <p:attrName>style.color</p:attrName>
-                                        </p:attrNameLst>
-                                      </p:cBhvr>
-                                      <p:to>
-                                        <a:schemeClr val="accent2"/>
-                                      </p:to>
-                                    </p:animClr>
-                                    <p:animClr clrSpc="rgb" dir="cw">
-                                      <p:cBhvr>
-                                        <p:cTn id="33" dur="500" fill="hold"/>
-                                        <p:tgtEl>
-                                          <p:spTgt spid="2">
-                                            <p:txEl>
-                                              <p:pRg st="2" end="2"/>
-                                            </p:txEl>
-                                          </p:spTgt>
-                                        </p:tgtEl>
-                                        <p:attrNameLst>
-                                          <p:attrName>fillcolor</p:attrName>
-                                        </p:attrNameLst>
-                                      </p:cBhvr>
-                                      <p:to>
-                                        <a:schemeClr val="accent2"/>
-                                      </p:to>
-                                    </p:animClr>
-                                    <p:set>
-                                      <p:cBhvr>
-                                        <p:cTn id="34" dur="500" fill="hold"/>
-                                        <p:tgtEl>
-                                          <p:spTgt spid="2">
-                                            <p:txEl>
-                                              <p:pRg st="2" end="2"/>
-                                            </p:txEl>
-                                          </p:spTgt>
-                                        </p:tgtEl>
-                                        <p:attrNameLst>
-                                          <p:attrName>fill.type</p:attrName>
-                                        </p:attrNameLst>
-                                      </p:cBhvr>
-                                      <p:to>
-                                        <p:strVal val="solid"/>
-                                      </p:to>
-                                    </p:set>
-                                    <p:anim to="1.5" calcmode="lin" valueType="num">
-                                      <p:cBhvr override="childStyle">
-                                        <p:cTn id="35" dur="500" fill="hold"/>
-                                        <p:tgtEl>
-                                          <p:spTgt spid="2">
-                                            <p:txEl>
-                                              <p:pRg st="2" end="2"/>
-                                            </p:txEl>
-                                          </p:spTgt>
-                                        </p:tgtEl>
-                                        <p:attrNameLst>
-                                          <p:attrName>style.fontSize</p:attrName>
-                                        </p:attrNameLst>
-                                      </p:cBhvr>
-                                    </p:anim>
-                                  </p:childTnLst>
-                                </p:cTn>
-                              </p:par>
-                            </p:childTnLst>
-                          </p:cTn>
-                        </p:par>
-                      </p:childTnLst>
-                    </p:cTn>
-                  </p:par>
-                  <p:par>
-                    <p:cTn id="36" fill="hold">
-                      <p:stCondLst>
-                        <p:cond delay="indefinite"/>
-                      </p:stCondLst>
-                      <p:childTnLst>
-                        <p:par>
-                          <p:cTn id="37" fill="hold">
-                            <p:stCondLst>
-                              <p:cond delay="0"/>
-                            </p:stCondLst>
-                            <p:childTnLst>
-                              <p:par>
-                                <p:cTn id="38" presetID="28" presetClass="emph" presetSubtype="0" fill="hold" grpId="1" nodeType="clickEffect">
-                                  <p:stCondLst>
-                                    <p:cond delay="0"/>
-                                  </p:stCondLst>
-                                  <p:iterate type="lt">
-                                    <p:tmPct val="10000"/>
-                                  </p:iterate>
-                                  <p:childTnLst>
-                                    <p:animClr clrSpc="rgb" dir="cw">
-                                      <p:cBhvr override="childStyle">
-                                        <p:cTn id="39" dur="500" fill="hold"/>
-                                        <p:tgtEl>
-                                          <p:spTgt spid="2">
-                                            <p:txEl>
-                                              <p:pRg st="3" end="3"/>
-                                            </p:txEl>
-                                          </p:spTgt>
-                                        </p:tgtEl>
-                                        <p:attrNameLst>
-                                          <p:attrName>style.color</p:attrName>
-                                        </p:attrNameLst>
-                                      </p:cBhvr>
-                                      <p:to>
-                                        <a:schemeClr val="accent2"/>
-                                      </p:to>
-                                    </p:animClr>
-                                    <p:animClr clrSpc="rgb" dir="cw">
-                                      <p:cBhvr>
-                                        <p:cTn id="40" dur="500" fill="hold"/>
-                                        <p:tgtEl>
-                                          <p:spTgt spid="2">
-                                            <p:txEl>
-                                              <p:pRg st="3" end="3"/>
-                                            </p:txEl>
-                                          </p:spTgt>
-                                        </p:tgtEl>
-                                        <p:attrNameLst>
-                                          <p:attrName>fillcolor</p:attrName>
-                                        </p:attrNameLst>
-                                      </p:cBhvr>
-                                      <p:to>
-                                        <a:schemeClr val="accent2"/>
-                                      </p:to>
-                                    </p:animClr>
-                                    <p:set>
-                                      <p:cBhvr>
-                                        <p:cTn id="41" dur="500" fill="hold"/>
-                                        <p:tgtEl>
-                                          <p:spTgt spid="2">
-                                            <p:txEl>
-                                              <p:pRg st="3" end="3"/>
-                                            </p:txEl>
-                                          </p:spTgt>
-                                        </p:tgtEl>
-                                        <p:attrNameLst>
-                                          <p:attrName>fill.type</p:attrName>
-                                        </p:attrNameLst>
-                                      </p:cBhvr>
-                                      <p:to>
-                                        <p:strVal val="solid"/>
-                                      </p:to>
-                                    </p:set>
-                                    <p:anim to="1.5" calcmode="lin" valueType="num">
-                                      <p:cBhvr override="childStyle">
-                                        <p:cTn id="42" dur="500" fill="hold"/>
-                                        <p:tgtEl>
-                                          <p:spTgt spid="2">
-                                            <p:txEl>
-                                              <p:pRg st="3" end="3"/>
-                                            </p:txEl>
-                                          </p:spTgt>
-                                        </p:tgtEl>
-                                        <p:attrNameLst>
-                                          <p:attrName>style.fontSize</p:attrName>
-                                        </p:attrNameLst>
-                                      </p:cBhvr>
-                                    </p:anim>
-                                  </p:childTnLst>
-                                </p:cTn>
-                              </p:par>
-                            </p:childTnLst>
-                          </p:cTn>
-                        </p:par>
-                      </p:childTnLst>
-                    </p:cTn>
-                  </p:par>
-                </p:childTnLst>
-              </p:cTn>
-              <p:prevCondLst>
-                <p:cond evt="onPrev" delay="0">
-                  <p:tgtEl>
-                    <p:sldTgt/>
-                  </p:tgtEl>
-                </p:cond>
-              </p:prevCondLst>
-              <p:nextCondLst>
-                <p:cond evt="onNext" delay="0">
-                  <p:tgtEl>
-                    <p:sldTgt/>
-                  </p:tgtEl>
-                </p:cond>
-              </p:nextCondLst>
-            </p:seq>
-          </p:childTnLst>
-        </p:cTn>
+        <p:cTn xmlns:p14="http://schemas.microsoft.com/office/powerpoint/2010/main" id="1" dur="indefinite" restart="never" nodeType="tmRoot"/>
       </p:par>
     </p:tnLst>
-    <p:bldLst>
-      <p:bldP spid="2" grpId="0" build="p"/>
-      <p:bldP spid="2" grpId="1" uiExpand="1" build="p"/>
-      <p:bldP spid="3" grpId="0" animBg="1"/>
-    </p:bldLst>
   </p:timing>
 </p:sld>
 </file>
@@ -13461,6 +12793,13 @@
   <p:clrMapOvr>
     <a:masterClrMapping/>
   </p:clrMapOvr>
+  <p:timing>
+    <p:tnLst>
+      <p:par>
+        <p:cTn xmlns:p14="http://schemas.microsoft.com/office/powerpoint/2010/main" id="1" dur="indefinite" restart="never" nodeType="tmRoot"/>
+      </p:par>
+    </p:tnLst>
+  </p:timing>
 </p:sld>
 </file>
 
@@ -13840,6 +13179,13 @@
   <p:clrMapOvr>
     <a:masterClrMapping/>
   </p:clrMapOvr>
+  <p:timing>
+    <p:tnLst>
+      <p:par>
+        <p:cTn xmlns:p14="http://schemas.microsoft.com/office/powerpoint/2010/main" id="1" dur="indefinite" restart="never" nodeType="tmRoot"/>
+      </p:par>
+    </p:tnLst>
+  </p:timing>
 </p:sld>
 </file>
 
@@ -13924,6 +13270,13 @@
   <p:clrMapOvr>
     <a:masterClrMapping/>
   </p:clrMapOvr>
+  <p:timing>
+    <p:tnLst>
+      <p:par>
+        <p:cTn xmlns:p14="http://schemas.microsoft.com/office/powerpoint/2010/main" id="1" dur="indefinite" restart="never" nodeType="tmRoot"/>
+      </p:par>
+    </p:tnLst>
+  </p:timing>
 </p:sld>
 </file>
 

--- a/Presentation.pptx
+++ b/Presentation.pptx
@@ -133,7 +133,7 @@
   </p:defaultTextStyle>
   <p:extLst>
     <p:ext uri="{EFAFB233-063F-42B5-8137-9DF3F51BA10A}">
-      <p15:sldGuideLst xmlns="" xmlns:p15="http://schemas.microsoft.com/office/powerpoint/2012/main">
+      <p15:sldGuideLst xmlns:p15="http://schemas.microsoft.com/office/powerpoint/2012/main">
         <p15:guide id="1" orient="horz" pos="2160">
           <p15:clr>
             <a:srgbClr val="A4A3A4"/>
@@ -1137,7 +1137,7 @@
         <a:p>
           <a:r>
             <a:rPr lang="en-NZ" dirty="0" smtClean="0"/>
-            <a:t>Compiler</a:t>
+            <a:t>Code reordering by Compiler , Cache or Processor</a:t>
           </a:r>
           <a:endParaRPr lang="en-GB" dirty="0"/>
         </a:p>
@@ -1155,80 +1155,6 @@
       </dgm:t>
     </dgm:pt>
     <dgm:pt modelId="{4AB9B9E1-0E17-4B9A-9E84-EBD70D080BD2}" type="sibTrans" cxnId="{F58F18F9-E9FE-4B9B-BD77-400B4F780D73}">
-      <dgm:prSet/>
-      <dgm:spPr/>
-      <dgm:t>
-        <a:bodyPr/>
-        <a:lstStyle/>
-        <a:p>
-          <a:endParaRPr lang="en-GB"/>
-        </a:p>
-      </dgm:t>
-    </dgm:pt>
-    <dgm:pt modelId="{3AA3768D-3D9A-436E-B602-C5A59FFBAFEC}">
-      <dgm:prSet phldrT="[Text]"/>
-      <dgm:spPr/>
-      <dgm:t>
-        <a:bodyPr/>
-        <a:lstStyle/>
-        <a:p>
-          <a:r>
-            <a:rPr lang="en-NZ" dirty="0" smtClean="0"/>
-            <a:t>Processor</a:t>
-          </a:r>
-          <a:endParaRPr lang="en-GB" dirty="0"/>
-        </a:p>
-      </dgm:t>
-    </dgm:pt>
-    <dgm:pt modelId="{69D1AD42-D6FA-4265-A5B6-21AE5DE52F49}" type="parTrans" cxnId="{403D09CB-3DEF-427C-84A3-2D15D76B7A53}">
-      <dgm:prSet/>
-      <dgm:spPr/>
-      <dgm:t>
-        <a:bodyPr/>
-        <a:lstStyle/>
-        <a:p>
-          <a:endParaRPr lang="en-GB"/>
-        </a:p>
-      </dgm:t>
-    </dgm:pt>
-    <dgm:pt modelId="{2BBBA67C-FB53-420E-A852-4FFB9F36C3D8}" type="sibTrans" cxnId="{403D09CB-3DEF-427C-84A3-2D15D76B7A53}">
-      <dgm:prSet/>
-      <dgm:spPr/>
-      <dgm:t>
-        <a:bodyPr/>
-        <a:lstStyle/>
-        <a:p>
-          <a:endParaRPr lang="en-GB"/>
-        </a:p>
-      </dgm:t>
-    </dgm:pt>
-    <dgm:pt modelId="{19F66229-03FD-4C0D-813E-0BBEDEFFF908}">
-      <dgm:prSet phldrT="[Text]"/>
-      <dgm:spPr/>
-      <dgm:t>
-        <a:bodyPr/>
-        <a:lstStyle/>
-        <a:p>
-          <a:r>
-            <a:rPr lang="en-NZ" dirty="0" smtClean="0"/>
-            <a:t>Cache</a:t>
-          </a:r>
-          <a:endParaRPr lang="en-GB" dirty="0"/>
-        </a:p>
-      </dgm:t>
-    </dgm:pt>
-    <dgm:pt modelId="{AB547BD5-E52F-4825-B13C-D43FC409A135}" type="parTrans" cxnId="{473AA0C4-5308-499D-92F2-02581DCDFAA9}">
-      <dgm:prSet/>
-      <dgm:spPr/>
-      <dgm:t>
-        <a:bodyPr/>
-        <a:lstStyle/>
-        <a:p>
-          <a:endParaRPr lang="en-GB"/>
-        </a:p>
-      </dgm:t>
-    </dgm:pt>
-    <dgm:pt modelId="{4A4A86F0-2078-45AB-A42B-5F48DC625232}" type="sibTrans" cxnId="{473AA0C4-5308-499D-92F2-02581DCDFAA9}">
       <dgm:prSet/>
       <dgm:spPr/>
       <dgm:t>
@@ -1307,8 +1233,8 @@
       </dgm:prSet>
       <dgm:spPr/>
     </dgm:pt>
-    <dgm:pt modelId="{239B7340-6B83-4B51-857E-8C0055E2A94D}" type="pres">
-      <dgm:prSet presAssocID="{40D79F5D-9931-426A-B669-B5BEF7A8CB2A}" presName="FiveNodes_1" presStyleLbl="node1" presStyleIdx="0" presStyleCnt="5">
+    <dgm:pt modelId="{2E7AE9AF-E505-4DCF-A427-E5B5A614DAA2}" type="pres">
+      <dgm:prSet presAssocID="{40D79F5D-9931-426A-B669-B5BEF7A8CB2A}" presName="ThreeNodes_1" presStyleLbl="node1" presStyleIdx="0" presStyleCnt="3">
         <dgm:presLayoutVars>
           <dgm:bulletEnabled val="1"/>
         </dgm:presLayoutVars>
@@ -1322,8 +1248,8 @@
         </a:p>
       </dgm:t>
     </dgm:pt>
-    <dgm:pt modelId="{1B72FD27-49CA-4EA6-B9E7-8CFEE2146117}" type="pres">
-      <dgm:prSet presAssocID="{40D79F5D-9931-426A-B669-B5BEF7A8CB2A}" presName="FiveNodes_2" presStyleLbl="node1" presStyleIdx="1" presStyleCnt="5">
+    <dgm:pt modelId="{E529676E-48D9-4AD4-91FF-E2484C7FA17C}" type="pres">
+      <dgm:prSet presAssocID="{40D79F5D-9931-426A-B669-B5BEF7A8CB2A}" presName="ThreeNodes_2" presStyleLbl="node1" presStyleIdx="1" presStyleCnt="3">
         <dgm:presLayoutVars>
           <dgm:bulletEnabled val="1"/>
         </dgm:presLayoutVars>
@@ -1337,8 +1263,8 @@
         </a:p>
       </dgm:t>
     </dgm:pt>
-    <dgm:pt modelId="{3993AE0D-00D5-4833-B7EE-98DC82C8871A}" type="pres">
-      <dgm:prSet presAssocID="{40D79F5D-9931-426A-B669-B5BEF7A8CB2A}" presName="FiveNodes_3" presStyleLbl="node1" presStyleIdx="2" presStyleCnt="5">
+    <dgm:pt modelId="{1AE72581-F423-42AD-B32E-596F09FAF3B1}" type="pres">
+      <dgm:prSet presAssocID="{40D79F5D-9931-426A-B669-B5BEF7A8CB2A}" presName="ThreeNodes_3" presStyleLbl="node1" presStyleIdx="2" presStyleCnt="3">
         <dgm:presLayoutVars>
           <dgm:bulletEnabled val="1"/>
         </dgm:presLayoutVars>
@@ -1352,8 +1278,8 @@
         </a:p>
       </dgm:t>
     </dgm:pt>
-    <dgm:pt modelId="{AE34178A-4C11-4913-88C3-98CD679EBDA2}" type="pres">
-      <dgm:prSet presAssocID="{40D79F5D-9931-426A-B669-B5BEF7A8CB2A}" presName="FiveNodes_4" presStyleLbl="node1" presStyleIdx="3" presStyleCnt="5">
+    <dgm:pt modelId="{013D4FD2-DBB7-42CF-AFE7-DB2F2CB599FA}" type="pres">
+      <dgm:prSet presAssocID="{40D79F5D-9931-426A-B669-B5BEF7A8CB2A}" presName="ThreeConn_1-2" presStyleLbl="fgAccFollowNode1" presStyleIdx="0" presStyleCnt="2">
         <dgm:presLayoutVars>
           <dgm:bulletEnabled val="1"/>
         </dgm:presLayoutVars>
@@ -1367,8 +1293,8 @@
         </a:p>
       </dgm:t>
     </dgm:pt>
-    <dgm:pt modelId="{0B5C20D8-F3D2-4A91-9863-5048A6822435}" type="pres">
-      <dgm:prSet presAssocID="{40D79F5D-9931-426A-B669-B5BEF7A8CB2A}" presName="FiveNodes_5" presStyleLbl="node1" presStyleIdx="4" presStyleCnt="5">
+    <dgm:pt modelId="{E52B5DD4-005A-4C4F-8868-02D4BF4CCEE8}" type="pres">
+      <dgm:prSet presAssocID="{40D79F5D-9931-426A-B669-B5BEF7A8CB2A}" presName="ThreeConn_2-3" presStyleLbl="fgAccFollowNode1" presStyleIdx="1" presStyleCnt="2">
         <dgm:presLayoutVars>
           <dgm:bulletEnabled val="1"/>
         </dgm:presLayoutVars>
@@ -1382,8 +1308,8 @@
         </a:p>
       </dgm:t>
     </dgm:pt>
-    <dgm:pt modelId="{7FFB4B13-9E00-456A-AB61-E8FBB5B48DF0}" type="pres">
-      <dgm:prSet presAssocID="{40D79F5D-9931-426A-B669-B5BEF7A8CB2A}" presName="FiveConn_1-2" presStyleLbl="fgAccFollowNode1" presStyleIdx="0" presStyleCnt="4">
+    <dgm:pt modelId="{EB7C47E3-9957-4788-8BE9-CA4D3F7B1003}" type="pres">
+      <dgm:prSet presAssocID="{40D79F5D-9931-426A-B669-B5BEF7A8CB2A}" presName="ThreeNodes_1_text" presStyleLbl="node1" presStyleIdx="2" presStyleCnt="3">
         <dgm:presLayoutVars>
           <dgm:bulletEnabled val="1"/>
         </dgm:presLayoutVars>
@@ -1397,8 +1323,8 @@
         </a:p>
       </dgm:t>
     </dgm:pt>
-    <dgm:pt modelId="{0832F444-92D2-47E6-98A0-8BDAC29754BB}" type="pres">
-      <dgm:prSet presAssocID="{40D79F5D-9931-426A-B669-B5BEF7A8CB2A}" presName="FiveConn_2-3" presStyleLbl="fgAccFollowNode1" presStyleIdx="1" presStyleCnt="4">
+    <dgm:pt modelId="{EBBCADB0-51B1-4B93-929D-1A91D1BF466F}" type="pres">
+      <dgm:prSet presAssocID="{40D79F5D-9931-426A-B669-B5BEF7A8CB2A}" presName="ThreeNodes_2_text" presStyleLbl="node1" presStyleIdx="2" presStyleCnt="3">
         <dgm:presLayoutVars>
           <dgm:bulletEnabled val="1"/>
         </dgm:presLayoutVars>
@@ -1412,98 +1338,8 @@
         </a:p>
       </dgm:t>
     </dgm:pt>
-    <dgm:pt modelId="{1AF31F0F-1CE8-48B1-8271-6AF3337DF40D}" type="pres">
-      <dgm:prSet presAssocID="{40D79F5D-9931-426A-B669-B5BEF7A8CB2A}" presName="FiveConn_3-4" presStyleLbl="fgAccFollowNode1" presStyleIdx="2" presStyleCnt="4">
-        <dgm:presLayoutVars>
-          <dgm:bulletEnabled val="1"/>
-        </dgm:presLayoutVars>
-      </dgm:prSet>
-      <dgm:spPr/>
-      <dgm:t>
-        <a:bodyPr/>
-        <a:lstStyle/>
-        <a:p>
-          <a:endParaRPr lang="en-GB"/>
-        </a:p>
-      </dgm:t>
-    </dgm:pt>
-    <dgm:pt modelId="{74B6E5F5-23FD-4BCB-8A3C-F74042048EC7}" type="pres">
-      <dgm:prSet presAssocID="{40D79F5D-9931-426A-B669-B5BEF7A8CB2A}" presName="FiveConn_4-5" presStyleLbl="fgAccFollowNode1" presStyleIdx="3" presStyleCnt="4">
-        <dgm:presLayoutVars>
-          <dgm:bulletEnabled val="1"/>
-        </dgm:presLayoutVars>
-      </dgm:prSet>
-      <dgm:spPr/>
-      <dgm:t>
-        <a:bodyPr/>
-        <a:lstStyle/>
-        <a:p>
-          <a:endParaRPr lang="en-GB"/>
-        </a:p>
-      </dgm:t>
-    </dgm:pt>
-    <dgm:pt modelId="{65946C7F-3C49-435A-83E1-7F03E6D9115B}" type="pres">
-      <dgm:prSet presAssocID="{40D79F5D-9931-426A-B669-B5BEF7A8CB2A}" presName="FiveNodes_1_text" presStyleLbl="node1" presStyleIdx="4" presStyleCnt="5">
-        <dgm:presLayoutVars>
-          <dgm:bulletEnabled val="1"/>
-        </dgm:presLayoutVars>
-      </dgm:prSet>
-      <dgm:spPr/>
-      <dgm:t>
-        <a:bodyPr/>
-        <a:lstStyle/>
-        <a:p>
-          <a:endParaRPr lang="en-GB"/>
-        </a:p>
-      </dgm:t>
-    </dgm:pt>
-    <dgm:pt modelId="{62521164-133C-4FE3-8FE4-95C2B86AEB4C}" type="pres">
-      <dgm:prSet presAssocID="{40D79F5D-9931-426A-B669-B5BEF7A8CB2A}" presName="FiveNodes_2_text" presStyleLbl="node1" presStyleIdx="4" presStyleCnt="5">
-        <dgm:presLayoutVars>
-          <dgm:bulletEnabled val="1"/>
-        </dgm:presLayoutVars>
-      </dgm:prSet>
-      <dgm:spPr/>
-      <dgm:t>
-        <a:bodyPr/>
-        <a:lstStyle/>
-        <a:p>
-          <a:endParaRPr lang="en-GB"/>
-        </a:p>
-      </dgm:t>
-    </dgm:pt>
-    <dgm:pt modelId="{42984757-C35D-419F-951B-D474C0F6B932}" type="pres">
-      <dgm:prSet presAssocID="{40D79F5D-9931-426A-B669-B5BEF7A8CB2A}" presName="FiveNodes_3_text" presStyleLbl="node1" presStyleIdx="4" presStyleCnt="5">
-        <dgm:presLayoutVars>
-          <dgm:bulletEnabled val="1"/>
-        </dgm:presLayoutVars>
-      </dgm:prSet>
-      <dgm:spPr/>
-      <dgm:t>
-        <a:bodyPr/>
-        <a:lstStyle/>
-        <a:p>
-          <a:endParaRPr lang="en-GB"/>
-        </a:p>
-      </dgm:t>
-    </dgm:pt>
-    <dgm:pt modelId="{7E8CF6F3-7A8C-4EF9-8E2A-D144EF88CEE6}" type="pres">
-      <dgm:prSet presAssocID="{40D79F5D-9931-426A-B669-B5BEF7A8CB2A}" presName="FiveNodes_4_text" presStyleLbl="node1" presStyleIdx="4" presStyleCnt="5">
-        <dgm:presLayoutVars>
-          <dgm:bulletEnabled val="1"/>
-        </dgm:presLayoutVars>
-      </dgm:prSet>
-      <dgm:spPr/>
-      <dgm:t>
-        <a:bodyPr/>
-        <a:lstStyle/>
-        <a:p>
-          <a:endParaRPr lang="en-GB"/>
-        </a:p>
-      </dgm:t>
-    </dgm:pt>
-    <dgm:pt modelId="{1A38F754-A13E-4CE4-9DB0-0E6A06416449}" type="pres">
-      <dgm:prSet presAssocID="{40D79F5D-9931-426A-B669-B5BEF7A8CB2A}" presName="FiveNodes_5_text" presStyleLbl="node1" presStyleIdx="4" presStyleCnt="5">
+    <dgm:pt modelId="{E3C9624B-39B5-497C-B494-CE5888336F02}" type="pres">
+      <dgm:prSet presAssocID="{40D79F5D-9931-426A-B669-B5BEF7A8CB2A}" presName="ThreeNodes_3_text" presStyleLbl="node1" presStyleIdx="2" presStyleCnt="3">
         <dgm:presLayoutVars>
           <dgm:bulletEnabled val="1"/>
         </dgm:presLayoutVars>
@@ -1519,47 +1355,33 @@
     </dgm:pt>
   </dgm:ptLst>
   <dgm:cxnLst>
-    <dgm:cxn modelId="{403D09CB-3DEF-427C-84A3-2D15D76B7A53}" srcId="{40D79F5D-9931-426A-B669-B5BEF7A8CB2A}" destId="{3AA3768D-3D9A-436E-B602-C5A59FFBAFEC}" srcOrd="2" destOrd="0" parTransId="{69D1AD42-D6FA-4265-A5B6-21AE5DE52F49}" sibTransId="{2BBBA67C-FB53-420E-A852-4FFB9F36C3D8}"/>
-    <dgm:cxn modelId="{D94C8215-C6ED-E94E-97C7-9EC189E60289}" type="presOf" srcId="{3AA3768D-3D9A-436E-B602-C5A59FFBAFEC}" destId="{3993AE0D-00D5-4833-B7EE-98DC82C8871A}" srcOrd="0" destOrd="0" presId="urn:microsoft.com/office/officeart/2005/8/layout/vProcess5"/>
-    <dgm:cxn modelId="{CEA9DEB2-927A-864D-BB3E-A70895BDBF39}" type="presOf" srcId="{4AB9B9E1-0E17-4B9A-9E84-EBD70D080BD2}" destId="{0832F444-92D2-47E6-98A0-8BDAC29754BB}" srcOrd="0" destOrd="0" presId="urn:microsoft.com/office/officeart/2005/8/layout/vProcess5"/>
-    <dgm:cxn modelId="{3C767E61-B610-1C42-B900-6FB3B87304BF}" type="presOf" srcId="{B65907B1-A1E2-4DB5-AD4F-8C30C2899521}" destId="{0B5C20D8-F3D2-4A91-9863-5048A6822435}" srcOrd="0" destOrd="0" presId="urn:microsoft.com/office/officeart/2005/8/layout/vProcess5"/>
-    <dgm:cxn modelId="{0D4DCFDE-4EFA-1243-AA2E-C41C28463EC9}" type="presOf" srcId="{3AA3768D-3D9A-436E-B602-C5A59FFBAFEC}" destId="{42984757-C35D-419F-951B-D474C0F6B932}" srcOrd="1" destOrd="0" presId="urn:microsoft.com/office/officeart/2005/8/layout/vProcess5"/>
-    <dgm:cxn modelId="{473AA0C4-5308-499D-92F2-02581DCDFAA9}" srcId="{40D79F5D-9931-426A-B669-B5BEF7A8CB2A}" destId="{19F66229-03FD-4C0D-813E-0BBEDEFFF908}" srcOrd="3" destOrd="0" parTransId="{AB547BD5-E52F-4825-B13C-D43FC409A135}" sibTransId="{4A4A86F0-2078-45AB-A42B-5F48DC625232}"/>
+    <dgm:cxn modelId="{3DAE5163-0FD0-4091-A415-5AE6E32EF9C2}" type="presOf" srcId="{4AB9B9E1-0E17-4B9A-9E84-EBD70D080BD2}" destId="{E52B5DD4-005A-4C4F-8868-02D4BF4CCEE8}" srcOrd="0" destOrd="0" presId="urn:microsoft.com/office/officeart/2005/8/layout/vProcess5"/>
+    <dgm:cxn modelId="{37844589-1833-48ED-B1D3-165F25C00860}" type="presOf" srcId="{98BAC4C6-25D8-45DD-B216-10036A6EE41A}" destId="{EBBCADB0-51B1-4B93-929D-1A91D1BF466F}" srcOrd="1" destOrd="0" presId="urn:microsoft.com/office/officeart/2005/8/layout/vProcess5"/>
+    <dgm:cxn modelId="{3A9EFFC9-1492-6D44-A260-265BBE21C150}" type="presOf" srcId="{40D79F5D-9931-426A-B669-B5BEF7A8CB2A}" destId="{2E4E9672-C2E6-4EEF-8F64-5BFC044E5F77}" srcOrd="0" destOrd="0" presId="urn:microsoft.com/office/officeart/2005/8/layout/vProcess5"/>
+    <dgm:cxn modelId="{6CDD9545-E977-414C-A3EB-33319244421F}" type="presOf" srcId="{051D639B-9540-49CA-B2FE-59596106A0A5}" destId="{EB7C47E3-9957-4788-8BE9-CA4D3F7B1003}" srcOrd="1" destOrd="0" presId="urn:microsoft.com/office/officeart/2005/8/layout/vProcess5"/>
+    <dgm:cxn modelId="{F58F18F9-E9FE-4B9B-BD77-400B4F780D73}" srcId="{40D79F5D-9931-426A-B669-B5BEF7A8CB2A}" destId="{98BAC4C6-25D8-45DD-B216-10036A6EE41A}" srcOrd="1" destOrd="0" parTransId="{24759866-9B0B-467A-A97F-F98A10176916}" sibTransId="{4AB9B9E1-0E17-4B9A-9E84-EBD70D080BD2}"/>
+    <dgm:cxn modelId="{0A931EB1-6276-402B-BEA4-FAA575661D1C}" type="presOf" srcId="{98BAC4C6-25D8-45DD-B216-10036A6EE41A}" destId="{E529676E-48D9-4AD4-91FF-E2484C7FA17C}" srcOrd="0" destOrd="0" presId="urn:microsoft.com/office/officeart/2005/8/layout/vProcess5"/>
+    <dgm:cxn modelId="{AAC23300-416F-4ADB-8E03-36EAF3BECD80}" type="presOf" srcId="{B65907B1-A1E2-4DB5-AD4F-8C30C2899521}" destId="{E3C9624B-39B5-497C-B494-CE5888336F02}" srcOrd="1" destOrd="0" presId="urn:microsoft.com/office/officeart/2005/8/layout/vProcess5"/>
+    <dgm:cxn modelId="{D6C776D6-08BE-4741-9447-766434CB12CD}" type="presOf" srcId="{051D639B-9540-49CA-B2FE-59596106A0A5}" destId="{2E7AE9AF-E505-4DCF-A427-E5B5A614DAA2}" srcOrd="0" destOrd="0" presId="urn:microsoft.com/office/officeart/2005/8/layout/vProcess5"/>
     <dgm:cxn modelId="{0D9AF34A-188C-4EAD-B738-59B597E77A61}" srcId="{40D79F5D-9931-426A-B669-B5BEF7A8CB2A}" destId="{051D639B-9540-49CA-B2FE-59596106A0A5}" srcOrd="0" destOrd="0" parTransId="{F0039EB1-2518-4A9D-8C56-8BBD69D7639C}" sibTransId="{14C59C04-0774-49DC-92F8-8CCD4F26B60A}"/>
-    <dgm:cxn modelId="{152E41D8-AFF3-9B49-9F13-39DC9DC9551B}" type="presOf" srcId="{14C59C04-0774-49DC-92F8-8CCD4F26B60A}" destId="{7FFB4B13-9E00-456A-AB61-E8FBB5B48DF0}" srcOrd="0" destOrd="0" presId="urn:microsoft.com/office/officeart/2005/8/layout/vProcess5"/>
-    <dgm:cxn modelId="{8A96F974-D67F-9542-A5E0-D44346BAB564}" type="presOf" srcId="{B65907B1-A1E2-4DB5-AD4F-8C30C2899521}" destId="{1A38F754-A13E-4CE4-9DB0-0E6A06416449}" srcOrd="1" destOrd="0" presId="urn:microsoft.com/office/officeart/2005/8/layout/vProcess5"/>
-    <dgm:cxn modelId="{F58F18F9-E9FE-4B9B-BD77-400B4F780D73}" srcId="{40D79F5D-9931-426A-B669-B5BEF7A8CB2A}" destId="{98BAC4C6-25D8-45DD-B216-10036A6EE41A}" srcOrd="1" destOrd="0" parTransId="{24759866-9B0B-467A-A97F-F98A10176916}" sibTransId="{4AB9B9E1-0E17-4B9A-9E84-EBD70D080BD2}"/>
-    <dgm:cxn modelId="{8CC23907-41D8-B541-8329-5B7F611DE963}" type="presOf" srcId="{98BAC4C6-25D8-45DD-B216-10036A6EE41A}" destId="{1B72FD27-49CA-4EA6-B9E7-8CFEE2146117}" srcOrd="0" destOrd="0" presId="urn:microsoft.com/office/officeart/2005/8/layout/vProcess5"/>
-    <dgm:cxn modelId="{930B0CC0-F6BE-0D45-B87A-63F267E290AB}" type="presOf" srcId="{4A4A86F0-2078-45AB-A42B-5F48DC625232}" destId="{74B6E5F5-23FD-4BCB-8A3C-F74042048EC7}" srcOrd="0" destOrd="0" presId="urn:microsoft.com/office/officeart/2005/8/layout/vProcess5"/>
-    <dgm:cxn modelId="{61025FFD-3628-2447-8F1E-12383D4608EE}" type="presOf" srcId="{98BAC4C6-25D8-45DD-B216-10036A6EE41A}" destId="{62521164-133C-4FE3-8FE4-95C2B86AEB4C}" srcOrd="1" destOrd="0" presId="urn:microsoft.com/office/officeart/2005/8/layout/vProcess5"/>
-    <dgm:cxn modelId="{5C3138CF-98D4-4C71-837F-BC2F6F3BCBCE}" srcId="{40D79F5D-9931-426A-B669-B5BEF7A8CB2A}" destId="{B65907B1-A1E2-4DB5-AD4F-8C30C2899521}" srcOrd="4" destOrd="0" parTransId="{39B4ECE5-5733-43A9-A214-4AACF91DAEC4}" sibTransId="{1D74D4DF-4B48-47D4-A252-AFD482730346}"/>
-    <dgm:cxn modelId="{0F9BDCE4-8BB3-AB42-BFF8-4F8B9CCACA5A}" type="presOf" srcId="{19F66229-03FD-4C0D-813E-0BBEDEFFF908}" destId="{7E8CF6F3-7A8C-4EF9-8E2A-D144EF88CEE6}" srcOrd="1" destOrd="0" presId="urn:microsoft.com/office/officeart/2005/8/layout/vProcess5"/>
-    <dgm:cxn modelId="{3A9EFFC9-1492-6D44-A260-265BBE21C150}" type="presOf" srcId="{40D79F5D-9931-426A-B669-B5BEF7A8CB2A}" destId="{2E4E9672-C2E6-4EEF-8F64-5BFC044E5F77}" srcOrd="0" destOrd="0" presId="urn:microsoft.com/office/officeart/2005/8/layout/vProcess5"/>
-    <dgm:cxn modelId="{A254F4E9-2E1D-7646-8253-70F19F3EF2B2}" type="presOf" srcId="{19F66229-03FD-4C0D-813E-0BBEDEFFF908}" destId="{AE34178A-4C11-4913-88C3-98CD679EBDA2}" srcOrd="0" destOrd="0" presId="urn:microsoft.com/office/officeart/2005/8/layout/vProcess5"/>
-    <dgm:cxn modelId="{17FFC33B-8297-D34D-A9D7-6C10439CD0B1}" type="presOf" srcId="{051D639B-9540-49CA-B2FE-59596106A0A5}" destId="{65946C7F-3C49-435A-83E1-7F03E6D9115B}" srcOrd="1" destOrd="0" presId="urn:microsoft.com/office/officeart/2005/8/layout/vProcess5"/>
-    <dgm:cxn modelId="{AF537D14-1330-814F-954E-BF4F3AE00D9A}" type="presOf" srcId="{2BBBA67C-FB53-420E-A852-4FFB9F36C3D8}" destId="{1AF31F0F-1CE8-48B1-8271-6AF3337DF40D}" srcOrd="0" destOrd="0" presId="urn:microsoft.com/office/officeart/2005/8/layout/vProcess5"/>
-    <dgm:cxn modelId="{2A7F98D3-93FC-E349-8E75-401DF60028D9}" type="presOf" srcId="{051D639B-9540-49CA-B2FE-59596106A0A5}" destId="{239B7340-6B83-4B51-857E-8C0055E2A94D}" srcOrd="0" destOrd="0" presId="urn:microsoft.com/office/officeart/2005/8/layout/vProcess5"/>
+    <dgm:cxn modelId="{23182D07-562F-456D-B0BA-38A855B05B68}" type="presOf" srcId="{14C59C04-0774-49DC-92F8-8CCD4F26B60A}" destId="{013D4FD2-DBB7-42CF-AFE7-DB2F2CB599FA}" srcOrd="0" destOrd="0" presId="urn:microsoft.com/office/officeart/2005/8/layout/vProcess5"/>
+    <dgm:cxn modelId="{5C3138CF-98D4-4C71-837F-BC2F6F3BCBCE}" srcId="{40D79F5D-9931-426A-B669-B5BEF7A8CB2A}" destId="{B65907B1-A1E2-4DB5-AD4F-8C30C2899521}" srcOrd="2" destOrd="0" parTransId="{39B4ECE5-5733-43A9-A214-4AACF91DAEC4}" sibTransId="{1D74D4DF-4B48-47D4-A252-AFD482730346}"/>
+    <dgm:cxn modelId="{076732E2-62A5-4E40-84C6-9F87702894EA}" type="presOf" srcId="{B65907B1-A1E2-4DB5-AD4F-8C30C2899521}" destId="{1AE72581-F423-42AD-B32E-596F09FAF3B1}" srcOrd="0" destOrd="0" presId="urn:microsoft.com/office/officeart/2005/8/layout/vProcess5"/>
     <dgm:cxn modelId="{1B81EBE8-E2D1-C541-9997-3031CC93CAFB}" type="presParOf" srcId="{2E4E9672-C2E6-4EEF-8F64-5BFC044E5F77}" destId="{18324587-9774-4EEB-9558-078246AAD598}" srcOrd="0" destOrd="0" presId="urn:microsoft.com/office/officeart/2005/8/layout/vProcess5"/>
-    <dgm:cxn modelId="{307F365D-4E2E-E241-ABF1-6BE37D7AC165}" type="presParOf" srcId="{2E4E9672-C2E6-4EEF-8F64-5BFC044E5F77}" destId="{239B7340-6B83-4B51-857E-8C0055E2A94D}" srcOrd="1" destOrd="0" presId="urn:microsoft.com/office/officeart/2005/8/layout/vProcess5"/>
-    <dgm:cxn modelId="{A40287FC-123D-454A-A3AD-995560AB097D}" type="presParOf" srcId="{2E4E9672-C2E6-4EEF-8F64-5BFC044E5F77}" destId="{1B72FD27-49CA-4EA6-B9E7-8CFEE2146117}" srcOrd="2" destOrd="0" presId="urn:microsoft.com/office/officeart/2005/8/layout/vProcess5"/>
-    <dgm:cxn modelId="{3E39A72E-4329-7A42-B0FA-A3DC6A147F80}" type="presParOf" srcId="{2E4E9672-C2E6-4EEF-8F64-5BFC044E5F77}" destId="{3993AE0D-00D5-4833-B7EE-98DC82C8871A}" srcOrd="3" destOrd="0" presId="urn:microsoft.com/office/officeart/2005/8/layout/vProcess5"/>
-    <dgm:cxn modelId="{9D11ED12-BA49-884A-9202-78A77BEA73C3}" type="presParOf" srcId="{2E4E9672-C2E6-4EEF-8F64-5BFC044E5F77}" destId="{AE34178A-4C11-4913-88C3-98CD679EBDA2}" srcOrd="4" destOrd="0" presId="urn:microsoft.com/office/officeart/2005/8/layout/vProcess5"/>
-    <dgm:cxn modelId="{DCE4164E-7421-484E-96D5-EFD3F4B728D8}" type="presParOf" srcId="{2E4E9672-C2E6-4EEF-8F64-5BFC044E5F77}" destId="{0B5C20D8-F3D2-4A91-9863-5048A6822435}" srcOrd="5" destOrd="0" presId="urn:microsoft.com/office/officeart/2005/8/layout/vProcess5"/>
-    <dgm:cxn modelId="{1C9A8E58-AA0F-5E44-AD3D-FDD8DA158BD5}" type="presParOf" srcId="{2E4E9672-C2E6-4EEF-8F64-5BFC044E5F77}" destId="{7FFB4B13-9E00-456A-AB61-E8FBB5B48DF0}" srcOrd="6" destOrd="0" presId="urn:microsoft.com/office/officeart/2005/8/layout/vProcess5"/>
-    <dgm:cxn modelId="{F1B58D0E-4C25-8641-A305-A57079B47D40}" type="presParOf" srcId="{2E4E9672-C2E6-4EEF-8F64-5BFC044E5F77}" destId="{0832F444-92D2-47E6-98A0-8BDAC29754BB}" srcOrd="7" destOrd="0" presId="urn:microsoft.com/office/officeart/2005/8/layout/vProcess5"/>
-    <dgm:cxn modelId="{018C9E32-A43E-6F46-B359-7ACF57859000}" type="presParOf" srcId="{2E4E9672-C2E6-4EEF-8F64-5BFC044E5F77}" destId="{1AF31F0F-1CE8-48B1-8271-6AF3337DF40D}" srcOrd="8" destOrd="0" presId="urn:microsoft.com/office/officeart/2005/8/layout/vProcess5"/>
-    <dgm:cxn modelId="{308E6E77-D20F-D942-9AAA-CD91F4A030D4}" type="presParOf" srcId="{2E4E9672-C2E6-4EEF-8F64-5BFC044E5F77}" destId="{74B6E5F5-23FD-4BCB-8A3C-F74042048EC7}" srcOrd="9" destOrd="0" presId="urn:microsoft.com/office/officeart/2005/8/layout/vProcess5"/>
-    <dgm:cxn modelId="{655FEC1F-4160-2E4A-BA81-A187910B0B7B}" type="presParOf" srcId="{2E4E9672-C2E6-4EEF-8F64-5BFC044E5F77}" destId="{65946C7F-3C49-435A-83E1-7F03E6D9115B}" srcOrd="10" destOrd="0" presId="urn:microsoft.com/office/officeart/2005/8/layout/vProcess5"/>
-    <dgm:cxn modelId="{99CCC04A-22A0-2042-AD05-282F112F2E1F}" type="presParOf" srcId="{2E4E9672-C2E6-4EEF-8F64-5BFC044E5F77}" destId="{62521164-133C-4FE3-8FE4-95C2B86AEB4C}" srcOrd="11" destOrd="0" presId="urn:microsoft.com/office/officeart/2005/8/layout/vProcess5"/>
-    <dgm:cxn modelId="{003A756B-18B7-8B40-9F89-52EE31ED42D1}" type="presParOf" srcId="{2E4E9672-C2E6-4EEF-8F64-5BFC044E5F77}" destId="{42984757-C35D-419F-951B-D474C0F6B932}" srcOrd="12" destOrd="0" presId="urn:microsoft.com/office/officeart/2005/8/layout/vProcess5"/>
-    <dgm:cxn modelId="{82ED99C0-8F03-E940-8E36-4F45BD9274AE}" type="presParOf" srcId="{2E4E9672-C2E6-4EEF-8F64-5BFC044E5F77}" destId="{7E8CF6F3-7A8C-4EF9-8E2A-D144EF88CEE6}" srcOrd="13" destOrd="0" presId="urn:microsoft.com/office/officeart/2005/8/layout/vProcess5"/>
-    <dgm:cxn modelId="{411A8300-9041-3B44-9D2D-F4656AEC1DEA}" type="presParOf" srcId="{2E4E9672-C2E6-4EEF-8F64-5BFC044E5F77}" destId="{1A38F754-A13E-4CE4-9DB0-0E6A06416449}" srcOrd="14" destOrd="0" presId="urn:microsoft.com/office/officeart/2005/8/layout/vProcess5"/>
+    <dgm:cxn modelId="{FCB270F0-D7DD-4F54-979C-3F2BFC6DEF4D}" type="presParOf" srcId="{2E4E9672-C2E6-4EEF-8F64-5BFC044E5F77}" destId="{2E7AE9AF-E505-4DCF-A427-E5B5A614DAA2}" srcOrd="1" destOrd="0" presId="urn:microsoft.com/office/officeart/2005/8/layout/vProcess5"/>
+    <dgm:cxn modelId="{5617965C-3522-4AFD-8431-7EF3A3848CB1}" type="presParOf" srcId="{2E4E9672-C2E6-4EEF-8F64-5BFC044E5F77}" destId="{E529676E-48D9-4AD4-91FF-E2484C7FA17C}" srcOrd="2" destOrd="0" presId="urn:microsoft.com/office/officeart/2005/8/layout/vProcess5"/>
+    <dgm:cxn modelId="{86EB2FF3-2E3A-462F-A9C7-36DD42CE5CE3}" type="presParOf" srcId="{2E4E9672-C2E6-4EEF-8F64-5BFC044E5F77}" destId="{1AE72581-F423-42AD-B32E-596F09FAF3B1}" srcOrd="3" destOrd="0" presId="urn:microsoft.com/office/officeart/2005/8/layout/vProcess5"/>
+    <dgm:cxn modelId="{2985A3E2-2B55-476D-8AF3-6FF701564C6C}" type="presParOf" srcId="{2E4E9672-C2E6-4EEF-8F64-5BFC044E5F77}" destId="{013D4FD2-DBB7-42CF-AFE7-DB2F2CB599FA}" srcOrd="4" destOrd="0" presId="urn:microsoft.com/office/officeart/2005/8/layout/vProcess5"/>
+    <dgm:cxn modelId="{562D560A-02FB-4721-A3F1-08EB2355665B}" type="presParOf" srcId="{2E4E9672-C2E6-4EEF-8F64-5BFC044E5F77}" destId="{E52B5DD4-005A-4C4F-8868-02D4BF4CCEE8}" srcOrd="5" destOrd="0" presId="urn:microsoft.com/office/officeart/2005/8/layout/vProcess5"/>
+    <dgm:cxn modelId="{89DDC98D-25E3-46AE-83A1-77CA079FFAB8}" type="presParOf" srcId="{2E4E9672-C2E6-4EEF-8F64-5BFC044E5F77}" destId="{EB7C47E3-9957-4788-8BE9-CA4D3F7B1003}" srcOrd="6" destOrd="0" presId="urn:microsoft.com/office/officeart/2005/8/layout/vProcess5"/>
+    <dgm:cxn modelId="{CB7DC457-EEBD-41B6-A7FE-F82E49537878}" type="presParOf" srcId="{2E4E9672-C2E6-4EEF-8F64-5BFC044E5F77}" destId="{EBBCADB0-51B1-4B93-929D-1A91D1BF466F}" srcOrd="7" destOrd="0" presId="urn:microsoft.com/office/officeart/2005/8/layout/vProcess5"/>
+    <dgm:cxn modelId="{97E8A825-82AD-4E11-9E56-3DA5B02CF962}" type="presParOf" srcId="{2E4E9672-C2E6-4EEF-8F64-5BFC044E5F77}" destId="{E3C9624B-39B5-497C-B494-CE5888336F02}" srcOrd="8" destOrd="0" presId="urn:microsoft.com/office/officeart/2005/8/layout/vProcess5"/>
   </dgm:cxnLst>
   <dgm:bg/>
   <dgm:whole/>
   <dgm:extLst>
     <a:ext uri="http://schemas.microsoft.com/office/drawing/2008/diagram">
-      <dsp:dataModelExt xmlns:dsp="http://schemas.microsoft.com/office/drawing/2008/diagram" relId="rId6" minVer="http://schemas.openxmlformats.org/drawingml/2006/diagram"/>
+      <dsp:dataModelExt xmlns:dsp="http://schemas.microsoft.com/office/drawing/2008/diagram" relId="rId7" minVer="http://schemas.openxmlformats.org/drawingml/2006/diagram"/>
     </a:ext>
   </dgm:extLst>
 </dgm:dataModel>
@@ -1573,7 +1395,7 @@
       <dsp:cNvGrpSpPr/>
     </dsp:nvGrpSpPr>
     <dsp:grpSpPr/>
-    <dsp:sp modelId="{239B7340-6B83-4B51-857E-8C0055E2A94D}">
+    <dsp:sp modelId="{2E7AE9AF-E505-4DCF-A427-E5B5A614DAA2}">
       <dsp:nvSpPr>
         <dsp:cNvPr id="0" name=""/>
         <dsp:cNvSpPr/>
@@ -1581,7 +1403,7 @@
       <dsp:spPr>
         <a:xfrm>
           <a:off x="0" y="0"/>
-          <a:ext cx="2889187" cy="428506"/>
+          <a:ext cx="3189363" cy="714177"/>
         </a:xfrm>
         <a:prstGeom prst="roundRect">
           <a:avLst>
@@ -1690,12 +1512,12 @@
         </a:fontRef>
       </dsp:style>
       <dsp:txBody>
-        <a:bodyPr spcFirstLastPara="0" vert="horz" wrap="square" lIns="68580" tIns="68580" rIns="68580" bIns="68580" numCol="1" spcCol="1270" anchor="ctr" anchorCtr="0">
+        <a:bodyPr spcFirstLastPara="0" vert="horz" wrap="square" lIns="57150" tIns="57150" rIns="57150" bIns="57150" numCol="1" spcCol="1270" anchor="ctr" anchorCtr="0">
           <a:noAutofit/>
         </a:bodyPr>
         <a:lstStyle/>
         <a:p>
-          <a:pPr lvl="0" algn="l" defTabSz="800100">
+          <a:pPr lvl="0" algn="l" defTabSz="666750">
             <a:lnSpc>
               <a:spcPct val="90000"/>
             </a:lnSpc>
@@ -1707,14 +1529,14 @@
             </a:spcAft>
           </a:pPr>
           <a:r>
-            <a:rPr lang="en-NZ" sz="1800" kern="1200" dirty="0" smtClean="0">
+            <a:rPr lang="en-NZ" sz="1500" kern="1200" dirty="0" smtClean="0">
               <a:solidFill>
                 <a:schemeClr val="bg1"/>
               </a:solidFill>
             </a:rPr>
             <a:t>Source Code</a:t>
           </a:r>
-          <a:endParaRPr lang="en-GB" sz="1800" kern="1200" dirty="0">
+          <a:endParaRPr lang="en-GB" sz="1500" kern="1200" dirty="0">
             <a:solidFill>
               <a:schemeClr val="bg1"/>
             </a:solidFill>
@@ -1722,19 +1544,19 @@
         </a:p>
       </dsp:txBody>
       <dsp:txXfrm>
-        <a:off x="12551" y="12551"/>
-        <a:ext cx="2376659" cy="403404"/>
+        <a:off x="20918" y="20918"/>
+        <a:ext cx="2418708" cy="672341"/>
       </dsp:txXfrm>
     </dsp:sp>
-    <dsp:sp modelId="{1B72FD27-49CA-4EA6-B9E7-8CFEE2146117}">
+    <dsp:sp modelId="{E529676E-48D9-4AD4-91FF-E2484C7FA17C}">
       <dsp:nvSpPr>
         <dsp:cNvPr id="0" name=""/>
         <dsp:cNvSpPr/>
       </dsp:nvSpPr>
       <dsp:spPr>
         <a:xfrm>
-          <a:off x="215751" y="488021"/>
-          <a:ext cx="2889187" cy="428506"/>
+          <a:off x="281414" y="833207"/>
+          <a:ext cx="3189363" cy="714177"/>
         </a:xfrm>
         <a:prstGeom prst="roundRect">
           <a:avLst>
@@ -1843,12 +1665,12 @@
         </a:fontRef>
       </dsp:style>
       <dsp:txBody>
-        <a:bodyPr spcFirstLastPara="0" vert="horz" wrap="square" lIns="68580" tIns="68580" rIns="68580" bIns="68580" numCol="1" spcCol="1270" anchor="ctr" anchorCtr="0">
+        <a:bodyPr spcFirstLastPara="0" vert="horz" wrap="square" lIns="57150" tIns="57150" rIns="57150" bIns="57150" numCol="1" spcCol="1270" anchor="ctr" anchorCtr="0">
           <a:noAutofit/>
         </a:bodyPr>
         <a:lstStyle/>
         <a:p>
-          <a:pPr lvl="0" algn="l" defTabSz="800100">
+          <a:pPr lvl="0" algn="l" defTabSz="666750">
             <a:lnSpc>
               <a:spcPct val="90000"/>
             </a:lnSpc>
@@ -1860,26 +1682,26 @@
             </a:spcAft>
           </a:pPr>
           <a:r>
-            <a:rPr lang="en-NZ" sz="1800" kern="1200" dirty="0" smtClean="0"/>
-            <a:t>Compiler</a:t>
+            <a:rPr lang="en-NZ" sz="1500" kern="1200" dirty="0" smtClean="0"/>
+            <a:t>Code reordering by Compiler , Cache or Processor</a:t>
           </a:r>
-          <a:endParaRPr lang="en-GB" sz="1800" kern="1200" dirty="0"/>
+          <a:endParaRPr lang="en-GB" sz="1500" kern="1200" dirty="0"/>
         </a:p>
       </dsp:txBody>
       <dsp:txXfrm>
-        <a:off x="228302" y="500572"/>
-        <a:ext cx="2369805" cy="403404"/>
+        <a:off x="302332" y="854125"/>
+        <a:ext cx="2401897" cy="672341"/>
       </dsp:txXfrm>
     </dsp:sp>
-    <dsp:sp modelId="{3993AE0D-00D5-4833-B7EE-98DC82C8871A}">
+    <dsp:sp modelId="{1AE72581-F423-42AD-B32E-596F09FAF3B1}">
       <dsp:nvSpPr>
         <dsp:cNvPr id="0" name=""/>
         <dsp:cNvSpPr/>
       </dsp:nvSpPr>
       <dsp:spPr>
         <a:xfrm>
-          <a:off x="431502" y="976043"/>
-          <a:ext cx="2889187" cy="428506"/>
+          <a:off x="562828" y="1666415"/>
+          <a:ext cx="3189363" cy="714177"/>
         </a:xfrm>
         <a:prstGeom prst="roundRect">
           <a:avLst>
@@ -1988,12 +1810,12 @@
         </a:fontRef>
       </dsp:style>
       <dsp:txBody>
-        <a:bodyPr spcFirstLastPara="0" vert="horz" wrap="square" lIns="68580" tIns="68580" rIns="68580" bIns="68580" numCol="1" spcCol="1270" anchor="ctr" anchorCtr="0">
+        <a:bodyPr spcFirstLastPara="0" vert="horz" wrap="square" lIns="57150" tIns="57150" rIns="57150" bIns="57150" numCol="1" spcCol="1270" anchor="ctr" anchorCtr="0">
           <a:noAutofit/>
         </a:bodyPr>
         <a:lstStyle/>
         <a:p>
-          <a:pPr lvl="0" algn="l" defTabSz="800100">
+          <a:pPr lvl="0" algn="l" defTabSz="666750">
             <a:lnSpc>
               <a:spcPct val="90000"/>
             </a:lnSpc>
@@ -2005,304 +1827,14 @@
             </a:spcAft>
           </a:pPr>
           <a:r>
-            <a:rPr lang="en-NZ" sz="1800" kern="1200" dirty="0" smtClean="0"/>
-            <a:t>Processor</a:t>
-          </a:r>
-          <a:endParaRPr lang="en-GB" sz="1800" kern="1200" dirty="0"/>
-        </a:p>
-      </dsp:txBody>
-      <dsp:txXfrm>
-        <a:off x="444053" y="988594"/>
-        <a:ext cx="2369805" cy="403404"/>
-      </dsp:txXfrm>
-    </dsp:sp>
-    <dsp:sp modelId="{AE34178A-4C11-4913-88C3-98CD679EBDA2}">
-      <dsp:nvSpPr>
-        <dsp:cNvPr id="0" name=""/>
-        <dsp:cNvSpPr/>
-      </dsp:nvSpPr>
-      <dsp:spPr>
-        <a:xfrm>
-          <a:off x="647253" y="1464064"/>
-          <a:ext cx="2889187" cy="428506"/>
-        </a:xfrm>
-        <a:prstGeom prst="roundRect">
-          <a:avLst>
-            <a:gd name="adj" fmla="val 10000"/>
-          </a:avLst>
-        </a:prstGeom>
-        <a:gradFill rotWithShape="0">
-          <a:gsLst>
-            <a:gs pos="0">
-              <a:schemeClr val="accent5">
-                <a:hueOff val="0"/>
-                <a:satOff val="0"/>
-                <a:lumOff val="0"/>
-                <a:alphaOff val="0"/>
-                <a:shade val="63000"/>
-                <a:satMod val="110000"/>
-              </a:schemeClr>
-            </a:gs>
-            <a:gs pos="30000">
-              <a:schemeClr val="accent5">
-                <a:hueOff val="0"/>
-                <a:satOff val="0"/>
-                <a:lumOff val="0"/>
-                <a:alphaOff val="0"/>
-                <a:shade val="90000"/>
-                <a:satMod val="120000"/>
-              </a:schemeClr>
-            </a:gs>
-            <a:gs pos="45000">
-              <a:schemeClr val="accent5">
-                <a:hueOff val="0"/>
-                <a:satOff val="0"/>
-                <a:lumOff val="0"/>
-                <a:alphaOff val="0"/>
-                <a:shade val="100000"/>
-                <a:satMod val="128000"/>
-              </a:schemeClr>
-            </a:gs>
-            <a:gs pos="55000">
-              <a:schemeClr val="accent5">
-                <a:hueOff val="0"/>
-                <a:satOff val="0"/>
-                <a:lumOff val="0"/>
-                <a:alphaOff val="0"/>
-                <a:shade val="100000"/>
-                <a:satMod val="128000"/>
-              </a:schemeClr>
-            </a:gs>
-            <a:gs pos="73000">
-              <a:schemeClr val="accent5">
-                <a:hueOff val="0"/>
-                <a:satOff val="0"/>
-                <a:lumOff val="0"/>
-                <a:alphaOff val="0"/>
-                <a:shade val="90000"/>
-                <a:satMod val="120000"/>
-              </a:schemeClr>
-            </a:gs>
-            <a:gs pos="100000">
-              <a:schemeClr val="accent5">
-                <a:hueOff val="0"/>
-                <a:satOff val="0"/>
-                <a:lumOff val="0"/>
-                <a:alphaOff val="0"/>
-                <a:shade val="63000"/>
-                <a:satMod val="110000"/>
-              </a:schemeClr>
-            </a:gs>
-          </a:gsLst>
-          <a:lin ang="950000" scaled="1"/>
-        </a:gradFill>
-        <a:ln>
-          <a:noFill/>
-        </a:ln>
-        <a:effectLst>
-          <a:outerShdw blurRad="57150" dist="38100" dir="5400000" algn="br" rotWithShape="0">
-            <a:srgbClr val="000000">
-              <a:alpha val="57000"/>
-            </a:srgbClr>
-          </a:outerShdw>
-        </a:effectLst>
-        <a:scene3d>
-          <a:camera prst="orthographicFront">
-            <a:rot lat="0" lon="0" rev="0"/>
-          </a:camera>
-          <a:lightRig rig="twoPt" dir="t">
-            <a:rot lat="0" lon="0" rev="1800000"/>
-          </a:lightRig>
-        </a:scene3d>
-        <a:sp3d>
-          <a:bevelT w="44450" h="31750" prst="coolSlant"/>
-        </a:sp3d>
-      </dsp:spPr>
-      <dsp:style>
-        <a:lnRef idx="0">
-          <a:scrgbClr r="0" g="0" b="0"/>
-        </a:lnRef>
-        <a:fillRef idx="3">
-          <a:scrgbClr r="0" g="0" b="0"/>
-        </a:fillRef>
-        <a:effectRef idx="3">
-          <a:scrgbClr r="0" g="0" b="0"/>
-        </a:effectRef>
-        <a:fontRef idx="minor">
-          <a:schemeClr val="lt1"/>
-        </a:fontRef>
-      </dsp:style>
-      <dsp:txBody>
-        <a:bodyPr spcFirstLastPara="0" vert="horz" wrap="square" lIns="68580" tIns="68580" rIns="68580" bIns="68580" numCol="1" spcCol="1270" anchor="ctr" anchorCtr="0">
-          <a:noAutofit/>
-        </a:bodyPr>
-        <a:lstStyle/>
-        <a:p>
-          <a:pPr lvl="0" algn="l" defTabSz="800100">
-            <a:lnSpc>
-              <a:spcPct val="90000"/>
-            </a:lnSpc>
-            <a:spcBef>
-              <a:spcPct val="0"/>
-            </a:spcBef>
-            <a:spcAft>
-              <a:spcPct val="35000"/>
-            </a:spcAft>
-          </a:pPr>
-          <a:r>
-            <a:rPr lang="en-NZ" sz="1800" kern="1200" dirty="0" smtClean="0"/>
-            <a:t>Cache</a:t>
-          </a:r>
-          <a:endParaRPr lang="en-GB" sz="1800" kern="1200" dirty="0"/>
-        </a:p>
-      </dsp:txBody>
-      <dsp:txXfrm>
-        <a:off x="659804" y="1476615"/>
-        <a:ext cx="2369805" cy="403404"/>
-      </dsp:txXfrm>
-    </dsp:sp>
-    <dsp:sp modelId="{0B5C20D8-F3D2-4A91-9863-5048A6822435}">
-      <dsp:nvSpPr>
-        <dsp:cNvPr id="0" name=""/>
-        <dsp:cNvSpPr/>
-      </dsp:nvSpPr>
-      <dsp:spPr>
-        <a:xfrm>
-          <a:off x="863004" y="1952086"/>
-          <a:ext cx="2889187" cy="428506"/>
-        </a:xfrm>
-        <a:prstGeom prst="roundRect">
-          <a:avLst>
-            <a:gd name="adj" fmla="val 10000"/>
-          </a:avLst>
-        </a:prstGeom>
-        <a:gradFill rotWithShape="0">
-          <a:gsLst>
-            <a:gs pos="0">
-              <a:schemeClr val="accent6">
-                <a:hueOff val="0"/>
-                <a:satOff val="0"/>
-                <a:lumOff val="0"/>
-                <a:alphaOff val="0"/>
-                <a:shade val="63000"/>
-                <a:satMod val="110000"/>
-              </a:schemeClr>
-            </a:gs>
-            <a:gs pos="30000">
-              <a:schemeClr val="accent6">
-                <a:hueOff val="0"/>
-                <a:satOff val="0"/>
-                <a:lumOff val="0"/>
-                <a:alphaOff val="0"/>
-                <a:shade val="90000"/>
-                <a:satMod val="120000"/>
-              </a:schemeClr>
-            </a:gs>
-            <a:gs pos="45000">
-              <a:schemeClr val="accent6">
-                <a:hueOff val="0"/>
-                <a:satOff val="0"/>
-                <a:lumOff val="0"/>
-                <a:alphaOff val="0"/>
-                <a:shade val="100000"/>
-                <a:satMod val="128000"/>
-              </a:schemeClr>
-            </a:gs>
-            <a:gs pos="55000">
-              <a:schemeClr val="accent6">
-                <a:hueOff val="0"/>
-                <a:satOff val="0"/>
-                <a:lumOff val="0"/>
-                <a:alphaOff val="0"/>
-                <a:shade val="100000"/>
-                <a:satMod val="128000"/>
-              </a:schemeClr>
-            </a:gs>
-            <a:gs pos="73000">
-              <a:schemeClr val="accent6">
-                <a:hueOff val="0"/>
-                <a:satOff val="0"/>
-                <a:lumOff val="0"/>
-                <a:alphaOff val="0"/>
-                <a:shade val="90000"/>
-                <a:satMod val="120000"/>
-              </a:schemeClr>
-            </a:gs>
-            <a:gs pos="100000">
-              <a:schemeClr val="accent6">
-                <a:hueOff val="0"/>
-                <a:satOff val="0"/>
-                <a:lumOff val="0"/>
-                <a:alphaOff val="0"/>
-                <a:shade val="63000"/>
-                <a:satMod val="110000"/>
-              </a:schemeClr>
-            </a:gs>
-          </a:gsLst>
-          <a:lin ang="950000" scaled="1"/>
-        </a:gradFill>
-        <a:ln>
-          <a:noFill/>
-        </a:ln>
-        <a:effectLst>
-          <a:outerShdw blurRad="57150" dist="38100" dir="5400000" algn="br" rotWithShape="0">
-            <a:srgbClr val="000000">
-              <a:alpha val="57000"/>
-            </a:srgbClr>
-          </a:outerShdw>
-        </a:effectLst>
-        <a:scene3d>
-          <a:camera prst="orthographicFront">
-            <a:rot lat="0" lon="0" rev="0"/>
-          </a:camera>
-          <a:lightRig rig="twoPt" dir="t">
-            <a:rot lat="0" lon="0" rev="1800000"/>
-          </a:lightRig>
-        </a:scene3d>
-        <a:sp3d>
-          <a:bevelT w="44450" h="31750" prst="coolSlant"/>
-        </a:sp3d>
-      </dsp:spPr>
-      <dsp:style>
-        <a:lnRef idx="0">
-          <a:scrgbClr r="0" g="0" b="0"/>
-        </a:lnRef>
-        <a:fillRef idx="3">
-          <a:scrgbClr r="0" g="0" b="0"/>
-        </a:fillRef>
-        <a:effectRef idx="3">
-          <a:scrgbClr r="0" g="0" b="0"/>
-        </a:effectRef>
-        <a:fontRef idx="minor">
-          <a:schemeClr val="lt1"/>
-        </a:fontRef>
-      </dsp:style>
-      <dsp:txBody>
-        <a:bodyPr spcFirstLastPara="0" vert="horz" wrap="square" lIns="68580" tIns="68580" rIns="68580" bIns="68580" numCol="1" spcCol="1270" anchor="ctr" anchorCtr="0">
-          <a:noAutofit/>
-        </a:bodyPr>
-        <a:lstStyle/>
-        <a:p>
-          <a:pPr lvl="0" algn="l" defTabSz="800100">
-            <a:lnSpc>
-              <a:spcPct val="90000"/>
-            </a:lnSpc>
-            <a:spcBef>
-              <a:spcPct val="0"/>
-            </a:spcBef>
-            <a:spcAft>
-              <a:spcPct val="35000"/>
-            </a:spcAft>
-          </a:pPr>
-          <a:r>
-            <a:rPr lang="en-NZ" sz="1800" kern="1200" dirty="0" smtClean="0">
+            <a:rPr lang="en-NZ" sz="1500" kern="1200" dirty="0" smtClean="0">
               <a:solidFill>
                 <a:schemeClr val="bg1"/>
               </a:solidFill>
             </a:rPr>
             <a:t>Actual Execution</a:t>
           </a:r>
-          <a:endParaRPr lang="en-GB" sz="1800" kern="1200" dirty="0">
+          <a:endParaRPr lang="en-GB" sz="1500" kern="1200" dirty="0">
             <a:solidFill>
               <a:schemeClr val="bg1"/>
             </a:solidFill>
@@ -2310,19 +1842,19 @@
         </a:p>
       </dsp:txBody>
       <dsp:txXfrm>
-        <a:off x="875555" y="1964637"/>
-        <a:ext cx="2369805" cy="403404"/>
+        <a:off x="583746" y="1687333"/>
+        <a:ext cx="2401897" cy="672341"/>
       </dsp:txXfrm>
     </dsp:sp>
-    <dsp:sp modelId="{7FFB4B13-9E00-456A-AB61-E8FBB5B48DF0}">
+    <dsp:sp modelId="{013D4FD2-DBB7-42CF-AFE7-DB2F2CB599FA}">
       <dsp:nvSpPr>
         <dsp:cNvPr id="0" name=""/>
         <dsp:cNvSpPr/>
       </dsp:nvSpPr>
       <dsp:spPr>
         <a:xfrm>
-          <a:off x="2610658" y="313047"/>
-          <a:ext cx="278529" cy="278529"/>
+          <a:off x="2725147" y="541584"/>
+          <a:ext cx="464215" cy="464215"/>
         </a:xfrm>
         <a:prstGeom prst="downArrow">
           <a:avLst>
@@ -2374,12 +1906,12 @@
         <a:fontRef idx="minor"/>
       </dsp:style>
       <dsp:txBody>
-        <a:bodyPr spcFirstLastPara="0" vert="horz" wrap="square" lIns="15240" tIns="15240" rIns="15240" bIns="15240" numCol="1" spcCol="1270" anchor="ctr" anchorCtr="0">
+        <a:bodyPr spcFirstLastPara="0" vert="horz" wrap="square" lIns="27940" tIns="27940" rIns="27940" bIns="27940" numCol="1" spcCol="1270" anchor="ctr" anchorCtr="0">
           <a:noAutofit/>
         </a:bodyPr>
         <a:lstStyle/>
         <a:p>
-          <a:pPr lvl="0" algn="ctr" defTabSz="533400">
+          <a:pPr lvl="0" algn="ctr" defTabSz="977900">
             <a:lnSpc>
               <a:spcPct val="90000"/>
             </a:lnSpc>
@@ -2390,23 +1922,23 @@
               <a:spcPct val="35000"/>
             </a:spcAft>
           </a:pPr>
-          <a:endParaRPr lang="en-GB" sz="1200" kern="1200"/>
+          <a:endParaRPr lang="en-GB" sz="2200" kern="1200"/>
         </a:p>
       </dsp:txBody>
       <dsp:txXfrm>
-        <a:off x="2673327" y="313047"/>
-        <a:ext cx="153191" cy="209593"/>
+        <a:off x="2829595" y="541584"/>
+        <a:ext cx="255319" cy="349322"/>
       </dsp:txXfrm>
     </dsp:sp>
-    <dsp:sp modelId="{0832F444-92D2-47E6-98A0-8BDAC29754BB}">
+    <dsp:sp modelId="{E52B5DD4-005A-4C4F-8868-02D4BF4CCEE8}">
       <dsp:nvSpPr>
         <dsp:cNvPr id="0" name=""/>
         <dsp:cNvSpPr/>
       </dsp:nvSpPr>
       <dsp:spPr>
         <a:xfrm>
-          <a:off x="2826409" y="801069"/>
-          <a:ext cx="278529" cy="278529"/>
+          <a:off x="3006561" y="1370031"/>
+          <a:ext cx="464215" cy="464215"/>
         </a:xfrm>
         <a:prstGeom prst="downArrow">
           <a:avLst>
@@ -2458,12 +1990,12 @@
         <a:fontRef idx="minor"/>
       </dsp:style>
       <dsp:txBody>
-        <a:bodyPr spcFirstLastPara="0" vert="horz" wrap="square" lIns="15240" tIns="15240" rIns="15240" bIns="15240" numCol="1" spcCol="1270" anchor="ctr" anchorCtr="0">
+        <a:bodyPr spcFirstLastPara="0" vert="horz" wrap="square" lIns="27940" tIns="27940" rIns="27940" bIns="27940" numCol="1" spcCol="1270" anchor="ctr" anchorCtr="0">
           <a:noAutofit/>
         </a:bodyPr>
         <a:lstStyle/>
         <a:p>
-          <a:pPr lvl="0" algn="ctr" defTabSz="533400">
+          <a:pPr lvl="0" algn="ctr" defTabSz="977900">
             <a:lnSpc>
               <a:spcPct val="90000"/>
             </a:lnSpc>
@@ -2474,180 +2006,12 @@
               <a:spcPct val="35000"/>
             </a:spcAft>
           </a:pPr>
-          <a:endParaRPr lang="en-GB" sz="1200" kern="1200"/>
+          <a:endParaRPr lang="en-GB" sz="2200" kern="1200"/>
         </a:p>
       </dsp:txBody>
       <dsp:txXfrm>
-        <a:off x="2889078" y="801069"/>
-        <a:ext cx="153191" cy="209593"/>
-      </dsp:txXfrm>
-    </dsp:sp>
-    <dsp:sp modelId="{1AF31F0F-1CE8-48B1-8271-6AF3337DF40D}">
-      <dsp:nvSpPr>
-        <dsp:cNvPr id="0" name=""/>
-        <dsp:cNvSpPr/>
-      </dsp:nvSpPr>
-      <dsp:spPr>
-        <a:xfrm>
-          <a:off x="3042160" y="1281949"/>
-          <a:ext cx="278529" cy="278529"/>
-        </a:xfrm>
-        <a:prstGeom prst="downArrow">
-          <a:avLst>
-            <a:gd name="adj1" fmla="val 55000"/>
-            <a:gd name="adj2" fmla="val 45000"/>
-          </a:avLst>
-        </a:prstGeom>
-        <a:solidFill>
-          <a:schemeClr val="accent4">
-            <a:tint val="40000"/>
-            <a:alpha val="90000"/>
-            <a:hueOff val="0"/>
-            <a:satOff val="0"/>
-            <a:lumOff val="0"/>
-            <a:alphaOff val="0"/>
-          </a:schemeClr>
-        </a:solidFill>
-        <a:ln w="9525" cap="flat" cmpd="sng" algn="ctr">
-          <a:solidFill>
-            <a:schemeClr val="accent4">
-              <a:tint val="40000"/>
-              <a:alpha val="90000"/>
-              <a:hueOff val="0"/>
-              <a:satOff val="0"/>
-              <a:lumOff val="0"/>
-              <a:alphaOff val="0"/>
-            </a:schemeClr>
-          </a:solidFill>
-          <a:prstDash val="solid"/>
-        </a:ln>
-        <a:effectLst>
-          <a:outerShdw blurRad="50800" dist="41909" dir="5400000" rotWithShape="0">
-            <a:srgbClr val="000000">
-              <a:alpha val="40000"/>
-            </a:srgbClr>
-          </a:outerShdw>
-        </a:effectLst>
-      </dsp:spPr>
-      <dsp:style>
-        <a:lnRef idx="1">
-          <a:scrgbClr r="0" g="0" b="0"/>
-        </a:lnRef>
-        <a:fillRef idx="1">
-          <a:scrgbClr r="0" g="0" b="0"/>
-        </a:fillRef>
-        <a:effectRef idx="2">
-          <a:scrgbClr r="0" g="0" b="0"/>
-        </a:effectRef>
-        <a:fontRef idx="minor"/>
-      </dsp:style>
-      <dsp:txBody>
-        <a:bodyPr spcFirstLastPara="0" vert="horz" wrap="square" lIns="15240" tIns="15240" rIns="15240" bIns="15240" numCol="1" spcCol="1270" anchor="ctr" anchorCtr="0">
-          <a:noAutofit/>
-        </a:bodyPr>
-        <a:lstStyle/>
-        <a:p>
-          <a:pPr lvl="0" algn="ctr" defTabSz="533400">
-            <a:lnSpc>
-              <a:spcPct val="90000"/>
-            </a:lnSpc>
-            <a:spcBef>
-              <a:spcPct val="0"/>
-            </a:spcBef>
-            <a:spcAft>
-              <a:spcPct val="35000"/>
-            </a:spcAft>
-          </a:pPr>
-          <a:endParaRPr lang="en-GB" sz="1200" kern="1200"/>
-        </a:p>
-      </dsp:txBody>
-      <dsp:txXfrm>
-        <a:off x="3104829" y="1281949"/>
-        <a:ext cx="153191" cy="209593"/>
-      </dsp:txXfrm>
-    </dsp:sp>
-    <dsp:sp modelId="{74B6E5F5-23FD-4BCB-8A3C-F74042048EC7}">
-      <dsp:nvSpPr>
-        <dsp:cNvPr id="0" name=""/>
-        <dsp:cNvSpPr/>
-      </dsp:nvSpPr>
-      <dsp:spPr>
-        <a:xfrm>
-          <a:off x="3257911" y="1774732"/>
-          <a:ext cx="278529" cy="278529"/>
-        </a:xfrm>
-        <a:prstGeom prst="downArrow">
-          <a:avLst>
-            <a:gd name="adj1" fmla="val 55000"/>
-            <a:gd name="adj2" fmla="val 45000"/>
-          </a:avLst>
-        </a:prstGeom>
-        <a:solidFill>
-          <a:schemeClr val="accent5">
-            <a:tint val="40000"/>
-            <a:alpha val="90000"/>
-            <a:hueOff val="0"/>
-            <a:satOff val="0"/>
-            <a:lumOff val="0"/>
-            <a:alphaOff val="0"/>
-          </a:schemeClr>
-        </a:solidFill>
-        <a:ln w="9525" cap="flat" cmpd="sng" algn="ctr">
-          <a:solidFill>
-            <a:schemeClr val="accent5">
-              <a:tint val="40000"/>
-              <a:alpha val="90000"/>
-              <a:hueOff val="0"/>
-              <a:satOff val="0"/>
-              <a:lumOff val="0"/>
-              <a:alphaOff val="0"/>
-            </a:schemeClr>
-          </a:solidFill>
-          <a:prstDash val="solid"/>
-        </a:ln>
-        <a:effectLst>
-          <a:outerShdw blurRad="50800" dist="41909" dir="5400000" rotWithShape="0">
-            <a:srgbClr val="000000">
-              <a:alpha val="40000"/>
-            </a:srgbClr>
-          </a:outerShdw>
-        </a:effectLst>
-      </dsp:spPr>
-      <dsp:style>
-        <a:lnRef idx="1">
-          <a:scrgbClr r="0" g="0" b="0"/>
-        </a:lnRef>
-        <a:fillRef idx="1">
-          <a:scrgbClr r="0" g="0" b="0"/>
-        </a:fillRef>
-        <a:effectRef idx="2">
-          <a:scrgbClr r="0" g="0" b="0"/>
-        </a:effectRef>
-        <a:fontRef idx="minor"/>
-      </dsp:style>
-      <dsp:txBody>
-        <a:bodyPr spcFirstLastPara="0" vert="horz" wrap="square" lIns="15240" tIns="15240" rIns="15240" bIns="15240" numCol="1" spcCol="1270" anchor="ctr" anchorCtr="0">
-          <a:noAutofit/>
-        </a:bodyPr>
-        <a:lstStyle/>
-        <a:p>
-          <a:pPr lvl="0" algn="ctr" defTabSz="533400">
-            <a:lnSpc>
-              <a:spcPct val="90000"/>
-            </a:lnSpc>
-            <a:spcBef>
-              <a:spcPct val="0"/>
-            </a:spcBef>
-            <a:spcAft>
-              <a:spcPct val="35000"/>
-            </a:spcAft>
-          </a:pPr>
-          <a:endParaRPr lang="en-GB" sz="1200" kern="1200"/>
-        </a:p>
-      </dsp:txBody>
-      <dsp:txXfrm>
-        <a:off x="3320580" y="1774732"/>
-        <a:ext cx="153191" cy="209593"/>
+        <a:off x="3111009" y="1370031"/>
+        <a:ext cx="255319" cy="349322"/>
       </dsp:txXfrm>
     </dsp:sp>
   </dsp:spTree>
@@ -4996,7 +4360,7 @@
           <a:p>
             <a:fld id="{E17A1F60-D46C-C04D-A60B-2230C10FC134}" type="datetimeFigureOut">
               <a:rPr lang="en-US" smtClean="0"/>
-              <a:t>5/20/14</a:t>
+              <a:t>5/21/2014</a:t>
             </a:fld>
             <a:endParaRPr lang="en-US"/>
           </a:p>
@@ -5456,6 +4820,98 @@
           <a:bodyPr/>
           <a:lstStyle/>
           <a:p>
+            <a:r>
+              <a:rPr lang="en-US" dirty="0" smtClean="0"/>
+              <a:t>90% is</a:t>
+            </a:r>
+            <a:r>
+              <a:rPr lang="en-US" baseline="0" dirty="0" smtClean="0"/>
+              <a:t> a dummy value</a:t>
+            </a:r>
+            <a:endParaRPr lang="en-US" dirty="0"/>
+          </a:p>
+        </p:txBody>
+      </p:sp>
+      <p:sp>
+        <p:nvSpPr>
+          <p:cNvPr id="4" name="Slide Number Placeholder 3"/>
+          <p:cNvSpPr>
+            <a:spLocks noGrp="1"/>
+          </p:cNvSpPr>
+          <p:nvPr>
+            <p:ph type="sldNum" sz="quarter" idx="10"/>
+          </p:nvPr>
+        </p:nvSpPr>
+        <p:spPr/>
+        <p:txBody>
+          <a:bodyPr/>
+          <a:lstStyle/>
+          <a:p>
+            <a:fld id="{4B5DE452-D96A-B043-A19B-3F6D5B1BBA3B}" type="slidenum">
+              <a:rPr lang="en-US" smtClean="0"/>
+              <a:t>22</a:t>
+            </a:fld>
+            <a:endParaRPr lang="en-US"/>
+          </a:p>
+        </p:txBody>
+      </p:sp>
+    </p:spTree>
+    <p:extLst>
+      <p:ext uri="{BB962C8B-B14F-4D97-AF65-F5344CB8AC3E}">
+        <p14:creationId xmlns:p14="http://schemas.microsoft.com/office/powerpoint/2010/main" val="807505352"/>
+      </p:ext>
+    </p:extLst>
+  </p:cSld>
+  <p:clrMapOvr>
+    <a:masterClrMapping/>
+  </p:clrMapOvr>
+</p:notes>
+</file>
+
+<file path=ppt/notesSlides/notesSlide11.xml><?xml version="1.0" encoding="utf-8"?>
+<p:notes xmlns:a="http://schemas.openxmlformats.org/drawingml/2006/main" xmlns:r="http://schemas.openxmlformats.org/officeDocument/2006/relationships" xmlns:p="http://schemas.openxmlformats.org/presentationml/2006/main">
+  <p:cSld>
+    <p:spTree>
+      <p:nvGrpSpPr>
+        <p:cNvPr id="1" name=""/>
+        <p:cNvGrpSpPr/>
+        <p:nvPr/>
+      </p:nvGrpSpPr>
+      <p:grpSpPr>
+        <a:xfrm>
+          <a:off x="0" y="0"/>
+          <a:ext cx="0" cy="0"/>
+          <a:chOff x="0" y="0"/>
+          <a:chExt cx="0" cy="0"/>
+        </a:xfrm>
+      </p:grpSpPr>
+      <p:sp>
+        <p:nvSpPr>
+          <p:cNvPr id="2" name="Slide Image Placeholder 1"/>
+          <p:cNvSpPr>
+            <a:spLocks noGrp="1" noRot="1" noChangeAspect="1"/>
+          </p:cNvSpPr>
+          <p:nvPr>
+            <p:ph type="sldImg"/>
+          </p:nvPr>
+        </p:nvSpPr>
+        <p:spPr/>
+      </p:sp>
+      <p:sp>
+        <p:nvSpPr>
+          <p:cNvPr id="3" name="Notes Placeholder 2"/>
+          <p:cNvSpPr>
+            <a:spLocks noGrp="1"/>
+          </p:cNvSpPr>
+          <p:nvPr>
+            <p:ph type="body" idx="1"/>
+          </p:nvPr>
+        </p:nvSpPr>
+        <p:spPr/>
+        <p:txBody>
+          <a:bodyPr/>
+          <a:lstStyle/>
+          <a:p>
             <a:endParaRPr lang="en-US" dirty="0"/>
           </a:p>
         </p:txBody>
@@ -5777,11 +5233,30 @@
           <a:bodyPr/>
           <a:lstStyle/>
           <a:p>
-            <a:r>
-              <a:rPr lang="en-US" dirty="0" smtClean="0"/>
-              <a:t>All of the four conditions are necessary for deadlock to occur. Hence, by preventing any one of them we prevent deadlock.</a:t>
-            </a:r>
-            <a:endParaRPr lang="en-US" dirty="0"/>
+            <a:pPr marL="0" marR="0" indent="0" algn="l" defTabSz="457200" rtl="0" eaLnBrk="1" fontAlgn="auto" latinLnBrk="0" hangingPunct="1">
+              <a:lnSpc>
+                <a:spcPct val="100000"/>
+              </a:lnSpc>
+              <a:spcBef>
+                <a:spcPts val="0"/>
+              </a:spcBef>
+              <a:spcAft>
+                <a:spcPts val="0"/>
+              </a:spcAft>
+              <a:buClrTx/>
+              <a:buSzTx/>
+              <a:buFontTx/>
+              <a:buNone/>
+              <a:tabLst/>
+              <a:defRPr/>
+            </a:pPr>
+            <a:r>
+              <a:rPr lang="en-US" dirty="0" smtClean="0"/>
+              <a:t>[10] reference</a:t>
+            </a:r>
+          </a:p>
+          <a:p>
+            <a:endParaRPr lang="en-GB" dirty="0"/>
           </a:p>
         </p:txBody>
       </p:sp>
@@ -5800,9 +5275,9 @@
           <a:bodyPr/>
           <a:lstStyle/>
           <a:p>
-            <a:fld id="{56BE3D67-E84A-6F4F-8E3B-3BC46E162796}" type="slidenum">
+            <a:fld id="{4B5DE452-D96A-B043-A19B-3F6D5B1BBA3B}" type="slidenum">
               <a:rPr lang="en-US" smtClean="0"/>
-              <a:t>14</a:t>
+              <a:t>9</a:t>
             </a:fld>
             <a:endParaRPr lang="en-US"/>
           </a:p>
@@ -5811,7 +5286,7 @@
     </p:spTree>
     <p:extLst>
       <p:ext uri="{BB962C8B-B14F-4D97-AF65-F5344CB8AC3E}">
-        <p14:creationId xmlns:p14="http://schemas.microsoft.com/office/powerpoint/2010/main" val="1955673604"/>
+        <p14:creationId xmlns:p14="http://schemas.microsoft.com/office/powerpoint/2010/main" val="1801032896"/>
       </p:ext>
     </p:extLst>
   </p:cSld>
@@ -5865,10 +5340,10 @@
           <a:bodyPr/>
           <a:lstStyle/>
           <a:p>
-            <a:pPr marL="0" indent="0">
-              <a:buFontTx/>
-              <a:buNone/>
-            </a:pPr>
+            <a:r>
+              <a:rPr lang="en-US" dirty="0" smtClean="0"/>
+              <a:t>All of the four conditions are necessary for deadlock to occur. Hence, by preventing any one of them we prevent deadlock.</a:t>
+            </a:r>
             <a:endParaRPr lang="en-US" dirty="0"/>
           </a:p>
         </p:txBody>
@@ -5890,7 +5365,7 @@
           <a:p>
             <a:fld id="{56BE3D67-E84A-6F4F-8E3B-3BC46E162796}" type="slidenum">
               <a:rPr lang="en-US" smtClean="0"/>
-              <a:t>16</a:t>
+              <a:t>14</a:t>
             </a:fld>
             <a:endParaRPr lang="en-US"/>
           </a:p>
@@ -5899,7 +5374,7 @@
     </p:spTree>
     <p:extLst>
       <p:ext uri="{BB962C8B-B14F-4D97-AF65-F5344CB8AC3E}">
-        <p14:creationId xmlns:p14="http://schemas.microsoft.com/office/powerpoint/2010/main" val="603379510"/>
+        <p14:creationId xmlns:p14="http://schemas.microsoft.com/office/powerpoint/2010/main" val="1955673604"/>
       </p:ext>
     </p:extLst>
   </p:cSld>
@@ -5953,7 +5428,11 @@
           <a:bodyPr/>
           <a:lstStyle/>
           <a:p>
-            <a:endParaRPr lang="en-US" dirty="0" smtClean="0"/>
+            <a:pPr marL="0" indent="0">
+              <a:buFontTx/>
+              <a:buNone/>
+            </a:pPr>
+            <a:endParaRPr lang="en-US" dirty="0"/>
           </a:p>
         </p:txBody>
       </p:sp>
@@ -5974,7 +5453,7 @@
           <a:p>
             <a:fld id="{56BE3D67-E84A-6F4F-8E3B-3BC46E162796}" type="slidenum">
               <a:rPr lang="en-US" smtClean="0"/>
-              <a:t>17</a:t>
+              <a:t>16</a:t>
             </a:fld>
             <a:endParaRPr lang="en-US"/>
           </a:p>
@@ -5983,7 +5462,7 @@
     </p:spTree>
     <p:extLst>
       <p:ext uri="{BB962C8B-B14F-4D97-AF65-F5344CB8AC3E}">
-        <p14:creationId xmlns:p14="http://schemas.microsoft.com/office/powerpoint/2010/main" val="3137412600"/>
+        <p14:creationId xmlns:p14="http://schemas.microsoft.com/office/powerpoint/2010/main" val="603379510"/>
       </p:ext>
     </p:extLst>
   </p:cSld>
@@ -6037,25 +5516,7 @@
           <a:bodyPr/>
           <a:lstStyle/>
           <a:p>
-            <a:pPr marL="0" indent="0">
-              <a:buFontTx/>
-              <a:buNone/>
-            </a:pPr>
-            <a:r>
-              <a:rPr lang="en-US" dirty="0" smtClean="0"/>
-              <a:t>- If processes always release one resource before requesting another, there can be no hold-and-wait.</a:t>
-            </a:r>
-          </a:p>
-          <a:p>
-            <a:pPr marL="0" indent="0">
-              <a:buFontTx/>
-              <a:buNone/>
-            </a:pPr>
-            <a:r>
-              <a:rPr lang="en-US" dirty="0" smtClean="0"/>
-              <a:t>This is a tougher restriction. It rules out critical sections that involve more than one resource.</a:t>
-            </a:r>
-            <a:endParaRPr lang="en-US" dirty="0"/>
+            <a:endParaRPr lang="en-US" dirty="0" smtClean="0"/>
           </a:p>
         </p:txBody>
       </p:sp>
@@ -6076,7 +5537,7 @@
           <a:p>
             <a:fld id="{56BE3D67-E84A-6F4F-8E3B-3BC46E162796}" type="slidenum">
               <a:rPr lang="en-US" smtClean="0"/>
-              <a:t>18</a:t>
+              <a:t>17</a:t>
             </a:fld>
             <a:endParaRPr lang="en-US"/>
           </a:p>
@@ -6085,7 +5546,7 @@
     </p:spTree>
     <p:extLst>
       <p:ext uri="{BB962C8B-B14F-4D97-AF65-F5344CB8AC3E}">
-        <p14:creationId xmlns:p14="http://schemas.microsoft.com/office/powerpoint/2010/main" val="2688967800"/>
+        <p14:creationId xmlns:p14="http://schemas.microsoft.com/office/powerpoint/2010/main" val="3137412600"/>
       </p:ext>
     </p:extLst>
   </p:cSld>
@@ -6139,7 +5600,25 @@
           <a:bodyPr/>
           <a:lstStyle/>
           <a:p>
-            <a:endParaRPr lang="en-US" dirty="0" smtClean="0"/>
+            <a:pPr marL="0" indent="0">
+              <a:buFontTx/>
+              <a:buNone/>
+            </a:pPr>
+            <a:r>
+              <a:rPr lang="en-US" dirty="0" smtClean="0"/>
+              <a:t>- If processes always release one resource before requesting another, there can be no hold-and-wait.</a:t>
+            </a:r>
+          </a:p>
+          <a:p>
+            <a:pPr marL="0" indent="0">
+              <a:buFontTx/>
+              <a:buNone/>
+            </a:pPr>
+            <a:r>
+              <a:rPr lang="en-US" dirty="0" smtClean="0"/>
+              <a:t>This is a tougher restriction. It rules out critical sections that involve more than one resource.</a:t>
+            </a:r>
+            <a:endParaRPr lang="en-US" dirty="0"/>
           </a:p>
         </p:txBody>
       </p:sp>
@@ -6158,9 +5637,9 @@
           <a:bodyPr/>
           <a:lstStyle/>
           <a:p>
-            <a:fld id="{4B5DE452-D96A-B043-A19B-3F6D5B1BBA3B}" type="slidenum">
+            <a:fld id="{56BE3D67-E84A-6F4F-8E3B-3BC46E162796}" type="slidenum">
               <a:rPr lang="en-US" smtClean="0"/>
-              <a:t>19</a:t>
+              <a:t>18</a:t>
             </a:fld>
             <a:endParaRPr lang="en-US"/>
           </a:p>
@@ -6169,7 +5648,7 @@
     </p:spTree>
     <p:extLst>
       <p:ext uri="{BB962C8B-B14F-4D97-AF65-F5344CB8AC3E}">
-        <p14:creationId xmlns:p14="http://schemas.microsoft.com/office/powerpoint/2010/main" val="2738522525"/>
+        <p14:creationId xmlns:p14="http://schemas.microsoft.com/office/powerpoint/2010/main" val="2688967800"/>
       </p:ext>
     </p:extLst>
   </p:cSld>
@@ -6223,15 +5702,7 @@
           <a:bodyPr/>
           <a:lstStyle/>
           <a:p>
-            <a:r>
-              <a:rPr lang="en-US" dirty="0" smtClean="0"/>
-              <a:t>90% is</a:t>
-            </a:r>
-            <a:r>
-              <a:rPr lang="en-US" baseline="0" dirty="0" smtClean="0"/>
-              <a:t> a dummy value</a:t>
-            </a:r>
-            <a:endParaRPr lang="en-US" dirty="0"/>
+            <a:endParaRPr lang="en-US" dirty="0" smtClean="0"/>
           </a:p>
         </p:txBody>
       </p:sp>
@@ -6252,7 +5723,7 @@
           <a:p>
             <a:fld id="{4B5DE452-D96A-B043-A19B-3F6D5B1BBA3B}" type="slidenum">
               <a:rPr lang="en-US" smtClean="0"/>
-              <a:t>22</a:t>
+              <a:t>19</a:t>
             </a:fld>
             <a:endParaRPr lang="en-US"/>
           </a:p>
@@ -6261,7 +5732,7 @@
     </p:spTree>
     <p:extLst>
       <p:ext uri="{BB962C8B-B14F-4D97-AF65-F5344CB8AC3E}">
-        <p14:creationId xmlns:p14="http://schemas.microsoft.com/office/powerpoint/2010/main" val="807505352"/>
+        <p14:creationId xmlns:p14="http://schemas.microsoft.com/office/powerpoint/2010/main" val="2738522525"/>
       </p:ext>
     </p:extLst>
   </p:cSld>
@@ -6604,7 +6075,7 @@
             <a:fld id="{25AE17C7-B787-4E50-994D-5E804113A1E9}" type="datetime4">
               <a:rPr lang="en-US" smtClean="0"/>
               <a:pPr/>
-              <a:t>May 20, 2014</a:t>
+              <a:t>May 21, 2014</a:t>
             </a:fld>
             <a:endParaRPr lang="en-US" dirty="0"/>
           </a:p>
@@ -6787,7 +6258,7 @@
             <a:fld id="{AFDD7A28-FA93-4136-BDC1-BCCB2687E678}" type="datetimeFigureOut">
               <a:rPr lang="en-US" smtClean="0"/>
               <a:pPr/>
-              <a:t>5/20/14</a:t>
+              <a:t>5/21/2014</a:t>
             </a:fld>
             <a:endParaRPr lang="en-US"/>
           </a:p>
@@ -7035,7 +6506,7 @@
             <a:fld id="{AFDD7A28-FA93-4136-BDC1-BCCB2687E678}" type="datetimeFigureOut">
               <a:rPr lang="en-US" smtClean="0"/>
               <a:pPr/>
-              <a:t>5/20/14</a:t>
+              <a:t>5/21/2014</a:t>
             </a:fld>
             <a:endParaRPr lang="en-US" dirty="0"/>
           </a:p>
@@ -7629,7 +7100,7 @@
             <a:fld id="{679F0FCF-2EA5-4FF5-AF14-1CA9C8854AAB}" type="datetime4">
               <a:rPr lang="en-US" smtClean="0"/>
               <a:pPr/>
-              <a:t>May 20, 2014</a:t>
+              <a:t>May 21, 2014</a:t>
             </a:fld>
             <a:endParaRPr lang="en-US" dirty="0"/>
           </a:p>
@@ -7851,7 +7322,7 @@
             <a:fld id="{F9E781C6-1634-4A56-B2BE-62150BE83935}" type="datetime4">
               <a:rPr lang="en-US" smtClean="0"/>
               <a:pPr/>
-              <a:t>May 20, 2014</a:t>
+              <a:t>May 21, 2014</a:t>
             </a:fld>
             <a:endParaRPr lang="en-US" dirty="0"/>
           </a:p>
@@ -8275,7 +7746,7 @@
             <a:fld id="{A9372AC2-3C75-4F5F-A929-48958086FE36}" type="datetime4">
               <a:rPr lang="en-US" smtClean="0"/>
               <a:pPr/>
-              <a:t>May 20, 2014</a:t>
+              <a:t>May 21, 2014</a:t>
             </a:fld>
             <a:endParaRPr lang="en-US" dirty="0"/>
           </a:p>
@@ -8429,7 +7900,7 @@
             <a:fld id="{17509CF4-4C1A-45DC-BADA-6EFF91CB9ABB}" type="datetime4">
               <a:rPr lang="en-US" smtClean="0"/>
               <a:pPr/>
-              <a:t>May 20, 2014</a:t>
+              <a:t>May 21, 2014</a:t>
             </a:fld>
             <a:endParaRPr lang="en-US" dirty="0"/>
           </a:p>
@@ -8537,7 +8008,7 @@
             <a:fld id="{C53951C0-B478-4858-ABC7-96406A1C0480}" type="datetime4">
               <a:rPr lang="en-US" smtClean="0"/>
               <a:pPr/>
-              <a:t>May 20, 2014</a:t>
+              <a:t>May 21, 2014</a:t>
             </a:fld>
             <a:endParaRPr lang="en-US" dirty="0"/>
           </a:p>
@@ -8809,7 +8280,7 @@
             <a:fld id="{B867641A-9D94-4BD6-862F-F651067079BC}" type="datetime4">
               <a:rPr lang="en-US" smtClean="0"/>
               <a:pPr/>
-              <a:t>May 20, 2014</a:t>
+              <a:t>May 21, 2014</a:t>
             </a:fld>
             <a:endParaRPr lang="en-US" dirty="0"/>
           </a:p>
@@ -9120,7 +8591,7 @@
             <a:fld id="{D74F0C02-0EF4-4745-9D82-E8D3F59464E3}" type="datetime4">
               <a:rPr lang="en-US" smtClean="0"/>
               <a:pPr/>
-              <a:t>May 20, 2014</a:t>
+              <a:t>May 21, 2014</a:t>
             </a:fld>
             <a:endParaRPr lang="en-US" dirty="0"/>
           </a:p>
@@ -9797,13 +9268,23 @@
         </p:nvSpPr>
         <p:spPr/>
         <p:txBody>
-          <a:bodyPr/>
+          <a:bodyPr>
+            <a:normAutofit fontScale="90000"/>
+          </a:bodyPr>
           <a:lstStyle/>
           <a:p>
             <a:r>
               <a:rPr lang="en-US" dirty="0"/>
-              <a:t>PARALLEL PROGRAMMING PITFALLS</a:t>
-            </a:r>
+              <a:t>PARALLEL PROGRAMMING </a:t>
+            </a:r>
+            <a:r>
+              <a:rPr lang="en-US" dirty="0" smtClean="0"/>
+              <a:t>PITFALLS  Par vantage</a:t>
+            </a:r>
+            <a:br>
+              <a:rPr lang="en-US" dirty="0" smtClean="0"/>
+            </a:br>
+            <a:endParaRPr lang="en-US" dirty="0"/>
           </a:p>
         </p:txBody>
       </p:sp>
@@ -9824,11 +9305,7 @@
           <a:p>
             <a:r>
               <a:rPr lang="en-US" dirty="0" smtClean="0"/>
-              <a:t>Team: Victor, Nancy, </a:t>
-            </a:r>
-            <a:r>
-              <a:rPr lang="en-US" dirty="0" err="1" smtClean="0"/>
-              <a:t>Aravind</a:t>
+              <a:t>Team: Victor, Nancy, Aravind</a:t>
             </a:r>
             <a:endParaRPr lang="en-US" dirty="0"/>
           </a:p>
@@ -9847,7 +9324,7 @@
   <p:timing>
     <p:tnLst>
       <p:par>
-        <p:cTn xmlns:p14="http://schemas.microsoft.com/office/powerpoint/2010/main" id="1" dur="indefinite" restart="never" nodeType="tmRoot"/>
+        <p:cTn id="1" dur="indefinite" restart="never" nodeType="tmRoot"/>
       </p:par>
     </p:tnLst>
   </p:timing>
@@ -9930,7 +9407,7 @@
   <p:timing>
     <p:tnLst>
       <p:par>
-        <p:cTn xmlns:p14="http://schemas.microsoft.com/office/powerpoint/2010/main" id="1" dur="indefinite" restart="never" nodeType="tmRoot"/>
+        <p:cTn id="1" dur="indefinite" restart="never" nodeType="tmRoot"/>
       </p:par>
     </p:tnLst>
   </p:timing>
@@ -10062,7 +9539,6 @@
               <a:rPr lang="en-US" dirty="0" smtClean="0"/>
               <a:t>Performance decreased if the thread running too long in the MUTEX</a:t>
             </a:r>
-            <a:endParaRPr lang="en-US" dirty="0" smtClean="0"/>
           </a:p>
           <a:p>
             <a:pPr algn="l"/>
@@ -10106,7 +9582,7 @@
   <p:timing>
     <p:tnLst>
       <p:par>
-        <p:cTn xmlns:p14="http://schemas.microsoft.com/office/powerpoint/2010/main" id="1" dur="indefinite" restart="never" nodeType="tmRoot"/>
+        <p:cTn id="1" dur="indefinite" restart="never" nodeType="tmRoot"/>
       </p:par>
     </p:tnLst>
   </p:timing>
@@ -10189,7 +9665,7 @@
   <p:timing>
     <p:tnLst>
       <p:par>
-        <p:cTn xmlns:p14="http://schemas.microsoft.com/office/powerpoint/2010/main" id="1" dur="indefinite" restart="never" nodeType="tmRoot"/>
+        <p:cTn id="1" dur="indefinite" restart="never" nodeType="tmRoot"/>
       </p:par>
     </p:tnLst>
   </p:timing>
@@ -10346,7 +9822,7 @@
   <p:timing>
     <p:tnLst>
       <p:par>
-        <p:cTn xmlns:p14="http://schemas.microsoft.com/office/powerpoint/2010/main" id="1" dur="indefinite" restart="never" nodeType="tmRoot"/>
+        <p:cTn id="1" dur="indefinite" restart="never" nodeType="tmRoot"/>
       </p:par>
     </p:tnLst>
   </p:timing>
@@ -10392,10 +9868,7 @@
               <a:buChar char="•"/>
             </a:pPr>
             <a:r>
-              <a:rPr lang="en-US" dirty="0">
-                <a:latin typeface="Comic Sans MS"/>
-                <a:cs typeface="Comic Sans MS"/>
-              </a:rPr>
+              <a:rPr lang="en-US" dirty="0"/>
               <a:t>Exclusive access (mutual exclusion)</a:t>
             </a:r>
           </a:p>
@@ -10405,17 +9878,11 @@
               <a:buChar char="•"/>
             </a:pPr>
             <a:r>
-              <a:rPr lang="en-US" dirty="0" smtClean="0">
-                <a:latin typeface="Comic Sans MS"/>
-                <a:cs typeface="Comic Sans MS"/>
-              </a:rPr>
+              <a:rPr lang="en-US" dirty="0"/>
               <a:t>Wait </a:t>
             </a:r>
             <a:r>
-              <a:rPr lang="en-US" dirty="0">
-                <a:latin typeface="Comic Sans MS"/>
-                <a:cs typeface="Comic Sans MS"/>
-              </a:rPr>
+              <a:rPr lang="en-US" dirty="0"/>
               <a:t>while holding (hold-and-wait)</a:t>
             </a:r>
           </a:p>
@@ -10425,17 +9892,11 @@
               <a:buChar char="•"/>
             </a:pPr>
             <a:r>
-              <a:rPr lang="en-US" dirty="0" smtClean="0">
-                <a:latin typeface="Comic Sans MS"/>
-                <a:cs typeface="Comic Sans MS"/>
-              </a:rPr>
+              <a:rPr lang="en-US" dirty="0"/>
               <a:t>No </a:t>
             </a:r>
             <a:r>
-              <a:rPr lang="en-US" dirty="0">
-                <a:latin typeface="Comic Sans MS"/>
-                <a:cs typeface="Comic Sans MS"/>
-              </a:rPr>
+              <a:rPr lang="en-US" dirty="0"/>
               <a:t>preemption</a:t>
             </a:r>
           </a:p>
@@ -10445,10 +9906,7 @@
               <a:buChar char="•"/>
             </a:pPr>
             <a:r>
-              <a:rPr lang="en-US" dirty="0" smtClean="0">
-                <a:latin typeface="Comic Sans MS"/>
-                <a:cs typeface="Comic Sans MS"/>
-              </a:rPr>
+              <a:rPr lang="en-US" dirty="0"/>
               <a:t>Circular wait</a:t>
             </a:r>
           </a:p>
@@ -10478,18 +9936,25 @@
             <p:ph type="title"/>
           </p:nvPr>
         </p:nvSpPr>
-        <p:spPr/>
-        <p:txBody>
-          <a:bodyPr>
+        <p:spPr>
+          <a:solidFill>
+            <a:schemeClr val="tx1"/>
+          </a:solidFill>
+          <a:ln w="76200" cmpd="thinThick">
+            <a:solidFill>
+              <a:schemeClr val="tx1"/>
+            </a:solidFill>
+            <a:miter lim="800000"/>
+          </a:ln>
+        </p:spPr>
+        <p:txBody>
+          <a:bodyPr vert="horz" lIns="91440" tIns="45720" rIns="91440" bIns="45720" rtlCol="0" anchor="ctr" anchorCtr="0">
             <a:normAutofit/>
           </a:bodyPr>
           <a:lstStyle/>
           <a:p>
             <a:r>
-              <a:rPr lang="en-US" sz="2000" dirty="0">
-                <a:latin typeface="Comic Sans MS"/>
-                <a:cs typeface="Comic Sans MS"/>
-              </a:rPr>
+              <a:rPr lang="en-US" dirty="0"/>
               <a:t>Deadlock Prevention Approaches</a:t>
             </a:r>
           </a:p>
@@ -10508,7 +9973,7 @@
   <p:timing>
     <p:tnLst>
       <p:par>
-        <p:cTn xmlns:p14="http://schemas.microsoft.com/office/powerpoint/2010/main" id="1" dur="indefinite" restart="never" nodeType="tmRoot"/>
+        <p:cTn id="1" dur="indefinite" restart="never" nodeType="tmRoot"/>
       </p:par>
     </p:tnLst>
   </p:timing>
@@ -10542,16 +10007,41 @@
             <p:ph type="subTitle" idx="1"/>
           </p:nvPr>
         </p:nvSpPr>
-        <p:spPr/>
-        <p:txBody>
-          <a:bodyPr/>
-          <a:lstStyle/>
-          <a:p>
-            <a:r>
-              <a:rPr lang="en-US" dirty="0" smtClean="0"/>
+        <p:spPr>
+          <a:solidFill>
+            <a:schemeClr val="tx1"/>
+          </a:solidFill>
+          <a:ln w="76200" cmpd="thinThick">
+            <a:solidFill>
+              <a:schemeClr val="tx1"/>
+            </a:solidFill>
+            <a:miter lim="800000"/>
+          </a:ln>
+        </p:spPr>
+        <p:txBody>
+          <a:bodyPr vert="horz" lIns="91440" tIns="45720" rIns="91440" bIns="45720" rtlCol="0" anchor="ctr" anchorCtr="0">
+            <a:normAutofit lnSpcReduction="10000"/>
+          </a:bodyPr>
+          <a:lstStyle/>
+          <a:p>
+            <a:pPr>
+              <a:spcBef>
+                <a:spcPts val="400"/>
+              </a:spcBef>
+            </a:pPr>
+            <a:r>
+              <a:rPr lang="en-US" sz="2400" b="1" cap="all" dirty="0">
+                <a:latin typeface="+mj-lt"/>
+                <a:ea typeface="+mj-ea"/>
+                <a:cs typeface="Tunga" pitchFamily="2"/>
+              </a:rPr>
               <a:t>DEMO</a:t>
             </a:r>
-            <a:endParaRPr lang="en-US" dirty="0"/>
+            <a:endParaRPr lang="en-US" sz="2400" b="1" cap="all" dirty="0">
+              <a:latin typeface="+mj-lt"/>
+              <a:ea typeface="+mj-ea"/>
+              <a:cs typeface="Tunga" pitchFamily="2"/>
+            </a:endParaRPr>
           </a:p>
         </p:txBody>
       </p:sp>
@@ -10565,24 +10055,34 @@
             <p:ph type="title"/>
           </p:nvPr>
         </p:nvSpPr>
-        <p:spPr/>
-        <p:txBody>
-          <a:bodyPr>
+        <p:spPr>
+          <a:solidFill>
+            <a:schemeClr val="tx1"/>
+          </a:solidFill>
+          <a:ln w="76200" cmpd="thinThick">
+            <a:solidFill>
+              <a:schemeClr val="tx1"/>
+            </a:solidFill>
+            <a:miter lim="800000"/>
+          </a:ln>
+        </p:spPr>
+        <p:txBody>
+          <a:bodyPr vert="horz" lIns="91440" tIns="45720" rIns="91440" bIns="45720" rtlCol="0" anchor="ctr" anchorCtr="0">
             <a:normAutofit/>
           </a:bodyPr>
           <a:lstStyle/>
           <a:p>
-            <a:r>
-              <a:rPr lang="en-US" sz="2500" dirty="0" smtClean="0">
-                <a:latin typeface="Comic Sans MS"/>
-                <a:cs typeface="Comic Sans MS"/>
-              </a:rPr>
+            <a:pPr>
+              <a:buClr>
+                <a:schemeClr val="accent1"/>
+              </a:buClr>
+              <a:buFont typeface="Arial"/>
+            </a:pPr>
+            <a:r>
+              <a:rPr lang="en-US" dirty="0"/>
               <a:t>DEADLOCK</a:t>
             </a:r>
-            <a:endParaRPr lang="en-US" sz="2500" dirty="0">
-              <a:latin typeface="Comic Sans MS"/>
-              <a:cs typeface="Comic Sans MS"/>
-            </a:endParaRPr>
+            <a:endParaRPr lang="en-US" dirty="0"/>
           </a:p>
         </p:txBody>
       </p:sp>
@@ -10599,7 +10099,7 @@
   <p:timing>
     <p:tnLst>
       <p:par>
-        <p:cTn xmlns:p14="http://schemas.microsoft.com/office/powerpoint/2010/main" id="1" dur="indefinite" restart="never" nodeType="tmRoot"/>
+        <p:cTn id="1" dur="indefinite" restart="never" nodeType="tmRoot"/>
       </p:par>
     </p:tnLst>
   </p:timing>
@@ -10923,7 +10423,7 @@
   <p:timing>
     <p:tnLst>
       <p:par>
-        <p:cTn xmlns:p14="http://schemas.microsoft.com/office/powerpoint/2010/main" id="1" dur="indefinite" restart="never" nodeType="tmRoot"/>
+        <p:cTn id="1" dur="indefinite" restart="never" nodeType="tmRoot"/>
       </p:par>
     </p:tnLst>
   </p:timing>
@@ -11538,7 +11038,7 @@
   <p:timing>
     <p:tnLst>
       <p:par>
-        <p:cTn xmlns:p14="http://schemas.microsoft.com/office/powerpoint/2010/main" id="1" dur="indefinite" restart="never" nodeType="tmRoot"/>
+        <p:cTn id="1" dur="indefinite" restart="never" nodeType="tmRoot"/>
       </p:par>
     </p:tnLst>
   </p:timing>
@@ -11893,7 +11393,7 @@
   <p:timing>
     <p:tnLst>
       <p:par>
-        <p:cTn xmlns:p14="http://schemas.microsoft.com/office/powerpoint/2010/main" id="1" dur="indefinite" restart="never" nodeType="tmRoot"/>
+        <p:cTn id="1" dur="indefinite" restart="never" nodeType="tmRoot"/>
       </p:par>
     </p:tnLst>
   </p:timing>
@@ -12056,7 +11556,7 @@
   <p:timing>
     <p:tnLst>
       <p:par>
-        <p:cTn xmlns:p14="http://schemas.microsoft.com/office/powerpoint/2010/main" id="1" dur="indefinite" restart="never" nodeType="tmRoot"/>
+        <p:cTn id="1" dur="indefinite" restart="never" nodeType="tmRoot"/>
       </p:par>
     </p:tnLst>
   </p:timing>
@@ -12101,7 +11601,7 @@
             </a:pPr>
             <a:r>
               <a:rPr lang="en-US" dirty="0" smtClean="0"/>
-              <a:t>Why there are pitfalls in Parallel Programming?</a:t>
+              <a:t>Why talk about Pitfalls?</a:t>
             </a:r>
           </a:p>
           <a:p>
@@ -12111,7 +11611,7 @@
             </a:pPr>
             <a:r>
               <a:rPr lang="en-US" dirty="0" smtClean="0"/>
-              <a:t>Related works.</a:t>
+              <a:t>The chosen ones</a:t>
             </a:r>
           </a:p>
           <a:p>
@@ -12121,27 +11621,7 @@
             </a:pPr>
             <a:r>
               <a:rPr lang="en-US" dirty="0" smtClean="0"/>
-              <a:t>Our contributions.</a:t>
-            </a:r>
-          </a:p>
-          <a:p>
-            <a:pPr marL="342900" indent="-342900">
-              <a:buFont typeface="Arial"/>
-              <a:buChar char="•"/>
-            </a:pPr>
-            <a:r>
-              <a:rPr lang="en-US" dirty="0" smtClean="0"/>
-              <a:t>Why we chose to do what we doing?</a:t>
-            </a:r>
-          </a:p>
-          <a:p>
-            <a:pPr marL="342900" indent="-342900">
-              <a:buFont typeface="Arial"/>
-              <a:buChar char="•"/>
-            </a:pPr>
-            <a:r>
-              <a:rPr lang="en-US" dirty="0" smtClean="0"/>
-              <a:t>Chosen pitfalls</a:t>
+              <a:t>Expectations</a:t>
             </a:r>
           </a:p>
           <a:p>
@@ -12233,7 +11713,7 @@
   <p:timing>
     <p:tnLst>
       <p:par>
-        <p:cTn xmlns:p14="http://schemas.microsoft.com/office/powerpoint/2010/main" id="1" dur="indefinite" restart="never" nodeType="tmRoot"/>
+        <p:cTn id="1" dur="indefinite" restart="never" nodeType="tmRoot"/>
       </p:par>
     </p:tnLst>
   </p:timing>
@@ -12317,7 +11797,7 @@
   <p:timing>
     <p:tnLst>
       <p:par>
-        <p:cTn xmlns:p14="http://schemas.microsoft.com/office/powerpoint/2010/main" id="1" dur="indefinite" restart="never" nodeType="tmRoot"/>
+        <p:cTn id="1" dur="indefinite" restart="never" nodeType="tmRoot"/>
       </p:par>
     </p:tnLst>
   </p:timing>
@@ -12450,7 +11930,7 @@
   <p:timing>
     <p:tnLst>
       <p:par>
-        <p:cTn xmlns:p14="http://schemas.microsoft.com/office/powerpoint/2010/main" id="1" dur="indefinite" restart="never" nodeType="tmRoot"/>
+        <p:cTn id="1" dur="indefinite" restart="never" nodeType="tmRoot"/>
       </p:par>
     </p:tnLst>
   </p:timing>
@@ -12612,7 +12092,7 @@
   <p:timing>
     <p:tnLst>
       <p:par>
-        <p:cTn xmlns:p14="http://schemas.microsoft.com/office/powerpoint/2010/main" id="1" dur="indefinite" restart="never" nodeType="tmRoot"/>
+        <p:cTn id="1" dur="indefinite" restart="never" nodeType="tmRoot"/>
       </p:par>
     </p:tnLst>
   </p:timing>
@@ -12796,7 +12276,7 @@
   <p:timing>
     <p:tnLst>
       <p:par>
-        <p:cTn xmlns:p14="http://schemas.microsoft.com/office/powerpoint/2010/main" id="1" dur="indefinite" restart="never" nodeType="tmRoot"/>
+        <p:cTn id="1" dur="indefinite" restart="never" nodeType="tmRoot"/>
       </p:par>
     </p:tnLst>
   </p:timing>
@@ -13182,7 +12662,7 @@
   <p:timing>
     <p:tnLst>
       <p:par>
-        <p:cTn xmlns:p14="http://schemas.microsoft.com/office/powerpoint/2010/main" id="1" dur="indefinite" restart="never" nodeType="tmRoot"/>
+        <p:cTn id="1" dur="indefinite" restart="never" nodeType="tmRoot"/>
       </p:par>
     </p:tnLst>
   </p:timing>
@@ -13273,7 +12753,7 @@
   <p:timing>
     <p:tnLst>
       <p:par>
-        <p:cTn xmlns:p14="http://schemas.microsoft.com/office/powerpoint/2010/main" id="1" dur="indefinite" restart="never" nodeType="tmRoot"/>
+        <p:cTn id="1" dur="indefinite" restart="never" nodeType="tmRoot"/>
       </p:par>
     </p:tnLst>
   </p:timing>
@@ -13314,159 +12794,32 @@
           </a:bodyPr>
           <a:lstStyle/>
           <a:p>
-            <a:pPr marL="342900" indent="-342900">
-              <a:buFont typeface="Arial"/>
-              <a:buChar char="•"/>
-            </a:pPr>
-            <a:r>
-              <a:rPr lang="en-US" dirty="0" smtClean="0"/>
-              <a:t>Lack </a:t>
-            </a:r>
+            <a:r>
+              <a:rPr lang="en-US" dirty="0" smtClean="0"/>
+              <a:t>Increased complexity of code.</a:t>
+            </a:r>
+          </a:p>
+          <a:p>
+            <a:endParaRPr lang="en-US" dirty="0"/>
+          </a:p>
+          <a:p>
             <a:r>
               <a:rPr lang="en-US" dirty="0"/>
-              <a:t>of </a:t>
-            </a:r>
-            <a:r>
-              <a:rPr lang="en-US" dirty="0" smtClean="0"/>
-              <a:t>experience</a:t>
-            </a:r>
-          </a:p>
-          <a:p>
-            <a:pPr marL="342900" indent="-342900">
-              <a:buFont typeface="Arial"/>
-              <a:buChar char="•"/>
-            </a:pPr>
-            <a:r>
-              <a:rPr lang="en-US" dirty="0" smtClean="0"/>
-              <a:t>Added complexity</a:t>
-            </a:r>
+              <a:t>Lack of experience/awareness</a:t>
+            </a:r>
+            <a:r>
+              <a:rPr lang="en-US" dirty="0" smtClean="0"/>
+              <a:t>.</a:t>
+            </a:r>
+          </a:p>
+          <a:p>
             <a:endParaRPr lang="en-US" dirty="0"/>
           </a:p>
           <a:p>
-            <a:pPr marL="342900" indent="-342900">
-              <a:buFont typeface="Arial"/>
-              <a:buChar char="•"/>
-            </a:pPr>
-            <a:r>
-              <a:rPr lang="en-US" dirty="0"/>
-              <a:t>R</a:t>
-            </a:r>
-            <a:r>
-              <a:rPr lang="en-US" dirty="0" smtClean="0"/>
-              <a:t>ewrite </a:t>
-            </a:r>
-            <a:r>
-              <a:rPr lang="en-US" dirty="0"/>
-              <a:t>code to remove dependencies</a:t>
-            </a:r>
-          </a:p>
-          <a:p>
-            <a:pPr marL="342900" indent="-342900">
-              <a:buFont typeface="Arial"/>
-              <a:buChar char="•"/>
-            </a:pPr>
-            <a:r>
-              <a:rPr lang="en-US" dirty="0"/>
-              <a:t>N</a:t>
-            </a:r>
-            <a:r>
-              <a:rPr lang="en-US" dirty="0" smtClean="0"/>
-              <a:t>on</a:t>
-            </a:r>
-            <a:r>
-              <a:rPr lang="en-US" dirty="0"/>
-              <a:t>-deterministic </a:t>
-            </a:r>
-            <a:r>
-              <a:rPr lang="en-US" dirty="0" smtClean="0"/>
-              <a:t>behavior</a:t>
-            </a:r>
-          </a:p>
-          <a:p>
-            <a:pPr marL="342900" indent="-342900">
-              <a:buFont typeface="Arial"/>
-              <a:buChar char="•"/>
-            </a:pPr>
-            <a:r>
-              <a:rPr lang="en-US" dirty="0"/>
-              <a:t>The paucity of publicly accessible parallel code</a:t>
-            </a:r>
-            <a:r>
-              <a:rPr lang="en-US" dirty="0" smtClean="0"/>
-              <a:t>.</a:t>
-            </a:r>
-          </a:p>
-          <a:p>
-            <a:pPr marL="342900" indent="-342900">
-              <a:buFont typeface="Arial"/>
-              <a:buChar char="•"/>
-            </a:pPr>
-            <a:r>
-              <a:rPr lang="en-US" dirty="0" smtClean="0"/>
-              <a:t>With </a:t>
-            </a:r>
-            <a:r>
-              <a:rPr lang="en-US" dirty="0"/>
-              <a:t>a lack of synchronization, race </a:t>
-            </a:r>
-            <a:r>
-              <a:rPr lang="en-US" dirty="0" smtClean="0"/>
-              <a:t>conditions occur.</a:t>
-            </a:r>
-            <a:endParaRPr lang="en-US" dirty="0"/>
-          </a:p>
-          <a:p>
-            <a:pPr marL="342900" indent="-342900">
-              <a:buFont typeface="Arial"/>
-              <a:buChar char="•"/>
-            </a:pPr>
-            <a:r>
-              <a:rPr lang="en-US" dirty="0" smtClean="0"/>
-              <a:t>With too much protection on data (synchronization):</a:t>
-            </a:r>
-            <a:endParaRPr lang="en-US" dirty="0"/>
-          </a:p>
-          <a:p>
-            <a:pPr marL="628650" lvl="1" indent="-342900"/>
-            <a:r>
-              <a:rPr lang="en-US" dirty="0"/>
-              <a:t>T</a:t>
-            </a:r>
-            <a:r>
-              <a:rPr lang="en-US" dirty="0" smtClean="0"/>
-              <a:t>asks </a:t>
-            </a:r>
-            <a:r>
-              <a:rPr lang="en-US" dirty="0"/>
-              <a:t>may be forced to wait for one </a:t>
-            </a:r>
-            <a:r>
-              <a:rPr lang="en-US" dirty="0" smtClean="0"/>
-              <a:t>other.</a:t>
-            </a:r>
-            <a:endParaRPr lang="en-US" dirty="0"/>
-          </a:p>
-          <a:p>
-            <a:pPr marL="342900" indent="-342900">
-              <a:buClr>
-                <a:srgbClr val="6F6F74"/>
-              </a:buClr>
-              <a:buFont typeface="Arial"/>
-              <a:buChar char="•"/>
-            </a:pPr>
-            <a:r>
-              <a:rPr lang="en-US" dirty="0" smtClean="0"/>
-              <a:t>High </a:t>
-            </a:r>
-            <a:r>
-              <a:rPr lang="en-US" dirty="0"/>
-              <a:t>overhead of </a:t>
-            </a:r>
-            <a:r>
-              <a:rPr lang="en-US" dirty="0" smtClean="0"/>
-              <a:t>communication</a:t>
-            </a:r>
-            <a:endParaRPr lang="en-US" dirty="0"/>
+            <a:r>
+              <a:rPr lang="en-US" dirty="0" smtClean="0"/>
+              <a:t>Non-deterministic behaviors.</a:t>
+            </a:r>
           </a:p>
         </p:txBody>
       </p:sp>
@@ -13487,7 +12840,15 @@
           <a:p>
             <a:r>
               <a:rPr lang="en-US" dirty="0"/>
-              <a:t>Why there are pitfalls?</a:t>
+              <a:t>Why </a:t>
+            </a:r>
+            <a:r>
+              <a:rPr lang="en-US" dirty="0" smtClean="0"/>
+              <a:t>talk about pitfalls</a:t>
+            </a:r>
+            <a:r>
+              <a:rPr lang="en-US" dirty="0"/>
+              <a:t>?</a:t>
             </a:r>
           </a:p>
         </p:txBody>
@@ -13505,7 +12866,7 @@
   <p:timing>
     <p:tnLst>
       <p:par>
-        <p:cTn xmlns:p14="http://schemas.microsoft.com/office/powerpoint/2010/main" id="1" dur="indefinite" restart="never" nodeType="tmRoot"/>
+        <p:cTn id="1" dur="indefinite" restart="never" nodeType="tmRoot"/>
       </p:par>
     </p:tnLst>
   </p:timing>
@@ -13531,107 +12892,6 @@
       </p:grpSpPr>
       <p:sp>
         <p:nvSpPr>
-          <p:cNvPr id="2" name="Content Placeholder 1"/>
-          <p:cNvSpPr>
-            <a:spLocks noGrp="1"/>
-          </p:cNvSpPr>
-          <p:nvPr>
-            <p:ph sz="quarter" idx="13"/>
-          </p:nvPr>
-        </p:nvSpPr>
-        <p:spPr/>
-        <p:txBody>
-          <a:bodyPr>
-            <a:normAutofit/>
-          </a:bodyPr>
-          <a:lstStyle/>
-          <a:p>
-            <a:r>
-              <a:rPr lang="en-US" dirty="0" smtClean="0"/>
-              <a:t>3 main pitfalls are commonly discussed</a:t>
-            </a:r>
-          </a:p>
-          <a:p>
-            <a:pPr marL="342900" indent="-342900">
-              <a:spcBef>
-                <a:spcPts val="1200"/>
-              </a:spcBef>
-              <a:buFont typeface="Arial"/>
-              <a:buChar char="•"/>
-            </a:pPr>
-            <a:r>
-              <a:rPr lang="en-US" dirty="0" smtClean="0"/>
-              <a:t>Race Condition – can’t be visualized, non-deterministic [1][2][3]</a:t>
-            </a:r>
-          </a:p>
-          <a:p>
-            <a:pPr marL="342900" indent="-342900">
-              <a:spcBef>
-                <a:spcPts val="1200"/>
-              </a:spcBef>
-              <a:buFont typeface="Arial"/>
-              <a:buChar char="•"/>
-            </a:pPr>
-            <a:r>
-              <a:rPr lang="en-US" dirty="0" smtClean="0"/>
-              <a:t>Race Condition can be solved by Mutual Exclusion. [4][5]</a:t>
-            </a:r>
-          </a:p>
-          <a:p>
-            <a:pPr marL="342900" indent="-342900">
-              <a:spcBef>
-                <a:spcPts val="1200"/>
-              </a:spcBef>
-              <a:buFont typeface="Arial"/>
-              <a:buChar char="•"/>
-            </a:pPr>
-            <a:r>
-              <a:rPr lang="en-US" dirty="0" smtClean="0"/>
-              <a:t>Improper use of Mutual Exclusion can lead to </a:t>
-            </a:r>
-            <a:r>
-              <a:rPr lang="en-US" dirty="0" err="1" smtClean="0"/>
-              <a:t>DeadLock</a:t>
-            </a:r>
-            <a:r>
-              <a:rPr lang="en-US" dirty="0" smtClean="0"/>
-              <a:t> [7][8]</a:t>
-            </a:r>
-          </a:p>
-          <a:p>
-            <a:pPr marL="342900" indent="-342900">
-              <a:spcBef>
-                <a:spcPts val="1200"/>
-              </a:spcBef>
-              <a:buFont typeface="Arial"/>
-              <a:buChar char="•"/>
-            </a:pPr>
-            <a:r>
-              <a:rPr lang="en-US" dirty="0"/>
-              <a:t>Contention for locks has long been recognized as a key </a:t>
-            </a:r>
-            <a:r>
-              <a:rPr lang="en-US" dirty="0" smtClean="0"/>
-              <a:t>impediment </a:t>
-            </a:r>
-            <a:r>
-              <a:rPr lang="en-US" dirty="0"/>
-              <a:t>to performance for shared-memory parallel programs</a:t>
-            </a:r>
-            <a:r>
-              <a:rPr lang="en-US" dirty="0" smtClean="0"/>
-              <a:t>.[9</a:t>
-            </a:r>
-            <a:r>
-              <a:rPr lang="en-US" dirty="0"/>
-              <a:t>]</a:t>
-            </a:r>
-            <a:endParaRPr lang="en-US" dirty="0" smtClean="0"/>
-          </a:p>
-        </p:txBody>
-      </p:sp>
-      <p:sp>
-        <p:nvSpPr>
           <p:cNvPr id="3" name="Title 2"/>
           <p:cNvSpPr>
             <a:spLocks noGrp="1"/>
@@ -13653,6 +12913,425 @@
           </a:p>
         </p:txBody>
       </p:sp>
+      <p:sp>
+        <p:nvSpPr>
+          <p:cNvPr id="4" name="Title 2"/>
+          <p:cNvSpPr txBox="1">
+            <a:spLocks/>
+          </p:cNvSpPr>
+          <p:nvPr/>
+        </p:nvSpPr>
+        <p:spPr>
+          <a:xfrm>
+            <a:off x="1023739" y="388731"/>
+            <a:ext cx="6894041" cy="701040"/>
+          </a:xfrm>
+          <a:prstGeom prst="rect">
+            <a:avLst/>
+          </a:prstGeom>
+          <a:solidFill>
+            <a:schemeClr val="tx1"/>
+          </a:solidFill>
+          <a:ln w="76200" cmpd="thinThick">
+            <a:solidFill>
+              <a:schemeClr val="tx1"/>
+            </a:solidFill>
+            <a:miter lim="800000"/>
+          </a:ln>
+        </p:spPr>
+        <p:txBody>
+          <a:bodyPr vert="horz" lIns="91440" tIns="45720" rIns="91440" bIns="45720" rtlCol="0" anchor="ctr" anchorCtr="0">
+            <a:normAutofit/>
+          </a:bodyPr>
+          <a:lstStyle>
+            <a:lvl1pPr algn="ctr" defTabSz="914400" rtl="0" eaLnBrk="1" latinLnBrk="0" hangingPunct="1">
+              <a:spcBef>
+                <a:spcPts val="400"/>
+              </a:spcBef>
+              <a:buNone/>
+              <a:defRPr sz="2400" b="1" kern="1200" cap="all" spc="0" baseline="0">
+                <a:solidFill>
+                  <a:schemeClr val="bg1">
+                    <a:lumMod val="75000"/>
+                    <a:lumOff val="25000"/>
+                  </a:schemeClr>
+                </a:solidFill>
+                <a:effectLst/>
+                <a:latin typeface="+mj-lt"/>
+                <a:ea typeface="+mj-ea"/>
+                <a:cs typeface="Tunga" pitchFamily="2"/>
+              </a:defRPr>
+            </a:lvl1pPr>
+          </a:lstStyle>
+          <a:p>
+            <a:r>
+              <a:rPr lang="en-US" smtClean="0"/>
+              <a:t>Chosen pitfalls</a:t>
+            </a:r>
+            <a:endParaRPr lang="en-US" dirty="0"/>
+          </a:p>
+        </p:txBody>
+      </p:sp>
+      <p:sp>
+        <p:nvSpPr>
+          <p:cNvPr id="5" name="Rectangle 4"/>
+          <p:cNvSpPr/>
+          <p:nvPr/>
+        </p:nvSpPr>
+        <p:spPr>
+          <a:xfrm>
+            <a:off x="822960" y="2448351"/>
+            <a:ext cx="1287181" cy="768353"/>
+          </a:xfrm>
+          <a:prstGeom prst="rect">
+            <a:avLst/>
+          </a:prstGeom>
+        </p:spPr>
+        <p:style>
+          <a:lnRef idx="2">
+            <a:schemeClr val="accent2"/>
+          </a:lnRef>
+          <a:fillRef idx="1">
+            <a:schemeClr val="lt1"/>
+          </a:fillRef>
+          <a:effectRef idx="0">
+            <a:schemeClr val="accent2"/>
+          </a:effectRef>
+          <a:fontRef idx="minor">
+            <a:schemeClr val="dk1"/>
+          </a:fontRef>
+        </p:style>
+        <p:txBody>
+          <a:bodyPr rtlCol="0" anchor="ctr"/>
+          <a:lstStyle/>
+          <a:p>
+            <a:pPr algn="ctr"/>
+            <a:r>
+              <a:rPr lang="en-NZ" dirty="0" smtClean="0"/>
+              <a:t>Race Condition</a:t>
+            </a:r>
+            <a:endParaRPr lang="en-GB" dirty="0"/>
+          </a:p>
+        </p:txBody>
+      </p:sp>
+      <p:sp>
+        <p:nvSpPr>
+          <p:cNvPr id="6" name="Rectangle 5"/>
+          <p:cNvSpPr/>
+          <p:nvPr/>
+        </p:nvSpPr>
+        <p:spPr>
+          <a:xfrm>
+            <a:off x="4328760" y="2448351"/>
+            <a:ext cx="1531620" cy="768353"/>
+          </a:xfrm>
+          <a:prstGeom prst="rect">
+            <a:avLst/>
+          </a:prstGeom>
+        </p:spPr>
+        <p:style>
+          <a:lnRef idx="2">
+            <a:schemeClr val="accent2"/>
+          </a:lnRef>
+          <a:fillRef idx="1">
+            <a:schemeClr val="lt1"/>
+          </a:fillRef>
+          <a:effectRef idx="0">
+            <a:schemeClr val="accent2"/>
+          </a:effectRef>
+          <a:fontRef idx="minor">
+            <a:schemeClr val="dk1"/>
+          </a:fontRef>
+        </p:style>
+        <p:txBody>
+          <a:bodyPr rtlCol="0" anchor="ctr"/>
+          <a:lstStyle/>
+          <a:p>
+            <a:pPr algn="ctr"/>
+            <a:r>
+              <a:rPr lang="en-NZ" dirty="0" smtClean="0"/>
+              <a:t>Mutual Exclusion</a:t>
+            </a:r>
+            <a:endParaRPr lang="en-GB" dirty="0"/>
+          </a:p>
+        </p:txBody>
+      </p:sp>
+      <p:sp>
+        <p:nvSpPr>
+          <p:cNvPr id="7" name="Rectangle 6"/>
+          <p:cNvSpPr/>
+          <p:nvPr/>
+        </p:nvSpPr>
+        <p:spPr>
+          <a:xfrm>
+            <a:off x="5860380" y="1683797"/>
+            <a:ext cx="1737360" cy="709660"/>
+          </a:xfrm>
+          <a:prstGeom prst="rect">
+            <a:avLst/>
+          </a:prstGeom>
+        </p:spPr>
+        <p:style>
+          <a:lnRef idx="2">
+            <a:schemeClr val="accent2"/>
+          </a:lnRef>
+          <a:fillRef idx="1">
+            <a:schemeClr val="lt1"/>
+          </a:fillRef>
+          <a:effectRef idx="0">
+            <a:schemeClr val="accent2"/>
+          </a:effectRef>
+          <a:fontRef idx="minor">
+            <a:schemeClr val="dk1"/>
+          </a:fontRef>
+        </p:style>
+        <p:txBody>
+          <a:bodyPr rtlCol="0" anchor="ctr"/>
+          <a:lstStyle/>
+          <a:p>
+            <a:pPr algn="ctr"/>
+            <a:r>
+              <a:rPr lang="en-NZ" dirty="0" smtClean="0"/>
+              <a:t>Deadlocks</a:t>
+            </a:r>
+            <a:endParaRPr lang="en-GB" dirty="0"/>
+          </a:p>
+        </p:txBody>
+      </p:sp>
+      <p:sp>
+        <p:nvSpPr>
+          <p:cNvPr id="8" name="Rectangle 7"/>
+          <p:cNvSpPr/>
+          <p:nvPr/>
+        </p:nvSpPr>
+        <p:spPr>
+          <a:xfrm>
+            <a:off x="5860380" y="3280411"/>
+            <a:ext cx="1737360" cy="830134"/>
+          </a:xfrm>
+          <a:prstGeom prst="rect">
+            <a:avLst/>
+          </a:prstGeom>
+        </p:spPr>
+        <p:style>
+          <a:lnRef idx="2">
+            <a:schemeClr val="accent2"/>
+          </a:lnRef>
+          <a:fillRef idx="1">
+            <a:schemeClr val="lt1"/>
+          </a:fillRef>
+          <a:effectRef idx="0">
+            <a:schemeClr val="accent2"/>
+          </a:effectRef>
+          <a:fontRef idx="minor">
+            <a:schemeClr val="dk1"/>
+          </a:fontRef>
+        </p:style>
+        <p:txBody>
+          <a:bodyPr rtlCol="0" anchor="ctr"/>
+          <a:lstStyle/>
+          <a:p>
+            <a:pPr algn="ctr"/>
+            <a:r>
+              <a:rPr lang="en-NZ" dirty="0" smtClean="0"/>
+              <a:t>Heavily contended </a:t>
+            </a:r>
+            <a:endParaRPr lang="en-GB" dirty="0"/>
+          </a:p>
+        </p:txBody>
+      </p:sp>
+      <p:cxnSp>
+        <p:nvCxnSpPr>
+          <p:cNvPr id="19" name="Straight Arrow Connector 18"/>
+          <p:cNvCxnSpPr>
+            <a:stCxn id="5" idx="3"/>
+            <a:endCxn id="6" idx="1"/>
+          </p:cNvCxnSpPr>
+          <p:nvPr/>
+        </p:nvCxnSpPr>
+        <p:spPr>
+          <a:xfrm>
+            <a:off x="2110141" y="2832528"/>
+            <a:ext cx="2218619" cy="0"/>
+          </a:xfrm>
+          <a:prstGeom prst="straightConnector1">
+            <a:avLst/>
+          </a:prstGeom>
+          <a:ln w="57150">
+            <a:tailEnd type="triangle"/>
+          </a:ln>
+        </p:spPr>
+        <p:style>
+          <a:lnRef idx="1">
+            <a:schemeClr val="accent1"/>
+          </a:lnRef>
+          <a:fillRef idx="0">
+            <a:schemeClr val="accent1"/>
+          </a:fillRef>
+          <a:effectRef idx="0">
+            <a:schemeClr val="accent1"/>
+          </a:effectRef>
+          <a:fontRef idx="minor">
+            <a:schemeClr val="tx1"/>
+          </a:fontRef>
+        </p:style>
+      </p:cxnSp>
+      <p:sp>
+        <p:nvSpPr>
+          <p:cNvPr id="22" name="Rectangle 21"/>
+          <p:cNvSpPr/>
+          <p:nvPr/>
+        </p:nvSpPr>
+        <p:spPr>
+          <a:xfrm>
+            <a:off x="4328761" y="4327634"/>
+            <a:ext cx="3268980" cy="495300"/>
+          </a:xfrm>
+          <a:prstGeom prst="rect">
+            <a:avLst/>
+          </a:prstGeom>
+        </p:spPr>
+        <p:style>
+          <a:lnRef idx="1">
+            <a:schemeClr val="accent1"/>
+          </a:lnRef>
+          <a:fillRef idx="2">
+            <a:schemeClr val="accent1"/>
+          </a:fillRef>
+          <a:effectRef idx="1">
+            <a:schemeClr val="accent1"/>
+          </a:effectRef>
+          <a:fontRef idx="minor">
+            <a:schemeClr val="dk1"/>
+          </a:fontRef>
+        </p:style>
+        <p:txBody>
+          <a:bodyPr rtlCol="0" anchor="ctr"/>
+          <a:lstStyle/>
+          <a:p>
+            <a:pPr algn="ctr"/>
+            <a:r>
+              <a:rPr lang="en-NZ" dirty="0" smtClean="0"/>
+              <a:t>Performance Degradation</a:t>
+            </a:r>
+            <a:endParaRPr lang="en-GB" dirty="0"/>
+          </a:p>
+        </p:txBody>
+      </p:sp>
+      <p:sp>
+        <p:nvSpPr>
+          <p:cNvPr id="23" name="Rectangle 22"/>
+          <p:cNvSpPr/>
+          <p:nvPr/>
+        </p:nvSpPr>
+        <p:spPr>
+          <a:xfrm>
+            <a:off x="822960" y="4327634"/>
+            <a:ext cx="1287181" cy="495300"/>
+          </a:xfrm>
+          <a:prstGeom prst="rect">
+            <a:avLst/>
+          </a:prstGeom>
+        </p:spPr>
+        <p:style>
+          <a:lnRef idx="1">
+            <a:schemeClr val="accent1"/>
+          </a:lnRef>
+          <a:fillRef idx="2">
+            <a:schemeClr val="accent1"/>
+          </a:fillRef>
+          <a:effectRef idx="1">
+            <a:schemeClr val="accent1"/>
+          </a:effectRef>
+          <a:fontRef idx="minor">
+            <a:schemeClr val="dk1"/>
+          </a:fontRef>
+        </p:style>
+        <p:txBody>
+          <a:bodyPr rtlCol="0" anchor="ctr"/>
+          <a:lstStyle/>
+          <a:p>
+            <a:pPr algn="ctr"/>
+            <a:r>
+              <a:rPr lang="en-NZ" dirty="0" smtClean="0"/>
+              <a:t>Data corruption</a:t>
+            </a:r>
+            <a:endParaRPr lang="en-GB" dirty="0"/>
+          </a:p>
+        </p:txBody>
+      </p:sp>
+      <p:cxnSp>
+        <p:nvCxnSpPr>
+          <p:cNvPr id="36" name="Elbow Connector 35"/>
+          <p:cNvCxnSpPr>
+            <a:stCxn id="6" idx="0"/>
+            <a:endCxn id="7" idx="1"/>
+          </p:cNvCxnSpPr>
+          <p:nvPr/>
+        </p:nvCxnSpPr>
+        <p:spPr>
+          <a:xfrm rot="5400000" flipH="1" flipV="1">
+            <a:off x="5272613" y="1860584"/>
+            <a:ext cx="409724" cy="765810"/>
+          </a:xfrm>
+          <a:prstGeom prst="bentConnector2">
+            <a:avLst/>
+          </a:prstGeom>
+          <a:ln w="57150">
+            <a:tailEnd type="triangle"/>
+          </a:ln>
+        </p:spPr>
+        <p:style>
+          <a:lnRef idx="1">
+            <a:schemeClr val="accent1"/>
+          </a:lnRef>
+          <a:fillRef idx="0">
+            <a:schemeClr val="accent1"/>
+          </a:fillRef>
+          <a:effectRef idx="0">
+            <a:schemeClr val="accent1"/>
+          </a:effectRef>
+          <a:fontRef idx="minor">
+            <a:schemeClr val="tx1"/>
+          </a:fontRef>
+        </p:style>
+      </p:cxnSp>
+      <p:cxnSp>
+        <p:nvCxnSpPr>
+          <p:cNvPr id="42" name="Straight Arrow Connector 41"/>
+          <p:cNvCxnSpPr>
+            <a:stCxn id="7" idx="2"/>
+            <a:endCxn id="8" idx="0"/>
+          </p:cNvCxnSpPr>
+          <p:nvPr/>
+        </p:nvCxnSpPr>
+        <p:spPr>
+          <a:xfrm>
+            <a:off x="6729060" y="2393457"/>
+            <a:ext cx="0" cy="886954"/>
+          </a:xfrm>
+          <a:prstGeom prst="straightConnector1">
+            <a:avLst/>
+          </a:prstGeom>
+          <a:ln w="57150">
+            <a:tailEnd type="triangle"/>
+          </a:ln>
+        </p:spPr>
+        <p:style>
+          <a:lnRef idx="1">
+            <a:schemeClr val="accent1"/>
+          </a:lnRef>
+          <a:fillRef idx="0">
+            <a:schemeClr val="accent1"/>
+          </a:fillRef>
+          <a:effectRef idx="0">
+            <a:schemeClr val="accent1"/>
+          </a:effectRef>
+          <a:fontRef idx="minor">
+            <a:schemeClr val="tx1"/>
+          </a:fontRef>
+        </p:style>
+      </p:cxnSp>
     </p:spTree>
     <p:extLst>
       <p:ext uri="{BB962C8B-B14F-4D97-AF65-F5344CB8AC3E}">
@@ -13666,7 +13345,7 @@
   <p:timing>
     <p:tnLst>
       <p:par>
-        <p:cTn xmlns:p14="http://schemas.microsoft.com/office/powerpoint/2010/main" id="1" dur="indefinite" restart="never" nodeType="tmRoot"/>
+        <p:cTn id="1" dur="indefinite" restart="never" nodeType="tmRoot"/>
       </p:par>
     </p:tnLst>
   </p:timing>
@@ -13710,22 +13389,18 @@
             <a:pPr algn="l"/>
             <a:r>
               <a:rPr lang="en-US" dirty="0" smtClean="0"/>
-              <a:t>Help developer to:</a:t>
+              <a:t>Make a budding parallel programmer to:</a:t>
             </a:r>
             <a:endParaRPr lang="en-US" strike="sngStrike" dirty="0" smtClean="0"/>
           </a:p>
           <a:p>
-            <a:pPr marL="342900" indent="-342900" algn="l">
+            <a:pPr marL="342900" indent="-342900">
               <a:buFont typeface="Wingdings" charset="2"/>
               <a:buChar char="u"/>
             </a:pPr>
             <a:r>
-              <a:rPr lang="en-US" dirty="0"/>
-              <a:t>R</a:t>
-            </a:r>
-            <a:r>
-              <a:rPr lang="en-US" dirty="0" smtClean="0"/>
-              <a:t>ecognize the problems</a:t>
+              <a:rPr lang="en-US" dirty="0" smtClean="0"/>
+              <a:t>Be(A)ware of the potential pitfalls.</a:t>
             </a:r>
           </a:p>
           <a:p>
@@ -13758,51 +13433,33 @@
             <a:pPr algn="l"/>
             <a:r>
               <a:rPr lang="en-US" dirty="0" smtClean="0"/>
-              <a:t>To do this effectively:</a:t>
-            </a:r>
-          </a:p>
-          <a:p>
-            <a:pPr marL="342900" indent="-342900" algn="l">
+              <a:t>How we planned to do it?</a:t>
+            </a:r>
+          </a:p>
+          <a:p>
+            <a:pPr marL="342900" indent="-342900">
               <a:buFont typeface="Wingdings" charset="2"/>
               <a:buChar char="u"/>
             </a:pPr>
             <a:r>
               <a:rPr lang="en-US" dirty="0" smtClean="0"/>
-              <a:t>Develop a web application </a:t>
-            </a:r>
-            <a:r>
-              <a:rPr lang="en-US" dirty="0"/>
-              <a:t>to help </a:t>
-            </a:r>
-            <a:r>
-              <a:rPr lang="en-US" dirty="0" smtClean="0"/>
-              <a:t>understand </a:t>
-            </a:r>
-            <a:r>
-              <a:rPr lang="en-US" dirty="0"/>
-              <a:t>the </a:t>
-            </a:r>
-            <a:r>
-              <a:rPr lang="en-US" dirty="0" smtClean="0"/>
-              <a:t>parallel programming pitfalls </a:t>
-            </a:r>
-            <a:r>
-              <a:rPr lang="en-US" dirty="0"/>
-              <a:t>in a visual and interactive </a:t>
-            </a:r>
-            <a:r>
-              <a:rPr lang="en-US" dirty="0" smtClean="0"/>
-              <a:t>manner.</a:t>
-            </a:r>
-          </a:p>
-          <a:p>
-            <a:pPr marL="342900" indent="-342900" algn="l">
+              <a:t>Visualize the pitfall using an interactive web app</a:t>
+            </a:r>
+          </a:p>
+          <a:p>
+            <a:r>
+              <a:rPr lang="en-US" b="1" dirty="0" smtClean="0"/>
+              <a:t> (par vantage- a vantage point for the parallel pitfalls!!!).</a:t>
+            </a:r>
+          </a:p>
+          <a:p>
+            <a:pPr marL="342900" indent="-342900">
               <a:buFont typeface="Wingdings" charset="2"/>
               <a:buChar char="u"/>
             </a:pPr>
             <a:r>
               <a:rPr lang="en-US" dirty="0" smtClean="0"/>
-              <a:t>Explain how these major challenges come into play and how they can be met.</a:t>
+              <a:t>Create a repository of all the pitfalls and discuss solutions.</a:t>
             </a:r>
             <a:endParaRPr lang="en-US" dirty="0"/>
           </a:p>
@@ -13825,7 +13482,7 @@
           <a:p>
             <a:r>
               <a:rPr lang="en-US" dirty="0" smtClean="0"/>
-              <a:t>our contribution</a:t>
+              <a:t>Expectations</a:t>
             </a:r>
             <a:endParaRPr lang="en-US" dirty="0"/>
           </a:p>
@@ -13844,7 +13501,7 @@
   <p:timing>
     <p:tnLst>
       <p:par>
-        <p:cTn xmlns:p14="http://schemas.microsoft.com/office/powerpoint/2010/main" id="1" dur="indefinite" restart="never" nodeType="tmRoot"/>
+        <p:cTn id="1" dur="indefinite" restart="never" nodeType="tmRoot"/>
       </p:par>
     </p:tnLst>
   </p:timing>
@@ -13899,7 +13556,11 @@
             </a:pPr>
             <a:r>
               <a:rPr lang="en-US" dirty="0" smtClean="0"/>
-              <a:t>Need not be downloaded</a:t>
+              <a:t>No </a:t>
+            </a:r>
+            <a:r>
+              <a:rPr lang="en-US" dirty="0"/>
+              <a:t>approval from App Store</a:t>
             </a:r>
           </a:p>
           <a:p>
@@ -13909,7 +13570,7 @@
             </a:pPr>
             <a:r>
               <a:rPr lang="en-US" dirty="0" smtClean="0"/>
-              <a:t>Easier to maintain</a:t>
+              <a:t>Need not be downloaded</a:t>
             </a:r>
           </a:p>
           <a:p>
@@ -13919,15 +13580,7 @@
             </a:pPr>
             <a:r>
               <a:rPr lang="en-US" dirty="0" smtClean="0"/>
-              <a:t>No approval from </a:t>
-            </a:r>
-            <a:r>
-              <a:rPr lang="en-US" dirty="0"/>
-              <a:t>A</a:t>
-            </a:r>
-            <a:r>
-              <a:rPr lang="en-US" dirty="0" smtClean="0"/>
-              <a:t>pp Store</a:t>
+              <a:t>Easier to maintain</a:t>
             </a:r>
           </a:p>
           <a:p>
@@ -13962,6 +13615,74 @@
               <a:t>Why Web app?</a:t>
             </a:r>
             <a:endParaRPr lang="en-US" dirty="0"/>
+          </a:p>
+        </p:txBody>
+      </p:sp>
+      <p:sp>
+        <p:nvSpPr>
+          <p:cNvPr id="4" name="Right Brace 3"/>
+          <p:cNvSpPr/>
+          <p:nvPr/>
+        </p:nvSpPr>
+        <p:spPr>
+          <a:xfrm>
+            <a:off x="4914900" y="1600200"/>
+            <a:ext cx="1041400" cy="2108200"/>
+          </a:xfrm>
+          <a:prstGeom prst="rightBrace">
+            <a:avLst/>
+          </a:prstGeom>
+        </p:spPr>
+        <p:style>
+          <a:lnRef idx="1">
+            <a:schemeClr val="accent1"/>
+          </a:lnRef>
+          <a:fillRef idx="0">
+            <a:schemeClr val="accent1"/>
+          </a:fillRef>
+          <a:effectRef idx="0">
+            <a:schemeClr val="accent1"/>
+          </a:effectRef>
+          <a:fontRef idx="minor">
+            <a:schemeClr val="tx1"/>
+          </a:fontRef>
+        </p:style>
+        <p:txBody>
+          <a:bodyPr rtlCol="0" anchor="ctr"/>
+          <a:lstStyle/>
+          <a:p>
+            <a:pPr algn="ctr"/>
+            <a:endParaRPr lang="en-GB"/>
+          </a:p>
+        </p:txBody>
+      </p:sp>
+      <p:sp>
+        <p:nvSpPr>
+          <p:cNvPr id="5" name="TextBox 4"/>
+          <p:cNvSpPr txBox="1"/>
+          <p:nvPr/>
+        </p:nvSpPr>
+        <p:spPr>
+          <a:xfrm>
+            <a:off x="6197600" y="2197100"/>
+            <a:ext cx="2019300" cy="646331"/>
+          </a:xfrm>
+          <a:prstGeom prst="rect">
+            <a:avLst/>
+          </a:prstGeom>
+          <a:noFill/>
+        </p:spPr>
+        <p:txBody>
+          <a:bodyPr wrap="square" rtlCol="0">
+            <a:spAutoFit/>
+          </a:bodyPr>
+          <a:lstStyle/>
+          <a:p>
+            <a:r>
+              <a:rPr lang="en-NZ" dirty="0" smtClean="0"/>
+              <a:t>Didn’t know android!!!</a:t>
+            </a:r>
+            <a:endParaRPr lang="en-GB" dirty="0"/>
           </a:p>
         </p:txBody>
       </p:sp>
@@ -13978,7 +13699,7 @@
   <p:timing>
     <p:tnLst>
       <p:par>
-        <p:cTn xmlns:p14="http://schemas.microsoft.com/office/powerpoint/2010/main" id="1" dur="indefinite" restart="never" nodeType="tmRoot"/>
+        <p:cTn id="1" dur="indefinite" restart="never" nodeType="tmRoot"/>
       </p:par>
     </p:tnLst>
   </p:timing>
@@ -14087,7 +13808,7 @@
   <p:timing>
     <p:tnLst>
       <p:par>
-        <p:cTn xmlns:p14="http://schemas.microsoft.com/office/powerpoint/2010/main" id="1" dur="indefinite" restart="never" nodeType="tmRoot"/>
+        <p:cTn id="1" dur="indefinite" restart="never" nodeType="tmRoot"/>
       </p:par>
     </p:tnLst>
   </p:timing>
@@ -14121,7 +13842,12 @@
             <p:ph sz="quarter" idx="13"/>
           </p:nvPr>
         </p:nvSpPr>
-        <p:spPr/>
+        <p:spPr>
+          <a:xfrm>
+            <a:off x="457200" y="1477207"/>
+            <a:ext cx="8229600" cy="1837493"/>
+          </a:xfrm>
+        </p:spPr>
         <p:txBody>
           <a:bodyPr>
             <a:normAutofit/>
@@ -14194,39 +13920,19 @@
             </a:r>
             <a:r>
               <a:rPr lang="en-US" dirty="0"/>
-              <a:t>to it.</a:t>
-            </a:r>
-          </a:p>
-          <a:p>
-            <a:pPr marL="342900" indent="-342900" algn="l">
-              <a:buFont typeface="Arial"/>
-              <a:buChar char="•"/>
-            </a:pPr>
+              <a:t>to it</a:t>
+            </a:r>
+            <a:r>
+              <a:rPr lang="en-US" dirty="0" smtClean="0"/>
+              <a:t>.</a:t>
+            </a:r>
+          </a:p>
+          <a:p>
+            <a:endParaRPr lang="en-US" dirty="0"/>
+          </a:p>
+          <a:p>
+            <a:pPr algn="l"/>
             <a:endParaRPr lang="en-US" dirty="0" smtClean="0"/>
-          </a:p>
-          <a:p>
-            <a:pPr marL="342900" indent="-342900" algn="l">
-              <a:buFont typeface="Arial"/>
-              <a:buChar char="•"/>
-            </a:pPr>
-            <a:r>
-              <a:rPr lang="en-US" dirty="0" smtClean="0"/>
-              <a:t>It can be solved:</a:t>
-            </a:r>
-          </a:p>
-          <a:p>
-            <a:pPr marL="628650" lvl="1" indent="-342900"/>
-            <a:r>
-              <a:rPr lang="en-US" dirty="0" smtClean="0"/>
-              <a:t>Mutual Exclusion</a:t>
-            </a:r>
-          </a:p>
-          <a:p>
-            <a:pPr marL="628650" lvl="1" indent="-342900"/>
-            <a:r>
-              <a:rPr lang="en-US" dirty="0" smtClean="0"/>
-              <a:t>Atomic</a:t>
-            </a:r>
           </a:p>
         </p:txBody>
       </p:sp>
@@ -14247,9 +13953,159 @@
           <a:p>
             <a:r>
               <a:rPr lang="en-US" dirty="0" smtClean="0"/>
-              <a:t>Race Condition</a:t>
+              <a:t>What is Race Condition</a:t>
             </a:r>
             <a:endParaRPr lang="en-US" dirty="0"/>
+          </a:p>
+        </p:txBody>
+      </p:sp>
+      <p:sp>
+        <p:nvSpPr>
+          <p:cNvPr id="5" name="TextBox 4"/>
+          <p:cNvSpPr txBox="1"/>
+          <p:nvPr/>
+        </p:nvSpPr>
+        <p:spPr>
+          <a:xfrm>
+            <a:off x="584559" y="4216665"/>
+            <a:ext cx="3886200" cy="1477328"/>
+          </a:xfrm>
+          <a:prstGeom prst="rect">
+            <a:avLst/>
+          </a:prstGeom>
+          <a:noFill/>
+        </p:spPr>
+        <p:txBody>
+          <a:bodyPr wrap="square" rtlCol="0">
+            <a:spAutoFit/>
+          </a:bodyPr>
+          <a:lstStyle/>
+          <a:p>
+            <a:r>
+              <a:rPr lang="en-US" dirty="0"/>
+              <a:t>Actors </a:t>
+            </a:r>
+            <a:r>
+              <a:rPr lang="en-US" dirty="0">
+                <a:sym typeface="Wingdings" panose="05000000000000000000" pitchFamily="2" charset="2"/>
+              </a:rPr>
+              <a:t></a:t>
+            </a:r>
+            <a:r>
+              <a:rPr lang="en-US" dirty="0"/>
+              <a:t>The threads (at least two!!!)</a:t>
+            </a:r>
+          </a:p>
+          <a:p>
+            <a:r>
+              <a:rPr lang="en-US" dirty="0" smtClean="0"/>
+              <a:t>               The </a:t>
+            </a:r>
+            <a:r>
+              <a:rPr lang="en-US" dirty="0"/>
+              <a:t>shared variable</a:t>
+            </a:r>
+          </a:p>
+          <a:p>
+            <a:r>
+              <a:rPr lang="en-US" dirty="0"/>
+              <a:t>Action </a:t>
+            </a:r>
+            <a:r>
+              <a:rPr lang="en-US" dirty="0">
+                <a:sym typeface="Wingdings" panose="05000000000000000000" pitchFamily="2" charset="2"/>
+              </a:rPr>
+              <a:t></a:t>
+            </a:r>
+            <a:r>
+              <a:rPr lang="en-US" dirty="0"/>
+              <a:t> </a:t>
+            </a:r>
+            <a:r>
+              <a:rPr lang="en-GB" b="1" dirty="0" smtClean="0"/>
+              <a:t>read-modify/update</a:t>
+            </a:r>
+            <a:endParaRPr lang="en-GB" b="1" dirty="0"/>
+          </a:p>
+          <a:p>
+            <a:r>
+              <a:rPr lang="en-NZ" dirty="0"/>
+              <a:t>Key factor</a:t>
+            </a:r>
+            <a:r>
+              <a:rPr lang="en-NZ" dirty="0">
+                <a:sym typeface="Wingdings" panose="05000000000000000000" pitchFamily="2" charset="2"/>
+              </a:rPr>
+              <a:t></a:t>
+            </a:r>
+            <a:r>
+              <a:rPr lang="en-NZ" dirty="0"/>
+              <a:t> THE ORDER</a:t>
+            </a:r>
+            <a:endParaRPr lang="en-US" dirty="0"/>
+          </a:p>
+          <a:p>
+            <a:endParaRPr lang="en-GB" dirty="0"/>
+          </a:p>
+        </p:txBody>
+      </p:sp>
+      <p:sp>
+        <p:nvSpPr>
+          <p:cNvPr id="6" name="TextBox 5"/>
+          <p:cNvSpPr txBox="1"/>
+          <p:nvPr/>
+        </p:nvSpPr>
+        <p:spPr>
+          <a:xfrm>
+            <a:off x="4838700" y="4216665"/>
+            <a:ext cx="3733800" cy="923330"/>
+          </a:xfrm>
+          <a:prstGeom prst="rect">
+            <a:avLst/>
+          </a:prstGeom>
+          <a:noFill/>
+        </p:spPr>
+        <p:txBody>
+          <a:bodyPr wrap="square" rtlCol="0">
+            <a:spAutoFit/>
+          </a:bodyPr>
+          <a:lstStyle/>
+          <a:p>
+            <a:r>
+              <a:rPr lang="en-GB" dirty="0" smtClean="0"/>
+              <a:t>if(! hashtable.contains(key)){ </a:t>
+            </a:r>
+            <a:r>
+              <a:rPr lang="en-GB" sz="1400" dirty="0" smtClean="0"/>
+              <a:t>--Read</a:t>
+            </a:r>
+            <a:endParaRPr lang="en-GB" sz="1400" dirty="0"/>
+          </a:p>
+          <a:p>
+            <a:r>
+              <a:rPr lang="en-GB" dirty="0" smtClean="0"/>
+              <a:t>hashtable.put(</a:t>
+            </a:r>
+            <a:r>
+              <a:rPr lang="en-GB" dirty="0" err="1" smtClean="0"/>
+              <a:t>key,value</a:t>
+            </a:r>
+            <a:r>
+              <a:rPr lang="en-GB" dirty="0" smtClean="0"/>
+              <a:t>); --write</a:t>
+            </a:r>
+            <a:endParaRPr lang="en-GB" dirty="0"/>
+          </a:p>
+          <a:p>
+            <a:r>
+              <a:rPr lang="en-GB" dirty="0"/>
+              <a:t>} </a:t>
+            </a:r>
+            <a:r>
+              <a:rPr lang="en-GB" dirty="0" smtClean="0"/>
+              <a:t>	</a:t>
+            </a:r>
+            <a:endParaRPr lang="en-GB" dirty="0"/>
           </a:p>
         </p:txBody>
       </p:sp>
@@ -14266,7 +14122,7 @@
   <p:timing>
     <p:tnLst>
       <p:par>
-        <p:cTn xmlns:p14="http://schemas.microsoft.com/office/powerpoint/2010/main" id="1" dur="indefinite" restart="never" nodeType="tmRoot"/>
+        <p:cTn id="1" dur="indefinite" restart="never" nodeType="tmRoot"/>
       </p:par>
     </p:tnLst>
   </p:timing>
@@ -14315,7 +14171,11 @@
             </a:r>
             <a:r>
               <a:rPr lang="en-GB" dirty="0"/>
-              <a:t>can exhibit different behaviours on different runs</a:t>
+              <a:t>can exhibit different behaviours on different </a:t>
+            </a:r>
+            <a:r>
+              <a:rPr lang="en-GB" dirty="0" smtClean="0"/>
+              <a:t>runs, for different number of threads.</a:t>
             </a:r>
             <a:endParaRPr lang="en-US" dirty="0"/>
           </a:p>
@@ -14329,7 +14189,7 @@
             </a:pPr>
             <a:r>
               <a:rPr lang="en-US" dirty="0" smtClean="0"/>
-              <a:t>Why?	[10] explains that:</a:t>
+              <a:t>Why?	Illusion of execution</a:t>
             </a:r>
           </a:p>
         </p:txBody>
@@ -14364,7 +14224,7 @@
           <p:nvPr>
             <p:extLst>
               <p:ext uri="{D42A27DB-BD31-4B8C-83A1-F6EECF244321}">
-                <p14:modId xmlns:p14="http://schemas.microsoft.com/office/powerpoint/2010/main" val="1769372631"/>
+                <p14:modId xmlns:p14="http://schemas.microsoft.com/office/powerpoint/2010/main" val="3815376050"/>
               </p:ext>
             </p:extLst>
           </p:nvPr>
@@ -14375,7 +14235,7 @@
         </p:xfrm>
         <a:graphic>
           <a:graphicData uri="http://schemas.openxmlformats.org/drawingml/2006/diagram">
-            <dgm:relIds xmlns:dgm="http://schemas.openxmlformats.org/drawingml/2006/diagram" xmlns:r="http://schemas.openxmlformats.org/officeDocument/2006/relationships" r:dm="rId2" r:lo="rId3" r:qs="rId4" r:cs="rId5"/>
+            <dgm:relIds xmlns:dgm="http://schemas.openxmlformats.org/drawingml/2006/diagram" xmlns:r="http://schemas.openxmlformats.org/officeDocument/2006/relationships" r:dm="rId3" r:lo="rId4" r:qs="rId5" r:cs="rId6"/>
           </a:graphicData>
         </a:graphic>
       </p:graphicFrame>
@@ -14418,7 +14278,7 @@
   <p:timing>
     <p:tnLst>
       <p:par>
-        <p:cTn xmlns:p14="http://schemas.microsoft.com/office/powerpoint/2010/main" id="1" dur="indefinite" restart="never" nodeType="tmRoot"/>
+        <p:cTn id="1" dur="indefinite" restart="never" nodeType="tmRoot"/>
       </p:par>
     </p:tnLst>
   </p:timing>

--- a/Presentation.pptx
+++ b/Presentation.pptx
@@ -133,7 +133,7 @@
   </p:defaultTextStyle>
   <p:extLst>
     <p:ext uri="{EFAFB233-063F-42B5-8137-9DF3F51BA10A}">
-      <p15:sldGuideLst xmlns:p15="http://schemas.microsoft.com/office/powerpoint/2012/main">
+      <p15:sldGuideLst xmlns:p15="http://schemas.microsoft.com/office/powerpoint/2012/main" xmlns="">
         <p15:guide id="1" orient="horz" pos="2160">
           <p15:clr>
             <a:srgbClr val="A4A3A4"/>
@@ -1906,12 +1906,12 @@
         <a:fontRef idx="minor"/>
       </dsp:style>
       <dsp:txBody>
-        <a:bodyPr spcFirstLastPara="0" vert="horz" wrap="square" lIns="27940" tIns="27940" rIns="27940" bIns="27940" numCol="1" spcCol="1270" anchor="ctr" anchorCtr="0">
+        <a:bodyPr spcFirstLastPara="0" vert="horz" wrap="square" lIns="26670" tIns="26670" rIns="26670" bIns="26670" numCol="1" spcCol="1270" anchor="ctr" anchorCtr="0">
           <a:noAutofit/>
         </a:bodyPr>
         <a:lstStyle/>
         <a:p>
-          <a:pPr lvl="0" algn="ctr" defTabSz="977900">
+          <a:pPr lvl="0" algn="ctr" defTabSz="933450">
             <a:lnSpc>
               <a:spcPct val="90000"/>
             </a:lnSpc>
@@ -1922,7 +1922,7 @@
               <a:spcPct val="35000"/>
             </a:spcAft>
           </a:pPr>
-          <a:endParaRPr lang="en-GB" sz="2200" kern="1200"/>
+          <a:endParaRPr lang="en-GB" sz="2100" kern="1200"/>
         </a:p>
       </dsp:txBody>
       <dsp:txXfrm>
@@ -1990,12 +1990,12 @@
         <a:fontRef idx="minor"/>
       </dsp:style>
       <dsp:txBody>
-        <a:bodyPr spcFirstLastPara="0" vert="horz" wrap="square" lIns="27940" tIns="27940" rIns="27940" bIns="27940" numCol="1" spcCol="1270" anchor="ctr" anchorCtr="0">
+        <a:bodyPr spcFirstLastPara="0" vert="horz" wrap="square" lIns="26670" tIns="26670" rIns="26670" bIns="26670" numCol="1" spcCol="1270" anchor="ctr" anchorCtr="0">
           <a:noAutofit/>
         </a:bodyPr>
         <a:lstStyle/>
         <a:p>
-          <a:pPr lvl="0" algn="ctr" defTabSz="977900">
+          <a:pPr lvl="0" algn="ctr" defTabSz="933450">
             <a:lnSpc>
               <a:spcPct val="90000"/>
             </a:lnSpc>
@@ -2006,7 +2006,7 @@
               <a:spcPct val="35000"/>
             </a:spcAft>
           </a:pPr>
-          <a:endParaRPr lang="en-GB" sz="2200" kern="1200"/>
+          <a:endParaRPr lang="en-GB" sz="2100" kern="1200"/>
         </a:p>
       </dsp:txBody>
       <dsp:txXfrm>
@@ -4360,7 +4360,7 @@
           <a:p>
             <a:fld id="{E17A1F60-D46C-C04D-A60B-2230C10FC134}" type="datetimeFigureOut">
               <a:rPr lang="en-US" smtClean="0"/>
-              <a:t>5/21/2014</a:t>
+              <a:t>5/21/14</a:t>
             </a:fld>
             <a:endParaRPr lang="en-US"/>
           </a:p>
@@ -6258,7 +6258,7 @@
             <a:fld id="{AFDD7A28-FA93-4136-BDC1-BCCB2687E678}" type="datetimeFigureOut">
               <a:rPr lang="en-US" smtClean="0"/>
               <a:pPr/>
-              <a:t>5/21/2014</a:t>
+              <a:t>5/21/14</a:t>
             </a:fld>
             <a:endParaRPr lang="en-US"/>
           </a:p>
@@ -6506,7 +6506,7 @@
             <a:fld id="{AFDD7A28-FA93-4136-BDC1-BCCB2687E678}" type="datetimeFigureOut">
               <a:rPr lang="en-US" smtClean="0"/>
               <a:pPr/>
-              <a:t>5/21/2014</a:t>
+              <a:t>5/21/14</a:t>
             </a:fld>
             <a:endParaRPr lang="en-US" dirty="0"/>
           </a:p>
@@ -9324,7 +9324,7 @@
   <p:timing>
     <p:tnLst>
       <p:par>
-        <p:cTn id="1" dur="indefinite" restart="never" nodeType="tmRoot"/>
+        <p:cTn xmlns:p14="http://schemas.microsoft.com/office/powerpoint/2010/main" id="1" dur="indefinite" restart="never" nodeType="tmRoot"/>
       </p:par>
     </p:tnLst>
   </p:timing>
@@ -9407,7 +9407,7 @@
   <p:timing>
     <p:tnLst>
       <p:par>
-        <p:cTn id="1" dur="indefinite" restart="never" nodeType="tmRoot"/>
+        <p:cTn xmlns:p14="http://schemas.microsoft.com/office/powerpoint/2010/main" id="1" dur="indefinite" restart="never" nodeType="tmRoot"/>
       </p:par>
     </p:tnLst>
   </p:timing>
@@ -9582,7 +9582,7 @@
   <p:timing>
     <p:tnLst>
       <p:par>
-        <p:cTn id="1" dur="indefinite" restart="never" nodeType="tmRoot"/>
+        <p:cTn xmlns:p14="http://schemas.microsoft.com/office/powerpoint/2010/main" id="1" dur="indefinite" restart="never" nodeType="tmRoot"/>
       </p:par>
     </p:tnLst>
   </p:timing>
@@ -9665,7 +9665,7 @@
   <p:timing>
     <p:tnLst>
       <p:par>
-        <p:cTn id="1" dur="indefinite" restart="never" nodeType="tmRoot"/>
+        <p:cTn xmlns:p14="http://schemas.microsoft.com/office/powerpoint/2010/main" id="1" dur="indefinite" restart="never" nodeType="tmRoot"/>
       </p:par>
     </p:tnLst>
   </p:timing>
@@ -9822,7 +9822,7 @@
   <p:timing>
     <p:tnLst>
       <p:par>
-        <p:cTn id="1" dur="indefinite" restart="never" nodeType="tmRoot"/>
+        <p:cTn xmlns:p14="http://schemas.microsoft.com/office/powerpoint/2010/main" id="1" dur="indefinite" restart="never" nodeType="tmRoot"/>
       </p:par>
     </p:tnLst>
   </p:timing>
@@ -9879,11 +9879,7 @@
             </a:pPr>
             <a:r>
               <a:rPr lang="en-US" dirty="0"/>
-              <a:t>Wait </a:t>
-            </a:r>
-            <a:r>
-              <a:rPr lang="en-US" dirty="0"/>
-              <a:t>while holding (hold-and-wait)</a:t>
+              <a:t>Wait while holding (hold-and-wait)</a:t>
             </a:r>
           </a:p>
           <a:p>
@@ -9893,11 +9889,7 @@
             </a:pPr>
             <a:r>
               <a:rPr lang="en-US" dirty="0"/>
-              <a:t>No </a:t>
-            </a:r>
-            <a:r>
-              <a:rPr lang="en-US" dirty="0"/>
-              <a:t>preemption</a:t>
+              <a:t>No preemption</a:t>
             </a:r>
           </a:p>
           <a:p>
@@ -9973,7 +9965,7 @@
   <p:timing>
     <p:tnLst>
       <p:par>
-        <p:cTn id="1" dur="indefinite" restart="never" nodeType="tmRoot"/>
+        <p:cTn xmlns:p14="http://schemas.microsoft.com/office/powerpoint/2010/main" id="1" dur="indefinite" restart="never" nodeType="tmRoot"/>
       </p:par>
     </p:tnLst>
   </p:timing>
@@ -10037,11 +10029,6 @@
               </a:rPr>
               <a:t>DEMO</a:t>
             </a:r>
-            <a:endParaRPr lang="en-US" sz="2400" b="1" cap="all" dirty="0">
-              <a:latin typeface="+mj-lt"/>
-              <a:ea typeface="+mj-ea"/>
-              <a:cs typeface="Tunga" pitchFamily="2"/>
-            </a:endParaRPr>
           </a:p>
         </p:txBody>
       </p:sp>
@@ -10082,7 +10069,6 @@
               <a:rPr lang="en-US" dirty="0"/>
               <a:t>DEADLOCK</a:t>
             </a:r>
-            <a:endParaRPr lang="en-US" dirty="0"/>
           </a:p>
         </p:txBody>
       </p:sp>
@@ -10099,7 +10085,7 @@
   <p:timing>
     <p:tnLst>
       <p:par>
-        <p:cTn id="1" dur="indefinite" restart="never" nodeType="tmRoot"/>
+        <p:cTn xmlns:p14="http://schemas.microsoft.com/office/powerpoint/2010/main" id="1" dur="indefinite" restart="never" nodeType="tmRoot"/>
       </p:par>
     </p:tnLst>
   </p:timing>
@@ -10423,7 +10409,7 @@
   <p:timing>
     <p:tnLst>
       <p:par>
-        <p:cTn id="1" dur="indefinite" restart="never" nodeType="tmRoot"/>
+        <p:cTn xmlns:p14="http://schemas.microsoft.com/office/powerpoint/2010/main" id="1" dur="indefinite" restart="never" nodeType="tmRoot"/>
       </p:par>
     </p:tnLst>
   </p:timing>
@@ -11038,7 +11024,7 @@
   <p:timing>
     <p:tnLst>
       <p:par>
-        <p:cTn id="1" dur="indefinite" restart="never" nodeType="tmRoot"/>
+        <p:cTn xmlns:p14="http://schemas.microsoft.com/office/powerpoint/2010/main" id="1" dur="indefinite" restart="never" nodeType="tmRoot"/>
       </p:par>
     </p:tnLst>
   </p:timing>
@@ -11393,7 +11379,7 @@
   <p:timing>
     <p:tnLst>
       <p:par>
-        <p:cTn id="1" dur="indefinite" restart="never" nodeType="tmRoot"/>
+        <p:cTn xmlns:p14="http://schemas.microsoft.com/office/powerpoint/2010/main" id="1" dur="indefinite" restart="never" nodeType="tmRoot"/>
       </p:par>
     </p:tnLst>
   </p:timing>
@@ -11556,7 +11542,7 @@
   <p:timing>
     <p:tnLst>
       <p:par>
-        <p:cTn id="1" dur="indefinite" restart="never" nodeType="tmRoot"/>
+        <p:cTn xmlns:p14="http://schemas.microsoft.com/office/powerpoint/2010/main" id="1" dur="indefinite" restart="never" nodeType="tmRoot"/>
       </p:par>
     </p:tnLst>
   </p:timing>
@@ -11713,7 +11699,7 @@
   <p:timing>
     <p:tnLst>
       <p:par>
-        <p:cTn id="1" dur="indefinite" restart="never" nodeType="tmRoot"/>
+        <p:cTn xmlns:p14="http://schemas.microsoft.com/office/powerpoint/2010/main" id="1" dur="indefinite" restart="never" nodeType="tmRoot"/>
       </p:par>
     </p:tnLst>
   </p:timing>
@@ -11797,7 +11783,7 @@
   <p:timing>
     <p:tnLst>
       <p:par>
-        <p:cTn id="1" dur="indefinite" restart="never" nodeType="tmRoot"/>
+        <p:cTn xmlns:p14="http://schemas.microsoft.com/office/powerpoint/2010/main" id="1" dur="indefinite" restart="never" nodeType="tmRoot"/>
       </p:par>
     </p:tnLst>
   </p:timing>
@@ -11930,7 +11916,7 @@
   <p:timing>
     <p:tnLst>
       <p:par>
-        <p:cTn id="1" dur="indefinite" restart="never" nodeType="tmRoot"/>
+        <p:cTn xmlns:p14="http://schemas.microsoft.com/office/powerpoint/2010/main" id="1" dur="indefinite" restart="never" nodeType="tmRoot"/>
       </p:par>
     </p:tnLst>
   </p:timing>
@@ -12052,7 +12038,26 @@
               <a:rPr lang="en-US" dirty="0" smtClean="0"/>
               <a:t>Nasser suggests that </a:t>
             </a:r>
-            <a:endParaRPr lang="en-US" dirty="0"/>
+            <a:r>
+              <a:rPr lang="en-US" dirty="0"/>
+              <a:t>that we should improve:</a:t>
+            </a:r>
+          </a:p>
+          <a:p>
+            <a:pPr marL="628650" lvl="1" indent="-342900"/>
+            <a:r>
+              <a:rPr lang="en-US"/>
+              <a:t>Visualization – something similar </a:t>
+            </a:r>
+            <a:r>
+              <a:rPr lang="en-US"/>
+              <a:t>to </a:t>
+            </a:r>
+            <a:r>
+              <a:rPr lang="en-US" smtClean="0"/>
+              <a:t>debugger</a:t>
+            </a:r>
+            <a:endParaRPr lang="en-US"/>
           </a:p>
         </p:txBody>
       </p:sp>
@@ -12092,7 +12097,7 @@
   <p:timing>
     <p:tnLst>
       <p:par>
-        <p:cTn id="1" dur="indefinite" restart="never" nodeType="tmRoot"/>
+        <p:cTn xmlns:p14="http://schemas.microsoft.com/office/powerpoint/2010/main" id="1" dur="indefinite" restart="never" nodeType="tmRoot"/>
       </p:par>
     </p:tnLst>
   </p:timing>
@@ -12276,7 +12281,7 @@
   <p:timing>
     <p:tnLst>
       <p:par>
-        <p:cTn id="1" dur="indefinite" restart="never" nodeType="tmRoot"/>
+        <p:cTn xmlns:p14="http://schemas.microsoft.com/office/powerpoint/2010/main" id="1" dur="indefinite" restart="never" nodeType="tmRoot"/>
       </p:par>
     </p:tnLst>
   </p:timing>
@@ -12662,7 +12667,7 @@
   <p:timing>
     <p:tnLst>
       <p:par>
-        <p:cTn id="1" dur="indefinite" restart="never" nodeType="tmRoot"/>
+        <p:cTn xmlns:p14="http://schemas.microsoft.com/office/powerpoint/2010/main" id="1" dur="indefinite" restart="never" nodeType="tmRoot"/>
       </p:par>
     </p:tnLst>
   </p:timing>
@@ -12753,7 +12758,7 @@
   <p:timing>
     <p:tnLst>
       <p:par>
-        <p:cTn id="1" dur="indefinite" restart="never" nodeType="tmRoot"/>
+        <p:cTn xmlns:p14="http://schemas.microsoft.com/office/powerpoint/2010/main" id="1" dur="indefinite" restart="never" nodeType="tmRoot"/>
       </p:par>
     </p:tnLst>
   </p:timing>
@@ -12866,7 +12871,7 @@
   <p:timing>
     <p:tnLst>
       <p:par>
-        <p:cTn id="1" dur="indefinite" restart="never" nodeType="tmRoot"/>
+        <p:cTn xmlns:p14="http://schemas.microsoft.com/office/powerpoint/2010/main" id="1" dur="indefinite" restart="never" nodeType="tmRoot"/>
       </p:par>
     </p:tnLst>
   </p:timing>
@@ -13345,7 +13350,7 @@
   <p:timing>
     <p:tnLst>
       <p:par>
-        <p:cTn id="1" dur="indefinite" restart="never" nodeType="tmRoot"/>
+        <p:cTn xmlns:p14="http://schemas.microsoft.com/office/powerpoint/2010/main" id="1" dur="indefinite" restart="never" nodeType="tmRoot"/>
       </p:par>
     </p:tnLst>
   </p:timing>
@@ -13501,7 +13506,7 @@
   <p:timing>
     <p:tnLst>
       <p:par>
-        <p:cTn id="1" dur="indefinite" restart="never" nodeType="tmRoot"/>
+        <p:cTn xmlns:p14="http://schemas.microsoft.com/office/powerpoint/2010/main" id="1" dur="indefinite" restart="never" nodeType="tmRoot"/>
       </p:par>
     </p:tnLst>
   </p:timing>
@@ -13699,7 +13704,7 @@
   <p:timing>
     <p:tnLst>
       <p:par>
-        <p:cTn id="1" dur="indefinite" restart="never" nodeType="tmRoot"/>
+        <p:cTn xmlns:p14="http://schemas.microsoft.com/office/powerpoint/2010/main" id="1" dur="indefinite" restart="never" nodeType="tmRoot"/>
       </p:par>
     </p:tnLst>
   </p:timing>
@@ -13808,7 +13813,7 @@
   <p:timing>
     <p:tnLst>
       <p:par>
-        <p:cTn id="1" dur="indefinite" restart="never" nodeType="tmRoot"/>
+        <p:cTn xmlns:p14="http://schemas.microsoft.com/office/powerpoint/2010/main" id="1" dur="indefinite" restart="never" nodeType="tmRoot"/>
       </p:par>
     </p:tnLst>
   </p:timing>
@@ -14122,7 +14127,7 @@
   <p:timing>
     <p:tnLst>
       <p:par>
-        <p:cTn id="1" dur="indefinite" restart="never" nodeType="tmRoot"/>
+        <p:cTn xmlns:p14="http://schemas.microsoft.com/office/powerpoint/2010/main" id="1" dur="indefinite" restart="never" nodeType="tmRoot"/>
       </p:par>
     </p:tnLst>
   </p:timing>
@@ -14278,7 +14283,7 @@
   <p:timing>
     <p:tnLst>
       <p:par>
-        <p:cTn id="1" dur="indefinite" restart="never" nodeType="tmRoot"/>
+        <p:cTn xmlns:p14="http://schemas.microsoft.com/office/powerpoint/2010/main" id="1" dur="indefinite" restart="never" nodeType="tmRoot"/>
       </p:par>
     </p:tnLst>
   </p:timing>
